--- a/Project_Summary_pdf/Project_Summary.pptx
+++ b/Project_Summary_pdf/Project_Summary.pptx
@@ -5,7 +5,7 @@
     <p:sldMasterId id="2147483648" r:id="rId1"/>
   </p:sldMasterIdLst>
   <p:notesMasterIdLst>
-    <p:notesMasterId r:id="rId22"/>
+    <p:notesMasterId r:id="rId24"/>
   </p:notesMasterIdLst>
   <p:sldIdLst>
     <p:sldId id="256" r:id="rId2"/>
@@ -18,16 +18,18 @@
     <p:sldId id="259" r:id="rId9"/>
     <p:sldId id="265" r:id="rId10"/>
     <p:sldId id="266" r:id="rId11"/>
-    <p:sldId id="267" r:id="rId12"/>
-    <p:sldId id="268" r:id="rId13"/>
-    <p:sldId id="269" r:id="rId14"/>
-    <p:sldId id="270" r:id="rId15"/>
-    <p:sldId id="271" r:id="rId16"/>
-    <p:sldId id="272" r:id="rId17"/>
-    <p:sldId id="273" r:id="rId18"/>
-    <p:sldId id="274" r:id="rId19"/>
-    <p:sldId id="275" r:id="rId20"/>
-    <p:sldId id="276" r:id="rId21"/>
+    <p:sldId id="278" r:id="rId12"/>
+    <p:sldId id="267" r:id="rId13"/>
+    <p:sldId id="268" r:id="rId14"/>
+    <p:sldId id="269" r:id="rId15"/>
+    <p:sldId id="270" r:id="rId16"/>
+    <p:sldId id="271" r:id="rId17"/>
+    <p:sldId id="272" r:id="rId18"/>
+    <p:sldId id="273" r:id="rId19"/>
+    <p:sldId id="274" r:id="rId20"/>
+    <p:sldId id="275" r:id="rId21"/>
+    <p:sldId id="276" r:id="rId22"/>
+    <p:sldId id="277" r:id="rId23"/>
   </p:sldIdLst>
   <p:sldSz cx="12192000" cy="6858000"/>
   <p:notesSz cx="6858000" cy="9144000"/>
@@ -156,6 +158,7 @@
         <p14:section name="ADC 數位架構" id="{D6BA5F9B-D591-47FA-8B94-6F7DFFB3FDE6}">
           <p14:sldIdLst>
             <p14:sldId id="266"/>
+            <p14:sldId id="278"/>
             <p14:sldId id="267"/>
             <p14:sldId id="268"/>
             <p14:sldId id="269"/>
@@ -166,6 +169,7 @@
             <p14:sldId id="274"/>
             <p14:sldId id="275"/>
             <p14:sldId id="276"/>
+            <p14:sldId id="277"/>
           </p14:sldIdLst>
         </p14:section>
         <p14:section name="AGC flow" id="{D4987742-1940-4315-8C24-0E7FB243CB3A}">
@@ -197,20 +201,6 @@
 
 <file path=ppt/comments/comment1.xml><?xml version="1.0" encoding="utf-8"?>
 <p:cmLst xmlns:a="http://schemas.openxmlformats.org/drawingml/2006/main" xmlns:r="http://schemas.openxmlformats.org/officeDocument/2006/relationships" xmlns:p="http://schemas.openxmlformats.org/presentationml/2006/main">
-  <p:cm authorId="1" dt="2022-12-30T15:14:23.316" idx="1">
-    <p:pos x="3300" y="1832"/>
-    <p:text>由於筆只使用UART TX來印出相關資訊、並沒有使用RX來接收其他Sensor的information</p:text>
-    <p:extLst>
-      <p:ext uri="{C676402C-5697-4E1C-873F-D02D1690AC5C}">
-        <p15:threadingInfo xmlns:p15="http://schemas.microsoft.com/office/powerpoint/2012/main" timeZoneBias="-480"/>
-      </p:ext>
-    </p:extLst>
-  </p:cm>
-</p:cmLst>
-</file>
-
-<file path=ppt/comments/comment2.xml><?xml version="1.0" encoding="utf-8"?>
-<p:cmLst xmlns:a="http://schemas.openxmlformats.org/drawingml/2006/main" xmlns:r="http://schemas.openxmlformats.org/officeDocument/2006/relationships" xmlns:p="http://schemas.openxmlformats.org/presentationml/2006/main">
   <p:cm authorId="1" dt="2022-12-30T15:23:12.833" idx="2">
     <p:pos x="4385" y="1003"/>
     <p:text>讀取該regestier 代表POP功能</p:text>
@@ -232,7 +222,7 @@
 </p:cmLst>
 </file>
 
-<file path=ppt/comments/comment3.xml><?xml version="1.0" encoding="utf-8"?>
+<file path=ppt/comments/comment2.xml><?xml version="1.0" encoding="utf-8"?>
 <p:cmLst xmlns:a="http://schemas.openxmlformats.org/drawingml/2006/main" xmlns:r="http://schemas.openxmlformats.org/officeDocument/2006/relationships" xmlns:p="http://schemas.openxmlformats.org/presentationml/2006/main">
   <p:cm authorId="1" dt="2022-12-30T20:10:18.079" idx="5">
     <p:pos x="3297" y="1878"/>
@@ -255,7 +245,7 @@
 </p:cmLst>
 </file>
 
-<file path=ppt/comments/comment4.xml><?xml version="1.0" encoding="utf-8"?>
+<file path=ppt/comments/comment3.xml><?xml version="1.0" encoding="utf-8"?>
 <p:cmLst xmlns:a="http://schemas.openxmlformats.org/drawingml/2006/main" xmlns:r="http://schemas.openxmlformats.org/officeDocument/2006/relationships" xmlns:p="http://schemas.openxmlformats.org/presentationml/2006/main">
   <p:cm authorId="1" dt="2023-01-01T21:47:13.367" idx="7">
     <p:pos x="2745" y="2512"/>
@@ -269,7 +259,7 @@
 </p:cmLst>
 </file>
 
-<file path=ppt/comments/comment5.xml><?xml version="1.0" encoding="utf-8"?>
+<file path=ppt/comments/comment4.xml><?xml version="1.0" encoding="utf-8"?>
 <p:cmLst xmlns:a="http://schemas.openxmlformats.org/drawingml/2006/main" xmlns:r="http://schemas.openxmlformats.org/officeDocument/2006/relationships" xmlns:p="http://schemas.openxmlformats.org/presentationml/2006/main">
   <p:cm authorId="1" dt="2023-01-07T18:24:45.642" idx="9">
     <p:pos x="3858" y="1768"/>
@@ -283,39 +273,11 @@
 </p:cmLst>
 </file>
 
-<file path=ppt/comments/comment6.xml><?xml version="1.0" encoding="utf-8"?>
+<file path=ppt/comments/comment5.xml><?xml version="1.0" encoding="utf-8"?>
 <p:cmLst xmlns:a="http://schemas.openxmlformats.org/drawingml/2006/main" xmlns:r="http://schemas.openxmlformats.org/officeDocument/2006/relationships" xmlns:p="http://schemas.openxmlformats.org/presentationml/2006/main">
   <p:cm authorId="1" dt="2023-01-07T14:28:19.221" idx="8">
     <p:pos x="2476" y="1906"/>
     <p:text>ADC 過程是 SAR ADC</p:text>
-    <p:extLst>
-      <p:ext uri="{C676402C-5697-4E1C-873F-D02D1690AC5C}">
-        <p15:threadingInfo xmlns:p15="http://schemas.microsoft.com/office/powerpoint/2012/main" timeZoneBias="-480"/>
-      </p:ext>
-    </p:extLst>
-  </p:cm>
-</p:cmLst>
-</file>
-
-<file path=ppt/comments/comment7.xml><?xml version="1.0" encoding="utf-8"?>
-<p:cmLst xmlns:a="http://schemas.openxmlformats.org/drawingml/2006/main" xmlns:r="http://schemas.openxmlformats.org/officeDocument/2006/relationships" xmlns:p="http://schemas.openxmlformats.org/presentationml/2006/main">
-  <p:cm authorId="1" dt="2023-01-11T17:25:26.167" idx="10">
-    <p:pos x="5482" y="1119"/>
-    <p:text>透過開關對ADC內部電容充電，並藉此取樣</p:text>
-    <p:extLst>
-      <p:ext uri="{C676402C-5697-4E1C-873F-D02D1690AC5C}">
-        <p15:threadingInfo xmlns:p15="http://schemas.microsoft.com/office/powerpoint/2012/main" timeZoneBias="-480"/>
-      </p:ext>
-    </p:extLst>
-  </p:cm>
-</p:cmLst>
-</file>
-
-<file path=ppt/comments/comment8.xml><?xml version="1.0" encoding="utf-8"?>
-<p:cmLst xmlns:a="http://schemas.openxmlformats.org/drawingml/2006/main" xmlns:r="http://schemas.openxmlformats.org/officeDocument/2006/relationships" xmlns:p="http://schemas.openxmlformats.org/presentationml/2006/main">
-  <p:cm authorId="1" dt="2023-01-11T17:49:15.271" idx="11">
-    <p:pos x="2663" y="1573"/>
-    <p:text>與1/2ref比較在與1/4ref電容比較....</p:text>
     <p:extLst>
       <p:ext uri="{C676402C-5697-4E1C-873F-D02D1690AC5C}">
         <p15:threadingInfo xmlns:p15="http://schemas.microsoft.com/office/powerpoint/2012/main" timeZoneBias="-480"/>
@@ -407,7 +369,7 @@
           <a:p>
             <a:fld id="{C65320F2-F42B-45F1-AA86-96F1A2E46749}" type="datetimeFigureOut">
               <a:rPr lang="zh-TW" altLang="en-US" smtClean="0"/>
-              <a:t>2022/12/30</a:t>
+              <a:t>2023/1/14</a:t>
             </a:fld>
             <a:endParaRPr lang="zh-TW" altLang="en-US"/>
           </a:p>
@@ -758,6 +720,333 @@
 </p:notes>
 </file>
 
+<file path=ppt/notesSlides/notesSlide2.xml><?xml version="1.0" encoding="utf-8"?>
+<p:notes xmlns:a="http://schemas.openxmlformats.org/drawingml/2006/main" xmlns:r="http://schemas.openxmlformats.org/officeDocument/2006/relationships" xmlns:p="http://schemas.openxmlformats.org/presentationml/2006/main">
+  <p:cSld>
+    <p:spTree>
+      <p:nvGrpSpPr>
+        <p:cNvPr id="1" name=""/>
+        <p:cNvGrpSpPr/>
+        <p:nvPr/>
+      </p:nvGrpSpPr>
+      <p:grpSpPr>
+        <a:xfrm>
+          <a:off x="0" y="0"/>
+          <a:ext cx="0" cy="0"/>
+          <a:chOff x="0" y="0"/>
+          <a:chExt cx="0" cy="0"/>
+        </a:xfrm>
+      </p:grpSpPr>
+      <p:sp>
+        <p:nvSpPr>
+          <p:cNvPr id="2" name="投影片影像版面配置區 1"/>
+          <p:cNvSpPr>
+            <a:spLocks noGrp="1" noRot="1" noChangeAspect="1"/>
+          </p:cNvSpPr>
+          <p:nvPr>
+            <p:ph type="sldImg"/>
+          </p:nvPr>
+        </p:nvSpPr>
+        <p:spPr/>
+      </p:sp>
+      <p:sp>
+        <p:nvSpPr>
+          <p:cNvPr id="3" name="備忘稿版面配置區 2"/>
+          <p:cNvSpPr>
+            <a:spLocks noGrp="1"/>
+          </p:cNvSpPr>
+          <p:nvPr>
+            <p:ph type="body" idx="1"/>
+          </p:nvPr>
+        </p:nvSpPr>
+        <p:spPr/>
+        <p:txBody>
+          <a:bodyPr/>
+          <a:lstStyle/>
+          <a:p>
+            <a:endParaRPr lang="zh-TW" altLang="en-US"/>
+          </a:p>
+        </p:txBody>
+      </p:sp>
+      <p:sp>
+        <p:nvSpPr>
+          <p:cNvPr id="4" name="投影片編號版面配置區 3"/>
+          <p:cNvSpPr>
+            <a:spLocks noGrp="1"/>
+          </p:cNvSpPr>
+          <p:nvPr>
+            <p:ph type="sldNum" sz="quarter" idx="5"/>
+          </p:nvPr>
+        </p:nvSpPr>
+        <p:spPr/>
+        <p:txBody>
+          <a:bodyPr/>
+          <a:lstStyle/>
+          <a:p>
+            <a:fld id="{0116F853-F7F2-4239-A629-A213C1D67574}" type="slidenum">
+              <a:rPr lang="zh-TW" altLang="en-US" smtClean="0"/>
+              <a:t>3</a:t>
+            </a:fld>
+            <a:endParaRPr lang="zh-TW" altLang="en-US"/>
+          </a:p>
+        </p:txBody>
+      </p:sp>
+    </p:spTree>
+    <p:extLst>
+      <p:ext uri="{BB962C8B-B14F-4D97-AF65-F5344CB8AC3E}">
+        <p14:creationId xmlns:p14="http://schemas.microsoft.com/office/powerpoint/2010/main" val="2670570649"/>
+      </p:ext>
+    </p:extLst>
+  </p:cSld>
+  <p:clrMapOvr>
+    <a:masterClrMapping/>
+  </p:clrMapOvr>
+</p:notes>
+</file>
+
+<file path=ppt/notesSlides/notesSlide3.xml><?xml version="1.0" encoding="utf-8"?>
+<p:notes xmlns:a="http://schemas.openxmlformats.org/drawingml/2006/main" xmlns:r="http://schemas.openxmlformats.org/officeDocument/2006/relationships" xmlns:p="http://schemas.openxmlformats.org/presentationml/2006/main">
+  <p:cSld>
+    <p:spTree>
+      <p:nvGrpSpPr>
+        <p:cNvPr id="1" name=""/>
+        <p:cNvGrpSpPr/>
+        <p:nvPr/>
+      </p:nvGrpSpPr>
+      <p:grpSpPr>
+        <a:xfrm>
+          <a:off x="0" y="0"/>
+          <a:ext cx="0" cy="0"/>
+          <a:chOff x="0" y="0"/>
+          <a:chExt cx="0" cy="0"/>
+        </a:xfrm>
+      </p:grpSpPr>
+      <p:sp>
+        <p:nvSpPr>
+          <p:cNvPr id="2" name="投影片影像版面配置區 1"/>
+          <p:cNvSpPr>
+            <a:spLocks noGrp="1" noRot="1" noChangeAspect="1"/>
+          </p:cNvSpPr>
+          <p:nvPr>
+            <p:ph type="sldImg"/>
+          </p:nvPr>
+        </p:nvSpPr>
+        <p:spPr/>
+      </p:sp>
+      <p:sp>
+        <p:nvSpPr>
+          <p:cNvPr id="3" name="備忘稿版面配置區 2"/>
+          <p:cNvSpPr>
+            <a:spLocks noGrp="1"/>
+          </p:cNvSpPr>
+          <p:nvPr>
+            <p:ph type="body" idx="1"/>
+          </p:nvPr>
+        </p:nvSpPr>
+        <p:spPr/>
+        <p:txBody>
+          <a:bodyPr/>
+          <a:lstStyle/>
+          <a:p>
+            <a:pPr marL="228600" indent="-228600">
+              <a:buAutoNum type="arabicPeriod"/>
+            </a:pPr>
+            <a:r>
+              <a:rPr lang="zh-TW" altLang="en-US"/>
+              <a:t>由於筆只使用</a:t>
+            </a:r>
+            <a:r>
+              <a:rPr lang="en-US" altLang="zh-TW"/>
+              <a:t>UART TX</a:t>
+            </a:r>
+            <a:r>
+              <a:rPr lang="zh-TW" altLang="en-US"/>
+              <a:t>來印出相關資訊、並沒有使用</a:t>
+            </a:r>
+            <a:r>
+              <a:rPr lang="en-US" altLang="zh-TW"/>
+              <a:t>RX</a:t>
+            </a:r>
+            <a:r>
+              <a:rPr lang="zh-TW" altLang="en-US"/>
+              <a:t>來接收其他</a:t>
+            </a:r>
+            <a:r>
+              <a:rPr lang="en-US" altLang="zh-TW"/>
+              <a:t>Sensor</a:t>
+            </a:r>
+            <a:r>
+              <a:rPr lang="zh-TW" altLang="en-US"/>
+              <a:t>的</a:t>
+            </a:r>
+            <a:r>
+              <a:rPr lang="en-US" altLang="zh-TW"/>
+              <a:t>information</a:t>
+            </a:r>
+            <a:r>
+              <a:rPr lang="zh-TW" altLang="en-US"/>
+              <a:t>。</a:t>
+            </a:r>
+            <a:endParaRPr lang="en-US" altLang="zh-TW"/>
+          </a:p>
+          <a:p>
+            <a:pPr marL="0" indent="0">
+              <a:buNone/>
+            </a:pPr>
+            <a:r>
+              <a:rPr lang="zh-TW" altLang="en-US"/>
+              <a:t>       </a:t>
+            </a:r>
+            <a:r>
+              <a:rPr lang="en-US" altLang="zh-TW"/>
+              <a:t>1.1 UART</a:t>
+            </a:r>
+            <a:r>
+              <a:rPr lang="zh-TW" altLang="en-US"/>
+              <a:t> </a:t>
+            </a:r>
+            <a:r>
+              <a:rPr lang="en-US" altLang="zh-TW"/>
+              <a:t>RX Setting</a:t>
+            </a:r>
+            <a:r>
+              <a:rPr lang="zh-TW" altLang="en-US"/>
+              <a:t>建立</a:t>
+            </a:r>
+          </a:p>
+        </p:txBody>
+      </p:sp>
+      <p:sp>
+        <p:nvSpPr>
+          <p:cNvPr id="4" name="投影片編號版面配置區 3"/>
+          <p:cNvSpPr>
+            <a:spLocks noGrp="1"/>
+          </p:cNvSpPr>
+          <p:nvPr>
+            <p:ph type="sldNum" sz="quarter" idx="5"/>
+          </p:nvPr>
+        </p:nvSpPr>
+        <p:spPr/>
+        <p:txBody>
+          <a:bodyPr/>
+          <a:lstStyle/>
+          <a:p>
+            <a:fld id="{0116F853-F7F2-4239-A629-A213C1D67574}" type="slidenum">
+              <a:rPr lang="zh-TW" altLang="en-US" smtClean="0"/>
+              <a:t>4</a:t>
+            </a:fld>
+            <a:endParaRPr lang="zh-TW" altLang="en-US"/>
+          </a:p>
+        </p:txBody>
+      </p:sp>
+    </p:spTree>
+    <p:extLst>
+      <p:ext uri="{BB962C8B-B14F-4D97-AF65-F5344CB8AC3E}">
+        <p14:creationId xmlns:p14="http://schemas.microsoft.com/office/powerpoint/2010/main" val="978169652"/>
+      </p:ext>
+    </p:extLst>
+  </p:cSld>
+  <p:clrMapOvr>
+    <a:masterClrMapping/>
+  </p:clrMapOvr>
+</p:notes>
+</file>
+
+<file path=ppt/notesSlides/notesSlide4.xml><?xml version="1.0" encoding="utf-8"?>
+<p:notes xmlns:a="http://schemas.openxmlformats.org/drawingml/2006/main" xmlns:r="http://schemas.openxmlformats.org/officeDocument/2006/relationships" xmlns:p="http://schemas.openxmlformats.org/presentationml/2006/main">
+  <p:cSld>
+    <p:spTree>
+      <p:nvGrpSpPr>
+        <p:cNvPr id="1" name=""/>
+        <p:cNvGrpSpPr/>
+        <p:nvPr/>
+      </p:nvGrpSpPr>
+      <p:grpSpPr>
+        <a:xfrm>
+          <a:off x="0" y="0"/>
+          <a:ext cx="0" cy="0"/>
+          <a:chOff x="0" y="0"/>
+          <a:chExt cx="0" cy="0"/>
+        </a:xfrm>
+      </p:grpSpPr>
+      <p:sp>
+        <p:nvSpPr>
+          <p:cNvPr id="2" name="投影片影像版面配置區 1"/>
+          <p:cNvSpPr>
+            <a:spLocks noGrp="1" noRot="1" noChangeAspect="1"/>
+          </p:cNvSpPr>
+          <p:nvPr>
+            <p:ph type="sldImg"/>
+          </p:nvPr>
+        </p:nvSpPr>
+        <p:spPr/>
+      </p:sp>
+      <p:sp>
+        <p:nvSpPr>
+          <p:cNvPr id="3" name="備忘稿版面配置區 2"/>
+          <p:cNvSpPr>
+            <a:spLocks noGrp="1"/>
+          </p:cNvSpPr>
+          <p:nvPr>
+            <p:ph type="body" idx="1"/>
+          </p:nvPr>
+        </p:nvSpPr>
+        <p:spPr/>
+        <p:txBody>
+          <a:bodyPr/>
+          <a:lstStyle/>
+          <a:p>
+            <a:r>
+              <a:rPr lang="zh-TW" altLang="en-US"/>
+              <a:t>透過開關對</a:t>
+            </a:r>
+            <a:r>
+              <a:rPr lang="en-US" altLang="zh-TW"/>
+              <a:t>ADC</a:t>
+            </a:r>
+            <a:r>
+              <a:rPr lang="zh-TW" altLang="en-US"/>
+              <a:t>內部電容充電，並藉此取樣</a:t>
+            </a:r>
+          </a:p>
+        </p:txBody>
+      </p:sp>
+      <p:sp>
+        <p:nvSpPr>
+          <p:cNvPr id="4" name="投影片編號版面配置區 3"/>
+          <p:cNvSpPr>
+            <a:spLocks noGrp="1"/>
+          </p:cNvSpPr>
+          <p:nvPr>
+            <p:ph type="sldNum" sz="quarter" idx="5"/>
+          </p:nvPr>
+        </p:nvSpPr>
+        <p:spPr/>
+        <p:txBody>
+          <a:bodyPr/>
+          <a:lstStyle/>
+          <a:p>
+            <a:fld id="{0116F853-F7F2-4239-A629-A213C1D67574}" type="slidenum">
+              <a:rPr lang="zh-TW" altLang="en-US" smtClean="0"/>
+              <a:t>17</a:t>
+            </a:fld>
+            <a:endParaRPr lang="zh-TW" altLang="en-US"/>
+          </a:p>
+        </p:txBody>
+      </p:sp>
+    </p:spTree>
+    <p:extLst>
+      <p:ext uri="{BB962C8B-B14F-4D97-AF65-F5344CB8AC3E}">
+        <p14:creationId xmlns:p14="http://schemas.microsoft.com/office/powerpoint/2010/main" val="4287161391"/>
+      </p:ext>
+    </p:extLst>
+  </p:cSld>
+  <p:clrMapOvr>
+    <a:masterClrMapping/>
+  </p:clrMapOvr>
+</p:notes>
+</file>
+
 <file path=ppt/slideLayouts/slideLayout1.xml><?xml version="1.0" encoding="utf-8"?>
 <p:sldLayout xmlns:a="http://schemas.openxmlformats.org/drawingml/2006/main" xmlns:r="http://schemas.openxmlformats.org/officeDocument/2006/relationships" xmlns:p="http://schemas.openxmlformats.org/presentationml/2006/main" type="title" preserve="1">
   <p:cSld name="標題投影片">
@@ -905,7 +1194,7 @@
           <a:p>
             <a:fld id="{8A9F4CB5-1750-4E23-A13C-2C1F028F9724}" type="datetimeFigureOut">
               <a:rPr lang="zh-TW" altLang="en-US" smtClean="0"/>
-              <a:t>2022/12/30</a:t>
+              <a:t>2023/1/14</a:t>
             </a:fld>
             <a:endParaRPr lang="zh-TW" altLang="en-US"/>
           </a:p>
@@ -1103,7 +1392,7 @@
           <a:p>
             <a:fld id="{8A9F4CB5-1750-4E23-A13C-2C1F028F9724}" type="datetimeFigureOut">
               <a:rPr lang="zh-TW" altLang="en-US" smtClean="0"/>
-              <a:t>2022/12/30</a:t>
+              <a:t>2023/1/14</a:t>
             </a:fld>
             <a:endParaRPr lang="zh-TW" altLang="en-US"/>
           </a:p>
@@ -1311,7 +1600,7 @@
           <a:p>
             <a:fld id="{8A9F4CB5-1750-4E23-A13C-2C1F028F9724}" type="datetimeFigureOut">
               <a:rPr lang="zh-TW" altLang="en-US" smtClean="0"/>
-              <a:t>2022/12/30</a:t>
+              <a:t>2023/1/14</a:t>
             </a:fld>
             <a:endParaRPr lang="zh-TW" altLang="en-US"/>
           </a:p>
@@ -1509,7 +1798,7 @@
           <a:p>
             <a:fld id="{8A9F4CB5-1750-4E23-A13C-2C1F028F9724}" type="datetimeFigureOut">
               <a:rPr lang="zh-TW" altLang="en-US" smtClean="0"/>
-              <a:t>2022/12/30</a:t>
+              <a:t>2023/1/14</a:t>
             </a:fld>
             <a:endParaRPr lang="zh-TW" altLang="en-US"/>
           </a:p>
@@ -1784,7 +2073,7 @@
           <a:p>
             <a:fld id="{8A9F4CB5-1750-4E23-A13C-2C1F028F9724}" type="datetimeFigureOut">
               <a:rPr lang="zh-TW" altLang="en-US" smtClean="0"/>
-              <a:t>2022/12/30</a:t>
+              <a:t>2023/1/14</a:t>
             </a:fld>
             <a:endParaRPr lang="zh-TW" altLang="en-US"/>
           </a:p>
@@ -2049,7 +2338,7 @@
           <a:p>
             <a:fld id="{8A9F4CB5-1750-4E23-A13C-2C1F028F9724}" type="datetimeFigureOut">
               <a:rPr lang="zh-TW" altLang="en-US" smtClean="0"/>
-              <a:t>2022/12/30</a:t>
+              <a:t>2023/1/14</a:t>
             </a:fld>
             <a:endParaRPr lang="zh-TW" altLang="en-US"/>
           </a:p>
@@ -2461,7 +2750,7 @@
           <a:p>
             <a:fld id="{8A9F4CB5-1750-4E23-A13C-2C1F028F9724}" type="datetimeFigureOut">
               <a:rPr lang="zh-TW" altLang="en-US" smtClean="0"/>
-              <a:t>2022/12/30</a:t>
+              <a:t>2023/1/14</a:t>
             </a:fld>
             <a:endParaRPr lang="zh-TW" altLang="en-US"/>
           </a:p>
@@ -2602,7 +2891,7 @@
           <a:p>
             <a:fld id="{8A9F4CB5-1750-4E23-A13C-2C1F028F9724}" type="datetimeFigureOut">
               <a:rPr lang="zh-TW" altLang="en-US" smtClean="0"/>
-              <a:t>2022/12/30</a:t>
+              <a:t>2023/1/14</a:t>
             </a:fld>
             <a:endParaRPr lang="zh-TW" altLang="en-US"/>
           </a:p>
@@ -2715,7 +3004,7 @@
           <a:p>
             <a:fld id="{8A9F4CB5-1750-4E23-A13C-2C1F028F9724}" type="datetimeFigureOut">
               <a:rPr lang="zh-TW" altLang="en-US" smtClean="0"/>
-              <a:t>2022/12/30</a:t>
+              <a:t>2023/1/14</a:t>
             </a:fld>
             <a:endParaRPr lang="zh-TW" altLang="en-US"/>
           </a:p>
@@ -3026,7 +3315,7 @@
           <a:p>
             <a:fld id="{8A9F4CB5-1750-4E23-A13C-2C1F028F9724}" type="datetimeFigureOut">
               <a:rPr lang="zh-TW" altLang="en-US" smtClean="0"/>
-              <a:t>2022/12/30</a:t>
+              <a:t>2023/1/14</a:t>
             </a:fld>
             <a:endParaRPr lang="zh-TW" altLang="en-US"/>
           </a:p>
@@ -3314,7 +3603,7 @@
           <a:p>
             <a:fld id="{8A9F4CB5-1750-4E23-A13C-2C1F028F9724}" type="datetimeFigureOut">
               <a:rPr lang="zh-TW" altLang="en-US" smtClean="0"/>
-              <a:t>2022/12/30</a:t>
+              <a:t>2023/1/14</a:t>
             </a:fld>
             <a:endParaRPr lang="zh-TW" altLang="en-US"/>
           </a:p>
@@ -3555,7 +3844,7 @@
           <a:p>
             <a:fld id="{8A9F4CB5-1750-4E23-A13C-2C1F028F9724}" type="datetimeFigureOut">
               <a:rPr lang="zh-TW" altLang="en-US" smtClean="0"/>
-              <a:t>2022/12/30</a:t>
+              <a:t>2023/1/14</a:t>
             </a:fld>
             <a:endParaRPr lang="zh-TW" altLang="en-US"/>
           </a:p>
@@ -4029,7 +4318,7 @@
           <a:p>
             <a:r>
               <a:rPr lang="en-US" altLang="zh-TW"/>
-              <a:t>Weichen</a:t>
+              <a:t>Weichen - Tu</a:t>
             </a:r>
             <a:endParaRPr lang="zh-TW" altLang="en-US"/>
           </a:p>
@@ -4261,6 +4550,209 @@
           <p:cNvPr id="2" name="標題 1">
             <a:extLst>
               <a:ext uri="{FF2B5EF4-FFF2-40B4-BE49-F238E27FC236}">
+                <a16:creationId xmlns:a16="http://schemas.microsoft.com/office/drawing/2014/main" id="{BBB26775-9394-2453-68A3-4153CA5AB1DE}"/>
+              </a:ext>
+            </a:extLst>
+          </p:cNvPr>
+          <p:cNvSpPr>
+            <a:spLocks noGrp="1"/>
+          </p:cNvSpPr>
+          <p:nvPr>
+            <p:ph type="title"/>
+          </p:nvPr>
+        </p:nvSpPr>
+        <p:spPr/>
+        <p:txBody>
+          <a:bodyPr/>
+          <a:lstStyle/>
+          <a:p>
+            <a:pPr algn="ctr"/>
+            <a:r>
+              <a:rPr lang="en-US" altLang="zh-TW"/>
+              <a:t>ADC</a:t>
+            </a:r>
+            <a:r>
+              <a:rPr lang="zh-TW" altLang="en-US"/>
+              <a:t> 數位架構 </a:t>
+            </a:r>
+            <a:br>
+              <a:rPr lang="en-US" altLang="zh-TW"/>
+            </a:br>
+            <a:r>
+              <a:rPr lang="en-US" altLang="zh-TW"/>
+              <a:t>Solve Issue List</a:t>
+            </a:r>
+            <a:endParaRPr lang="zh-TW" altLang="en-US"/>
+          </a:p>
+        </p:txBody>
+      </p:sp>
+      <p:sp>
+        <p:nvSpPr>
+          <p:cNvPr id="3" name="內容版面配置區 2">
+            <a:extLst>
+              <a:ext uri="{FF2B5EF4-FFF2-40B4-BE49-F238E27FC236}">
+                <a16:creationId xmlns:a16="http://schemas.microsoft.com/office/drawing/2014/main" id="{E9CBEAFF-0249-DA81-8F0C-2F0068F87BB0}"/>
+              </a:ext>
+            </a:extLst>
+          </p:cNvPr>
+          <p:cNvSpPr>
+            <a:spLocks noGrp="1"/>
+          </p:cNvSpPr>
+          <p:nvPr>
+            <p:ph idx="1"/>
+          </p:nvPr>
+        </p:nvSpPr>
+        <p:spPr/>
+        <p:txBody>
+          <a:bodyPr/>
+          <a:lstStyle/>
+          <a:p>
+            <a:pPr marL="514350" indent="-514350">
+              <a:buAutoNum type="arabicPeriod"/>
+            </a:pPr>
+            <a:endParaRPr lang="en-US" altLang="zh-TW"/>
+          </a:p>
+          <a:p>
+            <a:pPr marL="514350" indent="-514350">
+              <a:buAutoNum type="arabicPeriod"/>
+            </a:pPr>
+            <a:r>
+              <a:rPr lang="zh-TW" altLang="en-US"/>
+              <a:t>協助調整數位電路的參數</a:t>
+            </a:r>
+            <a:endParaRPr lang="en-US" altLang="zh-TW"/>
+          </a:p>
+          <a:p>
+            <a:pPr marL="514350" indent="-514350">
+              <a:buAutoNum type="arabicPeriod"/>
+            </a:pPr>
+            <a:endParaRPr lang="en-US" altLang="zh-TW"/>
+          </a:p>
+          <a:p>
+            <a:pPr marL="514350" indent="-514350">
+              <a:buAutoNum type="arabicPeriod"/>
+            </a:pPr>
+            <a:r>
+              <a:rPr lang="en-US" altLang="zh-TW"/>
+              <a:t>USI2.0 Platform </a:t>
+            </a:r>
+            <a:r>
+              <a:rPr lang="zh-TW" altLang="en-US"/>
+              <a:t>漏打</a:t>
+            </a:r>
+            <a:r>
+              <a:rPr lang="en-US" altLang="zh-TW"/>
+              <a:t>1us</a:t>
+            </a:r>
+            <a:r>
+              <a:rPr lang="zh-TW" altLang="en-US"/>
+              <a:t>問題</a:t>
+            </a:r>
+            <a:endParaRPr lang="en-US" altLang="zh-TW"/>
+          </a:p>
+          <a:p>
+            <a:pPr marL="514350" indent="-514350">
+              <a:buAutoNum type="arabicPeriod"/>
+            </a:pPr>
+            <a:endParaRPr lang="en-US" altLang="zh-TW"/>
+          </a:p>
+          <a:p>
+            <a:pPr marL="514350" indent="-514350">
+              <a:buAutoNum type="arabicPeriod"/>
+            </a:pPr>
+            <a:r>
+              <a:rPr lang="zh-TW" altLang="en-US"/>
+              <a:t>模擬 </a:t>
+            </a:r>
+            <a:r>
+              <a:rPr lang="en-US" altLang="zh-TW"/>
+              <a:t>HPF</a:t>
+            </a:r>
+            <a:r>
+              <a:rPr lang="zh-TW" altLang="en-US"/>
+              <a:t> </a:t>
+            </a:r>
+            <a:r>
+              <a:rPr lang="en-US" altLang="zh-TW"/>
+              <a:t>filter + Schmitt triger</a:t>
+            </a:r>
+            <a:r>
+              <a:rPr lang="zh-TW" altLang="en-US"/>
+              <a:t>電路結果</a:t>
+            </a:r>
+            <a:endParaRPr lang="en-US" altLang="zh-TW"/>
+          </a:p>
+          <a:p>
+            <a:pPr marL="514350" indent="-514350">
+              <a:buAutoNum type="arabicPeriod"/>
+            </a:pPr>
+            <a:endParaRPr lang="en-US" altLang="zh-TW"/>
+          </a:p>
+          <a:p>
+            <a:pPr marL="514350" indent="-514350">
+              <a:buAutoNum type="arabicPeriod"/>
+            </a:pPr>
+            <a:r>
+              <a:rPr lang="en-US" altLang="zh-TW"/>
+              <a:t>AGC</a:t>
+            </a:r>
+            <a:r>
+              <a:rPr lang="zh-TW" altLang="en-US"/>
+              <a:t> </a:t>
+            </a:r>
+            <a:r>
+              <a:rPr lang="en-US" altLang="zh-TW"/>
+              <a:t>Flow </a:t>
+            </a:r>
+            <a:r>
+              <a:rPr lang="zh-TW" altLang="en-US"/>
+              <a:t>建構模擬</a:t>
+            </a:r>
+            <a:endParaRPr lang="en-US" altLang="zh-TW"/>
+          </a:p>
+          <a:p>
+            <a:pPr marL="514350" indent="-514350">
+              <a:buAutoNum type="arabicPeriod"/>
+            </a:pPr>
+            <a:endParaRPr lang="zh-TW" altLang="en-US"/>
+          </a:p>
+        </p:txBody>
+      </p:sp>
+    </p:spTree>
+    <p:extLst>
+      <p:ext uri="{BB962C8B-B14F-4D97-AF65-F5344CB8AC3E}">
+        <p14:creationId xmlns:p14="http://schemas.microsoft.com/office/powerpoint/2010/main" val="2435015946"/>
+      </p:ext>
+    </p:extLst>
+  </p:cSld>
+  <p:clrMapOvr>
+    <a:masterClrMapping/>
+  </p:clrMapOvr>
+</p:sld>
+</file>
+
+<file path=ppt/slides/slide12.xml><?xml version="1.0" encoding="utf-8"?>
+<p:sld xmlns:a="http://schemas.openxmlformats.org/drawingml/2006/main" xmlns:r="http://schemas.openxmlformats.org/officeDocument/2006/relationships" xmlns:p="http://schemas.openxmlformats.org/presentationml/2006/main">
+  <p:cSld>
+    <p:spTree>
+      <p:nvGrpSpPr>
+        <p:cNvPr id="1" name=""/>
+        <p:cNvGrpSpPr/>
+        <p:nvPr/>
+      </p:nvGrpSpPr>
+      <p:grpSpPr>
+        <a:xfrm>
+          <a:off x="0" y="0"/>
+          <a:ext cx="0" cy="0"/>
+          <a:chOff x="0" y="0"/>
+          <a:chExt cx="0" cy="0"/>
+        </a:xfrm>
+      </p:grpSpPr>
+      <p:sp>
+        <p:nvSpPr>
+          <p:cNvPr id="2" name="標題 1">
+            <a:extLst>
+              <a:ext uri="{FF2B5EF4-FFF2-40B4-BE49-F238E27FC236}">
                 <a16:creationId xmlns:a16="http://schemas.microsoft.com/office/drawing/2014/main" id="{65E8AE72-5A2D-7470-9FC9-171422D5E154}"/>
               </a:ext>
             </a:extLst>
@@ -4416,7 +4908,7 @@
 </p:sld>
 </file>
 
-<file path=ppt/slides/slide12.xml><?xml version="1.0" encoding="utf-8"?>
+<file path=ppt/slides/slide13.xml><?xml version="1.0" encoding="utf-8"?>
 <p:sld xmlns:a="http://schemas.openxmlformats.org/drawingml/2006/main" xmlns:r="http://schemas.openxmlformats.org/officeDocument/2006/relationships" xmlns:p="http://schemas.openxmlformats.org/presentationml/2006/main">
   <p:cSld>
     <p:spTree>
@@ -5174,144 +5666,6 @@
 </p:sld>
 </file>
 
-<file path=ppt/slides/slide13.xml><?xml version="1.0" encoding="utf-8"?>
-<p:sld xmlns:a="http://schemas.openxmlformats.org/drawingml/2006/main" xmlns:r="http://schemas.openxmlformats.org/officeDocument/2006/relationships" xmlns:p="http://schemas.openxmlformats.org/presentationml/2006/main">
-  <p:cSld>
-    <p:spTree>
-      <p:nvGrpSpPr>
-        <p:cNvPr id="1" name=""/>
-        <p:cNvGrpSpPr/>
-        <p:nvPr/>
-      </p:nvGrpSpPr>
-      <p:grpSpPr>
-        <a:xfrm>
-          <a:off x="0" y="0"/>
-          <a:ext cx="0" cy="0"/>
-          <a:chOff x="0" y="0"/>
-          <a:chExt cx="0" cy="0"/>
-        </a:xfrm>
-      </p:grpSpPr>
-      <p:sp>
-        <p:nvSpPr>
-          <p:cNvPr id="2" name="標題 1">
-            <a:extLst>
-              <a:ext uri="{FF2B5EF4-FFF2-40B4-BE49-F238E27FC236}">
-                <a16:creationId xmlns:a16="http://schemas.microsoft.com/office/drawing/2014/main" id="{402CBB76-248D-C404-D8A0-DBE927E58081}"/>
-              </a:ext>
-            </a:extLst>
-          </p:cNvPr>
-          <p:cNvSpPr>
-            <a:spLocks noGrp="1"/>
-          </p:cNvSpPr>
-          <p:nvPr>
-            <p:ph type="title"/>
-          </p:nvPr>
-        </p:nvSpPr>
-        <p:spPr/>
-        <p:txBody>
-          <a:bodyPr/>
-          <a:lstStyle/>
-          <a:p>
-            <a:pPr algn="ctr"/>
-            <a:r>
-              <a:rPr lang="en-US" altLang="zh-TW" dirty="0"/>
-              <a:t>Analog Circuit</a:t>
-            </a:r>
-            <a:endParaRPr lang="zh-TW" altLang="en-US" dirty="0"/>
-          </a:p>
-        </p:txBody>
-      </p:sp>
-      <p:sp>
-        <p:nvSpPr>
-          <p:cNvPr id="3" name="內容版面配置區 2">
-            <a:extLst>
-              <a:ext uri="{FF2B5EF4-FFF2-40B4-BE49-F238E27FC236}">
-                <a16:creationId xmlns:a16="http://schemas.microsoft.com/office/drawing/2014/main" id="{11F373A1-8B79-A1F0-6A6B-A94085369F31}"/>
-              </a:ext>
-            </a:extLst>
-          </p:cNvPr>
-          <p:cNvSpPr>
-            <a:spLocks noGrp="1"/>
-          </p:cNvSpPr>
-          <p:nvPr>
-            <p:ph idx="1"/>
-          </p:nvPr>
-        </p:nvSpPr>
-        <p:spPr/>
-        <p:txBody>
-          <a:bodyPr/>
-          <a:lstStyle/>
-          <a:p>
-            <a:pPr marL="0" indent="0">
-              <a:buNone/>
-            </a:pPr>
-            <a:endParaRPr lang="en-US" altLang="zh-TW" dirty="0"/>
-          </a:p>
-          <a:p>
-            <a:pPr marL="0" indent="0">
-              <a:buNone/>
-            </a:pPr>
-            <a:r>
-              <a:rPr lang="en-US" altLang="zh-TW" dirty="0"/>
-              <a:t>1. </a:t>
-            </a:r>
-            <a:r>
-              <a:rPr lang="zh-TW" altLang="en-US" dirty="0"/>
-              <a:t>透過前面的</a:t>
-            </a:r>
-            <a:r>
-              <a:rPr lang="en-US" altLang="zh-TW" dirty="0"/>
-              <a:t>RX_PGA</a:t>
-            </a:r>
-            <a:r>
-              <a:rPr lang="zh-TW" altLang="en-US" dirty="0"/>
-              <a:t> 將電壓放大再透過</a:t>
-            </a:r>
-            <a:r>
-              <a:rPr lang="en-US" altLang="zh-TW" dirty="0"/>
-              <a:t>ADC</a:t>
-            </a:r>
-            <a:r>
-              <a:rPr lang="zh-TW" altLang="en-US" dirty="0"/>
-              <a:t>內部的電容對電壓值進行</a:t>
-            </a:r>
-            <a:r>
-              <a:rPr lang="en-US" altLang="zh-TW" dirty="0"/>
-              <a:t>Sample</a:t>
-            </a:r>
-            <a:r>
-              <a:rPr lang="zh-TW" altLang="en-US" dirty="0"/>
-              <a:t>。</a:t>
-            </a:r>
-            <a:r>
-              <a:rPr lang="en-US" altLang="zh-TW" dirty="0"/>
-              <a:t>(ADC</a:t>
-            </a:r>
-            <a:r>
-              <a:rPr lang="zh-TW" altLang="en-US" dirty="0"/>
-              <a:t> </a:t>
-            </a:r>
-            <a:r>
-              <a:rPr lang="en-US" altLang="zh-TW" dirty="0"/>
-              <a:t>Voltage Range 2.8V ~ 0V)</a:t>
-            </a:r>
-            <a:endParaRPr lang="zh-TW" altLang="en-US" dirty="0"/>
-          </a:p>
-        </p:txBody>
-      </p:sp>
-    </p:spTree>
-    <p:extLst>
-      <p:ext uri="{BB962C8B-B14F-4D97-AF65-F5344CB8AC3E}">
-        <p14:creationId xmlns:p14="http://schemas.microsoft.com/office/powerpoint/2010/main" val="2474336951"/>
-      </p:ext>
-    </p:extLst>
-  </p:cSld>
-  <p:clrMapOvr>
-    <a:masterClrMapping/>
-  </p:clrMapOvr>
-</p:sld>
-</file>
-
 <file path=ppt/slides/slide14.xml><?xml version="1.0" encoding="utf-8"?>
 <p:sld xmlns:a="http://schemas.openxmlformats.org/drawingml/2006/main" xmlns:r="http://schemas.openxmlformats.org/officeDocument/2006/relationships" xmlns:p="http://schemas.openxmlformats.org/presentationml/2006/main">
   <p:cSld>
@@ -5334,7 +5688,7 @@
           <p:cNvPr id="2" name="標題 1">
             <a:extLst>
               <a:ext uri="{FF2B5EF4-FFF2-40B4-BE49-F238E27FC236}">
-                <a16:creationId xmlns:a16="http://schemas.microsoft.com/office/drawing/2014/main" id="{0445FA3F-9593-D51E-AC6B-272A9C3CCA14}"/>
+                <a16:creationId xmlns:a16="http://schemas.microsoft.com/office/drawing/2014/main" id="{402CBB76-248D-C404-D8A0-DBE927E58081}"/>
               </a:ext>
             </a:extLst>
           </p:cNvPr>
@@ -5353,7 +5707,7 @@
             <a:pPr algn="ctr"/>
             <a:r>
               <a:rPr lang="en-US" altLang="zh-TW" dirty="0"/>
-              <a:t>ADC Sample</a:t>
+              <a:t>Analog Circuit</a:t>
             </a:r>
             <a:endParaRPr lang="zh-TW" altLang="en-US" dirty="0"/>
           </a:p>
@@ -5364,7 +5718,7 @@
           <p:cNvPr id="3" name="內容版面配置區 2">
             <a:extLst>
               <a:ext uri="{FF2B5EF4-FFF2-40B4-BE49-F238E27FC236}">
-                <a16:creationId xmlns:a16="http://schemas.microsoft.com/office/drawing/2014/main" id="{1C6EF090-BA30-ED01-E543-714C9EA31F75}"/>
+                <a16:creationId xmlns:a16="http://schemas.microsoft.com/office/drawing/2014/main" id="{11F373A1-8B79-A1F0-6A6B-A94085369F31}"/>
               </a:ext>
             </a:extLst>
           </p:cNvPr>
@@ -5383,140 +5737,64 @@
             <a:pPr marL="0" indent="0">
               <a:buNone/>
             </a:pPr>
-            <a:r>
-              <a:rPr lang="zh-TW" altLang="en-US" dirty="0">
-                <a:solidFill>
-                  <a:srgbClr val="00B0F0"/>
-                </a:solidFill>
-              </a:rPr>
-              <a:t>問題</a:t>
-            </a:r>
-            <a:endParaRPr lang="en-US" altLang="zh-TW" dirty="0">
-              <a:solidFill>
-                <a:srgbClr val="00B0F0"/>
-              </a:solidFill>
-            </a:endParaRPr>
+            <a:endParaRPr lang="en-US" altLang="zh-TW" dirty="0"/>
           </a:p>
           <a:p>
             <a:pPr marL="0" indent="0">
               <a:buNone/>
             </a:pPr>
-            <a:endParaRPr lang="en-US" altLang="zh-TW" dirty="0">
-              <a:solidFill>
-                <a:srgbClr val="00B0F0"/>
-              </a:solidFill>
-            </a:endParaRPr>
-          </a:p>
-          <a:p>
-            <a:pPr marL="514350" indent="-514350">
-              <a:buAutoNum type="arabicPeriod"/>
-            </a:pPr>
-            <a:r>
-              <a:rPr lang="en-US" altLang="zh-TW" sz="2400" dirty="0"/>
-              <a:t>HW</a:t>
-            </a:r>
-            <a:r>
-              <a:rPr lang="zh-TW" altLang="en-US" sz="2400" dirty="0"/>
+            <a:r>
+              <a:rPr lang="en-US" altLang="zh-TW" dirty="0"/>
+              <a:t>1. </a:t>
+            </a:r>
+            <a:r>
+              <a:rPr lang="zh-TW" altLang="en-US" dirty="0"/>
+              <a:t>透過前面的</a:t>
+            </a:r>
+            <a:r>
+              <a:rPr lang="en-US" altLang="zh-TW" dirty="0"/>
+              <a:t>RX_PGA</a:t>
+            </a:r>
+            <a:r>
+              <a:rPr lang="zh-TW" altLang="en-US" dirty="0"/>
+              <a:t> 將電壓放大再透過</a:t>
+            </a:r>
+            <a:r>
+              <a:rPr lang="en-US" altLang="zh-TW" dirty="0"/>
+              <a:t>ADC</a:t>
+            </a:r>
+            <a:r>
+              <a:rPr lang="zh-TW" altLang="en-US" dirty="0"/>
+              <a:t>內部的電容對電壓值進行</a:t>
+            </a:r>
+            <a:r>
+              <a:rPr lang="en-US" altLang="zh-TW" dirty="0"/>
+              <a:t>Sample</a:t>
+            </a:r>
+            <a:r>
+              <a:rPr lang="zh-TW" altLang="en-US" dirty="0"/>
+              <a:t>。</a:t>
+            </a:r>
+            <a:r>
+              <a:rPr lang="en-US" altLang="zh-TW" dirty="0"/>
+              <a:t>(ADC</a:t>
+            </a:r>
+            <a:r>
+              <a:rPr lang="zh-TW" altLang="en-US" dirty="0"/>
               <a:t> </a:t>
             </a:r>
             <a:r>
-              <a:rPr lang="en-US" altLang="zh-TW" sz="2400" dirty="0" err="1"/>
-              <a:t>DebugPort</a:t>
-            </a:r>
-            <a:r>
-              <a:rPr lang="en-US" altLang="zh-TW" sz="2400" dirty="0"/>
-              <a:t> :</a:t>
-            </a:r>
-            <a:endParaRPr lang="en-US" altLang="zh-TW" sz="1600" dirty="0"/>
-          </a:p>
-          <a:p>
-            <a:pPr marL="0" indent="0">
-              <a:buNone/>
-            </a:pPr>
-            <a:r>
-              <a:rPr lang="en-US" altLang="zh-TW" sz="2400" dirty="0"/>
-              <a:t>	</a:t>
-            </a:r>
-            <a:r>
-              <a:rPr lang="en-US" altLang="zh-TW" sz="2000" dirty="0"/>
-              <a:t>1.</a:t>
-            </a:r>
-            <a:r>
-              <a:rPr lang="zh-TW" altLang="en-US" sz="2000" dirty="0"/>
-              <a:t> </a:t>
-            </a:r>
-            <a:r>
-              <a:rPr lang="en-US" altLang="zh-TW" sz="2000" dirty="0"/>
-              <a:t>SAR</a:t>
-            </a:r>
-            <a:r>
-              <a:rPr lang="zh-TW" altLang="en-US" sz="2000" dirty="0"/>
-              <a:t> </a:t>
-            </a:r>
-            <a:r>
-              <a:rPr lang="en-US" altLang="zh-TW" sz="2000" dirty="0"/>
-              <a:t>ADC</a:t>
-            </a:r>
-            <a:r>
-              <a:rPr lang="zh-TW" altLang="en-US" sz="2000" dirty="0"/>
-              <a:t>過程</a:t>
-            </a:r>
-            <a:r>
-              <a:rPr lang="en-US" altLang="zh-TW" sz="2000" dirty="0"/>
-              <a:t>(</a:t>
-            </a:r>
-            <a:r>
-              <a:rPr lang="zh-TW" altLang="en-US" sz="2000" dirty="0"/>
-              <a:t>詳細說明、並搭配</a:t>
-            </a:r>
-            <a:r>
-              <a:rPr lang="en-US" altLang="zh-TW" sz="2000" dirty="0"/>
-              <a:t>Logic Analysis</a:t>
-            </a:r>
-            <a:r>
-              <a:rPr lang="zh-TW" altLang="en-US" sz="2000" dirty="0"/>
-              <a:t>講解</a:t>
-            </a:r>
-            <a:r>
-              <a:rPr lang="en-US" altLang="zh-TW" sz="2000" dirty="0"/>
-              <a:t>)</a:t>
-            </a:r>
-          </a:p>
-          <a:p>
-            <a:pPr marL="0" indent="0">
-              <a:buNone/>
-            </a:pPr>
-            <a:endParaRPr lang="en-US" altLang="zh-TW" sz="2400" dirty="0"/>
-          </a:p>
-          <a:p>
-            <a:pPr marL="457200" indent="-457200">
-              <a:buAutoNum type="arabicPeriod" startAt="2"/>
-            </a:pPr>
-            <a:r>
-              <a:rPr lang="zh-TW" altLang="en-US" sz="2400" dirty="0"/>
-              <a:t>最接近顏色</a:t>
-            </a:r>
-            <a:r>
-              <a:rPr lang="en-US" altLang="zh-TW" sz="2400" dirty="0"/>
-              <a:t>:</a:t>
-            </a:r>
-          </a:p>
-          <a:p>
-            <a:pPr marL="0" indent="0">
-              <a:buNone/>
-            </a:pPr>
-            <a:endParaRPr lang="zh-TW" altLang="en-US" dirty="0">
-              <a:solidFill>
-                <a:srgbClr val="00B0F0"/>
-              </a:solidFill>
-            </a:endParaRPr>
+              <a:rPr lang="en-US" altLang="zh-TW" dirty="0"/>
+              <a:t>Voltage Range 2.8V ~ 0V)</a:t>
+            </a:r>
+            <a:endParaRPr lang="zh-TW" altLang="en-US" dirty="0"/>
           </a:p>
         </p:txBody>
       </p:sp>
     </p:spTree>
     <p:extLst>
       <p:ext uri="{BB962C8B-B14F-4D97-AF65-F5344CB8AC3E}">
-        <p14:creationId xmlns:p14="http://schemas.microsoft.com/office/powerpoint/2010/main" val="58858531"/>
+        <p14:creationId xmlns:p14="http://schemas.microsoft.com/office/powerpoint/2010/main" val="2474336951"/>
       </p:ext>
     </p:extLst>
   </p:cSld>
@@ -5548,6 +5826,220 @@
           <p:cNvPr id="2" name="標題 1">
             <a:extLst>
               <a:ext uri="{FF2B5EF4-FFF2-40B4-BE49-F238E27FC236}">
+                <a16:creationId xmlns:a16="http://schemas.microsoft.com/office/drawing/2014/main" id="{0445FA3F-9593-D51E-AC6B-272A9C3CCA14}"/>
+              </a:ext>
+            </a:extLst>
+          </p:cNvPr>
+          <p:cNvSpPr>
+            <a:spLocks noGrp="1"/>
+          </p:cNvSpPr>
+          <p:nvPr>
+            <p:ph type="title"/>
+          </p:nvPr>
+        </p:nvSpPr>
+        <p:spPr/>
+        <p:txBody>
+          <a:bodyPr/>
+          <a:lstStyle/>
+          <a:p>
+            <a:pPr algn="ctr"/>
+            <a:r>
+              <a:rPr lang="en-US" altLang="zh-TW" dirty="0"/>
+              <a:t>ADC Sample</a:t>
+            </a:r>
+            <a:endParaRPr lang="zh-TW" altLang="en-US" dirty="0"/>
+          </a:p>
+        </p:txBody>
+      </p:sp>
+      <p:sp>
+        <p:nvSpPr>
+          <p:cNvPr id="3" name="內容版面配置區 2">
+            <a:extLst>
+              <a:ext uri="{FF2B5EF4-FFF2-40B4-BE49-F238E27FC236}">
+                <a16:creationId xmlns:a16="http://schemas.microsoft.com/office/drawing/2014/main" id="{1C6EF090-BA30-ED01-E543-714C9EA31F75}"/>
+              </a:ext>
+            </a:extLst>
+          </p:cNvPr>
+          <p:cNvSpPr>
+            <a:spLocks noGrp="1"/>
+          </p:cNvSpPr>
+          <p:nvPr>
+            <p:ph idx="1"/>
+          </p:nvPr>
+        </p:nvSpPr>
+        <p:spPr/>
+        <p:txBody>
+          <a:bodyPr/>
+          <a:lstStyle/>
+          <a:p>
+            <a:pPr marL="0" indent="0">
+              <a:buNone/>
+            </a:pPr>
+            <a:r>
+              <a:rPr lang="zh-TW" altLang="en-US" dirty="0">
+                <a:solidFill>
+                  <a:srgbClr val="00B0F0"/>
+                </a:solidFill>
+              </a:rPr>
+              <a:t>問題</a:t>
+            </a:r>
+            <a:endParaRPr lang="en-US" altLang="zh-TW" dirty="0">
+              <a:solidFill>
+                <a:srgbClr val="00B0F0"/>
+              </a:solidFill>
+            </a:endParaRPr>
+          </a:p>
+          <a:p>
+            <a:pPr marL="0" indent="0">
+              <a:buNone/>
+            </a:pPr>
+            <a:endParaRPr lang="en-US" altLang="zh-TW" dirty="0">
+              <a:solidFill>
+                <a:srgbClr val="00B0F0"/>
+              </a:solidFill>
+            </a:endParaRPr>
+          </a:p>
+          <a:p>
+            <a:pPr marL="514350" indent="-514350">
+              <a:buAutoNum type="arabicPeriod"/>
+            </a:pPr>
+            <a:r>
+              <a:rPr lang="en-US" altLang="zh-TW" sz="2400" dirty="0"/>
+              <a:t>HW</a:t>
+            </a:r>
+            <a:r>
+              <a:rPr lang="zh-TW" altLang="en-US" sz="2400" dirty="0"/>
+              <a:t> </a:t>
+            </a:r>
+            <a:r>
+              <a:rPr lang="en-US" altLang="zh-TW" sz="2400" dirty="0" err="1"/>
+              <a:t>DebugPort</a:t>
+            </a:r>
+            <a:r>
+              <a:rPr lang="en-US" altLang="zh-TW" sz="2400" dirty="0"/>
+              <a:t> :</a:t>
+            </a:r>
+            <a:endParaRPr lang="en-US" altLang="zh-TW" sz="1600" dirty="0"/>
+          </a:p>
+          <a:p>
+            <a:pPr marL="0" indent="0">
+              <a:buNone/>
+            </a:pPr>
+            <a:r>
+              <a:rPr lang="en-US" altLang="zh-TW" sz="2400" dirty="0"/>
+              <a:t>	</a:t>
+            </a:r>
+            <a:r>
+              <a:rPr lang="en-US" altLang="zh-TW" sz="2000" dirty="0"/>
+              <a:t>1.</a:t>
+            </a:r>
+            <a:r>
+              <a:rPr lang="zh-TW" altLang="en-US" sz="2000" dirty="0"/>
+              <a:t> </a:t>
+            </a:r>
+            <a:r>
+              <a:rPr lang="en-US" altLang="zh-TW" sz="2000" dirty="0"/>
+              <a:t>SAR</a:t>
+            </a:r>
+            <a:r>
+              <a:rPr lang="zh-TW" altLang="en-US" sz="2000" dirty="0"/>
+              <a:t> </a:t>
+            </a:r>
+            <a:r>
+              <a:rPr lang="en-US" altLang="zh-TW" sz="2000" dirty="0"/>
+              <a:t>ADC</a:t>
+            </a:r>
+            <a:r>
+              <a:rPr lang="zh-TW" altLang="en-US" sz="2000" dirty="0"/>
+              <a:t>過程</a:t>
+            </a:r>
+            <a:r>
+              <a:rPr lang="en-US" altLang="zh-TW" sz="2000" dirty="0"/>
+              <a:t>(</a:t>
+            </a:r>
+            <a:r>
+              <a:rPr lang="zh-TW" altLang="en-US" sz="2000" dirty="0"/>
+              <a:t>詳細說明、並搭配</a:t>
+            </a:r>
+            <a:r>
+              <a:rPr lang="en-US" altLang="zh-TW" sz="2000" dirty="0"/>
+              <a:t>Logic Analysis</a:t>
+            </a:r>
+            <a:r>
+              <a:rPr lang="zh-TW" altLang="en-US" sz="2000" dirty="0"/>
+              <a:t>講解</a:t>
+            </a:r>
+            <a:r>
+              <a:rPr lang="en-US" altLang="zh-TW" sz="2000" dirty="0"/>
+              <a:t>)</a:t>
+            </a:r>
+          </a:p>
+          <a:p>
+            <a:pPr marL="0" indent="0">
+              <a:buNone/>
+            </a:pPr>
+            <a:endParaRPr lang="en-US" altLang="zh-TW" sz="2400" dirty="0"/>
+          </a:p>
+          <a:p>
+            <a:pPr marL="457200" indent="-457200">
+              <a:buAutoNum type="arabicPeriod" startAt="2"/>
+            </a:pPr>
+            <a:r>
+              <a:rPr lang="zh-TW" altLang="en-US" sz="2400" dirty="0"/>
+              <a:t>最接近顏色</a:t>
+            </a:r>
+            <a:r>
+              <a:rPr lang="en-US" altLang="zh-TW" sz="2400" dirty="0"/>
+              <a:t>:</a:t>
+            </a:r>
+          </a:p>
+          <a:p>
+            <a:pPr marL="0" indent="0">
+              <a:buNone/>
+            </a:pPr>
+            <a:endParaRPr lang="zh-TW" altLang="en-US" dirty="0">
+              <a:solidFill>
+                <a:srgbClr val="00B0F0"/>
+              </a:solidFill>
+            </a:endParaRPr>
+          </a:p>
+        </p:txBody>
+      </p:sp>
+    </p:spTree>
+    <p:extLst>
+      <p:ext uri="{BB962C8B-B14F-4D97-AF65-F5344CB8AC3E}">
+        <p14:creationId xmlns:p14="http://schemas.microsoft.com/office/powerpoint/2010/main" val="58858531"/>
+      </p:ext>
+    </p:extLst>
+  </p:cSld>
+  <p:clrMapOvr>
+    <a:masterClrMapping/>
+  </p:clrMapOvr>
+</p:sld>
+</file>
+
+<file path=ppt/slides/slide16.xml><?xml version="1.0" encoding="utf-8"?>
+<p:sld xmlns:a="http://schemas.openxmlformats.org/drawingml/2006/main" xmlns:r="http://schemas.openxmlformats.org/officeDocument/2006/relationships" xmlns:p="http://schemas.openxmlformats.org/presentationml/2006/main">
+  <p:cSld>
+    <p:spTree>
+      <p:nvGrpSpPr>
+        <p:cNvPr id="1" name=""/>
+        <p:cNvGrpSpPr/>
+        <p:nvPr/>
+      </p:nvGrpSpPr>
+      <p:grpSpPr>
+        <a:xfrm>
+          <a:off x="0" y="0"/>
+          <a:ext cx="0" cy="0"/>
+          <a:chOff x="0" y="0"/>
+          <a:chExt cx="0" cy="0"/>
+        </a:xfrm>
+      </p:grpSpPr>
+      <p:sp>
+        <p:nvSpPr>
+          <p:cNvPr id="2" name="標題 1">
+            <a:extLst>
+              <a:ext uri="{FF2B5EF4-FFF2-40B4-BE49-F238E27FC236}">
                 <a16:creationId xmlns:a16="http://schemas.microsoft.com/office/drawing/2014/main" id="{456990E9-0B2C-DDEE-C22A-B5EE484E006B}"/>
               </a:ext>
             </a:extLst>
@@ -5673,7 +6165,7 @@
 </p:sld>
 </file>
 
-<file path=ppt/slides/slide16.xml><?xml version="1.0" encoding="utf-8"?>
+<file path=ppt/slides/slide17.xml><?xml version="1.0" encoding="utf-8"?>
 <p:sld xmlns:a="http://schemas.openxmlformats.org/drawingml/2006/main" xmlns:r="http://schemas.openxmlformats.org/officeDocument/2006/relationships" xmlns:p="http://schemas.openxmlformats.org/presentationml/2006/main">
   <p:cSld>
     <p:spTree>
@@ -6532,7 +7024,7 @@
 </p:sld>
 </file>
 
-<file path=ppt/slides/slide17.xml><?xml version="1.0" encoding="utf-8"?>
+<file path=ppt/slides/slide18.xml><?xml version="1.0" encoding="utf-8"?>
 <p:sld xmlns:a="http://schemas.openxmlformats.org/drawingml/2006/main" xmlns:r="http://schemas.openxmlformats.org/officeDocument/2006/relationships" xmlns:p="http://schemas.openxmlformats.org/presentationml/2006/main">
   <p:cSld>
     <p:spTree>
@@ -6616,8 +7108,18 @@
             </a:r>
             <a:r>
               <a:rPr lang="zh-TW" altLang="en-US" dirty="0"/>
-              <a:t>訊號轉換成數位訊號。</a:t>
-            </a:r>
+              <a:t>訊號轉換成數位</a:t>
+            </a:r>
+            <a:r>
+              <a:rPr lang="zh-TW" altLang="en-US"/>
+              <a:t>訊號。</a:t>
+            </a:r>
+            <a:endParaRPr lang="en-US" altLang="zh-TW"/>
+          </a:p>
+          <a:p>
+            <a:pPr marL="514350" indent="-514350">
+              <a:buAutoNum type="arabicPeriod"/>
+            </a:pPr>
             <a:endParaRPr lang="en-US" altLang="zh-TW" dirty="0"/>
           </a:p>
           <a:p>
@@ -6724,7 +7226,7 @@
 </p:sld>
 </file>
 
-<file path=ppt/slides/slide18.xml><?xml version="1.0" encoding="utf-8"?>
+<file path=ppt/slides/slide19.xml><?xml version="1.0" encoding="utf-8"?>
 <p:sld xmlns:a="http://schemas.openxmlformats.org/drawingml/2006/main" xmlns:r="http://schemas.openxmlformats.org/officeDocument/2006/relationships" xmlns:p="http://schemas.openxmlformats.org/presentationml/2006/main">
   <p:cSld>
     <p:spTree>
@@ -6823,12 +7325,12 @@
               <a:buAutoNum type="arabicPeriod"/>
             </a:pPr>
             <a:r>
-              <a:rPr lang="zh-TW" altLang="en-US" dirty="0"/>
+              <a:rPr lang="zh-TW" altLang="en-US"/>
               <a:t>從</a:t>
             </a:r>
             <a:r>
-              <a:rPr lang="en-US" altLang="zh-TW" dirty="0"/>
-              <a:t>Port </a:t>
+              <a:rPr lang="en-US" altLang="zh-TW"/>
+              <a:t>DebugPort </a:t>
             </a:r>
             <a:r>
               <a:rPr lang="zh-TW" altLang="en-US" dirty="0"/>
@@ -6950,7 +7452,240 @@
 </p:sld>
 </file>
 
-<file path=ppt/slides/slide19.xml><?xml version="1.0" encoding="utf-8"?>
+<file path=ppt/slides/slide2.xml><?xml version="1.0" encoding="utf-8"?>
+<p:sld xmlns:a="http://schemas.openxmlformats.org/drawingml/2006/main" xmlns:r="http://schemas.openxmlformats.org/officeDocument/2006/relationships" xmlns:p="http://schemas.openxmlformats.org/presentationml/2006/main">
+  <p:cSld>
+    <p:spTree>
+      <p:nvGrpSpPr>
+        <p:cNvPr id="1" name=""/>
+        <p:cNvGrpSpPr/>
+        <p:nvPr/>
+      </p:nvGrpSpPr>
+      <p:grpSpPr>
+        <a:xfrm>
+          <a:off x="0" y="0"/>
+          <a:ext cx="0" cy="0"/>
+          <a:chOff x="0" y="0"/>
+          <a:chExt cx="0" cy="0"/>
+        </a:xfrm>
+      </p:grpSpPr>
+      <p:sp>
+        <p:nvSpPr>
+          <p:cNvPr id="2" name="標題 1">
+            <a:extLst>
+              <a:ext uri="{FF2B5EF4-FFF2-40B4-BE49-F238E27FC236}">
+                <a16:creationId xmlns:a16="http://schemas.microsoft.com/office/drawing/2014/main" id="{F88A4FC8-77BD-64B2-6092-5EC021BA3E2B}"/>
+              </a:ext>
+            </a:extLst>
+          </p:cNvPr>
+          <p:cNvSpPr>
+            <a:spLocks noGrp="1"/>
+          </p:cNvSpPr>
+          <p:nvPr>
+            <p:ph type="title"/>
+          </p:nvPr>
+        </p:nvSpPr>
+        <p:spPr/>
+        <p:txBody>
+          <a:bodyPr/>
+          <a:lstStyle/>
+          <a:p>
+            <a:pPr algn="ctr"/>
+            <a:r>
+              <a:rPr lang="en-US" altLang="zh-TW" dirty="0"/>
+              <a:t>Definition</a:t>
+            </a:r>
+            <a:endParaRPr lang="zh-TW" altLang="en-US" dirty="0"/>
+          </a:p>
+        </p:txBody>
+      </p:sp>
+      <p:sp>
+        <p:nvSpPr>
+          <p:cNvPr id="3" name="內容版面配置區 2">
+            <a:extLst>
+              <a:ext uri="{FF2B5EF4-FFF2-40B4-BE49-F238E27FC236}">
+                <a16:creationId xmlns:a16="http://schemas.microsoft.com/office/drawing/2014/main" id="{89C08FAC-BB23-3F15-1FDB-608201F54FC7}"/>
+              </a:ext>
+            </a:extLst>
+          </p:cNvPr>
+          <p:cNvSpPr>
+            <a:spLocks noGrp="1"/>
+          </p:cNvSpPr>
+          <p:nvPr>
+            <p:ph idx="1"/>
+          </p:nvPr>
+        </p:nvSpPr>
+        <p:spPr/>
+        <p:txBody>
+          <a:bodyPr/>
+          <a:lstStyle/>
+          <a:p>
+            <a:pPr marL="514350" indent="-514350">
+              <a:buAutoNum type="arabicPeriod"/>
+            </a:pPr>
+            <a:r>
+              <a:rPr lang="zh-TW" altLang="en-US" dirty="0"/>
+              <a:t>以下定義章節</a:t>
+            </a:r>
+            <a:r>
+              <a:rPr lang="en-US" altLang="zh-TW" dirty="0"/>
+              <a:t>Sequence</a:t>
+            </a:r>
+          </a:p>
+          <a:p>
+            <a:pPr marL="914400" lvl="1" indent="-457200">
+              <a:buAutoNum type="arabicPeriod"/>
+            </a:pPr>
+            <a:r>
+              <a:rPr lang="zh-TW" altLang="en-US" dirty="0"/>
+              <a:t>章節 目的</a:t>
+            </a:r>
+            <a:r>
+              <a:rPr lang="en-US" altLang="zh-TW" dirty="0"/>
+              <a:t>(</a:t>
+            </a:r>
+            <a:r>
+              <a:rPr lang="zh-TW" altLang="en-US" dirty="0"/>
+              <a:t>紅色</a:t>
+            </a:r>
+            <a:r>
+              <a:rPr lang="en-US" altLang="zh-TW" dirty="0"/>
+              <a:t>)</a:t>
+            </a:r>
+          </a:p>
+          <a:p>
+            <a:pPr marL="914400" lvl="1" indent="-457200">
+              <a:buAutoNum type="arabicPeriod"/>
+            </a:pPr>
+            <a:r>
+              <a:rPr lang="zh-TW" altLang="en-US" dirty="0"/>
+              <a:t>章節 架構</a:t>
+            </a:r>
+            <a:r>
+              <a:rPr lang="en-US" altLang="zh-TW" dirty="0"/>
+              <a:t>(</a:t>
+            </a:r>
+            <a:r>
+              <a:rPr lang="zh-TW" altLang="en-US" dirty="0"/>
+              <a:t>綠色</a:t>
+            </a:r>
+            <a:r>
+              <a:rPr lang="en-US" altLang="zh-TW" dirty="0"/>
+              <a:t>)</a:t>
+            </a:r>
+          </a:p>
+          <a:p>
+            <a:pPr marL="914400" lvl="1" indent="-457200">
+              <a:buAutoNum type="arabicPeriod"/>
+            </a:pPr>
+            <a:r>
+              <a:rPr lang="zh-TW" altLang="en-US" dirty="0"/>
+              <a:t>章節 問題</a:t>
+            </a:r>
+            <a:r>
+              <a:rPr lang="en-US" altLang="zh-TW" dirty="0"/>
+              <a:t>(</a:t>
+            </a:r>
+            <a:r>
+              <a:rPr lang="zh-TW" altLang="en-US" dirty="0"/>
+              <a:t>藍色</a:t>
+            </a:r>
+            <a:r>
+              <a:rPr lang="en-US" altLang="zh-TW" dirty="0"/>
+              <a:t>)</a:t>
+            </a:r>
+            <a:r>
+              <a:rPr lang="zh-TW" altLang="en-US" dirty="0"/>
+              <a:t>、問題的根本</a:t>
+            </a:r>
+            <a:r>
+              <a:rPr lang="en-US" altLang="zh-TW" dirty="0"/>
+              <a:t>(</a:t>
+            </a:r>
+            <a:r>
+              <a:rPr lang="zh-TW" altLang="en-US" dirty="0"/>
+              <a:t>紅色</a:t>
+            </a:r>
+            <a:r>
+              <a:rPr lang="en-US" altLang="zh-TW" dirty="0"/>
+              <a:t>)</a:t>
+            </a:r>
+          </a:p>
+          <a:p>
+            <a:pPr marL="914400" lvl="1" indent="-457200">
+              <a:buAutoNum type="arabicPeriod"/>
+            </a:pPr>
+            <a:r>
+              <a:rPr lang="zh-TW" altLang="en-US" dirty="0"/>
+              <a:t>解決辦法 </a:t>
+            </a:r>
+            <a:r>
+              <a:rPr lang="en-US" altLang="zh-TW" dirty="0"/>
+              <a:t>(</a:t>
+            </a:r>
+            <a:r>
+              <a:rPr lang="zh-TW" altLang="en-US" dirty="0"/>
+              <a:t>黑色</a:t>
+            </a:r>
+            <a:r>
+              <a:rPr lang="en-US" altLang="zh-TW" dirty="0"/>
+              <a:t>)</a:t>
+            </a:r>
+          </a:p>
+          <a:p>
+            <a:pPr marL="971550" lvl="1" indent="-514350">
+              <a:buAutoNum type="arabicPeriod"/>
+            </a:pPr>
+            <a:endParaRPr lang="en-US" altLang="zh-TW" dirty="0"/>
+          </a:p>
+          <a:p>
+            <a:pPr marL="514350" indent="-514350">
+              <a:buAutoNum type="arabicPeriod"/>
+            </a:pPr>
+            <a:r>
+              <a:rPr lang="zh-TW" altLang="en-US" dirty="0"/>
+              <a:t>字的大小由</a:t>
+            </a:r>
+            <a:r>
+              <a:rPr lang="en-US" altLang="zh-TW" dirty="0"/>
+              <a:t>28 </a:t>
+            </a:r>
+            <a:r>
+              <a:rPr lang="zh-TW" altLang="en-US" dirty="0"/>
+              <a:t>一路縮小 </a:t>
+            </a:r>
+            <a:r>
+              <a:rPr lang="en-US" altLang="zh-TW" dirty="0"/>
+              <a:t>28,24,20,… </a:t>
+            </a:r>
+            <a:r>
+              <a:rPr lang="zh-TW" altLang="en-US" dirty="0"/>
+              <a:t>依層級遞減</a:t>
+            </a:r>
+            <a:endParaRPr lang="en-US" altLang="zh-TW" dirty="0"/>
+          </a:p>
+          <a:p>
+            <a:pPr marL="457200" lvl="1" indent="0">
+              <a:buNone/>
+            </a:pPr>
+            <a:endParaRPr lang="en-US" altLang="zh-TW" dirty="0"/>
+          </a:p>
+        </p:txBody>
+      </p:sp>
+    </p:spTree>
+    <p:extLst>
+      <p:ext uri="{BB962C8B-B14F-4D97-AF65-F5344CB8AC3E}">
+        <p14:creationId xmlns:p14="http://schemas.microsoft.com/office/powerpoint/2010/main" val="3060344743"/>
+      </p:ext>
+    </p:extLst>
+  </p:cSld>
+  <p:clrMapOvr>
+    <a:masterClrMapping/>
+  </p:clrMapOvr>
+</p:sld>
+</file>
+
+<file path=ppt/slides/slide20.xml><?xml version="1.0" encoding="utf-8"?>
 <p:sld xmlns:a="http://schemas.openxmlformats.org/drawingml/2006/main" xmlns:r="http://schemas.openxmlformats.org/officeDocument/2006/relationships" xmlns:p="http://schemas.openxmlformats.org/presentationml/2006/main">
   <p:cSld>
     <p:spTree>
@@ -7179,7 +7914,7 @@
 </p:sld>
 </file>
 
-<file path=ppt/slides/slide2.xml><?xml version="1.0" encoding="utf-8"?>
+<file path=ppt/slides/slide21.xml><?xml version="1.0" encoding="utf-8"?>
 <p:sld xmlns:a="http://schemas.openxmlformats.org/drawingml/2006/main" xmlns:r="http://schemas.openxmlformats.org/officeDocument/2006/relationships" xmlns:p="http://schemas.openxmlformats.org/presentationml/2006/main">
   <p:cSld>
     <p:spTree>
@@ -7201,7 +7936,7 @@
           <p:cNvPr id="2" name="標題 1">
             <a:extLst>
               <a:ext uri="{FF2B5EF4-FFF2-40B4-BE49-F238E27FC236}">
-                <a16:creationId xmlns:a16="http://schemas.microsoft.com/office/drawing/2014/main" id="{F88A4FC8-77BD-64B2-6092-5EC021BA3E2B}"/>
+                <a16:creationId xmlns:a16="http://schemas.microsoft.com/office/drawing/2014/main" id="{034E9218-474B-B1DC-1CDA-394754C26DF2}"/>
               </a:ext>
             </a:extLst>
           </p:cNvPr>
@@ -7220,189 +7955,54 @@
             <a:pPr algn="ctr"/>
             <a:r>
               <a:rPr lang="en-US" altLang="zh-TW" dirty="0"/>
-              <a:t>Definition</a:t>
-            </a:r>
-            <a:endParaRPr lang="zh-TW" altLang="en-US" dirty="0"/>
-          </a:p>
-        </p:txBody>
-      </p:sp>
-      <p:sp>
-        <p:nvSpPr>
-          <p:cNvPr id="3" name="內容版面配置區 2">
-            <a:extLst>
-              <a:ext uri="{FF2B5EF4-FFF2-40B4-BE49-F238E27FC236}">
-                <a16:creationId xmlns:a16="http://schemas.microsoft.com/office/drawing/2014/main" id="{89C08FAC-BB23-3F15-1FDB-608201F54FC7}"/>
-              </a:ext>
-            </a:extLst>
-          </p:cNvPr>
-          <p:cNvSpPr>
-            <a:spLocks noGrp="1"/>
-          </p:cNvSpPr>
+              <a:t>SAR ADC</a:t>
+            </a:r>
+            <a:r>
+              <a:rPr lang="zh-TW" altLang="en-US" dirty="0"/>
+              <a:t> 實際狀況</a:t>
+            </a:r>
+          </a:p>
+        </p:txBody>
+      </p:sp>
+      <p:pic>
+        <p:nvPicPr>
+          <p:cNvPr id="13" name="內容版面配置區 12">
+            <a:extLst>
+              <a:ext uri="{FF2B5EF4-FFF2-40B4-BE49-F238E27FC236}">
+                <a16:creationId xmlns:a16="http://schemas.microsoft.com/office/drawing/2014/main" id="{D84AF8D7-3D22-35C4-83E0-599AE6B98FAB}"/>
+              </a:ext>
+            </a:extLst>
+          </p:cNvPr>
+          <p:cNvPicPr>
+            <a:picLocks noGrp="1" noChangeAspect="1"/>
+          </p:cNvPicPr>
           <p:nvPr>
             <p:ph idx="1"/>
           </p:nvPr>
-        </p:nvSpPr>
-        <p:spPr/>
-        <p:txBody>
-          <a:bodyPr/>
-          <a:lstStyle/>
-          <a:p>
-            <a:pPr marL="514350" indent="-514350">
-              <a:buAutoNum type="arabicPeriod"/>
-            </a:pPr>
-            <a:r>
-              <a:rPr lang="zh-TW" altLang="en-US" dirty="0"/>
-              <a:t>以下定義章節</a:t>
-            </a:r>
-            <a:r>
-              <a:rPr lang="en-US" altLang="zh-TW" dirty="0"/>
-              <a:t>Sequence</a:t>
-            </a:r>
-          </a:p>
-          <a:p>
-            <a:pPr marL="914400" lvl="1" indent="-457200">
-              <a:buAutoNum type="arabicPeriod"/>
-            </a:pPr>
-            <a:r>
-              <a:rPr lang="zh-TW" altLang="en-US" dirty="0"/>
-              <a:t>章節 目的</a:t>
-            </a:r>
-            <a:r>
-              <a:rPr lang="en-US" altLang="zh-TW" dirty="0"/>
-              <a:t>(</a:t>
-            </a:r>
-            <a:r>
-              <a:rPr lang="zh-TW" altLang="en-US" dirty="0"/>
-              <a:t>紅色</a:t>
-            </a:r>
-            <a:r>
-              <a:rPr lang="en-US" altLang="zh-TW" dirty="0"/>
-              <a:t>)</a:t>
-            </a:r>
-          </a:p>
-          <a:p>
-            <a:pPr marL="914400" lvl="1" indent="-457200">
-              <a:buAutoNum type="arabicPeriod"/>
-            </a:pPr>
-            <a:r>
-              <a:rPr lang="zh-TW" altLang="en-US" dirty="0"/>
-              <a:t>章節 架構</a:t>
-            </a:r>
-            <a:r>
-              <a:rPr lang="en-US" altLang="zh-TW" dirty="0"/>
-              <a:t>(</a:t>
-            </a:r>
-            <a:r>
-              <a:rPr lang="zh-TW" altLang="en-US" dirty="0"/>
-              <a:t>綠色</a:t>
-            </a:r>
-            <a:r>
-              <a:rPr lang="en-US" altLang="zh-TW" dirty="0"/>
-              <a:t>)</a:t>
-            </a:r>
-          </a:p>
-          <a:p>
-            <a:pPr marL="914400" lvl="1" indent="-457200">
-              <a:buAutoNum type="arabicPeriod"/>
-            </a:pPr>
-            <a:r>
-              <a:rPr lang="zh-TW" altLang="en-US" dirty="0"/>
-              <a:t>章節 問題</a:t>
-            </a:r>
-            <a:r>
-              <a:rPr lang="en-US" altLang="zh-TW" dirty="0"/>
-              <a:t>(</a:t>
-            </a:r>
-            <a:r>
-              <a:rPr lang="zh-TW" altLang="en-US" dirty="0"/>
-              <a:t>藍色</a:t>
-            </a:r>
-            <a:r>
-              <a:rPr lang="en-US" altLang="zh-TW" dirty="0"/>
-              <a:t>)</a:t>
-            </a:r>
-            <a:r>
-              <a:rPr lang="zh-TW" altLang="en-US" dirty="0"/>
-              <a:t>、問題的根本</a:t>
-            </a:r>
-            <a:r>
-              <a:rPr lang="en-US" altLang="zh-TW" dirty="0"/>
-              <a:t>(</a:t>
-            </a:r>
-            <a:r>
-              <a:rPr lang="zh-TW" altLang="en-US" dirty="0"/>
-              <a:t>紅色</a:t>
-            </a:r>
-            <a:r>
-              <a:rPr lang="en-US" altLang="zh-TW" dirty="0"/>
-              <a:t>)</a:t>
-            </a:r>
-          </a:p>
-          <a:p>
-            <a:pPr marL="914400" lvl="1" indent="-457200">
-              <a:buAutoNum type="arabicPeriod"/>
-            </a:pPr>
-            <a:r>
-              <a:rPr lang="zh-TW" altLang="en-US" dirty="0"/>
-              <a:t>解決辦法 </a:t>
-            </a:r>
-            <a:r>
-              <a:rPr lang="en-US" altLang="zh-TW" dirty="0"/>
-              <a:t>(</a:t>
-            </a:r>
-            <a:r>
-              <a:rPr lang="zh-TW" altLang="en-US" dirty="0"/>
-              <a:t>黑色</a:t>
-            </a:r>
-            <a:r>
-              <a:rPr lang="en-US" altLang="zh-TW" dirty="0"/>
-              <a:t>)</a:t>
-            </a:r>
-          </a:p>
-          <a:p>
-            <a:pPr marL="971550" lvl="1" indent="-514350">
-              <a:buAutoNum type="arabicPeriod"/>
-            </a:pPr>
-            <a:endParaRPr lang="en-US" altLang="zh-TW" dirty="0"/>
-          </a:p>
-          <a:p>
-            <a:pPr marL="514350" indent="-514350">
-              <a:buAutoNum type="arabicPeriod"/>
-            </a:pPr>
-            <a:r>
-              <a:rPr lang="zh-TW" altLang="en-US" dirty="0"/>
-              <a:t>字的大小由</a:t>
-            </a:r>
-            <a:r>
-              <a:rPr lang="en-US" altLang="zh-TW" dirty="0"/>
-              <a:t>28 </a:t>
-            </a:r>
-            <a:r>
-              <a:rPr lang="zh-TW" altLang="en-US" dirty="0"/>
-              <a:t>一路縮小 </a:t>
-            </a:r>
-            <a:r>
-              <a:rPr lang="en-US" altLang="zh-TW" dirty="0"/>
-              <a:t>28,24,20,… </a:t>
-            </a:r>
-            <a:r>
-              <a:rPr lang="zh-TW" altLang="en-US" dirty="0"/>
-              <a:t>依層級遞減</a:t>
-            </a:r>
-            <a:endParaRPr lang="en-US" altLang="zh-TW" dirty="0"/>
-          </a:p>
-          <a:p>
-            <a:pPr marL="457200" lvl="1" indent="0">
-              <a:buNone/>
-            </a:pPr>
-            <a:endParaRPr lang="en-US" altLang="zh-TW" dirty="0"/>
-          </a:p>
-        </p:txBody>
-      </p:sp>
+        </p:nvPicPr>
+        <p:blipFill>
+          <a:blip r:embed="rId2">
+            <a:extLst>
+              <a:ext uri="{28A0092B-C50C-407E-A947-70E740481C1C}">
+                <a14:useLocalDpi xmlns:a14="http://schemas.microsoft.com/office/drawing/2010/main" val="0"/>
+              </a:ext>
+            </a:extLst>
+          </a:blip>
+          <a:stretch>
+            <a:fillRect/>
+          </a:stretch>
+        </p:blipFill>
+        <p:spPr>
+          <a:xfrm>
+            <a:off x="838200" y="1736049"/>
+            <a:ext cx="10515600" cy="4756826"/>
+          </a:xfrm>
+        </p:spPr>
+      </p:pic>
     </p:spTree>
     <p:extLst>
       <p:ext uri="{BB962C8B-B14F-4D97-AF65-F5344CB8AC3E}">
-        <p14:creationId xmlns:p14="http://schemas.microsoft.com/office/powerpoint/2010/main" val="3060344743"/>
+        <p14:creationId xmlns:p14="http://schemas.microsoft.com/office/powerpoint/2010/main" val="2828768408"/>
       </p:ext>
     </p:extLst>
   </p:cSld>
@@ -7412,7 +8012,7 @@
 </p:sld>
 </file>
 
-<file path=ppt/slides/slide20.xml><?xml version="1.0" encoding="utf-8"?>
+<file path=ppt/slides/slide22.xml><?xml version="1.0" encoding="utf-8"?>
 <p:sld xmlns:a="http://schemas.openxmlformats.org/drawingml/2006/main" xmlns:r="http://schemas.openxmlformats.org/officeDocument/2006/relationships" xmlns:p="http://schemas.openxmlformats.org/presentationml/2006/main">
   <p:cSld>
     <p:spTree>
@@ -7434,7 +8034,7 @@
           <p:cNvPr id="2" name="標題 1">
             <a:extLst>
               <a:ext uri="{FF2B5EF4-FFF2-40B4-BE49-F238E27FC236}">
-                <a16:creationId xmlns:a16="http://schemas.microsoft.com/office/drawing/2014/main" id="{034E9218-474B-B1DC-1CDA-394754C26DF2}"/>
+                <a16:creationId xmlns:a16="http://schemas.microsoft.com/office/drawing/2014/main" id="{8BDD02B5-2588-F29D-85A0-F44E3198E6C5}"/>
               </a:ext>
             </a:extLst>
           </p:cNvPr>
@@ -7452,55 +8052,91 @@
           <a:p>
             <a:pPr algn="ctr"/>
             <a:r>
-              <a:rPr lang="en-US" altLang="zh-TW" dirty="0"/>
+              <a:rPr lang="en-US" altLang="zh-TW"/>
               <a:t>SAR ADC</a:t>
             </a:r>
-            <a:r>
-              <a:rPr lang="zh-TW" altLang="en-US" dirty="0"/>
-              <a:t> 實際狀況</a:t>
-            </a:r>
-          </a:p>
-        </p:txBody>
-      </p:sp>
-      <p:pic>
-        <p:nvPicPr>
-          <p:cNvPr id="13" name="內容版面配置區 12">
-            <a:extLst>
-              <a:ext uri="{FF2B5EF4-FFF2-40B4-BE49-F238E27FC236}">
-                <a16:creationId xmlns:a16="http://schemas.microsoft.com/office/drawing/2014/main" id="{D84AF8D7-3D22-35C4-83E0-599AE6B98FAB}"/>
-              </a:ext>
-            </a:extLst>
-          </p:cNvPr>
-          <p:cNvPicPr>
-            <a:picLocks noGrp="1" noChangeAspect="1"/>
-          </p:cNvPicPr>
+            <a:br>
+              <a:rPr lang="en-US" altLang="zh-TW"/>
+            </a:br>
+            <a:r>
+              <a:rPr lang="zh-TW" altLang="en-US"/>
+              <a:t>早期、目前做法</a:t>
+            </a:r>
+          </a:p>
+        </p:txBody>
+      </p:sp>
+      <p:sp>
+        <p:nvSpPr>
+          <p:cNvPr id="3" name="內容版面配置區 2">
+            <a:extLst>
+              <a:ext uri="{FF2B5EF4-FFF2-40B4-BE49-F238E27FC236}">
+                <a16:creationId xmlns:a16="http://schemas.microsoft.com/office/drawing/2014/main" id="{C312E12E-7FF0-635C-AB76-4F921EE1DE24}"/>
+              </a:ext>
+            </a:extLst>
+          </p:cNvPr>
+          <p:cNvSpPr>
+            <a:spLocks noGrp="1"/>
+          </p:cNvSpPr>
           <p:nvPr>
             <p:ph idx="1"/>
           </p:nvPr>
-        </p:nvPicPr>
-        <p:blipFill>
-          <a:blip r:embed="rId2">
-            <a:extLst>
-              <a:ext uri="{28A0092B-C50C-407E-A947-70E740481C1C}">
-                <a14:useLocalDpi xmlns:a14="http://schemas.microsoft.com/office/drawing/2010/main" val="0"/>
-              </a:ext>
-            </a:extLst>
-          </a:blip>
-          <a:stretch>
-            <a:fillRect/>
-          </a:stretch>
-        </p:blipFill>
-        <p:spPr>
-          <a:xfrm>
-            <a:off x="838200" y="1736049"/>
-            <a:ext cx="10515600" cy="4756826"/>
-          </a:xfrm>
-        </p:spPr>
-      </p:pic>
+        </p:nvSpPr>
+        <p:spPr/>
+        <p:txBody>
+          <a:bodyPr/>
+          <a:lstStyle/>
+          <a:p>
+            <a:pPr marL="0" indent="0">
+              <a:buNone/>
+            </a:pPr>
+            <a:r>
+              <a:rPr lang="en-US" altLang="zh-TW"/>
+              <a:t>1.</a:t>
+            </a:r>
+            <a:r>
+              <a:rPr lang="zh-TW" altLang="en-US"/>
+              <a:t> 學長提供</a:t>
+            </a:r>
+            <a:r>
+              <a:rPr lang="en-US" altLang="zh-TW"/>
+              <a:t>ADC</a:t>
+            </a:r>
+            <a:r>
+              <a:rPr lang="zh-TW" altLang="en-US"/>
+              <a:t> </a:t>
+            </a:r>
+            <a:r>
+              <a:rPr lang="en-US" altLang="zh-TW"/>
+              <a:t>CLK</a:t>
+            </a:r>
+            <a:r>
+              <a:rPr lang="zh-TW" altLang="en-US"/>
+              <a:t> ，</a:t>
+            </a:r>
+            <a:endParaRPr lang="en-US" altLang="zh-TW"/>
+          </a:p>
+          <a:p>
+            <a:pPr marL="0" indent="0">
+              <a:buNone/>
+            </a:pPr>
+            <a:endParaRPr lang="en-US" altLang="zh-TW"/>
+          </a:p>
+          <a:p>
+            <a:pPr marL="0" indent="0">
+              <a:buNone/>
+            </a:pPr>
+            <a:r>
+              <a:rPr lang="en-US" altLang="zh-TW"/>
+              <a:t>2. </a:t>
+            </a:r>
+            <a:endParaRPr lang="zh-TW" altLang="en-US"/>
+          </a:p>
+        </p:txBody>
+      </p:sp>
     </p:spTree>
     <p:extLst>
       <p:ext uri="{BB962C8B-B14F-4D97-AF65-F5344CB8AC3E}">
-        <p14:creationId xmlns:p14="http://schemas.microsoft.com/office/powerpoint/2010/main" val="2828768408"/>
+        <p14:creationId xmlns:p14="http://schemas.microsoft.com/office/powerpoint/2010/main" val="1751698985"/>
       </p:ext>
     </p:extLst>
   </p:cSld>
@@ -7759,7 +8395,7 @@
             </a:pPr>
             <a:r>
               <a:rPr lang="zh-TW" altLang="en-US" sz="2400" dirty="0">
-                <a:hlinkClick r:id="rId2" action="ppaction://hlinksldjump"/>
+                <a:hlinkClick r:id="rId3" action="ppaction://hlinksldjump"/>
               </a:rPr>
               <a:t>傳輸問題 </a:t>
             </a:r>
@@ -7823,7 +8459,7 @@
             </a:pPr>
             <a:r>
               <a:rPr lang="zh-TW" altLang="en-US" sz="2400" dirty="0">
-                <a:hlinkClick r:id="rId3" action="ppaction://hlinksldjump"/>
+                <a:hlinkClick r:id="rId4" action="ppaction://hlinksldjump"/>
               </a:rPr>
               <a:t>最接近顏色</a:t>
             </a:r>

--- a/Project_Summary_pdf/Project_Summary.pptx
+++ b/Project_Summary_pdf/Project_Summary.pptx
@@ -5,31 +5,38 @@
     <p:sldMasterId id="2147483648" r:id="rId1"/>
   </p:sldMasterIdLst>
   <p:notesMasterIdLst>
-    <p:notesMasterId r:id="rId24"/>
+    <p:notesMasterId r:id="rId31"/>
   </p:notesMasterIdLst>
   <p:sldIdLst>
     <p:sldId id="256" r:id="rId2"/>
     <p:sldId id="261" r:id="rId3"/>
-    <p:sldId id="257" r:id="rId4"/>
-    <p:sldId id="258" r:id="rId5"/>
-    <p:sldId id="260" r:id="rId6"/>
-    <p:sldId id="263" r:id="rId7"/>
-    <p:sldId id="264" r:id="rId8"/>
-    <p:sldId id="259" r:id="rId9"/>
-    <p:sldId id="265" r:id="rId10"/>
-    <p:sldId id="266" r:id="rId11"/>
-    <p:sldId id="278" r:id="rId12"/>
-    <p:sldId id="267" r:id="rId13"/>
-    <p:sldId id="268" r:id="rId14"/>
-    <p:sldId id="269" r:id="rId15"/>
-    <p:sldId id="270" r:id="rId16"/>
-    <p:sldId id="271" r:id="rId17"/>
-    <p:sldId id="272" r:id="rId18"/>
-    <p:sldId id="273" r:id="rId19"/>
-    <p:sldId id="274" r:id="rId20"/>
-    <p:sldId id="275" r:id="rId21"/>
-    <p:sldId id="276" r:id="rId22"/>
-    <p:sldId id="277" r:id="rId23"/>
+    <p:sldId id="266" r:id="rId4"/>
+    <p:sldId id="278" r:id="rId5"/>
+    <p:sldId id="267" r:id="rId6"/>
+    <p:sldId id="268" r:id="rId7"/>
+    <p:sldId id="270" r:id="rId8"/>
+    <p:sldId id="271" r:id="rId9"/>
+    <p:sldId id="272" r:id="rId10"/>
+    <p:sldId id="273" r:id="rId11"/>
+    <p:sldId id="274" r:id="rId12"/>
+    <p:sldId id="275" r:id="rId13"/>
+    <p:sldId id="276" r:id="rId14"/>
+    <p:sldId id="277" r:id="rId15"/>
+    <p:sldId id="280" r:id="rId16"/>
+    <p:sldId id="279" r:id="rId17"/>
+    <p:sldId id="283" r:id="rId18"/>
+    <p:sldId id="284" r:id="rId19"/>
+    <p:sldId id="285" r:id="rId20"/>
+    <p:sldId id="286" r:id="rId21"/>
+    <p:sldId id="281" r:id="rId22"/>
+    <p:sldId id="257" r:id="rId23"/>
+    <p:sldId id="258" r:id="rId24"/>
+    <p:sldId id="260" r:id="rId25"/>
+    <p:sldId id="263" r:id="rId26"/>
+    <p:sldId id="264" r:id="rId27"/>
+    <p:sldId id="259" r:id="rId28"/>
+    <p:sldId id="265" r:id="rId29"/>
+    <p:sldId id="282" r:id="rId30"/>
   </p:sldIdLst>
   <p:sldSz cx="12192000" cy="6858000"/>
   <p:notesSz cx="6858000" cy="9144000"/>
@@ -131,7 +138,7 @@
   <p:extLst>
     <p:ext uri="{521415D9-36F7-43E2-AB2F-B90AF26B5E84}">
       <p14:sectionLst xmlns:p14="http://schemas.microsoft.com/office/powerpoint/2010/main">
-        <p14:section name="預設章節" id="{D51548FD-1061-47EC-804F-770269E5D319}">
+        <p14:section name="標頭檔" id="{D51548FD-1061-47EC-804F-770269E5D319}">
           <p14:sldIdLst>
             <p14:sldId id="256"/>
           </p14:sldIdLst>
@@ -139,6 +146,43 @@
         <p14:section name="Defintion" id="{0B994A8D-C9E8-4E47-8CF7-831F169BDAA0}">
           <p14:sldIdLst>
             <p14:sldId id="261"/>
+          </p14:sldIdLst>
+        </p14:section>
+        <p14:section name="章節List" id="{8E4A4382-9A9E-49FA-9DE0-776CC5EB9A30}">
+          <p14:sldIdLst/>
+        </p14:section>
+        <p14:section name="ADC 數位架構" id="{D6BA5F9B-D591-47FA-8B94-6F7DFFB3FDE6}">
+          <p14:sldIdLst>
+            <p14:sldId id="266"/>
+            <p14:sldId id="278"/>
+            <p14:sldId id="267"/>
+            <p14:sldId id="268"/>
+            <p14:sldId id="270"/>
+            <p14:sldId id="271"/>
+            <p14:sldId id="272"/>
+            <p14:sldId id="273"/>
+            <p14:sldId id="274"/>
+            <p14:sldId id="275"/>
+            <p14:sldId id="276"/>
+            <p14:sldId id="277"/>
+            <p14:sldId id="280"/>
+            <p14:sldId id="279"/>
+            <p14:sldId id="283"/>
+            <p14:sldId id="284"/>
+          </p14:sldIdLst>
+        </p14:section>
+        <p14:section name="數位架構流程 (Matlab模擬)" id="{E078FA33-5677-4227-A0C3-3CA81D73366A}">
+          <p14:sldIdLst>
+            <p14:sldId id="285"/>
+            <p14:sldId id="286"/>
+          </p14:sldIdLst>
+        </p14:section>
+        <p14:section name="AGC flow" id="{D4987742-1940-4315-8C24-0E7FB243CB3A}">
+          <p14:sldIdLst/>
+        </p14:section>
+        <p14:section name="數位電路驗證" id="{D5C40446-EBF3-4C53-8497-3F374EA8D1ED}">
+          <p14:sldIdLst>
+            <p14:sldId id="281"/>
           </p14:sldIdLst>
         </p14:section>
         <p14:section name="Project Name : ColorPicking" id="{2A9654F3-D5BC-4227-9ADF-A1FABED36332}">
@@ -152,28 +196,10 @@
             <p14:sldId id="265"/>
           </p14:sldIdLst>
         </p14:section>
-        <p14:section name="數位電路驗證" id="{D5C40446-EBF3-4C53-8497-3F374EA8D1ED}">
-          <p14:sldIdLst/>
-        </p14:section>
-        <p14:section name="ADC 數位架構" id="{D6BA5F9B-D591-47FA-8B94-6F7DFFB3FDE6}">
+        <p14:section name="完成的重要任務" id="{FA68A893-A763-4D02-8571-DFC6F7755776}">
           <p14:sldIdLst>
-            <p14:sldId id="266"/>
-            <p14:sldId id="278"/>
-            <p14:sldId id="267"/>
-            <p14:sldId id="268"/>
-            <p14:sldId id="269"/>
-            <p14:sldId id="270"/>
-            <p14:sldId id="271"/>
-            <p14:sldId id="272"/>
-            <p14:sldId id="273"/>
-            <p14:sldId id="274"/>
-            <p14:sldId id="275"/>
-            <p14:sldId id="276"/>
-            <p14:sldId id="277"/>
+            <p14:sldId id="282"/>
           </p14:sldIdLst>
-        </p14:section>
-        <p14:section name="AGC flow" id="{D4987742-1940-4315-8C24-0E7FB243CB3A}">
-          <p14:sldIdLst/>
         </p14:section>
       </p14:sectionLst>
     </p:ext>
@@ -189,7 +215,7 @@
 
 <file path=ppt/commentAuthors.xml><?xml version="1.0" encoding="utf-8"?>
 <p:cmAuthorLst xmlns:a="http://schemas.openxmlformats.org/drawingml/2006/main" xmlns:r="http://schemas.openxmlformats.org/officeDocument/2006/relationships" xmlns:p="http://schemas.openxmlformats.org/presentationml/2006/main">
-  <p:cmAuthor id="1" name="sis-fw-3" initials="s" lastIdx="11" clrIdx="0">
+  <p:cmAuthor id="1" name="sis-fw-3" initials="s" lastIdx="12" clrIdx="0">
     <p:extLst>
       <p:ext uri="{19B8F6BF-5375-455C-9EA6-DF929625EA0E}">
         <p15:presenceInfo xmlns:p15="http://schemas.microsoft.com/office/powerpoint/2012/main" userId="sis-fw-3" providerId="None"/>
@@ -200,6 +226,20 @@
 </file>
 
 <file path=ppt/comments/comment1.xml><?xml version="1.0" encoding="utf-8"?>
+<p:cmLst xmlns:a="http://schemas.openxmlformats.org/drawingml/2006/main" xmlns:r="http://schemas.openxmlformats.org/officeDocument/2006/relationships" xmlns:p="http://schemas.openxmlformats.org/presentationml/2006/main">
+  <p:cm authorId="1" dt="2023-01-07T14:28:19.221" idx="8">
+    <p:pos x="2476" y="1906"/>
+    <p:text>ADC 過程是 SAR ADC</p:text>
+    <p:extLst>
+      <p:ext uri="{C676402C-5697-4E1C-873F-D02D1690AC5C}">
+        <p15:threadingInfo xmlns:p15="http://schemas.microsoft.com/office/powerpoint/2012/main" timeZoneBias="-480"/>
+      </p:ext>
+    </p:extLst>
+  </p:cm>
+</p:cmLst>
+</file>
+
+<file path=ppt/comments/comment2.xml><?xml version="1.0" encoding="utf-8"?>
 <p:cmLst xmlns:a="http://schemas.openxmlformats.org/drawingml/2006/main" xmlns:r="http://schemas.openxmlformats.org/officeDocument/2006/relationships" xmlns:p="http://schemas.openxmlformats.org/presentationml/2006/main">
   <p:cm authorId="1" dt="2022-12-30T15:23:12.833" idx="2">
     <p:pos x="4385" y="1003"/>
@@ -222,7 +262,7 @@
 </p:cmLst>
 </file>
 
-<file path=ppt/comments/comment2.xml><?xml version="1.0" encoding="utf-8"?>
+<file path=ppt/comments/comment3.xml><?xml version="1.0" encoding="utf-8"?>
 <p:cmLst xmlns:a="http://schemas.openxmlformats.org/drawingml/2006/main" xmlns:r="http://schemas.openxmlformats.org/officeDocument/2006/relationships" xmlns:p="http://schemas.openxmlformats.org/presentationml/2006/main">
   <p:cm authorId="1" dt="2022-12-30T20:10:18.079" idx="5">
     <p:pos x="3297" y="1878"/>
@@ -245,39 +285,11 @@
 </p:cmLst>
 </file>
 
-<file path=ppt/comments/comment3.xml><?xml version="1.0" encoding="utf-8"?>
+<file path=ppt/comments/comment4.xml><?xml version="1.0" encoding="utf-8"?>
 <p:cmLst xmlns:a="http://schemas.openxmlformats.org/drawingml/2006/main" xmlns:r="http://schemas.openxmlformats.org/officeDocument/2006/relationships" xmlns:p="http://schemas.openxmlformats.org/presentationml/2006/main">
   <p:cm authorId="1" dt="2023-01-01T21:47:13.367" idx="7">
     <p:pos x="2745" y="2512"/>
     <p:text>使用歐式幾何</p:text>
-    <p:extLst>
-      <p:ext uri="{C676402C-5697-4E1C-873F-D02D1690AC5C}">
-        <p15:threadingInfo xmlns:p15="http://schemas.microsoft.com/office/powerpoint/2012/main" timeZoneBias="-480"/>
-      </p:ext>
-    </p:extLst>
-  </p:cm>
-</p:cmLst>
-</file>
-
-<file path=ppt/comments/comment4.xml><?xml version="1.0" encoding="utf-8"?>
-<p:cmLst xmlns:a="http://schemas.openxmlformats.org/drawingml/2006/main" xmlns:r="http://schemas.openxmlformats.org/officeDocument/2006/relationships" xmlns:p="http://schemas.openxmlformats.org/presentationml/2006/main">
-  <p:cm authorId="1" dt="2023-01-07T18:24:45.642" idx="9">
-    <p:pos x="3858" y="1768"/>
-    <p:text>PGA 是 低通濾波器將高頻訊號有效阻擋住。Gain值越大 Slew Rate越緩(頻寬越小)</p:text>
-    <p:extLst>
-      <p:ext uri="{C676402C-5697-4E1C-873F-D02D1690AC5C}">
-        <p15:threadingInfo xmlns:p15="http://schemas.microsoft.com/office/powerpoint/2012/main" timeZoneBias="-480"/>
-      </p:ext>
-    </p:extLst>
-  </p:cm>
-</p:cmLst>
-</file>
-
-<file path=ppt/comments/comment5.xml><?xml version="1.0" encoding="utf-8"?>
-<p:cmLst xmlns:a="http://schemas.openxmlformats.org/drawingml/2006/main" xmlns:r="http://schemas.openxmlformats.org/officeDocument/2006/relationships" xmlns:p="http://schemas.openxmlformats.org/presentationml/2006/main">
-  <p:cm authorId="1" dt="2023-01-07T14:28:19.221" idx="8">
-    <p:pos x="2476" y="1906"/>
-    <p:text>ADC 過程是 SAR ADC</p:text>
     <p:extLst>
       <p:ext uri="{C676402C-5697-4E1C-873F-D02D1690AC5C}">
         <p15:threadingInfo xmlns:p15="http://schemas.microsoft.com/office/powerpoint/2012/main" timeZoneBias="-480"/>
@@ -369,7 +381,7 @@
           <a:p>
             <a:fld id="{C65320F2-F42B-45F1-AA86-96F1A2E46749}" type="datetimeFigureOut">
               <a:rPr lang="zh-TW" altLang="en-US" smtClean="0"/>
-              <a:t>2023/1/14</a:t>
+              <a:t>2023/1/16</a:t>
             </a:fld>
             <a:endParaRPr lang="zh-TW" altLang="en-US"/>
           </a:p>
@@ -764,7 +776,7 @@
           <a:bodyPr/>
           <a:lstStyle/>
           <a:p>
-            <a:endParaRPr lang="zh-TW" altLang="en-US"/>
+            <a:endParaRPr lang="zh-TW" altLang="en-US" dirty="0"/>
           </a:p>
         </p:txBody>
       </p:sp>
@@ -794,7 +806,7 @@
     </p:spTree>
     <p:extLst>
       <p:ext uri="{BB962C8B-B14F-4D97-AF65-F5344CB8AC3E}">
-        <p14:creationId xmlns:p14="http://schemas.microsoft.com/office/powerpoint/2010/main" val="2670570649"/>
+        <p14:creationId xmlns:p14="http://schemas.microsoft.com/office/powerpoint/2010/main" val="2939155354"/>
       </p:ext>
     </p:extLst>
   </p:cSld>
@@ -848,70 +860,53 @@
           <a:bodyPr/>
           <a:lstStyle/>
           <a:p>
-            <a:pPr marL="228600" indent="-228600">
-              <a:buAutoNum type="arabicPeriod"/>
-            </a:pPr>
-            <a:r>
-              <a:rPr lang="zh-TW" altLang="en-US"/>
-              <a:t>由於筆只使用</a:t>
-            </a:r>
-            <a:r>
-              <a:rPr lang="en-US" altLang="zh-TW"/>
-              <a:t>UART TX</a:t>
-            </a:r>
-            <a:r>
-              <a:rPr lang="zh-TW" altLang="en-US"/>
-              <a:t>來印出相關資訊、並沒有使用</a:t>
-            </a:r>
-            <a:r>
-              <a:rPr lang="en-US" altLang="zh-TW"/>
-              <a:t>RX</a:t>
-            </a:r>
-            <a:r>
-              <a:rPr lang="zh-TW" altLang="en-US"/>
-              <a:t>來接收其他</a:t>
-            </a:r>
-            <a:r>
-              <a:rPr lang="en-US" altLang="zh-TW"/>
-              <a:t>Sensor</a:t>
-            </a:r>
-            <a:r>
-              <a:rPr lang="zh-TW" altLang="en-US"/>
-              <a:t>的</a:t>
-            </a:r>
-            <a:r>
-              <a:rPr lang="en-US" altLang="zh-TW"/>
-              <a:t>information</a:t>
-            </a:r>
-            <a:r>
-              <a:rPr lang="zh-TW" altLang="en-US"/>
-              <a:t>。</a:t>
-            </a:r>
-            <a:endParaRPr lang="en-US" altLang="zh-TW"/>
-          </a:p>
-          <a:p>
-            <a:pPr marL="0" indent="0">
-              <a:buNone/>
-            </a:pPr>
-            <a:r>
-              <a:rPr lang="zh-TW" altLang="en-US"/>
-              <a:t>       </a:t>
-            </a:r>
-            <a:r>
-              <a:rPr lang="en-US" altLang="zh-TW"/>
-              <a:t>1.1 UART</a:t>
-            </a:r>
-            <a:r>
-              <a:rPr lang="zh-TW" altLang="en-US"/>
-              <a:t> </a:t>
-            </a:r>
-            <a:r>
-              <a:rPr lang="en-US" altLang="zh-TW"/>
-              <a:t>RX Setting</a:t>
-            </a:r>
-            <a:r>
-              <a:rPr lang="zh-TW" altLang="en-US"/>
-              <a:t>建立</a:t>
+            <a:r>
+              <a:rPr lang="en-US" altLang="zh-TW" dirty="0"/>
+              <a:t>1. PGA </a:t>
+            </a:r>
+            <a:r>
+              <a:rPr lang="zh-TW" altLang="en-US" dirty="0"/>
+              <a:t>是 低通濾波器將高頻訊號有效阻擋住。</a:t>
+            </a:r>
+            <a:r>
+              <a:rPr lang="en-US" altLang="zh-TW" dirty="0"/>
+              <a:t>Gain</a:t>
+            </a:r>
+            <a:r>
+              <a:rPr lang="zh-TW" altLang="en-US" dirty="0"/>
+              <a:t>值越大 </a:t>
+            </a:r>
+            <a:r>
+              <a:rPr lang="en-US" altLang="zh-TW" dirty="0"/>
+              <a:t>Slew Rate</a:t>
+            </a:r>
+            <a:r>
+              <a:rPr lang="zh-TW" altLang="en-US" dirty="0"/>
+              <a:t>越緩</a:t>
+            </a:r>
+            <a:r>
+              <a:rPr lang="en-US" altLang="zh-TW" dirty="0"/>
+              <a:t>(</a:t>
+            </a:r>
+            <a:r>
+              <a:rPr lang="zh-TW" altLang="en-US" dirty="0"/>
+              <a:t>頻寬越小</a:t>
+            </a:r>
+            <a:r>
+              <a:rPr lang="en-US" altLang="zh-TW" dirty="0"/>
+              <a:t>) </a:t>
+            </a:r>
+            <a:r>
+              <a:rPr lang="zh-TW" altLang="en-US" dirty="0"/>
+              <a:t>與之後的</a:t>
+            </a:r>
+            <a:r>
+              <a:rPr lang="en-US" altLang="zh-TW" dirty="0"/>
+              <a:t>AGC</a:t>
+            </a:r>
+            <a:r>
+              <a:rPr lang="zh-TW" altLang="en-US" dirty="0"/>
+              <a:t>流程有密切關係</a:t>
             </a:r>
           </a:p>
         </p:txBody>
@@ -933,7 +928,7 @@
           <a:p>
             <a:fld id="{0116F853-F7F2-4239-A629-A213C1D67574}" type="slidenum">
               <a:rPr lang="zh-TW" altLang="en-US" smtClean="0"/>
-              <a:t>4</a:t>
+              <a:t>6</a:t>
             </a:fld>
             <a:endParaRPr lang="zh-TW" altLang="en-US"/>
           </a:p>
@@ -942,7 +937,7 @@
     </p:spTree>
     <p:extLst>
       <p:ext uri="{BB962C8B-B14F-4D97-AF65-F5344CB8AC3E}">
-        <p14:creationId xmlns:p14="http://schemas.microsoft.com/office/powerpoint/2010/main" val="978169652"/>
+        <p14:creationId xmlns:p14="http://schemas.microsoft.com/office/powerpoint/2010/main" val="366675718"/>
       </p:ext>
     </p:extLst>
   </p:cSld>
@@ -1028,7 +1023,7 @@
           <a:p>
             <a:fld id="{0116F853-F7F2-4239-A629-A213C1D67574}" type="slidenum">
               <a:rPr lang="zh-TW" altLang="en-US" smtClean="0"/>
-              <a:t>17</a:t>
+              <a:t>9</a:t>
             </a:fld>
             <a:endParaRPr lang="zh-TW" altLang="en-US"/>
           </a:p>
@@ -1038,6 +1033,620 @@
     <p:extLst>
       <p:ext uri="{BB962C8B-B14F-4D97-AF65-F5344CB8AC3E}">
         <p14:creationId xmlns:p14="http://schemas.microsoft.com/office/powerpoint/2010/main" val="4287161391"/>
+      </p:ext>
+    </p:extLst>
+  </p:cSld>
+  <p:clrMapOvr>
+    <a:masterClrMapping/>
+  </p:clrMapOvr>
+</p:notes>
+</file>
+
+<file path=ppt/notesSlides/notesSlide5.xml><?xml version="1.0" encoding="utf-8"?>
+<p:notes xmlns:a="http://schemas.openxmlformats.org/drawingml/2006/main" xmlns:r="http://schemas.openxmlformats.org/officeDocument/2006/relationships" xmlns:p="http://schemas.openxmlformats.org/presentationml/2006/main">
+  <p:cSld>
+    <p:spTree>
+      <p:nvGrpSpPr>
+        <p:cNvPr id="1" name=""/>
+        <p:cNvGrpSpPr/>
+        <p:nvPr/>
+      </p:nvGrpSpPr>
+      <p:grpSpPr>
+        <a:xfrm>
+          <a:off x="0" y="0"/>
+          <a:ext cx="0" cy="0"/>
+          <a:chOff x="0" y="0"/>
+          <a:chExt cx="0" cy="0"/>
+        </a:xfrm>
+      </p:grpSpPr>
+      <p:sp>
+        <p:nvSpPr>
+          <p:cNvPr id="2" name="投影片影像版面配置區 1"/>
+          <p:cNvSpPr>
+            <a:spLocks noGrp="1" noRot="1" noChangeAspect="1"/>
+          </p:cNvSpPr>
+          <p:nvPr>
+            <p:ph type="sldImg"/>
+          </p:nvPr>
+        </p:nvSpPr>
+        <p:spPr/>
+      </p:sp>
+      <p:sp>
+        <p:nvSpPr>
+          <p:cNvPr id="3" name="備忘稿版面配置區 2"/>
+          <p:cNvSpPr>
+            <a:spLocks noGrp="1"/>
+          </p:cNvSpPr>
+          <p:nvPr>
+            <p:ph type="body" idx="1"/>
+          </p:nvPr>
+        </p:nvSpPr>
+        <p:spPr/>
+        <p:txBody>
+          <a:bodyPr/>
+          <a:lstStyle/>
+          <a:p>
+            <a:r>
+              <a:rPr lang="zh-TW" altLang="en-US" dirty="0"/>
+              <a:t>講述</a:t>
+            </a:r>
+            <a:r>
+              <a:rPr lang="en-US" altLang="zh-TW" dirty="0"/>
+              <a:t>LA</a:t>
+            </a:r>
+            <a:r>
+              <a:rPr lang="zh-TW" altLang="en-US" dirty="0"/>
+              <a:t>的儲存方式</a:t>
+            </a:r>
+            <a:endParaRPr lang="en-US" altLang="zh-TW" dirty="0"/>
+          </a:p>
+          <a:p>
+            <a:pPr marL="228600" indent="-228600">
+              <a:buAutoNum type="arabicPeriod"/>
+            </a:pPr>
+            <a:r>
+              <a:rPr lang="en-US" altLang="zh-TW" dirty="0"/>
+              <a:t>LA </a:t>
+            </a:r>
+            <a:r>
+              <a:rPr lang="zh-TW" altLang="en-US" dirty="0"/>
+              <a:t>的 </a:t>
+            </a:r>
+            <a:r>
+              <a:rPr lang="en-US" altLang="zh-TW" dirty="0" err="1"/>
+              <a:t>SampleRate</a:t>
+            </a:r>
+            <a:r>
+              <a:rPr lang="en-US" altLang="zh-TW" dirty="0"/>
+              <a:t> </a:t>
+            </a:r>
+            <a:r>
+              <a:rPr lang="zh-TW" altLang="en-US" dirty="0"/>
+              <a:t>最高可以到</a:t>
+            </a:r>
+            <a:r>
+              <a:rPr lang="en-US" altLang="zh-TW" dirty="0"/>
+              <a:t>500MHZ</a:t>
+            </a:r>
+          </a:p>
+          <a:p>
+            <a:pPr marL="228600" indent="-228600">
+              <a:buAutoNum type="arabicPeriod"/>
+            </a:pPr>
+            <a:r>
+              <a:rPr lang="zh-TW" altLang="en-US" dirty="0"/>
+              <a:t>當儲存成</a:t>
+            </a:r>
+            <a:r>
+              <a:rPr lang="en-US" altLang="zh-TW" dirty="0"/>
+              <a:t>csv</a:t>
+            </a:r>
+            <a:r>
+              <a:rPr lang="zh-TW" altLang="en-US" dirty="0"/>
+              <a:t>檔時，指針對數值變化的時間點儲存</a:t>
+            </a:r>
+          </a:p>
+        </p:txBody>
+      </p:sp>
+      <p:sp>
+        <p:nvSpPr>
+          <p:cNvPr id="4" name="投影片編號版面配置區 3"/>
+          <p:cNvSpPr>
+            <a:spLocks noGrp="1"/>
+          </p:cNvSpPr>
+          <p:nvPr>
+            <p:ph type="sldNum" sz="quarter" idx="5"/>
+          </p:nvPr>
+        </p:nvSpPr>
+        <p:spPr/>
+        <p:txBody>
+          <a:bodyPr/>
+          <a:lstStyle/>
+          <a:p>
+            <a:fld id="{0116F853-F7F2-4239-A629-A213C1D67574}" type="slidenum">
+              <a:rPr lang="zh-TW" altLang="en-US" smtClean="0"/>
+              <a:t>13</a:t>
+            </a:fld>
+            <a:endParaRPr lang="zh-TW" altLang="en-US"/>
+          </a:p>
+        </p:txBody>
+      </p:sp>
+    </p:spTree>
+    <p:extLst>
+      <p:ext uri="{BB962C8B-B14F-4D97-AF65-F5344CB8AC3E}">
+        <p14:creationId xmlns:p14="http://schemas.microsoft.com/office/powerpoint/2010/main" val="2752075676"/>
+      </p:ext>
+    </p:extLst>
+  </p:cSld>
+  <p:clrMapOvr>
+    <a:masterClrMapping/>
+  </p:clrMapOvr>
+</p:notes>
+</file>
+
+<file path=ppt/notesSlides/notesSlide6.xml><?xml version="1.0" encoding="utf-8"?>
+<p:notes xmlns:a="http://schemas.openxmlformats.org/drawingml/2006/main" xmlns:r="http://schemas.openxmlformats.org/officeDocument/2006/relationships" xmlns:p="http://schemas.openxmlformats.org/presentationml/2006/main">
+  <p:cSld>
+    <p:spTree>
+      <p:nvGrpSpPr>
+        <p:cNvPr id="1" name=""/>
+        <p:cNvGrpSpPr/>
+        <p:nvPr/>
+      </p:nvGrpSpPr>
+      <p:grpSpPr>
+        <a:xfrm>
+          <a:off x="0" y="0"/>
+          <a:ext cx="0" cy="0"/>
+          <a:chOff x="0" y="0"/>
+          <a:chExt cx="0" cy="0"/>
+        </a:xfrm>
+      </p:grpSpPr>
+      <p:sp>
+        <p:nvSpPr>
+          <p:cNvPr id="2" name="投影片影像版面配置區 1"/>
+          <p:cNvSpPr>
+            <a:spLocks noGrp="1" noRot="1" noChangeAspect="1"/>
+          </p:cNvSpPr>
+          <p:nvPr>
+            <p:ph type="sldImg"/>
+          </p:nvPr>
+        </p:nvSpPr>
+        <p:spPr/>
+      </p:sp>
+      <p:sp>
+        <p:nvSpPr>
+          <p:cNvPr id="3" name="備忘稿版面配置區 2"/>
+          <p:cNvSpPr>
+            <a:spLocks noGrp="1"/>
+          </p:cNvSpPr>
+          <p:nvPr>
+            <p:ph type="body" idx="1"/>
+          </p:nvPr>
+        </p:nvSpPr>
+        <p:spPr/>
+        <p:txBody>
+          <a:bodyPr/>
+          <a:lstStyle/>
+          <a:p>
+            <a:pPr marL="228600" indent="-228600">
+              <a:buAutoNum type="arabicPeriod"/>
+            </a:pPr>
+            <a:r>
+              <a:rPr lang="en-US" altLang="zh-TW" dirty="0"/>
+              <a:t>Group </a:t>
+            </a:r>
+            <a:r>
+              <a:rPr lang="zh-TW" altLang="en-US" dirty="0"/>
+              <a:t>指的是 </a:t>
+            </a:r>
+            <a:r>
+              <a:rPr lang="en-US" altLang="zh-TW" dirty="0"/>
+              <a:t>8</a:t>
+            </a:r>
+            <a:r>
+              <a:rPr lang="zh-TW" altLang="en-US" dirty="0"/>
+              <a:t>個</a:t>
+            </a:r>
+            <a:r>
+              <a:rPr lang="en-US" altLang="zh-TW" dirty="0"/>
+              <a:t>Port </a:t>
+            </a:r>
+            <a:r>
+              <a:rPr lang="zh-TW" altLang="en-US" dirty="0"/>
+              <a:t>開始變化的時間不超過</a:t>
+            </a:r>
+            <a:r>
+              <a:rPr lang="en-US" altLang="zh-TW" dirty="0"/>
+              <a:t>40ns</a:t>
+            </a:r>
+            <a:r>
+              <a:rPr lang="zh-TW" altLang="en-US" dirty="0"/>
+              <a:t>，將這些時間點列在相同的</a:t>
+            </a:r>
+            <a:r>
+              <a:rPr lang="en-US" altLang="zh-TW" dirty="0"/>
+              <a:t>Group</a:t>
+            </a:r>
+            <a:r>
+              <a:rPr lang="zh-TW" altLang="en-US" dirty="0"/>
+              <a:t>。</a:t>
+            </a:r>
+            <a:endParaRPr lang="en-US" altLang="zh-TW" dirty="0"/>
+          </a:p>
+          <a:p>
+            <a:pPr marL="228600" indent="-228600">
+              <a:buAutoNum type="arabicPeriod"/>
+            </a:pPr>
+            <a:r>
+              <a:rPr lang="en-US" altLang="zh-TW" dirty="0"/>
+              <a:t>Sample</a:t>
+            </a:r>
+            <a:r>
+              <a:rPr lang="zh-TW" altLang="en-US" dirty="0"/>
+              <a:t>的時間點取這個</a:t>
+            </a:r>
+            <a:r>
+              <a:rPr lang="en-US" altLang="zh-TW" dirty="0"/>
+              <a:t>Group</a:t>
+            </a:r>
+            <a:r>
+              <a:rPr lang="zh-TW" altLang="en-US" dirty="0"/>
+              <a:t>的最後</a:t>
+            </a:r>
+          </a:p>
+        </p:txBody>
+      </p:sp>
+      <p:sp>
+        <p:nvSpPr>
+          <p:cNvPr id="4" name="投影片編號版面配置區 3"/>
+          <p:cNvSpPr>
+            <a:spLocks noGrp="1"/>
+          </p:cNvSpPr>
+          <p:nvPr>
+            <p:ph type="sldNum" sz="quarter" idx="5"/>
+          </p:nvPr>
+        </p:nvSpPr>
+        <p:spPr/>
+        <p:txBody>
+          <a:bodyPr/>
+          <a:lstStyle/>
+          <a:p>
+            <a:fld id="{0116F853-F7F2-4239-A629-A213C1D67574}" type="slidenum">
+              <a:rPr lang="zh-TW" altLang="en-US" smtClean="0"/>
+              <a:t>14</a:t>
+            </a:fld>
+            <a:endParaRPr lang="zh-TW" altLang="en-US"/>
+          </a:p>
+        </p:txBody>
+      </p:sp>
+    </p:spTree>
+    <p:extLst>
+      <p:ext uri="{BB962C8B-B14F-4D97-AF65-F5344CB8AC3E}">
+        <p14:creationId xmlns:p14="http://schemas.microsoft.com/office/powerpoint/2010/main" val="1746073952"/>
+      </p:ext>
+    </p:extLst>
+  </p:cSld>
+  <p:clrMapOvr>
+    <a:masterClrMapping/>
+  </p:clrMapOvr>
+</p:notes>
+</file>
+
+<file path=ppt/notesSlides/notesSlide7.xml><?xml version="1.0" encoding="utf-8"?>
+<p:notes xmlns:a="http://schemas.openxmlformats.org/drawingml/2006/main" xmlns:r="http://schemas.openxmlformats.org/officeDocument/2006/relationships" xmlns:p="http://schemas.openxmlformats.org/presentationml/2006/main">
+  <p:cSld>
+    <p:spTree>
+      <p:nvGrpSpPr>
+        <p:cNvPr id="1" name=""/>
+        <p:cNvGrpSpPr/>
+        <p:nvPr/>
+      </p:nvGrpSpPr>
+      <p:grpSpPr>
+        <a:xfrm>
+          <a:off x="0" y="0"/>
+          <a:ext cx="0" cy="0"/>
+          <a:chOff x="0" y="0"/>
+          <a:chExt cx="0" cy="0"/>
+        </a:xfrm>
+      </p:grpSpPr>
+      <p:sp>
+        <p:nvSpPr>
+          <p:cNvPr id="2" name="投影片影像版面配置區 1"/>
+          <p:cNvSpPr>
+            <a:spLocks noGrp="1" noRot="1" noChangeAspect="1"/>
+          </p:cNvSpPr>
+          <p:nvPr>
+            <p:ph type="sldImg"/>
+          </p:nvPr>
+        </p:nvSpPr>
+        <p:spPr/>
+      </p:sp>
+      <p:sp>
+        <p:nvSpPr>
+          <p:cNvPr id="3" name="備忘稿版面配置區 2"/>
+          <p:cNvSpPr>
+            <a:spLocks noGrp="1"/>
+          </p:cNvSpPr>
+          <p:nvPr>
+            <p:ph type="body" idx="1"/>
+          </p:nvPr>
+        </p:nvSpPr>
+        <p:spPr/>
+        <p:txBody>
+          <a:bodyPr/>
+          <a:lstStyle/>
+          <a:p>
+            <a:r>
+              <a:rPr lang="zh-TW" altLang="en-US" dirty="0"/>
+              <a:t>可以觀察到藍色大量</a:t>
+            </a:r>
+            <a:r>
+              <a:rPr lang="en-US" altLang="zh-TW" dirty="0"/>
+              <a:t>Glitch</a:t>
+            </a:r>
+            <a:endParaRPr lang="zh-TW" altLang="en-US" dirty="0"/>
+          </a:p>
+        </p:txBody>
+      </p:sp>
+      <p:sp>
+        <p:nvSpPr>
+          <p:cNvPr id="4" name="投影片編號版面配置區 3"/>
+          <p:cNvSpPr>
+            <a:spLocks noGrp="1"/>
+          </p:cNvSpPr>
+          <p:nvPr>
+            <p:ph type="sldNum" sz="quarter" idx="5"/>
+          </p:nvPr>
+        </p:nvSpPr>
+        <p:spPr/>
+        <p:txBody>
+          <a:bodyPr/>
+          <a:lstStyle/>
+          <a:p>
+            <a:fld id="{0116F853-F7F2-4239-A629-A213C1D67574}" type="slidenum">
+              <a:rPr lang="zh-TW" altLang="en-US" smtClean="0"/>
+              <a:t>16</a:t>
+            </a:fld>
+            <a:endParaRPr lang="zh-TW" altLang="en-US"/>
+          </a:p>
+        </p:txBody>
+      </p:sp>
+    </p:spTree>
+    <p:extLst>
+      <p:ext uri="{BB962C8B-B14F-4D97-AF65-F5344CB8AC3E}">
+        <p14:creationId xmlns:p14="http://schemas.microsoft.com/office/powerpoint/2010/main" val="657839735"/>
+      </p:ext>
+    </p:extLst>
+  </p:cSld>
+  <p:clrMapOvr>
+    <a:masterClrMapping/>
+  </p:clrMapOvr>
+</p:notes>
+</file>
+
+<file path=ppt/notesSlides/notesSlide8.xml><?xml version="1.0" encoding="utf-8"?>
+<p:notes xmlns:a="http://schemas.openxmlformats.org/drawingml/2006/main" xmlns:r="http://schemas.openxmlformats.org/officeDocument/2006/relationships" xmlns:p="http://schemas.openxmlformats.org/presentationml/2006/main">
+  <p:cSld>
+    <p:spTree>
+      <p:nvGrpSpPr>
+        <p:cNvPr id="1" name=""/>
+        <p:cNvGrpSpPr/>
+        <p:nvPr/>
+      </p:nvGrpSpPr>
+      <p:grpSpPr>
+        <a:xfrm>
+          <a:off x="0" y="0"/>
+          <a:ext cx="0" cy="0"/>
+          <a:chOff x="0" y="0"/>
+          <a:chExt cx="0" cy="0"/>
+        </a:xfrm>
+      </p:grpSpPr>
+      <p:sp>
+        <p:nvSpPr>
+          <p:cNvPr id="2" name="投影片影像版面配置區 1"/>
+          <p:cNvSpPr>
+            <a:spLocks noGrp="1" noRot="1" noChangeAspect="1"/>
+          </p:cNvSpPr>
+          <p:nvPr>
+            <p:ph type="sldImg"/>
+          </p:nvPr>
+        </p:nvSpPr>
+        <p:spPr/>
+      </p:sp>
+      <p:sp>
+        <p:nvSpPr>
+          <p:cNvPr id="3" name="備忘稿版面配置區 2"/>
+          <p:cNvSpPr>
+            <a:spLocks noGrp="1"/>
+          </p:cNvSpPr>
+          <p:nvPr>
+            <p:ph type="body" idx="1"/>
+          </p:nvPr>
+        </p:nvSpPr>
+        <p:spPr/>
+        <p:txBody>
+          <a:bodyPr/>
+          <a:lstStyle/>
+          <a:p>
+            <a:endParaRPr lang="zh-TW" altLang="en-US"/>
+          </a:p>
+        </p:txBody>
+      </p:sp>
+      <p:sp>
+        <p:nvSpPr>
+          <p:cNvPr id="4" name="投影片編號版面配置區 3"/>
+          <p:cNvSpPr>
+            <a:spLocks noGrp="1"/>
+          </p:cNvSpPr>
+          <p:nvPr>
+            <p:ph type="sldNum" sz="quarter" idx="5"/>
+          </p:nvPr>
+        </p:nvSpPr>
+        <p:spPr/>
+        <p:txBody>
+          <a:bodyPr/>
+          <a:lstStyle/>
+          <a:p>
+            <a:fld id="{0116F853-F7F2-4239-A629-A213C1D67574}" type="slidenum">
+              <a:rPr lang="zh-TW" altLang="en-US" smtClean="0"/>
+              <a:t>22</a:t>
+            </a:fld>
+            <a:endParaRPr lang="zh-TW" altLang="en-US"/>
+          </a:p>
+        </p:txBody>
+      </p:sp>
+    </p:spTree>
+    <p:extLst>
+      <p:ext uri="{BB962C8B-B14F-4D97-AF65-F5344CB8AC3E}">
+        <p14:creationId xmlns:p14="http://schemas.microsoft.com/office/powerpoint/2010/main" val="2670570649"/>
+      </p:ext>
+    </p:extLst>
+  </p:cSld>
+  <p:clrMapOvr>
+    <a:masterClrMapping/>
+  </p:clrMapOvr>
+</p:notes>
+</file>
+
+<file path=ppt/notesSlides/notesSlide9.xml><?xml version="1.0" encoding="utf-8"?>
+<p:notes xmlns:a="http://schemas.openxmlformats.org/drawingml/2006/main" xmlns:r="http://schemas.openxmlformats.org/officeDocument/2006/relationships" xmlns:p="http://schemas.openxmlformats.org/presentationml/2006/main">
+  <p:cSld>
+    <p:spTree>
+      <p:nvGrpSpPr>
+        <p:cNvPr id="1" name=""/>
+        <p:cNvGrpSpPr/>
+        <p:nvPr/>
+      </p:nvGrpSpPr>
+      <p:grpSpPr>
+        <a:xfrm>
+          <a:off x="0" y="0"/>
+          <a:ext cx="0" cy="0"/>
+          <a:chOff x="0" y="0"/>
+          <a:chExt cx="0" cy="0"/>
+        </a:xfrm>
+      </p:grpSpPr>
+      <p:sp>
+        <p:nvSpPr>
+          <p:cNvPr id="2" name="投影片影像版面配置區 1"/>
+          <p:cNvSpPr>
+            <a:spLocks noGrp="1" noRot="1" noChangeAspect="1"/>
+          </p:cNvSpPr>
+          <p:nvPr>
+            <p:ph type="sldImg"/>
+          </p:nvPr>
+        </p:nvSpPr>
+        <p:spPr/>
+      </p:sp>
+      <p:sp>
+        <p:nvSpPr>
+          <p:cNvPr id="3" name="備忘稿版面配置區 2"/>
+          <p:cNvSpPr>
+            <a:spLocks noGrp="1"/>
+          </p:cNvSpPr>
+          <p:nvPr>
+            <p:ph type="body" idx="1"/>
+          </p:nvPr>
+        </p:nvSpPr>
+        <p:spPr/>
+        <p:txBody>
+          <a:bodyPr/>
+          <a:lstStyle/>
+          <a:p>
+            <a:pPr marL="228600" indent="-228600">
+              <a:buAutoNum type="arabicPeriod"/>
+            </a:pPr>
+            <a:r>
+              <a:rPr lang="zh-TW" altLang="en-US"/>
+              <a:t>由於筆只使用</a:t>
+            </a:r>
+            <a:r>
+              <a:rPr lang="en-US" altLang="zh-TW"/>
+              <a:t>UART TX</a:t>
+            </a:r>
+            <a:r>
+              <a:rPr lang="zh-TW" altLang="en-US"/>
+              <a:t>來印出相關資訊、並沒有使用</a:t>
+            </a:r>
+            <a:r>
+              <a:rPr lang="en-US" altLang="zh-TW"/>
+              <a:t>RX</a:t>
+            </a:r>
+            <a:r>
+              <a:rPr lang="zh-TW" altLang="en-US"/>
+              <a:t>來接收其他</a:t>
+            </a:r>
+            <a:r>
+              <a:rPr lang="en-US" altLang="zh-TW"/>
+              <a:t>Sensor</a:t>
+            </a:r>
+            <a:r>
+              <a:rPr lang="zh-TW" altLang="en-US"/>
+              <a:t>的</a:t>
+            </a:r>
+            <a:r>
+              <a:rPr lang="en-US" altLang="zh-TW"/>
+              <a:t>information</a:t>
+            </a:r>
+            <a:r>
+              <a:rPr lang="zh-TW" altLang="en-US"/>
+              <a:t>。</a:t>
+            </a:r>
+            <a:endParaRPr lang="en-US" altLang="zh-TW"/>
+          </a:p>
+          <a:p>
+            <a:pPr marL="0" indent="0">
+              <a:buNone/>
+            </a:pPr>
+            <a:r>
+              <a:rPr lang="zh-TW" altLang="en-US"/>
+              <a:t>       </a:t>
+            </a:r>
+            <a:r>
+              <a:rPr lang="en-US" altLang="zh-TW"/>
+              <a:t>1.1 UART</a:t>
+            </a:r>
+            <a:r>
+              <a:rPr lang="zh-TW" altLang="en-US"/>
+              <a:t> </a:t>
+            </a:r>
+            <a:r>
+              <a:rPr lang="en-US" altLang="zh-TW"/>
+              <a:t>RX Setting</a:t>
+            </a:r>
+            <a:r>
+              <a:rPr lang="zh-TW" altLang="en-US"/>
+              <a:t>建立</a:t>
+            </a:r>
+          </a:p>
+        </p:txBody>
+      </p:sp>
+      <p:sp>
+        <p:nvSpPr>
+          <p:cNvPr id="4" name="投影片編號版面配置區 3"/>
+          <p:cNvSpPr>
+            <a:spLocks noGrp="1"/>
+          </p:cNvSpPr>
+          <p:nvPr>
+            <p:ph type="sldNum" sz="quarter" idx="5"/>
+          </p:nvPr>
+        </p:nvSpPr>
+        <p:spPr/>
+        <p:txBody>
+          <a:bodyPr/>
+          <a:lstStyle/>
+          <a:p>
+            <a:fld id="{0116F853-F7F2-4239-A629-A213C1D67574}" type="slidenum">
+              <a:rPr lang="zh-TW" altLang="en-US" smtClean="0"/>
+              <a:t>23</a:t>
+            </a:fld>
+            <a:endParaRPr lang="zh-TW" altLang="en-US"/>
+          </a:p>
+        </p:txBody>
+      </p:sp>
+    </p:spTree>
+    <p:extLst>
+      <p:ext uri="{BB962C8B-B14F-4D97-AF65-F5344CB8AC3E}">
+        <p14:creationId xmlns:p14="http://schemas.microsoft.com/office/powerpoint/2010/main" val="978169652"/>
       </p:ext>
     </p:extLst>
   </p:cSld>
@@ -1194,7 +1803,7 @@
           <a:p>
             <a:fld id="{8A9F4CB5-1750-4E23-A13C-2C1F028F9724}" type="datetimeFigureOut">
               <a:rPr lang="zh-TW" altLang="en-US" smtClean="0"/>
-              <a:t>2023/1/14</a:t>
+              <a:t>2023/1/16</a:t>
             </a:fld>
             <a:endParaRPr lang="zh-TW" altLang="en-US"/>
           </a:p>
@@ -1392,7 +2001,7 @@
           <a:p>
             <a:fld id="{8A9F4CB5-1750-4E23-A13C-2C1F028F9724}" type="datetimeFigureOut">
               <a:rPr lang="zh-TW" altLang="en-US" smtClean="0"/>
-              <a:t>2023/1/14</a:t>
+              <a:t>2023/1/16</a:t>
             </a:fld>
             <a:endParaRPr lang="zh-TW" altLang="en-US"/>
           </a:p>
@@ -1600,7 +2209,7 @@
           <a:p>
             <a:fld id="{8A9F4CB5-1750-4E23-A13C-2C1F028F9724}" type="datetimeFigureOut">
               <a:rPr lang="zh-TW" altLang="en-US" smtClean="0"/>
-              <a:t>2023/1/14</a:t>
+              <a:t>2023/1/16</a:t>
             </a:fld>
             <a:endParaRPr lang="zh-TW" altLang="en-US"/>
           </a:p>
@@ -1798,7 +2407,7 @@
           <a:p>
             <a:fld id="{8A9F4CB5-1750-4E23-A13C-2C1F028F9724}" type="datetimeFigureOut">
               <a:rPr lang="zh-TW" altLang="en-US" smtClean="0"/>
-              <a:t>2023/1/14</a:t>
+              <a:t>2023/1/16</a:t>
             </a:fld>
             <a:endParaRPr lang="zh-TW" altLang="en-US"/>
           </a:p>
@@ -2073,7 +2682,7 @@
           <a:p>
             <a:fld id="{8A9F4CB5-1750-4E23-A13C-2C1F028F9724}" type="datetimeFigureOut">
               <a:rPr lang="zh-TW" altLang="en-US" smtClean="0"/>
-              <a:t>2023/1/14</a:t>
+              <a:t>2023/1/16</a:t>
             </a:fld>
             <a:endParaRPr lang="zh-TW" altLang="en-US"/>
           </a:p>
@@ -2338,7 +2947,7 @@
           <a:p>
             <a:fld id="{8A9F4CB5-1750-4E23-A13C-2C1F028F9724}" type="datetimeFigureOut">
               <a:rPr lang="zh-TW" altLang="en-US" smtClean="0"/>
-              <a:t>2023/1/14</a:t>
+              <a:t>2023/1/16</a:t>
             </a:fld>
             <a:endParaRPr lang="zh-TW" altLang="en-US"/>
           </a:p>
@@ -2750,7 +3359,7 @@
           <a:p>
             <a:fld id="{8A9F4CB5-1750-4E23-A13C-2C1F028F9724}" type="datetimeFigureOut">
               <a:rPr lang="zh-TW" altLang="en-US" smtClean="0"/>
-              <a:t>2023/1/14</a:t>
+              <a:t>2023/1/16</a:t>
             </a:fld>
             <a:endParaRPr lang="zh-TW" altLang="en-US"/>
           </a:p>
@@ -2891,7 +3500,7 @@
           <a:p>
             <a:fld id="{8A9F4CB5-1750-4E23-A13C-2C1F028F9724}" type="datetimeFigureOut">
               <a:rPr lang="zh-TW" altLang="en-US" smtClean="0"/>
-              <a:t>2023/1/14</a:t>
+              <a:t>2023/1/16</a:t>
             </a:fld>
             <a:endParaRPr lang="zh-TW" altLang="en-US"/>
           </a:p>
@@ -3004,7 +3613,7 @@
           <a:p>
             <a:fld id="{8A9F4CB5-1750-4E23-A13C-2C1F028F9724}" type="datetimeFigureOut">
               <a:rPr lang="zh-TW" altLang="en-US" smtClean="0"/>
-              <a:t>2023/1/14</a:t>
+              <a:t>2023/1/16</a:t>
             </a:fld>
             <a:endParaRPr lang="zh-TW" altLang="en-US"/>
           </a:p>
@@ -3315,7 +3924,7 @@
           <a:p>
             <a:fld id="{8A9F4CB5-1750-4E23-A13C-2C1F028F9724}" type="datetimeFigureOut">
               <a:rPr lang="zh-TW" altLang="en-US" smtClean="0"/>
-              <a:t>2023/1/14</a:t>
+              <a:t>2023/1/16</a:t>
             </a:fld>
             <a:endParaRPr lang="zh-TW" altLang="en-US"/>
           </a:p>
@@ -3603,7 +4212,7 @@
           <a:p>
             <a:fld id="{8A9F4CB5-1750-4E23-A13C-2C1F028F9724}" type="datetimeFigureOut">
               <a:rPr lang="zh-TW" altLang="en-US" smtClean="0"/>
-              <a:t>2023/1/14</a:t>
+              <a:t>2023/1/16</a:t>
             </a:fld>
             <a:endParaRPr lang="zh-TW" altLang="en-US"/>
           </a:p>
@@ -3844,7 +4453,7 @@
           <a:p>
             <a:fld id="{8A9F4CB5-1750-4E23-A13C-2C1F028F9724}" type="datetimeFigureOut">
               <a:rPr lang="zh-TW" altLang="en-US" smtClean="0"/>
-              <a:t>2023/1/14</a:t>
+              <a:t>2023/1/16</a:t>
             </a:fld>
             <a:endParaRPr lang="zh-TW" altLang="en-US"/>
           </a:p>
@@ -4359,2693 +4968,6 @@
           <p:cNvPr id="2" name="標題 1">
             <a:extLst>
               <a:ext uri="{FF2B5EF4-FFF2-40B4-BE49-F238E27FC236}">
-                <a16:creationId xmlns:a16="http://schemas.microsoft.com/office/drawing/2014/main" id="{07E8AD67-683A-006B-0E2B-F3D83AB2A63E}"/>
-              </a:ext>
-            </a:extLst>
-          </p:cNvPr>
-          <p:cNvSpPr>
-            <a:spLocks noGrp="1"/>
-          </p:cNvSpPr>
-          <p:nvPr>
-            <p:ph type="title"/>
-          </p:nvPr>
-        </p:nvSpPr>
-        <p:spPr/>
-        <p:txBody>
-          <a:bodyPr/>
-          <a:lstStyle/>
-          <a:p>
-            <a:pPr algn="ctr"/>
-            <a:r>
-              <a:rPr lang="en-US" altLang="zh-TW" dirty="0"/>
-              <a:t>ADC</a:t>
-            </a:r>
-            <a:r>
-              <a:rPr lang="zh-TW" altLang="en-US" dirty="0"/>
-              <a:t> 數位架構</a:t>
-            </a:r>
-          </a:p>
-        </p:txBody>
-      </p:sp>
-      <p:sp>
-        <p:nvSpPr>
-          <p:cNvPr id="3" name="內容版面配置區 2">
-            <a:extLst>
-              <a:ext uri="{FF2B5EF4-FFF2-40B4-BE49-F238E27FC236}">
-                <a16:creationId xmlns:a16="http://schemas.microsoft.com/office/drawing/2014/main" id="{88E0B58A-6F65-6176-A0EB-A4D883E0F673}"/>
-              </a:ext>
-            </a:extLst>
-          </p:cNvPr>
-          <p:cNvSpPr>
-            <a:spLocks noGrp="1"/>
-          </p:cNvSpPr>
-          <p:nvPr>
-            <p:ph idx="1"/>
-          </p:nvPr>
-        </p:nvSpPr>
-        <p:spPr/>
-        <p:txBody>
-          <a:bodyPr/>
-          <a:lstStyle/>
-          <a:p>
-            <a:pPr marL="0" indent="0">
-              <a:buNone/>
-            </a:pPr>
-            <a:r>
-              <a:rPr lang="zh-TW" altLang="en-US" dirty="0"/>
-              <a:t>目的 </a:t>
-            </a:r>
-            <a:r>
-              <a:rPr lang="en-US" altLang="zh-TW" dirty="0"/>
-              <a:t>:</a:t>
-            </a:r>
-            <a:r>
-              <a:rPr lang="zh-TW" altLang="en-US" dirty="0"/>
-              <a:t> </a:t>
-            </a:r>
-            <a:r>
-              <a:rPr lang="zh-TW" altLang="en-US" sz="2400" dirty="0"/>
-              <a:t>透過引入</a:t>
-            </a:r>
-            <a:r>
-              <a:rPr lang="en-US" altLang="zh-TW" sz="2400" dirty="0"/>
-              <a:t>ADC</a:t>
-            </a:r>
-            <a:r>
-              <a:rPr lang="zh-TW" altLang="en-US" sz="2400" dirty="0"/>
-              <a:t>架構，可以了解</a:t>
-            </a:r>
-            <a:r>
-              <a:rPr lang="en-US" altLang="zh-TW" sz="2400" dirty="0"/>
-              <a:t>HW</a:t>
-            </a:r>
-            <a:r>
-              <a:rPr lang="zh-TW" altLang="en-US" sz="2400" dirty="0"/>
-              <a:t>內部如何將電壓轉換成</a:t>
-            </a:r>
-            <a:r>
-              <a:rPr lang="en-US" altLang="zh-TW" sz="2400" dirty="0"/>
-              <a:t>ADC</a:t>
-            </a:r>
-            <a:r>
-              <a:rPr lang="zh-TW" altLang="en-US" sz="2400" dirty="0"/>
-              <a:t> </a:t>
-            </a:r>
-            <a:r>
-              <a:rPr lang="en-US" altLang="zh-TW" sz="2400" dirty="0"/>
-              <a:t>Data</a:t>
-            </a:r>
-            <a:r>
-              <a:rPr lang="zh-TW" altLang="en-US" sz="2400" dirty="0"/>
-              <a:t>，再將這些</a:t>
-            </a:r>
-            <a:r>
-              <a:rPr lang="en-US" altLang="zh-TW" sz="2400" dirty="0"/>
-              <a:t>Data </a:t>
-            </a:r>
-            <a:r>
-              <a:rPr lang="zh-TW" altLang="en-US" sz="2400" dirty="0"/>
-              <a:t>引入後續的數位處理。</a:t>
-            </a:r>
-            <a:r>
-              <a:rPr lang="zh-TW" altLang="en-US" sz="2400" dirty="0">
-                <a:solidFill>
-                  <a:srgbClr val="FF0000"/>
-                </a:solidFill>
-              </a:rPr>
-              <a:t>這些觀念將引導如何透過</a:t>
-            </a:r>
-            <a:r>
-              <a:rPr lang="en-US" altLang="zh-TW" sz="2400" dirty="0">
-                <a:solidFill>
-                  <a:srgbClr val="FF0000"/>
-                </a:solidFill>
-              </a:rPr>
-              <a:t>HW Debug </a:t>
-            </a:r>
-            <a:r>
-              <a:rPr lang="zh-TW" altLang="en-US" sz="2400" dirty="0">
-                <a:solidFill>
-                  <a:srgbClr val="FF0000"/>
-                </a:solidFill>
-              </a:rPr>
-              <a:t>並搭配</a:t>
-            </a:r>
-            <a:r>
-              <a:rPr lang="en-US" altLang="zh-TW" sz="2400" dirty="0">
-                <a:solidFill>
-                  <a:srgbClr val="FF0000"/>
-                </a:solidFill>
-              </a:rPr>
-              <a:t>Logic Analyzer</a:t>
-            </a:r>
-            <a:r>
-              <a:rPr lang="zh-TW" altLang="en-US" sz="2400" dirty="0">
-                <a:solidFill>
-                  <a:srgbClr val="FF0000"/>
-                </a:solidFill>
-              </a:rPr>
-              <a:t> 來重現硬體看到的數據。</a:t>
-            </a:r>
-            <a:endParaRPr lang="en-US" altLang="zh-TW" dirty="0">
-              <a:solidFill>
-                <a:srgbClr val="FF0000"/>
-              </a:solidFill>
-            </a:endParaRPr>
-          </a:p>
-        </p:txBody>
-      </p:sp>
-    </p:spTree>
-    <p:extLst>
-      <p:ext uri="{BB962C8B-B14F-4D97-AF65-F5344CB8AC3E}">
-        <p14:creationId xmlns:p14="http://schemas.microsoft.com/office/powerpoint/2010/main" val="3530819276"/>
-      </p:ext>
-    </p:extLst>
-  </p:cSld>
-  <p:clrMapOvr>
-    <a:masterClrMapping/>
-  </p:clrMapOvr>
-</p:sld>
-</file>
-
-<file path=ppt/slides/slide11.xml><?xml version="1.0" encoding="utf-8"?>
-<p:sld xmlns:a="http://schemas.openxmlformats.org/drawingml/2006/main" xmlns:r="http://schemas.openxmlformats.org/officeDocument/2006/relationships" xmlns:p="http://schemas.openxmlformats.org/presentationml/2006/main">
-  <p:cSld>
-    <p:spTree>
-      <p:nvGrpSpPr>
-        <p:cNvPr id="1" name=""/>
-        <p:cNvGrpSpPr/>
-        <p:nvPr/>
-      </p:nvGrpSpPr>
-      <p:grpSpPr>
-        <a:xfrm>
-          <a:off x="0" y="0"/>
-          <a:ext cx="0" cy="0"/>
-          <a:chOff x="0" y="0"/>
-          <a:chExt cx="0" cy="0"/>
-        </a:xfrm>
-      </p:grpSpPr>
-      <p:sp>
-        <p:nvSpPr>
-          <p:cNvPr id="2" name="標題 1">
-            <a:extLst>
-              <a:ext uri="{FF2B5EF4-FFF2-40B4-BE49-F238E27FC236}">
-                <a16:creationId xmlns:a16="http://schemas.microsoft.com/office/drawing/2014/main" id="{BBB26775-9394-2453-68A3-4153CA5AB1DE}"/>
-              </a:ext>
-            </a:extLst>
-          </p:cNvPr>
-          <p:cNvSpPr>
-            <a:spLocks noGrp="1"/>
-          </p:cNvSpPr>
-          <p:nvPr>
-            <p:ph type="title"/>
-          </p:nvPr>
-        </p:nvSpPr>
-        <p:spPr/>
-        <p:txBody>
-          <a:bodyPr/>
-          <a:lstStyle/>
-          <a:p>
-            <a:pPr algn="ctr"/>
-            <a:r>
-              <a:rPr lang="en-US" altLang="zh-TW"/>
-              <a:t>ADC</a:t>
-            </a:r>
-            <a:r>
-              <a:rPr lang="zh-TW" altLang="en-US"/>
-              <a:t> 數位架構 </a:t>
-            </a:r>
-            <a:br>
-              <a:rPr lang="en-US" altLang="zh-TW"/>
-            </a:br>
-            <a:r>
-              <a:rPr lang="en-US" altLang="zh-TW"/>
-              <a:t>Solve Issue List</a:t>
-            </a:r>
-            <a:endParaRPr lang="zh-TW" altLang="en-US"/>
-          </a:p>
-        </p:txBody>
-      </p:sp>
-      <p:sp>
-        <p:nvSpPr>
-          <p:cNvPr id="3" name="內容版面配置區 2">
-            <a:extLst>
-              <a:ext uri="{FF2B5EF4-FFF2-40B4-BE49-F238E27FC236}">
-                <a16:creationId xmlns:a16="http://schemas.microsoft.com/office/drawing/2014/main" id="{E9CBEAFF-0249-DA81-8F0C-2F0068F87BB0}"/>
-              </a:ext>
-            </a:extLst>
-          </p:cNvPr>
-          <p:cNvSpPr>
-            <a:spLocks noGrp="1"/>
-          </p:cNvSpPr>
-          <p:nvPr>
-            <p:ph idx="1"/>
-          </p:nvPr>
-        </p:nvSpPr>
-        <p:spPr/>
-        <p:txBody>
-          <a:bodyPr/>
-          <a:lstStyle/>
-          <a:p>
-            <a:pPr marL="514350" indent="-514350">
-              <a:buAutoNum type="arabicPeriod"/>
-            </a:pPr>
-            <a:endParaRPr lang="en-US" altLang="zh-TW"/>
-          </a:p>
-          <a:p>
-            <a:pPr marL="514350" indent="-514350">
-              <a:buAutoNum type="arabicPeriod"/>
-            </a:pPr>
-            <a:r>
-              <a:rPr lang="zh-TW" altLang="en-US"/>
-              <a:t>協助調整數位電路的參數</a:t>
-            </a:r>
-            <a:endParaRPr lang="en-US" altLang="zh-TW"/>
-          </a:p>
-          <a:p>
-            <a:pPr marL="514350" indent="-514350">
-              <a:buAutoNum type="arabicPeriod"/>
-            </a:pPr>
-            <a:endParaRPr lang="en-US" altLang="zh-TW"/>
-          </a:p>
-          <a:p>
-            <a:pPr marL="514350" indent="-514350">
-              <a:buAutoNum type="arabicPeriod"/>
-            </a:pPr>
-            <a:r>
-              <a:rPr lang="en-US" altLang="zh-TW"/>
-              <a:t>USI2.0 Platform </a:t>
-            </a:r>
-            <a:r>
-              <a:rPr lang="zh-TW" altLang="en-US"/>
-              <a:t>漏打</a:t>
-            </a:r>
-            <a:r>
-              <a:rPr lang="en-US" altLang="zh-TW"/>
-              <a:t>1us</a:t>
-            </a:r>
-            <a:r>
-              <a:rPr lang="zh-TW" altLang="en-US"/>
-              <a:t>問題</a:t>
-            </a:r>
-            <a:endParaRPr lang="en-US" altLang="zh-TW"/>
-          </a:p>
-          <a:p>
-            <a:pPr marL="514350" indent="-514350">
-              <a:buAutoNum type="arabicPeriod"/>
-            </a:pPr>
-            <a:endParaRPr lang="en-US" altLang="zh-TW"/>
-          </a:p>
-          <a:p>
-            <a:pPr marL="514350" indent="-514350">
-              <a:buAutoNum type="arabicPeriod"/>
-            </a:pPr>
-            <a:r>
-              <a:rPr lang="zh-TW" altLang="en-US"/>
-              <a:t>模擬 </a:t>
-            </a:r>
-            <a:r>
-              <a:rPr lang="en-US" altLang="zh-TW"/>
-              <a:t>HPF</a:t>
-            </a:r>
-            <a:r>
-              <a:rPr lang="zh-TW" altLang="en-US"/>
-              <a:t> </a:t>
-            </a:r>
-            <a:r>
-              <a:rPr lang="en-US" altLang="zh-TW"/>
-              <a:t>filter + Schmitt triger</a:t>
-            </a:r>
-            <a:r>
-              <a:rPr lang="zh-TW" altLang="en-US"/>
-              <a:t>電路結果</a:t>
-            </a:r>
-            <a:endParaRPr lang="en-US" altLang="zh-TW"/>
-          </a:p>
-          <a:p>
-            <a:pPr marL="514350" indent="-514350">
-              <a:buAutoNum type="arabicPeriod"/>
-            </a:pPr>
-            <a:endParaRPr lang="en-US" altLang="zh-TW"/>
-          </a:p>
-          <a:p>
-            <a:pPr marL="514350" indent="-514350">
-              <a:buAutoNum type="arabicPeriod"/>
-            </a:pPr>
-            <a:r>
-              <a:rPr lang="en-US" altLang="zh-TW"/>
-              <a:t>AGC</a:t>
-            </a:r>
-            <a:r>
-              <a:rPr lang="zh-TW" altLang="en-US"/>
-              <a:t> </a:t>
-            </a:r>
-            <a:r>
-              <a:rPr lang="en-US" altLang="zh-TW"/>
-              <a:t>Flow </a:t>
-            </a:r>
-            <a:r>
-              <a:rPr lang="zh-TW" altLang="en-US"/>
-              <a:t>建構模擬</a:t>
-            </a:r>
-            <a:endParaRPr lang="en-US" altLang="zh-TW"/>
-          </a:p>
-          <a:p>
-            <a:pPr marL="514350" indent="-514350">
-              <a:buAutoNum type="arabicPeriod"/>
-            </a:pPr>
-            <a:endParaRPr lang="zh-TW" altLang="en-US"/>
-          </a:p>
-        </p:txBody>
-      </p:sp>
-    </p:spTree>
-    <p:extLst>
-      <p:ext uri="{BB962C8B-B14F-4D97-AF65-F5344CB8AC3E}">
-        <p14:creationId xmlns:p14="http://schemas.microsoft.com/office/powerpoint/2010/main" val="2435015946"/>
-      </p:ext>
-    </p:extLst>
-  </p:cSld>
-  <p:clrMapOvr>
-    <a:masterClrMapping/>
-  </p:clrMapOvr>
-</p:sld>
-</file>
-
-<file path=ppt/slides/slide12.xml><?xml version="1.0" encoding="utf-8"?>
-<p:sld xmlns:a="http://schemas.openxmlformats.org/drawingml/2006/main" xmlns:r="http://schemas.openxmlformats.org/officeDocument/2006/relationships" xmlns:p="http://schemas.openxmlformats.org/presentationml/2006/main">
-  <p:cSld>
-    <p:spTree>
-      <p:nvGrpSpPr>
-        <p:cNvPr id="1" name=""/>
-        <p:cNvGrpSpPr/>
-        <p:nvPr/>
-      </p:nvGrpSpPr>
-      <p:grpSpPr>
-        <a:xfrm>
-          <a:off x="0" y="0"/>
-          <a:ext cx="0" cy="0"/>
-          <a:chOff x="0" y="0"/>
-          <a:chExt cx="0" cy="0"/>
-        </a:xfrm>
-      </p:grpSpPr>
-      <p:sp>
-        <p:nvSpPr>
-          <p:cNvPr id="2" name="標題 1">
-            <a:extLst>
-              <a:ext uri="{FF2B5EF4-FFF2-40B4-BE49-F238E27FC236}">
-                <a16:creationId xmlns:a16="http://schemas.microsoft.com/office/drawing/2014/main" id="{65E8AE72-5A2D-7470-9FC9-171422D5E154}"/>
-              </a:ext>
-            </a:extLst>
-          </p:cNvPr>
-          <p:cNvSpPr>
-            <a:spLocks noGrp="1"/>
-          </p:cNvSpPr>
-          <p:nvPr>
-            <p:ph type="title"/>
-          </p:nvPr>
-        </p:nvSpPr>
-        <p:spPr/>
-        <p:txBody>
-          <a:bodyPr/>
-          <a:lstStyle/>
-          <a:p>
-            <a:pPr algn="ctr"/>
-            <a:r>
-              <a:rPr lang="zh-TW" altLang="en-US" dirty="0"/>
-              <a:t>主要引入內容</a:t>
-            </a:r>
-          </a:p>
-        </p:txBody>
-      </p:sp>
-      <p:sp>
-        <p:nvSpPr>
-          <p:cNvPr id="3" name="內容版面配置區 2">
-            <a:extLst>
-              <a:ext uri="{FF2B5EF4-FFF2-40B4-BE49-F238E27FC236}">
-                <a16:creationId xmlns:a16="http://schemas.microsoft.com/office/drawing/2014/main" id="{C18B1BEB-3685-BE76-3863-7C04E8FF958A}"/>
-              </a:ext>
-            </a:extLst>
-          </p:cNvPr>
-          <p:cNvSpPr>
-            <a:spLocks noGrp="1"/>
-          </p:cNvSpPr>
-          <p:nvPr>
-            <p:ph idx="1"/>
-          </p:nvPr>
-        </p:nvSpPr>
-        <p:spPr/>
-        <p:txBody>
-          <a:bodyPr/>
-          <a:lstStyle/>
-          <a:p>
-            <a:pPr marL="0" indent="0">
-              <a:buNone/>
-            </a:pPr>
-            <a:r>
-              <a:rPr lang="zh-TW" altLang="en-US" dirty="0"/>
-              <a:t>內容 </a:t>
-            </a:r>
-            <a:r>
-              <a:rPr lang="en-US" altLang="zh-TW" dirty="0"/>
-              <a:t>:</a:t>
-            </a:r>
-            <a:r>
-              <a:rPr lang="zh-TW" altLang="en-US" dirty="0"/>
-              <a:t> </a:t>
-            </a:r>
-            <a:endParaRPr lang="en-US" altLang="zh-TW" dirty="0"/>
-          </a:p>
-          <a:p>
-            <a:pPr marL="0" indent="0">
-              <a:buNone/>
-            </a:pPr>
-            <a:endParaRPr lang="en-US" altLang="zh-TW" dirty="0"/>
-          </a:p>
-          <a:p>
-            <a:pPr marL="457200" indent="-457200">
-              <a:buAutoNum type="arabicPeriod"/>
-            </a:pPr>
-            <a:r>
-              <a:rPr lang="en-US" altLang="zh-TW" sz="2400" dirty="0"/>
-              <a:t>Analog Circuit (</a:t>
-            </a:r>
-            <a:r>
-              <a:rPr lang="zh-TW" altLang="en-US" sz="2400" dirty="0"/>
-              <a:t>* 可斟酌講解</a:t>
-            </a:r>
-            <a:r>
-              <a:rPr lang="en-US" altLang="zh-TW" sz="2400" dirty="0"/>
-              <a:t>)</a:t>
-            </a:r>
-          </a:p>
-          <a:p>
-            <a:pPr marL="457200" indent="-457200">
-              <a:buAutoNum type="arabicPeriod"/>
-            </a:pPr>
-            <a:endParaRPr lang="en-US" altLang="zh-TW" sz="2400" dirty="0"/>
-          </a:p>
-          <a:p>
-            <a:pPr marL="457200" indent="-457200">
-              <a:buAutoNum type="arabicPeriod"/>
-            </a:pPr>
-            <a:r>
-              <a:rPr lang="en-US" altLang="zh-TW" sz="2400" dirty="0"/>
-              <a:t>ADC</a:t>
-            </a:r>
-            <a:r>
-              <a:rPr lang="zh-TW" altLang="en-US" sz="2400" dirty="0"/>
-              <a:t> 電路</a:t>
-            </a:r>
-            <a:endParaRPr lang="en-US" altLang="zh-TW" sz="2400" dirty="0"/>
-          </a:p>
-          <a:p>
-            <a:pPr marL="457200" indent="-457200">
-              <a:buAutoNum type="arabicPeriod"/>
-            </a:pPr>
-            <a:endParaRPr lang="en-US" altLang="zh-TW" sz="2400" dirty="0"/>
-          </a:p>
-          <a:p>
-            <a:pPr marL="457200" indent="-457200">
-              <a:buAutoNum type="arabicPeriod"/>
-            </a:pPr>
-            <a:r>
-              <a:rPr lang="en-US" altLang="zh-TW" sz="2400" dirty="0"/>
-              <a:t>Debug </a:t>
-            </a:r>
-            <a:r>
-              <a:rPr lang="zh-TW" altLang="en-US" sz="2400" dirty="0"/>
-              <a:t>傳換成 </a:t>
-            </a:r>
-            <a:r>
-              <a:rPr lang="en-US" altLang="zh-TW" sz="2400" dirty="0"/>
-              <a:t>Data</a:t>
-            </a:r>
-          </a:p>
-          <a:p>
-            <a:pPr marL="457200" indent="-457200">
-              <a:buAutoNum type="arabicPeriod"/>
-            </a:pPr>
-            <a:endParaRPr lang="en-US" altLang="zh-TW" sz="2400" dirty="0"/>
-          </a:p>
-          <a:p>
-            <a:pPr marL="457200" indent="-457200">
-              <a:buAutoNum type="arabicPeriod"/>
-            </a:pPr>
-            <a:endParaRPr lang="en-US" altLang="zh-TW" sz="2400" dirty="0"/>
-          </a:p>
-        </p:txBody>
-      </p:sp>
-    </p:spTree>
-    <p:extLst>
-      <p:ext uri="{BB962C8B-B14F-4D97-AF65-F5344CB8AC3E}">
-        <p14:creationId xmlns:p14="http://schemas.microsoft.com/office/powerpoint/2010/main" val="3195819143"/>
-      </p:ext>
-    </p:extLst>
-  </p:cSld>
-  <p:clrMapOvr>
-    <a:masterClrMapping/>
-  </p:clrMapOvr>
-</p:sld>
-</file>
-
-<file path=ppt/slides/slide13.xml><?xml version="1.0" encoding="utf-8"?>
-<p:sld xmlns:a="http://schemas.openxmlformats.org/drawingml/2006/main" xmlns:r="http://schemas.openxmlformats.org/officeDocument/2006/relationships" xmlns:p="http://schemas.openxmlformats.org/presentationml/2006/main">
-  <p:cSld>
-    <p:spTree>
-      <p:nvGrpSpPr>
-        <p:cNvPr id="1" name=""/>
-        <p:cNvGrpSpPr/>
-        <p:nvPr/>
-      </p:nvGrpSpPr>
-      <p:grpSpPr>
-        <a:xfrm>
-          <a:off x="0" y="0"/>
-          <a:ext cx="0" cy="0"/>
-          <a:chOff x="0" y="0"/>
-          <a:chExt cx="0" cy="0"/>
-        </a:xfrm>
-      </p:grpSpPr>
-      <p:sp>
-        <p:nvSpPr>
-          <p:cNvPr id="2" name="標題 1">
-            <a:extLst>
-              <a:ext uri="{FF2B5EF4-FFF2-40B4-BE49-F238E27FC236}">
-                <a16:creationId xmlns:a16="http://schemas.microsoft.com/office/drawing/2014/main" id="{9C380BAC-4170-00D1-9731-39BB4FD33DE3}"/>
-              </a:ext>
-            </a:extLst>
-          </p:cNvPr>
-          <p:cNvSpPr>
-            <a:spLocks noGrp="1"/>
-          </p:cNvSpPr>
-          <p:nvPr>
-            <p:ph type="title"/>
-          </p:nvPr>
-        </p:nvSpPr>
-        <p:spPr/>
-        <p:txBody>
-          <a:bodyPr/>
-          <a:lstStyle/>
-          <a:p>
-            <a:pPr algn="ctr"/>
-            <a:r>
-              <a:rPr lang="en-US" altLang="zh-TW" dirty="0"/>
-              <a:t>Analog Circuit</a:t>
-            </a:r>
-            <a:endParaRPr lang="zh-TW" altLang="en-US" dirty="0"/>
-          </a:p>
-        </p:txBody>
-      </p:sp>
-      <p:sp>
-        <p:nvSpPr>
-          <p:cNvPr id="3" name="內容版面配置區 2">
-            <a:extLst>
-              <a:ext uri="{FF2B5EF4-FFF2-40B4-BE49-F238E27FC236}">
-                <a16:creationId xmlns:a16="http://schemas.microsoft.com/office/drawing/2014/main" id="{95D76BEA-0EF3-AAE4-F26C-AECA17900E0C}"/>
-              </a:ext>
-            </a:extLst>
-          </p:cNvPr>
-          <p:cNvSpPr>
-            <a:spLocks noGrp="1"/>
-          </p:cNvSpPr>
-          <p:nvPr>
-            <p:ph idx="1"/>
-          </p:nvPr>
-        </p:nvSpPr>
-        <p:spPr/>
-        <p:txBody>
-          <a:bodyPr/>
-          <a:lstStyle/>
-          <a:p>
-            <a:pPr marL="0" indent="0">
-              <a:buNone/>
-            </a:pPr>
-            <a:r>
-              <a:rPr lang="zh-TW" altLang="en-US" dirty="0"/>
-              <a:t>簡易示意圖</a:t>
-            </a:r>
-          </a:p>
-        </p:txBody>
-      </p:sp>
-      <p:sp>
-        <p:nvSpPr>
-          <p:cNvPr id="4" name="等腰三角形 3">
-            <a:extLst>
-              <a:ext uri="{FF2B5EF4-FFF2-40B4-BE49-F238E27FC236}">
-                <a16:creationId xmlns:a16="http://schemas.microsoft.com/office/drawing/2014/main" id="{F6EF1EDC-DCD5-EBED-9D97-98C048F1B2EB}"/>
-              </a:ext>
-            </a:extLst>
-          </p:cNvPr>
-          <p:cNvSpPr/>
-          <p:nvPr/>
-        </p:nvSpPr>
-        <p:spPr>
-          <a:xfrm rot="5460000">
-            <a:off x="5455190" y="2948953"/>
-            <a:ext cx="1254868" cy="1410510"/>
-          </a:xfrm>
-          <a:prstGeom prst="triangle">
-            <a:avLst/>
-          </a:prstGeom>
-          <a:scene3d>
-            <a:camera prst="orthographicFront">
-              <a:rot lat="0" lon="20999994" rev="0"/>
-            </a:camera>
-            <a:lightRig rig="threePt" dir="t"/>
-          </a:scene3d>
-          <a:sp3d/>
-        </p:spPr>
-        <p:style>
-          <a:lnRef idx="2">
-            <a:schemeClr val="accent1">
-              <a:shade val="50000"/>
-            </a:schemeClr>
-          </a:lnRef>
-          <a:fillRef idx="1">
-            <a:schemeClr val="accent1"/>
-          </a:fillRef>
-          <a:effectRef idx="0">
-            <a:schemeClr val="accent1"/>
-          </a:effectRef>
-          <a:fontRef idx="minor">
-            <a:schemeClr val="lt1"/>
-          </a:fontRef>
-        </p:style>
-        <p:txBody>
-          <a:bodyPr rtlCol="0" anchor="ctr">
-            <a:scene3d>
-              <a:camera prst="orthographicFront">
-                <a:rot lat="103664" lon="21008938" rev="591066"/>
-              </a:camera>
-              <a:lightRig rig="threePt" dir="t"/>
-            </a:scene3d>
-            <a:flatTx/>
-          </a:bodyPr>
-          <a:lstStyle/>
-          <a:p>
-            <a:pPr algn="ctr"/>
-            <a:endParaRPr lang="zh-TW" altLang="en-US" dirty="0"/>
-          </a:p>
-        </p:txBody>
-      </p:sp>
-      <p:cxnSp>
-        <p:nvCxnSpPr>
-          <p:cNvPr id="6" name="直線接點 5">
-            <a:extLst>
-              <a:ext uri="{FF2B5EF4-FFF2-40B4-BE49-F238E27FC236}">
-                <a16:creationId xmlns:a16="http://schemas.microsoft.com/office/drawing/2014/main" id="{8E684D5B-8F3F-CF2D-DECD-252AEF5A45AD}"/>
-              </a:ext>
-            </a:extLst>
-          </p:cNvPr>
-          <p:cNvCxnSpPr>
-            <a:cxnSpLocks/>
-          </p:cNvCxnSpPr>
-          <p:nvPr/>
-        </p:nvCxnSpPr>
-        <p:spPr>
-          <a:xfrm>
-            <a:off x="3696510" y="3266871"/>
-            <a:ext cx="2146570" cy="0"/>
-          </a:xfrm>
-          <a:prstGeom prst="line">
-            <a:avLst/>
-          </a:prstGeom>
-        </p:spPr>
-        <p:style>
-          <a:lnRef idx="1">
-            <a:schemeClr val="accent1"/>
-          </a:lnRef>
-          <a:fillRef idx="0">
-            <a:schemeClr val="accent1"/>
-          </a:fillRef>
-          <a:effectRef idx="0">
-            <a:schemeClr val="accent1"/>
-          </a:effectRef>
-          <a:fontRef idx="minor">
-            <a:schemeClr val="tx1"/>
-          </a:fontRef>
-        </p:style>
-      </p:cxnSp>
-      <p:cxnSp>
-        <p:nvCxnSpPr>
-          <p:cNvPr id="7" name="直線接點 6">
-            <a:extLst>
-              <a:ext uri="{FF2B5EF4-FFF2-40B4-BE49-F238E27FC236}">
-                <a16:creationId xmlns:a16="http://schemas.microsoft.com/office/drawing/2014/main" id="{9858C2DE-0FB4-C090-5CDE-83E1E3076644}"/>
-              </a:ext>
-            </a:extLst>
-          </p:cNvPr>
-          <p:cNvCxnSpPr>
-            <a:cxnSpLocks/>
-          </p:cNvCxnSpPr>
-          <p:nvPr/>
-        </p:nvCxnSpPr>
-        <p:spPr>
-          <a:xfrm flipV="1">
-            <a:off x="3521413" y="4001294"/>
-            <a:ext cx="2321667" cy="16213"/>
-          </a:xfrm>
-          <a:prstGeom prst="line">
-            <a:avLst/>
-          </a:prstGeom>
-        </p:spPr>
-        <p:style>
-          <a:lnRef idx="1">
-            <a:schemeClr val="accent1"/>
-          </a:lnRef>
-          <a:fillRef idx="0">
-            <a:schemeClr val="accent1"/>
-          </a:fillRef>
-          <a:effectRef idx="0">
-            <a:schemeClr val="accent1"/>
-          </a:effectRef>
-          <a:fontRef idx="minor">
-            <a:schemeClr val="tx1"/>
-          </a:fontRef>
-        </p:style>
-      </p:cxnSp>
-      <p:sp>
-        <p:nvSpPr>
-          <p:cNvPr id="10" name="矩形: 圓角 9">
-            <a:extLst>
-              <a:ext uri="{FF2B5EF4-FFF2-40B4-BE49-F238E27FC236}">
-                <a16:creationId xmlns:a16="http://schemas.microsoft.com/office/drawing/2014/main" id="{51B1CA0D-D525-3B43-9DE8-5401C2A10DA9}"/>
-              </a:ext>
-            </a:extLst>
-          </p:cNvPr>
-          <p:cNvSpPr/>
-          <p:nvPr/>
-        </p:nvSpPr>
-        <p:spPr>
-          <a:xfrm>
-            <a:off x="1828800" y="3429000"/>
-            <a:ext cx="1867710" cy="1614788"/>
-          </a:xfrm>
-          <a:prstGeom prst="roundRect">
-            <a:avLst/>
-          </a:prstGeom>
-          <a:solidFill>
-            <a:srgbClr val="92D050"/>
-          </a:solidFill>
-        </p:spPr>
-        <p:style>
-          <a:lnRef idx="2">
-            <a:schemeClr val="accent1">
-              <a:shade val="50000"/>
-            </a:schemeClr>
-          </a:lnRef>
-          <a:fillRef idx="1">
-            <a:schemeClr val="accent1"/>
-          </a:fillRef>
-          <a:effectRef idx="0">
-            <a:schemeClr val="accent1"/>
-          </a:effectRef>
-          <a:fontRef idx="minor">
-            <a:schemeClr val="lt1"/>
-          </a:fontRef>
-        </p:style>
-        <p:txBody>
-          <a:bodyPr rtlCol="0" anchor="ctr"/>
-          <a:lstStyle/>
-          <a:p>
-            <a:pPr algn="ctr"/>
-            <a:r>
-              <a:rPr lang="en-US" altLang="zh-TW" dirty="0"/>
-              <a:t>HPF</a:t>
-            </a:r>
-            <a:endParaRPr lang="zh-TW" altLang="en-US" dirty="0"/>
-          </a:p>
-        </p:txBody>
-      </p:sp>
-      <p:sp>
-        <p:nvSpPr>
-          <p:cNvPr id="15" name="文字方塊 14">
-            <a:extLst>
-              <a:ext uri="{FF2B5EF4-FFF2-40B4-BE49-F238E27FC236}">
-                <a16:creationId xmlns:a16="http://schemas.microsoft.com/office/drawing/2014/main" id="{FE5754EE-9070-5C0F-FC0E-B0AD75324B9E}"/>
-              </a:ext>
-            </a:extLst>
-          </p:cNvPr>
-          <p:cNvSpPr txBox="1"/>
-          <p:nvPr/>
-        </p:nvSpPr>
-        <p:spPr>
-          <a:xfrm>
-            <a:off x="4788441" y="2720146"/>
-            <a:ext cx="885217" cy="369332"/>
-          </a:xfrm>
-          <a:prstGeom prst="rect">
-            <a:avLst/>
-          </a:prstGeom>
-          <a:noFill/>
-        </p:spPr>
-        <p:txBody>
-          <a:bodyPr wrap="square" rtlCol="0">
-            <a:spAutoFit/>
-          </a:bodyPr>
-          <a:lstStyle/>
-          <a:p>
-            <a:r>
-              <a:rPr lang="en-US" altLang="zh-TW" dirty="0" err="1"/>
-              <a:t>Vcm</a:t>
-            </a:r>
-            <a:endParaRPr lang="zh-TW" altLang="en-US" dirty="0"/>
-          </a:p>
-        </p:txBody>
-      </p:sp>
-      <p:cxnSp>
-        <p:nvCxnSpPr>
-          <p:cNvPr id="17" name="直線接點 16">
-            <a:extLst>
-              <a:ext uri="{FF2B5EF4-FFF2-40B4-BE49-F238E27FC236}">
-                <a16:creationId xmlns:a16="http://schemas.microsoft.com/office/drawing/2014/main" id="{24E95C6E-3758-FDFE-CA72-F0959FC060CC}"/>
-              </a:ext>
-            </a:extLst>
-          </p:cNvPr>
-          <p:cNvCxnSpPr/>
-          <p:nvPr/>
-        </p:nvCxnSpPr>
-        <p:spPr>
-          <a:xfrm>
-            <a:off x="838200" y="4095343"/>
-            <a:ext cx="990600" cy="0"/>
-          </a:xfrm>
-          <a:prstGeom prst="line">
-            <a:avLst/>
-          </a:prstGeom>
-        </p:spPr>
-        <p:style>
-          <a:lnRef idx="1">
-            <a:schemeClr val="accent1"/>
-          </a:lnRef>
-          <a:fillRef idx="0">
-            <a:schemeClr val="accent1"/>
-          </a:fillRef>
-          <a:effectRef idx="0">
-            <a:schemeClr val="accent1"/>
-          </a:effectRef>
-          <a:fontRef idx="minor">
-            <a:schemeClr val="tx1"/>
-          </a:fontRef>
-        </p:style>
-      </p:cxnSp>
-      <p:sp>
-        <p:nvSpPr>
-          <p:cNvPr id="20" name="文字方塊 19">
-            <a:extLst>
-              <a:ext uri="{FF2B5EF4-FFF2-40B4-BE49-F238E27FC236}">
-                <a16:creationId xmlns:a16="http://schemas.microsoft.com/office/drawing/2014/main" id="{4E9D71B7-C28D-D15A-C10D-FE987C05ECDF}"/>
-              </a:ext>
-            </a:extLst>
-          </p:cNvPr>
-          <p:cNvSpPr txBox="1"/>
-          <p:nvPr/>
-        </p:nvSpPr>
-        <p:spPr>
-          <a:xfrm>
-            <a:off x="5679533" y="3486047"/>
-            <a:ext cx="1432196" cy="369332"/>
-          </a:xfrm>
-          <a:prstGeom prst="rect">
-            <a:avLst/>
-          </a:prstGeom>
-          <a:noFill/>
-        </p:spPr>
-        <p:txBody>
-          <a:bodyPr wrap="square" rtlCol="0">
-            <a:spAutoFit/>
-          </a:bodyPr>
-          <a:lstStyle/>
-          <a:p>
-            <a:r>
-              <a:rPr lang="en-US" altLang="zh-TW" dirty="0"/>
-              <a:t>PGA</a:t>
-            </a:r>
-            <a:endParaRPr lang="zh-TW" altLang="en-US" dirty="0"/>
-          </a:p>
-        </p:txBody>
-      </p:sp>
-      <p:cxnSp>
-        <p:nvCxnSpPr>
-          <p:cNvPr id="22" name="直線接點 21">
-            <a:extLst>
-              <a:ext uri="{FF2B5EF4-FFF2-40B4-BE49-F238E27FC236}">
-                <a16:creationId xmlns:a16="http://schemas.microsoft.com/office/drawing/2014/main" id="{7678A7EB-66CB-6858-D1F5-3C91D2DF4E72}"/>
-              </a:ext>
-            </a:extLst>
-          </p:cNvPr>
-          <p:cNvCxnSpPr>
-            <a:cxnSpLocks/>
-          </p:cNvCxnSpPr>
-          <p:nvPr/>
-        </p:nvCxnSpPr>
-        <p:spPr>
-          <a:xfrm flipH="1" flipV="1">
-            <a:off x="673100" y="3544458"/>
-            <a:ext cx="165100" cy="550885"/>
-          </a:xfrm>
-          <a:prstGeom prst="line">
-            <a:avLst/>
-          </a:prstGeom>
-        </p:spPr>
-        <p:style>
-          <a:lnRef idx="1">
-            <a:schemeClr val="accent1"/>
-          </a:lnRef>
-          <a:fillRef idx="0">
-            <a:schemeClr val="accent1"/>
-          </a:fillRef>
-          <a:effectRef idx="0">
-            <a:schemeClr val="accent1"/>
-          </a:effectRef>
-          <a:fontRef idx="minor">
-            <a:schemeClr val="tx1"/>
-          </a:fontRef>
-        </p:style>
-      </p:cxnSp>
-      <p:sp>
-        <p:nvSpPr>
-          <p:cNvPr id="25" name="圓形: 空心 24">
-            <a:extLst>
-              <a:ext uri="{FF2B5EF4-FFF2-40B4-BE49-F238E27FC236}">
-                <a16:creationId xmlns:a16="http://schemas.microsoft.com/office/drawing/2014/main" id="{F7A3A0B3-82A2-12EC-AD71-2ADD65056FD7}"/>
-              </a:ext>
-            </a:extLst>
-          </p:cNvPr>
-          <p:cNvSpPr/>
-          <p:nvPr/>
-        </p:nvSpPr>
-        <p:spPr>
-          <a:xfrm>
-            <a:off x="196580" y="3319465"/>
-            <a:ext cx="806720" cy="109535"/>
-          </a:xfrm>
-          <a:prstGeom prst="donut">
-            <a:avLst/>
-          </a:prstGeom>
-        </p:spPr>
-        <p:style>
-          <a:lnRef idx="2">
-            <a:schemeClr val="accent1">
-              <a:shade val="50000"/>
-            </a:schemeClr>
-          </a:lnRef>
-          <a:fillRef idx="1">
-            <a:schemeClr val="accent1"/>
-          </a:fillRef>
-          <a:effectRef idx="0">
-            <a:schemeClr val="accent1"/>
-          </a:effectRef>
-          <a:fontRef idx="minor">
-            <a:schemeClr val="lt1"/>
-          </a:fontRef>
-        </p:style>
-        <p:txBody>
-          <a:bodyPr rtlCol="0" anchor="ctr"/>
-          <a:lstStyle/>
-          <a:p>
-            <a:pPr algn="ctr"/>
-            <a:endParaRPr lang="zh-TW" altLang="en-US">
-              <a:solidFill>
-                <a:schemeClr val="tx1"/>
-              </a:solidFill>
-            </a:endParaRPr>
-          </a:p>
-        </p:txBody>
-      </p:sp>
-      <p:sp>
-        <p:nvSpPr>
-          <p:cNvPr id="26" name="圓形: 空心 25">
-            <a:extLst>
-              <a:ext uri="{FF2B5EF4-FFF2-40B4-BE49-F238E27FC236}">
-                <a16:creationId xmlns:a16="http://schemas.microsoft.com/office/drawing/2014/main" id="{6F3AA86E-1BBE-12B8-59F6-6B2947241A2C}"/>
-              </a:ext>
-            </a:extLst>
-          </p:cNvPr>
-          <p:cNvSpPr/>
-          <p:nvPr/>
-        </p:nvSpPr>
-        <p:spPr>
-          <a:xfrm>
-            <a:off x="494759" y="3486728"/>
-            <a:ext cx="304800" cy="115457"/>
-          </a:xfrm>
-          <a:prstGeom prst="donut">
-            <a:avLst/>
-          </a:prstGeom>
-        </p:spPr>
-        <p:style>
-          <a:lnRef idx="2">
-            <a:schemeClr val="accent1">
-              <a:shade val="50000"/>
-            </a:schemeClr>
-          </a:lnRef>
-          <a:fillRef idx="1">
-            <a:schemeClr val="accent1"/>
-          </a:fillRef>
-          <a:effectRef idx="0">
-            <a:schemeClr val="accent1"/>
-          </a:effectRef>
-          <a:fontRef idx="minor">
-            <a:schemeClr val="lt1"/>
-          </a:fontRef>
-        </p:style>
-        <p:txBody>
-          <a:bodyPr rtlCol="0" anchor="ctr"/>
-          <a:lstStyle/>
-          <a:p>
-            <a:pPr algn="ctr"/>
-            <a:endParaRPr lang="zh-TW" altLang="en-US">
-              <a:solidFill>
-                <a:schemeClr val="tx1"/>
-              </a:solidFill>
-            </a:endParaRPr>
-          </a:p>
-        </p:txBody>
-      </p:sp>
-      <p:sp>
-        <p:nvSpPr>
-          <p:cNvPr id="27" name="圓形: 空心 26">
-            <a:extLst>
-              <a:ext uri="{FF2B5EF4-FFF2-40B4-BE49-F238E27FC236}">
-                <a16:creationId xmlns:a16="http://schemas.microsoft.com/office/drawing/2014/main" id="{B69878EA-651F-8E2B-A1A5-A7949E9C9433}"/>
-              </a:ext>
-            </a:extLst>
-          </p:cNvPr>
-          <p:cNvSpPr/>
-          <p:nvPr/>
-        </p:nvSpPr>
-        <p:spPr>
-          <a:xfrm>
-            <a:off x="362085" y="3403097"/>
-            <a:ext cx="533941" cy="109535"/>
-          </a:xfrm>
-          <a:prstGeom prst="donut">
-            <a:avLst/>
-          </a:prstGeom>
-        </p:spPr>
-        <p:style>
-          <a:lnRef idx="2">
-            <a:schemeClr val="accent1">
-              <a:shade val="50000"/>
-            </a:schemeClr>
-          </a:lnRef>
-          <a:fillRef idx="1">
-            <a:schemeClr val="accent1"/>
-          </a:fillRef>
-          <a:effectRef idx="0">
-            <a:schemeClr val="accent1"/>
-          </a:effectRef>
-          <a:fontRef idx="minor">
-            <a:schemeClr val="lt1"/>
-          </a:fontRef>
-        </p:style>
-        <p:txBody>
-          <a:bodyPr rtlCol="0" anchor="ctr"/>
-          <a:lstStyle/>
-          <a:p>
-            <a:pPr algn="ctr"/>
-            <a:endParaRPr lang="zh-TW" altLang="en-US">
-              <a:solidFill>
-                <a:schemeClr val="tx1"/>
-              </a:solidFill>
-            </a:endParaRPr>
-          </a:p>
-        </p:txBody>
-      </p:sp>
-      <p:sp>
-        <p:nvSpPr>
-          <p:cNvPr id="28" name="文字方塊 27">
-            <a:extLst>
-              <a:ext uri="{FF2B5EF4-FFF2-40B4-BE49-F238E27FC236}">
-                <a16:creationId xmlns:a16="http://schemas.microsoft.com/office/drawing/2014/main" id="{B48ECD8B-F131-258B-EE4F-B6D5647AB81F}"/>
-              </a:ext>
-            </a:extLst>
-          </p:cNvPr>
-          <p:cNvSpPr txBox="1"/>
-          <p:nvPr/>
-        </p:nvSpPr>
-        <p:spPr>
-          <a:xfrm>
-            <a:off x="371070" y="2897539"/>
-            <a:ext cx="895620" cy="369332"/>
-          </a:xfrm>
-          <a:prstGeom prst="rect">
-            <a:avLst/>
-          </a:prstGeom>
-          <a:noFill/>
-        </p:spPr>
-        <p:txBody>
-          <a:bodyPr wrap="square" rtlCol="0">
-            <a:spAutoFit/>
-          </a:bodyPr>
-          <a:lstStyle/>
-          <a:p>
-            <a:r>
-              <a:rPr lang="en-US" altLang="zh-TW" dirty="0"/>
-              <a:t>Ring</a:t>
-            </a:r>
-            <a:endParaRPr lang="zh-TW" altLang="en-US" dirty="0"/>
-          </a:p>
-        </p:txBody>
-      </p:sp>
-      <p:cxnSp>
-        <p:nvCxnSpPr>
-          <p:cNvPr id="30" name="直線接點 29">
-            <a:extLst>
-              <a:ext uri="{FF2B5EF4-FFF2-40B4-BE49-F238E27FC236}">
-                <a16:creationId xmlns:a16="http://schemas.microsoft.com/office/drawing/2014/main" id="{8B24A703-423B-65D3-C354-9F72BBCE4334}"/>
-              </a:ext>
-            </a:extLst>
-          </p:cNvPr>
-          <p:cNvCxnSpPr>
-            <a:cxnSpLocks/>
-            <a:endCxn id="36" idx="3"/>
-          </p:cNvCxnSpPr>
-          <p:nvPr/>
-        </p:nvCxnSpPr>
-        <p:spPr>
-          <a:xfrm flipV="1">
-            <a:off x="6798722" y="3602185"/>
-            <a:ext cx="4593719" cy="52023"/>
-          </a:xfrm>
-          <a:prstGeom prst="line">
-            <a:avLst/>
-          </a:prstGeom>
-        </p:spPr>
-        <p:style>
-          <a:lnRef idx="1">
-            <a:schemeClr val="accent1"/>
-          </a:lnRef>
-          <a:fillRef idx="0">
-            <a:schemeClr val="accent1"/>
-          </a:fillRef>
-          <a:effectRef idx="0">
-            <a:schemeClr val="accent1"/>
-          </a:effectRef>
-          <a:fontRef idx="minor">
-            <a:schemeClr val="tx1"/>
-          </a:fontRef>
-        </p:style>
-      </p:cxnSp>
-      <p:sp>
-        <p:nvSpPr>
-          <p:cNvPr id="32" name="矩形: 圓角 31">
-            <a:extLst>
-              <a:ext uri="{FF2B5EF4-FFF2-40B4-BE49-F238E27FC236}">
-                <a16:creationId xmlns:a16="http://schemas.microsoft.com/office/drawing/2014/main" id="{E164CF2A-F133-DAED-1B4B-2C26CFD06AF7}"/>
-              </a:ext>
-            </a:extLst>
-          </p:cNvPr>
-          <p:cNvSpPr/>
-          <p:nvPr/>
-        </p:nvSpPr>
-        <p:spPr>
-          <a:xfrm>
-            <a:off x="7771893" y="3029675"/>
-            <a:ext cx="1600200" cy="1129460"/>
-          </a:xfrm>
-          <a:prstGeom prst="roundRect">
-            <a:avLst/>
-          </a:prstGeom>
-          <a:solidFill>
-            <a:srgbClr val="FF0000"/>
-          </a:solidFill>
-        </p:spPr>
-        <p:style>
-          <a:lnRef idx="2">
-            <a:schemeClr val="accent1">
-              <a:shade val="50000"/>
-            </a:schemeClr>
-          </a:lnRef>
-          <a:fillRef idx="1">
-            <a:schemeClr val="accent1"/>
-          </a:fillRef>
-          <a:effectRef idx="0">
-            <a:schemeClr val="accent1"/>
-          </a:effectRef>
-          <a:fontRef idx="minor">
-            <a:schemeClr val="lt1"/>
-          </a:fontRef>
-        </p:style>
-        <p:txBody>
-          <a:bodyPr rtlCol="0" anchor="ctr"/>
-          <a:lstStyle/>
-          <a:p>
-            <a:pPr algn="ctr"/>
-            <a:r>
-              <a:rPr lang="en-US" altLang="zh-TW" dirty="0"/>
-              <a:t>ADC</a:t>
-            </a:r>
-            <a:endParaRPr lang="zh-TW" altLang="en-US" dirty="0"/>
-          </a:p>
-        </p:txBody>
-      </p:sp>
-      <p:sp>
-        <p:nvSpPr>
-          <p:cNvPr id="36" name="矩形: 圓角 35">
-            <a:extLst>
-              <a:ext uri="{FF2B5EF4-FFF2-40B4-BE49-F238E27FC236}">
-                <a16:creationId xmlns:a16="http://schemas.microsoft.com/office/drawing/2014/main" id="{AE087517-8C32-BFC3-CA5D-498D46FF5013}"/>
-              </a:ext>
-            </a:extLst>
-          </p:cNvPr>
-          <p:cNvSpPr/>
-          <p:nvPr/>
-        </p:nvSpPr>
-        <p:spPr>
-          <a:xfrm>
-            <a:off x="9646125" y="2962538"/>
-            <a:ext cx="1746316" cy="1279294"/>
-          </a:xfrm>
-          <a:prstGeom prst="roundRect">
-            <a:avLst/>
-          </a:prstGeom>
-        </p:spPr>
-        <p:style>
-          <a:lnRef idx="2">
-            <a:schemeClr val="accent1">
-              <a:shade val="50000"/>
-            </a:schemeClr>
-          </a:lnRef>
-          <a:fillRef idx="1">
-            <a:schemeClr val="accent1"/>
-          </a:fillRef>
-          <a:effectRef idx="0">
-            <a:schemeClr val="accent1"/>
-          </a:effectRef>
-          <a:fontRef idx="minor">
-            <a:schemeClr val="lt1"/>
-          </a:fontRef>
-        </p:style>
-        <p:txBody>
-          <a:bodyPr rtlCol="0" anchor="ctr"/>
-          <a:lstStyle/>
-          <a:p>
-            <a:pPr algn="ctr"/>
-            <a:r>
-              <a:rPr lang="en-US" altLang="zh-TW" dirty="0"/>
-              <a:t>Digital</a:t>
-            </a:r>
-            <a:r>
-              <a:rPr lang="zh-TW" altLang="en-US" dirty="0"/>
-              <a:t>架構</a:t>
-            </a:r>
-          </a:p>
-        </p:txBody>
-      </p:sp>
-    </p:spTree>
-    <p:extLst>
-      <p:ext uri="{BB962C8B-B14F-4D97-AF65-F5344CB8AC3E}">
-        <p14:creationId xmlns:p14="http://schemas.microsoft.com/office/powerpoint/2010/main" val="46857524"/>
-      </p:ext>
-    </p:extLst>
-  </p:cSld>
-  <p:clrMapOvr>
-    <a:masterClrMapping/>
-  </p:clrMapOvr>
-</p:sld>
-</file>
-
-<file path=ppt/slides/slide14.xml><?xml version="1.0" encoding="utf-8"?>
-<p:sld xmlns:a="http://schemas.openxmlformats.org/drawingml/2006/main" xmlns:r="http://schemas.openxmlformats.org/officeDocument/2006/relationships" xmlns:p="http://schemas.openxmlformats.org/presentationml/2006/main">
-  <p:cSld>
-    <p:spTree>
-      <p:nvGrpSpPr>
-        <p:cNvPr id="1" name=""/>
-        <p:cNvGrpSpPr/>
-        <p:nvPr/>
-      </p:nvGrpSpPr>
-      <p:grpSpPr>
-        <a:xfrm>
-          <a:off x="0" y="0"/>
-          <a:ext cx="0" cy="0"/>
-          <a:chOff x="0" y="0"/>
-          <a:chExt cx="0" cy="0"/>
-        </a:xfrm>
-      </p:grpSpPr>
-      <p:sp>
-        <p:nvSpPr>
-          <p:cNvPr id="2" name="標題 1">
-            <a:extLst>
-              <a:ext uri="{FF2B5EF4-FFF2-40B4-BE49-F238E27FC236}">
-                <a16:creationId xmlns:a16="http://schemas.microsoft.com/office/drawing/2014/main" id="{402CBB76-248D-C404-D8A0-DBE927E58081}"/>
-              </a:ext>
-            </a:extLst>
-          </p:cNvPr>
-          <p:cNvSpPr>
-            <a:spLocks noGrp="1"/>
-          </p:cNvSpPr>
-          <p:nvPr>
-            <p:ph type="title"/>
-          </p:nvPr>
-        </p:nvSpPr>
-        <p:spPr/>
-        <p:txBody>
-          <a:bodyPr/>
-          <a:lstStyle/>
-          <a:p>
-            <a:pPr algn="ctr"/>
-            <a:r>
-              <a:rPr lang="en-US" altLang="zh-TW" dirty="0"/>
-              <a:t>Analog Circuit</a:t>
-            </a:r>
-            <a:endParaRPr lang="zh-TW" altLang="en-US" dirty="0"/>
-          </a:p>
-        </p:txBody>
-      </p:sp>
-      <p:sp>
-        <p:nvSpPr>
-          <p:cNvPr id="3" name="內容版面配置區 2">
-            <a:extLst>
-              <a:ext uri="{FF2B5EF4-FFF2-40B4-BE49-F238E27FC236}">
-                <a16:creationId xmlns:a16="http://schemas.microsoft.com/office/drawing/2014/main" id="{11F373A1-8B79-A1F0-6A6B-A94085369F31}"/>
-              </a:ext>
-            </a:extLst>
-          </p:cNvPr>
-          <p:cNvSpPr>
-            <a:spLocks noGrp="1"/>
-          </p:cNvSpPr>
-          <p:nvPr>
-            <p:ph idx="1"/>
-          </p:nvPr>
-        </p:nvSpPr>
-        <p:spPr/>
-        <p:txBody>
-          <a:bodyPr/>
-          <a:lstStyle/>
-          <a:p>
-            <a:pPr marL="0" indent="0">
-              <a:buNone/>
-            </a:pPr>
-            <a:endParaRPr lang="en-US" altLang="zh-TW" dirty="0"/>
-          </a:p>
-          <a:p>
-            <a:pPr marL="0" indent="0">
-              <a:buNone/>
-            </a:pPr>
-            <a:r>
-              <a:rPr lang="en-US" altLang="zh-TW" dirty="0"/>
-              <a:t>1. </a:t>
-            </a:r>
-            <a:r>
-              <a:rPr lang="zh-TW" altLang="en-US" dirty="0"/>
-              <a:t>透過前面的</a:t>
-            </a:r>
-            <a:r>
-              <a:rPr lang="en-US" altLang="zh-TW" dirty="0"/>
-              <a:t>RX_PGA</a:t>
-            </a:r>
-            <a:r>
-              <a:rPr lang="zh-TW" altLang="en-US" dirty="0"/>
-              <a:t> 將電壓放大再透過</a:t>
-            </a:r>
-            <a:r>
-              <a:rPr lang="en-US" altLang="zh-TW" dirty="0"/>
-              <a:t>ADC</a:t>
-            </a:r>
-            <a:r>
-              <a:rPr lang="zh-TW" altLang="en-US" dirty="0"/>
-              <a:t>內部的電容對電壓值進行</a:t>
-            </a:r>
-            <a:r>
-              <a:rPr lang="en-US" altLang="zh-TW" dirty="0"/>
-              <a:t>Sample</a:t>
-            </a:r>
-            <a:r>
-              <a:rPr lang="zh-TW" altLang="en-US" dirty="0"/>
-              <a:t>。</a:t>
-            </a:r>
-            <a:r>
-              <a:rPr lang="en-US" altLang="zh-TW" dirty="0"/>
-              <a:t>(ADC</a:t>
-            </a:r>
-            <a:r>
-              <a:rPr lang="zh-TW" altLang="en-US" dirty="0"/>
-              <a:t> </a:t>
-            </a:r>
-            <a:r>
-              <a:rPr lang="en-US" altLang="zh-TW" dirty="0"/>
-              <a:t>Voltage Range 2.8V ~ 0V)</a:t>
-            </a:r>
-            <a:endParaRPr lang="zh-TW" altLang="en-US" dirty="0"/>
-          </a:p>
-        </p:txBody>
-      </p:sp>
-    </p:spTree>
-    <p:extLst>
-      <p:ext uri="{BB962C8B-B14F-4D97-AF65-F5344CB8AC3E}">
-        <p14:creationId xmlns:p14="http://schemas.microsoft.com/office/powerpoint/2010/main" val="2474336951"/>
-      </p:ext>
-    </p:extLst>
-  </p:cSld>
-  <p:clrMapOvr>
-    <a:masterClrMapping/>
-  </p:clrMapOvr>
-</p:sld>
-</file>
-
-<file path=ppt/slides/slide15.xml><?xml version="1.0" encoding="utf-8"?>
-<p:sld xmlns:a="http://schemas.openxmlformats.org/drawingml/2006/main" xmlns:r="http://schemas.openxmlformats.org/officeDocument/2006/relationships" xmlns:p="http://schemas.openxmlformats.org/presentationml/2006/main">
-  <p:cSld>
-    <p:spTree>
-      <p:nvGrpSpPr>
-        <p:cNvPr id="1" name=""/>
-        <p:cNvGrpSpPr/>
-        <p:nvPr/>
-      </p:nvGrpSpPr>
-      <p:grpSpPr>
-        <a:xfrm>
-          <a:off x="0" y="0"/>
-          <a:ext cx="0" cy="0"/>
-          <a:chOff x="0" y="0"/>
-          <a:chExt cx="0" cy="0"/>
-        </a:xfrm>
-      </p:grpSpPr>
-      <p:sp>
-        <p:nvSpPr>
-          <p:cNvPr id="2" name="標題 1">
-            <a:extLst>
-              <a:ext uri="{FF2B5EF4-FFF2-40B4-BE49-F238E27FC236}">
-                <a16:creationId xmlns:a16="http://schemas.microsoft.com/office/drawing/2014/main" id="{0445FA3F-9593-D51E-AC6B-272A9C3CCA14}"/>
-              </a:ext>
-            </a:extLst>
-          </p:cNvPr>
-          <p:cNvSpPr>
-            <a:spLocks noGrp="1"/>
-          </p:cNvSpPr>
-          <p:nvPr>
-            <p:ph type="title"/>
-          </p:nvPr>
-        </p:nvSpPr>
-        <p:spPr/>
-        <p:txBody>
-          <a:bodyPr/>
-          <a:lstStyle/>
-          <a:p>
-            <a:pPr algn="ctr"/>
-            <a:r>
-              <a:rPr lang="en-US" altLang="zh-TW" dirty="0"/>
-              <a:t>ADC Sample</a:t>
-            </a:r>
-            <a:endParaRPr lang="zh-TW" altLang="en-US" dirty="0"/>
-          </a:p>
-        </p:txBody>
-      </p:sp>
-      <p:sp>
-        <p:nvSpPr>
-          <p:cNvPr id="3" name="內容版面配置區 2">
-            <a:extLst>
-              <a:ext uri="{FF2B5EF4-FFF2-40B4-BE49-F238E27FC236}">
-                <a16:creationId xmlns:a16="http://schemas.microsoft.com/office/drawing/2014/main" id="{1C6EF090-BA30-ED01-E543-714C9EA31F75}"/>
-              </a:ext>
-            </a:extLst>
-          </p:cNvPr>
-          <p:cNvSpPr>
-            <a:spLocks noGrp="1"/>
-          </p:cNvSpPr>
-          <p:nvPr>
-            <p:ph idx="1"/>
-          </p:nvPr>
-        </p:nvSpPr>
-        <p:spPr/>
-        <p:txBody>
-          <a:bodyPr/>
-          <a:lstStyle/>
-          <a:p>
-            <a:pPr marL="0" indent="0">
-              <a:buNone/>
-            </a:pPr>
-            <a:r>
-              <a:rPr lang="zh-TW" altLang="en-US" dirty="0">
-                <a:solidFill>
-                  <a:srgbClr val="00B0F0"/>
-                </a:solidFill>
-              </a:rPr>
-              <a:t>問題</a:t>
-            </a:r>
-            <a:endParaRPr lang="en-US" altLang="zh-TW" dirty="0">
-              <a:solidFill>
-                <a:srgbClr val="00B0F0"/>
-              </a:solidFill>
-            </a:endParaRPr>
-          </a:p>
-          <a:p>
-            <a:pPr marL="0" indent="0">
-              <a:buNone/>
-            </a:pPr>
-            <a:endParaRPr lang="en-US" altLang="zh-TW" dirty="0">
-              <a:solidFill>
-                <a:srgbClr val="00B0F0"/>
-              </a:solidFill>
-            </a:endParaRPr>
-          </a:p>
-          <a:p>
-            <a:pPr marL="514350" indent="-514350">
-              <a:buAutoNum type="arabicPeriod"/>
-            </a:pPr>
-            <a:r>
-              <a:rPr lang="en-US" altLang="zh-TW" sz="2400" dirty="0"/>
-              <a:t>HW</a:t>
-            </a:r>
-            <a:r>
-              <a:rPr lang="zh-TW" altLang="en-US" sz="2400" dirty="0"/>
-              <a:t> </a:t>
-            </a:r>
-            <a:r>
-              <a:rPr lang="en-US" altLang="zh-TW" sz="2400" dirty="0" err="1"/>
-              <a:t>DebugPort</a:t>
-            </a:r>
-            <a:r>
-              <a:rPr lang="en-US" altLang="zh-TW" sz="2400" dirty="0"/>
-              <a:t> :</a:t>
-            </a:r>
-            <a:endParaRPr lang="en-US" altLang="zh-TW" sz="1600" dirty="0"/>
-          </a:p>
-          <a:p>
-            <a:pPr marL="0" indent="0">
-              <a:buNone/>
-            </a:pPr>
-            <a:r>
-              <a:rPr lang="en-US" altLang="zh-TW" sz="2400" dirty="0"/>
-              <a:t>	</a:t>
-            </a:r>
-            <a:r>
-              <a:rPr lang="en-US" altLang="zh-TW" sz="2000" dirty="0"/>
-              <a:t>1.</a:t>
-            </a:r>
-            <a:r>
-              <a:rPr lang="zh-TW" altLang="en-US" sz="2000" dirty="0"/>
-              <a:t> </a:t>
-            </a:r>
-            <a:r>
-              <a:rPr lang="en-US" altLang="zh-TW" sz="2000" dirty="0"/>
-              <a:t>SAR</a:t>
-            </a:r>
-            <a:r>
-              <a:rPr lang="zh-TW" altLang="en-US" sz="2000" dirty="0"/>
-              <a:t> </a:t>
-            </a:r>
-            <a:r>
-              <a:rPr lang="en-US" altLang="zh-TW" sz="2000" dirty="0"/>
-              <a:t>ADC</a:t>
-            </a:r>
-            <a:r>
-              <a:rPr lang="zh-TW" altLang="en-US" sz="2000" dirty="0"/>
-              <a:t>過程</a:t>
-            </a:r>
-            <a:r>
-              <a:rPr lang="en-US" altLang="zh-TW" sz="2000" dirty="0"/>
-              <a:t>(</a:t>
-            </a:r>
-            <a:r>
-              <a:rPr lang="zh-TW" altLang="en-US" sz="2000" dirty="0"/>
-              <a:t>詳細說明、並搭配</a:t>
-            </a:r>
-            <a:r>
-              <a:rPr lang="en-US" altLang="zh-TW" sz="2000" dirty="0"/>
-              <a:t>Logic Analysis</a:t>
-            </a:r>
-            <a:r>
-              <a:rPr lang="zh-TW" altLang="en-US" sz="2000" dirty="0"/>
-              <a:t>講解</a:t>
-            </a:r>
-            <a:r>
-              <a:rPr lang="en-US" altLang="zh-TW" sz="2000" dirty="0"/>
-              <a:t>)</a:t>
-            </a:r>
-          </a:p>
-          <a:p>
-            <a:pPr marL="0" indent="0">
-              <a:buNone/>
-            </a:pPr>
-            <a:endParaRPr lang="en-US" altLang="zh-TW" sz="2400" dirty="0"/>
-          </a:p>
-          <a:p>
-            <a:pPr marL="457200" indent="-457200">
-              <a:buAutoNum type="arabicPeriod" startAt="2"/>
-            </a:pPr>
-            <a:r>
-              <a:rPr lang="zh-TW" altLang="en-US" sz="2400" dirty="0"/>
-              <a:t>最接近顏色</a:t>
-            </a:r>
-            <a:r>
-              <a:rPr lang="en-US" altLang="zh-TW" sz="2400" dirty="0"/>
-              <a:t>:</a:t>
-            </a:r>
-          </a:p>
-          <a:p>
-            <a:pPr marL="0" indent="0">
-              <a:buNone/>
-            </a:pPr>
-            <a:endParaRPr lang="zh-TW" altLang="en-US" dirty="0">
-              <a:solidFill>
-                <a:srgbClr val="00B0F0"/>
-              </a:solidFill>
-            </a:endParaRPr>
-          </a:p>
-        </p:txBody>
-      </p:sp>
-    </p:spTree>
-    <p:extLst>
-      <p:ext uri="{BB962C8B-B14F-4D97-AF65-F5344CB8AC3E}">
-        <p14:creationId xmlns:p14="http://schemas.microsoft.com/office/powerpoint/2010/main" val="58858531"/>
-      </p:ext>
-    </p:extLst>
-  </p:cSld>
-  <p:clrMapOvr>
-    <a:masterClrMapping/>
-  </p:clrMapOvr>
-</p:sld>
-</file>
-
-<file path=ppt/slides/slide16.xml><?xml version="1.0" encoding="utf-8"?>
-<p:sld xmlns:a="http://schemas.openxmlformats.org/drawingml/2006/main" xmlns:r="http://schemas.openxmlformats.org/officeDocument/2006/relationships" xmlns:p="http://schemas.openxmlformats.org/presentationml/2006/main">
-  <p:cSld>
-    <p:spTree>
-      <p:nvGrpSpPr>
-        <p:cNvPr id="1" name=""/>
-        <p:cNvGrpSpPr/>
-        <p:nvPr/>
-      </p:nvGrpSpPr>
-      <p:grpSpPr>
-        <a:xfrm>
-          <a:off x="0" y="0"/>
-          <a:ext cx="0" cy="0"/>
-          <a:chOff x="0" y="0"/>
-          <a:chExt cx="0" cy="0"/>
-        </a:xfrm>
-      </p:grpSpPr>
-      <p:sp>
-        <p:nvSpPr>
-          <p:cNvPr id="2" name="標題 1">
-            <a:extLst>
-              <a:ext uri="{FF2B5EF4-FFF2-40B4-BE49-F238E27FC236}">
-                <a16:creationId xmlns:a16="http://schemas.microsoft.com/office/drawing/2014/main" id="{456990E9-0B2C-DDEE-C22A-B5EE484E006B}"/>
-              </a:ext>
-            </a:extLst>
-          </p:cNvPr>
-          <p:cNvSpPr>
-            <a:spLocks noGrp="1"/>
-          </p:cNvSpPr>
-          <p:nvPr>
-            <p:ph type="title"/>
-          </p:nvPr>
-        </p:nvSpPr>
-        <p:spPr/>
-        <p:txBody>
-          <a:bodyPr/>
-          <a:lstStyle/>
-          <a:p>
-            <a:pPr algn="ctr"/>
-            <a:r>
-              <a:rPr lang="en-US" altLang="zh-TW" dirty="0"/>
-              <a:t>SAR ADC</a:t>
-            </a:r>
-            <a:endParaRPr lang="zh-TW" altLang="en-US" dirty="0"/>
-          </a:p>
-        </p:txBody>
-      </p:sp>
-      <p:sp>
-        <p:nvSpPr>
-          <p:cNvPr id="3" name="內容版面配置區 2">
-            <a:extLst>
-              <a:ext uri="{FF2B5EF4-FFF2-40B4-BE49-F238E27FC236}">
-                <a16:creationId xmlns:a16="http://schemas.microsoft.com/office/drawing/2014/main" id="{EE7D49B9-DEBE-8FC2-803D-9BEE1654E37A}"/>
-              </a:ext>
-            </a:extLst>
-          </p:cNvPr>
-          <p:cNvSpPr>
-            <a:spLocks noGrp="1"/>
-          </p:cNvSpPr>
-          <p:nvPr>
-            <p:ph idx="1"/>
-          </p:nvPr>
-        </p:nvSpPr>
-        <p:spPr/>
-        <p:txBody>
-          <a:bodyPr/>
-          <a:lstStyle/>
-          <a:p>
-            <a:pPr marL="0" indent="0">
-              <a:buNone/>
-            </a:pPr>
-            <a:r>
-              <a:rPr lang="zh-TW" altLang="en-US" dirty="0"/>
-              <a:t>重點 </a:t>
-            </a:r>
-            <a:r>
-              <a:rPr lang="en-US" altLang="zh-TW" dirty="0"/>
-              <a:t>:</a:t>
-            </a:r>
-            <a:r>
-              <a:rPr lang="zh-TW" altLang="en-US" dirty="0"/>
-              <a:t> </a:t>
-            </a:r>
-            <a:endParaRPr lang="en-US" altLang="zh-TW" dirty="0"/>
-          </a:p>
-          <a:p>
-            <a:pPr marL="0" indent="0">
-              <a:buNone/>
-            </a:pPr>
-            <a:endParaRPr lang="en-US" altLang="zh-TW" dirty="0"/>
-          </a:p>
-          <a:p>
-            <a:pPr marL="514350" indent="-514350">
-              <a:buAutoNum type="arabicPeriod"/>
-            </a:pPr>
-            <a:r>
-              <a:rPr lang="zh-TW" altLang="en-US" sz="2400" dirty="0"/>
-              <a:t>採樣</a:t>
-            </a:r>
-            <a:endParaRPr lang="en-US" altLang="zh-TW" sz="2400" dirty="0"/>
-          </a:p>
-          <a:p>
-            <a:pPr marL="514350" indent="-514350">
-              <a:buAutoNum type="arabicPeriod"/>
-            </a:pPr>
-            <a:endParaRPr lang="en-US" altLang="zh-TW" sz="2400" dirty="0"/>
-          </a:p>
-          <a:p>
-            <a:pPr marL="514350" indent="-514350">
-              <a:buAutoNum type="arabicPeriod"/>
-            </a:pPr>
-            <a:r>
-              <a:rPr lang="zh-TW" altLang="en-US" sz="2400" dirty="0"/>
-              <a:t>轉換</a:t>
-            </a:r>
-            <a:endParaRPr lang="en-US" altLang="zh-TW" sz="2400" dirty="0"/>
-          </a:p>
-          <a:p>
-            <a:pPr marL="514350" indent="-514350">
-              <a:buAutoNum type="arabicPeriod"/>
-            </a:pPr>
-            <a:endParaRPr lang="en-US" altLang="zh-TW" sz="2400" dirty="0"/>
-          </a:p>
-          <a:p>
-            <a:pPr marL="514350" indent="-514350">
-              <a:buAutoNum type="arabicPeriod"/>
-            </a:pPr>
-            <a:r>
-              <a:rPr lang="zh-TW" altLang="en-US" sz="2400" dirty="0"/>
-              <a:t>實際情況</a:t>
-            </a:r>
-          </a:p>
-        </p:txBody>
-      </p:sp>
-    </p:spTree>
-    <p:extLst>
-      <p:ext uri="{BB962C8B-B14F-4D97-AF65-F5344CB8AC3E}">
-        <p14:creationId xmlns:p14="http://schemas.microsoft.com/office/powerpoint/2010/main" val="2088275281"/>
-      </p:ext>
-    </p:extLst>
-  </p:cSld>
-  <p:clrMapOvr>
-    <a:masterClrMapping/>
-  </p:clrMapOvr>
-</p:sld>
-</file>
-
-<file path=ppt/slides/slide17.xml><?xml version="1.0" encoding="utf-8"?>
-<p:sld xmlns:a="http://schemas.openxmlformats.org/drawingml/2006/main" xmlns:r="http://schemas.openxmlformats.org/officeDocument/2006/relationships" xmlns:p="http://schemas.openxmlformats.org/presentationml/2006/main">
-  <p:cSld>
-    <p:spTree>
-      <p:nvGrpSpPr>
-        <p:cNvPr id="1" name=""/>
-        <p:cNvGrpSpPr/>
-        <p:nvPr/>
-      </p:nvGrpSpPr>
-      <p:grpSpPr>
-        <a:xfrm>
-          <a:off x="0" y="0"/>
-          <a:ext cx="0" cy="0"/>
-          <a:chOff x="0" y="0"/>
-          <a:chExt cx="0" cy="0"/>
-        </a:xfrm>
-      </p:grpSpPr>
-      <p:sp>
-        <p:nvSpPr>
-          <p:cNvPr id="2" name="標題 1">
-            <a:extLst>
-              <a:ext uri="{FF2B5EF4-FFF2-40B4-BE49-F238E27FC236}">
-                <a16:creationId xmlns:a16="http://schemas.microsoft.com/office/drawing/2014/main" id="{1D3A7165-D4D8-00A3-28E5-FFB635A1ECC6}"/>
-              </a:ext>
-            </a:extLst>
-          </p:cNvPr>
-          <p:cNvSpPr>
-            <a:spLocks noGrp="1"/>
-          </p:cNvSpPr>
-          <p:nvPr>
-            <p:ph type="title"/>
-          </p:nvPr>
-        </p:nvSpPr>
-        <p:spPr/>
-        <p:txBody>
-          <a:bodyPr/>
-          <a:lstStyle/>
-          <a:p>
-            <a:pPr algn="ctr"/>
-            <a:r>
-              <a:rPr lang="en-US" altLang="zh-TW" dirty="0"/>
-              <a:t>SAR ADC </a:t>
-            </a:r>
-            <a:r>
-              <a:rPr lang="zh-TW" altLang="en-US" dirty="0"/>
-              <a:t>採樣</a:t>
-            </a:r>
-          </a:p>
-        </p:txBody>
-      </p:sp>
-      <p:sp>
-        <p:nvSpPr>
-          <p:cNvPr id="3" name="內容版面配置區 2">
-            <a:extLst>
-              <a:ext uri="{FF2B5EF4-FFF2-40B4-BE49-F238E27FC236}">
-                <a16:creationId xmlns:a16="http://schemas.microsoft.com/office/drawing/2014/main" id="{2B7118FB-1D87-E76D-D698-AE8AA635637B}"/>
-              </a:ext>
-            </a:extLst>
-          </p:cNvPr>
-          <p:cNvSpPr>
-            <a:spLocks noGrp="1"/>
-          </p:cNvSpPr>
-          <p:nvPr>
-            <p:ph idx="1"/>
-          </p:nvPr>
-        </p:nvSpPr>
-        <p:spPr/>
-        <p:txBody>
-          <a:bodyPr>
-            <a:normAutofit/>
-          </a:bodyPr>
-          <a:lstStyle/>
-          <a:p>
-            <a:pPr marL="0" indent="0">
-              <a:buNone/>
-            </a:pPr>
-            <a:r>
-              <a:rPr lang="zh-TW" altLang="en-US" sz="2400" dirty="0"/>
-              <a:t>採樣 </a:t>
-            </a:r>
-            <a:r>
-              <a:rPr lang="en-US" altLang="zh-TW" sz="2400" dirty="0"/>
-              <a:t>:</a:t>
-            </a:r>
-            <a:endParaRPr lang="zh-TW" altLang="en-US" sz="2400" dirty="0"/>
-          </a:p>
-        </p:txBody>
-      </p:sp>
-      <p:sp>
-        <p:nvSpPr>
-          <p:cNvPr id="4" name="等腰三角形 3">
-            <a:extLst>
-              <a:ext uri="{FF2B5EF4-FFF2-40B4-BE49-F238E27FC236}">
-                <a16:creationId xmlns:a16="http://schemas.microsoft.com/office/drawing/2014/main" id="{6EFD8A4B-2AC0-4905-0F6F-9C789CB6F5C3}"/>
-              </a:ext>
-            </a:extLst>
-          </p:cNvPr>
-          <p:cNvSpPr/>
-          <p:nvPr/>
-        </p:nvSpPr>
-        <p:spPr>
-          <a:xfrm rot="5400000">
-            <a:off x="2115765" y="2606854"/>
-            <a:ext cx="1702340" cy="1478603"/>
-          </a:xfrm>
-          <a:prstGeom prst="triangle">
-            <a:avLst/>
-          </a:prstGeom>
-        </p:spPr>
-        <p:style>
-          <a:lnRef idx="2">
-            <a:schemeClr val="accent1">
-              <a:shade val="50000"/>
-            </a:schemeClr>
-          </a:lnRef>
-          <a:fillRef idx="1">
-            <a:schemeClr val="accent1"/>
-          </a:fillRef>
-          <a:effectRef idx="0">
-            <a:schemeClr val="accent1"/>
-          </a:effectRef>
-          <a:fontRef idx="minor">
-            <a:schemeClr val="lt1"/>
-          </a:fontRef>
-        </p:style>
-        <p:txBody>
-          <a:bodyPr rtlCol="0" anchor="ctr"/>
-          <a:lstStyle/>
-          <a:p>
-            <a:pPr algn="ctr"/>
-            <a:endParaRPr lang="zh-TW" altLang="en-US"/>
-          </a:p>
-        </p:txBody>
-      </p:sp>
-      <p:sp>
-        <p:nvSpPr>
-          <p:cNvPr id="5" name="文字方塊 4">
-            <a:extLst>
-              <a:ext uri="{FF2B5EF4-FFF2-40B4-BE49-F238E27FC236}">
-                <a16:creationId xmlns:a16="http://schemas.microsoft.com/office/drawing/2014/main" id="{5D1F63F0-4C77-8AE7-A822-3813D3D9DCF4}"/>
-              </a:ext>
-            </a:extLst>
-          </p:cNvPr>
-          <p:cNvSpPr txBox="1"/>
-          <p:nvPr/>
-        </p:nvSpPr>
-        <p:spPr>
-          <a:xfrm>
-            <a:off x="2412460" y="3161489"/>
-            <a:ext cx="1108952" cy="369332"/>
-          </a:xfrm>
-          <a:prstGeom prst="rect">
-            <a:avLst/>
-          </a:prstGeom>
-          <a:noFill/>
-        </p:spPr>
-        <p:txBody>
-          <a:bodyPr wrap="square" rtlCol="0">
-            <a:spAutoFit/>
-          </a:bodyPr>
-          <a:lstStyle/>
-          <a:p>
-            <a:r>
-              <a:rPr lang="en-US" altLang="zh-TW" dirty="0"/>
-              <a:t>RX_PGA</a:t>
-            </a:r>
-            <a:endParaRPr lang="zh-TW" altLang="en-US" dirty="0"/>
-          </a:p>
-        </p:txBody>
-      </p:sp>
-      <p:cxnSp>
-        <p:nvCxnSpPr>
-          <p:cNvPr id="7" name="直線接點 6">
-            <a:extLst>
-              <a:ext uri="{FF2B5EF4-FFF2-40B4-BE49-F238E27FC236}">
-                <a16:creationId xmlns:a16="http://schemas.microsoft.com/office/drawing/2014/main" id="{DA25055E-7E11-423C-BE2C-EDDA1A8F8774}"/>
-              </a:ext>
-            </a:extLst>
-          </p:cNvPr>
-          <p:cNvCxnSpPr>
-            <a:cxnSpLocks/>
-          </p:cNvCxnSpPr>
-          <p:nvPr/>
-        </p:nvCxnSpPr>
-        <p:spPr>
-          <a:xfrm>
-            <a:off x="3688808" y="3346155"/>
-            <a:ext cx="922103" cy="0"/>
-          </a:xfrm>
-          <a:prstGeom prst="line">
-            <a:avLst/>
-          </a:prstGeom>
-        </p:spPr>
-        <p:style>
-          <a:lnRef idx="1">
-            <a:schemeClr val="accent1"/>
-          </a:lnRef>
-          <a:fillRef idx="0">
-            <a:schemeClr val="accent1"/>
-          </a:fillRef>
-          <a:effectRef idx="0">
-            <a:schemeClr val="accent1"/>
-          </a:effectRef>
-          <a:fontRef idx="minor">
-            <a:schemeClr val="tx1"/>
-          </a:fontRef>
-        </p:style>
-      </p:cxnSp>
-      <p:sp>
-        <p:nvSpPr>
-          <p:cNvPr id="8" name="矩形: 圓角 7">
-            <a:extLst>
-              <a:ext uri="{FF2B5EF4-FFF2-40B4-BE49-F238E27FC236}">
-                <a16:creationId xmlns:a16="http://schemas.microsoft.com/office/drawing/2014/main" id="{AB161747-CCA9-C126-A47C-7E30B5720D60}"/>
-              </a:ext>
-            </a:extLst>
-          </p:cNvPr>
-          <p:cNvSpPr/>
-          <p:nvPr/>
-        </p:nvSpPr>
-        <p:spPr>
-          <a:xfrm>
-            <a:off x="5462890" y="1945372"/>
-            <a:ext cx="3151762" cy="2801566"/>
-          </a:xfrm>
-          <a:prstGeom prst="roundRect">
-            <a:avLst/>
-          </a:prstGeom>
-        </p:spPr>
-        <p:style>
-          <a:lnRef idx="2">
-            <a:schemeClr val="accent6">
-              <a:shade val="50000"/>
-            </a:schemeClr>
-          </a:lnRef>
-          <a:fillRef idx="1">
-            <a:schemeClr val="accent6"/>
-          </a:fillRef>
-          <a:effectRef idx="0">
-            <a:schemeClr val="accent6"/>
-          </a:effectRef>
-          <a:fontRef idx="minor">
-            <a:schemeClr val="lt1"/>
-          </a:fontRef>
-        </p:style>
-        <p:txBody>
-          <a:bodyPr rtlCol="0" anchor="ctr"/>
-          <a:lstStyle/>
-          <a:p>
-            <a:pPr algn="r"/>
-            <a:r>
-              <a:rPr lang="en-US" altLang="zh-TW" dirty="0"/>
-              <a:t>ADC</a:t>
-            </a:r>
-            <a:endParaRPr lang="zh-TW" altLang="en-US" dirty="0"/>
-          </a:p>
-        </p:txBody>
-      </p:sp>
-      <p:cxnSp>
-        <p:nvCxnSpPr>
-          <p:cNvPr id="13" name="直線接點 12">
-            <a:extLst>
-              <a:ext uri="{FF2B5EF4-FFF2-40B4-BE49-F238E27FC236}">
-                <a16:creationId xmlns:a16="http://schemas.microsoft.com/office/drawing/2014/main" id="{E584EED9-D747-CCBB-7347-F637C45AFE34}"/>
-              </a:ext>
-            </a:extLst>
-          </p:cNvPr>
-          <p:cNvCxnSpPr/>
-          <p:nvPr/>
-        </p:nvCxnSpPr>
-        <p:spPr>
-          <a:xfrm>
-            <a:off x="5846323" y="3333103"/>
-            <a:ext cx="0" cy="476815"/>
-          </a:xfrm>
-          <a:prstGeom prst="line">
-            <a:avLst/>
-          </a:prstGeom>
-        </p:spPr>
-        <p:style>
-          <a:lnRef idx="1">
-            <a:schemeClr val="accent1"/>
-          </a:lnRef>
-          <a:fillRef idx="0">
-            <a:schemeClr val="accent1"/>
-          </a:fillRef>
-          <a:effectRef idx="0">
-            <a:schemeClr val="accent1"/>
-          </a:effectRef>
-          <a:fontRef idx="minor">
-            <a:schemeClr val="tx1"/>
-          </a:fontRef>
-        </p:style>
-      </p:cxnSp>
-      <p:cxnSp>
-        <p:nvCxnSpPr>
-          <p:cNvPr id="15" name="直線接點 14">
-            <a:extLst>
-              <a:ext uri="{FF2B5EF4-FFF2-40B4-BE49-F238E27FC236}">
-                <a16:creationId xmlns:a16="http://schemas.microsoft.com/office/drawing/2014/main" id="{1A125530-82CC-224B-6109-24B209E5DFCB}"/>
-              </a:ext>
-            </a:extLst>
-          </p:cNvPr>
-          <p:cNvCxnSpPr>
-            <a:cxnSpLocks/>
-          </p:cNvCxnSpPr>
-          <p:nvPr/>
-        </p:nvCxnSpPr>
-        <p:spPr>
-          <a:xfrm>
-            <a:off x="5684197" y="3813242"/>
-            <a:ext cx="343711" cy="0"/>
-          </a:xfrm>
-          <a:prstGeom prst="line">
-            <a:avLst/>
-          </a:prstGeom>
-        </p:spPr>
-        <p:style>
-          <a:lnRef idx="1">
-            <a:schemeClr val="accent1"/>
-          </a:lnRef>
-          <a:fillRef idx="0">
-            <a:schemeClr val="accent1"/>
-          </a:fillRef>
-          <a:effectRef idx="0">
-            <a:schemeClr val="accent1"/>
-          </a:effectRef>
-          <a:fontRef idx="minor">
-            <a:schemeClr val="tx1"/>
-          </a:fontRef>
-        </p:style>
-      </p:cxnSp>
-      <p:cxnSp>
-        <p:nvCxnSpPr>
-          <p:cNvPr id="17" name="直線接點 16">
-            <a:extLst>
-              <a:ext uri="{FF2B5EF4-FFF2-40B4-BE49-F238E27FC236}">
-                <a16:creationId xmlns:a16="http://schemas.microsoft.com/office/drawing/2014/main" id="{86D2E9C8-F01A-8CCF-65E5-CD3044D70831}"/>
-              </a:ext>
-            </a:extLst>
-          </p:cNvPr>
-          <p:cNvCxnSpPr>
-            <a:cxnSpLocks/>
-          </p:cNvCxnSpPr>
-          <p:nvPr/>
-        </p:nvCxnSpPr>
-        <p:spPr>
-          <a:xfrm>
-            <a:off x="5685818" y="3985097"/>
-            <a:ext cx="342090" cy="0"/>
-          </a:xfrm>
-          <a:prstGeom prst="line">
-            <a:avLst/>
-          </a:prstGeom>
-        </p:spPr>
-        <p:style>
-          <a:lnRef idx="1">
-            <a:schemeClr val="accent1"/>
-          </a:lnRef>
-          <a:fillRef idx="0">
-            <a:schemeClr val="accent1"/>
-          </a:fillRef>
-          <a:effectRef idx="0">
-            <a:schemeClr val="accent1"/>
-          </a:effectRef>
-          <a:fontRef idx="minor">
-            <a:schemeClr val="tx1"/>
-          </a:fontRef>
-        </p:style>
-      </p:cxnSp>
-      <p:cxnSp>
-        <p:nvCxnSpPr>
-          <p:cNvPr id="20" name="直線單箭頭接點 19">
-            <a:extLst>
-              <a:ext uri="{FF2B5EF4-FFF2-40B4-BE49-F238E27FC236}">
-                <a16:creationId xmlns:a16="http://schemas.microsoft.com/office/drawing/2014/main" id="{87E247A0-4DC4-DCF8-65D0-776FA9F0B89C}"/>
-              </a:ext>
-            </a:extLst>
-          </p:cNvPr>
-          <p:cNvCxnSpPr>
-            <a:cxnSpLocks/>
-          </p:cNvCxnSpPr>
-          <p:nvPr/>
-        </p:nvCxnSpPr>
-        <p:spPr>
-          <a:xfrm>
-            <a:off x="5875507" y="3985097"/>
-            <a:ext cx="0" cy="212229"/>
-          </a:xfrm>
-          <a:prstGeom prst="straightConnector1">
-            <a:avLst/>
-          </a:prstGeom>
-          <a:ln>
-            <a:tailEnd type="triangle"/>
-          </a:ln>
-        </p:spPr>
-        <p:style>
-          <a:lnRef idx="1">
-            <a:schemeClr val="accent1"/>
-          </a:lnRef>
-          <a:fillRef idx="0">
-            <a:schemeClr val="accent1"/>
-          </a:fillRef>
-          <a:effectRef idx="0">
-            <a:schemeClr val="accent1"/>
-          </a:effectRef>
-          <a:fontRef idx="minor">
-            <a:schemeClr val="tx1"/>
-          </a:fontRef>
-        </p:style>
-      </p:cxnSp>
-      <p:cxnSp>
-        <p:nvCxnSpPr>
-          <p:cNvPr id="22" name="直線接點 21">
-            <a:extLst>
-              <a:ext uri="{FF2B5EF4-FFF2-40B4-BE49-F238E27FC236}">
-                <a16:creationId xmlns:a16="http://schemas.microsoft.com/office/drawing/2014/main" id="{AC837D0E-FAD1-C2A6-503A-33BFDB8D24AC}"/>
-              </a:ext>
-            </a:extLst>
-          </p:cNvPr>
-          <p:cNvCxnSpPr>
-            <a:cxnSpLocks/>
-          </p:cNvCxnSpPr>
-          <p:nvPr/>
-        </p:nvCxnSpPr>
-        <p:spPr>
-          <a:xfrm flipV="1">
-            <a:off x="4594292" y="3064213"/>
-            <a:ext cx="683773" cy="281942"/>
-          </a:xfrm>
-          <a:prstGeom prst="line">
-            <a:avLst/>
-          </a:prstGeom>
-        </p:spPr>
-        <p:style>
-          <a:lnRef idx="1">
-            <a:schemeClr val="accent1"/>
-          </a:lnRef>
-          <a:fillRef idx="0">
-            <a:schemeClr val="accent1"/>
-          </a:fillRef>
-          <a:effectRef idx="0">
-            <a:schemeClr val="accent1"/>
-          </a:effectRef>
-          <a:fontRef idx="minor">
-            <a:schemeClr val="tx1"/>
-          </a:fontRef>
-        </p:style>
-      </p:cxnSp>
-      <p:cxnSp>
-        <p:nvCxnSpPr>
-          <p:cNvPr id="28" name="直線接點 27">
-            <a:extLst>
-              <a:ext uri="{FF2B5EF4-FFF2-40B4-BE49-F238E27FC236}">
-                <a16:creationId xmlns:a16="http://schemas.microsoft.com/office/drawing/2014/main" id="{2A3006E2-2661-B89C-97E0-532615CD1291}"/>
-              </a:ext>
-            </a:extLst>
-          </p:cNvPr>
-          <p:cNvCxnSpPr>
-            <a:cxnSpLocks/>
-          </p:cNvCxnSpPr>
-          <p:nvPr/>
-        </p:nvCxnSpPr>
-        <p:spPr>
-          <a:xfrm>
-            <a:off x="5233481" y="3346155"/>
-            <a:ext cx="1040859" cy="0"/>
-          </a:xfrm>
-          <a:prstGeom prst="line">
-            <a:avLst/>
-          </a:prstGeom>
-        </p:spPr>
-        <p:style>
-          <a:lnRef idx="1">
-            <a:schemeClr val="accent1"/>
-          </a:lnRef>
-          <a:fillRef idx="0">
-            <a:schemeClr val="accent1"/>
-          </a:fillRef>
-          <a:effectRef idx="0">
-            <a:schemeClr val="accent1"/>
-          </a:effectRef>
-          <a:fontRef idx="minor">
-            <a:schemeClr val="tx1"/>
-          </a:fontRef>
-        </p:style>
-      </p:cxnSp>
-      <p:cxnSp>
-        <p:nvCxnSpPr>
-          <p:cNvPr id="31" name="直線接點 30">
-            <a:extLst>
-              <a:ext uri="{FF2B5EF4-FFF2-40B4-BE49-F238E27FC236}">
-                <a16:creationId xmlns:a16="http://schemas.microsoft.com/office/drawing/2014/main" id="{8F47CA07-B181-1285-A867-1A8EA9C3EFF7}"/>
-              </a:ext>
-            </a:extLst>
-          </p:cNvPr>
-          <p:cNvCxnSpPr>
-            <a:stCxn id="4" idx="3"/>
-          </p:cNvCxnSpPr>
-          <p:nvPr/>
-        </p:nvCxnSpPr>
-        <p:spPr>
-          <a:xfrm flipH="1" flipV="1">
-            <a:off x="838200" y="3346155"/>
-            <a:ext cx="1389434" cy="1"/>
-          </a:xfrm>
-          <a:prstGeom prst="line">
-            <a:avLst/>
-          </a:prstGeom>
-        </p:spPr>
-        <p:style>
-          <a:lnRef idx="1">
-            <a:schemeClr val="accent1"/>
-          </a:lnRef>
-          <a:fillRef idx="0">
-            <a:schemeClr val="accent1"/>
-          </a:fillRef>
-          <a:effectRef idx="0">
-            <a:schemeClr val="accent1"/>
-          </a:effectRef>
-          <a:fontRef idx="minor">
-            <a:schemeClr val="tx1"/>
-          </a:fontRef>
-        </p:style>
-      </p:cxnSp>
-      <p:sp>
-        <p:nvSpPr>
-          <p:cNvPr id="32" name="矩形: 圓角 31">
-            <a:extLst>
-              <a:ext uri="{FF2B5EF4-FFF2-40B4-BE49-F238E27FC236}">
-                <a16:creationId xmlns:a16="http://schemas.microsoft.com/office/drawing/2014/main" id="{D39DFC0C-1603-4A4D-D68A-2EFAD62198F5}"/>
-              </a:ext>
-            </a:extLst>
-          </p:cNvPr>
-          <p:cNvSpPr/>
-          <p:nvPr/>
-        </p:nvSpPr>
-        <p:spPr>
-          <a:xfrm>
-            <a:off x="5348593" y="3346154"/>
-            <a:ext cx="671208" cy="450714"/>
-          </a:xfrm>
-          <a:prstGeom prst="roundRect">
-            <a:avLst/>
-          </a:prstGeom>
-          <a:noFill/>
-          <a:ln>
-            <a:noFill/>
-          </a:ln>
-        </p:spPr>
-        <p:style>
-          <a:lnRef idx="2">
-            <a:schemeClr val="accent1">
-              <a:shade val="50000"/>
-            </a:schemeClr>
-          </a:lnRef>
-          <a:fillRef idx="1">
-            <a:schemeClr val="accent1"/>
-          </a:fillRef>
-          <a:effectRef idx="0">
-            <a:schemeClr val="accent1"/>
-          </a:effectRef>
-          <a:fontRef idx="minor">
-            <a:schemeClr val="lt1"/>
-          </a:fontRef>
-        </p:style>
-        <p:txBody>
-          <a:bodyPr rtlCol="0" anchor="ctr"/>
-          <a:lstStyle/>
-          <a:p>
-            <a:pPr algn="ctr"/>
-            <a:r>
-              <a:rPr lang="en-US" altLang="zh-TW" dirty="0" err="1"/>
-              <a:t>Vc</a:t>
-            </a:r>
-            <a:endParaRPr lang="zh-TW" altLang="en-US" dirty="0"/>
-          </a:p>
-        </p:txBody>
-      </p:sp>
-      <p:cxnSp>
-        <p:nvCxnSpPr>
-          <p:cNvPr id="34" name="直線接點 33">
-            <a:extLst>
-              <a:ext uri="{FF2B5EF4-FFF2-40B4-BE49-F238E27FC236}">
-                <a16:creationId xmlns:a16="http://schemas.microsoft.com/office/drawing/2014/main" id="{D0E4374C-4EAC-4703-08A7-8C4580822815}"/>
-              </a:ext>
-            </a:extLst>
-          </p:cNvPr>
-          <p:cNvCxnSpPr>
-            <a:cxnSpLocks/>
-          </p:cNvCxnSpPr>
-          <p:nvPr/>
-        </p:nvCxnSpPr>
-        <p:spPr>
-          <a:xfrm>
-            <a:off x="2714017" y="3822970"/>
-            <a:ext cx="0" cy="1504561"/>
-          </a:xfrm>
-          <a:prstGeom prst="line">
-            <a:avLst/>
-          </a:prstGeom>
-        </p:spPr>
-        <p:style>
-          <a:lnRef idx="1">
-            <a:schemeClr val="accent1"/>
-          </a:lnRef>
-          <a:fillRef idx="0">
-            <a:schemeClr val="accent1"/>
-          </a:fillRef>
-          <a:effectRef idx="0">
-            <a:schemeClr val="accent1"/>
-          </a:effectRef>
-          <a:fontRef idx="minor">
-            <a:schemeClr val="tx1"/>
-          </a:fontRef>
-        </p:style>
-      </p:cxnSp>
-      <p:sp>
-        <p:nvSpPr>
-          <p:cNvPr id="36" name="文字方塊 35">
-            <a:extLst>
-              <a:ext uri="{FF2B5EF4-FFF2-40B4-BE49-F238E27FC236}">
-                <a16:creationId xmlns:a16="http://schemas.microsoft.com/office/drawing/2014/main" id="{DC57ADDF-D5F8-3F83-6F42-27C15EA42E32}"/>
-              </a:ext>
-            </a:extLst>
-          </p:cNvPr>
-          <p:cNvSpPr txBox="1"/>
-          <p:nvPr/>
-        </p:nvSpPr>
-        <p:spPr>
-          <a:xfrm>
-            <a:off x="2070774" y="4622372"/>
-            <a:ext cx="1079771" cy="369332"/>
-          </a:xfrm>
-          <a:prstGeom prst="rect">
-            <a:avLst/>
-          </a:prstGeom>
-          <a:noFill/>
-        </p:spPr>
-        <p:txBody>
-          <a:bodyPr wrap="square" rtlCol="0">
-            <a:spAutoFit/>
-          </a:bodyPr>
-          <a:lstStyle/>
-          <a:p>
-            <a:r>
-              <a:rPr lang="en-US" altLang="zh-TW" dirty="0" err="1"/>
-              <a:t>Vcm</a:t>
-            </a:r>
-            <a:endParaRPr lang="zh-TW" altLang="en-US" dirty="0"/>
-          </a:p>
-        </p:txBody>
-      </p:sp>
-      <p:cxnSp>
-        <p:nvCxnSpPr>
-          <p:cNvPr id="39" name="直線接點 38">
-            <a:extLst>
-              <a:ext uri="{FF2B5EF4-FFF2-40B4-BE49-F238E27FC236}">
-                <a16:creationId xmlns:a16="http://schemas.microsoft.com/office/drawing/2014/main" id="{EC6C6D14-D511-F271-F008-243C4FCAA8E6}"/>
-              </a:ext>
-            </a:extLst>
-          </p:cNvPr>
-          <p:cNvCxnSpPr>
-            <a:cxnSpLocks/>
-          </p:cNvCxnSpPr>
-          <p:nvPr/>
-        </p:nvCxnSpPr>
-        <p:spPr>
-          <a:xfrm>
-            <a:off x="6274340" y="3346155"/>
-            <a:ext cx="651754" cy="0"/>
-          </a:xfrm>
-          <a:prstGeom prst="line">
-            <a:avLst/>
-          </a:prstGeom>
-        </p:spPr>
-        <p:style>
-          <a:lnRef idx="1">
-            <a:schemeClr val="accent1"/>
-          </a:lnRef>
-          <a:fillRef idx="0">
-            <a:schemeClr val="accent1"/>
-          </a:fillRef>
-          <a:effectRef idx="0">
-            <a:schemeClr val="accent1"/>
-          </a:effectRef>
-          <a:fontRef idx="minor">
-            <a:schemeClr val="tx1"/>
-          </a:fontRef>
-        </p:style>
-      </p:cxnSp>
-      <p:cxnSp>
-        <p:nvCxnSpPr>
-          <p:cNvPr id="63" name="直線接點 62">
-            <a:extLst>
-              <a:ext uri="{FF2B5EF4-FFF2-40B4-BE49-F238E27FC236}">
-                <a16:creationId xmlns:a16="http://schemas.microsoft.com/office/drawing/2014/main" id="{CBD3A550-47F6-03FE-37BE-2A31005C418D}"/>
-              </a:ext>
-            </a:extLst>
-          </p:cNvPr>
-          <p:cNvCxnSpPr>
-            <a:cxnSpLocks/>
-          </p:cNvCxnSpPr>
-          <p:nvPr/>
-        </p:nvCxnSpPr>
-        <p:spPr>
-          <a:xfrm>
-            <a:off x="6274340" y="3339269"/>
-            <a:ext cx="0" cy="328059"/>
-          </a:xfrm>
-          <a:prstGeom prst="line">
-            <a:avLst/>
-          </a:prstGeom>
-        </p:spPr>
-        <p:style>
-          <a:lnRef idx="1">
-            <a:schemeClr val="accent1"/>
-          </a:lnRef>
-          <a:fillRef idx="0">
-            <a:schemeClr val="accent1"/>
-          </a:fillRef>
-          <a:effectRef idx="0">
-            <a:schemeClr val="accent1"/>
-          </a:effectRef>
-          <a:fontRef idx="minor">
-            <a:schemeClr val="tx1"/>
-          </a:fontRef>
-        </p:style>
-      </p:cxnSp>
-      <p:cxnSp>
-        <p:nvCxnSpPr>
-          <p:cNvPr id="65" name="直線接點 64">
-            <a:extLst>
-              <a:ext uri="{FF2B5EF4-FFF2-40B4-BE49-F238E27FC236}">
-                <a16:creationId xmlns:a16="http://schemas.microsoft.com/office/drawing/2014/main" id="{942D7657-6020-3611-69AB-CF3F500143DC}"/>
-              </a:ext>
-            </a:extLst>
-          </p:cNvPr>
-          <p:cNvCxnSpPr>
-            <a:cxnSpLocks/>
-          </p:cNvCxnSpPr>
-          <p:nvPr/>
-        </p:nvCxnSpPr>
-        <p:spPr>
-          <a:xfrm>
-            <a:off x="6167336" y="3667328"/>
-            <a:ext cx="175098" cy="0"/>
-          </a:xfrm>
-          <a:prstGeom prst="line">
-            <a:avLst/>
-          </a:prstGeom>
-        </p:spPr>
-        <p:style>
-          <a:lnRef idx="1">
-            <a:schemeClr val="accent1"/>
-          </a:lnRef>
-          <a:fillRef idx="0">
-            <a:schemeClr val="accent1"/>
-          </a:fillRef>
-          <a:effectRef idx="0">
-            <a:schemeClr val="accent1"/>
-          </a:effectRef>
-          <a:fontRef idx="minor">
-            <a:schemeClr val="tx1"/>
-          </a:fontRef>
-        </p:style>
-      </p:cxnSp>
-      <p:cxnSp>
-        <p:nvCxnSpPr>
-          <p:cNvPr id="68" name="直線接點 67">
-            <a:extLst>
-              <a:ext uri="{FF2B5EF4-FFF2-40B4-BE49-F238E27FC236}">
-                <a16:creationId xmlns:a16="http://schemas.microsoft.com/office/drawing/2014/main" id="{E95733F0-5E1D-A83D-A3F4-D26B5EEFE536}"/>
-              </a:ext>
-            </a:extLst>
-          </p:cNvPr>
-          <p:cNvCxnSpPr>
-            <a:cxnSpLocks/>
-          </p:cNvCxnSpPr>
-          <p:nvPr/>
-        </p:nvCxnSpPr>
-        <p:spPr>
-          <a:xfrm>
-            <a:off x="6164093" y="3738582"/>
-            <a:ext cx="175098" cy="0"/>
-          </a:xfrm>
-          <a:prstGeom prst="line">
-            <a:avLst/>
-          </a:prstGeom>
-        </p:spPr>
-        <p:style>
-          <a:lnRef idx="1">
-            <a:schemeClr val="accent1"/>
-          </a:lnRef>
-          <a:fillRef idx="0">
-            <a:schemeClr val="accent1"/>
-          </a:fillRef>
-          <a:effectRef idx="0">
-            <a:schemeClr val="accent1"/>
-          </a:effectRef>
-          <a:fontRef idx="minor">
-            <a:schemeClr val="tx1"/>
-          </a:fontRef>
-        </p:style>
-      </p:cxnSp>
-      <p:cxnSp>
-        <p:nvCxnSpPr>
-          <p:cNvPr id="69" name="直線單箭頭接點 68">
-            <a:extLst>
-              <a:ext uri="{FF2B5EF4-FFF2-40B4-BE49-F238E27FC236}">
-                <a16:creationId xmlns:a16="http://schemas.microsoft.com/office/drawing/2014/main" id="{D64E40D0-0768-FCBF-D050-2F3DEB39C238}"/>
-              </a:ext>
-            </a:extLst>
-          </p:cNvPr>
-          <p:cNvCxnSpPr>
-            <a:cxnSpLocks/>
-          </p:cNvCxnSpPr>
-          <p:nvPr/>
-        </p:nvCxnSpPr>
-        <p:spPr>
-          <a:xfrm>
-            <a:off x="6280826" y="3738582"/>
-            <a:ext cx="0" cy="212229"/>
-          </a:xfrm>
-          <a:prstGeom prst="straightConnector1">
-            <a:avLst/>
-          </a:prstGeom>
-          <a:ln>
-            <a:tailEnd type="triangle"/>
-          </a:ln>
-        </p:spPr>
-        <p:style>
-          <a:lnRef idx="1">
-            <a:schemeClr val="accent1"/>
-          </a:lnRef>
-          <a:fillRef idx="0">
-            <a:schemeClr val="accent1"/>
-          </a:fillRef>
-          <a:effectRef idx="0">
-            <a:schemeClr val="accent1"/>
-          </a:effectRef>
-          <a:fontRef idx="minor">
-            <a:schemeClr val="tx1"/>
-          </a:fontRef>
-        </p:style>
-      </p:cxnSp>
-    </p:spTree>
-    <p:extLst>
-      <p:ext uri="{BB962C8B-B14F-4D97-AF65-F5344CB8AC3E}">
-        <p14:creationId xmlns:p14="http://schemas.microsoft.com/office/powerpoint/2010/main" val="2959355990"/>
-      </p:ext>
-    </p:extLst>
-  </p:cSld>
-  <p:clrMapOvr>
-    <a:masterClrMapping/>
-  </p:clrMapOvr>
-</p:sld>
-</file>
-
-<file path=ppt/slides/slide18.xml><?xml version="1.0" encoding="utf-8"?>
-<p:sld xmlns:a="http://schemas.openxmlformats.org/drawingml/2006/main" xmlns:r="http://schemas.openxmlformats.org/officeDocument/2006/relationships" xmlns:p="http://schemas.openxmlformats.org/presentationml/2006/main">
-  <p:cSld>
-    <p:spTree>
-      <p:nvGrpSpPr>
-        <p:cNvPr id="1" name=""/>
-        <p:cNvGrpSpPr/>
-        <p:nvPr/>
-      </p:nvGrpSpPr>
-      <p:grpSpPr>
-        <a:xfrm>
-          <a:off x="0" y="0"/>
-          <a:ext cx="0" cy="0"/>
-          <a:chOff x="0" y="0"/>
-          <a:chExt cx="0" cy="0"/>
-        </a:xfrm>
-      </p:grpSpPr>
-      <p:sp>
-        <p:nvSpPr>
-          <p:cNvPr id="2" name="標題 1">
-            <a:extLst>
-              <a:ext uri="{FF2B5EF4-FFF2-40B4-BE49-F238E27FC236}">
                 <a16:creationId xmlns:a16="http://schemas.microsoft.com/office/drawing/2014/main" id="{AEF230D9-F563-A36C-481A-F98E3495C774}"/>
               </a:ext>
             </a:extLst>
@@ -7226,7 +5148,7 @@
 </p:sld>
 </file>
 
-<file path=ppt/slides/slide19.xml><?xml version="1.0" encoding="utf-8"?>
+<file path=ppt/slides/slide11.xml><?xml version="1.0" encoding="utf-8"?>
 <p:sld xmlns:a="http://schemas.openxmlformats.org/drawingml/2006/main" xmlns:r="http://schemas.openxmlformats.org/officeDocument/2006/relationships" xmlns:p="http://schemas.openxmlformats.org/presentationml/2006/main">
   <p:cSld>
     <p:spTree>
@@ -7452,240 +5374,7 @@
 </p:sld>
 </file>
 
-<file path=ppt/slides/slide2.xml><?xml version="1.0" encoding="utf-8"?>
-<p:sld xmlns:a="http://schemas.openxmlformats.org/drawingml/2006/main" xmlns:r="http://schemas.openxmlformats.org/officeDocument/2006/relationships" xmlns:p="http://schemas.openxmlformats.org/presentationml/2006/main">
-  <p:cSld>
-    <p:spTree>
-      <p:nvGrpSpPr>
-        <p:cNvPr id="1" name=""/>
-        <p:cNvGrpSpPr/>
-        <p:nvPr/>
-      </p:nvGrpSpPr>
-      <p:grpSpPr>
-        <a:xfrm>
-          <a:off x="0" y="0"/>
-          <a:ext cx="0" cy="0"/>
-          <a:chOff x="0" y="0"/>
-          <a:chExt cx="0" cy="0"/>
-        </a:xfrm>
-      </p:grpSpPr>
-      <p:sp>
-        <p:nvSpPr>
-          <p:cNvPr id="2" name="標題 1">
-            <a:extLst>
-              <a:ext uri="{FF2B5EF4-FFF2-40B4-BE49-F238E27FC236}">
-                <a16:creationId xmlns:a16="http://schemas.microsoft.com/office/drawing/2014/main" id="{F88A4FC8-77BD-64B2-6092-5EC021BA3E2B}"/>
-              </a:ext>
-            </a:extLst>
-          </p:cNvPr>
-          <p:cNvSpPr>
-            <a:spLocks noGrp="1"/>
-          </p:cNvSpPr>
-          <p:nvPr>
-            <p:ph type="title"/>
-          </p:nvPr>
-        </p:nvSpPr>
-        <p:spPr/>
-        <p:txBody>
-          <a:bodyPr/>
-          <a:lstStyle/>
-          <a:p>
-            <a:pPr algn="ctr"/>
-            <a:r>
-              <a:rPr lang="en-US" altLang="zh-TW" dirty="0"/>
-              <a:t>Definition</a:t>
-            </a:r>
-            <a:endParaRPr lang="zh-TW" altLang="en-US" dirty="0"/>
-          </a:p>
-        </p:txBody>
-      </p:sp>
-      <p:sp>
-        <p:nvSpPr>
-          <p:cNvPr id="3" name="內容版面配置區 2">
-            <a:extLst>
-              <a:ext uri="{FF2B5EF4-FFF2-40B4-BE49-F238E27FC236}">
-                <a16:creationId xmlns:a16="http://schemas.microsoft.com/office/drawing/2014/main" id="{89C08FAC-BB23-3F15-1FDB-608201F54FC7}"/>
-              </a:ext>
-            </a:extLst>
-          </p:cNvPr>
-          <p:cNvSpPr>
-            <a:spLocks noGrp="1"/>
-          </p:cNvSpPr>
-          <p:nvPr>
-            <p:ph idx="1"/>
-          </p:nvPr>
-        </p:nvSpPr>
-        <p:spPr/>
-        <p:txBody>
-          <a:bodyPr/>
-          <a:lstStyle/>
-          <a:p>
-            <a:pPr marL="514350" indent="-514350">
-              <a:buAutoNum type="arabicPeriod"/>
-            </a:pPr>
-            <a:r>
-              <a:rPr lang="zh-TW" altLang="en-US" dirty="0"/>
-              <a:t>以下定義章節</a:t>
-            </a:r>
-            <a:r>
-              <a:rPr lang="en-US" altLang="zh-TW" dirty="0"/>
-              <a:t>Sequence</a:t>
-            </a:r>
-          </a:p>
-          <a:p>
-            <a:pPr marL="914400" lvl="1" indent="-457200">
-              <a:buAutoNum type="arabicPeriod"/>
-            </a:pPr>
-            <a:r>
-              <a:rPr lang="zh-TW" altLang="en-US" dirty="0"/>
-              <a:t>章節 目的</a:t>
-            </a:r>
-            <a:r>
-              <a:rPr lang="en-US" altLang="zh-TW" dirty="0"/>
-              <a:t>(</a:t>
-            </a:r>
-            <a:r>
-              <a:rPr lang="zh-TW" altLang="en-US" dirty="0"/>
-              <a:t>紅色</a:t>
-            </a:r>
-            <a:r>
-              <a:rPr lang="en-US" altLang="zh-TW" dirty="0"/>
-              <a:t>)</a:t>
-            </a:r>
-          </a:p>
-          <a:p>
-            <a:pPr marL="914400" lvl="1" indent="-457200">
-              <a:buAutoNum type="arabicPeriod"/>
-            </a:pPr>
-            <a:r>
-              <a:rPr lang="zh-TW" altLang="en-US" dirty="0"/>
-              <a:t>章節 架構</a:t>
-            </a:r>
-            <a:r>
-              <a:rPr lang="en-US" altLang="zh-TW" dirty="0"/>
-              <a:t>(</a:t>
-            </a:r>
-            <a:r>
-              <a:rPr lang="zh-TW" altLang="en-US" dirty="0"/>
-              <a:t>綠色</a:t>
-            </a:r>
-            <a:r>
-              <a:rPr lang="en-US" altLang="zh-TW" dirty="0"/>
-              <a:t>)</a:t>
-            </a:r>
-          </a:p>
-          <a:p>
-            <a:pPr marL="914400" lvl="1" indent="-457200">
-              <a:buAutoNum type="arabicPeriod"/>
-            </a:pPr>
-            <a:r>
-              <a:rPr lang="zh-TW" altLang="en-US" dirty="0"/>
-              <a:t>章節 問題</a:t>
-            </a:r>
-            <a:r>
-              <a:rPr lang="en-US" altLang="zh-TW" dirty="0"/>
-              <a:t>(</a:t>
-            </a:r>
-            <a:r>
-              <a:rPr lang="zh-TW" altLang="en-US" dirty="0"/>
-              <a:t>藍色</a:t>
-            </a:r>
-            <a:r>
-              <a:rPr lang="en-US" altLang="zh-TW" dirty="0"/>
-              <a:t>)</a:t>
-            </a:r>
-            <a:r>
-              <a:rPr lang="zh-TW" altLang="en-US" dirty="0"/>
-              <a:t>、問題的根本</a:t>
-            </a:r>
-            <a:r>
-              <a:rPr lang="en-US" altLang="zh-TW" dirty="0"/>
-              <a:t>(</a:t>
-            </a:r>
-            <a:r>
-              <a:rPr lang="zh-TW" altLang="en-US" dirty="0"/>
-              <a:t>紅色</a:t>
-            </a:r>
-            <a:r>
-              <a:rPr lang="en-US" altLang="zh-TW" dirty="0"/>
-              <a:t>)</a:t>
-            </a:r>
-          </a:p>
-          <a:p>
-            <a:pPr marL="914400" lvl="1" indent="-457200">
-              <a:buAutoNum type="arabicPeriod"/>
-            </a:pPr>
-            <a:r>
-              <a:rPr lang="zh-TW" altLang="en-US" dirty="0"/>
-              <a:t>解決辦法 </a:t>
-            </a:r>
-            <a:r>
-              <a:rPr lang="en-US" altLang="zh-TW" dirty="0"/>
-              <a:t>(</a:t>
-            </a:r>
-            <a:r>
-              <a:rPr lang="zh-TW" altLang="en-US" dirty="0"/>
-              <a:t>黑色</a:t>
-            </a:r>
-            <a:r>
-              <a:rPr lang="en-US" altLang="zh-TW" dirty="0"/>
-              <a:t>)</a:t>
-            </a:r>
-          </a:p>
-          <a:p>
-            <a:pPr marL="971550" lvl="1" indent="-514350">
-              <a:buAutoNum type="arabicPeriod"/>
-            </a:pPr>
-            <a:endParaRPr lang="en-US" altLang="zh-TW" dirty="0"/>
-          </a:p>
-          <a:p>
-            <a:pPr marL="514350" indent="-514350">
-              <a:buAutoNum type="arabicPeriod"/>
-            </a:pPr>
-            <a:r>
-              <a:rPr lang="zh-TW" altLang="en-US" dirty="0"/>
-              <a:t>字的大小由</a:t>
-            </a:r>
-            <a:r>
-              <a:rPr lang="en-US" altLang="zh-TW" dirty="0"/>
-              <a:t>28 </a:t>
-            </a:r>
-            <a:r>
-              <a:rPr lang="zh-TW" altLang="en-US" dirty="0"/>
-              <a:t>一路縮小 </a:t>
-            </a:r>
-            <a:r>
-              <a:rPr lang="en-US" altLang="zh-TW" dirty="0"/>
-              <a:t>28,24,20,… </a:t>
-            </a:r>
-            <a:r>
-              <a:rPr lang="zh-TW" altLang="en-US" dirty="0"/>
-              <a:t>依層級遞減</a:t>
-            </a:r>
-            <a:endParaRPr lang="en-US" altLang="zh-TW" dirty="0"/>
-          </a:p>
-          <a:p>
-            <a:pPr marL="457200" lvl="1" indent="0">
-              <a:buNone/>
-            </a:pPr>
-            <a:endParaRPr lang="en-US" altLang="zh-TW" dirty="0"/>
-          </a:p>
-        </p:txBody>
-      </p:sp>
-    </p:spTree>
-    <p:extLst>
-      <p:ext uri="{BB962C8B-B14F-4D97-AF65-F5344CB8AC3E}">
-        <p14:creationId xmlns:p14="http://schemas.microsoft.com/office/powerpoint/2010/main" val="3060344743"/>
-      </p:ext>
-    </p:extLst>
-  </p:cSld>
-  <p:clrMapOvr>
-    <a:masterClrMapping/>
-  </p:clrMapOvr>
-</p:sld>
-</file>
-
-<file path=ppt/slides/slide20.xml><?xml version="1.0" encoding="utf-8"?>
+<file path=ppt/slides/slide12.xml><?xml version="1.0" encoding="utf-8"?>
 <p:sld xmlns:a="http://schemas.openxmlformats.org/drawingml/2006/main" xmlns:r="http://schemas.openxmlformats.org/officeDocument/2006/relationships" xmlns:p="http://schemas.openxmlformats.org/presentationml/2006/main">
   <p:cSld>
     <p:spTree>
@@ -7914,6 +5603,1697 @@
 </p:sld>
 </file>
 
+<file path=ppt/slides/slide13.xml><?xml version="1.0" encoding="utf-8"?>
+<p:sld xmlns:a="http://schemas.openxmlformats.org/drawingml/2006/main" xmlns:r="http://schemas.openxmlformats.org/officeDocument/2006/relationships" xmlns:p="http://schemas.openxmlformats.org/presentationml/2006/main">
+  <p:cSld>
+    <p:spTree>
+      <p:nvGrpSpPr>
+        <p:cNvPr id="1" name=""/>
+        <p:cNvGrpSpPr/>
+        <p:nvPr/>
+      </p:nvGrpSpPr>
+      <p:grpSpPr>
+        <a:xfrm>
+          <a:off x="0" y="0"/>
+          <a:ext cx="0" cy="0"/>
+          <a:chOff x="0" y="0"/>
+          <a:chExt cx="0" cy="0"/>
+        </a:xfrm>
+      </p:grpSpPr>
+      <p:sp>
+        <p:nvSpPr>
+          <p:cNvPr id="2" name="標題 1">
+            <a:extLst>
+              <a:ext uri="{FF2B5EF4-FFF2-40B4-BE49-F238E27FC236}">
+                <a16:creationId xmlns:a16="http://schemas.microsoft.com/office/drawing/2014/main" id="{034E9218-474B-B1DC-1CDA-394754C26DF2}"/>
+              </a:ext>
+            </a:extLst>
+          </p:cNvPr>
+          <p:cNvSpPr>
+            <a:spLocks noGrp="1"/>
+          </p:cNvSpPr>
+          <p:nvPr>
+            <p:ph type="title"/>
+          </p:nvPr>
+        </p:nvSpPr>
+        <p:spPr/>
+        <p:txBody>
+          <a:bodyPr/>
+          <a:lstStyle/>
+          <a:p>
+            <a:pPr algn="ctr"/>
+            <a:r>
+              <a:rPr lang="en-US" altLang="zh-TW" dirty="0"/>
+              <a:t>SAR ADC</a:t>
+            </a:r>
+            <a:r>
+              <a:rPr lang="zh-TW" altLang="en-US" dirty="0"/>
+              <a:t> 實際狀況</a:t>
+            </a:r>
+          </a:p>
+        </p:txBody>
+      </p:sp>
+      <p:pic>
+        <p:nvPicPr>
+          <p:cNvPr id="13" name="內容版面配置區 12">
+            <a:extLst>
+              <a:ext uri="{FF2B5EF4-FFF2-40B4-BE49-F238E27FC236}">
+                <a16:creationId xmlns:a16="http://schemas.microsoft.com/office/drawing/2014/main" id="{D84AF8D7-3D22-35C4-83E0-599AE6B98FAB}"/>
+              </a:ext>
+            </a:extLst>
+          </p:cNvPr>
+          <p:cNvPicPr>
+            <a:picLocks noGrp="1" noChangeAspect="1"/>
+          </p:cNvPicPr>
+          <p:nvPr>
+            <p:ph idx="1"/>
+          </p:nvPr>
+        </p:nvPicPr>
+        <p:blipFill>
+          <a:blip r:embed="rId3">
+            <a:extLst>
+              <a:ext uri="{28A0092B-C50C-407E-A947-70E740481C1C}">
+                <a14:useLocalDpi xmlns:a14="http://schemas.microsoft.com/office/drawing/2010/main" val="0"/>
+              </a:ext>
+            </a:extLst>
+          </a:blip>
+          <a:stretch>
+            <a:fillRect/>
+          </a:stretch>
+        </p:blipFill>
+        <p:spPr>
+          <a:xfrm>
+            <a:off x="838200" y="1736049"/>
+            <a:ext cx="10515600" cy="4756826"/>
+          </a:xfrm>
+        </p:spPr>
+      </p:pic>
+    </p:spTree>
+    <p:extLst>
+      <p:ext uri="{BB962C8B-B14F-4D97-AF65-F5344CB8AC3E}">
+        <p14:creationId xmlns:p14="http://schemas.microsoft.com/office/powerpoint/2010/main" val="2828768408"/>
+      </p:ext>
+    </p:extLst>
+  </p:cSld>
+  <p:clrMapOvr>
+    <a:masterClrMapping/>
+  </p:clrMapOvr>
+</p:sld>
+</file>
+
+<file path=ppt/slides/slide14.xml><?xml version="1.0" encoding="utf-8"?>
+<p:sld xmlns:a="http://schemas.openxmlformats.org/drawingml/2006/main" xmlns:r="http://schemas.openxmlformats.org/officeDocument/2006/relationships" xmlns:p="http://schemas.openxmlformats.org/presentationml/2006/main">
+  <p:cSld>
+    <p:spTree>
+      <p:nvGrpSpPr>
+        <p:cNvPr id="1" name=""/>
+        <p:cNvGrpSpPr/>
+        <p:nvPr/>
+      </p:nvGrpSpPr>
+      <p:grpSpPr>
+        <a:xfrm>
+          <a:off x="0" y="0"/>
+          <a:ext cx="0" cy="0"/>
+          <a:chOff x="0" y="0"/>
+          <a:chExt cx="0" cy="0"/>
+        </a:xfrm>
+      </p:grpSpPr>
+      <p:sp>
+        <p:nvSpPr>
+          <p:cNvPr id="2" name="標題 1">
+            <a:extLst>
+              <a:ext uri="{FF2B5EF4-FFF2-40B4-BE49-F238E27FC236}">
+                <a16:creationId xmlns:a16="http://schemas.microsoft.com/office/drawing/2014/main" id="{8BDD02B5-2588-F29D-85A0-F44E3198E6C5}"/>
+              </a:ext>
+            </a:extLst>
+          </p:cNvPr>
+          <p:cNvSpPr>
+            <a:spLocks noGrp="1"/>
+          </p:cNvSpPr>
+          <p:nvPr>
+            <p:ph type="title"/>
+          </p:nvPr>
+        </p:nvSpPr>
+        <p:spPr/>
+        <p:txBody>
+          <a:bodyPr/>
+          <a:lstStyle/>
+          <a:p>
+            <a:pPr algn="ctr"/>
+            <a:r>
+              <a:rPr lang="en-US" altLang="zh-TW" dirty="0"/>
+              <a:t>SAR ADC</a:t>
+            </a:r>
+            <a:br>
+              <a:rPr lang="en-US" altLang="zh-TW" dirty="0"/>
+            </a:br>
+            <a:r>
+              <a:rPr lang="zh-TW" altLang="en-US" dirty="0"/>
+              <a:t>早期、目前做法</a:t>
+            </a:r>
+          </a:p>
+        </p:txBody>
+      </p:sp>
+      <p:sp>
+        <p:nvSpPr>
+          <p:cNvPr id="3" name="內容版面配置區 2">
+            <a:extLst>
+              <a:ext uri="{FF2B5EF4-FFF2-40B4-BE49-F238E27FC236}">
+                <a16:creationId xmlns:a16="http://schemas.microsoft.com/office/drawing/2014/main" id="{C312E12E-7FF0-635C-AB76-4F921EE1DE24}"/>
+              </a:ext>
+            </a:extLst>
+          </p:cNvPr>
+          <p:cNvSpPr>
+            <a:spLocks noGrp="1"/>
+          </p:cNvSpPr>
+          <p:nvPr>
+            <p:ph idx="1"/>
+          </p:nvPr>
+        </p:nvSpPr>
+        <p:spPr/>
+        <p:txBody>
+          <a:bodyPr/>
+          <a:lstStyle/>
+          <a:p>
+            <a:pPr marL="0" indent="0">
+              <a:buNone/>
+            </a:pPr>
+            <a:endParaRPr lang="en-US" altLang="zh-TW" dirty="0"/>
+          </a:p>
+          <a:p>
+            <a:pPr marL="0" indent="0">
+              <a:buNone/>
+            </a:pPr>
+            <a:endParaRPr lang="en-US" altLang="zh-TW" dirty="0"/>
+          </a:p>
+          <a:p>
+            <a:pPr marL="0" indent="0">
+              <a:buNone/>
+            </a:pPr>
+            <a:r>
+              <a:rPr lang="en-US" altLang="zh-TW" dirty="0"/>
+              <a:t>1.</a:t>
+            </a:r>
+            <a:r>
+              <a:rPr lang="zh-TW" altLang="en-US" dirty="0"/>
+              <a:t> 學長提供</a:t>
+            </a:r>
+            <a:r>
+              <a:rPr lang="en-US" altLang="zh-TW" dirty="0"/>
+              <a:t>ADC</a:t>
+            </a:r>
+            <a:r>
+              <a:rPr lang="zh-TW" altLang="en-US" dirty="0"/>
+              <a:t> </a:t>
+            </a:r>
+            <a:r>
+              <a:rPr lang="en-US" altLang="zh-TW" dirty="0"/>
+              <a:t>CLK</a:t>
+            </a:r>
+            <a:r>
+              <a:rPr lang="zh-TW" altLang="en-US" dirty="0"/>
+              <a:t> </a:t>
+            </a:r>
+            <a:r>
+              <a:rPr lang="en-US" altLang="zh-TW" dirty="0"/>
+              <a:t>PORT</a:t>
+            </a:r>
+            <a:r>
+              <a:rPr lang="zh-TW" altLang="en-US" dirty="0"/>
+              <a:t> ，數位</a:t>
+            </a:r>
+            <a:r>
+              <a:rPr lang="en-US" altLang="zh-TW" dirty="0"/>
+              <a:t>Sample</a:t>
+            </a:r>
+            <a:r>
+              <a:rPr lang="zh-TW" altLang="en-US" dirty="0"/>
+              <a:t>的時間</a:t>
+            </a:r>
+            <a:r>
+              <a:rPr lang="en-US" altLang="zh-TW" dirty="0"/>
+              <a:t>(</a:t>
+            </a:r>
+            <a:r>
+              <a:rPr lang="zh-TW" altLang="en-US" dirty="0"/>
+              <a:t>損失掉</a:t>
+            </a:r>
+            <a:r>
+              <a:rPr lang="en-US" altLang="zh-TW" dirty="0"/>
+              <a:t>LSB</a:t>
+            </a:r>
+            <a:r>
+              <a:rPr lang="zh-TW" altLang="en-US" dirty="0"/>
+              <a:t> </a:t>
+            </a:r>
+            <a:r>
+              <a:rPr lang="en-US" altLang="zh-TW" dirty="0"/>
+              <a:t>Port Information)</a:t>
+            </a:r>
+          </a:p>
+          <a:p>
+            <a:pPr marL="0" indent="0">
+              <a:buNone/>
+            </a:pPr>
+            <a:endParaRPr lang="en-US" altLang="zh-TW" dirty="0"/>
+          </a:p>
+          <a:p>
+            <a:pPr marL="0" indent="0">
+              <a:buNone/>
+            </a:pPr>
+            <a:r>
+              <a:rPr lang="en-US" altLang="zh-TW" dirty="0"/>
+              <a:t>2. </a:t>
+            </a:r>
+            <a:r>
+              <a:rPr lang="zh-TW" altLang="en-US" dirty="0"/>
+              <a:t>透過</a:t>
+            </a:r>
+            <a:r>
+              <a:rPr lang="en-US" altLang="zh-TW" dirty="0"/>
+              <a:t>Group</a:t>
+            </a:r>
+            <a:r>
+              <a:rPr lang="zh-TW" altLang="en-US" dirty="0"/>
+              <a:t>來決定最後數位</a:t>
+            </a:r>
+            <a:r>
+              <a:rPr lang="en-US" altLang="zh-TW" dirty="0"/>
+              <a:t>Sample</a:t>
+            </a:r>
+            <a:r>
+              <a:rPr lang="zh-TW" altLang="en-US" dirty="0"/>
+              <a:t>的時間點</a:t>
+            </a:r>
+          </a:p>
+        </p:txBody>
+      </p:sp>
+    </p:spTree>
+    <p:extLst>
+      <p:ext uri="{BB962C8B-B14F-4D97-AF65-F5344CB8AC3E}">
+        <p14:creationId xmlns:p14="http://schemas.microsoft.com/office/powerpoint/2010/main" val="1751698985"/>
+      </p:ext>
+    </p:extLst>
+  </p:cSld>
+  <p:clrMapOvr>
+    <a:masterClrMapping/>
+  </p:clrMapOvr>
+</p:sld>
+</file>
+
+<file path=ppt/slides/slide15.xml><?xml version="1.0" encoding="utf-8"?>
+<p:sld xmlns:a="http://schemas.openxmlformats.org/drawingml/2006/main" xmlns:r="http://schemas.openxmlformats.org/officeDocument/2006/relationships" xmlns:p="http://schemas.openxmlformats.org/presentationml/2006/main">
+  <p:cSld>
+    <p:spTree>
+      <p:nvGrpSpPr>
+        <p:cNvPr id="1" name=""/>
+        <p:cNvGrpSpPr/>
+        <p:nvPr/>
+      </p:nvGrpSpPr>
+      <p:grpSpPr>
+        <a:xfrm>
+          <a:off x="0" y="0"/>
+          <a:ext cx="0" cy="0"/>
+          <a:chOff x="0" y="0"/>
+          <a:chExt cx="0" cy="0"/>
+        </a:xfrm>
+      </p:grpSpPr>
+      <p:sp>
+        <p:nvSpPr>
+          <p:cNvPr id="2" name="標題 1">
+            <a:extLst>
+              <a:ext uri="{FF2B5EF4-FFF2-40B4-BE49-F238E27FC236}">
+                <a16:creationId xmlns:a16="http://schemas.microsoft.com/office/drawing/2014/main" id="{8D4240B2-F578-CF62-D512-1EAAFE6C0D75}"/>
+              </a:ext>
+            </a:extLst>
+          </p:cNvPr>
+          <p:cNvSpPr>
+            <a:spLocks noGrp="1"/>
+          </p:cNvSpPr>
+          <p:nvPr>
+            <p:ph type="title"/>
+          </p:nvPr>
+        </p:nvSpPr>
+        <p:spPr/>
+        <p:txBody>
+          <a:bodyPr/>
+          <a:lstStyle/>
+          <a:p>
+            <a:pPr algn="ctr"/>
+            <a:r>
+              <a:rPr lang="en-US" altLang="zh-TW" dirty="0"/>
+              <a:t>Data Group</a:t>
+            </a:r>
+            <a:endParaRPr lang="zh-TW" altLang="en-US" dirty="0"/>
+          </a:p>
+        </p:txBody>
+      </p:sp>
+      <p:pic>
+        <p:nvPicPr>
+          <p:cNvPr id="5" name="內容版面配置區 4">
+            <a:extLst>
+              <a:ext uri="{FF2B5EF4-FFF2-40B4-BE49-F238E27FC236}">
+                <a16:creationId xmlns:a16="http://schemas.microsoft.com/office/drawing/2014/main" id="{B4BE2AF3-3935-2060-EE77-9DE7C59D5FCD}"/>
+              </a:ext>
+            </a:extLst>
+          </p:cNvPr>
+          <p:cNvPicPr>
+            <a:picLocks noGrp="1" noChangeAspect="1"/>
+          </p:cNvPicPr>
+          <p:nvPr>
+            <p:ph idx="1"/>
+          </p:nvPr>
+        </p:nvPicPr>
+        <p:blipFill>
+          <a:blip r:embed="rId2">
+            <a:extLst>
+              <a:ext uri="{28A0092B-C50C-407E-A947-70E740481C1C}">
+                <a14:useLocalDpi xmlns:a14="http://schemas.microsoft.com/office/drawing/2010/main" val="0"/>
+              </a:ext>
+            </a:extLst>
+          </a:blip>
+          <a:stretch>
+            <a:fillRect/>
+          </a:stretch>
+        </p:blipFill>
+        <p:spPr>
+          <a:xfrm>
+            <a:off x="838200" y="1789889"/>
+            <a:ext cx="10515600" cy="4581728"/>
+          </a:xfrm>
+        </p:spPr>
+      </p:pic>
+      <p:sp>
+        <p:nvSpPr>
+          <p:cNvPr id="6" name="矩形 5">
+            <a:extLst>
+              <a:ext uri="{FF2B5EF4-FFF2-40B4-BE49-F238E27FC236}">
+                <a16:creationId xmlns:a16="http://schemas.microsoft.com/office/drawing/2014/main" id="{7E3972CA-9895-D02B-B2B2-25E0CA83774F}"/>
+              </a:ext>
+            </a:extLst>
+          </p:cNvPr>
+          <p:cNvSpPr/>
+          <p:nvPr/>
+        </p:nvSpPr>
+        <p:spPr>
+          <a:xfrm>
+            <a:off x="3540868" y="1957184"/>
+            <a:ext cx="486383" cy="4513634"/>
+          </a:xfrm>
+          <a:prstGeom prst="rect">
+            <a:avLst/>
+          </a:prstGeom>
+          <a:noFill/>
+          <a:ln w="57150">
+            <a:solidFill>
+              <a:srgbClr val="FF0000"/>
+            </a:solidFill>
+            <a:prstDash val="sysDot"/>
+          </a:ln>
+        </p:spPr>
+        <p:style>
+          <a:lnRef idx="2">
+            <a:schemeClr val="accent1">
+              <a:shade val="50000"/>
+            </a:schemeClr>
+          </a:lnRef>
+          <a:fillRef idx="1">
+            <a:schemeClr val="accent1"/>
+          </a:fillRef>
+          <a:effectRef idx="0">
+            <a:schemeClr val="accent1"/>
+          </a:effectRef>
+          <a:fontRef idx="minor">
+            <a:schemeClr val="lt1"/>
+          </a:fontRef>
+        </p:style>
+        <p:txBody>
+          <a:bodyPr rtlCol="0" anchor="ctr"/>
+          <a:lstStyle/>
+          <a:p>
+            <a:pPr algn="ctr"/>
+            <a:endParaRPr lang="zh-TW" altLang="en-US" dirty="0"/>
+          </a:p>
+        </p:txBody>
+      </p:sp>
+      <p:sp>
+        <p:nvSpPr>
+          <p:cNvPr id="7" name="矩形 6">
+            <a:extLst>
+              <a:ext uri="{FF2B5EF4-FFF2-40B4-BE49-F238E27FC236}">
+                <a16:creationId xmlns:a16="http://schemas.microsoft.com/office/drawing/2014/main" id="{4A6AF674-F91B-80F0-B5D3-71347C318DC1}"/>
+              </a:ext>
+            </a:extLst>
+          </p:cNvPr>
+          <p:cNvSpPr/>
+          <p:nvPr/>
+        </p:nvSpPr>
+        <p:spPr>
+          <a:xfrm>
+            <a:off x="4928680" y="1957184"/>
+            <a:ext cx="486383" cy="4513634"/>
+          </a:xfrm>
+          <a:prstGeom prst="rect">
+            <a:avLst/>
+          </a:prstGeom>
+          <a:noFill/>
+          <a:ln w="57150">
+            <a:solidFill>
+              <a:srgbClr val="FF0000"/>
+            </a:solidFill>
+            <a:prstDash val="sysDot"/>
+          </a:ln>
+        </p:spPr>
+        <p:style>
+          <a:lnRef idx="2">
+            <a:schemeClr val="accent1">
+              <a:shade val="50000"/>
+            </a:schemeClr>
+          </a:lnRef>
+          <a:fillRef idx="1">
+            <a:schemeClr val="accent1"/>
+          </a:fillRef>
+          <a:effectRef idx="0">
+            <a:schemeClr val="accent1"/>
+          </a:effectRef>
+          <a:fontRef idx="minor">
+            <a:schemeClr val="lt1"/>
+          </a:fontRef>
+        </p:style>
+        <p:txBody>
+          <a:bodyPr rtlCol="0" anchor="ctr"/>
+          <a:lstStyle/>
+          <a:p>
+            <a:pPr algn="ctr"/>
+            <a:endParaRPr lang="zh-TW" altLang="en-US" dirty="0"/>
+          </a:p>
+        </p:txBody>
+      </p:sp>
+      <p:sp>
+        <p:nvSpPr>
+          <p:cNvPr id="8" name="矩形 7">
+            <a:extLst>
+              <a:ext uri="{FF2B5EF4-FFF2-40B4-BE49-F238E27FC236}">
+                <a16:creationId xmlns:a16="http://schemas.microsoft.com/office/drawing/2014/main" id="{844E6CE4-65C5-7B55-EB1C-52F550648F31}"/>
+              </a:ext>
+            </a:extLst>
+          </p:cNvPr>
+          <p:cNvSpPr/>
+          <p:nvPr/>
+        </p:nvSpPr>
+        <p:spPr>
+          <a:xfrm>
+            <a:off x="6384587" y="1957184"/>
+            <a:ext cx="486383" cy="4513634"/>
+          </a:xfrm>
+          <a:prstGeom prst="rect">
+            <a:avLst/>
+          </a:prstGeom>
+          <a:noFill/>
+          <a:ln w="57150">
+            <a:solidFill>
+              <a:srgbClr val="FF0000"/>
+            </a:solidFill>
+            <a:prstDash val="sysDot"/>
+          </a:ln>
+        </p:spPr>
+        <p:style>
+          <a:lnRef idx="2">
+            <a:schemeClr val="accent1">
+              <a:shade val="50000"/>
+            </a:schemeClr>
+          </a:lnRef>
+          <a:fillRef idx="1">
+            <a:schemeClr val="accent1"/>
+          </a:fillRef>
+          <a:effectRef idx="0">
+            <a:schemeClr val="accent1"/>
+          </a:effectRef>
+          <a:fontRef idx="minor">
+            <a:schemeClr val="lt1"/>
+          </a:fontRef>
+        </p:style>
+        <p:txBody>
+          <a:bodyPr rtlCol="0" anchor="ctr"/>
+          <a:lstStyle/>
+          <a:p>
+            <a:pPr algn="ctr"/>
+            <a:endParaRPr lang="zh-TW" altLang="en-US" dirty="0"/>
+          </a:p>
+        </p:txBody>
+      </p:sp>
+      <p:sp>
+        <p:nvSpPr>
+          <p:cNvPr id="9" name="矩形 8">
+            <a:extLst>
+              <a:ext uri="{FF2B5EF4-FFF2-40B4-BE49-F238E27FC236}">
+                <a16:creationId xmlns:a16="http://schemas.microsoft.com/office/drawing/2014/main" id="{0F4F6726-83EB-B2D0-B6B2-2AA7056627E4}"/>
+              </a:ext>
+            </a:extLst>
+          </p:cNvPr>
+          <p:cNvSpPr/>
+          <p:nvPr/>
+        </p:nvSpPr>
+        <p:spPr>
+          <a:xfrm>
+            <a:off x="7678368" y="1957184"/>
+            <a:ext cx="486383" cy="4513634"/>
+          </a:xfrm>
+          <a:prstGeom prst="rect">
+            <a:avLst/>
+          </a:prstGeom>
+          <a:noFill/>
+          <a:ln w="57150">
+            <a:solidFill>
+              <a:srgbClr val="FF0000"/>
+            </a:solidFill>
+            <a:prstDash val="sysDot"/>
+          </a:ln>
+        </p:spPr>
+        <p:style>
+          <a:lnRef idx="2">
+            <a:schemeClr val="accent1">
+              <a:shade val="50000"/>
+            </a:schemeClr>
+          </a:lnRef>
+          <a:fillRef idx="1">
+            <a:schemeClr val="accent1"/>
+          </a:fillRef>
+          <a:effectRef idx="0">
+            <a:schemeClr val="accent1"/>
+          </a:effectRef>
+          <a:fontRef idx="minor">
+            <a:schemeClr val="lt1"/>
+          </a:fontRef>
+        </p:style>
+        <p:txBody>
+          <a:bodyPr rtlCol="0" anchor="ctr"/>
+          <a:lstStyle/>
+          <a:p>
+            <a:pPr algn="ctr"/>
+            <a:endParaRPr lang="zh-TW" altLang="en-US" dirty="0"/>
+          </a:p>
+        </p:txBody>
+      </p:sp>
+      <p:sp>
+        <p:nvSpPr>
+          <p:cNvPr id="10" name="矩形 9">
+            <a:extLst>
+              <a:ext uri="{FF2B5EF4-FFF2-40B4-BE49-F238E27FC236}">
+                <a16:creationId xmlns:a16="http://schemas.microsoft.com/office/drawing/2014/main" id="{645EA756-DF06-9EFD-21F4-44D8FFAB2877}"/>
+              </a:ext>
+            </a:extLst>
+          </p:cNvPr>
+          <p:cNvSpPr/>
+          <p:nvPr/>
+        </p:nvSpPr>
+        <p:spPr>
+          <a:xfrm>
+            <a:off x="9153729" y="1957184"/>
+            <a:ext cx="486383" cy="4513634"/>
+          </a:xfrm>
+          <a:prstGeom prst="rect">
+            <a:avLst/>
+          </a:prstGeom>
+          <a:noFill/>
+          <a:ln w="57150">
+            <a:solidFill>
+              <a:srgbClr val="FF0000"/>
+            </a:solidFill>
+            <a:prstDash val="sysDot"/>
+          </a:ln>
+        </p:spPr>
+        <p:style>
+          <a:lnRef idx="2">
+            <a:schemeClr val="accent1">
+              <a:shade val="50000"/>
+            </a:schemeClr>
+          </a:lnRef>
+          <a:fillRef idx="1">
+            <a:schemeClr val="accent1"/>
+          </a:fillRef>
+          <a:effectRef idx="0">
+            <a:schemeClr val="accent1"/>
+          </a:effectRef>
+          <a:fontRef idx="minor">
+            <a:schemeClr val="lt1"/>
+          </a:fontRef>
+        </p:style>
+        <p:txBody>
+          <a:bodyPr rtlCol="0" anchor="ctr"/>
+          <a:lstStyle/>
+          <a:p>
+            <a:pPr algn="ctr"/>
+            <a:endParaRPr lang="zh-TW" altLang="en-US" dirty="0"/>
+          </a:p>
+        </p:txBody>
+      </p:sp>
+      <p:sp>
+        <p:nvSpPr>
+          <p:cNvPr id="11" name="矩形 10">
+            <a:extLst>
+              <a:ext uri="{FF2B5EF4-FFF2-40B4-BE49-F238E27FC236}">
+                <a16:creationId xmlns:a16="http://schemas.microsoft.com/office/drawing/2014/main" id="{5B61E8B6-479A-05C7-05EF-A64D6F5AFC92}"/>
+              </a:ext>
+            </a:extLst>
+          </p:cNvPr>
+          <p:cNvSpPr/>
+          <p:nvPr/>
+        </p:nvSpPr>
+        <p:spPr>
+          <a:xfrm>
+            <a:off x="10473448" y="1957184"/>
+            <a:ext cx="486383" cy="4513634"/>
+          </a:xfrm>
+          <a:prstGeom prst="rect">
+            <a:avLst/>
+          </a:prstGeom>
+          <a:noFill/>
+          <a:ln w="57150">
+            <a:solidFill>
+              <a:srgbClr val="FF0000"/>
+            </a:solidFill>
+            <a:prstDash val="sysDot"/>
+          </a:ln>
+        </p:spPr>
+        <p:style>
+          <a:lnRef idx="2">
+            <a:schemeClr val="accent1">
+              <a:shade val="50000"/>
+            </a:schemeClr>
+          </a:lnRef>
+          <a:fillRef idx="1">
+            <a:schemeClr val="accent1"/>
+          </a:fillRef>
+          <a:effectRef idx="0">
+            <a:schemeClr val="accent1"/>
+          </a:effectRef>
+          <a:fontRef idx="minor">
+            <a:schemeClr val="lt1"/>
+          </a:fontRef>
+        </p:style>
+        <p:txBody>
+          <a:bodyPr rtlCol="0" anchor="ctr"/>
+          <a:lstStyle/>
+          <a:p>
+            <a:pPr algn="ctr"/>
+            <a:endParaRPr lang="zh-TW" altLang="en-US" dirty="0"/>
+          </a:p>
+        </p:txBody>
+      </p:sp>
+      <p:sp>
+        <p:nvSpPr>
+          <p:cNvPr id="12" name="矩形 11">
+            <a:extLst>
+              <a:ext uri="{FF2B5EF4-FFF2-40B4-BE49-F238E27FC236}">
+                <a16:creationId xmlns:a16="http://schemas.microsoft.com/office/drawing/2014/main" id="{94D97ABF-9CFA-9133-411C-86970864CAC8}"/>
+              </a:ext>
+            </a:extLst>
+          </p:cNvPr>
+          <p:cNvSpPr/>
+          <p:nvPr/>
+        </p:nvSpPr>
+        <p:spPr>
+          <a:xfrm>
+            <a:off x="2247087" y="1979241"/>
+            <a:ext cx="486383" cy="4513634"/>
+          </a:xfrm>
+          <a:prstGeom prst="rect">
+            <a:avLst/>
+          </a:prstGeom>
+          <a:noFill/>
+          <a:ln w="57150">
+            <a:solidFill>
+              <a:srgbClr val="FF0000"/>
+            </a:solidFill>
+            <a:prstDash val="sysDot"/>
+          </a:ln>
+        </p:spPr>
+        <p:style>
+          <a:lnRef idx="2">
+            <a:schemeClr val="accent1">
+              <a:shade val="50000"/>
+            </a:schemeClr>
+          </a:lnRef>
+          <a:fillRef idx="1">
+            <a:schemeClr val="accent1"/>
+          </a:fillRef>
+          <a:effectRef idx="0">
+            <a:schemeClr val="accent1"/>
+          </a:effectRef>
+          <a:fontRef idx="minor">
+            <a:schemeClr val="lt1"/>
+          </a:fontRef>
+        </p:style>
+        <p:txBody>
+          <a:bodyPr rtlCol="0" anchor="ctr"/>
+          <a:lstStyle/>
+          <a:p>
+            <a:pPr algn="ctr"/>
+            <a:endParaRPr lang="zh-TW" altLang="en-US" dirty="0"/>
+          </a:p>
+        </p:txBody>
+      </p:sp>
+      <p:sp>
+        <p:nvSpPr>
+          <p:cNvPr id="13" name="文字方塊 12">
+            <a:extLst>
+              <a:ext uri="{FF2B5EF4-FFF2-40B4-BE49-F238E27FC236}">
+                <a16:creationId xmlns:a16="http://schemas.microsoft.com/office/drawing/2014/main" id="{8DA45A5D-DFA9-1B64-7640-236C27475B4C}"/>
+              </a:ext>
+            </a:extLst>
+          </p:cNvPr>
+          <p:cNvSpPr txBox="1"/>
+          <p:nvPr/>
+        </p:nvSpPr>
+        <p:spPr>
+          <a:xfrm>
+            <a:off x="2081717" y="1299299"/>
+            <a:ext cx="1459151" cy="369332"/>
+          </a:xfrm>
+          <a:prstGeom prst="rect">
+            <a:avLst/>
+          </a:prstGeom>
+          <a:noFill/>
+        </p:spPr>
+        <p:txBody>
+          <a:bodyPr wrap="square" rtlCol="0">
+            <a:spAutoFit/>
+          </a:bodyPr>
+          <a:lstStyle/>
+          <a:p>
+            <a:r>
+              <a:rPr lang="en-US" altLang="zh-TW" dirty="0">
+                <a:solidFill>
+                  <a:srgbClr val="FF0000"/>
+                </a:solidFill>
+              </a:rPr>
+              <a:t>Group1</a:t>
+            </a:r>
+            <a:endParaRPr lang="zh-TW" altLang="en-US" dirty="0">
+              <a:solidFill>
+                <a:srgbClr val="FF0000"/>
+              </a:solidFill>
+            </a:endParaRPr>
+          </a:p>
+        </p:txBody>
+      </p:sp>
+      <p:sp>
+        <p:nvSpPr>
+          <p:cNvPr id="14" name="文字方塊 13">
+            <a:extLst>
+              <a:ext uri="{FF2B5EF4-FFF2-40B4-BE49-F238E27FC236}">
+                <a16:creationId xmlns:a16="http://schemas.microsoft.com/office/drawing/2014/main" id="{E3FFAC2B-F0A9-BC21-9F19-43321E5B4222}"/>
+              </a:ext>
+            </a:extLst>
+          </p:cNvPr>
+          <p:cNvSpPr txBox="1"/>
+          <p:nvPr/>
+        </p:nvSpPr>
+        <p:spPr>
+          <a:xfrm>
+            <a:off x="3383600" y="1299299"/>
+            <a:ext cx="1459151" cy="369332"/>
+          </a:xfrm>
+          <a:prstGeom prst="rect">
+            <a:avLst/>
+          </a:prstGeom>
+          <a:noFill/>
+        </p:spPr>
+        <p:txBody>
+          <a:bodyPr wrap="square" rtlCol="0">
+            <a:spAutoFit/>
+          </a:bodyPr>
+          <a:lstStyle/>
+          <a:p>
+            <a:r>
+              <a:rPr lang="en-US" altLang="zh-TW" dirty="0">
+                <a:solidFill>
+                  <a:srgbClr val="FF0000"/>
+                </a:solidFill>
+              </a:rPr>
+              <a:t>Group2</a:t>
+            </a:r>
+            <a:endParaRPr lang="zh-TW" altLang="en-US" dirty="0">
+              <a:solidFill>
+                <a:srgbClr val="FF0000"/>
+              </a:solidFill>
+            </a:endParaRPr>
+          </a:p>
+        </p:txBody>
+      </p:sp>
+    </p:spTree>
+    <p:extLst>
+      <p:ext uri="{BB962C8B-B14F-4D97-AF65-F5344CB8AC3E}">
+        <p14:creationId xmlns:p14="http://schemas.microsoft.com/office/powerpoint/2010/main" val="3330601349"/>
+      </p:ext>
+    </p:extLst>
+  </p:cSld>
+  <p:clrMapOvr>
+    <a:masterClrMapping/>
+  </p:clrMapOvr>
+</p:sld>
+</file>
+
+<file path=ppt/slides/slide16.xml><?xml version="1.0" encoding="utf-8"?>
+<p:sld xmlns:a="http://schemas.openxmlformats.org/drawingml/2006/main" xmlns:r="http://schemas.openxmlformats.org/officeDocument/2006/relationships" xmlns:p="http://schemas.openxmlformats.org/presentationml/2006/main">
+  <p:cSld>
+    <p:spTree>
+      <p:nvGrpSpPr>
+        <p:cNvPr id="1" name=""/>
+        <p:cNvGrpSpPr/>
+        <p:nvPr/>
+      </p:nvGrpSpPr>
+      <p:grpSpPr>
+        <a:xfrm>
+          <a:off x="0" y="0"/>
+          <a:ext cx="0" cy="0"/>
+          <a:chOff x="0" y="0"/>
+          <a:chExt cx="0" cy="0"/>
+        </a:xfrm>
+      </p:grpSpPr>
+      <p:sp>
+        <p:nvSpPr>
+          <p:cNvPr id="2" name="標題 1">
+            <a:extLst>
+              <a:ext uri="{FF2B5EF4-FFF2-40B4-BE49-F238E27FC236}">
+                <a16:creationId xmlns:a16="http://schemas.microsoft.com/office/drawing/2014/main" id="{F088A994-769F-D5F3-F4FC-1CBDD7540D2D}"/>
+              </a:ext>
+            </a:extLst>
+          </p:cNvPr>
+          <p:cNvSpPr>
+            <a:spLocks noGrp="1"/>
+          </p:cNvSpPr>
+          <p:nvPr>
+            <p:ph type="title"/>
+          </p:nvPr>
+        </p:nvSpPr>
+        <p:spPr/>
+        <p:txBody>
+          <a:bodyPr/>
+          <a:lstStyle/>
+          <a:p>
+            <a:pPr algn="ctr"/>
+            <a:r>
+              <a:rPr lang="en-US" altLang="zh-TW" dirty="0"/>
+              <a:t>LA</a:t>
+            </a:r>
+            <a:r>
+              <a:rPr lang="zh-TW" altLang="en-US" dirty="0"/>
+              <a:t> 不經過處理的</a:t>
+            </a:r>
+            <a:r>
+              <a:rPr lang="en-US" altLang="zh-TW" dirty="0"/>
+              <a:t>Waveform</a:t>
+            </a:r>
+            <a:endParaRPr lang="zh-TW" altLang="en-US" dirty="0"/>
+          </a:p>
+        </p:txBody>
+      </p:sp>
+      <p:pic>
+        <p:nvPicPr>
+          <p:cNvPr id="5" name="內容版面配置區 4">
+            <a:extLst>
+              <a:ext uri="{FF2B5EF4-FFF2-40B4-BE49-F238E27FC236}">
+                <a16:creationId xmlns:a16="http://schemas.microsoft.com/office/drawing/2014/main" id="{D45CD3D2-2AF4-7403-A594-B7DB1B6339D3}"/>
+              </a:ext>
+            </a:extLst>
+          </p:cNvPr>
+          <p:cNvPicPr>
+            <a:picLocks noGrp="1" noChangeAspect="1"/>
+          </p:cNvPicPr>
+          <p:nvPr>
+            <p:ph idx="1"/>
+          </p:nvPr>
+        </p:nvPicPr>
+        <p:blipFill>
+          <a:blip r:embed="rId3">
+            <a:extLst>
+              <a:ext uri="{28A0092B-C50C-407E-A947-70E740481C1C}">
+                <a14:useLocalDpi xmlns:a14="http://schemas.microsoft.com/office/drawing/2010/main" val="0"/>
+              </a:ext>
+            </a:extLst>
+          </a:blip>
+          <a:srcRect/>
+          <a:stretch/>
+        </p:blipFill>
+        <p:spPr>
+          <a:xfrm>
+            <a:off x="1560547" y="1825625"/>
+            <a:ext cx="9070906" cy="4351338"/>
+          </a:xfrm>
+        </p:spPr>
+      </p:pic>
+    </p:spTree>
+    <p:extLst>
+      <p:ext uri="{BB962C8B-B14F-4D97-AF65-F5344CB8AC3E}">
+        <p14:creationId xmlns:p14="http://schemas.microsoft.com/office/powerpoint/2010/main" val="32255695"/>
+      </p:ext>
+    </p:extLst>
+  </p:cSld>
+  <p:clrMapOvr>
+    <a:masterClrMapping/>
+  </p:clrMapOvr>
+</p:sld>
+</file>
+
+<file path=ppt/slides/slide17.xml><?xml version="1.0" encoding="utf-8"?>
+<p:sld xmlns:a="http://schemas.openxmlformats.org/drawingml/2006/main" xmlns:r="http://schemas.openxmlformats.org/officeDocument/2006/relationships" xmlns:p="http://schemas.openxmlformats.org/presentationml/2006/main">
+  <p:cSld>
+    <p:spTree>
+      <p:nvGrpSpPr>
+        <p:cNvPr id="1" name=""/>
+        <p:cNvGrpSpPr/>
+        <p:nvPr/>
+      </p:nvGrpSpPr>
+      <p:grpSpPr>
+        <a:xfrm>
+          <a:off x="0" y="0"/>
+          <a:ext cx="0" cy="0"/>
+          <a:chOff x="0" y="0"/>
+          <a:chExt cx="0" cy="0"/>
+        </a:xfrm>
+      </p:grpSpPr>
+      <p:sp>
+        <p:nvSpPr>
+          <p:cNvPr id="2" name="標題 1">
+            <a:extLst>
+              <a:ext uri="{FF2B5EF4-FFF2-40B4-BE49-F238E27FC236}">
+                <a16:creationId xmlns:a16="http://schemas.microsoft.com/office/drawing/2014/main" id="{639912DB-C67F-6204-4CF5-2C81427E4ADE}"/>
+              </a:ext>
+            </a:extLst>
+          </p:cNvPr>
+          <p:cNvSpPr>
+            <a:spLocks noGrp="1"/>
+          </p:cNvSpPr>
+          <p:nvPr>
+            <p:ph type="title"/>
+          </p:nvPr>
+        </p:nvSpPr>
+        <p:spPr/>
+        <p:txBody>
+          <a:bodyPr/>
+          <a:lstStyle/>
+          <a:p>
+            <a:pPr algn="ctr"/>
+            <a:r>
+              <a:rPr lang="en-US" altLang="zh-TW" dirty="0"/>
+              <a:t>Sample</a:t>
+            </a:r>
+            <a:r>
+              <a:rPr lang="zh-TW" altLang="en-US" dirty="0"/>
+              <a:t>後的</a:t>
+            </a:r>
+            <a:r>
+              <a:rPr lang="en-US" altLang="zh-TW" dirty="0"/>
+              <a:t>Waveform</a:t>
+            </a:r>
+            <a:endParaRPr lang="zh-TW" altLang="en-US" dirty="0"/>
+          </a:p>
+        </p:txBody>
+      </p:sp>
+      <p:pic>
+        <p:nvPicPr>
+          <p:cNvPr id="5" name="內容版面配置區 4">
+            <a:extLst>
+              <a:ext uri="{FF2B5EF4-FFF2-40B4-BE49-F238E27FC236}">
+                <a16:creationId xmlns:a16="http://schemas.microsoft.com/office/drawing/2014/main" id="{2631EA26-9809-95D1-32E7-6ACAF2AE9EE4}"/>
+              </a:ext>
+            </a:extLst>
+          </p:cNvPr>
+          <p:cNvPicPr>
+            <a:picLocks noGrp="1" noChangeAspect="1"/>
+          </p:cNvPicPr>
+          <p:nvPr>
+            <p:ph idx="1"/>
+          </p:nvPr>
+        </p:nvPicPr>
+        <p:blipFill>
+          <a:blip r:embed="rId2">
+            <a:extLst>
+              <a:ext uri="{28A0092B-C50C-407E-A947-70E740481C1C}">
+                <a14:useLocalDpi xmlns:a14="http://schemas.microsoft.com/office/drawing/2010/main" val="0"/>
+              </a:ext>
+            </a:extLst>
+          </a:blip>
+          <a:srcRect/>
+          <a:stretch/>
+        </p:blipFill>
+        <p:spPr>
+          <a:xfrm>
+            <a:off x="1615158" y="1842038"/>
+            <a:ext cx="8961684" cy="4318511"/>
+          </a:xfrm>
+        </p:spPr>
+      </p:pic>
+    </p:spTree>
+    <p:extLst>
+      <p:ext uri="{BB962C8B-B14F-4D97-AF65-F5344CB8AC3E}">
+        <p14:creationId xmlns:p14="http://schemas.microsoft.com/office/powerpoint/2010/main" val="2200525099"/>
+      </p:ext>
+    </p:extLst>
+  </p:cSld>
+  <p:clrMapOvr>
+    <a:masterClrMapping/>
+  </p:clrMapOvr>
+</p:sld>
+</file>
+
+<file path=ppt/slides/slide18.xml><?xml version="1.0" encoding="utf-8"?>
+<p:sld xmlns:a="http://schemas.openxmlformats.org/drawingml/2006/main" xmlns:r="http://schemas.openxmlformats.org/officeDocument/2006/relationships" xmlns:p="http://schemas.openxmlformats.org/presentationml/2006/main">
+  <p:cSld>
+    <p:spTree>
+      <p:nvGrpSpPr>
+        <p:cNvPr id="1" name=""/>
+        <p:cNvGrpSpPr/>
+        <p:nvPr/>
+      </p:nvGrpSpPr>
+      <p:grpSpPr>
+        <a:xfrm>
+          <a:off x="0" y="0"/>
+          <a:ext cx="0" cy="0"/>
+          <a:chOff x="0" y="0"/>
+          <a:chExt cx="0" cy="0"/>
+        </a:xfrm>
+      </p:grpSpPr>
+      <p:sp>
+        <p:nvSpPr>
+          <p:cNvPr id="2" name="標題 1">
+            <a:extLst>
+              <a:ext uri="{FF2B5EF4-FFF2-40B4-BE49-F238E27FC236}">
+                <a16:creationId xmlns:a16="http://schemas.microsoft.com/office/drawing/2014/main" id="{64FD2677-F2BC-1AEC-3142-38AE75A23EB0}"/>
+              </a:ext>
+            </a:extLst>
+          </p:cNvPr>
+          <p:cNvSpPr>
+            <a:spLocks noGrp="1"/>
+          </p:cNvSpPr>
+          <p:nvPr>
+            <p:ph type="title"/>
+          </p:nvPr>
+        </p:nvSpPr>
+        <p:spPr/>
+        <p:txBody>
+          <a:bodyPr/>
+          <a:lstStyle/>
+          <a:p>
+            <a:pPr algn="ctr"/>
+            <a:r>
+              <a:rPr lang="zh-TW" altLang="en-US" dirty="0"/>
+              <a:t>總結</a:t>
+            </a:r>
+          </a:p>
+        </p:txBody>
+      </p:sp>
+      <p:sp>
+        <p:nvSpPr>
+          <p:cNvPr id="3" name="內容版面配置區 2">
+            <a:extLst>
+              <a:ext uri="{FF2B5EF4-FFF2-40B4-BE49-F238E27FC236}">
+                <a16:creationId xmlns:a16="http://schemas.microsoft.com/office/drawing/2014/main" id="{B74ED5F4-D303-5CBD-8613-D37E68EE39CF}"/>
+              </a:ext>
+            </a:extLst>
+          </p:cNvPr>
+          <p:cNvSpPr>
+            <a:spLocks noGrp="1"/>
+          </p:cNvSpPr>
+          <p:nvPr>
+            <p:ph idx="1"/>
+          </p:nvPr>
+        </p:nvSpPr>
+        <p:spPr/>
+        <p:txBody>
+          <a:bodyPr/>
+          <a:lstStyle/>
+          <a:p>
+            <a:pPr marL="0" indent="0">
+              <a:buNone/>
+            </a:pPr>
+            <a:r>
+              <a:rPr lang="en-US" altLang="zh-TW" dirty="0"/>
+              <a:t>1. ADC</a:t>
+            </a:r>
+            <a:r>
+              <a:rPr lang="zh-TW" altLang="en-US" dirty="0"/>
+              <a:t> 架構讓</a:t>
+            </a:r>
+            <a:r>
+              <a:rPr lang="en-US" altLang="zh-TW" dirty="0"/>
+              <a:t>FW</a:t>
+            </a:r>
+            <a:r>
+              <a:rPr lang="zh-TW" altLang="en-US" dirty="0"/>
+              <a:t>能夠快速模擬數位硬體行為，削減學長們</a:t>
+            </a:r>
+            <a:r>
+              <a:rPr lang="en-US" altLang="zh-TW" dirty="0"/>
+              <a:t>Sim code</a:t>
+            </a:r>
+            <a:r>
+              <a:rPr lang="zh-TW" altLang="en-US" dirty="0"/>
+              <a:t>的時間，並且不像硬體模擬需要耗費大量時間，才能</a:t>
+            </a:r>
+            <a:r>
+              <a:rPr lang="en-US" altLang="zh-TW" dirty="0"/>
+              <a:t>Sim</a:t>
+            </a:r>
+            <a:r>
+              <a:rPr lang="zh-TW" altLang="en-US" dirty="0"/>
+              <a:t>出一小段實際行為，</a:t>
+            </a:r>
+            <a:r>
+              <a:rPr lang="en-US" altLang="zh-TW" dirty="0"/>
+              <a:t>FW</a:t>
+            </a:r>
+            <a:r>
+              <a:rPr lang="zh-TW" altLang="en-US" dirty="0"/>
+              <a:t>關注的點較少。</a:t>
+            </a:r>
+          </a:p>
+        </p:txBody>
+      </p:sp>
+    </p:spTree>
+    <p:extLst>
+      <p:ext uri="{BB962C8B-B14F-4D97-AF65-F5344CB8AC3E}">
+        <p14:creationId xmlns:p14="http://schemas.microsoft.com/office/powerpoint/2010/main" val="172761753"/>
+      </p:ext>
+    </p:extLst>
+  </p:cSld>
+  <p:clrMapOvr>
+    <a:masterClrMapping/>
+  </p:clrMapOvr>
+</p:sld>
+</file>
+
+<file path=ppt/slides/slide19.xml><?xml version="1.0" encoding="utf-8"?>
+<p:sld xmlns:a="http://schemas.openxmlformats.org/drawingml/2006/main" xmlns:r="http://schemas.openxmlformats.org/officeDocument/2006/relationships" xmlns:p="http://schemas.openxmlformats.org/presentationml/2006/main">
+  <p:cSld>
+    <p:spTree>
+      <p:nvGrpSpPr>
+        <p:cNvPr id="1" name=""/>
+        <p:cNvGrpSpPr/>
+        <p:nvPr/>
+      </p:nvGrpSpPr>
+      <p:grpSpPr>
+        <a:xfrm>
+          <a:off x="0" y="0"/>
+          <a:ext cx="0" cy="0"/>
+          <a:chOff x="0" y="0"/>
+          <a:chExt cx="0" cy="0"/>
+        </a:xfrm>
+      </p:grpSpPr>
+      <p:sp>
+        <p:nvSpPr>
+          <p:cNvPr id="2" name="標題 1">
+            <a:extLst>
+              <a:ext uri="{FF2B5EF4-FFF2-40B4-BE49-F238E27FC236}">
+                <a16:creationId xmlns:a16="http://schemas.microsoft.com/office/drawing/2014/main" id="{FA0E620C-9F23-2AF8-42C2-543FD8E93800}"/>
+              </a:ext>
+            </a:extLst>
+          </p:cNvPr>
+          <p:cNvSpPr>
+            <a:spLocks noGrp="1"/>
+          </p:cNvSpPr>
+          <p:nvPr>
+            <p:ph type="title"/>
+          </p:nvPr>
+        </p:nvSpPr>
+        <p:spPr/>
+        <p:txBody>
+          <a:bodyPr/>
+          <a:lstStyle/>
+          <a:p>
+            <a:pPr algn="ctr"/>
+            <a:r>
+              <a:rPr lang="zh-TW" altLang="en-US" dirty="0"/>
+              <a:t>數位架構</a:t>
+            </a:r>
+          </a:p>
+        </p:txBody>
+      </p:sp>
+      <p:sp>
+        <p:nvSpPr>
+          <p:cNvPr id="3" name="內容版面配置區 2">
+            <a:extLst>
+              <a:ext uri="{FF2B5EF4-FFF2-40B4-BE49-F238E27FC236}">
+                <a16:creationId xmlns:a16="http://schemas.microsoft.com/office/drawing/2014/main" id="{134E4868-8224-3AB5-A489-C7A069BC88F9}"/>
+              </a:ext>
+            </a:extLst>
+          </p:cNvPr>
+          <p:cNvSpPr>
+            <a:spLocks noGrp="1"/>
+          </p:cNvSpPr>
+          <p:nvPr>
+            <p:ph idx="1"/>
+          </p:nvPr>
+        </p:nvSpPr>
+        <p:spPr/>
+        <p:txBody>
+          <a:bodyPr/>
+          <a:lstStyle/>
+          <a:p>
+            <a:pPr marL="0" indent="0">
+              <a:buNone/>
+            </a:pPr>
+            <a:r>
+              <a:rPr lang="zh-TW" altLang="en-US" dirty="0"/>
+              <a:t>目的 </a:t>
+            </a:r>
+            <a:r>
+              <a:rPr lang="en-US" altLang="zh-TW" dirty="0"/>
+              <a:t>:</a:t>
+            </a:r>
+            <a:r>
+              <a:rPr lang="zh-TW" altLang="en-US" dirty="0"/>
+              <a:t> 透過</a:t>
+            </a:r>
+            <a:r>
+              <a:rPr lang="en-US" altLang="zh-TW" dirty="0"/>
+              <a:t>ADC</a:t>
+            </a:r>
+            <a:r>
+              <a:rPr lang="zh-TW" altLang="en-US" dirty="0"/>
+              <a:t> 架構，</a:t>
+            </a:r>
+            <a:r>
+              <a:rPr lang="en-US" altLang="zh-TW" dirty="0"/>
+              <a:t>FW</a:t>
+            </a:r>
+            <a:r>
+              <a:rPr lang="zh-TW" altLang="en-US" dirty="0"/>
+              <a:t>能夠模擬後續硬體處理訊號以及解析訊號的過程</a:t>
+            </a:r>
+          </a:p>
+        </p:txBody>
+      </p:sp>
+    </p:spTree>
+    <p:extLst>
+      <p:ext uri="{BB962C8B-B14F-4D97-AF65-F5344CB8AC3E}">
+        <p14:creationId xmlns:p14="http://schemas.microsoft.com/office/powerpoint/2010/main" val="2463456155"/>
+      </p:ext>
+    </p:extLst>
+  </p:cSld>
+  <p:clrMapOvr>
+    <a:masterClrMapping/>
+  </p:clrMapOvr>
+</p:sld>
+</file>
+
+<file path=ppt/slides/slide2.xml><?xml version="1.0" encoding="utf-8"?>
+<p:sld xmlns:a="http://schemas.openxmlformats.org/drawingml/2006/main" xmlns:r="http://schemas.openxmlformats.org/officeDocument/2006/relationships" xmlns:p="http://schemas.openxmlformats.org/presentationml/2006/main">
+  <p:cSld>
+    <p:spTree>
+      <p:nvGrpSpPr>
+        <p:cNvPr id="1" name=""/>
+        <p:cNvGrpSpPr/>
+        <p:nvPr/>
+      </p:nvGrpSpPr>
+      <p:grpSpPr>
+        <a:xfrm>
+          <a:off x="0" y="0"/>
+          <a:ext cx="0" cy="0"/>
+          <a:chOff x="0" y="0"/>
+          <a:chExt cx="0" cy="0"/>
+        </a:xfrm>
+      </p:grpSpPr>
+      <p:sp>
+        <p:nvSpPr>
+          <p:cNvPr id="2" name="標題 1">
+            <a:extLst>
+              <a:ext uri="{FF2B5EF4-FFF2-40B4-BE49-F238E27FC236}">
+                <a16:creationId xmlns:a16="http://schemas.microsoft.com/office/drawing/2014/main" id="{F88A4FC8-77BD-64B2-6092-5EC021BA3E2B}"/>
+              </a:ext>
+            </a:extLst>
+          </p:cNvPr>
+          <p:cNvSpPr>
+            <a:spLocks noGrp="1"/>
+          </p:cNvSpPr>
+          <p:nvPr>
+            <p:ph type="title"/>
+          </p:nvPr>
+        </p:nvSpPr>
+        <p:spPr/>
+        <p:txBody>
+          <a:bodyPr/>
+          <a:lstStyle/>
+          <a:p>
+            <a:pPr algn="ctr"/>
+            <a:r>
+              <a:rPr lang="en-US" altLang="zh-TW" dirty="0"/>
+              <a:t>Definition</a:t>
+            </a:r>
+            <a:endParaRPr lang="zh-TW" altLang="en-US" dirty="0"/>
+          </a:p>
+        </p:txBody>
+      </p:sp>
+      <p:sp>
+        <p:nvSpPr>
+          <p:cNvPr id="3" name="內容版面配置區 2">
+            <a:extLst>
+              <a:ext uri="{FF2B5EF4-FFF2-40B4-BE49-F238E27FC236}">
+                <a16:creationId xmlns:a16="http://schemas.microsoft.com/office/drawing/2014/main" id="{89C08FAC-BB23-3F15-1FDB-608201F54FC7}"/>
+              </a:ext>
+            </a:extLst>
+          </p:cNvPr>
+          <p:cNvSpPr>
+            <a:spLocks noGrp="1"/>
+          </p:cNvSpPr>
+          <p:nvPr>
+            <p:ph idx="1"/>
+          </p:nvPr>
+        </p:nvSpPr>
+        <p:spPr/>
+        <p:txBody>
+          <a:bodyPr/>
+          <a:lstStyle/>
+          <a:p>
+            <a:pPr marL="514350" indent="-514350">
+              <a:buAutoNum type="arabicPeriod"/>
+            </a:pPr>
+            <a:r>
+              <a:rPr lang="zh-TW" altLang="en-US" dirty="0"/>
+              <a:t>以下定義章節</a:t>
+            </a:r>
+            <a:r>
+              <a:rPr lang="en-US" altLang="zh-TW" dirty="0"/>
+              <a:t>Sequence</a:t>
+            </a:r>
+          </a:p>
+          <a:p>
+            <a:pPr marL="914400" lvl="1" indent="-457200">
+              <a:buAutoNum type="arabicPeriod"/>
+            </a:pPr>
+            <a:r>
+              <a:rPr lang="zh-TW" altLang="en-US" dirty="0"/>
+              <a:t>章節 目的</a:t>
+            </a:r>
+            <a:r>
+              <a:rPr lang="en-US" altLang="zh-TW" dirty="0"/>
+              <a:t>(</a:t>
+            </a:r>
+            <a:r>
+              <a:rPr lang="zh-TW" altLang="en-US" dirty="0"/>
+              <a:t>紅色</a:t>
+            </a:r>
+            <a:r>
+              <a:rPr lang="en-US" altLang="zh-TW" dirty="0"/>
+              <a:t>)</a:t>
+            </a:r>
+          </a:p>
+          <a:p>
+            <a:pPr marL="914400" lvl="1" indent="-457200">
+              <a:buAutoNum type="arabicPeriod"/>
+            </a:pPr>
+            <a:r>
+              <a:rPr lang="zh-TW" altLang="en-US" dirty="0"/>
+              <a:t>章節 架構</a:t>
+            </a:r>
+            <a:r>
+              <a:rPr lang="en-US" altLang="zh-TW" dirty="0"/>
+              <a:t>(</a:t>
+            </a:r>
+            <a:r>
+              <a:rPr lang="zh-TW" altLang="en-US" dirty="0"/>
+              <a:t>綠色</a:t>
+            </a:r>
+            <a:r>
+              <a:rPr lang="en-US" altLang="zh-TW" dirty="0"/>
+              <a:t>)</a:t>
+            </a:r>
+          </a:p>
+          <a:p>
+            <a:pPr marL="914400" lvl="1" indent="-457200">
+              <a:buAutoNum type="arabicPeriod"/>
+            </a:pPr>
+            <a:r>
+              <a:rPr lang="zh-TW" altLang="en-US" dirty="0"/>
+              <a:t>章節 問題</a:t>
+            </a:r>
+            <a:r>
+              <a:rPr lang="en-US" altLang="zh-TW" dirty="0"/>
+              <a:t>(</a:t>
+            </a:r>
+            <a:r>
+              <a:rPr lang="zh-TW" altLang="en-US" dirty="0"/>
+              <a:t>藍色</a:t>
+            </a:r>
+            <a:r>
+              <a:rPr lang="en-US" altLang="zh-TW" dirty="0"/>
+              <a:t>)</a:t>
+            </a:r>
+            <a:r>
+              <a:rPr lang="zh-TW" altLang="en-US" dirty="0"/>
+              <a:t>、問題的根本</a:t>
+            </a:r>
+            <a:r>
+              <a:rPr lang="en-US" altLang="zh-TW" dirty="0"/>
+              <a:t>(</a:t>
+            </a:r>
+            <a:r>
+              <a:rPr lang="zh-TW" altLang="en-US" dirty="0"/>
+              <a:t>紅色</a:t>
+            </a:r>
+            <a:r>
+              <a:rPr lang="en-US" altLang="zh-TW" dirty="0"/>
+              <a:t>)</a:t>
+            </a:r>
+          </a:p>
+          <a:p>
+            <a:pPr marL="914400" lvl="1" indent="-457200">
+              <a:buAutoNum type="arabicPeriod"/>
+            </a:pPr>
+            <a:r>
+              <a:rPr lang="zh-TW" altLang="en-US" dirty="0"/>
+              <a:t>解決辦法 </a:t>
+            </a:r>
+            <a:r>
+              <a:rPr lang="en-US" altLang="zh-TW" dirty="0"/>
+              <a:t>(</a:t>
+            </a:r>
+            <a:r>
+              <a:rPr lang="zh-TW" altLang="en-US" dirty="0"/>
+              <a:t>黑色</a:t>
+            </a:r>
+            <a:r>
+              <a:rPr lang="en-US" altLang="zh-TW" dirty="0"/>
+              <a:t>)</a:t>
+            </a:r>
+          </a:p>
+          <a:p>
+            <a:pPr marL="971550" lvl="1" indent="-514350">
+              <a:buAutoNum type="arabicPeriod"/>
+            </a:pPr>
+            <a:endParaRPr lang="en-US" altLang="zh-TW" dirty="0"/>
+          </a:p>
+          <a:p>
+            <a:pPr marL="514350" indent="-514350">
+              <a:buAutoNum type="arabicPeriod"/>
+            </a:pPr>
+            <a:r>
+              <a:rPr lang="zh-TW" altLang="en-US" dirty="0"/>
+              <a:t>字的大小由</a:t>
+            </a:r>
+            <a:r>
+              <a:rPr lang="en-US" altLang="zh-TW" dirty="0"/>
+              <a:t>28 </a:t>
+            </a:r>
+            <a:r>
+              <a:rPr lang="zh-TW" altLang="en-US" dirty="0"/>
+              <a:t>一路縮小 </a:t>
+            </a:r>
+            <a:r>
+              <a:rPr lang="en-US" altLang="zh-TW" dirty="0"/>
+              <a:t>28,24,20,… </a:t>
+            </a:r>
+            <a:r>
+              <a:rPr lang="zh-TW" altLang="en-US" dirty="0"/>
+              <a:t>依層級遞減</a:t>
+            </a:r>
+            <a:endParaRPr lang="en-US" altLang="zh-TW" dirty="0"/>
+          </a:p>
+          <a:p>
+            <a:pPr marL="457200" lvl="1" indent="0">
+              <a:buNone/>
+            </a:pPr>
+            <a:endParaRPr lang="en-US" altLang="zh-TW" dirty="0"/>
+          </a:p>
+        </p:txBody>
+      </p:sp>
+    </p:spTree>
+    <p:extLst>
+      <p:ext uri="{BB962C8B-B14F-4D97-AF65-F5344CB8AC3E}">
+        <p14:creationId xmlns:p14="http://schemas.microsoft.com/office/powerpoint/2010/main" val="3060344743"/>
+      </p:ext>
+    </p:extLst>
+  </p:cSld>
+  <p:clrMapOvr>
+    <a:masterClrMapping/>
+  </p:clrMapOvr>
+</p:sld>
+</file>
+
+<file path=ppt/slides/slide20.xml><?xml version="1.0" encoding="utf-8"?>
+<p:sld xmlns:a="http://schemas.openxmlformats.org/drawingml/2006/main" xmlns:r="http://schemas.openxmlformats.org/officeDocument/2006/relationships" xmlns:p="http://schemas.openxmlformats.org/presentationml/2006/main">
+  <p:cSld>
+    <p:spTree>
+      <p:nvGrpSpPr>
+        <p:cNvPr id="1" name=""/>
+        <p:cNvGrpSpPr/>
+        <p:nvPr/>
+      </p:nvGrpSpPr>
+      <p:grpSpPr>
+        <a:xfrm>
+          <a:off x="0" y="0"/>
+          <a:ext cx="0" cy="0"/>
+          <a:chOff x="0" y="0"/>
+          <a:chExt cx="0" cy="0"/>
+        </a:xfrm>
+      </p:grpSpPr>
+      <p:sp>
+        <p:nvSpPr>
+          <p:cNvPr id="2" name="標題 1">
+            <a:extLst>
+              <a:ext uri="{FF2B5EF4-FFF2-40B4-BE49-F238E27FC236}">
+                <a16:creationId xmlns:a16="http://schemas.microsoft.com/office/drawing/2014/main" id="{6287649A-A1A1-AFCF-7EF8-79C4CDDED187}"/>
+              </a:ext>
+            </a:extLst>
+          </p:cNvPr>
+          <p:cNvSpPr>
+            <a:spLocks noGrp="1"/>
+          </p:cNvSpPr>
+          <p:nvPr>
+            <p:ph type="title"/>
+          </p:nvPr>
+        </p:nvSpPr>
+        <p:spPr/>
+        <p:txBody>
+          <a:bodyPr/>
+          <a:lstStyle/>
+          <a:p>
+            <a:pPr algn="ctr"/>
+            <a:r>
+              <a:rPr lang="zh-TW" altLang="en-US" dirty="0"/>
+              <a:t>數位電路</a:t>
+            </a:r>
+          </a:p>
+        </p:txBody>
+      </p:sp>
+      <p:sp>
+        <p:nvSpPr>
+          <p:cNvPr id="3" name="內容版面配置區 2">
+            <a:extLst>
+              <a:ext uri="{FF2B5EF4-FFF2-40B4-BE49-F238E27FC236}">
+                <a16:creationId xmlns:a16="http://schemas.microsoft.com/office/drawing/2014/main" id="{8150B7AD-2C5F-8B8D-DD85-81732A0DC090}"/>
+              </a:ext>
+            </a:extLst>
+          </p:cNvPr>
+          <p:cNvSpPr>
+            <a:spLocks noGrp="1"/>
+          </p:cNvSpPr>
+          <p:nvPr>
+            <p:ph idx="1"/>
+          </p:nvPr>
+        </p:nvSpPr>
+        <p:spPr/>
+        <p:txBody>
+          <a:bodyPr/>
+          <a:lstStyle/>
+          <a:p>
+            <a:pPr marL="0" indent="0">
+              <a:buNone/>
+            </a:pPr>
+            <a:r>
+              <a:rPr lang="zh-TW" altLang="en-US" dirty="0"/>
+              <a:t>內容 </a:t>
+            </a:r>
+            <a:r>
+              <a:rPr lang="en-US" altLang="zh-TW" dirty="0"/>
+              <a:t>:</a:t>
+            </a:r>
+            <a:r>
+              <a:rPr lang="zh-TW" altLang="en-US" dirty="0"/>
+              <a:t> </a:t>
+            </a:r>
+            <a:endParaRPr lang="en-US" altLang="zh-TW" dirty="0"/>
+          </a:p>
+          <a:p>
+            <a:pPr marL="0" indent="0">
+              <a:buNone/>
+            </a:pPr>
+            <a:endParaRPr lang="en-US" altLang="zh-TW" dirty="0"/>
+          </a:p>
+          <a:p>
+            <a:pPr marL="514350" indent="-514350">
+              <a:buAutoNum type="arabicPeriod"/>
+            </a:pPr>
+            <a:r>
+              <a:rPr lang="zh-TW" altLang="en-US" dirty="0"/>
+              <a:t>簡略數位架構</a:t>
+            </a:r>
+            <a:endParaRPr lang="en-US" altLang="zh-TW" dirty="0"/>
+          </a:p>
+          <a:p>
+            <a:pPr marL="514350" indent="-514350">
+              <a:buAutoNum type="arabicPeriod"/>
+            </a:pPr>
+            <a:endParaRPr lang="en-US" altLang="zh-TW" dirty="0"/>
+          </a:p>
+          <a:p>
+            <a:pPr marL="514350" indent="-514350">
+              <a:buAutoNum type="arabicPeriod"/>
+            </a:pPr>
+            <a:r>
+              <a:rPr lang="zh-TW" altLang="en-US" dirty="0"/>
+              <a:t>前端訊號處理</a:t>
+            </a:r>
+            <a:endParaRPr lang="en-US" altLang="zh-TW" dirty="0"/>
+          </a:p>
+          <a:p>
+            <a:pPr marL="514350" indent="-514350">
+              <a:buAutoNum type="arabicPeriod"/>
+            </a:pPr>
+            <a:endParaRPr lang="en-US" altLang="zh-TW" dirty="0"/>
+          </a:p>
+          <a:p>
+            <a:pPr marL="514350" indent="-514350">
+              <a:buAutoNum type="arabicPeriod"/>
+            </a:pPr>
+            <a:r>
+              <a:rPr lang="zh-TW" altLang="en-US" dirty="0"/>
+              <a:t>後端</a:t>
+            </a:r>
+            <a:r>
+              <a:rPr lang="en-US" altLang="zh-TW" dirty="0"/>
+              <a:t>Decode</a:t>
+            </a:r>
+          </a:p>
+          <a:p>
+            <a:pPr marL="514350" indent="-514350">
+              <a:buAutoNum type="arabicPeriod"/>
+            </a:pPr>
+            <a:endParaRPr lang="en-US" altLang="zh-TW" dirty="0"/>
+          </a:p>
+          <a:p>
+            <a:pPr marL="514350" indent="-514350">
+              <a:buAutoNum type="arabicPeriod"/>
+            </a:pPr>
+            <a:endParaRPr lang="zh-TW" altLang="en-US" dirty="0"/>
+          </a:p>
+        </p:txBody>
+      </p:sp>
+    </p:spTree>
+    <p:extLst>
+      <p:ext uri="{BB962C8B-B14F-4D97-AF65-F5344CB8AC3E}">
+        <p14:creationId xmlns:p14="http://schemas.microsoft.com/office/powerpoint/2010/main" val="1534484411"/>
+      </p:ext>
+    </p:extLst>
+  </p:cSld>
+  <p:clrMapOvr>
+    <a:masterClrMapping/>
+  </p:clrMapOvr>
+</p:sld>
+</file>
+
 <file path=ppt/slides/slide21.xml><?xml version="1.0" encoding="utf-8"?>
 <p:sld xmlns:a="http://schemas.openxmlformats.org/drawingml/2006/main" xmlns:r="http://schemas.openxmlformats.org/officeDocument/2006/relationships" xmlns:p="http://schemas.openxmlformats.org/presentationml/2006/main">
   <p:cSld>
@@ -7936,7 +7316,7 @@
           <p:cNvPr id="2" name="標題 1">
             <a:extLst>
               <a:ext uri="{FF2B5EF4-FFF2-40B4-BE49-F238E27FC236}">
-                <a16:creationId xmlns:a16="http://schemas.microsoft.com/office/drawing/2014/main" id="{034E9218-474B-B1DC-1CDA-394754C26DF2}"/>
+                <a16:creationId xmlns:a16="http://schemas.microsoft.com/office/drawing/2014/main" id="{75A8CDCF-D217-9237-F0F3-F03F7A3BC82D}"/>
               </a:ext>
             </a:extLst>
           </p:cNvPr>
@@ -7952,57 +7332,39 @@
           <a:bodyPr/>
           <a:lstStyle/>
           <a:p>
-            <a:pPr algn="ctr"/>
-            <a:r>
-              <a:rPr lang="en-US" altLang="zh-TW" dirty="0"/>
-              <a:t>SAR ADC</a:t>
-            </a:r>
-            <a:r>
-              <a:rPr lang="zh-TW" altLang="en-US" dirty="0"/>
-              <a:t> 實際狀況</a:t>
-            </a:r>
-          </a:p>
-        </p:txBody>
-      </p:sp>
-      <p:pic>
-        <p:nvPicPr>
-          <p:cNvPr id="13" name="內容版面配置區 12">
-            <a:extLst>
-              <a:ext uri="{FF2B5EF4-FFF2-40B4-BE49-F238E27FC236}">
-                <a16:creationId xmlns:a16="http://schemas.microsoft.com/office/drawing/2014/main" id="{D84AF8D7-3D22-35C4-83E0-599AE6B98FAB}"/>
-              </a:ext>
-            </a:extLst>
-          </p:cNvPr>
-          <p:cNvPicPr>
-            <a:picLocks noGrp="1" noChangeAspect="1"/>
-          </p:cNvPicPr>
+            <a:endParaRPr lang="zh-TW" altLang="en-US" dirty="0"/>
+          </a:p>
+        </p:txBody>
+      </p:sp>
+      <p:sp>
+        <p:nvSpPr>
+          <p:cNvPr id="3" name="內容版面配置區 2">
+            <a:extLst>
+              <a:ext uri="{FF2B5EF4-FFF2-40B4-BE49-F238E27FC236}">
+                <a16:creationId xmlns:a16="http://schemas.microsoft.com/office/drawing/2014/main" id="{A5250B66-E56F-5AAD-0B99-C4E8E1B221C2}"/>
+              </a:ext>
+            </a:extLst>
+          </p:cNvPr>
+          <p:cNvSpPr>
+            <a:spLocks noGrp="1"/>
+          </p:cNvSpPr>
           <p:nvPr>
             <p:ph idx="1"/>
           </p:nvPr>
-        </p:nvPicPr>
-        <p:blipFill>
-          <a:blip r:embed="rId2">
-            <a:extLst>
-              <a:ext uri="{28A0092B-C50C-407E-A947-70E740481C1C}">
-                <a14:useLocalDpi xmlns:a14="http://schemas.microsoft.com/office/drawing/2010/main" val="0"/>
-              </a:ext>
-            </a:extLst>
-          </a:blip>
-          <a:stretch>
-            <a:fillRect/>
-          </a:stretch>
-        </p:blipFill>
-        <p:spPr>
-          <a:xfrm>
-            <a:off x="838200" y="1736049"/>
-            <a:ext cx="10515600" cy="4756826"/>
-          </a:xfrm>
-        </p:spPr>
-      </p:pic>
+        </p:nvSpPr>
+        <p:spPr/>
+        <p:txBody>
+          <a:bodyPr/>
+          <a:lstStyle/>
+          <a:p>
+            <a:endParaRPr lang="zh-TW" altLang="en-US"/>
+          </a:p>
+        </p:txBody>
+      </p:sp>
     </p:spTree>
     <p:extLst>
       <p:ext uri="{BB962C8B-B14F-4D97-AF65-F5344CB8AC3E}">
-        <p14:creationId xmlns:p14="http://schemas.microsoft.com/office/powerpoint/2010/main" val="2828768408"/>
+        <p14:creationId xmlns:p14="http://schemas.microsoft.com/office/powerpoint/2010/main" val="2364024188"/>
       </p:ext>
     </p:extLst>
   </p:cSld>
@@ -8034,7 +7396,7 @@
           <p:cNvPr id="2" name="標題 1">
             <a:extLst>
               <a:ext uri="{FF2B5EF4-FFF2-40B4-BE49-F238E27FC236}">
-                <a16:creationId xmlns:a16="http://schemas.microsoft.com/office/drawing/2014/main" id="{8BDD02B5-2588-F29D-85A0-F44E3198E6C5}"/>
+                <a16:creationId xmlns:a16="http://schemas.microsoft.com/office/drawing/2014/main" id="{02C3FE11-1F15-4971-95B5-34F7811B7E8A}"/>
               </a:ext>
             </a:extLst>
           </p:cNvPr>
@@ -8052,16 +7414,18 @@
           <a:p>
             <a:pPr algn="ctr"/>
             <a:r>
-              <a:rPr lang="en-US" altLang="zh-TW"/>
-              <a:t>SAR ADC</a:t>
-            </a:r>
-            <a:br>
-              <a:rPr lang="en-US" altLang="zh-TW"/>
-            </a:br>
-            <a:r>
-              <a:rPr lang="zh-TW" altLang="en-US"/>
-              <a:t>早期、目前做法</a:t>
-            </a:r>
+              <a:rPr lang="en-US" altLang="zh-TW" dirty="0"/>
+              <a:t>Color </a:t>
+            </a:r>
+            <a:r>
+              <a:rPr lang="en-US" altLang="zh-TW" dirty="0" err="1"/>
+              <a:t>Pikcing</a:t>
+            </a:r>
+            <a:r>
+              <a:rPr lang="en-US" altLang="zh-TW" dirty="0"/>
+              <a:t> Project</a:t>
+            </a:r>
+            <a:endParaRPr lang="zh-TW" altLang="en-US" dirty="0"/>
           </a:p>
         </p:txBody>
       </p:sp>
@@ -8070,7 +7434,151 @@
           <p:cNvPr id="3" name="內容版面配置區 2">
             <a:extLst>
               <a:ext uri="{FF2B5EF4-FFF2-40B4-BE49-F238E27FC236}">
-                <a16:creationId xmlns:a16="http://schemas.microsoft.com/office/drawing/2014/main" id="{C312E12E-7FF0-635C-AB76-4F921EE1DE24}"/>
+                <a16:creationId xmlns:a16="http://schemas.microsoft.com/office/drawing/2014/main" id="{5C2571F1-765B-42C3-8AAC-2A8441E0FBA0}"/>
+              </a:ext>
+            </a:extLst>
+          </p:cNvPr>
+          <p:cNvSpPr>
+            <a:spLocks noGrp="1"/>
+          </p:cNvSpPr>
+          <p:nvPr>
+            <p:ph idx="1"/>
+          </p:nvPr>
+        </p:nvSpPr>
+        <p:spPr/>
+        <p:txBody>
+          <a:bodyPr/>
+          <a:lstStyle/>
+          <a:p>
+            <a:pPr marL="457200" lvl="1" indent="0">
+              <a:lnSpc>
+                <a:spcPct val="150000"/>
+              </a:lnSpc>
+              <a:buNone/>
+            </a:pPr>
+            <a:r>
+              <a:rPr lang="zh-TW" altLang="en-US" sz="2800" dirty="0">
+                <a:solidFill>
+                  <a:srgbClr val="FF0000"/>
+                </a:solidFill>
+              </a:rPr>
+              <a:t>目的</a:t>
+            </a:r>
+            <a:r>
+              <a:rPr lang="zh-TW" altLang="en-US" dirty="0"/>
+              <a:t> </a:t>
+            </a:r>
+            <a:r>
+              <a:rPr lang="en-US" altLang="zh-TW" dirty="0"/>
+              <a:t>:</a:t>
+            </a:r>
+            <a:r>
+              <a:rPr lang="zh-TW" altLang="en-US" dirty="0"/>
+              <a:t>  按壓</a:t>
+            </a:r>
+            <a:r>
+              <a:rPr lang="en-US" altLang="zh-TW" dirty="0"/>
+              <a:t>Color Sensor</a:t>
+            </a:r>
+            <a:r>
+              <a:rPr lang="zh-TW" altLang="en-US" dirty="0"/>
+              <a:t>選擇顏色、並透過筆在</a:t>
+            </a:r>
+            <a:r>
+              <a:rPr lang="en-US" altLang="zh-TW" dirty="0"/>
+              <a:t>Host</a:t>
+            </a:r>
+            <a:r>
+              <a:rPr lang="zh-TW" altLang="en-US" dirty="0"/>
+              <a:t>上畫出對應的顏色</a:t>
+            </a:r>
+            <a:endParaRPr lang="en-US" altLang="zh-TW" dirty="0"/>
+          </a:p>
+          <a:p>
+            <a:pPr marL="457200" lvl="1" indent="0">
+              <a:lnSpc>
+                <a:spcPct val="150000"/>
+              </a:lnSpc>
+              <a:buNone/>
+            </a:pPr>
+            <a:endParaRPr lang="en-US" altLang="zh-TW" dirty="0"/>
+          </a:p>
+          <a:p>
+            <a:pPr marL="457200" lvl="1" indent="0">
+              <a:lnSpc>
+                <a:spcPct val="150000"/>
+              </a:lnSpc>
+              <a:buNone/>
+            </a:pPr>
+            <a:endParaRPr lang="en-US" altLang="zh-TW" dirty="0"/>
+          </a:p>
+        </p:txBody>
+      </p:sp>
+    </p:spTree>
+    <p:extLst>
+      <p:ext uri="{BB962C8B-B14F-4D97-AF65-F5344CB8AC3E}">
+        <p14:creationId xmlns:p14="http://schemas.microsoft.com/office/powerpoint/2010/main" val="263751651"/>
+      </p:ext>
+    </p:extLst>
+  </p:cSld>
+  <p:clrMapOvr>
+    <a:masterClrMapping/>
+  </p:clrMapOvr>
+</p:sld>
+</file>
+
+<file path=ppt/slides/slide23.xml><?xml version="1.0" encoding="utf-8"?>
+<p:sld xmlns:a="http://schemas.openxmlformats.org/drawingml/2006/main" xmlns:r="http://schemas.openxmlformats.org/officeDocument/2006/relationships" xmlns:p="http://schemas.openxmlformats.org/presentationml/2006/main">
+  <p:cSld>
+    <p:spTree>
+      <p:nvGrpSpPr>
+        <p:cNvPr id="1" name=""/>
+        <p:cNvGrpSpPr/>
+        <p:nvPr/>
+      </p:nvGrpSpPr>
+      <p:grpSpPr>
+        <a:xfrm>
+          <a:off x="0" y="0"/>
+          <a:ext cx="0" cy="0"/>
+          <a:chOff x="0" y="0"/>
+          <a:chExt cx="0" cy="0"/>
+        </a:xfrm>
+      </p:grpSpPr>
+      <p:sp>
+        <p:nvSpPr>
+          <p:cNvPr id="2" name="標題 1">
+            <a:extLst>
+              <a:ext uri="{FF2B5EF4-FFF2-40B4-BE49-F238E27FC236}">
+                <a16:creationId xmlns:a16="http://schemas.microsoft.com/office/drawing/2014/main" id="{36663CA0-2783-4A34-8C5A-24686BD0A02B}"/>
+              </a:ext>
+            </a:extLst>
+          </p:cNvPr>
+          <p:cNvSpPr>
+            <a:spLocks noGrp="1"/>
+          </p:cNvSpPr>
+          <p:nvPr>
+            <p:ph type="title"/>
+          </p:nvPr>
+        </p:nvSpPr>
+        <p:spPr/>
+        <p:txBody>
+          <a:bodyPr/>
+          <a:lstStyle/>
+          <a:p>
+            <a:pPr algn="ctr"/>
+            <a:r>
+              <a:rPr lang="zh-TW" altLang="en-US" dirty="0"/>
+              <a:t>主要遇到的問題</a:t>
+            </a:r>
+          </a:p>
+        </p:txBody>
+      </p:sp>
+      <p:sp>
+        <p:nvSpPr>
+          <p:cNvPr id="3" name="內容版面配置區 2">
+            <a:extLst>
+              <a:ext uri="{FF2B5EF4-FFF2-40B4-BE49-F238E27FC236}">
+                <a16:creationId xmlns:a16="http://schemas.microsoft.com/office/drawing/2014/main" id="{4EB3A3B7-3819-4E07-A5DF-C15C993A0B95}"/>
               </a:ext>
             </a:extLst>
           </p:cNvPr>
@@ -8090,53 +7598,1117 @@
               <a:buNone/>
             </a:pPr>
             <a:r>
-              <a:rPr lang="en-US" altLang="zh-TW"/>
-              <a:t>1.</a:t>
-            </a:r>
-            <a:r>
-              <a:rPr lang="zh-TW" altLang="en-US"/>
-              <a:t> 學長提供</a:t>
-            </a:r>
-            <a:r>
-              <a:rPr lang="en-US" altLang="zh-TW"/>
-              <a:t>ADC</a:t>
-            </a:r>
-            <a:r>
-              <a:rPr lang="zh-TW" altLang="en-US"/>
+              <a:rPr lang="zh-TW" altLang="en-US" dirty="0">
+                <a:solidFill>
+                  <a:schemeClr val="accent1"/>
+                </a:solidFill>
+              </a:rPr>
+              <a:t>問題</a:t>
+            </a:r>
+            <a:endParaRPr lang="en-US" altLang="zh-TW" dirty="0">
+              <a:solidFill>
+                <a:schemeClr val="accent1"/>
+              </a:solidFill>
+            </a:endParaRPr>
+          </a:p>
+          <a:p>
+            <a:pPr marL="514350" indent="-514350">
+              <a:buAutoNum type="arabicPeriod"/>
+            </a:pPr>
+            <a:endParaRPr lang="en-US" altLang="zh-TW" dirty="0"/>
+          </a:p>
+          <a:p>
+            <a:pPr marL="514350" indent="-514350">
+              <a:buAutoNum type="arabicPeriod"/>
+            </a:pPr>
+            <a:r>
+              <a:rPr lang="zh-TW" altLang="en-US" sz="2400" dirty="0">
+                <a:hlinkClick r:id="rId3" action="ppaction://hlinksldjump"/>
+              </a:rPr>
+              <a:t>傳輸問題 </a:t>
+            </a:r>
+            <a:r>
+              <a:rPr lang="en-US" altLang="zh-TW" sz="2400" dirty="0"/>
+              <a:t>:</a:t>
+            </a:r>
+            <a:r>
+              <a:rPr lang="zh-TW" altLang="en-US" sz="2400" dirty="0"/>
               <a:t> </a:t>
             </a:r>
-            <a:r>
-              <a:rPr lang="en-US" altLang="zh-TW"/>
-              <a:t>CLK</a:t>
-            </a:r>
-            <a:r>
-              <a:rPr lang="zh-TW" altLang="en-US"/>
-              <a:t> ，</a:t>
-            </a:r>
-            <a:endParaRPr lang="en-US" altLang="zh-TW"/>
+            <a:endParaRPr lang="en-US" altLang="zh-TW" sz="2400" dirty="0"/>
+          </a:p>
+          <a:p>
+            <a:pPr marL="457200" lvl="1" indent="0">
+              <a:buNone/>
+            </a:pPr>
+            <a:r>
+              <a:rPr lang="en-US" altLang="zh-TW" sz="2000" dirty="0"/>
+              <a:t>1.  Set UART</a:t>
+            </a:r>
+            <a:r>
+              <a:rPr lang="zh-TW" altLang="en-US" sz="2000" dirty="0"/>
+              <a:t> </a:t>
+            </a:r>
+            <a:r>
+              <a:rPr lang="en-US" altLang="zh-TW" sz="2000" dirty="0"/>
+              <a:t>RX</a:t>
+            </a:r>
+            <a:r>
+              <a:rPr lang="zh-TW" altLang="en-US" sz="2000" dirty="0"/>
+              <a:t> </a:t>
+            </a:r>
+            <a:r>
+              <a:rPr lang="en-US" altLang="zh-TW" sz="2000" dirty="0"/>
+              <a:t>Setting </a:t>
+            </a:r>
+            <a:r>
+              <a:rPr lang="zh-TW" altLang="en-US" sz="2000" dirty="0"/>
+              <a:t>以及 </a:t>
+            </a:r>
+            <a:r>
+              <a:rPr lang="en-US" altLang="zh-TW" sz="2000" dirty="0"/>
+              <a:t>Flow </a:t>
+            </a:r>
+            <a:r>
+              <a:rPr lang="zh-TW" altLang="en-US" sz="2000" dirty="0"/>
+              <a:t>規劃</a:t>
+            </a:r>
+            <a:endParaRPr lang="en-US" altLang="zh-TW" sz="2000" dirty="0"/>
           </a:p>
           <a:p>
             <a:pPr marL="0" indent="0">
               <a:buNone/>
             </a:pPr>
-            <a:endParaRPr lang="en-US" altLang="zh-TW"/>
-          </a:p>
+            <a:endParaRPr lang="en-US" altLang="zh-TW" sz="2400" dirty="0"/>
+          </a:p>
+          <a:p>
+            <a:pPr marL="457200" indent="-457200">
+              <a:buAutoNum type="arabicPeriod" startAt="2"/>
+            </a:pPr>
+            <a:r>
+              <a:rPr lang="zh-TW" altLang="en-US" sz="2400" dirty="0">
+                <a:hlinkClick r:id="rId4" action="ppaction://hlinksldjump"/>
+              </a:rPr>
+              <a:t>最接近顏色</a:t>
+            </a:r>
+            <a:r>
+              <a:rPr lang="en-US" altLang="zh-TW" sz="2400" dirty="0"/>
+              <a:t>:</a:t>
+            </a:r>
+          </a:p>
+          <a:p>
+            <a:pPr marL="914400" lvl="1" indent="-457200">
+              <a:buAutoNum type="arabicPeriod" startAt="2"/>
+            </a:pPr>
+            <a:r>
+              <a:rPr lang="zh-TW" altLang="en-US" sz="2000" dirty="0"/>
+              <a:t>筆的</a:t>
+            </a:r>
+            <a:r>
+              <a:rPr lang="en-US" altLang="zh-TW" sz="2000" dirty="0" err="1"/>
+              <a:t>Protocal</a:t>
+            </a:r>
+            <a:r>
+              <a:rPr lang="en-US" altLang="zh-TW" sz="2000" dirty="0"/>
+              <a:t> </a:t>
+            </a:r>
+            <a:r>
+              <a:rPr lang="zh-TW" altLang="en-US" sz="2000" dirty="0"/>
+              <a:t>定義的顏色只佔</a:t>
+            </a:r>
+            <a:r>
+              <a:rPr lang="en-US" altLang="zh-TW" sz="2000" dirty="0"/>
+              <a:t>RGB</a:t>
+            </a:r>
+            <a:r>
+              <a:rPr lang="zh-TW" altLang="en-US" sz="2000" dirty="0"/>
+              <a:t>裡面</a:t>
+            </a:r>
+            <a:r>
+              <a:rPr lang="en-US" altLang="zh-TW" sz="2000" dirty="0"/>
+              <a:t>200</a:t>
+            </a:r>
+            <a:r>
+              <a:rPr lang="zh-TW" altLang="en-US" sz="2000" dirty="0"/>
+              <a:t>多個</a:t>
+            </a:r>
+            <a:endParaRPr lang="en-US" altLang="zh-TW" dirty="0"/>
+          </a:p>
+        </p:txBody>
+      </p:sp>
+    </p:spTree>
+    <p:extLst>
+      <p:ext uri="{BB962C8B-B14F-4D97-AF65-F5344CB8AC3E}">
+        <p14:creationId xmlns:p14="http://schemas.microsoft.com/office/powerpoint/2010/main" val="2576856385"/>
+      </p:ext>
+    </p:extLst>
+  </p:cSld>
+  <p:clrMapOvr>
+    <a:masterClrMapping/>
+  </p:clrMapOvr>
+</p:sld>
+</file>
+
+<file path=ppt/slides/slide24.xml><?xml version="1.0" encoding="utf-8"?>
+<p:sld xmlns:a="http://schemas.openxmlformats.org/drawingml/2006/main" xmlns:r="http://schemas.openxmlformats.org/officeDocument/2006/relationships" xmlns:p="http://schemas.openxmlformats.org/presentationml/2006/main">
+  <p:cSld>
+    <p:spTree>
+      <p:nvGrpSpPr>
+        <p:cNvPr id="1" name=""/>
+        <p:cNvGrpSpPr/>
+        <p:nvPr/>
+      </p:nvGrpSpPr>
+      <p:grpSpPr>
+        <a:xfrm>
+          <a:off x="0" y="0"/>
+          <a:ext cx="0" cy="0"/>
+          <a:chOff x="0" y="0"/>
+          <a:chExt cx="0" cy="0"/>
+        </a:xfrm>
+      </p:grpSpPr>
+      <p:sp>
+        <p:nvSpPr>
+          <p:cNvPr id="2" name="標題 1">
+            <a:extLst>
+              <a:ext uri="{FF2B5EF4-FFF2-40B4-BE49-F238E27FC236}">
+                <a16:creationId xmlns:a16="http://schemas.microsoft.com/office/drawing/2014/main" id="{FEDEBC06-C75E-5899-979E-C29912B4A68E}"/>
+              </a:ext>
+            </a:extLst>
+          </p:cNvPr>
+          <p:cNvSpPr>
+            <a:spLocks noGrp="1"/>
+          </p:cNvSpPr>
+          <p:nvPr>
+            <p:ph type="title"/>
+          </p:nvPr>
+        </p:nvSpPr>
+        <p:spPr/>
+        <p:txBody>
+          <a:bodyPr/>
+          <a:lstStyle/>
+          <a:p>
+            <a:pPr algn="ctr"/>
+            <a:r>
+              <a:rPr lang="en-US" altLang="zh-TW" dirty="0"/>
+              <a:t>UART RX Setting</a:t>
+            </a:r>
+            <a:endParaRPr lang="zh-TW" altLang="en-US" dirty="0"/>
+          </a:p>
+        </p:txBody>
+      </p:sp>
+      <p:sp>
+        <p:nvSpPr>
+          <p:cNvPr id="3" name="內容版面配置區 2">
+            <a:extLst>
+              <a:ext uri="{FF2B5EF4-FFF2-40B4-BE49-F238E27FC236}">
+                <a16:creationId xmlns:a16="http://schemas.microsoft.com/office/drawing/2014/main" id="{D33F5725-65BC-FF79-0EEB-A34DF7904932}"/>
+              </a:ext>
+            </a:extLst>
+          </p:cNvPr>
+          <p:cNvSpPr>
+            <a:spLocks noGrp="1"/>
+          </p:cNvSpPr>
+          <p:nvPr>
+            <p:ph idx="1"/>
+          </p:nvPr>
+        </p:nvSpPr>
+        <p:spPr/>
+        <p:txBody>
+          <a:bodyPr>
+            <a:normAutofit/>
+          </a:bodyPr>
+          <a:lstStyle/>
+          <a:p>
+            <a:pPr marL="514350" indent="-514350">
+              <a:buAutoNum type="arabicPeriod"/>
+            </a:pPr>
+            <a:r>
+              <a:rPr lang="en-US" altLang="zh-TW" sz="2000" dirty="0"/>
+              <a:t>UART</a:t>
+            </a:r>
+            <a:r>
+              <a:rPr lang="zh-TW" altLang="en-US" sz="2000" dirty="0"/>
+              <a:t> </a:t>
+            </a:r>
+            <a:r>
+              <a:rPr lang="en-US" altLang="zh-TW" sz="2000" dirty="0"/>
+              <a:t>RX</a:t>
+            </a:r>
+            <a:r>
+              <a:rPr lang="zh-TW" altLang="en-US" sz="2000" dirty="0"/>
+              <a:t> 使用</a:t>
+            </a:r>
+            <a:r>
+              <a:rPr lang="en-US" altLang="zh-TW" sz="2000" dirty="0"/>
+              <a:t>FIFO</a:t>
+            </a:r>
+            <a:r>
+              <a:rPr lang="zh-TW" altLang="en-US" sz="2000" dirty="0"/>
+              <a:t> 架構、這個</a:t>
+            </a:r>
+            <a:r>
+              <a:rPr lang="en-US" altLang="zh-TW" sz="2000" dirty="0"/>
+              <a:t>FIFO</a:t>
+            </a:r>
+            <a:r>
+              <a:rPr lang="zh-TW" altLang="en-US" sz="2000" dirty="0"/>
+              <a:t>架構是被封裝過。</a:t>
+            </a:r>
+            <a:endParaRPr lang="en-US" altLang="zh-TW" sz="2000" dirty="0"/>
+          </a:p>
+          <a:p>
+            <a:pPr marL="514350" indent="-514350">
+              <a:buAutoNum type="arabicPeriod"/>
+            </a:pPr>
+            <a:endParaRPr lang="en-US" altLang="zh-TW" sz="2000" dirty="0"/>
+          </a:p>
+          <a:p>
+            <a:pPr marL="514350" indent="-514350">
+              <a:buAutoNum type="arabicPeriod"/>
+            </a:pPr>
+            <a:endParaRPr lang="en-US" altLang="zh-TW" sz="2000" dirty="0"/>
+          </a:p>
+          <a:p>
+            <a:pPr marL="514350" indent="-514350">
+              <a:buAutoNum type="arabicPeriod"/>
+            </a:pPr>
+            <a:r>
+              <a:rPr lang="en-US" altLang="zh-TW" sz="2000" dirty="0"/>
+              <a:t>UART RX</a:t>
+            </a:r>
+            <a:r>
+              <a:rPr lang="zh-TW" altLang="en-US" sz="2000" dirty="0"/>
+              <a:t> 中斷硬體設計</a:t>
+            </a:r>
+          </a:p>
+        </p:txBody>
+      </p:sp>
+    </p:spTree>
+    <p:extLst>
+      <p:ext uri="{BB962C8B-B14F-4D97-AF65-F5344CB8AC3E}">
+        <p14:creationId xmlns:p14="http://schemas.microsoft.com/office/powerpoint/2010/main" val="3743749783"/>
+      </p:ext>
+    </p:extLst>
+  </p:cSld>
+  <p:clrMapOvr>
+    <a:masterClrMapping/>
+  </p:clrMapOvr>
+</p:sld>
+</file>
+
+<file path=ppt/slides/slide25.xml><?xml version="1.0" encoding="utf-8"?>
+<p:sld xmlns:a="http://schemas.openxmlformats.org/drawingml/2006/main" xmlns:r="http://schemas.openxmlformats.org/officeDocument/2006/relationships" xmlns:p="http://schemas.openxmlformats.org/presentationml/2006/main">
+  <p:cSld>
+    <p:spTree>
+      <p:nvGrpSpPr>
+        <p:cNvPr id="1" name=""/>
+        <p:cNvGrpSpPr/>
+        <p:nvPr/>
+      </p:nvGrpSpPr>
+      <p:grpSpPr>
+        <a:xfrm>
+          <a:off x="0" y="0"/>
+          <a:ext cx="0" cy="0"/>
+          <a:chOff x="0" y="0"/>
+          <a:chExt cx="0" cy="0"/>
+        </a:xfrm>
+      </p:grpSpPr>
+      <p:sp>
+        <p:nvSpPr>
+          <p:cNvPr id="2" name="標題 1">
+            <a:extLst>
+              <a:ext uri="{FF2B5EF4-FFF2-40B4-BE49-F238E27FC236}">
+                <a16:creationId xmlns:a16="http://schemas.microsoft.com/office/drawing/2014/main" id="{FEDEBC06-C75E-5899-979E-C29912B4A68E}"/>
+              </a:ext>
+            </a:extLst>
+          </p:cNvPr>
+          <p:cNvSpPr>
+            <a:spLocks noGrp="1"/>
+          </p:cNvSpPr>
+          <p:nvPr>
+            <p:ph type="title"/>
+          </p:nvPr>
+        </p:nvSpPr>
+        <p:spPr/>
+        <p:txBody>
+          <a:bodyPr/>
+          <a:lstStyle/>
+          <a:p>
+            <a:pPr algn="ctr"/>
+            <a:r>
+              <a:rPr lang="en-US" altLang="zh-TW" dirty="0"/>
+              <a:t>UART RX Setting</a:t>
+            </a:r>
+            <a:endParaRPr lang="zh-TW" altLang="en-US" dirty="0"/>
+          </a:p>
+        </p:txBody>
+      </p:sp>
+      <p:sp>
+        <p:nvSpPr>
+          <p:cNvPr id="3" name="內容版面配置區 2">
+            <a:extLst>
+              <a:ext uri="{FF2B5EF4-FFF2-40B4-BE49-F238E27FC236}">
+                <a16:creationId xmlns:a16="http://schemas.microsoft.com/office/drawing/2014/main" id="{D33F5725-65BC-FF79-0EEB-A34DF7904932}"/>
+              </a:ext>
+            </a:extLst>
+          </p:cNvPr>
+          <p:cNvSpPr>
+            <a:spLocks noGrp="1"/>
+          </p:cNvSpPr>
+          <p:nvPr>
+            <p:ph idx="1"/>
+          </p:nvPr>
+        </p:nvSpPr>
+        <p:spPr/>
+        <p:txBody>
+          <a:bodyPr>
+            <a:normAutofit/>
+          </a:bodyPr>
+          <a:lstStyle/>
           <a:p>
             <a:pPr marL="0" indent="0">
               <a:buNone/>
             </a:pPr>
             <a:r>
-              <a:rPr lang="en-US" altLang="zh-TW"/>
-              <a:t>2. </a:t>
-            </a:r>
-            <a:endParaRPr lang="zh-TW" altLang="en-US"/>
+              <a:rPr lang="zh-TW" altLang="en-US" sz="2000" dirty="0"/>
+              <a:t>總結 </a:t>
+            </a:r>
+            <a:r>
+              <a:rPr lang="en-US" altLang="zh-TW" sz="2000" dirty="0"/>
+              <a:t>:</a:t>
+            </a:r>
+            <a:r>
+              <a:rPr lang="zh-TW" altLang="en-US" sz="2000" dirty="0"/>
+              <a:t> </a:t>
+            </a:r>
+            <a:r>
+              <a:rPr lang="en-US" altLang="zh-TW" sz="2000" dirty="0"/>
+              <a:t> </a:t>
+            </a:r>
+            <a:r>
+              <a:rPr lang="zh-TW" altLang="en-US" sz="2000" dirty="0"/>
+              <a:t>由於使用情況是使用者隨時可能會去觸動後發</a:t>
+            </a:r>
+            <a:r>
+              <a:rPr lang="en-US" altLang="zh-TW" sz="2000" dirty="0"/>
+              <a:t>Sensor</a:t>
+            </a:r>
+            <a:r>
+              <a:rPr lang="zh-TW" altLang="en-US" sz="2000" dirty="0"/>
+              <a:t>、筆本身還要</a:t>
+            </a:r>
+            <a:r>
+              <a:rPr lang="en-US" altLang="zh-TW" sz="2000" dirty="0"/>
+              <a:t>Decode </a:t>
+            </a:r>
+            <a:r>
+              <a:rPr lang="zh-TW" altLang="en-US" sz="2000" dirty="0"/>
+              <a:t>訊號，因此中斷是最佳方法，</a:t>
+            </a:r>
+            <a:r>
+              <a:rPr lang="en-US" altLang="zh-TW" sz="2000" dirty="0"/>
+              <a:t>Polling </a:t>
+            </a:r>
+            <a:r>
+              <a:rPr lang="zh-TW" altLang="en-US" sz="2000" dirty="0"/>
+              <a:t>去偵測就不是好方法並且耗電</a:t>
+            </a:r>
+            <a:endParaRPr lang="en-US" altLang="zh-TW" sz="2000" dirty="0"/>
           </a:p>
         </p:txBody>
       </p:sp>
     </p:spTree>
     <p:extLst>
       <p:ext uri="{BB962C8B-B14F-4D97-AF65-F5344CB8AC3E}">
-        <p14:creationId xmlns:p14="http://schemas.microsoft.com/office/powerpoint/2010/main" val="1751698985"/>
+        <p14:creationId xmlns:p14="http://schemas.microsoft.com/office/powerpoint/2010/main" val="1764172780"/>
+      </p:ext>
+    </p:extLst>
+  </p:cSld>
+  <p:clrMapOvr>
+    <a:masterClrMapping/>
+  </p:clrMapOvr>
+</p:sld>
+</file>
+
+<file path=ppt/slides/slide26.xml><?xml version="1.0" encoding="utf-8"?>
+<p:sld xmlns:a="http://schemas.openxmlformats.org/drawingml/2006/main" xmlns:r="http://schemas.openxmlformats.org/officeDocument/2006/relationships" xmlns:p="http://schemas.openxmlformats.org/presentationml/2006/main">
+  <p:cSld>
+    <p:spTree>
+      <p:nvGrpSpPr>
+        <p:cNvPr id="1" name=""/>
+        <p:cNvGrpSpPr/>
+        <p:nvPr/>
+      </p:nvGrpSpPr>
+      <p:grpSpPr>
+        <a:xfrm>
+          <a:off x="0" y="0"/>
+          <a:ext cx="0" cy="0"/>
+          <a:chOff x="0" y="0"/>
+          <a:chExt cx="0" cy="0"/>
+        </a:xfrm>
+      </p:grpSpPr>
+      <p:sp>
+        <p:nvSpPr>
+          <p:cNvPr id="2" name="標題 1">
+            <a:extLst>
+              <a:ext uri="{FF2B5EF4-FFF2-40B4-BE49-F238E27FC236}">
+                <a16:creationId xmlns:a16="http://schemas.microsoft.com/office/drawing/2014/main" id="{DCAF803D-3CAB-3E11-8A90-4D5310A3A5EA}"/>
+              </a:ext>
+            </a:extLst>
+          </p:cNvPr>
+          <p:cNvSpPr>
+            <a:spLocks noGrp="1"/>
+          </p:cNvSpPr>
+          <p:nvPr>
+            <p:ph type="title"/>
+          </p:nvPr>
+        </p:nvSpPr>
+        <p:spPr/>
+        <p:txBody>
+          <a:bodyPr/>
+          <a:lstStyle/>
+          <a:p>
+            <a:pPr algn="ctr"/>
+            <a:r>
+              <a:rPr lang="en-US" altLang="zh-TW" dirty="0"/>
+              <a:t>UART RX Setting</a:t>
+            </a:r>
+            <a:endParaRPr lang="zh-TW" altLang="en-US" dirty="0"/>
+          </a:p>
+        </p:txBody>
+      </p:sp>
+      <p:sp>
+        <p:nvSpPr>
+          <p:cNvPr id="3" name="內容版面配置區 2">
+            <a:extLst>
+              <a:ext uri="{FF2B5EF4-FFF2-40B4-BE49-F238E27FC236}">
+                <a16:creationId xmlns:a16="http://schemas.microsoft.com/office/drawing/2014/main" id="{3B1B8A68-518A-9A03-2325-0016A63D6547}"/>
+              </a:ext>
+            </a:extLst>
+          </p:cNvPr>
+          <p:cNvSpPr>
+            <a:spLocks noGrp="1"/>
+          </p:cNvSpPr>
+          <p:nvPr>
+            <p:ph idx="1"/>
+          </p:nvPr>
+        </p:nvSpPr>
+        <p:spPr/>
+        <p:txBody>
+          <a:bodyPr/>
+          <a:lstStyle/>
+          <a:p>
+            <a:pPr marL="0" indent="0">
+              <a:buNone/>
+            </a:pPr>
+            <a:r>
+              <a:rPr lang="zh-TW" altLang="en-US" dirty="0">
+                <a:solidFill>
+                  <a:schemeClr val="accent1"/>
+                </a:solidFill>
+              </a:rPr>
+              <a:t>過程中遇到最大問題 </a:t>
+            </a:r>
+            <a:r>
+              <a:rPr lang="en-US" altLang="zh-TW" dirty="0">
+                <a:solidFill>
+                  <a:schemeClr val="accent1"/>
+                </a:solidFill>
+              </a:rPr>
+              <a:t>: </a:t>
+            </a:r>
+          </a:p>
+          <a:p>
+            <a:pPr marL="0" indent="0">
+              <a:buNone/>
+            </a:pPr>
+            <a:r>
+              <a:rPr lang="zh-TW" altLang="en-US" sz="2400" dirty="0"/>
+              <a:t>收完</a:t>
+            </a:r>
+            <a:r>
+              <a:rPr lang="en-US" altLang="zh-TW" sz="2400" dirty="0"/>
+              <a:t>Sensor Data</a:t>
+            </a:r>
+            <a:r>
+              <a:rPr lang="zh-TW" altLang="en-US" sz="2400" dirty="0"/>
+              <a:t>後，顯示資料卻有漏東漏西</a:t>
+            </a:r>
+            <a:endParaRPr lang="en-US" altLang="zh-TW" sz="2400" dirty="0"/>
+          </a:p>
+          <a:p>
+            <a:pPr marL="0" indent="0">
+              <a:buNone/>
+            </a:pPr>
+            <a:r>
+              <a:rPr lang="en-US" altLang="zh-TW" sz="2400" dirty="0"/>
+              <a:t>Source</a:t>
+            </a:r>
+          </a:p>
+          <a:p>
+            <a:pPr marL="0" indent="0">
+              <a:buNone/>
+            </a:pPr>
+            <a:r>
+              <a:rPr lang="en-US" altLang="zh-TW" sz="2400" dirty="0"/>
+              <a:t>1 . </a:t>
+            </a:r>
+            <a:r>
+              <a:rPr lang="zh-TW" altLang="en-US" sz="2400" dirty="0"/>
+              <a:t> 硬體觸發設定 </a:t>
+            </a:r>
+            <a:r>
+              <a:rPr lang="en-US" altLang="zh-TW" sz="2400" dirty="0"/>
+              <a:t>: 4Bytes -&gt; 1Bytes</a:t>
+            </a:r>
+          </a:p>
+          <a:p>
+            <a:pPr marL="0" indent="0">
+              <a:buNone/>
+            </a:pPr>
+            <a:r>
+              <a:rPr lang="en-US" altLang="zh-TW" sz="2400" dirty="0"/>
+              <a:t>2. </a:t>
+            </a:r>
+            <a:r>
+              <a:rPr lang="zh-TW" altLang="en-US" sz="2400" dirty="0"/>
+              <a:t> </a:t>
+            </a:r>
+            <a:r>
+              <a:rPr lang="zh-TW" altLang="en-US" sz="2400" dirty="0">
+                <a:solidFill>
+                  <a:srgbClr val="FF0000"/>
+                </a:solidFill>
+              </a:rPr>
+              <a:t>解除中斷</a:t>
+            </a:r>
+            <a:r>
+              <a:rPr lang="en-US" altLang="zh-TW" sz="2400" dirty="0">
+                <a:solidFill>
+                  <a:srgbClr val="FF0000"/>
+                </a:solidFill>
+              </a:rPr>
+              <a:t>Event </a:t>
+            </a:r>
+            <a:r>
+              <a:rPr lang="en-US" altLang="zh-TW" sz="2400" dirty="0" err="1">
+                <a:solidFill>
+                  <a:srgbClr val="FF0000"/>
+                </a:solidFill>
+              </a:rPr>
+              <a:t>regestier</a:t>
+            </a:r>
+            <a:r>
+              <a:rPr lang="zh-TW" altLang="en-US" sz="2400" dirty="0">
+                <a:solidFill>
+                  <a:srgbClr val="FF0000"/>
+                </a:solidFill>
+              </a:rPr>
+              <a:t>在</a:t>
+            </a:r>
+            <a:r>
+              <a:rPr lang="en-US" altLang="zh-TW" sz="2400" dirty="0">
+                <a:solidFill>
+                  <a:srgbClr val="FF0000"/>
+                </a:solidFill>
+              </a:rPr>
+              <a:t>Code</a:t>
+            </a:r>
+            <a:r>
+              <a:rPr lang="zh-TW" altLang="en-US" sz="2400" dirty="0">
+                <a:solidFill>
+                  <a:srgbClr val="FF0000"/>
+                </a:solidFill>
+              </a:rPr>
+              <a:t>中的位置</a:t>
+            </a:r>
+            <a:endParaRPr lang="en-US" altLang="zh-TW" sz="2400" dirty="0">
+              <a:solidFill>
+                <a:srgbClr val="FF0000"/>
+              </a:solidFill>
+            </a:endParaRPr>
+          </a:p>
+          <a:p>
+            <a:pPr marL="0" indent="0">
+              <a:buNone/>
+            </a:pPr>
+            <a:endParaRPr lang="zh-TW" altLang="en-US" dirty="0"/>
+          </a:p>
+        </p:txBody>
+      </p:sp>
+    </p:spTree>
+    <p:extLst>
+      <p:ext uri="{BB962C8B-B14F-4D97-AF65-F5344CB8AC3E}">
+        <p14:creationId xmlns:p14="http://schemas.microsoft.com/office/powerpoint/2010/main" val="719165155"/>
+      </p:ext>
+    </p:extLst>
+  </p:cSld>
+  <p:clrMapOvr>
+    <a:masterClrMapping/>
+  </p:clrMapOvr>
+</p:sld>
+</file>
+
+<file path=ppt/slides/slide27.xml><?xml version="1.0" encoding="utf-8"?>
+<p:sld xmlns:a="http://schemas.openxmlformats.org/drawingml/2006/main" xmlns:r="http://schemas.openxmlformats.org/officeDocument/2006/relationships" xmlns:p="http://schemas.openxmlformats.org/presentationml/2006/main">
+  <p:cSld>
+    <p:spTree>
+      <p:nvGrpSpPr>
+        <p:cNvPr id="1" name=""/>
+        <p:cNvGrpSpPr/>
+        <p:nvPr/>
+      </p:nvGrpSpPr>
+      <p:grpSpPr>
+        <a:xfrm>
+          <a:off x="0" y="0"/>
+          <a:ext cx="0" cy="0"/>
+          <a:chOff x="0" y="0"/>
+          <a:chExt cx="0" cy="0"/>
+        </a:xfrm>
+      </p:grpSpPr>
+      <p:sp>
+        <p:nvSpPr>
+          <p:cNvPr id="2" name="標題 1">
+            <a:extLst>
+              <a:ext uri="{FF2B5EF4-FFF2-40B4-BE49-F238E27FC236}">
+                <a16:creationId xmlns:a16="http://schemas.microsoft.com/office/drawing/2014/main" id="{A90C3E7E-AE4E-452E-A66F-A6DA326A606E}"/>
+              </a:ext>
+            </a:extLst>
+          </p:cNvPr>
+          <p:cNvSpPr>
+            <a:spLocks noGrp="1"/>
+          </p:cNvSpPr>
+          <p:nvPr>
+            <p:ph type="title"/>
+          </p:nvPr>
+        </p:nvSpPr>
+        <p:spPr/>
+        <p:txBody>
+          <a:bodyPr/>
+          <a:lstStyle/>
+          <a:p>
+            <a:pPr algn="ctr"/>
+            <a:r>
+              <a:rPr lang="zh-TW" altLang="en-US" sz="4400" dirty="0"/>
+              <a:t>最接近顏色</a:t>
+            </a:r>
+            <a:endParaRPr lang="zh-TW" altLang="en-US" dirty="0"/>
+          </a:p>
+        </p:txBody>
+      </p:sp>
+      <p:sp>
+        <p:nvSpPr>
+          <p:cNvPr id="3" name="內容版面配置區 2">
+            <a:extLst>
+              <a:ext uri="{FF2B5EF4-FFF2-40B4-BE49-F238E27FC236}">
+                <a16:creationId xmlns:a16="http://schemas.microsoft.com/office/drawing/2014/main" id="{2270879B-7395-4917-86B4-47F549C5A985}"/>
+              </a:ext>
+            </a:extLst>
+          </p:cNvPr>
+          <p:cNvSpPr>
+            <a:spLocks noGrp="1"/>
+          </p:cNvSpPr>
+          <p:nvPr>
+            <p:ph idx="1"/>
+          </p:nvPr>
+        </p:nvSpPr>
+        <p:spPr/>
+        <p:txBody>
+          <a:bodyPr/>
+          <a:lstStyle/>
+          <a:p>
+            <a:pPr marL="0" indent="0">
+              <a:buNone/>
+            </a:pPr>
+            <a:r>
+              <a:rPr lang="en-US" altLang="zh-TW" dirty="0"/>
+              <a:t>Root Cause :</a:t>
+            </a:r>
+          </a:p>
+          <a:p>
+            <a:pPr marL="514350" indent="-514350">
+              <a:buAutoNum type="arabicPeriod"/>
+            </a:pPr>
+            <a:r>
+              <a:rPr lang="en-US" altLang="zh-TW" dirty="0"/>
+              <a:t>Sensor </a:t>
+            </a:r>
+            <a:r>
+              <a:rPr lang="zh-TW" altLang="en-US" dirty="0"/>
+              <a:t>傳輸的顏色，並不一定落在</a:t>
+            </a:r>
+            <a:r>
+              <a:rPr lang="en-US" altLang="zh-TW" dirty="0"/>
+              <a:t>USI</a:t>
+            </a:r>
+            <a:r>
+              <a:rPr lang="zh-TW" altLang="en-US" dirty="0"/>
+              <a:t>所定義的顏色，因此需要找到最接近的顏色。</a:t>
+            </a:r>
+            <a:endParaRPr lang="en-US" altLang="zh-TW" dirty="0"/>
+          </a:p>
+          <a:p>
+            <a:pPr marL="514350" indent="-514350">
+              <a:buAutoNum type="arabicPeriod"/>
+            </a:pPr>
+            <a:endParaRPr lang="en-US" altLang="zh-TW" dirty="0"/>
+          </a:p>
+          <a:p>
+            <a:pPr marL="0" indent="0">
+              <a:buNone/>
+            </a:pPr>
+            <a:r>
+              <a:rPr lang="en-US" altLang="zh-TW" dirty="0"/>
+              <a:t>Solve :</a:t>
+            </a:r>
+          </a:p>
+          <a:p>
+            <a:pPr marL="0" indent="0">
+              <a:buNone/>
+            </a:pPr>
+            <a:r>
+              <a:rPr lang="en-US" altLang="zh-TW" dirty="0"/>
+              <a:t>	1. </a:t>
+            </a:r>
+            <a:r>
+              <a:rPr lang="zh-TW" altLang="en-US" dirty="0"/>
+              <a:t>顏色距離定義</a:t>
+            </a:r>
+            <a:endParaRPr lang="en-US" altLang="zh-TW" dirty="0"/>
+          </a:p>
+          <a:p>
+            <a:pPr marL="0" indent="0">
+              <a:buNone/>
+            </a:pPr>
+            <a:r>
+              <a:rPr lang="en-US" altLang="zh-TW" dirty="0"/>
+              <a:t>	2.  </a:t>
+            </a:r>
+            <a:r>
+              <a:rPr lang="zh-TW" altLang="en-US" dirty="0"/>
+              <a:t>使用</a:t>
+            </a:r>
+            <a:r>
+              <a:rPr lang="en-US" altLang="zh-TW" dirty="0" err="1"/>
+              <a:t>matlab</a:t>
+            </a:r>
+            <a:r>
+              <a:rPr lang="zh-TW" altLang="en-US" dirty="0"/>
+              <a:t>來加速驗證速度</a:t>
+            </a:r>
+            <a:endParaRPr lang="en-US" altLang="zh-TW" dirty="0"/>
+          </a:p>
+        </p:txBody>
+      </p:sp>
+    </p:spTree>
+    <p:extLst>
+      <p:ext uri="{BB962C8B-B14F-4D97-AF65-F5344CB8AC3E}">
+        <p14:creationId xmlns:p14="http://schemas.microsoft.com/office/powerpoint/2010/main" val="2172983373"/>
+      </p:ext>
+    </p:extLst>
+  </p:cSld>
+  <p:clrMapOvr>
+    <a:masterClrMapping/>
+  </p:clrMapOvr>
+</p:sld>
+</file>
+
+<file path=ppt/slides/slide28.xml><?xml version="1.0" encoding="utf-8"?>
+<p:sld xmlns:a="http://schemas.openxmlformats.org/drawingml/2006/main" xmlns:r="http://schemas.openxmlformats.org/officeDocument/2006/relationships" xmlns:p="http://schemas.openxmlformats.org/presentationml/2006/main">
+  <p:cSld>
+    <p:spTree>
+      <p:nvGrpSpPr>
+        <p:cNvPr id="1" name=""/>
+        <p:cNvGrpSpPr/>
+        <p:nvPr/>
+      </p:nvGrpSpPr>
+      <p:grpSpPr>
+        <a:xfrm>
+          <a:off x="0" y="0"/>
+          <a:ext cx="0" cy="0"/>
+          <a:chOff x="0" y="0"/>
+          <a:chExt cx="0" cy="0"/>
+        </a:xfrm>
+      </p:grpSpPr>
+      <p:sp>
+        <p:nvSpPr>
+          <p:cNvPr id="2" name="標題 1">
+            <a:extLst>
+              <a:ext uri="{FF2B5EF4-FFF2-40B4-BE49-F238E27FC236}">
+                <a16:creationId xmlns:a16="http://schemas.microsoft.com/office/drawing/2014/main" id="{77C37F21-5DBA-B401-7D71-7CFB5E6E6C5D}"/>
+              </a:ext>
+            </a:extLst>
+          </p:cNvPr>
+          <p:cNvSpPr>
+            <a:spLocks noGrp="1"/>
+          </p:cNvSpPr>
+          <p:nvPr>
+            <p:ph type="title"/>
+          </p:nvPr>
+        </p:nvSpPr>
+        <p:spPr/>
+        <p:txBody>
+          <a:bodyPr/>
+          <a:lstStyle/>
+          <a:p>
+            <a:pPr algn="ctr"/>
+            <a:r>
+              <a:rPr lang="zh-TW" altLang="en-US" dirty="0"/>
+              <a:t> </a:t>
+            </a:r>
+            <a:r>
+              <a:rPr lang="en-US" altLang="zh-TW" dirty="0" err="1"/>
+              <a:t>Matlab</a:t>
+            </a:r>
+            <a:r>
+              <a:rPr lang="en-US" altLang="zh-TW" dirty="0"/>
+              <a:t> </a:t>
+            </a:r>
+            <a:r>
+              <a:rPr lang="zh-TW" altLang="en-US" dirty="0"/>
+              <a:t>驗證</a:t>
+            </a:r>
+          </a:p>
+        </p:txBody>
+      </p:sp>
+      <p:sp>
+        <p:nvSpPr>
+          <p:cNvPr id="3" name="內容版面配置區 2">
+            <a:extLst>
+              <a:ext uri="{FF2B5EF4-FFF2-40B4-BE49-F238E27FC236}">
+                <a16:creationId xmlns:a16="http://schemas.microsoft.com/office/drawing/2014/main" id="{534E79D0-3692-7581-7815-5DEF93BC5DAC}"/>
+              </a:ext>
+            </a:extLst>
+          </p:cNvPr>
+          <p:cNvSpPr>
+            <a:spLocks noGrp="1"/>
+          </p:cNvSpPr>
+          <p:nvPr>
+            <p:ph idx="1"/>
+          </p:nvPr>
+        </p:nvSpPr>
+        <p:spPr/>
+        <p:txBody>
+          <a:bodyPr/>
+          <a:lstStyle/>
+          <a:p>
+            <a:pPr marL="0" indent="0">
+              <a:buNone/>
+            </a:pPr>
+            <a:r>
+              <a:rPr lang="en-US" altLang="zh-TW" dirty="0"/>
+              <a:t>Use </a:t>
+            </a:r>
+            <a:r>
+              <a:rPr lang="en-US" altLang="zh-TW" dirty="0" err="1"/>
+              <a:t>Matalb</a:t>
+            </a:r>
+            <a:r>
+              <a:rPr lang="en-US" altLang="zh-TW" dirty="0"/>
+              <a:t> APP</a:t>
+            </a:r>
+            <a:r>
+              <a:rPr lang="zh-TW" altLang="en-US" dirty="0"/>
+              <a:t> 寫的</a:t>
+            </a:r>
+          </a:p>
+        </p:txBody>
+      </p:sp>
+    </p:spTree>
+    <p:extLst>
+      <p:ext uri="{BB962C8B-B14F-4D97-AF65-F5344CB8AC3E}">
+        <p14:creationId xmlns:p14="http://schemas.microsoft.com/office/powerpoint/2010/main" val="3411917283"/>
+      </p:ext>
+    </p:extLst>
+  </p:cSld>
+  <p:clrMapOvr>
+    <a:masterClrMapping/>
+  </p:clrMapOvr>
+</p:sld>
+</file>
+
+<file path=ppt/slides/slide29.xml><?xml version="1.0" encoding="utf-8"?>
+<p:sld xmlns:a="http://schemas.openxmlformats.org/drawingml/2006/main" xmlns:r="http://schemas.openxmlformats.org/officeDocument/2006/relationships" xmlns:p="http://schemas.openxmlformats.org/presentationml/2006/main">
+  <p:cSld>
+    <p:spTree>
+      <p:nvGrpSpPr>
+        <p:cNvPr id="1" name=""/>
+        <p:cNvGrpSpPr/>
+        <p:nvPr/>
+      </p:nvGrpSpPr>
+      <p:grpSpPr>
+        <a:xfrm>
+          <a:off x="0" y="0"/>
+          <a:ext cx="0" cy="0"/>
+          <a:chOff x="0" y="0"/>
+          <a:chExt cx="0" cy="0"/>
+        </a:xfrm>
+      </p:grpSpPr>
+      <p:sp>
+        <p:nvSpPr>
+          <p:cNvPr id="2" name="標題 1">
+            <a:extLst>
+              <a:ext uri="{FF2B5EF4-FFF2-40B4-BE49-F238E27FC236}">
+                <a16:creationId xmlns:a16="http://schemas.microsoft.com/office/drawing/2014/main" id="{F0C4E827-8FA5-D200-CB63-931E7FB72A01}"/>
+              </a:ext>
+            </a:extLst>
+          </p:cNvPr>
+          <p:cNvSpPr>
+            <a:spLocks noGrp="1"/>
+          </p:cNvSpPr>
+          <p:nvPr>
+            <p:ph type="title"/>
+          </p:nvPr>
+        </p:nvSpPr>
+        <p:spPr/>
+        <p:txBody>
+          <a:bodyPr/>
+          <a:lstStyle/>
+          <a:p>
+            <a:endParaRPr lang="zh-TW" altLang="en-US" dirty="0"/>
+          </a:p>
+        </p:txBody>
+      </p:sp>
+      <p:sp>
+        <p:nvSpPr>
+          <p:cNvPr id="3" name="內容版面配置區 2">
+            <a:extLst>
+              <a:ext uri="{FF2B5EF4-FFF2-40B4-BE49-F238E27FC236}">
+                <a16:creationId xmlns:a16="http://schemas.microsoft.com/office/drawing/2014/main" id="{3DEDB90D-322B-3E70-CB9B-BCCD6F0A04A3}"/>
+              </a:ext>
+            </a:extLst>
+          </p:cNvPr>
+          <p:cNvSpPr>
+            <a:spLocks noGrp="1"/>
+          </p:cNvSpPr>
+          <p:nvPr>
+            <p:ph idx="1"/>
+          </p:nvPr>
+        </p:nvSpPr>
+        <p:spPr/>
+        <p:txBody>
+          <a:bodyPr/>
+          <a:lstStyle/>
+          <a:p>
+            <a:pPr marL="514350" indent="-514350">
+              <a:buAutoNum type="arabicPeriod"/>
+            </a:pPr>
+            <a:r>
+              <a:rPr lang="en-US" altLang="zh-TW" dirty="0"/>
+              <a:t>Intel USI2.0 </a:t>
+            </a:r>
+            <a:r>
+              <a:rPr lang="zh-TW" altLang="en-US" dirty="0"/>
+              <a:t>測項 </a:t>
+            </a:r>
+            <a:r>
+              <a:rPr lang="en-US" altLang="zh-TW" dirty="0"/>
+              <a:t>Total 57</a:t>
+            </a:r>
+          </a:p>
+          <a:p>
+            <a:pPr marL="514350" indent="-514350">
+              <a:buAutoNum type="arabicPeriod"/>
+            </a:pPr>
+            <a:endParaRPr lang="en-US" altLang="zh-TW" dirty="0"/>
+          </a:p>
+          <a:p>
+            <a:pPr marL="514350" indent="-514350">
+              <a:buAutoNum type="arabicPeriod"/>
+            </a:pPr>
+            <a:r>
+              <a:rPr lang="en-US" altLang="zh-TW" dirty="0" err="1"/>
+              <a:t>Novatek</a:t>
+            </a:r>
+            <a:r>
+              <a:rPr lang="en-US" altLang="zh-TW" dirty="0"/>
+              <a:t> AVL</a:t>
+            </a:r>
+            <a:r>
+              <a:rPr lang="zh-TW" altLang="en-US" dirty="0"/>
+              <a:t>測項</a:t>
+            </a:r>
+            <a:r>
+              <a:rPr lang="en-US" altLang="zh-TW" dirty="0"/>
+              <a:t>Pass</a:t>
+            </a:r>
+          </a:p>
+          <a:p>
+            <a:pPr marL="514350" indent="-514350">
+              <a:buAutoNum type="arabicPeriod"/>
+            </a:pPr>
+            <a:endParaRPr lang="en-US" altLang="zh-TW" dirty="0"/>
+          </a:p>
+          <a:p>
+            <a:pPr marL="514350" indent="-514350">
+              <a:buAutoNum type="arabicPeriod"/>
+            </a:pPr>
+            <a:r>
+              <a:rPr lang="en-US" altLang="zh-TW" dirty="0"/>
+              <a:t>Noise </a:t>
+            </a:r>
+            <a:r>
+              <a:rPr lang="zh-TW" altLang="en-US" dirty="0"/>
+              <a:t>處理 </a:t>
+            </a:r>
+            <a:r>
+              <a:rPr lang="en-US" altLang="zh-TW" dirty="0"/>
+              <a:t>:</a:t>
+            </a:r>
+            <a:r>
+              <a:rPr lang="zh-TW" altLang="en-US" dirty="0"/>
+              <a:t> </a:t>
+            </a:r>
+            <a:r>
+              <a:rPr lang="en-US" altLang="zh-TW" dirty="0"/>
+              <a:t>Palm</a:t>
+            </a:r>
+            <a:r>
+              <a:rPr lang="zh-TW" altLang="en-US" dirty="0"/>
+              <a:t>、邊邊角落、</a:t>
+            </a:r>
+            <a:r>
+              <a:rPr lang="en-US" altLang="zh-TW" dirty="0"/>
+              <a:t>T5</a:t>
+            </a:r>
+            <a:r>
+              <a:rPr lang="zh-TW" altLang="en-US" dirty="0"/>
+              <a:t>、</a:t>
+            </a:r>
+            <a:r>
+              <a:rPr lang="en-US" altLang="zh-TW" dirty="0"/>
+              <a:t>CS</a:t>
+            </a:r>
+          </a:p>
+          <a:p>
+            <a:pPr marL="514350" indent="-514350">
+              <a:buAutoNum type="arabicPeriod"/>
+            </a:pPr>
+            <a:endParaRPr lang="en-US" altLang="zh-TW" dirty="0"/>
+          </a:p>
+          <a:p>
+            <a:pPr marL="514350" indent="-514350">
+              <a:buAutoNum type="arabicPeriod"/>
+            </a:pPr>
+            <a:r>
+              <a:rPr lang="en-US" altLang="zh-TW" dirty="0" err="1"/>
+              <a:t>Agc</a:t>
+            </a:r>
+            <a:r>
+              <a:rPr lang="en-US" altLang="zh-TW" dirty="0"/>
+              <a:t> Flow </a:t>
+            </a:r>
+            <a:r>
+              <a:rPr lang="zh-TW" altLang="en-US" dirty="0"/>
+              <a:t>架構</a:t>
+            </a:r>
+          </a:p>
+        </p:txBody>
+      </p:sp>
+    </p:spTree>
+    <p:extLst>
+      <p:ext uri="{BB962C8B-B14F-4D97-AF65-F5344CB8AC3E}">
+        <p14:creationId xmlns:p14="http://schemas.microsoft.com/office/powerpoint/2010/main" val="3116768302"/>
       </p:ext>
     </p:extLst>
   </p:cSld>
@@ -8168,7 +8740,7 @@
           <p:cNvPr id="2" name="標題 1">
             <a:extLst>
               <a:ext uri="{FF2B5EF4-FFF2-40B4-BE49-F238E27FC236}">
-                <a16:creationId xmlns:a16="http://schemas.microsoft.com/office/drawing/2014/main" id="{02C3FE11-1F15-4971-95B5-34F7811B7E8A}"/>
+                <a16:creationId xmlns:a16="http://schemas.microsoft.com/office/drawing/2014/main" id="{07E8AD67-683A-006B-0E2B-F3D83AB2A63E}"/>
               </a:ext>
             </a:extLst>
           </p:cNvPr>
@@ -8187,17 +8759,12 @@
             <a:pPr algn="ctr"/>
             <a:r>
               <a:rPr lang="en-US" altLang="zh-TW" dirty="0"/>
-              <a:t>Color </a:t>
-            </a:r>
-            <a:r>
-              <a:rPr lang="en-US" altLang="zh-TW" dirty="0" err="1"/>
-              <a:t>Pikcing</a:t>
-            </a:r>
-            <a:r>
-              <a:rPr lang="en-US" altLang="zh-TW" dirty="0"/>
-              <a:t> Project</a:t>
-            </a:r>
-            <a:endParaRPr lang="zh-TW" altLang="en-US" dirty="0"/>
+              <a:t>ADC</a:t>
+            </a:r>
+            <a:r>
+              <a:rPr lang="zh-TW" altLang="en-US" dirty="0"/>
+              <a:t> 數位架構</a:t>
+            </a:r>
           </a:p>
         </p:txBody>
       </p:sp>
@@ -8206,7 +8773,7 @@
           <p:cNvPr id="3" name="內容版面配置區 2">
             <a:extLst>
               <a:ext uri="{FF2B5EF4-FFF2-40B4-BE49-F238E27FC236}">
-                <a16:creationId xmlns:a16="http://schemas.microsoft.com/office/drawing/2014/main" id="{5C2571F1-765B-42C3-8AAC-2A8441E0FBA0}"/>
+                <a16:creationId xmlns:a16="http://schemas.microsoft.com/office/drawing/2014/main" id="{88E0B58A-6F65-6176-A0EB-A4D883E0F673}"/>
               </a:ext>
             </a:extLst>
           </p:cNvPr>
@@ -8222,74 +8789,85 @@
           <a:bodyPr/>
           <a:lstStyle/>
           <a:p>
-            <a:pPr marL="457200" lvl="1" indent="0">
-              <a:lnSpc>
-                <a:spcPct val="150000"/>
-              </a:lnSpc>
+            <a:pPr marL="0" indent="0">
               <a:buNone/>
             </a:pPr>
             <a:r>
-              <a:rPr lang="zh-TW" altLang="en-US" sz="2800" dirty="0">
+              <a:rPr lang="zh-TW" altLang="en-US" dirty="0"/>
+              <a:t>目的 </a:t>
+            </a:r>
+            <a:r>
+              <a:rPr lang="en-US" altLang="zh-TW" dirty="0"/>
+              <a:t>:</a:t>
+            </a:r>
+            <a:r>
+              <a:rPr lang="zh-TW" altLang="en-US" dirty="0"/>
+              <a:t> </a:t>
+            </a:r>
+            <a:r>
+              <a:rPr lang="zh-TW" altLang="en-US" sz="2400" dirty="0"/>
+              <a:t>透過引入</a:t>
+            </a:r>
+            <a:r>
+              <a:rPr lang="en-US" altLang="zh-TW" sz="2400" dirty="0"/>
+              <a:t>ADC</a:t>
+            </a:r>
+            <a:r>
+              <a:rPr lang="zh-TW" altLang="en-US" sz="2400" dirty="0"/>
+              <a:t>架構，可以實際用真實數據模擬數位結果。</a:t>
+            </a:r>
+            <a:r>
+              <a:rPr lang="zh-TW" altLang="en-US" sz="2400" dirty="0">
                 <a:solidFill>
                   <a:srgbClr val="FF0000"/>
                 </a:solidFill>
               </a:rPr>
-              <a:t>目的</a:t>
-            </a:r>
-            <a:r>
-              <a:rPr lang="zh-TW" altLang="en-US" dirty="0"/>
-              <a:t> </a:t>
-            </a:r>
-            <a:r>
-              <a:rPr lang="en-US" altLang="zh-TW" dirty="0"/>
-              <a:t>:</a:t>
-            </a:r>
-            <a:r>
-              <a:rPr lang="zh-TW" altLang="en-US" dirty="0"/>
-              <a:t>  按壓</a:t>
-            </a:r>
-            <a:r>
-              <a:rPr lang="en-US" altLang="zh-TW" dirty="0"/>
-              <a:t>Color Sensor</a:t>
-            </a:r>
-            <a:r>
-              <a:rPr lang="zh-TW" altLang="en-US" dirty="0"/>
-              <a:t>選擇顏色、並透過筆在</a:t>
-            </a:r>
-            <a:r>
-              <a:rPr lang="en-US" altLang="zh-TW" dirty="0"/>
-              <a:t>Host</a:t>
-            </a:r>
-            <a:r>
-              <a:rPr lang="zh-TW" altLang="en-US" dirty="0"/>
-              <a:t>上畫出對應的顏色</a:t>
-            </a:r>
-            <a:endParaRPr lang="en-US" altLang="zh-TW" dirty="0"/>
-          </a:p>
-          <a:p>
-            <a:pPr marL="457200" lvl="1" indent="0">
-              <a:lnSpc>
-                <a:spcPct val="150000"/>
-              </a:lnSpc>
-              <a:buNone/>
-            </a:pPr>
-            <a:endParaRPr lang="en-US" altLang="zh-TW" dirty="0"/>
-          </a:p>
-          <a:p>
-            <a:pPr marL="457200" lvl="1" indent="0">
-              <a:lnSpc>
-                <a:spcPct val="150000"/>
-              </a:lnSpc>
-              <a:buNone/>
-            </a:pPr>
-            <a:endParaRPr lang="en-US" altLang="zh-TW" dirty="0"/>
+              <a:t>這些觀念將引導透過</a:t>
+            </a:r>
+            <a:r>
+              <a:rPr lang="en-US" altLang="zh-TW" sz="2400" dirty="0">
+                <a:solidFill>
+                  <a:srgbClr val="FF0000"/>
+                </a:solidFill>
+              </a:rPr>
+              <a:t>HW Debug </a:t>
+            </a:r>
+            <a:r>
+              <a:rPr lang="zh-TW" altLang="en-US" sz="2400" dirty="0">
+                <a:solidFill>
+                  <a:srgbClr val="FF0000"/>
+                </a:solidFill>
+              </a:rPr>
+              <a:t>並搭配</a:t>
+            </a:r>
+            <a:r>
+              <a:rPr lang="en-US" altLang="zh-TW" sz="2400" dirty="0">
+                <a:solidFill>
+                  <a:srgbClr val="FF0000"/>
+                </a:solidFill>
+              </a:rPr>
+              <a:t>Logic Analyzer</a:t>
+            </a:r>
+            <a:r>
+              <a:rPr lang="zh-TW" altLang="en-US" sz="2400" dirty="0">
+                <a:solidFill>
+                  <a:srgbClr val="FF0000"/>
+                </a:solidFill>
+              </a:rPr>
+              <a:t> 來重現硬體看到的數據。</a:t>
+            </a:r>
+            <a:endParaRPr lang="en-US" altLang="zh-TW" dirty="0">
+              <a:solidFill>
+                <a:srgbClr val="FF0000"/>
+              </a:solidFill>
+            </a:endParaRPr>
           </a:p>
         </p:txBody>
       </p:sp>
     </p:spTree>
     <p:extLst>
       <p:ext uri="{BB962C8B-B14F-4D97-AF65-F5344CB8AC3E}">
-        <p14:creationId xmlns:p14="http://schemas.microsoft.com/office/powerpoint/2010/main" val="263751651"/>
+        <p14:creationId xmlns:p14="http://schemas.microsoft.com/office/powerpoint/2010/main" val="3530819276"/>
       </p:ext>
     </p:extLst>
   </p:cSld>
@@ -8321,7 +8899,7 @@
           <p:cNvPr id="2" name="標題 1">
             <a:extLst>
               <a:ext uri="{FF2B5EF4-FFF2-40B4-BE49-F238E27FC236}">
-                <a16:creationId xmlns:a16="http://schemas.microsoft.com/office/drawing/2014/main" id="{36663CA0-2783-4A34-8C5A-24686BD0A02B}"/>
+                <a16:creationId xmlns:a16="http://schemas.microsoft.com/office/drawing/2014/main" id="{BBB26775-9394-2453-68A3-4153CA5AB1DE}"/>
               </a:ext>
             </a:extLst>
           </p:cNvPr>
@@ -8339,9 +8917,21 @@
           <a:p>
             <a:pPr algn="ctr"/>
             <a:r>
-              <a:rPr lang="zh-TW" altLang="en-US" dirty="0"/>
-              <a:t>主要遇到的問題</a:t>
-            </a:r>
+              <a:rPr lang="en-US" altLang="zh-TW"/>
+              <a:t>ADC</a:t>
+            </a:r>
+            <a:r>
+              <a:rPr lang="zh-TW" altLang="en-US"/>
+              <a:t> 數位架構 </a:t>
+            </a:r>
+            <a:br>
+              <a:rPr lang="en-US" altLang="zh-TW"/>
+            </a:br>
+            <a:r>
+              <a:rPr lang="en-US" altLang="zh-TW"/>
+              <a:t>Solve Issue List</a:t>
+            </a:r>
+            <a:endParaRPr lang="zh-TW" altLang="en-US"/>
           </a:p>
         </p:txBody>
       </p:sp>
@@ -8350,7 +8940,7 @@
           <p:cNvPr id="3" name="內容版面配置區 2">
             <a:extLst>
               <a:ext uri="{FF2B5EF4-FFF2-40B4-BE49-F238E27FC236}">
-                <a16:creationId xmlns:a16="http://schemas.microsoft.com/office/drawing/2014/main" id="{4EB3A3B7-3819-4E07-A5DF-C15C993A0B95}"/>
+                <a16:creationId xmlns:a16="http://schemas.microsoft.com/office/drawing/2014/main" id="{E9CBEAFF-0249-DA81-8F0C-2F0068F87BB0}"/>
               </a:ext>
             </a:extLst>
           </p:cNvPr>
@@ -8365,24 +8955,6 @@
         <p:txBody>
           <a:bodyPr/>
           <a:lstStyle/>
-          <a:p>
-            <a:pPr marL="0" indent="0">
-              <a:buNone/>
-            </a:pPr>
-            <a:r>
-              <a:rPr lang="zh-TW" altLang="en-US" dirty="0">
-                <a:solidFill>
-                  <a:schemeClr val="accent1"/>
-                </a:solidFill>
-              </a:rPr>
-              <a:t>問題</a:t>
-            </a:r>
-            <a:endParaRPr lang="en-US" altLang="zh-TW" dirty="0">
-              <a:solidFill>
-                <a:schemeClr val="accent1"/>
-              </a:solidFill>
-            </a:endParaRPr>
-          </a:p>
           <a:p>
             <a:pPr marL="514350" indent="-514350">
               <a:buAutoNum type="arabicPeriod"/>
@@ -8394,124 +8966,123 @@
               <a:buAutoNum type="arabicPeriod"/>
             </a:pPr>
             <a:r>
-              <a:rPr lang="zh-TW" altLang="en-US" sz="2400" dirty="0">
-                <a:hlinkClick r:id="rId3" action="ppaction://hlinksldjump"/>
-              </a:rPr>
-              <a:t>傳輸問題 </a:t>
-            </a:r>
-            <a:r>
-              <a:rPr lang="en-US" altLang="zh-TW" sz="2400" dirty="0"/>
-              <a:t>:</a:t>
-            </a:r>
-            <a:r>
-              <a:rPr lang="zh-TW" altLang="en-US" sz="2400" dirty="0"/>
+              <a:rPr lang="zh-TW" altLang="en-US" dirty="0"/>
+              <a:t>協助調整數位電路的參數</a:t>
+            </a:r>
+            <a:endParaRPr lang="en-US" altLang="zh-TW" dirty="0"/>
+          </a:p>
+          <a:p>
+            <a:pPr marL="514350" indent="-514350">
+              <a:buAutoNum type="arabicPeriod"/>
+            </a:pPr>
+            <a:endParaRPr lang="en-US" altLang="zh-TW" dirty="0"/>
+          </a:p>
+          <a:p>
+            <a:pPr marL="514350" indent="-514350">
+              <a:buAutoNum type="arabicPeriod"/>
+            </a:pPr>
+            <a:r>
+              <a:rPr lang="en-US" altLang="zh-TW" dirty="0"/>
+              <a:t>USI2.0 Platform </a:t>
+            </a:r>
+            <a:r>
+              <a:rPr lang="zh-TW" altLang="en-US" dirty="0"/>
+              <a:t>漏打</a:t>
+            </a:r>
+            <a:r>
+              <a:rPr lang="en-US" altLang="zh-TW" dirty="0"/>
+              <a:t>1us</a:t>
+            </a:r>
+            <a:r>
+              <a:rPr lang="zh-TW" altLang="en-US" dirty="0"/>
+              <a:t>問題</a:t>
+            </a:r>
+            <a:endParaRPr lang="en-US" altLang="zh-TW" dirty="0"/>
+          </a:p>
+          <a:p>
+            <a:pPr marL="514350" indent="-514350">
+              <a:buAutoNum type="arabicPeriod"/>
+            </a:pPr>
+            <a:endParaRPr lang="en-US" altLang="zh-TW" dirty="0"/>
+          </a:p>
+          <a:p>
+            <a:pPr marL="514350" indent="-514350">
+              <a:buAutoNum type="arabicPeriod"/>
+            </a:pPr>
+            <a:r>
+              <a:rPr lang="zh-TW" altLang="en-US" dirty="0"/>
+              <a:t>模擬 </a:t>
+            </a:r>
+            <a:r>
+              <a:rPr lang="en-US" altLang="zh-TW" dirty="0"/>
+              <a:t>HPF</a:t>
+            </a:r>
+            <a:r>
+              <a:rPr lang="zh-TW" altLang="en-US" dirty="0"/>
               <a:t> </a:t>
             </a:r>
-            <a:endParaRPr lang="en-US" altLang="zh-TW" sz="2400" dirty="0"/>
-          </a:p>
-          <a:p>
-            <a:pPr marL="457200" lvl="1" indent="0">
-              <a:buNone/>
+            <a:r>
+              <a:rPr lang="en-US" altLang="zh-TW" dirty="0"/>
+              <a:t>filter + Schmitt </a:t>
+            </a:r>
+            <a:r>
+              <a:rPr lang="en-US" altLang="zh-TW" dirty="0" err="1"/>
+              <a:t>triger</a:t>
+            </a:r>
+            <a:r>
+              <a:rPr lang="zh-TW" altLang="en-US" dirty="0"/>
+              <a:t>電路</a:t>
+            </a:r>
+            <a:r>
+              <a:rPr lang="en-US" altLang="zh-TW" dirty="0"/>
+              <a:t>Decode</a:t>
+            </a:r>
+            <a:r>
+              <a:rPr lang="zh-TW" altLang="en-US" dirty="0"/>
+              <a:t>結果</a:t>
+            </a:r>
+            <a:endParaRPr lang="en-US" altLang="zh-TW" dirty="0"/>
+          </a:p>
+          <a:p>
+            <a:pPr marL="514350" indent="-514350">
+              <a:buAutoNum type="arabicPeriod"/>
             </a:pPr>
-            <a:r>
-              <a:rPr lang="en-US" altLang="zh-TW" sz="2000" dirty="0"/>
-              <a:t>1.  Set UART</a:t>
-            </a:r>
-            <a:r>
-              <a:rPr lang="zh-TW" altLang="en-US" sz="2000" dirty="0"/>
+            <a:endParaRPr lang="en-US" altLang="zh-TW" dirty="0"/>
+          </a:p>
+          <a:p>
+            <a:pPr marL="514350" indent="-514350">
+              <a:buAutoNum type="arabicPeriod"/>
+            </a:pPr>
+            <a:r>
+              <a:rPr lang="en-US" altLang="zh-TW" dirty="0"/>
+              <a:t>AGC</a:t>
+            </a:r>
+            <a:r>
+              <a:rPr lang="zh-TW" altLang="en-US" dirty="0"/>
               <a:t> </a:t>
             </a:r>
             <a:r>
-              <a:rPr lang="en-US" altLang="zh-TW" sz="2000" dirty="0"/>
-              <a:t>RX</a:t>
-            </a:r>
-            <a:r>
-              <a:rPr lang="zh-TW" altLang="en-US" sz="2000" dirty="0"/>
-              <a:t> </a:t>
-            </a:r>
-            <a:r>
-              <a:rPr lang="en-US" altLang="zh-TW" sz="2000" dirty="0"/>
-              <a:t>Setting </a:t>
-            </a:r>
-            <a:r>
-              <a:rPr lang="zh-TW" altLang="en-US" sz="2000" dirty="0"/>
-              <a:t>以及 </a:t>
-            </a:r>
-            <a:r>
-              <a:rPr lang="en-US" altLang="zh-TW" sz="2000" dirty="0"/>
+              <a:rPr lang="en-US" altLang="zh-TW" dirty="0"/>
               <a:t>Flow </a:t>
             </a:r>
             <a:r>
-              <a:rPr lang="zh-TW" altLang="en-US" sz="2000" dirty="0"/>
-              <a:t>規劃</a:t>
-            </a:r>
-            <a:endParaRPr lang="en-US" altLang="zh-TW" sz="2000" dirty="0"/>
-          </a:p>
-          <a:p>
-            <a:pPr marL="0" indent="0">
-              <a:buNone/>
+              <a:rPr lang="zh-TW" altLang="en-US" dirty="0"/>
+              <a:t>建構模擬</a:t>
+            </a:r>
+            <a:endParaRPr lang="en-US" altLang="zh-TW" dirty="0"/>
+          </a:p>
+          <a:p>
+            <a:pPr marL="514350" indent="-514350">
+              <a:buAutoNum type="arabicPeriod"/>
             </a:pPr>
-            <a:endParaRPr lang="en-US" altLang="zh-TW" sz="2400" dirty="0"/>
-          </a:p>
-          <a:p>
-            <a:pPr marL="457200" indent="-457200">
-              <a:buAutoNum type="arabicPeriod" startAt="2"/>
-            </a:pPr>
-            <a:r>
-              <a:rPr lang="zh-TW" altLang="en-US" sz="2400" dirty="0">
-                <a:hlinkClick r:id="rId4" action="ppaction://hlinksldjump"/>
-              </a:rPr>
-              <a:t>最接近顏色</a:t>
-            </a:r>
-            <a:r>
-              <a:rPr lang="en-US" altLang="zh-TW" sz="2400" dirty="0"/>
-              <a:t>:</a:t>
-            </a:r>
-          </a:p>
-          <a:p>
-            <a:pPr marL="914400" lvl="1" indent="-457200">
-              <a:buAutoNum type="arabicPeriod" startAt="2"/>
-            </a:pPr>
-            <a:r>
-              <a:rPr lang="zh-TW" altLang="en-US" sz="2000" dirty="0"/>
-              <a:t>筆的</a:t>
-            </a:r>
-            <a:r>
-              <a:rPr lang="en-US" altLang="zh-TW" sz="2000" dirty="0" err="1"/>
-              <a:t>Protocal</a:t>
-            </a:r>
-            <a:r>
-              <a:rPr lang="en-US" altLang="zh-TW" sz="2000" dirty="0"/>
-              <a:t> </a:t>
-            </a:r>
-            <a:r>
-              <a:rPr lang="zh-TW" altLang="en-US" sz="2000" dirty="0"/>
-              <a:t>定義的顏色只佔</a:t>
-            </a:r>
-            <a:r>
-              <a:rPr lang="en-US" altLang="zh-TW" sz="2000" dirty="0"/>
-              <a:t>RGB</a:t>
-            </a:r>
-            <a:r>
-              <a:rPr lang="zh-TW" altLang="en-US" sz="2000" dirty="0"/>
-              <a:t>裡面</a:t>
-            </a:r>
-            <a:r>
-              <a:rPr lang="en-US" altLang="zh-TW" sz="2000" dirty="0"/>
-              <a:t>200</a:t>
-            </a:r>
-            <a:r>
-              <a:rPr lang="zh-TW" altLang="en-US" sz="2000" dirty="0"/>
-              <a:t>多個</a:t>
-            </a:r>
-            <a:endParaRPr lang="en-US" altLang="zh-TW" dirty="0"/>
+            <a:endParaRPr lang="zh-TW" altLang="en-US" dirty="0"/>
           </a:p>
         </p:txBody>
       </p:sp>
     </p:spTree>
     <p:extLst>
       <p:ext uri="{BB962C8B-B14F-4D97-AF65-F5344CB8AC3E}">
-        <p14:creationId xmlns:p14="http://schemas.microsoft.com/office/powerpoint/2010/main" val="2576856385"/>
+        <p14:creationId xmlns:p14="http://schemas.microsoft.com/office/powerpoint/2010/main" val="2435015946"/>
       </p:ext>
     </p:extLst>
   </p:cSld>
@@ -8543,7 +9114,7 @@
           <p:cNvPr id="2" name="標題 1">
             <a:extLst>
               <a:ext uri="{FF2B5EF4-FFF2-40B4-BE49-F238E27FC236}">
-                <a16:creationId xmlns:a16="http://schemas.microsoft.com/office/drawing/2014/main" id="{FEDEBC06-C75E-5899-979E-C29912B4A68E}"/>
+                <a16:creationId xmlns:a16="http://schemas.microsoft.com/office/drawing/2014/main" id="{65E8AE72-5A2D-7470-9FC9-171422D5E154}"/>
               </a:ext>
             </a:extLst>
           </p:cNvPr>
@@ -8561,10 +9132,9 @@
           <a:p>
             <a:pPr algn="ctr"/>
             <a:r>
-              <a:rPr lang="en-US" altLang="zh-TW" dirty="0"/>
-              <a:t>UART RX Setting</a:t>
-            </a:r>
-            <a:endParaRPr lang="zh-TW" altLang="en-US" dirty="0"/>
+              <a:rPr lang="zh-TW" altLang="en-US" dirty="0"/>
+              <a:t>主要引入內容</a:t>
+            </a:r>
           </a:p>
         </p:txBody>
       </p:sp>
@@ -8573,7 +9143,7 @@
           <p:cNvPr id="3" name="內容版面配置區 2">
             <a:extLst>
               <a:ext uri="{FF2B5EF4-FFF2-40B4-BE49-F238E27FC236}">
-                <a16:creationId xmlns:a16="http://schemas.microsoft.com/office/drawing/2014/main" id="{D33F5725-65BC-FF79-0EEB-A34DF7904932}"/>
+                <a16:creationId xmlns:a16="http://schemas.microsoft.com/office/drawing/2014/main" id="{C18B1BEB-3685-BE76-3863-7C04E8FF958A}"/>
               </a:ext>
             </a:extLst>
           </p:cNvPr>
@@ -8586,79 +9156,110 @@
         </p:nvSpPr>
         <p:spPr/>
         <p:txBody>
-          <a:bodyPr>
-            <a:normAutofit/>
-          </a:bodyPr>
-          <a:lstStyle/>
-          <a:p>
-            <a:pPr marL="514350" indent="-514350">
+          <a:bodyPr/>
+          <a:lstStyle/>
+          <a:p>
+            <a:pPr marL="0" indent="0">
+              <a:buNone/>
+            </a:pPr>
+            <a:r>
+              <a:rPr lang="zh-TW" altLang="en-US" dirty="0"/>
+              <a:t>內容 </a:t>
+            </a:r>
+            <a:r>
+              <a:rPr lang="en-US" altLang="zh-TW" dirty="0"/>
+              <a:t>:</a:t>
+            </a:r>
+            <a:r>
+              <a:rPr lang="zh-TW" altLang="en-US" dirty="0"/>
+              <a:t> </a:t>
+            </a:r>
+            <a:endParaRPr lang="en-US" altLang="zh-TW" dirty="0"/>
+          </a:p>
+          <a:p>
+            <a:pPr marL="0" indent="0">
+              <a:buNone/>
+            </a:pPr>
+            <a:endParaRPr lang="en-US" altLang="zh-TW" dirty="0"/>
+          </a:p>
+          <a:p>
+            <a:pPr marL="457200" indent="-457200">
               <a:buAutoNum type="arabicPeriod"/>
             </a:pPr>
             <a:r>
-              <a:rPr lang="en-US" altLang="zh-TW" sz="2000" dirty="0"/>
-              <a:t>UART</a:t>
-            </a:r>
-            <a:r>
-              <a:rPr lang="zh-TW" altLang="en-US" sz="2000" dirty="0"/>
-              <a:t> </a:t>
-            </a:r>
-            <a:r>
-              <a:rPr lang="en-US" altLang="zh-TW" sz="2000" dirty="0"/>
-              <a:t>RX</a:t>
-            </a:r>
-            <a:r>
-              <a:rPr lang="zh-TW" altLang="en-US" sz="2000" dirty="0"/>
-              <a:t> 使用</a:t>
-            </a:r>
-            <a:r>
-              <a:rPr lang="en-US" altLang="zh-TW" sz="2000" dirty="0"/>
-              <a:t>FIFO</a:t>
-            </a:r>
-            <a:r>
-              <a:rPr lang="zh-TW" altLang="en-US" sz="2000" dirty="0"/>
-              <a:t> 架構、這個</a:t>
-            </a:r>
-            <a:r>
-              <a:rPr lang="en-US" altLang="zh-TW" sz="2000" dirty="0"/>
-              <a:t>FIFO</a:t>
-            </a:r>
-            <a:r>
-              <a:rPr lang="zh-TW" altLang="en-US" sz="2000" dirty="0"/>
-              <a:t>架構是被封裝過。</a:t>
-            </a:r>
-            <a:endParaRPr lang="en-US" altLang="zh-TW" sz="2000" dirty="0"/>
-          </a:p>
-          <a:p>
-            <a:pPr marL="514350" indent="-514350">
+              <a:rPr lang="en-US" altLang="zh-TW" sz="2400" dirty="0"/>
+              <a:t>Analog Circuit (</a:t>
+            </a:r>
+            <a:r>
+              <a:rPr lang="zh-TW" altLang="en-US" sz="2400" dirty="0"/>
+              <a:t>* 可斟酌講解</a:t>
+            </a:r>
+            <a:r>
+              <a:rPr lang="en-US" altLang="zh-TW" sz="2400" dirty="0"/>
+              <a:t>)</a:t>
+            </a:r>
+          </a:p>
+          <a:p>
+            <a:pPr marL="457200" indent="-457200">
               <a:buAutoNum type="arabicPeriod"/>
             </a:pPr>
-            <a:endParaRPr lang="en-US" altLang="zh-TW" sz="2000" dirty="0"/>
-          </a:p>
-          <a:p>
-            <a:pPr marL="514350" indent="-514350">
+            <a:endParaRPr lang="en-US" altLang="zh-TW" sz="2400" dirty="0"/>
+          </a:p>
+          <a:p>
+            <a:pPr marL="457200" indent="-457200">
               <a:buAutoNum type="arabicPeriod"/>
             </a:pPr>
-            <a:endParaRPr lang="en-US" altLang="zh-TW" sz="2000" dirty="0"/>
-          </a:p>
-          <a:p>
-            <a:pPr marL="514350" indent="-514350">
+            <a:r>
+              <a:rPr lang="en-US" altLang="zh-TW" sz="2400" dirty="0"/>
+              <a:t>ADC</a:t>
+            </a:r>
+            <a:r>
+              <a:rPr lang="zh-TW" altLang="en-US" sz="2400" dirty="0"/>
+              <a:t> 電路</a:t>
+            </a:r>
+            <a:endParaRPr lang="en-US" altLang="zh-TW" sz="2400" dirty="0"/>
+          </a:p>
+          <a:p>
+            <a:pPr marL="457200" indent="-457200">
               <a:buAutoNum type="arabicPeriod"/>
             </a:pPr>
-            <a:r>
-              <a:rPr lang="en-US" altLang="zh-TW" sz="2000" dirty="0"/>
-              <a:t>UART RX</a:t>
-            </a:r>
-            <a:r>
-              <a:rPr lang="zh-TW" altLang="en-US" sz="2000" dirty="0"/>
-              <a:t> 中斷硬體設計</a:t>
-            </a:r>
+            <a:endParaRPr lang="en-US" altLang="zh-TW" sz="2400" dirty="0"/>
+          </a:p>
+          <a:p>
+            <a:pPr marL="457200" indent="-457200">
+              <a:buAutoNum type="arabicPeriod"/>
+            </a:pPr>
+            <a:r>
+              <a:rPr lang="en-US" altLang="zh-TW" sz="2400" dirty="0"/>
+              <a:t>Debug </a:t>
+            </a:r>
+            <a:r>
+              <a:rPr lang="zh-TW" altLang="en-US" sz="2400" dirty="0"/>
+              <a:t>傳換成 </a:t>
+            </a:r>
+            <a:r>
+              <a:rPr lang="en-US" altLang="zh-TW" sz="2400" dirty="0"/>
+              <a:t>Data</a:t>
+            </a:r>
+          </a:p>
+          <a:p>
+            <a:pPr marL="457200" indent="-457200">
+              <a:buAutoNum type="arabicPeriod"/>
+            </a:pPr>
+            <a:endParaRPr lang="en-US" altLang="zh-TW" sz="2400" dirty="0"/>
+          </a:p>
+          <a:p>
+            <a:pPr marL="457200" indent="-457200">
+              <a:buAutoNum type="arabicPeriod"/>
+            </a:pPr>
+            <a:endParaRPr lang="en-US" altLang="zh-TW" sz="2400" dirty="0"/>
           </a:p>
         </p:txBody>
       </p:sp>
     </p:spTree>
     <p:extLst>
       <p:ext uri="{BB962C8B-B14F-4D97-AF65-F5344CB8AC3E}">
-        <p14:creationId xmlns:p14="http://schemas.microsoft.com/office/powerpoint/2010/main" val="3743749783"/>
+        <p14:creationId xmlns:p14="http://schemas.microsoft.com/office/powerpoint/2010/main" val="3195819143"/>
       </p:ext>
     </p:extLst>
   </p:cSld>
@@ -8690,7 +9291,7 @@
           <p:cNvPr id="2" name="標題 1">
             <a:extLst>
               <a:ext uri="{FF2B5EF4-FFF2-40B4-BE49-F238E27FC236}">
-                <a16:creationId xmlns:a16="http://schemas.microsoft.com/office/drawing/2014/main" id="{FEDEBC06-C75E-5899-979E-C29912B4A68E}"/>
+                <a16:creationId xmlns:a16="http://schemas.microsoft.com/office/drawing/2014/main" id="{9C380BAC-4170-00D1-9731-39BB4FD33DE3}"/>
               </a:ext>
             </a:extLst>
           </p:cNvPr>
@@ -8709,7 +9310,7 @@
             <a:pPr algn="ctr"/>
             <a:r>
               <a:rPr lang="en-US" altLang="zh-TW" dirty="0"/>
-              <a:t>UART RX Setting</a:t>
+              <a:t>Analog Circuit</a:t>
             </a:r>
             <a:endParaRPr lang="zh-TW" altLang="en-US" dirty="0"/>
           </a:p>
@@ -8720,7 +9321,7 @@
           <p:cNvPr id="3" name="內容版面配置區 2">
             <a:extLst>
               <a:ext uri="{FF2B5EF4-FFF2-40B4-BE49-F238E27FC236}">
-                <a16:creationId xmlns:a16="http://schemas.microsoft.com/office/drawing/2014/main" id="{D33F5725-65BC-FF79-0EEB-A34DF7904932}"/>
+                <a16:creationId xmlns:a16="http://schemas.microsoft.com/office/drawing/2014/main" id="{95D76BEA-0EF3-AAE4-F26C-AECA17900E0C}"/>
               </a:ext>
             </a:extLst>
           </p:cNvPr>
@@ -8733,66 +9334,690 @@
         </p:nvSpPr>
         <p:spPr/>
         <p:txBody>
-          <a:bodyPr>
-            <a:normAutofit/>
-          </a:bodyPr>
+          <a:bodyPr/>
           <a:lstStyle/>
           <a:p>
             <a:pPr marL="0" indent="0">
               <a:buNone/>
             </a:pPr>
             <a:r>
-              <a:rPr lang="zh-TW" altLang="en-US" sz="2000" dirty="0"/>
-              <a:t>總結 </a:t>
-            </a:r>
-            <a:r>
-              <a:rPr lang="en-US" altLang="zh-TW" sz="2000" dirty="0"/>
-              <a:t>:</a:t>
-            </a:r>
-            <a:r>
-              <a:rPr lang="zh-TW" altLang="en-US" sz="2000" dirty="0"/>
-              <a:t> </a:t>
-            </a:r>
-            <a:r>
-              <a:rPr lang="en-US" altLang="zh-TW" sz="2000" dirty="0"/>
-              <a:t> </a:t>
-            </a:r>
-            <a:r>
-              <a:rPr lang="zh-TW" altLang="en-US" sz="2000" dirty="0"/>
-              <a:t>由於使用情況是使用者隨時可能會去觸動後發</a:t>
-            </a:r>
-            <a:r>
-              <a:rPr lang="en-US" altLang="zh-TW" sz="2000" dirty="0"/>
-              <a:t>Sensor</a:t>
-            </a:r>
-            <a:r>
-              <a:rPr lang="zh-TW" altLang="en-US" sz="2000" dirty="0"/>
-              <a:t>、筆本身還要</a:t>
-            </a:r>
-            <a:r>
-              <a:rPr lang="en-US" altLang="zh-TW" sz="2000" dirty="0"/>
-              <a:t>Decode </a:t>
-            </a:r>
-            <a:r>
-              <a:rPr lang="zh-TW" altLang="en-US" sz="2000" dirty="0"/>
-              <a:t>訊號，因此中斷是最佳方法，</a:t>
-            </a:r>
-            <a:r>
-              <a:rPr lang="en-US" altLang="zh-TW" sz="2000" dirty="0"/>
-              <a:t>Polling </a:t>
-            </a:r>
-            <a:r>
-              <a:rPr lang="zh-TW" altLang="en-US" sz="2000" dirty="0"/>
-              <a:t>去偵測就不是好方法並且耗電</a:t>
-            </a:r>
-            <a:endParaRPr lang="en-US" altLang="zh-TW" sz="2000" dirty="0"/>
+              <a:rPr lang="zh-TW" altLang="en-US" dirty="0"/>
+              <a:t>簡易示意圖</a:t>
+            </a:r>
+          </a:p>
+        </p:txBody>
+      </p:sp>
+      <p:sp>
+        <p:nvSpPr>
+          <p:cNvPr id="4" name="等腰三角形 3">
+            <a:extLst>
+              <a:ext uri="{FF2B5EF4-FFF2-40B4-BE49-F238E27FC236}">
+                <a16:creationId xmlns:a16="http://schemas.microsoft.com/office/drawing/2014/main" id="{F6EF1EDC-DCD5-EBED-9D97-98C048F1B2EB}"/>
+              </a:ext>
+            </a:extLst>
+          </p:cNvPr>
+          <p:cNvSpPr/>
+          <p:nvPr/>
+        </p:nvSpPr>
+        <p:spPr>
+          <a:xfrm rot="5460000">
+            <a:off x="5455190" y="2948953"/>
+            <a:ext cx="1254868" cy="1410510"/>
+          </a:xfrm>
+          <a:prstGeom prst="triangle">
+            <a:avLst/>
+          </a:prstGeom>
+          <a:scene3d>
+            <a:camera prst="orthographicFront">
+              <a:rot lat="0" lon="20999994" rev="0"/>
+            </a:camera>
+            <a:lightRig rig="threePt" dir="t"/>
+          </a:scene3d>
+          <a:sp3d/>
+        </p:spPr>
+        <p:style>
+          <a:lnRef idx="2">
+            <a:schemeClr val="accent1">
+              <a:shade val="50000"/>
+            </a:schemeClr>
+          </a:lnRef>
+          <a:fillRef idx="1">
+            <a:schemeClr val="accent1"/>
+          </a:fillRef>
+          <a:effectRef idx="0">
+            <a:schemeClr val="accent1"/>
+          </a:effectRef>
+          <a:fontRef idx="minor">
+            <a:schemeClr val="lt1"/>
+          </a:fontRef>
+        </p:style>
+        <p:txBody>
+          <a:bodyPr rtlCol="0" anchor="ctr">
+            <a:scene3d>
+              <a:camera prst="orthographicFront">
+                <a:rot lat="103664" lon="21008938" rev="591066"/>
+              </a:camera>
+              <a:lightRig rig="threePt" dir="t"/>
+            </a:scene3d>
+            <a:flatTx/>
+          </a:bodyPr>
+          <a:lstStyle/>
+          <a:p>
+            <a:pPr algn="ctr"/>
+            <a:endParaRPr lang="zh-TW" altLang="en-US" dirty="0"/>
+          </a:p>
+        </p:txBody>
+      </p:sp>
+      <p:cxnSp>
+        <p:nvCxnSpPr>
+          <p:cNvPr id="6" name="直線接點 5">
+            <a:extLst>
+              <a:ext uri="{FF2B5EF4-FFF2-40B4-BE49-F238E27FC236}">
+                <a16:creationId xmlns:a16="http://schemas.microsoft.com/office/drawing/2014/main" id="{8E684D5B-8F3F-CF2D-DECD-252AEF5A45AD}"/>
+              </a:ext>
+            </a:extLst>
+          </p:cNvPr>
+          <p:cNvCxnSpPr>
+            <a:cxnSpLocks/>
+          </p:cNvCxnSpPr>
+          <p:nvPr/>
+        </p:nvCxnSpPr>
+        <p:spPr>
+          <a:xfrm>
+            <a:off x="3696510" y="3266871"/>
+            <a:ext cx="2146570" cy="0"/>
+          </a:xfrm>
+          <a:prstGeom prst="line">
+            <a:avLst/>
+          </a:prstGeom>
+        </p:spPr>
+        <p:style>
+          <a:lnRef idx="1">
+            <a:schemeClr val="accent1"/>
+          </a:lnRef>
+          <a:fillRef idx="0">
+            <a:schemeClr val="accent1"/>
+          </a:fillRef>
+          <a:effectRef idx="0">
+            <a:schemeClr val="accent1"/>
+          </a:effectRef>
+          <a:fontRef idx="minor">
+            <a:schemeClr val="tx1"/>
+          </a:fontRef>
+        </p:style>
+      </p:cxnSp>
+      <p:cxnSp>
+        <p:nvCxnSpPr>
+          <p:cNvPr id="7" name="直線接點 6">
+            <a:extLst>
+              <a:ext uri="{FF2B5EF4-FFF2-40B4-BE49-F238E27FC236}">
+                <a16:creationId xmlns:a16="http://schemas.microsoft.com/office/drawing/2014/main" id="{9858C2DE-0FB4-C090-5CDE-83E1E3076644}"/>
+              </a:ext>
+            </a:extLst>
+          </p:cNvPr>
+          <p:cNvCxnSpPr>
+            <a:cxnSpLocks/>
+          </p:cNvCxnSpPr>
+          <p:nvPr/>
+        </p:nvCxnSpPr>
+        <p:spPr>
+          <a:xfrm flipV="1">
+            <a:off x="3521413" y="4001294"/>
+            <a:ext cx="2321667" cy="16213"/>
+          </a:xfrm>
+          <a:prstGeom prst="line">
+            <a:avLst/>
+          </a:prstGeom>
+        </p:spPr>
+        <p:style>
+          <a:lnRef idx="1">
+            <a:schemeClr val="accent1"/>
+          </a:lnRef>
+          <a:fillRef idx="0">
+            <a:schemeClr val="accent1"/>
+          </a:fillRef>
+          <a:effectRef idx="0">
+            <a:schemeClr val="accent1"/>
+          </a:effectRef>
+          <a:fontRef idx="minor">
+            <a:schemeClr val="tx1"/>
+          </a:fontRef>
+        </p:style>
+      </p:cxnSp>
+      <p:sp>
+        <p:nvSpPr>
+          <p:cNvPr id="10" name="矩形: 圓角 9">
+            <a:extLst>
+              <a:ext uri="{FF2B5EF4-FFF2-40B4-BE49-F238E27FC236}">
+                <a16:creationId xmlns:a16="http://schemas.microsoft.com/office/drawing/2014/main" id="{51B1CA0D-D525-3B43-9DE8-5401C2A10DA9}"/>
+              </a:ext>
+            </a:extLst>
+          </p:cNvPr>
+          <p:cNvSpPr/>
+          <p:nvPr/>
+        </p:nvSpPr>
+        <p:spPr>
+          <a:xfrm>
+            <a:off x="1828800" y="3429000"/>
+            <a:ext cx="1867710" cy="1614788"/>
+          </a:xfrm>
+          <a:prstGeom prst="roundRect">
+            <a:avLst/>
+          </a:prstGeom>
+          <a:solidFill>
+            <a:srgbClr val="92D050"/>
+          </a:solidFill>
+        </p:spPr>
+        <p:style>
+          <a:lnRef idx="2">
+            <a:schemeClr val="accent1">
+              <a:shade val="50000"/>
+            </a:schemeClr>
+          </a:lnRef>
+          <a:fillRef idx="1">
+            <a:schemeClr val="accent1"/>
+          </a:fillRef>
+          <a:effectRef idx="0">
+            <a:schemeClr val="accent1"/>
+          </a:effectRef>
+          <a:fontRef idx="minor">
+            <a:schemeClr val="lt1"/>
+          </a:fontRef>
+        </p:style>
+        <p:txBody>
+          <a:bodyPr rtlCol="0" anchor="ctr"/>
+          <a:lstStyle/>
+          <a:p>
+            <a:pPr algn="ctr"/>
+            <a:r>
+              <a:rPr lang="en-US" altLang="zh-TW" dirty="0"/>
+              <a:t>HPF</a:t>
+            </a:r>
+            <a:endParaRPr lang="zh-TW" altLang="en-US" dirty="0"/>
+          </a:p>
+        </p:txBody>
+      </p:sp>
+      <p:sp>
+        <p:nvSpPr>
+          <p:cNvPr id="15" name="文字方塊 14">
+            <a:extLst>
+              <a:ext uri="{FF2B5EF4-FFF2-40B4-BE49-F238E27FC236}">
+                <a16:creationId xmlns:a16="http://schemas.microsoft.com/office/drawing/2014/main" id="{FE5754EE-9070-5C0F-FC0E-B0AD75324B9E}"/>
+              </a:ext>
+            </a:extLst>
+          </p:cNvPr>
+          <p:cNvSpPr txBox="1"/>
+          <p:nvPr/>
+        </p:nvSpPr>
+        <p:spPr>
+          <a:xfrm>
+            <a:off x="4788441" y="2720146"/>
+            <a:ext cx="885217" cy="369332"/>
+          </a:xfrm>
+          <a:prstGeom prst="rect">
+            <a:avLst/>
+          </a:prstGeom>
+          <a:noFill/>
+        </p:spPr>
+        <p:txBody>
+          <a:bodyPr wrap="square" rtlCol="0">
+            <a:spAutoFit/>
+          </a:bodyPr>
+          <a:lstStyle/>
+          <a:p>
+            <a:r>
+              <a:rPr lang="en-US" altLang="zh-TW" dirty="0" err="1"/>
+              <a:t>Vcm</a:t>
+            </a:r>
+            <a:endParaRPr lang="zh-TW" altLang="en-US" dirty="0"/>
+          </a:p>
+        </p:txBody>
+      </p:sp>
+      <p:cxnSp>
+        <p:nvCxnSpPr>
+          <p:cNvPr id="17" name="直線接點 16">
+            <a:extLst>
+              <a:ext uri="{FF2B5EF4-FFF2-40B4-BE49-F238E27FC236}">
+                <a16:creationId xmlns:a16="http://schemas.microsoft.com/office/drawing/2014/main" id="{24E95C6E-3758-FDFE-CA72-F0959FC060CC}"/>
+              </a:ext>
+            </a:extLst>
+          </p:cNvPr>
+          <p:cNvCxnSpPr/>
+          <p:nvPr/>
+        </p:nvCxnSpPr>
+        <p:spPr>
+          <a:xfrm>
+            <a:off x="838200" y="4095343"/>
+            <a:ext cx="990600" cy="0"/>
+          </a:xfrm>
+          <a:prstGeom prst="line">
+            <a:avLst/>
+          </a:prstGeom>
+        </p:spPr>
+        <p:style>
+          <a:lnRef idx="1">
+            <a:schemeClr val="accent1"/>
+          </a:lnRef>
+          <a:fillRef idx="0">
+            <a:schemeClr val="accent1"/>
+          </a:fillRef>
+          <a:effectRef idx="0">
+            <a:schemeClr val="accent1"/>
+          </a:effectRef>
+          <a:fontRef idx="minor">
+            <a:schemeClr val="tx1"/>
+          </a:fontRef>
+        </p:style>
+      </p:cxnSp>
+      <p:sp>
+        <p:nvSpPr>
+          <p:cNvPr id="20" name="文字方塊 19">
+            <a:extLst>
+              <a:ext uri="{FF2B5EF4-FFF2-40B4-BE49-F238E27FC236}">
+                <a16:creationId xmlns:a16="http://schemas.microsoft.com/office/drawing/2014/main" id="{4E9D71B7-C28D-D15A-C10D-FE987C05ECDF}"/>
+              </a:ext>
+            </a:extLst>
+          </p:cNvPr>
+          <p:cNvSpPr txBox="1"/>
+          <p:nvPr/>
+        </p:nvSpPr>
+        <p:spPr>
+          <a:xfrm>
+            <a:off x="5679533" y="3486047"/>
+            <a:ext cx="1432196" cy="369332"/>
+          </a:xfrm>
+          <a:prstGeom prst="rect">
+            <a:avLst/>
+          </a:prstGeom>
+          <a:noFill/>
+        </p:spPr>
+        <p:txBody>
+          <a:bodyPr wrap="square" rtlCol="0">
+            <a:spAutoFit/>
+          </a:bodyPr>
+          <a:lstStyle/>
+          <a:p>
+            <a:r>
+              <a:rPr lang="en-US" altLang="zh-TW" dirty="0"/>
+              <a:t>PGA</a:t>
+            </a:r>
+            <a:endParaRPr lang="zh-TW" altLang="en-US" dirty="0"/>
+          </a:p>
+        </p:txBody>
+      </p:sp>
+      <p:cxnSp>
+        <p:nvCxnSpPr>
+          <p:cNvPr id="22" name="直線接點 21">
+            <a:extLst>
+              <a:ext uri="{FF2B5EF4-FFF2-40B4-BE49-F238E27FC236}">
+                <a16:creationId xmlns:a16="http://schemas.microsoft.com/office/drawing/2014/main" id="{7678A7EB-66CB-6858-D1F5-3C91D2DF4E72}"/>
+              </a:ext>
+            </a:extLst>
+          </p:cNvPr>
+          <p:cNvCxnSpPr>
+            <a:cxnSpLocks/>
+          </p:cNvCxnSpPr>
+          <p:nvPr/>
+        </p:nvCxnSpPr>
+        <p:spPr>
+          <a:xfrm flipH="1" flipV="1">
+            <a:off x="673100" y="3544458"/>
+            <a:ext cx="165100" cy="550885"/>
+          </a:xfrm>
+          <a:prstGeom prst="line">
+            <a:avLst/>
+          </a:prstGeom>
+        </p:spPr>
+        <p:style>
+          <a:lnRef idx="1">
+            <a:schemeClr val="accent1"/>
+          </a:lnRef>
+          <a:fillRef idx="0">
+            <a:schemeClr val="accent1"/>
+          </a:fillRef>
+          <a:effectRef idx="0">
+            <a:schemeClr val="accent1"/>
+          </a:effectRef>
+          <a:fontRef idx="minor">
+            <a:schemeClr val="tx1"/>
+          </a:fontRef>
+        </p:style>
+      </p:cxnSp>
+      <p:sp>
+        <p:nvSpPr>
+          <p:cNvPr id="25" name="圓形: 空心 24">
+            <a:extLst>
+              <a:ext uri="{FF2B5EF4-FFF2-40B4-BE49-F238E27FC236}">
+                <a16:creationId xmlns:a16="http://schemas.microsoft.com/office/drawing/2014/main" id="{F7A3A0B3-82A2-12EC-AD71-2ADD65056FD7}"/>
+              </a:ext>
+            </a:extLst>
+          </p:cNvPr>
+          <p:cNvSpPr/>
+          <p:nvPr/>
+        </p:nvSpPr>
+        <p:spPr>
+          <a:xfrm>
+            <a:off x="196580" y="3319465"/>
+            <a:ext cx="806720" cy="109535"/>
+          </a:xfrm>
+          <a:prstGeom prst="donut">
+            <a:avLst/>
+          </a:prstGeom>
+        </p:spPr>
+        <p:style>
+          <a:lnRef idx="2">
+            <a:schemeClr val="accent1">
+              <a:shade val="50000"/>
+            </a:schemeClr>
+          </a:lnRef>
+          <a:fillRef idx="1">
+            <a:schemeClr val="accent1"/>
+          </a:fillRef>
+          <a:effectRef idx="0">
+            <a:schemeClr val="accent1"/>
+          </a:effectRef>
+          <a:fontRef idx="minor">
+            <a:schemeClr val="lt1"/>
+          </a:fontRef>
+        </p:style>
+        <p:txBody>
+          <a:bodyPr rtlCol="0" anchor="ctr"/>
+          <a:lstStyle/>
+          <a:p>
+            <a:pPr algn="ctr"/>
+            <a:endParaRPr lang="zh-TW" altLang="en-US">
+              <a:solidFill>
+                <a:schemeClr val="tx1"/>
+              </a:solidFill>
+            </a:endParaRPr>
+          </a:p>
+        </p:txBody>
+      </p:sp>
+      <p:sp>
+        <p:nvSpPr>
+          <p:cNvPr id="26" name="圓形: 空心 25">
+            <a:extLst>
+              <a:ext uri="{FF2B5EF4-FFF2-40B4-BE49-F238E27FC236}">
+                <a16:creationId xmlns:a16="http://schemas.microsoft.com/office/drawing/2014/main" id="{6F3AA86E-1BBE-12B8-59F6-6B2947241A2C}"/>
+              </a:ext>
+            </a:extLst>
+          </p:cNvPr>
+          <p:cNvSpPr/>
+          <p:nvPr/>
+        </p:nvSpPr>
+        <p:spPr>
+          <a:xfrm>
+            <a:off x="494759" y="3486728"/>
+            <a:ext cx="304800" cy="115457"/>
+          </a:xfrm>
+          <a:prstGeom prst="donut">
+            <a:avLst/>
+          </a:prstGeom>
+        </p:spPr>
+        <p:style>
+          <a:lnRef idx="2">
+            <a:schemeClr val="accent1">
+              <a:shade val="50000"/>
+            </a:schemeClr>
+          </a:lnRef>
+          <a:fillRef idx="1">
+            <a:schemeClr val="accent1"/>
+          </a:fillRef>
+          <a:effectRef idx="0">
+            <a:schemeClr val="accent1"/>
+          </a:effectRef>
+          <a:fontRef idx="minor">
+            <a:schemeClr val="lt1"/>
+          </a:fontRef>
+        </p:style>
+        <p:txBody>
+          <a:bodyPr rtlCol="0" anchor="ctr"/>
+          <a:lstStyle/>
+          <a:p>
+            <a:pPr algn="ctr"/>
+            <a:endParaRPr lang="zh-TW" altLang="en-US">
+              <a:solidFill>
+                <a:schemeClr val="tx1"/>
+              </a:solidFill>
+            </a:endParaRPr>
+          </a:p>
+        </p:txBody>
+      </p:sp>
+      <p:sp>
+        <p:nvSpPr>
+          <p:cNvPr id="27" name="圓形: 空心 26">
+            <a:extLst>
+              <a:ext uri="{FF2B5EF4-FFF2-40B4-BE49-F238E27FC236}">
+                <a16:creationId xmlns:a16="http://schemas.microsoft.com/office/drawing/2014/main" id="{B69878EA-651F-8E2B-A1A5-A7949E9C9433}"/>
+              </a:ext>
+            </a:extLst>
+          </p:cNvPr>
+          <p:cNvSpPr/>
+          <p:nvPr/>
+        </p:nvSpPr>
+        <p:spPr>
+          <a:xfrm>
+            <a:off x="362085" y="3403097"/>
+            <a:ext cx="533941" cy="109535"/>
+          </a:xfrm>
+          <a:prstGeom prst="donut">
+            <a:avLst/>
+          </a:prstGeom>
+        </p:spPr>
+        <p:style>
+          <a:lnRef idx="2">
+            <a:schemeClr val="accent1">
+              <a:shade val="50000"/>
+            </a:schemeClr>
+          </a:lnRef>
+          <a:fillRef idx="1">
+            <a:schemeClr val="accent1"/>
+          </a:fillRef>
+          <a:effectRef idx="0">
+            <a:schemeClr val="accent1"/>
+          </a:effectRef>
+          <a:fontRef idx="minor">
+            <a:schemeClr val="lt1"/>
+          </a:fontRef>
+        </p:style>
+        <p:txBody>
+          <a:bodyPr rtlCol="0" anchor="ctr"/>
+          <a:lstStyle/>
+          <a:p>
+            <a:pPr algn="ctr"/>
+            <a:endParaRPr lang="zh-TW" altLang="en-US">
+              <a:solidFill>
+                <a:schemeClr val="tx1"/>
+              </a:solidFill>
+            </a:endParaRPr>
+          </a:p>
+        </p:txBody>
+      </p:sp>
+      <p:sp>
+        <p:nvSpPr>
+          <p:cNvPr id="28" name="文字方塊 27">
+            <a:extLst>
+              <a:ext uri="{FF2B5EF4-FFF2-40B4-BE49-F238E27FC236}">
+                <a16:creationId xmlns:a16="http://schemas.microsoft.com/office/drawing/2014/main" id="{B48ECD8B-F131-258B-EE4F-B6D5647AB81F}"/>
+              </a:ext>
+            </a:extLst>
+          </p:cNvPr>
+          <p:cNvSpPr txBox="1"/>
+          <p:nvPr/>
+        </p:nvSpPr>
+        <p:spPr>
+          <a:xfrm>
+            <a:off x="371070" y="2897539"/>
+            <a:ext cx="895620" cy="369332"/>
+          </a:xfrm>
+          <a:prstGeom prst="rect">
+            <a:avLst/>
+          </a:prstGeom>
+          <a:noFill/>
+        </p:spPr>
+        <p:txBody>
+          <a:bodyPr wrap="square" rtlCol="0">
+            <a:spAutoFit/>
+          </a:bodyPr>
+          <a:lstStyle/>
+          <a:p>
+            <a:r>
+              <a:rPr lang="en-US" altLang="zh-TW" dirty="0"/>
+              <a:t>Ring</a:t>
+            </a:r>
+            <a:endParaRPr lang="zh-TW" altLang="en-US" dirty="0"/>
+          </a:p>
+        </p:txBody>
+      </p:sp>
+      <p:cxnSp>
+        <p:nvCxnSpPr>
+          <p:cNvPr id="30" name="直線接點 29">
+            <a:extLst>
+              <a:ext uri="{FF2B5EF4-FFF2-40B4-BE49-F238E27FC236}">
+                <a16:creationId xmlns:a16="http://schemas.microsoft.com/office/drawing/2014/main" id="{8B24A703-423B-65D3-C354-9F72BBCE4334}"/>
+              </a:ext>
+            </a:extLst>
+          </p:cNvPr>
+          <p:cNvCxnSpPr>
+            <a:cxnSpLocks/>
+            <a:endCxn id="36" idx="3"/>
+          </p:cNvCxnSpPr>
+          <p:nvPr/>
+        </p:nvCxnSpPr>
+        <p:spPr>
+          <a:xfrm flipV="1">
+            <a:off x="6798722" y="3602185"/>
+            <a:ext cx="4593719" cy="52023"/>
+          </a:xfrm>
+          <a:prstGeom prst="line">
+            <a:avLst/>
+          </a:prstGeom>
+        </p:spPr>
+        <p:style>
+          <a:lnRef idx="1">
+            <a:schemeClr val="accent1"/>
+          </a:lnRef>
+          <a:fillRef idx="0">
+            <a:schemeClr val="accent1"/>
+          </a:fillRef>
+          <a:effectRef idx="0">
+            <a:schemeClr val="accent1"/>
+          </a:effectRef>
+          <a:fontRef idx="minor">
+            <a:schemeClr val="tx1"/>
+          </a:fontRef>
+        </p:style>
+      </p:cxnSp>
+      <p:sp>
+        <p:nvSpPr>
+          <p:cNvPr id="32" name="矩形: 圓角 31">
+            <a:extLst>
+              <a:ext uri="{FF2B5EF4-FFF2-40B4-BE49-F238E27FC236}">
+                <a16:creationId xmlns:a16="http://schemas.microsoft.com/office/drawing/2014/main" id="{E164CF2A-F133-DAED-1B4B-2C26CFD06AF7}"/>
+              </a:ext>
+            </a:extLst>
+          </p:cNvPr>
+          <p:cNvSpPr/>
+          <p:nvPr/>
+        </p:nvSpPr>
+        <p:spPr>
+          <a:xfrm>
+            <a:off x="7771893" y="3029675"/>
+            <a:ext cx="1600200" cy="1129460"/>
+          </a:xfrm>
+          <a:prstGeom prst="roundRect">
+            <a:avLst/>
+          </a:prstGeom>
+          <a:solidFill>
+            <a:srgbClr val="FF0000"/>
+          </a:solidFill>
+        </p:spPr>
+        <p:style>
+          <a:lnRef idx="2">
+            <a:schemeClr val="accent1">
+              <a:shade val="50000"/>
+            </a:schemeClr>
+          </a:lnRef>
+          <a:fillRef idx="1">
+            <a:schemeClr val="accent1"/>
+          </a:fillRef>
+          <a:effectRef idx="0">
+            <a:schemeClr val="accent1"/>
+          </a:effectRef>
+          <a:fontRef idx="minor">
+            <a:schemeClr val="lt1"/>
+          </a:fontRef>
+        </p:style>
+        <p:txBody>
+          <a:bodyPr rtlCol="0" anchor="ctr"/>
+          <a:lstStyle/>
+          <a:p>
+            <a:pPr algn="ctr"/>
+            <a:r>
+              <a:rPr lang="en-US" altLang="zh-TW" dirty="0"/>
+              <a:t>ADC</a:t>
+            </a:r>
+            <a:endParaRPr lang="zh-TW" altLang="en-US" dirty="0"/>
+          </a:p>
+        </p:txBody>
+      </p:sp>
+      <p:sp>
+        <p:nvSpPr>
+          <p:cNvPr id="36" name="矩形: 圓角 35">
+            <a:extLst>
+              <a:ext uri="{FF2B5EF4-FFF2-40B4-BE49-F238E27FC236}">
+                <a16:creationId xmlns:a16="http://schemas.microsoft.com/office/drawing/2014/main" id="{AE087517-8C32-BFC3-CA5D-498D46FF5013}"/>
+              </a:ext>
+            </a:extLst>
+          </p:cNvPr>
+          <p:cNvSpPr/>
+          <p:nvPr/>
+        </p:nvSpPr>
+        <p:spPr>
+          <a:xfrm>
+            <a:off x="9646125" y="2962538"/>
+            <a:ext cx="1746316" cy="1279294"/>
+          </a:xfrm>
+          <a:prstGeom prst="roundRect">
+            <a:avLst/>
+          </a:prstGeom>
+        </p:spPr>
+        <p:style>
+          <a:lnRef idx="2">
+            <a:schemeClr val="accent1">
+              <a:shade val="50000"/>
+            </a:schemeClr>
+          </a:lnRef>
+          <a:fillRef idx="1">
+            <a:schemeClr val="accent1"/>
+          </a:fillRef>
+          <a:effectRef idx="0">
+            <a:schemeClr val="accent1"/>
+          </a:effectRef>
+          <a:fontRef idx="minor">
+            <a:schemeClr val="lt1"/>
+          </a:fontRef>
+        </p:style>
+        <p:txBody>
+          <a:bodyPr rtlCol="0" anchor="ctr"/>
+          <a:lstStyle/>
+          <a:p>
+            <a:pPr algn="ctr"/>
+            <a:r>
+              <a:rPr lang="en-US" altLang="zh-TW" dirty="0"/>
+              <a:t>Digital</a:t>
+            </a:r>
+            <a:r>
+              <a:rPr lang="zh-TW" altLang="en-US" dirty="0"/>
+              <a:t>架構</a:t>
+            </a:r>
           </a:p>
         </p:txBody>
       </p:sp>
     </p:spTree>
     <p:extLst>
       <p:ext uri="{BB962C8B-B14F-4D97-AF65-F5344CB8AC3E}">
-        <p14:creationId xmlns:p14="http://schemas.microsoft.com/office/powerpoint/2010/main" val="1764172780"/>
+        <p14:creationId xmlns:p14="http://schemas.microsoft.com/office/powerpoint/2010/main" val="46857524"/>
       </p:ext>
     </p:extLst>
   </p:cSld>
@@ -8824,7 +10049,7 @@
           <p:cNvPr id="2" name="標題 1">
             <a:extLst>
               <a:ext uri="{FF2B5EF4-FFF2-40B4-BE49-F238E27FC236}">
-                <a16:creationId xmlns:a16="http://schemas.microsoft.com/office/drawing/2014/main" id="{DCAF803D-3CAB-3E11-8A90-4D5310A3A5EA}"/>
+                <a16:creationId xmlns:a16="http://schemas.microsoft.com/office/drawing/2014/main" id="{0445FA3F-9593-D51E-AC6B-272A9C3CCA14}"/>
               </a:ext>
             </a:extLst>
           </p:cNvPr>
@@ -8843,7 +10068,7 @@
             <a:pPr algn="ctr"/>
             <a:r>
               <a:rPr lang="en-US" altLang="zh-TW" dirty="0"/>
-              <a:t>UART RX Setting</a:t>
+              <a:t>ADC Sample</a:t>
             </a:r>
             <a:endParaRPr lang="zh-TW" altLang="en-US" dirty="0"/>
           </a:p>
@@ -8854,7 +10079,7 @@
           <p:cNvPr id="3" name="內容版面配置區 2">
             <a:extLst>
               <a:ext uri="{FF2B5EF4-FFF2-40B4-BE49-F238E27FC236}">
-                <a16:creationId xmlns:a16="http://schemas.microsoft.com/office/drawing/2014/main" id="{3B1B8A68-518A-9A03-2325-0016A63D6547}"/>
+                <a16:creationId xmlns:a16="http://schemas.microsoft.com/office/drawing/2014/main" id="{1C6EF090-BA30-ED01-E543-714C9EA31F75}"/>
               </a:ext>
             </a:extLst>
           </p:cNvPr>
@@ -8876,37 +10101,48 @@
             <a:r>
               <a:rPr lang="zh-TW" altLang="en-US" dirty="0">
                 <a:solidFill>
-                  <a:schemeClr val="accent1"/>
+                  <a:srgbClr val="00B0F0"/>
                 </a:solidFill>
               </a:rPr>
-              <a:t>過程中遇到最大問題 </a:t>
-            </a:r>
-            <a:r>
-              <a:rPr lang="en-US" altLang="zh-TW" dirty="0">
-                <a:solidFill>
-                  <a:schemeClr val="accent1"/>
-                </a:solidFill>
-              </a:rPr>
-              <a:t>: </a:t>
-            </a:r>
+              <a:t>問題</a:t>
+            </a:r>
+            <a:endParaRPr lang="en-US" altLang="zh-TW" dirty="0">
+              <a:solidFill>
+                <a:srgbClr val="00B0F0"/>
+              </a:solidFill>
+            </a:endParaRPr>
           </a:p>
           <a:p>
             <a:pPr marL="0" indent="0">
               <a:buNone/>
             </a:pPr>
+            <a:endParaRPr lang="en-US" altLang="zh-TW" dirty="0">
+              <a:solidFill>
+                <a:srgbClr val="00B0F0"/>
+              </a:solidFill>
+            </a:endParaRPr>
+          </a:p>
+          <a:p>
+            <a:pPr marL="514350" indent="-514350">
+              <a:buAutoNum type="arabicPeriod"/>
+            </a:pPr>
+            <a:r>
+              <a:rPr lang="en-US" altLang="zh-TW" sz="2400" dirty="0"/>
+              <a:t>HW</a:t>
+            </a:r>
             <a:r>
               <a:rPr lang="zh-TW" altLang="en-US" sz="2400" dirty="0"/>
-              <a:t>收完</a:t>
+              <a:t> </a:t>
+            </a:r>
+            <a:r>
+              <a:rPr lang="en-US" altLang="zh-TW" sz="2400" dirty="0" err="1"/>
+              <a:t>DebugPort</a:t>
             </a:r>
             <a:r>
               <a:rPr lang="en-US" altLang="zh-TW" sz="2400" dirty="0"/>
-              <a:t>Sensor Data</a:t>
-            </a:r>
-            <a:r>
-              <a:rPr lang="zh-TW" altLang="en-US" sz="2400" dirty="0"/>
-              <a:t>後，顯示資料卻有漏東漏西</a:t>
-            </a:r>
-            <a:endParaRPr lang="en-US" altLang="zh-TW" sz="2400" dirty="0"/>
+              <a:t> :</a:t>
+            </a:r>
+            <a:endParaRPr lang="en-US" altLang="zh-TW" sz="1600" dirty="0"/>
           </a:p>
           <a:p>
             <a:pPr marL="0" indent="0">
@@ -8914,104 +10150,81 @@
             </a:pPr>
             <a:r>
               <a:rPr lang="en-US" altLang="zh-TW" sz="2400" dirty="0"/>
-              <a:t>Source</a:t>
+              <a:t>	</a:t>
+            </a:r>
+            <a:r>
+              <a:rPr lang="en-US" altLang="zh-TW" sz="2000" dirty="0"/>
+              <a:t>1.</a:t>
+            </a:r>
+            <a:r>
+              <a:rPr lang="zh-TW" altLang="en-US" sz="2000" dirty="0"/>
+              <a:t> </a:t>
+            </a:r>
+            <a:r>
+              <a:rPr lang="en-US" altLang="zh-TW" sz="2000" dirty="0"/>
+              <a:t>SAR</a:t>
+            </a:r>
+            <a:r>
+              <a:rPr lang="zh-TW" altLang="en-US" sz="2000" dirty="0"/>
+              <a:t> </a:t>
+            </a:r>
+            <a:r>
+              <a:rPr lang="en-US" altLang="zh-TW" sz="2000" dirty="0"/>
+              <a:t>ADC</a:t>
+            </a:r>
+            <a:r>
+              <a:rPr lang="zh-TW" altLang="en-US" sz="2000" dirty="0"/>
+              <a:t>過程</a:t>
+            </a:r>
+            <a:r>
+              <a:rPr lang="en-US" altLang="zh-TW" sz="2000" dirty="0"/>
+              <a:t>(</a:t>
+            </a:r>
+            <a:r>
+              <a:rPr lang="zh-TW" altLang="en-US" sz="2000" dirty="0"/>
+              <a:t>詳細說明、並搭配</a:t>
+            </a:r>
+            <a:r>
+              <a:rPr lang="en-US" altLang="zh-TW" sz="2000" dirty="0"/>
+              <a:t>Logic Analysis</a:t>
+            </a:r>
+            <a:r>
+              <a:rPr lang="zh-TW" altLang="en-US" sz="2000" dirty="0"/>
+              <a:t>講解</a:t>
+            </a:r>
+            <a:r>
+              <a:rPr lang="en-US" altLang="zh-TW" sz="2000" dirty="0"/>
+              <a:t>)</a:t>
             </a:r>
           </a:p>
           <a:p>
             <a:pPr marL="0" indent="0">
               <a:buNone/>
             </a:pPr>
-            <a:r>
-              <a:rPr lang="en-US" altLang="zh-TW" sz="2400" dirty="0"/>
-              <a:t>1 . </a:t>
-            </a:r>
-            <a:r>
-              <a:rPr lang="zh-TW" altLang="en-US" sz="2400" dirty="0"/>
-              <a:t> 硬體觸發設定 </a:t>
-            </a:r>
-            <a:r>
-              <a:rPr lang="en-US" altLang="zh-TW" sz="2400" dirty="0"/>
-              <a:t>: 4Bytes -&gt; 1Bytes</a:t>
-            </a:r>
+            <a:endParaRPr lang="en-US" altLang="zh-TW" sz="2400" dirty="0"/>
           </a:p>
           <a:p>
             <a:pPr marL="0" indent="0">
               <a:buNone/>
             </a:pPr>
-            <a:r>
-              <a:rPr lang="en-US" altLang="zh-TW" sz="2400" dirty="0"/>
-              <a:t>2. </a:t>
-            </a:r>
-            <a:r>
-              <a:rPr lang="zh-TW" altLang="en-US" sz="2400" dirty="0"/>
-              <a:t> </a:t>
-            </a:r>
-            <a:r>
-              <a:rPr lang="zh-TW" altLang="en-US" sz="2400" dirty="0">
-                <a:solidFill>
-                  <a:srgbClr val="FF0000"/>
-                </a:solidFill>
-              </a:rPr>
-              <a:t>解除中斷</a:t>
-            </a:r>
-            <a:r>
-              <a:rPr lang="en-US" altLang="zh-TW" sz="2400" dirty="0">
-                <a:solidFill>
-                  <a:srgbClr val="FF0000"/>
-                </a:solidFill>
-              </a:rPr>
-              <a:t>Event </a:t>
-            </a:r>
-            <a:r>
-              <a:rPr lang="en-US" altLang="zh-TW" sz="2400" dirty="0" err="1">
-                <a:solidFill>
-                  <a:srgbClr val="FF0000"/>
-                </a:solidFill>
-              </a:rPr>
-              <a:t>regestier</a:t>
-            </a:r>
-            <a:r>
-              <a:rPr lang="zh-TW" altLang="en-US" sz="2400" dirty="0">
-                <a:solidFill>
-                  <a:srgbClr val="FF0000"/>
-                </a:solidFill>
-              </a:rPr>
-              <a:t>在</a:t>
-            </a:r>
-            <a:r>
-              <a:rPr lang="en-US" altLang="zh-TW" sz="2400" dirty="0">
-                <a:solidFill>
-                  <a:srgbClr val="FF0000"/>
-                </a:solidFill>
-              </a:rPr>
-              <a:t>Code</a:t>
-            </a:r>
-            <a:r>
-              <a:rPr lang="zh-TW" altLang="en-US" sz="2400" dirty="0">
-                <a:solidFill>
-                  <a:srgbClr val="FF0000"/>
-                </a:solidFill>
-              </a:rPr>
-              <a:t>中的位置</a:t>
-            </a:r>
-            <a:endParaRPr lang="en-US" altLang="zh-TW" sz="2400" dirty="0">
-              <a:solidFill>
-                <a:srgbClr val="FF0000"/>
-              </a:solidFill>
-            </a:endParaRPr>
+            <a:endParaRPr lang="en-US" altLang="zh-TW" sz="2400" dirty="0"/>
           </a:p>
           <a:p>
             <a:pPr marL="0" indent="0">
               <a:buNone/>
             </a:pPr>
-            <a:endParaRPr lang="zh-TW" altLang="en-US" dirty="0"/>
+            <a:endParaRPr lang="zh-TW" altLang="en-US" dirty="0">
+              <a:solidFill>
+                <a:srgbClr val="00B0F0"/>
+              </a:solidFill>
+            </a:endParaRPr>
           </a:p>
         </p:txBody>
       </p:sp>
     </p:spTree>
     <p:extLst>
       <p:ext uri="{BB962C8B-B14F-4D97-AF65-F5344CB8AC3E}">
-        <p14:creationId xmlns:p14="http://schemas.microsoft.com/office/powerpoint/2010/main" val="719165155"/>
+        <p14:creationId xmlns:p14="http://schemas.microsoft.com/office/powerpoint/2010/main" val="58858531"/>
       </p:ext>
     </p:extLst>
   </p:cSld>
@@ -9043,7 +10256,7 @@
           <p:cNvPr id="2" name="標題 1">
             <a:extLst>
               <a:ext uri="{FF2B5EF4-FFF2-40B4-BE49-F238E27FC236}">
-                <a16:creationId xmlns:a16="http://schemas.microsoft.com/office/drawing/2014/main" id="{A90C3E7E-AE4E-452E-A66F-A6DA326A606E}"/>
+                <a16:creationId xmlns:a16="http://schemas.microsoft.com/office/drawing/2014/main" id="{456990E9-0B2C-DDEE-C22A-B5EE484E006B}"/>
               </a:ext>
             </a:extLst>
           </p:cNvPr>
@@ -9061,8 +10274,8 @@
           <a:p>
             <a:pPr algn="ctr"/>
             <a:r>
-              <a:rPr lang="zh-TW" altLang="en-US" sz="4400" dirty="0"/>
-              <a:t>最接近顏色</a:t>
+              <a:rPr lang="en-US" altLang="zh-TW" dirty="0"/>
+              <a:t>SAR ADC</a:t>
             </a:r>
             <a:endParaRPr lang="zh-TW" altLang="en-US" dirty="0"/>
           </a:p>
@@ -9073,7 +10286,7 @@
           <p:cNvPr id="3" name="內容版面配置區 2">
             <a:extLst>
               <a:ext uri="{FF2B5EF4-FFF2-40B4-BE49-F238E27FC236}">
-                <a16:creationId xmlns:a16="http://schemas.microsoft.com/office/drawing/2014/main" id="{2270879B-7395-4917-86B4-47F549C5A985}"/>
+                <a16:creationId xmlns:a16="http://schemas.microsoft.com/office/drawing/2014/main" id="{EE7D49B9-DEBE-8FC2-803D-9BEE1654E37A}"/>
               </a:ext>
             </a:extLst>
           </p:cNvPr>
@@ -9093,89 +10306,72 @@
               <a:buNone/>
             </a:pPr>
             <a:r>
-              <a:rPr lang="en-US" altLang="zh-TW" dirty="0"/>
-              <a:t>Root Cause :</a:t>
-            </a:r>
+              <a:rPr lang="zh-TW" altLang="en-US" dirty="0"/>
+              <a:t>重點 </a:t>
+            </a:r>
+            <a:r>
+              <a:rPr lang="en-US" altLang="zh-TW" dirty="0"/>
+              <a:t>:</a:t>
+            </a:r>
+            <a:r>
+              <a:rPr lang="zh-TW" altLang="en-US" dirty="0"/>
+              <a:t> </a:t>
+            </a:r>
+            <a:endParaRPr lang="en-US" altLang="zh-TW" dirty="0"/>
+          </a:p>
+          <a:p>
+            <a:pPr marL="0" indent="0">
+              <a:buNone/>
+            </a:pPr>
+            <a:endParaRPr lang="en-US" altLang="zh-TW" dirty="0"/>
           </a:p>
           <a:p>
             <a:pPr marL="514350" indent="-514350">
               <a:buAutoNum type="arabicPeriod"/>
             </a:pPr>
             <a:r>
-              <a:rPr lang="en-US" altLang="zh-TW" dirty="0"/>
-              <a:t>Sensor </a:t>
-            </a:r>
-            <a:r>
-              <a:rPr lang="zh-TW" altLang="en-US" dirty="0"/>
-              <a:t>傳輸的顏色，並不一定落在</a:t>
-            </a:r>
-            <a:r>
-              <a:rPr lang="en-US" altLang="zh-TW" dirty="0"/>
-              <a:t>USI</a:t>
-            </a:r>
-            <a:r>
-              <a:rPr lang="zh-TW" altLang="en-US" dirty="0"/>
-              <a:t>所定義的顏色，因此需要找到最接近的顏色。</a:t>
-            </a:r>
-            <a:endParaRPr lang="en-US" altLang="zh-TW" dirty="0"/>
+              <a:rPr lang="zh-TW" altLang="en-US" sz="2400" dirty="0"/>
+              <a:t>採樣</a:t>
+            </a:r>
+            <a:endParaRPr lang="en-US" altLang="zh-TW" sz="2400" dirty="0"/>
           </a:p>
           <a:p>
             <a:pPr marL="514350" indent="-514350">
               <a:buAutoNum type="arabicPeriod"/>
             </a:pPr>
-            <a:endParaRPr lang="en-US" altLang="zh-TW" dirty="0"/>
-          </a:p>
-          <a:p>
-            <a:pPr marL="0" indent="0">
-              <a:buNone/>
+            <a:endParaRPr lang="en-US" altLang="zh-TW" sz="2400" dirty="0"/>
+          </a:p>
+          <a:p>
+            <a:pPr marL="514350" indent="-514350">
+              <a:buAutoNum type="arabicPeriod"/>
             </a:pPr>
             <a:r>
-              <a:rPr lang="en-US" altLang="zh-TW" dirty="0"/>
-              <a:t>Solve :</a:t>
-            </a:r>
-          </a:p>
-          <a:p>
-            <a:pPr marL="0" indent="0">
-              <a:buNone/>
+              <a:rPr lang="zh-TW" altLang="en-US" sz="2400" dirty="0"/>
+              <a:t>轉換</a:t>
+            </a:r>
+            <a:endParaRPr lang="en-US" altLang="zh-TW" sz="2400" dirty="0"/>
+          </a:p>
+          <a:p>
+            <a:pPr marL="514350" indent="-514350">
+              <a:buAutoNum type="arabicPeriod"/>
             </a:pPr>
-            <a:r>
-              <a:rPr lang="en-US" altLang="zh-TW" dirty="0"/>
-              <a:t>	1. </a:t>
-            </a:r>
-            <a:r>
-              <a:rPr lang="zh-TW" altLang="en-US" dirty="0"/>
-              <a:t>顏色距離定義</a:t>
-            </a:r>
-            <a:endParaRPr lang="en-US" altLang="zh-TW" dirty="0"/>
-          </a:p>
-          <a:p>
-            <a:pPr marL="0" indent="0">
-              <a:buNone/>
+            <a:endParaRPr lang="en-US" altLang="zh-TW" sz="2400" dirty="0"/>
+          </a:p>
+          <a:p>
+            <a:pPr marL="514350" indent="-514350">
+              <a:buAutoNum type="arabicPeriod"/>
             </a:pPr>
             <a:r>
-              <a:rPr lang="en-US" altLang="zh-TW" dirty="0"/>
-              <a:t>	2.  </a:t>
-            </a:r>
-            <a:r>
-              <a:rPr lang="zh-TW" altLang="en-US" dirty="0"/>
-              <a:t>使用</a:t>
-            </a:r>
-            <a:r>
-              <a:rPr lang="en-US" altLang="zh-TW" dirty="0" err="1"/>
-              <a:t>matlab</a:t>
-            </a:r>
-            <a:r>
-              <a:rPr lang="zh-TW" altLang="en-US" dirty="0"/>
-              <a:t>來加速驗證速度</a:t>
-            </a:r>
-            <a:endParaRPr lang="en-US" altLang="zh-TW" dirty="0"/>
+              <a:rPr lang="zh-TW" altLang="en-US" sz="2400" dirty="0"/>
+              <a:t>實際情況</a:t>
+            </a:r>
           </a:p>
         </p:txBody>
       </p:sp>
     </p:spTree>
     <p:extLst>
       <p:ext uri="{BB962C8B-B14F-4D97-AF65-F5344CB8AC3E}">
-        <p14:creationId xmlns:p14="http://schemas.microsoft.com/office/powerpoint/2010/main" val="2172983373"/>
+        <p14:creationId xmlns:p14="http://schemas.microsoft.com/office/powerpoint/2010/main" val="2088275281"/>
       </p:ext>
     </p:extLst>
   </p:cSld>
@@ -9207,7 +10403,7 @@
           <p:cNvPr id="2" name="標題 1">
             <a:extLst>
               <a:ext uri="{FF2B5EF4-FFF2-40B4-BE49-F238E27FC236}">
-                <a16:creationId xmlns:a16="http://schemas.microsoft.com/office/drawing/2014/main" id="{77C37F21-5DBA-B401-7D71-7CFB5E6E6C5D}"/>
+                <a16:creationId xmlns:a16="http://schemas.microsoft.com/office/drawing/2014/main" id="{1D3A7165-D4D8-00A3-28E5-FFB635A1ECC6}"/>
               </a:ext>
             </a:extLst>
           </p:cNvPr>
@@ -9225,20 +10421,12 @@
           <a:p>
             <a:pPr algn="ctr"/>
             <a:r>
-              <a:rPr lang="zh-TW" altLang="en-US" dirty="0"/>
-              <a:t> </a:t>
-            </a:r>
-            <a:r>
-              <a:rPr lang="en-US" altLang="zh-TW" dirty="0" err="1"/>
-              <a:t>Matlab</a:t>
-            </a:r>
-            <a:r>
-              <a:rPr lang="en-US" altLang="zh-TW" dirty="0"/>
-              <a:t> </a:t>
-            </a:r>
-            <a:r>
-              <a:rPr lang="zh-TW" altLang="en-US" dirty="0"/>
-              <a:t>驗證</a:t>
+              <a:rPr lang="en-US" altLang="zh-TW" dirty="0"/>
+              <a:t>SAR ADC </a:t>
+            </a:r>
+            <a:r>
+              <a:rPr lang="zh-TW" altLang="en-US" dirty="0"/>
+              <a:t>採樣</a:t>
             </a:r>
           </a:p>
         </p:txBody>
@@ -9248,7 +10436,7 @@
           <p:cNvPr id="3" name="內容版面配置區 2">
             <a:extLst>
               <a:ext uri="{FF2B5EF4-FFF2-40B4-BE49-F238E27FC236}">
-                <a16:creationId xmlns:a16="http://schemas.microsoft.com/office/drawing/2014/main" id="{534E79D0-3692-7581-7815-5DEF93BC5DAC}"/>
+                <a16:creationId xmlns:a16="http://schemas.microsoft.com/office/drawing/2014/main" id="{2B7118FB-1D87-E76D-D698-AE8AA635637B}"/>
               </a:ext>
             </a:extLst>
           </p:cNvPr>
@@ -9261,35 +10449,788 @@
         </p:nvSpPr>
         <p:spPr/>
         <p:txBody>
-          <a:bodyPr/>
+          <a:bodyPr>
+            <a:normAutofit/>
+          </a:bodyPr>
           <a:lstStyle/>
           <a:p>
             <a:pPr marL="0" indent="0">
               <a:buNone/>
             </a:pPr>
             <a:r>
-              <a:rPr lang="en-US" altLang="zh-TW" dirty="0"/>
-              <a:t>Use </a:t>
-            </a:r>
+              <a:rPr lang="zh-TW" altLang="en-US" sz="2400" dirty="0"/>
+              <a:t>採樣 </a:t>
+            </a:r>
+            <a:r>
+              <a:rPr lang="en-US" altLang="zh-TW" sz="2400" dirty="0"/>
+              <a:t>:</a:t>
+            </a:r>
+            <a:endParaRPr lang="zh-TW" altLang="en-US" sz="2400" dirty="0"/>
+          </a:p>
+        </p:txBody>
+      </p:sp>
+      <p:sp>
+        <p:nvSpPr>
+          <p:cNvPr id="4" name="等腰三角形 3">
+            <a:extLst>
+              <a:ext uri="{FF2B5EF4-FFF2-40B4-BE49-F238E27FC236}">
+                <a16:creationId xmlns:a16="http://schemas.microsoft.com/office/drawing/2014/main" id="{6EFD8A4B-2AC0-4905-0F6F-9C789CB6F5C3}"/>
+              </a:ext>
+            </a:extLst>
+          </p:cNvPr>
+          <p:cNvSpPr/>
+          <p:nvPr/>
+        </p:nvSpPr>
+        <p:spPr>
+          <a:xfrm rot="5400000">
+            <a:off x="2115765" y="2606854"/>
+            <a:ext cx="1702340" cy="1478603"/>
+          </a:xfrm>
+          <a:prstGeom prst="triangle">
+            <a:avLst/>
+          </a:prstGeom>
+        </p:spPr>
+        <p:style>
+          <a:lnRef idx="2">
+            <a:schemeClr val="accent1">
+              <a:shade val="50000"/>
+            </a:schemeClr>
+          </a:lnRef>
+          <a:fillRef idx="1">
+            <a:schemeClr val="accent1"/>
+          </a:fillRef>
+          <a:effectRef idx="0">
+            <a:schemeClr val="accent1"/>
+          </a:effectRef>
+          <a:fontRef idx="minor">
+            <a:schemeClr val="lt1"/>
+          </a:fontRef>
+        </p:style>
+        <p:txBody>
+          <a:bodyPr rtlCol="0" anchor="ctr"/>
+          <a:lstStyle/>
+          <a:p>
+            <a:pPr algn="ctr"/>
+            <a:endParaRPr lang="zh-TW" altLang="en-US"/>
+          </a:p>
+        </p:txBody>
+      </p:sp>
+      <p:sp>
+        <p:nvSpPr>
+          <p:cNvPr id="5" name="文字方塊 4">
+            <a:extLst>
+              <a:ext uri="{FF2B5EF4-FFF2-40B4-BE49-F238E27FC236}">
+                <a16:creationId xmlns:a16="http://schemas.microsoft.com/office/drawing/2014/main" id="{5D1F63F0-4C77-8AE7-A822-3813D3D9DCF4}"/>
+              </a:ext>
+            </a:extLst>
+          </p:cNvPr>
+          <p:cNvSpPr txBox="1"/>
+          <p:nvPr/>
+        </p:nvSpPr>
+        <p:spPr>
+          <a:xfrm>
+            <a:off x="2412460" y="3161489"/>
+            <a:ext cx="1108952" cy="369332"/>
+          </a:xfrm>
+          <a:prstGeom prst="rect">
+            <a:avLst/>
+          </a:prstGeom>
+          <a:noFill/>
+        </p:spPr>
+        <p:txBody>
+          <a:bodyPr wrap="square" rtlCol="0">
+            <a:spAutoFit/>
+          </a:bodyPr>
+          <a:lstStyle/>
+          <a:p>
+            <a:r>
+              <a:rPr lang="en-US" altLang="zh-TW" dirty="0"/>
+              <a:t>RX_PGA</a:t>
+            </a:r>
+            <a:endParaRPr lang="zh-TW" altLang="en-US" dirty="0"/>
+          </a:p>
+        </p:txBody>
+      </p:sp>
+      <p:cxnSp>
+        <p:nvCxnSpPr>
+          <p:cNvPr id="7" name="直線接點 6">
+            <a:extLst>
+              <a:ext uri="{FF2B5EF4-FFF2-40B4-BE49-F238E27FC236}">
+                <a16:creationId xmlns:a16="http://schemas.microsoft.com/office/drawing/2014/main" id="{DA25055E-7E11-423C-BE2C-EDDA1A8F8774}"/>
+              </a:ext>
+            </a:extLst>
+          </p:cNvPr>
+          <p:cNvCxnSpPr>
+            <a:cxnSpLocks/>
+          </p:cNvCxnSpPr>
+          <p:nvPr/>
+        </p:nvCxnSpPr>
+        <p:spPr>
+          <a:xfrm>
+            <a:off x="3688808" y="3346155"/>
+            <a:ext cx="922103" cy="0"/>
+          </a:xfrm>
+          <a:prstGeom prst="line">
+            <a:avLst/>
+          </a:prstGeom>
+        </p:spPr>
+        <p:style>
+          <a:lnRef idx="1">
+            <a:schemeClr val="accent1"/>
+          </a:lnRef>
+          <a:fillRef idx="0">
+            <a:schemeClr val="accent1"/>
+          </a:fillRef>
+          <a:effectRef idx="0">
+            <a:schemeClr val="accent1"/>
+          </a:effectRef>
+          <a:fontRef idx="minor">
+            <a:schemeClr val="tx1"/>
+          </a:fontRef>
+        </p:style>
+      </p:cxnSp>
+      <p:sp>
+        <p:nvSpPr>
+          <p:cNvPr id="8" name="矩形: 圓角 7">
+            <a:extLst>
+              <a:ext uri="{FF2B5EF4-FFF2-40B4-BE49-F238E27FC236}">
+                <a16:creationId xmlns:a16="http://schemas.microsoft.com/office/drawing/2014/main" id="{AB161747-CCA9-C126-A47C-7E30B5720D60}"/>
+              </a:ext>
+            </a:extLst>
+          </p:cNvPr>
+          <p:cNvSpPr/>
+          <p:nvPr/>
+        </p:nvSpPr>
+        <p:spPr>
+          <a:xfrm>
+            <a:off x="5462890" y="1945372"/>
+            <a:ext cx="3151762" cy="2801566"/>
+          </a:xfrm>
+          <a:prstGeom prst="roundRect">
+            <a:avLst/>
+          </a:prstGeom>
+        </p:spPr>
+        <p:style>
+          <a:lnRef idx="2">
+            <a:schemeClr val="accent6">
+              <a:shade val="50000"/>
+            </a:schemeClr>
+          </a:lnRef>
+          <a:fillRef idx="1">
+            <a:schemeClr val="accent6"/>
+          </a:fillRef>
+          <a:effectRef idx="0">
+            <a:schemeClr val="accent6"/>
+          </a:effectRef>
+          <a:fontRef idx="minor">
+            <a:schemeClr val="lt1"/>
+          </a:fontRef>
+        </p:style>
+        <p:txBody>
+          <a:bodyPr rtlCol="0" anchor="ctr"/>
+          <a:lstStyle/>
+          <a:p>
+            <a:pPr algn="r"/>
+            <a:r>
+              <a:rPr lang="en-US" altLang="zh-TW" dirty="0"/>
+              <a:t>ADC</a:t>
+            </a:r>
+            <a:endParaRPr lang="zh-TW" altLang="en-US" dirty="0"/>
+          </a:p>
+        </p:txBody>
+      </p:sp>
+      <p:cxnSp>
+        <p:nvCxnSpPr>
+          <p:cNvPr id="13" name="直線接點 12">
+            <a:extLst>
+              <a:ext uri="{FF2B5EF4-FFF2-40B4-BE49-F238E27FC236}">
+                <a16:creationId xmlns:a16="http://schemas.microsoft.com/office/drawing/2014/main" id="{E584EED9-D747-CCBB-7347-F637C45AFE34}"/>
+              </a:ext>
+            </a:extLst>
+          </p:cNvPr>
+          <p:cNvCxnSpPr/>
+          <p:nvPr/>
+        </p:nvCxnSpPr>
+        <p:spPr>
+          <a:xfrm>
+            <a:off x="5846323" y="3333103"/>
+            <a:ext cx="0" cy="476815"/>
+          </a:xfrm>
+          <a:prstGeom prst="line">
+            <a:avLst/>
+          </a:prstGeom>
+        </p:spPr>
+        <p:style>
+          <a:lnRef idx="1">
+            <a:schemeClr val="accent1"/>
+          </a:lnRef>
+          <a:fillRef idx="0">
+            <a:schemeClr val="accent1"/>
+          </a:fillRef>
+          <a:effectRef idx="0">
+            <a:schemeClr val="accent1"/>
+          </a:effectRef>
+          <a:fontRef idx="minor">
+            <a:schemeClr val="tx1"/>
+          </a:fontRef>
+        </p:style>
+      </p:cxnSp>
+      <p:cxnSp>
+        <p:nvCxnSpPr>
+          <p:cNvPr id="15" name="直線接點 14">
+            <a:extLst>
+              <a:ext uri="{FF2B5EF4-FFF2-40B4-BE49-F238E27FC236}">
+                <a16:creationId xmlns:a16="http://schemas.microsoft.com/office/drawing/2014/main" id="{1A125530-82CC-224B-6109-24B209E5DFCB}"/>
+              </a:ext>
+            </a:extLst>
+          </p:cNvPr>
+          <p:cNvCxnSpPr>
+            <a:cxnSpLocks/>
+          </p:cNvCxnSpPr>
+          <p:nvPr/>
+        </p:nvCxnSpPr>
+        <p:spPr>
+          <a:xfrm>
+            <a:off x="5684197" y="3813242"/>
+            <a:ext cx="343711" cy="0"/>
+          </a:xfrm>
+          <a:prstGeom prst="line">
+            <a:avLst/>
+          </a:prstGeom>
+        </p:spPr>
+        <p:style>
+          <a:lnRef idx="1">
+            <a:schemeClr val="accent1"/>
+          </a:lnRef>
+          <a:fillRef idx="0">
+            <a:schemeClr val="accent1"/>
+          </a:fillRef>
+          <a:effectRef idx="0">
+            <a:schemeClr val="accent1"/>
+          </a:effectRef>
+          <a:fontRef idx="minor">
+            <a:schemeClr val="tx1"/>
+          </a:fontRef>
+        </p:style>
+      </p:cxnSp>
+      <p:cxnSp>
+        <p:nvCxnSpPr>
+          <p:cNvPr id="17" name="直線接點 16">
+            <a:extLst>
+              <a:ext uri="{FF2B5EF4-FFF2-40B4-BE49-F238E27FC236}">
+                <a16:creationId xmlns:a16="http://schemas.microsoft.com/office/drawing/2014/main" id="{86D2E9C8-F01A-8CCF-65E5-CD3044D70831}"/>
+              </a:ext>
+            </a:extLst>
+          </p:cNvPr>
+          <p:cNvCxnSpPr>
+            <a:cxnSpLocks/>
+          </p:cNvCxnSpPr>
+          <p:nvPr/>
+        </p:nvCxnSpPr>
+        <p:spPr>
+          <a:xfrm>
+            <a:off x="5685818" y="3985097"/>
+            <a:ext cx="342090" cy="0"/>
+          </a:xfrm>
+          <a:prstGeom prst="line">
+            <a:avLst/>
+          </a:prstGeom>
+        </p:spPr>
+        <p:style>
+          <a:lnRef idx="1">
+            <a:schemeClr val="accent1"/>
+          </a:lnRef>
+          <a:fillRef idx="0">
+            <a:schemeClr val="accent1"/>
+          </a:fillRef>
+          <a:effectRef idx="0">
+            <a:schemeClr val="accent1"/>
+          </a:effectRef>
+          <a:fontRef idx="minor">
+            <a:schemeClr val="tx1"/>
+          </a:fontRef>
+        </p:style>
+      </p:cxnSp>
+      <p:cxnSp>
+        <p:nvCxnSpPr>
+          <p:cNvPr id="20" name="直線單箭頭接點 19">
+            <a:extLst>
+              <a:ext uri="{FF2B5EF4-FFF2-40B4-BE49-F238E27FC236}">
+                <a16:creationId xmlns:a16="http://schemas.microsoft.com/office/drawing/2014/main" id="{87E247A0-4DC4-DCF8-65D0-776FA9F0B89C}"/>
+              </a:ext>
+            </a:extLst>
+          </p:cNvPr>
+          <p:cNvCxnSpPr>
+            <a:cxnSpLocks/>
+          </p:cNvCxnSpPr>
+          <p:nvPr/>
+        </p:nvCxnSpPr>
+        <p:spPr>
+          <a:xfrm>
+            <a:off x="5875507" y="3985097"/>
+            <a:ext cx="0" cy="212229"/>
+          </a:xfrm>
+          <a:prstGeom prst="straightConnector1">
+            <a:avLst/>
+          </a:prstGeom>
+          <a:ln>
+            <a:tailEnd type="triangle"/>
+          </a:ln>
+        </p:spPr>
+        <p:style>
+          <a:lnRef idx="1">
+            <a:schemeClr val="accent1"/>
+          </a:lnRef>
+          <a:fillRef idx="0">
+            <a:schemeClr val="accent1"/>
+          </a:fillRef>
+          <a:effectRef idx="0">
+            <a:schemeClr val="accent1"/>
+          </a:effectRef>
+          <a:fontRef idx="minor">
+            <a:schemeClr val="tx1"/>
+          </a:fontRef>
+        </p:style>
+      </p:cxnSp>
+      <p:cxnSp>
+        <p:nvCxnSpPr>
+          <p:cNvPr id="22" name="直線接點 21">
+            <a:extLst>
+              <a:ext uri="{FF2B5EF4-FFF2-40B4-BE49-F238E27FC236}">
+                <a16:creationId xmlns:a16="http://schemas.microsoft.com/office/drawing/2014/main" id="{AC837D0E-FAD1-C2A6-503A-33BFDB8D24AC}"/>
+              </a:ext>
+            </a:extLst>
+          </p:cNvPr>
+          <p:cNvCxnSpPr>
+            <a:cxnSpLocks/>
+          </p:cNvCxnSpPr>
+          <p:nvPr/>
+        </p:nvCxnSpPr>
+        <p:spPr>
+          <a:xfrm flipV="1">
+            <a:off x="4594292" y="3064213"/>
+            <a:ext cx="683773" cy="281942"/>
+          </a:xfrm>
+          <a:prstGeom prst="line">
+            <a:avLst/>
+          </a:prstGeom>
+        </p:spPr>
+        <p:style>
+          <a:lnRef idx="1">
+            <a:schemeClr val="accent1"/>
+          </a:lnRef>
+          <a:fillRef idx="0">
+            <a:schemeClr val="accent1"/>
+          </a:fillRef>
+          <a:effectRef idx="0">
+            <a:schemeClr val="accent1"/>
+          </a:effectRef>
+          <a:fontRef idx="minor">
+            <a:schemeClr val="tx1"/>
+          </a:fontRef>
+        </p:style>
+      </p:cxnSp>
+      <p:cxnSp>
+        <p:nvCxnSpPr>
+          <p:cNvPr id="28" name="直線接點 27">
+            <a:extLst>
+              <a:ext uri="{FF2B5EF4-FFF2-40B4-BE49-F238E27FC236}">
+                <a16:creationId xmlns:a16="http://schemas.microsoft.com/office/drawing/2014/main" id="{2A3006E2-2661-B89C-97E0-532615CD1291}"/>
+              </a:ext>
+            </a:extLst>
+          </p:cNvPr>
+          <p:cNvCxnSpPr>
+            <a:cxnSpLocks/>
+          </p:cNvCxnSpPr>
+          <p:nvPr/>
+        </p:nvCxnSpPr>
+        <p:spPr>
+          <a:xfrm>
+            <a:off x="5233481" y="3346155"/>
+            <a:ext cx="1040859" cy="0"/>
+          </a:xfrm>
+          <a:prstGeom prst="line">
+            <a:avLst/>
+          </a:prstGeom>
+        </p:spPr>
+        <p:style>
+          <a:lnRef idx="1">
+            <a:schemeClr val="accent1"/>
+          </a:lnRef>
+          <a:fillRef idx="0">
+            <a:schemeClr val="accent1"/>
+          </a:fillRef>
+          <a:effectRef idx="0">
+            <a:schemeClr val="accent1"/>
+          </a:effectRef>
+          <a:fontRef idx="minor">
+            <a:schemeClr val="tx1"/>
+          </a:fontRef>
+        </p:style>
+      </p:cxnSp>
+      <p:cxnSp>
+        <p:nvCxnSpPr>
+          <p:cNvPr id="31" name="直線接點 30">
+            <a:extLst>
+              <a:ext uri="{FF2B5EF4-FFF2-40B4-BE49-F238E27FC236}">
+                <a16:creationId xmlns:a16="http://schemas.microsoft.com/office/drawing/2014/main" id="{8F47CA07-B181-1285-A867-1A8EA9C3EFF7}"/>
+              </a:ext>
+            </a:extLst>
+          </p:cNvPr>
+          <p:cNvCxnSpPr>
+            <a:stCxn id="4" idx="3"/>
+          </p:cNvCxnSpPr>
+          <p:nvPr/>
+        </p:nvCxnSpPr>
+        <p:spPr>
+          <a:xfrm flipH="1" flipV="1">
+            <a:off x="838200" y="3346155"/>
+            <a:ext cx="1389434" cy="1"/>
+          </a:xfrm>
+          <a:prstGeom prst="line">
+            <a:avLst/>
+          </a:prstGeom>
+        </p:spPr>
+        <p:style>
+          <a:lnRef idx="1">
+            <a:schemeClr val="accent1"/>
+          </a:lnRef>
+          <a:fillRef idx="0">
+            <a:schemeClr val="accent1"/>
+          </a:fillRef>
+          <a:effectRef idx="0">
+            <a:schemeClr val="accent1"/>
+          </a:effectRef>
+          <a:fontRef idx="minor">
+            <a:schemeClr val="tx1"/>
+          </a:fontRef>
+        </p:style>
+      </p:cxnSp>
+      <p:sp>
+        <p:nvSpPr>
+          <p:cNvPr id="32" name="矩形: 圓角 31">
+            <a:extLst>
+              <a:ext uri="{FF2B5EF4-FFF2-40B4-BE49-F238E27FC236}">
+                <a16:creationId xmlns:a16="http://schemas.microsoft.com/office/drawing/2014/main" id="{D39DFC0C-1603-4A4D-D68A-2EFAD62198F5}"/>
+              </a:ext>
+            </a:extLst>
+          </p:cNvPr>
+          <p:cNvSpPr/>
+          <p:nvPr/>
+        </p:nvSpPr>
+        <p:spPr>
+          <a:xfrm>
+            <a:off x="5348593" y="3346154"/>
+            <a:ext cx="671208" cy="450714"/>
+          </a:xfrm>
+          <a:prstGeom prst="roundRect">
+            <a:avLst/>
+          </a:prstGeom>
+          <a:noFill/>
+          <a:ln>
+            <a:noFill/>
+          </a:ln>
+        </p:spPr>
+        <p:style>
+          <a:lnRef idx="2">
+            <a:schemeClr val="accent1">
+              <a:shade val="50000"/>
+            </a:schemeClr>
+          </a:lnRef>
+          <a:fillRef idx="1">
+            <a:schemeClr val="accent1"/>
+          </a:fillRef>
+          <a:effectRef idx="0">
+            <a:schemeClr val="accent1"/>
+          </a:effectRef>
+          <a:fontRef idx="minor">
+            <a:schemeClr val="lt1"/>
+          </a:fontRef>
+        </p:style>
+        <p:txBody>
+          <a:bodyPr rtlCol="0" anchor="ctr"/>
+          <a:lstStyle/>
+          <a:p>
+            <a:pPr algn="ctr"/>
             <a:r>
               <a:rPr lang="en-US" altLang="zh-TW" dirty="0" err="1"/>
-              <a:t>Matalb</a:t>
-            </a:r>
-            <a:r>
-              <a:rPr lang="en-US" altLang="zh-TW" dirty="0"/>
-              <a:t> APP</a:t>
-            </a:r>
-            <a:r>
-              <a:rPr lang="zh-TW" altLang="en-US" dirty="0"/>
-              <a:t> 寫的</a:t>
-            </a:r>
-          </a:p>
-        </p:txBody>
-      </p:sp>
+              <a:t>Vc</a:t>
+            </a:r>
+            <a:endParaRPr lang="zh-TW" altLang="en-US" dirty="0"/>
+          </a:p>
+        </p:txBody>
+      </p:sp>
+      <p:cxnSp>
+        <p:nvCxnSpPr>
+          <p:cNvPr id="34" name="直線接點 33">
+            <a:extLst>
+              <a:ext uri="{FF2B5EF4-FFF2-40B4-BE49-F238E27FC236}">
+                <a16:creationId xmlns:a16="http://schemas.microsoft.com/office/drawing/2014/main" id="{D0E4374C-4EAC-4703-08A7-8C4580822815}"/>
+              </a:ext>
+            </a:extLst>
+          </p:cNvPr>
+          <p:cNvCxnSpPr>
+            <a:cxnSpLocks/>
+          </p:cNvCxnSpPr>
+          <p:nvPr/>
+        </p:nvCxnSpPr>
+        <p:spPr>
+          <a:xfrm>
+            <a:off x="2714017" y="3822970"/>
+            <a:ext cx="0" cy="1504561"/>
+          </a:xfrm>
+          <a:prstGeom prst="line">
+            <a:avLst/>
+          </a:prstGeom>
+        </p:spPr>
+        <p:style>
+          <a:lnRef idx="1">
+            <a:schemeClr val="accent1"/>
+          </a:lnRef>
+          <a:fillRef idx="0">
+            <a:schemeClr val="accent1"/>
+          </a:fillRef>
+          <a:effectRef idx="0">
+            <a:schemeClr val="accent1"/>
+          </a:effectRef>
+          <a:fontRef idx="minor">
+            <a:schemeClr val="tx1"/>
+          </a:fontRef>
+        </p:style>
+      </p:cxnSp>
+      <p:sp>
+        <p:nvSpPr>
+          <p:cNvPr id="36" name="文字方塊 35">
+            <a:extLst>
+              <a:ext uri="{FF2B5EF4-FFF2-40B4-BE49-F238E27FC236}">
+                <a16:creationId xmlns:a16="http://schemas.microsoft.com/office/drawing/2014/main" id="{DC57ADDF-D5F8-3F83-6F42-27C15EA42E32}"/>
+              </a:ext>
+            </a:extLst>
+          </p:cNvPr>
+          <p:cNvSpPr txBox="1"/>
+          <p:nvPr/>
+        </p:nvSpPr>
+        <p:spPr>
+          <a:xfrm>
+            <a:off x="2070774" y="4622372"/>
+            <a:ext cx="1079771" cy="369332"/>
+          </a:xfrm>
+          <a:prstGeom prst="rect">
+            <a:avLst/>
+          </a:prstGeom>
+          <a:noFill/>
+        </p:spPr>
+        <p:txBody>
+          <a:bodyPr wrap="square" rtlCol="0">
+            <a:spAutoFit/>
+          </a:bodyPr>
+          <a:lstStyle/>
+          <a:p>
+            <a:r>
+              <a:rPr lang="en-US" altLang="zh-TW" dirty="0" err="1"/>
+              <a:t>Vcm</a:t>
+            </a:r>
+            <a:endParaRPr lang="zh-TW" altLang="en-US" dirty="0"/>
+          </a:p>
+        </p:txBody>
+      </p:sp>
+      <p:cxnSp>
+        <p:nvCxnSpPr>
+          <p:cNvPr id="39" name="直線接點 38">
+            <a:extLst>
+              <a:ext uri="{FF2B5EF4-FFF2-40B4-BE49-F238E27FC236}">
+                <a16:creationId xmlns:a16="http://schemas.microsoft.com/office/drawing/2014/main" id="{EC6C6D14-D511-F271-F008-243C4FCAA8E6}"/>
+              </a:ext>
+            </a:extLst>
+          </p:cNvPr>
+          <p:cNvCxnSpPr>
+            <a:cxnSpLocks/>
+          </p:cNvCxnSpPr>
+          <p:nvPr/>
+        </p:nvCxnSpPr>
+        <p:spPr>
+          <a:xfrm>
+            <a:off x="6274340" y="3346155"/>
+            <a:ext cx="651754" cy="0"/>
+          </a:xfrm>
+          <a:prstGeom prst="line">
+            <a:avLst/>
+          </a:prstGeom>
+        </p:spPr>
+        <p:style>
+          <a:lnRef idx="1">
+            <a:schemeClr val="accent1"/>
+          </a:lnRef>
+          <a:fillRef idx="0">
+            <a:schemeClr val="accent1"/>
+          </a:fillRef>
+          <a:effectRef idx="0">
+            <a:schemeClr val="accent1"/>
+          </a:effectRef>
+          <a:fontRef idx="minor">
+            <a:schemeClr val="tx1"/>
+          </a:fontRef>
+        </p:style>
+      </p:cxnSp>
+      <p:cxnSp>
+        <p:nvCxnSpPr>
+          <p:cNvPr id="63" name="直線接點 62">
+            <a:extLst>
+              <a:ext uri="{FF2B5EF4-FFF2-40B4-BE49-F238E27FC236}">
+                <a16:creationId xmlns:a16="http://schemas.microsoft.com/office/drawing/2014/main" id="{CBD3A550-47F6-03FE-37BE-2A31005C418D}"/>
+              </a:ext>
+            </a:extLst>
+          </p:cNvPr>
+          <p:cNvCxnSpPr>
+            <a:cxnSpLocks/>
+          </p:cNvCxnSpPr>
+          <p:nvPr/>
+        </p:nvCxnSpPr>
+        <p:spPr>
+          <a:xfrm>
+            <a:off x="6274340" y="3339269"/>
+            <a:ext cx="0" cy="328059"/>
+          </a:xfrm>
+          <a:prstGeom prst="line">
+            <a:avLst/>
+          </a:prstGeom>
+        </p:spPr>
+        <p:style>
+          <a:lnRef idx="1">
+            <a:schemeClr val="accent1"/>
+          </a:lnRef>
+          <a:fillRef idx="0">
+            <a:schemeClr val="accent1"/>
+          </a:fillRef>
+          <a:effectRef idx="0">
+            <a:schemeClr val="accent1"/>
+          </a:effectRef>
+          <a:fontRef idx="minor">
+            <a:schemeClr val="tx1"/>
+          </a:fontRef>
+        </p:style>
+      </p:cxnSp>
+      <p:cxnSp>
+        <p:nvCxnSpPr>
+          <p:cNvPr id="65" name="直線接點 64">
+            <a:extLst>
+              <a:ext uri="{FF2B5EF4-FFF2-40B4-BE49-F238E27FC236}">
+                <a16:creationId xmlns:a16="http://schemas.microsoft.com/office/drawing/2014/main" id="{942D7657-6020-3611-69AB-CF3F500143DC}"/>
+              </a:ext>
+            </a:extLst>
+          </p:cNvPr>
+          <p:cNvCxnSpPr>
+            <a:cxnSpLocks/>
+          </p:cNvCxnSpPr>
+          <p:nvPr/>
+        </p:nvCxnSpPr>
+        <p:spPr>
+          <a:xfrm>
+            <a:off x="6167336" y="3667328"/>
+            <a:ext cx="175098" cy="0"/>
+          </a:xfrm>
+          <a:prstGeom prst="line">
+            <a:avLst/>
+          </a:prstGeom>
+        </p:spPr>
+        <p:style>
+          <a:lnRef idx="1">
+            <a:schemeClr val="accent1"/>
+          </a:lnRef>
+          <a:fillRef idx="0">
+            <a:schemeClr val="accent1"/>
+          </a:fillRef>
+          <a:effectRef idx="0">
+            <a:schemeClr val="accent1"/>
+          </a:effectRef>
+          <a:fontRef idx="minor">
+            <a:schemeClr val="tx1"/>
+          </a:fontRef>
+        </p:style>
+      </p:cxnSp>
+      <p:cxnSp>
+        <p:nvCxnSpPr>
+          <p:cNvPr id="68" name="直線接點 67">
+            <a:extLst>
+              <a:ext uri="{FF2B5EF4-FFF2-40B4-BE49-F238E27FC236}">
+                <a16:creationId xmlns:a16="http://schemas.microsoft.com/office/drawing/2014/main" id="{E95733F0-5E1D-A83D-A3F4-D26B5EEFE536}"/>
+              </a:ext>
+            </a:extLst>
+          </p:cNvPr>
+          <p:cNvCxnSpPr>
+            <a:cxnSpLocks/>
+          </p:cNvCxnSpPr>
+          <p:nvPr/>
+        </p:nvCxnSpPr>
+        <p:spPr>
+          <a:xfrm>
+            <a:off x="6164093" y="3738582"/>
+            <a:ext cx="175098" cy="0"/>
+          </a:xfrm>
+          <a:prstGeom prst="line">
+            <a:avLst/>
+          </a:prstGeom>
+        </p:spPr>
+        <p:style>
+          <a:lnRef idx="1">
+            <a:schemeClr val="accent1"/>
+          </a:lnRef>
+          <a:fillRef idx="0">
+            <a:schemeClr val="accent1"/>
+          </a:fillRef>
+          <a:effectRef idx="0">
+            <a:schemeClr val="accent1"/>
+          </a:effectRef>
+          <a:fontRef idx="minor">
+            <a:schemeClr val="tx1"/>
+          </a:fontRef>
+        </p:style>
+      </p:cxnSp>
+      <p:cxnSp>
+        <p:nvCxnSpPr>
+          <p:cNvPr id="69" name="直線單箭頭接點 68">
+            <a:extLst>
+              <a:ext uri="{FF2B5EF4-FFF2-40B4-BE49-F238E27FC236}">
+                <a16:creationId xmlns:a16="http://schemas.microsoft.com/office/drawing/2014/main" id="{D64E40D0-0768-FCBF-D050-2F3DEB39C238}"/>
+              </a:ext>
+            </a:extLst>
+          </p:cNvPr>
+          <p:cNvCxnSpPr>
+            <a:cxnSpLocks/>
+          </p:cNvCxnSpPr>
+          <p:nvPr/>
+        </p:nvCxnSpPr>
+        <p:spPr>
+          <a:xfrm>
+            <a:off x="6280826" y="3738582"/>
+            <a:ext cx="0" cy="212229"/>
+          </a:xfrm>
+          <a:prstGeom prst="straightConnector1">
+            <a:avLst/>
+          </a:prstGeom>
+          <a:ln>
+            <a:tailEnd type="triangle"/>
+          </a:ln>
+        </p:spPr>
+        <p:style>
+          <a:lnRef idx="1">
+            <a:schemeClr val="accent1"/>
+          </a:lnRef>
+          <a:fillRef idx="0">
+            <a:schemeClr val="accent1"/>
+          </a:fillRef>
+          <a:effectRef idx="0">
+            <a:schemeClr val="accent1"/>
+          </a:effectRef>
+          <a:fontRef idx="minor">
+            <a:schemeClr val="tx1"/>
+          </a:fontRef>
+        </p:style>
+      </p:cxnSp>
     </p:spTree>
     <p:extLst>
       <p:ext uri="{BB962C8B-B14F-4D97-AF65-F5344CB8AC3E}">
-        <p14:creationId xmlns:p14="http://schemas.microsoft.com/office/powerpoint/2010/main" val="3411917283"/>
+        <p14:creationId xmlns:p14="http://schemas.microsoft.com/office/powerpoint/2010/main" val="2959355990"/>
       </p:ext>
     </p:extLst>
   </p:cSld>

--- a/Project_Summary_pdf/Project_Summary.pptx
+++ b/Project_Summary_pdf/Project_Summary.pptx
@@ -5,7 +5,7 @@
     <p:sldMasterId id="2147483648" r:id="rId1"/>
   </p:sldMasterIdLst>
   <p:notesMasterIdLst>
-    <p:notesMasterId r:id="rId35"/>
+    <p:notesMasterId r:id="rId37"/>
   </p:notesMasterIdLst>
   <p:sldIdLst>
     <p:sldId id="256" r:id="rId2"/>
@@ -23,24 +23,26 @@
     <p:sldId id="275" r:id="rId14"/>
     <p:sldId id="276" r:id="rId15"/>
     <p:sldId id="277" r:id="rId16"/>
-    <p:sldId id="280" r:id="rId17"/>
-    <p:sldId id="279" r:id="rId18"/>
-    <p:sldId id="283" r:id="rId19"/>
-    <p:sldId id="284" r:id="rId20"/>
-    <p:sldId id="285" r:id="rId21"/>
-    <p:sldId id="286" r:id="rId22"/>
-    <p:sldId id="881" r:id="rId23"/>
-    <p:sldId id="751" r:id="rId24"/>
-    <p:sldId id="882" r:id="rId25"/>
-    <p:sldId id="281" r:id="rId26"/>
-    <p:sldId id="257" r:id="rId27"/>
-    <p:sldId id="258" r:id="rId28"/>
-    <p:sldId id="260" r:id="rId29"/>
-    <p:sldId id="263" r:id="rId30"/>
-    <p:sldId id="264" r:id="rId31"/>
-    <p:sldId id="259" r:id="rId32"/>
-    <p:sldId id="265" r:id="rId33"/>
-    <p:sldId id="282" r:id="rId34"/>
+    <p:sldId id="884" r:id="rId17"/>
+    <p:sldId id="280" r:id="rId18"/>
+    <p:sldId id="279" r:id="rId19"/>
+    <p:sldId id="283" r:id="rId20"/>
+    <p:sldId id="284" r:id="rId21"/>
+    <p:sldId id="285" r:id="rId22"/>
+    <p:sldId id="286" r:id="rId23"/>
+    <p:sldId id="881" r:id="rId24"/>
+    <p:sldId id="751" r:id="rId25"/>
+    <p:sldId id="882" r:id="rId26"/>
+    <p:sldId id="281" r:id="rId27"/>
+    <p:sldId id="257" r:id="rId28"/>
+    <p:sldId id="258" r:id="rId29"/>
+    <p:sldId id="260" r:id="rId30"/>
+    <p:sldId id="263" r:id="rId31"/>
+    <p:sldId id="264" r:id="rId32"/>
+    <p:sldId id="259" r:id="rId33"/>
+    <p:sldId id="265" r:id="rId34"/>
+    <p:sldId id="282" r:id="rId35"/>
+    <p:sldId id="885" r:id="rId36"/>
   </p:sldIdLst>
   <p:sldSz cx="12192000" cy="6858000"/>
   <p:notesSz cx="6858000" cy="9144000"/>
@@ -170,6 +172,7 @@
             <p14:sldId id="275"/>
             <p14:sldId id="276"/>
             <p14:sldId id="277"/>
+            <p14:sldId id="884"/>
             <p14:sldId id="280"/>
             <p14:sldId id="279"/>
             <p14:sldId id="283"/>
@@ -208,6 +211,7 @@
         <p14:section name="完成的重要任務" id="{FA68A893-A763-4D02-8571-DFC6F7755776}">
           <p14:sldIdLst>
             <p14:sldId id="282"/>
+            <p14:sldId id="885"/>
           </p14:sldIdLst>
         </p14:section>
       </p14:sectionLst>
@@ -376,7 +380,7 @@
           <a:p>
             <a:fld id="{C65320F2-F42B-45F1-AA86-96F1A2E46749}" type="datetimeFigureOut">
               <a:rPr lang="zh-TW" altLang="en-US" smtClean="0"/>
-              <a:t>2023/1/17</a:t>
+              <a:t>2023/1/18</a:t>
             </a:fld>
             <a:endParaRPr lang="zh-TW" altLang="en-US"/>
           </a:p>
@@ -792,7 +796,7 @@
           <a:p>
             <a:fld id="{0116F853-F7F2-4239-A629-A213C1D67574}" type="slidenum">
               <a:rPr lang="zh-TW" altLang="en-US" smtClean="0"/>
-              <a:t>26</a:t>
+              <a:t>27</a:t>
             </a:fld>
             <a:endParaRPr lang="zh-TW" altLang="en-US"/>
           </a:p>
@@ -940,7 +944,7 @@
           <a:p>
             <a:fld id="{0116F853-F7F2-4239-A629-A213C1D67574}" type="slidenum">
               <a:rPr lang="zh-TW" altLang="en-US" smtClean="0"/>
-              <a:t>27</a:t>
+              <a:t>28</a:t>
             </a:fld>
             <a:endParaRPr lang="zh-TW" altLang="en-US"/>
           </a:p>
@@ -1003,9 +1007,12 @@
           <a:bodyPr/>
           <a:lstStyle/>
           <a:p>
-            <a:r>
-              <a:rPr lang="en-US" altLang="zh-TW" dirty="0"/>
-              <a:t>1. HW </a:t>
+            <a:pPr marL="228600" indent="-228600">
+              <a:buAutoNum type="arabicPeriod"/>
+            </a:pPr>
+            <a:r>
+              <a:rPr lang="en-US" altLang="zh-TW" dirty="0"/>
+              <a:t>HW </a:t>
             </a:r>
             <a:r>
               <a:rPr lang="zh-TW" altLang="en-US" dirty="0"/>
@@ -1039,7 +1046,61 @@
               <a:rPr lang="en-US" altLang="zh-TW" dirty="0"/>
               <a:t>Port</a:t>
             </a:r>
-            <a:endParaRPr lang="zh-TW" altLang="en-US" dirty="0"/>
+            <a:r>
+              <a:rPr lang="zh-TW" altLang="en-US" dirty="0"/>
+              <a:t>，代表實際上</a:t>
+            </a:r>
+            <a:r>
+              <a:rPr lang="en-US" altLang="zh-TW" dirty="0"/>
+              <a:t>HW</a:t>
+            </a:r>
+            <a:r>
+              <a:rPr lang="zh-TW" altLang="en-US" dirty="0"/>
+              <a:t> </a:t>
+            </a:r>
+            <a:r>
+              <a:rPr lang="en-US" altLang="zh-TW" dirty="0"/>
+              <a:t>SAR ADC</a:t>
+            </a:r>
+            <a:r>
+              <a:rPr lang="zh-TW" altLang="en-US" dirty="0"/>
+              <a:t>的過程。</a:t>
+            </a:r>
+            <a:endParaRPr lang="en-US" altLang="zh-TW" dirty="0"/>
+          </a:p>
+          <a:p>
+            <a:pPr marL="228600" indent="-228600">
+              <a:buAutoNum type="arabicPeriod"/>
+            </a:pPr>
+            <a:r>
+              <a:rPr lang="zh-TW" altLang="en-US" dirty="0"/>
+              <a:t>讀</a:t>
+            </a:r>
+            <a:r>
+              <a:rPr lang="en-US" altLang="zh-TW" dirty="0"/>
+              <a:t>ADC Data</a:t>
+            </a:r>
+            <a:r>
+              <a:rPr lang="zh-TW" altLang="en-US" dirty="0"/>
+              <a:t>不需要像外部</a:t>
+            </a:r>
+            <a:r>
+              <a:rPr lang="en-US" altLang="zh-TW" dirty="0"/>
+              <a:t>Sensor</a:t>
+            </a:r>
+            <a:r>
+              <a:rPr lang="zh-TW" altLang="en-US" dirty="0"/>
+              <a:t>一樣，</a:t>
+            </a:r>
+            <a:r>
+              <a:rPr lang="en-US" altLang="zh-TW" dirty="0" err="1"/>
+              <a:t>SampleRate</a:t>
+            </a:r>
+            <a:r>
+              <a:rPr lang="zh-TW" altLang="en-US" dirty="0"/>
+              <a:t>過於慢</a:t>
+            </a:r>
+            <a:endParaRPr lang="en-US" altLang="zh-TW" dirty="0"/>
           </a:p>
         </p:txBody>
       </p:sp>
@@ -1805,7 +1866,7 @@
           <a:p>
             <a:fld id="{0116F853-F7F2-4239-A629-A213C1D67574}" type="slidenum">
               <a:rPr lang="zh-TW" altLang="en-US" smtClean="0"/>
-              <a:t>17</a:t>
+              <a:t>18</a:t>
             </a:fld>
             <a:endParaRPr lang="zh-TW" altLang="en-US"/>
           </a:p>
@@ -1908,7 +1969,7 @@
           <a:p>
             <a:fld id="{0116F853-F7F2-4239-A629-A213C1D67574}" type="slidenum">
               <a:rPr lang="zh-TW" altLang="en-US" smtClean="0"/>
-              <a:t>19</a:t>
+              <a:t>20</a:t>
             </a:fld>
             <a:endParaRPr lang="zh-TW" altLang="en-US"/>
           </a:p>
@@ -2074,7 +2135,7 @@
           <a:p>
             <a:fld id="{8A9F4CB5-1750-4E23-A13C-2C1F028F9724}" type="datetimeFigureOut">
               <a:rPr lang="zh-TW" altLang="en-US" smtClean="0"/>
-              <a:t>2023/1/17</a:t>
+              <a:t>2023/1/18</a:t>
             </a:fld>
             <a:endParaRPr lang="zh-TW" altLang="en-US"/>
           </a:p>
@@ -2272,7 +2333,7 @@
           <a:p>
             <a:fld id="{8A9F4CB5-1750-4E23-A13C-2C1F028F9724}" type="datetimeFigureOut">
               <a:rPr lang="zh-TW" altLang="en-US" smtClean="0"/>
-              <a:t>2023/1/17</a:t>
+              <a:t>2023/1/18</a:t>
             </a:fld>
             <a:endParaRPr lang="zh-TW" altLang="en-US"/>
           </a:p>
@@ -2480,7 +2541,7 @@
           <a:p>
             <a:fld id="{8A9F4CB5-1750-4E23-A13C-2C1F028F9724}" type="datetimeFigureOut">
               <a:rPr lang="zh-TW" altLang="en-US" smtClean="0"/>
-              <a:t>2023/1/17</a:t>
+              <a:t>2023/1/18</a:t>
             </a:fld>
             <a:endParaRPr lang="zh-TW" altLang="en-US"/>
           </a:p>
@@ -2678,7 +2739,7 @@
           <a:p>
             <a:fld id="{8A9F4CB5-1750-4E23-A13C-2C1F028F9724}" type="datetimeFigureOut">
               <a:rPr lang="zh-TW" altLang="en-US" smtClean="0"/>
-              <a:t>2023/1/17</a:t>
+              <a:t>2023/1/18</a:t>
             </a:fld>
             <a:endParaRPr lang="zh-TW" altLang="en-US"/>
           </a:p>
@@ -2953,7 +3014,7 @@
           <a:p>
             <a:fld id="{8A9F4CB5-1750-4E23-A13C-2C1F028F9724}" type="datetimeFigureOut">
               <a:rPr lang="zh-TW" altLang="en-US" smtClean="0"/>
-              <a:t>2023/1/17</a:t>
+              <a:t>2023/1/18</a:t>
             </a:fld>
             <a:endParaRPr lang="zh-TW" altLang="en-US"/>
           </a:p>
@@ -3218,7 +3279,7 @@
           <a:p>
             <a:fld id="{8A9F4CB5-1750-4E23-A13C-2C1F028F9724}" type="datetimeFigureOut">
               <a:rPr lang="zh-TW" altLang="en-US" smtClean="0"/>
-              <a:t>2023/1/17</a:t>
+              <a:t>2023/1/18</a:t>
             </a:fld>
             <a:endParaRPr lang="zh-TW" altLang="en-US"/>
           </a:p>
@@ -3630,7 +3691,7 @@
           <a:p>
             <a:fld id="{8A9F4CB5-1750-4E23-A13C-2C1F028F9724}" type="datetimeFigureOut">
               <a:rPr lang="zh-TW" altLang="en-US" smtClean="0"/>
-              <a:t>2023/1/17</a:t>
+              <a:t>2023/1/18</a:t>
             </a:fld>
             <a:endParaRPr lang="zh-TW" altLang="en-US"/>
           </a:p>
@@ -3771,7 +3832,7 @@
           <a:p>
             <a:fld id="{8A9F4CB5-1750-4E23-A13C-2C1F028F9724}" type="datetimeFigureOut">
               <a:rPr lang="zh-TW" altLang="en-US" smtClean="0"/>
-              <a:t>2023/1/17</a:t>
+              <a:t>2023/1/18</a:t>
             </a:fld>
             <a:endParaRPr lang="zh-TW" altLang="en-US"/>
           </a:p>
@@ -3884,7 +3945,7 @@
           <a:p>
             <a:fld id="{8A9F4CB5-1750-4E23-A13C-2C1F028F9724}" type="datetimeFigureOut">
               <a:rPr lang="zh-TW" altLang="en-US" smtClean="0"/>
-              <a:t>2023/1/17</a:t>
+              <a:t>2023/1/18</a:t>
             </a:fld>
             <a:endParaRPr lang="zh-TW" altLang="en-US"/>
           </a:p>
@@ -4195,7 +4256,7 @@
           <a:p>
             <a:fld id="{8A9F4CB5-1750-4E23-A13C-2C1F028F9724}" type="datetimeFigureOut">
               <a:rPr lang="zh-TW" altLang="en-US" smtClean="0"/>
-              <a:t>2023/1/17</a:t>
+              <a:t>2023/1/18</a:t>
             </a:fld>
             <a:endParaRPr lang="zh-TW" altLang="en-US"/>
           </a:p>
@@ -4483,7 +4544,7 @@
           <a:p>
             <a:fld id="{8A9F4CB5-1750-4E23-A13C-2C1F028F9724}" type="datetimeFigureOut">
               <a:rPr lang="zh-TW" altLang="en-US" smtClean="0"/>
-              <a:t>2023/1/17</a:t>
+              <a:t>2023/1/18</a:t>
             </a:fld>
             <a:endParaRPr lang="zh-TW" altLang="en-US"/>
           </a:p>
@@ -4724,7 +4785,7 @@
           <a:p>
             <a:fld id="{8A9F4CB5-1750-4E23-A13C-2C1F028F9724}" type="datetimeFigureOut">
               <a:rPr lang="zh-TW" altLang="en-US" smtClean="0"/>
-              <a:t>2023/1/17</a:t>
+              <a:t>2023/1/18</a:t>
             </a:fld>
             <a:endParaRPr lang="zh-TW" altLang="en-US"/>
           </a:p>
@@ -7049,7 +7110,7 @@
           <p:cNvPr id="2" name="標題 1">
             <a:extLst>
               <a:ext uri="{FF2B5EF4-FFF2-40B4-BE49-F238E27FC236}">
-                <a16:creationId xmlns:a16="http://schemas.microsoft.com/office/drawing/2014/main" id="{8D4240B2-F578-CF62-D512-1EAAFE6C0D75}"/>
+                <a16:creationId xmlns:a16="http://schemas.microsoft.com/office/drawing/2014/main" id="{27D7CE05-4B46-09E5-60E9-515EECCDEDCC}"/>
               </a:ext>
             </a:extLst>
           </p:cNvPr>
@@ -7067,511 +7128,57 @@
           <a:p>
             <a:pPr algn="ctr"/>
             <a:r>
-              <a:rPr lang="en-US" altLang="zh-TW" dirty="0"/>
-              <a:t>Data Group</a:t>
-            </a:r>
+              <a:rPr lang="zh-TW" altLang="en-US" dirty="0"/>
+              <a:t>早期</a:t>
+            </a:r>
+            <a:r>
+              <a:rPr lang="en-US" altLang="zh-TW" dirty="0"/>
+              <a:t>SAR</a:t>
+            </a:r>
+            <a:r>
+              <a:rPr lang="zh-TW" altLang="en-US" dirty="0"/>
+              <a:t> </a:t>
+            </a:r>
+            <a:r>
+              <a:rPr lang="en-US" altLang="zh-TW" dirty="0"/>
+              <a:t>ADC</a:t>
+            </a:r>
+            <a:r>
+              <a:rPr lang="zh-TW" altLang="en-US" dirty="0"/>
+              <a:t>作法</a:t>
+            </a:r>
+          </a:p>
+        </p:txBody>
+      </p:sp>
+      <p:sp>
+        <p:nvSpPr>
+          <p:cNvPr id="3" name="內容版面配置區 2">
+            <a:extLst>
+              <a:ext uri="{FF2B5EF4-FFF2-40B4-BE49-F238E27FC236}">
+                <a16:creationId xmlns:a16="http://schemas.microsoft.com/office/drawing/2014/main" id="{E5D31E34-A6F4-3658-40C7-6563EC600493}"/>
+              </a:ext>
+            </a:extLst>
+          </p:cNvPr>
+          <p:cNvSpPr>
+            <a:spLocks noGrp="1"/>
+          </p:cNvSpPr>
+          <p:nvPr>
+            <p:ph idx="1"/>
+          </p:nvPr>
+        </p:nvSpPr>
+        <p:spPr/>
+        <p:txBody>
+          <a:bodyPr/>
+          <a:lstStyle/>
+          <a:p>
             <a:endParaRPr lang="zh-TW" altLang="en-US" dirty="0"/>
-          </a:p>
-        </p:txBody>
-      </p:sp>
-      <p:pic>
-        <p:nvPicPr>
-          <p:cNvPr id="5" name="內容版面配置區 4">
-            <a:extLst>
-              <a:ext uri="{FF2B5EF4-FFF2-40B4-BE49-F238E27FC236}">
-                <a16:creationId xmlns:a16="http://schemas.microsoft.com/office/drawing/2014/main" id="{B4BE2AF3-3935-2060-EE77-9DE7C59D5FCD}"/>
-              </a:ext>
-            </a:extLst>
-          </p:cNvPr>
-          <p:cNvPicPr>
-            <a:picLocks noGrp="1" noChangeAspect="1"/>
-          </p:cNvPicPr>
-          <p:nvPr>
-            <p:ph idx="1"/>
-          </p:nvPr>
-        </p:nvPicPr>
-        <p:blipFill>
-          <a:blip r:embed="rId2">
-            <a:extLst>
-              <a:ext uri="{28A0092B-C50C-407E-A947-70E740481C1C}">
-                <a14:useLocalDpi xmlns:a14="http://schemas.microsoft.com/office/drawing/2010/main" val="0"/>
-              </a:ext>
-            </a:extLst>
-          </a:blip>
-          <a:stretch>
-            <a:fillRect/>
-          </a:stretch>
-        </p:blipFill>
-        <p:spPr>
-          <a:xfrm>
-            <a:off x="838200" y="1789889"/>
-            <a:ext cx="10515600" cy="4581728"/>
-          </a:xfrm>
-        </p:spPr>
-      </p:pic>
-      <p:sp>
-        <p:nvSpPr>
-          <p:cNvPr id="6" name="矩形 5">
-            <a:extLst>
-              <a:ext uri="{FF2B5EF4-FFF2-40B4-BE49-F238E27FC236}">
-                <a16:creationId xmlns:a16="http://schemas.microsoft.com/office/drawing/2014/main" id="{7E3972CA-9895-D02B-B2B2-25E0CA83774F}"/>
-              </a:ext>
-            </a:extLst>
-          </p:cNvPr>
-          <p:cNvSpPr/>
-          <p:nvPr/>
-        </p:nvSpPr>
-        <p:spPr>
-          <a:xfrm>
-            <a:off x="3540868" y="1957184"/>
-            <a:ext cx="486383" cy="4513634"/>
-          </a:xfrm>
-          <a:prstGeom prst="rect">
-            <a:avLst/>
-          </a:prstGeom>
-          <a:noFill/>
-          <a:ln w="57150">
-            <a:solidFill>
-              <a:srgbClr val="FF0000"/>
-            </a:solidFill>
-            <a:prstDash val="sysDot"/>
-          </a:ln>
-        </p:spPr>
-        <p:style>
-          <a:lnRef idx="2">
-            <a:schemeClr val="accent1">
-              <a:shade val="50000"/>
-            </a:schemeClr>
-          </a:lnRef>
-          <a:fillRef idx="1">
-            <a:schemeClr val="accent1"/>
-          </a:fillRef>
-          <a:effectRef idx="0">
-            <a:schemeClr val="accent1"/>
-          </a:effectRef>
-          <a:fontRef idx="minor">
-            <a:schemeClr val="lt1"/>
-          </a:fontRef>
-        </p:style>
-        <p:txBody>
-          <a:bodyPr rtlCol="0" anchor="ctr"/>
-          <a:lstStyle/>
-          <a:p>
-            <a:pPr algn="ctr"/>
-            <a:endParaRPr lang="zh-TW" altLang="en-US" dirty="0"/>
-          </a:p>
-        </p:txBody>
-      </p:sp>
-      <p:sp>
-        <p:nvSpPr>
-          <p:cNvPr id="7" name="矩形 6">
-            <a:extLst>
-              <a:ext uri="{FF2B5EF4-FFF2-40B4-BE49-F238E27FC236}">
-                <a16:creationId xmlns:a16="http://schemas.microsoft.com/office/drawing/2014/main" id="{4A6AF674-F91B-80F0-B5D3-71347C318DC1}"/>
-              </a:ext>
-            </a:extLst>
-          </p:cNvPr>
-          <p:cNvSpPr/>
-          <p:nvPr/>
-        </p:nvSpPr>
-        <p:spPr>
-          <a:xfrm>
-            <a:off x="4928680" y="1957184"/>
-            <a:ext cx="486383" cy="4513634"/>
-          </a:xfrm>
-          <a:prstGeom prst="rect">
-            <a:avLst/>
-          </a:prstGeom>
-          <a:noFill/>
-          <a:ln w="57150">
-            <a:solidFill>
-              <a:srgbClr val="FF0000"/>
-            </a:solidFill>
-            <a:prstDash val="sysDot"/>
-          </a:ln>
-        </p:spPr>
-        <p:style>
-          <a:lnRef idx="2">
-            <a:schemeClr val="accent1">
-              <a:shade val="50000"/>
-            </a:schemeClr>
-          </a:lnRef>
-          <a:fillRef idx="1">
-            <a:schemeClr val="accent1"/>
-          </a:fillRef>
-          <a:effectRef idx="0">
-            <a:schemeClr val="accent1"/>
-          </a:effectRef>
-          <a:fontRef idx="minor">
-            <a:schemeClr val="lt1"/>
-          </a:fontRef>
-        </p:style>
-        <p:txBody>
-          <a:bodyPr rtlCol="0" anchor="ctr"/>
-          <a:lstStyle/>
-          <a:p>
-            <a:pPr algn="ctr"/>
-            <a:endParaRPr lang="zh-TW" altLang="en-US" dirty="0"/>
-          </a:p>
-        </p:txBody>
-      </p:sp>
-      <p:sp>
-        <p:nvSpPr>
-          <p:cNvPr id="8" name="矩形 7">
-            <a:extLst>
-              <a:ext uri="{FF2B5EF4-FFF2-40B4-BE49-F238E27FC236}">
-                <a16:creationId xmlns:a16="http://schemas.microsoft.com/office/drawing/2014/main" id="{844E6CE4-65C5-7B55-EB1C-52F550648F31}"/>
-              </a:ext>
-            </a:extLst>
-          </p:cNvPr>
-          <p:cNvSpPr/>
-          <p:nvPr/>
-        </p:nvSpPr>
-        <p:spPr>
-          <a:xfrm>
-            <a:off x="6384587" y="1957184"/>
-            <a:ext cx="486383" cy="4513634"/>
-          </a:xfrm>
-          <a:prstGeom prst="rect">
-            <a:avLst/>
-          </a:prstGeom>
-          <a:noFill/>
-          <a:ln w="57150">
-            <a:solidFill>
-              <a:srgbClr val="FF0000"/>
-            </a:solidFill>
-            <a:prstDash val="sysDot"/>
-          </a:ln>
-        </p:spPr>
-        <p:style>
-          <a:lnRef idx="2">
-            <a:schemeClr val="accent1">
-              <a:shade val="50000"/>
-            </a:schemeClr>
-          </a:lnRef>
-          <a:fillRef idx="1">
-            <a:schemeClr val="accent1"/>
-          </a:fillRef>
-          <a:effectRef idx="0">
-            <a:schemeClr val="accent1"/>
-          </a:effectRef>
-          <a:fontRef idx="minor">
-            <a:schemeClr val="lt1"/>
-          </a:fontRef>
-        </p:style>
-        <p:txBody>
-          <a:bodyPr rtlCol="0" anchor="ctr"/>
-          <a:lstStyle/>
-          <a:p>
-            <a:pPr algn="ctr"/>
-            <a:endParaRPr lang="zh-TW" altLang="en-US" dirty="0"/>
-          </a:p>
-        </p:txBody>
-      </p:sp>
-      <p:sp>
-        <p:nvSpPr>
-          <p:cNvPr id="9" name="矩形 8">
-            <a:extLst>
-              <a:ext uri="{FF2B5EF4-FFF2-40B4-BE49-F238E27FC236}">
-                <a16:creationId xmlns:a16="http://schemas.microsoft.com/office/drawing/2014/main" id="{0F4F6726-83EB-B2D0-B6B2-2AA7056627E4}"/>
-              </a:ext>
-            </a:extLst>
-          </p:cNvPr>
-          <p:cNvSpPr/>
-          <p:nvPr/>
-        </p:nvSpPr>
-        <p:spPr>
-          <a:xfrm>
-            <a:off x="7678368" y="1957184"/>
-            <a:ext cx="486383" cy="4513634"/>
-          </a:xfrm>
-          <a:prstGeom prst="rect">
-            <a:avLst/>
-          </a:prstGeom>
-          <a:noFill/>
-          <a:ln w="57150">
-            <a:solidFill>
-              <a:srgbClr val="FF0000"/>
-            </a:solidFill>
-            <a:prstDash val="sysDot"/>
-          </a:ln>
-        </p:spPr>
-        <p:style>
-          <a:lnRef idx="2">
-            <a:schemeClr val="accent1">
-              <a:shade val="50000"/>
-            </a:schemeClr>
-          </a:lnRef>
-          <a:fillRef idx="1">
-            <a:schemeClr val="accent1"/>
-          </a:fillRef>
-          <a:effectRef idx="0">
-            <a:schemeClr val="accent1"/>
-          </a:effectRef>
-          <a:fontRef idx="minor">
-            <a:schemeClr val="lt1"/>
-          </a:fontRef>
-        </p:style>
-        <p:txBody>
-          <a:bodyPr rtlCol="0" anchor="ctr"/>
-          <a:lstStyle/>
-          <a:p>
-            <a:pPr algn="ctr"/>
-            <a:endParaRPr lang="zh-TW" altLang="en-US" dirty="0"/>
-          </a:p>
-        </p:txBody>
-      </p:sp>
-      <p:sp>
-        <p:nvSpPr>
-          <p:cNvPr id="10" name="矩形 9">
-            <a:extLst>
-              <a:ext uri="{FF2B5EF4-FFF2-40B4-BE49-F238E27FC236}">
-                <a16:creationId xmlns:a16="http://schemas.microsoft.com/office/drawing/2014/main" id="{645EA756-DF06-9EFD-21F4-44D8FFAB2877}"/>
-              </a:ext>
-            </a:extLst>
-          </p:cNvPr>
-          <p:cNvSpPr/>
-          <p:nvPr/>
-        </p:nvSpPr>
-        <p:spPr>
-          <a:xfrm>
-            <a:off x="9153729" y="1957184"/>
-            <a:ext cx="486383" cy="4513634"/>
-          </a:xfrm>
-          <a:prstGeom prst="rect">
-            <a:avLst/>
-          </a:prstGeom>
-          <a:noFill/>
-          <a:ln w="57150">
-            <a:solidFill>
-              <a:srgbClr val="FF0000"/>
-            </a:solidFill>
-            <a:prstDash val="sysDot"/>
-          </a:ln>
-        </p:spPr>
-        <p:style>
-          <a:lnRef idx="2">
-            <a:schemeClr val="accent1">
-              <a:shade val="50000"/>
-            </a:schemeClr>
-          </a:lnRef>
-          <a:fillRef idx="1">
-            <a:schemeClr val="accent1"/>
-          </a:fillRef>
-          <a:effectRef idx="0">
-            <a:schemeClr val="accent1"/>
-          </a:effectRef>
-          <a:fontRef idx="minor">
-            <a:schemeClr val="lt1"/>
-          </a:fontRef>
-        </p:style>
-        <p:txBody>
-          <a:bodyPr rtlCol="0" anchor="ctr"/>
-          <a:lstStyle/>
-          <a:p>
-            <a:pPr algn="ctr"/>
-            <a:endParaRPr lang="zh-TW" altLang="en-US" dirty="0"/>
-          </a:p>
-        </p:txBody>
-      </p:sp>
-      <p:sp>
-        <p:nvSpPr>
-          <p:cNvPr id="11" name="矩形 10">
-            <a:extLst>
-              <a:ext uri="{FF2B5EF4-FFF2-40B4-BE49-F238E27FC236}">
-                <a16:creationId xmlns:a16="http://schemas.microsoft.com/office/drawing/2014/main" id="{5B61E8B6-479A-05C7-05EF-A64D6F5AFC92}"/>
-              </a:ext>
-            </a:extLst>
-          </p:cNvPr>
-          <p:cNvSpPr/>
-          <p:nvPr/>
-        </p:nvSpPr>
-        <p:spPr>
-          <a:xfrm>
-            <a:off x="10473448" y="1957184"/>
-            <a:ext cx="486383" cy="4513634"/>
-          </a:xfrm>
-          <a:prstGeom prst="rect">
-            <a:avLst/>
-          </a:prstGeom>
-          <a:noFill/>
-          <a:ln w="57150">
-            <a:solidFill>
-              <a:srgbClr val="FF0000"/>
-            </a:solidFill>
-            <a:prstDash val="sysDot"/>
-          </a:ln>
-        </p:spPr>
-        <p:style>
-          <a:lnRef idx="2">
-            <a:schemeClr val="accent1">
-              <a:shade val="50000"/>
-            </a:schemeClr>
-          </a:lnRef>
-          <a:fillRef idx="1">
-            <a:schemeClr val="accent1"/>
-          </a:fillRef>
-          <a:effectRef idx="0">
-            <a:schemeClr val="accent1"/>
-          </a:effectRef>
-          <a:fontRef idx="minor">
-            <a:schemeClr val="lt1"/>
-          </a:fontRef>
-        </p:style>
-        <p:txBody>
-          <a:bodyPr rtlCol="0" anchor="ctr"/>
-          <a:lstStyle/>
-          <a:p>
-            <a:pPr algn="ctr"/>
-            <a:endParaRPr lang="zh-TW" altLang="en-US" dirty="0"/>
-          </a:p>
-        </p:txBody>
-      </p:sp>
-      <p:sp>
-        <p:nvSpPr>
-          <p:cNvPr id="12" name="矩形 11">
-            <a:extLst>
-              <a:ext uri="{FF2B5EF4-FFF2-40B4-BE49-F238E27FC236}">
-                <a16:creationId xmlns:a16="http://schemas.microsoft.com/office/drawing/2014/main" id="{94D97ABF-9CFA-9133-411C-86970864CAC8}"/>
-              </a:ext>
-            </a:extLst>
-          </p:cNvPr>
-          <p:cNvSpPr/>
-          <p:nvPr/>
-        </p:nvSpPr>
-        <p:spPr>
-          <a:xfrm>
-            <a:off x="2247087" y="1979241"/>
-            <a:ext cx="486383" cy="4513634"/>
-          </a:xfrm>
-          <a:prstGeom prst="rect">
-            <a:avLst/>
-          </a:prstGeom>
-          <a:noFill/>
-          <a:ln w="57150">
-            <a:solidFill>
-              <a:srgbClr val="FF0000"/>
-            </a:solidFill>
-            <a:prstDash val="sysDot"/>
-          </a:ln>
-        </p:spPr>
-        <p:style>
-          <a:lnRef idx="2">
-            <a:schemeClr val="accent1">
-              <a:shade val="50000"/>
-            </a:schemeClr>
-          </a:lnRef>
-          <a:fillRef idx="1">
-            <a:schemeClr val="accent1"/>
-          </a:fillRef>
-          <a:effectRef idx="0">
-            <a:schemeClr val="accent1"/>
-          </a:effectRef>
-          <a:fontRef idx="minor">
-            <a:schemeClr val="lt1"/>
-          </a:fontRef>
-        </p:style>
-        <p:txBody>
-          <a:bodyPr rtlCol="0" anchor="ctr"/>
-          <a:lstStyle/>
-          <a:p>
-            <a:pPr algn="ctr"/>
-            <a:endParaRPr lang="zh-TW" altLang="en-US" dirty="0"/>
-          </a:p>
-        </p:txBody>
-      </p:sp>
-      <p:sp>
-        <p:nvSpPr>
-          <p:cNvPr id="13" name="文字方塊 12">
-            <a:extLst>
-              <a:ext uri="{FF2B5EF4-FFF2-40B4-BE49-F238E27FC236}">
-                <a16:creationId xmlns:a16="http://schemas.microsoft.com/office/drawing/2014/main" id="{8DA45A5D-DFA9-1B64-7640-236C27475B4C}"/>
-              </a:ext>
-            </a:extLst>
-          </p:cNvPr>
-          <p:cNvSpPr txBox="1"/>
-          <p:nvPr/>
-        </p:nvSpPr>
-        <p:spPr>
-          <a:xfrm>
-            <a:off x="2081717" y="1299299"/>
-            <a:ext cx="1459151" cy="369332"/>
-          </a:xfrm>
-          <a:prstGeom prst="rect">
-            <a:avLst/>
-          </a:prstGeom>
-          <a:noFill/>
-        </p:spPr>
-        <p:txBody>
-          <a:bodyPr wrap="square" rtlCol="0">
-            <a:spAutoFit/>
-          </a:bodyPr>
-          <a:lstStyle/>
-          <a:p>
-            <a:r>
-              <a:rPr lang="en-US" altLang="zh-TW" dirty="0">
-                <a:solidFill>
-                  <a:srgbClr val="FF0000"/>
-                </a:solidFill>
-              </a:rPr>
-              <a:t>Group1</a:t>
-            </a:r>
-            <a:endParaRPr lang="zh-TW" altLang="en-US" dirty="0">
-              <a:solidFill>
-                <a:srgbClr val="FF0000"/>
-              </a:solidFill>
-            </a:endParaRPr>
-          </a:p>
-        </p:txBody>
-      </p:sp>
-      <p:sp>
-        <p:nvSpPr>
-          <p:cNvPr id="14" name="文字方塊 13">
-            <a:extLst>
-              <a:ext uri="{FF2B5EF4-FFF2-40B4-BE49-F238E27FC236}">
-                <a16:creationId xmlns:a16="http://schemas.microsoft.com/office/drawing/2014/main" id="{E3FFAC2B-F0A9-BC21-9F19-43321E5B4222}"/>
-              </a:ext>
-            </a:extLst>
-          </p:cNvPr>
-          <p:cNvSpPr txBox="1"/>
-          <p:nvPr/>
-        </p:nvSpPr>
-        <p:spPr>
-          <a:xfrm>
-            <a:off x="3383600" y="1299299"/>
-            <a:ext cx="1459151" cy="369332"/>
-          </a:xfrm>
-          <a:prstGeom prst="rect">
-            <a:avLst/>
-          </a:prstGeom>
-          <a:noFill/>
-        </p:spPr>
-        <p:txBody>
-          <a:bodyPr wrap="square" rtlCol="0">
-            <a:spAutoFit/>
-          </a:bodyPr>
-          <a:lstStyle/>
-          <a:p>
-            <a:r>
-              <a:rPr lang="en-US" altLang="zh-TW" dirty="0">
-                <a:solidFill>
-                  <a:srgbClr val="FF0000"/>
-                </a:solidFill>
-              </a:rPr>
-              <a:t>Group2</a:t>
-            </a:r>
-            <a:endParaRPr lang="zh-TW" altLang="en-US" dirty="0">
-              <a:solidFill>
-                <a:srgbClr val="FF0000"/>
-              </a:solidFill>
-            </a:endParaRPr>
           </a:p>
         </p:txBody>
       </p:sp>
     </p:spTree>
     <p:extLst>
       <p:ext uri="{BB962C8B-B14F-4D97-AF65-F5344CB8AC3E}">
-        <p14:creationId xmlns:p14="http://schemas.microsoft.com/office/powerpoint/2010/main" val="3330601349"/>
+        <p14:creationId xmlns:p14="http://schemas.microsoft.com/office/powerpoint/2010/main" val="4051812973"/>
       </p:ext>
     </p:extLst>
   </p:cSld>
@@ -7603,7 +7210,7 @@
           <p:cNvPr id="2" name="標題 1">
             <a:extLst>
               <a:ext uri="{FF2B5EF4-FFF2-40B4-BE49-F238E27FC236}">
-                <a16:creationId xmlns:a16="http://schemas.microsoft.com/office/drawing/2014/main" id="{F088A994-769F-D5F3-F4FC-1CBDD7540D2D}"/>
+                <a16:creationId xmlns:a16="http://schemas.microsoft.com/office/drawing/2014/main" id="{8D4240B2-F578-CF62-D512-1EAAFE6C0D75}"/>
               </a:ext>
             </a:extLst>
           </p:cNvPr>
@@ -7622,15 +7229,7 @@
             <a:pPr algn="ctr"/>
             <a:r>
               <a:rPr lang="en-US" altLang="zh-TW" dirty="0"/>
-              <a:t>LA</a:t>
-            </a:r>
-            <a:r>
-              <a:rPr lang="zh-TW" altLang="en-US" dirty="0"/>
-              <a:t> 不經過處理的</a:t>
-            </a:r>
-            <a:r>
-              <a:rPr lang="en-US" altLang="zh-TW" dirty="0"/>
-              <a:t>Waveform</a:t>
+              <a:t>Data Group</a:t>
             </a:r>
             <a:endParaRPr lang="zh-TW" altLang="en-US" dirty="0"/>
           </a:p>
@@ -7641,7 +7240,7 @@
           <p:cNvPr id="5" name="內容版面配置區 4">
             <a:extLst>
               <a:ext uri="{FF2B5EF4-FFF2-40B4-BE49-F238E27FC236}">
-                <a16:creationId xmlns:a16="http://schemas.microsoft.com/office/drawing/2014/main" id="{D45CD3D2-2AF4-7403-A594-B7DB1B6339D3}"/>
+                <a16:creationId xmlns:a16="http://schemas.microsoft.com/office/drawing/2014/main" id="{B4BE2AF3-3935-2060-EE77-9DE7C59D5FCD}"/>
               </a:ext>
             </a:extLst>
           </p:cNvPr>
@@ -7653,27 +7252,487 @@
           </p:nvPr>
         </p:nvPicPr>
         <p:blipFill>
-          <a:blip r:embed="rId3">
+          <a:blip r:embed="rId2">
             <a:extLst>
               <a:ext uri="{28A0092B-C50C-407E-A947-70E740481C1C}">
                 <a14:useLocalDpi xmlns:a14="http://schemas.microsoft.com/office/drawing/2010/main" val="0"/>
               </a:ext>
             </a:extLst>
           </a:blip>
-          <a:srcRect/>
-          <a:stretch/>
+          <a:stretch>
+            <a:fillRect/>
+          </a:stretch>
         </p:blipFill>
         <p:spPr>
           <a:xfrm>
-            <a:off x="1560547" y="1825625"/>
-            <a:ext cx="9070906" cy="4351338"/>
+            <a:off x="838200" y="1789889"/>
+            <a:ext cx="10515600" cy="4581728"/>
           </a:xfrm>
         </p:spPr>
       </p:pic>
+      <p:sp>
+        <p:nvSpPr>
+          <p:cNvPr id="6" name="矩形 5">
+            <a:extLst>
+              <a:ext uri="{FF2B5EF4-FFF2-40B4-BE49-F238E27FC236}">
+                <a16:creationId xmlns:a16="http://schemas.microsoft.com/office/drawing/2014/main" id="{7E3972CA-9895-D02B-B2B2-25E0CA83774F}"/>
+              </a:ext>
+            </a:extLst>
+          </p:cNvPr>
+          <p:cNvSpPr/>
+          <p:nvPr/>
+        </p:nvSpPr>
+        <p:spPr>
+          <a:xfrm>
+            <a:off x="3540868" y="1957184"/>
+            <a:ext cx="486383" cy="4513634"/>
+          </a:xfrm>
+          <a:prstGeom prst="rect">
+            <a:avLst/>
+          </a:prstGeom>
+          <a:noFill/>
+          <a:ln w="57150">
+            <a:solidFill>
+              <a:srgbClr val="FF0000"/>
+            </a:solidFill>
+            <a:prstDash val="sysDot"/>
+          </a:ln>
+        </p:spPr>
+        <p:style>
+          <a:lnRef idx="2">
+            <a:schemeClr val="accent1">
+              <a:shade val="50000"/>
+            </a:schemeClr>
+          </a:lnRef>
+          <a:fillRef idx="1">
+            <a:schemeClr val="accent1"/>
+          </a:fillRef>
+          <a:effectRef idx="0">
+            <a:schemeClr val="accent1"/>
+          </a:effectRef>
+          <a:fontRef idx="minor">
+            <a:schemeClr val="lt1"/>
+          </a:fontRef>
+        </p:style>
+        <p:txBody>
+          <a:bodyPr rtlCol="0" anchor="ctr"/>
+          <a:lstStyle/>
+          <a:p>
+            <a:pPr algn="ctr"/>
+            <a:endParaRPr lang="zh-TW" altLang="en-US" dirty="0"/>
+          </a:p>
+        </p:txBody>
+      </p:sp>
+      <p:sp>
+        <p:nvSpPr>
+          <p:cNvPr id="7" name="矩形 6">
+            <a:extLst>
+              <a:ext uri="{FF2B5EF4-FFF2-40B4-BE49-F238E27FC236}">
+                <a16:creationId xmlns:a16="http://schemas.microsoft.com/office/drawing/2014/main" id="{4A6AF674-F91B-80F0-B5D3-71347C318DC1}"/>
+              </a:ext>
+            </a:extLst>
+          </p:cNvPr>
+          <p:cNvSpPr/>
+          <p:nvPr/>
+        </p:nvSpPr>
+        <p:spPr>
+          <a:xfrm>
+            <a:off x="4928680" y="1957184"/>
+            <a:ext cx="486383" cy="4513634"/>
+          </a:xfrm>
+          <a:prstGeom prst="rect">
+            <a:avLst/>
+          </a:prstGeom>
+          <a:noFill/>
+          <a:ln w="57150">
+            <a:solidFill>
+              <a:srgbClr val="FF0000"/>
+            </a:solidFill>
+            <a:prstDash val="sysDot"/>
+          </a:ln>
+        </p:spPr>
+        <p:style>
+          <a:lnRef idx="2">
+            <a:schemeClr val="accent1">
+              <a:shade val="50000"/>
+            </a:schemeClr>
+          </a:lnRef>
+          <a:fillRef idx="1">
+            <a:schemeClr val="accent1"/>
+          </a:fillRef>
+          <a:effectRef idx="0">
+            <a:schemeClr val="accent1"/>
+          </a:effectRef>
+          <a:fontRef idx="minor">
+            <a:schemeClr val="lt1"/>
+          </a:fontRef>
+        </p:style>
+        <p:txBody>
+          <a:bodyPr rtlCol="0" anchor="ctr"/>
+          <a:lstStyle/>
+          <a:p>
+            <a:pPr algn="ctr"/>
+            <a:endParaRPr lang="zh-TW" altLang="en-US" dirty="0"/>
+          </a:p>
+        </p:txBody>
+      </p:sp>
+      <p:sp>
+        <p:nvSpPr>
+          <p:cNvPr id="8" name="矩形 7">
+            <a:extLst>
+              <a:ext uri="{FF2B5EF4-FFF2-40B4-BE49-F238E27FC236}">
+                <a16:creationId xmlns:a16="http://schemas.microsoft.com/office/drawing/2014/main" id="{844E6CE4-65C5-7B55-EB1C-52F550648F31}"/>
+              </a:ext>
+            </a:extLst>
+          </p:cNvPr>
+          <p:cNvSpPr/>
+          <p:nvPr/>
+        </p:nvSpPr>
+        <p:spPr>
+          <a:xfrm>
+            <a:off x="6384587" y="1957184"/>
+            <a:ext cx="486383" cy="4513634"/>
+          </a:xfrm>
+          <a:prstGeom prst="rect">
+            <a:avLst/>
+          </a:prstGeom>
+          <a:noFill/>
+          <a:ln w="57150">
+            <a:solidFill>
+              <a:srgbClr val="FF0000"/>
+            </a:solidFill>
+            <a:prstDash val="sysDot"/>
+          </a:ln>
+        </p:spPr>
+        <p:style>
+          <a:lnRef idx="2">
+            <a:schemeClr val="accent1">
+              <a:shade val="50000"/>
+            </a:schemeClr>
+          </a:lnRef>
+          <a:fillRef idx="1">
+            <a:schemeClr val="accent1"/>
+          </a:fillRef>
+          <a:effectRef idx="0">
+            <a:schemeClr val="accent1"/>
+          </a:effectRef>
+          <a:fontRef idx="minor">
+            <a:schemeClr val="lt1"/>
+          </a:fontRef>
+        </p:style>
+        <p:txBody>
+          <a:bodyPr rtlCol="0" anchor="ctr"/>
+          <a:lstStyle/>
+          <a:p>
+            <a:pPr algn="ctr"/>
+            <a:endParaRPr lang="zh-TW" altLang="en-US" dirty="0"/>
+          </a:p>
+        </p:txBody>
+      </p:sp>
+      <p:sp>
+        <p:nvSpPr>
+          <p:cNvPr id="9" name="矩形 8">
+            <a:extLst>
+              <a:ext uri="{FF2B5EF4-FFF2-40B4-BE49-F238E27FC236}">
+                <a16:creationId xmlns:a16="http://schemas.microsoft.com/office/drawing/2014/main" id="{0F4F6726-83EB-B2D0-B6B2-2AA7056627E4}"/>
+              </a:ext>
+            </a:extLst>
+          </p:cNvPr>
+          <p:cNvSpPr/>
+          <p:nvPr/>
+        </p:nvSpPr>
+        <p:spPr>
+          <a:xfrm>
+            <a:off x="7678368" y="1957184"/>
+            <a:ext cx="486383" cy="4513634"/>
+          </a:xfrm>
+          <a:prstGeom prst="rect">
+            <a:avLst/>
+          </a:prstGeom>
+          <a:noFill/>
+          <a:ln w="57150">
+            <a:solidFill>
+              <a:srgbClr val="FF0000"/>
+            </a:solidFill>
+            <a:prstDash val="sysDot"/>
+          </a:ln>
+        </p:spPr>
+        <p:style>
+          <a:lnRef idx="2">
+            <a:schemeClr val="accent1">
+              <a:shade val="50000"/>
+            </a:schemeClr>
+          </a:lnRef>
+          <a:fillRef idx="1">
+            <a:schemeClr val="accent1"/>
+          </a:fillRef>
+          <a:effectRef idx="0">
+            <a:schemeClr val="accent1"/>
+          </a:effectRef>
+          <a:fontRef idx="minor">
+            <a:schemeClr val="lt1"/>
+          </a:fontRef>
+        </p:style>
+        <p:txBody>
+          <a:bodyPr rtlCol="0" anchor="ctr"/>
+          <a:lstStyle/>
+          <a:p>
+            <a:pPr algn="ctr"/>
+            <a:endParaRPr lang="zh-TW" altLang="en-US" dirty="0"/>
+          </a:p>
+        </p:txBody>
+      </p:sp>
+      <p:sp>
+        <p:nvSpPr>
+          <p:cNvPr id="10" name="矩形 9">
+            <a:extLst>
+              <a:ext uri="{FF2B5EF4-FFF2-40B4-BE49-F238E27FC236}">
+                <a16:creationId xmlns:a16="http://schemas.microsoft.com/office/drawing/2014/main" id="{645EA756-DF06-9EFD-21F4-44D8FFAB2877}"/>
+              </a:ext>
+            </a:extLst>
+          </p:cNvPr>
+          <p:cNvSpPr/>
+          <p:nvPr/>
+        </p:nvSpPr>
+        <p:spPr>
+          <a:xfrm>
+            <a:off x="9153729" y="1957184"/>
+            <a:ext cx="486383" cy="4513634"/>
+          </a:xfrm>
+          <a:prstGeom prst="rect">
+            <a:avLst/>
+          </a:prstGeom>
+          <a:noFill/>
+          <a:ln w="57150">
+            <a:solidFill>
+              <a:srgbClr val="FF0000"/>
+            </a:solidFill>
+            <a:prstDash val="sysDot"/>
+          </a:ln>
+        </p:spPr>
+        <p:style>
+          <a:lnRef idx="2">
+            <a:schemeClr val="accent1">
+              <a:shade val="50000"/>
+            </a:schemeClr>
+          </a:lnRef>
+          <a:fillRef idx="1">
+            <a:schemeClr val="accent1"/>
+          </a:fillRef>
+          <a:effectRef idx="0">
+            <a:schemeClr val="accent1"/>
+          </a:effectRef>
+          <a:fontRef idx="minor">
+            <a:schemeClr val="lt1"/>
+          </a:fontRef>
+        </p:style>
+        <p:txBody>
+          <a:bodyPr rtlCol="0" anchor="ctr"/>
+          <a:lstStyle/>
+          <a:p>
+            <a:pPr algn="ctr"/>
+            <a:endParaRPr lang="zh-TW" altLang="en-US" dirty="0"/>
+          </a:p>
+        </p:txBody>
+      </p:sp>
+      <p:sp>
+        <p:nvSpPr>
+          <p:cNvPr id="11" name="矩形 10">
+            <a:extLst>
+              <a:ext uri="{FF2B5EF4-FFF2-40B4-BE49-F238E27FC236}">
+                <a16:creationId xmlns:a16="http://schemas.microsoft.com/office/drawing/2014/main" id="{5B61E8B6-479A-05C7-05EF-A64D6F5AFC92}"/>
+              </a:ext>
+            </a:extLst>
+          </p:cNvPr>
+          <p:cNvSpPr/>
+          <p:nvPr/>
+        </p:nvSpPr>
+        <p:spPr>
+          <a:xfrm>
+            <a:off x="10473448" y="1957184"/>
+            <a:ext cx="486383" cy="4513634"/>
+          </a:xfrm>
+          <a:prstGeom prst="rect">
+            <a:avLst/>
+          </a:prstGeom>
+          <a:noFill/>
+          <a:ln w="57150">
+            <a:solidFill>
+              <a:srgbClr val="FF0000"/>
+            </a:solidFill>
+            <a:prstDash val="sysDot"/>
+          </a:ln>
+        </p:spPr>
+        <p:style>
+          <a:lnRef idx="2">
+            <a:schemeClr val="accent1">
+              <a:shade val="50000"/>
+            </a:schemeClr>
+          </a:lnRef>
+          <a:fillRef idx="1">
+            <a:schemeClr val="accent1"/>
+          </a:fillRef>
+          <a:effectRef idx="0">
+            <a:schemeClr val="accent1"/>
+          </a:effectRef>
+          <a:fontRef idx="minor">
+            <a:schemeClr val="lt1"/>
+          </a:fontRef>
+        </p:style>
+        <p:txBody>
+          <a:bodyPr rtlCol="0" anchor="ctr"/>
+          <a:lstStyle/>
+          <a:p>
+            <a:pPr algn="ctr"/>
+            <a:endParaRPr lang="zh-TW" altLang="en-US" dirty="0"/>
+          </a:p>
+        </p:txBody>
+      </p:sp>
+      <p:sp>
+        <p:nvSpPr>
+          <p:cNvPr id="12" name="矩形 11">
+            <a:extLst>
+              <a:ext uri="{FF2B5EF4-FFF2-40B4-BE49-F238E27FC236}">
+                <a16:creationId xmlns:a16="http://schemas.microsoft.com/office/drawing/2014/main" id="{94D97ABF-9CFA-9133-411C-86970864CAC8}"/>
+              </a:ext>
+            </a:extLst>
+          </p:cNvPr>
+          <p:cNvSpPr/>
+          <p:nvPr/>
+        </p:nvSpPr>
+        <p:spPr>
+          <a:xfrm>
+            <a:off x="2247087" y="1979241"/>
+            <a:ext cx="486383" cy="4513634"/>
+          </a:xfrm>
+          <a:prstGeom prst="rect">
+            <a:avLst/>
+          </a:prstGeom>
+          <a:noFill/>
+          <a:ln w="57150">
+            <a:solidFill>
+              <a:srgbClr val="FF0000"/>
+            </a:solidFill>
+            <a:prstDash val="sysDot"/>
+          </a:ln>
+        </p:spPr>
+        <p:style>
+          <a:lnRef idx="2">
+            <a:schemeClr val="accent1">
+              <a:shade val="50000"/>
+            </a:schemeClr>
+          </a:lnRef>
+          <a:fillRef idx="1">
+            <a:schemeClr val="accent1"/>
+          </a:fillRef>
+          <a:effectRef idx="0">
+            <a:schemeClr val="accent1"/>
+          </a:effectRef>
+          <a:fontRef idx="minor">
+            <a:schemeClr val="lt1"/>
+          </a:fontRef>
+        </p:style>
+        <p:txBody>
+          <a:bodyPr rtlCol="0" anchor="ctr"/>
+          <a:lstStyle/>
+          <a:p>
+            <a:pPr algn="ctr"/>
+            <a:endParaRPr lang="zh-TW" altLang="en-US" dirty="0"/>
+          </a:p>
+        </p:txBody>
+      </p:sp>
+      <p:sp>
+        <p:nvSpPr>
+          <p:cNvPr id="13" name="文字方塊 12">
+            <a:extLst>
+              <a:ext uri="{FF2B5EF4-FFF2-40B4-BE49-F238E27FC236}">
+                <a16:creationId xmlns:a16="http://schemas.microsoft.com/office/drawing/2014/main" id="{8DA45A5D-DFA9-1B64-7640-236C27475B4C}"/>
+              </a:ext>
+            </a:extLst>
+          </p:cNvPr>
+          <p:cNvSpPr txBox="1"/>
+          <p:nvPr/>
+        </p:nvSpPr>
+        <p:spPr>
+          <a:xfrm>
+            <a:off x="2081717" y="1299299"/>
+            <a:ext cx="1459151" cy="369332"/>
+          </a:xfrm>
+          <a:prstGeom prst="rect">
+            <a:avLst/>
+          </a:prstGeom>
+          <a:noFill/>
+        </p:spPr>
+        <p:txBody>
+          <a:bodyPr wrap="square" rtlCol="0">
+            <a:spAutoFit/>
+          </a:bodyPr>
+          <a:lstStyle/>
+          <a:p>
+            <a:r>
+              <a:rPr lang="en-US" altLang="zh-TW" dirty="0">
+                <a:solidFill>
+                  <a:srgbClr val="FF0000"/>
+                </a:solidFill>
+              </a:rPr>
+              <a:t>Group1</a:t>
+            </a:r>
+            <a:endParaRPr lang="zh-TW" altLang="en-US" dirty="0">
+              <a:solidFill>
+                <a:srgbClr val="FF0000"/>
+              </a:solidFill>
+            </a:endParaRPr>
+          </a:p>
+        </p:txBody>
+      </p:sp>
+      <p:sp>
+        <p:nvSpPr>
+          <p:cNvPr id="14" name="文字方塊 13">
+            <a:extLst>
+              <a:ext uri="{FF2B5EF4-FFF2-40B4-BE49-F238E27FC236}">
+                <a16:creationId xmlns:a16="http://schemas.microsoft.com/office/drawing/2014/main" id="{E3FFAC2B-F0A9-BC21-9F19-43321E5B4222}"/>
+              </a:ext>
+            </a:extLst>
+          </p:cNvPr>
+          <p:cNvSpPr txBox="1"/>
+          <p:nvPr/>
+        </p:nvSpPr>
+        <p:spPr>
+          <a:xfrm>
+            <a:off x="3383600" y="1299299"/>
+            <a:ext cx="1459151" cy="369332"/>
+          </a:xfrm>
+          <a:prstGeom prst="rect">
+            <a:avLst/>
+          </a:prstGeom>
+          <a:noFill/>
+        </p:spPr>
+        <p:txBody>
+          <a:bodyPr wrap="square" rtlCol="0">
+            <a:spAutoFit/>
+          </a:bodyPr>
+          <a:lstStyle/>
+          <a:p>
+            <a:r>
+              <a:rPr lang="en-US" altLang="zh-TW" dirty="0">
+                <a:solidFill>
+                  <a:srgbClr val="FF0000"/>
+                </a:solidFill>
+              </a:rPr>
+              <a:t>Group2</a:t>
+            </a:r>
+            <a:endParaRPr lang="zh-TW" altLang="en-US" dirty="0">
+              <a:solidFill>
+                <a:srgbClr val="FF0000"/>
+              </a:solidFill>
+            </a:endParaRPr>
+          </a:p>
+        </p:txBody>
+      </p:sp>
     </p:spTree>
     <p:extLst>
       <p:ext uri="{BB962C8B-B14F-4D97-AF65-F5344CB8AC3E}">
-        <p14:creationId xmlns:p14="http://schemas.microsoft.com/office/powerpoint/2010/main" val="32255695"/>
+        <p14:creationId xmlns:p14="http://schemas.microsoft.com/office/powerpoint/2010/main" val="3330601349"/>
       </p:ext>
     </p:extLst>
   </p:cSld>
@@ -7705,7 +7764,7 @@
           <p:cNvPr id="2" name="標題 1">
             <a:extLst>
               <a:ext uri="{FF2B5EF4-FFF2-40B4-BE49-F238E27FC236}">
-                <a16:creationId xmlns:a16="http://schemas.microsoft.com/office/drawing/2014/main" id="{639912DB-C67F-6204-4CF5-2C81427E4ADE}"/>
+                <a16:creationId xmlns:a16="http://schemas.microsoft.com/office/drawing/2014/main" id="{F088A994-769F-D5F3-F4FC-1CBDD7540D2D}"/>
               </a:ext>
             </a:extLst>
           </p:cNvPr>
@@ -7724,11 +7783,11 @@
             <a:pPr algn="ctr"/>
             <a:r>
               <a:rPr lang="en-US" altLang="zh-TW" dirty="0"/>
-              <a:t>Sample</a:t>
-            </a:r>
-            <a:r>
-              <a:rPr lang="zh-TW" altLang="en-US" dirty="0"/>
-              <a:t>後的</a:t>
+              <a:t>LA</a:t>
+            </a:r>
+            <a:r>
+              <a:rPr lang="zh-TW" altLang="en-US" dirty="0"/>
+              <a:t> 不經過處理的</a:t>
             </a:r>
             <a:r>
               <a:rPr lang="en-US" altLang="zh-TW" dirty="0"/>
@@ -7743,7 +7802,7 @@
           <p:cNvPr id="5" name="內容版面配置區 4">
             <a:extLst>
               <a:ext uri="{FF2B5EF4-FFF2-40B4-BE49-F238E27FC236}">
-                <a16:creationId xmlns:a16="http://schemas.microsoft.com/office/drawing/2014/main" id="{2631EA26-9809-95D1-32E7-6ACAF2AE9EE4}"/>
+                <a16:creationId xmlns:a16="http://schemas.microsoft.com/office/drawing/2014/main" id="{D45CD3D2-2AF4-7403-A594-B7DB1B6339D3}"/>
               </a:ext>
             </a:extLst>
           </p:cNvPr>
@@ -7755,7 +7814,7 @@
           </p:nvPr>
         </p:nvPicPr>
         <p:blipFill>
-          <a:blip r:embed="rId2">
+          <a:blip r:embed="rId3">
             <a:extLst>
               <a:ext uri="{28A0092B-C50C-407E-A947-70E740481C1C}">
                 <a14:useLocalDpi xmlns:a14="http://schemas.microsoft.com/office/drawing/2010/main" val="0"/>
@@ -7767,15 +7826,15 @@
         </p:blipFill>
         <p:spPr>
           <a:xfrm>
-            <a:off x="1615158" y="1842038"/>
-            <a:ext cx="8961684" cy="4318511"/>
+            <a:off x="1560547" y="1825625"/>
+            <a:ext cx="9070906" cy="4351338"/>
           </a:xfrm>
         </p:spPr>
       </p:pic>
     </p:spTree>
     <p:extLst>
       <p:ext uri="{BB962C8B-B14F-4D97-AF65-F5344CB8AC3E}">
-        <p14:creationId xmlns:p14="http://schemas.microsoft.com/office/powerpoint/2010/main" val="2200525099"/>
+        <p14:creationId xmlns:p14="http://schemas.microsoft.com/office/powerpoint/2010/main" val="32255695"/>
       </p:ext>
     </p:extLst>
   </p:cSld>
@@ -7807,7 +7866,7 @@
           <p:cNvPr id="2" name="標題 1">
             <a:extLst>
               <a:ext uri="{FF2B5EF4-FFF2-40B4-BE49-F238E27FC236}">
-                <a16:creationId xmlns:a16="http://schemas.microsoft.com/office/drawing/2014/main" id="{64FD2677-F2BC-1AEC-3142-38AE75A23EB0}"/>
+                <a16:creationId xmlns:a16="http://schemas.microsoft.com/office/drawing/2014/main" id="{639912DB-C67F-6204-4CF5-2C81427E4ADE}"/>
               </a:ext>
             </a:extLst>
           </p:cNvPr>
@@ -7825,67 +7884,59 @@
           <a:p>
             <a:pPr algn="ctr"/>
             <a:r>
-              <a:rPr lang="zh-TW" altLang="en-US" dirty="0"/>
-              <a:t>總結</a:t>
-            </a:r>
-          </a:p>
-        </p:txBody>
-      </p:sp>
-      <p:sp>
-        <p:nvSpPr>
-          <p:cNvPr id="3" name="內容版面配置區 2">
-            <a:extLst>
-              <a:ext uri="{FF2B5EF4-FFF2-40B4-BE49-F238E27FC236}">
-                <a16:creationId xmlns:a16="http://schemas.microsoft.com/office/drawing/2014/main" id="{B74ED5F4-D303-5CBD-8613-D37E68EE39CF}"/>
-              </a:ext>
-            </a:extLst>
-          </p:cNvPr>
-          <p:cNvSpPr>
-            <a:spLocks noGrp="1"/>
-          </p:cNvSpPr>
+              <a:rPr lang="en-US" altLang="zh-TW" dirty="0"/>
+              <a:t>Sample</a:t>
+            </a:r>
+            <a:r>
+              <a:rPr lang="zh-TW" altLang="en-US" dirty="0"/>
+              <a:t>後的</a:t>
+            </a:r>
+            <a:r>
+              <a:rPr lang="en-US" altLang="zh-TW" dirty="0"/>
+              <a:t>Waveform</a:t>
+            </a:r>
+            <a:endParaRPr lang="zh-TW" altLang="en-US" dirty="0"/>
+          </a:p>
+        </p:txBody>
+      </p:sp>
+      <p:pic>
+        <p:nvPicPr>
+          <p:cNvPr id="5" name="內容版面配置區 4">
+            <a:extLst>
+              <a:ext uri="{FF2B5EF4-FFF2-40B4-BE49-F238E27FC236}">
+                <a16:creationId xmlns:a16="http://schemas.microsoft.com/office/drawing/2014/main" id="{2631EA26-9809-95D1-32E7-6ACAF2AE9EE4}"/>
+              </a:ext>
+            </a:extLst>
+          </p:cNvPr>
+          <p:cNvPicPr>
+            <a:picLocks noGrp="1" noChangeAspect="1"/>
+          </p:cNvPicPr>
           <p:nvPr>
             <p:ph idx="1"/>
           </p:nvPr>
-        </p:nvSpPr>
-        <p:spPr/>
-        <p:txBody>
-          <a:bodyPr/>
-          <a:lstStyle/>
-          <a:p>
-            <a:pPr marL="0" indent="0">
-              <a:buNone/>
-            </a:pPr>
-            <a:r>
-              <a:rPr lang="en-US" altLang="zh-TW" dirty="0"/>
-              <a:t>1. ADC</a:t>
-            </a:r>
-            <a:r>
-              <a:rPr lang="zh-TW" altLang="en-US" dirty="0"/>
-              <a:t> 架構讓</a:t>
-            </a:r>
-            <a:r>
-              <a:rPr lang="en-US" altLang="zh-TW" dirty="0"/>
-              <a:t>FW</a:t>
-            </a:r>
-            <a:r>
-              <a:rPr lang="zh-TW" altLang="en-US" dirty="0"/>
-              <a:t>能夠快速模擬數位硬體行為，降低學長們</a:t>
-            </a:r>
-            <a:r>
-              <a:rPr lang="en-US" altLang="zh-TW" dirty="0"/>
-              <a:t>Sim code</a:t>
-            </a:r>
-            <a:r>
-              <a:rPr lang="zh-TW" altLang="en-US" dirty="0"/>
-              <a:t>的時間</a:t>
-            </a:r>
-          </a:p>
-        </p:txBody>
-      </p:sp>
+        </p:nvPicPr>
+        <p:blipFill>
+          <a:blip r:embed="rId2">
+            <a:extLst>
+              <a:ext uri="{28A0092B-C50C-407E-A947-70E740481C1C}">
+                <a14:useLocalDpi xmlns:a14="http://schemas.microsoft.com/office/drawing/2010/main" val="0"/>
+              </a:ext>
+            </a:extLst>
+          </a:blip>
+          <a:srcRect/>
+          <a:stretch/>
+        </p:blipFill>
+        <p:spPr>
+          <a:xfrm>
+            <a:off x="1615158" y="1842038"/>
+            <a:ext cx="8961684" cy="4318511"/>
+          </a:xfrm>
+        </p:spPr>
+      </p:pic>
     </p:spTree>
     <p:extLst>
       <p:ext uri="{BB962C8B-B14F-4D97-AF65-F5344CB8AC3E}">
-        <p14:creationId xmlns:p14="http://schemas.microsoft.com/office/powerpoint/2010/main" val="172761753"/>
+        <p14:creationId xmlns:p14="http://schemas.microsoft.com/office/powerpoint/2010/main" val="2200525099"/>
       </p:ext>
     </p:extLst>
   </p:cSld>
@@ -8150,7 +8201,7 @@
           <p:cNvPr id="2" name="標題 1">
             <a:extLst>
               <a:ext uri="{FF2B5EF4-FFF2-40B4-BE49-F238E27FC236}">
-                <a16:creationId xmlns:a16="http://schemas.microsoft.com/office/drawing/2014/main" id="{FA0E620C-9F23-2AF8-42C2-543FD8E93800}"/>
+                <a16:creationId xmlns:a16="http://schemas.microsoft.com/office/drawing/2014/main" id="{64FD2677-F2BC-1AEC-3142-38AE75A23EB0}"/>
               </a:ext>
             </a:extLst>
           </p:cNvPr>
@@ -8169,7 +8220,7 @@
             <a:pPr algn="ctr"/>
             <a:r>
               <a:rPr lang="zh-TW" altLang="en-US" dirty="0"/>
-              <a:t>數位架構</a:t>
+              <a:t>總結</a:t>
             </a:r>
           </a:p>
         </p:txBody>
@@ -8179,7 +8230,7 @@
           <p:cNvPr id="3" name="內容版面配置區 2">
             <a:extLst>
               <a:ext uri="{FF2B5EF4-FFF2-40B4-BE49-F238E27FC236}">
-                <a16:creationId xmlns:a16="http://schemas.microsoft.com/office/drawing/2014/main" id="{134E4868-8224-3AB5-A489-C7A069BC88F9}"/>
+                <a16:creationId xmlns:a16="http://schemas.microsoft.com/office/drawing/2014/main" id="{B74ED5F4-D303-5CBD-8613-D37E68EE39CF}"/>
               </a:ext>
             </a:extLst>
           </p:cNvPr>
@@ -8199,24 +8250,12 @@
               <a:buNone/>
             </a:pPr>
             <a:r>
-              <a:rPr lang="zh-TW" altLang="en-US" dirty="0"/>
-              <a:t>目的 </a:t>
-            </a:r>
-            <a:r>
-              <a:rPr lang="en-US" altLang="zh-TW" dirty="0"/>
-              <a:t>:</a:t>
-            </a:r>
-            <a:r>
-              <a:rPr lang="zh-TW" altLang="en-US" dirty="0"/>
-              <a:t> 透過</a:t>
-            </a:r>
-            <a:r>
-              <a:rPr lang="en-US" altLang="zh-TW" dirty="0"/>
-              <a:t>ADC</a:t>
-            </a:r>
-            <a:r>
-              <a:rPr lang="zh-TW" altLang="en-US" dirty="0"/>
-              <a:t> 架構，</a:t>
+              <a:rPr lang="en-US" altLang="zh-TW" dirty="0"/>
+              <a:t>1. ADC</a:t>
+            </a:r>
+            <a:r>
+              <a:rPr lang="zh-TW" altLang="en-US" dirty="0"/>
+              <a:t> 架構讓</a:t>
             </a:r>
             <a:r>
               <a:rPr lang="en-US" altLang="zh-TW" dirty="0"/>
@@ -8224,7 +8263,15 @@
             </a:r>
             <a:r>
               <a:rPr lang="zh-TW" altLang="en-US" dirty="0"/>
-              <a:t>能夠模擬後續硬體處理訊號以及解析訊號的過程</a:t>
+              <a:t>能夠快速模擬數位硬體行為，降低學長們</a:t>
+            </a:r>
+            <a:r>
+              <a:rPr lang="en-US" altLang="zh-TW" dirty="0"/>
+              <a:t>Sim code</a:t>
+            </a:r>
+            <a:r>
+              <a:rPr lang="zh-TW" altLang="en-US" dirty="0"/>
+              <a:t>的時間</a:t>
             </a:r>
           </a:p>
         </p:txBody>
@@ -8232,7 +8279,7 @@
     </p:spTree>
     <p:extLst>
       <p:ext uri="{BB962C8B-B14F-4D97-AF65-F5344CB8AC3E}">
-        <p14:creationId xmlns:p14="http://schemas.microsoft.com/office/powerpoint/2010/main" val="2463456155"/>
+        <p14:creationId xmlns:p14="http://schemas.microsoft.com/office/powerpoint/2010/main" val="172761753"/>
       </p:ext>
     </p:extLst>
   </p:cSld>
@@ -8264,6 +8311,120 @@
           <p:cNvPr id="2" name="標題 1">
             <a:extLst>
               <a:ext uri="{FF2B5EF4-FFF2-40B4-BE49-F238E27FC236}">
+                <a16:creationId xmlns:a16="http://schemas.microsoft.com/office/drawing/2014/main" id="{FA0E620C-9F23-2AF8-42C2-543FD8E93800}"/>
+              </a:ext>
+            </a:extLst>
+          </p:cNvPr>
+          <p:cNvSpPr>
+            <a:spLocks noGrp="1"/>
+          </p:cNvSpPr>
+          <p:nvPr>
+            <p:ph type="title"/>
+          </p:nvPr>
+        </p:nvSpPr>
+        <p:spPr/>
+        <p:txBody>
+          <a:bodyPr/>
+          <a:lstStyle/>
+          <a:p>
+            <a:pPr algn="ctr"/>
+            <a:r>
+              <a:rPr lang="zh-TW" altLang="en-US" dirty="0"/>
+              <a:t>數位架構</a:t>
+            </a:r>
+          </a:p>
+        </p:txBody>
+      </p:sp>
+      <p:sp>
+        <p:nvSpPr>
+          <p:cNvPr id="3" name="內容版面配置區 2">
+            <a:extLst>
+              <a:ext uri="{FF2B5EF4-FFF2-40B4-BE49-F238E27FC236}">
+                <a16:creationId xmlns:a16="http://schemas.microsoft.com/office/drawing/2014/main" id="{134E4868-8224-3AB5-A489-C7A069BC88F9}"/>
+              </a:ext>
+            </a:extLst>
+          </p:cNvPr>
+          <p:cNvSpPr>
+            <a:spLocks noGrp="1"/>
+          </p:cNvSpPr>
+          <p:nvPr>
+            <p:ph idx="1"/>
+          </p:nvPr>
+        </p:nvSpPr>
+        <p:spPr/>
+        <p:txBody>
+          <a:bodyPr/>
+          <a:lstStyle/>
+          <a:p>
+            <a:pPr marL="0" indent="0">
+              <a:buNone/>
+            </a:pPr>
+            <a:r>
+              <a:rPr lang="zh-TW" altLang="en-US" dirty="0"/>
+              <a:t>目的 </a:t>
+            </a:r>
+            <a:r>
+              <a:rPr lang="en-US" altLang="zh-TW" dirty="0"/>
+              <a:t>:</a:t>
+            </a:r>
+            <a:r>
+              <a:rPr lang="zh-TW" altLang="en-US" dirty="0"/>
+              <a:t> 透過</a:t>
+            </a:r>
+            <a:r>
+              <a:rPr lang="en-US" altLang="zh-TW" dirty="0"/>
+              <a:t>ADC</a:t>
+            </a:r>
+            <a:r>
+              <a:rPr lang="zh-TW" altLang="en-US" dirty="0"/>
+              <a:t> 架構，</a:t>
+            </a:r>
+            <a:r>
+              <a:rPr lang="en-US" altLang="zh-TW" dirty="0"/>
+              <a:t>FW</a:t>
+            </a:r>
+            <a:r>
+              <a:rPr lang="zh-TW" altLang="en-US" dirty="0"/>
+              <a:t>能夠模擬後續硬體處理訊號以及解析訊號的過程</a:t>
+            </a:r>
+          </a:p>
+        </p:txBody>
+      </p:sp>
+    </p:spTree>
+    <p:extLst>
+      <p:ext uri="{BB962C8B-B14F-4D97-AF65-F5344CB8AC3E}">
+        <p14:creationId xmlns:p14="http://schemas.microsoft.com/office/powerpoint/2010/main" val="2463456155"/>
+      </p:ext>
+    </p:extLst>
+  </p:cSld>
+  <p:clrMapOvr>
+    <a:masterClrMapping/>
+  </p:clrMapOvr>
+</p:sld>
+</file>
+
+<file path=ppt/slides/slide22.xml><?xml version="1.0" encoding="utf-8"?>
+<p:sld xmlns:a="http://schemas.openxmlformats.org/drawingml/2006/main" xmlns:r="http://schemas.openxmlformats.org/officeDocument/2006/relationships" xmlns:p="http://schemas.openxmlformats.org/presentationml/2006/main">
+  <p:cSld>
+    <p:spTree>
+      <p:nvGrpSpPr>
+        <p:cNvPr id="1" name=""/>
+        <p:cNvGrpSpPr/>
+        <p:nvPr/>
+      </p:nvGrpSpPr>
+      <p:grpSpPr>
+        <a:xfrm>
+          <a:off x="0" y="0"/>
+          <a:ext cx="0" cy="0"/>
+          <a:chOff x="0" y="0"/>
+          <a:chExt cx="0" cy="0"/>
+        </a:xfrm>
+      </p:grpSpPr>
+      <p:sp>
+        <p:nvSpPr>
+          <p:cNvPr id="2" name="標題 1">
+            <a:extLst>
+              <a:ext uri="{FF2B5EF4-FFF2-40B4-BE49-F238E27FC236}">
                 <a16:creationId xmlns:a16="http://schemas.microsoft.com/office/drawing/2014/main" id="{6287649A-A1A1-AFCF-7EF8-79C4CDDED187}"/>
               </a:ext>
             </a:extLst>
@@ -8404,7 +8565,7 @@
 </p:sld>
 </file>
 
-<file path=ppt/slides/slide22.xml><?xml version="1.0" encoding="utf-8"?>
+<file path=ppt/slides/slide23.xml><?xml version="1.0" encoding="utf-8"?>
 <p:sld xmlns:a="http://schemas.openxmlformats.org/drawingml/2006/main" xmlns:r="http://schemas.openxmlformats.org/officeDocument/2006/relationships" xmlns:p="http://schemas.openxmlformats.org/presentationml/2006/main">
   <p:cSld>
     <p:spTree>
@@ -9743,7 +9904,7 @@
 </p:sld>
 </file>
 
-<file path=ppt/slides/slide23.xml><?xml version="1.0" encoding="utf-8"?>
+<file path=ppt/slides/slide24.xml><?xml version="1.0" encoding="utf-8"?>
 <p:sld xmlns:a="http://schemas.openxmlformats.org/drawingml/2006/main" xmlns:r="http://schemas.openxmlformats.org/officeDocument/2006/relationships" xmlns:p="http://schemas.openxmlformats.org/presentationml/2006/main">
   <p:cSld>
     <p:spTree>
@@ -10276,141 +10437,6 @@
 </p:sld>
 </file>
 
-<file path=ppt/slides/slide24.xml><?xml version="1.0" encoding="utf-8"?>
-<p:sld xmlns:a="http://schemas.openxmlformats.org/drawingml/2006/main" xmlns:r="http://schemas.openxmlformats.org/officeDocument/2006/relationships" xmlns:p="http://schemas.openxmlformats.org/presentationml/2006/main">
-  <p:cSld>
-    <p:spTree>
-      <p:nvGrpSpPr>
-        <p:cNvPr id="1" name=""/>
-        <p:cNvGrpSpPr/>
-        <p:nvPr/>
-      </p:nvGrpSpPr>
-      <p:grpSpPr>
-        <a:xfrm>
-          <a:off x="0" y="0"/>
-          <a:ext cx="0" cy="0"/>
-          <a:chOff x="0" y="0"/>
-          <a:chExt cx="0" cy="0"/>
-        </a:xfrm>
-      </p:grpSpPr>
-      <p:sp>
-        <p:nvSpPr>
-          <p:cNvPr id="2" name="標題 1">
-            <a:extLst>
-              <a:ext uri="{FF2B5EF4-FFF2-40B4-BE49-F238E27FC236}">
-                <a16:creationId xmlns:a16="http://schemas.microsoft.com/office/drawing/2014/main" id="{E32E6CD8-2503-30B7-A4F8-AE84BE484917}"/>
-              </a:ext>
-            </a:extLst>
-          </p:cNvPr>
-          <p:cNvSpPr>
-            <a:spLocks noGrp="1"/>
-          </p:cNvSpPr>
-          <p:nvPr>
-            <p:ph type="title"/>
-          </p:nvPr>
-        </p:nvSpPr>
-        <p:spPr/>
-        <p:txBody>
-          <a:bodyPr/>
-          <a:lstStyle/>
-          <a:p>
-            <a:pPr algn="ctr"/>
-            <a:r>
-              <a:rPr lang="en-US" altLang="zh-TW" dirty="0"/>
-              <a:t>AGC flow</a:t>
-            </a:r>
-            <a:r>
-              <a:rPr lang="zh-TW" altLang="en-US" dirty="0"/>
-              <a:t>架構過程</a:t>
-            </a:r>
-          </a:p>
-        </p:txBody>
-      </p:sp>
-      <p:sp>
-        <p:nvSpPr>
-          <p:cNvPr id="3" name="內容版面配置區 2">
-            <a:extLst>
-              <a:ext uri="{FF2B5EF4-FFF2-40B4-BE49-F238E27FC236}">
-                <a16:creationId xmlns:a16="http://schemas.microsoft.com/office/drawing/2014/main" id="{ED8640AC-FE27-0D8C-6B75-7018404197B3}"/>
-              </a:ext>
-            </a:extLst>
-          </p:cNvPr>
-          <p:cNvSpPr>
-            <a:spLocks noGrp="1"/>
-          </p:cNvSpPr>
-          <p:nvPr>
-            <p:ph idx="1"/>
-          </p:nvPr>
-        </p:nvSpPr>
-        <p:spPr/>
-        <p:txBody>
-          <a:bodyPr/>
-          <a:lstStyle/>
-          <a:p>
-            <a:pPr marL="514350" indent="-514350">
-              <a:buAutoNum type="arabicPeriod"/>
-            </a:pPr>
-            <a:r>
-              <a:rPr lang="zh-TW" altLang="en-US" dirty="0"/>
-              <a:t>前期</a:t>
-            </a:r>
-            <a:r>
-              <a:rPr lang="en-US" altLang="zh-TW" dirty="0"/>
-              <a:t>ISSUE</a:t>
-            </a:r>
-          </a:p>
-          <a:p>
-            <a:pPr marL="514350" indent="-514350">
-              <a:buAutoNum type="arabicPeriod"/>
-            </a:pPr>
-            <a:endParaRPr lang="en-US" altLang="zh-TW" dirty="0"/>
-          </a:p>
-          <a:p>
-            <a:pPr marL="514350" indent="-514350">
-              <a:buAutoNum type="arabicPeriod"/>
-            </a:pPr>
-            <a:r>
-              <a:rPr lang="zh-TW" altLang="en-US" dirty="0"/>
-              <a:t>中後期統計</a:t>
-            </a:r>
-            <a:endParaRPr lang="en-US" altLang="zh-TW" dirty="0"/>
-          </a:p>
-          <a:p>
-            <a:pPr marL="514350" indent="-514350">
-              <a:buAutoNum type="arabicPeriod"/>
-            </a:pPr>
-            <a:endParaRPr lang="en-US" altLang="zh-TW" dirty="0"/>
-          </a:p>
-          <a:p>
-            <a:pPr marL="514350" indent="-514350">
-              <a:buAutoNum type="arabicPeriod"/>
-            </a:pPr>
-            <a:endParaRPr lang="en-US" altLang="zh-TW" dirty="0"/>
-          </a:p>
-          <a:p>
-            <a:pPr marL="514350" indent="-514350">
-              <a:buAutoNum type="arabicPeriod"/>
-            </a:pPr>
-            <a:r>
-              <a:rPr lang="zh-TW" altLang="en-US" dirty="0"/>
-              <a:t>後期完工</a:t>
-            </a:r>
-          </a:p>
-        </p:txBody>
-      </p:sp>
-    </p:spTree>
-    <p:extLst>
-      <p:ext uri="{BB962C8B-B14F-4D97-AF65-F5344CB8AC3E}">
-        <p14:creationId xmlns:p14="http://schemas.microsoft.com/office/powerpoint/2010/main" val="3478487214"/>
-      </p:ext>
-    </p:extLst>
-  </p:cSld>
-  <p:clrMapOvr>
-    <a:masterClrMapping/>
-  </p:clrMapOvr>
-</p:sld>
-</file>
-
 <file path=ppt/slides/slide25.xml><?xml version="1.0" encoding="utf-8"?>
 <p:sld xmlns:a="http://schemas.openxmlformats.org/drawingml/2006/main" xmlns:r="http://schemas.openxmlformats.org/officeDocument/2006/relationships" xmlns:p="http://schemas.openxmlformats.org/presentationml/2006/main">
   <p:cSld>
@@ -10433,7 +10459,7 @@
           <p:cNvPr id="2" name="標題 1">
             <a:extLst>
               <a:ext uri="{FF2B5EF4-FFF2-40B4-BE49-F238E27FC236}">
-                <a16:creationId xmlns:a16="http://schemas.microsoft.com/office/drawing/2014/main" id="{75A8CDCF-D217-9237-F0F3-F03F7A3BC82D}"/>
+                <a16:creationId xmlns:a16="http://schemas.microsoft.com/office/drawing/2014/main" id="{E32E6CD8-2503-30B7-A4F8-AE84BE484917}"/>
               </a:ext>
             </a:extLst>
           </p:cNvPr>
@@ -10449,7 +10475,15 @@
           <a:bodyPr/>
           <a:lstStyle/>
           <a:p>
-            <a:endParaRPr lang="zh-TW" altLang="en-US" dirty="0"/>
+            <a:pPr algn="ctr"/>
+            <a:r>
+              <a:rPr lang="en-US" altLang="zh-TW" dirty="0"/>
+              <a:t>AGC flow</a:t>
+            </a:r>
+            <a:r>
+              <a:rPr lang="zh-TW" altLang="en-US" dirty="0"/>
+              <a:t>架構過程</a:t>
+            </a:r>
           </a:p>
         </p:txBody>
       </p:sp>
@@ -10458,7 +10492,7 @@
           <p:cNvPr id="3" name="內容版面配置區 2">
             <a:extLst>
               <a:ext uri="{FF2B5EF4-FFF2-40B4-BE49-F238E27FC236}">
-                <a16:creationId xmlns:a16="http://schemas.microsoft.com/office/drawing/2014/main" id="{A5250B66-E56F-5AAD-0B99-C4E8E1B221C2}"/>
+                <a16:creationId xmlns:a16="http://schemas.microsoft.com/office/drawing/2014/main" id="{ED8640AC-FE27-0D8C-6B75-7018404197B3}"/>
               </a:ext>
             </a:extLst>
           </p:cNvPr>
@@ -10474,14 +10508,61 @@
           <a:bodyPr/>
           <a:lstStyle/>
           <a:p>
-            <a:endParaRPr lang="zh-TW" altLang="en-US"/>
+            <a:pPr marL="514350" indent="-514350">
+              <a:buAutoNum type="arabicPeriod"/>
+            </a:pPr>
+            <a:r>
+              <a:rPr lang="zh-TW" altLang="en-US" dirty="0"/>
+              <a:t>前期</a:t>
+            </a:r>
+            <a:r>
+              <a:rPr lang="en-US" altLang="zh-TW" dirty="0"/>
+              <a:t>ISSUE</a:t>
+            </a:r>
+          </a:p>
+          <a:p>
+            <a:pPr marL="514350" indent="-514350">
+              <a:buAutoNum type="arabicPeriod"/>
+            </a:pPr>
+            <a:endParaRPr lang="en-US" altLang="zh-TW" dirty="0"/>
+          </a:p>
+          <a:p>
+            <a:pPr marL="514350" indent="-514350">
+              <a:buAutoNum type="arabicPeriod"/>
+            </a:pPr>
+            <a:r>
+              <a:rPr lang="zh-TW" altLang="en-US" dirty="0"/>
+              <a:t>中後期統計</a:t>
+            </a:r>
+            <a:endParaRPr lang="en-US" altLang="zh-TW" dirty="0"/>
+          </a:p>
+          <a:p>
+            <a:pPr marL="514350" indent="-514350">
+              <a:buAutoNum type="arabicPeriod"/>
+            </a:pPr>
+            <a:endParaRPr lang="en-US" altLang="zh-TW" dirty="0"/>
+          </a:p>
+          <a:p>
+            <a:pPr marL="514350" indent="-514350">
+              <a:buAutoNum type="arabicPeriod"/>
+            </a:pPr>
+            <a:endParaRPr lang="en-US" altLang="zh-TW" dirty="0"/>
+          </a:p>
+          <a:p>
+            <a:pPr marL="514350" indent="-514350">
+              <a:buAutoNum type="arabicPeriod"/>
+            </a:pPr>
+            <a:r>
+              <a:rPr lang="zh-TW" altLang="en-US" dirty="0"/>
+              <a:t>後期完工</a:t>
+            </a:r>
           </a:p>
         </p:txBody>
       </p:sp>
     </p:spTree>
     <p:extLst>
       <p:ext uri="{BB962C8B-B14F-4D97-AF65-F5344CB8AC3E}">
-        <p14:creationId xmlns:p14="http://schemas.microsoft.com/office/powerpoint/2010/main" val="2364024188"/>
+        <p14:creationId xmlns:p14="http://schemas.microsoft.com/office/powerpoint/2010/main" val="3478487214"/>
       </p:ext>
     </p:extLst>
   </p:cSld>
@@ -10513,7 +10594,7 @@
           <p:cNvPr id="2" name="標題 1">
             <a:extLst>
               <a:ext uri="{FF2B5EF4-FFF2-40B4-BE49-F238E27FC236}">
-                <a16:creationId xmlns:a16="http://schemas.microsoft.com/office/drawing/2014/main" id="{02C3FE11-1F15-4971-95B5-34F7811B7E8A}"/>
+                <a16:creationId xmlns:a16="http://schemas.microsoft.com/office/drawing/2014/main" id="{75A8CDCF-D217-9237-F0F3-F03F7A3BC82D}"/>
               </a:ext>
             </a:extLst>
           </p:cNvPr>
@@ -10529,19 +10610,6 @@
           <a:bodyPr/>
           <a:lstStyle/>
           <a:p>
-            <a:pPr algn="ctr"/>
-            <a:r>
-              <a:rPr lang="en-US" altLang="zh-TW" dirty="0"/>
-              <a:t>Color </a:t>
-            </a:r>
-            <a:r>
-              <a:rPr lang="en-US" altLang="zh-TW" dirty="0" err="1"/>
-              <a:t>Pikcing</a:t>
-            </a:r>
-            <a:r>
-              <a:rPr lang="en-US" altLang="zh-TW" dirty="0"/>
-              <a:t> Project</a:t>
-            </a:r>
             <a:endParaRPr lang="zh-TW" altLang="en-US" dirty="0"/>
           </a:p>
         </p:txBody>
@@ -10551,7 +10619,7 @@
           <p:cNvPr id="3" name="內容版面配置區 2">
             <a:extLst>
               <a:ext uri="{FF2B5EF4-FFF2-40B4-BE49-F238E27FC236}">
-                <a16:creationId xmlns:a16="http://schemas.microsoft.com/office/drawing/2014/main" id="{5C2571F1-765B-42C3-8AAC-2A8441E0FBA0}"/>
+                <a16:creationId xmlns:a16="http://schemas.microsoft.com/office/drawing/2014/main" id="{A5250B66-E56F-5AAD-0B99-C4E8E1B221C2}"/>
               </a:ext>
             </a:extLst>
           </p:cNvPr>
@@ -10567,74 +10635,14 @@
           <a:bodyPr/>
           <a:lstStyle/>
           <a:p>
-            <a:pPr marL="457200" lvl="1" indent="0">
-              <a:lnSpc>
-                <a:spcPct val="150000"/>
-              </a:lnSpc>
-              <a:buNone/>
-            </a:pPr>
-            <a:r>
-              <a:rPr lang="zh-TW" altLang="en-US" sz="2800" dirty="0">
-                <a:solidFill>
-                  <a:srgbClr val="FF0000"/>
-                </a:solidFill>
-              </a:rPr>
-              <a:t>目的</a:t>
-            </a:r>
-            <a:r>
-              <a:rPr lang="zh-TW" altLang="en-US" dirty="0"/>
-              <a:t> </a:t>
-            </a:r>
-            <a:r>
-              <a:rPr lang="en-US" altLang="zh-TW" dirty="0"/>
-              <a:t>:</a:t>
-            </a:r>
-            <a:r>
-              <a:rPr lang="zh-TW" altLang="en-US" dirty="0"/>
-              <a:t>  按壓</a:t>
-            </a:r>
-            <a:r>
-              <a:rPr lang="en-US" altLang="zh-TW" dirty="0"/>
-              <a:t>Color Sensor</a:t>
-            </a:r>
-            <a:r>
-              <a:rPr lang="zh-TW" altLang="en-US" dirty="0"/>
-              <a:t>選擇顏色、並透過筆在</a:t>
-            </a:r>
-            <a:r>
-              <a:rPr lang="en-US" altLang="zh-TW" dirty="0"/>
-              <a:t>Host</a:t>
-            </a:r>
-            <a:r>
-              <a:rPr lang="zh-TW" altLang="en-US" dirty="0"/>
-              <a:t>上畫出對應的顏色</a:t>
-            </a:r>
-            <a:endParaRPr lang="en-US" altLang="zh-TW" dirty="0"/>
-          </a:p>
-          <a:p>
-            <a:pPr marL="457200" lvl="1" indent="0">
-              <a:lnSpc>
-                <a:spcPct val="150000"/>
-              </a:lnSpc>
-              <a:buNone/>
-            </a:pPr>
-            <a:endParaRPr lang="en-US" altLang="zh-TW" dirty="0"/>
-          </a:p>
-          <a:p>
-            <a:pPr marL="457200" lvl="1" indent="0">
-              <a:lnSpc>
-                <a:spcPct val="150000"/>
-              </a:lnSpc>
-              <a:buNone/>
-            </a:pPr>
-            <a:endParaRPr lang="en-US" altLang="zh-TW" dirty="0"/>
+            <a:endParaRPr lang="zh-TW" altLang="en-US"/>
           </a:p>
         </p:txBody>
       </p:sp>
     </p:spTree>
     <p:extLst>
       <p:ext uri="{BB962C8B-B14F-4D97-AF65-F5344CB8AC3E}">
-        <p14:creationId xmlns:p14="http://schemas.microsoft.com/office/powerpoint/2010/main" val="263751651"/>
+        <p14:creationId xmlns:p14="http://schemas.microsoft.com/office/powerpoint/2010/main" val="2364024188"/>
       </p:ext>
     </p:extLst>
   </p:cSld>
@@ -10666,7 +10674,7 @@
           <p:cNvPr id="2" name="標題 1">
             <a:extLst>
               <a:ext uri="{FF2B5EF4-FFF2-40B4-BE49-F238E27FC236}">
-                <a16:creationId xmlns:a16="http://schemas.microsoft.com/office/drawing/2014/main" id="{36663CA0-2783-4A34-8C5A-24686BD0A02B}"/>
+                <a16:creationId xmlns:a16="http://schemas.microsoft.com/office/drawing/2014/main" id="{02C3FE11-1F15-4971-95B5-34F7811B7E8A}"/>
               </a:ext>
             </a:extLst>
           </p:cNvPr>
@@ -10684,9 +10692,18 @@
           <a:p>
             <a:pPr algn="ctr"/>
             <a:r>
-              <a:rPr lang="zh-TW" altLang="en-US" dirty="0"/>
-              <a:t>主要遇到的問題</a:t>
-            </a:r>
+              <a:rPr lang="en-US" altLang="zh-TW" dirty="0"/>
+              <a:t>Color </a:t>
+            </a:r>
+            <a:r>
+              <a:rPr lang="en-US" altLang="zh-TW" dirty="0" err="1"/>
+              <a:t>Pikcing</a:t>
+            </a:r>
+            <a:r>
+              <a:rPr lang="en-US" altLang="zh-TW" dirty="0"/>
+              <a:t> Project</a:t>
+            </a:r>
+            <a:endParaRPr lang="zh-TW" altLang="en-US" dirty="0"/>
           </a:p>
         </p:txBody>
       </p:sp>
@@ -10695,7 +10712,7 @@
           <p:cNvPr id="3" name="內容版面配置區 2">
             <a:extLst>
               <a:ext uri="{FF2B5EF4-FFF2-40B4-BE49-F238E27FC236}">
-                <a16:creationId xmlns:a16="http://schemas.microsoft.com/office/drawing/2014/main" id="{4EB3A3B7-3819-4E07-A5DF-C15C993A0B95}"/>
+                <a16:creationId xmlns:a16="http://schemas.microsoft.com/office/drawing/2014/main" id="{5C2571F1-765B-42C3-8AAC-2A8441E0FBA0}"/>
               </a:ext>
             </a:extLst>
           </p:cNvPr>
@@ -10711,144 +10728,66 @@
           <a:bodyPr/>
           <a:lstStyle/>
           <a:p>
-            <a:pPr marL="0" indent="0">
+            <a:pPr marL="457200" lvl="1" indent="0">
+              <a:lnSpc>
+                <a:spcPct val="150000"/>
+              </a:lnSpc>
               <a:buNone/>
             </a:pPr>
             <a:r>
-              <a:rPr lang="zh-TW" altLang="en-US" dirty="0">
+              <a:rPr lang="zh-TW" altLang="en-US" sz="2800" dirty="0">
                 <a:solidFill>
-                  <a:schemeClr val="accent1"/>
+                  <a:srgbClr val="FF0000"/>
                 </a:solidFill>
               </a:rPr>
-              <a:t>問題</a:t>
-            </a:r>
-            <a:endParaRPr lang="en-US" altLang="zh-TW" dirty="0">
-              <a:solidFill>
-                <a:schemeClr val="accent1"/>
-              </a:solidFill>
-            </a:endParaRPr>
-          </a:p>
-          <a:p>
-            <a:pPr marL="514350" indent="-514350">
-              <a:buAutoNum type="arabicPeriod"/>
+              <a:t>目的</a:t>
+            </a:r>
+            <a:r>
+              <a:rPr lang="zh-TW" altLang="en-US" dirty="0"/>
+              <a:t> </a:t>
+            </a:r>
+            <a:r>
+              <a:rPr lang="en-US" altLang="zh-TW" dirty="0"/>
+              <a:t>:</a:t>
+            </a:r>
+            <a:r>
+              <a:rPr lang="zh-TW" altLang="en-US" dirty="0"/>
+              <a:t>  按壓</a:t>
+            </a:r>
+            <a:r>
+              <a:rPr lang="en-US" altLang="zh-TW" dirty="0"/>
+              <a:t>Color Sensor</a:t>
+            </a:r>
+            <a:r>
+              <a:rPr lang="zh-TW" altLang="en-US" dirty="0"/>
+              <a:t>選擇顏色、並透過筆在</a:t>
+            </a:r>
+            <a:r>
+              <a:rPr lang="en-US" altLang="zh-TW" dirty="0"/>
+              <a:t>Host</a:t>
+            </a:r>
+            <a:r>
+              <a:rPr lang="zh-TW" altLang="en-US" dirty="0"/>
+              <a:t>上畫出對應的顏色</a:t>
+            </a:r>
+            <a:endParaRPr lang="en-US" altLang="zh-TW" dirty="0"/>
+          </a:p>
+          <a:p>
+            <a:pPr marL="457200" lvl="1" indent="0">
+              <a:lnSpc>
+                <a:spcPct val="150000"/>
+              </a:lnSpc>
+              <a:buNone/>
             </a:pPr>
             <a:endParaRPr lang="en-US" altLang="zh-TW" dirty="0"/>
           </a:p>
           <a:p>
-            <a:pPr marL="514350" indent="-514350">
-              <a:buAutoNum type="arabicPeriod"/>
-            </a:pPr>
-            <a:r>
-              <a:rPr lang="zh-TW" altLang="en-US" sz="2400" dirty="0">
-                <a:hlinkClick r:id="rId3" action="ppaction://hlinksldjump"/>
-              </a:rPr>
-              <a:t>傳輸問題 </a:t>
-            </a:r>
-            <a:r>
-              <a:rPr lang="en-US" altLang="zh-TW" sz="2400" dirty="0"/>
-              <a:t>:</a:t>
-            </a:r>
-            <a:r>
-              <a:rPr lang="zh-TW" altLang="en-US" sz="2400" dirty="0"/>
-              <a:t> </a:t>
-            </a:r>
-            <a:endParaRPr lang="en-US" altLang="zh-TW" sz="2400" dirty="0"/>
-          </a:p>
-          <a:p>
             <a:pPr marL="457200" lvl="1" indent="0">
+              <a:lnSpc>
+                <a:spcPct val="150000"/>
+              </a:lnSpc>
               <a:buNone/>
             </a:pPr>
-            <a:r>
-              <a:rPr lang="en-US" altLang="zh-TW" sz="2000" dirty="0"/>
-              <a:t>1.  Set UART</a:t>
-            </a:r>
-            <a:r>
-              <a:rPr lang="zh-TW" altLang="en-US" sz="2000" dirty="0"/>
-              <a:t> </a:t>
-            </a:r>
-            <a:r>
-              <a:rPr lang="en-US" altLang="zh-TW" sz="2000" dirty="0"/>
-              <a:t>RX</a:t>
-            </a:r>
-            <a:r>
-              <a:rPr lang="zh-TW" altLang="en-US" sz="2000" dirty="0"/>
-              <a:t> </a:t>
-            </a:r>
-            <a:r>
-              <a:rPr lang="en-US" altLang="zh-TW" sz="2000" dirty="0"/>
-              <a:t>Setting </a:t>
-            </a:r>
-            <a:r>
-              <a:rPr lang="zh-TW" altLang="en-US" sz="2000" dirty="0"/>
-              <a:t>以及 </a:t>
-            </a:r>
-            <a:r>
-              <a:rPr lang="en-US" altLang="zh-TW" sz="2000" dirty="0"/>
-              <a:t>Flow </a:t>
-            </a:r>
-            <a:r>
-              <a:rPr lang="zh-TW" altLang="en-US" sz="2000" dirty="0"/>
-              <a:t>規劃</a:t>
-            </a:r>
-            <a:endParaRPr lang="en-US" altLang="zh-TW" sz="2000" dirty="0"/>
-          </a:p>
-          <a:p>
-            <a:pPr marL="0" indent="0">
-              <a:buNone/>
-            </a:pPr>
-            <a:endParaRPr lang="en-US" altLang="zh-TW" sz="2400" dirty="0"/>
-          </a:p>
-          <a:p>
-            <a:pPr marL="457200" indent="-457200">
-              <a:buAutoNum type="arabicPeriod" startAt="2"/>
-            </a:pPr>
-            <a:r>
-              <a:rPr lang="zh-TW" altLang="en-US" sz="2400" dirty="0">
-                <a:hlinkClick r:id="rId4" action="ppaction://hlinksldjump"/>
-              </a:rPr>
-              <a:t>最接近顏色</a:t>
-            </a:r>
-            <a:r>
-              <a:rPr lang="en-US" altLang="zh-TW" sz="2400" dirty="0"/>
-              <a:t>:</a:t>
-            </a:r>
-          </a:p>
-          <a:p>
-            <a:pPr marL="914400" lvl="1" indent="-457200">
-              <a:buAutoNum type="arabicPeriod" startAt="2"/>
-            </a:pPr>
-            <a:r>
-              <a:rPr lang="zh-TW" altLang="en-US" sz="2000" dirty="0"/>
-              <a:t>筆的</a:t>
-            </a:r>
-            <a:r>
-              <a:rPr lang="en-US" altLang="zh-TW" sz="2000" dirty="0" err="1"/>
-              <a:t>Protocal</a:t>
-            </a:r>
-            <a:r>
-              <a:rPr lang="en-US" altLang="zh-TW" sz="2000" dirty="0"/>
-              <a:t> </a:t>
-            </a:r>
-            <a:r>
-              <a:rPr lang="zh-TW" altLang="en-US" sz="2000" dirty="0"/>
-              <a:t>定義的顏色只佔</a:t>
-            </a:r>
-            <a:r>
-              <a:rPr lang="en-US" altLang="zh-TW" sz="2000" dirty="0"/>
-              <a:t>RGB</a:t>
-            </a:r>
-            <a:r>
-              <a:rPr lang="zh-TW" altLang="en-US" sz="2000" dirty="0"/>
-              <a:t>裡面</a:t>
-            </a:r>
-            <a:r>
-              <a:rPr lang="en-US" altLang="zh-TW" sz="2000" dirty="0"/>
-              <a:t>200</a:t>
-            </a:r>
-            <a:r>
-              <a:rPr lang="zh-TW" altLang="en-US" sz="2000" dirty="0"/>
-              <a:t>多個</a:t>
-            </a:r>
             <a:endParaRPr lang="en-US" altLang="zh-TW" dirty="0"/>
           </a:p>
         </p:txBody>
@@ -10856,7 +10795,7 @@
     </p:spTree>
     <p:extLst>
       <p:ext uri="{BB962C8B-B14F-4D97-AF65-F5344CB8AC3E}">
-        <p14:creationId xmlns:p14="http://schemas.microsoft.com/office/powerpoint/2010/main" val="2576856385"/>
+        <p14:creationId xmlns:p14="http://schemas.microsoft.com/office/powerpoint/2010/main" val="263751651"/>
       </p:ext>
     </p:extLst>
   </p:cSld>
@@ -10888,7 +10827,7 @@
           <p:cNvPr id="2" name="標題 1">
             <a:extLst>
               <a:ext uri="{FF2B5EF4-FFF2-40B4-BE49-F238E27FC236}">
-                <a16:creationId xmlns:a16="http://schemas.microsoft.com/office/drawing/2014/main" id="{FEDEBC06-C75E-5899-979E-C29912B4A68E}"/>
+                <a16:creationId xmlns:a16="http://schemas.microsoft.com/office/drawing/2014/main" id="{36663CA0-2783-4A34-8C5A-24686BD0A02B}"/>
               </a:ext>
             </a:extLst>
           </p:cNvPr>
@@ -10906,10 +10845,9 @@
           <a:p>
             <a:pPr algn="ctr"/>
             <a:r>
-              <a:rPr lang="en-US" altLang="zh-TW" dirty="0"/>
-              <a:t>UART RX Setting</a:t>
-            </a:r>
-            <a:endParaRPr lang="zh-TW" altLang="en-US" dirty="0"/>
+              <a:rPr lang="zh-TW" altLang="en-US" dirty="0"/>
+              <a:t>主要遇到的問題</a:t>
+            </a:r>
           </a:p>
         </p:txBody>
       </p:sp>
@@ -10918,7 +10856,7 @@
           <p:cNvPr id="3" name="內容版面配置區 2">
             <a:extLst>
               <a:ext uri="{FF2B5EF4-FFF2-40B4-BE49-F238E27FC236}">
-                <a16:creationId xmlns:a16="http://schemas.microsoft.com/office/drawing/2014/main" id="{D33F5725-65BC-FF79-0EEB-A34DF7904932}"/>
+                <a16:creationId xmlns:a16="http://schemas.microsoft.com/office/drawing/2014/main" id="{4EB3A3B7-3819-4E07-A5DF-C15C993A0B95}"/>
               </a:ext>
             </a:extLst>
           </p:cNvPr>
@@ -10931,79 +10869,155 @@
         </p:nvSpPr>
         <p:spPr/>
         <p:txBody>
-          <a:bodyPr>
-            <a:normAutofit/>
-          </a:bodyPr>
-          <a:lstStyle/>
+          <a:bodyPr/>
+          <a:lstStyle/>
+          <a:p>
+            <a:pPr marL="0" indent="0">
+              <a:buNone/>
+            </a:pPr>
+            <a:r>
+              <a:rPr lang="zh-TW" altLang="en-US" dirty="0">
+                <a:solidFill>
+                  <a:schemeClr val="accent1"/>
+                </a:solidFill>
+              </a:rPr>
+              <a:t>問題</a:t>
+            </a:r>
+            <a:endParaRPr lang="en-US" altLang="zh-TW" dirty="0">
+              <a:solidFill>
+                <a:schemeClr val="accent1"/>
+              </a:solidFill>
+            </a:endParaRPr>
+          </a:p>
           <a:p>
             <a:pPr marL="514350" indent="-514350">
               <a:buAutoNum type="arabicPeriod"/>
             </a:pPr>
-            <a:r>
-              <a:rPr lang="en-US" altLang="zh-TW" sz="2000" dirty="0"/>
-              <a:t>UART</a:t>
-            </a:r>
-            <a:r>
-              <a:rPr lang="zh-TW" altLang="en-US" sz="2000" dirty="0"/>
-              <a:t> </a:t>
-            </a:r>
-            <a:r>
-              <a:rPr lang="en-US" altLang="zh-TW" sz="2000" dirty="0"/>
-              <a:t>RX</a:t>
-            </a:r>
-            <a:r>
-              <a:rPr lang="zh-TW" altLang="en-US" sz="2000" dirty="0"/>
-              <a:t> 使用</a:t>
-            </a:r>
-            <a:r>
-              <a:rPr lang="en-US" altLang="zh-TW" sz="2000" dirty="0"/>
-              <a:t>FIFO</a:t>
-            </a:r>
-            <a:r>
-              <a:rPr lang="zh-TW" altLang="en-US" sz="2000" dirty="0"/>
-              <a:t> 架構、這個</a:t>
-            </a:r>
-            <a:r>
-              <a:rPr lang="en-US" altLang="zh-TW" sz="2000" dirty="0"/>
-              <a:t>FIFO</a:t>
-            </a:r>
-            <a:r>
-              <a:rPr lang="zh-TW" altLang="en-US" sz="2000" dirty="0"/>
-              <a:t>架構是被封裝過。</a:t>
-            </a:r>
-            <a:endParaRPr lang="en-US" altLang="zh-TW" sz="2000" dirty="0"/>
+            <a:endParaRPr lang="en-US" altLang="zh-TW" dirty="0"/>
           </a:p>
           <a:p>
             <a:pPr marL="514350" indent="-514350">
               <a:buAutoNum type="arabicPeriod"/>
             </a:pPr>
+            <a:r>
+              <a:rPr lang="zh-TW" altLang="en-US" sz="2400" dirty="0">
+                <a:hlinkClick r:id="rId3" action="ppaction://hlinksldjump"/>
+              </a:rPr>
+              <a:t>傳輸問題 </a:t>
+            </a:r>
+            <a:r>
+              <a:rPr lang="en-US" altLang="zh-TW" sz="2400" dirty="0"/>
+              <a:t>:</a:t>
+            </a:r>
+            <a:r>
+              <a:rPr lang="zh-TW" altLang="en-US" sz="2400" dirty="0"/>
+              <a:t> </a:t>
+            </a:r>
+            <a:endParaRPr lang="en-US" altLang="zh-TW" sz="2400" dirty="0"/>
+          </a:p>
+          <a:p>
+            <a:pPr marL="457200" lvl="1" indent="0">
+              <a:buNone/>
+            </a:pPr>
+            <a:r>
+              <a:rPr lang="en-US" altLang="zh-TW" sz="2000" dirty="0"/>
+              <a:t>1.  Set UART</a:t>
+            </a:r>
+            <a:r>
+              <a:rPr lang="zh-TW" altLang="en-US" sz="2000" dirty="0"/>
+              <a:t> </a:t>
+            </a:r>
+            <a:r>
+              <a:rPr lang="en-US" altLang="zh-TW" sz="2000" dirty="0"/>
+              <a:t>RX</a:t>
+            </a:r>
+            <a:r>
+              <a:rPr lang="zh-TW" altLang="en-US" sz="2000" dirty="0"/>
+              <a:t> </a:t>
+            </a:r>
+            <a:r>
+              <a:rPr lang="en-US" altLang="zh-TW" sz="2000" dirty="0"/>
+              <a:t>Setting </a:t>
+            </a:r>
+            <a:r>
+              <a:rPr lang="zh-TW" altLang="en-US" sz="2000" dirty="0"/>
+              <a:t>以及 </a:t>
+            </a:r>
+            <a:r>
+              <a:rPr lang="en-US" altLang="zh-TW" sz="2000" dirty="0"/>
+              <a:t>Flow </a:t>
+            </a:r>
+            <a:r>
+              <a:rPr lang="zh-TW" altLang="en-US" sz="2000" dirty="0"/>
+              <a:t>規劃</a:t>
+            </a:r>
             <a:endParaRPr lang="en-US" altLang="zh-TW" sz="2000" dirty="0"/>
           </a:p>
           <a:p>
-            <a:pPr marL="514350" indent="-514350">
-              <a:buAutoNum type="arabicPeriod"/>
+            <a:pPr marL="0" indent="0">
+              <a:buNone/>
             </a:pPr>
-            <a:endParaRPr lang="en-US" altLang="zh-TW" sz="2000" dirty="0"/>
-          </a:p>
-          <a:p>
-            <a:pPr marL="514350" indent="-514350">
-              <a:buAutoNum type="arabicPeriod"/>
+            <a:endParaRPr lang="en-US" altLang="zh-TW" sz="2400" dirty="0"/>
+          </a:p>
+          <a:p>
+            <a:pPr marL="457200" indent="-457200">
+              <a:buAutoNum type="arabicPeriod" startAt="2"/>
             </a:pPr>
             <a:r>
+              <a:rPr lang="zh-TW" altLang="en-US" sz="2400" dirty="0">
+                <a:hlinkClick r:id="rId4" action="ppaction://hlinksldjump"/>
+              </a:rPr>
+              <a:t>最接近顏色</a:t>
+            </a:r>
+            <a:r>
+              <a:rPr lang="en-US" altLang="zh-TW" sz="2400" dirty="0"/>
+              <a:t>:</a:t>
+            </a:r>
+          </a:p>
+          <a:p>
+            <a:pPr marL="914400" lvl="1" indent="-457200">
+              <a:buAutoNum type="arabicPeriod" startAt="2"/>
+            </a:pPr>
+            <a:r>
+              <a:rPr lang="zh-TW" altLang="en-US" sz="2000" dirty="0"/>
+              <a:t>筆的</a:t>
+            </a:r>
+            <a:r>
+              <a:rPr lang="en-US" altLang="zh-TW" sz="2000" dirty="0" err="1"/>
+              <a:t>Protocal</a:t>
+            </a:r>
+            <a:r>
               <a:rPr lang="en-US" altLang="zh-TW" sz="2000" dirty="0"/>
-              <a:t>UART RX</a:t>
+              <a:t> </a:t>
             </a:r>
             <a:r>
               <a:rPr lang="zh-TW" altLang="en-US" sz="2000" dirty="0"/>
-              <a:t> 中斷硬體設計</a:t>
-            </a:r>
+              <a:t>定義的顏色只佔</a:t>
+            </a:r>
+            <a:r>
+              <a:rPr lang="en-US" altLang="zh-TW" sz="2000" dirty="0"/>
+              <a:t>RGB</a:t>
+            </a:r>
+            <a:r>
+              <a:rPr lang="zh-TW" altLang="en-US" sz="2000" dirty="0"/>
+              <a:t>裡面</a:t>
+            </a:r>
+            <a:r>
+              <a:rPr lang="en-US" altLang="zh-TW" sz="2000" dirty="0"/>
+              <a:t>200</a:t>
+            </a:r>
+            <a:r>
+              <a:rPr lang="zh-TW" altLang="en-US" sz="2000" dirty="0"/>
+              <a:t>多個</a:t>
+            </a:r>
+            <a:endParaRPr lang="en-US" altLang="zh-TW" dirty="0"/>
           </a:p>
         </p:txBody>
       </p:sp>
     </p:spTree>
     <p:extLst>
       <p:ext uri="{BB962C8B-B14F-4D97-AF65-F5344CB8AC3E}">
-        <p14:creationId xmlns:p14="http://schemas.microsoft.com/office/powerpoint/2010/main" val="3743749783"/>
+        <p14:creationId xmlns:p14="http://schemas.microsoft.com/office/powerpoint/2010/main" val="2576856385"/>
       </p:ext>
     </p:extLst>
   </p:cSld>
@@ -11083,16 +11097,12 @@
           </a:bodyPr>
           <a:lstStyle/>
           <a:p>
-            <a:pPr marL="0" indent="0">
-              <a:buNone/>
+            <a:pPr marL="514350" indent="-514350">
+              <a:buAutoNum type="arabicPeriod"/>
             </a:pPr>
             <a:r>
-              <a:rPr lang="zh-TW" altLang="en-US" sz="2000" dirty="0"/>
-              <a:t>總結 </a:t>
-            </a:r>
-            <a:r>
               <a:rPr lang="en-US" altLang="zh-TW" sz="2000" dirty="0"/>
-              <a:t>:</a:t>
+              <a:t>UART</a:t>
             </a:r>
             <a:r>
               <a:rPr lang="zh-TW" altLang="en-US" sz="2000" dirty="0"/>
@@ -11100,44 +11110,61 @@
             </a:r>
             <a:r>
               <a:rPr lang="en-US" altLang="zh-TW" sz="2000" dirty="0"/>
-              <a:t> </a:t>
+              <a:t>RX</a:t>
             </a:r>
             <a:r>
               <a:rPr lang="zh-TW" altLang="en-US" sz="2000" dirty="0"/>
-              <a:t>由於使用情況是使用者隨時可能會去觸動後發</a:t>
+              <a:t> 使用</a:t>
             </a:r>
             <a:r>
               <a:rPr lang="en-US" altLang="zh-TW" sz="2000" dirty="0"/>
-              <a:t>Sensor</a:t>
+              <a:t>FIFO</a:t>
             </a:r>
             <a:r>
               <a:rPr lang="zh-TW" altLang="en-US" sz="2000" dirty="0"/>
-              <a:t>、筆本身還要</a:t>
+              <a:t> 架構、這個</a:t>
             </a:r>
             <a:r>
               <a:rPr lang="en-US" altLang="zh-TW" sz="2000" dirty="0"/>
-              <a:t>Decode </a:t>
+              <a:t>FIFO</a:t>
             </a:r>
             <a:r>
               <a:rPr lang="zh-TW" altLang="en-US" sz="2000" dirty="0"/>
-              <a:t>訊號，因此中斷是最佳方法，</a:t>
-            </a:r>
+              <a:t>架構是被封裝過。</a:t>
+            </a:r>
+            <a:endParaRPr lang="en-US" altLang="zh-TW" sz="2000" dirty="0"/>
+          </a:p>
+          <a:p>
+            <a:pPr marL="514350" indent="-514350">
+              <a:buAutoNum type="arabicPeriod"/>
+            </a:pPr>
+            <a:endParaRPr lang="en-US" altLang="zh-TW" sz="2000" dirty="0"/>
+          </a:p>
+          <a:p>
+            <a:pPr marL="514350" indent="-514350">
+              <a:buAutoNum type="arabicPeriod"/>
+            </a:pPr>
+            <a:endParaRPr lang="en-US" altLang="zh-TW" sz="2000" dirty="0"/>
+          </a:p>
+          <a:p>
+            <a:pPr marL="514350" indent="-514350">
+              <a:buAutoNum type="arabicPeriod"/>
+            </a:pPr>
             <a:r>
               <a:rPr lang="en-US" altLang="zh-TW" sz="2000" dirty="0"/>
-              <a:t>Polling </a:t>
+              <a:t>UART RX</a:t>
             </a:r>
             <a:r>
               <a:rPr lang="zh-TW" altLang="en-US" sz="2000" dirty="0"/>
-              <a:t>去偵測就不是好方法並且耗電</a:t>
-            </a:r>
-            <a:endParaRPr lang="en-US" altLang="zh-TW" sz="2000" dirty="0"/>
+              <a:t> 中斷硬體設計</a:t>
+            </a:r>
           </a:p>
         </p:txBody>
       </p:sp>
     </p:spTree>
     <p:extLst>
       <p:ext uri="{BB962C8B-B14F-4D97-AF65-F5344CB8AC3E}">
-        <p14:creationId xmlns:p14="http://schemas.microsoft.com/office/powerpoint/2010/main" val="1764172780"/>
+        <p14:creationId xmlns:p14="http://schemas.microsoft.com/office/powerpoint/2010/main" val="3743749783"/>
       </p:ext>
     </p:extLst>
   </p:cSld>
@@ -11233,6 +11260,12 @@
             <a:endParaRPr lang="en-US" altLang="zh-TW" dirty="0"/>
           </a:p>
           <a:p>
+            <a:pPr marL="0" indent="0">
+              <a:buNone/>
+            </a:pPr>
+            <a:endParaRPr lang="en-US" altLang="zh-TW" dirty="0"/>
+          </a:p>
+          <a:p>
             <a:pPr marL="514350" indent="-514350">
               <a:buAutoNum type="arabicPeriod"/>
             </a:pPr>
@@ -11254,7 +11287,7 @@
             </a:pPr>
             <a:r>
               <a:rPr lang="zh-TW" altLang="en-US" dirty="0"/>
-              <a:t>架構解決的問題列表</a:t>
+              <a:t>解決的問題列表</a:t>
             </a:r>
             <a:endParaRPr lang="en-US" altLang="zh-TW" dirty="0"/>
           </a:p>
@@ -11327,7 +11360,7 @@
           <p:cNvPr id="2" name="標題 1">
             <a:extLst>
               <a:ext uri="{FF2B5EF4-FFF2-40B4-BE49-F238E27FC236}">
-                <a16:creationId xmlns:a16="http://schemas.microsoft.com/office/drawing/2014/main" id="{DCAF803D-3CAB-3E11-8A90-4D5310A3A5EA}"/>
+                <a16:creationId xmlns:a16="http://schemas.microsoft.com/office/drawing/2014/main" id="{FEDEBC06-C75E-5899-979E-C29912B4A68E}"/>
               </a:ext>
             </a:extLst>
           </p:cNvPr>
@@ -11357,7 +11390,7 @@
           <p:cNvPr id="3" name="內容版面配置區 2">
             <a:extLst>
               <a:ext uri="{FF2B5EF4-FFF2-40B4-BE49-F238E27FC236}">
-                <a16:creationId xmlns:a16="http://schemas.microsoft.com/office/drawing/2014/main" id="{3B1B8A68-518A-9A03-2325-0016A63D6547}"/>
+                <a16:creationId xmlns:a16="http://schemas.microsoft.com/office/drawing/2014/main" id="{D33F5725-65BC-FF79-0EEB-A34DF7904932}"/>
               </a:ext>
             </a:extLst>
           </p:cNvPr>
@@ -11370,151 +11403,66 @@
         </p:nvSpPr>
         <p:spPr/>
         <p:txBody>
-          <a:bodyPr/>
+          <a:bodyPr>
+            <a:normAutofit/>
+          </a:bodyPr>
           <a:lstStyle/>
           <a:p>
             <a:pPr marL="0" indent="0">
               <a:buNone/>
             </a:pPr>
             <a:r>
-              <a:rPr lang="zh-TW" altLang="en-US" dirty="0">
-                <a:solidFill>
-                  <a:schemeClr val="accent1"/>
-                </a:solidFill>
-              </a:rPr>
-              <a:t>過程中遇到最大問題 </a:t>
-            </a:r>
-            <a:r>
-              <a:rPr lang="en-US" altLang="zh-TW" dirty="0">
-                <a:solidFill>
-                  <a:schemeClr val="accent1"/>
-                </a:solidFill>
-              </a:rPr>
-              <a:t>: </a:t>
-            </a:r>
-          </a:p>
-          <a:p>
-            <a:pPr marL="0" indent="0">
-              <a:buNone/>
-            </a:pPr>
-            <a:r>
-              <a:rPr lang="zh-TW" altLang="en-US" sz="2400" dirty="0"/>
-              <a:t>收完</a:t>
-            </a:r>
-            <a:r>
-              <a:rPr lang="en-US" altLang="zh-TW" sz="2400" dirty="0"/>
-              <a:t>Sensor Data</a:t>
-            </a:r>
-            <a:r>
-              <a:rPr lang="zh-TW" altLang="en-US" sz="2400" dirty="0"/>
-              <a:t>後，顯示資料卻有漏東漏西</a:t>
-            </a:r>
-            <a:endParaRPr lang="en-US" altLang="zh-TW" sz="2400" dirty="0"/>
-          </a:p>
-          <a:p>
-            <a:pPr marL="0" indent="0">
-              <a:buNone/>
-            </a:pPr>
-            <a:r>
-              <a:rPr lang="en-US" altLang="zh-TW" sz="2400" dirty="0"/>
-              <a:t>Source</a:t>
-            </a:r>
-          </a:p>
-          <a:p>
-            <a:pPr marL="0" indent="0">
-              <a:buNone/>
-            </a:pPr>
-            <a:r>
-              <a:rPr lang="en-US" altLang="zh-TW" sz="2400" dirty="0"/>
-              <a:t>1 . </a:t>
-            </a:r>
-            <a:r>
-              <a:rPr lang="zh-TW" altLang="en-US" sz="2400" dirty="0"/>
-              <a:t> 硬體觸發設定 </a:t>
-            </a:r>
-            <a:r>
-              <a:rPr lang="en-US" altLang="zh-TW" sz="2400" dirty="0"/>
-              <a:t>: 4Bytes -&gt; 1Bytes</a:t>
-            </a:r>
-          </a:p>
-          <a:p>
-            <a:pPr marL="0" indent="0">
-              <a:buNone/>
-            </a:pPr>
-            <a:r>
-              <a:rPr lang="en-US" altLang="zh-TW" sz="2400" dirty="0"/>
-              <a:t>2. </a:t>
-            </a:r>
-            <a:r>
-              <a:rPr lang="zh-TW" altLang="en-US" sz="2400" dirty="0"/>
+              <a:rPr lang="zh-TW" altLang="en-US" sz="2000" dirty="0"/>
+              <a:t>總結 </a:t>
+            </a:r>
+            <a:r>
+              <a:rPr lang="en-US" altLang="zh-TW" sz="2000" dirty="0"/>
+              <a:t>:</a:t>
+            </a:r>
+            <a:r>
+              <a:rPr lang="zh-TW" altLang="en-US" sz="2000" dirty="0"/>
               <a:t> </a:t>
             </a:r>
             <a:r>
-              <a:rPr lang="zh-TW" altLang="en-US" sz="2400" dirty="0">
-                <a:solidFill>
-                  <a:srgbClr val="FF0000"/>
-                </a:solidFill>
-              </a:rPr>
-              <a:t>解除中斷</a:t>
-            </a:r>
-            <a:r>
-              <a:rPr lang="en-US" altLang="zh-TW" sz="2400" dirty="0">
-                <a:solidFill>
-                  <a:srgbClr val="FF0000"/>
-                </a:solidFill>
-              </a:rPr>
-              <a:t>Event </a:t>
-            </a:r>
-            <a:r>
-              <a:rPr lang="en-US" altLang="zh-TW" sz="2400" dirty="0" err="1">
-                <a:solidFill>
-                  <a:srgbClr val="FF0000"/>
-                </a:solidFill>
-              </a:rPr>
-              <a:t>regestier</a:t>
-            </a:r>
-            <a:r>
-              <a:rPr lang="zh-TW" altLang="en-US" sz="2400" dirty="0">
-                <a:solidFill>
-                  <a:srgbClr val="FF0000"/>
-                </a:solidFill>
-              </a:rPr>
-              <a:t>在</a:t>
-            </a:r>
-            <a:r>
-              <a:rPr lang="en-US" altLang="zh-TW" sz="2400" dirty="0">
-                <a:solidFill>
-                  <a:srgbClr val="FF0000"/>
-                </a:solidFill>
-              </a:rPr>
-              <a:t>Code</a:t>
-            </a:r>
-            <a:r>
-              <a:rPr lang="zh-TW" altLang="en-US" sz="2400" dirty="0">
-                <a:solidFill>
-                  <a:srgbClr val="FF0000"/>
-                </a:solidFill>
-              </a:rPr>
-              <a:t>中的位置</a:t>
-            </a:r>
-            <a:endParaRPr lang="en-US" altLang="zh-TW" sz="2400" dirty="0">
-              <a:solidFill>
-                <a:srgbClr val="FF0000"/>
-              </a:solidFill>
-            </a:endParaRPr>
-          </a:p>
-          <a:p>
-            <a:pPr marL="0" indent="0">
-              <a:buNone/>
-            </a:pPr>
-            <a:endParaRPr lang="zh-TW" altLang="en-US" dirty="0"/>
+              <a:rPr lang="en-US" altLang="zh-TW" sz="2000" dirty="0"/>
+              <a:t> </a:t>
+            </a:r>
+            <a:r>
+              <a:rPr lang="zh-TW" altLang="en-US" sz="2000" dirty="0"/>
+              <a:t>由於使用情況是使用者隨時可能會去觸動後發</a:t>
+            </a:r>
+            <a:r>
+              <a:rPr lang="en-US" altLang="zh-TW" sz="2000" dirty="0"/>
+              <a:t>Sensor</a:t>
+            </a:r>
+            <a:r>
+              <a:rPr lang="zh-TW" altLang="en-US" sz="2000" dirty="0"/>
+              <a:t>、筆本身還要</a:t>
+            </a:r>
+            <a:r>
+              <a:rPr lang="en-US" altLang="zh-TW" sz="2000" dirty="0"/>
+              <a:t>Decode </a:t>
+            </a:r>
+            <a:r>
+              <a:rPr lang="zh-TW" altLang="en-US" sz="2000" dirty="0"/>
+              <a:t>訊號，因此中斷是最佳方法，</a:t>
+            </a:r>
+            <a:r>
+              <a:rPr lang="en-US" altLang="zh-TW" sz="2000" dirty="0"/>
+              <a:t>Polling </a:t>
+            </a:r>
+            <a:r>
+              <a:rPr lang="zh-TW" altLang="en-US" sz="2000" dirty="0"/>
+              <a:t>去偵測就不是好方法並且耗電</a:t>
+            </a:r>
+            <a:endParaRPr lang="en-US" altLang="zh-TW" sz="2000" dirty="0"/>
           </a:p>
         </p:txBody>
       </p:sp>
     </p:spTree>
     <p:extLst>
       <p:ext uri="{BB962C8B-B14F-4D97-AF65-F5344CB8AC3E}">
-        <p14:creationId xmlns:p14="http://schemas.microsoft.com/office/powerpoint/2010/main" val="719165155"/>
+        <p14:creationId xmlns:p14="http://schemas.microsoft.com/office/powerpoint/2010/main" val="1764172780"/>
       </p:ext>
     </p:extLst>
   </p:cSld>
@@ -11546,7 +11494,7 @@
           <p:cNvPr id="2" name="標題 1">
             <a:extLst>
               <a:ext uri="{FF2B5EF4-FFF2-40B4-BE49-F238E27FC236}">
-                <a16:creationId xmlns:a16="http://schemas.microsoft.com/office/drawing/2014/main" id="{A90C3E7E-AE4E-452E-A66F-A6DA326A606E}"/>
+                <a16:creationId xmlns:a16="http://schemas.microsoft.com/office/drawing/2014/main" id="{DCAF803D-3CAB-3E11-8A90-4D5310A3A5EA}"/>
               </a:ext>
             </a:extLst>
           </p:cNvPr>
@@ -11564,8 +11512,8 @@
           <a:p>
             <a:pPr algn="ctr"/>
             <a:r>
-              <a:rPr lang="zh-TW" altLang="en-US" sz="4400" dirty="0"/>
-              <a:t>最接近顏色</a:t>
+              <a:rPr lang="en-US" altLang="zh-TW" dirty="0"/>
+              <a:t>UART RX Setting</a:t>
             </a:r>
             <a:endParaRPr lang="zh-TW" altLang="en-US" dirty="0"/>
           </a:p>
@@ -11576,7 +11524,7 @@
           <p:cNvPr id="3" name="內容版面配置區 2">
             <a:extLst>
               <a:ext uri="{FF2B5EF4-FFF2-40B4-BE49-F238E27FC236}">
-                <a16:creationId xmlns:a16="http://schemas.microsoft.com/office/drawing/2014/main" id="{2270879B-7395-4917-86B4-47F549C5A985}"/>
+                <a16:creationId xmlns:a16="http://schemas.microsoft.com/office/drawing/2014/main" id="{3B1B8A68-518A-9A03-2325-0016A63D6547}"/>
               </a:ext>
             </a:extLst>
           </p:cNvPr>
@@ -11596,89 +11544,144 @@
               <a:buNone/>
             </a:pPr>
             <a:r>
-              <a:rPr lang="en-US" altLang="zh-TW" dirty="0"/>
-              <a:t>Root Cause :</a:t>
-            </a:r>
-          </a:p>
-          <a:p>
-            <a:pPr marL="514350" indent="-514350">
-              <a:buAutoNum type="arabicPeriod"/>
-            </a:pPr>
-            <a:r>
-              <a:rPr lang="en-US" altLang="zh-TW" dirty="0"/>
-              <a:t>Sensor </a:t>
-            </a:r>
-            <a:r>
-              <a:rPr lang="zh-TW" altLang="en-US" dirty="0"/>
-              <a:t>傳輸的顏色，並不一定落在</a:t>
-            </a:r>
-            <a:r>
-              <a:rPr lang="en-US" altLang="zh-TW" dirty="0"/>
-              <a:t>USI</a:t>
-            </a:r>
-            <a:r>
-              <a:rPr lang="zh-TW" altLang="en-US" dirty="0"/>
-              <a:t>所定義的顏色，因此需要找到最接近的顏色。</a:t>
-            </a:r>
-            <a:endParaRPr lang="en-US" altLang="zh-TW" dirty="0"/>
-          </a:p>
-          <a:p>
-            <a:pPr marL="514350" indent="-514350">
-              <a:buAutoNum type="arabicPeriod"/>
-            </a:pPr>
-            <a:endParaRPr lang="en-US" altLang="zh-TW" dirty="0"/>
+              <a:rPr lang="zh-TW" altLang="en-US" dirty="0">
+                <a:solidFill>
+                  <a:schemeClr val="accent1"/>
+                </a:solidFill>
+              </a:rPr>
+              <a:t>過程中遇到最大問題 </a:t>
+            </a:r>
+            <a:r>
+              <a:rPr lang="en-US" altLang="zh-TW" dirty="0">
+                <a:solidFill>
+                  <a:schemeClr val="accent1"/>
+                </a:solidFill>
+              </a:rPr>
+              <a:t>: </a:t>
+            </a:r>
           </a:p>
           <a:p>
             <a:pPr marL="0" indent="0">
               <a:buNone/>
             </a:pPr>
             <a:r>
-              <a:rPr lang="en-US" altLang="zh-TW" dirty="0"/>
-              <a:t>Solve :</a:t>
-            </a:r>
+              <a:rPr lang="zh-TW" altLang="en-US" sz="2400" dirty="0"/>
+              <a:t>收完</a:t>
+            </a:r>
+            <a:r>
+              <a:rPr lang="en-US" altLang="zh-TW" sz="2400" dirty="0"/>
+              <a:t>Sensor Data</a:t>
+            </a:r>
+            <a:r>
+              <a:rPr lang="zh-TW" altLang="en-US" sz="2400" dirty="0"/>
+              <a:t>後，顯示資料卻有漏東漏西</a:t>
+            </a:r>
+            <a:endParaRPr lang="en-US" altLang="zh-TW" sz="2400" dirty="0"/>
           </a:p>
           <a:p>
             <a:pPr marL="0" indent="0">
               <a:buNone/>
             </a:pPr>
             <a:r>
-              <a:rPr lang="en-US" altLang="zh-TW" dirty="0"/>
-              <a:t>	1. </a:t>
-            </a:r>
-            <a:r>
-              <a:rPr lang="zh-TW" altLang="en-US" dirty="0"/>
-              <a:t>顏色距離定義</a:t>
-            </a:r>
-            <a:endParaRPr lang="en-US" altLang="zh-TW" dirty="0"/>
+              <a:rPr lang="en-US" altLang="zh-TW" sz="2400" dirty="0"/>
+              <a:t>Source</a:t>
+            </a:r>
           </a:p>
           <a:p>
             <a:pPr marL="0" indent="0">
               <a:buNone/>
             </a:pPr>
             <a:r>
-              <a:rPr lang="en-US" altLang="zh-TW" dirty="0"/>
-              <a:t>	2.  </a:t>
-            </a:r>
-            <a:r>
-              <a:rPr lang="zh-TW" altLang="en-US" dirty="0"/>
-              <a:t>使用</a:t>
-            </a:r>
-            <a:r>
-              <a:rPr lang="en-US" altLang="zh-TW" dirty="0" err="1"/>
-              <a:t>matlab</a:t>
-            </a:r>
-            <a:r>
-              <a:rPr lang="zh-TW" altLang="en-US" dirty="0"/>
-              <a:t>來加速驗證速度</a:t>
-            </a:r>
-            <a:endParaRPr lang="en-US" altLang="zh-TW" dirty="0"/>
+              <a:rPr lang="en-US" altLang="zh-TW" sz="2400" dirty="0"/>
+              <a:t>1 . </a:t>
+            </a:r>
+            <a:r>
+              <a:rPr lang="zh-TW" altLang="en-US" sz="2400" dirty="0"/>
+              <a:t> 硬體觸發設定 </a:t>
+            </a:r>
+            <a:r>
+              <a:rPr lang="en-US" altLang="zh-TW" sz="2400" dirty="0"/>
+              <a:t>: 4Bytes -&gt; 1Bytes</a:t>
+            </a:r>
+          </a:p>
+          <a:p>
+            <a:pPr marL="0" indent="0">
+              <a:buNone/>
+            </a:pPr>
+            <a:r>
+              <a:rPr lang="en-US" altLang="zh-TW" sz="2400" dirty="0"/>
+              <a:t>2. </a:t>
+            </a:r>
+            <a:r>
+              <a:rPr lang="zh-TW" altLang="en-US" sz="2400" dirty="0"/>
+              <a:t> </a:t>
+            </a:r>
+            <a:r>
+              <a:rPr lang="zh-TW" altLang="en-US" sz="2400" dirty="0">
+                <a:solidFill>
+                  <a:srgbClr val="FF0000"/>
+                </a:solidFill>
+              </a:rPr>
+              <a:t>解除中斷</a:t>
+            </a:r>
+            <a:r>
+              <a:rPr lang="en-US" altLang="zh-TW" sz="2400" dirty="0">
+                <a:solidFill>
+                  <a:srgbClr val="FF0000"/>
+                </a:solidFill>
+              </a:rPr>
+              <a:t>Event </a:t>
+            </a:r>
+            <a:r>
+              <a:rPr lang="en-US" altLang="zh-TW" sz="2400" dirty="0" err="1">
+                <a:solidFill>
+                  <a:srgbClr val="FF0000"/>
+                </a:solidFill>
+              </a:rPr>
+              <a:t>regestier</a:t>
+            </a:r>
+            <a:r>
+              <a:rPr lang="zh-TW" altLang="en-US" sz="2400" dirty="0">
+                <a:solidFill>
+                  <a:srgbClr val="FF0000"/>
+                </a:solidFill>
+              </a:rPr>
+              <a:t>在</a:t>
+            </a:r>
+            <a:r>
+              <a:rPr lang="en-US" altLang="zh-TW" sz="2400" dirty="0">
+                <a:solidFill>
+                  <a:srgbClr val="FF0000"/>
+                </a:solidFill>
+              </a:rPr>
+              <a:t>Code</a:t>
+            </a:r>
+            <a:r>
+              <a:rPr lang="zh-TW" altLang="en-US" sz="2400" dirty="0">
+                <a:solidFill>
+                  <a:srgbClr val="FF0000"/>
+                </a:solidFill>
+              </a:rPr>
+              <a:t>中的位置</a:t>
+            </a:r>
+            <a:endParaRPr lang="en-US" altLang="zh-TW" sz="2400" dirty="0">
+              <a:solidFill>
+                <a:srgbClr val="FF0000"/>
+              </a:solidFill>
+            </a:endParaRPr>
+          </a:p>
+          <a:p>
+            <a:pPr marL="0" indent="0">
+              <a:buNone/>
+            </a:pPr>
+            <a:endParaRPr lang="zh-TW" altLang="en-US" dirty="0"/>
           </a:p>
         </p:txBody>
       </p:sp>
     </p:spTree>
     <p:extLst>
       <p:ext uri="{BB962C8B-B14F-4D97-AF65-F5344CB8AC3E}">
-        <p14:creationId xmlns:p14="http://schemas.microsoft.com/office/powerpoint/2010/main" val="2172983373"/>
+        <p14:creationId xmlns:p14="http://schemas.microsoft.com/office/powerpoint/2010/main" val="719165155"/>
       </p:ext>
     </p:extLst>
   </p:cSld>
@@ -11710,7 +11713,7 @@
           <p:cNvPr id="2" name="標題 1">
             <a:extLst>
               <a:ext uri="{FF2B5EF4-FFF2-40B4-BE49-F238E27FC236}">
-                <a16:creationId xmlns:a16="http://schemas.microsoft.com/office/drawing/2014/main" id="{77C37F21-5DBA-B401-7D71-7CFB5E6E6C5D}"/>
+                <a16:creationId xmlns:a16="http://schemas.microsoft.com/office/drawing/2014/main" id="{A90C3E7E-AE4E-452E-A66F-A6DA326A606E}"/>
               </a:ext>
             </a:extLst>
           </p:cNvPr>
@@ -11728,21 +11731,10 @@
           <a:p>
             <a:pPr algn="ctr"/>
             <a:r>
-              <a:rPr lang="zh-TW" altLang="en-US" dirty="0"/>
-              <a:t> </a:t>
-            </a:r>
-            <a:r>
-              <a:rPr lang="en-US" altLang="zh-TW" dirty="0" err="1"/>
-              <a:t>Matlab</a:t>
-            </a:r>
-            <a:r>
-              <a:rPr lang="en-US" altLang="zh-TW" dirty="0"/>
-              <a:t> </a:t>
-            </a:r>
-            <a:r>
-              <a:rPr lang="zh-TW" altLang="en-US" dirty="0"/>
-              <a:t>驗證</a:t>
-            </a:r>
+              <a:rPr lang="zh-TW" altLang="en-US" sz="4400" dirty="0"/>
+              <a:t>最接近顏色</a:t>
+            </a:r>
+            <a:endParaRPr lang="zh-TW" altLang="en-US" dirty="0"/>
           </a:p>
         </p:txBody>
       </p:sp>
@@ -11751,7 +11743,7 @@
           <p:cNvPr id="3" name="內容版面配置區 2">
             <a:extLst>
               <a:ext uri="{FF2B5EF4-FFF2-40B4-BE49-F238E27FC236}">
-                <a16:creationId xmlns:a16="http://schemas.microsoft.com/office/drawing/2014/main" id="{534E79D0-3692-7581-7815-5DEF93BC5DAC}"/>
+                <a16:creationId xmlns:a16="http://schemas.microsoft.com/office/drawing/2014/main" id="{2270879B-7395-4917-86B4-47F549C5A985}"/>
               </a:ext>
             </a:extLst>
           </p:cNvPr>
@@ -11772,27 +11764,88 @@
             </a:pPr>
             <a:r>
               <a:rPr lang="en-US" altLang="zh-TW" dirty="0"/>
-              <a:t>Use </a:t>
+              <a:t>Root Cause :</a:t>
+            </a:r>
+          </a:p>
+          <a:p>
+            <a:pPr marL="514350" indent="-514350">
+              <a:buAutoNum type="arabicPeriod"/>
+            </a:pPr>
+            <a:r>
+              <a:rPr lang="en-US" altLang="zh-TW" dirty="0"/>
+              <a:t>Sensor </a:t>
+            </a:r>
+            <a:r>
+              <a:rPr lang="zh-TW" altLang="en-US" dirty="0"/>
+              <a:t>傳輸的顏色，並不一定落在</a:t>
+            </a:r>
+            <a:r>
+              <a:rPr lang="en-US" altLang="zh-TW" dirty="0"/>
+              <a:t>USI</a:t>
+            </a:r>
+            <a:r>
+              <a:rPr lang="zh-TW" altLang="en-US" dirty="0"/>
+              <a:t>所定義的顏色，因此需要找到最接近的顏色。</a:t>
+            </a:r>
+            <a:endParaRPr lang="en-US" altLang="zh-TW" dirty="0"/>
+          </a:p>
+          <a:p>
+            <a:pPr marL="514350" indent="-514350">
+              <a:buAutoNum type="arabicPeriod"/>
+            </a:pPr>
+            <a:endParaRPr lang="en-US" altLang="zh-TW" dirty="0"/>
+          </a:p>
+          <a:p>
+            <a:pPr marL="0" indent="0">
+              <a:buNone/>
+            </a:pPr>
+            <a:r>
+              <a:rPr lang="en-US" altLang="zh-TW" dirty="0"/>
+              <a:t>Solve :</a:t>
+            </a:r>
+          </a:p>
+          <a:p>
+            <a:pPr marL="0" indent="0">
+              <a:buNone/>
+            </a:pPr>
+            <a:r>
+              <a:rPr lang="en-US" altLang="zh-TW" dirty="0"/>
+              <a:t>	1. </a:t>
+            </a:r>
+            <a:r>
+              <a:rPr lang="zh-TW" altLang="en-US" dirty="0"/>
+              <a:t>顏色距離定義</a:t>
+            </a:r>
+            <a:endParaRPr lang="en-US" altLang="zh-TW" dirty="0"/>
+          </a:p>
+          <a:p>
+            <a:pPr marL="0" indent="0">
+              <a:buNone/>
+            </a:pPr>
+            <a:r>
+              <a:rPr lang="en-US" altLang="zh-TW" dirty="0"/>
+              <a:t>	2.  </a:t>
+            </a:r>
+            <a:r>
+              <a:rPr lang="zh-TW" altLang="en-US" dirty="0"/>
+              <a:t>使用</a:t>
             </a:r>
             <a:r>
               <a:rPr lang="en-US" altLang="zh-TW" dirty="0" err="1"/>
-              <a:t>Matalb</a:t>
-            </a:r>
-            <a:r>
-              <a:rPr lang="en-US" altLang="zh-TW" dirty="0"/>
-              <a:t> APP</a:t>
-            </a:r>
-            <a:r>
-              <a:rPr lang="zh-TW" altLang="en-US" dirty="0"/>
-              <a:t> 寫的</a:t>
-            </a:r>
+              <a:t>matlab</a:t>
+            </a:r>
+            <a:r>
+              <a:rPr lang="zh-TW" altLang="en-US" dirty="0"/>
+              <a:t>來加速驗證速度</a:t>
+            </a:r>
+            <a:endParaRPr lang="en-US" altLang="zh-TW" dirty="0"/>
           </a:p>
         </p:txBody>
       </p:sp>
     </p:spTree>
     <p:extLst>
       <p:ext uri="{BB962C8B-B14F-4D97-AF65-F5344CB8AC3E}">
-        <p14:creationId xmlns:p14="http://schemas.microsoft.com/office/powerpoint/2010/main" val="3411917283"/>
+        <p14:creationId xmlns:p14="http://schemas.microsoft.com/office/powerpoint/2010/main" val="2172983373"/>
       </p:ext>
     </p:extLst>
   </p:cSld>
@@ -11824,6 +11877,120 @@
           <p:cNvPr id="2" name="標題 1">
             <a:extLst>
               <a:ext uri="{FF2B5EF4-FFF2-40B4-BE49-F238E27FC236}">
+                <a16:creationId xmlns:a16="http://schemas.microsoft.com/office/drawing/2014/main" id="{77C37F21-5DBA-B401-7D71-7CFB5E6E6C5D}"/>
+              </a:ext>
+            </a:extLst>
+          </p:cNvPr>
+          <p:cNvSpPr>
+            <a:spLocks noGrp="1"/>
+          </p:cNvSpPr>
+          <p:nvPr>
+            <p:ph type="title"/>
+          </p:nvPr>
+        </p:nvSpPr>
+        <p:spPr/>
+        <p:txBody>
+          <a:bodyPr/>
+          <a:lstStyle/>
+          <a:p>
+            <a:pPr algn="ctr"/>
+            <a:r>
+              <a:rPr lang="zh-TW" altLang="en-US" dirty="0"/>
+              <a:t> </a:t>
+            </a:r>
+            <a:r>
+              <a:rPr lang="en-US" altLang="zh-TW" dirty="0" err="1"/>
+              <a:t>Matlab</a:t>
+            </a:r>
+            <a:r>
+              <a:rPr lang="en-US" altLang="zh-TW" dirty="0"/>
+              <a:t> </a:t>
+            </a:r>
+            <a:r>
+              <a:rPr lang="zh-TW" altLang="en-US" dirty="0"/>
+              <a:t>驗證</a:t>
+            </a:r>
+          </a:p>
+        </p:txBody>
+      </p:sp>
+      <p:sp>
+        <p:nvSpPr>
+          <p:cNvPr id="3" name="內容版面配置區 2">
+            <a:extLst>
+              <a:ext uri="{FF2B5EF4-FFF2-40B4-BE49-F238E27FC236}">
+                <a16:creationId xmlns:a16="http://schemas.microsoft.com/office/drawing/2014/main" id="{534E79D0-3692-7581-7815-5DEF93BC5DAC}"/>
+              </a:ext>
+            </a:extLst>
+          </p:cNvPr>
+          <p:cNvSpPr>
+            <a:spLocks noGrp="1"/>
+          </p:cNvSpPr>
+          <p:nvPr>
+            <p:ph idx="1"/>
+          </p:nvPr>
+        </p:nvSpPr>
+        <p:spPr/>
+        <p:txBody>
+          <a:bodyPr/>
+          <a:lstStyle/>
+          <a:p>
+            <a:pPr marL="0" indent="0">
+              <a:buNone/>
+            </a:pPr>
+            <a:r>
+              <a:rPr lang="en-US" altLang="zh-TW" dirty="0"/>
+              <a:t>Use </a:t>
+            </a:r>
+            <a:r>
+              <a:rPr lang="en-US" altLang="zh-TW" dirty="0" err="1"/>
+              <a:t>Matalb</a:t>
+            </a:r>
+            <a:r>
+              <a:rPr lang="en-US" altLang="zh-TW" dirty="0"/>
+              <a:t> APP</a:t>
+            </a:r>
+            <a:r>
+              <a:rPr lang="zh-TW" altLang="en-US" dirty="0"/>
+              <a:t> 寫的</a:t>
+            </a:r>
+          </a:p>
+        </p:txBody>
+      </p:sp>
+    </p:spTree>
+    <p:extLst>
+      <p:ext uri="{BB962C8B-B14F-4D97-AF65-F5344CB8AC3E}">
+        <p14:creationId xmlns:p14="http://schemas.microsoft.com/office/powerpoint/2010/main" val="3411917283"/>
+      </p:ext>
+    </p:extLst>
+  </p:cSld>
+  <p:clrMapOvr>
+    <a:masterClrMapping/>
+  </p:clrMapOvr>
+</p:sld>
+</file>
+
+<file path=ppt/slides/slide34.xml><?xml version="1.0" encoding="utf-8"?>
+<p:sld xmlns:a="http://schemas.openxmlformats.org/drawingml/2006/main" xmlns:r="http://schemas.openxmlformats.org/officeDocument/2006/relationships" xmlns:p="http://schemas.openxmlformats.org/presentationml/2006/main">
+  <p:cSld>
+    <p:spTree>
+      <p:nvGrpSpPr>
+        <p:cNvPr id="1" name=""/>
+        <p:cNvGrpSpPr/>
+        <p:nvPr/>
+      </p:nvGrpSpPr>
+      <p:grpSpPr>
+        <a:xfrm>
+          <a:off x="0" y="0"/>
+          <a:ext cx="0" cy="0"/>
+          <a:chOff x="0" y="0"/>
+          <a:chExt cx="0" cy="0"/>
+        </a:xfrm>
+      </p:grpSpPr>
+      <p:sp>
+        <p:nvSpPr>
+          <p:cNvPr id="2" name="標題 1">
+            <a:extLst>
+              <a:ext uri="{FF2B5EF4-FFF2-40B4-BE49-F238E27FC236}">
                 <a16:creationId xmlns:a16="http://schemas.microsoft.com/office/drawing/2014/main" id="{F0C4E827-8FA5-D200-CB63-931E7FB72A01}"/>
               </a:ext>
             </a:extLst>
@@ -11984,6 +12151,106 @@
     <p:extLst>
       <p:ext uri="{BB962C8B-B14F-4D97-AF65-F5344CB8AC3E}">
         <p14:creationId xmlns:p14="http://schemas.microsoft.com/office/powerpoint/2010/main" val="3116768302"/>
+      </p:ext>
+    </p:extLst>
+  </p:cSld>
+  <p:clrMapOvr>
+    <a:masterClrMapping/>
+  </p:clrMapOvr>
+</p:sld>
+</file>
+
+<file path=ppt/slides/slide35.xml><?xml version="1.0" encoding="utf-8"?>
+<p:sld xmlns:a="http://schemas.openxmlformats.org/drawingml/2006/main" xmlns:r="http://schemas.openxmlformats.org/officeDocument/2006/relationships" xmlns:p="http://schemas.openxmlformats.org/presentationml/2006/main">
+  <p:cSld>
+    <p:spTree>
+      <p:nvGrpSpPr>
+        <p:cNvPr id="1" name=""/>
+        <p:cNvGrpSpPr/>
+        <p:nvPr/>
+      </p:nvGrpSpPr>
+      <p:grpSpPr>
+        <a:xfrm>
+          <a:off x="0" y="0"/>
+          <a:ext cx="0" cy="0"/>
+          <a:chOff x="0" y="0"/>
+          <a:chExt cx="0" cy="0"/>
+        </a:xfrm>
+      </p:grpSpPr>
+      <p:sp>
+        <p:nvSpPr>
+          <p:cNvPr id="2" name="標題 1">
+            <a:extLst>
+              <a:ext uri="{FF2B5EF4-FFF2-40B4-BE49-F238E27FC236}">
+                <a16:creationId xmlns:a16="http://schemas.microsoft.com/office/drawing/2014/main" id="{0AD59BC0-0510-6326-DD50-2DF0BA6A3F5B}"/>
+              </a:ext>
+            </a:extLst>
+          </p:cNvPr>
+          <p:cNvSpPr>
+            <a:spLocks noGrp="1"/>
+          </p:cNvSpPr>
+          <p:nvPr>
+            <p:ph type="title"/>
+          </p:nvPr>
+        </p:nvSpPr>
+        <p:spPr/>
+        <p:txBody>
+          <a:bodyPr/>
+          <a:lstStyle/>
+          <a:p>
+            <a:r>
+              <a:rPr lang="zh-TW" altLang="en-US" dirty="0"/>
+              <a:t>嚴重問題</a:t>
+            </a:r>
+          </a:p>
+        </p:txBody>
+      </p:sp>
+      <p:sp>
+        <p:nvSpPr>
+          <p:cNvPr id="3" name="內容版面配置區 2">
+            <a:extLst>
+              <a:ext uri="{FF2B5EF4-FFF2-40B4-BE49-F238E27FC236}">
+                <a16:creationId xmlns:a16="http://schemas.microsoft.com/office/drawing/2014/main" id="{E2F59C58-A377-FCE2-6D10-158F112376F5}"/>
+              </a:ext>
+            </a:extLst>
+          </p:cNvPr>
+          <p:cNvSpPr>
+            <a:spLocks noGrp="1"/>
+          </p:cNvSpPr>
+          <p:nvPr>
+            <p:ph idx="1"/>
+          </p:nvPr>
+        </p:nvSpPr>
+        <p:spPr/>
+        <p:txBody>
+          <a:bodyPr/>
+          <a:lstStyle/>
+          <a:p>
+            <a:r>
+              <a:rPr lang="zh-TW" altLang="en-US" dirty="0"/>
+              <a:t>電路上</a:t>
+            </a:r>
+            <a:r>
+              <a:rPr lang="en-US" altLang="zh-TW" dirty="0"/>
+              <a:t>ISSUE</a:t>
+            </a:r>
+          </a:p>
+          <a:p>
+            <a:endParaRPr lang="en-US" altLang="zh-TW" dirty="0"/>
+          </a:p>
+          <a:p>
+            <a:r>
+              <a:rPr lang="en-US" altLang="zh-TW" dirty="0"/>
+              <a:t>RX0 CMU </a:t>
+            </a:r>
+            <a:endParaRPr lang="zh-TW" altLang="en-US" dirty="0"/>
+          </a:p>
+        </p:txBody>
+      </p:sp>
+    </p:spTree>
+    <p:extLst>
+      <p:ext uri="{BB962C8B-B14F-4D97-AF65-F5344CB8AC3E}">
+        <p14:creationId xmlns:p14="http://schemas.microsoft.com/office/powerpoint/2010/main" val="832131673"/>
       </p:ext>
     </p:extLst>
   </p:cSld>
@@ -12320,7 +12587,7 @@
             </a:r>
             <a:r>
               <a:rPr lang="en-US" altLang="zh-TW" dirty="0"/>
-              <a:t>filter + Schmitt </a:t>
+              <a:t>filter + Digital Schmitt </a:t>
             </a:r>
             <a:r>
               <a:rPr lang="en-US" altLang="zh-TW" dirty="0" err="1"/>
@@ -12485,15 +12752,7 @@
             </a:pPr>
             <a:r>
               <a:rPr lang="en-US" altLang="zh-TW" sz="2400" dirty="0"/>
-              <a:t>Analog Circuit (</a:t>
-            </a:r>
-            <a:r>
-              <a:rPr lang="zh-TW" altLang="en-US" sz="2400" dirty="0"/>
-              <a:t>* 可斟酌講解</a:t>
-            </a:r>
-            <a:r>
-              <a:rPr lang="en-US" altLang="zh-TW" sz="2400" dirty="0"/>
-              <a:t>)</a:t>
+              <a:t>Analog Circuit</a:t>
             </a:r>
           </a:p>
           <a:p>
@@ -13311,6 +13570,80 @@
           </a:p>
         </p:txBody>
       </p:sp>
+      <p:cxnSp>
+        <p:nvCxnSpPr>
+          <p:cNvPr id="8" name="直線接點 7">
+            <a:extLst>
+              <a:ext uri="{FF2B5EF4-FFF2-40B4-BE49-F238E27FC236}">
+                <a16:creationId xmlns:a16="http://schemas.microsoft.com/office/drawing/2014/main" id="{96E8562C-A905-C2CA-4D54-D9DFB3F48224}"/>
+              </a:ext>
+            </a:extLst>
+          </p:cNvPr>
+          <p:cNvCxnSpPr>
+            <a:stCxn id="20" idx="3"/>
+          </p:cNvCxnSpPr>
+          <p:nvPr/>
+        </p:nvCxnSpPr>
+        <p:spPr>
+          <a:xfrm>
+            <a:off x="7111729" y="3670713"/>
+            <a:ext cx="0" cy="863187"/>
+          </a:xfrm>
+          <a:prstGeom prst="line">
+            <a:avLst/>
+          </a:prstGeom>
+        </p:spPr>
+        <p:style>
+          <a:lnRef idx="1">
+            <a:schemeClr val="accent1"/>
+          </a:lnRef>
+          <a:fillRef idx="0">
+            <a:schemeClr val="accent1"/>
+          </a:fillRef>
+          <a:effectRef idx="0">
+            <a:schemeClr val="accent1"/>
+          </a:effectRef>
+          <a:fontRef idx="minor">
+            <a:schemeClr val="tx1"/>
+          </a:fontRef>
+        </p:style>
+      </p:cxnSp>
+      <p:sp>
+        <p:nvSpPr>
+          <p:cNvPr id="9" name="文字方塊 8">
+            <a:extLst>
+              <a:ext uri="{FF2B5EF4-FFF2-40B4-BE49-F238E27FC236}">
+                <a16:creationId xmlns:a16="http://schemas.microsoft.com/office/drawing/2014/main" id="{B02070EA-33A6-F0C4-E45B-49453C071FF5}"/>
+              </a:ext>
+            </a:extLst>
+          </p:cNvPr>
+          <p:cNvSpPr txBox="1"/>
+          <p:nvPr/>
+        </p:nvSpPr>
+        <p:spPr>
+          <a:xfrm>
+            <a:off x="6483080" y="4561388"/>
+            <a:ext cx="1432196" cy="369332"/>
+          </a:xfrm>
+          <a:prstGeom prst="rect">
+            <a:avLst/>
+          </a:prstGeom>
+          <a:noFill/>
+        </p:spPr>
+        <p:txBody>
+          <a:bodyPr wrap="square" rtlCol="0">
+            <a:spAutoFit/>
+          </a:bodyPr>
+          <a:lstStyle/>
+          <a:p>
+            <a:r>
+              <a:rPr lang="en-US" altLang="zh-TW" dirty="0"/>
+              <a:t>HW ADC Port</a:t>
+            </a:r>
+            <a:endParaRPr lang="zh-TW" altLang="en-US" dirty="0"/>
+          </a:p>
+        </p:txBody>
+      </p:sp>
     </p:spTree>
     <p:extLst>
       <p:ext uri="{BB962C8B-B14F-4D97-AF65-F5344CB8AC3E}">
@@ -13433,7 +13766,7 @@
             </a:r>
             <a:r>
               <a:rPr lang="en-US" altLang="zh-TW" sz="2400" dirty="0"/>
-              <a:t>Debug</a:t>
+              <a:t>ADC</a:t>
             </a:r>
             <a:r>
               <a:rPr lang="zh-TW" altLang="en-US" sz="2400" dirty="0"/>
@@ -13477,31 +13810,6 @@
               <a:rPr lang="zh-TW" altLang="en-US" sz="2000" dirty="0"/>
               <a:t>過程</a:t>
             </a:r>
-            <a:r>
-              <a:rPr lang="en-US" altLang="zh-TW" sz="2000" dirty="0"/>
-              <a:t>(</a:t>
-            </a:r>
-            <a:r>
-              <a:rPr lang="zh-TW" altLang="en-US" sz="2000" dirty="0"/>
-              <a:t>詳細說明、並搭配</a:t>
-            </a:r>
-            <a:r>
-              <a:rPr lang="en-US" altLang="zh-TW" sz="2000" dirty="0"/>
-              <a:t>Logic Analysis</a:t>
-            </a:r>
-            <a:r>
-              <a:rPr lang="zh-TW" altLang="en-US" sz="2000" dirty="0"/>
-              <a:t>講解</a:t>
-            </a:r>
-            <a:r>
-              <a:rPr lang="en-US" altLang="zh-TW" sz="2000" dirty="0"/>
-              <a:t>)</a:t>
-            </a:r>
-          </a:p>
-          <a:p>
-            <a:pPr marL="0" indent="0">
-              <a:buNone/>
-            </a:pPr>
             <a:endParaRPr lang="en-US" altLang="zh-TW" sz="2400" dirty="0"/>
           </a:p>
           <a:p>

--- a/Project_Summary_pdf/Project_Summary.pptx
+++ b/Project_Summary_pdf/Project_Summary.pptx
@@ -5,7 +5,7 @@
     <p:sldMasterId id="2147483648" r:id="rId1"/>
   </p:sldMasterIdLst>
   <p:notesMasterIdLst>
-    <p:notesMasterId r:id="rId43"/>
+    <p:notesMasterId r:id="rId46"/>
   </p:notesMasterIdLst>
   <p:sldIdLst>
     <p:sldId id="256" r:id="rId2"/>
@@ -31,24 +31,27 @@
     <p:sldId id="887" r:id="rId22"/>
     <p:sldId id="888" r:id="rId23"/>
     <p:sldId id="280" r:id="rId24"/>
-    <p:sldId id="284" r:id="rId25"/>
-    <p:sldId id="285" r:id="rId26"/>
-    <p:sldId id="286" r:id="rId27"/>
-    <p:sldId id="881" r:id="rId28"/>
-    <p:sldId id="889" r:id="rId29"/>
-    <p:sldId id="890" r:id="rId30"/>
-    <p:sldId id="751" r:id="rId31"/>
-    <p:sldId id="882" r:id="rId32"/>
-    <p:sldId id="281" r:id="rId33"/>
-    <p:sldId id="257" r:id="rId34"/>
-    <p:sldId id="258" r:id="rId35"/>
-    <p:sldId id="260" r:id="rId36"/>
-    <p:sldId id="263" r:id="rId37"/>
-    <p:sldId id="264" r:id="rId38"/>
-    <p:sldId id="259" r:id="rId39"/>
-    <p:sldId id="265" r:id="rId40"/>
-    <p:sldId id="282" r:id="rId41"/>
-    <p:sldId id="885" r:id="rId42"/>
+    <p:sldId id="892" r:id="rId25"/>
+    <p:sldId id="893" r:id="rId26"/>
+    <p:sldId id="894" r:id="rId27"/>
+    <p:sldId id="284" r:id="rId28"/>
+    <p:sldId id="285" r:id="rId29"/>
+    <p:sldId id="286" r:id="rId30"/>
+    <p:sldId id="881" r:id="rId31"/>
+    <p:sldId id="889" r:id="rId32"/>
+    <p:sldId id="890" r:id="rId33"/>
+    <p:sldId id="751" r:id="rId34"/>
+    <p:sldId id="882" r:id="rId35"/>
+    <p:sldId id="281" r:id="rId36"/>
+    <p:sldId id="257" r:id="rId37"/>
+    <p:sldId id="258" r:id="rId38"/>
+    <p:sldId id="260" r:id="rId39"/>
+    <p:sldId id="263" r:id="rId40"/>
+    <p:sldId id="264" r:id="rId41"/>
+    <p:sldId id="259" r:id="rId42"/>
+    <p:sldId id="265" r:id="rId43"/>
+    <p:sldId id="282" r:id="rId44"/>
+    <p:sldId id="885" r:id="rId45"/>
   </p:sldIdLst>
   <p:sldSz cx="12192000" cy="6858000"/>
   <p:notesSz cx="6858000" cy="9144000"/>
@@ -187,6 +190,9 @@
             <p14:sldId id="887"/>
             <p14:sldId id="888"/>
             <p14:sldId id="280"/>
+            <p14:sldId id="892"/>
+            <p14:sldId id="893"/>
+            <p14:sldId id="894"/>
             <p14:sldId id="284"/>
           </p14:sldIdLst>
         </p14:section>
@@ -393,7 +399,7 @@
           <a:p>
             <a:fld id="{C65320F2-F42B-45F1-AA86-96F1A2E46749}" type="datetimeFigureOut">
               <a:rPr lang="zh-TW" altLang="en-US" smtClean="0"/>
-              <a:t>2023/1/19</a:t>
+              <a:t>2023/1/30</a:t>
             </a:fld>
             <a:endParaRPr lang="zh-TW" altLang="en-US"/>
           </a:p>
@@ -972,24 +978,8 @@
           <a:lstStyle/>
           <a:p>
             <a:r>
-              <a:rPr lang="zh-TW" altLang="en-US" dirty="0"/>
-              <a:t>硬體模擬需要耗費大量時間，才能</a:t>
-            </a:r>
-            <a:r>
-              <a:rPr lang="en-US" altLang="zh-TW" dirty="0"/>
-              <a:t>Sim</a:t>
-            </a:r>
-            <a:r>
-              <a:rPr lang="zh-TW" altLang="en-US" dirty="0"/>
-              <a:t>出一小段實際行為，</a:t>
-            </a:r>
-            <a:r>
-              <a:rPr lang="en-US" altLang="zh-TW" dirty="0"/>
-              <a:t>FW</a:t>
-            </a:r>
-            <a:r>
-              <a:rPr lang="zh-TW" altLang="en-US" dirty="0"/>
-              <a:t>關注的點較少。</a:t>
+              <a:rPr lang="zh-TW" altLang="en-US"/>
+              <a:t>透過分群的作法</a:t>
             </a:r>
           </a:p>
         </p:txBody>
@@ -1011,7 +1001,7 @@
           <a:p>
             <a:fld id="{0116F853-F7F2-4239-A629-A213C1D67574}" type="slidenum">
               <a:rPr lang="zh-TW" altLang="en-US" smtClean="0"/>
-              <a:t>24</a:t>
+              <a:t>22</a:t>
             </a:fld>
             <a:endParaRPr lang="zh-TW" altLang="en-US"/>
           </a:p>
@@ -1020,7 +1010,7 @@
     </p:spTree>
     <p:extLst>
       <p:ext uri="{BB962C8B-B14F-4D97-AF65-F5344CB8AC3E}">
-        <p14:creationId xmlns:p14="http://schemas.microsoft.com/office/powerpoint/2010/main" val="1884394461"/>
+        <p14:creationId xmlns:p14="http://schemas.microsoft.com/office/powerpoint/2010/main" val="1082152292"/>
       </p:ext>
     </p:extLst>
   </p:cSld>
@@ -1074,7 +1064,7 @@
           <a:bodyPr/>
           <a:lstStyle/>
           <a:p>
-            <a:endParaRPr lang="zh-TW" altLang="en-US"/>
+            <a:endParaRPr lang="zh-TW" altLang="en-US" dirty="0"/>
           </a:p>
         </p:txBody>
       </p:sp>
@@ -1095,7 +1085,7 @@
           <a:p>
             <a:fld id="{0116F853-F7F2-4239-A629-A213C1D67574}" type="slidenum">
               <a:rPr lang="zh-TW" altLang="en-US" smtClean="0"/>
-              <a:t>33</a:t>
+              <a:t>24</a:t>
             </a:fld>
             <a:endParaRPr lang="zh-TW" altLang="en-US"/>
           </a:p>
@@ -1104,7 +1094,7 @@
     </p:spTree>
     <p:extLst>
       <p:ext uri="{BB962C8B-B14F-4D97-AF65-F5344CB8AC3E}">
-        <p14:creationId xmlns:p14="http://schemas.microsoft.com/office/powerpoint/2010/main" val="2670570649"/>
+        <p14:creationId xmlns:p14="http://schemas.microsoft.com/office/powerpoint/2010/main" val="1503720047"/>
       </p:ext>
     </p:extLst>
   </p:cSld>
@@ -1158,71 +1148,77 @@
           <a:bodyPr/>
           <a:lstStyle/>
           <a:p>
-            <a:pPr marL="228600" indent="-228600">
-              <a:buAutoNum type="arabicPeriod"/>
-            </a:pPr>
-            <a:r>
-              <a:rPr lang="zh-TW" altLang="en-US"/>
-              <a:t>由於筆只使用</a:t>
-            </a:r>
-            <a:r>
-              <a:rPr lang="en-US" altLang="zh-TW"/>
-              <a:t>UART TX</a:t>
-            </a:r>
-            <a:r>
-              <a:rPr lang="zh-TW" altLang="en-US"/>
-              <a:t>來印出相關資訊、並沒有使用</a:t>
-            </a:r>
-            <a:r>
-              <a:rPr lang="en-US" altLang="zh-TW"/>
-              <a:t>RX</a:t>
-            </a:r>
-            <a:r>
-              <a:rPr lang="zh-TW" altLang="en-US"/>
-              <a:t>來接收其他</a:t>
-            </a:r>
-            <a:r>
-              <a:rPr lang="en-US" altLang="zh-TW"/>
-              <a:t>Sensor</a:t>
-            </a:r>
-            <a:r>
-              <a:rPr lang="zh-TW" altLang="en-US"/>
-              <a:t>的</a:t>
-            </a:r>
-            <a:r>
-              <a:rPr lang="en-US" altLang="zh-TW"/>
-              <a:t>information</a:t>
-            </a:r>
-            <a:r>
-              <a:rPr lang="zh-TW" altLang="en-US"/>
-              <a:t>。</a:t>
-            </a:r>
-            <a:endParaRPr lang="en-US" altLang="zh-TW"/>
-          </a:p>
-          <a:p>
-            <a:pPr marL="0" indent="0">
-              <a:buNone/>
-            </a:pPr>
-            <a:r>
-              <a:rPr lang="zh-TW" altLang="en-US"/>
-              <a:t>       </a:t>
-            </a:r>
-            <a:r>
-              <a:rPr lang="en-US" altLang="zh-TW"/>
-              <a:t>1.1 UART</a:t>
-            </a:r>
-            <a:r>
-              <a:rPr lang="zh-TW" altLang="en-US"/>
+            <a:r>
+              <a:rPr lang="en-US" altLang="zh-TW" dirty="0"/>
+              <a:t>Use </a:t>
+            </a:r>
+          </a:p>
+          <a:p>
+            <a:r>
+              <a:rPr lang="en-US" altLang="zh-TW" dirty="0" err="1"/>
+              <a:t>Diff_time</a:t>
+            </a:r>
+            <a:r>
+              <a:rPr lang="en-US" altLang="zh-TW" dirty="0"/>
+              <a:t>[n]  = Time[n] – Time[n+1] and </a:t>
+            </a:r>
+            <a:r>
+              <a:rPr lang="en-US" altLang="zh-TW" dirty="0" err="1"/>
+              <a:t>GroupLeader</a:t>
+            </a:r>
+            <a:r>
+              <a:rPr lang="en-US" altLang="zh-TW" dirty="0"/>
+              <a:t> always lock in new Group</a:t>
+            </a:r>
+          </a:p>
+          <a:p>
+            <a:r>
+              <a:rPr lang="en-US" altLang="zh-TW" dirty="0"/>
+              <a:t>Sum(</a:t>
+            </a:r>
+            <a:r>
+              <a:rPr lang="en-US" altLang="zh-TW" dirty="0" err="1"/>
+              <a:t>Diff_time</a:t>
+            </a:r>
+            <a:r>
+              <a:rPr lang="en-US" altLang="zh-TW" dirty="0"/>
+              <a:t>[k] + … </a:t>
+            </a:r>
+            <a:r>
+              <a:rPr lang="en-US" altLang="zh-TW" dirty="0" err="1"/>
+              <a:t>Diff_time</a:t>
+            </a:r>
+            <a:r>
+              <a:rPr lang="en-US" altLang="zh-TW" dirty="0"/>
+              <a:t>[</a:t>
+            </a:r>
+            <a:r>
+              <a:rPr lang="en-US" altLang="zh-TW" dirty="0" err="1"/>
+              <a:t>k+j</a:t>
+            </a:r>
+            <a:r>
+              <a:rPr lang="en-US" altLang="zh-TW" dirty="0"/>
+              <a:t>])</a:t>
+            </a:r>
+            <a:r>
+              <a:rPr lang="zh-TW" altLang="en-US" dirty="0"/>
               <a:t> </a:t>
             </a:r>
             <a:r>
-              <a:rPr lang="en-US" altLang="zh-TW"/>
-              <a:t>RX Setting</a:t>
-            </a:r>
-            <a:r>
-              <a:rPr lang="zh-TW" altLang="en-US"/>
-              <a:t>建立</a:t>
-            </a:r>
+              <a:rPr lang="en-US" altLang="zh-TW" dirty="0"/>
+              <a:t>&gt;</a:t>
+            </a:r>
+            <a:r>
+              <a:rPr lang="zh-TW" altLang="en-US" dirty="0"/>
+              <a:t> </a:t>
+            </a:r>
+            <a:r>
+              <a:rPr lang="en-US" altLang="zh-TW" dirty="0"/>
+              <a:t>40ns( tolerance) then find the last point of Group</a:t>
+            </a:r>
+          </a:p>
+          <a:p>
+            <a:endParaRPr lang="zh-TW" altLang="en-US" dirty="0"/>
           </a:p>
         </p:txBody>
       </p:sp>
@@ -1243,7 +1239,342 @@
           <a:p>
             <a:fld id="{0116F853-F7F2-4239-A629-A213C1D67574}" type="slidenum">
               <a:rPr lang="zh-TW" altLang="en-US" smtClean="0"/>
-              <a:t>34</a:t>
+              <a:t>25</a:t>
+            </a:fld>
+            <a:endParaRPr lang="zh-TW" altLang="en-US"/>
+          </a:p>
+        </p:txBody>
+      </p:sp>
+    </p:spTree>
+    <p:extLst>
+      <p:ext uri="{BB962C8B-B14F-4D97-AF65-F5344CB8AC3E}">
+        <p14:creationId xmlns:p14="http://schemas.microsoft.com/office/powerpoint/2010/main" val="2483701480"/>
+      </p:ext>
+    </p:extLst>
+  </p:cSld>
+  <p:clrMapOvr>
+    <a:masterClrMapping/>
+  </p:clrMapOvr>
+</p:notes>
+</file>
+
+<file path=ppt/notesSlides/notesSlide14.xml><?xml version="1.0" encoding="utf-8"?>
+<p:notes xmlns:a="http://schemas.openxmlformats.org/drawingml/2006/main" xmlns:r="http://schemas.openxmlformats.org/officeDocument/2006/relationships" xmlns:p="http://schemas.openxmlformats.org/presentationml/2006/main">
+  <p:cSld>
+    <p:spTree>
+      <p:nvGrpSpPr>
+        <p:cNvPr id="1" name=""/>
+        <p:cNvGrpSpPr/>
+        <p:nvPr/>
+      </p:nvGrpSpPr>
+      <p:grpSpPr>
+        <a:xfrm>
+          <a:off x="0" y="0"/>
+          <a:ext cx="0" cy="0"/>
+          <a:chOff x="0" y="0"/>
+          <a:chExt cx="0" cy="0"/>
+        </a:xfrm>
+      </p:grpSpPr>
+      <p:sp>
+        <p:nvSpPr>
+          <p:cNvPr id="2" name="投影片影像版面配置區 1"/>
+          <p:cNvSpPr>
+            <a:spLocks noGrp="1" noRot="1" noChangeAspect="1"/>
+          </p:cNvSpPr>
+          <p:nvPr>
+            <p:ph type="sldImg"/>
+          </p:nvPr>
+        </p:nvSpPr>
+        <p:spPr/>
+      </p:sp>
+      <p:sp>
+        <p:nvSpPr>
+          <p:cNvPr id="3" name="備忘稿版面配置區 2"/>
+          <p:cNvSpPr>
+            <a:spLocks noGrp="1"/>
+          </p:cNvSpPr>
+          <p:nvPr>
+            <p:ph type="body" idx="1"/>
+          </p:nvPr>
+        </p:nvSpPr>
+        <p:spPr/>
+        <p:txBody>
+          <a:bodyPr/>
+          <a:lstStyle/>
+          <a:p>
+            <a:r>
+              <a:rPr lang="zh-TW" altLang="en-US" dirty="0"/>
+              <a:t>硬體模擬需要耗費大量時間，才能</a:t>
+            </a:r>
+            <a:r>
+              <a:rPr lang="en-US" altLang="zh-TW" dirty="0"/>
+              <a:t>Sim</a:t>
+            </a:r>
+            <a:r>
+              <a:rPr lang="zh-TW" altLang="en-US" dirty="0"/>
+              <a:t>出一小段實際行為，</a:t>
+            </a:r>
+            <a:r>
+              <a:rPr lang="en-US" altLang="zh-TW" dirty="0"/>
+              <a:t>FW</a:t>
+            </a:r>
+            <a:r>
+              <a:rPr lang="zh-TW" altLang="en-US" dirty="0"/>
+              <a:t>關注的點較少。</a:t>
+            </a:r>
+          </a:p>
+        </p:txBody>
+      </p:sp>
+      <p:sp>
+        <p:nvSpPr>
+          <p:cNvPr id="4" name="投影片編號版面配置區 3"/>
+          <p:cNvSpPr>
+            <a:spLocks noGrp="1"/>
+          </p:cNvSpPr>
+          <p:nvPr>
+            <p:ph type="sldNum" sz="quarter" idx="5"/>
+          </p:nvPr>
+        </p:nvSpPr>
+        <p:spPr/>
+        <p:txBody>
+          <a:bodyPr/>
+          <a:lstStyle/>
+          <a:p>
+            <a:fld id="{0116F853-F7F2-4239-A629-A213C1D67574}" type="slidenum">
+              <a:rPr lang="zh-TW" altLang="en-US" smtClean="0"/>
+              <a:t>27</a:t>
+            </a:fld>
+            <a:endParaRPr lang="zh-TW" altLang="en-US"/>
+          </a:p>
+        </p:txBody>
+      </p:sp>
+    </p:spTree>
+    <p:extLst>
+      <p:ext uri="{BB962C8B-B14F-4D97-AF65-F5344CB8AC3E}">
+        <p14:creationId xmlns:p14="http://schemas.microsoft.com/office/powerpoint/2010/main" val="1884394461"/>
+      </p:ext>
+    </p:extLst>
+  </p:cSld>
+  <p:clrMapOvr>
+    <a:masterClrMapping/>
+  </p:clrMapOvr>
+</p:notes>
+</file>
+
+<file path=ppt/notesSlides/notesSlide15.xml><?xml version="1.0" encoding="utf-8"?>
+<p:notes xmlns:a="http://schemas.openxmlformats.org/drawingml/2006/main" xmlns:r="http://schemas.openxmlformats.org/officeDocument/2006/relationships" xmlns:p="http://schemas.openxmlformats.org/presentationml/2006/main">
+  <p:cSld>
+    <p:spTree>
+      <p:nvGrpSpPr>
+        <p:cNvPr id="1" name=""/>
+        <p:cNvGrpSpPr/>
+        <p:nvPr/>
+      </p:nvGrpSpPr>
+      <p:grpSpPr>
+        <a:xfrm>
+          <a:off x="0" y="0"/>
+          <a:ext cx="0" cy="0"/>
+          <a:chOff x="0" y="0"/>
+          <a:chExt cx="0" cy="0"/>
+        </a:xfrm>
+      </p:grpSpPr>
+      <p:sp>
+        <p:nvSpPr>
+          <p:cNvPr id="2" name="投影片影像版面配置區 1"/>
+          <p:cNvSpPr>
+            <a:spLocks noGrp="1" noRot="1" noChangeAspect="1"/>
+          </p:cNvSpPr>
+          <p:nvPr>
+            <p:ph type="sldImg"/>
+          </p:nvPr>
+        </p:nvSpPr>
+        <p:spPr/>
+      </p:sp>
+      <p:sp>
+        <p:nvSpPr>
+          <p:cNvPr id="3" name="備忘稿版面配置區 2"/>
+          <p:cNvSpPr>
+            <a:spLocks noGrp="1"/>
+          </p:cNvSpPr>
+          <p:nvPr>
+            <p:ph type="body" idx="1"/>
+          </p:nvPr>
+        </p:nvSpPr>
+        <p:spPr/>
+        <p:txBody>
+          <a:bodyPr/>
+          <a:lstStyle/>
+          <a:p>
+            <a:endParaRPr lang="zh-TW" altLang="en-US"/>
+          </a:p>
+        </p:txBody>
+      </p:sp>
+      <p:sp>
+        <p:nvSpPr>
+          <p:cNvPr id="4" name="投影片編號版面配置區 3"/>
+          <p:cNvSpPr>
+            <a:spLocks noGrp="1"/>
+          </p:cNvSpPr>
+          <p:nvPr>
+            <p:ph type="sldNum" sz="quarter" idx="5"/>
+          </p:nvPr>
+        </p:nvSpPr>
+        <p:spPr/>
+        <p:txBody>
+          <a:bodyPr/>
+          <a:lstStyle/>
+          <a:p>
+            <a:fld id="{0116F853-F7F2-4239-A629-A213C1D67574}" type="slidenum">
+              <a:rPr lang="zh-TW" altLang="en-US" smtClean="0"/>
+              <a:t>36</a:t>
+            </a:fld>
+            <a:endParaRPr lang="zh-TW" altLang="en-US"/>
+          </a:p>
+        </p:txBody>
+      </p:sp>
+    </p:spTree>
+    <p:extLst>
+      <p:ext uri="{BB962C8B-B14F-4D97-AF65-F5344CB8AC3E}">
+        <p14:creationId xmlns:p14="http://schemas.microsoft.com/office/powerpoint/2010/main" val="2670570649"/>
+      </p:ext>
+    </p:extLst>
+  </p:cSld>
+  <p:clrMapOvr>
+    <a:masterClrMapping/>
+  </p:clrMapOvr>
+</p:notes>
+</file>
+
+<file path=ppt/notesSlides/notesSlide16.xml><?xml version="1.0" encoding="utf-8"?>
+<p:notes xmlns:a="http://schemas.openxmlformats.org/drawingml/2006/main" xmlns:r="http://schemas.openxmlformats.org/officeDocument/2006/relationships" xmlns:p="http://schemas.openxmlformats.org/presentationml/2006/main">
+  <p:cSld>
+    <p:spTree>
+      <p:nvGrpSpPr>
+        <p:cNvPr id="1" name=""/>
+        <p:cNvGrpSpPr/>
+        <p:nvPr/>
+      </p:nvGrpSpPr>
+      <p:grpSpPr>
+        <a:xfrm>
+          <a:off x="0" y="0"/>
+          <a:ext cx="0" cy="0"/>
+          <a:chOff x="0" y="0"/>
+          <a:chExt cx="0" cy="0"/>
+        </a:xfrm>
+      </p:grpSpPr>
+      <p:sp>
+        <p:nvSpPr>
+          <p:cNvPr id="2" name="投影片影像版面配置區 1"/>
+          <p:cNvSpPr>
+            <a:spLocks noGrp="1" noRot="1" noChangeAspect="1"/>
+          </p:cNvSpPr>
+          <p:nvPr>
+            <p:ph type="sldImg"/>
+          </p:nvPr>
+        </p:nvSpPr>
+        <p:spPr/>
+      </p:sp>
+      <p:sp>
+        <p:nvSpPr>
+          <p:cNvPr id="3" name="備忘稿版面配置區 2"/>
+          <p:cNvSpPr>
+            <a:spLocks noGrp="1"/>
+          </p:cNvSpPr>
+          <p:nvPr>
+            <p:ph type="body" idx="1"/>
+          </p:nvPr>
+        </p:nvSpPr>
+        <p:spPr/>
+        <p:txBody>
+          <a:bodyPr/>
+          <a:lstStyle/>
+          <a:p>
+            <a:pPr marL="228600" indent="-228600">
+              <a:buAutoNum type="arabicPeriod"/>
+            </a:pPr>
+            <a:r>
+              <a:rPr lang="zh-TW" altLang="en-US"/>
+              <a:t>由於筆只使用</a:t>
+            </a:r>
+            <a:r>
+              <a:rPr lang="en-US" altLang="zh-TW"/>
+              <a:t>UART TX</a:t>
+            </a:r>
+            <a:r>
+              <a:rPr lang="zh-TW" altLang="en-US"/>
+              <a:t>來印出相關資訊、並沒有使用</a:t>
+            </a:r>
+            <a:r>
+              <a:rPr lang="en-US" altLang="zh-TW"/>
+              <a:t>RX</a:t>
+            </a:r>
+            <a:r>
+              <a:rPr lang="zh-TW" altLang="en-US"/>
+              <a:t>來接收其他</a:t>
+            </a:r>
+            <a:r>
+              <a:rPr lang="en-US" altLang="zh-TW"/>
+              <a:t>Sensor</a:t>
+            </a:r>
+            <a:r>
+              <a:rPr lang="zh-TW" altLang="en-US"/>
+              <a:t>的</a:t>
+            </a:r>
+            <a:r>
+              <a:rPr lang="en-US" altLang="zh-TW"/>
+              <a:t>information</a:t>
+            </a:r>
+            <a:r>
+              <a:rPr lang="zh-TW" altLang="en-US"/>
+              <a:t>。</a:t>
+            </a:r>
+            <a:endParaRPr lang="en-US" altLang="zh-TW"/>
+          </a:p>
+          <a:p>
+            <a:pPr marL="0" indent="0">
+              <a:buNone/>
+            </a:pPr>
+            <a:r>
+              <a:rPr lang="zh-TW" altLang="en-US"/>
+              <a:t>       </a:t>
+            </a:r>
+            <a:r>
+              <a:rPr lang="en-US" altLang="zh-TW"/>
+              <a:t>1.1 UART</a:t>
+            </a:r>
+            <a:r>
+              <a:rPr lang="zh-TW" altLang="en-US"/>
+              <a:t> </a:t>
+            </a:r>
+            <a:r>
+              <a:rPr lang="en-US" altLang="zh-TW"/>
+              <a:t>RX Setting</a:t>
+            </a:r>
+            <a:r>
+              <a:rPr lang="zh-TW" altLang="en-US"/>
+              <a:t>建立</a:t>
+            </a:r>
+          </a:p>
+        </p:txBody>
+      </p:sp>
+      <p:sp>
+        <p:nvSpPr>
+          <p:cNvPr id="4" name="投影片編號版面配置區 3"/>
+          <p:cNvSpPr>
+            <a:spLocks noGrp="1"/>
+          </p:cNvSpPr>
+          <p:nvPr>
+            <p:ph type="sldNum" sz="quarter" idx="5"/>
+          </p:nvPr>
+        </p:nvSpPr>
+        <p:spPr/>
+        <p:txBody>
+          <a:bodyPr/>
+          <a:lstStyle/>
+          <a:p>
+            <a:fld id="{0116F853-F7F2-4239-A629-A213C1D67574}" type="slidenum">
+              <a:rPr lang="zh-TW" altLang="en-US" smtClean="0"/>
+              <a:t>37</a:t>
             </a:fld>
             <a:endParaRPr lang="zh-TW" altLang="en-US"/>
           </a:p>
@@ -1311,7 +1642,7 @@
             </a:pPr>
             <a:r>
               <a:rPr lang="zh-TW" altLang="en-US" dirty="0"/>
-              <a:t>可以強調自身建構</a:t>
+              <a:t>可以強調自身利用</a:t>
             </a:r>
             <a:r>
               <a:rPr lang="en-US" altLang="zh-TW" dirty="0" err="1"/>
@@ -1319,7 +1650,7 @@
             </a:r>
             <a:r>
               <a:rPr lang="zh-TW" altLang="en-US" dirty="0"/>
-              <a:t>來分析</a:t>
+              <a:t>建構多個系統來分析</a:t>
             </a:r>
             <a:endParaRPr lang="en-US" altLang="zh-TW" dirty="0"/>
           </a:p>
@@ -1502,6 +1833,32 @@
               <a:rPr lang="en-US" altLang="zh-TW" dirty="0"/>
               <a:t> </a:t>
             </a:r>
+          </a:p>
+          <a:p>
+            <a:pPr marL="0" indent="0">
+              <a:buNone/>
+            </a:pPr>
+            <a:r>
+              <a:rPr lang="zh-TW" altLang="en-US" dirty="0"/>
+              <a:t>猜測 </a:t>
+            </a:r>
+            <a:r>
+              <a:rPr lang="en-US" altLang="zh-TW" dirty="0"/>
+              <a:t>:</a:t>
+            </a:r>
+            <a:r>
+              <a:rPr lang="zh-TW" altLang="en-US" dirty="0"/>
+              <a:t> 為何前人都沒有做出來，原因之一是他們不曉得可以輸出</a:t>
+            </a:r>
+            <a:r>
+              <a:rPr lang="en-US" altLang="zh-TW" dirty="0"/>
+              <a:t>CSV</a:t>
+            </a:r>
+            <a:r>
+              <a:rPr lang="zh-TW" altLang="en-US" dirty="0"/>
+              <a:t>檔</a:t>
+            </a:r>
+            <a:endParaRPr lang="en-US" altLang="zh-TW" dirty="0"/>
           </a:p>
           <a:p>
             <a:pPr marL="228600" indent="-228600">
@@ -2587,7 +2944,7 @@
           <a:p>
             <a:fld id="{8A9F4CB5-1750-4E23-A13C-2C1F028F9724}" type="datetimeFigureOut">
               <a:rPr lang="zh-TW" altLang="en-US" smtClean="0"/>
-              <a:t>2023/1/19</a:t>
+              <a:t>2023/1/30</a:t>
             </a:fld>
             <a:endParaRPr lang="zh-TW" altLang="en-US"/>
           </a:p>
@@ -2785,7 +3142,7 @@
           <a:p>
             <a:fld id="{8A9F4CB5-1750-4E23-A13C-2C1F028F9724}" type="datetimeFigureOut">
               <a:rPr lang="zh-TW" altLang="en-US" smtClean="0"/>
-              <a:t>2023/1/19</a:t>
+              <a:t>2023/1/30</a:t>
             </a:fld>
             <a:endParaRPr lang="zh-TW" altLang="en-US"/>
           </a:p>
@@ -2993,7 +3350,7 @@
           <a:p>
             <a:fld id="{8A9F4CB5-1750-4E23-A13C-2C1F028F9724}" type="datetimeFigureOut">
               <a:rPr lang="zh-TW" altLang="en-US" smtClean="0"/>
-              <a:t>2023/1/19</a:t>
+              <a:t>2023/1/30</a:t>
             </a:fld>
             <a:endParaRPr lang="zh-TW" altLang="en-US"/>
           </a:p>
@@ -3191,7 +3548,7 @@
           <a:p>
             <a:fld id="{8A9F4CB5-1750-4E23-A13C-2C1F028F9724}" type="datetimeFigureOut">
               <a:rPr lang="zh-TW" altLang="en-US" smtClean="0"/>
-              <a:t>2023/1/19</a:t>
+              <a:t>2023/1/30</a:t>
             </a:fld>
             <a:endParaRPr lang="zh-TW" altLang="en-US"/>
           </a:p>
@@ -3466,7 +3823,7 @@
           <a:p>
             <a:fld id="{8A9F4CB5-1750-4E23-A13C-2C1F028F9724}" type="datetimeFigureOut">
               <a:rPr lang="zh-TW" altLang="en-US" smtClean="0"/>
-              <a:t>2023/1/19</a:t>
+              <a:t>2023/1/30</a:t>
             </a:fld>
             <a:endParaRPr lang="zh-TW" altLang="en-US"/>
           </a:p>
@@ -3731,7 +4088,7 @@
           <a:p>
             <a:fld id="{8A9F4CB5-1750-4E23-A13C-2C1F028F9724}" type="datetimeFigureOut">
               <a:rPr lang="zh-TW" altLang="en-US" smtClean="0"/>
-              <a:t>2023/1/19</a:t>
+              <a:t>2023/1/30</a:t>
             </a:fld>
             <a:endParaRPr lang="zh-TW" altLang="en-US"/>
           </a:p>
@@ -4143,7 +4500,7 @@
           <a:p>
             <a:fld id="{8A9F4CB5-1750-4E23-A13C-2C1F028F9724}" type="datetimeFigureOut">
               <a:rPr lang="zh-TW" altLang="en-US" smtClean="0"/>
-              <a:t>2023/1/19</a:t>
+              <a:t>2023/1/30</a:t>
             </a:fld>
             <a:endParaRPr lang="zh-TW" altLang="en-US"/>
           </a:p>
@@ -4284,7 +4641,7 @@
           <a:p>
             <a:fld id="{8A9F4CB5-1750-4E23-A13C-2C1F028F9724}" type="datetimeFigureOut">
               <a:rPr lang="zh-TW" altLang="en-US" smtClean="0"/>
-              <a:t>2023/1/19</a:t>
+              <a:t>2023/1/30</a:t>
             </a:fld>
             <a:endParaRPr lang="zh-TW" altLang="en-US"/>
           </a:p>
@@ -4397,7 +4754,7 @@
           <a:p>
             <a:fld id="{8A9F4CB5-1750-4E23-A13C-2C1F028F9724}" type="datetimeFigureOut">
               <a:rPr lang="zh-TW" altLang="en-US" smtClean="0"/>
-              <a:t>2023/1/19</a:t>
+              <a:t>2023/1/30</a:t>
             </a:fld>
             <a:endParaRPr lang="zh-TW" altLang="en-US"/>
           </a:p>
@@ -4708,7 +5065,7 @@
           <a:p>
             <a:fld id="{8A9F4CB5-1750-4E23-A13C-2C1F028F9724}" type="datetimeFigureOut">
               <a:rPr lang="zh-TW" altLang="en-US" smtClean="0"/>
-              <a:t>2023/1/19</a:t>
+              <a:t>2023/1/30</a:t>
             </a:fld>
             <a:endParaRPr lang="zh-TW" altLang="en-US"/>
           </a:p>
@@ -4996,7 +5353,7 @@
           <a:p>
             <a:fld id="{8A9F4CB5-1750-4E23-A13C-2C1F028F9724}" type="datetimeFigureOut">
               <a:rPr lang="zh-TW" altLang="en-US" smtClean="0"/>
-              <a:t>2023/1/19</a:t>
+              <a:t>2023/1/30</a:t>
             </a:fld>
             <a:endParaRPr lang="zh-TW" altLang="en-US"/>
           </a:p>
@@ -5237,7 +5594,7 @@
           <a:p>
             <a:fld id="{8A9F4CB5-1750-4E23-A13C-2C1F028F9724}" type="datetimeFigureOut">
               <a:rPr lang="zh-TW" altLang="en-US" smtClean="0"/>
-              <a:t>2023/1/19</a:t>
+              <a:t>2023/1/30</a:t>
             </a:fld>
             <a:endParaRPr lang="zh-TW" altLang="en-US"/>
           </a:p>
@@ -10358,6 +10715,42 @@
           </a:p>
         </p:txBody>
       </p:sp>
+      <p:pic>
+        <p:nvPicPr>
+          <p:cNvPr id="4" name="內容版面配置區 4">
+            <a:extLst>
+              <a:ext uri="{FF2B5EF4-FFF2-40B4-BE49-F238E27FC236}">
+                <a16:creationId xmlns:a16="http://schemas.microsoft.com/office/drawing/2014/main" id="{DB2E8502-6094-2317-26E4-76AB9A0F9D1D}"/>
+              </a:ext>
+            </a:extLst>
+          </p:cNvPr>
+          <p:cNvPicPr>
+            <a:picLocks noChangeAspect="1"/>
+          </p:cNvPicPr>
+          <p:nvPr/>
+        </p:nvPicPr>
+        <p:blipFill>
+          <a:blip r:embed="rId3">
+            <a:extLst>
+              <a:ext uri="{28A0092B-C50C-407E-A947-70E740481C1C}">
+                <a14:useLocalDpi xmlns:a14="http://schemas.microsoft.com/office/drawing/2010/main" val="0"/>
+              </a:ext>
+            </a:extLst>
+          </a:blip>
+          <a:stretch>
+            <a:fillRect/>
+          </a:stretch>
+        </p:blipFill>
+        <p:spPr>
+          <a:xfrm>
+            <a:off x="838200" y="1789889"/>
+            <a:ext cx="10515600" cy="4581728"/>
+          </a:xfrm>
+          <a:prstGeom prst="rect">
+            <a:avLst/>
+          </a:prstGeom>
+        </p:spPr>
+      </p:pic>
     </p:spTree>
     <p:extLst>
       <p:ext uri="{BB962C8B-B14F-4D97-AF65-F5344CB8AC3E}">
@@ -10947,7 +11340,7 @@
           <p:cNvPr id="2" name="標題 1">
             <a:extLst>
               <a:ext uri="{FF2B5EF4-FFF2-40B4-BE49-F238E27FC236}">
-                <a16:creationId xmlns:a16="http://schemas.microsoft.com/office/drawing/2014/main" id="{64FD2677-F2BC-1AEC-3142-38AE75A23EB0}"/>
+                <a16:creationId xmlns:a16="http://schemas.microsoft.com/office/drawing/2014/main" id="{DC7639E9-B8F1-AE47-D2B5-2C87FE627BD2}"/>
               </a:ext>
             </a:extLst>
           </p:cNvPr>
@@ -10965,8 +11358,12 @@
           <a:p>
             <a:pPr algn="ctr"/>
             <a:r>
+              <a:rPr lang="en-US" altLang="zh-TW" dirty="0"/>
+              <a:t>Code </a:t>
+            </a:r>
+            <a:r>
               <a:rPr lang="zh-TW" altLang="en-US" dirty="0"/>
-              <a:t>總結</a:t>
+              <a:t>流程</a:t>
             </a:r>
           </a:p>
         </p:txBody>
@@ -10976,7 +11373,7 @@
           <p:cNvPr id="3" name="內容版面配置區 2">
             <a:extLst>
               <a:ext uri="{FF2B5EF4-FFF2-40B4-BE49-F238E27FC236}">
-                <a16:creationId xmlns:a16="http://schemas.microsoft.com/office/drawing/2014/main" id="{B74ED5F4-D303-5CBD-8613-D37E68EE39CF}"/>
+                <a16:creationId xmlns:a16="http://schemas.microsoft.com/office/drawing/2014/main" id="{13371494-63D2-6545-B6F1-531951D040DA}"/>
               </a:ext>
             </a:extLst>
           </p:cNvPr>
@@ -10987,7 +11384,12 @@
             <p:ph idx="1"/>
           </p:nvPr>
         </p:nvSpPr>
-        <p:spPr/>
+        <p:spPr>
+          <a:xfrm>
+            <a:off x="828368" y="1816228"/>
+            <a:ext cx="10515600" cy="4351338"/>
+          </a:xfrm>
+        </p:spPr>
         <p:txBody>
           <a:bodyPr/>
           <a:lstStyle/>
@@ -10996,36 +11398,91 @@
               <a:buNone/>
             </a:pPr>
             <a:r>
-              <a:rPr lang="en-US" altLang="zh-TW" dirty="0"/>
-              <a:t>1. ADC</a:t>
-            </a:r>
-            <a:r>
               <a:rPr lang="zh-TW" altLang="en-US" dirty="0"/>
-              <a:t> 架構讓</a:t>
-            </a:r>
-            <a:r>
-              <a:rPr lang="en-US" altLang="zh-TW" dirty="0"/>
-              <a:t>FW</a:t>
+              <a:t>重點 </a:t>
+            </a:r>
+            <a:r>
+              <a:rPr lang="en-US" altLang="zh-TW" dirty="0"/>
+              <a:t>:</a:t>
             </a:r>
             <a:r>
               <a:rPr lang="zh-TW" altLang="en-US" dirty="0"/>
-              <a:t>能夠快速模擬數位硬體行為，降低學長們</a:t>
-            </a:r>
-            <a:r>
-              <a:rPr lang="en-US" altLang="zh-TW" dirty="0"/>
-              <a:t>Sim code</a:t>
-            </a:r>
+              <a:t> </a:t>
+            </a:r>
+            <a:endParaRPr lang="en-US" altLang="zh-TW" dirty="0"/>
+          </a:p>
+          <a:p>
+            <a:pPr marL="0" indent="0">
+              <a:buNone/>
+            </a:pPr>
+            <a:endParaRPr lang="en-US" altLang="zh-TW" dirty="0"/>
+          </a:p>
+          <a:p>
+            <a:pPr marL="514350" indent="-514350">
+              <a:buAutoNum type="arabicPeriod"/>
+            </a:pPr>
             <a:r>
               <a:rPr lang="zh-TW" altLang="en-US" dirty="0"/>
-              <a:t>的時間</a:t>
-            </a:r>
+              <a:t>如何區分</a:t>
+            </a:r>
+            <a:r>
+              <a:rPr lang="en-US" altLang="zh-TW" dirty="0"/>
+              <a:t>Group</a:t>
+            </a:r>
+            <a:r>
+              <a:rPr lang="zh-TW" altLang="en-US" dirty="0"/>
+              <a:t> </a:t>
+            </a:r>
+            <a:r>
+              <a:rPr lang="en-US" altLang="zh-TW" dirty="0"/>
+              <a:t>(</a:t>
+            </a:r>
+            <a:r>
+              <a:rPr lang="zh-TW" altLang="en-US" dirty="0"/>
+              <a:t>詳見下一頁</a:t>
+            </a:r>
+            <a:r>
+              <a:rPr lang="en-US" altLang="zh-TW" dirty="0"/>
+              <a:t>)</a:t>
+            </a:r>
+          </a:p>
+          <a:p>
+            <a:pPr marL="514350" indent="-514350">
+              <a:buAutoNum type="arabicPeriod"/>
+            </a:pPr>
+            <a:endParaRPr lang="en-US" altLang="zh-TW" dirty="0"/>
+          </a:p>
+          <a:p>
+            <a:pPr marL="514350" indent="-514350">
+              <a:buAutoNum type="arabicPeriod"/>
+            </a:pPr>
+            <a:r>
+              <a:rPr lang="zh-TW" altLang="en-US" dirty="0"/>
+              <a:t>如何重建</a:t>
+            </a:r>
+            <a:r>
+              <a:rPr lang="en-US" altLang="zh-TW" dirty="0"/>
+              <a:t>Sample</a:t>
+            </a:r>
+          </a:p>
+          <a:p>
+            <a:pPr marL="0" indent="0">
+              <a:buNone/>
+            </a:pPr>
+            <a:endParaRPr lang="en-US" altLang="zh-TW" dirty="0"/>
+          </a:p>
+          <a:p>
+            <a:pPr marL="0" indent="0">
+              <a:buNone/>
+            </a:pPr>
+            <a:endParaRPr lang="zh-TW" altLang="en-US" dirty="0"/>
           </a:p>
         </p:txBody>
       </p:sp>
     </p:spTree>
     <p:extLst>
       <p:ext uri="{BB962C8B-B14F-4D97-AF65-F5344CB8AC3E}">
-        <p14:creationId xmlns:p14="http://schemas.microsoft.com/office/powerpoint/2010/main" val="172761753"/>
+        <p14:creationId xmlns:p14="http://schemas.microsoft.com/office/powerpoint/2010/main" val="3537646931"/>
       </p:ext>
     </p:extLst>
   </p:cSld>
@@ -11057,7 +11514,7 @@
           <p:cNvPr id="2" name="標題 1">
             <a:extLst>
               <a:ext uri="{FF2B5EF4-FFF2-40B4-BE49-F238E27FC236}">
-                <a16:creationId xmlns:a16="http://schemas.microsoft.com/office/drawing/2014/main" id="{FA0E620C-9F23-2AF8-42C2-543FD8E93800}"/>
+                <a16:creationId xmlns:a16="http://schemas.microsoft.com/office/drawing/2014/main" id="{963F93D0-4938-95C3-D9F9-87ECB3799EA9}"/>
               </a:ext>
             </a:extLst>
           </p:cNvPr>
@@ -11075,71 +11532,1094 @@
           <a:p>
             <a:pPr algn="ctr"/>
             <a:r>
+              <a:rPr lang="en-US" altLang="zh-TW" dirty="0"/>
+              <a:t>Code </a:t>
+            </a:r>
+            <a:r>
               <a:rPr lang="zh-TW" altLang="en-US" dirty="0"/>
-              <a:t>數位架構</a:t>
-            </a:r>
-          </a:p>
-        </p:txBody>
-      </p:sp>
-      <p:sp>
-        <p:nvSpPr>
-          <p:cNvPr id="3" name="內容版面配置區 2">
-            <a:extLst>
-              <a:ext uri="{FF2B5EF4-FFF2-40B4-BE49-F238E27FC236}">
-                <a16:creationId xmlns:a16="http://schemas.microsoft.com/office/drawing/2014/main" id="{134E4868-8224-3AB5-A489-C7A069BC88F9}"/>
-              </a:ext>
-            </a:extLst>
-          </p:cNvPr>
-          <p:cNvSpPr>
-            <a:spLocks noGrp="1"/>
-          </p:cNvSpPr>
-          <p:nvPr>
-            <p:ph idx="1"/>
-          </p:nvPr>
-        </p:nvSpPr>
-        <p:spPr/>
-        <p:txBody>
-          <a:bodyPr/>
-          <a:lstStyle/>
-          <a:p>
-            <a:pPr marL="0" indent="0">
-              <a:buNone/>
-            </a:pPr>
+              <a:t>流程</a:t>
+            </a:r>
+            <a:br>
+              <a:rPr lang="en-US" altLang="zh-TW" dirty="0"/>
+            </a:br>
+            <a:r>
+              <a:rPr lang="en-US" altLang="zh-TW" dirty="0"/>
+              <a:t>Group</a:t>
+            </a:r>
+            <a:endParaRPr lang="zh-TW" altLang="en-US" dirty="0"/>
+          </a:p>
+        </p:txBody>
+      </p:sp>
+      <p:cxnSp>
+        <p:nvCxnSpPr>
+          <p:cNvPr id="4" name="直線接點 3">
+            <a:extLst>
+              <a:ext uri="{FF2B5EF4-FFF2-40B4-BE49-F238E27FC236}">
+                <a16:creationId xmlns:a16="http://schemas.microsoft.com/office/drawing/2014/main" id="{E2D1FB53-A93D-EBE2-367B-87DC1626D80F}"/>
+              </a:ext>
+            </a:extLst>
+          </p:cNvPr>
+          <p:cNvCxnSpPr>
+            <a:cxnSpLocks/>
+          </p:cNvCxnSpPr>
+          <p:nvPr/>
+        </p:nvCxnSpPr>
+        <p:spPr>
+          <a:xfrm>
+            <a:off x="1895167" y="4017703"/>
+            <a:ext cx="9261987" cy="9397"/>
+          </a:xfrm>
+          <a:prstGeom prst="line">
+            <a:avLst/>
+          </a:prstGeom>
+        </p:spPr>
+        <p:style>
+          <a:lnRef idx="1">
+            <a:schemeClr val="accent1"/>
+          </a:lnRef>
+          <a:fillRef idx="0">
+            <a:schemeClr val="accent1"/>
+          </a:fillRef>
+          <a:effectRef idx="0">
+            <a:schemeClr val="accent1"/>
+          </a:effectRef>
+          <a:fontRef idx="minor">
+            <a:schemeClr val="tx1"/>
+          </a:fontRef>
+        </p:style>
+      </p:cxnSp>
+      <p:sp>
+        <p:nvSpPr>
+          <p:cNvPr id="5" name="橢圓 4">
+            <a:extLst>
+              <a:ext uri="{FF2B5EF4-FFF2-40B4-BE49-F238E27FC236}">
+                <a16:creationId xmlns:a16="http://schemas.microsoft.com/office/drawing/2014/main" id="{84FEB3A0-D4D7-2E9B-CFC4-353E0A53CB88}"/>
+              </a:ext>
+            </a:extLst>
+          </p:cNvPr>
+          <p:cNvSpPr/>
+          <p:nvPr/>
+        </p:nvSpPr>
+        <p:spPr>
+          <a:xfrm>
+            <a:off x="3163529" y="3948877"/>
+            <a:ext cx="157316" cy="137652"/>
+          </a:xfrm>
+          <a:prstGeom prst="ellipse">
+            <a:avLst/>
+          </a:prstGeom>
+        </p:spPr>
+        <p:style>
+          <a:lnRef idx="2">
+            <a:schemeClr val="accent1">
+              <a:shade val="50000"/>
+            </a:schemeClr>
+          </a:lnRef>
+          <a:fillRef idx="1">
+            <a:schemeClr val="accent1"/>
+          </a:fillRef>
+          <a:effectRef idx="0">
+            <a:schemeClr val="accent1"/>
+          </a:effectRef>
+          <a:fontRef idx="minor">
+            <a:schemeClr val="lt1"/>
+          </a:fontRef>
+        </p:style>
+        <p:txBody>
+          <a:bodyPr rtlCol="0" anchor="ctr"/>
+          <a:lstStyle/>
+          <a:p>
+            <a:pPr algn="ctr"/>
+            <a:endParaRPr lang="zh-TW" altLang="en-US"/>
+          </a:p>
+        </p:txBody>
+      </p:sp>
+      <p:sp>
+        <p:nvSpPr>
+          <p:cNvPr id="6" name="橢圓 5">
+            <a:extLst>
+              <a:ext uri="{FF2B5EF4-FFF2-40B4-BE49-F238E27FC236}">
+                <a16:creationId xmlns:a16="http://schemas.microsoft.com/office/drawing/2014/main" id="{00B17BEB-454F-0197-DB1B-FD6ABB03584A}"/>
+              </a:ext>
+            </a:extLst>
+          </p:cNvPr>
+          <p:cNvSpPr/>
+          <p:nvPr/>
+        </p:nvSpPr>
+        <p:spPr>
+          <a:xfrm>
+            <a:off x="3610897" y="3958274"/>
+            <a:ext cx="157316" cy="137652"/>
+          </a:xfrm>
+          <a:prstGeom prst="ellipse">
+            <a:avLst/>
+          </a:prstGeom>
+        </p:spPr>
+        <p:style>
+          <a:lnRef idx="2">
+            <a:schemeClr val="accent1">
+              <a:shade val="50000"/>
+            </a:schemeClr>
+          </a:lnRef>
+          <a:fillRef idx="1">
+            <a:schemeClr val="accent1"/>
+          </a:fillRef>
+          <a:effectRef idx="0">
+            <a:schemeClr val="accent1"/>
+          </a:effectRef>
+          <a:fontRef idx="minor">
+            <a:schemeClr val="lt1"/>
+          </a:fontRef>
+        </p:style>
+        <p:txBody>
+          <a:bodyPr rtlCol="0" anchor="ctr"/>
+          <a:lstStyle/>
+          <a:p>
+            <a:pPr algn="ctr"/>
+            <a:endParaRPr lang="zh-TW" altLang="en-US"/>
+          </a:p>
+        </p:txBody>
+      </p:sp>
+      <p:sp>
+        <p:nvSpPr>
+          <p:cNvPr id="7" name="橢圓 6">
+            <a:extLst>
+              <a:ext uri="{FF2B5EF4-FFF2-40B4-BE49-F238E27FC236}">
+                <a16:creationId xmlns:a16="http://schemas.microsoft.com/office/drawing/2014/main" id="{2D94DEEE-7F6D-9B8B-2DC7-59BF0BBBC3D0}"/>
+              </a:ext>
+            </a:extLst>
+          </p:cNvPr>
+          <p:cNvSpPr/>
+          <p:nvPr/>
+        </p:nvSpPr>
+        <p:spPr>
+          <a:xfrm>
+            <a:off x="4431891" y="3948877"/>
+            <a:ext cx="157316" cy="137652"/>
+          </a:xfrm>
+          <a:prstGeom prst="ellipse">
+            <a:avLst/>
+          </a:prstGeom>
+        </p:spPr>
+        <p:style>
+          <a:lnRef idx="2">
+            <a:schemeClr val="accent1">
+              <a:shade val="50000"/>
+            </a:schemeClr>
+          </a:lnRef>
+          <a:fillRef idx="1">
+            <a:schemeClr val="accent1"/>
+          </a:fillRef>
+          <a:effectRef idx="0">
+            <a:schemeClr val="accent1"/>
+          </a:effectRef>
+          <a:fontRef idx="minor">
+            <a:schemeClr val="lt1"/>
+          </a:fontRef>
+        </p:style>
+        <p:txBody>
+          <a:bodyPr rtlCol="0" anchor="ctr"/>
+          <a:lstStyle/>
+          <a:p>
+            <a:pPr algn="ctr"/>
+            <a:endParaRPr lang="zh-TW" altLang="en-US"/>
+          </a:p>
+        </p:txBody>
+      </p:sp>
+      <p:sp>
+        <p:nvSpPr>
+          <p:cNvPr id="8" name="橢圓 7">
+            <a:extLst>
+              <a:ext uri="{FF2B5EF4-FFF2-40B4-BE49-F238E27FC236}">
+                <a16:creationId xmlns:a16="http://schemas.microsoft.com/office/drawing/2014/main" id="{9121C261-69CB-1822-1FD6-EAE7577209DD}"/>
+              </a:ext>
+            </a:extLst>
+          </p:cNvPr>
+          <p:cNvSpPr/>
+          <p:nvPr/>
+        </p:nvSpPr>
+        <p:spPr>
+          <a:xfrm>
+            <a:off x="7538887" y="3948876"/>
+            <a:ext cx="157316" cy="137652"/>
+          </a:xfrm>
+          <a:prstGeom prst="ellipse">
+            <a:avLst/>
+          </a:prstGeom>
+        </p:spPr>
+        <p:style>
+          <a:lnRef idx="2">
+            <a:schemeClr val="accent1">
+              <a:shade val="50000"/>
+            </a:schemeClr>
+          </a:lnRef>
+          <a:fillRef idx="1">
+            <a:schemeClr val="accent1"/>
+          </a:fillRef>
+          <a:effectRef idx="0">
+            <a:schemeClr val="accent1"/>
+          </a:effectRef>
+          <a:fontRef idx="minor">
+            <a:schemeClr val="lt1"/>
+          </a:fontRef>
+        </p:style>
+        <p:txBody>
+          <a:bodyPr rtlCol="0" anchor="ctr"/>
+          <a:lstStyle/>
+          <a:p>
+            <a:pPr algn="ctr"/>
+            <a:endParaRPr lang="zh-TW" altLang="en-US"/>
+          </a:p>
+        </p:txBody>
+      </p:sp>
+      <p:sp>
+        <p:nvSpPr>
+          <p:cNvPr id="9" name="橢圓 8">
+            <a:extLst>
+              <a:ext uri="{FF2B5EF4-FFF2-40B4-BE49-F238E27FC236}">
+                <a16:creationId xmlns:a16="http://schemas.microsoft.com/office/drawing/2014/main" id="{99F0F23B-9C48-D777-4B22-E8AE6E3ADE65}"/>
+              </a:ext>
+            </a:extLst>
+          </p:cNvPr>
+          <p:cNvSpPr/>
+          <p:nvPr/>
+        </p:nvSpPr>
+        <p:spPr>
+          <a:xfrm>
+            <a:off x="8587250" y="3948877"/>
+            <a:ext cx="157316" cy="137652"/>
+          </a:xfrm>
+          <a:prstGeom prst="ellipse">
+            <a:avLst/>
+          </a:prstGeom>
+        </p:spPr>
+        <p:style>
+          <a:lnRef idx="2">
+            <a:schemeClr val="accent1">
+              <a:shade val="50000"/>
+            </a:schemeClr>
+          </a:lnRef>
+          <a:fillRef idx="1">
+            <a:schemeClr val="accent1"/>
+          </a:fillRef>
+          <a:effectRef idx="0">
+            <a:schemeClr val="accent1"/>
+          </a:effectRef>
+          <a:fontRef idx="minor">
+            <a:schemeClr val="lt1"/>
+          </a:fontRef>
+        </p:style>
+        <p:txBody>
+          <a:bodyPr rtlCol="0" anchor="ctr"/>
+          <a:lstStyle/>
+          <a:p>
+            <a:pPr algn="ctr"/>
+            <a:endParaRPr lang="zh-TW" altLang="en-US"/>
+          </a:p>
+        </p:txBody>
+      </p:sp>
+      <p:sp>
+        <p:nvSpPr>
+          <p:cNvPr id="10" name="橢圓 9">
+            <a:extLst>
+              <a:ext uri="{FF2B5EF4-FFF2-40B4-BE49-F238E27FC236}">
+                <a16:creationId xmlns:a16="http://schemas.microsoft.com/office/drawing/2014/main" id="{E87A527C-8E3E-0F24-42A4-FDD68D3324B0}"/>
+              </a:ext>
+            </a:extLst>
+          </p:cNvPr>
+          <p:cNvSpPr/>
+          <p:nvPr/>
+        </p:nvSpPr>
+        <p:spPr>
+          <a:xfrm>
+            <a:off x="8954729" y="3948877"/>
+            <a:ext cx="157316" cy="137652"/>
+          </a:xfrm>
+          <a:prstGeom prst="ellipse">
+            <a:avLst/>
+          </a:prstGeom>
+        </p:spPr>
+        <p:style>
+          <a:lnRef idx="2">
+            <a:schemeClr val="accent1">
+              <a:shade val="50000"/>
+            </a:schemeClr>
+          </a:lnRef>
+          <a:fillRef idx="1">
+            <a:schemeClr val="accent1"/>
+          </a:fillRef>
+          <a:effectRef idx="0">
+            <a:schemeClr val="accent1"/>
+          </a:effectRef>
+          <a:fontRef idx="minor">
+            <a:schemeClr val="lt1"/>
+          </a:fontRef>
+        </p:style>
+        <p:txBody>
+          <a:bodyPr rtlCol="0" anchor="ctr"/>
+          <a:lstStyle/>
+          <a:p>
+            <a:pPr algn="ctr"/>
+            <a:endParaRPr lang="zh-TW" altLang="en-US"/>
+          </a:p>
+        </p:txBody>
+      </p:sp>
+      <p:sp>
+        <p:nvSpPr>
+          <p:cNvPr id="11" name="右大括弧 10">
+            <a:extLst>
+              <a:ext uri="{FF2B5EF4-FFF2-40B4-BE49-F238E27FC236}">
+                <a16:creationId xmlns:a16="http://schemas.microsoft.com/office/drawing/2014/main" id="{B6D73BC0-8312-A1A7-BFC8-00C82F745573}"/>
+              </a:ext>
+            </a:extLst>
+          </p:cNvPr>
+          <p:cNvSpPr/>
+          <p:nvPr/>
+        </p:nvSpPr>
+        <p:spPr>
+          <a:xfrm rot="16200000">
+            <a:off x="3221557" y="3509506"/>
+            <a:ext cx="376798" cy="401878"/>
+          </a:xfrm>
+          <a:prstGeom prst="rightBrace">
+            <a:avLst>
+              <a:gd name="adj1" fmla="val 0"/>
+              <a:gd name="adj2" fmla="val 47796"/>
+            </a:avLst>
+          </a:prstGeom>
+        </p:spPr>
+        <p:style>
+          <a:lnRef idx="1">
+            <a:schemeClr val="accent1"/>
+          </a:lnRef>
+          <a:fillRef idx="0">
+            <a:schemeClr val="accent1"/>
+          </a:fillRef>
+          <a:effectRef idx="0">
+            <a:schemeClr val="accent1"/>
+          </a:effectRef>
+          <a:fontRef idx="minor">
+            <a:schemeClr val="tx1"/>
+          </a:fontRef>
+        </p:style>
+        <p:txBody>
+          <a:bodyPr rtlCol="0" anchor="ctr"/>
+          <a:lstStyle/>
+          <a:p>
+            <a:pPr algn="ctr"/>
+            <a:endParaRPr lang="zh-TW" altLang="en-US"/>
+          </a:p>
+        </p:txBody>
+      </p:sp>
+      <p:sp>
+        <p:nvSpPr>
+          <p:cNvPr id="12" name="右大括弧 11">
+            <a:extLst>
+              <a:ext uri="{FF2B5EF4-FFF2-40B4-BE49-F238E27FC236}">
+                <a16:creationId xmlns:a16="http://schemas.microsoft.com/office/drawing/2014/main" id="{BA302093-06D4-1AA8-2B06-C2F684969D76}"/>
+              </a:ext>
+            </a:extLst>
+          </p:cNvPr>
+          <p:cNvSpPr/>
+          <p:nvPr/>
+        </p:nvSpPr>
+        <p:spPr>
+          <a:xfrm rot="16200000">
+            <a:off x="3968725" y="3289938"/>
+            <a:ext cx="290924" cy="812392"/>
+          </a:xfrm>
+          <a:prstGeom prst="rightBrace">
+            <a:avLst/>
+          </a:prstGeom>
+        </p:spPr>
+        <p:style>
+          <a:lnRef idx="1">
+            <a:schemeClr val="accent1"/>
+          </a:lnRef>
+          <a:fillRef idx="0">
+            <a:schemeClr val="accent1"/>
+          </a:fillRef>
+          <a:effectRef idx="0">
+            <a:schemeClr val="accent1"/>
+          </a:effectRef>
+          <a:fontRef idx="minor">
+            <a:schemeClr val="tx1"/>
+          </a:fontRef>
+        </p:style>
+        <p:txBody>
+          <a:bodyPr rtlCol="0" anchor="ctr"/>
+          <a:lstStyle/>
+          <a:p>
+            <a:pPr algn="ctr"/>
+            <a:endParaRPr lang="zh-TW" altLang="en-US"/>
+          </a:p>
+        </p:txBody>
+      </p:sp>
+      <p:sp>
+        <p:nvSpPr>
+          <p:cNvPr id="13" name="右大括弧 12">
+            <a:extLst>
+              <a:ext uri="{FF2B5EF4-FFF2-40B4-BE49-F238E27FC236}">
+                <a16:creationId xmlns:a16="http://schemas.microsoft.com/office/drawing/2014/main" id="{15E061EA-8001-DF90-AA82-F670A754A621}"/>
+              </a:ext>
+            </a:extLst>
+          </p:cNvPr>
+          <p:cNvSpPr/>
+          <p:nvPr/>
+        </p:nvSpPr>
+        <p:spPr>
+          <a:xfrm rot="16200000">
+            <a:off x="5978721" y="2189427"/>
+            <a:ext cx="272664" cy="2995152"/>
+          </a:xfrm>
+          <a:prstGeom prst="rightBrace">
+            <a:avLst/>
+          </a:prstGeom>
+        </p:spPr>
+        <p:style>
+          <a:lnRef idx="1">
+            <a:schemeClr val="accent1"/>
+          </a:lnRef>
+          <a:fillRef idx="0">
+            <a:schemeClr val="accent1"/>
+          </a:fillRef>
+          <a:effectRef idx="0">
+            <a:schemeClr val="accent1"/>
+          </a:effectRef>
+          <a:fontRef idx="minor">
+            <a:schemeClr val="tx1"/>
+          </a:fontRef>
+        </p:style>
+        <p:txBody>
+          <a:bodyPr rtlCol="0" anchor="ctr"/>
+          <a:lstStyle/>
+          <a:p>
+            <a:pPr algn="ctr"/>
+            <a:endParaRPr lang="zh-TW" altLang="en-US"/>
+          </a:p>
+        </p:txBody>
+      </p:sp>
+      <p:cxnSp>
+        <p:nvCxnSpPr>
+          <p:cNvPr id="14" name="直線接點 13">
+            <a:extLst>
+              <a:ext uri="{FF2B5EF4-FFF2-40B4-BE49-F238E27FC236}">
+                <a16:creationId xmlns:a16="http://schemas.microsoft.com/office/drawing/2014/main" id="{88767F24-2DA0-942B-DB37-6AAE3B0DC6E3}"/>
+              </a:ext>
+            </a:extLst>
+          </p:cNvPr>
+          <p:cNvCxnSpPr/>
+          <p:nvPr/>
+        </p:nvCxnSpPr>
+        <p:spPr>
+          <a:xfrm>
+            <a:off x="5110317" y="3239149"/>
+            <a:ext cx="0" cy="1713553"/>
+          </a:xfrm>
+          <a:prstGeom prst="line">
+            <a:avLst/>
+          </a:prstGeom>
+          <a:ln w="28575">
+            <a:solidFill>
+              <a:srgbClr val="FF0000"/>
+            </a:solidFill>
+            <a:prstDash val="sysDash"/>
+          </a:ln>
+        </p:spPr>
+        <p:style>
+          <a:lnRef idx="1">
+            <a:schemeClr val="accent1"/>
+          </a:lnRef>
+          <a:fillRef idx="0">
+            <a:schemeClr val="accent1"/>
+          </a:fillRef>
+          <a:effectRef idx="0">
+            <a:schemeClr val="accent1"/>
+          </a:effectRef>
+          <a:fontRef idx="minor">
+            <a:schemeClr val="tx1"/>
+          </a:fontRef>
+        </p:style>
+      </p:cxnSp>
+      <p:cxnSp>
+        <p:nvCxnSpPr>
+          <p:cNvPr id="15" name="直線接點 14">
+            <a:extLst>
+              <a:ext uri="{FF2B5EF4-FFF2-40B4-BE49-F238E27FC236}">
+                <a16:creationId xmlns:a16="http://schemas.microsoft.com/office/drawing/2014/main" id="{B11CDC24-F6D7-875D-637E-3FA9D9E9980D}"/>
+              </a:ext>
+            </a:extLst>
+          </p:cNvPr>
+          <p:cNvCxnSpPr/>
+          <p:nvPr/>
+        </p:nvCxnSpPr>
+        <p:spPr>
+          <a:xfrm>
+            <a:off x="8202562" y="3229751"/>
+            <a:ext cx="0" cy="1713553"/>
+          </a:xfrm>
+          <a:prstGeom prst="line">
+            <a:avLst/>
+          </a:prstGeom>
+          <a:ln w="28575">
+            <a:solidFill>
+              <a:srgbClr val="FF0000"/>
+            </a:solidFill>
+            <a:prstDash val="sysDash"/>
+          </a:ln>
+        </p:spPr>
+        <p:style>
+          <a:lnRef idx="1">
+            <a:schemeClr val="accent1"/>
+          </a:lnRef>
+          <a:fillRef idx="0">
+            <a:schemeClr val="accent1"/>
+          </a:fillRef>
+          <a:effectRef idx="0">
+            <a:schemeClr val="accent1"/>
+          </a:effectRef>
+          <a:fontRef idx="minor">
+            <a:schemeClr val="tx1"/>
+          </a:fontRef>
+        </p:style>
+      </p:cxnSp>
+      <p:cxnSp>
+        <p:nvCxnSpPr>
+          <p:cNvPr id="16" name="直線單箭頭接點 15">
+            <a:extLst>
+              <a:ext uri="{FF2B5EF4-FFF2-40B4-BE49-F238E27FC236}">
+                <a16:creationId xmlns:a16="http://schemas.microsoft.com/office/drawing/2014/main" id="{6A5DF48D-23F4-41E6-66CF-DDC6F4D41D17}"/>
+              </a:ext>
+            </a:extLst>
+          </p:cNvPr>
+          <p:cNvCxnSpPr>
+            <a:cxnSpLocks/>
+          </p:cNvCxnSpPr>
+          <p:nvPr/>
+        </p:nvCxnSpPr>
+        <p:spPr>
+          <a:xfrm flipV="1">
+            <a:off x="3248346" y="4194726"/>
+            <a:ext cx="0" cy="796413"/>
+          </a:xfrm>
+          <a:prstGeom prst="straightConnector1">
+            <a:avLst/>
+          </a:prstGeom>
+          <a:ln w="38100">
+            <a:tailEnd type="triangle"/>
+          </a:ln>
+        </p:spPr>
+        <p:style>
+          <a:lnRef idx="1">
+            <a:schemeClr val="accent1"/>
+          </a:lnRef>
+          <a:fillRef idx="0">
+            <a:schemeClr val="accent1"/>
+          </a:fillRef>
+          <a:effectRef idx="0">
+            <a:schemeClr val="accent1"/>
+          </a:effectRef>
+          <a:fontRef idx="minor">
+            <a:schemeClr val="tx1"/>
+          </a:fontRef>
+        </p:style>
+      </p:cxnSp>
+      <p:sp>
+        <p:nvSpPr>
+          <p:cNvPr id="17" name="文字方塊 16">
+            <a:extLst>
+              <a:ext uri="{FF2B5EF4-FFF2-40B4-BE49-F238E27FC236}">
+                <a16:creationId xmlns:a16="http://schemas.microsoft.com/office/drawing/2014/main" id="{1683A124-5C77-2527-E5E3-ACFB36A9BA4B}"/>
+              </a:ext>
+            </a:extLst>
+          </p:cNvPr>
+          <p:cNvSpPr txBox="1"/>
+          <p:nvPr/>
+        </p:nvSpPr>
+        <p:spPr>
+          <a:xfrm>
+            <a:off x="2583427" y="4952702"/>
+            <a:ext cx="1474836" cy="369332"/>
+          </a:xfrm>
+          <a:prstGeom prst="rect">
+            <a:avLst/>
+          </a:prstGeom>
+          <a:noFill/>
+        </p:spPr>
+        <p:txBody>
+          <a:bodyPr wrap="square" rtlCol="0">
+            <a:spAutoFit/>
+          </a:bodyPr>
+          <a:lstStyle/>
+          <a:p>
+            <a:r>
+              <a:rPr lang="en-US" altLang="zh-TW" dirty="0" err="1"/>
+              <a:t>GroupLeader</a:t>
+            </a:r>
+            <a:endParaRPr lang="zh-TW" altLang="en-US" dirty="0"/>
+          </a:p>
+        </p:txBody>
+      </p:sp>
+      <p:sp>
+        <p:nvSpPr>
+          <p:cNvPr id="18" name="右大括弧 17">
+            <a:extLst>
+              <a:ext uri="{FF2B5EF4-FFF2-40B4-BE49-F238E27FC236}">
+                <a16:creationId xmlns:a16="http://schemas.microsoft.com/office/drawing/2014/main" id="{867E2927-87FA-02EC-74C6-D2053FD3E511}"/>
+              </a:ext>
+            </a:extLst>
+          </p:cNvPr>
+          <p:cNvSpPr/>
+          <p:nvPr/>
+        </p:nvSpPr>
+        <p:spPr>
+          <a:xfrm rot="16200000">
+            <a:off x="6568654" y="1220287"/>
+            <a:ext cx="272664" cy="2995152"/>
+          </a:xfrm>
+          <a:prstGeom prst="rightBrace">
+            <a:avLst/>
+          </a:prstGeom>
+          <a:ln>
+            <a:solidFill>
+              <a:srgbClr val="FF0000"/>
+            </a:solidFill>
+          </a:ln>
+        </p:spPr>
+        <p:style>
+          <a:lnRef idx="1">
+            <a:schemeClr val="accent1"/>
+          </a:lnRef>
+          <a:fillRef idx="0">
+            <a:schemeClr val="accent1"/>
+          </a:fillRef>
+          <a:effectRef idx="0">
+            <a:schemeClr val="accent1"/>
+          </a:effectRef>
+          <a:fontRef idx="minor">
+            <a:schemeClr val="tx1"/>
+          </a:fontRef>
+        </p:style>
+        <p:txBody>
+          <a:bodyPr rtlCol="0" anchor="ctr"/>
+          <a:lstStyle/>
+          <a:p>
+            <a:pPr algn="ctr"/>
+            <a:endParaRPr lang="zh-TW" altLang="en-US"/>
+          </a:p>
+        </p:txBody>
+      </p:sp>
+      <p:sp>
+        <p:nvSpPr>
+          <p:cNvPr id="19" name="文字方塊 18">
+            <a:extLst>
+              <a:ext uri="{FF2B5EF4-FFF2-40B4-BE49-F238E27FC236}">
+                <a16:creationId xmlns:a16="http://schemas.microsoft.com/office/drawing/2014/main" id="{D1DB8F4A-BBBA-F85D-A36B-82205F33A8CD}"/>
+              </a:ext>
+            </a:extLst>
+          </p:cNvPr>
+          <p:cNvSpPr txBox="1"/>
+          <p:nvPr/>
+        </p:nvSpPr>
+        <p:spPr>
+          <a:xfrm>
+            <a:off x="6799008" y="2182484"/>
+            <a:ext cx="897195" cy="369332"/>
+          </a:xfrm>
+          <a:prstGeom prst="rect">
+            <a:avLst/>
+          </a:prstGeom>
+          <a:noFill/>
+        </p:spPr>
+        <p:txBody>
+          <a:bodyPr wrap="square" rtlCol="0">
+            <a:spAutoFit/>
+          </a:bodyPr>
+          <a:lstStyle/>
+          <a:p>
+            <a:r>
+              <a:rPr lang="en-US" altLang="zh-TW" dirty="0"/>
+              <a:t>125ns</a:t>
+            </a:r>
+            <a:endParaRPr lang="zh-TW" altLang="en-US" dirty="0"/>
+          </a:p>
+        </p:txBody>
+      </p:sp>
+      <p:sp>
+        <p:nvSpPr>
+          <p:cNvPr id="20" name="文字方塊 19">
+            <a:extLst>
+              <a:ext uri="{FF2B5EF4-FFF2-40B4-BE49-F238E27FC236}">
+                <a16:creationId xmlns:a16="http://schemas.microsoft.com/office/drawing/2014/main" id="{75DE23DE-F64F-A028-D2D1-31A293180ADA}"/>
+              </a:ext>
+            </a:extLst>
+          </p:cNvPr>
+          <p:cNvSpPr txBox="1"/>
+          <p:nvPr/>
+        </p:nvSpPr>
+        <p:spPr>
+          <a:xfrm>
+            <a:off x="2992694" y="3102680"/>
+            <a:ext cx="897195" cy="369332"/>
+          </a:xfrm>
+          <a:prstGeom prst="rect">
+            <a:avLst/>
+          </a:prstGeom>
+          <a:noFill/>
+        </p:spPr>
+        <p:txBody>
+          <a:bodyPr wrap="square" rtlCol="0">
+            <a:spAutoFit/>
+          </a:bodyPr>
+          <a:lstStyle/>
+          <a:p>
+            <a:r>
+              <a:rPr lang="en-US" altLang="zh-TW" dirty="0"/>
+              <a:t>5ns</a:t>
+            </a:r>
+            <a:endParaRPr lang="zh-TW" altLang="en-US" dirty="0"/>
+          </a:p>
+        </p:txBody>
+      </p:sp>
+      <p:sp>
+        <p:nvSpPr>
+          <p:cNvPr id="21" name="文字方塊 20">
+            <a:extLst>
+              <a:ext uri="{FF2B5EF4-FFF2-40B4-BE49-F238E27FC236}">
+                <a16:creationId xmlns:a16="http://schemas.microsoft.com/office/drawing/2014/main" id="{FC7C2F10-C543-70C2-2D01-6F528C3BC7AA}"/>
+              </a:ext>
+            </a:extLst>
+          </p:cNvPr>
+          <p:cNvSpPr txBox="1"/>
+          <p:nvPr/>
+        </p:nvSpPr>
+        <p:spPr>
+          <a:xfrm>
+            <a:off x="3782961" y="3107016"/>
+            <a:ext cx="897195" cy="369332"/>
+          </a:xfrm>
+          <a:prstGeom prst="rect">
+            <a:avLst/>
+          </a:prstGeom>
+          <a:noFill/>
+        </p:spPr>
+        <p:txBody>
+          <a:bodyPr wrap="square" rtlCol="0">
+            <a:spAutoFit/>
+          </a:bodyPr>
+          <a:lstStyle/>
+          <a:p>
+            <a:r>
+              <a:rPr lang="en-US" altLang="zh-TW" dirty="0"/>
+              <a:t>15ns</a:t>
+            </a:r>
+            <a:endParaRPr lang="zh-TW" altLang="en-US" dirty="0"/>
+          </a:p>
+        </p:txBody>
+      </p:sp>
+      <p:sp>
+        <p:nvSpPr>
+          <p:cNvPr id="22" name="文字方塊 21">
+            <a:extLst>
+              <a:ext uri="{FF2B5EF4-FFF2-40B4-BE49-F238E27FC236}">
+                <a16:creationId xmlns:a16="http://schemas.microsoft.com/office/drawing/2014/main" id="{3DFC0A29-5CDA-AFF4-DFE3-C1414037079D}"/>
+              </a:ext>
+            </a:extLst>
+          </p:cNvPr>
+          <p:cNvSpPr txBox="1"/>
+          <p:nvPr/>
+        </p:nvSpPr>
+        <p:spPr>
+          <a:xfrm>
+            <a:off x="5876005" y="3069730"/>
+            <a:ext cx="897195" cy="369332"/>
+          </a:xfrm>
+          <a:prstGeom prst="rect">
+            <a:avLst/>
+          </a:prstGeom>
+          <a:noFill/>
+        </p:spPr>
+        <p:txBody>
+          <a:bodyPr wrap="square" rtlCol="0">
+            <a:spAutoFit/>
+          </a:bodyPr>
+          <a:lstStyle/>
+          <a:p>
+            <a:r>
+              <a:rPr lang="en-US" altLang="zh-TW" dirty="0"/>
+              <a:t>90ns</a:t>
+            </a:r>
+            <a:endParaRPr lang="zh-TW" altLang="en-US" dirty="0"/>
+          </a:p>
+        </p:txBody>
+      </p:sp>
+      <p:cxnSp>
+        <p:nvCxnSpPr>
+          <p:cNvPr id="23" name="直線單箭頭接點 22">
+            <a:extLst>
+              <a:ext uri="{FF2B5EF4-FFF2-40B4-BE49-F238E27FC236}">
+                <a16:creationId xmlns:a16="http://schemas.microsoft.com/office/drawing/2014/main" id="{EE80F046-D5CF-642C-6DB7-BBCE7511A756}"/>
+              </a:ext>
+            </a:extLst>
+          </p:cNvPr>
+          <p:cNvCxnSpPr>
+            <a:cxnSpLocks/>
+          </p:cNvCxnSpPr>
+          <p:nvPr/>
+        </p:nvCxnSpPr>
+        <p:spPr>
+          <a:xfrm flipV="1">
+            <a:off x="4510549" y="4194726"/>
+            <a:ext cx="9834" cy="1331003"/>
+          </a:xfrm>
+          <a:prstGeom prst="straightConnector1">
+            <a:avLst/>
+          </a:prstGeom>
+          <a:ln w="38100">
+            <a:tailEnd type="triangle"/>
+          </a:ln>
+        </p:spPr>
+        <p:style>
+          <a:lnRef idx="1">
+            <a:schemeClr val="accent1"/>
+          </a:lnRef>
+          <a:fillRef idx="0">
+            <a:schemeClr val="accent1"/>
+          </a:fillRef>
+          <a:effectRef idx="0">
+            <a:schemeClr val="accent1"/>
+          </a:effectRef>
+          <a:fontRef idx="minor">
+            <a:schemeClr val="tx1"/>
+          </a:fontRef>
+        </p:style>
+      </p:cxnSp>
+      <p:sp>
+        <p:nvSpPr>
+          <p:cNvPr id="25" name="文字方塊 24">
+            <a:extLst>
+              <a:ext uri="{FF2B5EF4-FFF2-40B4-BE49-F238E27FC236}">
+                <a16:creationId xmlns:a16="http://schemas.microsoft.com/office/drawing/2014/main" id="{44CB1CB0-A432-6058-6641-7DB131B5C4C3}"/>
+              </a:ext>
+            </a:extLst>
+          </p:cNvPr>
+          <p:cNvSpPr txBox="1"/>
+          <p:nvPr/>
+        </p:nvSpPr>
+        <p:spPr>
+          <a:xfrm>
+            <a:off x="3956258" y="5633926"/>
+            <a:ext cx="1474836" cy="369332"/>
+          </a:xfrm>
+          <a:prstGeom prst="rect">
+            <a:avLst/>
+          </a:prstGeom>
+          <a:noFill/>
+        </p:spPr>
+        <p:txBody>
+          <a:bodyPr wrap="square" rtlCol="0">
+            <a:spAutoFit/>
+          </a:bodyPr>
+          <a:lstStyle/>
+          <a:p>
+            <a:r>
+              <a:rPr lang="en-US" altLang="zh-TW" dirty="0" err="1"/>
+              <a:t>GroupLast</a:t>
+            </a:r>
+            <a:endParaRPr lang="zh-TW" altLang="en-US" dirty="0"/>
+          </a:p>
+        </p:txBody>
+      </p:sp>
+      <p:sp>
+        <p:nvSpPr>
+          <p:cNvPr id="26" name="文字方塊 25">
+            <a:extLst>
+              <a:ext uri="{FF2B5EF4-FFF2-40B4-BE49-F238E27FC236}">
+                <a16:creationId xmlns:a16="http://schemas.microsoft.com/office/drawing/2014/main" id="{158AC385-8E16-970F-8143-47B066521383}"/>
+              </a:ext>
+            </a:extLst>
+          </p:cNvPr>
+          <p:cNvSpPr txBox="1"/>
+          <p:nvPr/>
+        </p:nvSpPr>
+        <p:spPr>
+          <a:xfrm>
+            <a:off x="6453649" y="6003258"/>
+            <a:ext cx="5316792" cy="646331"/>
+          </a:xfrm>
+          <a:prstGeom prst="rect">
+            <a:avLst/>
+          </a:prstGeom>
+          <a:noFill/>
+        </p:spPr>
+        <p:txBody>
+          <a:bodyPr wrap="square" rtlCol="0">
+            <a:spAutoFit/>
+          </a:bodyPr>
+          <a:lstStyle/>
+          <a:p>
             <a:r>
               <a:rPr lang="zh-TW" altLang="en-US" dirty="0"/>
-              <a:t>目的 </a:t>
-            </a:r>
-            <a:r>
-              <a:rPr lang="en-US" altLang="zh-TW" dirty="0"/>
-              <a:t>:</a:t>
+              <a:t>透過以上方法，我們利用各個</a:t>
+            </a:r>
+            <a:r>
+              <a:rPr lang="en-US" altLang="zh-TW" dirty="0"/>
+              <a:t>Group</a:t>
             </a:r>
             <a:r>
               <a:rPr lang="zh-TW" altLang="en-US" dirty="0"/>
-              <a:t> 透過</a:t>
-            </a:r>
-            <a:r>
-              <a:rPr lang="en-US" altLang="zh-TW" dirty="0"/>
-              <a:t>ADC</a:t>
+              <a:t>的</a:t>
+            </a:r>
+            <a:r>
+              <a:rPr lang="en-US" altLang="zh-TW" dirty="0"/>
+              <a:t>Last</a:t>
             </a:r>
             <a:r>
               <a:rPr lang="zh-TW" altLang="en-US" dirty="0"/>
-              <a:t> 架構，</a:t>
-            </a:r>
-            <a:r>
-              <a:rPr lang="en-US" altLang="zh-TW" dirty="0"/>
-              <a:t>FW</a:t>
+              <a:t>來確立最後</a:t>
+            </a:r>
+            <a:r>
+              <a:rPr lang="en-US" altLang="zh-TW" dirty="0"/>
+              <a:t>Sample</a:t>
             </a:r>
             <a:r>
               <a:rPr lang="zh-TW" altLang="en-US" dirty="0"/>
-              <a:t>能夠模擬後續硬體處理訊號以及解析訊號的過程</a:t>
-            </a:r>
+              <a:t>的時間點</a:t>
+            </a:r>
+          </a:p>
+        </p:txBody>
+      </p:sp>
+      <p:cxnSp>
+        <p:nvCxnSpPr>
+          <p:cNvPr id="27" name="直線接點 26">
+            <a:extLst>
+              <a:ext uri="{FF2B5EF4-FFF2-40B4-BE49-F238E27FC236}">
+                <a16:creationId xmlns:a16="http://schemas.microsoft.com/office/drawing/2014/main" id="{F5D232CF-DA50-CAD9-E825-8D0F389C415B}"/>
+              </a:ext>
+            </a:extLst>
+          </p:cNvPr>
+          <p:cNvCxnSpPr/>
+          <p:nvPr/>
+        </p:nvCxnSpPr>
+        <p:spPr>
+          <a:xfrm>
+            <a:off x="2116394" y="3277586"/>
+            <a:ext cx="0" cy="1713553"/>
+          </a:xfrm>
+          <a:prstGeom prst="line">
+            <a:avLst/>
+          </a:prstGeom>
+          <a:ln w="28575">
+            <a:solidFill>
+              <a:srgbClr val="FF0000"/>
+            </a:solidFill>
+            <a:prstDash val="sysDash"/>
+          </a:ln>
+        </p:spPr>
+        <p:style>
+          <a:lnRef idx="1">
+            <a:schemeClr val="accent1"/>
+          </a:lnRef>
+          <a:fillRef idx="0">
+            <a:schemeClr val="accent1"/>
+          </a:fillRef>
+          <a:effectRef idx="0">
+            <a:schemeClr val="accent1"/>
+          </a:effectRef>
+          <a:fontRef idx="minor">
+            <a:schemeClr val="tx1"/>
+          </a:fontRef>
+        </p:style>
+      </p:cxnSp>
+      <p:sp>
+        <p:nvSpPr>
+          <p:cNvPr id="28" name="右大括弧 27">
+            <a:extLst>
+              <a:ext uri="{FF2B5EF4-FFF2-40B4-BE49-F238E27FC236}">
+                <a16:creationId xmlns:a16="http://schemas.microsoft.com/office/drawing/2014/main" id="{D9D016BB-DAB0-CFAB-9FEB-4E89AA6F1216}"/>
+              </a:ext>
+            </a:extLst>
+          </p:cNvPr>
+          <p:cNvSpPr/>
+          <p:nvPr/>
+        </p:nvSpPr>
+        <p:spPr>
+          <a:xfrm rot="16200000">
+            <a:off x="3464122" y="1206389"/>
+            <a:ext cx="272664" cy="2995152"/>
+          </a:xfrm>
+          <a:prstGeom prst="rightBrace">
+            <a:avLst/>
+          </a:prstGeom>
+          <a:ln>
+            <a:solidFill>
+              <a:srgbClr val="FF0000"/>
+            </a:solidFill>
+          </a:ln>
+        </p:spPr>
+        <p:style>
+          <a:lnRef idx="1">
+            <a:schemeClr val="accent1"/>
+          </a:lnRef>
+          <a:fillRef idx="0">
+            <a:schemeClr val="accent1"/>
+          </a:fillRef>
+          <a:effectRef idx="0">
+            <a:schemeClr val="accent1"/>
+          </a:effectRef>
+          <a:fontRef idx="minor">
+            <a:schemeClr val="tx1"/>
+          </a:fontRef>
+        </p:style>
+        <p:txBody>
+          <a:bodyPr rtlCol="0" anchor="ctr"/>
+          <a:lstStyle/>
+          <a:p>
+            <a:pPr algn="ctr"/>
+            <a:endParaRPr lang="zh-TW" altLang="en-US"/>
+          </a:p>
+        </p:txBody>
+      </p:sp>
+      <p:sp>
+        <p:nvSpPr>
+          <p:cNvPr id="29" name="文字方塊 28">
+            <a:extLst>
+              <a:ext uri="{FF2B5EF4-FFF2-40B4-BE49-F238E27FC236}">
+                <a16:creationId xmlns:a16="http://schemas.microsoft.com/office/drawing/2014/main" id="{19ACB4A1-4F7A-CA5C-40FD-DB0E7BA218D5}"/>
+              </a:ext>
+            </a:extLst>
+          </p:cNvPr>
+          <p:cNvSpPr txBox="1"/>
+          <p:nvPr/>
+        </p:nvSpPr>
+        <p:spPr>
+          <a:xfrm>
+            <a:off x="3551905" y="2118937"/>
+            <a:ext cx="897195" cy="369332"/>
+          </a:xfrm>
+          <a:prstGeom prst="rect">
+            <a:avLst/>
+          </a:prstGeom>
+          <a:noFill/>
+        </p:spPr>
+        <p:txBody>
+          <a:bodyPr wrap="square" rtlCol="0">
+            <a:spAutoFit/>
+          </a:bodyPr>
+          <a:lstStyle/>
+          <a:p>
+            <a:r>
+              <a:rPr lang="en-US" altLang="zh-TW" dirty="0"/>
+              <a:t>125ns</a:t>
+            </a:r>
+            <a:endParaRPr lang="zh-TW" altLang="en-US" dirty="0"/>
           </a:p>
         </p:txBody>
       </p:sp>
     </p:spTree>
     <p:extLst>
       <p:ext uri="{BB962C8B-B14F-4D97-AF65-F5344CB8AC3E}">
-        <p14:creationId xmlns:p14="http://schemas.microsoft.com/office/powerpoint/2010/main" val="2463456155"/>
+        <p14:creationId xmlns:p14="http://schemas.microsoft.com/office/powerpoint/2010/main" val="3925804548"/>
       </p:ext>
     </p:extLst>
   </p:cSld>
@@ -11171,6 +12651,2038 @@
           <p:cNvPr id="2" name="標題 1">
             <a:extLst>
               <a:ext uri="{FF2B5EF4-FFF2-40B4-BE49-F238E27FC236}">
+                <a16:creationId xmlns:a16="http://schemas.microsoft.com/office/drawing/2014/main" id="{0230F9DA-DA9A-AB6F-162A-22316A973AA4}"/>
+              </a:ext>
+            </a:extLst>
+          </p:cNvPr>
+          <p:cNvSpPr>
+            <a:spLocks noGrp="1"/>
+          </p:cNvSpPr>
+          <p:nvPr>
+            <p:ph type="title"/>
+          </p:nvPr>
+        </p:nvSpPr>
+        <p:spPr/>
+        <p:txBody>
+          <a:bodyPr/>
+          <a:lstStyle/>
+          <a:p>
+            <a:pPr algn="ctr"/>
+            <a:r>
+              <a:rPr lang="en-US" altLang="zh-TW" dirty="0"/>
+              <a:t>Code </a:t>
+            </a:r>
+            <a:r>
+              <a:rPr lang="zh-TW" altLang="en-US" dirty="0"/>
+              <a:t>流程</a:t>
+            </a:r>
+            <a:br>
+              <a:rPr lang="en-US" altLang="zh-TW" dirty="0"/>
+            </a:br>
+            <a:r>
+              <a:rPr lang="en-US" altLang="zh-TW" dirty="0"/>
+              <a:t>Sample</a:t>
+            </a:r>
+            <a:endParaRPr lang="zh-TW" altLang="en-US" dirty="0"/>
+          </a:p>
+        </p:txBody>
+      </p:sp>
+      <p:cxnSp>
+        <p:nvCxnSpPr>
+          <p:cNvPr id="5" name="直線接點 4">
+            <a:extLst>
+              <a:ext uri="{FF2B5EF4-FFF2-40B4-BE49-F238E27FC236}">
+                <a16:creationId xmlns:a16="http://schemas.microsoft.com/office/drawing/2014/main" id="{48F1AA85-3A34-1A77-6C4B-517BF53FCCB9}"/>
+              </a:ext>
+            </a:extLst>
+          </p:cNvPr>
+          <p:cNvCxnSpPr>
+            <a:cxnSpLocks/>
+          </p:cNvCxnSpPr>
+          <p:nvPr/>
+        </p:nvCxnSpPr>
+        <p:spPr>
+          <a:xfrm>
+            <a:off x="1189703" y="3429000"/>
+            <a:ext cx="10314039" cy="0"/>
+          </a:xfrm>
+          <a:prstGeom prst="line">
+            <a:avLst/>
+          </a:prstGeom>
+        </p:spPr>
+        <p:style>
+          <a:lnRef idx="1">
+            <a:schemeClr val="accent1"/>
+          </a:lnRef>
+          <a:fillRef idx="0">
+            <a:schemeClr val="accent1"/>
+          </a:fillRef>
+          <a:effectRef idx="0">
+            <a:schemeClr val="accent1"/>
+          </a:effectRef>
+          <a:fontRef idx="minor">
+            <a:schemeClr val="tx1"/>
+          </a:fontRef>
+        </p:style>
+      </p:cxnSp>
+      <p:sp>
+        <p:nvSpPr>
+          <p:cNvPr id="7" name="橢圓 6">
+            <a:extLst>
+              <a:ext uri="{FF2B5EF4-FFF2-40B4-BE49-F238E27FC236}">
+                <a16:creationId xmlns:a16="http://schemas.microsoft.com/office/drawing/2014/main" id="{C24F32EC-9A90-3E0C-C05E-3B2B10930FF4}"/>
+              </a:ext>
+            </a:extLst>
+          </p:cNvPr>
+          <p:cNvSpPr/>
+          <p:nvPr/>
+        </p:nvSpPr>
+        <p:spPr>
+          <a:xfrm>
+            <a:off x="1582994" y="3320847"/>
+            <a:ext cx="137652" cy="216306"/>
+          </a:xfrm>
+          <a:prstGeom prst="ellipse">
+            <a:avLst/>
+          </a:prstGeom>
+          <a:solidFill>
+            <a:srgbClr val="FFC000"/>
+          </a:solidFill>
+        </p:spPr>
+        <p:style>
+          <a:lnRef idx="2">
+            <a:schemeClr val="accent1">
+              <a:shade val="50000"/>
+            </a:schemeClr>
+          </a:lnRef>
+          <a:fillRef idx="1">
+            <a:schemeClr val="accent1"/>
+          </a:fillRef>
+          <a:effectRef idx="0">
+            <a:schemeClr val="accent1"/>
+          </a:effectRef>
+          <a:fontRef idx="minor">
+            <a:schemeClr val="lt1"/>
+          </a:fontRef>
+        </p:style>
+        <p:txBody>
+          <a:bodyPr rtlCol="0" anchor="ctr"/>
+          <a:lstStyle/>
+          <a:p>
+            <a:pPr algn="ctr"/>
+            <a:endParaRPr lang="zh-TW" altLang="en-US"/>
+          </a:p>
+        </p:txBody>
+      </p:sp>
+      <p:sp>
+        <p:nvSpPr>
+          <p:cNvPr id="8" name="橢圓 7">
+            <a:extLst>
+              <a:ext uri="{FF2B5EF4-FFF2-40B4-BE49-F238E27FC236}">
+                <a16:creationId xmlns:a16="http://schemas.microsoft.com/office/drawing/2014/main" id="{0EBE458F-6E92-078C-5F66-E0DF51A7EBB7}"/>
+              </a:ext>
+            </a:extLst>
+          </p:cNvPr>
+          <p:cNvSpPr/>
+          <p:nvPr/>
+        </p:nvSpPr>
+        <p:spPr>
+          <a:xfrm>
+            <a:off x="4862051" y="3320847"/>
+            <a:ext cx="137652" cy="216306"/>
+          </a:xfrm>
+          <a:prstGeom prst="ellipse">
+            <a:avLst/>
+          </a:prstGeom>
+          <a:solidFill>
+            <a:srgbClr val="92D050"/>
+          </a:solidFill>
+        </p:spPr>
+        <p:style>
+          <a:lnRef idx="2">
+            <a:schemeClr val="accent1">
+              <a:shade val="50000"/>
+            </a:schemeClr>
+          </a:lnRef>
+          <a:fillRef idx="1">
+            <a:schemeClr val="accent1"/>
+          </a:fillRef>
+          <a:effectRef idx="0">
+            <a:schemeClr val="accent1"/>
+          </a:effectRef>
+          <a:fontRef idx="minor">
+            <a:schemeClr val="lt1"/>
+          </a:fontRef>
+        </p:style>
+        <p:txBody>
+          <a:bodyPr rtlCol="0" anchor="ctr"/>
+          <a:lstStyle/>
+          <a:p>
+            <a:pPr algn="ctr"/>
+            <a:endParaRPr lang="zh-TW" altLang="en-US"/>
+          </a:p>
+        </p:txBody>
+      </p:sp>
+      <p:sp>
+        <p:nvSpPr>
+          <p:cNvPr id="9" name="橢圓 8">
+            <a:extLst>
+              <a:ext uri="{FF2B5EF4-FFF2-40B4-BE49-F238E27FC236}">
+                <a16:creationId xmlns:a16="http://schemas.microsoft.com/office/drawing/2014/main" id="{54649633-8D30-EA74-1138-0112DE771AF8}"/>
+              </a:ext>
+            </a:extLst>
+          </p:cNvPr>
+          <p:cNvSpPr/>
+          <p:nvPr/>
+        </p:nvSpPr>
+        <p:spPr>
+          <a:xfrm>
+            <a:off x="5712542" y="3320847"/>
+            <a:ext cx="137652" cy="216306"/>
+          </a:xfrm>
+          <a:prstGeom prst="ellipse">
+            <a:avLst/>
+          </a:prstGeom>
+          <a:solidFill>
+            <a:srgbClr val="00B0F0"/>
+          </a:solidFill>
+        </p:spPr>
+        <p:style>
+          <a:lnRef idx="2">
+            <a:schemeClr val="accent1">
+              <a:shade val="50000"/>
+            </a:schemeClr>
+          </a:lnRef>
+          <a:fillRef idx="1">
+            <a:schemeClr val="accent1"/>
+          </a:fillRef>
+          <a:effectRef idx="0">
+            <a:schemeClr val="accent1"/>
+          </a:effectRef>
+          <a:fontRef idx="minor">
+            <a:schemeClr val="lt1"/>
+          </a:fontRef>
+        </p:style>
+        <p:txBody>
+          <a:bodyPr rtlCol="0" anchor="ctr"/>
+          <a:lstStyle/>
+          <a:p>
+            <a:pPr algn="ctr"/>
+            <a:endParaRPr lang="zh-TW" altLang="en-US"/>
+          </a:p>
+        </p:txBody>
+      </p:sp>
+      <p:sp>
+        <p:nvSpPr>
+          <p:cNvPr id="10" name="橢圓 9">
+            <a:extLst>
+              <a:ext uri="{FF2B5EF4-FFF2-40B4-BE49-F238E27FC236}">
+                <a16:creationId xmlns:a16="http://schemas.microsoft.com/office/drawing/2014/main" id="{49A59435-112F-5A82-4245-1E2A464F853A}"/>
+              </a:ext>
+            </a:extLst>
+          </p:cNvPr>
+          <p:cNvSpPr/>
+          <p:nvPr/>
+        </p:nvSpPr>
+        <p:spPr>
+          <a:xfrm>
+            <a:off x="7949380" y="3320847"/>
+            <a:ext cx="137652" cy="216306"/>
+          </a:xfrm>
+          <a:prstGeom prst="ellipse">
+            <a:avLst/>
+          </a:prstGeom>
+          <a:solidFill>
+            <a:srgbClr val="FF0000"/>
+          </a:solidFill>
+        </p:spPr>
+        <p:style>
+          <a:lnRef idx="2">
+            <a:schemeClr val="accent1">
+              <a:shade val="50000"/>
+            </a:schemeClr>
+          </a:lnRef>
+          <a:fillRef idx="1">
+            <a:schemeClr val="accent1"/>
+          </a:fillRef>
+          <a:effectRef idx="0">
+            <a:schemeClr val="accent1"/>
+          </a:effectRef>
+          <a:fontRef idx="minor">
+            <a:schemeClr val="lt1"/>
+          </a:fontRef>
+        </p:style>
+        <p:txBody>
+          <a:bodyPr rtlCol="0" anchor="ctr"/>
+          <a:lstStyle/>
+          <a:p>
+            <a:pPr algn="ctr"/>
+            <a:endParaRPr lang="zh-TW" altLang="en-US"/>
+          </a:p>
+        </p:txBody>
+      </p:sp>
+      <p:sp>
+        <p:nvSpPr>
+          <p:cNvPr id="11" name="橢圓 10">
+            <a:extLst>
+              <a:ext uri="{FF2B5EF4-FFF2-40B4-BE49-F238E27FC236}">
+                <a16:creationId xmlns:a16="http://schemas.microsoft.com/office/drawing/2014/main" id="{46F88B61-D1CF-CA3B-E99F-5140537C9E59}"/>
+              </a:ext>
+            </a:extLst>
+          </p:cNvPr>
+          <p:cNvSpPr/>
+          <p:nvPr/>
+        </p:nvSpPr>
+        <p:spPr>
+          <a:xfrm>
+            <a:off x="8652387" y="3320847"/>
+            <a:ext cx="137652" cy="216306"/>
+          </a:xfrm>
+          <a:prstGeom prst="ellipse">
+            <a:avLst/>
+          </a:prstGeom>
+          <a:solidFill>
+            <a:schemeClr val="accent4">
+              <a:lumMod val="75000"/>
+            </a:schemeClr>
+          </a:solidFill>
+        </p:spPr>
+        <p:style>
+          <a:lnRef idx="2">
+            <a:schemeClr val="accent1">
+              <a:shade val="50000"/>
+            </a:schemeClr>
+          </a:lnRef>
+          <a:fillRef idx="1">
+            <a:schemeClr val="accent1"/>
+          </a:fillRef>
+          <a:effectRef idx="0">
+            <a:schemeClr val="accent1"/>
+          </a:effectRef>
+          <a:fontRef idx="minor">
+            <a:schemeClr val="lt1"/>
+          </a:fontRef>
+        </p:style>
+        <p:txBody>
+          <a:bodyPr rtlCol="0" anchor="ctr"/>
+          <a:lstStyle/>
+          <a:p>
+            <a:pPr algn="ctr"/>
+            <a:endParaRPr lang="zh-TW" altLang="en-US"/>
+          </a:p>
+        </p:txBody>
+      </p:sp>
+      <p:sp>
+        <p:nvSpPr>
+          <p:cNvPr id="12" name="橢圓 11">
+            <a:extLst>
+              <a:ext uri="{FF2B5EF4-FFF2-40B4-BE49-F238E27FC236}">
+                <a16:creationId xmlns:a16="http://schemas.microsoft.com/office/drawing/2014/main" id="{E54289CB-3D19-EE5A-D451-4D3499D7CE48}"/>
+              </a:ext>
+            </a:extLst>
+          </p:cNvPr>
+          <p:cNvSpPr/>
+          <p:nvPr/>
+        </p:nvSpPr>
+        <p:spPr>
+          <a:xfrm>
+            <a:off x="9473381" y="3320847"/>
+            <a:ext cx="137652" cy="216306"/>
+          </a:xfrm>
+          <a:prstGeom prst="ellipse">
+            <a:avLst/>
+          </a:prstGeom>
+          <a:solidFill>
+            <a:schemeClr val="accent6"/>
+          </a:solidFill>
+        </p:spPr>
+        <p:style>
+          <a:lnRef idx="2">
+            <a:schemeClr val="accent1">
+              <a:shade val="50000"/>
+            </a:schemeClr>
+          </a:lnRef>
+          <a:fillRef idx="1">
+            <a:schemeClr val="accent1"/>
+          </a:fillRef>
+          <a:effectRef idx="0">
+            <a:schemeClr val="accent1"/>
+          </a:effectRef>
+          <a:fontRef idx="minor">
+            <a:schemeClr val="lt1"/>
+          </a:fontRef>
+        </p:style>
+        <p:txBody>
+          <a:bodyPr rtlCol="0" anchor="ctr"/>
+          <a:lstStyle/>
+          <a:p>
+            <a:pPr algn="ctr"/>
+            <a:endParaRPr lang="zh-TW" altLang="en-US"/>
+          </a:p>
+        </p:txBody>
+      </p:sp>
+      <p:sp>
+        <p:nvSpPr>
+          <p:cNvPr id="14" name="右大括弧 13">
+            <a:extLst>
+              <a:ext uri="{FF2B5EF4-FFF2-40B4-BE49-F238E27FC236}">
+                <a16:creationId xmlns:a16="http://schemas.microsoft.com/office/drawing/2014/main" id="{89EA6A05-FF8A-9279-6398-E25066AEE1A0}"/>
+              </a:ext>
+            </a:extLst>
+          </p:cNvPr>
+          <p:cNvSpPr/>
+          <p:nvPr/>
+        </p:nvSpPr>
+        <p:spPr>
+          <a:xfrm rot="16200000">
+            <a:off x="5150353" y="2426815"/>
+            <a:ext cx="411541" cy="988144"/>
+          </a:xfrm>
+          <a:prstGeom prst="rightBrace">
+            <a:avLst/>
+          </a:prstGeom>
+          <a:ln>
+            <a:solidFill>
+              <a:srgbClr val="FF0000"/>
+            </a:solidFill>
+          </a:ln>
+        </p:spPr>
+        <p:style>
+          <a:lnRef idx="1">
+            <a:schemeClr val="accent1"/>
+          </a:lnRef>
+          <a:fillRef idx="0">
+            <a:schemeClr val="accent1"/>
+          </a:fillRef>
+          <a:effectRef idx="0">
+            <a:schemeClr val="accent1"/>
+          </a:effectRef>
+          <a:fontRef idx="minor">
+            <a:schemeClr val="tx1"/>
+          </a:fontRef>
+        </p:style>
+        <p:txBody>
+          <a:bodyPr rtlCol="0" anchor="ctr"/>
+          <a:lstStyle/>
+          <a:p>
+            <a:pPr algn="ctr"/>
+            <a:endParaRPr lang="zh-TW" altLang="en-US"/>
+          </a:p>
+        </p:txBody>
+      </p:sp>
+      <p:sp>
+        <p:nvSpPr>
+          <p:cNvPr id="16" name="文字方塊 15">
+            <a:extLst>
+              <a:ext uri="{FF2B5EF4-FFF2-40B4-BE49-F238E27FC236}">
+                <a16:creationId xmlns:a16="http://schemas.microsoft.com/office/drawing/2014/main" id="{FB26DEF4-488D-4959-86EC-88816A153D01}"/>
+              </a:ext>
+            </a:extLst>
+          </p:cNvPr>
+          <p:cNvSpPr txBox="1"/>
+          <p:nvPr/>
+        </p:nvSpPr>
+        <p:spPr>
+          <a:xfrm>
+            <a:off x="4994788" y="2267025"/>
+            <a:ext cx="855406" cy="369332"/>
+          </a:xfrm>
+          <a:prstGeom prst="rect">
+            <a:avLst/>
+          </a:prstGeom>
+          <a:noFill/>
+        </p:spPr>
+        <p:txBody>
+          <a:bodyPr wrap="square" rtlCol="0">
+            <a:spAutoFit/>
+          </a:bodyPr>
+          <a:lstStyle/>
+          <a:p>
+            <a:r>
+              <a:rPr lang="en-US" altLang="zh-TW" dirty="0"/>
+              <a:t>125ns</a:t>
+            </a:r>
+            <a:endParaRPr lang="zh-TW" altLang="en-US" dirty="0"/>
+          </a:p>
+        </p:txBody>
+      </p:sp>
+      <p:sp>
+        <p:nvSpPr>
+          <p:cNvPr id="17" name="文字方塊 16">
+            <a:extLst>
+              <a:ext uri="{FF2B5EF4-FFF2-40B4-BE49-F238E27FC236}">
+                <a16:creationId xmlns:a16="http://schemas.microsoft.com/office/drawing/2014/main" id="{C092D2BA-4438-7433-C35E-0973285E2966}"/>
+              </a:ext>
+            </a:extLst>
+          </p:cNvPr>
+          <p:cNvSpPr txBox="1"/>
+          <p:nvPr/>
+        </p:nvSpPr>
+        <p:spPr>
+          <a:xfrm>
+            <a:off x="8652387" y="938955"/>
+            <a:ext cx="3480619" cy="1200329"/>
+          </a:xfrm>
+          <a:prstGeom prst="rect">
+            <a:avLst/>
+          </a:prstGeom>
+          <a:noFill/>
+        </p:spPr>
+        <p:txBody>
+          <a:bodyPr wrap="square" rtlCol="0">
+            <a:spAutoFit/>
+          </a:bodyPr>
+          <a:lstStyle/>
+          <a:p>
+            <a:r>
+              <a:rPr lang="zh-TW" altLang="en-US" dirty="0"/>
+              <a:t>註解 </a:t>
+            </a:r>
+            <a:r>
+              <a:rPr lang="en-US" altLang="zh-TW" dirty="0"/>
+              <a:t>:</a:t>
+            </a:r>
+            <a:r>
+              <a:rPr lang="zh-TW" altLang="en-US" dirty="0"/>
+              <a:t> </a:t>
+            </a:r>
+            <a:endParaRPr lang="en-US" altLang="zh-TW" dirty="0"/>
+          </a:p>
+          <a:p>
+            <a:r>
+              <a:rPr lang="en-US" altLang="zh-TW" dirty="0"/>
+              <a:t>1. </a:t>
+            </a:r>
+            <a:r>
+              <a:rPr lang="zh-TW" altLang="en-US" dirty="0"/>
+              <a:t>第一排點是上述方法</a:t>
+            </a:r>
+            <a:endParaRPr lang="en-US" altLang="zh-TW" dirty="0"/>
+          </a:p>
+          <a:p>
+            <a:r>
+              <a:rPr lang="zh-TW" altLang="en-US" dirty="0"/>
+              <a:t>取得得</a:t>
+            </a:r>
+            <a:r>
+              <a:rPr lang="en-US" altLang="zh-TW" dirty="0"/>
+              <a:t>Timing </a:t>
+            </a:r>
+            <a:r>
+              <a:rPr lang="en-US" altLang="zh-TW" dirty="0" err="1"/>
+              <a:t>idx</a:t>
+            </a:r>
+            <a:endParaRPr lang="en-US" altLang="zh-TW" dirty="0"/>
+          </a:p>
+          <a:p>
+            <a:r>
+              <a:rPr lang="en-US" altLang="zh-TW" dirty="0"/>
+              <a:t>2.</a:t>
+            </a:r>
+            <a:r>
+              <a:rPr lang="zh-TW" altLang="en-US" dirty="0"/>
+              <a:t>將</a:t>
+            </a:r>
+            <a:r>
+              <a:rPr lang="en-US" altLang="zh-TW" dirty="0"/>
+              <a:t>Time </a:t>
+            </a:r>
+            <a:r>
+              <a:rPr lang="zh-TW" altLang="en-US" dirty="0"/>
+              <a:t>劃分以</a:t>
+            </a:r>
+            <a:r>
+              <a:rPr lang="en-US" altLang="zh-TW" dirty="0"/>
+              <a:t>125ns</a:t>
+            </a:r>
+            <a:endParaRPr lang="zh-TW" altLang="en-US" dirty="0"/>
+          </a:p>
+        </p:txBody>
+      </p:sp>
+      <p:cxnSp>
+        <p:nvCxnSpPr>
+          <p:cNvPr id="19" name="直線接點 18">
+            <a:extLst>
+              <a:ext uri="{FF2B5EF4-FFF2-40B4-BE49-F238E27FC236}">
+                <a16:creationId xmlns:a16="http://schemas.microsoft.com/office/drawing/2014/main" id="{32D36A1B-DEAA-5FF0-7F99-465F95B4528F}"/>
+              </a:ext>
+            </a:extLst>
+          </p:cNvPr>
+          <p:cNvCxnSpPr>
+            <a:cxnSpLocks/>
+          </p:cNvCxnSpPr>
+          <p:nvPr/>
+        </p:nvCxnSpPr>
+        <p:spPr>
+          <a:xfrm>
+            <a:off x="1111045" y="4326194"/>
+            <a:ext cx="10392697" cy="0"/>
+          </a:xfrm>
+          <a:prstGeom prst="line">
+            <a:avLst/>
+          </a:prstGeom>
+        </p:spPr>
+        <p:style>
+          <a:lnRef idx="1">
+            <a:schemeClr val="accent1"/>
+          </a:lnRef>
+          <a:fillRef idx="0">
+            <a:schemeClr val="accent1"/>
+          </a:fillRef>
+          <a:effectRef idx="0">
+            <a:schemeClr val="accent1"/>
+          </a:effectRef>
+          <a:fontRef idx="minor">
+            <a:schemeClr val="tx1"/>
+          </a:fontRef>
+        </p:style>
+      </p:cxnSp>
+      <p:sp>
+        <p:nvSpPr>
+          <p:cNvPr id="20" name="橢圓 19">
+            <a:extLst>
+              <a:ext uri="{FF2B5EF4-FFF2-40B4-BE49-F238E27FC236}">
+                <a16:creationId xmlns:a16="http://schemas.microsoft.com/office/drawing/2014/main" id="{C00DB9DA-9027-350C-D9E4-827357A35258}"/>
+              </a:ext>
+            </a:extLst>
+          </p:cNvPr>
+          <p:cNvSpPr/>
+          <p:nvPr/>
+        </p:nvSpPr>
+        <p:spPr>
+          <a:xfrm>
+            <a:off x="11366090" y="3320847"/>
+            <a:ext cx="137652" cy="216306"/>
+          </a:xfrm>
+          <a:prstGeom prst="ellipse">
+            <a:avLst/>
+          </a:prstGeom>
+          <a:solidFill>
+            <a:schemeClr val="tx1"/>
+          </a:solidFill>
+        </p:spPr>
+        <p:style>
+          <a:lnRef idx="2">
+            <a:schemeClr val="accent1">
+              <a:shade val="50000"/>
+            </a:schemeClr>
+          </a:lnRef>
+          <a:fillRef idx="1">
+            <a:schemeClr val="accent1"/>
+          </a:fillRef>
+          <a:effectRef idx="0">
+            <a:schemeClr val="accent1"/>
+          </a:effectRef>
+          <a:fontRef idx="minor">
+            <a:schemeClr val="lt1"/>
+          </a:fontRef>
+        </p:style>
+        <p:txBody>
+          <a:bodyPr rtlCol="0" anchor="ctr"/>
+          <a:lstStyle/>
+          <a:p>
+            <a:pPr algn="ctr"/>
+            <a:endParaRPr lang="zh-TW" altLang="en-US"/>
+          </a:p>
+        </p:txBody>
+      </p:sp>
+      <p:cxnSp>
+        <p:nvCxnSpPr>
+          <p:cNvPr id="34" name="直線接點 33">
+            <a:extLst>
+              <a:ext uri="{FF2B5EF4-FFF2-40B4-BE49-F238E27FC236}">
+                <a16:creationId xmlns:a16="http://schemas.microsoft.com/office/drawing/2014/main" id="{BF49188C-0A7A-B63A-CA1A-89246B1CEDFC}"/>
+              </a:ext>
+            </a:extLst>
+          </p:cNvPr>
+          <p:cNvCxnSpPr>
+            <a:cxnSpLocks/>
+          </p:cNvCxnSpPr>
+          <p:nvPr/>
+        </p:nvCxnSpPr>
+        <p:spPr>
+          <a:xfrm>
+            <a:off x="4365532" y="4044758"/>
+            <a:ext cx="0" cy="277736"/>
+          </a:xfrm>
+          <a:prstGeom prst="line">
+            <a:avLst/>
+          </a:prstGeom>
+        </p:spPr>
+        <p:style>
+          <a:lnRef idx="1">
+            <a:schemeClr val="accent1"/>
+          </a:lnRef>
+          <a:fillRef idx="0">
+            <a:schemeClr val="accent1"/>
+          </a:fillRef>
+          <a:effectRef idx="0">
+            <a:schemeClr val="accent1"/>
+          </a:effectRef>
+          <a:fontRef idx="minor">
+            <a:schemeClr val="tx1"/>
+          </a:fontRef>
+        </p:style>
+      </p:cxnSp>
+      <p:cxnSp>
+        <p:nvCxnSpPr>
+          <p:cNvPr id="36" name="直線接點 35">
+            <a:extLst>
+              <a:ext uri="{FF2B5EF4-FFF2-40B4-BE49-F238E27FC236}">
+                <a16:creationId xmlns:a16="http://schemas.microsoft.com/office/drawing/2014/main" id="{8C5801D6-C551-60A4-8DB6-4E938B860A1F}"/>
+              </a:ext>
+            </a:extLst>
+          </p:cNvPr>
+          <p:cNvCxnSpPr>
+            <a:cxnSpLocks/>
+          </p:cNvCxnSpPr>
+          <p:nvPr/>
+        </p:nvCxnSpPr>
+        <p:spPr>
+          <a:xfrm>
+            <a:off x="1111045" y="4044758"/>
+            <a:ext cx="0" cy="277736"/>
+          </a:xfrm>
+          <a:prstGeom prst="line">
+            <a:avLst/>
+          </a:prstGeom>
+        </p:spPr>
+        <p:style>
+          <a:lnRef idx="1">
+            <a:schemeClr val="accent1"/>
+          </a:lnRef>
+          <a:fillRef idx="0">
+            <a:schemeClr val="accent1"/>
+          </a:fillRef>
+          <a:effectRef idx="0">
+            <a:schemeClr val="accent1"/>
+          </a:effectRef>
+          <a:fontRef idx="minor">
+            <a:schemeClr val="tx1"/>
+          </a:fontRef>
+        </p:style>
+      </p:cxnSp>
+      <p:cxnSp>
+        <p:nvCxnSpPr>
+          <p:cNvPr id="38" name="直線接點 37">
+            <a:extLst>
+              <a:ext uri="{FF2B5EF4-FFF2-40B4-BE49-F238E27FC236}">
+                <a16:creationId xmlns:a16="http://schemas.microsoft.com/office/drawing/2014/main" id="{97ED43CA-2E07-A208-91CB-896B67E82D64}"/>
+              </a:ext>
+            </a:extLst>
+          </p:cNvPr>
+          <p:cNvCxnSpPr>
+            <a:cxnSpLocks/>
+          </p:cNvCxnSpPr>
+          <p:nvPr/>
+        </p:nvCxnSpPr>
+        <p:spPr>
+          <a:xfrm>
+            <a:off x="1951703" y="4044758"/>
+            <a:ext cx="0" cy="277736"/>
+          </a:xfrm>
+          <a:prstGeom prst="line">
+            <a:avLst/>
+          </a:prstGeom>
+        </p:spPr>
+        <p:style>
+          <a:lnRef idx="1">
+            <a:schemeClr val="accent1"/>
+          </a:lnRef>
+          <a:fillRef idx="0">
+            <a:schemeClr val="accent1"/>
+          </a:fillRef>
+          <a:effectRef idx="0">
+            <a:schemeClr val="accent1"/>
+          </a:effectRef>
+          <a:fontRef idx="minor">
+            <a:schemeClr val="tx1"/>
+          </a:fontRef>
+        </p:style>
+      </p:cxnSp>
+      <p:cxnSp>
+        <p:nvCxnSpPr>
+          <p:cNvPr id="39" name="直線接點 38">
+            <a:extLst>
+              <a:ext uri="{FF2B5EF4-FFF2-40B4-BE49-F238E27FC236}">
+                <a16:creationId xmlns:a16="http://schemas.microsoft.com/office/drawing/2014/main" id="{6DAC2F00-513A-095D-B84A-22C796DC0B7B}"/>
+              </a:ext>
+            </a:extLst>
+          </p:cNvPr>
+          <p:cNvCxnSpPr>
+            <a:cxnSpLocks/>
+          </p:cNvCxnSpPr>
+          <p:nvPr/>
+        </p:nvCxnSpPr>
+        <p:spPr>
+          <a:xfrm>
+            <a:off x="2743199" y="4044758"/>
+            <a:ext cx="0" cy="277736"/>
+          </a:xfrm>
+          <a:prstGeom prst="line">
+            <a:avLst/>
+          </a:prstGeom>
+        </p:spPr>
+        <p:style>
+          <a:lnRef idx="1">
+            <a:schemeClr val="accent1"/>
+          </a:lnRef>
+          <a:fillRef idx="0">
+            <a:schemeClr val="accent1"/>
+          </a:fillRef>
+          <a:effectRef idx="0">
+            <a:schemeClr val="accent1"/>
+          </a:effectRef>
+          <a:fontRef idx="minor">
+            <a:schemeClr val="tx1"/>
+          </a:fontRef>
+        </p:style>
+      </p:cxnSp>
+      <p:cxnSp>
+        <p:nvCxnSpPr>
+          <p:cNvPr id="40" name="直線接點 39">
+            <a:extLst>
+              <a:ext uri="{FF2B5EF4-FFF2-40B4-BE49-F238E27FC236}">
+                <a16:creationId xmlns:a16="http://schemas.microsoft.com/office/drawing/2014/main" id="{B3C3A1BB-A94A-923F-889E-212C26FC19E7}"/>
+              </a:ext>
+            </a:extLst>
+          </p:cNvPr>
+          <p:cNvCxnSpPr>
+            <a:cxnSpLocks/>
+          </p:cNvCxnSpPr>
+          <p:nvPr/>
+        </p:nvCxnSpPr>
+        <p:spPr>
+          <a:xfrm>
+            <a:off x="3564192" y="4044758"/>
+            <a:ext cx="0" cy="277736"/>
+          </a:xfrm>
+          <a:prstGeom prst="line">
+            <a:avLst/>
+          </a:prstGeom>
+        </p:spPr>
+        <p:style>
+          <a:lnRef idx="1">
+            <a:schemeClr val="accent1"/>
+          </a:lnRef>
+          <a:fillRef idx="0">
+            <a:schemeClr val="accent1"/>
+          </a:fillRef>
+          <a:effectRef idx="0">
+            <a:schemeClr val="accent1"/>
+          </a:effectRef>
+          <a:fontRef idx="minor">
+            <a:schemeClr val="tx1"/>
+          </a:fontRef>
+        </p:style>
+      </p:cxnSp>
+      <p:cxnSp>
+        <p:nvCxnSpPr>
+          <p:cNvPr id="41" name="直線接點 40">
+            <a:extLst>
+              <a:ext uri="{FF2B5EF4-FFF2-40B4-BE49-F238E27FC236}">
+                <a16:creationId xmlns:a16="http://schemas.microsoft.com/office/drawing/2014/main" id="{5A80FAA4-AE48-25E4-5532-FED9AF3FE416}"/>
+              </a:ext>
+            </a:extLst>
+          </p:cNvPr>
+          <p:cNvCxnSpPr>
+            <a:cxnSpLocks/>
+          </p:cNvCxnSpPr>
+          <p:nvPr/>
+        </p:nvCxnSpPr>
+        <p:spPr>
+          <a:xfrm>
+            <a:off x="5175045" y="4044758"/>
+            <a:ext cx="0" cy="277736"/>
+          </a:xfrm>
+          <a:prstGeom prst="line">
+            <a:avLst/>
+          </a:prstGeom>
+        </p:spPr>
+        <p:style>
+          <a:lnRef idx="1">
+            <a:schemeClr val="accent1"/>
+          </a:lnRef>
+          <a:fillRef idx="0">
+            <a:schemeClr val="accent1"/>
+          </a:fillRef>
+          <a:effectRef idx="0">
+            <a:schemeClr val="accent1"/>
+          </a:effectRef>
+          <a:fontRef idx="minor">
+            <a:schemeClr val="tx1"/>
+          </a:fontRef>
+        </p:style>
+      </p:cxnSp>
+      <p:cxnSp>
+        <p:nvCxnSpPr>
+          <p:cNvPr id="42" name="直線接點 41">
+            <a:extLst>
+              <a:ext uri="{FF2B5EF4-FFF2-40B4-BE49-F238E27FC236}">
+                <a16:creationId xmlns:a16="http://schemas.microsoft.com/office/drawing/2014/main" id="{8D9BC59A-D5CC-A2A1-FD6C-48506EF70E26}"/>
+              </a:ext>
+            </a:extLst>
+          </p:cNvPr>
+          <p:cNvCxnSpPr>
+            <a:cxnSpLocks/>
+          </p:cNvCxnSpPr>
+          <p:nvPr/>
+        </p:nvCxnSpPr>
+        <p:spPr>
+          <a:xfrm>
+            <a:off x="5976374" y="4044758"/>
+            <a:ext cx="0" cy="277736"/>
+          </a:xfrm>
+          <a:prstGeom prst="line">
+            <a:avLst/>
+          </a:prstGeom>
+        </p:spPr>
+        <p:style>
+          <a:lnRef idx="1">
+            <a:schemeClr val="accent1"/>
+          </a:lnRef>
+          <a:fillRef idx="0">
+            <a:schemeClr val="accent1"/>
+          </a:fillRef>
+          <a:effectRef idx="0">
+            <a:schemeClr val="accent1"/>
+          </a:effectRef>
+          <a:fontRef idx="minor">
+            <a:schemeClr val="tx1"/>
+          </a:fontRef>
+        </p:style>
+      </p:cxnSp>
+      <p:cxnSp>
+        <p:nvCxnSpPr>
+          <p:cNvPr id="43" name="直線接點 42">
+            <a:extLst>
+              <a:ext uri="{FF2B5EF4-FFF2-40B4-BE49-F238E27FC236}">
+                <a16:creationId xmlns:a16="http://schemas.microsoft.com/office/drawing/2014/main" id="{7914D7DC-0689-7335-B4DF-8145C2034DB0}"/>
+              </a:ext>
+            </a:extLst>
+          </p:cNvPr>
+          <p:cNvCxnSpPr>
+            <a:cxnSpLocks/>
+          </p:cNvCxnSpPr>
+          <p:nvPr/>
+        </p:nvCxnSpPr>
+        <p:spPr>
+          <a:xfrm>
+            <a:off x="6797368" y="4044758"/>
+            <a:ext cx="0" cy="277736"/>
+          </a:xfrm>
+          <a:prstGeom prst="line">
+            <a:avLst/>
+          </a:prstGeom>
+        </p:spPr>
+        <p:style>
+          <a:lnRef idx="1">
+            <a:schemeClr val="accent1"/>
+          </a:lnRef>
+          <a:fillRef idx="0">
+            <a:schemeClr val="accent1"/>
+          </a:fillRef>
+          <a:effectRef idx="0">
+            <a:schemeClr val="accent1"/>
+          </a:effectRef>
+          <a:fontRef idx="minor">
+            <a:schemeClr val="tx1"/>
+          </a:fontRef>
+        </p:style>
+      </p:cxnSp>
+      <p:cxnSp>
+        <p:nvCxnSpPr>
+          <p:cNvPr id="44" name="直線接點 43">
+            <a:extLst>
+              <a:ext uri="{FF2B5EF4-FFF2-40B4-BE49-F238E27FC236}">
+                <a16:creationId xmlns:a16="http://schemas.microsoft.com/office/drawing/2014/main" id="{32A38323-5592-9D64-9885-4017A633F193}"/>
+              </a:ext>
+            </a:extLst>
+          </p:cNvPr>
+          <p:cNvCxnSpPr>
+            <a:cxnSpLocks/>
+          </p:cNvCxnSpPr>
+          <p:nvPr/>
+        </p:nvCxnSpPr>
+        <p:spPr>
+          <a:xfrm>
+            <a:off x="7608529" y="4044758"/>
+            <a:ext cx="0" cy="277736"/>
+          </a:xfrm>
+          <a:prstGeom prst="line">
+            <a:avLst/>
+          </a:prstGeom>
+        </p:spPr>
+        <p:style>
+          <a:lnRef idx="1">
+            <a:schemeClr val="accent1"/>
+          </a:lnRef>
+          <a:fillRef idx="0">
+            <a:schemeClr val="accent1"/>
+          </a:fillRef>
+          <a:effectRef idx="0">
+            <a:schemeClr val="accent1"/>
+          </a:effectRef>
+          <a:fontRef idx="minor">
+            <a:schemeClr val="tx1"/>
+          </a:fontRef>
+        </p:style>
+      </p:cxnSp>
+      <p:cxnSp>
+        <p:nvCxnSpPr>
+          <p:cNvPr id="45" name="直線接點 44">
+            <a:extLst>
+              <a:ext uri="{FF2B5EF4-FFF2-40B4-BE49-F238E27FC236}">
+                <a16:creationId xmlns:a16="http://schemas.microsoft.com/office/drawing/2014/main" id="{0B34571E-DA8C-EDC3-A4FD-4D8800353169}"/>
+              </a:ext>
+            </a:extLst>
+          </p:cNvPr>
+          <p:cNvCxnSpPr>
+            <a:cxnSpLocks/>
+          </p:cNvCxnSpPr>
+          <p:nvPr/>
+        </p:nvCxnSpPr>
+        <p:spPr>
+          <a:xfrm>
+            <a:off x="8419690" y="4044758"/>
+            <a:ext cx="0" cy="277736"/>
+          </a:xfrm>
+          <a:prstGeom prst="line">
+            <a:avLst/>
+          </a:prstGeom>
+        </p:spPr>
+        <p:style>
+          <a:lnRef idx="1">
+            <a:schemeClr val="accent1"/>
+          </a:lnRef>
+          <a:fillRef idx="0">
+            <a:schemeClr val="accent1"/>
+          </a:fillRef>
+          <a:effectRef idx="0">
+            <a:schemeClr val="accent1"/>
+          </a:effectRef>
+          <a:fontRef idx="minor">
+            <a:schemeClr val="tx1"/>
+          </a:fontRef>
+        </p:style>
+      </p:cxnSp>
+      <p:cxnSp>
+        <p:nvCxnSpPr>
+          <p:cNvPr id="46" name="直線接點 45">
+            <a:extLst>
+              <a:ext uri="{FF2B5EF4-FFF2-40B4-BE49-F238E27FC236}">
+                <a16:creationId xmlns:a16="http://schemas.microsoft.com/office/drawing/2014/main" id="{1C093F2D-106D-413C-F3E6-0E16B6AACA3B}"/>
+              </a:ext>
+            </a:extLst>
+          </p:cNvPr>
+          <p:cNvCxnSpPr>
+            <a:cxnSpLocks/>
+          </p:cNvCxnSpPr>
+          <p:nvPr/>
+        </p:nvCxnSpPr>
+        <p:spPr>
+          <a:xfrm>
+            <a:off x="9230851" y="4044758"/>
+            <a:ext cx="0" cy="277736"/>
+          </a:xfrm>
+          <a:prstGeom prst="line">
+            <a:avLst/>
+          </a:prstGeom>
+        </p:spPr>
+        <p:style>
+          <a:lnRef idx="1">
+            <a:schemeClr val="accent1"/>
+          </a:lnRef>
+          <a:fillRef idx="0">
+            <a:schemeClr val="accent1"/>
+          </a:fillRef>
+          <a:effectRef idx="0">
+            <a:schemeClr val="accent1"/>
+          </a:effectRef>
+          <a:fontRef idx="minor">
+            <a:schemeClr val="tx1"/>
+          </a:fontRef>
+        </p:style>
+      </p:cxnSp>
+      <p:cxnSp>
+        <p:nvCxnSpPr>
+          <p:cNvPr id="47" name="直線接點 46">
+            <a:extLst>
+              <a:ext uri="{FF2B5EF4-FFF2-40B4-BE49-F238E27FC236}">
+                <a16:creationId xmlns:a16="http://schemas.microsoft.com/office/drawing/2014/main" id="{B23AAF99-440E-7E2A-920C-C8E3A5D4E789}"/>
+              </a:ext>
+            </a:extLst>
+          </p:cNvPr>
+          <p:cNvCxnSpPr>
+            <a:cxnSpLocks/>
+          </p:cNvCxnSpPr>
+          <p:nvPr/>
+        </p:nvCxnSpPr>
+        <p:spPr>
+          <a:xfrm>
+            <a:off x="10071509" y="4044758"/>
+            <a:ext cx="0" cy="277736"/>
+          </a:xfrm>
+          <a:prstGeom prst="line">
+            <a:avLst/>
+          </a:prstGeom>
+        </p:spPr>
+        <p:style>
+          <a:lnRef idx="1">
+            <a:schemeClr val="accent1"/>
+          </a:lnRef>
+          <a:fillRef idx="0">
+            <a:schemeClr val="accent1"/>
+          </a:fillRef>
+          <a:effectRef idx="0">
+            <a:schemeClr val="accent1"/>
+          </a:effectRef>
+          <a:fontRef idx="minor">
+            <a:schemeClr val="tx1"/>
+          </a:fontRef>
+        </p:style>
+      </p:cxnSp>
+      <p:cxnSp>
+        <p:nvCxnSpPr>
+          <p:cNvPr id="48" name="直線接點 47">
+            <a:extLst>
+              <a:ext uri="{FF2B5EF4-FFF2-40B4-BE49-F238E27FC236}">
+                <a16:creationId xmlns:a16="http://schemas.microsoft.com/office/drawing/2014/main" id="{7EA8F566-DA72-6988-4219-40003A92C9E1}"/>
+              </a:ext>
+            </a:extLst>
+          </p:cNvPr>
+          <p:cNvCxnSpPr>
+            <a:cxnSpLocks/>
+          </p:cNvCxnSpPr>
+          <p:nvPr/>
+        </p:nvCxnSpPr>
+        <p:spPr>
+          <a:xfrm>
+            <a:off x="10882670" y="4044758"/>
+            <a:ext cx="0" cy="277736"/>
+          </a:xfrm>
+          <a:prstGeom prst="line">
+            <a:avLst/>
+          </a:prstGeom>
+        </p:spPr>
+        <p:style>
+          <a:lnRef idx="1">
+            <a:schemeClr val="accent1"/>
+          </a:lnRef>
+          <a:fillRef idx="0">
+            <a:schemeClr val="accent1"/>
+          </a:fillRef>
+          <a:effectRef idx="0">
+            <a:schemeClr val="accent1"/>
+          </a:effectRef>
+          <a:fontRef idx="minor">
+            <a:schemeClr val="tx1"/>
+          </a:fontRef>
+        </p:style>
+      </p:cxnSp>
+      <p:sp>
+        <p:nvSpPr>
+          <p:cNvPr id="49" name="橢圓 48">
+            <a:extLst>
+              <a:ext uri="{FF2B5EF4-FFF2-40B4-BE49-F238E27FC236}">
+                <a16:creationId xmlns:a16="http://schemas.microsoft.com/office/drawing/2014/main" id="{524FBE74-19C7-C5F3-160E-27EDDFE2FDD3}"/>
+              </a:ext>
+            </a:extLst>
+          </p:cNvPr>
+          <p:cNvSpPr/>
+          <p:nvPr/>
+        </p:nvSpPr>
+        <p:spPr>
+          <a:xfrm>
+            <a:off x="1032387" y="4092060"/>
+            <a:ext cx="137652" cy="216306"/>
+          </a:xfrm>
+          <a:prstGeom prst="ellipse">
+            <a:avLst/>
+          </a:prstGeom>
+          <a:solidFill>
+            <a:schemeClr val="accent3"/>
+          </a:solidFill>
+          <a:ln>
+            <a:solidFill>
+              <a:schemeClr val="accent3"/>
+            </a:solidFill>
+          </a:ln>
+        </p:spPr>
+        <p:style>
+          <a:lnRef idx="2">
+            <a:schemeClr val="accent1">
+              <a:shade val="50000"/>
+            </a:schemeClr>
+          </a:lnRef>
+          <a:fillRef idx="1">
+            <a:schemeClr val="accent1"/>
+          </a:fillRef>
+          <a:effectRef idx="0">
+            <a:schemeClr val="accent1"/>
+          </a:effectRef>
+          <a:fontRef idx="minor">
+            <a:schemeClr val="lt1"/>
+          </a:fontRef>
+        </p:style>
+        <p:txBody>
+          <a:bodyPr rtlCol="0" anchor="ctr"/>
+          <a:lstStyle/>
+          <a:p>
+            <a:pPr algn="ctr"/>
+            <a:endParaRPr lang="zh-TW" altLang="en-US"/>
+          </a:p>
+        </p:txBody>
+      </p:sp>
+      <p:sp>
+        <p:nvSpPr>
+          <p:cNvPr id="50" name="橢圓 49">
+            <a:extLst>
+              <a:ext uri="{FF2B5EF4-FFF2-40B4-BE49-F238E27FC236}">
+                <a16:creationId xmlns:a16="http://schemas.microsoft.com/office/drawing/2014/main" id="{48E39A83-A5E3-446F-DE45-1D198D8EBFC8}"/>
+              </a:ext>
+            </a:extLst>
+          </p:cNvPr>
+          <p:cNvSpPr/>
+          <p:nvPr/>
+        </p:nvSpPr>
+        <p:spPr>
+          <a:xfrm>
+            <a:off x="1882876" y="4106188"/>
+            <a:ext cx="137652" cy="216306"/>
+          </a:xfrm>
+          <a:prstGeom prst="ellipse">
+            <a:avLst/>
+          </a:prstGeom>
+          <a:solidFill>
+            <a:srgbClr val="FFC000"/>
+          </a:solidFill>
+        </p:spPr>
+        <p:style>
+          <a:lnRef idx="2">
+            <a:schemeClr val="accent1">
+              <a:shade val="50000"/>
+            </a:schemeClr>
+          </a:lnRef>
+          <a:fillRef idx="1">
+            <a:schemeClr val="accent1"/>
+          </a:fillRef>
+          <a:effectRef idx="0">
+            <a:schemeClr val="accent1"/>
+          </a:effectRef>
+          <a:fontRef idx="minor">
+            <a:schemeClr val="lt1"/>
+          </a:fontRef>
+        </p:style>
+        <p:txBody>
+          <a:bodyPr rtlCol="0" anchor="ctr"/>
+          <a:lstStyle/>
+          <a:p>
+            <a:pPr algn="ctr"/>
+            <a:endParaRPr lang="zh-TW" altLang="en-US"/>
+          </a:p>
+        </p:txBody>
+      </p:sp>
+      <p:sp>
+        <p:nvSpPr>
+          <p:cNvPr id="51" name="橢圓 50">
+            <a:extLst>
+              <a:ext uri="{FF2B5EF4-FFF2-40B4-BE49-F238E27FC236}">
+                <a16:creationId xmlns:a16="http://schemas.microsoft.com/office/drawing/2014/main" id="{F470BBF0-92F1-CA5C-51EA-41D8C30F2293}"/>
+              </a:ext>
+            </a:extLst>
+          </p:cNvPr>
+          <p:cNvSpPr/>
+          <p:nvPr/>
+        </p:nvSpPr>
+        <p:spPr>
+          <a:xfrm>
+            <a:off x="2684204" y="4092060"/>
+            <a:ext cx="137652" cy="216306"/>
+          </a:xfrm>
+          <a:prstGeom prst="ellipse">
+            <a:avLst/>
+          </a:prstGeom>
+          <a:solidFill>
+            <a:srgbClr val="FFC000"/>
+          </a:solidFill>
+        </p:spPr>
+        <p:style>
+          <a:lnRef idx="2">
+            <a:schemeClr val="accent1">
+              <a:shade val="50000"/>
+            </a:schemeClr>
+          </a:lnRef>
+          <a:fillRef idx="1">
+            <a:schemeClr val="accent1"/>
+          </a:fillRef>
+          <a:effectRef idx="0">
+            <a:schemeClr val="accent1"/>
+          </a:effectRef>
+          <a:fontRef idx="minor">
+            <a:schemeClr val="lt1"/>
+          </a:fontRef>
+        </p:style>
+        <p:txBody>
+          <a:bodyPr rtlCol="0" anchor="ctr"/>
+          <a:lstStyle/>
+          <a:p>
+            <a:pPr algn="ctr"/>
+            <a:endParaRPr lang="zh-TW" altLang="en-US"/>
+          </a:p>
+        </p:txBody>
+      </p:sp>
+      <p:sp>
+        <p:nvSpPr>
+          <p:cNvPr id="52" name="橢圓 51">
+            <a:extLst>
+              <a:ext uri="{FF2B5EF4-FFF2-40B4-BE49-F238E27FC236}">
+                <a16:creationId xmlns:a16="http://schemas.microsoft.com/office/drawing/2014/main" id="{27B1C58F-BEE8-7523-F18B-1E5FBF19D664}"/>
+              </a:ext>
+            </a:extLst>
+          </p:cNvPr>
+          <p:cNvSpPr/>
+          <p:nvPr/>
+        </p:nvSpPr>
+        <p:spPr>
+          <a:xfrm>
+            <a:off x="3495366" y="4075473"/>
+            <a:ext cx="137652" cy="216306"/>
+          </a:xfrm>
+          <a:prstGeom prst="ellipse">
+            <a:avLst/>
+          </a:prstGeom>
+          <a:solidFill>
+            <a:srgbClr val="FFC000"/>
+          </a:solidFill>
+        </p:spPr>
+        <p:style>
+          <a:lnRef idx="2">
+            <a:schemeClr val="accent1">
+              <a:shade val="50000"/>
+            </a:schemeClr>
+          </a:lnRef>
+          <a:fillRef idx="1">
+            <a:schemeClr val="accent1"/>
+          </a:fillRef>
+          <a:effectRef idx="0">
+            <a:schemeClr val="accent1"/>
+          </a:effectRef>
+          <a:fontRef idx="minor">
+            <a:schemeClr val="lt1"/>
+          </a:fontRef>
+        </p:style>
+        <p:txBody>
+          <a:bodyPr rtlCol="0" anchor="ctr"/>
+          <a:lstStyle/>
+          <a:p>
+            <a:pPr algn="ctr"/>
+            <a:endParaRPr lang="zh-TW" altLang="en-US"/>
+          </a:p>
+        </p:txBody>
+      </p:sp>
+      <p:sp>
+        <p:nvSpPr>
+          <p:cNvPr id="53" name="橢圓 52">
+            <a:extLst>
+              <a:ext uri="{FF2B5EF4-FFF2-40B4-BE49-F238E27FC236}">
+                <a16:creationId xmlns:a16="http://schemas.microsoft.com/office/drawing/2014/main" id="{187B3AAE-6212-E181-1249-2665295DB344}"/>
+              </a:ext>
+            </a:extLst>
+          </p:cNvPr>
+          <p:cNvSpPr/>
+          <p:nvPr/>
+        </p:nvSpPr>
+        <p:spPr>
+          <a:xfrm>
+            <a:off x="4296694" y="4092060"/>
+            <a:ext cx="137652" cy="216306"/>
+          </a:xfrm>
+          <a:prstGeom prst="ellipse">
+            <a:avLst/>
+          </a:prstGeom>
+          <a:solidFill>
+            <a:srgbClr val="FFC000"/>
+          </a:solidFill>
+        </p:spPr>
+        <p:style>
+          <a:lnRef idx="2">
+            <a:schemeClr val="accent1">
+              <a:shade val="50000"/>
+            </a:schemeClr>
+          </a:lnRef>
+          <a:fillRef idx="1">
+            <a:schemeClr val="accent1"/>
+          </a:fillRef>
+          <a:effectRef idx="0">
+            <a:schemeClr val="accent1"/>
+          </a:effectRef>
+          <a:fontRef idx="minor">
+            <a:schemeClr val="lt1"/>
+          </a:fontRef>
+        </p:style>
+        <p:txBody>
+          <a:bodyPr rtlCol="0" anchor="ctr"/>
+          <a:lstStyle/>
+          <a:p>
+            <a:pPr algn="ctr"/>
+            <a:endParaRPr lang="zh-TW" altLang="en-US"/>
+          </a:p>
+        </p:txBody>
+      </p:sp>
+      <p:sp>
+        <p:nvSpPr>
+          <p:cNvPr id="54" name="橢圓 53">
+            <a:extLst>
+              <a:ext uri="{FF2B5EF4-FFF2-40B4-BE49-F238E27FC236}">
+                <a16:creationId xmlns:a16="http://schemas.microsoft.com/office/drawing/2014/main" id="{19CD6AA6-5123-8EAA-57B7-A07C8572E5FB}"/>
+              </a:ext>
+            </a:extLst>
+          </p:cNvPr>
+          <p:cNvSpPr/>
+          <p:nvPr/>
+        </p:nvSpPr>
+        <p:spPr>
+          <a:xfrm>
+            <a:off x="5098022" y="4076094"/>
+            <a:ext cx="137652" cy="216306"/>
+          </a:xfrm>
+          <a:prstGeom prst="ellipse">
+            <a:avLst/>
+          </a:prstGeom>
+          <a:solidFill>
+            <a:srgbClr val="92D050"/>
+          </a:solidFill>
+        </p:spPr>
+        <p:style>
+          <a:lnRef idx="2">
+            <a:schemeClr val="accent1">
+              <a:shade val="50000"/>
+            </a:schemeClr>
+          </a:lnRef>
+          <a:fillRef idx="1">
+            <a:schemeClr val="accent1"/>
+          </a:fillRef>
+          <a:effectRef idx="0">
+            <a:schemeClr val="accent1"/>
+          </a:effectRef>
+          <a:fontRef idx="minor">
+            <a:schemeClr val="lt1"/>
+          </a:fontRef>
+        </p:style>
+        <p:txBody>
+          <a:bodyPr rtlCol="0" anchor="ctr"/>
+          <a:lstStyle/>
+          <a:p>
+            <a:pPr algn="ctr"/>
+            <a:endParaRPr lang="zh-TW" altLang="en-US"/>
+          </a:p>
+        </p:txBody>
+      </p:sp>
+      <p:sp>
+        <p:nvSpPr>
+          <p:cNvPr id="55" name="橢圓 54">
+            <a:extLst>
+              <a:ext uri="{FF2B5EF4-FFF2-40B4-BE49-F238E27FC236}">
+                <a16:creationId xmlns:a16="http://schemas.microsoft.com/office/drawing/2014/main" id="{F0B6A107-1480-EBAA-150A-FFE8BB86BD8E}"/>
+              </a:ext>
+            </a:extLst>
+          </p:cNvPr>
+          <p:cNvSpPr/>
+          <p:nvPr/>
+        </p:nvSpPr>
+        <p:spPr>
+          <a:xfrm>
+            <a:off x="5907534" y="4075473"/>
+            <a:ext cx="137652" cy="216306"/>
+          </a:xfrm>
+          <a:prstGeom prst="ellipse">
+            <a:avLst/>
+          </a:prstGeom>
+          <a:solidFill>
+            <a:srgbClr val="00B0F0"/>
+          </a:solidFill>
+        </p:spPr>
+        <p:style>
+          <a:lnRef idx="2">
+            <a:schemeClr val="accent1">
+              <a:shade val="50000"/>
+            </a:schemeClr>
+          </a:lnRef>
+          <a:fillRef idx="1">
+            <a:schemeClr val="accent1"/>
+          </a:fillRef>
+          <a:effectRef idx="0">
+            <a:schemeClr val="accent1"/>
+          </a:effectRef>
+          <a:fontRef idx="minor">
+            <a:schemeClr val="lt1"/>
+          </a:fontRef>
+        </p:style>
+        <p:txBody>
+          <a:bodyPr rtlCol="0" anchor="ctr"/>
+          <a:lstStyle/>
+          <a:p>
+            <a:pPr algn="ctr"/>
+            <a:endParaRPr lang="zh-TW" altLang="en-US"/>
+          </a:p>
+        </p:txBody>
+      </p:sp>
+      <p:sp>
+        <p:nvSpPr>
+          <p:cNvPr id="56" name="橢圓 55">
+            <a:extLst>
+              <a:ext uri="{FF2B5EF4-FFF2-40B4-BE49-F238E27FC236}">
+                <a16:creationId xmlns:a16="http://schemas.microsoft.com/office/drawing/2014/main" id="{61BD1AAE-2E8C-7D22-C6E0-5209A8FE8AF5}"/>
+              </a:ext>
+            </a:extLst>
+          </p:cNvPr>
+          <p:cNvSpPr/>
+          <p:nvPr/>
+        </p:nvSpPr>
+        <p:spPr>
+          <a:xfrm>
+            <a:off x="6699046" y="4100974"/>
+            <a:ext cx="137652" cy="216306"/>
+          </a:xfrm>
+          <a:prstGeom prst="ellipse">
+            <a:avLst/>
+          </a:prstGeom>
+          <a:solidFill>
+            <a:srgbClr val="00B0F0"/>
+          </a:solidFill>
+        </p:spPr>
+        <p:style>
+          <a:lnRef idx="2">
+            <a:schemeClr val="accent1">
+              <a:shade val="50000"/>
+            </a:schemeClr>
+          </a:lnRef>
+          <a:fillRef idx="1">
+            <a:schemeClr val="accent1"/>
+          </a:fillRef>
+          <a:effectRef idx="0">
+            <a:schemeClr val="accent1"/>
+          </a:effectRef>
+          <a:fontRef idx="minor">
+            <a:schemeClr val="lt1"/>
+          </a:fontRef>
+        </p:style>
+        <p:txBody>
+          <a:bodyPr rtlCol="0" anchor="ctr"/>
+          <a:lstStyle/>
+          <a:p>
+            <a:pPr algn="ctr"/>
+            <a:endParaRPr lang="zh-TW" altLang="en-US"/>
+          </a:p>
+        </p:txBody>
+      </p:sp>
+      <p:sp>
+        <p:nvSpPr>
+          <p:cNvPr id="57" name="橢圓 56">
+            <a:extLst>
+              <a:ext uri="{FF2B5EF4-FFF2-40B4-BE49-F238E27FC236}">
+                <a16:creationId xmlns:a16="http://schemas.microsoft.com/office/drawing/2014/main" id="{2400CD5F-EEED-1131-0EC1-6A928C3D76A4}"/>
+              </a:ext>
+            </a:extLst>
+          </p:cNvPr>
+          <p:cNvSpPr/>
+          <p:nvPr/>
+        </p:nvSpPr>
+        <p:spPr>
+          <a:xfrm>
+            <a:off x="7549536" y="4045977"/>
+            <a:ext cx="137652" cy="216306"/>
+          </a:xfrm>
+          <a:prstGeom prst="ellipse">
+            <a:avLst/>
+          </a:prstGeom>
+          <a:solidFill>
+            <a:srgbClr val="00B0F0"/>
+          </a:solidFill>
+        </p:spPr>
+        <p:style>
+          <a:lnRef idx="2">
+            <a:schemeClr val="accent1">
+              <a:shade val="50000"/>
+            </a:schemeClr>
+          </a:lnRef>
+          <a:fillRef idx="1">
+            <a:schemeClr val="accent1"/>
+          </a:fillRef>
+          <a:effectRef idx="0">
+            <a:schemeClr val="accent1"/>
+          </a:effectRef>
+          <a:fontRef idx="minor">
+            <a:schemeClr val="lt1"/>
+          </a:fontRef>
+        </p:style>
+        <p:txBody>
+          <a:bodyPr rtlCol="0" anchor="ctr"/>
+          <a:lstStyle/>
+          <a:p>
+            <a:pPr algn="ctr"/>
+            <a:endParaRPr lang="zh-TW" altLang="en-US"/>
+          </a:p>
+        </p:txBody>
+      </p:sp>
+      <p:sp>
+        <p:nvSpPr>
+          <p:cNvPr id="58" name="橢圓 57">
+            <a:extLst>
+              <a:ext uri="{FF2B5EF4-FFF2-40B4-BE49-F238E27FC236}">
+                <a16:creationId xmlns:a16="http://schemas.microsoft.com/office/drawing/2014/main" id="{5B314C6D-0932-85A6-A20E-1A0BD68D6CE6}"/>
+              </a:ext>
+            </a:extLst>
+          </p:cNvPr>
+          <p:cNvSpPr/>
+          <p:nvPr/>
+        </p:nvSpPr>
+        <p:spPr>
+          <a:xfrm>
+            <a:off x="8350862" y="4100974"/>
+            <a:ext cx="137652" cy="216306"/>
+          </a:xfrm>
+          <a:prstGeom prst="ellipse">
+            <a:avLst/>
+          </a:prstGeom>
+          <a:solidFill>
+            <a:srgbClr val="FF0000"/>
+          </a:solidFill>
+        </p:spPr>
+        <p:style>
+          <a:lnRef idx="2">
+            <a:schemeClr val="accent1">
+              <a:shade val="50000"/>
+            </a:schemeClr>
+          </a:lnRef>
+          <a:fillRef idx="1">
+            <a:schemeClr val="accent1"/>
+          </a:fillRef>
+          <a:effectRef idx="0">
+            <a:schemeClr val="accent1"/>
+          </a:effectRef>
+          <a:fontRef idx="minor">
+            <a:schemeClr val="lt1"/>
+          </a:fontRef>
+        </p:style>
+        <p:txBody>
+          <a:bodyPr rtlCol="0" anchor="ctr"/>
+          <a:lstStyle/>
+          <a:p>
+            <a:pPr algn="ctr"/>
+            <a:endParaRPr lang="zh-TW" altLang="en-US"/>
+          </a:p>
+        </p:txBody>
+      </p:sp>
+      <p:sp>
+        <p:nvSpPr>
+          <p:cNvPr id="59" name="橢圓 58">
+            <a:extLst>
+              <a:ext uri="{FF2B5EF4-FFF2-40B4-BE49-F238E27FC236}">
+                <a16:creationId xmlns:a16="http://schemas.microsoft.com/office/drawing/2014/main" id="{37177865-F97A-F877-AD18-C1D9A9567854}"/>
+              </a:ext>
+            </a:extLst>
+          </p:cNvPr>
+          <p:cNvSpPr/>
+          <p:nvPr/>
+        </p:nvSpPr>
+        <p:spPr>
+          <a:xfrm>
+            <a:off x="9159561" y="4092060"/>
+            <a:ext cx="137652" cy="216306"/>
+          </a:xfrm>
+          <a:prstGeom prst="ellipse">
+            <a:avLst/>
+          </a:prstGeom>
+          <a:solidFill>
+            <a:schemeClr val="accent4">
+              <a:lumMod val="75000"/>
+            </a:schemeClr>
+          </a:solidFill>
+        </p:spPr>
+        <p:style>
+          <a:lnRef idx="2">
+            <a:schemeClr val="accent1">
+              <a:shade val="50000"/>
+            </a:schemeClr>
+          </a:lnRef>
+          <a:fillRef idx="1">
+            <a:schemeClr val="accent1"/>
+          </a:fillRef>
+          <a:effectRef idx="0">
+            <a:schemeClr val="accent1"/>
+          </a:effectRef>
+          <a:fontRef idx="minor">
+            <a:schemeClr val="lt1"/>
+          </a:fontRef>
+        </p:style>
+        <p:txBody>
+          <a:bodyPr rtlCol="0" anchor="ctr"/>
+          <a:lstStyle/>
+          <a:p>
+            <a:pPr algn="ctr"/>
+            <a:endParaRPr lang="zh-TW" altLang="en-US"/>
+          </a:p>
+        </p:txBody>
+      </p:sp>
+      <p:sp>
+        <p:nvSpPr>
+          <p:cNvPr id="60" name="橢圓 59">
+            <a:extLst>
+              <a:ext uri="{FF2B5EF4-FFF2-40B4-BE49-F238E27FC236}">
+                <a16:creationId xmlns:a16="http://schemas.microsoft.com/office/drawing/2014/main" id="{4FC1B8FF-DAD1-4970-1186-45BD606FA335}"/>
+              </a:ext>
+            </a:extLst>
+          </p:cNvPr>
+          <p:cNvSpPr/>
+          <p:nvPr/>
+        </p:nvSpPr>
+        <p:spPr>
+          <a:xfrm>
+            <a:off x="10002683" y="4100974"/>
+            <a:ext cx="137652" cy="216306"/>
+          </a:xfrm>
+          <a:prstGeom prst="ellipse">
+            <a:avLst/>
+          </a:prstGeom>
+          <a:solidFill>
+            <a:schemeClr val="accent6"/>
+          </a:solidFill>
+        </p:spPr>
+        <p:style>
+          <a:lnRef idx="2">
+            <a:schemeClr val="accent1">
+              <a:shade val="50000"/>
+            </a:schemeClr>
+          </a:lnRef>
+          <a:fillRef idx="1">
+            <a:schemeClr val="accent1"/>
+          </a:fillRef>
+          <a:effectRef idx="0">
+            <a:schemeClr val="accent1"/>
+          </a:effectRef>
+          <a:fontRef idx="minor">
+            <a:schemeClr val="lt1"/>
+          </a:fontRef>
+        </p:style>
+        <p:txBody>
+          <a:bodyPr rtlCol="0" anchor="ctr"/>
+          <a:lstStyle/>
+          <a:p>
+            <a:pPr algn="ctr"/>
+            <a:endParaRPr lang="zh-TW" altLang="en-US"/>
+          </a:p>
+        </p:txBody>
+      </p:sp>
+      <p:sp>
+        <p:nvSpPr>
+          <p:cNvPr id="61" name="橢圓 60">
+            <a:extLst>
+              <a:ext uri="{FF2B5EF4-FFF2-40B4-BE49-F238E27FC236}">
+                <a16:creationId xmlns:a16="http://schemas.microsoft.com/office/drawing/2014/main" id="{6B03BEA4-4BD0-E5C0-935F-7853AE9AEE09}"/>
+              </a:ext>
+            </a:extLst>
+          </p:cNvPr>
+          <p:cNvSpPr/>
+          <p:nvPr/>
+        </p:nvSpPr>
+        <p:spPr>
+          <a:xfrm>
+            <a:off x="10813844" y="4080989"/>
+            <a:ext cx="137652" cy="216306"/>
+          </a:xfrm>
+          <a:prstGeom prst="ellipse">
+            <a:avLst/>
+          </a:prstGeom>
+          <a:solidFill>
+            <a:schemeClr val="accent6"/>
+          </a:solidFill>
+        </p:spPr>
+        <p:style>
+          <a:lnRef idx="2">
+            <a:schemeClr val="accent1">
+              <a:shade val="50000"/>
+            </a:schemeClr>
+          </a:lnRef>
+          <a:fillRef idx="1">
+            <a:schemeClr val="accent1"/>
+          </a:fillRef>
+          <a:effectRef idx="0">
+            <a:schemeClr val="accent1"/>
+          </a:effectRef>
+          <a:fontRef idx="minor">
+            <a:schemeClr val="lt1"/>
+          </a:fontRef>
+        </p:style>
+        <p:txBody>
+          <a:bodyPr rtlCol="0" anchor="ctr"/>
+          <a:lstStyle/>
+          <a:p>
+            <a:pPr algn="ctr"/>
+            <a:endParaRPr lang="zh-TW" altLang="en-US"/>
+          </a:p>
+        </p:txBody>
+      </p:sp>
+    </p:spTree>
+    <p:extLst>
+      <p:ext uri="{BB962C8B-B14F-4D97-AF65-F5344CB8AC3E}">
+        <p14:creationId xmlns:p14="http://schemas.microsoft.com/office/powerpoint/2010/main" val="110442587"/>
+      </p:ext>
+    </p:extLst>
+  </p:cSld>
+  <p:clrMapOvr>
+    <a:masterClrMapping/>
+  </p:clrMapOvr>
+</p:sld>
+</file>
+
+<file path=ppt/slides/slide27.xml><?xml version="1.0" encoding="utf-8"?>
+<p:sld xmlns:a="http://schemas.openxmlformats.org/drawingml/2006/main" xmlns:r="http://schemas.openxmlformats.org/officeDocument/2006/relationships" xmlns:p="http://schemas.openxmlformats.org/presentationml/2006/main">
+  <p:cSld>
+    <p:spTree>
+      <p:nvGrpSpPr>
+        <p:cNvPr id="1" name=""/>
+        <p:cNvGrpSpPr/>
+        <p:nvPr/>
+      </p:nvGrpSpPr>
+      <p:grpSpPr>
+        <a:xfrm>
+          <a:off x="0" y="0"/>
+          <a:ext cx="0" cy="0"/>
+          <a:chOff x="0" y="0"/>
+          <a:chExt cx="0" cy="0"/>
+        </a:xfrm>
+      </p:grpSpPr>
+      <p:sp>
+        <p:nvSpPr>
+          <p:cNvPr id="2" name="標題 1">
+            <a:extLst>
+              <a:ext uri="{FF2B5EF4-FFF2-40B4-BE49-F238E27FC236}">
+                <a16:creationId xmlns:a16="http://schemas.microsoft.com/office/drawing/2014/main" id="{64FD2677-F2BC-1AEC-3142-38AE75A23EB0}"/>
+              </a:ext>
+            </a:extLst>
+          </p:cNvPr>
+          <p:cNvSpPr>
+            <a:spLocks noGrp="1"/>
+          </p:cNvSpPr>
+          <p:nvPr>
+            <p:ph type="title"/>
+          </p:nvPr>
+        </p:nvSpPr>
+        <p:spPr/>
+        <p:txBody>
+          <a:bodyPr/>
+          <a:lstStyle/>
+          <a:p>
+            <a:pPr algn="ctr"/>
+            <a:r>
+              <a:rPr lang="zh-TW" altLang="en-US" dirty="0"/>
+              <a:t>總結</a:t>
+            </a:r>
+          </a:p>
+        </p:txBody>
+      </p:sp>
+      <p:sp>
+        <p:nvSpPr>
+          <p:cNvPr id="3" name="內容版面配置區 2">
+            <a:extLst>
+              <a:ext uri="{FF2B5EF4-FFF2-40B4-BE49-F238E27FC236}">
+                <a16:creationId xmlns:a16="http://schemas.microsoft.com/office/drawing/2014/main" id="{B74ED5F4-D303-5CBD-8613-D37E68EE39CF}"/>
+              </a:ext>
+            </a:extLst>
+          </p:cNvPr>
+          <p:cNvSpPr>
+            <a:spLocks noGrp="1"/>
+          </p:cNvSpPr>
+          <p:nvPr>
+            <p:ph idx="1"/>
+          </p:nvPr>
+        </p:nvSpPr>
+        <p:spPr/>
+        <p:txBody>
+          <a:bodyPr/>
+          <a:lstStyle/>
+          <a:p>
+            <a:pPr marL="0" indent="0">
+              <a:buNone/>
+            </a:pPr>
+            <a:r>
+              <a:rPr lang="en-US" altLang="zh-TW" dirty="0"/>
+              <a:t>1. ADC</a:t>
+            </a:r>
+            <a:r>
+              <a:rPr lang="zh-TW" altLang="en-US" dirty="0"/>
+              <a:t> 架構讓</a:t>
+            </a:r>
+            <a:r>
+              <a:rPr lang="en-US" altLang="zh-TW" dirty="0"/>
+              <a:t>FW</a:t>
+            </a:r>
+            <a:r>
+              <a:rPr lang="zh-TW" altLang="en-US" dirty="0"/>
+              <a:t>能夠快速模擬數位硬體行為，降低學長們</a:t>
+            </a:r>
+            <a:r>
+              <a:rPr lang="en-US" altLang="zh-TW" dirty="0"/>
+              <a:t>Sim code</a:t>
+            </a:r>
+            <a:r>
+              <a:rPr lang="zh-TW" altLang="en-US" dirty="0"/>
+              <a:t>的時間</a:t>
+            </a:r>
+          </a:p>
+        </p:txBody>
+      </p:sp>
+    </p:spTree>
+    <p:extLst>
+      <p:ext uri="{BB962C8B-B14F-4D97-AF65-F5344CB8AC3E}">
+        <p14:creationId xmlns:p14="http://schemas.microsoft.com/office/powerpoint/2010/main" val="172761753"/>
+      </p:ext>
+    </p:extLst>
+  </p:cSld>
+  <p:clrMapOvr>
+    <a:masterClrMapping/>
+  </p:clrMapOvr>
+</p:sld>
+</file>
+
+<file path=ppt/slides/slide28.xml><?xml version="1.0" encoding="utf-8"?>
+<p:sld xmlns:a="http://schemas.openxmlformats.org/drawingml/2006/main" xmlns:r="http://schemas.openxmlformats.org/officeDocument/2006/relationships" xmlns:p="http://schemas.openxmlformats.org/presentationml/2006/main">
+  <p:cSld>
+    <p:spTree>
+      <p:nvGrpSpPr>
+        <p:cNvPr id="1" name=""/>
+        <p:cNvGrpSpPr/>
+        <p:nvPr/>
+      </p:nvGrpSpPr>
+      <p:grpSpPr>
+        <a:xfrm>
+          <a:off x="0" y="0"/>
+          <a:ext cx="0" cy="0"/>
+          <a:chOff x="0" y="0"/>
+          <a:chExt cx="0" cy="0"/>
+        </a:xfrm>
+      </p:grpSpPr>
+      <p:sp>
+        <p:nvSpPr>
+          <p:cNvPr id="2" name="標題 1">
+            <a:extLst>
+              <a:ext uri="{FF2B5EF4-FFF2-40B4-BE49-F238E27FC236}">
+                <a16:creationId xmlns:a16="http://schemas.microsoft.com/office/drawing/2014/main" id="{FA0E620C-9F23-2AF8-42C2-543FD8E93800}"/>
+              </a:ext>
+            </a:extLst>
+          </p:cNvPr>
+          <p:cNvSpPr>
+            <a:spLocks noGrp="1"/>
+          </p:cNvSpPr>
+          <p:nvPr>
+            <p:ph type="title"/>
+          </p:nvPr>
+        </p:nvSpPr>
+        <p:spPr/>
+        <p:txBody>
+          <a:bodyPr/>
+          <a:lstStyle/>
+          <a:p>
+            <a:pPr algn="ctr"/>
+            <a:r>
+              <a:rPr lang="zh-TW" altLang="en-US" dirty="0"/>
+              <a:t>數位架構</a:t>
+            </a:r>
+          </a:p>
+        </p:txBody>
+      </p:sp>
+      <p:sp>
+        <p:nvSpPr>
+          <p:cNvPr id="3" name="內容版面配置區 2">
+            <a:extLst>
+              <a:ext uri="{FF2B5EF4-FFF2-40B4-BE49-F238E27FC236}">
+                <a16:creationId xmlns:a16="http://schemas.microsoft.com/office/drawing/2014/main" id="{134E4868-8224-3AB5-A489-C7A069BC88F9}"/>
+              </a:ext>
+            </a:extLst>
+          </p:cNvPr>
+          <p:cNvSpPr>
+            <a:spLocks noGrp="1"/>
+          </p:cNvSpPr>
+          <p:nvPr>
+            <p:ph idx="1"/>
+          </p:nvPr>
+        </p:nvSpPr>
+        <p:spPr/>
+        <p:txBody>
+          <a:bodyPr/>
+          <a:lstStyle/>
+          <a:p>
+            <a:pPr marL="0" indent="0">
+              <a:buNone/>
+            </a:pPr>
+            <a:r>
+              <a:rPr lang="zh-TW" altLang="en-US" dirty="0"/>
+              <a:t>目的 </a:t>
+            </a:r>
+            <a:r>
+              <a:rPr lang="en-US" altLang="zh-TW" dirty="0"/>
+              <a:t>:</a:t>
+            </a:r>
+            <a:r>
+              <a:rPr lang="zh-TW" altLang="en-US" dirty="0"/>
+              <a:t> 透過</a:t>
+            </a:r>
+            <a:r>
+              <a:rPr lang="en-US" altLang="zh-TW" dirty="0"/>
+              <a:t>ADC</a:t>
+            </a:r>
+            <a:r>
+              <a:rPr lang="zh-TW" altLang="en-US" dirty="0"/>
+              <a:t> 架構，</a:t>
+            </a:r>
+            <a:r>
+              <a:rPr lang="en-US" altLang="zh-TW" dirty="0"/>
+              <a:t>FW</a:t>
+            </a:r>
+            <a:r>
+              <a:rPr lang="zh-TW" altLang="en-US" dirty="0"/>
+              <a:t>能夠模擬後續硬體處理訊號以及解析訊號的過程</a:t>
+            </a:r>
+          </a:p>
+        </p:txBody>
+      </p:sp>
+    </p:spTree>
+    <p:extLst>
+      <p:ext uri="{BB962C8B-B14F-4D97-AF65-F5344CB8AC3E}">
+        <p14:creationId xmlns:p14="http://schemas.microsoft.com/office/powerpoint/2010/main" val="2463456155"/>
+      </p:ext>
+    </p:extLst>
+  </p:cSld>
+  <p:clrMapOvr>
+    <a:masterClrMapping/>
+  </p:clrMapOvr>
+</p:sld>
+</file>
+
+<file path=ppt/slides/slide29.xml><?xml version="1.0" encoding="utf-8"?>
+<p:sld xmlns:a="http://schemas.openxmlformats.org/drawingml/2006/main" xmlns:r="http://schemas.openxmlformats.org/officeDocument/2006/relationships" xmlns:p="http://schemas.openxmlformats.org/presentationml/2006/main">
+  <p:cSld>
+    <p:spTree>
+      <p:nvGrpSpPr>
+        <p:cNvPr id="1" name=""/>
+        <p:cNvGrpSpPr/>
+        <p:nvPr/>
+      </p:nvGrpSpPr>
+      <p:grpSpPr>
+        <a:xfrm>
+          <a:off x="0" y="0"/>
+          <a:ext cx="0" cy="0"/>
+          <a:chOff x="0" y="0"/>
+          <a:chExt cx="0" cy="0"/>
+        </a:xfrm>
+      </p:grpSpPr>
+      <p:sp>
+        <p:nvSpPr>
+          <p:cNvPr id="2" name="標題 1">
+            <a:extLst>
+              <a:ext uri="{FF2B5EF4-FFF2-40B4-BE49-F238E27FC236}">
                 <a16:creationId xmlns:a16="http://schemas.microsoft.com/office/drawing/2014/main" id="{6287649A-A1A1-AFCF-7EF8-79C4CDDED187}"/>
               </a:ext>
             </a:extLst>
@@ -11311,7 +14823,149 @@
 </p:sld>
 </file>
 
-<file path=ppt/slides/slide27.xml><?xml version="1.0" encoding="utf-8"?>
+<file path=ppt/slides/slide3.xml><?xml version="1.0" encoding="utf-8"?>
+<p:sld xmlns:a="http://schemas.openxmlformats.org/drawingml/2006/main" xmlns:r="http://schemas.openxmlformats.org/officeDocument/2006/relationships" xmlns:p="http://schemas.openxmlformats.org/presentationml/2006/main">
+  <p:cSld>
+    <p:spTree>
+      <p:nvGrpSpPr>
+        <p:cNvPr id="1" name=""/>
+        <p:cNvGrpSpPr/>
+        <p:nvPr/>
+      </p:nvGrpSpPr>
+      <p:grpSpPr>
+        <a:xfrm>
+          <a:off x="0" y="0"/>
+          <a:ext cx="0" cy="0"/>
+          <a:chOff x="0" y="0"/>
+          <a:chExt cx="0" cy="0"/>
+        </a:xfrm>
+      </p:grpSpPr>
+      <p:sp>
+        <p:nvSpPr>
+          <p:cNvPr id="8" name="標題 7">
+            <a:extLst>
+              <a:ext uri="{FF2B5EF4-FFF2-40B4-BE49-F238E27FC236}">
+                <a16:creationId xmlns:a16="http://schemas.microsoft.com/office/drawing/2014/main" id="{C89C01C7-D51F-24CC-4406-0C30F47F2A83}"/>
+              </a:ext>
+            </a:extLst>
+          </p:cNvPr>
+          <p:cNvSpPr>
+            <a:spLocks noGrp="1"/>
+          </p:cNvSpPr>
+          <p:nvPr>
+            <p:ph type="title"/>
+          </p:nvPr>
+        </p:nvSpPr>
+        <p:spPr/>
+        <p:txBody>
+          <a:bodyPr/>
+          <a:lstStyle/>
+          <a:p>
+            <a:pPr algn="ctr"/>
+            <a:r>
+              <a:rPr lang="en-US" altLang="zh-TW" dirty="0"/>
+              <a:t>Project List</a:t>
+            </a:r>
+            <a:endParaRPr lang="zh-TW" altLang="en-US" dirty="0"/>
+          </a:p>
+        </p:txBody>
+      </p:sp>
+      <p:sp>
+        <p:nvSpPr>
+          <p:cNvPr id="9" name="內容版面配置區 8">
+            <a:extLst>
+              <a:ext uri="{FF2B5EF4-FFF2-40B4-BE49-F238E27FC236}">
+                <a16:creationId xmlns:a16="http://schemas.microsoft.com/office/drawing/2014/main" id="{1C2637DA-D6BC-D2D0-6DD8-5FC135EAAB08}"/>
+              </a:ext>
+            </a:extLst>
+          </p:cNvPr>
+          <p:cNvSpPr>
+            <a:spLocks noGrp="1"/>
+          </p:cNvSpPr>
+          <p:nvPr>
+            <p:ph idx="1"/>
+          </p:nvPr>
+        </p:nvSpPr>
+        <p:spPr/>
+        <p:txBody>
+          <a:bodyPr>
+            <a:normAutofit/>
+          </a:bodyPr>
+          <a:lstStyle/>
+          <a:p>
+            <a:pPr marL="457200" indent="-457200">
+              <a:buAutoNum type="arabicPeriod"/>
+            </a:pPr>
+            <a:r>
+              <a:rPr lang="zh-TW" altLang="en-US" sz="2000" dirty="0">
+                <a:hlinkClick r:id="rId3" action="ppaction://hlinksldjump"/>
+              </a:rPr>
+              <a:t>利用硬體的 </a:t>
+            </a:r>
+            <a:r>
+              <a:rPr lang="en-US" altLang="zh-TW" sz="2000" dirty="0">
+                <a:hlinkClick r:id="rId3" action="ppaction://hlinksldjump"/>
+              </a:rPr>
+              <a:t>Debug Port </a:t>
+            </a:r>
+            <a:r>
+              <a:rPr lang="zh-TW" altLang="en-US" sz="2000" dirty="0">
+                <a:hlinkClick r:id="rId3" action="ppaction://hlinksldjump"/>
+              </a:rPr>
+              <a:t>建構 </a:t>
+            </a:r>
+            <a:r>
+              <a:rPr lang="en-US" altLang="zh-TW" sz="2000" dirty="0">
+                <a:hlinkClick r:id="rId3" action="ppaction://hlinksldjump"/>
+              </a:rPr>
+              <a:t>ADC</a:t>
+            </a:r>
+            <a:r>
+              <a:rPr lang="zh-TW" altLang="en-US" sz="2000" dirty="0">
+                <a:hlinkClick r:id="rId3" action="ppaction://hlinksldjump"/>
+              </a:rPr>
+              <a:t> 系統</a:t>
+            </a:r>
+            <a:endParaRPr lang="en-US" altLang="zh-TW" sz="2000" dirty="0">
+              <a:hlinkClick r:id="rId3" action="ppaction://hlinksldjump"/>
+            </a:endParaRPr>
+          </a:p>
+          <a:p>
+            <a:pPr marL="457200" indent="-457200">
+              <a:buAutoNum type="arabicPeriod"/>
+            </a:pPr>
+            <a:endParaRPr lang="en-US" altLang="zh-TW" sz="2000" dirty="0">
+              <a:hlinkClick r:id="rId3" action="ppaction://hlinksldjump"/>
+            </a:endParaRPr>
+          </a:p>
+          <a:p>
+            <a:pPr marL="457200" indent="-457200">
+              <a:buAutoNum type="arabicPeriod"/>
+            </a:pPr>
+            <a:r>
+              <a:rPr lang="zh-TW" altLang="en-US" sz="2000" dirty="0">
+                <a:hlinkClick r:id="rId3" action="ppaction://hlinksldjump"/>
+              </a:rPr>
+              <a:t> </a:t>
+            </a:r>
+            <a:endParaRPr lang="zh-TW" altLang="en-US" sz="2000" dirty="0"/>
+          </a:p>
+        </p:txBody>
+      </p:sp>
+    </p:spTree>
+    <p:extLst>
+      <p:ext uri="{BB962C8B-B14F-4D97-AF65-F5344CB8AC3E}">
+        <p14:creationId xmlns:p14="http://schemas.microsoft.com/office/powerpoint/2010/main" val="2153570441"/>
+      </p:ext>
+    </p:extLst>
+  </p:cSld>
+  <p:clrMapOvr>
+    <a:masterClrMapping/>
+  </p:clrMapOvr>
+</p:sld>
+</file>
+
+<file path=ppt/slides/slide30.xml><?xml version="1.0" encoding="utf-8"?>
 <p:sld xmlns:a="http://schemas.openxmlformats.org/drawingml/2006/main" xmlns:r="http://schemas.openxmlformats.org/officeDocument/2006/relationships" xmlns:p="http://schemas.openxmlformats.org/presentationml/2006/main">
   <p:cSld>
     <p:spTree>
@@ -12650,7 +16304,7 @@
 </p:sld>
 </file>
 
-<file path=ppt/slides/slide28.xml><?xml version="1.0" encoding="utf-8"?>
+<file path=ppt/slides/slide31.xml><?xml version="1.0" encoding="utf-8"?>
 <p:sld xmlns:a="http://schemas.openxmlformats.org/drawingml/2006/main" xmlns:r="http://schemas.openxmlformats.org/officeDocument/2006/relationships" xmlns:p="http://schemas.openxmlformats.org/presentationml/2006/main">
   <p:cSld>
     <p:spTree>
@@ -12787,7 +16441,7 @@
 </p:sld>
 </file>
 
-<file path=ppt/slides/slide29.xml><?xml version="1.0" encoding="utf-8"?>
+<file path=ppt/slides/slide32.xml><?xml version="1.0" encoding="utf-8"?>
 <p:sld xmlns:a="http://schemas.openxmlformats.org/drawingml/2006/main" xmlns:r="http://schemas.openxmlformats.org/officeDocument/2006/relationships" xmlns:p="http://schemas.openxmlformats.org/presentationml/2006/main">
   <p:cSld>
     <p:spTree>
@@ -12879,120 +16533,7 @@
 </p:sld>
 </file>
 
-<file path=ppt/slides/slide3.xml><?xml version="1.0" encoding="utf-8"?>
-<p:sld xmlns:a="http://schemas.openxmlformats.org/drawingml/2006/main" xmlns:r="http://schemas.openxmlformats.org/officeDocument/2006/relationships" xmlns:p="http://schemas.openxmlformats.org/presentationml/2006/main">
-  <p:cSld>
-    <p:spTree>
-      <p:nvGrpSpPr>
-        <p:cNvPr id="1" name=""/>
-        <p:cNvGrpSpPr/>
-        <p:nvPr/>
-      </p:nvGrpSpPr>
-      <p:grpSpPr>
-        <a:xfrm>
-          <a:off x="0" y="0"/>
-          <a:ext cx="0" cy="0"/>
-          <a:chOff x="0" y="0"/>
-          <a:chExt cx="0" cy="0"/>
-        </a:xfrm>
-      </p:grpSpPr>
-      <p:sp>
-        <p:nvSpPr>
-          <p:cNvPr id="8" name="標題 7">
-            <a:extLst>
-              <a:ext uri="{FF2B5EF4-FFF2-40B4-BE49-F238E27FC236}">
-                <a16:creationId xmlns:a16="http://schemas.microsoft.com/office/drawing/2014/main" id="{C89C01C7-D51F-24CC-4406-0C30F47F2A83}"/>
-              </a:ext>
-            </a:extLst>
-          </p:cNvPr>
-          <p:cNvSpPr>
-            <a:spLocks noGrp="1"/>
-          </p:cNvSpPr>
-          <p:nvPr>
-            <p:ph type="title"/>
-          </p:nvPr>
-        </p:nvSpPr>
-        <p:spPr/>
-        <p:txBody>
-          <a:bodyPr/>
-          <a:lstStyle/>
-          <a:p>
-            <a:pPr algn="ctr"/>
-            <a:r>
-              <a:rPr lang="en-US" altLang="zh-TW" dirty="0"/>
-              <a:t>Project List</a:t>
-            </a:r>
-            <a:endParaRPr lang="zh-TW" altLang="en-US" dirty="0"/>
-          </a:p>
-        </p:txBody>
-      </p:sp>
-      <p:sp>
-        <p:nvSpPr>
-          <p:cNvPr id="9" name="內容版面配置區 8">
-            <a:extLst>
-              <a:ext uri="{FF2B5EF4-FFF2-40B4-BE49-F238E27FC236}">
-                <a16:creationId xmlns:a16="http://schemas.microsoft.com/office/drawing/2014/main" id="{1C2637DA-D6BC-D2D0-6DD8-5FC135EAAB08}"/>
-              </a:ext>
-            </a:extLst>
-          </p:cNvPr>
-          <p:cNvSpPr>
-            <a:spLocks noGrp="1"/>
-          </p:cNvSpPr>
-          <p:nvPr>
-            <p:ph idx="1"/>
-          </p:nvPr>
-        </p:nvSpPr>
-        <p:spPr/>
-        <p:txBody>
-          <a:bodyPr>
-            <a:normAutofit/>
-          </a:bodyPr>
-          <a:lstStyle/>
-          <a:p>
-            <a:pPr marL="0" indent="0">
-              <a:buNone/>
-            </a:pPr>
-            <a:r>
-              <a:rPr lang="en-US" altLang="zh-TW" sz="2000" dirty="0"/>
-              <a:t>1. </a:t>
-            </a:r>
-            <a:r>
-              <a:rPr lang="zh-TW" altLang="en-US" sz="2000" dirty="0"/>
-              <a:t>硬體的 </a:t>
-            </a:r>
-            <a:r>
-              <a:rPr lang="en-US" altLang="zh-TW" sz="2000" dirty="0"/>
-              <a:t>Debug Port </a:t>
-            </a:r>
-            <a:r>
-              <a:rPr lang="zh-TW" altLang="en-US" sz="2000" dirty="0"/>
-              <a:t>建構 </a:t>
-            </a:r>
-            <a:r>
-              <a:rPr lang="en-US" altLang="zh-TW" sz="2000" dirty="0"/>
-              <a:t>ADC</a:t>
-            </a:r>
-            <a:r>
-              <a:rPr lang="zh-TW" altLang="en-US" sz="2000" dirty="0"/>
-              <a:t> 系統 </a:t>
-            </a:r>
-          </a:p>
-        </p:txBody>
-      </p:sp>
-    </p:spTree>
-    <p:extLst>
-      <p:ext uri="{BB962C8B-B14F-4D97-AF65-F5344CB8AC3E}">
-        <p14:creationId xmlns:p14="http://schemas.microsoft.com/office/powerpoint/2010/main" val="2153570441"/>
-      </p:ext>
-    </p:extLst>
-  </p:cSld>
-  <p:clrMapOvr>
-    <a:masterClrMapping/>
-  </p:clrMapOvr>
-</p:sld>
-</file>
-
-<file path=ppt/slides/slide30.xml><?xml version="1.0" encoding="utf-8"?>
+<file path=ppt/slides/slide33.xml><?xml version="1.0" encoding="utf-8"?>
 <p:sld xmlns:a="http://schemas.openxmlformats.org/drawingml/2006/main" xmlns:r="http://schemas.openxmlformats.org/officeDocument/2006/relationships" xmlns:p="http://schemas.openxmlformats.org/presentationml/2006/main">
   <p:cSld>
     <p:spTree>
@@ -13529,374 +17070,6 @@
 </p:sld>
 </file>
 
-<file path=ppt/slides/slide31.xml><?xml version="1.0" encoding="utf-8"?>
-<p:sld xmlns:a="http://schemas.openxmlformats.org/drawingml/2006/main" xmlns:r="http://schemas.openxmlformats.org/officeDocument/2006/relationships" xmlns:p="http://schemas.openxmlformats.org/presentationml/2006/main">
-  <p:cSld>
-    <p:spTree>
-      <p:nvGrpSpPr>
-        <p:cNvPr id="1" name=""/>
-        <p:cNvGrpSpPr/>
-        <p:nvPr/>
-      </p:nvGrpSpPr>
-      <p:grpSpPr>
-        <a:xfrm>
-          <a:off x="0" y="0"/>
-          <a:ext cx="0" cy="0"/>
-          <a:chOff x="0" y="0"/>
-          <a:chExt cx="0" cy="0"/>
-        </a:xfrm>
-      </p:grpSpPr>
-      <p:sp>
-        <p:nvSpPr>
-          <p:cNvPr id="2" name="標題 1">
-            <a:extLst>
-              <a:ext uri="{FF2B5EF4-FFF2-40B4-BE49-F238E27FC236}">
-                <a16:creationId xmlns:a16="http://schemas.microsoft.com/office/drawing/2014/main" id="{E32E6CD8-2503-30B7-A4F8-AE84BE484917}"/>
-              </a:ext>
-            </a:extLst>
-          </p:cNvPr>
-          <p:cNvSpPr>
-            <a:spLocks noGrp="1"/>
-          </p:cNvSpPr>
-          <p:nvPr>
-            <p:ph type="title"/>
-          </p:nvPr>
-        </p:nvSpPr>
-        <p:spPr/>
-        <p:txBody>
-          <a:bodyPr/>
-          <a:lstStyle/>
-          <a:p>
-            <a:pPr algn="ctr"/>
-            <a:r>
-              <a:rPr lang="en-US" altLang="zh-TW" dirty="0"/>
-              <a:t>AGC flow</a:t>
-            </a:r>
-            <a:r>
-              <a:rPr lang="zh-TW" altLang="en-US" dirty="0"/>
-              <a:t>架構過程</a:t>
-            </a:r>
-          </a:p>
-        </p:txBody>
-      </p:sp>
-      <p:sp>
-        <p:nvSpPr>
-          <p:cNvPr id="3" name="內容版面配置區 2">
-            <a:extLst>
-              <a:ext uri="{FF2B5EF4-FFF2-40B4-BE49-F238E27FC236}">
-                <a16:creationId xmlns:a16="http://schemas.microsoft.com/office/drawing/2014/main" id="{ED8640AC-FE27-0D8C-6B75-7018404197B3}"/>
-              </a:ext>
-            </a:extLst>
-          </p:cNvPr>
-          <p:cNvSpPr>
-            <a:spLocks noGrp="1"/>
-          </p:cNvSpPr>
-          <p:nvPr>
-            <p:ph idx="1"/>
-          </p:nvPr>
-        </p:nvSpPr>
-        <p:spPr/>
-        <p:txBody>
-          <a:bodyPr/>
-          <a:lstStyle/>
-          <a:p>
-            <a:pPr marL="514350" indent="-514350">
-              <a:buAutoNum type="arabicPeriod"/>
-            </a:pPr>
-            <a:r>
-              <a:rPr lang="zh-TW" altLang="en-US" dirty="0"/>
-              <a:t>前期</a:t>
-            </a:r>
-            <a:r>
-              <a:rPr lang="en-US" altLang="zh-TW" dirty="0"/>
-              <a:t>ISSUE</a:t>
-            </a:r>
-          </a:p>
-          <a:p>
-            <a:pPr marL="514350" indent="-514350">
-              <a:buAutoNum type="arabicPeriod"/>
-            </a:pPr>
-            <a:endParaRPr lang="en-US" altLang="zh-TW" dirty="0"/>
-          </a:p>
-          <a:p>
-            <a:pPr marL="514350" indent="-514350">
-              <a:buAutoNum type="arabicPeriod"/>
-            </a:pPr>
-            <a:r>
-              <a:rPr lang="zh-TW" altLang="en-US" dirty="0"/>
-              <a:t>中後期統計</a:t>
-            </a:r>
-            <a:endParaRPr lang="en-US" altLang="zh-TW" dirty="0"/>
-          </a:p>
-          <a:p>
-            <a:pPr marL="514350" indent="-514350">
-              <a:buAutoNum type="arabicPeriod"/>
-            </a:pPr>
-            <a:endParaRPr lang="en-US" altLang="zh-TW" dirty="0"/>
-          </a:p>
-          <a:p>
-            <a:pPr marL="514350" indent="-514350">
-              <a:buAutoNum type="arabicPeriod"/>
-            </a:pPr>
-            <a:endParaRPr lang="en-US" altLang="zh-TW" dirty="0"/>
-          </a:p>
-          <a:p>
-            <a:pPr marL="514350" indent="-514350">
-              <a:buAutoNum type="arabicPeriod"/>
-            </a:pPr>
-            <a:r>
-              <a:rPr lang="zh-TW" altLang="en-US" dirty="0"/>
-              <a:t>後期完工</a:t>
-            </a:r>
-          </a:p>
-        </p:txBody>
-      </p:sp>
-    </p:spTree>
-    <p:extLst>
-      <p:ext uri="{BB962C8B-B14F-4D97-AF65-F5344CB8AC3E}">
-        <p14:creationId xmlns:p14="http://schemas.microsoft.com/office/powerpoint/2010/main" val="3478487214"/>
-      </p:ext>
-    </p:extLst>
-  </p:cSld>
-  <p:clrMapOvr>
-    <a:masterClrMapping/>
-  </p:clrMapOvr>
-</p:sld>
-</file>
-
-<file path=ppt/slides/slide32.xml><?xml version="1.0" encoding="utf-8"?>
-<p:sld xmlns:a="http://schemas.openxmlformats.org/drawingml/2006/main" xmlns:r="http://schemas.openxmlformats.org/officeDocument/2006/relationships" xmlns:p="http://schemas.openxmlformats.org/presentationml/2006/main">
-  <p:cSld>
-    <p:spTree>
-      <p:nvGrpSpPr>
-        <p:cNvPr id="1" name=""/>
-        <p:cNvGrpSpPr/>
-        <p:nvPr/>
-      </p:nvGrpSpPr>
-      <p:grpSpPr>
-        <a:xfrm>
-          <a:off x="0" y="0"/>
-          <a:ext cx="0" cy="0"/>
-          <a:chOff x="0" y="0"/>
-          <a:chExt cx="0" cy="0"/>
-        </a:xfrm>
-      </p:grpSpPr>
-      <p:sp>
-        <p:nvSpPr>
-          <p:cNvPr id="2" name="標題 1">
-            <a:extLst>
-              <a:ext uri="{FF2B5EF4-FFF2-40B4-BE49-F238E27FC236}">
-                <a16:creationId xmlns:a16="http://schemas.microsoft.com/office/drawing/2014/main" id="{75A8CDCF-D217-9237-F0F3-F03F7A3BC82D}"/>
-              </a:ext>
-            </a:extLst>
-          </p:cNvPr>
-          <p:cNvSpPr>
-            <a:spLocks noGrp="1"/>
-          </p:cNvSpPr>
-          <p:nvPr>
-            <p:ph type="title"/>
-          </p:nvPr>
-        </p:nvSpPr>
-        <p:spPr/>
-        <p:txBody>
-          <a:bodyPr/>
-          <a:lstStyle/>
-          <a:p>
-            <a:endParaRPr lang="zh-TW" altLang="en-US" dirty="0"/>
-          </a:p>
-        </p:txBody>
-      </p:sp>
-      <p:sp>
-        <p:nvSpPr>
-          <p:cNvPr id="3" name="內容版面配置區 2">
-            <a:extLst>
-              <a:ext uri="{FF2B5EF4-FFF2-40B4-BE49-F238E27FC236}">
-                <a16:creationId xmlns:a16="http://schemas.microsoft.com/office/drawing/2014/main" id="{A5250B66-E56F-5AAD-0B99-C4E8E1B221C2}"/>
-              </a:ext>
-            </a:extLst>
-          </p:cNvPr>
-          <p:cNvSpPr>
-            <a:spLocks noGrp="1"/>
-          </p:cNvSpPr>
-          <p:nvPr>
-            <p:ph idx="1"/>
-          </p:nvPr>
-        </p:nvSpPr>
-        <p:spPr/>
-        <p:txBody>
-          <a:bodyPr/>
-          <a:lstStyle/>
-          <a:p>
-            <a:endParaRPr lang="zh-TW" altLang="en-US"/>
-          </a:p>
-        </p:txBody>
-      </p:sp>
-    </p:spTree>
-    <p:extLst>
-      <p:ext uri="{BB962C8B-B14F-4D97-AF65-F5344CB8AC3E}">
-        <p14:creationId xmlns:p14="http://schemas.microsoft.com/office/powerpoint/2010/main" val="2364024188"/>
-      </p:ext>
-    </p:extLst>
-  </p:cSld>
-  <p:clrMapOvr>
-    <a:masterClrMapping/>
-  </p:clrMapOvr>
-</p:sld>
-</file>
-
-<file path=ppt/slides/slide33.xml><?xml version="1.0" encoding="utf-8"?>
-<p:sld xmlns:a="http://schemas.openxmlformats.org/drawingml/2006/main" xmlns:r="http://schemas.openxmlformats.org/officeDocument/2006/relationships" xmlns:p="http://schemas.openxmlformats.org/presentationml/2006/main">
-  <p:cSld>
-    <p:spTree>
-      <p:nvGrpSpPr>
-        <p:cNvPr id="1" name=""/>
-        <p:cNvGrpSpPr/>
-        <p:nvPr/>
-      </p:nvGrpSpPr>
-      <p:grpSpPr>
-        <a:xfrm>
-          <a:off x="0" y="0"/>
-          <a:ext cx="0" cy="0"/>
-          <a:chOff x="0" y="0"/>
-          <a:chExt cx="0" cy="0"/>
-        </a:xfrm>
-      </p:grpSpPr>
-      <p:sp>
-        <p:nvSpPr>
-          <p:cNvPr id="2" name="標題 1">
-            <a:extLst>
-              <a:ext uri="{FF2B5EF4-FFF2-40B4-BE49-F238E27FC236}">
-                <a16:creationId xmlns:a16="http://schemas.microsoft.com/office/drawing/2014/main" id="{02C3FE11-1F15-4971-95B5-34F7811B7E8A}"/>
-              </a:ext>
-            </a:extLst>
-          </p:cNvPr>
-          <p:cNvSpPr>
-            <a:spLocks noGrp="1"/>
-          </p:cNvSpPr>
-          <p:nvPr>
-            <p:ph type="title"/>
-          </p:nvPr>
-        </p:nvSpPr>
-        <p:spPr/>
-        <p:txBody>
-          <a:bodyPr/>
-          <a:lstStyle/>
-          <a:p>
-            <a:pPr algn="ctr"/>
-            <a:r>
-              <a:rPr lang="en-US" altLang="zh-TW" dirty="0"/>
-              <a:t>Color </a:t>
-            </a:r>
-            <a:r>
-              <a:rPr lang="en-US" altLang="zh-TW" dirty="0" err="1"/>
-              <a:t>Pikcing</a:t>
-            </a:r>
-            <a:r>
-              <a:rPr lang="en-US" altLang="zh-TW" dirty="0"/>
-              <a:t> Project</a:t>
-            </a:r>
-            <a:endParaRPr lang="zh-TW" altLang="en-US" dirty="0"/>
-          </a:p>
-        </p:txBody>
-      </p:sp>
-      <p:sp>
-        <p:nvSpPr>
-          <p:cNvPr id="3" name="內容版面配置區 2">
-            <a:extLst>
-              <a:ext uri="{FF2B5EF4-FFF2-40B4-BE49-F238E27FC236}">
-                <a16:creationId xmlns:a16="http://schemas.microsoft.com/office/drawing/2014/main" id="{5C2571F1-765B-42C3-8AAC-2A8441E0FBA0}"/>
-              </a:ext>
-            </a:extLst>
-          </p:cNvPr>
-          <p:cNvSpPr>
-            <a:spLocks noGrp="1"/>
-          </p:cNvSpPr>
-          <p:nvPr>
-            <p:ph idx="1"/>
-          </p:nvPr>
-        </p:nvSpPr>
-        <p:spPr/>
-        <p:txBody>
-          <a:bodyPr/>
-          <a:lstStyle/>
-          <a:p>
-            <a:pPr marL="457200" lvl="1" indent="0">
-              <a:lnSpc>
-                <a:spcPct val="150000"/>
-              </a:lnSpc>
-              <a:buNone/>
-            </a:pPr>
-            <a:r>
-              <a:rPr lang="zh-TW" altLang="en-US" sz="2800" dirty="0">
-                <a:solidFill>
-                  <a:srgbClr val="FF0000"/>
-                </a:solidFill>
-              </a:rPr>
-              <a:t>目的</a:t>
-            </a:r>
-            <a:r>
-              <a:rPr lang="zh-TW" altLang="en-US" dirty="0"/>
-              <a:t> </a:t>
-            </a:r>
-            <a:r>
-              <a:rPr lang="en-US" altLang="zh-TW" dirty="0"/>
-              <a:t>:</a:t>
-            </a:r>
-            <a:r>
-              <a:rPr lang="zh-TW" altLang="en-US" dirty="0"/>
-              <a:t>  按壓</a:t>
-            </a:r>
-            <a:r>
-              <a:rPr lang="en-US" altLang="zh-TW" dirty="0"/>
-              <a:t>Color Sensor</a:t>
-            </a:r>
-            <a:r>
-              <a:rPr lang="zh-TW" altLang="en-US" dirty="0"/>
-              <a:t>選擇顏色、並透過筆在</a:t>
-            </a:r>
-            <a:r>
-              <a:rPr lang="en-US" altLang="zh-TW" dirty="0"/>
-              <a:t>Host</a:t>
-            </a:r>
-            <a:r>
-              <a:rPr lang="zh-TW" altLang="en-US" dirty="0"/>
-              <a:t>上畫出對應的顏色</a:t>
-            </a:r>
-            <a:endParaRPr lang="en-US" altLang="zh-TW" dirty="0"/>
-          </a:p>
-          <a:p>
-            <a:pPr marL="457200" lvl="1" indent="0">
-              <a:lnSpc>
-                <a:spcPct val="150000"/>
-              </a:lnSpc>
-              <a:buNone/>
-            </a:pPr>
-            <a:endParaRPr lang="en-US" altLang="zh-TW" dirty="0"/>
-          </a:p>
-          <a:p>
-            <a:pPr marL="457200" lvl="1" indent="0">
-              <a:lnSpc>
-                <a:spcPct val="150000"/>
-              </a:lnSpc>
-              <a:buNone/>
-            </a:pPr>
-            <a:endParaRPr lang="en-US" altLang="zh-TW" dirty="0"/>
-          </a:p>
-        </p:txBody>
-      </p:sp>
-    </p:spTree>
-    <p:extLst>
-      <p:ext uri="{BB962C8B-B14F-4D97-AF65-F5344CB8AC3E}">
-        <p14:creationId xmlns:p14="http://schemas.microsoft.com/office/powerpoint/2010/main" val="263751651"/>
-      </p:ext>
-    </p:extLst>
-  </p:cSld>
-  <p:clrMapOvr>
-    <a:masterClrMapping/>
-  </p:clrMapOvr>
-</p:sld>
-</file>
-
 <file path=ppt/slides/slide34.xml><?xml version="1.0" encoding="utf-8"?>
 <p:sld xmlns:a="http://schemas.openxmlformats.org/drawingml/2006/main" xmlns:r="http://schemas.openxmlformats.org/officeDocument/2006/relationships" xmlns:p="http://schemas.openxmlformats.org/presentationml/2006/main">
   <p:cSld>
@@ -13919,7 +17092,7 @@
           <p:cNvPr id="2" name="標題 1">
             <a:extLst>
               <a:ext uri="{FF2B5EF4-FFF2-40B4-BE49-F238E27FC236}">
-                <a16:creationId xmlns:a16="http://schemas.microsoft.com/office/drawing/2014/main" id="{36663CA0-2783-4A34-8C5A-24686BD0A02B}"/>
+                <a16:creationId xmlns:a16="http://schemas.microsoft.com/office/drawing/2014/main" id="{E32E6CD8-2503-30B7-A4F8-AE84BE484917}"/>
               </a:ext>
             </a:extLst>
           </p:cNvPr>
@@ -13937,8 +17110,12 @@
           <a:p>
             <a:pPr algn="ctr"/>
             <a:r>
+              <a:rPr lang="en-US" altLang="zh-TW" dirty="0"/>
+              <a:t>AGC flow</a:t>
+            </a:r>
+            <a:r>
               <a:rPr lang="zh-TW" altLang="en-US" dirty="0"/>
-              <a:t>主要遇到的問題</a:t>
+              <a:t>架構過程</a:t>
             </a:r>
           </a:p>
         </p:txBody>
@@ -13948,7 +17125,7 @@
           <p:cNvPr id="3" name="內容版面配置區 2">
             <a:extLst>
               <a:ext uri="{FF2B5EF4-FFF2-40B4-BE49-F238E27FC236}">
-                <a16:creationId xmlns:a16="http://schemas.microsoft.com/office/drawing/2014/main" id="{4EB3A3B7-3819-4E07-A5DF-C15C993A0B95}"/>
+                <a16:creationId xmlns:a16="http://schemas.microsoft.com/office/drawing/2014/main" id="{ED8640AC-FE27-0D8C-6B75-7018404197B3}"/>
               </a:ext>
             </a:extLst>
           </p:cNvPr>
@@ -13964,22 +17141,17 @@
           <a:bodyPr/>
           <a:lstStyle/>
           <a:p>
-            <a:pPr marL="0" indent="0">
-              <a:buNone/>
+            <a:pPr marL="514350" indent="-514350">
+              <a:buAutoNum type="arabicPeriod"/>
             </a:pPr>
             <a:r>
-              <a:rPr lang="zh-TW" altLang="en-US" dirty="0">
-                <a:solidFill>
-                  <a:schemeClr val="accent1"/>
-                </a:solidFill>
-              </a:rPr>
-              <a:t>問題</a:t>
-            </a:r>
-            <a:endParaRPr lang="en-US" altLang="zh-TW" dirty="0">
-              <a:solidFill>
-                <a:schemeClr val="accent1"/>
-              </a:solidFill>
-            </a:endParaRPr>
+              <a:rPr lang="zh-TW" altLang="en-US" dirty="0"/>
+              <a:t>前期</a:t>
+            </a:r>
+            <a:r>
+              <a:rPr lang="en-US" altLang="zh-TW" dirty="0"/>
+              <a:t>ISSUE</a:t>
+            </a:r>
           </a:p>
           <a:p>
             <a:pPr marL="514350" indent="-514350">
@@ -13992,124 +17164,32 @@
               <a:buAutoNum type="arabicPeriod"/>
             </a:pPr>
             <a:r>
-              <a:rPr lang="zh-TW" altLang="en-US" sz="2400" dirty="0">
-                <a:hlinkClick r:id="rId3" action="ppaction://hlinksldjump"/>
-              </a:rPr>
-              <a:t>傳輸問題 </a:t>
-            </a:r>
-            <a:r>
-              <a:rPr lang="en-US" altLang="zh-TW" sz="2400" dirty="0"/>
-              <a:t>:</a:t>
-            </a:r>
-            <a:r>
-              <a:rPr lang="zh-TW" altLang="en-US" sz="2400" dirty="0"/>
-              <a:t> </a:t>
-            </a:r>
-            <a:endParaRPr lang="en-US" altLang="zh-TW" sz="2400" dirty="0"/>
-          </a:p>
-          <a:p>
-            <a:pPr marL="457200" lvl="1" indent="0">
-              <a:buNone/>
+              <a:rPr lang="zh-TW" altLang="en-US" dirty="0"/>
+              <a:t>中後期統計</a:t>
+            </a:r>
+            <a:endParaRPr lang="en-US" altLang="zh-TW" dirty="0"/>
+          </a:p>
+          <a:p>
+            <a:pPr marL="514350" indent="-514350">
+              <a:buAutoNum type="arabicPeriod"/>
             </a:pPr>
-            <a:r>
-              <a:rPr lang="en-US" altLang="zh-TW" sz="2000" dirty="0"/>
-              <a:t>1.  Set UART</a:t>
-            </a:r>
-            <a:r>
-              <a:rPr lang="zh-TW" altLang="en-US" sz="2000" dirty="0"/>
-              <a:t> </a:t>
-            </a:r>
-            <a:r>
-              <a:rPr lang="en-US" altLang="zh-TW" sz="2000" dirty="0"/>
-              <a:t>RX</a:t>
-            </a:r>
-            <a:r>
-              <a:rPr lang="zh-TW" altLang="en-US" sz="2000" dirty="0"/>
-              <a:t> </a:t>
-            </a:r>
-            <a:r>
-              <a:rPr lang="en-US" altLang="zh-TW" sz="2000" dirty="0"/>
-              <a:t>Setting </a:t>
-            </a:r>
-            <a:r>
-              <a:rPr lang="zh-TW" altLang="en-US" sz="2000" dirty="0"/>
-              <a:t>以及 </a:t>
-            </a:r>
-            <a:r>
-              <a:rPr lang="en-US" altLang="zh-TW" sz="2000" dirty="0"/>
-              <a:t>Flow </a:t>
-            </a:r>
-            <a:r>
-              <a:rPr lang="zh-TW" altLang="en-US" sz="2000" dirty="0"/>
-              <a:t>規劃</a:t>
-            </a:r>
-            <a:endParaRPr lang="en-US" altLang="zh-TW" sz="2000" dirty="0"/>
-          </a:p>
-          <a:p>
-            <a:pPr marL="0" indent="0">
-              <a:buNone/>
+            <a:endParaRPr lang="en-US" altLang="zh-TW" dirty="0"/>
+          </a:p>
+          <a:p>
+            <a:pPr marL="514350" indent="-514350">
+              <a:buAutoNum type="arabicPeriod"/>
             </a:pPr>
-            <a:endParaRPr lang="en-US" altLang="zh-TW" sz="2400" dirty="0"/>
-          </a:p>
-          <a:p>
-            <a:pPr marL="457200" indent="-457200">
-              <a:buAutoNum type="arabicPeriod" startAt="2"/>
-            </a:pPr>
-            <a:r>
-              <a:rPr lang="zh-TW" altLang="en-US" sz="2400" dirty="0">
-                <a:hlinkClick r:id="rId4" action="ppaction://hlinksldjump"/>
-              </a:rPr>
-              <a:t>最接近顏色</a:t>
-            </a:r>
-            <a:r>
-              <a:rPr lang="en-US" altLang="zh-TW" sz="2400" dirty="0"/>
-              <a:t>:</a:t>
-            </a:r>
-          </a:p>
-          <a:p>
-            <a:pPr marL="914400" lvl="1" indent="-457200">
-              <a:buAutoNum type="arabicPeriod" startAt="2"/>
-            </a:pPr>
-            <a:r>
-              <a:rPr lang="zh-TW" altLang="en-US" sz="2000" dirty="0"/>
-              <a:t>筆的</a:t>
-            </a:r>
-            <a:r>
-              <a:rPr lang="en-US" altLang="zh-TW" sz="2000" dirty="0" err="1"/>
-              <a:t>Protocal</a:t>
-            </a:r>
-            <a:r>
-              <a:rPr lang="en-US" altLang="zh-TW" sz="2000" dirty="0"/>
-              <a:t> </a:t>
-            </a:r>
-            <a:r>
-              <a:rPr lang="zh-TW" altLang="en-US" sz="2000" dirty="0"/>
-              <a:t>定義的顏色只佔</a:t>
-            </a:r>
-            <a:r>
-              <a:rPr lang="en-US" altLang="zh-TW" sz="2000" dirty="0"/>
-              <a:t>RGB</a:t>
-            </a:r>
-            <a:r>
-              <a:rPr lang="zh-TW" altLang="en-US" sz="2000" dirty="0"/>
-              <a:t>裡面</a:t>
-            </a:r>
-            <a:r>
-              <a:rPr lang="en-US" altLang="zh-TW" sz="2000" dirty="0"/>
-              <a:t>200</a:t>
-            </a:r>
-            <a:r>
-              <a:rPr lang="zh-TW" altLang="en-US" sz="2000" dirty="0"/>
-              <a:t>多個</a:t>
-            </a:r>
-            <a:endParaRPr lang="en-US" altLang="zh-TW" dirty="0"/>
+            <a:r>
+              <a:rPr lang="zh-TW" altLang="en-US" dirty="0"/>
+              <a:t>後期完工</a:t>
+            </a:r>
           </a:p>
         </p:txBody>
       </p:sp>
     </p:spTree>
     <p:extLst>
       <p:ext uri="{BB962C8B-B14F-4D97-AF65-F5344CB8AC3E}">
-        <p14:creationId xmlns:p14="http://schemas.microsoft.com/office/powerpoint/2010/main" val="2576856385"/>
+        <p14:creationId xmlns:p14="http://schemas.microsoft.com/office/powerpoint/2010/main" val="3478487214"/>
       </p:ext>
     </p:extLst>
   </p:cSld>
@@ -14141,7 +17221,7 @@
           <p:cNvPr id="2" name="標題 1">
             <a:extLst>
               <a:ext uri="{FF2B5EF4-FFF2-40B4-BE49-F238E27FC236}">
-                <a16:creationId xmlns:a16="http://schemas.microsoft.com/office/drawing/2014/main" id="{FEDEBC06-C75E-5899-979E-C29912B4A68E}"/>
+                <a16:creationId xmlns:a16="http://schemas.microsoft.com/office/drawing/2014/main" id="{75A8CDCF-D217-9237-F0F3-F03F7A3BC82D}"/>
               </a:ext>
             </a:extLst>
           </p:cNvPr>
@@ -14157,11 +17237,6 @@
           <a:bodyPr/>
           <a:lstStyle/>
           <a:p>
-            <a:pPr algn="ctr"/>
-            <a:r>
-              <a:rPr lang="en-US" altLang="zh-TW" dirty="0"/>
-              <a:t>UART RX Setting</a:t>
-            </a:r>
             <a:endParaRPr lang="zh-TW" altLang="en-US" dirty="0"/>
           </a:p>
         </p:txBody>
@@ -14171,7 +17246,7 @@
           <p:cNvPr id="3" name="內容版面配置區 2">
             <a:extLst>
               <a:ext uri="{FF2B5EF4-FFF2-40B4-BE49-F238E27FC236}">
-                <a16:creationId xmlns:a16="http://schemas.microsoft.com/office/drawing/2014/main" id="{D33F5725-65BC-FF79-0EEB-A34DF7904932}"/>
+                <a16:creationId xmlns:a16="http://schemas.microsoft.com/office/drawing/2014/main" id="{A5250B66-E56F-5AAD-0B99-C4E8E1B221C2}"/>
               </a:ext>
             </a:extLst>
           </p:cNvPr>
@@ -14184,79 +17259,17 @@
         </p:nvSpPr>
         <p:spPr/>
         <p:txBody>
-          <a:bodyPr>
-            <a:normAutofit/>
-          </a:bodyPr>
-          <a:lstStyle/>
-          <a:p>
-            <a:pPr marL="514350" indent="-514350">
-              <a:buAutoNum type="arabicPeriod"/>
-            </a:pPr>
-            <a:r>
-              <a:rPr lang="en-US" altLang="zh-TW" sz="2000" dirty="0"/>
-              <a:t>UART</a:t>
-            </a:r>
-            <a:r>
-              <a:rPr lang="zh-TW" altLang="en-US" sz="2000" dirty="0"/>
-              <a:t> </a:t>
-            </a:r>
-            <a:r>
-              <a:rPr lang="en-US" altLang="zh-TW" sz="2000" dirty="0"/>
-              <a:t>RX</a:t>
-            </a:r>
-            <a:r>
-              <a:rPr lang="zh-TW" altLang="en-US" sz="2000" dirty="0"/>
-              <a:t> 使用</a:t>
-            </a:r>
-            <a:r>
-              <a:rPr lang="en-US" altLang="zh-TW" sz="2000" dirty="0"/>
-              <a:t>FIFO</a:t>
-            </a:r>
-            <a:r>
-              <a:rPr lang="zh-TW" altLang="en-US" sz="2000" dirty="0"/>
-              <a:t> 架構、這個</a:t>
-            </a:r>
-            <a:r>
-              <a:rPr lang="en-US" altLang="zh-TW" sz="2000" dirty="0"/>
-              <a:t>FIFO</a:t>
-            </a:r>
-            <a:r>
-              <a:rPr lang="zh-TW" altLang="en-US" sz="2000" dirty="0"/>
-              <a:t>架構是被封裝過。</a:t>
-            </a:r>
-            <a:endParaRPr lang="en-US" altLang="zh-TW" sz="2000" dirty="0"/>
-          </a:p>
-          <a:p>
-            <a:pPr marL="514350" indent="-514350">
-              <a:buAutoNum type="arabicPeriod"/>
-            </a:pPr>
-            <a:endParaRPr lang="en-US" altLang="zh-TW" sz="2000" dirty="0"/>
-          </a:p>
-          <a:p>
-            <a:pPr marL="514350" indent="-514350">
-              <a:buAutoNum type="arabicPeriod"/>
-            </a:pPr>
-            <a:endParaRPr lang="en-US" altLang="zh-TW" sz="2000" dirty="0"/>
-          </a:p>
-          <a:p>
-            <a:pPr marL="514350" indent="-514350">
-              <a:buAutoNum type="arabicPeriod"/>
-            </a:pPr>
-            <a:r>
-              <a:rPr lang="en-US" altLang="zh-TW" sz="2000" dirty="0"/>
-              <a:t>UART RX</a:t>
-            </a:r>
-            <a:r>
-              <a:rPr lang="zh-TW" altLang="en-US" sz="2000" dirty="0"/>
-              <a:t> 中斷硬體設計</a:t>
-            </a:r>
+          <a:bodyPr/>
+          <a:lstStyle/>
+          <a:p>
+            <a:endParaRPr lang="zh-TW" altLang="en-US"/>
           </a:p>
         </p:txBody>
       </p:sp>
     </p:spTree>
     <p:extLst>
       <p:ext uri="{BB962C8B-B14F-4D97-AF65-F5344CB8AC3E}">
-        <p14:creationId xmlns:p14="http://schemas.microsoft.com/office/powerpoint/2010/main" val="3743749783"/>
+        <p14:creationId xmlns:p14="http://schemas.microsoft.com/office/powerpoint/2010/main" val="2364024188"/>
       </p:ext>
     </p:extLst>
   </p:cSld>
@@ -14288,7 +17301,7 @@
           <p:cNvPr id="2" name="標題 1">
             <a:extLst>
               <a:ext uri="{FF2B5EF4-FFF2-40B4-BE49-F238E27FC236}">
-                <a16:creationId xmlns:a16="http://schemas.microsoft.com/office/drawing/2014/main" id="{FEDEBC06-C75E-5899-979E-C29912B4A68E}"/>
+                <a16:creationId xmlns:a16="http://schemas.microsoft.com/office/drawing/2014/main" id="{02C3FE11-1F15-4971-95B5-34F7811B7E8A}"/>
               </a:ext>
             </a:extLst>
           </p:cNvPr>
@@ -14307,7 +17320,15 @@
             <a:pPr algn="ctr"/>
             <a:r>
               <a:rPr lang="en-US" altLang="zh-TW" dirty="0"/>
-              <a:t>UART RX Setting</a:t>
+              <a:t>Color </a:t>
+            </a:r>
+            <a:r>
+              <a:rPr lang="en-US" altLang="zh-TW" dirty="0" err="1"/>
+              <a:t>Pikcing</a:t>
+            </a:r>
+            <a:r>
+              <a:rPr lang="en-US" altLang="zh-TW" dirty="0"/>
+              <a:t> Project</a:t>
             </a:r>
             <a:endParaRPr lang="zh-TW" altLang="en-US" dirty="0"/>
           </a:p>
@@ -14318,7 +17339,7 @@
           <p:cNvPr id="3" name="內容版面配置區 2">
             <a:extLst>
               <a:ext uri="{FF2B5EF4-FFF2-40B4-BE49-F238E27FC236}">
-                <a16:creationId xmlns:a16="http://schemas.microsoft.com/office/drawing/2014/main" id="{D33F5725-65BC-FF79-0EEB-A34DF7904932}"/>
+                <a16:creationId xmlns:a16="http://schemas.microsoft.com/office/drawing/2014/main" id="{5C2571F1-765B-42C3-8AAC-2A8441E0FBA0}"/>
               </a:ext>
             </a:extLst>
           </p:cNvPr>
@@ -14331,66 +17352,77 @@
         </p:nvSpPr>
         <p:spPr/>
         <p:txBody>
-          <a:bodyPr>
-            <a:normAutofit/>
-          </a:bodyPr>
-          <a:lstStyle/>
-          <a:p>
-            <a:pPr marL="0" indent="0">
+          <a:bodyPr/>
+          <a:lstStyle/>
+          <a:p>
+            <a:pPr marL="457200" lvl="1" indent="0">
+              <a:lnSpc>
+                <a:spcPct val="150000"/>
+              </a:lnSpc>
               <a:buNone/>
             </a:pPr>
             <a:r>
-              <a:rPr lang="zh-TW" altLang="en-US" sz="2000" dirty="0"/>
-              <a:t>總結 </a:t>
-            </a:r>
-            <a:r>
-              <a:rPr lang="en-US" altLang="zh-TW" sz="2000" dirty="0"/>
+              <a:rPr lang="zh-TW" altLang="en-US" sz="2800" dirty="0">
+                <a:solidFill>
+                  <a:srgbClr val="FF0000"/>
+                </a:solidFill>
+              </a:rPr>
+              <a:t>目的</a:t>
+            </a:r>
+            <a:r>
+              <a:rPr lang="zh-TW" altLang="en-US" dirty="0"/>
+              <a:t> </a:t>
+            </a:r>
+            <a:r>
+              <a:rPr lang="en-US" altLang="zh-TW" dirty="0"/>
               <a:t>:</a:t>
             </a:r>
             <a:r>
-              <a:rPr lang="zh-TW" altLang="en-US" sz="2000" dirty="0"/>
-              <a:t> </a:t>
-            </a:r>
-            <a:r>
-              <a:rPr lang="en-US" altLang="zh-TW" sz="2000" dirty="0"/>
-              <a:t> </a:t>
-            </a:r>
-            <a:r>
-              <a:rPr lang="zh-TW" altLang="en-US" sz="2000" dirty="0"/>
-              <a:t>由於使用情況是使用者隨時可能會去觸動後發</a:t>
-            </a:r>
-            <a:r>
-              <a:rPr lang="en-US" altLang="zh-TW" sz="2000" dirty="0"/>
-              <a:t>Sensor</a:t>
-            </a:r>
-            <a:r>
-              <a:rPr lang="zh-TW" altLang="en-US" sz="2000" dirty="0"/>
-              <a:t>、筆本身還要</a:t>
-            </a:r>
-            <a:r>
-              <a:rPr lang="en-US" altLang="zh-TW" sz="2000" dirty="0"/>
-              <a:t>Decode </a:t>
-            </a:r>
-            <a:r>
-              <a:rPr lang="zh-TW" altLang="en-US" sz="2000" dirty="0"/>
-              <a:t>訊號，因此中斷是最佳方法，</a:t>
-            </a:r>
-            <a:r>
-              <a:rPr lang="en-US" altLang="zh-TW" sz="2000" dirty="0"/>
-              <a:t>Polling </a:t>
-            </a:r>
-            <a:r>
-              <a:rPr lang="zh-TW" altLang="en-US" sz="2000" dirty="0"/>
-              <a:t>去偵測就不是好方法並且耗電</a:t>
-            </a:r>
-            <a:endParaRPr lang="en-US" altLang="zh-TW" sz="2000" dirty="0"/>
+              <a:rPr lang="zh-TW" altLang="en-US" dirty="0"/>
+              <a:t>  按壓</a:t>
+            </a:r>
+            <a:r>
+              <a:rPr lang="en-US" altLang="zh-TW" dirty="0"/>
+              <a:t>Color Sensor</a:t>
+            </a:r>
+            <a:r>
+              <a:rPr lang="zh-TW" altLang="en-US" dirty="0"/>
+              <a:t>選擇顏色、並透過筆在</a:t>
+            </a:r>
+            <a:r>
+              <a:rPr lang="en-US" altLang="zh-TW" dirty="0"/>
+              <a:t>Host</a:t>
+            </a:r>
+            <a:r>
+              <a:rPr lang="zh-TW" altLang="en-US" dirty="0"/>
+              <a:t>上畫出對應的顏色</a:t>
+            </a:r>
+            <a:endParaRPr lang="en-US" altLang="zh-TW" dirty="0"/>
+          </a:p>
+          <a:p>
+            <a:pPr marL="457200" lvl="1" indent="0">
+              <a:lnSpc>
+                <a:spcPct val="150000"/>
+              </a:lnSpc>
+              <a:buNone/>
+            </a:pPr>
+            <a:endParaRPr lang="en-US" altLang="zh-TW" dirty="0"/>
+          </a:p>
+          <a:p>
+            <a:pPr marL="457200" lvl="1" indent="0">
+              <a:lnSpc>
+                <a:spcPct val="150000"/>
+              </a:lnSpc>
+              <a:buNone/>
+            </a:pPr>
+            <a:endParaRPr lang="en-US" altLang="zh-TW" dirty="0"/>
           </a:p>
         </p:txBody>
       </p:sp>
     </p:spTree>
     <p:extLst>
       <p:ext uri="{BB962C8B-B14F-4D97-AF65-F5344CB8AC3E}">
-        <p14:creationId xmlns:p14="http://schemas.microsoft.com/office/powerpoint/2010/main" val="1764172780"/>
+        <p14:creationId xmlns:p14="http://schemas.microsoft.com/office/powerpoint/2010/main" val="263751651"/>
       </p:ext>
     </p:extLst>
   </p:cSld>
@@ -14422,7 +17454,7 @@
           <p:cNvPr id="2" name="標題 1">
             <a:extLst>
               <a:ext uri="{FF2B5EF4-FFF2-40B4-BE49-F238E27FC236}">
-                <a16:creationId xmlns:a16="http://schemas.microsoft.com/office/drawing/2014/main" id="{DCAF803D-3CAB-3E11-8A90-4D5310A3A5EA}"/>
+                <a16:creationId xmlns:a16="http://schemas.microsoft.com/office/drawing/2014/main" id="{36663CA0-2783-4A34-8C5A-24686BD0A02B}"/>
               </a:ext>
             </a:extLst>
           </p:cNvPr>
@@ -14440,10 +17472,9 @@
           <a:p>
             <a:pPr algn="ctr"/>
             <a:r>
-              <a:rPr lang="en-US" altLang="zh-TW" dirty="0"/>
-              <a:t>UART RX Setting</a:t>
-            </a:r>
-            <a:endParaRPr lang="zh-TW" altLang="en-US" dirty="0"/>
+              <a:rPr lang="zh-TW" altLang="en-US" dirty="0"/>
+              <a:t>主要遇到的問題</a:t>
+            </a:r>
           </a:p>
         </p:txBody>
       </p:sp>
@@ -14452,7 +17483,7 @@
           <p:cNvPr id="3" name="內容版面配置區 2">
             <a:extLst>
               <a:ext uri="{FF2B5EF4-FFF2-40B4-BE49-F238E27FC236}">
-                <a16:creationId xmlns:a16="http://schemas.microsoft.com/office/drawing/2014/main" id="{3B1B8A68-518A-9A03-2325-0016A63D6547}"/>
+                <a16:creationId xmlns:a16="http://schemas.microsoft.com/office/drawing/2014/main" id="{4EB3A3B7-3819-4E07-A5DF-C15C993A0B95}"/>
               </a:ext>
             </a:extLst>
           </p:cNvPr>
@@ -14477,139 +17508,143 @@
                   <a:schemeClr val="accent1"/>
                 </a:solidFill>
               </a:rPr>
-              <a:t>過程中遇到最大問題 </a:t>
-            </a:r>
-            <a:r>
-              <a:rPr lang="en-US" altLang="zh-TW" dirty="0">
-                <a:solidFill>
-                  <a:schemeClr val="accent1"/>
-                </a:solidFill>
+              <a:t>問題</a:t>
+            </a:r>
+            <a:endParaRPr lang="en-US" altLang="zh-TW" dirty="0">
+              <a:solidFill>
+                <a:schemeClr val="accent1"/>
+              </a:solidFill>
+            </a:endParaRPr>
+          </a:p>
+          <a:p>
+            <a:pPr marL="514350" indent="-514350">
+              <a:buAutoNum type="arabicPeriod"/>
+            </a:pPr>
+            <a:endParaRPr lang="en-US" altLang="zh-TW" dirty="0"/>
+          </a:p>
+          <a:p>
+            <a:pPr marL="514350" indent="-514350">
+              <a:buAutoNum type="arabicPeriod"/>
+            </a:pPr>
+            <a:r>
+              <a:rPr lang="zh-TW" altLang="en-US" sz="2400" dirty="0">
+                <a:hlinkClick r:id="rId3" action="ppaction://hlinksldjump"/>
               </a:rPr>
-              <a:t>: </a:t>
-            </a:r>
+              <a:t>傳輸問題 </a:t>
+            </a:r>
+            <a:r>
+              <a:rPr lang="en-US" altLang="zh-TW" sz="2400" dirty="0"/>
+              <a:t>:</a:t>
+            </a:r>
+            <a:r>
+              <a:rPr lang="zh-TW" altLang="en-US" sz="2400" dirty="0"/>
+              <a:t> </a:t>
+            </a:r>
+            <a:endParaRPr lang="en-US" altLang="zh-TW" sz="2400" dirty="0"/>
+          </a:p>
+          <a:p>
+            <a:pPr marL="457200" lvl="1" indent="0">
+              <a:buNone/>
+            </a:pPr>
+            <a:r>
+              <a:rPr lang="en-US" altLang="zh-TW" sz="2000" dirty="0"/>
+              <a:t>1.  Set UART</a:t>
+            </a:r>
+            <a:r>
+              <a:rPr lang="zh-TW" altLang="en-US" sz="2000" dirty="0"/>
+              <a:t> </a:t>
+            </a:r>
+            <a:r>
+              <a:rPr lang="en-US" altLang="zh-TW" sz="2000" dirty="0"/>
+              <a:t>RX</a:t>
+            </a:r>
+            <a:r>
+              <a:rPr lang="zh-TW" altLang="en-US" sz="2000" dirty="0"/>
+              <a:t> </a:t>
+            </a:r>
+            <a:r>
+              <a:rPr lang="en-US" altLang="zh-TW" sz="2000" dirty="0"/>
+              <a:t>Setting </a:t>
+            </a:r>
+            <a:r>
+              <a:rPr lang="zh-TW" altLang="en-US" sz="2000" dirty="0"/>
+              <a:t>以及 </a:t>
+            </a:r>
+            <a:r>
+              <a:rPr lang="en-US" altLang="zh-TW" sz="2000" dirty="0"/>
+              <a:t>Flow </a:t>
+            </a:r>
+            <a:r>
+              <a:rPr lang="zh-TW" altLang="en-US" sz="2000" dirty="0"/>
+              <a:t>規劃</a:t>
+            </a:r>
+            <a:endParaRPr lang="en-US" altLang="zh-TW" sz="2000" dirty="0"/>
           </a:p>
           <a:p>
             <a:pPr marL="0" indent="0">
               <a:buNone/>
             </a:pPr>
-            <a:r>
-              <a:rPr lang="zh-TW" altLang="en-US" sz="2400" dirty="0"/>
-              <a:t>收完</a:t>
+            <a:endParaRPr lang="en-US" altLang="zh-TW" sz="2400" dirty="0"/>
+          </a:p>
+          <a:p>
+            <a:pPr marL="457200" indent="-457200">
+              <a:buAutoNum type="arabicPeriod" startAt="2"/>
+            </a:pPr>
+            <a:r>
+              <a:rPr lang="zh-TW" altLang="en-US" sz="2400" dirty="0">
+                <a:hlinkClick r:id="rId4" action="ppaction://hlinksldjump"/>
+              </a:rPr>
+              <a:t>最接近顏色</a:t>
             </a:r>
             <a:r>
               <a:rPr lang="en-US" altLang="zh-TW" sz="2400" dirty="0"/>
-              <a:t>Sensor Data</a:t>
-            </a:r>
-            <a:r>
-              <a:rPr lang="zh-TW" altLang="en-US" sz="2400" dirty="0"/>
-              <a:t>後，顯示資料卻有漏東漏西</a:t>
-            </a:r>
-            <a:endParaRPr lang="en-US" altLang="zh-TW" sz="2400" dirty="0"/>
-          </a:p>
-          <a:p>
-            <a:pPr marL="0" indent="0">
-              <a:buNone/>
+              <a:t>:</a:t>
+            </a:r>
+          </a:p>
+          <a:p>
+            <a:pPr marL="914400" lvl="1" indent="-457200">
+              <a:buAutoNum type="arabicPeriod" startAt="2"/>
             </a:pPr>
             <a:r>
-              <a:rPr lang="en-US" altLang="zh-TW" sz="2400" dirty="0"/>
-              <a:t>Source</a:t>
-            </a:r>
-          </a:p>
-          <a:p>
-            <a:pPr marL="0" indent="0">
-              <a:buNone/>
-            </a:pPr>
-            <a:r>
-              <a:rPr lang="en-US" altLang="zh-TW" sz="2400" dirty="0"/>
-              <a:t>1 . </a:t>
-            </a:r>
-            <a:r>
-              <a:rPr lang="zh-TW" altLang="en-US" sz="2400" dirty="0"/>
-              <a:t> 硬體觸發設定 </a:t>
-            </a:r>
-            <a:r>
-              <a:rPr lang="en-US" altLang="zh-TW" sz="2400" dirty="0"/>
-              <a:t>: 4Bytes -&gt; 1Bytes</a:t>
-            </a:r>
-          </a:p>
-          <a:p>
-            <a:pPr marL="0" indent="0">
-              <a:buNone/>
-            </a:pPr>
-            <a:r>
-              <a:rPr lang="en-US" altLang="zh-TW" sz="2400" dirty="0"/>
-              <a:t>2. </a:t>
-            </a:r>
-            <a:r>
-              <a:rPr lang="zh-TW" altLang="en-US" sz="2400" dirty="0"/>
+              <a:rPr lang="zh-TW" altLang="en-US" sz="2000" dirty="0"/>
+              <a:t>筆的</a:t>
+            </a:r>
+            <a:r>
+              <a:rPr lang="en-US" altLang="zh-TW" sz="2000" dirty="0" err="1"/>
+              <a:t>Protocal</a:t>
+            </a:r>
+            <a:r>
+              <a:rPr lang="en-US" altLang="zh-TW" sz="2000" dirty="0"/>
               <a:t> </a:t>
             </a:r>
             <a:r>
-              <a:rPr lang="zh-TW" altLang="en-US" sz="2400" dirty="0">
-                <a:solidFill>
-                  <a:srgbClr val="FF0000"/>
-                </a:solidFill>
-              </a:rPr>
-              <a:t>解除中斷</a:t>
-            </a:r>
-            <a:r>
-              <a:rPr lang="en-US" altLang="zh-TW" sz="2400" dirty="0">
-                <a:solidFill>
-                  <a:srgbClr val="FF0000"/>
-                </a:solidFill>
-              </a:rPr>
-              <a:t>Event </a:t>
-            </a:r>
-            <a:r>
-              <a:rPr lang="en-US" altLang="zh-TW" sz="2400" dirty="0" err="1">
-                <a:solidFill>
-                  <a:srgbClr val="FF0000"/>
-                </a:solidFill>
-              </a:rPr>
-              <a:t>regestier</a:t>
-            </a:r>
-            <a:r>
-              <a:rPr lang="zh-TW" altLang="en-US" sz="2400" dirty="0">
-                <a:solidFill>
-                  <a:srgbClr val="FF0000"/>
-                </a:solidFill>
-              </a:rPr>
-              <a:t>在</a:t>
-            </a:r>
-            <a:r>
-              <a:rPr lang="en-US" altLang="zh-TW" sz="2400" dirty="0">
-                <a:solidFill>
-                  <a:srgbClr val="FF0000"/>
-                </a:solidFill>
-              </a:rPr>
-              <a:t>Code</a:t>
-            </a:r>
-            <a:r>
-              <a:rPr lang="zh-TW" altLang="en-US" sz="2400" dirty="0">
-                <a:solidFill>
-                  <a:srgbClr val="FF0000"/>
-                </a:solidFill>
-              </a:rPr>
-              <a:t>中的位置</a:t>
-            </a:r>
-            <a:endParaRPr lang="en-US" altLang="zh-TW" sz="2400" dirty="0">
-              <a:solidFill>
-                <a:srgbClr val="FF0000"/>
-              </a:solidFill>
-            </a:endParaRPr>
-          </a:p>
-          <a:p>
-            <a:pPr marL="0" indent="0">
-              <a:buNone/>
-            </a:pPr>
-            <a:endParaRPr lang="zh-TW" altLang="en-US" dirty="0"/>
+              <a:rPr lang="zh-TW" altLang="en-US" sz="2000" dirty="0"/>
+              <a:t>定義的顏色只佔</a:t>
+            </a:r>
+            <a:r>
+              <a:rPr lang="en-US" altLang="zh-TW" sz="2000" dirty="0"/>
+              <a:t>RGB</a:t>
+            </a:r>
+            <a:r>
+              <a:rPr lang="zh-TW" altLang="en-US" sz="2000" dirty="0"/>
+              <a:t>裡面</a:t>
+            </a:r>
+            <a:r>
+              <a:rPr lang="en-US" altLang="zh-TW" sz="2000" dirty="0"/>
+              <a:t>200</a:t>
+            </a:r>
+            <a:r>
+              <a:rPr lang="zh-TW" altLang="en-US" sz="2000" dirty="0"/>
+              <a:t>多個</a:t>
+            </a:r>
+            <a:endParaRPr lang="en-US" altLang="zh-TW" dirty="0"/>
           </a:p>
         </p:txBody>
       </p:sp>
     </p:spTree>
     <p:extLst>
       <p:ext uri="{BB962C8B-B14F-4D97-AF65-F5344CB8AC3E}">
-        <p14:creationId xmlns:p14="http://schemas.microsoft.com/office/powerpoint/2010/main" val="719165155"/>
+        <p14:creationId xmlns:p14="http://schemas.microsoft.com/office/powerpoint/2010/main" val="2576856385"/>
       </p:ext>
     </p:extLst>
   </p:cSld>
@@ -14641,7 +17676,7 @@
           <p:cNvPr id="2" name="標題 1">
             <a:extLst>
               <a:ext uri="{FF2B5EF4-FFF2-40B4-BE49-F238E27FC236}">
-                <a16:creationId xmlns:a16="http://schemas.microsoft.com/office/drawing/2014/main" id="{A90C3E7E-AE4E-452E-A66F-A6DA326A606E}"/>
+                <a16:creationId xmlns:a16="http://schemas.microsoft.com/office/drawing/2014/main" id="{FEDEBC06-C75E-5899-979E-C29912B4A68E}"/>
               </a:ext>
             </a:extLst>
           </p:cNvPr>
@@ -14659,8 +17694,8 @@
           <a:p>
             <a:pPr algn="ctr"/>
             <a:r>
-              <a:rPr lang="zh-TW" altLang="en-US" sz="4400" dirty="0"/>
-              <a:t>最接近顏色</a:t>
+              <a:rPr lang="en-US" altLang="zh-TW" dirty="0"/>
+              <a:t>UART RX Setting</a:t>
             </a:r>
             <a:endParaRPr lang="zh-TW" altLang="en-US" dirty="0"/>
           </a:p>
@@ -14671,7 +17706,7 @@
           <p:cNvPr id="3" name="內容版面配置區 2">
             <a:extLst>
               <a:ext uri="{FF2B5EF4-FFF2-40B4-BE49-F238E27FC236}">
-                <a16:creationId xmlns:a16="http://schemas.microsoft.com/office/drawing/2014/main" id="{2270879B-7395-4917-86B4-47F549C5A985}"/>
+                <a16:creationId xmlns:a16="http://schemas.microsoft.com/office/drawing/2014/main" id="{D33F5725-65BC-FF79-0EEB-A34DF7904932}"/>
               </a:ext>
             </a:extLst>
           </p:cNvPr>
@@ -14684,96 +17719,79 @@
         </p:nvSpPr>
         <p:spPr/>
         <p:txBody>
-          <a:bodyPr/>
-          <a:lstStyle/>
-          <a:p>
-            <a:pPr marL="0" indent="0">
-              <a:buNone/>
-            </a:pPr>
-            <a:r>
-              <a:rPr lang="en-US" altLang="zh-TW" dirty="0"/>
-              <a:t>Root Cause :</a:t>
-            </a:r>
-          </a:p>
+          <a:bodyPr>
+            <a:normAutofit/>
+          </a:bodyPr>
+          <a:lstStyle/>
           <a:p>
             <a:pPr marL="514350" indent="-514350">
               <a:buAutoNum type="arabicPeriod"/>
             </a:pPr>
             <a:r>
-              <a:rPr lang="en-US" altLang="zh-TW" dirty="0"/>
-              <a:t>Sensor </a:t>
-            </a:r>
-            <a:r>
-              <a:rPr lang="zh-TW" altLang="en-US" dirty="0"/>
-              <a:t>傳輸的顏色，並不一定落在</a:t>
-            </a:r>
-            <a:r>
-              <a:rPr lang="en-US" altLang="zh-TW" dirty="0"/>
-              <a:t>USI</a:t>
-            </a:r>
-            <a:r>
-              <a:rPr lang="zh-TW" altLang="en-US" dirty="0"/>
-              <a:t>所定義的顏色，因此需要找到最接近的顏色。</a:t>
-            </a:r>
-            <a:endParaRPr lang="en-US" altLang="zh-TW" dirty="0"/>
+              <a:rPr lang="en-US" altLang="zh-TW" sz="2000" dirty="0"/>
+              <a:t>UART</a:t>
+            </a:r>
+            <a:r>
+              <a:rPr lang="zh-TW" altLang="en-US" sz="2000" dirty="0"/>
+              <a:t> </a:t>
+            </a:r>
+            <a:r>
+              <a:rPr lang="en-US" altLang="zh-TW" sz="2000" dirty="0"/>
+              <a:t>RX</a:t>
+            </a:r>
+            <a:r>
+              <a:rPr lang="zh-TW" altLang="en-US" sz="2000" dirty="0"/>
+              <a:t> 使用</a:t>
+            </a:r>
+            <a:r>
+              <a:rPr lang="en-US" altLang="zh-TW" sz="2000" dirty="0"/>
+              <a:t>FIFO</a:t>
+            </a:r>
+            <a:r>
+              <a:rPr lang="zh-TW" altLang="en-US" sz="2000" dirty="0"/>
+              <a:t> 架構、這個</a:t>
+            </a:r>
+            <a:r>
+              <a:rPr lang="en-US" altLang="zh-TW" sz="2000" dirty="0"/>
+              <a:t>FIFO</a:t>
+            </a:r>
+            <a:r>
+              <a:rPr lang="zh-TW" altLang="en-US" sz="2000" dirty="0"/>
+              <a:t>架構是被封裝過。</a:t>
+            </a:r>
+            <a:endParaRPr lang="en-US" altLang="zh-TW" sz="2000" dirty="0"/>
           </a:p>
           <a:p>
             <a:pPr marL="514350" indent="-514350">
               <a:buAutoNum type="arabicPeriod"/>
             </a:pPr>
-            <a:endParaRPr lang="en-US" altLang="zh-TW" dirty="0"/>
-          </a:p>
-          <a:p>
-            <a:pPr marL="0" indent="0">
-              <a:buNone/>
+            <a:endParaRPr lang="en-US" altLang="zh-TW" sz="2000" dirty="0"/>
+          </a:p>
+          <a:p>
+            <a:pPr marL="514350" indent="-514350">
+              <a:buAutoNum type="arabicPeriod"/>
             </a:pPr>
-            <a:r>
-              <a:rPr lang="en-US" altLang="zh-TW" dirty="0"/>
-              <a:t>Solve :</a:t>
-            </a:r>
-          </a:p>
-          <a:p>
-            <a:pPr marL="0" indent="0">
-              <a:buNone/>
+            <a:endParaRPr lang="en-US" altLang="zh-TW" sz="2000" dirty="0"/>
+          </a:p>
+          <a:p>
+            <a:pPr marL="514350" indent="-514350">
+              <a:buAutoNum type="arabicPeriod"/>
             </a:pPr>
             <a:r>
-              <a:rPr lang="en-US" altLang="zh-TW" dirty="0"/>
-              <a:t>	1. </a:t>
-            </a:r>
-            <a:r>
-              <a:rPr lang="zh-TW" altLang="en-US" dirty="0"/>
-              <a:t>顏色距離定義</a:t>
-            </a:r>
-            <a:endParaRPr lang="en-US" altLang="zh-TW" dirty="0"/>
-          </a:p>
-          <a:p>
-            <a:pPr marL="0" indent="0">
-              <a:buNone/>
-            </a:pPr>
-            <a:r>
-              <a:rPr lang="en-US" altLang="zh-TW" dirty="0"/>
-              <a:t>	2.  </a:t>
-            </a:r>
-            <a:r>
-              <a:rPr lang="zh-TW" altLang="en-US" dirty="0"/>
-              <a:t>使用</a:t>
-            </a:r>
-            <a:r>
-              <a:rPr lang="en-US" altLang="zh-TW" dirty="0" err="1"/>
-              <a:t>matlab</a:t>
-            </a:r>
-            <a:r>
-              <a:rPr lang="zh-TW" altLang="en-US" dirty="0"/>
-              <a:t>來加速驗證速度</a:t>
-            </a:r>
-            <a:endParaRPr lang="en-US" altLang="zh-TW" dirty="0"/>
+              <a:rPr lang="en-US" altLang="zh-TW" sz="2000" dirty="0"/>
+              <a:t>UART RX</a:t>
+            </a:r>
+            <a:r>
+              <a:rPr lang="zh-TW" altLang="en-US" sz="2000" dirty="0"/>
+              <a:t> 中斷硬體設計</a:t>
+            </a:r>
           </a:p>
         </p:txBody>
       </p:sp>
     </p:spTree>
     <p:extLst>
       <p:ext uri="{BB962C8B-B14F-4D97-AF65-F5344CB8AC3E}">
-        <p14:creationId xmlns:p14="http://schemas.microsoft.com/office/powerpoint/2010/main" val="2172983373"/>
+        <p14:creationId xmlns:p14="http://schemas.microsoft.com/office/powerpoint/2010/main" val="3743749783"/>
       </p:ext>
     </p:extLst>
   </p:cSld>
@@ -14805,7 +17823,7 @@
           <p:cNvPr id="2" name="標題 1">
             <a:extLst>
               <a:ext uri="{FF2B5EF4-FFF2-40B4-BE49-F238E27FC236}">
-                <a16:creationId xmlns:a16="http://schemas.microsoft.com/office/drawing/2014/main" id="{77C37F21-5DBA-B401-7D71-7CFB5E6E6C5D}"/>
+                <a16:creationId xmlns:a16="http://schemas.microsoft.com/office/drawing/2014/main" id="{FEDEBC06-C75E-5899-979E-C29912B4A68E}"/>
               </a:ext>
             </a:extLst>
           </p:cNvPr>
@@ -14823,21 +17841,10 @@
           <a:p>
             <a:pPr algn="ctr"/>
             <a:r>
-              <a:rPr lang="zh-TW" altLang="en-US" dirty="0"/>
-              <a:t> </a:t>
-            </a:r>
-            <a:r>
-              <a:rPr lang="en-US" altLang="zh-TW" dirty="0" err="1"/>
-              <a:t>Matlab</a:t>
-            </a:r>
-            <a:r>
-              <a:rPr lang="en-US" altLang="zh-TW" dirty="0"/>
-              <a:t> </a:t>
-            </a:r>
-            <a:r>
-              <a:rPr lang="zh-TW" altLang="en-US" dirty="0"/>
-              <a:t>驗證</a:t>
-            </a:r>
+              <a:rPr lang="en-US" altLang="zh-TW" dirty="0"/>
+              <a:t>UART RX Setting</a:t>
+            </a:r>
+            <a:endParaRPr lang="zh-TW" altLang="en-US" dirty="0"/>
           </a:p>
         </p:txBody>
       </p:sp>
@@ -14846,7 +17853,7 @@
           <p:cNvPr id="3" name="內容版面配置區 2">
             <a:extLst>
               <a:ext uri="{FF2B5EF4-FFF2-40B4-BE49-F238E27FC236}">
-                <a16:creationId xmlns:a16="http://schemas.microsoft.com/office/drawing/2014/main" id="{534E79D0-3692-7581-7815-5DEF93BC5DAC}"/>
+                <a16:creationId xmlns:a16="http://schemas.microsoft.com/office/drawing/2014/main" id="{D33F5725-65BC-FF79-0EEB-A34DF7904932}"/>
               </a:ext>
             </a:extLst>
           </p:cNvPr>
@@ -14859,35 +17866,66 @@
         </p:nvSpPr>
         <p:spPr/>
         <p:txBody>
-          <a:bodyPr/>
+          <a:bodyPr>
+            <a:normAutofit/>
+          </a:bodyPr>
           <a:lstStyle/>
           <a:p>
             <a:pPr marL="0" indent="0">
               <a:buNone/>
             </a:pPr>
             <a:r>
-              <a:rPr lang="en-US" altLang="zh-TW" dirty="0"/>
-              <a:t>Use </a:t>
-            </a:r>
-            <a:r>
-              <a:rPr lang="en-US" altLang="zh-TW" dirty="0" err="1"/>
-              <a:t>Matalb</a:t>
-            </a:r>
-            <a:r>
-              <a:rPr lang="en-US" altLang="zh-TW" dirty="0"/>
-              <a:t> APP</a:t>
-            </a:r>
-            <a:r>
-              <a:rPr lang="zh-TW" altLang="en-US" dirty="0"/>
-              <a:t> 寫的</a:t>
-            </a:r>
+              <a:rPr lang="zh-TW" altLang="en-US" sz="2000" dirty="0"/>
+              <a:t>總結 </a:t>
+            </a:r>
+            <a:r>
+              <a:rPr lang="en-US" altLang="zh-TW" sz="2000" dirty="0"/>
+              <a:t>:</a:t>
+            </a:r>
+            <a:r>
+              <a:rPr lang="zh-TW" altLang="en-US" sz="2000" dirty="0"/>
+              <a:t> </a:t>
+            </a:r>
+            <a:r>
+              <a:rPr lang="en-US" altLang="zh-TW" sz="2000" dirty="0"/>
+              <a:t> </a:t>
+            </a:r>
+            <a:r>
+              <a:rPr lang="zh-TW" altLang="en-US" sz="2000" dirty="0"/>
+              <a:t>由於使用情況是使用者隨時可能會去觸動後發</a:t>
+            </a:r>
+            <a:r>
+              <a:rPr lang="en-US" altLang="zh-TW" sz="2000" dirty="0"/>
+              <a:t>Sensor</a:t>
+            </a:r>
+            <a:r>
+              <a:rPr lang="zh-TW" altLang="en-US" sz="2000" dirty="0"/>
+              <a:t>、筆本身還要</a:t>
+            </a:r>
+            <a:r>
+              <a:rPr lang="en-US" altLang="zh-TW" sz="2000" dirty="0"/>
+              <a:t>Decode </a:t>
+            </a:r>
+            <a:r>
+              <a:rPr lang="zh-TW" altLang="en-US" sz="2000" dirty="0"/>
+              <a:t>訊號，因此中斷是最佳方法，</a:t>
+            </a:r>
+            <a:r>
+              <a:rPr lang="en-US" altLang="zh-TW" sz="2000" dirty="0"/>
+              <a:t>Polling </a:t>
+            </a:r>
+            <a:r>
+              <a:rPr lang="zh-TW" altLang="en-US" sz="2000" dirty="0"/>
+              <a:t>去偵測就不是好方法並且耗電</a:t>
+            </a:r>
+            <a:endParaRPr lang="en-US" altLang="zh-TW" sz="2000" dirty="0"/>
           </a:p>
         </p:txBody>
       </p:sp>
     </p:spTree>
     <p:extLst>
       <p:ext uri="{BB962C8B-B14F-4D97-AF65-F5344CB8AC3E}">
-        <p14:creationId xmlns:p14="http://schemas.microsoft.com/office/powerpoint/2010/main" val="3411917283"/>
+        <p14:creationId xmlns:p14="http://schemas.microsoft.com/office/powerpoint/2010/main" val="1764172780"/>
       </p:ext>
     </p:extLst>
   </p:cSld>
@@ -15083,6 +18121,503 @@
           <p:cNvPr id="2" name="標題 1">
             <a:extLst>
               <a:ext uri="{FF2B5EF4-FFF2-40B4-BE49-F238E27FC236}">
+                <a16:creationId xmlns:a16="http://schemas.microsoft.com/office/drawing/2014/main" id="{DCAF803D-3CAB-3E11-8A90-4D5310A3A5EA}"/>
+              </a:ext>
+            </a:extLst>
+          </p:cNvPr>
+          <p:cNvSpPr>
+            <a:spLocks noGrp="1"/>
+          </p:cNvSpPr>
+          <p:nvPr>
+            <p:ph type="title"/>
+          </p:nvPr>
+        </p:nvSpPr>
+        <p:spPr/>
+        <p:txBody>
+          <a:bodyPr/>
+          <a:lstStyle/>
+          <a:p>
+            <a:pPr algn="ctr"/>
+            <a:r>
+              <a:rPr lang="en-US" altLang="zh-TW" dirty="0"/>
+              <a:t>UART RX Setting</a:t>
+            </a:r>
+            <a:endParaRPr lang="zh-TW" altLang="en-US" dirty="0"/>
+          </a:p>
+        </p:txBody>
+      </p:sp>
+      <p:sp>
+        <p:nvSpPr>
+          <p:cNvPr id="3" name="內容版面配置區 2">
+            <a:extLst>
+              <a:ext uri="{FF2B5EF4-FFF2-40B4-BE49-F238E27FC236}">
+                <a16:creationId xmlns:a16="http://schemas.microsoft.com/office/drawing/2014/main" id="{3B1B8A68-518A-9A03-2325-0016A63D6547}"/>
+              </a:ext>
+            </a:extLst>
+          </p:cNvPr>
+          <p:cNvSpPr>
+            <a:spLocks noGrp="1"/>
+          </p:cNvSpPr>
+          <p:nvPr>
+            <p:ph idx="1"/>
+          </p:nvPr>
+        </p:nvSpPr>
+        <p:spPr/>
+        <p:txBody>
+          <a:bodyPr/>
+          <a:lstStyle/>
+          <a:p>
+            <a:pPr marL="0" indent="0">
+              <a:buNone/>
+            </a:pPr>
+            <a:r>
+              <a:rPr lang="zh-TW" altLang="en-US" dirty="0">
+                <a:solidFill>
+                  <a:schemeClr val="accent1"/>
+                </a:solidFill>
+              </a:rPr>
+              <a:t>過程中遇到最大問題 </a:t>
+            </a:r>
+            <a:r>
+              <a:rPr lang="en-US" altLang="zh-TW" dirty="0">
+                <a:solidFill>
+                  <a:schemeClr val="accent1"/>
+                </a:solidFill>
+              </a:rPr>
+              <a:t>: </a:t>
+            </a:r>
+          </a:p>
+          <a:p>
+            <a:pPr marL="0" indent="0">
+              <a:buNone/>
+            </a:pPr>
+            <a:r>
+              <a:rPr lang="zh-TW" altLang="en-US" sz="2400" dirty="0"/>
+              <a:t>收完</a:t>
+            </a:r>
+            <a:r>
+              <a:rPr lang="en-US" altLang="zh-TW" sz="2400" dirty="0"/>
+              <a:t>Sensor Data</a:t>
+            </a:r>
+            <a:r>
+              <a:rPr lang="zh-TW" altLang="en-US" sz="2400" dirty="0"/>
+              <a:t>後，顯示資料卻有漏東漏西</a:t>
+            </a:r>
+            <a:endParaRPr lang="en-US" altLang="zh-TW" sz="2400" dirty="0"/>
+          </a:p>
+          <a:p>
+            <a:pPr marL="0" indent="0">
+              <a:buNone/>
+            </a:pPr>
+            <a:r>
+              <a:rPr lang="en-US" altLang="zh-TW" sz="2400" dirty="0"/>
+              <a:t>Source</a:t>
+            </a:r>
+          </a:p>
+          <a:p>
+            <a:pPr marL="0" indent="0">
+              <a:buNone/>
+            </a:pPr>
+            <a:r>
+              <a:rPr lang="en-US" altLang="zh-TW" sz="2400" dirty="0"/>
+              <a:t>1 . </a:t>
+            </a:r>
+            <a:r>
+              <a:rPr lang="zh-TW" altLang="en-US" sz="2400" dirty="0"/>
+              <a:t> 硬體觸發設定 </a:t>
+            </a:r>
+            <a:r>
+              <a:rPr lang="en-US" altLang="zh-TW" sz="2400" dirty="0"/>
+              <a:t>: 4Bytes -&gt; 1Bytes</a:t>
+            </a:r>
+          </a:p>
+          <a:p>
+            <a:pPr marL="0" indent="0">
+              <a:buNone/>
+            </a:pPr>
+            <a:r>
+              <a:rPr lang="en-US" altLang="zh-TW" sz="2400" dirty="0"/>
+              <a:t>2. </a:t>
+            </a:r>
+            <a:r>
+              <a:rPr lang="zh-TW" altLang="en-US" sz="2400" dirty="0"/>
+              <a:t> </a:t>
+            </a:r>
+            <a:r>
+              <a:rPr lang="zh-TW" altLang="en-US" sz="2400" dirty="0">
+                <a:solidFill>
+                  <a:srgbClr val="FF0000"/>
+                </a:solidFill>
+              </a:rPr>
+              <a:t>解除中斷</a:t>
+            </a:r>
+            <a:r>
+              <a:rPr lang="en-US" altLang="zh-TW" sz="2400" dirty="0">
+                <a:solidFill>
+                  <a:srgbClr val="FF0000"/>
+                </a:solidFill>
+              </a:rPr>
+              <a:t>Event </a:t>
+            </a:r>
+            <a:r>
+              <a:rPr lang="en-US" altLang="zh-TW" sz="2400" dirty="0" err="1">
+                <a:solidFill>
+                  <a:srgbClr val="FF0000"/>
+                </a:solidFill>
+              </a:rPr>
+              <a:t>regestier</a:t>
+            </a:r>
+            <a:r>
+              <a:rPr lang="zh-TW" altLang="en-US" sz="2400" dirty="0">
+                <a:solidFill>
+                  <a:srgbClr val="FF0000"/>
+                </a:solidFill>
+              </a:rPr>
+              <a:t>在</a:t>
+            </a:r>
+            <a:r>
+              <a:rPr lang="en-US" altLang="zh-TW" sz="2400" dirty="0">
+                <a:solidFill>
+                  <a:srgbClr val="FF0000"/>
+                </a:solidFill>
+              </a:rPr>
+              <a:t>Code</a:t>
+            </a:r>
+            <a:r>
+              <a:rPr lang="zh-TW" altLang="en-US" sz="2400" dirty="0">
+                <a:solidFill>
+                  <a:srgbClr val="FF0000"/>
+                </a:solidFill>
+              </a:rPr>
+              <a:t>中的位置</a:t>
+            </a:r>
+            <a:endParaRPr lang="en-US" altLang="zh-TW" sz="2400" dirty="0">
+              <a:solidFill>
+                <a:srgbClr val="FF0000"/>
+              </a:solidFill>
+            </a:endParaRPr>
+          </a:p>
+          <a:p>
+            <a:pPr marL="0" indent="0">
+              <a:buNone/>
+            </a:pPr>
+            <a:endParaRPr lang="zh-TW" altLang="en-US" dirty="0"/>
+          </a:p>
+        </p:txBody>
+      </p:sp>
+    </p:spTree>
+    <p:extLst>
+      <p:ext uri="{BB962C8B-B14F-4D97-AF65-F5344CB8AC3E}">
+        <p14:creationId xmlns:p14="http://schemas.microsoft.com/office/powerpoint/2010/main" val="719165155"/>
+      </p:ext>
+    </p:extLst>
+  </p:cSld>
+  <p:clrMapOvr>
+    <a:masterClrMapping/>
+  </p:clrMapOvr>
+</p:sld>
+</file>
+
+<file path=ppt/slides/slide41.xml><?xml version="1.0" encoding="utf-8"?>
+<p:sld xmlns:a="http://schemas.openxmlformats.org/drawingml/2006/main" xmlns:r="http://schemas.openxmlformats.org/officeDocument/2006/relationships" xmlns:p="http://schemas.openxmlformats.org/presentationml/2006/main">
+  <p:cSld>
+    <p:spTree>
+      <p:nvGrpSpPr>
+        <p:cNvPr id="1" name=""/>
+        <p:cNvGrpSpPr/>
+        <p:nvPr/>
+      </p:nvGrpSpPr>
+      <p:grpSpPr>
+        <a:xfrm>
+          <a:off x="0" y="0"/>
+          <a:ext cx="0" cy="0"/>
+          <a:chOff x="0" y="0"/>
+          <a:chExt cx="0" cy="0"/>
+        </a:xfrm>
+      </p:grpSpPr>
+      <p:sp>
+        <p:nvSpPr>
+          <p:cNvPr id="2" name="標題 1">
+            <a:extLst>
+              <a:ext uri="{FF2B5EF4-FFF2-40B4-BE49-F238E27FC236}">
+                <a16:creationId xmlns:a16="http://schemas.microsoft.com/office/drawing/2014/main" id="{A90C3E7E-AE4E-452E-A66F-A6DA326A606E}"/>
+              </a:ext>
+            </a:extLst>
+          </p:cNvPr>
+          <p:cNvSpPr>
+            <a:spLocks noGrp="1"/>
+          </p:cNvSpPr>
+          <p:nvPr>
+            <p:ph type="title"/>
+          </p:nvPr>
+        </p:nvSpPr>
+        <p:spPr/>
+        <p:txBody>
+          <a:bodyPr/>
+          <a:lstStyle/>
+          <a:p>
+            <a:pPr algn="ctr"/>
+            <a:r>
+              <a:rPr lang="zh-TW" altLang="en-US" sz="4400" dirty="0"/>
+              <a:t>最接近顏色</a:t>
+            </a:r>
+            <a:endParaRPr lang="zh-TW" altLang="en-US" dirty="0"/>
+          </a:p>
+        </p:txBody>
+      </p:sp>
+      <p:sp>
+        <p:nvSpPr>
+          <p:cNvPr id="3" name="內容版面配置區 2">
+            <a:extLst>
+              <a:ext uri="{FF2B5EF4-FFF2-40B4-BE49-F238E27FC236}">
+                <a16:creationId xmlns:a16="http://schemas.microsoft.com/office/drawing/2014/main" id="{2270879B-7395-4917-86B4-47F549C5A985}"/>
+              </a:ext>
+            </a:extLst>
+          </p:cNvPr>
+          <p:cNvSpPr>
+            <a:spLocks noGrp="1"/>
+          </p:cNvSpPr>
+          <p:nvPr>
+            <p:ph idx="1"/>
+          </p:nvPr>
+        </p:nvSpPr>
+        <p:spPr/>
+        <p:txBody>
+          <a:bodyPr/>
+          <a:lstStyle/>
+          <a:p>
+            <a:pPr marL="0" indent="0">
+              <a:buNone/>
+            </a:pPr>
+            <a:r>
+              <a:rPr lang="en-US" altLang="zh-TW" dirty="0"/>
+              <a:t>Root Cause :</a:t>
+            </a:r>
+          </a:p>
+          <a:p>
+            <a:pPr marL="514350" indent="-514350">
+              <a:buAutoNum type="arabicPeriod"/>
+            </a:pPr>
+            <a:r>
+              <a:rPr lang="en-US" altLang="zh-TW" dirty="0"/>
+              <a:t>Sensor </a:t>
+            </a:r>
+            <a:r>
+              <a:rPr lang="zh-TW" altLang="en-US" dirty="0"/>
+              <a:t>傳輸的顏色，並不一定落在</a:t>
+            </a:r>
+            <a:r>
+              <a:rPr lang="en-US" altLang="zh-TW" dirty="0"/>
+              <a:t>USI</a:t>
+            </a:r>
+            <a:r>
+              <a:rPr lang="zh-TW" altLang="en-US" dirty="0"/>
+              <a:t>所定義的顏色，因此需要找到最接近的顏色。</a:t>
+            </a:r>
+            <a:endParaRPr lang="en-US" altLang="zh-TW" dirty="0"/>
+          </a:p>
+          <a:p>
+            <a:pPr marL="514350" indent="-514350">
+              <a:buAutoNum type="arabicPeriod"/>
+            </a:pPr>
+            <a:endParaRPr lang="en-US" altLang="zh-TW" dirty="0"/>
+          </a:p>
+          <a:p>
+            <a:pPr marL="0" indent="0">
+              <a:buNone/>
+            </a:pPr>
+            <a:r>
+              <a:rPr lang="en-US" altLang="zh-TW" dirty="0"/>
+              <a:t>Solve :</a:t>
+            </a:r>
+          </a:p>
+          <a:p>
+            <a:pPr marL="0" indent="0">
+              <a:buNone/>
+            </a:pPr>
+            <a:r>
+              <a:rPr lang="en-US" altLang="zh-TW" dirty="0"/>
+              <a:t>	1. </a:t>
+            </a:r>
+            <a:r>
+              <a:rPr lang="zh-TW" altLang="en-US" dirty="0"/>
+              <a:t>顏色距離定義</a:t>
+            </a:r>
+            <a:endParaRPr lang="en-US" altLang="zh-TW" dirty="0"/>
+          </a:p>
+          <a:p>
+            <a:pPr marL="0" indent="0">
+              <a:buNone/>
+            </a:pPr>
+            <a:r>
+              <a:rPr lang="en-US" altLang="zh-TW" dirty="0"/>
+              <a:t>	2.  </a:t>
+            </a:r>
+            <a:r>
+              <a:rPr lang="zh-TW" altLang="en-US" dirty="0"/>
+              <a:t>使用</a:t>
+            </a:r>
+            <a:r>
+              <a:rPr lang="en-US" altLang="zh-TW" dirty="0" err="1"/>
+              <a:t>matlab</a:t>
+            </a:r>
+            <a:r>
+              <a:rPr lang="zh-TW" altLang="en-US" dirty="0"/>
+              <a:t>來加速驗證速度</a:t>
+            </a:r>
+            <a:endParaRPr lang="en-US" altLang="zh-TW" dirty="0"/>
+          </a:p>
+        </p:txBody>
+      </p:sp>
+    </p:spTree>
+    <p:extLst>
+      <p:ext uri="{BB962C8B-B14F-4D97-AF65-F5344CB8AC3E}">
+        <p14:creationId xmlns:p14="http://schemas.microsoft.com/office/powerpoint/2010/main" val="2172983373"/>
+      </p:ext>
+    </p:extLst>
+  </p:cSld>
+  <p:clrMapOvr>
+    <a:masterClrMapping/>
+  </p:clrMapOvr>
+</p:sld>
+</file>
+
+<file path=ppt/slides/slide42.xml><?xml version="1.0" encoding="utf-8"?>
+<p:sld xmlns:a="http://schemas.openxmlformats.org/drawingml/2006/main" xmlns:r="http://schemas.openxmlformats.org/officeDocument/2006/relationships" xmlns:p="http://schemas.openxmlformats.org/presentationml/2006/main">
+  <p:cSld>
+    <p:spTree>
+      <p:nvGrpSpPr>
+        <p:cNvPr id="1" name=""/>
+        <p:cNvGrpSpPr/>
+        <p:nvPr/>
+      </p:nvGrpSpPr>
+      <p:grpSpPr>
+        <a:xfrm>
+          <a:off x="0" y="0"/>
+          <a:ext cx="0" cy="0"/>
+          <a:chOff x="0" y="0"/>
+          <a:chExt cx="0" cy="0"/>
+        </a:xfrm>
+      </p:grpSpPr>
+      <p:sp>
+        <p:nvSpPr>
+          <p:cNvPr id="2" name="標題 1">
+            <a:extLst>
+              <a:ext uri="{FF2B5EF4-FFF2-40B4-BE49-F238E27FC236}">
+                <a16:creationId xmlns:a16="http://schemas.microsoft.com/office/drawing/2014/main" id="{77C37F21-5DBA-B401-7D71-7CFB5E6E6C5D}"/>
+              </a:ext>
+            </a:extLst>
+          </p:cNvPr>
+          <p:cNvSpPr>
+            <a:spLocks noGrp="1"/>
+          </p:cNvSpPr>
+          <p:nvPr>
+            <p:ph type="title"/>
+          </p:nvPr>
+        </p:nvSpPr>
+        <p:spPr/>
+        <p:txBody>
+          <a:bodyPr/>
+          <a:lstStyle/>
+          <a:p>
+            <a:pPr algn="ctr"/>
+            <a:r>
+              <a:rPr lang="zh-TW" altLang="en-US" dirty="0"/>
+              <a:t> </a:t>
+            </a:r>
+            <a:r>
+              <a:rPr lang="en-US" altLang="zh-TW" dirty="0" err="1"/>
+              <a:t>Matlab</a:t>
+            </a:r>
+            <a:r>
+              <a:rPr lang="en-US" altLang="zh-TW" dirty="0"/>
+              <a:t> </a:t>
+            </a:r>
+            <a:r>
+              <a:rPr lang="zh-TW" altLang="en-US" dirty="0"/>
+              <a:t>驗證</a:t>
+            </a:r>
+          </a:p>
+        </p:txBody>
+      </p:sp>
+      <p:sp>
+        <p:nvSpPr>
+          <p:cNvPr id="3" name="內容版面配置區 2">
+            <a:extLst>
+              <a:ext uri="{FF2B5EF4-FFF2-40B4-BE49-F238E27FC236}">
+                <a16:creationId xmlns:a16="http://schemas.microsoft.com/office/drawing/2014/main" id="{534E79D0-3692-7581-7815-5DEF93BC5DAC}"/>
+              </a:ext>
+            </a:extLst>
+          </p:cNvPr>
+          <p:cNvSpPr>
+            <a:spLocks noGrp="1"/>
+          </p:cNvSpPr>
+          <p:nvPr>
+            <p:ph idx="1"/>
+          </p:nvPr>
+        </p:nvSpPr>
+        <p:spPr/>
+        <p:txBody>
+          <a:bodyPr/>
+          <a:lstStyle/>
+          <a:p>
+            <a:pPr marL="0" indent="0">
+              <a:buNone/>
+            </a:pPr>
+            <a:r>
+              <a:rPr lang="en-US" altLang="zh-TW" dirty="0"/>
+              <a:t>Use </a:t>
+            </a:r>
+            <a:r>
+              <a:rPr lang="en-US" altLang="zh-TW" dirty="0" err="1"/>
+              <a:t>Matalb</a:t>
+            </a:r>
+            <a:r>
+              <a:rPr lang="en-US" altLang="zh-TW" dirty="0"/>
+              <a:t> APP</a:t>
+            </a:r>
+            <a:r>
+              <a:rPr lang="zh-TW" altLang="en-US" dirty="0"/>
+              <a:t> 寫的</a:t>
+            </a:r>
+          </a:p>
+        </p:txBody>
+      </p:sp>
+    </p:spTree>
+    <p:extLst>
+      <p:ext uri="{BB962C8B-B14F-4D97-AF65-F5344CB8AC3E}">
+        <p14:creationId xmlns:p14="http://schemas.microsoft.com/office/powerpoint/2010/main" val="3411917283"/>
+      </p:ext>
+    </p:extLst>
+  </p:cSld>
+  <p:clrMapOvr>
+    <a:masterClrMapping/>
+  </p:clrMapOvr>
+</p:sld>
+</file>
+
+<file path=ppt/slides/slide43.xml><?xml version="1.0" encoding="utf-8"?>
+<p:sld xmlns:a="http://schemas.openxmlformats.org/drawingml/2006/main" xmlns:r="http://schemas.openxmlformats.org/officeDocument/2006/relationships" xmlns:p="http://schemas.openxmlformats.org/presentationml/2006/main">
+  <p:cSld>
+    <p:spTree>
+      <p:nvGrpSpPr>
+        <p:cNvPr id="1" name=""/>
+        <p:cNvGrpSpPr/>
+        <p:nvPr/>
+      </p:nvGrpSpPr>
+      <p:grpSpPr>
+        <a:xfrm>
+          <a:off x="0" y="0"/>
+          <a:ext cx="0" cy="0"/>
+          <a:chOff x="0" y="0"/>
+          <a:chExt cx="0" cy="0"/>
+        </a:xfrm>
+      </p:grpSpPr>
+      <p:sp>
+        <p:nvSpPr>
+          <p:cNvPr id="2" name="標題 1">
+            <a:extLst>
+              <a:ext uri="{FF2B5EF4-FFF2-40B4-BE49-F238E27FC236}">
                 <a16:creationId xmlns:a16="http://schemas.microsoft.com/office/drawing/2014/main" id="{F0C4E827-8FA5-D200-CB63-931E7FB72A01}"/>
               </a:ext>
             </a:extLst>
@@ -15252,7 +18787,7 @@
 </p:sld>
 </file>
 
-<file path=ppt/slides/slide41.xml><?xml version="1.0" encoding="utf-8"?>
+<file path=ppt/slides/slide44.xml><?xml version="1.0" encoding="utf-8"?>
 <p:sld xmlns:a="http://schemas.openxmlformats.org/drawingml/2006/main" xmlns:r="http://schemas.openxmlformats.org/officeDocument/2006/relationships" xmlns:p="http://schemas.openxmlformats.org/presentationml/2006/main">
   <p:cSld>
     <p:spTree>

--- a/Project_Summary_pdf/Project_Summary.pptx
+++ b/Project_Summary_pdf/Project_Summary.pptx
@@ -399,7 +399,7 @@
           <a:p>
             <a:fld id="{C65320F2-F42B-45F1-AA86-96F1A2E46749}" type="datetimeFigureOut">
               <a:rPr lang="zh-TW" altLang="en-US" smtClean="0"/>
-              <a:t>2023/1/30</a:t>
+              <a:t>2023/1/31</a:t>
             </a:fld>
             <a:endParaRPr lang="zh-TW" altLang="en-US"/>
           </a:p>
@@ -1304,7 +1304,7 @@
           <a:p>
             <a:r>
               <a:rPr lang="zh-TW" altLang="en-US" dirty="0"/>
-              <a:t>硬體模擬需要耗費大量時間，才能</a:t>
+              <a:t>硬體模擬需要耗費大量時間，只能</a:t>
             </a:r>
             <a:r>
               <a:rPr lang="en-US" altLang="zh-TW" dirty="0"/>
@@ -1312,7 +1312,7 @@
             </a:r>
             <a:r>
               <a:rPr lang="zh-TW" altLang="en-US" dirty="0"/>
-              <a:t>出一小段實際行為，</a:t>
+              <a:t>出一小段實際行為。而</a:t>
             </a:r>
             <a:r>
               <a:rPr lang="en-US" altLang="zh-TW" dirty="0"/>
@@ -1320,7 +1320,23 @@
             </a:r>
             <a:r>
               <a:rPr lang="zh-TW" altLang="en-US" dirty="0"/>
-              <a:t>關注的點較少。</a:t>
+              <a:t>關注的點偏向於是否能</a:t>
+            </a:r>
+            <a:r>
+              <a:rPr lang="en-US" altLang="zh-TW" dirty="0"/>
+              <a:t>Decode</a:t>
+            </a:r>
+            <a:r>
+              <a:rPr lang="zh-TW" altLang="en-US" dirty="0"/>
+              <a:t>，</a:t>
+            </a:r>
+            <a:r>
+              <a:rPr lang="en-US" altLang="zh-TW" dirty="0"/>
+              <a:t>Focus</a:t>
+            </a:r>
+            <a:r>
+              <a:rPr lang="zh-TW" altLang="en-US" dirty="0"/>
+              <a:t>的點相對於硬體少很多，所以無需花費大量時間</a:t>
             </a:r>
           </a:p>
         </p:txBody>
@@ -1405,6 +1421,145 @@
           <a:bodyPr/>
           <a:lstStyle/>
           <a:p>
+            <a:r>
+              <a:rPr lang="zh-TW" altLang="en-US" dirty="0"/>
+              <a:t>訊號處理 </a:t>
+            </a:r>
+            <a:r>
+              <a:rPr lang="en-US" altLang="zh-TW" dirty="0"/>
+              <a:t>Path :</a:t>
+            </a:r>
+          </a:p>
+          <a:p>
+            <a:pPr marL="228600" indent="-228600">
+              <a:buAutoNum type="arabicPeriod"/>
+            </a:pPr>
+            <a:r>
+              <a:rPr lang="zh-TW" altLang="en-US" dirty="0"/>
+              <a:t>黃色 </a:t>
+            </a:r>
+            <a:r>
+              <a:rPr lang="en-US" altLang="zh-TW" dirty="0"/>
+              <a:t>(</a:t>
+            </a:r>
+            <a:r>
+              <a:rPr lang="zh-TW" altLang="en-US" dirty="0"/>
+              <a:t> 經過內部 </a:t>
+            </a:r>
+            <a:r>
+              <a:rPr lang="en-US" altLang="zh-TW" dirty="0"/>
+              <a:t>1st HPF)</a:t>
+            </a:r>
+          </a:p>
+          <a:p>
+            <a:pPr marL="228600" indent="-228600">
+              <a:buAutoNum type="arabicPeriod"/>
+            </a:pPr>
+            <a:r>
+              <a:rPr lang="zh-TW" altLang="en-US" dirty="0"/>
+              <a:t>綠色 </a:t>
+            </a:r>
+            <a:r>
+              <a:rPr lang="en-US" altLang="zh-TW" dirty="0"/>
+              <a:t>(</a:t>
+            </a:r>
+            <a:r>
+              <a:rPr lang="zh-TW" altLang="en-US" dirty="0"/>
+              <a:t>不經過任何數位處理</a:t>
+            </a:r>
+            <a:r>
+              <a:rPr lang="en-US" altLang="zh-TW" dirty="0"/>
+              <a:t>)</a:t>
+            </a:r>
+          </a:p>
+          <a:p>
+            <a:pPr marL="228600" indent="-228600">
+              <a:buAutoNum type="arabicPeriod"/>
+            </a:pPr>
+            <a:endParaRPr lang="zh-TW" altLang="en-US" dirty="0"/>
+          </a:p>
+        </p:txBody>
+      </p:sp>
+      <p:sp>
+        <p:nvSpPr>
+          <p:cNvPr id="4" name="投影片編號版面配置區 3"/>
+          <p:cNvSpPr>
+            <a:spLocks noGrp="1"/>
+          </p:cNvSpPr>
+          <p:nvPr>
+            <p:ph type="sldNum" sz="quarter" idx="5"/>
+          </p:nvPr>
+        </p:nvSpPr>
+        <p:spPr/>
+        <p:txBody>
+          <a:bodyPr/>
+          <a:lstStyle/>
+          <a:p>
+            <a:fld id="{0116F853-F7F2-4239-A629-A213C1D67574}" type="slidenum">
+              <a:rPr lang="zh-TW" altLang="en-US" smtClean="0"/>
+              <a:t>30</a:t>
+            </a:fld>
+            <a:endParaRPr lang="zh-TW" altLang="en-US"/>
+          </a:p>
+        </p:txBody>
+      </p:sp>
+    </p:spTree>
+    <p:extLst>
+      <p:ext uri="{BB962C8B-B14F-4D97-AF65-F5344CB8AC3E}">
+        <p14:creationId xmlns:p14="http://schemas.microsoft.com/office/powerpoint/2010/main" val="685821978"/>
+      </p:ext>
+    </p:extLst>
+  </p:cSld>
+  <p:clrMapOvr>
+    <a:masterClrMapping/>
+  </p:clrMapOvr>
+</p:notes>
+</file>
+
+<file path=ppt/notesSlides/notesSlide16.xml><?xml version="1.0" encoding="utf-8"?>
+<p:notes xmlns:a="http://schemas.openxmlformats.org/drawingml/2006/main" xmlns:r="http://schemas.openxmlformats.org/officeDocument/2006/relationships" xmlns:p="http://schemas.openxmlformats.org/presentationml/2006/main">
+  <p:cSld>
+    <p:spTree>
+      <p:nvGrpSpPr>
+        <p:cNvPr id="1" name=""/>
+        <p:cNvGrpSpPr/>
+        <p:nvPr/>
+      </p:nvGrpSpPr>
+      <p:grpSpPr>
+        <a:xfrm>
+          <a:off x="0" y="0"/>
+          <a:ext cx="0" cy="0"/>
+          <a:chOff x="0" y="0"/>
+          <a:chExt cx="0" cy="0"/>
+        </a:xfrm>
+      </p:grpSpPr>
+      <p:sp>
+        <p:nvSpPr>
+          <p:cNvPr id="2" name="投影片影像版面配置區 1"/>
+          <p:cNvSpPr>
+            <a:spLocks noGrp="1" noRot="1" noChangeAspect="1"/>
+          </p:cNvSpPr>
+          <p:nvPr>
+            <p:ph type="sldImg"/>
+          </p:nvPr>
+        </p:nvSpPr>
+        <p:spPr/>
+      </p:sp>
+      <p:sp>
+        <p:nvSpPr>
+          <p:cNvPr id="3" name="備忘稿版面配置區 2"/>
+          <p:cNvSpPr>
+            <a:spLocks noGrp="1"/>
+          </p:cNvSpPr>
+          <p:nvPr>
+            <p:ph type="body" idx="1"/>
+          </p:nvPr>
+        </p:nvSpPr>
+        <p:spPr/>
+        <p:txBody>
+          <a:bodyPr/>
+          <a:lstStyle/>
+          <a:p>
             <a:endParaRPr lang="zh-TW" altLang="en-US"/>
           </a:p>
         </p:txBody>
@@ -1445,7 +1600,7 @@
 </p:notes>
 </file>
 
-<file path=ppt/notesSlides/notesSlide16.xml><?xml version="1.0" encoding="utf-8"?>
+<file path=ppt/notesSlides/notesSlide17.xml><?xml version="1.0" encoding="utf-8"?>
 <p:notes xmlns:a="http://schemas.openxmlformats.org/drawingml/2006/main" xmlns:r="http://schemas.openxmlformats.org/officeDocument/2006/relationships" xmlns:p="http://schemas.openxmlformats.org/presentationml/2006/main">
   <p:cSld>
     <p:spTree>
@@ -2944,7 +3099,7 @@
           <a:p>
             <a:fld id="{8A9F4CB5-1750-4E23-A13C-2C1F028F9724}" type="datetimeFigureOut">
               <a:rPr lang="zh-TW" altLang="en-US" smtClean="0"/>
-              <a:t>2023/1/30</a:t>
+              <a:t>2023/1/31</a:t>
             </a:fld>
             <a:endParaRPr lang="zh-TW" altLang="en-US"/>
           </a:p>
@@ -3142,7 +3297,7 @@
           <a:p>
             <a:fld id="{8A9F4CB5-1750-4E23-A13C-2C1F028F9724}" type="datetimeFigureOut">
               <a:rPr lang="zh-TW" altLang="en-US" smtClean="0"/>
-              <a:t>2023/1/30</a:t>
+              <a:t>2023/1/31</a:t>
             </a:fld>
             <a:endParaRPr lang="zh-TW" altLang="en-US"/>
           </a:p>
@@ -3350,7 +3505,7 @@
           <a:p>
             <a:fld id="{8A9F4CB5-1750-4E23-A13C-2C1F028F9724}" type="datetimeFigureOut">
               <a:rPr lang="zh-TW" altLang="en-US" smtClean="0"/>
-              <a:t>2023/1/30</a:t>
+              <a:t>2023/1/31</a:t>
             </a:fld>
             <a:endParaRPr lang="zh-TW" altLang="en-US"/>
           </a:p>
@@ -3548,7 +3703,7 @@
           <a:p>
             <a:fld id="{8A9F4CB5-1750-4E23-A13C-2C1F028F9724}" type="datetimeFigureOut">
               <a:rPr lang="zh-TW" altLang="en-US" smtClean="0"/>
-              <a:t>2023/1/30</a:t>
+              <a:t>2023/1/31</a:t>
             </a:fld>
             <a:endParaRPr lang="zh-TW" altLang="en-US"/>
           </a:p>
@@ -3823,7 +3978,7 @@
           <a:p>
             <a:fld id="{8A9F4CB5-1750-4E23-A13C-2C1F028F9724}" type="datetimeFigureOut">
               <a:rPr lang="zh-TW" altLang="en-US" smtClean="0"/>
-              <a:t>2023/1/30</a:t>
+              <a:t>2023/1/31</a:t>
             </a:fld>
             <a:endParaRPr lang="zh-TW" altLang="en-US"/>
           </a:p>
@@ -4088,7 +4243,7 @@
           <a:p>
             <a:fld id="{8A9F4CB5-1750-4E23-A13C-2C1F028F9724}" type="datetimeFigureOut">
               <a:rPr lang="zh-TW" altLang="en-US" smtClean="0"/>
-              <a:t>2023/1/30</a:t>
+              <a:t>2023/1/31</a:t>
             </a:fld>
             <a:endParaRPr lang="zh-TW" altLang="en-US"/>
           </a:p>
@@ -4500,7 +4655,7 @@
           <a:p>
             <a:fld id="{8A9F4CB5-1750-4E23-A13C-2C1F028F9724}" type="datetimeFigureOut">
               <a:rPr lang="zh-TW" altLang="en-US" smtClean="0"/>
-              <a:t>2023/1/30</a:t>
+              <a:t>2023/1/31</a:t>
             </a:fld>
             <a:endParaRPr lang="zh-TW" altLang="en-US"/>
           </a:p>
@@ -4641,7 +4796,7 @@
           <a:p>
             <a:fld id="{8A9F4CB5-1750-4E23-A13C-2C1F028F9724}" type="datetimeFigureOut">
               <a:rPr lang="zh-TW" altLang="en-US" smtClean="0"/>
-              <a:t>2023/1/30</a:t>
+              <a:t>2023/1/31</a:t>
             </a:fld>
             <a:endParaRPr lang="zh-TW" altLang="en-US"/>
           </a:p>
@@ -4754,7 +4909,7 @@
           <a:p>
             <a:fld id="{8A9F4CB5-1750-4E23-A13C-2C1F028F9724}" type="datetimeFigureOut">
               <a:rPr lang="zh-TW" altLang="en-US" smtClean="0"/>
-              <a:t>2023/1/30</a:t>
+              <a:t>2023/1/31</a:t>
             </a:fld>
             <a:endParaRPr lang="zh-TW" altLang="en-US"/>
           </a:p>
@@ -5065,7 +5220,7 @@
           <a:p>
             <a:fld id="{8A9F4CB5-1750-4E23-A13C-2C1F028F9724}" type="datetimeFigureOut">
               <a:rPr lang="zh-TW" altLang="en-US" smtClean="0"/>
-              <a:t>2023/1/30</a:t>
+              <a:t>2023/1/31</a:t>
             </a:fld>
             <a:endParaRPr lang="zh-TW" altLang="en-US"/>
           </a:p>
@@ -5353,7 +5508,7 @@
           <a:p>
             <a:fld id="{8A9F4CB5-1750-4E23-A13C-2C1F028F9724}" type="datetimeFigureOut">
               <a:rPr lang="zh-TW" altLang="en-US" smtClean="0"/>
-              <a:t>2023/1/30</a:t>
+              <a:t>2023/1/31</a:t>
             </a:fld>
             <a:endParaRPr lang="zh-TW" altLang="en-US"/>
           </a:p>
@@ -5594,7 +5749,7 @@
           <a:p>
             <a:fld id="{8A9F4CB5-1750-4E23-A13C-2C1F028F9724}" type="datetimeFigureOut">
               <a:rPr lang="zh-TW" altLang="en-US" smtClean="0"/>
-              <a:t>2023/1/30</a:t>
+              <a:t>2023/1/31</a:t>
             </a:fld>
             <a:endParaRPr lang="zh-TW" altLang="en-US"/>
           </a:p>
@@ -13120,8 +13275,8 @@
         </p:nvSpPr>
         <p:spPr>
           <a:xfrm>
-            <a:off x="8652387" y="938955"/>
-            <a:ext cx="3480619" cy="1200329"/>
+            <a:off x="2694037" y="5464342"/>
+            <a:ext cx="6096002" cy="923330"/>
           </a:xfrm>
           <a:prstGeom prst="rect">
             <a:avLst/>
@@ -13155,14 +13310,7 @@
             </a:r>
             <a:r>
               <a:rPr lang="zh-TW" altLang="en-US" dirty="0"/>
-              <a:t>第一排點是上述方法</a:t>
-            </a:r>
-            <a:endParaRPr lang="en-US" altLang="zh-TW" dirty="0"/>
-          </a:p>
-          <a:p>
-            <a:r>
-              <a:rPr lang="zh-TW" altLang="en-US" dirty="0"/>
-              <a:t>取得得</a:t>
+              <a:t>第一排點是以上述方法取得的</a:t>
             </a:r>
             <a:r>
               <a:rPr lang="en-US" altLang="zh-TW" dirty="0"/>
@@ -13177,19 +13325,23 @@
           <a:p>
             <a:r>
               <a:rPr lang="en-US" altLang="zh-TW" dirty="0"/>
-              <a:t>2.</a:t>
-            </a:r>
-            <a:r>
-              <a:rPr lang="zh-TW" altLang="en-US" dirty="0"/>
-              <a:t>將</a:t>
-            </a:r>
-            <a:r>
-              <a:rPr lang="en-US" altLang="zh-TW" dirty="0"/>
-              <a:t>Time </a:t>
-            </a:r>
-            <a:r>
-              <a:rPr lang="zh-TW" altLang="en-US" dirty="0"/>
-              <a:t>劃分以</a:t>
+              <a:t>2. </a:t>
+            </a:r>
+            <a:r>
+              <a:rPr lang="zh-TW" altLang="en-US" dirty="0"/>
+              <a:t>將這段時間進行</a:t>
+            </a:r>
+            <a:r>
+              <a:rPr lang="en-US" altLang="zh-TW" dirty="0"/>
+              <a:t>Sample </a:t>
+            </a:r>
+            <a:r>
+              <a:rPr lang="en-US" altLang="zh-TW" dirty="0" err="1"/>
+              <a:t>Sample</a:t>
+            </a:r>
+            <a:r>
+              <a:rPr lang="zh-TW" altLang="en-US" dirty="0"/>
+              <a:t>時間為</a:t>
             </a:r>
             <a:r>
               <a:rPr lang="en-US" altLang="zh-TW" dirty="0"/>
@@ -14191,7 +14343,7 @@
         </p:nvSpPr>
         <p:spPr>
           <a:xfrm>
-            <a:off x="7549536" y="4045977"/>
+            <a:off x="7519071" y="4041058"/>
             <a:ext cx="137652" cy="216306"/>
           </a:xfrm>
           <a:prstGeom prst="ellipse">
@@ -14421,6 +14573,82 @@
           <a:p>
             <a:pPr algn="ctr"/>
             <a:endParaRPr lang="zh-TW" altLang="en-US"/>
+          </a:p>
+        </p:txBody>
+      </p:sp>
+      <p:sp>
+        <p:nvSpPr>
+          <p:cNvPr id="3" name="文字方塊 2">
+            <a:extLst>
+              <a:ext uri="{FF2B5EF4-FFF2-40B4-BE49-F238E27FC236}">
+                <a16:creationId xmlns:a16="http://schemas.microsoft.com/office/drawing/2014/main" id="{543522E7-BFAB-2670-841C-533602F4BBC4}"/>
+              </a:ext>
+            </a:extLst>
+          </p:cNvPr>
+          <p:cNvSpPr txBox="1"/>
+          <p:nvPr/>
+        </p:nvSpPr>
+        <p:spPr>
+          <a:xfrm>
+            <a:off x="29494" y="2952051"/>
+            <a:ext cx="2054942" cy="369332"/>
+          </a:xfrm>
+          <a:prstGeom prst="rect">
+            <a:avLst/>
+          </a:prstGeom>
+          <a:noFill/>
+        </p:spPr>
+        <p:txBody>
+          <a:bodyPr wrap="square" rtlCol="0">
+            <a:spAutoFit/>
+          </a:bodyPr>
+          <a:lstStyle/>
+          <a:p>
+            <a:r>
+              <a:rPr lang="en-US" altLang="zh-TW" dirty="0" err="1"/>
+              <a:t>GroupLeader</a:t>
+            </a:r>
+            <a:r>
+              <a:rPr lang="en-US" altLang="zh-TW" dirty="0"/>
+              <a:t> Array</a:t>
+            </a:r>
+            <a:endParaRPr lang="zh-TW" altLang="en-US" dirty="0"/>
+          </a:p>
+        </p:txBody>
+      </p:sp>
+      <p:sp>
+        <p:nvSpPr>
+          <p:cNvPr id="4" name="文字方塊 3">
+            <a:extLst>
+              <a:ext uri="{FF2B5EF4-FFF2-40B4-BE49-F238E27FC236}">
+                <a16:creationId xmlns:a16="http://schemas.microsoft.com/office/drawing/2014/main" id="{F53DE8BA-96B0-8732-F6C8-87856C34C799}"/>
+              </a:ext>
+            </a:extLst>
+          </p:cNvPr>
+          <p:cNvSpPr txBox="1"/>
+          <p:nvPr/>
+        </p:nvSpPr>
+        <p:spPr>
+          <a:xfrm>
+            <a:off x="21638" y="3713814"/>
+            <a:ext cx="2054942" cy="369332"/>
+          </a:xfrm>
+          <a:prstGeom prst="rect">
+            <a:avLst/>
+          </a:prstGeom>
+          <a:noFill/>
+        </p:spPr>
+        <p:txBody>
+          <a:bodyPr wrap="square" rtlCol="0">
+            <a:spAutoFit/>
+          </a:bodyPr>
+          <a:lstStyle/>
+          <a:p>
+            <a:r>
+              <a:rPr lang="en-US" altLang="zh-TW" dirty="0"/>
+              <a:t>Sample Data</a:t>
+            </a:r>
+            <a:endParaRPr lang="zh-TW" altLang="en-US" dirty="0"/>
           </a:p>
         </p:txBody>
       </p:sp>
@@ -14643,7 +14871,7 @@
             </a:r>
             <a:r>
               <a:rPr lang="zh-TW" altLang="en-US" dirty="0"/>
-              <a:t>能夠模擬後續硬體處理訊號以及解析訊號的過程</a:t>
+              <a:t>能夠模擬後續硬體如何處理訊號以及解析訊號的過程</a:t>
             </a:r>
           </a:p>
         </p:txBody>
@@ -15034,8 +15262,8 @@
         </p:nvSpPr>
         <p:spPr>
           <a:xfrm>
-            <a:off x="0" y="3004456"/>
-            <a:ext cx="1539551" cy="1110343"/>
+            <a:off x="173856" y="3012626"/>
+            <a:ext cx="1343210" cy="992992"/>
           </a:xfrm>
           <a:prstGeom prst="roundRect">
             <a:avLst/>
@@ -15079,18 +15307,23 @@
               </a:ext>
             </a:extLst>
           </p:cNvPr>
-          <p:cNvCxnSpPr/>
+          <p:cNvCxnSpPr>
+            <a:cxnSpLocks/>
+          </p:cNvCxnSpPr>
           <p:nvPr/>
         </p:nvCxnSpPr>
         <p:spPr>
           <a:xfrm>
-            <a:off x="1604863" y="3581137"/>
-            <a:ext cx="1026367" cy="0"/>
+            <a:off x="1604863" y="3560828"/>
+            <a:ext cx="856398" cy="0"/>
           </a:xfrm>
           <a:prstGeom prst="straightConnector1">
             <a:avLst/>
           </a:prstGeom>
           <a:ln w="38100">
+            <a:solidFill>
+              <a:srgbClr val="FFC000"/>
+            </a:solidFill>
             <a:tailEnd type="triangle"/>
           </a:ln>
         </p:spPr>
@@ -15123,8 +15356,8 @@
         </p:nvSpPr>
         <p:spPr>
           <a:xfrm>
-            <a:off x="2696546" y="3004456"/>
-            <a:ext cx="1539551" cy="1110343"/>
+            <a:off x="2590397" y="3004456"/>
+            <a:ext cx="1386957" cy="972970"/>
           </a:xfrm>
           <a:prstGeom prst="roundRect">
             <a:avLst/>
@@ -15159,100 +15392,22 @@
           </a:p>
         </p:txBody>
       </p:sp>
-      <p:cxnSp>
-        <p:nvCxnSpPr>
-          <p:cNvPr id="8" name="直線單箭頭接點 7">
-            <a:extLst>
-              <a:ext uri="{FF2B5EF4-FFF2-40B4-BE49-F238E27FC236}">
-                <a16:creationId xmlns:a16="http://schemas.microsoft.com/office/drawing/2014/main" id="{9E24CAF3-5FBC-535A-E34B-D0842385A106}"/>
-              </a:ext>
-            </a:extLst>
-          </p:cNvPr>
-          <p:cNvCxnSpPr/>
+      <p:sp>
+        <p:nvSpPr>
+          <p:cNvPr id="11" name="矩形: 圓角 10">
+            <a:extLst>
+              <a:ext uri="{FF2B5EF4-FFF2-40B4-BE49-F238E27FC236}">
+                <a16:creationId xmlns:a16="http://schemas.microsoft.com/office/drawing/2014/main" id="{A5C0EEA4-E1C0-E31E-366C-6E645F764228}"/>
+              </a:ext>
+            </a:extLst>
+          </p:cNvPr>
+          <p:cNvSpPr/>
           <p:nvPr/>
-        </p:nvCxnSpPr>
+        </p:nvSpPr>
         <p:spPr>
           <a:xfrm>
-            <a:off x="4435151" y="3559627"/>
-            <a:ext cx="1026367" cy="0"/>
-          </a:xfrm>
-          <a:prstGeom prst="straightConnector1">
-            <a:avLst/>
-          </a:prstGeom>
-          <a:ln>
-            <a:tailEnd type="triangle"/>
-          </a:ln>
-        </p:spPr>
-        <p:style>
-          <a:lnRef idx="1">
-            <a:schemeClr val="accent1"/>
-          </a:lnRef>
-          <a:fillRef idx="0">
-            <a:schemeClr val="accent1"/>
-          </a:fillRef>
-          <a:effectRef idx="0">
-            <a:schemeClr val="accent1"/>
-          </a:effectRef>
-          <a:fontRef idx="minor">
-            <a:schemeClr val="tx1"/>
-          </a:fontRef>
-        </p:style>
-      </p:cxnSp>
-      <p:cxnSp>
-        <p:nvCxnSpPr>
-          <p:cNvPr id="10" name="直線單箭頭接點 9">
-            <a:extLst>
-              <a:ext uri="{FF2B5EF4-FFF2-40B4-BE49-F238E27FC236}">
-                <a16:creationId xmlns:a16="http://schemas.microsoft.com/office/drawing/2014/main" id="{8AE448BE-A556-EFFA-1B28-239F3FE038C8}"/>
-              </a:ext>
-            </a:extLst>
-          </p:cNvPr>
-          <p:cNvCxnSpPr/>
-          <p:nvPr/>
-        </p:nvCxnSpPr>
-        <p:spPr>
-          <a:xfrm>
-            <a:off x="7498702" y="3559627"/>
-            <a:ext cx="1026367" cy="0"/>
-          </a:xfrm>
-          <a:prstGeom prst="straightConnector1">
-            <a:avLst/>
-          </a:prstGeom>
-          <a:ln>
-            <a:tailEnd type="triangle"/>
-          </a:ln>
-        </p:spPr>
-        <p:style>
-          <a:lnRef idx="1">
-            <a:schemeClr val="accent1"/>
-          </a:lnRef>
-          <a:fillRef idx="0">
-            <a:schemeClr val="accent1"/>
-          </a:fillRef>
-          <a:effectRef idx="0">
-            <a:schemeClr val="accent1"/>
-          </a:effectRef>
-          <a:fontRef idx="minor">
-            <a:schemeClr val="tx1"/>
-          </a:fontRef>
-        </p:style>
-      </p:cxnSp>
-      <p:sp>
-        <p:nvSpPr>
-          <p:cNvPr id="11" name="矩形: 圓角 10">
-            <a:extLst>
-              <a:ext uri="{FF2B5EF4-FFF2-40B4-BE49-F238E27FC236}">
-                <a16:creationId xmlns:a16="http://schemas.microsoft.com/office/drawing/2014/main" id="{A5C0EEA4-E1C0-E31E-366C-6E645F764228}"/>
-              </a:ext>
-            </a:extLst>
-          </p:cNvPr>
-          <p:cNvSpPr/>
-          <p:nvPr/>
-        </p:nvSpPr>
-        <p:spPr>
-          <a:xfrm>
-            <a:off x="8678626" y="3004456"/>
-            <a:ext cx="1539551" cy="1110343"/>
+            <a:off x="7539830" y="2968000"/>
+            <a:ext cx="1317872" cy="972970"/>
           </a:xfrm>
           <a:prstGeom prst="roundRect">
             <a:avLst/>
@@ -15287,102 +15442,22 @@
           </a:p>
         </p:txBody>
       </p:sp>
-      <p:cxnSp>
-        <p:nvCxnSpPr>
-          <p:cNvPr id="13" name="直線單箭頭接點 12">
-            <a:extLst>
-              <a:ext uri="{FF2B5EF4-FFF2-40B4-BE49-F238E27FC236}">
-                <a16:creationId xmlns:a16="http://schemas.microsoft.com/office/drawing/2014/main" id="{8B03FA11-22BE-B9FA-3C38-231FBF56C957}"/>
-              </a:ext>
-            </a:extLst>
-          </p:cNvPr>
-          <p:cNvCxnSpPr/>
+      <p:sp>
+        <p:nvSpPr>
+          <p:cNvPr id="16" name="矩形: 圓角 15">
+            <a:extLst>
+              <a:ext uri="{FF2B5EF4-FFF2-40B4-BE49-F238E27FC236}">
+                <a16:creationId xmlns:a16="http://schemas.microsoft.com/office/drawing/2014/main" id="{19638754-D7C5-A2C1-3BB0-44E6FD66DC72}"/>
+              </a:ext>
+            </a:extLst>
+          </p:cNvPr>
+          <p:cNvSpPr/>
           <p:nvPr/>
-        </p:nvCxnSpPr>
-        <p:spPr>
-          <a:xfrm flipV="1">
-            <a:off x="10478277" y="2799183"/>
-            <a:ext cx="830425" cy="625151"/>
-          </a:xfrm>
-          <a:prstGeom prst="straightConnector1">
-            <a:avLst/>
-          </a:prstGeom>
-          <a:ln>
-            <a:tailEnd type="triangle"/>
-          </a:ln>
-        </p:spPr>
-        <p:style>
-          <a:lnRef idx="1">
-            <a:schemeClr val="accent1"/>
-          </a:lnRef>
-          <a:fillRef idx="0">
-            <a:schemeClr val="accent1"/>
-          </a:fillRef>
-          <a:effectRef idx="0">
-            <a:schemeClr val="accent1"/>
-          </a:effectRef>
-          <a:fontRef idx="minor">
-            <a:schemeClr val="tx1"/>
-          </a:fontRef>
-        </p:style>
-      </p:cxnSp>
-      <p:cxnSp>
-        <p:nvCxnSpPr>
-          <p:cNvPr id="14" name="直線單箭頭接點 13">
-            <a:extLst>
-              <a:ext uri="{FF2B5EF4-FFF2-40B4-BE49-F238E27FC236}">
-                <a16:creationId xmlns:a16="http://schemas.microsoft.com/office/drawing/2014/main" id="{261C1A85-3528-29A9-3569-39D79B465521}"/>
-              </a:ext>
-            </a:extLst>
-          </p:cNvPr>
-          <p:cNvCxnSpPr>
-            <a:cxnSpLocks/>
-          </p:cNvCxnSpPr>
-          <p:nvPr/>
-        </p:nvCxnSpPr>
+        </p:nvSpPr>
         <p:spPr>
           <a:xfrm>
-            <a:off x="10478277" y="3649532"/>
-            <a:ext cx="678025" cy="920620"/>
-          </a:xfrm>
-          <a:prstGeom prst="straightConnector1">
-            <a:avLst/>
-          </a:prstGeom>
-          <a:ln>
-            <a:tailEnd type="triangle"/>
-          </a:ln>
-        </p:spPr>
-        <p:style>
-          <a:lnRef idx="1">
-            <a:schemeClr val="accent1"/>
-          </a:lnRef>
-          <a:fillRef idx="0">
-            <a:schemeClr val="accent1"/>
-          </a:fillRef>
-          <a:effectRef idx="0">
-            <a:schemeClr val="accent1"/>
-          </a:effectRef>
-          <a:fontRef idx="minor">
-            <a:schemeClr val="tx1"/>
-          </a:fontRef>
-        </p:style>
-      </p:cxnSp>
-      <p:sp>
-        <p:nvSpPr>
-          <p:cNvPr id="16" name="矩形: 圓角 15">
-            <a:extLst>
-              <a:ext uri="{FF2B5EF4-FFF2-40B4-BE49-F238E27FC236}">
-                <a16:creationId xmlns:a16="http://schemas.microsoft.com/office/drawing/2014/main" id="{19638754-D7C5-A2C1-3BB0-44E6FD66DC72}"/>
-              </a:ext>
-            </a:extLst>
-          </p:cNvPr>
-          <p:cNvSpPr/>
-          <p:nvPr/>
-        </p:nvSpPr>
-        <p:spPr>
-          <a:xfrm>
-            <a:off x="11635272" y="2001415"/>
-            <a:ext cx="1539551" cy="1110343"/>
+            <a:off x="10313251" y="1947367"/>
+            <a:ext cx="1213384" cy="944437"/>
           </a:xfrm>
           <a:prstGeom prst="roundRect">
             <a:avLst/>
@@ -15431,8 +15506,8 @@
         </p:nvSpPr>
         <p:spPr>
           <a:xfrm>
-            <a:off x="11635271" y="4014980"/>
-            <a:ext cx="1539551" cy="1110343"/>
+            <a:off x="10332935" y="3767913"/>
+            <a:ext cx="1224164" cy="944437"/>
           </a:xfrm>
           <a:prstGeom prst="roundRect">
             <a:avLst/>
@@ -15713,7 +15788,7 @@
         </p:nvCxnSpPr>
         <p:spPr>
           <a:xfrm>
-            <a:off x="6458551" y="3997448"/>
+            <a:off x="5807709" y="3977426"/>
             <a:ext cx="0" cy="514953"/>
           </a:xfrm>
           <a:prstGeom prst="line">
@@ -15753,13 +15828,15 @@
               </a:ext>
             </a:extLst>
           </p:cNvPr>
-          <p:cNvCxnSpPr/>
+          <p:cNvCxnSpPr>
+            <a:cxnSpLocks/>
+          </p:cNvCxnSpPr>
           <p:nvPr/>
         </p:nvCxnSpPr>
         <p:spPr>
           <a:xfrm flipH="1">
             <a:off x="4049029" y="4512401"/>
-            <a:ext cx="2428773" cy="0"/>
+            <a:ext cx="1758680" cy="0"/>
           </a:xfrm>
           <a:prstGeom prst="line">
             <a:avLst/>
@@ -15882,8 +15959,8 @@
         </p:nvSpPr>
         <p:spPr>
           <a:xfrm>
-            <a:off x="-504825" y="1690687"/>
-            <a:ext cx="13791617" cy="3512045"/>
+            <a:off x="131028" y="1690688"/>
+            <a:ext cx="11736507" cy="3215609"/>
           </a:xfrm>
           <a:prstGeom prst="rect">
             <a:avLst/>
@@ -15932,7 +16009,7 @@
         </p:nvSpPr>
         <p:spPr>
           <a:xfrm>
-            <a:off x="-1100725" y="5660299"/>
+            <a:off x="1326991" y="5553781"/>
             <a:ext cx="994090" cy="369332"/>
           </a:xfrm>
           <a:prstGeom prst="rect">
@@ -15968,7 +16045,7 @@
         </p:nvSpPr>
         <p:spPr>
           <a:xfrm>
-            <a:off x="-504824" y="5387606"/>
+            <a:off x="405881" y="5253020"/>
             <a:ext cx="10514062" cy="1519124"/>
           </a:xfrm>
           <a:prstGeom prst="rect">
@@ -16021,8 +16098,8 @@
         </p:nvSpPr>
         <p:spPr>
           <a:xfrm>
-            <a:off x="-1244273" y="3111758"/>
-            <a:ext cx="994090" cy="646331"/>
+            <a:off x="1097159" y="2421826"/>
+            <a:ext cx="2504513" cy="369332"/>
           </a:xfrm>
           <a:prstGeom prst="rect">
             <a:avLst/>
@@ -16065,8 +16142,8 @@
         </p:nvSpPr>
         <p:spPr>
           <a:xfrm>
-            <a:off x="5730553" y="3004456"/>
-            <a:ext cx="1539551" cy="1110343"/>
+            <a:off x="5131594" y="2974757"/>
+            <a:ext cx="1317872" cy="972970"/>
           </a:xfrm>
           <a:prstGeom prst="roundRect">
             <a:avLst/>
@@ -16117,7 +16194,7 @@
         </p:nvCxnSpPr>
         <p:spPr>
           <a:xfrm>
-            <a:off x="6665465" y="2330361"/>
+            <a:off x="5865786" y="2410083"/>
             <a:ext cx="527278" cy="0"/>
           </a:xfrm>
           <a:prstGeom prst="line">
@@ -16155,7 +16232,7 @@
         </p:nvCxnSpPr>
         <p:spPr>
           <a:xfrm flipV="1">
-            <a:off x="6458551" y="2322663"/>
+            <a:off x="5658872" y="2402385"/>
             <a:ext cx="217275" cy="467845"/>
           </a:xfrm>
           <a:prstGeom prst="line">
@@ -16193,7 +16270,7 @@
         </p:nvCxnSpPr>
         <p:spPr>
           <a:xfrm>
-            <a:off x="5931273" y="2799183"/>
+            <a:off x="5131594" y="2878905"/>
             <a:ext cx="527278" cy="0"/>
           </a:xfrm>
           <a:prstGeom prst="line">
@@ -16217,10 +16294,10 @@
       </p:cxnSp>
       <p:cxnSp>
         <p:nvCxnSpPr>
-          <p:cNvPr id="20" name="直線接點 19">
-            <a:extLst>
-              <a:ext uri="{FF2B5EF4-FFF2-40B4-BE49-F238E27FC236}">
-                <a16:creationId xmlns:a16="http://schemas.microsoft.com/office/drawing/2014/main" id="{A4918CC8-D84E-12E4-49F8-50E1CAD1CCAB}"/>
+          <p:cNvPr id="18" name="直線接點 17">
+            <a:extLst>
+              <a:ext uri="{FF2B5EF4-FFF2-40B4-BE49-F238E27FC236}">
+                <a16:creationId xmlns:a16="http://schemas.microsoft.com/office/drawing/2014/main" id="{6B0632FB-B39E-5A8A-11E0-E97409E4296B}"/>
               </a:ext>
             </a:extLst>
           </p:cNvPr>
@@ -16231,13 +16308,17 @@
         </p:nvCxnSpPr>
         <p:spPr>
           <a:xfrm>
-            <a:off x="2118047" y="2522058"/>
-            <a:ext cx="1" cy="944436"/>
+            <a:off x="744793" y="2035124"/>
+            <a:ext cx="0" cy="915965"/>
           </a:xfrm>
           <a:prstGeom prst="line">
             <a:avLst/>
           </a:prstGeom>
-          <a:ln w="38100"/>
+          <a:ln w="38100">
+            <a:solidFill>
+              <a:schemeClr val="accent6"/>
+            </a:solidFill>
+          </a:ln>
         </p:spPr>
         <p:style>
           <a:lnRef idx="1">
@@ -16256,25 +16337,251 @@
       </p:cxnSp>
       <p:cxnSp>
         <p:nvCxnSpPr>
-          <p:cNvPr id="34" name="直線接點 33">
-            <a:extLst>
-              <a:ext uri="{FF2B5EF4-FFF2-40B4-BE49-F238E27FC236}">
-                <a16:creationId xmlns:a16="http://schemas.microsoft.com/office/drawing/2014/main" id="{8A47B95D-F8BC-9D2A-5288-4FF9C2AAD610}"/>
-              </a:ext>
-            </a:extLst>
-          </p:cNvPr>
-          <p:cNvCxnSpPr/>
+          <p:cNvPr id="42" name="直線接點 41">
+            <a:extLst>
+              <a:ext uri="{FF2B5EF4-FFF2-40B4-BE49-F238E27FC236}">
+                <a16:creationId xmlns:a16="http://schemas.microsoft.com/office/drawing/2014/main" id="{7D4BDE05-632A-D6B4-8C12-9D7E9A281573}"/>
+              </a:ext>
+            </a:extLst>
+          </p:cNvPr>
+          <p:cNvCxnSpPr>
+            <a:cxnSpLocks/>
+          </p:cNvCxnSpPr>
           <p:nvPr/>
         </p:nvCxnSpPr>
         <p:spPr>
           <a:xfrm>
-            <a:off x="769775" y="2060020"/>
-            <a:ext cx="8386726" cy="0"/>
+            <a:off x="744793" y="2035124"/>
+            <a:ext cx="7241268" cy="22459"/>
           </a:xfrm>
           <a:prstGeom prst="line">
             <a:avLst/>
           </a:prstGeom>
-          <a:ln w="38100"/>
+          <a:ln w="38100">
+            <a:solidFill>
+              <a:schemeClr val="accent6"/>
+            </a:solidFill>
+          </a:ln>
+        </p:spPr>
+        <p:style>
+          <a:lnRef idx="1">
+            <a:schemeClr val="accent1"/>
+          </a:lnRef>
+          <a:fillRef idx="0">
+            <a:schemeClr val="accent1"/>
+          </a:fillRef>
+          <a:effectRef idx="0">
+            <a:schemeClr val="accent1"/>
+          </a:effectRef>
+          <a:fontRef idx="minor">
+            <a:schemeClr val="tx1"/>
+          </a:fontRef>
+        </p:style>
+      </p:cxnSp>
+      <p:cxnSp>
+        <p:nvCxnSpPr>
+          <p:cNvPr id="45" name="直線單箭頭接點 44">
+            <a:extLst>
+              <a:ext uri="{FF2B5EF4-FFF2-40B4-BE49-F238E27FC236}">
+                <a16:creationId xmlns:a16="http://schemas.microsoft.com/office/drawing/2014/main" id="{58FFFEEE-CC6D-0EA8-4CD9-248232C432F8}"/>
+              </a:ext>
+            </a:extLst>
+          </p:cNvPr>
+          <p:cNvCxnSpPr>
+            <a:cxnSpLocks/>
+          </p:cNvCxnSpPr>
+          <p:nvPr/>
+        </p:nvCxnSpPr>
+        <p:spPr>
+          <a:xfrm>
+            <a:off x="7986061" y="2030321"/>
+            <a:ext cx="0" cy="944436"/>
+          </a:xfrm>
+          <a:prstGeom prst="straightConnector1">
+            <a:avLst/>
+          </a:prstGeom>
+          <a:ln w="38100">
+            <a:solidFill>
+              <a:schemeClr val="accent6"/>
+            </a:solidFill>
+            <a:tailEnd type="triangle"/>
+          </a:ln>
+        </p:spPr>
+        <p:style>
+          <a:lnRef idx="1">
+            <a:schemeClr val="accent1"/>
+          </a:lnRef>
+          <a:fillRef idx="0">
+            <a:schemeClr val="accent1"/>
+          </a:fillRef>
+          <a:effectRef idx="0">
+            <a:schemeClr val="accent1"/>
+          </a:effectRef>
+          <a:fontRef idx="minor">
+            <a:schemeClr val="tx1"/>
+          </a:fontRef>
+        </p:style>
+      </p:cxnSp>
+      <p:cxnSp>
+        <p:nvCxnSpPr>
+          <p:cNvPr id="52" name="直線單箭頭接點 51">
+            <a:extLst>
+              <a:ext uri="{FF2B5EF4-FFF2-40B4-BE49-F238E27FC236}">
+                <a16:creationId xmlns:a16="http://schemas.microsoft.com/office/drawing/2014/main" id="{BB7A4A04-7CBC-D3E7-F813-AEAE795C2592}"/>
+              </a:ext>
+            </a:extLst>
+          </p:cNvPr>
+          <p:cNvCxnSpPr>
+            <a:cxnSpLocks/>
+          </p:cNvCxnSpPr>
+          <p:nvPr/>
+        </p:nvCxnSpPr>
+        <p:spPr>
+          <a:xfrm flipV="1">
+            <a:off x="9047219" y="2477397"/>
+            <a:ext cx="999434" cy="745393"/>
+          </a:xfrm>
+          <a:prstGeom prst="straightConnector1">
+            <a:avLst/>
+          </a:prstGeom>
+          <a:ln w="38100">
+            <a:solidFill>
+              <a:srgbClr val="FF0000"/>
+            </a:solidFill>
+            <a:tailEnd type="triangle"/>
+          </a:ln>
+        </p:spPr>
+        <p:style>
+          <a:lnRef idx="1">
+            <a:schemeClr val="accent1"/>
+          </a:lnRef>
+          <a:fillRef idx="0">
+            <a:schemeClr val="accent1"/>
+          </a:fillRef>
+          <a:effectRef idx="0">
+            <a:schemeClr val="accent1"/>
+          </a:effectRef>
+          <a:fontRef idx="minor">
+            <a:schemeClr val="tx1"/>
+          </a:fontRef>
+        </p:style>
+      </p:cxnSp>
+      <p:cxnSp>
+        <p:nvCxnSpPr>
+          <p:cNvPr id="54" name="直線單箭頭接點 53">
+            <a:extLst>
+              <a:ext uri="{FF2B5EF4-FFF2-40B4-BE49-F238E27FC236}">
+                <a16:creationId xmlns:a16="http://schemas.microsoft.com/office/drawing/2014/main" id="{EDDA30F7-222A-477D-C8D4-72AE390C95C0}"/>
+              </a:ext>
+            </a:extLst>
+          </p:cNvPr>
+          <p:cNvCxnSpPr>
+            <a:cxnSpLocks/>
+          </p:cNvCxnSpPr>
+          <p:nvPr/>
+        </p:nvCxnSpPr>
+        <p:spPr>
+          <a:xfrm>
+            <a:off x="9084987" y="3509122"/>
+            <a:ext cx="863079" cy="725780"/>
+          </a:xfrm>
+          <a:prstGeom prst="straightConnector1">
+            <a:avLst/>
+          </a:prstGeom>
+          <a:ln w="38100">
+            <a:solidFill>
+              <a:srgbClr val="FF0000"/>
+            </a:solidFill>
+            <a:tailEnd type="triangle"/>
+          </a:ln>
+        </p:spPr>
+        <p:style>
+          <a:lnRef idx="1">
+            <a:schemeClr val="accent1"/>
+          </a:lnRef>
+          <a:fillRef idx="0">
+            <a:schemeClr val="accent1"/>
+          </a:fillRef>
+          <a:effectRef idx="0">
+            <a:schemeClr val="accent1"/>
+          </a:effectRef>
+          <a:fontRef idx="minor">
+            <a:schemeClr val="tx1"/>
+          </a:fontRef>
+        </p:style>
+      </p:cxnSp>
+      <p:cxnSp>
+        <p:nvCxnSpPr>
+          <p:cNvPr id="60" name="直線單箭頭接點 59">
+            <a:extLst>
+              <a:ext uri="{FF2B5EF4-FFF2-40B4-BE49-F238E27FC236}">
+                <a16:creationId xmlns:a16="http://schemas.microsoft.com/office/drawing/2014/main" id="{12773E32-BED7-ABC4-F2EF-87F82B3977BB}"/>
+              </a:ext>
+            </a:extLst>
+          </p:cNvPr>
+          <p:cNvCxnSpPr>
+            <a:cxnSpLocks/>
+          </p:cNvCxnSpPr>
+          <p:nvPr/>
+        </p:nvCxnSpPr>
+        <p:spPr>
+          <a:xfrm>
+            <a:off x="4180849" y="3538968"/>
+            <a:ext cx="856398" cy="0"/>
+          </a:xfrm>
+          <a:prstGeom prst="straightConnector1">
+            <a:avLst/>
+          </a:prstGeom>
+          <a:ln w="38100">
+            <a:solidFill>
+              <a:srgbClr val="FFC000"/>
+            </a:solidFill>
+            <a:tailEnd type="triangle"/>
+          </a:ln>
+        </p:spPr>
+        <p:style>
+          <a:lnRef idx="1">
+            <a:schemeClr val="accent1"/>
+          </a:lnRef>
+          <a:fillRef idx="0">
+            <a:schemeClr val="accent1"/>
+          </a:fillRef>
+          <a:effectRef idx="0">
+            <a:schemeClr val="accent1"/>
+          </a:effectRef>
+          <a:fontRef idx="minor">
+            <a:schemeClr val="tx1"/>
+          </a:fontRef>
+        </p:style>
+      </p:cxnSp>
+      <p:cxnSp>
+        <p:nvCxnSpPr>
+          <p:cNvPr id="62" name="直線單箭頭接點 61">
+            <a:extLst>
+              <a:ext uri="{FF2B5EF4-FFF2-40B4-BE49-F238E27FC236}">
+                <a16:creationId xmlns:a16="http://schemas.microsoft.com/office/drawing/2014/main" id="{5A47DA8C-790B-BC26-7C11-D1546416F13B}"/>
+              </a:ext>
+            </a:extLst>
+          </p:cNvPr>
+          <p:cNvCxnSpPr>
+            <a:cxnSpLocks/>
+          </p:cNvCxnSpPr>
+          <p:nvPr/>
+        </p:nvCxnSpPr>
+        <p:spPr>
+          <a:xfrm>
+            <a:off x="6579069" y="3461242"/>
+            <a:ext cx="856398" cy="0"/>
+          </a:xfrm>
+          <a:prstGeom prst="straightConnector1">
+            <a:avLst/>
+          </a:prstGeom>
+          <a:ln w="38100">
+            <a:solidFill>
+              <a:srgbClr val="FFC000"/>
+            </a:solidFill>
+            <a:tailEnd type="triangle"/>
+          </a:ln>
         </p:spPr>
         <p:style>
           <a:lnRef idx="1">

--- a/Project_Summary_pdf/Project_Summary.pptx
+++ b/Project_Summary_pdf/Project_Summary.pptx
@@ -5,7 +5,7 @@
     <p:sldMasterId id="2147483648" r:id="rId1"/>
   </p:sldMasterIdLst>
   <p:notesMasterIdLst>
-    <p:notesMasterId r:id="rId46"/>
+    <p:notesMasterId r:id="rId48"/>
   </p:notesMasterIdLst>
   <p:sldIdLst>
     <p:sldId id="256" r:id="rId2"/>
@@ -38,20 +38,22 @@
     <p:sldId id="285" r:id="rId29"/>
     <p:sldId id="286" r:id="rId30"/>
     <p:sldId id="881" r:id="rId31"/>
-    <p:sldId id="889" r:id="rId32"/>
-    <p:sldId id="890" r:id="rId33"/>
-    <p:sldId id="751" r:id="rId34"/>
-    <p:sldId id="882" r:id="rId35"/>
-    <p:sldId id="281" r:id="rId36"/>
-    <p:sldId id="257" r:id="rId37"/>
-    <p:sldId id="258" r:id="rId38"/>
-    <p:sldId id="260" r:id="rId39"/>
-    <p:sldId id="263" r:id="rId40"/>
-    <p:sldId id="264" r:id="rId41"/>
-    <p:sldId id="259" r:id="rId42"/>
-    <p:sldId id="265" r:id="rId43"/>
-    <p:sldId id="282" r:id="rId44"/>
-    <p:sldId id="885" r:id="rId45"/>
+    <p:sldId id="896" r:id="rId32"/>
+    <p:sldId id="895" r:id="rId33"/>
+    <p:sldId id="889" r:id="rId34"/>
+    <p:sldId id="890" r:id="rId35"/>
+    <p:sldId id="751" r:id="rId36"/>
+    <p:sldId id="882" r:id="rId37"/>
+    <p:sldId id="281" r:id="rId38"/>
+    <p:sldId id="257" r:id="rId39"/>
+    <p:sldId id="258" r:id="rId40"/>
+    <p:sldId id="260" r:id="rId41"/>
+    <p:sldId id="263" r:id="rId42"/>
+    <p:sldId id="264" r:id="rId43"/>
+    <p:sldId id="259" r:id="rId44"/>
+    <p:sldId id="265" r:id="rId45"/>
+    <p:sldId id="282" r:id="rId46"/>
+    <p:sldId id="885" r:id="rId47"/>
   </p:sldIdLst>
   <p:sldSz cx="12192000" cy="6858000"/>
   <p:notesSz cx="6858000" cy="9144000"/>
@@ -201,6 +203,8 @@
             <p14:sldId id="285"/>
             <p14:sldId id="286"/>
             <p14:sldId id="881"/>
+            <p14:sldId id="896"/>
+            <p14:sldId id="895"/>
             <p14:sldId id="889"/>
             <p14:sldId id="890"/>
             <p14:sldId id="751"/>
@@ -1421,58 +1425,6 @@
           <a:bodyPr/>
           <a:lstStyle/>
           <a:p>
-            <a:r>
-              <a:rPr lang="zh-TW" altLang="en-US" dirty="0"/>
-              <a:t>訊號處理 </a:t>
-            </a:r>
-            <a:r>
-              <a:rPr lang="en-US" altLang="zh-TW" dirty="0"/>
-              <a:t>Path :</a:t>
-            </a:r>
-          </a:p>
-          <a:p>
-            <a:pPr marL="228600" indent="-228600">
-              <a:buAutoNum type="arabicPeriod"/>
-            </a:pPr>
-            <a:r>
-              <a:rPr lang="zh-TW" altLang="en-US" dirty="0"/>
-              <a:t>黃色 </a:t>
-            </a:r>
-            <a:r>
-              <a:rPr lang="en-US" altLang="zh-TW" dirty="0"/>
-              <a:t>(</a:t>
-            </a:r>
-            <a:r>
-              <a:rPr lang="zh-TW" altLang="en-US" dirty="0"/>
-              <a:t> 經過內部 </a:t>
-            </a:r>
-            <a:r>
-              <a:rPr lang="en-US" altLang="zh-TW" dirty="0"/>
-              <a:t>1st HPF)</a:t>
-            </a:r>
-          </a:p>
-          <a:p>
-            <a:pPr marL="228600" indent="-228600">
-              <a:buAutoNum type="arabicPeriod"/>
-            </a:pPr>
-            <a:r>
-              <a:rPr lang="zh-TW" altLang="en-US" dirty="0"/>
-              <a:t>綠色 </a:t>
-            </a:r>
-            <a:r>
-              <a:rPr lang="en-US" altLang="zh-TW" dirty="0"/>
-              <a:t>(</a:t>
-            </a:r>
-            <a:r>
-              <a:rPr lang="zh-TW" altLang="en-US" dirty="0"/>
-              <a:t>不經過任何數位處理</a:t>
-            </a:r>
-            <a:r>
-              <a:rPr lang="en-US" altLang="zh-TW" dirty="0"/>
-              <a:t>)</a:t>
-            </a:r>
-          </a:p>
-          <a:p>
             <a:pPr marL="228600" indent="-228600">
               <a:buAutoNum type="arabicPeriod"/>
             </a:pPr>
@@ -1581,7 +1533,7 @@
           <a:p>
             <a:fld id="{0116F853-F7F2-4239-A629-A213C1D67574}" type="slidenum">
               <a:rPr lang="zh-TW" altLang="en-US" smtClean="0"/>
-              <a:t>36</a:t>
+              <a:t>38</a:t>
             </a:fld>
             <a:endParaRPr lang="zh-TW" altLang="en-US"/>
           </a:p>
@@ -1729,7 +1681,7 @@
           <a:p>
             <a:fld id="{0116F853-F7F2-4239-A629-A213C1D67574}" type="slidenum">
               <a:rPr lang="zh-TW" altLang="en-US" smtClean="0"/>
-              <a:t>37</a:t>
+              <a:t>39</a:t>
             </a:fld>
             <a:endParaRPr lang="zh-TW" altLang="en-US"/>
           </a:p>
@@ -15021,8 +14973,13 @@
             </a:r>
             <a:r>
               <a:rPr lang="en-US" altLang="zh-TW" dirty="0"/>
-              <a:t>Decode</a:t>
-            </a:r>
+              <a:t>Decoder</a:t>
+            </a:r>
+            <a:r>
+              <a:rPr lang="zh-TW" altLang="en-US" dirty="0"/>
+              <a:t>電路</a:t>
+            </a:r>
+            <a:endParaRPr lang="en-US" altLang="zh-TW" dirty="0"/>
           </a:p>
           <a:p>
             <a:pPr marL="514350" indent="-514350">
@@ -15406,7 +15363,7 @@
         </p:nvSpPr>
         <p:spPr>
           <a:xfrm>
-            <a:off x="7539830" y="2968000"/>
+            <a:off x="7510623" y="3032648"/>
             <a:ext cx="1317872" cy="972970"/>
           </a:xfrm>
           <a:prstGeom prst="roundRect">
@@ -15564,7 +15521,13 @@
           <a:prstGeom prst="line">
             <a:avLst/>
           </a:prstGeom>
-          <a:ln w="38100"/>
+          <a:ln w="38100">
+            <a:solidFill>
+              <a:schemeClr val="accent6">
+                <a:lumMod val="50000"/>
+              </a:schemeClr>
+            </a:solidFill>
+          </a:ln>
         </p:spPr>
         <p:style>
           <a:lnRef idx="1">
@@ -15604,6 +15567,11 @@
             <a:avLst/>
           </a:prstGeom>
           <a:ln w="38100">
+            <a:solidFill>
+              <a:schemeClr val="accent6">
+                <a:lumMod val="50000"/>
+              </a:schemeClr>
+            </a:solidFill>
             <a:tailEnd type="triangle"/>
           </a:ln>
         </p:spPr>
@@ -15959,8 +15927,8 @@
         </p:nvSpPr>
         <p:spPr>
           <a:xfrm>
-            <a:off x="131028" y="1690688"/>
-            <a:ext cx="11736507" cy="3215609"/>
+            <a:off x="101531" y="1668905"/>
+            <a:ext cx="8875321" cy="3214784"/>
           </a:xfrm>
           <a:prstGeom prst="rect">
             <a:avLst/>
@@ -16046,7 +16014,7 @@
         <p:spPr>
           <a:xfrm>
             <a:off x="405881" y="5253020"/>
-            <a:ext cx="10514062" cy="1519124"/>
+            <a:ext cx="9101913" cy="1519124"/>
           </a:xfrm>
           <a:prstGeom prst="rect">
             <a:avLst/>
@@ -16098,7 +16066,7 @@
         </p:nvSpPr>
         <p:spPr>
           <a:xfrm>
-            <a:off x="1097159" y="2421826"/>
+            <a:off x="1104053" y="2362445"/>
             <a:ext cx="2504513" cy="369332"/>
           </a:xfrm>
           <a:prstGeom prst="rect">
@@ -16113,18 +16081,9 @@
           <a:lstStyle/>
           <a:p>
             <a:r>
-              <a:rPr lang="en-US" altLang="zh-TW" dirty="0"/>
-              <a:t>RX</a:t>
-            </a:r>
-            <a:r>
-              <a:rPr lang="zh-TW" altLang="en-US" dirty="0"/>
-              <a:t> </a:t>
-            </a:r>
-            <a:r>
-              <a:rPr lang="en-US" altLang="zh-TW" dirty="0"/>
-              <a:t>Decode</a:t>
-            </a:r>
-            <a:endParaRPr lang="zh-TW" altLang="en-US" dirty="0"/>
+              <a:rPr lang="zh-TW" altLang="en-US" dirty="0"/>
+              <a:t>前端訊號處理</a:t>
+            </a:r>
           </a:p>
         </p:txBody>
       </p:sp>
@@ -16394,7 +16353,7 @@
         </p:nvCxnSpPr>
         <p:spPr>
           <a:xfrm>
-            <a:off x="7986061" y="2030321"/>
+            <a:off x="7986061" y="2060020"/>
             <a:ext cx="0" cy="944436"/>
           </a:xfrm>
           <a:prstGeom prst="straightConnector1">
@@ -16483,7 +16442,7 @@
         <p:spPr>
           <a:xfrm>
             <a:off x="9084987" y="3509122"/>
-            <a:ext cx="863079" cy="725780"/>
+            <a:ext cx="953022" cy="725780"/>
           </a:xfrm>
           <a:prstGeom prst="straightConnector1">
             <a:avLst/>
@@ -16598,6 +16557,234 @@
           </a:fontRef>
         </p:style>
       </p:cxnSp>
+      <p:sp>
+        <p:nvSpPr>
+          <p:cNvPr id="3" name="文字方塊 2">
+            <a:extLst>
+              <a:ext uri="{FF2B5EF4-FFF2-40B4-BE49-F238E27FC236}">
+                <a16:creationId xmlns:a16="http://schemas.microsoft.com/office/drawing/2014/main" id="{1AD53C5D-1B54-8EEF-A818-1812E1064315}"/>
+              </a:ext>
+            </a:extLst>
+          </p:cNvPr>
+          <p:cNvSpPr txBox="1"/>
+          <p:nvPr/>
+        </p:nvSpPr>
+        <p:spPr>
+          <a:xfrm>
+            <a:off x="9557367" y="5120295"/>
+            <a:ext cx="2662162" cy="1754326"/>
+          </a:xfrm>
+          <a:prstGeom prst="rect">
+            <a:avLst/>
+          </a:prstGeom>
+          <a:noFill/>
+        </p:spPr>
+        <p:txBody>
+          <a:bodyPr wrap="square" rtlCol="0">
+            <a:spAutoFit/>
+          </a:bodyPr>
+          <a:lstStyle/>
+          <a:p>
+            <a:r>
+              <a:rPr lang="zh-TW" altLang="en-US" sz="1200" dirty="0"/>
+              <a:t>註解 </a:t>
+            </a:r>
+            <a:r>
+              <a:rPr lang="en-US" altLang="zh-TW" sz="1200" dirty="0"/>
+              <a:t>:</a:t>
+            </a:r>
+          </a:p>
+          <a:p>
+            <a:r>
+              <a:rPr lang="zh-TW" altLang="en-US" sz="1200" dirty="0"/>
+              <a:t>訊號處理 </a:t>
+            </a:r>
+            <a:r>
+              <a:rPr lang="en-US" altLang="zh-TW" sz="1200" dirty="0"/>
+              <a:t>Path :</a:t>
+            </a:r>
+          </a:p>
+          <a:p>
+            <a:pPr marL="228600" indent="-228600">
+              <a:buAutoNum type="arabicPeriod"/>
+            </a:pPr>
+            <a:r>
+              <a:rPr lang="zh-TW" altLang="en-US" sz="1200" dirty="0"/>
+              <a:t>黃色 </a:t>
+            </a:r>
+            <a:r>
+              <a:rPr lang="en-US" altLang="zh-TW" sz="1200" dirty="0"/>
+              <a:t>(</a:t>
+            </a:r>
+            <a:r>
+              <a:rPr lang="zh-TW" altLang="en-US" sz="1200" dirty="0"/>
+              <a:t> 經過內部 </a:t>
+            </a:r>
+            <a:r>
+              <a:rPr lang="en-US" altLang="zh-TW" sz="1200" dirty="0"/>
+              <a:t>1st HPF)</a:t>
+            </a:r>
+          </a:p>
+          <a:p>
+            <a:pPr marL="228600" indent="-228600">
+              <a:buAutoNum type="arabicPeriod"/>
+            </a:pPr>
+            <a:r>
+              <a:rPr lang="zh-TW" altLang="en-US" sz="1200" dirty="0"/>
+              <a:t>綠色 </a:t>
+            </a:r>
+            <a:r>
+              <a:rPr lang="en-US" altLang="zh-TW" sz="1200" dirty="0"/>
+              <a:t>(</a:t>
+            </a:r>
+            <a:r>
+              <a:rPr lang="zh-TW" altLang="en-US" sz="1200" dirty="0"/>
+              <a:t>不經過任何數位處理</a:t>
+            </a:r>
+            <a:r>
+              <a:rPr lang="en-US" altLang="zh-TW" sz="1200" dirty="0"/>
+              <a:t>)</a:t>
+            </a:r>
+          </a:p>
+          <a:p>
+            <a:pPr marL="228600" indent="-228600">
+              <a:buAutoNum type="arabicPeriod"/>
+            </a:pPr>
+            <a:r>
+              <a:rPr lang="zh-TW" altLang="en-US" sz="1200" dirty="0"/>
+              <a:t>紅色 </a:t>
+            </a:r>
+            <a:r>
+              <a:rPr lang="en-US" altLang="zh-TW" sz="1200" dirty="0"/>
+              <a:t>(</a:t>
+            </a:r>
+            <a:r>
+              <a:rPr lang="zh-TW" altLang="en-US" sz="1200" dirty="0"/>
+              <a:t>代表訊號餵給</a:t>
+            </a:r>
+            <a:r>
+              <a:rPr lang="en-US" altLang="zh-TW" sz="1200" dirty="0"/>
+              <a:t>Decoder</a:t>
+            </a:r>
+            <a:r>
+              <a:rPr lang="zh-TW" altLang="en-US" sz="1200" dirty="0"/>
+              <a:t>電路</a:t>
+            </a:r>
+            <a:r>
+              <a:rPr lang="en-US" altLang="zh-TW" sz="1200" dirty="0"/>
+              <a:t>)</a:t>
+            </a:r>
+          </a:p>
+          <a:p>
+            <a:pPr marL="228600" indent="-228600">
+              <a:buAutoNum type="arabicPeriod"/>
+            </a:pPr>
+            <a:r>
+              <a:rPr lang="zh-TW" altLang="en-US" sz="1200" dirty="0"/>
+              <a:t>深綠色</a:t>
+            </a:r>
+            <a:r>
+              <a:rPr lang="en-US" altLang="zh-TW" sz="1200" dirty="0"/>
+              <a:t>(AGC path)</a:t>
+            </a:r>
+          </a:p>
+          <a:p>
+            <a:r>
+              <a:rPr lang="zh-TW" altLang="en-US" dirty="0"/>
+              <a:t> </a:t>
+            </a:r>
+            <a:endParaRPr lang="en-US" altLang="zh-TW" dirty="0"/>
+          </a:p>
+          <a:p>
+            <a:endParaRPr lang="zh-TW" altLang="en-US" dirty="0"/>
+          </a:p>
+        </p:txBody>
+      </p:sp>
+      <p:sp>
+        <p:nvSpPr>
+          <p:cNvPr id="5" name="矩形 4">
+            <a:extLst>
+              <a:ext uri="{FF2B5EF4-FFF2-40B4-BE49-F238E27FC236}">
+                <a16:creationId xmlns:a16="http://schemas.microsoft.com/office/drawing/2014/main" id="{1BEC4FCA-30A1-9801-58B3-8874B3C56DF2}"/>
+              </a:ext>
+            </a:extLst>
+          </p:cNvPr>
+          <p:cNvSpPr/>
+          <p:nvPr/>
+        </p:nvSpPr>
+        <p:spPr>
+          <a:xfrm>
+            <a:off x="10074131" y="1398368"/>
+            <a:ext cx="1962099" cy="3637622"/>
+          </a:xfrm>
+          <a:prstGeom prst="rect">
+            <a:avLst/>
+          </a:prstGeom>
+          <a:noFill/>
+          <a:ln>
+            <a:prstDash val="dash"/>
+          </a:ln>
+        </p:spPr>
+        <p:style>
+          <a:lnRef idx="2">
+            <a:schemeClr val="accent1">
+              <a:shade val="50000"/>
+            </a:schemeClr>
+          </a:lnRef>
+          <a:fillRef idx="1">
+            <a:schemeClr val="accent1"/>
+          </a:fillRef>
+          <a:effectRef idx="0">
+            <a:schemeClr val="accent1"/>
+          </a:effectRef>
+          <a:fontRef idx="minor">
+            <a:schemeClr val="lt1"/>
+          </a:fontRef>
+        </p:style>
+        <p:txBody>
+          <a:bodyPr rtlCol="0" anchor="ctr"/>
+          <a:lstStyle/>
+          <a:p>
+            <a:pPr algn="ctr"/>
+            <a:endParaRPr lang="zh-TW" altLang="en-US"/>
+          </a:p>
+        </p:txBody>
+      </p:sp>
+      <p:sp>
+        <p:nvSpPr>
+          <p:cNvPr id="8" name="文字方塊 7">
+            <a:extLst>
+              <a:ext uri="{FF2B5EF4-FFF2-40B4-BE49-F238E27FC236}">
+                <a16:creationId xmlns:a16="http://schemas.microsoft.com/office/drawing/2014/main" id="{5BB72F2D-7AFF-2323-D1D7-B52906DEE5AD}"/>
+              </a:ext>
+            </a:extLst>
+          </p:cNvPr>
+          <p:cNvSpPr txBox="1"/>
+          <p:nvPr/>
+        </p:nvSpPr>
+        <p:spPr>
+          <a:xfrm>
+            <a:off x="10227608" y="1506578"/>
+            <a:ext cx="2504513" cy="369332"/>
+          </a:xfrm>
+          <a:prstGeom prst="rect">
+            <a:avLst/>
+          </a:prstGeom>
+          <a:noFill/>
+        </p:spPr>
+        <p:txBody>
+          <a:bodyPr wrap="square" rtlCol="0">
+            <a:spAutoFit/>
+          </a:bodyPr>
+          <a:lstStyle/>
+          <a:p>
+            <a:r>
+              <a:rPr lang="zh-TW" altLang="en-US" dirty="0"/>
+              <a:t>後端訊號分析</a:t>
+            </a:r>
+          </a:p>
+        </p:txBody>
+      </p:sp>
     </p:spTree>
     <p:extLst>
       <p:ext uri="{BB962C8B-B14F-4D97-AF65-F5344CB8AC3E}">
@@ -16633,7 +16820,7 @@
           <p:cNvPr id="2" name="標題 1">
             <a:extLst>
               <a:ext uri="{FF2B5EF4-FFF2-40B4-BE49-F238E27FC236}">
-                <a16:creationId xmlns:a16="http://schemas.microsoft.com/office/drawing/2014/main" id="{50BB383F-54B9-1566-5039-3C13647347F8}"/>
+                <a16:creationId xmlns:a16="http://schemas.microsoft.com/office/drawing/2014/main" id="{71F49C4E-50D6-68D6-91C2-BFF48ADEF505}"/>
               </a:ext>
             </a:extLst>
           </p:cNvPr>
@@ -16651,10 +16838,9 @@
           <a:p>
             <a:pPr algn="ctr"/>
             <a:r>
-              <a:rPr lang="en-US" altLang="zh-TW" dirty="0" err="1"/>
-              <a:t>AutoCorrelation</a:t>
-            </a:r>
-            <a:endParaRPr lang="zh-TW" altLang="en-US" dirty="0"/>
+              <a:rPr lang="zh-TW" altLang="en-US" dirty="0"/>
+              <a:t>前端訊號處理</a:t>
+            </a:r>
           </a:p>
         </p:txBody>
       </p:sp>
@@ -16663,7 +16849,7 @@
           <p:cNvPr id="3" name="內容版面配置區 2">
             <a:extLst>
               <a:ext uri="{FF2B5EF4-FFF2-40B4-BE49-F238E27FC236}">
-                <a16:creationId xmlns:a16="http://schemas.microsoft.com/office/drawing/2014/main" id="{2596C747-6CF3-CCCC-4223-2CFCEABA8BA0}"/>
+                <a16:creationId xmlns:a16="http://schemas.microsoft.com/office/drawing/2014/main" id="{2F3C6F51-5701-1BCA-2F51-50A4A4166EC9}"/>
               </a:ext>
             </a:extLst>
           </p:cNvPr>
@@ -16679,66 +16865,188 @@
           <a:bodyPr/>
           <a:lstStyle/>
           <a:p>
+            <a:pPr marL="0" indent="0">
+              <a:buNone/>
+            </a:pPr>
+            <a:r>
+              <a:rPr lang="en-US" altLang="zh-TW" dirty="0"/>
+              <a:t>Benefits and Drawbacks of method</a:t>
+            </a:r>
+          </a:p>
+          <a:p>
+            <a:pPr marL="0" indent="0">
+              <a:buNone/>
+            </a:pPr>
+            <a:endParaRPr lang="en-US" altLang="zh-TW" dirty="0"/>
+          </a:p>
+          <a:p>
             <a:pPr marL="514350" indent="-514350">
               <a:buAutoNum type="arabicPeriod"/>
             </a:pPr>
             <a:r>
               <a:rPr lang="zh-TW" altLang="en-US" dirty="0"/>
-              <a:t>能推倒出</a:t>
-            </a:r>
-            <a:r>
-              <a:rPr lang="en-US" altLang="zh-TW" dirty="0" err="1"/>
-              <a:t>Convolation</a:t>
-            </a:r>
-            <a:r>
-              <a:rPr lang="en-US" altLang="zh-TW" dirty="0"/>
-              <a:t> Property for LTI system</a:t>
-            </a:r>
+              <a:t>不經過任何訊號處理</a:t>
+            </a:r>
+            <a:endParaRPr lang="en-US" altLang="zh-TW" dirty="0"/>
+          </a:p>
+          <a:p>
+            <a:pPr marL="0" indent="0">
+              <a:buNone/>
+            </a:pPr>
+            <a:r>
+              <a:rPr lang="en-US" altLang="zh-TW" dirty="0"/>
+              <a:t>	</a:t>
+            </a:r>
+            <a:r>
+              <a:rPr lang="zh-TW" altLang="en-US" sz="2400" dirty="0"/>
+              <a:t>優點 </a:t>
+            </a:r>
+            <a:r>
+              <a:rPr lang="en-US" altLang="zh-TW" sz="2400" dirty="0"/>
+              <a:t>: </a:t>
+            </a:r>
+            <a:r>
+              <a:rPr lang="zh-TW" altLang="en-US" sz="2400" dirty="0"/>
+              <a:t>省電、參數調整較簡單</a:t>
+            </a:r>
+            <a:endParaRPr lang="en-US" altLang="zh-TW" sz="2400" dirty="0"/>
+          </a:p>
+          <a:p>
+            <a:pPr marL="0" indent="0">
+              <a:buNone/>
+            </a:pPr>
+            <a:r>
+              <a:rPr lang="en-US" altLang="zh-TW" sz="2400" dirty="0"/>
+              <a:t>	</a:t>
+            </a:r>
+            <a:r>
+              <a:rPr lang="zh-TW" altLang="en-US" sz="2400" dirty="0"/>
+              <a:t>缺點 </a:t>
+            </a:r>
+            <a:r>
+              <a:rPr lang="en-US" altLang="zh-TW" sz="2400" dirty="0"/>
+              <a:t>:</a:t>
+            </a:r>
+            <a:r>
+              <a:rPr lang="zh-TW" altLang="en-US" sz="2400" dirty="0"/>
+              <a:t> 無法抗</a:t>
+            </a:r>
+            <a:r>
+              <a:rPr lang="en-US" altLang="zh-TW" sz="2400" dirty="0"/>
+              <a:t>Noise </a:t>
+            </a:r>
+            <a:r>
+              <a:rPr lang="zh-TW" altLang="en-US" sz="2400" dirty="0"/>
+              <a:t>而且 </a:t>
+            </a:r>
+            <a:r>
+              <a:rPr lang="en-US" altLang="zh-TW" sz="2400" dirty="0"/>
+              <a:t>ADC</a:t>
+            </a:r>
+            <a:r>
+              <a:rPr lang="zh-TW" altLang="en-US" sz="2400" dirty="0"/>
+              <a:t> 刻度較少</a:t>
+            </a:r>
+            <a:endParaRPr lang="en-US" altLang="zh-TW" sz="2400" dirty="0"/>
+          </a:p>
+          <a:p>
+            <a:pPr marL="0" indent="0">
+              <a:buNone/>
+            </a:pPr>
+            <a:endParaRPr lang="en-US" altLang="zh-TW" sz="2400" dirty="0"/>
           </a:p>
           <a:p>
             <a:pPr marL="514350" indent="-514350">
-              <a:buAutoNum type="arabicPeriod"/>
+              <a:buAutoNum type="arabicPeriod" startAt="2"/>
             </a:pPr>
+            <a:r>
+              <a:rPr lang="zh-TW" altLang="en-US" dirty="0"/>
+              <a:t>經過</a:t>
+            </a:r>
+            <a:r>
+              <a:rPr lang="en-US" altLang="zh-TW" dirty="0"/>
+              <a:t>1st HPF and Schmitt Trigger</a:t>
+            </a:r>
+            <a:r>
+              <a:rPr lang="zh-TW" altLang="en-US" dirty="0"/>
+              <a:t>電路</a:t>
+            </a:r>
             <a:endParaRPr lang="en-US" altLang="zh-TW" dirty="0"/>
           </a:p>
           <a:p>
-            <a:pPr marL="514350" indent="-514350">
-              <a:buAutoNum type="arabicPeriod"/>
+            <a:pPr marL="0" indent="0">
+              <a:buNone/>
             </a:pPr>
             <a:r>
-              <a:rPr lang="en-US" altLang="zh-TW" dirty="0" err="1"/>
-              <a:t>AutoCorreltion</a:t>
-            </a:r>
-            <a:r>
-              <a:rPr lang="zh-TW" altLang="en-US" dirty="0"/>
-              <a:t> 用處到底是</a:t>
-            </a:r>
-            <a:r>
-              <a:rPr lang="en-US" altLang="zh-TW" dirty="0"/>
-              <a:t>?</a:t>
-            </a:r>
-          </a:p>
-          <a:p>
-            <a:pPr marL="514350" indent="-514350">
-              <a:buAutoNum type="arabicPeriod"/>
+              <a:rPr lang="en-US" altLang="zh-TW" sz="2400" dirty="0"/>
+              <a:t>	</a:t>
+            </a:r>
+            <a:r>
+              <a:rPr lang="zh-TW" altLang="en-US" sz="2400" dirty="0"/>
+              <a:t>優點 </a:t>
+            </a:r>
+            <a:r>
+              <a:rPr lang="en-US" altLang="zh-TW" sz="2400" dirty="0"/>
+              <a:t>:</a:t>
+            </a:r>
+            <a:r>
+              <a:rPr lang="zh-TW" altLang="en-US" sz="2400" dirty="0"/>
+              <a:t>抗低頻</a:t>
+            </a:r>
+            <a:r>
+              <a:rPr lang="en-US" altLang="zh-TW" sz="2400" dirty="0"/>
+              <a:t>Noise</a:t>
+            </a:r>
+            <a:r>
+              <a:rPr lang="zh-TW" altLang="en-US" sz="2400" dirty="0"/>
+              <a:t>、</a:t>
+            </a:r>
+            <a:r>
+              <a:rPr lang="en-US" altLang="zh-TW" sz="2400" dirty="0"/>
+              <a:t>ADC</a:t>
+            </a:r>
+            <a:r>
+              <a:rPr lang="zh-TW" altLang="en-US" sz="2400" dirty="0"/>
+              <a:t>刻度較多</a:t>
+            </a:r>
+            <a:endParaRPr lang="en-US" altLang="zh-TW" sz="2400" dirty="0"/>
+          </a:p>
+          <a:p>
+            <a:pPr marL="0" indent="0">
+              <a:buNone/>
             </a:pPr>
-            <a:endParaRPr lang="en-US" altLang="zh-TW" dirty="0"/>
-          </a:p>
-          <a:p>
-            <a:pPr marL="514350" indent="-514350">
-              <a:buAutoNum type="arabicPeriod"/>
-            </a:pPr>
-            <a:r>
-              <a:rPr lang="zh-TW" altLang="en-US" dirty="0"/>
-              <a:t>訊號上的分析</a:t>
-            </a:r>
+            <a:r>
+              <a:rPr lang="en-US" altLang="zh-TW" sz="2400" dirty="0"/>
+              <a:t>	</a:t>
+            </a:r>
+            <a:r>
+              <a:rPr lang="zh-TW" altLang="en-US" sz="2400" dirty="0"/>
+              <a:t>缺點 </a:t>
+            </a:r>
+            <a:r>
+              <a:rPr lang="en-US" altLang="zh-TW" sz="2400" dirty="0"/>
+              <a:t>:</a:t>
+            </a:r>
+            <a:r>
+              <a:rPr lang="zh-TW" altLang="en-US" sz="2400" dirty="0"/>
+              <a:t> 無法抗高頻</a:t>
+            </a:r>
+            <a:r>
+              <a:rPr lang="en-US" altLang="zh-TW" sz="2400" dirty="0"/>
+              <a:t>Noise </a:t>
+            </a:r>
+            <a:r>
+              <a:rPr lang="zh-TW" altLang="en-US" sz="2400" dirty="0"/>
+              <a:t>、參數調整較多</a:t>
+            </a:r>
+            <a:endParaRPr lang="en-US" altLang="zh-TW" sz="2400" dirty="0"/>
           </a:p>
         </p:txBody>
       </p:sp>
     </p:spTree>
     <p:extLst>
       <p:ext uri="{BB962C8B-B14F-4D97-AF65-F5344CB8AC3E}">
-        <p14:creationId xmlns:p14="http://schemas.microsoft.com/office/powerpoint/2010/main" val="1802279474"/>
+        <p14:creationId xmlns:p14="http://schemas.microsoft.com/office/powerpoint/2010/main" val="1645638314"/>
       </p:ext>
     </p:extLst>
   </p:cSld>
@@ -16770,6 +17078,235 @@
           <p:cNvPr id="2" name="標題 1">
             <a:extLst>
               <a:ext uri="{FF2B5EF4-FFF2-40B4-BE49-F238E27FC236}">
+                <a16:creationId xmlns:a16="http://schemas.microsoft.com/office/drawing/2014/main" id="{41A1B36A-471A-BDE5-0D9F-F818171D72B1}"/>
+              </a:ext>
+            </a:extLst>
+          </p:cNvPr>
+          <p:cNvSpPr>
+            <a:spLocks noGrp="1"/>
+          </p:cNvSpPr>
+          <p:nvPr>
+            <p:ph type="title"/>
+          </p:nvPr>
+        </p:nvSpPr>
+        <p:spPr/>
+        <p:txBody>
+          <a:bodyPr/>
+          <a:lstStyle/>
+          <a:p>
+            <a:pPr algn="ctr"/>
+            <a:r>
+              <a:rPr lang="zh-TW" altLang="en-US" dirty="0"/>
+              <a:t>後端</a:t>
+            </a:r>
+            <a:r>
+              <a:rPr lang="en-US" altLang="zh-TW" dirty="0"/>
+              <a:t>Decoder</a:t>
+            </a:r>
+            <a:r>
+              <a:rPr lang="zh-TW" altLang="en-US" dirty="0"/>
+              <a:t>電路</a:t>
+            </a:r>
+          </a:p>
+        </p:txBody>
+      </p:sp>
+      <p:sp>
+        <p:nvSpPr>
+          <p:cNvPr id="3" name="內容版面配置區 2">
+            <a:extLst>
+              <a:ext uri="{FF2B5EF4-FFF2-40B4-BE49-F238E27FC236}">
+                <a16:creationId xmlns:a16="http://schemas.microsoft.com/office/drawing/2014/main" id="{AEB419E4-8661-C0C0-63D0-CF90B8FED2EC}"/>
+              </a:ext>
+            </a:extLst>
+          </p:cNvPr>
+          <p:cNvSpPr>
+            <a:spLocks noGrp="1"/>
+          </p:cNvSpPr>
+          <p:nvPr>
+            <p:ph idx="1"/>
+          </p:nvPr>
+        </p:nvSpPr>
+        <p:spPr/>
+        <p:txBody>
+          <a:bodyPr/>
+          <a:lstStyle/>
+          <a:p>
+            <a:endParaRPr lang="zh-TW" altLang="en-US" dirty="0"/>
+          </a:p>
+        </p:txBody>
+      </p:sp>
+    </p:spTree>
+    <p:extLst>
+      <p:ext uri="{BB962C8B-B14F-4D97-AF65-F5344CB8AC3E}">
+        <p14:creationId xmlns:p14="http://schemas.microsoft.com/office/powerpoint/2010/main" val="1747056482"/>
+      </p:ext>
+    </p:extLst>
+  </p:cSld>
+  <p:clrMapOvr>
+    <a:masterClrMapping/>
+  </p:clrMapOvr>
+</p:sld>
+</file>
+
+<file path=ppt/slides/slide33.xml><?xml version="1.0" encoding="utf-8"?>
+<p:sld xmlns:a="http://schemas.openxmlformats.org/drawingml/2006/main" xmlns:r="http://schemas.openxmlformats.org/officeDocument/2006/relationships" xmlns:p="http://schemas.openxmlformats.org/presentationml/2006/main">
+  <p:cSld>
+    <p:spTree>
+      <p:nvGrpSpPr>
+        <p:cNvPr id="1" name=""/>
+        <p:cNvGrpSpPr/>
+        <p:nvPr/>
+      </p:nvGrpSpPr>
+      <p:grpSpPr>
+        <a:xfrm>
+          <a:off x="0" y="0"/>
+          <a:ext cx="0" cy="0"/>
+          <a:chOff x="0" y="0"/>
+          <a:chExt cx="0" cy="0"/>
+        </a:xfrm>
+      </p:grpSpPr>
+      <p:sp>
+        <p:nvSpPr>
+          <p:cNvPr id="2" name="標題 1">
+            <a:extLst>
+              <a:ext uri="{FF2B5EF4-FFF2-40B4-BE49-F238E27FC236}">
+                <a16:creationId xmlns:a16="http://schemas.microsoft.com/office/drawing/2014/main" id="{50BB383F-54B9-1566-5039-3C13647347F8}"/>
+              </a:ext>
+            </a:extLst>
+          </p:cNvPr>
+          <p:cNvSpPr>
+            <a:spLocks noGrp="1"/>
+          </p:cNvSpPr>
+          <p:nvPr>
+            <p:ph type="title"/>
+          </p:nvPr>
+        </p:nvSpPr>
+        <p:spPr/>
+        <p:txBody>
+          <a:bodyPr/>
+          <a:lstStyle/>
+          <a:p>
+            <a:pPr algn="ctr"/>
+            <a:r>
+              <a:rPr lang="en-US" altLang="zh-TW" dirty="0" err="1"/>
+              <a:t>AutoCorrelation</a:t>
+            </a:r>
+            <a:endParaRPr lang="zh-TW" altLang="en-US" dirty="0"/>
+          </a:p>
+        </p:txBody>
+      </p:sp>
+      <p:sp>
+        <p:nvSpPr>
+          <p:cNvPr id="3" name="內容版面配置區 2">
+            <a:extLst>
+              <a:ext uri="{FF2B5EF4-FFF2-40B4-BE49-F238E27FC236}">
+                <a16:creationId xmlns:a16="http://schemas.microsoft.com/office/drawing/2014/main" id="{2596C747-6CF3-CCCC-4223-2CFCEABA8BA0}"/>
+              </a:ext>
+            </a:extLst>
+          </p:cNvPr>
+          <p:cNvSpPr>
+            <a:spLocks noGrp="1"/>
+          </p:cNvSpPr>
+          <p:nvPr>
+            <p:ph idx="1"/>
+          </p:nvPr>
+        </p:nvSpPr>
+        <p:spPr/>
+        <p:txBody>
+          <a:bodyPr/>
+          <a:lstStyle/>
+          <a:p>
+            <a:pPr marL="514350" indent="-514350">
+              <a:buAutoNum type="arabicPeriod"/>
+            </a:pPr>
+            <a:r>
+              <a:rPr lang="zh-TW" altLang="en-US" dirty="0"/>
+              <a:t>能推倒出</a:t>
+            </a:r>
+            <a:r>
+              <a:rPr lang="en-US" altLang="zh-TW" dirty="0" err="1"/>
+              <a:t>Convolation</a:t>
+            </a:r>
+            <a:r>
+              <a:rPr lang="en-US" altLang="zh-TW" dirty="0"/>
+              <a:t> Property for LTI system</a:t>
+            </a:r>
+          </a:p>
+          <a:p>
+            <a:pPr marL="514350" indent="-514350">
+              <a:buAutoNum type="arabicPeriod"/>
+            </a:pPr>
+            <a:endParaRPr lang="en-US" altLang="zh-TW" dirty="0"/>
+          </a:p>
+          <a:p>
+            <a:pPr marL="514350" indent="-514350">
+              <a:buAutoNum type="arabicPeriod"/>
+            </a:pPr>
+            <a:r>
+              <a:rPr lang="en-US" altLang="zh-TW" dirty="0" err="1"/>
+              <a:t>AutoCorreltion</a:t>
+            </a:r>
+            <a:r>
+              <a:rPr lang="zh-TW" altLang="en-US" dirty="0"/>
+              <a:t> 用處到底是</a:t>
+            </a:r>
+            <a:r>
+              <a:rPr lang="en-US" altLang="zh-TW" dirty="0"/>
+              <a:t>?</a:t>
+            </a:r>
+          </a:p>
+          <a:p>
+            <a:pPr marL="514350" indent="-514350">
+              <a:buAutoNum type="arabicPeriod"/>
+            </a:pPr>
+            <a:endParaRPr lang="en-US" altLang="zh-TW" dirty="0"/>
+          </a:p>
+          <a:p>
+            <a:pPr marL="514350" indent="-514350">
+              <a:buAutoNum type="arabicPeriod"/>
+            </a:pPr>
+            <a:r>
+              <a:rPr lang="zh-TW" altLang="en-US" dirty="0"/>
+              <a:t>訊號上的分析</a:t>
+            </a:r>
+          </a:p>
+        </p:txBody>
+      </p:sp>
+    </p:spTree>
+    <p:extLst>
+      <p:ext uri="{BB962C8B-B14F-4D97-AF65-F5344CB8AC3E}">
+        <p14:creationId xmlns:p14="http://schemas.microsoft.com/office/powerpoint/2010/main" val="1802279474"/>
+      </p:ext>
+    </p:extLst>
+  </p:cSld>
+  <p:clrMapOvr>
+    <a:masterClrMapping/>
+  </p:clrMapOvr>
+</p:sld>
+</file>
+
+<file path=ppt/slides/slide34.xml><?xml version="1.0" encoding="utf-8"?>
+<p:sld xmlns:a="http://schemas.openxmlformats.org/drawingml/2006/main" xmlns:r="http://schemas.openxmlformats.org/officeDocument/2006/relationships" xmlns:p="http://schemas.openxmlformats.org/presentationml/2006/main">
+  <p:cSld>
+    <p:spTree>
+      <p:nvGrpSpPr>
+        <p:cNvPr id="1" name=""/>
+        <p:cNvGrpSpPr/>
+        <p:nvPr/>
+      </p:nvGrpSpPr>
+      <p:grpSpPr>
+        <a:xfrm>
+          <a:off x="0" y="0"/>
+          <a:ext cx="0" cy="0"/>
+          <a:chOff x="0" y="0"/>
+          <a:chExt cx="0" cy="0"/>
+        </a:xfrm>
+      </p:grpSpPr>
+      <p:sp>
+        <p:nvSpPr>
+          <p:cNvPr id="2" name="標題 1">
+            <a:extLst>
+              <a:ext uri="{FF2B5EF4-FFF2-40B4-BE49-F238E27FC236}">
                 <a16:creationId xmlns:a16="http://schemas.microsoft.com/office/drawing/2014/main" id="{042F1310-2BFC-3D20-5FCD-AB24ABF21979}"/>
               </a:ext>
             </a:extLst>
@@ -16840,7 +17377,7 @@
 </p:sld>
 </file>
 
-<file path=ppt/slides/slide33.xml><?xml version="1.0" encoding="utf-8"?>
+<file path=ppt/slides/slide35.xml><?xml version="1.0" encoding="utf-8"?>
 <p:sld xmlns:a="http://schemas.openxmlformats.org/drawingml/2006/main" xmlns:r="http://schemas.openxmlformats.org/officeDocument/2006/relationships" xmlns:p="http://schemas.openxmlformats.org/presentationml/2006/main">
   <p:cSld>
     <p:spTree>
@@ -17377,215 +17914,6 @@
 </p:sld>
 </file>
 
-<file path=ppt/slides/slide34.xml><?xml version="1.0" encoding="utf-8"?>
-<p:sld xmlns:a="http://schemas.openxmlformats.org/drawingml/2006/main" xmlns:r="http://schemas.openxmlformats.org/officeDocument/2006/relationships" xmlns:p="http://schemas.openxmlformats.org/presentationml/2006/main">
-  <p:cSld>
-    <p:spTree>
-      <p:nvGrpSpPr>
-        <p:cNvPr id="1" name=""/>
-        <p:cNvGrpSpPr/>
-        <p:nvPr/>
-      </p:nvGrpSpPr>
-      <p:grpSpPr>
-        <a:xfrm>
-          <a:off x="0" y="0"/>
-          <a:ext cx="0" cy="0"/>
-          <a:chOff x="0" y="0"/>
-          <a:chExt cx="0" cy="0"/>
-        </a:xfrm>
-      </p:grpSpPr>
-      <p:sp>
-        <p:nvSpPr>
-          <p:cNvPr id="2" name="標題 1">
-            <a:extLst>
-              <a:ext uri="{FF2B5EF4-FFF2-40B4-BE49-F238E27FC236}">
-                <a16:creationId xmlns:a16="http://schemas.microsoft.com/office/drawing/2014/main" id="{E32E6CD8-2503-30B7-A4F8-AE84BE484917}"/>
-              </a:ext>
-            </a:extLst>
-          </p:cNvPr>
-          <p:cNvSpPr>
-            <a:spLocks noGrp="1"/>
-          </p:cNvSpPr>
-          <p:nvPr>
-            <p:ph type="title"/>
-          </p:nvPr>
-        </p:nvSpPr>
-        <p:spPr/>
-        <p:txBody>
-          <a:bodyPr/>
-          <a:lstStyle/>
-          <a:p>
-            <a:pPr algn="ctr"/>
-            <a:r>
-              <a:rPr lang="en-US" altLang="zh-TW" dirty="0"/>
-              <a:t>AGC flow</a:t>
-            </a:r>
-            <a:r>
-              <a:rPr lang="zh-TW" altLang="en-US" dirty="0"/>
-              <a:t>架構過程</a:t>
-            </a:r>
-          </a:p>
-        </p:txBody>
-      </p:sp>
-      <p:sp>
-        <p:nvSpPr>
-          <p:cNvPr id="3" name="內容版面配置區 2">
-            <a:extLst>
-              <a:ext uri="{FF2B5EF4-FFF2-40B4-BE49-F238E27FC236}">
-                <a16:creationId xmlns:a16="http://schemas.microsoft.com/office/drawing/2014/main" id="{ED8640AC-FE27-0D8C-6B75-7018404197B3}"/>
-              </a:ext>
-            </a:extLst>
-          </p:cNvPr>
-          <p:cNvSpPr>
-            <a:spLocks noGrp="1"/>
-          </p:cNvSpPr>
-          <p:nvPr>
-            <p:ph idx="1"/>
-          </p:nvPr>
-        </p:nvSpPr>
-        <p:spPr/>
-        <p:txBody>
-          <a:bodyPr/>
-          <a:lstStyle/>
-          <a:p>
-            <a:pPr marL="514350" indent="-514350">
-              <a:buAutoNum type="arabicPeriod"/>
-            </a:pPr>
-            <a:r>
-              <a:rPr lang="zh-TW" altLang="en-US" dirty="0"/>
-              <a:t>前期</a:t>
-            </a:r>
-            <a:r>
-              <a:rPr lang="en-US" altLang="zh-TW" dirty="0"/>
-              <a:t>ISSUE</a:t>
-            </a:r>
-          </a:p>
-          <a:p>
-            <a:pPr marL="514350" indent="-514350">
-              <a:buAutoNum type="arabicPeriod"/>
-            </a:pPr>
-            <a:endParaRPr lang="en-US" altLang="zh-TW" dirty="0"/>
-          </a:p>
-          <a:p>
-            <a:pPr marL="514350" indent="-514350">
-              <a:buAutoNum type="arabicPeriod"/>
-            </a:pPr>
-            <a:r>
-              <a:rPr lang="zh-TW" altLang="en-US" dirty="0"/>
-              <a:t>中後期統計</a:t>
-            </a:r>
-            <a:endParaRPr lang="en-US" altLang="zh-TW" dirty="0"/>
-          </a:p>
-          <a:p>
-            <a:pPr marL="514350" indent="-514350">
-              <a:buAutoNum type="arabicPeriod"/>
-            </a:pPr>
-            <a:endParaRPr lang="en-US" altLang="zh-TW" dirty="0"/>
-          </a:p>
-          <a:p>
-            <a:pPr marL="514350" indent="-514350">
-              <a:buAutoNum type="arabicPeriod"/>
-            </a:pPr>
-            <a:r>
-              <a:rPr lang="zh-TW" altLang="en-US" dirty="0"/>
-              <a:t>後期完工</a:t>
-            </a:r>
-          </a:p>
-        </p:txBody>
-      </p:sp>
-    </p:spTree>
-    <p:extLst>
-      <p:ext uri="{BB962C8B-B14F-4D97-AF65-F5344CB8AC3E}">
-        <p14:creationId xmlns:p14="http://schemas.microsoft.com/office/powerpoint/2010/main" val="3478487214"/>
-      </p:ext>
-    </p:extLst>
-  </p:cSld>
-  <p:clrMapOvr>
-    <a:masterClrMapping/>
-  </p:clrMapOvr>
-</p:sld>
-</file>
-
-<file path=ppt/slides/slide35.xml><?xml version="1.0" encoding="utf-8"?>
-<p:sld xmlns:a="http://schemas.openxmlformats.org/drawingml/2006/main" xmlns:r="http://schemas.openxmlformats.org/officeDocument/2006/relationships" xmlns:p="http://schemas.openxmlformats.org/presentationml/2006/main">
-  <p:cSld>
-    <p:spTree>
-      <p:nvGrpSpPr>
-        <p:cNvPr id="1" name=""/>
-        <p:cNvGrpSpPr/>
-        <p:nvPr/>
-      </p:nvGrpSpPr>
-      <p:grpSpPr>
-        <a:xfrm>
-          <a:off x="0" y="0"/>
-          <a:ext cx="0" cy="0"/>
-          <a:chOff x="0" y="0"/>
-          <a:chExt cx="0" cy="0"/>
-        </a:xfrm>
-      </p:grpSpPr>
-      <p:sp>
-        <p:nvSpPr>
-          <p:cNvPr id="2" name="標題 1">
-            <a:extLst>
-              <a:ext uri="{FF2B5EF4-FFF2-40B4-BE49-F238E27FC236}">
-                <a16:creationId xmlns:a16="http://schemas.microsoft.com/office/drawing/2014/main" id="{75A8CDCF-D217-9237-F0F3-F03F7A3BC82D}"/>
-              </a:ext>
-            </a:extLst>
-          </p:cNvPr>
-          <p:cNvSpPr>
-            <a:spLocks noGrp="1"/>
-          </p:cNvSpPr>
-          <p:nvPr>
-            <p:ph type="title"/>
-          </p:nvPr>
-        </p:nvSpPr>
-        <p:spPr/>
-        <p:txBody>
-          <a:bodyPr/>
-          <a:lstStyle/>
-          <a:p>
-            <a:endParaRPr lang="zh-TW" altLang="en-US" dirty="0"/>
-          </a:p>
-        </p:txBody>
-      </p:sp>
-      <p:sp>
-        <p:nvSpPr>
-          <p:cNvPr id="3" name="內容版面配置區 2">
-            <a:extLst>
-              <a:ext uri="{FF2B5EF4-FFF2-40B4-BE49-F238E27FC236}">
-                <a16:creationId xmlns:a16="http://schemas.microsoft.com/office/drawing/2014/main" id="{A5250B66-E56F-5AAD-0B99-C4E8E1B221C2}"/>
-              </a:ext>
-            </a:extLst>
-          </p:cNvPr>
-          <p:cNvSpPr>
-            <a:spLocks noGrp="1"/>
-          </p:cNvSpPr>
-          <p:nvPr>
-            <p:ph idx="1"/>
-          </p:nvPr>
-        </p:nvSpPr>
-        <p:spPr/>
-        <p:txBody>
-          <a:bodyPr/>
-          <a:lstStyle/>
-          <a:p>
-            <a:endParaRPr lang="zh-TW" altLang="en-US"/>
-          </a:p>
-        </p:txBody>
-      </p:sp>
-    </p:spTree>
-    <p:extLst>
-      <p:ext uri="{BB962C8B-B14F-4D97-AF65-F5344CB8AC3E}">
-        <p14:creationId xmlns:p14="http://schemas.microsoft.com/office/powerpoint/2010/main" val="2364024188"/>
-      </p:ext>
-    </p:extLst>
-  </p:cSld>
-  <p:clrMapOvr>
-    <a:masterClrMapping/>
-  </p:clrMapOvr>
-</p:sld>
-</file>
-
 <file path=ppt/slides/slide36.xml><?xml version="1.0" encoding="utf-8"?>
 <p:sld xmlns:a="http://schemas.openxmlformats.org/drawingml/2006/main" xmlns:r="http://schemas.openxmlformats.org/officeDocument/2006/relationships" xmlns:p="http://schemas.openxmlformats.org/presentationml/2006/main">
   <p:cSld>
@@ -17608,7 +17936,7 @@
           <p:cNvPr id="2" name="標題 1">
             <a:extLst>
               <a:ext uri="{FF2B5EF4-FFF2-40B4-BE49-F238E27FC236}">
-                <a16:creationId xmlns:a16="http://schemas.microsoft.com/office/drawing/2014/main" id="{02C3FE11-1F15-4971-95B5-34F7811B7E8A}"/>
+                <a16:creationId xmlns:a16="http://schemas.microsoft.com/office/drawing/2014/main" id="{E32E6CD8-2503-30B7-A4F8-AE84BE484917}"/>
               </a:ext>
             </a:extLst>
           </p:cNvPr>
@@ -17627,17 +17955,12 @@
             <a:pPr algn="ctr"/>
             <a:r>
               <a:rPr lang="en-US" altLang="zh-TW" dirty="0"/>
-              <a:t>Color </a:t>
-            </a:r>
-            <a:r>
-              <a:rPr lang="en-US" altLang="zh-TW" dirty="0" err="1"/>
-              <a:t>Pikcing</a:t>
-            </a:r>
-            <a:r>
-              <a:rPr lang="en-US" altLang="zh-TW" dirty="0"/>
-              <a:t> Project</a:t>
-            </a:r>
-            <a:endParaRPr lang="zh-TW" altLang="en-US" dirty="0"/>
+              <a:t>AGC flow</a:t>
+            </a:r>
+            <a:r>
+              <a:rPr lang="zh-TW" altLang="en-US" dirty="0"/>
+              <a:t>架構過程</a:t>
+            </a:r>
           </a:p>
         </p:txBody>
       </p:sp>
@@ -17646,7 +17969,7 @@
           <p:cNvPr id="3" name="內容版面配置區 2">
             <a:extLst>
               <a:ext uri="{FF2B5EF4-FFF2-40B4-BE49-F238E27FC236}">
-                <a16:creationId xmlns:a16="http://schemas.microsoft.com/office/drawing/2014/main" id="{5C2571F1-765B-42C3-8AAC-2A8441E0FBA0}"/>
+                <a16:creationId xmlns:a16="http://schemas.microsoft.com/office/drawing/2014/main" id="{ED8640AC-FE27-0D8C-6B75-7018404197B3}"/>
               </a:ext>
             </a:extLst>
           </p:cNvPr>
@@ -17662,74 +17985,55 @@
           <a:bodyPr/>
           <a:lstStyle/>
           <a:p>
-            <a:pPr marL="457200" lvl="1" indent="0">
-              <a:lnSpc>
-                <a:spcPct val="150000"/>
-              </a:lnSpc>
-              <a:buNone/>
+            <a:pPr marL="514350" indent="-514350">
+              <a:buAutoNum type="arabicPeriod"/>
             </a:pPr>
             <a:r>
-              <a:rPr lang="zh-TW" altLang="en-US" sz="2800" dirty="0">
-                <a:solidFill>
-                  <a:srgbClr val="FF0000"/>
-                </a:solidFill>
-              </a:rPr>
-              <a:t>目的</a:t>
-            </a:r>
-            <a:r>
-              <a:rPr lang="zh-TW" altLang="en-US" dirty="0"/>
-              <a:t> </a:t>
-            </a:r>
-            <a:r>
-              <a:rPr lang="en-US" altLang="zh-TW" dirty="0"/>
-              <a:t>:</a:t>
-            </a:r>
-            <a:r>
-              <a:rPr lang="zh-TW" altLang="en-US" dirty="0"/>
-              <a:t>  按壓</a:t>
-            </a:r>
-            <a:r>
-              <a:rPr lang="en-US" altLang="zh-TW" dirty="0"/>
-              <a:t>Color Sensor</a:t>
-            </a:r>
-            <a:r>
-              <a:rPr lang="zh-TW" altLang="en-US" dirty="0"/>
-              <a:t>選擇顏色、並透過筆在</a:t>
-            </a:r>
-            <a:r>
-              <a:rPr lang="en-US" altLang="zh-TW" dirty="0"/>
-              <a:t>Host</a:t>
-            </a:r>
-            <a:r>
-              <a:rPr lang="zh-TW" altLang="en-US" dirty="0"/>
-              <a:t>上畫出對應的顏色</a:t>
-            </a:r>
-            <a:endParaRPr lang="en-US" altLang="zh-TW" dirty="0"/>
-          </a:p>
-          <a:p>
-            <a:pPr marL="457200" lvl="1" indent="0">
-              <a:lnSpc>
-                <a:spcPct val="150000"/>
-              </a:lnSpc>
-              <a:buNone/>
+              <a:rPr lang="zh-TW" altLang="en-US" dirty="0"/>
+              <a:t>前期</a:t>
+            </a:r>
+            <a:r>
+              <a:rPr lang="en-US" altLang="zh-TW" dirty="0"/>
+              <a:t>ISSUE</a:t>
+            </a:r>
+          </a:p>
+          <a:p>
+            <a:pPr marL="514350" indent="-514350">
+              <a:buAutoNum type="arabicPeriod"/>
             </a:pPr>
             <a:endParaRPr lang="en-US" altLang="zh-TW" dirty="0"/>
           </a:p>
           <a:p>
-            <a:pPr marL="457200" lvl="1" indent="0">
-              <a:lnSpc>
-                <a:spcPct val="150000"/>
-              </a:lnSpc>
-              <a:buNone/>
+            <a:pPr marL="514350" indent="-514350">
+              <a:buAutoNum type="arabicPeriod"/>
+            </a:pPr>
+            <a:r>
+              <a:rPr lang="zh-TW" altLang="en-US" dirty="0"/>
+              <a:t>中後期統計</a:t>
+            </a:r>
+            <a:endParaRPr lang="en-US" altLang="zh-TW" dirty="0"/>
+          </a:p>
+          <a:p>
+            <a:pPr marL="514350" indent="-514350">
+              <a:buAutoNum type="arabicPeriod"/>
             </a:pPr>
             <a:endParaRPr lang="en-US" altLang="zh-TW" dirty="0"/>
+          </a:p>
+          <a:p>
+            <a:pPr marL="514350" indent="-514350">
+              <a:buAutoNum type="arabicPeriod"/>
+            </a:pPr>
+            <a:r>
+              <a:rPr lang="zh-TW" altLang="en-US" dirty="0"/>
+              <a:t>後期完工</a:t>
+            </a:r>
           </a:p>
         </p:txBody>
       </p:sp>
     </p:spTree>
     <p:extLst>
       <p:ext uri="{BB962C8B-B14F-4D97-AF65-F5344CB8AC3E}">
-        <p14:creationId xmlns:p14="http://schemas.microsoft.com/office/powerpoint/2010/main" val="263751651"/>
+        <p14:creationId xmlns:p14="http://schemas.microsoft.com/office/powerpoint/2010/main" val="3478487214"/>
       </p:ext>
     </p:extLst>
   </p:cSld>
@@ -17761,7 +18065,7 @@
           <p:cNvPr id="2" name="標題 1">
             <a:extLst>
               <a:ext uri="{FF2B5EF4-FFF2-40B4-BE49-F238E27FC236}">
-                <a16:creationId xmlns:a16="http://schemas.microsoft.com/office/drawing/2014/main" id="{36663CA0-2783-4A34-8C5A-24686BD0A02B}"/>
+                <a16:creationId xmlns:a16="http://schemas.microsoft.com/office/drawing/2014/main" id="{75A8CDCF-D217-9237-F0F3-F03F7A3BC82D}"/>
               </a:ext>
             </a:extLst>
           </p:cNvPr>
@@ -17777,11 +18081,7 @@
           <a:bodyPr/>
           <a:lstStyle/>
           <a:p>
-            <a:pPr algn="ctr"/>
-            <a:r>
-              <a:rPr lang="zh-TW" altLang="en-US" dirty="0"/>
-              <a:t>主要遇到的問題</a:t>
-            </a:r>
+            <a:endParaRPr lang="zh-TW" altLang="en-US" dirty="0"/>
           </a:p>
         </p:txBody>
       </p:sp>
@@ -17790,7 +18090,7 @@
           <p:cNvPr id="3" name="內容版面配置區 2">
             <a:extLst>
               <a:ext uri="{FF2B5EF4-FFF2-40B4-BE49-F238E27FC236}">
-                <a16:creationId xmlns:a16="http://schemas.microsoft.com/office/drawing/2014/main" id="{4EB3A3B7-3819-4E07-A5DF-C15C993A0B95}"/>
+                <a16:creationId xmlns:a16="http://schemas.microsoft.com/office/drawing/2014/main" id="{A5250B66-E56F-5AAD-0B99-C4E8E1B221C2}"/>
               </a:ext>
             </a:extLst>
           </p:cNvPr>
@@ -17806,152 +18106,14 @@
           <a:bodyPr/>
           <a:lstStyle/>
           <a:p>
-            <a:pPr marL="0" indent="0">
-              <a:buNone/>
-            </a:pPr>
-            <a:r>
-              <a:rPr lang="zh-TW" altLang="en-US" dirty="0">
-                <a:solidFill>
-                  <a:schemeClr val="accent1"/>
-                </a:solidFill>
-              </a:rPr>
-              <a:t>問題</a:t>
-            </a:r>
-            <a:endParaRPr lang="en-US" altLang="zh-TW" dirty="0">
-              <a:solidFill>
-                <a:schemeClr val="accent1"/>
-              </a:solidFill>
-            </a:endParaRPr>
-          </a:p>
-          <a:p>
-            <a:pPr marL="514350" indent="-514350">
-              <a:buAutoNum type="arabicPeriod"/>
-            </a:pPr>
-            <a:endParaRPr lang="en-US" altLang="zh-TW" dirty="0"/>
-          </a:p>
-          <a:p>
-            <a:pPr marL="514350" indent="-514350">
-              <a:buAutoNum type="arabicPeriod"/>
-            </a:pPr>
-            <a:r>
-              <a:rPr lang="zh-TW" altLang="en-US" sz="2400" dirty="0">
-                <a:hlinkClick r:id="rId3" action="ppaction://hlinksldjump"/>
-              </a:rPr>
-              <a:t>傳輸問題 </a:t>
-            </a:r>
-            <a:r>
-              <a:rPr lang="en-US" altLang="zh-TW" sz="2400" dirty="0"/>
-              <a:t>:</a:t>
-            </a:r>
-            <a:r>
-              <a:rPr lang="zh-TW" altLang="en-US" sz="2400" dirty="0"/>
-              <a:t> </a:t>
-            </a:r>
-            <a:endParaRPr lang="en-US" altLang="zh-TW" sz="2400" dirty="0"/>
-          </a:p>
-          <a:p>
-            <a:pPr marL="457200" lvl="1" indent="0">
-              <a:buNone/>
-            </a:pPr>
-            <a:r>
-              <a:rPr lang="en-US" altLang="zh-TW" sz="2000" dirty="0"/>
-              <a:t>1.  Set UART</a:t>
-            </a:r>
-            <a:r>
-              <a:rPr lang="zh-TW" altLang="en-US" sz="2000" dirty="0"/>
-              <a:t> </a:t>
-            </a:r>
-            <a:r>
-              <a:rPr lang="en-US" altLang="zh-TW" sz="2000" dirty="0"/>
-              <a:t>RX</a:t>
-            </a:r>
-            <a:r>
-              <a:rPr lang="zh-TW" altLang="en-US" sz="2000" dirty="0"/>
-              <a:t> </a:t>
-            </a:r>
-            <a:r>
-              <a:rPr lang="en-US" altLang="zh-TW" sz="2000" dirty="0"/>
-              <a:t>Setting </a:t>
-            </a:r>
-            <a:r>
-              <a:rPr lang="zh-TW" altLang="en-US" sz="2000" dirty="0"/>
-              <a:t>以及 </a:t>
-            </a:r>
-            <a:r>
-              <a:rPr lang="en-US" altLang="zh-TW" sz="2000" dirty="0"/>
-              <a:t>Flow </a:t>
-            </a:r>
-            <a:r>
-              <a:rPr lang="zh-TW" altLang="en-US" sz="2000" dirty="0"/>
-              <a:t>規劃</a:t>
-            </a:r>
-            <a:endParaRPr lang="en-US" altLang="zh-TW" sz="2000" dirty="0"/>
-          </a:p>
-          <a:p>
-            <a:pPr marL="0" indent="0">
-              <a:buNone/>
-            </a:pPr>
-            <a:endParaRPr lang="en-US" altLang="zh-TW" sz="2400" dirty="0"/>
-          </a:p>
-          <a:p>
-            <a:pPr marL="457200" indent="-457200">
-              <a:buAutoNum type="arabicPeriod" startAt="2"/>
-            </a:pPr>
-            <a:r>
-              <a:rPr lang="zh-TW" altLang="en-US" sz="2400" dirty="0">
-                <a:hlinkClick r:id="rId4" action="ppaction://hlinksldjump"/>
-              </a:rPr>
-              <a:t>最接近顏色</a:t>
-            </a:r>
-            <a:r>
-              <a:rPr lang="en-US" altLang="zh-TW" sz="2400" dirty="0"/>
-              <a:t>:</a:t>
-            </a:r>
-          </a:p>
-          <a:p>
-            <a:pPr marL="914400" lvl="1" indent="-457200">
-              <a:buAutoNum type="arabicPeriod" startAt="2"/>
-            </a:pPr>
-            <a:r>
-              <a:rPr lang="zh-TW" altLang="en-US" sz="2000" dirty="0"/>
-              <a:t>筆的</a:t>
-            </a:r>
-            <a:r>
-              <a:rPr lang="en-US" altLang="zh-TW" sz="2000" dirty="0" err="1"/>
-              <a:t>Protocal</a:t>
-            </a:r>
-            <a:r>
-              <a:rPr lang="en-US" altLang="zh-TW" sz="2000" dirty="0"/>
-              <a:t> </a:t>
-            </a:r>
-            <a:r>
-              <a:rPr lang="zh-TW" altLang="en-US" sz="2000" dirty="0"/>
-              <a:t>定義的顏色只佔</a:t>
-            </a:r>
-            <a:r>
-              <a:rPr lang="en-US" altLang="zh-TW" sz="2000" dirty="0"/>
-              <a:t>RGB</a:t>
-            </a:r>
-            <a:r>
-              <a:rPr lang="zh-TW" altLang="en-US" sz="2000" dirty="0"/>
-              <a:t>裡面</a:t>
-            </a:r>
-            <a:r>
-              <a:rPr lang="en-US" altLang="zh-TW" sz="2000" dirty="0"/>
-              <a:t>200</a:t>
-            </a:r>
-            <a:r>
-              <a:rPr lang="zh-TW" altLang="en-US" sz="2000" dirty="0"/>
-              <a:t>多個</a:t>
-            </a:r>
-            <a:endParaRPr lang="en-US" altLang="zh-TW" dirty="0"/>
+            <a:endParaRPr lang="zh-TW" altLang="en-US"/>
           </a:p>
         </p:txBody>
       </p:sp>
     </p:spTree>
     <p:extLst>
       <p:ext uri="{BB962C8B-B14F-4D97-AF65-F5344CB8AC3E}">
-        <p14:creationId xmlns:p14="http://schemas.microsoft.com/office/powerpoint/2010/main" val="2576856385"/>
+        <p14:creationId xmlns:p14="http://schemas.microsoft.com/office/powerpoint/2010/main" val="2364024188"/>
       </p:ext>
     </p:extLst>
   </p:cSld>
@@ -17983,7 +18145,7 @@
           <p:cNvPr id="2" name="標題 1">
             <a:extLst>
               <a:ext uri="{FF2B5EF4-FFF2-40B4-BE49-F238E27FC236}">
-                <a16:creationId xmlns:a16="http://schemas.microsoft.com/office/drawing/2014/main" id="{FEDEBC06-C75E-5899-979E-C29912B4A68E}"/>
+                <a16:creationId xmlns:a16="http://schemas.microsoft.com/office/drawing/2014/main" id="{02C3FE11-1F15-4971-95B5-34F7811B7E8A}"/>
               </a:ext>
             </a:extLst>
           </p:cNvPr>
@@ -18002,7 +18164,15 @@
             <a:pPr algn="ctr"/>
             <a:r>
               <a:rPr lang="en-US" altLang="zh-TW" dirty="0"/>
-              <a:t>UART RX Setting</a:t>
+              <a:t>Color </a:t>
+            </a:r>
+            <a:r>
+              <a:rPr lang="en-US" altLang="zh-TW" dirty="0" err="1"/>
+              <a:t>Pikcing</a:t>
+            </a:r>
+            <a:r>
+              <a:rPr lang="en-US" altLang="zh-TW" dirty="0"/>
+              <a:t> Project</a:t>
             </a:r>
             <a:endParaRPr lang="zh-TW" altLang="en-US" dirty="0"/>
           </a:p>
@@ -18013,7 +18183,7 @@
           <p:cNvPr id="3" name="內容版面配置區 2">
             <a:extLst>
               <a:ext uri="{FF2B5EF4-FFF2-40B4-BE49-F238E27FC236}">
-                <a16:creationId xmlns:a16="http://schemas.microsoft.com/office/drawing/2014/main" id="{D33F5725-65BC-FF79-0EEB-A34DF7904932}"/>
+                <a16:creationId xmlns:a16="http://schemas.microsoft.com/office/drawing/2014/main" id="{5C2571F1-765B-42C3-8AAC-2A8441E0FBA0}"/>
               </a:ext>
             </a:extLst>
           </p:cNvPr>
@@ -18026,79 +18196,77 @@
         </p:nvSpPr>
         <p:spPr/>
         <p:txBody>
-          <a:bodyPr>
-            <a:normAutofit/>
-          </a:bodyPr>
-          <a:lstStyle/>
-          <a:p>
-            <a:pPr marL="514350" indent="-514350">
-              <a:buAutoNum type="arabicPeriod"/>
+          <a:bodyPr/>
+          <a:lstStyle/>
+          <a:p>
+            <a:pPr marL="457200" lvl="1" indent="0">
+              <a:lnSpc>
+                <a:spcPct val="150000"/>
+              </a:lnSpc>
+              <a:buNone/>
             </a:pPr>
             <a:r>
-              <a:rPr lang="en-US" altLang="zh-TW" sz="2000" dirty="0"/>
-              <a:t>UART</a:t>
-            </a:r>
-            <a:r>
-              <a:rPr lang="zh-TW" altLang="en-US" sz="2000" dirty="0"/>
+              <a:rPr lang="zh-TW" altLang="en-US" sz="2800" dirty="0">
+                <a:solidFill>
+                  <a:srgbClr val="FF0000"/>
+                </a:solidFill>
+              </a:rPr>
+              <a:t>目的</a:t>
+            </a:r>
+            <a:r>
+              <a:rPr lang="zh-TW" altLang="en-US" dirty="0"/>
               <a:t> </a:t>
             </a:r>
             <a:r>
-              <a:rPr lang="en-US" altLang="zh-TW" sz="2000" dirty="0"/>
-              <a:t>RX</a:t>
-            </a:r>
-            <a:r>
-              <a:rPr lang="zh-TW" altLang="en-US" sz="2000" dirty="0"/>
-              <a:t> 使用</a:t>
-            </a:r>
-            <a:r>
-              <a:rPr lang="en-US" altLang="zh-TW" sz="2000" dirty="0"/>
-              <a:t>FIFO</a:t>
-            </a:r>
-            <a:r>
-              <a:rPr lang="zh-TW" altLang="en-US" sz="2000" dirty="0"/>
-              <a:t> 架構、這個</a:t>
-            </a:r>
-            <a:r>
-              <a:rPr lang="en-US" altLang="zh-TW" sz="2000" dirty="0"/>
-              <a:t>FIFO</a:t>
-            </a:r>
-            <a:r>
-              <a:rPr lang="zh-TW" altLang="en-US" sz="2000" dirty="0"/>
-              <a:t>架構是被封裝過。</a:t>
-            </a:r>
-            <a:endParaRPr lang="en-US" altLang="zh-TW" sz="2000" dirty="0"/>
-          </a:p>
-          <a:p>
-            <a:pPr marL="514350" indent="-514350">
-              <a:buAutoNum type="arabicPeriod"/>
+              <a:rPr lang="en-US" altLang="zh-TW" dirty="0"/>
+              <a:t>:</a:t>
+            </a:r>
+            <a:r>
+              <a:rPr lang="zh-TW" altLang="en-US" dirty="0"/>
+              <a:t>  按壓</a:t>
+            </a:r>
+            <a:r>
+              <a:rPr lang="en-US" altLang="zh-TW" dirty="0"/>
+              <a:t>Color Sensor</a:t>
+            </a:r>
+            <a:r>
+              <a:rPr lang="zh-TW" altLang="en-US" dirty="0"/>
+              <a:t>選擇顏色、並透過筆在</a:t>
+            </a:r>
+            <a:r>
+              <a:rPr lang="en-US" altLang="zh-TW" dirty="0"/>
+              <a:t>Host</a:t>
+            </a:r>
+            <a:r>
+              <a:rPr lang="zh-TW" altLang="en-US" dirty="0"/>
+              <a:t>上畫出對應的顏色</a:t>
+            </a:r>
+            <a:endParaRPr lang="en-US" altLang="zh-TW" dirty="0"/>
+          </a:p>
+          <a:p>
+            <a:pPr marL="457200" lvl="1" indent="0">
+              <a:lnSpc>
+                <a:spcPct val="150000"/>
+              </a:lnSpc>
+              <a:buNone/>
             </a:pPr>
-            <a:endParaRPr lang="en-US" altLang="zh-TW" sz="2000" dirty="0"/>
-          </a:p>
-          <a:p>
-            <a:pPr marL="514350" indent="-514350">
-              <a:buAutoNum type="arabicPeriod"/>
+            <a:endParaRPr lang="en-US" altLang="zh-TW" dirty="0"/>
+          </a:p>
+          <a:p>
+            <a:pPr marL="457200" lvl="1" indent="0">
+              <a:lnSpc>
+                <a:spcPct val="150000"/>
+              </a:lnSpc>
+              <a:buNone/>
             </a:pPr>
-            <a:endParaRPr lang="en-US" altLang="zh-TW" sz="2000" dirty="0"/>
-          </a:p>
-          <a:p>
-            <a:pPr marL="514350" indent="-514350">
-              <a:buAutoNum type="arabicPeriod"/>
-            </a:pPr>
-            <a:r>
-              <a:rPr lang="en-US" altLang="zh-TW" sz="2000" dirty="0"/>
-              <a:t>UART RX</a:t>
-            </a:r>
-            <a:r>
-              <a:rPr lang="zh-TW" altLang="en-US" sz="2000" dirty="0"/>
-              <a:t> 中斷硬體設計</a:t>
-            </a:r>
+            <a:endParaRPr lang="en-US" altLang="zh-TW" dirty="0"/>
           </a:p>
         </p:txBody>
       </p:sp>
     </p:spTree>
     <p:extLst>
       <p:ext uri="{BB962C8B-B14F-4D97-AF65-F5344CB8AC3E}">
-        <p14:creationId xmlns:p14="http://schemas.microsoft.com/office/powerpoint/2010/main" val="3743749783"/>
+        <p14:creationId xmlns:p14="http://schemas.microsoft.com/office/powerpoint/2010/main" val="263751651"/>
       </p:ext>
     </p:extLst>
   </p:cSld>
@@ -18130,7 +18298,7 @@
           <p:cNvPr id="2" name="標題 1">
             <a:extLst>
               <a:ext uri="{FF2B5EF4-FFF2-40B4-BE49-F238E27FC236}">
-                <a16:creationId xmlns:a16="http://schemas.microsoft.com/office/drawing/2014/main" id="{FEDEBC06-C75E-5899-979E-C29912B4A68E}"/>
+                <a16:creationId xmlns:a16="http://schemas.microsoft.com/office/drawing/2014/main" id="{36663CA0-2783-4A34-8C5A-24686BD0A02B}"/>
               </a:ext>
             </a:extLst>
           </p:cNvPr>
@@ -18148,10 +18316,9 @@
           <a:p>
             <a:pPr algn="ctr"/>
             <a:r>
-              <a:rPr lang="en-US" altLang="zh-TW" dirty="0"/>
-              <a:t>UART RX Setting</a:t>
-            </a:r>
-            <a:endParaRPr lang="zh-TW" altLang="en-US" dirty="0"/>
+              <a:rPr lang="zh-TW" altLang="en-US" dirty="0"/>
+              <a:t>主要遇到的問題</a:t>
+            </a:r>
           </a:p>
         </p:txBody>
       </p:sp>
@@ -18160,7 +18327,7 @@
           <p:cNvPr id="3" name="內容版面配置區 2">
             <a:extLst>
               <a:ext uri="{FF2B5EF4-FFF2-40B4-BE49-F238E27FC236}">
-                <a16:creationId xmlns:a16="http://schemas.microsoft.com/office/drawing/2014/main" id="{D33F5725-65BC-FF79-0EEB-A34DF7904932}"/>
+                <a16:creationId xmlns:a16="http://schemas.microsoft.com/office/drawing/2014/main" id="{4EB3A3B7-3819-4E07-A5DF-C15C993A0B95}"/>
               </a:ext>
             </a:extLst>
           </p:cNvPr>
@@ -18173,21 +18340,59 @@
         </p:nvSpPr>
         <p:spPr/>
         <p:txBody>
-          <a:bodyPr>
-            <a:normAutofit/>
-          </a:bodyPr>
+          <a:bodyPr/>
           <a:lstStyle/>
           <a:p>
             <a:pPr marL="0" indent="0">
               <a:buNone/>
             </a:pPr>
             <a:r>
-              <a:rPr lang="zh-TW" altLang="en-US" sz="2000" dirty="0"/>
-              <a:t>總結 </a:t>
-            </a:r>
+              <a:rPr lang="zh-TW" altLang="en-US" dirty="0">
+                <a:solidFill>
+                  <a:schemeClr val="accent1"/>
+                </a:solidFill>
+              </a:rPr>
+              <a:t>問題</a:t>
+            </a:r>
+            <a:endParaRPr lang="en-US" altLang="zh-TW" dirty="0">
+              <a:solidFill>
+                <a:schemeClr val="accent1"/>
+              </a:solidFill>
+            </a:endParaRPr>
+          </a:p>
+          <a:p>
+            <a:pPr marL="514350" indent="-514350">
+              <a:buAutoNum type="arabicPeriod"/>
+            </a:pPr>
+            <a:endParaRPr lang="en-US" altLang="zh-TW" dirty="0"/>
+          </a:p>
+          <a:p>
+            <a:pPr marL="514350" indent="-514350">
+              <a:buAutoNum type="arabicPeriod"/>
+            </a:pPr>
+            <a:r>
+              <a:rPr lang="zh-TW" altLang="en-US" sz="2400" dirty="0">
+                <a:hlinkClick r:id="rId3" action="ppaction://hlinksldjump"/>
+              </a:rPr>
+              <a:t>傳輸問題 </a:t>
+            </a:r>
+            <a:r>
+              <a:rPr lang="en-US" altLang="zh-TW" sz="2400" dirty="0"/>
+              <a:t>:</a:t>
+            </a:r>
+            <a:r>
+              <a:rPr lang="zh-TW" altLang="en-US" sz="2400" dirty="0"/>
+              <a:t> </a:t>
+            </a:r>
+            <a:endParaRPr lang="en-US" altLang="zh-TW" sz="2400" dirty="0"/>
+          </a:p>
+          <a:p>
+            <a:pPr marL="457200" lvl="1" indent="0">
+              <a:buNone/>
+            </a:pPr>
             <a:r>
               <a:rPr lang="en-US" altLang="zh-TW" sz="2000" dirty="0"/>
-              <a:t>:</a:t>
+              <a:t>1.  Set UART</a:t>
             </a:r>
             <a:r>
               <a:rPr lang="zh-TW" altLang="en-US" sz="2000" dirty="0"/>
@@ -18195,44 +18400,95 @@
             </a:r>
             <a:r>
               <a:rPr lang="en-US" altLang="zh-TW" sz="2000" dirty="0"/>
+              <a:t>RX</a:t>
+            </a:r>
+            <a:r>
+              <a:rPr lang="zh-TW" altLang="en-US" sz="2000" dirty="0"/>
               <a:t> </a:t>
             </a:r>
             <a:r>
+              <a:rPr lang="en-US" altLang="zh-TW" sz="2000" dirty="0"/>
+              <a:t>Setting </a:t>
+            </a:r>
+            <a:r>
               <a:rPr lang="zh-TW" altLang="en-US" sz="2000" dirty="0"/>
-              <a:t>由於使用情況是使用者隨時可能會去觸動後發</a:t>
+              <a:t>以及 </a:t>
             </a:r>
             <a:r>
               <a:rPr lang="en-US" altLang="zh-TW" sz="2000" dirty="0"/>
-              <a:t>Sensor</a:t>
+              <a:t>Flow </a:t>
             </a:r>
             <a:r>
               <a:rPr lang="zh-TW" altLang="en-US" sz="2000" dirty="0"/>
-              <a:t>、筆本身還要</a:t>
+              <a:t>規劃</a:t>
+            </a:r>
+            <a:endParaRPr lang="en-US" altLang="zh-TW" sz="2000" dirty="0"/>
+          </a:p>
+          <a:p>
+            <a:pPr marL="0" indent="0">
+              <a:buNone/>
+            </a:pPr>
+            <a:endParaRPr lang="en-US" altLang="zh-TW" sz="2400" dirty="0"/>
+          </a:p>
+          <a:p>
+            <a:pPr marL="457200" indent="-457200">
+              <a:buAutoNum type="arabicPeriod" startAt="2"/>
+            </a:pPr>
+            <a:r>
+              <a:rPr lang="zh-TW" altLang="en-US" sz="2400" dirty="0">
+                <a:hlinkClick r:id="rId4" action="ppaction://hlinksldjump"/>
+              </a:rPr>
+              <a:t>最接近顏色</a:t>
+            </a:r>
+            <a:r>
+              <a:rPr lang="en-US" altLang="zh-TW" sz="2400" dirty="0"/>
+              <a:t>:</a:t>
+            </a:r>
+          </a:p>
+          <a:p>
+            <a:pPr marL="914400" lvl="1" indent="-457200">
+              <a:buAutoNum type="arabicPeriod" startAt="2"/>
+            </a:pPr>
+            <a:r>
+              <a:rPr lang="zh-TW" altLang="en-US" sz="2000" dirty="0"/>
+              <a:t>筆的</a:t>
+            </a:r>
+            <a:r>
+              <a:rPr lang="en-US" altLang="zh-TW" sz="2000" dirty="0" err="1"/>
+              <a:t>Protocal</a:t>
             </a:r>
             <a:r>
               <a:rPr lang="en-US" altLang="zh-TW" sz="2000" dirty="0"/>
-              <a:t>Decode </a:t>
+              <a:t> </a:t>
             </a:r>
             <a:r>
               <a:rPr lang="zh-TW" altLang="en-US" sz="2000" dirty="0"/>
-              <a:t>訊號，因此中斷是最佳方法，</a:t>
+              <a:t>定義的顏色只佔</a:t>
             </a:r>
             <a:r>
               <a:rPr lang="en-US" altLang="zh-TW" sz="2000" dirty="0"/>
-              <a:t>Polling </a:t>
+              <a:t>RGB</a:t>
             </a:r>
             <a:r>
               <a:rPr lang="zh-TW" altLang="en-US" sz="2000" dirty="0"/>
-              <a:t>去偵測就不是好方法並且耗電</a:t>
-            </a:r>
-            <a:endParaRPr lang="en-US" altLang="zh-TW" sz="2000" dirty="0"/>
+              <a:t>裡面</a:t>
+            </a:r>
+            <a:r>
+              <a:rPr lang="en-US" altLang="zh-TW" sz="2000" dirty="0"/>
+              <a:t>200</a:t>
+            </a:r>
+            <a:r>
+              <a:rPr lang="zh-TW" altLang="en-US" sz="2000" dirty="0"/>
+              <a:t>多個</a:t>
+            </a:r>
+            <a:endParaRPr lang="en-US" altLang="zh-TW" dirty="0"/>
           </a:p>
         </p:txBody>
       </p:sp>
     </p:spTree>
     <p:extLst>
       <p:ext uri="{BB962C8B-B14F-4D97-AF65-F5344CB8AC3E}">
-        <p14:creationId xmlns:p14="http://schemas.microsoft.com/office/powerpoint/2010/main" val="1764172780"/>
+        <p14:creationId xmlns:p14="http://schemas.microsoft.com/office/powerpoint/2010/main" val="2576856385"/>
       </p:ext>
     </p:extLst>
   </p:cSld>
@@ -18428,7 +18684,7 @@
           <p:cNvPr id="2" name="標題 1">
             <a:extLst>
               <a:ext uri="{FF2B5EF4-FFF2-40B4-BE49-F238E27FC236}">
-                <a16:creationId xmlns:a16="http://schemas.microsoft.com/office/drawing/2014/main" id="{DCAF803D-3CAB-3E11-8A90-4D5310A3A5EA}"/>
+                <a16:creationId xmlns:a16="http://schemas.microsoft.com/office/drawing/2014/main" id="{FEDEBC06-C75E-5899-979E-C29912B4A68E}"/>
               </a:ext>
             </a:extLst>
           </p:cNvPr>
@@ -18458,7 +18714,7 @@
           <p:cNvPr id="3" name="內容版面配置區 2">
             <a:extLst>
               <a:ext uri="{FF2B5EF4-FFF2-40B4-BE49-F238E27FC236}">
-                <a16:creationId xmlns:a16="http://schemas.microsoft.com/office/drawing/2014/main" id="{3B1B8A68-518A-9A03-2325-0016A63D6547}"/>
+                <a16:creationId xmlns:a16="http://schemas.microsoft.com/office/drawing/2014/main" id="{D33F5725-65BC-FF79-0EEB-A34DF7904932}"/>
               </a:ext>
             </a:extLst>
           </p:cNvPr>
@@ -18471,151 +18727,79 @@
         </p:nvSpPr>
         <p:spPr/>
         <p:txBody>
-          <a:bodyPr/>
-          <a:lstStyle/>
-          <a:p>
-            <a:pPr marL="0" indent="0">
-              <a:buNone/>
+          <a:bodyPr>
+            <a:normAutofit/>
+          </a:bodyPr>
+          <a:lstStyle/>
+          <a:p>
+            <a:pPr marL="514350" indent="-514350">
+              <a:buAutoNum type="arabicPeriod"/>
             </a:pPr>
             <a:r>
-              <a:rPr lang="zh-TW" altLang="en-US" dirty="0">
-                <a:solidFill>
-                  <a:schemeClr val="accent1"/>
-                </a:solidFill>
-              </a:rPr>
-              <a:t>過程中遇到最大問題 </a:t>
-            </a:r>
-            <a:r>
-              <a:rPr lang="en-US" altLang="zh-TW" dirty="0">
-                <a:solidFill>
-                  <a:schemeClr val="accent1"/>
-                </a:solidFill>
-              </a:rPr>
-              <a:t>: </a:t>
-            </a:r>
-          </a:p>
-          <a:p>
-            <a:pPr marL="0" indent="0">
-              <a:buNone/>
+              <a:rPr lang="en-US" altLang="zh-TW" sz="2000" dirty="0"/>
+              <a:t>UART</a:t>
+            </a:r>
+            <a:r>
+              <a:rPr lang="zh-TW" altLang="en-US" sz="2000" dirty="0"/>
+              <a:t> </a:t>
+            </a:r>
+            <a:r>
+              <a:rPr lang="en-US" altLang="zh-TW" sz="2000" dirty="0"/>
+              <a:t>RX</a:t>
+            </a:r>
+            <a:r>
+              <a:rPr lang="zh-TW" altLang="en-US" sz="2000" dirty="0"/>
+              <a:t> 使用</a:t>
+            </a:r>
+            <a:r>
+              <a:rPr lang="en-US" altLang="zh-TW" sz="2000" dirty="0"/>
+              <a:t>FIFO</a:t>
+            </a:r>
+            <a:r>
+              <a:rPr lang="zh-TW" altLang="en-US" sz="2000" dirty="0"/>
+              <a:t> 架構、這個</a:t>
+            </a:r>
+            <a:r>
+              <a:rPr lang="en-US" altLang="zh-TW" sz="2000" dirty="0"/>
+              <a:t>FIFO</a:t>
+            </a:r>
+            <a:r>
+              <a:rPr lang="zh-TW" altLang="en-US" sz="2000" dirty="0"/>
+              <a:t>架構是被封裝過。</a:t>
+            </a:r>
+            <a:endParaRPr lang="en-US" altLang="zh-TW" sz="2000" dirty="0"/>
+          </a:p>
+          <a:p>
+            <a:pPr marL="514350" indent="-514350">
+              <a:buAutoNum type="arabicPeriod"/>
             </a:pPr>
-            <a:r>
-              <a:rPr lang="zh-TW" altLang="en-US" sz="2400" dirty="0"/>
-              <a:t>收完</a:t>
-            </a:r>
-            <a:r>
-              <a:rPr lang="en-US" altLang="zh-TW" sz="2400" dirty="0"/>
-              <a:t>Sensor Data</a:t>
-            </a:r>
-            <a:r>
-              <a:rPr lang="zh-TW" altLang="en-US" sz="2400" dirty="0"/>
-              <a:t>後，顯示資料卻有漏東漏西</a:t>
-            </a:r>
-            <a:endParaRPr lang="en-US" altLang="zh-TW" sz="2400" dirty="0"/>
-          </a:p>
-          <a:p>
-            <a:pPr marL="0" indent="0">
-              <a:buNone/>
+            <a:endParaRPr lang="en-US" altLang="zh-TW" sz="2000" dirty="0"/>
+          </a:p>
+          <a:p>
+            <a:pPr marL="514350" indent="-514350">
+              <a:buAutoNum type="arabicPeriod"/>
             </a:pPr>
-            <a:r>
-              <a:rPr lang="en-US" altLang="zh-TW" sz="2400" dirty="0"/>
-              <a:t>Source</a:t>
-            </a:r>
-          </a:p>
-          <a:p>
-            <a:pPr marL="0" indent="0">
-              <a:buNone/>
+            <a:endParaRPr lang="en-US" altLang="zh-TW" sz="2000" dirty="0"/>
+          </a:p>
+          <a:p>
+            <a:pPr marL="514350" indent="-514350">
+              <a:buAutoNum type="arabicPeriod"/>
             </a:pPr>
             <a:r>
-              <a:rPr lang="en-US" altLang="zh-TW" sz="2400" dirty="0"/>
-              <a:t>1 . </a:t>
-            </a:r>
-            <a:r>
-              <a:rPr lang="zh-TW" altLang="en-US" sz="2400" dirty="0"/>
-              <a:t> 硬體觸發設定 </a:t>
-            </a:r>
-            <a:r>
-              <a:rPr lang="en-US" altLang="zh-TW" sz="2400" dirty="0"/>
-              <a:t>: 4Bytes -&gt; 1Bytes</a:t>
-            </a:r>
-          </a:p>
-          <a:p>
-            <a:pPr marL="0" indent="0">
-              <a:buNone/>
-            </a:pPr>
-            <a:r>
-              <a:rPr lang="en-US" altLang="zh-TW" sz="2400" dirty="0"/>
-              <a:t>2. </a:t>
-            </a:r>
-            <a:r>
-              <a:rPr lang="zh-TW" altLang="en-US" sz="2400" dirty="0"/>
-              <a:t> </a:t>
-            </a:r>
-            <a:r>
-              <a:rPr lang="zh-TW" altLang="en-US" sz="2400" dirty="0">
-                <a:solidFill>
-                  <a:srgbClr val="FF0000"/>
-                </a:solidFill>
-              </a:rPr>
-              <a:t>解除中斷</a:t>
-            </a:r>
-            <a:r>
-              <a:rPr lang="en-US" altLang="zh-TW" sz="2400" dirty="0">
-                <a:solidFill>
-                  <a:srgbClr val="FF0000"/>
-                </a:solidFill>
-              </a:rPr>
-              <a:t>Event </a:t>
-            </a:r>
-            <a:r>
-              <a:rPr lang="en-US" altLang="zh-TW" sz="2400" dirty="0" err="1">
-                <a:solidFill>
-                  <a:srgbClr val="FF0000"/>
-                </a:solidFill>
-              </a:rPr>
-              <a:t>regestier</a:t>
-            </a:r>
-            <a:r>
-              <a:rPr lang="zh-TW" altLang="en-US" sz="2400" dirty="0">
-                <a:solidFill>
-                  <a:srgbClr val="FF0000"/>
-                </a:solidFill>
-              </a:rPr>
-              <a:t>在</a:t>
-            </a:r>
-            <a:r>
-              <a:rPr lang="en-US" altLang="zh-TW" sz="2400" dirty="0">
-                <a:solidFill>
-                  <a:srgbClr val="FF0000"/>
-                </a:solidFill>
-              </a:rPr>
-              <a:t>Code</a:t>
-            </a:r>
-            <a:r>
-              <a:rPr lang="zh-TW" altLang="en-US" sz="2400" dirty="0">
-                <a:solidFill>
-                  <a:srgbClr val="FF0000"/>
-                </a:solidFill>
-              </a:rPr>
-              <a:t>中的位置</a:t>
-            </a:r>
-            <a:endParaRPr lang="en-US" altLang="zh-TW" sz="2400" dirty="0">
-              <a:solidFill>
-                <a:srgbClr val="FF0000"/>
-              </a:solidFill>
-            </a:endParaRPr>
-          </a:p>
-          <a:p>
-            <a:pPr marL="0" indent="0">
-              <a:buNone/>
-            </a:pPr>
-            <a:endParaRPr lang="zh-TW" altLang="en-US" dirty="0"/>
+              <a:rPr lang="en-US" altLang="zh-TW" sz="2000" dirty="0"/>
+              <a:t>UART RX</a:t>
+            </a:r>
+            <a:r>
+              <a:rPr lang="zh-TW" altLang="en-US" sz="2000" dirty="0"/>
+              <a:t> 中斷硬體設計</a:t>
+            </a:r>
           </a:p>
         </p:txBody>
       </p:sp>
     </p:spTree>
     <p:extLst>
       <p:ext uri="{BB962C8B-B14F-4D97-AF65-F5344CB8AC3E}">
-        <p14:creationId xmlns:p14="http://schemas.microsoft.com/office/powerpoint/2010/main" val="719165155"/>
+        <p14:creationId xmlns:p14="http://schemas.microsoft.com/office/powerpoint/2010/main" val="3743749783"/>
       </p:ext>
     </p:extLst>
   </p:cSld>
@@ -18647,7 +18831,7 @@
           <p:cNvPr id="2" name="標題 1">
             <a:extLst>
               <a:ext uri="{FF2B5EF4-FFF2-40B4-BE49-F238E27FC236}">
-                <a16:creationId xmlns:a16="http://schemas.microsoft.com/office/drawing/2014/main" id="{A90C3E7E-AE4E-452E-A66F-A6DA326A606E}"/>
+                <a16:creationId xmlns:a16="http://schemas.microsoft.com/office/drawing/2014/main" id="{FEDEBC06-C75E-5899-979E-C29912B4A68E}"/>
               </a:ext>
             </a:extLst>
           </p:cNvPr>
@@ -18665,8 +18849,8 @@
           <a:p>
             <a:pPr algn="ctr"/>
             <a:r>
-              <a:rPr lang="zh-TW" altLang="en-US" sz="4400" dirty="0"/>
-              <a:t>最接近顏色</a:t>
+              <a:rPr lang="en-US" altLang="zh-TW" dirty="0"/>
+              <a:t>UART RX Setting</a:t>
             </a:r>
             <a:endParaRPr lang="zh-TW" altLang="en-US" dirty="0"/>
           </a:p>
@@ -18677,7 +18861,7 @@
           <p:cNvPr id="3" name="內容版面配置區 2">
             <a:extLst>
               <a:ext uri="{FF2B5EF4-FFF2-40B4-BE49-F238E27FC236}">
-                <a16:creationId xmlns:a16="http://schemas.microsoft.com/office/drawing/2014/main" id="{2270879B-7395-4917-86B4-47F549C5A985}"/>
+                <a16:creationId xmlns:a16="http://schemas.microsoft.com/office/drawing/2014/main" id="{D33F5725-65BC-FF79-0EEB-A34DF7904932}"/>
               </a:ext>
             </a:extLst>
           </p:cNvPr>
@@ -18690,96 +18874,66 @@
         </p:nvSpPr>
         <p:spPr/>
         <p:txBody>
-          <a:bodyPr/>
+          <a:bodyPr>
+            <a:normAutofit/>
+          </a:bodyPr>
           <a:lstStyle/>
           <a:p>
             <a:pPr marL="0" indent="0">
               <a:buNone/>
             </a:pPr>
             <a:r>
-              <a:rPr lang="en-US" altLang="zh-TW" dirty="0"/>
-              <a:t>Root Cause :</a:t>
-            </a:r>
-          </a:p>
-          <a:p>
-            <a:pPr marL="514350" indent="-514350">
-              <a:buAutoNum type="arabicPeriod"/>
-            </a:pPr>
-            <a:r>
-              <a:rPr lang="en-US" altLang="zh-TW" dirty="0"/>
-              <a:t>Sensor </a:t>
-            </a:r>
-            <a:r>
-              <a:rPr lang="zh-TW" altLang="en-US" dirty="0"/>
-              <a:t>傳輸的顏色，並不一定落在</a:t>
-            </a:r>
-            <a:r>
-              <a:rPr lang="en-US" altLang="zh-TW" dirty="0"/>
-              <a:t>USI</a:t>
-            </a:r>
-            <a:r>
-              <a:rPr lang="zh-TW" altLang="en-US" dirty="0"/>
-              <a:t>所定義的顏色，因此需要找到最接近的顏色。</a:t>
-            </a:r>
-            <a:endParaRPr lang="en-US" altLang="zh-TW" dirty="0"/>
-          </a:p>
-          <a:p>
-            <a:pPr marL="514350" indent="-514350">
-              <a:buAutoNum type="arabicPeriod"/>
-            </a:pPr>
-            <a:endParaRPr lang="en-US" altLang="zh-TW" dirty="0"/>
-          </a:p>
-          <a:p>
-            <a:pPr marL="0" indent="0">
-              <a:buNone/>
-            </a:pPr>
-            <a:r>
-              <a:rPr lang="en-US" altLang="zh-TW" dirty="0"/>
-              <a:t>Solve :</a:t>
-            </a:r>
-          </a:p>
-          <a:p>
-            <a:pPr marL="0" indent="0">
-              <a:buNone/>
-            </a:pPr>
-            <a:r>
-              <a:rPr lang="en-US" altLang="zh-TW" dirty="0"/>
-              <a:t>	1. </a:t>
-            </a:r>
-            <a:r>
-              <a:rPr lang="zh-TW" altLang="en-US" dirty="0"/>
-              <a:t>顏色距離定義</a:t>
-            </a:r>
-            <a:endParaRPr lang="en-US" altLang="zh-TW" dirty="0"/>
-          </a:p>
-          <a:p>
-            <a:pPr marL="0" indent="0">
-              <a:buNone/>
-            </a:pPr>
-            <a:r>
-              <a:rPr lang="en-US" altLang="zh-TW" dirty="0"/>
-              <a:t>	2.  </a:t>
-            </a:r>
-            <a:r>
-              <a:rPr lang="zh-TW" altLang="en-US" dirty="0"/>
-              <a:t>使用</a:t>
-            </a:r>
-            <a:r>
-              <a:rPr lang="en-US" altLang="zh-TW" dirty="0" err="1"/>
-              <a:t>matlab</a:t>
-            </a:r>
-            <a:r>
-              <a:rPr lang="zh-TW" altLang="en-US" dirty="0"/>
-              <a:t>來加速驗證速度</a:t>
-            </a:r>
-            <a:endParaRPr lang="en-US" altLang="zh-TW" dirty="0"/>
+              <a:rPr lang="zh-TW" altLang="en-US" sz="2000" dirty="0"/>
+              <a:t>總結 </a:t>
+            </a:r>
+            <a:r>
+              <a:rPr lang="en-US" altLang="zh-TW" sz="2000" dirty="0"/>
+              <a:t>:</a:t>
+            </a:r>
+            <a:r>
+              <a:rPr lang="zh-TW" altLang="en-US" sz="2000" dirty="0"/>
+              <a:t> </a:t>
+            </a:r>
+            <a:r>
+              <a:rPr lang="en-US" altLang="zh-TW" sz="2000" dirty="0"/>
+              <a:t> </a:t>
+            </a:r>
+            <a:r>
+              <a:rPr lang="zh-TW" altLang="en-US" sz="2000" dirty="0"/>
+              <a:t>由於使用情況是使用者隨時可能會去觸動後發</a:t>
+            </a:r>
+            <a:r>
+              <a:rPr lang="en-US" altLang="zh-TW" sz="2000" dirty="0"/>
+              <a:t>Sensor</a:t>
+            </a:r>
+            <a:r>
+              <a:rPr lang="zh-TW" altLang="en-US" sz="2000" dirty="0"/>
+              <a:t>、筆本身還要</a:t>
+            </a:r>
+            <a:r>
+              <a:rPr lang="en-US" altLang="zh-TW" sz="2000" dirty="0"/>
+              <a:t>Decode </a:t>
+            </a:r>
+            <a:r>
+              <a:rPr lang="zh-TW" altLang="en-US" sz="2000" dirty="0"/>
+              <a:t>訊號，因此中斷是最佳方法，</a:t>
+            </a:r>
+            <a:r>
+              <a:rPr lang="en-US" altLang="zh-TW" sz="2000" dirty="0"/>
+              <a:t>Polling </a:t>
+            </a:r>
+            <a:r>
+              <a:rPr lang="zh-TW" altLang="en-US" sz="2000" dirty="0"/>
+              <a:t>去偵測就不是好方法並且耗電</a:t>
+            </a:r>
+            <a:endParaRPr lang="en-US" altLang="zh-TW" sz="2000" dirty="0"/>
           </a:p>
         </p:txBody>
       </p:sp>
     </p:spTree>
     <p:extLst>
       <p:ext uri="{BB962C8B-B14F-4D97-AF65-F5344CB8AC3E}">
-        <p14:creationId xmlns:p14="http://schemas.microsoft.com/office/powerpoint/2010/main" val="2172983373"/>
+        <p14:creationId xmlns:p14="http://schemas.microsoft.com/office/powerpoint/2010/main" val="1764172780"/>
       </p:ext>
     </p:extLst>
   </p:cSld>
@@ -18811,7 +18965,7 @@
           <p:cNvPr id="2" name="標題 1">
             <a:extLst>
               <a:ext uri="{FF2B5EF4-FFF2-40B4-BE49-F238E27FC236}">
-                <a16:creationId xmlns:a16="http://schemas.microsoft.com/office/drawing/2014/main" id="{77C37F21-5DBA-B401-7D71-7CFB5E6E6C5D}"/>
+                <a16:creationId xmlns:a16="http://schemas.microsoft.com/office/drawing/2014/main" id="{DCAF803D-3CAB-3E11-8A90-4D5310A3A5EA}"/>
               </a:ext>
             </a:extLst>
           </p:cNvPr>
@@ -18829,21 +18983,10 @@
           <a:p>
             <a:pPr algn="ctr"/>
             <a:r>
-              <a:rPr lang="zh-TW" altLang="en-US" dirty="0"/>
-              <a:t> </a:t>
-            </a:r>
-            <a:r>
-              <a:rPr lang="en-US" altLang="zh-TW" dirty="0" err="1"/>
-              <a:t>Matlab</a:t>
-            </a:r>
-            <a:r>
-              <a:rPr lang="en-US" altLang="zh-TW" dirty="0"/>
-              <a:t> </a:t>
-            </a:r>
-            <a:r>
-              <a:rPr lang="zh-TW" altLang="en-US" dirty="0"/>
-              <a:t>驗證</a:t>
-            </a:r>
+              <a:rPr lang="en-US" altLang="zh-TW" dirty="0"/>
+              <a:t>UART RX Setting</a:t>
+            </a:r>
+            <a:endParaRPr lang="zh-TW" altLang="en-US" dirty="0"/>
           </a:p>
         </p:txBody>
       </p:sp>
@@ -18852,7 +18995,7 @@
           <p:cNvPr id="3" name="內容版面配置區 2">
             <a:extLst>
               <a:ext uri="{FF2B5EF4-FFF2-40B4-BE49-F238E27FC236}">
-                <a16:creationId xmlns:a16="http://schemas.microsoft.com/office/drawing/2014/main" id="{534E79D0-3692-7581-7815-5DEF93BC5DAC}"/>
+                <a16:creationId xmlns:a16="http://schemas.microsoft.com/office/drawing/2014/main" id="{3B1B8A68-518A-9A03-2325-0016A63D6547}"/>
               </a:ext>
             </a:extLst>
           </p:cNvPr>
@@ -18872,28 +19015,144 @@
               <a:buNone/>
             </a:pPr>
             <a:r>
-              <a:rPr lang="en-US" altLang="zh-TW" dirty="0"/>
-              <a:t>Use </a:t>
-            </a:r>
-            <a:r>
-              <a:rPr lang="en-US" altLang="zh-TW" dirty="0" err="1"/>
-              <a:t>Matalb</a:t>
-            </a:r>
-            <a:r>
-              <a:rPr lang="en-US" altLang="zh-TW" dirty="0"/>
-              <a:t> APP</a:t>
-            </a:r>
-            <a:r>
-              <a:rPr lang="zh-TW" altLang="en-US" dirty="0"/>
-              <a:t> 寫的</a:t>
-            </a:r>
+              <a:rPr lang="zh-TW" altLang="en-US" dirty="0">
+                <a:solidFill>
+                  <a:schemeClr val="accent1"/>
+                </a:solidFill>
+              </a:rPr>
+              <a:t>過程中遇到最大問題 </a:t>
+            </a:r>
+            <a:r>
+              <a:rPr lang="en-US" altLang="zh-TW" dirty="0">
+                <a:solidFill>
+                  <a:schemeClr val="accent1"/>
+                </a:solidFill>
+              </a:rPr>
+              <a:t>: </a:t>
+            </a:r>
+          </a:p>
+          <a:p>
+            <a:pPr marL="0" indent="0">
+              <a:buNone/>
+            </a:pPr>
+            <a:r>
+              <a:rPr lang="zh-TW" altLang="en-US" sz="2400" dirty="0"/>
+              <a:t>收完</a:t>
+            </a:r>
+            <a:r>
+              <a:rPr lang="en-US" altLang="zh-TW" sz="2400" dirty="0"/>
+              <a:t>Sensor Data</a:t>
+            </a:r>
+            <a:r>
+              <a:rPr lang="zh-TW" altLang="en-US" sz="2400" dirty="0"/>
+              <a:t>後，顯示資料卻有漏東漏西</a:t>
+            </a:r>
+            <a:endParaRPr lang="en-US" altLang="zh-TW" sz="2400" dirty="0"/>
+          </a:p>
+          <a:p>
+            <a:pPr marL="0" indent="0">
+              <a:buNone/>
+            </a:pPr>
+            <a:r>
+              <a:rPr lang="en-US" altLang="zh-TW" sz="2400" dirty="0"/>
+              <a:t>Source</a:t>
+            </a:r>
+          </a:p>
+          <a:p>
+            <a:pPr marL="0" indent="0">
+              <a:buNone/>
+            </a:pPr>
+            <a:r>
+              <a:rPr lang="en-US" altLang="zh-TW" sz="2400" dirty="0"/>
+              <a:t>1 . </a:t>
+            </a:r>
+            <a:r>
+              <a:rPr lang="zh-TW" altLang="en-US" sz="2400" dirty="0"/>
+              <a:t> 硬體觸發設定 </a:t>
+            </a:r>
+            <a:r>
+              <a:rPr lang="en-US" altLang="zh-TW" sz="2400" dirty="0"/>
+              <a:t>: 4Bytes -&gt; 1Bytes</a:t>
+            </a:r>
+          </a:p>
+          <a:p>
+            <a:pPr marL="0" indent="0">
+              <a:buNone/>
+            </a:pPr>
+            <a:r>
+              <a:rPr lang="en-US" altLang="zh-TW" sz="2400" dirty="0"/>
+              <a:t>2. </a:t>
+            </a:r>
+            <a:r>
+              <a:rPr lang="zh-TW" altLang="en-US" sz="2400" dirty="0"/>
+              <a:t> </a:t>
+            </a:r>
+            <a:r>
+              <a:rPr lang="zh-TW" altLang="en-US" sz="2400" dirty="0">
+                <a:solidFill>
+                  <a:srgbClr val="FF0000"/>
+                </a:solidFill>
+              </a:rPr>
+              <a:t>解除中斷</a:t>
+            </a:r>
+            <a:r>
+              <a:rPr lang="en-US" altLang="zh-TW" sz="2400" dirty="0">
+                <a:solidFill>
+                  <a:srgbClr val="FF0000"/>
+                </a:solidFill>
+              </a:rPr>
+              <a:t>Event </a:t>
+            </a:r>
+            <a:r>
+              <a:rPr lang="en-US" altLang="zh-TW" sz="2400" dirty="0" err="1">
+                <a:solidFill>
+                  <a:srgbClr val="FF0000"/>
+                </a:solidFill>
+              </a:rPr>
+              <a:t>regestier</a:t>
+            </a:r>
+            <a:r>
+              <a:rPr lang="zh-TW" altLang="en-US" sz="2400" dirty="0">
+                <a:solidFill>
+                  <a:srgbClr val="FF0000"/>
+                </a:solidFill>
+              </a:rPr>
+              <a:t>在</a:t>
+            </a:r>
+            <a:r>
+              <a:rPr lang="en-US" altLang="zh-TW" sz="2400" dirty="0">
+                <a:solidFill>
+                  <a:srgbClr val="FF0000"/>
+                </a:solidFill>
+              </a:rPr>
+              <a:t>Code</a:t>
+            </a:r>
+            <a:r>
+              <a:rPr lang="zh-TW" altLang="en-US" sz="2400" dirty="0">
+                <a:solidFill>
+                  <a:srgbClr val="FF0000"/>
+                </a:solidFill>
+              </a:rPr>
+              <a:t>中的位置</a:t>
+            </a:r>
+            <a:endParaRPr lang="en-US" altLang="zh-TW" sz="2400" dirty="0">
+              <a:solidFill>
+                <a:srgbClr val="FF0000"/>
+              </a:solidFill>
+            </a:endParaRPr>
+          </a:p>
+          <a:p>
+            <a:pPr marL="0" indent="0">
+              <a:buNone/>
+            </a:pPr>
+            <a:endParaRPr lang="zh-TW" altLang="en-US" dirty="0"/>
           </a:p>
         </p:txBody>
       </p:sp>
     </p:spTree>
     <p:extLst>
       <p:ext uri="{BB962C8B-B14F-4D97-AF65-F5344CB8AC3E}">
-        <p14:creationId xmlns:p14="http://schemas.microsoft.com/office/powerpoint/2010/main" val="3411917283"/>
+        <p14:creationId xmlns:p14="http://schemas.microsoft.com/office/powerpoint/2010/main" val="719165155"/>
       </p:ext>
     </p:extLst>
   </p:cSld>
@@ -18925,6 +19184,284 @@
           <p:cNvPr id="2" name="標題 1">
             <a:extLst>
               <a:ext uri="{FF2B5EF4-FFF2-40B4-BE49-F238E27FC236}">
+                <a16:creationId xmlns:a16="http://schemas.microsoft.com/office/drawing/2014/main" id="{A90C3E7E-AE4E-452E-A66F-A6DA326A606E}"/>
+              </a:ext>
+            </a:extLst>
+          </p:cNvPr>
+          <p:cNvSpPr>
+            <a:spLocks noGrp="1"/>
+          </p:cNvSpPr>
+          <p:nvPr>
+            <p:ph type="title"/>
+          </p:nvPr>
+        </p:nvSpPr>
+        <p:spPr/>
+        <p:txBody>
+          <a:bodyPr/>
+          <a:lstStyle/>
+          <a:p>
+            <a:pPr algn="ctr"/>
+            <a:r>
+              <a:rPr lang="zh-TW" altLang="en-US" sz="4400" dirty="0"/>
+              <a:t>最接近顏色</a:t>
+            </a:r>
+            <a:endParaRPr lang="zh-TW" altLang="en-US" dirty="0"/>
+          </a:p>
+        </p:txBody>
+      </p:sp>
+      <p:sp>
+        <p:nvSpPr>
+          <p:cNvPr id="3" name="內容版面配置區 2">
+            <a:extLst>
+              <a:ext uri="{FF2B5EF4-FFF2-40B4-BE49-F238E27FC236}">
+                <a16:creationId xmlns:a16="http://schemas.microsoft.com/office/drawing/2014/main" id="{2270879B-7395-4917-86B4-47F549C5A985}"/>
+              </a:ext>
+            </a:extLst>
+          </p:cNvPr>
+          <p:cNvSpPr>
+            <a:spLocks noGrp="1"/>
+          </p:cNvSpPr>
+          <p:nvPr>
+            <p:ph idx="1"/>
+          </p:nvPr>
+        </p:nvSpPr>
+        <p:spPr/>
+        <p:txBody>
+          <a:bodyPr/>
+          <a:lstStyle/>
+          <a:p>
+            <a:pPr marL="0" indent="0">
+              <a:buNone/>
+            </a:pPr>
+            <a:r>
+              <a:rPr lang="en-US" altLang="zh-TW" dirty="0"/>
+              <a:t>Root Cause :</a:t>
+            </a:r>
+          </a:p>
+          <a:p>
+            <a:pPr marL="514350" indent="-514350">
+              <a:buAutoNum type="arabicPeriod"/>
+            </a:pPr>
+            <a:r>
+              <a:rPr lang="en-US" altLang="zh-TW" dirty="0"/>
+              <a:t>Sensor </a:t>
+            </a:r>
+            <a:r>
+              <a:rPr lang="zh-TW" altLang="en-US" dirty="0"/>
+              <a:t>傳輸的顏色，並不一定落在</a:t>
+            </a:r>
+            <a:r>
+              <a:rPr lang="en-US" altLang="zh-TW" dirty="0"/>
+              <a:t>USI</a:t>
+            </a:r>
+            <a:r>
+              <a:rPr lang="zh-TW" altLang="en-US" dirty="0"/>
+              <a:t>所定義的顏色，因此需要找到最接近的顏色。</a:t>
+            </a:r>
+            <a:endParaRPr lang="en-US" altLang="zh-TW" dirty="0"/>
+          </a:p>
+          <a:p>
+            <a:pPr marL="514350" indent="-514350">
+              <a:buAutoNum type="arabicPeriod"/>
+            </a:pPr>
+            <a:endParaRPr lang="en-US" altLang="zh-TW" dirty="0"/>
+          </a:p>
+          <a:p>
+            <a:pPr marL="0" indent="0">
+              <a:buNone/>
+            </a:pPr>
+            <a:r>
+              <a:rPr lang="en-US" altLang="zh-TW" dirty="0"/>
+              <a:t>Solve :</a:t>
+            </a:r>
+          </a:p>
+          <a:p>
+            <a:pPr marL="0" indent="0">
+              <a:buNone/>
+            </a:pPr>
+            <a:r>
+              <a:rPr lang="en-US" altLang="zh-TW" dirty="0"/>
+              <a:t>	1. </a:t>
+            </a:r>
+            <a:r>
+              <a:rPr lang="zh-TW" altLang="en-US" dirty="0"/>
+              <a:t>顏色距離定義</a:t>
+            </a:r>
+            <a:endParaRPr lang="en-US" altLang="zh-TW" dirty="0"/>
+          </a:p>
+          <a:p>
+            <a:pPr marL="0" indent="0">
+              <a:buNone/>
+            </a:pPr>
+            <a:r>
+              <a:rPr lang="en-US" altLang="zh-TW" dirty="0"/>
+              <a:t>	2.  </a:t>
+            </a:r>
+            <a:r>
+              <a:rPr lang="zh-TW" altLang="en-US" dirty="0"/>
+              <a:t>使用</a:t>
+            </a:r>
+            <a:r>
+              <a:rPr lang="en-US" altLang="zh-TW" dirty="0" err="1"/>
+              <a:t>matlab</a:t>
+            </a:r>
+            <a:r>
+              <a:rPr lang="zh-TW" altLang="en-US" dirty="0"/>
+              <a:t>來加速驗證速度</a:t>
+            </a:r>
+            <a:endParaRPr lang="en-US" altLang="zh-TW" dirty="0"/>
+          </a:p>
+        </p:txBody>
+      </p:sp>
+    </p:spTree>
+    <p:extLst>
+      <p:ext uri="{BB962C8B-B14F-4D97-AF65-F5344CB8AC3E}">
+        <p14:creationId xmlns:p14="http://schemas.microsoft.com/office/powerpoint/2010/main" val="2172983373"/>
+      </p:ext>
+    </p:extLst>
+  </p:cSld>
+  <p:clrMapOvr>
+    <a:masterClrMapping/>
+  </p:clrMapOvr>
+</p:sld>
+</file>
+
+<file path=ppt/slides/slide44.xml><?xml version="1.0" encoding="utf-8"?>
+<p:sld xmlns:a="http://schemas.openxmlformats.org/drawingml/2006/main" xmlns:r="http://schemas.openxmlformats.org/officeDocument/2006/relationships" xmlns:p="http://schemas.openxmlformats.org/presentationml/2006/main">
+  <p:cSld>
+    <p:spTree>
+      <p:nvGrpSpPr>
+        <p:cNvPr id="1" name=""/>
+        <p:cNvGrpSpPr/>
+        <p:nvPr/>
+      </p:nvGrpSpPr>
+      <p:grpSpPr>
+        <a:xfrm>
+          <a:off x="0" y="0"/>
+          <a:ext cx="0" cy="0"/>
+          <a:chOff x="0" y="0"/>
+          <a:chExt cx="0" cy="0"/>
+        </a:xfrm>
+      </p:grpSpPr>
+      <p:sp>
+        <p:nvSpPr>
+          <p:cNvPr id="2" name="標題 1">
+            <a:extLst>
+              <a:ext uri="{FF2B5EF4-FFF2-40B4-BE49-F238E27FC236}">
+                <a16:creationId xmlns:a16="http://schemas.microsoft.com/office/drawing/2014/main" id="{77C37F21-5DBA-B401-7D71-7CFB5E6E6C5D}"/>
+              </a:ext>
+            </a:extLst>
+          </p:cNvPr>
+          <p:cNvSpPr>
+            <a:spLocks noGrp="1"/>
+          </p:cNvSpPr>
+          <p:nvPr>
+            <p:ph type="title"/>
+          </p:nvPr>
+        </p:nvSpPr>
+        <p:spPr/>
+        <p:txBody>
+          <a:bodyPr/>
+          <a:lstStyle/>
+          <a:p>
+            <a:pPr algn="ctr"/>
+            <a:r>
+              <a:rPr lang="zh-TW" altLang="en-US" dirty="0"/>
+              <a:t> </a:t>
+            </a:r>
+            <a:r>
+              <a:rPr lang="en-US" altLang="zh-TW" dirty="0" err="1"/>
+              <a:t>Matlab</a:t>
+            </a:r>
+            <a:r>
+              <a:rPr lang="en-US" altLang="zh-TW" dirty="0"/>
+              <a:t> </a:t>
+            </a:r>
+            <a:r>
+              <a:rPr lang="zh-TW" altLang="en-US" dirty="0"/>
+              <a:t>驗證</a:t>
+            </a:r>
+          </a:p>
+        </p:txBody>
+      </p:sp>
+      <p:sp>
+        <p:nvSpPr>
+          <p:cNvPr id="3" name="內容版面配置區 2">
+            <a:extLst>
+              <a:ext uri="{FF2B5EF4-FFF2-40B4-BE49-F238E27FC236}">
+                <a16:creationId xmlns:a16="http://schemas.microsoft.com/office/drawing/2014/main" id="{534E79D0-3692-7581-7815-5DEF93BC5DAC}"/>
+              </a:ext>
+            </a:extLst>
+          </p:cNvPr>
+          <p:cNvSpPr>
+            <a:spLocks noGrp="1"/>
+          </p:cNvSpPr>
+          <p:nvPr>
+            <p:ph idx="1"/>
+          </p:nvPr>
+        </p:nvSpPr>
+        <p:spPr/>
+        <p:txBody>
+          <a:bodyPr/>
+          <a:lstStyle/>
+          <a:p>
+            <a:pPr marL="0" indent="0">
+              <a:buNone/>
+            </a:pPr>
+            <a:r>
+              <a:rPr lang="en-US" altLang="zh-TW" dirty="0"/>
+              <a:t>Use </a:t>
+            </a:r>
+            <a:r>
+              <a:rPr lang="en-US" altLang="zh-TW" dirty="0" err="1"/>
+              <a:t>Matalb</a:t>
+            </a:r>
+            <a:r>
+              <a:rPr lang="en-US" altLang="zh-TW" dirty="0"/>
+              <a:t> APP</a:t>
+            </a:r>
+            <a:r>
+              <a:rPr lang="zh-TW" altLang="en-US" dirty="0"/>
+              <a:t> 寫的</a:t>
+            </a:r>
+          </a:p>
+        </p:txBody>
+      </p:sp>
+    </p:spTree>
+    <p:extLst>
+      <p:ext uri="{BB962C8B-B14F-4D97-AF65-F5344CB8AC3E}">
+        <p14:creationId xmlns:p14="http://schemas.microsoft.com/office/powerpoint/2010/main" val="3411917283"/>
+      </p:ext>
+    </p:extLst>
+  </p:cSld>
+  <p:clrMapOvr>
+    <a:masterClrMapping/>
+  </p:clrMapOvr>
+</p:sld>
+</file>
+
+<file path=ppt/slides/slide45.xml><?xml version="1.0" encoding="utf-8"?>
+<p:sld xmlns:a="http://schemas.openxmlformats.org/drawingml/2006/main" xmlns:r="http://schemas.openxmlformats.org/officeDocument/2006/relationships" xmlns:p="http://schemas.openxmlformats.org/presentationml/2006/main">
+  <p:cSld>
+    <p:spTree>
+      <p:nvGrpSpPr>
+        <p:cNvPr id="1" name=""/>
+        <p:cNvGrpSpPr/>
+        <p:nvPr/>
+      </p:nvGrpSpPr>
+      <p:grpSpPr>
+        <a:xfrm>
+          <a:off x="0" y="0"/>
+          <a:ext cx="0" cy="0"/>
+          <a:chOff x="0" y="0"/>
+          <a:chExt cx="0" cy="0"/>
+        </a:xfrm>
+      </p:grpSpPr>
+      <p:sp>
+        <p:nvSpPr>
+          <p:cNvPr id="2" name="標題 1">
+            <a:extLst>
+              <a:ext uri="{FF2B5EF4-FFF2-40B4-BE49-F238E27FC236}">
                 <a16:creationId xmlns:a16="http://schemas.microsoft.com/office/drawing/2014/main" id="{F0C4E827-8FA5-D200-CB63-931E7FB72A01}"/>
               </a:ext>
             </a:extLst>
@@ -19094,7 +19631,7 @@
 </p:sld>
 </file>
 
-<file path=ppt/slides/slide44.xml><?xml version="1.0" encoding="utf-8"?>
+<file path=ppt/slides/slide46.xml><?xml version="1.0" encoding="utf-8"?>
 <p:sld xmlns:a="http://schemas.openxmlformats.org/drawingml/2006/main" xmlns:r="http://schemas.openxmlformats.org/officeDocument/2006/relationships" xmlns:p="http://schemas.openxmlformats.org/presentationml/2006/main">
   <p:cSld>
     <p:spTree>

--- a/Project_Summary_pdf/Project_Summary.pptx
+++ b/Project_Summary_pdf/Project_Summary.pptx
@@ -5,7 +5,7 @@
     <p:sldMasterId id="2147483648" r:id="rId1"/>
   </p:sldMasterIdLst>
   <p:notesMasterIdLst>
-    <p:notesMasterId r:id="rId48"/>
+    <p:notesMasterId r:id="rId49"/>
   </p:notesMasterIdLst>
   <p:sldIdLst>
     <p:sldId id="256" r:id="rId2"/>
@@ -38,22 +38,23 @@
     <p:sldId id="285" r:id="rId29"/>
     <p:sldId id="286" r:id="rId30"/>
     <p:sldId id="881" r:id="rId31"/>
-    <p:sldId id="896" r:id="rId32"/>
-    <p:sldId id="895" r:id="rId33"/>
-    <p:sldId id="889" r:id="rId34"/>
-    <p:sldId id="890" r:id="rId35"/>
-    <p:sldId id="751" r:id="rId36"/>
-    <p:sldId id="882" r:id="rId37"/>
-    <p:sldId id="281" r:id="rId38"/>
-    <p:sldId id="257" r:id="rId39"/>
-    <p:sldId id="258" r:id="rId40"/>
-    <p:sldId id="260" r:id="rId41"/>
-    <p:sldId id="263" r:id="rId42"/>
-    <p:sldId id="264" r:id="rId43"/>
-    <p:sldId id="259" r:id="rId44"/>
-    <p:sldId id="265" r:id="rId45"/>
-    <p:sldId id="282" r:id="rId46"/>
-    <p:sldId id="885" r:id="rId47"/>
+    <p:sldId id="897" r:id="rId32"/>
+    <p:sldId id="896" r:id="rId33"/>
+    <p:sldId id="895" r:id="rId34"/>
+    <p:sldId id="889" r:id="rId35"/>
+    <p:sldId id="890" r:id="rId36"/>
+    <p:sldId id="751" r:id="rId37"/>
+    <p:sldId id="882" r:id="rId38"/>
+    <p:sldId id="281" r:id="rId39"/>
+    <p:sldId id="257" r:id="rId40"/>
+    <p:sldId id="258" r:id="rId41"/>
+    <p:sldId id="260" r:id="rId42"/>
+    <p:sldId id="263" r:id="rId43"/>
+    <p:sldId id="264" r:id="rId44"/>
+    <p:sldId id="259" r:id="rId45"/>
+    <p:sldId id="265" r:id="rId46"/>
+    <p:sldId id="282" r:id="rId47"/>
+    <p:sldId id="885" r:id="rId48"/>
   </p:sldIdLst>
   <p:sldSz cx="12192000" cy="6858000"/>
   <p:notesSz cx="6858000" cy="9144000"/>
@@ -203,6 +204,7 @@
             <p14:sldId id="285"/>
             <p14:sldId id="286"/>
             <p14:sldId id="881"/>
+            <p14:sldId id="897"/>
             <p14:sldId id="896"/>
             <p14:sldId id="895"/>
             <p14:sldId id="889"/>
@@ -1428,7 +1430,32 @@
             <a:pPr marL="228600" indent="-228600">
               <a:buAutoNum type="arabicPeriod"/>
             </a:pPr>
-            <a:endParaRPr lang="zh-TW" altLang="en-US" dirty="0"/>
+            <a:r>
+              <a:rPr lang="zh-TW" altLang="en-US"/>
+              <a:t>這裡可以強調原先學長們有提到某一路是不可行的。但是透過自身對數位電路理解，將其電路串起來可以</a:t>
+            </a:r>
+            <a:r>
+              <a:rPr lang="en-US" altLang="zh-TW"/>
+              <a:t>Work . “RX0 Decoder </a:t>
+            </a:r>
+            <a:r>
+              <a:rPr lang="zh-TW" altLang="en-US"/>
+              <a:t>無法搭配 </a:t>
+            </a:r>
+            <a:r>
+              <a:rPr lang="en-US" altLang="zh-TW"/>
+              <a:t>1st HPF filter + Schmitt Digital “</a:t>
+            </a:r>
+          </a:p>
+          <a:p>
+            <a:pPr marL="0" indent="0">
+              <a:buNone/>
+            </a:pPr>
+            <a:r>
+              <a:rPr lang="zh-TW" altLang="en-US"/>
+              <a:t>這裡可以講細一點，我是如何將電路串起來的</a:t>
+            </a:r>
+            <a:endParaRPr lang="en-US" altLang="zh-TW"/>
           </a:p>
         </p:txBody>
       </p:sp>
@@ -1512,7 +1539,46 @@
           <a:bodyPr/>
           <a:lstStyle/>
           <a:p>
-            <a:endParaRPr lang="zh-TW" altLang="en-US"/>
+            <a:pPr marL="0" marR="0" lvl="0" indent="0" algn="l" defTabSz="914400" rtl="0" eaLnBrk="1" fontAlgn="auto" latinLnBrk="0" hangingPunct="1">
+              <a:lnSpc>
+                <a:spcPct val="100000"/>
+              </a:lnSpc>
+              <a:spcBef>
+                <a:spcPts val="0"/>
+              </a:spcBef>
+              <a:spcAft>
+                <a:spcPts val="0"/>
+              </a:spcAft>
+              <a:buClrTx/>
+              <a:buSzTx/>
+              <a:buFontTx/>
+              <a:buNone/>
+              <a:tabLst/>
+              <a:defRPr/>
+            </a:pPr>
+            <a:r>
+              <a:rPr lang="zh-TW" altLang="en-US"/>
+              <a:t>針對第一點 </a:t>
+            </a:r>
+            <a:r>
+              <a:rPr lang="en-US" altLang="zh-TW"/>
+              <a:t>:</a:t>
+            </a:r>
+            <a:r>
+              <a:rPr lang="zh-TW" altLang="en-US"/>
+              <a:t>不經過任何訊號處理</a:t>
+            </a:r>
+            <a:endParaRPr lang="en-US" altLang="zh-TW"/>
+          </a:p>
+          <a:p>
+            <a:r>
+              <a:rPr lang="en-US" altLang="zh-TW"/>
+              <a:t>1. ADC </a:t>
+            </a:r>
+            <a:r>
+              <a:rPr lang="zh-TW" altLang="en-US"/>
+              <a:t>刻度少，是指說</a:t>
+            </a:r>
           </a:p>
         </p:txBody>
       </p:sp>
@@ -1533,7 +1599,7 @@
           <a:p>
             <a:fld id="{0116F853-F7F2-4239-A629-A213C1D67574}" type="slidenum">
               <a:rPr lang="zh-TW" altLang="en-US" smtClean="0"/>
-              <a:t>38</a:t>
+              <a:t>32</a:t>
             </a:fld>
             <a:endParaRPr lang="zh-TW" altLang="en-US"/>
           </a:p>
@@ -1542,7 +1608,7 @@
     </p:spTree>
     <p:extLst>
       <p:ext uri="{BB962C8B-B14F-4D97-AF65-F5344CB8AC3E}">
-        <p14:creationId xmlns:p14="http://schemas.microsoft.com/office/powerpoint/2010/main" val="2670570649"/>
+        <p14:creationId xmlns:p14="http://schemas.microsoft.com/office/powerpoint/2010/main" val="4159971274"/>
       </p:ext>
     </p:extLst>
   </p:cSld>
@@ -1596,71 +1662,7 @@
           <a:bodyPr/>
           <a:lstStyle/>
           <a:p>
-            <a:pPr marL="228600" indent="-228600">
-              <a:buAutoNum type="arabicPeriod"/>
-            </a:pPr>
-            <a:r>
-              <a:rPr lang="zh-TW" altLang="en-US"/>
-              <a:t>由於筆只使用</a:t>
-            </a:r>
-            <a:r>
-              <a:rPr lang="en-US" altLang="zh-TW"/>
-              <a:t>UART TX</a:t>
-            </a:r>
-            <a:r>
-              <a:rPr lang="zh-TW" altLang="en-US"/>
-              <a:t>來印出相關資訊、並沒有使用</a:t>
-            </a:r>
-            <a:r>
-              <a:rPr lang="en-US" altLang="zh-TW"/>
-              <a:t>RX</a:t>
-            </a:r>
-            <a:r>
-              <a:rPr lang="zh-TW" altLang="en-US"/>
-              <a:t>來接收其他</a:t>
-            </a:r>
-            <a:r>
-              <a:rPr lang="en-US" altLang="zh-TW"/>
-              <a:t>Sensor</a:t>
-            </a:r>
-            <a:r>
-              <a:rPr lang="zh-TW" altLang="en-US"/>
-              <a:t>的</a:t>
-            </a:r>
-            <a:r>
-              <a:rPr lang="en-US" altLang="zh-TW"/>
-              <a:t>information</a:t>
-            </a:r>
-            <a:r>
-              <a:rPr lang="zh-TW" altLang="en-US"/>
-              <a:t>。</a:t>
-            </a:r>
-            <a:endParaRPr lang="en-US" altLang="zh-TW"/>
-          </a:p>
-          <a:p>
-            <a:pPr marL="0" indent="0">
-              <a:buNone/>
-            </a:pPr>
-            <a:r>
-              <a:rPr lang="zh-TW" altLang="en-US"/>
-              <a:t>       </a:t>
-            </a:r>
-            <a:r>
-              <a:rPr lang="en-US" altLang="zh-TW"/>
-              <a:t>1.1 UART</a:t>
-            </a:r>
-            <a:r>
-              <a:rPr lang="zh-TW" altLang="en-US"/>
-              <a:t> </a:t>
-            </a:r>
-            <a:r>
-              <a:rPr lang="en-US" altLang="zh-TW"/>
-              <a:t>RX Setting</a:t>
-            </a:r>
-            <a:r>
-              <a:rPr lang="zh-TW" altLang="en-US"/>
-              <a:t>建立</a:t>
-            </a:r>
+            <a:endParaRPr lang="zh-TW" altLang="en-US"/>
           </a:p>
         </p:txBody>
       </p:sp>
@@ -1682,6 +1684,154 @@
             <a:fld id="{0116F853-F7F2-4239-A629-A213C1D67574}" type="slidenum">
               <a:rPr lang="zh-TW" altLang="en-US" smtClean="0"/>
               <a:t>39</a:t>
+            </a:fld>
+            <a:endParaRPr lang="zh-TW" altLang="en-US"/>
+          </a:p>
+        </p:txBody>
+      </p:sp>
+    </p:spTree>
+    <p:extLst>
+      <p:ext uri="{BB962C8B-B14F-4D97-AF65-F5344CB8AC3E}">
+        <p14:creationId xmlns:p14="http://schemas.microsoft.com/office/powerpoint/2010/main" val="2670570649"/>
+      </p:ext>
+    </p:extLst>
+  </p:cSld>
+  <p:clrMapOvr>
+    <a:masterClrMapping/>
+  </p:clrMapOvr>
+</p:notes>
+</file>
+
+<file path=ppt/notesSlides/notesSlide18.xml><?xml version="1.0" encoding="utf-8"?>
+<p:notes xmlns:a="http://schemas.openxmlformats.org/drawingml/2006/main" xmlns:r="http://schemas.openxmlformats.org/officeDocument/2006/relationships" xmlns:p="http://schemas.openxmlformats.org/presentationml/2006/main">
+  <p:cSld>
+    <p:spTree>
+      <p:nvGrpSpPr>
+        <p:cNvPr id="1" name=""/>
+        <p:cNvGrpSpPr/>
+        <p:nvPr/>
+      </p:nvGrpSpPr>
+      <p:grpSpPr>
+        <a:xfrm>
+          <a:off x="0" y="0"/>
+          <a:ext cx="0" cy="0"/>
+          <a:chOff x="0" y="0"/>
+          <a:chExt cx="0" cy="0"/>
+        </a:xfrm>
+      </p:grpSpPr>
+      <p:sp>
+        <p:nvSpPr>
+          <p:cNvPr id="2" name="投影片影像版面配置區 1"/>
+          <p:cNvSpPr>
+            <a:spLocks noGrp="1" noRot="1" noChangeAspect="1"/>
+          </p:cNvSpPr>
+          <p:nvPr>
+            <p:ph type="sldImg"/>
+          </p:nvPr>
+        </p:nvSpPr>
+        <p:spPr/>
+      </p:sp>
+      <p:sp>
+        <p:nvSpPr>
+          <p:cNvPr id="3" name="備忘稿版面配置區 2"/>
+          <p:cNvSpPr>
+            <a:spLocks noGrp="1"/>
+          </p:cNvSpPr>
+          <p:nvPr>
+            <p:ph type="body" idx="1"/>
+          </p:nvPr>
+        </p:nvSpPr>
+        <p:spPr/>
+        <p:txBody>
+          <a:bodyPr/>
+          <a:lstStyle/>
+          <a:p>
+            <a:pPr marL="228600" indent="-228600">
+              <a:buAutoNum type="arabicPeriod"/>
+            </a:pPr>
+            <a:r>
+              <a:rPr lang="zh-TW" altLang="en-US"/>
+              <a:t>由於筆只使用</a:t>
+            </a:r>
+            <a:r>
+              <a:rPr lang="en-US" altLang="zh-TW"/>
+              <a:t>UART TX</a:t>
+            </a:r>
+            <a:r>
+              <a:rPr lang="zh-TW" altLang="en-US"/>
+              <a:t>來印出相關資訊、並沒有使用</a:t>
+            </a:r>
+            <a:r>
+              <a:rPr lang="en-US" altLang="zh-TW"/>
+              <a:t>RX</a:t>
+            </a:r>
+            <a:r>
+              <a:rPr lang="zh-TW" altLang="en-US"/>
+              <a:t>來接收其他</a:t>
+            </a:r>
+            <a:r>
+              <a:rPr lang="en-US" altLang="zh-TW"/>
+              <a:t>Sensor</a:t>
+            </a:r>
+            <a:r>
+              <a:rPr lang="zh-TW" altLang="en-US"/>
+              <a:t>的</a:t>
+            </a:r>
+            <a:r>
+              <a:rPr lang="en-US" altLang="zh-TW"/>
+              <a:t>information</a:t>
+            </a:r>
+            <a:r>
+              <a:rPr lang="zh-TW" altLang="en-US"/>
+              <a:t>。</a:t>
+            </a:r>
+            <a:endParaRPr lang="en-US" altLang="zh-TW"/>
+          </a:p>
+          <a:p>
+            <a:pPr marL="0" indent="0">
+              <a:buNone/>
+            </a:pPr>
+            <a:r>
+              <a:rPr lang="zh-TW" altLang="en-US"/>
+              <a:t>       </a:t>
+            </a:r>
+            <a:r>
+              <a:rPr lang="en-US" altLang="zh-TW"/>
+              <a:t>1.1 UART</a:t>
+            </a:r>
+            <a:r>
+              <a:rPr lang="zh-TW" altLang="en-US"/>
+              <a:t> </a:t>
+            </a:r>
+            <a:r>
+              <a:rPr lang="en-US" altLang="zh-TW"/>
+              <a:t>RX Setting</a:t>
+            </a:r>
+            <a:r>
+              <a:rPr lang="zh-TW" altLang="en-US"/>
+              <a:t>建立</a:t>
+            </a:r>
+          </a:p>
+        </p:txBody>
+      </p:sp>
+      <p:sp>
+        <p:nvSpPr>
+          <p:cNvPr id="4" name="投影片編號版面配置區 3"/>
+          <p:cNvSpPr>
+            <a:spLocks noGrp="1"/>
+          </p:cNvSpPr>
+          <p:nvPr>
+            <p:ph type="sldNum" sz="quarter" idx="5"/>
+          </p:nvPr>
+        </p:nvSpPr>
+        <p:spPr/>
+        <p:txBody>
+          <a:bodyPr/>
+          <a:lstStyle/>
+          <a:p>
+            <a:fld id="{0116F853-F7F2-4239-A629-A213C1D67574}" type="slidenum">
+              <a:rPr lang="zh-TW" altLang="en-US" smtClean="0"/>
+              <a:t>40</a:t>
             </a:fld>
             <a:endParaRPr lang="zh-TW" altLang="en-US"/>
           </a:p>
@@ -1757,7 +1907,23 @@
             </a:r>
             <a:r>
               <a:rPr lang="zh-TW" altLang="en-US" dirty="0"/>
-              <a:t>建構多個系統來分析</a:t>
+              <a:t>建構多個系統</a:t>
+            </a:r>
+            <a:r>
+              <a:rPr lang="zh-TW" altLang="en-US"/>
+              <a:t>來分析，並且當初學長設計就不是讓</a:t>
+            </a:r>
+            <a:r>
+              <a:rPr lang="en-US" altLang="zh-TW"/>
+              <a:t>FW</a:t>
+            </a:r>
+            <a:r>
+              <a:rPr lang="zh-TW" altLang="en-US"/>
+              <a:t>拿來用而是他們自身利用硬體來</a:t>
+            </a:r>
+            <a:r>
+              <a:rPr lang="en-US" altLang="zh-TW"/>
+              <a:t>SIM</a:t>
             </a:r>
             <a:endParaRPr lang="en-US" altLang="zh-TW" dirty="0"/>
           </a:p>
@@ -14936,8 +15102,12 @@
               <a:buAutoNum type="arabicPeriod"/>
             </a:pPr>
             <a:r>
-              <a:rPr lang="zh-TW" altLang="en-US" dirty="0"/>
-              <a:t>簡略數位架構</a:t>
+              <a:rPr lang="zh-TW" altLang="en-US"/>
+              <a:t>數位架構 </a:t>
+            </a:r>
+            <a:r>
+              <a:rPr lang="en-US" altLang="zh-TW"/>
+              <a:t>Diagram</a:t>
             </a:r>
             <a:endParaRPr lang="en-US" altLang="zh-TW" dirty="0"/>
           </a:p>
@@ -15927,7 +16097,7 @@
         </p:nvSpPr>
         <p:spPr>
           <a:xfrm>
-            <a:off x="101531" y="1668905"/>
+            <a:off x="90106" y="1609787"/>
             <a:ext cx="8875321" cy="3214784"/>
           </a:xfrm>
           <a:prstGeom prst="rect">
@@ -16820,7 +16990,7 @@
           <p:cNvPr id="2" name="標題 1">
             <a:extLst>
               <a:ext uri="{FF2B5EF4-FFF2-40B4-BE49-F238E27FC236}">
-                <a16:creationId xmlns:a16="http://schemas.microsoft.com/office/drawing/2014/main" id="{71F49C4E-50D6-68D6-91C2-BFF48ADEF505}"/>
+                <a16:creationId xmlns:a16="http://schemas.microsoft.com/office/drawing/2014/main" id="{F712403E-D6B6-6830-AE3E-84456F8C9218}"/>
               </a:ext>
             </a:extLst>
           </p:cNvPr>
@@ -16838,6 +17008,367 @@
           <a:p>
             <a:pPr algn="ctr"/>
             <a:r>
+              <a:rPr lang="zh-TW" altLang="en-US"/>
+              <a:t>額外補充</a:t>
+            </a:r>
+          </a:p>
+        </p:txBody>
+      </p:sp>
+      <p:sp>
+        <p:nvSpPr>
+          <p:cNvPr id="4" name="矩形: 圓角 3">
+            <a:extLst>
+              <a:ext uri="{FF2B5EF4-FFF2-40B4-BE49-F238E27FC236}">
+                <a16:creationId xmlns:a16="http://schemas.microsoft.com/office/drawing/2014/main" id="{0007A4D0-14C4-7D69-8FE3-ABCF5CD9CB15}"/>
+              </a:ext>
+            </a:extLst>
+          </p:cNvPr>
+          <p:cNvSpPr/>
+          <p:nvPr/>
+        </p:nvSpPr>
+        <p:spPr>
+          <a:xfrm>
+            <a:off x="173855" y="2974757"/>
+            <a:ext cx="1719113" cy="1629323"/>
+          </a:xfrm>
+          <a:prstGeom prst="roundRect">
+            <a:avLst/>
+          </a:prstGeom>
+        </p:spPr>
+        <p:style>
+          <a:lnRef idx="2">
+            <a:schemeClr val="accent1">
+              <a:shade val="50000"/>
+            </a:schemeClr>
+          </a:lnRef>
+          <a:fillRef idx="1">
+            <a:schemeClr val="accent1"/>
+          </a:fillRef>
+          <a:effectRef idx="0">
+            <a:schemeClr val="accent1"/>
+          </a:effectRef>
+          <a:fontRef idx="minor">
+            <a:schemeClr val="lt1"/>
+          </a:fontRef>
+        </p:style>
+        <p:txBody>
+          <a:bodyPr rtlCol="0" anchor="ctr"/>
+          <a:lstStyle/>
+          <a:p>
+            <a:pPr algn="ctr"/>
+            <a:r>
+              <a:rPr lang="en-US" altLang="zh-TW" dirty="0"/>
+              <a:t>ADC</a:t>
+            </a:r>
+            <a:endParaRPr lang="zh-TW" altLang="en-US" dirty="0"/>
+          </a:p>
+        </p:txBody>
+      </p:sp>
+      <p:cxnSp>
+        <p:nvCxnSpPr>
+          <p:cNvPr id="5" name="直線單箭頭接點 4">
+            <a:extLst>
+              <a:ext uri="{FF2B5EF4-FFF2-40B4-BE49-F238E27FC236}">
+                <a16:creationId xmlns:a16="http://schemas.microsoft.com/office/drawing/2014/main" id="{9688909B-B780-CB3C-CF6E-CCEE1D2ED9EF}"/>
+              </a:ext>
+            </a:extLst>
+          </p:cNvPr>
+          <p:cNvCxnSpPr>
+            <a:cxnSpLocks/>
+          </p:cNvCxnSpPr>
+          <p:nvPr/>
+        </p:nvCxnSpPr>
+        <p:spPr>
+          <a:xfrm>
+            <a:off x="2005238" y="3750185"/>
+            <a:ext cx="856398" cy="0"/>
+          </a:xfrm>
+          <a:prstGeom prst="straightConnector1">
+            <a:avLst/>
+          </a:prstGeom>
+          <a:ln w="38100">
+            <a:solidFill>
+              <a:srgbClr val="FFC000"/>
+            </a:solidFill>
+            <a:tailEnd type="triangle"/>
+          </a:ln>
+        </p:spPr>
+        <p:style>
+          <a:lnRef idx="1">
+            <a:schemeClr val="accent1"/>
+          </a:lnRef>
+          <a:fillRef idx="0">
+            <a:schemeClr val="accent1"/>
+          </a:fillRef>
+          <a:effectRef idx="0">
+            <a:schemeClr val="accent1"/>
+          </a:effectRef>
+          <a:fontRef idx="minor">
+            <a:schemeClr val="tx1"/>
+          </a:fontRef>
+        </p:style>
+      </p:cxnSp>
+      <p:sp>
+        <p:nvSpPr>
+          <p:cNvPr id="6" name="矩形: 圓角 5">
+            <a:extLst>
+              <a:ext uri="{FF2B5EF4-FFF2-40B4-BE49-F238E27FC236}">
+                <a16:creationId xmlns:a16="http://schemas.microsoft.com/office/drawing/2014/main" id="{FE6B3FB6-C3FF-0FB3-4F9E-5BF6A6159F50}"/>
+              </a:ext>
+            </a:extLst>
+          </p:cNvPr>
+          <p:cNvSpPr/>
+          <p:nvPr/>
+        </p:nvSpPr>
+        <p:spPr>
+          <a:xfrm>
+            <a:off x="2885255" y="2903442"/>
+            <a:ext cx="1740106" cy="1629324"/>
+          </a:xfrm>
+          <a:prstGeom prst="roundRect">
+            <a:avLst/>
+          </a:prstGeom>
+        </p:spPr>
+        <p:style>
+          <a:lnRef idx="2">
+            <a:schemeClr val="accent1">
+              <a:shade val="50000"/>
+            </a:schemeClr>
+          </a:lnRef>
+          <a:fillRef idx="1">
+            <a:schemeClr val="accent1"/>
+          </a:fillRef>
+          <a:effectRef idx="0">
+            <a:schemeClr val="accent1"/>
+          </a:effectRef>
+          <a:fontRef idx="minor">
+            <a:schemeClr val="lt1"/>
+          </a:fontRef>
+        </p:style>
+        <p:txBody>
+          <a:bodyPr rtlCol="0" anchor="ctr"/>
+          <a:lstStyle/>
+          <a:p>
+            <a:pPr algn="ctr"/>
+            <a:r>
+              <a:rPr lang="en-US" altLang="zh-TW" dirty="0"/>
+              <a:t>Digital HPF</a:t>
+            </a:r>
+            <a:endParaRPr lang="zh-TW" altLang="en-US" dirty="0"/>
+          </a:p>
+        </p:txBody>
+      </p:sp>
+      <p:sp>
+        <p:nvSpPr>
+          <p:cNvPr id="7" name="矩形: 圓角 6">
+            <a:extLst>
+              <a:ext uri="{FF2B5EF4-FFF2-40B4-BE49-F238E27FC236}">
+                <a16:creationId xmlns:a16="http://schemas.microsoft.com/office/drawing/2014/main" id="{D8A2DABC-F2F1-6DB7-F5AD-FA8846EB98DD}"/>
+              </a:ext>
+            </a:extLst>
+          </p:cNvPr>
+          <p:cNvSpPr/>
+          <p:nvPr/>
+        </p:nvSpPr>
+        <p:spPr>
+          <a:xfrm>
+            <a:off x="7895467" y="2974757"/>
+            <a:ext cx="1585094" cy="1558003"/>
+          </a:xfrm>
+          <a:prstGeom prst="roundRect">
+            <a:avLst/>
+          </a:prstGeom>
+        </p:spPr>
+        <p:style>
+          <a:lnRef idx="2">
+            <a:schemeClr val="accent1">
+              <a:shade val="50000"/>
+            </a:schemeClr>
+          </a:lnRef>
+          <a:fillRef idx="1">
+            <a:schemeClr val="accent1"/>
+          </a:fillRef>
+          <a:effectRef idx="0">
+            <a:schemeClr val="accent1"/>
+          </a:effectRef>
+          <a:fontRef idx="minor">
+            <a:schemeClr val="lt1"/>
+          </a:fontRef>
+        </p:style>
+        <p:txBody>
+          <a:bodyPr rtlCol="0" anchor="ctr"/>
+          <a:lstStyle/>
+          <a:p>
+            <a:pPr algn="ctr"/>
+            <a:r>
+              <a:rPr lang="en-US" altLang="zh-TW" dirty="0"/>
+              <a:t>FIFO</a:t>
+            </a:r>
+            <a:endParaRPr lang="zh-TW" altLang="en-US" dirty="0"/>
+          </a:p>
+        </p:txBody>
+      </p:sp>
+      <p:sp>
+        <p:nvSpPr>
+          <p:cNvPr id="8" name="矩形: 圓角 7">
+            <a:extLst>
+              <a:ext uri="{FF2B5EF4-FFF2-40B4-BE49-F238E27FC236}">
+                <a16:creationId xmlns:a16="http://schemas.microsoft.com/office/drawing/2014/main" id="{7D9A7A69-EBE1-3D24-69E1-A60D3C559428}"/>
+              </a:ext>
+            </a:extLst>
+          </p:cNvPr>
+          <p:cNvSpPr/>
+          <p:nvPr/>
+        </p:nvSpPr>
+        <p:spPr>
+          <a:xfrm>
+            <a:off x="10774297" y="2325405"/>
+            <a:ext cx="1213384" cy="944437"/>
+          </a:xfrm>
+          <a:prstGeom prst="roundRect">
+            <a:avLst/>
+          </a:prstGeom>
+        </p:spPr>
+        <p:style>
+          <a:lnRef idx="2">
+            <a:schemeClr val="accent1">
+              <a:shade val="50000"/>
+            </a:schemeClr>
+          </a:lnRef>
+          <a:fillRef idx="1">
+            <a:schemeClr val="accent1"/>
+          </a:fillRef>
+          <a:effectRef idx="0">
+            <a:schemeClr val="accent1"/>
+          </a:effectRef>
+          <a:fontRef idx="minor">
+            <a:schemeClr val="lt1"/>
+          </a:fontRef>
+        </p:style>
+        <p:txBody>
+          <a:bodyPr rtlCol="0" anchor="ctr"/>
+          <a:lstStyle/>
+          <a:p>
+            <a:pPr algn="ctr"/>
+            <a:r>
+              <a:rPr lang="en-US" altLang="zh-TW" dirty="0"/>
+              <a:t>RX1 Decoder</a:t>
+            </a:r>
+            <a:endParaRPr lang="zh-TW" altLang="en-US" dirty="0"/>
+          </a:p>
+        </p:txBody>
+      </p:sp>
+      <p:sp>
+        <p:nvSpPr>
+          <p:cNvPr id="9" name="矩形: 圓角 8">
+            <a:extLst>
+              <a:ext uri="{FF2B5EF4-FFF2-40B4-BE49-F238E27FC236}">
+                <a16:creationId xmlns:a16="http://schemas.microsoft.com/office/drawing/2014/main" id="{16C2F692-930E-E361-3147-BDBC5E3F1B62}"/>
+              </a:ext>
+            </a:extLst>
+          </p:cNvPr>
+          <p:cNvSpPr/>
+          <p:nvPr/>
+        </p:nvSpPr>
+        <p:spPr>
+          <a:xfrm>
+            <a:off x="10793981" y="4145951"/>
+            <a:ext cx="1224164" cy="944437"/>
+          </a:xfrm>
+          <a:prstGeom prst="roundRect">
+            <a:avLst/>
+          </a:prstGeom>
+        </p:spPr>
+        <p:style>
+          <a:lnRef idx="2">
+            <a:schemeClr val="accent1">
+              <a:shade val="50000"/>
+            </a:schemeClr>
+          </a:lnRef>
+          <a:fillRef idx="1">
+            <a:schemeClr val="accent1"/>
+          </a:fillRef>
+          <a:effectRef idx="0">
+            <a:schemeClr val="accent1"/>
+          </a:effectRef>
+          <a:fontRef idx="minor">
+            <a:schemeClr val="lt1"/>
+          </a:fontRef>
+        </p:style>
+        <p:txBody>
+          <a:bodyPr rtlCol="0" anchor="ctr"/>
+          <a:lstStyle/>
+          <a:p>
+            <a:pPr algn="ctr"/>
+            <a:r>
+              <a:rPr lang="en-US" altLang="zh-TW" dirty="0"/>
+              <a:t>RX0 Decoder</a:t>
+            </a:r>
+            <a:endParaRPr lang="zh-TW" altLang="en-US" dirty="0"/>
+          </a:p>
+        </p:txBody>
+      </p:sp>
+      <p:sp>
+        <p:nvSpPr>
+          <p:cNvPr id="18" name="文字方塊 17">
+            <a:extLst>
+              <a:ext uri="{FF2B5EF4-FFF2-40B4-BE49-F238E27FC236}">
+                <a16:creationId xmlns:a16="http://schemas.microsoft.com/office/drawing/2014/main" id="{D1162461-4C48-9557-9672-12A7BAC5E75A}"/>
+              </a:ext>
+            </a:extLst>
+          </p:cNvPr>
+          <p:cNvSpPr txBox="1"/>
+          <p:nvPr/>
+        </p:nvSpPr>
+        <p:spPr>
+          <a:xfrm>
+            <a:off x="4812386" y="1690688"/>
+            <a:ext cx="1800170" cy="369332"/>
+          </a:xfrm>
+          <a:prstGeom prst="rect">
+            <a:avLst/>
+          </a:prstGeom>
+          <a:noFill/>
+        </p:spPr>
+        <p:txBody>
+          <a:bodyPr wrap="square" rtlCol="0">
+            <a:spAutoFit/>
+          </a:bodyPr>
+          <a:lstStyle/>
+          <a:p>
+            <a:endParaRPr lang="zh-TW" altLang="en-US" dirty="0"/>
+          </a:p>
+        </p:txBody>
+      </p:sp>
+      <p:sp>
+        <p:nvSpPr>
+          <p:cNvPr id="22" name="文字方塊 21">
+            <a:extLst>
+              <a:ext uri="{FF2B5EF4-FFF2-40B4-BE49-F238E27FC236}">
+                <a16:creationId xmlns:a16="http://schemas.microsoft.com/office/drawing/2014/main" id="{5523AC61-23D7-6825-5AB5-50B9814E1FFB}"/>
+              </a:ext>
+            </a:extLst>
+          </p:cNvPr>
+          <p:cNvSpPr txBox="1"/>
+          <p:nvPr/>
+        </p:nvSpPr>
+        <p:spPr>
+          <a:xfrm>
+            <a:off x="1104053" y="2362445"/>
+            <a:ext cx="2504513" cy="369332"/>
+          </a:xfrm>
+          <a:prstGeom prst="rect">
+            <a:avLst/>
+          </a:prstGeom>
+          <a:noFill/>
+        </p:spPr>
+        <p:txBody>
+          <a:bodyPr wrap="square" rtlCol="0">
+            <a:spAutoFit/>
+          </a:bodyPr>
+          <a:lstStyle/>
+          <a:p>
+            <a:r>
               <a:rPr lang="zh-TW" altLang="en-US" dirty="0"/>
               <a:t>前端訊號處理</a:t>
             </a:r>
@@ -16846,207 +17377,524 @@
       </p:sp>
       <p:sp>
         <p:nvSpPr>
-          <p:cNvPr id="3" name="內容版面配置區 2">
-            <a:extLst>
-              <a:ext uri="{FF2B5EF4-FFF2-40B4-BE49-F238E27FC236}">
-                <a16:creationId xmlns:a16="http://schemas.microsoft.com/office/drawing/2014/main" id="{2F3C6F51-5701-1BCA-2F51-50A4A4166EC9}"/>
-              </a:ext>
-            </a:extLst>
-          </p:cNvPr>
-          <p:cNvSpPr>
-            <a:spLocks noGrp="1"/>
-          </p:cNvSpPr>
-          <p:nvPr>
-            <p:ph idx="1"/>
-          </p:nvPr>
-        </p:nvSpPr>
-        <p:spPr/>
-        <p:txBody>
-          <a:bodyPr/>
-          <a:lstStyle/>
-          <a:p>
-            <a:pPr marL="0" indent="0">
-              <a:buNone/>
-            </a:pPr>
-            <a:r>
-              <a:rPr lang="en-US" altLang="zh-TW" dirty="0"/>
-              <a:t>Benefits and Drawbacks of method</a:t>
-            </a:r>
-          </a:p>
-          <a:p>
-            <a:pPr marL="0" indent="0">
-              <a:buNone/>
-            </a:pPr>
-            <a:endParaRPr lang="en-US" altLang="zh-TW" dirty="0"/>
-          </a:p>
-          <a:p>
-            <a:pPr marL="514350" indent="-514350">
-              <a:buAutoNum type="arabicPeriod"/>
-            </a:pPr>
-            <a:r>
-              <a:rPr lang="zh-TW" altLang="en-US" dirty="0"/>
-              <a:t>不經過任何訊號處理</a:t>
-            </a:r>
-            <a:endParaRPr lang="en-US" altLang="zh-TW" dirty="0"/>
-          </a:p>
-          <a:p>
-            <a:pPr marL="0" indent="0">
-              <a:buNone/>
-            </a:pPr>
-            <a:r>
-              <a:rPr lang="en-US" altLang="zh-TW" dirty="0"/>
-              <a:t>	</a:t>
-            </a:r>
-            <a:r>
-              <a:rPr lang="zh-TW" altLang="en-US" sz="2400" dirty="0"/>
-              <a:t>優點 </a:t>
-            </a:r>
-            <a:r>
-              <a:rPr lang="en-US" altLang="zh-TW" sz="2400" dirty="0"/>
-              <a:t>: </a:t>
-            </a:r>
-            <a:r>
-              <a:rPr lang="zh-TW" altLang="en-US" sz="2400" dirty="0"/>
-              <a:t>省電、參數調整較簡單</a:t>
-            </a:r>
-            <a:endParaRPr lang="en-US" altLang="zh-TW" sz="2400" dirty="0"/>
-          </a:p>
-          <a:p>
-            <a:pPr marL="0" indent="0">
-              <a:buNone/>
-            </a:pPr>
-            <a:r>
-              <a:rPr lang="en-US" altLang="zh-TW" sz="2400" dirty="0"/>
-              <a:t>	</a:t>
-            </a:r>
-            <a:r>
-              <a:rPr lang="zh-TW" altLang="en-US" sz="2400" dirty="0"/>
-              <a:t>缺點 </a:t>
-            </a:r>
-            <a:r>
-              <a:rPr lang="en-US" altLang="zh-TW" sz="2400" dirty="0"/>
-              <a:t>:</a:t>
-            </a:r>
-            <a:r>
-              <a:rPr lang="zh-TW" altLang="en-US" sz="2400" dirty="0"/>
-              <a:t> 無法抗</a:t>
-            </a:r>
-            <a:r>
-              <a:rPr lang="en-US" altLang="zh-TW" sz="2400" dirty="0"/>
-              <a:t>Noise </a:t>
-            </a:r>
-            <a:r>
-              <a:rPr lang="zh-TW" altLang="en-US" sz="2400" dirty="0"/>
-              <a:t>而且 </a:t>
-            </a:r>
-            <a:r>
-              <a:rPr lang="en-US" altLang="zh-TW" sz="2400" dirty="0"/>
-              <a:t>ADC</a:t>
-            </a:r>
-            <a:r>
-              <a:rPr lang="zh-TW" altLang="en-US" sz="2400" dirty="0"/>
-              <a:t> 刻度較少</a:t>
-            </a:r>
-            <a:endParaRPr lang="en-US" altLang="zh-TW" sz="2400" dirty="0"/>
-          </a:p>
-          <a:p>
-            <a:pPr marL="0" indent="0">
-              <a:buNone/>
-            </a:pPr>
-            <a:endParaRPr lang="en-US" altLang="zh-TW" sz="2400" dirty="0"/>
-          </a:p>
-          <a:p>
-            <a:pPr marL="514350" indent="-514350">
-              <a:buAutoNum type="arabicPeriod" startAt="2"/>
-            </a:pPr>
-            <a:r>
-              <a:rPr lang="zh-TW" altLang="en-US" dirty="0"/>
-              <a:t>經過</a:t>
-            </a:r>
-            <a:r>
-              <a:rPr lang="en-US" altLang="zh-TW" dirty="0"/>
-              <a:t>1st HPF and Schmitt Trigger</a:t>
-            </a:r>
-            <a:r>
-              <a:rPr lang="zh-TW" altLang="en-US" dirty="0"/>
-              <a:t>電路</a:t>
-            </a:r>
-            <a:endParaRPr lang="en-US" altLang="zh-TW" dirty="0"/>
-          </a:p>
-          <a:p>
-            <a:pPr marL="0" indent="0">
-              <a:buNone/>
-            </a:pPr>
-            <a:r>
-              <a:rPr lang="en-US" altLang="zh-TW" sz="2400" dirty="0"/>
-              <a:t>	</a:t>
-            </a:r>
-            <a:r>
-              <a:rPr lang="zh-TW" altLang="en-US" sz="2400" dirty="0"/>
-              <a:t>優點 </a:t>
-            </a:r>
-            <a:r>
-              <a:rPr lang="en-US" altLang="zh-TW" sz="2400" dirty="0"/>
-              <a:t>:</a:t>
-            </a:r>
-            <a:r>
-              <a:rPr lang="zh-TW" altLang="en-US" sz="2400" dirty="0"/>
-              <a:t>抗低頻</a:t>
-            </a:r>
-            <a:r>
-              <a:rPr lang="en-US" altLang="zh-TW" sz="2400" dirty="0"/>
-              <a:t>Noise</a:t>
-            </a:r>
-            <a:r>
-              <a:rPr lang="zh-TW" altLang="en-US" sz="2400" dirty="0"/>
-              <a:t>、</a:t>
-            </a:r>
-            <a:r>
-              <a:rPr lang="en-US" altLang="zh-TW" sz="2400" dirty="0"/>
-              <a:t>ADC</a:t>
-            </a:r>
-            <a:r>
-              <a:rPr lang="zh-TW" altLang="en-US" sz="2400" dirty="0"/>
-              <a:t>刻度較多</a:t>
-            </a:r>
-            <a:endParaRPr lang="en-US" altLang="zh-TW" sz="2400" dirty="0"/>
-          </a:p>
-          <a:p>
-            <a:pPr marL="0" indent="0">
-              <a:buNone/>
-            </a:pPr>
-            <a:r>
-              <a:rPr lang="en-US" altLang="zh-TW" sz="2400" dirty="0"/>
-              <a:t>	</a:t>
-            </a:r>
-            <a:r>
-              <a:rPr lang="zh-TW" altLang="en-US" sz="2400" dirty="0"/>
-              <a:t>缺點 </a:t>
-            </a:r>
-            <a:r>
-              <a:rPr lang="en-US" altLang="zh-TW" sz="2400" dirty="0"/>
-              <a:t>:</a:t>
-            </a:r>
-            <a:r>
-              <a:rPr lang="zh-TW" altLang="en-US" sz="2400" dirty="0"/>
-              <a:t> 無法抗高頻</a:t>
-            </a:r>
-            <a:r>
-              <a:rPr lang="en-US" altLang="zh-TW" sz="2400" dirty="0"/>
-              <a:t>Noise </a:t>
-            </a:r>
-            <a:r>
-              <a:rPr lang="zh-TW" altLang="en-US" sz="2400" dirty="0"/>
-              <a:t>、參數調整較多</a:t>
-            </a:r>
-            <a:endParaRPr lang="en-US" altLang="zh-TW" sz="2400" dirty="0"/>
+          <p:cNvPr id="23" name="矩形: 圓角 22">
+            <a:extLst>
+              <a:ext uri="{FF2B5EF4-FFF2-40B4-BE49-F238E27FC236}">
+                <a16:creationId xmlns:a16="http://schemas.microsoft.com/office/drawing/2014/main" id="{B7801C8D-3BC9-84B5-031F-1629709A8986}"/>
+              </a:ext>
+            </a:extLst>
+          </p:cNvPr>
+          <p:cNvSpPr/>
+          <p:nvPr/>
+        </p:nvSpPr>
+        <p:spPr>
+          <a:xfrm>
+            <a:off x="5547642" y="2974757"/>
+            <a:ext cx="1668056" cy="1558005"/>
+          </a:xfrm>
+          <a:prstGeom prst="roundRect">
+            <a:avLst/>
+          </a:prstGeom>
+        </p:spPr>
+        <p:style>
+          <a:lnRef idx="2">
+            <a:schemeClr val="accent1">
+              <a:shade val="50000"/>
+            </a:schemeClr>
+          </a:lnRef>
+          <a:fillRef idx="1">
+            <a:schemeClr val="accent1"/>
+          </a:fillRef>
+          <a:effectRef idx="0">
+            <a:schemeClr val="accent1"/>
+          </a:effectRef>
+          <a:fontRef idx="minor">
+            <a:schemeClr val="lt1"/>
+          </a:fontRef>
+        </p:style>
+        <p:txBody>
+          <a:bodyPr rtlCol="0" anchor="ctr"/>
+          <a:lstStyle/>
+          <a:p>
+            <a:pPr algn="ctr"/>
+            <a:r>
+              <a:rPr lang="en-US" altLang="zh-TW" dirty="0"/>
+              <a:t>Schmitt Digital</a:t>
+            </a:r>
+            <a:endParaRPr lang="zh-TW" altLang="en-US" dirty="0"/>
+          </a:p>
+        </p:txBody>
+      </p:sp>
+      <p:cxnSp>
+        <p:nvCxnSpPr>
+          <p:cNvPr id="30" name="直線單箭頭接點 29">
+            <a:extLst>
+              <a:ext uri="{FF2B5EF4-FFF2-40B4-BE49-F238E27FC236}">
+                <a16:creationId xmlns:a16="http://schemas.microsoft.com/office/drawing/2014/main" id="{4B5A7F4A-4407-DC21-4B6B-906C461871E7}"/>
+              </a:ext>
+            </a:extLst>
+          </p:cNvPr>
+          <p:cNvCxnSpPr>
+            <a:cxnSpLocks/>
+          </p:cNvCxnSpPr>
+          <p:nvPr/>
+        </p:nvCxnSpPr>
+        <p:spPr>
+          <a:xfrm flipV="1">
+            <a:off x="9660760" y="2869335"/>
+            <a:ext cx="999434" cy="745393"/>
+          </a:xfrm>
+          <a:prstGeom prst="straightConnector1">
+            <a:avLst/>
+          </a:prstGeom>
+          <a:ln w="38100">
+            <a:solidFill>
+              <a:srgbClr val="FF0000"/>
+            </a:solidFill>
+            <a:tailEnd type="triangle"/>
+          </a:ln>
+        </p:spPr>
+        <p:style>
+          <a:lnRef idx="1">
+            <a:schemeClr val="accent1"/>
+          </a:lnRef>
+          <a:fillRef idx="0">
+            <a:schemeClr val="accent1"/>
+          </a:fillRef>
+          <a:effectRef idx="0">
+            <a:schemeClr val="accent1"/>
+          </a:effectRef>
+          <a:fontRef idx="minor">
+            <a:schemeClr val="tx1"/>
+          </a:fontRef>
+        </p:style>
+      </p:cxnSp>
+      <p:cxnSp>
+        <p:nvCxnSpPr>
+          <p:cNvPr id="31" name="直線單箭頭接點 30">
+            <a:extLst>
+              <a:ext uri="{FF2B5EF4-FFF2-40B4-BE49-F238E27FC236}">
+                <a16:creationId xmlns:a16="http://schemas.microsoft.com/office/drawing/2014/main" id="{D97C862F-8A88-7DD1-E6A9-F7F41BEF9DE5}"/>
+              </a:ext>
+            </a:extLst>
+          </p:cNvPr>
+          <p:cNvCxnSpPr>
+            <a:cxnSpLocks/>
+          </p:cNvCxnSpPr>
+          <p:nvPr/>
+        </p:nvCxnSpPr>
+        <p:spPr>
+          <a:xfrm>
+            <a:off x="9660760" y="3861325"/>
+            <a:ext cx="953022" cy="725780"/>
+          </a:xfrm>
+          <a:prstGeom prst="straightConnector1">
+            <a:avLst/>
+          </a:prstGeom>
+          <a:ln w="38100">
+            <a:solidFill>
+              <a:srgbClr val="FF0000"/>
+            </a:solidFill>
+            <a:tailEnd type="triangle"/>
+          </a:ln>
+        </p:spPr>
+        <p:style>
+          <a:lnRef idx="1">
+            <a:schemeClr val="accent1"/>
+          </a:lnRef>
+          <a:fillRef idx="0">
+            <a:schemeClr val="accent1"/>
+          </a:fillRef>
+          <a:effectRef idx="0">
+            <a:schemeClr val="accent1"/>
+          </a:effectRef>
+          <a:fontRef idx="minor">
+            <a:schemeClr val="tx1"/>
+          </a:fontRef>
+        </p:style>
+      </p:cxnSp>
+      <p:cxnSp>
+        <p:nvCxnSpPr>
+          <p:cNvPr id="32" name="直線單箭頭接點 31">
+            <a:extLst>
+              <a:ext uri="{FF2B5EF4-FFF2-40B4-BE49-F238E27FC236}">
+                <a16:creationId xmlns:a16="http://schemas.microsoft.com/office/drawing/2014/main" id="{2B8479B3-09A4-F38C-2B41-8B5C582EB746}"/>
+              </a:ext>
+            </a:extLst>
+          </p:cNvPr>
+          <p:cNvCxnSpPr>
+            <a:cxnSpLocks/>
+          </p:cNvCxnSpPr>
+          <p:nvPr/>
+        </p:nvCxnSpPr>
+        <p:spPr>
+          <a:xfrm>
+            <a:off x="4645368" y="3745217"/>
+            <a:ext cx="856398" cy="0"/>
+          </a:xfrm>
+          <a:prstGeom prst="straightConnector1">
+            <a:avLst/>
+          </a:prstGeom>
+          <a:ln w="38100">
+            <a:solidFill>
+              <a:srgbClr val="FFC000"/>
+            </a:solidFill>
+            <a:tailEnd type="triangle"/>
+          </a:ln>
+        </p:spPr>
+        <p:style>
+          <a:lnRef idx="1">
+            <a:schemeClr val="accent1"/>
+          </a:lnRef>
+          <a:fillRef idx="0">
+            <a:schemeClr val="accent1"/>
+          </a:fillRef>
+          <a:effectRef idx="0">
+            <a:schemeClr val="accent1"/>
+          </a:effectRef>
+          <a:fontRef idx="minor">
+            <a:schemeClr val="tx1"/>
+          </a:fontRef>
+        </p:style>
+      </p:cxnSp>
+      <p:cxnSp>
+        <p:nvCxnSpPr>
+          <p:cNvPr id="33" name="直線單箭頭接點 32">
+            <a:extLst>
+              <a:ext uri="{FF2B5EF4-FFF2-40B4-BE49-F238E27FC236}">
+                <a16:creationId xmlns:a16="http://schemas.microsoft.com/office/drawing/2014/main" id="{2F8F6418-E81C-16B0-E683-61051A87FFF0}"/>
+              </a:ext>
+            </a:extLst>
+          </p:cNvPr>
+          <p:cNvCxnSpPr>
+            <a:cxnSpLocks/>
+          </p:cNvCxnSpPr>
+          <p:nvPr/>
+        </p:nvCxnSpPr>
+        <p:spPr>
+          <a:xfrm>
+            <a:off x="7215698" y="3753759"/>
+            <a:ext cx="596807" cy="0"/>
+          </a:xfrm>
+          <a:prstGeom prst="straightConnector1">
+            <a:avLst/>
+          </a:prstGeom>
+          <a:ln w="38100">
+            <a:solidFill>
+              <a:srgbClr val="FFC000"/>
+            </a:solidFill>
+            <a:tailEnd type="triangle"/>
+          </a:ln>
+        </p:spPr>
+        <p:style>
+          <a:lnRef idx="1">
+            <a:schemeClr val="accent1"/>
+          </a:lnRef>
+          <a:fillRef idx="0">
+            <a:schemeClr val="accent1"/>
+          </a:fillRef>
+          <a:effectRef idx="0">
+            <a:schemeClr val="accent1"/>
+          </a:effectRef>
+          <a:fontRef idx="minor">
+            <a:schemeClr val="tx1"/>
+          </a:fontRef>
+        </p:style>
+      </p:cxnSp>
+      <p:sp>
+        <p:nvSpPr>
+          <p:cNvPr id="37" name="矩形: 圓角 36">
+            <a:extLst>
+              <a:ext uri="{FF2B5EF4-FFF2-40B4-BE49-F238E27FC236}">
+                <a16:creationId xmlns:a16="http://schemas.microsoft.com/office/drawing/2014/main" id="{A0CCA80C-C358-DE20-C7AA-542E32D0D8EF}"/>
+              </a:ext>
+            </a:extLst>
+          </p:cNvPr>
+          <p:cNvSpPr/>
+          <p:nvPr/>
+        </p:nvSpPr>
+        <p:spPr>
+          <a:xfrm>
+            <a:off x="977655" y="2974757"/>
+            <a:ext cx="706646" cy="646592"/>
+          </a:xfrm>
+          <a:prstGeom prst="roundRect">
+            <a:avLst/>
+          </a:prstGeom>
+          <a:solidFill>
+            <a:srgbClr val="92D050"/>
+          </a:solidFill>
+        </p:spPr>
+        <p:style>
+          <a:lnRef idx="2">
+            <a:schemeClr val="accent1">
+              <a:shade val="50000"/>
+            </a:schemeClr>
+          </a:lnRef>
+          <a:fillRef idx="1">
+            <a:schemeClr val="accent1"/>
+          </a:fillRef>
+          <a:effectRef idx="0">
+            <a:schemeClr val="accent1"/>
+          </a:effectRef>
+          <a:fontRef idx="minor">
+            <a:schemeClr val="lt1"/>
+          </a:fontRef>
+        </p:style>
+        <p:txBody>
+          <a:bodyPr rtlCol="0" anchor="ctr"/>
+          <a:lstStyle/>
+          <a:p>
+            <a:pPr algn="ctr"/>
+            <a:r>
+              <a:rPr lang="en-US" altLang="zh-TW" sz="1000"/>
+              <a:t>RX7 CLK</a:t>
+            </a:r>
+          </a:p>
+          <a:p>
+            <a:pPr algn="ctr"/>
+            <a:r>
+              <a:rPr lang="en-US" altLang="zh-TW" sz="1000"/>
+              <a:t>………..</a:t>
+            </a:r>
+          </a:p>
+          <a:p>
+            <a:pPr algn="ctr"/>
+            <a:r>
+              <a:rPr lang="en-US" altLang="zh-TW" sz="1000"/>
+              <a:t>RX0 CLK</a:t>
+            </a:r>
+            <a:endParaRPr lang="zh-TW" altLang="en-US" sz="1000"/>
+          </a:p>
+        </p:txBody>
+      </p:sp>
+      <p:sp>
+        <p:nvSpPr>
+          <p:cNvPr id="39" name="矩形 38">
+            <a:extLst>
+              <a:ext uri="{FF2B5EF4-FFF2-40B4-BE49-F238E27FC236}">
+                <a16:creationId xmlns:a16="http://schemas.microsoft.com/office/drawing/2014/main" id="{77416AB1-7237-B5C3-B5F2-7DF690660CE7}"/>
+              </a:ext>
+            </a:extLst>
+          </p:cNvPr>
+          <p:cNvSpPr/>
+          <p:nvPr/>
+        </p:nvSpPr>
+        <p:spPr>
+          <a:xfrm>
+            <a:off x="2711439" y="2205789"/>
+            <a:ext cx="4740119" cy="2618781"/>
+          </a:xfrm>
+          <a:prstGeom prst="rect">
+            <a:avLst/>
+          </a:prstGeom>
+          <a:noFill/>
+          <a:ln>
+            <a:prstDash val="dash"/>
+          </a:ln>
+        </p:spPr>
+        <p:style>
+          <a:lnRef idx="2">
+            <a:schemeClr val="accent1">
+              <a:shade val="50000"/>
+            </a:schemeClr>
+          </a:lnRef>
+          <a:fillRef idx="1">
+            <a:schemeClr val="accent1"/>
+          </a:fillRef>
+          <a:effectRef idx="0">
+            <a:schemeClr val="accent1"/>
+          </a:effectRef>
+          <a:fontRef idx="minor">
+            <a:schemeClr val="lt1"/>
+          </a:fontRef>
+        </p:style>
+        <p:txBody>
+          <a:bodyPr rtlCol="0" anchor="ctr"/>
+          <a:lstStyle/>
+          <a:p>
+            <a:pPr algn="ctr"/>
+            <a:endParaRPr lang="zh-TW" altLang="en-US"/>
+          </a:p>
+        </p:txBody>
+      </p:sp>
+      <p:sp>
+        <p:nvSpPr>
+          <p:cNvPr id="40" name="文字方塊 39">
+            <a:extLst>
+              <a:ext uri="{FF2B5EF4-FFF2-40B4-BE49-F238E27FC236}">
+                <a16:creationId xmlns:a16="http://schemas.microsoft.com/office/drawing/2014/main" id="{8806E0C5-BD1C-A500-511A-3A61B6FDC4D6}"/>
+              </a:ext>
+            </a:extLst>
+          </p:cNvPr>
+          <p:cNvSpPr txBox="1"/>
+          <p:nvPr/>
+        </p:nvSpPr>
+        <p:spPr>
+          <a:xfrm>
+            <a:off x="3520658" y="2316278"/>
+            <a:ext cx="2703679" cy="276999"/>
+          </a:xfrm>
+          <a:prstGeom prst="rect">
+            <a:avLst/>
+          </a:prstGeom>
+          <a:noFill/>
+        </p:spPr>
+        <p:txBody>
+          <a:bodyPr wrap="square" rtlCol="0">
+            <a:spAutoFit/>
+          </a:bodyPr>
+          <a:lstStyle/>
+          <a:p>
+            <a:r>
+              <a:rPr lang="en-US" altLang="zh-TW" sz="1200"/>
+              <a:t>It need to </a:t>
+            </a:r>
+            <a:r>
+              <a:rPr lang="en-US" altLang="zh-TW" sz="1200">
+                <a:highlight>
+                  <a:srgbClr val="FFFF00"/>
+                </a:highlight>
+              </a:rPr>
+              <a:t>FIFO</a:t>
+            </a:r>
+            <a:r>
+              <a:rPr lang="en-US" altLang="zh-TW" sz="1200"/>
+              <a:t> RX7 CLK and RX6 CLK</a:t>
+            </a:r>
+            <a:endParaRPr lang="zh-TW" altLang="en-US" sz="1200"/>
+          </a:p>
+        </p:txBody>
+      </p:sp>
+      <p:sp>
+        <p:nvSpPr>
+          <p:cNvPr id="41" name="矩形: 圓角 40">
+            <a:extLst>
+              <a:ext uri="{FF2B5EF4-FFF2-40B4-BE49-F238E27FC236}">
+                <a16:creationId xmlns:a16="http://schemas.microsoft.com/office/drawing/2014/main" id="{5FBFCE58-4038-164A-B33F-81A358BC222E}"/>
+              </a:ext>
+            </a:extLst>
+          </p:cNvPr>
+          <p:cNvSpPr/>
+          <p:nvPr/>
+        </p:nvSpPr>
+        <p:spPr>
+          <a:xfrm>
+            <a:off x="8157759" y="2974757"/>
+            <a:ext cx="1185474" cy="646592"/>
+          </a:xfrm>
+          <a:prstGeom prst="roundRect">
+            <a:avLst/>
+          </a:prstGeom>
+          <a:solidFill>
+            <a:srgbClr val="FFC000"/>
+          </a:solidFill>
+        </p:spPr>
+        <p:style>
+          <a:lnRef idx="2">
+            <a:schemeClr val="accent1">
+              <a:shade val="50000"/>
+            </a:schemeClr>
+          </a:lnRef>
+          <a:fillRef idx="1">
+            <a:schemeClr val="accent1"/>
+          </a:fillRef>
+          <a:effectRef idx="0">
+            <a:schemeClr val="accent1"/>
+          </a:effectRef>
+          <a:fontRef idx="minor">
+            <a:schemeClr val="lt1"/>
+          </a:fontRef>
+        </p:style>
+        <p:txBody>
+          <a:bodyPr rtlCol="0" anchor="ctr"/>
+          <a:lstStyle/>
+          <a:p>
+            <a:pPr algn="ctr"/>
+            <a:r>
+              <a:rPr lang="en-US" altLang="zh-TW" sz="1000"/>
+              <a:t>FIFO RX7 CLK</a:t>
+            </a:r>
+          </a:p>
+          <a:p>
+            <a:pPr algn="ctr"/>
+            <a:r>
+              <a:rPr lang="en-US" altLang="zh-TW" sz="1000"/>
+              <a:t>………..</a:t>
+            </a:r>
+          </a:p>
+          <a:p>
+            <a:pPr algn="ctr"/>
+            <a:r>
+              <a:rPr lang="en-US" altLang="zh-TW" sz="1000"/>
+              <a:t>FIFO RX0 CLK</a:t>
+            </a:r>
+            <a:endParaRPr lang="zh-TW" altLang="en-US" sz="1000"/>
+          </a:p>
+        </p:txBody>
+      </p:sp>
+      <p:sp>
+        <p:nvSpPr>
+          <p:cNvPr id="42" name="文字方塊 41">
+            <a:extLst>
+              <a:ext uri="{FF2B5EF4-FFF2-40B4-BE49-F238E27FC236}">
+                <a16:creationId xmlns:a16="http://schemas.microsoft.com/office/drawing/2014/main" id="{E282F682-5AB1-598C-D755-2BBF79BB9F84}"/>
+              </a:ext>
+            </a:extLst>
+          </p:cNvPr>
+          <p:cNvSpPr txBox="1"/>
+          <p:nvPr/>
+        </p:nvSpPr>
+        <p:spPr>
+          <a:xfrm>
+            <a:off x="2861636" y="5957524"/>
+            <a:ext cx="4924926" cy="646331"/>
+          </a:xfrm>
+          <a:prstGeom prst="rect">
+            <a:avLst/>
+          </a:prstGeom>
+          <a:noFill/>
+        </p:spPr>
+        <p:txBody>
+          <a:bodyPr wrap="square" rtlCol="0">
+            <a:spAutoFit/>
+          </a:bodyPr>
+          <a:lstStyle/>
+          <a:p>
+            <a:r>
+              <a:rPr lang="en-US" altLang="zh-TW"/>
+              <a:t>RX1 Decoder Only eat FIFO</a:t>
+            </a:r>
+            <a:r>
+              <a:rPr lang="zh-TW" altLang="en-US"/>
+              <a:t> </a:t>
+            </a:r>
+            <a:r>
+              <a:rPr lang="en-US" altLang="zh-TW"/>
+              <a:t>RX7 CLK to calulate </a:t>
+            </a:r>
+          </a:p>
+          <a:p>
+            <a:r>
+              <a:rPr lang="en-US" altLang="zh-TW"/>
+              <a:t>But RX0 Decoder Eat FIFO RX7 ~</a:t>
+            </a:r>
+            <a:r>
+              <a:rPr lang="zh-TW" altLang="en-US"/>
+              <a:t> </a:t>
+            </a:r>
+            <a:r>
+              <a:rPr lang="en-US" altLang="zh-TW"/>
+              <a:t>RX0  to calculate</a:t>
+            </a:r>
+            <a:endParaRPr lang="zh-TW" altLang="en-US"/>
           </a:p>
         </p:txBody>
       </p:sp>
     </p:spTree>
     <p:extLst>
       <p:ext uri="{BB962C8B-B14F-4D97-AF65-F5344CB8AC3E}">
-        <p14:creationId xmlns:p14="http://schemas.microsoft.com/office/powerpoint/2010/main" val="1645638314"/>
+        <p14:creationId xmlns:p14="http://schemas.microsoft.com/office/powerpoint/2010/main" val="793939072"/>
       </p:ext>
     </p:extLst>
   </p:cSld>
@@ -17078,7 +17926,7 @@
           <p:cNvPr id="2" name="標題 1">
             <a:extLst>
               <a:ext uri="{FF2B5EF4-FFF2-40B4-BE49-F238E27FC236}">
-                <a16:creationId xmlns:a16="http://schemas.microsoft.com/office/drawing/2014/main" id="{41A1B36A-471A-BDE5-0D9F-F818171D72B1}"/>
+                <a16:creationId xmlns:a16="http://schemas.microsoft.com/office/drawing/2014/main" id="{71F49C4E-50D6-68D6-91C2-BFF48ADEF505}"/>
               </a:ext>
             </a:extLst>
           </p:cNvPr>
@@ -17097,15 +17945,7 @@
             <a:pPr algn="ctr"/>
             <a:r>
               <a:rPr lang="zh-TW" altLang="en-US" dirty="0"/>
-              <a:t>後端</a:t>
-            </a:r>
-            <a:r>
-              <a:rPr lang="en-US" altLang="zh-TW" dirty="0"/>
-              <a:t>Decoder</a:t>
-            </a:r>
-            <a:r>
-              <a:rPr lang="zh-TW" altLang="en-US" dirty="0"/>
-              <a:t>電路</a:t>
+              <a:t>前端訊號處理</a:t>
             </a:r>
           </a:p>
         </p:txBody>
@@ -17115,7 +17955,7 @@
           <p:cNvPr id="3" name="內容版面配置區 2">
             <a:extLst>
               <a:ext uri="{FF2B5EF4-FFF2-40B4-BE49-F238E27FC236}">
-                <a16:creationId xmlns:a16="http://schemas.microsoft.com/office/drawing/2014/main" id="{AEB419E4-8661-C0C0-63D0-CF90B8FED2EC}"/>
+                <a16:creationId xmlns:a16="http://schemas.microsoft.com/office/drawing/2014/main" id="{2F3C6F51-5701-1BCA-2F51-50A4A4166EC9}"/>
               </a:ext>
             </a:extLst>
           </p:cNvPr>
@@ -17131,14 +17971,188 @@
           <a:bodyPr/>
           <a:lstStyle/>
           <a:p>
-            <a:endParaRPr lang="zh-TW" altLang="en-US" dirty="0"/>
+            <a:pPr marL="0" indent="0">
+              <a:buNone/>
+            </a:pPr>
+            <a:r>
+              <a:rPr lang="en-US" altLang="zh-TW" dirty="0"/>
+              <a:t>Benefits and Drawbacks of method</a:t>
+            </a:r>
+          </a:p>
+          <a:p>
+            <a:pPr marL="0" indent="0">
+              <a:buNone/>
+            </a:pPr>
+            <a:endParaRPr lang="en-US" altLang="zh-TW" dirty="0"/>
+          </a:p>
+          <a:p>
+            <a:pPr marL="514350" indent="-514350">
+              <a:buAutoNum type="arabicPeriod"/>
+            </a:pPr>
+            <a:r>
+              <a:rPr lang="zh-TW" altLang="en-US" dirty="0"/>
+              <a:t>不經過任何訊號處理</a:t>
+            </a:r>
+            <a:endParaRPr lang="en-US" altLang="zh-TW" dirty="0"/>
+          </a:p>
+          <a:p>
+            <a:pPr marL="0" indent="0">
+              <a:buNone/>
+            </a:pPr>
+            <a:r>
+              <a:rPr lang="en-US" altLang="zh-TW" dirty="0"/>
+              <a:t>	</a:t>
+            </a:r>
+            <a:r>
+              <a:rPr lang="zh-TW" altLang="en-US" sz="2400" dirty="0"/>
+              <a:t>優點 </a:t>
+            </a:r>
+            <a:r>
+              <a:rPr lang="en-US" altLang="zh-TW" sz="2400" dirty="0"/>
+              <a:t>: </a:t>
+            </a:r>
+            <a:r>
+              <a:rPr lang="zh-TW" altLang="en-US" sz="2400" dirty="0"/>
+              <a:t>省電、參數調整較簡單</a:t>
+            </a:r>
+            <a:endParaRPr lang="en-US" altLang="zh-TW" sz="2400" dirty="0"/>
+          </a:p>
+          <a:p>
+            <a:pPr marL="0" indent="0">
+              <a:buNone/>
+            </a:pPr>
+            <a:r>
+              <a:rPr lang="en-US" altLang="zh-TW" sz="2400" dirty="0"/>
+              <a:t>	</a:t>
+            </a:r>
+            <a:r>
+              <a:rPr lang="zh-TW" altLang="en-US" sz="2400" dirty="0"/>
+              <a:t>缺點 </a:t>
+            </a:r>
+            <a:r>
+              <a:rPr lang="en-US" altLang="zh-TW" sz="2400" dirty="0"/>
+              <a:t>:</a:t>
+            </a:r>
+            <a:r>
+              <a:rPr lang="zh-TW" altLang="en-US" sz="2400" dirty="0"/>
+              <a:t> 無法抗</a:t>
+            </a:r>
+            <a:r>
+              <a:rPr lang="en-US" altLang="zh-TW" sz="2400" dirty="0"/>
+              <a:t>Noise </a:t>
+            </a:r>
+            <a:r>
+              <a:rPr lang="zh-TW" altLang="en-US" sz="2400" dirty="0"/>
+              <a:t>而且 </a:t>
+            </a:r>
+            <a:r>
+              <a:rPr lang="en-US" altLang="zh-TW" sz="2400" dirty="0"/>
+              <a:t>ADC</a:t>
+            </a:r>
+            <a:r>
+              <a:rPr lang="zh-TW" altLang="en-US" sz="2400" dirty="0"/>
+              <a:t> 刻度較少</a:t>
+            </a:r>
+            <a:endParaRPr lang="en-US" altLang="zh-TW" sz="2400" dirty="0"/>
+          </a:p>
+          <a:p>
+            <a:pPr marL="0" indent="0">
+              <a:buNone/>
+            </a:pPr>
+            <a:endParaRPr lang="en-US" altLang="zh-TW" sz="2400" dirty="0"/>
+          </a:p>
+          <a:p>
+            <a:pPr marL="514350" indent="-514350">
+              <a:buAutoNum type="arabicPeriod" startAt="2"/>
+            </a:pPr>
+            <a:r>
+              <a:rPr lang="zh-TW" altLang="en-US" dirty="0"/>
+              <a:t>經過</a:t>
+            </a:r>
+            <a:r>
+              <a:rPr lang="en-US" altLang="zh-TW" dirty="0"/>
+              <a:t>1st HPF and Schmitt Trigger</a:t>
+            </a:r>
+            <a:r>
+              <a:rPr lang="zh-TW" altLang="en-US" dirty="0"/>
+              <a:t>電路</a:t>
+            </a:r>
+            <a:endParaRPr lang="en-US" altLang="zh-TW" dirty="0"/>
+          </a:p>
+          <a:p>
+            <a:pPr marL="0" indent="0">
+              <a:buNone/>
+            </a:pPr>
+            <a:r>
+              <a:rPr lang="en-US" altLang="zh-TW" sz="2400" dirty="0"/>
+              <a:t>	</a:t>
+            </a:r>
+            <a:r>
+              <a:rPr lang="zh-TW" altLang="en-US" sz="2400" dirty="0"/>
+              <a:t>優點 </a:t>
+            </a:r>
+            <a:r>
+              <a:rPr lang="en-US" altLang="zh-TW" sz="2400" dirty="0"/>
+              <a:t>:</a:t>
+            </a:r>
+            <a:r>
+              <a:rPr lang="zh-TW" altLang="en-US" sz="2400" dirty="0"/>
+              <a:t>抗低頻</a:t>
+            </a:r>
+            <a:r>
+              <a:rPr lang="en-US" altLang="zh-TW" sz="2400" dirty="0"/>
+              <a:t>Noise</a:t>
+            </a:r>
+            <a:r>
+              <a:rPr lang="zh-TW" altLang="en-US" sz="2400" dirty="0"/>
+              <a:t>、</a:t>
+            </a:r>
+            <a:r>
+              <a:rPr lang="en-US" altLang="zh-TW" sz="2400" dirty="0"/>
+              <a:t>ADC</a:t>
+            </a:r>
+            <a:r>
+              <a:rPr lang="zh-TW" altLang="en-US" sz="2400" dirty="0"/>
+              <a:t>刻度較多</a:t>
+            </a:r>
+            <a:endParaRPr lang="en-US" altLang="zh-TW" sz="2400" dirty="0"/>
+          </a:p>
+          <a:p>
+            <a:pPr marL="0" indent="0">
+              <a:buNone/>
+            </a:pPr>
+            <a:r>
+              <a:rPr lang="en-US" altLang="zh-TW" sz="2400" dirty="0"/>
+              <a:t>	</a:t>
+            </a:r>
+            <a:r>
+              <a:rPr lang="zh-TW" altLang="en-US" sz="2400" dirty="0"/>
+              <a:t>缺點 </a:t>
+            </a:r>
+            <a:r>
+              <a:rPr lang="en-US" altLang="zh-TW" sz="2400" dirty="0"/>
+              <a:t>:</a:t>
+            </a:r>
+            <a:r>
+              <a:rPr lang="zh-TW" altLang="en-US" sz="2400" dirty="0"/>
+              <a:t> 無法抗高頻</a:t>
+            </a:r>
+            <a:r>
+              <a:rPr lang="en-US" altLang="zh-TW" sz="2400" dirty="0"/>
+              <a:t>Noise </a:t>
+            </a:r>
+            <a:r>
+              <a:rPr lang="zh-TW" altLang="en-US" sz="2400" dirty="0"/>
+              <a:t>、參數調整較多</a:t>
+            </a:r>
+            <a:endParaRPr lang="en-US" altLang="zh-TW" sz="2400" dirty="0"/>
           </a:p>
         </p:txBody>
       </p:sp>
     </p:spTree>
     <p:extLst>
       <p:ext uri="{BB962C8B-B14F-4D97-AF65-F5344CB8AC3E}">
-        <p14:creationId xmlns:p14="http://schemas.microsoft.com/office/powerpoint/2010/main" val="1747056482"/>
+        <p14:creationId xmlns:p14="http://schemas.microsoft.com/office/powerpoint/2010/main" val="1645638314"/>
       </p:ext>
     </p:extLst>
   </p:cSld>
@@ -17170,7 +18184,7 @@
           <p:cNvPr id="2" name="標題 1">
             <a:extLst>
               <a:ext uri="{FF2B5EF4-FFF2-40B4-BE49-F238E27FC236}">
-                <a16:creationId xmlns:a16="http://schemas.microsoft.com/office/drawing/2014/main" id="{50BB383F-54B9-1566-5039-3C13647347F8}"/>
+                <a16:creationId xmlns:a16="http://schemas.microsoft.com/office/drawing/2014/main" id="{41A1B36A-471A-BDE5-0D9F-F818171D72B1}"/>
               </a:ext>
             </a:extLst>
           </p:cNvPr>
@@ -17188,10 +18202,17 @@
           <a:p>
             <a:pPr algn="ctr"/>
             <a:r>
-              <a:rPr lang="en-US" altLang="zh-TW" dirty="0" err="1"/>
-              <a:t>AutoCorrelation</a:t>
-            </a:r>
-            <a:endParaRPr lang="zh-TW" altLang="en-US" dirty="0"/>
+              <a:rPr lang="zh-TW" altLang="en-US" dirty="0"/>
+              <a:t>後端</a:t>
+            </a:r>
+            <a:r>
+              <a:rPr lang="en-US" altLang="zh-TW" dirty="0"/>
+              <a:t>Decoder</a:t>
+            </a:r>
+            <a:r>
+              <a:rPr lang="zh-TW" altLang="en-US" dirty="0"/>
+              <a:t>電路</a:t>
+            </a:r>
           </a:p>
         </p:txBody>
       </p:sp>
@@ -17200,7 +18221,7 @@
           <p:cNvPr id="3" name="內容版面配置區 2">
             <a:extLst>
               <a:ext uri="{FF2B5EF4-FFF2-40B4-BE49-F238E27FC236}">
-                <a16:creationId xmlns:a16="http://schemas.microsoft.com/office/drawing/2014/main" id="{2596C747-6CF3-CCCC-4223-2CFCEABA8BA0}"/>
+                <a16:creationId xmlns:a16="http://schemas.microsoft.com/office/drawing/2014/main" id="{AEB419E4-8661-C0C0-63D0-CF90B8FED2EC}"/>
               </a:ext>
             </a:extLst>
           </p:cNvPr>
@@ -17216,66 +18237,14 @@
           <a:bodyPr/>
           <a:lstStyle/>
           <a:p>
-            <a:pPr marL="514350" indent="-514350">
-              <a:buAutoNum type="arabicPeriod"/>
-            </a:pPr>
-            <a:r>
-              <a:rPr lang="zh-TW" altLang="en-US" dirty="0"/>
-              <a:t>能推倒出</a:t>
-            </a:r>
-            <a:r>
-              <a:rPr lang="en-US" altLang="zh-TW" dirty="0" err="1"/>
-              <a:t>Convolation</a:t>
-            </a:r>
-            <a:r>
-              <a:rPr lang="en-US" altLang="zh-TW" dirty="0"/>
-              <a:t> Property for LTI system</a:t>
-            </a:r>
-          </a:p>
-          <a:p>
-            <a:pPr marL="514350" indent="-514350">
-              <a:buAutoNum type="arabicPeriod"/>
-            </a:pPr>
-            <a:endParaRPr lang="en-US" altLang="zh-TW" dirty="0"/>
-          </a:p>
-          <a:p>
-            <a:pPr marL="514350" indent="-514350">
-              <a:buAutoNum type="arabicPeriod"/>
-            </a:pPr>
-            <a:r>
-              <a:rPr lang="en-US" altLang="zh-TW" dirty="0" err="1"/>
-              <a:t>AutoCorreltion</a:t>
-            </a:r>
-            <a:r>
-              <a:rPr lang="zh-TW" altLang="en-US" dirty="0"/>
-              <a:t> 用處到底是</a:t>
-            </a:r>
-            <a:r>
-              <a:rPr lang="en-US" altLang="zh-TW" dirty="0"/>
-              <a:t>?</a:t>
-            </a:r>
-          </a:p>
-          <a:p>
-            <a:pPr marL="514350" indent="-514350">
-              <a:buAutoNum type="arabicPeriod"/>
-            </a:pPr>
-            <a:endParaRPr lang="en-US" altLang="zh-TW" dirty="0"/>
-          </a:p>
-          <a:p>
-            <a:pPr marL="514350" indent="-514350">
-              <a:buAutoNum type="arabicPeriod"/>
-            </a:pPr>
-            <a:r>
-              <a:rPr lang="zh-TW" altLang="en-US" dirty="0"/>
-              <a:t>訊號上的分析</a:t>
-            </a:r>
+            <a:endParaRPr lang="zh-TW" altLang="en-US" dirty="0"/>
           </a:p>
         </p:txBody>
       </p:sp>
     </p:spTree>
     <p:extLst>
       <p:ext uri="{BB962C8B-B14F-4D97-AF65-F5344CB8AC3E}">
-        <p14:creationId xmlns:p14="http://schemas.microsoft.com/office/powerpoint/2010/main" val="1802279474"/>
+        <p14:creationId xmlns:p14="http://schemas.microsoft.com/office/powerpoint/2010/main" val="1747056482"/>
       </p:ext>
     </p:extLst>
   </p:cSld>
@@ -17307,6 +18276,143 @@
           <p:cNvPr id="2" name="標題 1">
             <a:extLst>
               <a:ext uri="{FF2B5EF4-FFF2-40B4-BE49-F238E27FC236}">
+                <a16:creationId xmlns:a16="http://schemas.microsoft.com/office/drawing/2014/main" id="{50BB383F-54B9-1566-5039-3C13647347F8}"/>
+              </a:ext>
+            </a:extLst>
+          </p:cNvPr>
+          <p:cNvSpPr>
+            <a:spLocks noGrp="1"/>
+          </p:cNvSpPr>
+          <p:nvPr>
+            <p:ph type="title"/>
+          </p:nvPr>
+        </p:nvSpPr>
+        <p:spPr/>
+        <p:txBody>
+          <a:bodyPr/>
+          <a:lstStyle/>
+          <a:p>
+            <a:pPr algn="ctr"/>
+            <a:r>
+              <a:rPr lang="en-US" altLang="zh-TW" dirty="0" err="1"/>
+              <a:t>AutoCorrelation</a:t>
+            </a:r>
+            <a:endParaRPr lang="zh-TW" altLang="en-US" dirty="0"/>
+          </a:p>
+        </p:txBody>
+      </p:sp>
+      <p:sp>
+        <p:nvSpPr>
+          <p:cNvPr id="3" name="內容版面配置區 2">
+            <a:extLst>
+              <a:ext uri="{FF2B5EF4-FFF2-40B4-BE49-F238E27FC236}">
+                <a16:creationId xmlns:a16="http://schemas.microsoft.com/office/drawing/2014/main" id="{2596C747-6CF3-CCCC-4223-2CFCEABA8BA0}"/>
+              </a:ext>
+            </a:extLst>
+          </p:cNvPr>
+          <p:cNvSpPr>
+            <a:spLocks noGrp="1"/>
+          </p:cNvSpPr>
+          <p:nvPr>
+            <p:ph idx="1"/>
+          </p:nvPr>
+        </p:nvSpPr>
+        <p:spPr/>
+        <p:txBody>
+          <a:bodyPr/>
+          <a:lstStyle/>
+          <a:p>
+            <a:pPr marL="514350" indent="-514350">
+              <a:buAutoNum type="arabicPeriod"/>
+            </a:pPr>
+            <a:r>
+              <a:rPr lang="zh-TW" altLang="en-US" dirty="0"/>
+              <a:t>能推倒出</a:t>
+            </a:r>
+            <a:r>
+              <a:rPr lang="en-US" altLang="zh-TW" dirty="0" err="1"/>
+              <a:t>Convolation</a:t>
+            </a:r>
+            <a:r>
+              <a:rPr lang="en-US" altLang="zh-TW" dirty="0"/>
+              <a:t> Property for LTI system</a:t>
+            </a:r>
+          </a:p>
+          <a:p>
+            <a:pPr marL="514350" indent="-514350">
+              <a:buAutoNum type="arabicPeriod"/>
+            </a:pPr>
+            <a:endParaRPr lang="en-US" altLang="zh-TW" dirty="0"/>
+          </a:p>
+          <a:p>
+            <a:pPr marL="514350" indent="-514350">
+              <a:buAutoNum type="arabicPeriod"/>
+            </a:pPr>
+            <a:r>
+              <a:rPr lang="en-US" altLang="zh-TW" dirty="0" err="1"/>
+              <a:t>AutoCorreltion</a:t>
+            </a:r>
+            <a:r>
+              <a:rPr lang="zh-TW" altLang="en-US" dirty="0"/>
+              <a:t> 用處到底是</a:t>
+            </a:r>
+            <a:r>
+              <a:rPr lang="en-US" altLang="zh-TW" dirty="0"/>
+              <a:t>?</a:t>
+            </a:r>
+          </a:p>
+          <a:p>
+            <a:pPr marL="514350" indent="-514350">
+              <a:buAutoNum type="arabicPeriod"/>
+            </a:pPr>
+            <a:endParaRPr lang="en-US" altLang="zh-TW" dirty="0"/>
+          </a:p>
+          <a:p>
+            <a:pPr marL="514350" indent="-514350">
+              <a:buAutoNum type="arabicPeriod"/>
+            </a:pPr>
+            <a:r>
+              <a:rPr lang="zh-TW" altLang="en-US" dirty="0"/>
+              <a:t>訊號上的分析</a:t>
+            </a:r>
+          </a:p>
+        </p:txBody>
+      </p:sp>
+    </p:spTree>
+    <p:extLst>
+      <p:ext uri="{BB962C8B-B14F-4D97-AF65-F5344CB8AC3E}">
+        <p14:creationId xmlns:p14="http://schemas.microsoft.com/office/powerpoint/2010/main" val="1802279474"/>
+      </p:ext>
+    </p:extLst>
+  </p:cSld>
+  <p:clrMapOvr>
+    <a:masterClrMapping/>
+  </p:clrMapOvr>
+</p:sld>
+</file>
+
+<file path=ppt/slides/slide35.xml><?xml version="1.0" encoding="utf-8"?>
+<p:sld xmlns:a="http://schemas.openxmlformats.org/drawingml/2006/main" xmlns:r="http://schemas.openxmlformats.org/officeDocument/2006/relationships" xmlns:p="http://schemas.openxmlformats.org/presentationml/2006/main">
+  <p:cSld>
+    <p:spTree>
+      <p:nvGrpSpPr>
+        <p:cNvPr id="1" name=""/>
+        <p:cNvGrpSpPr/>
+        <p:nvPr/>
+      </p:nvGrpSpPr>
+      <p:grpSpPr>
+        <a:xfrm>
+          <a:off x="0" y="0"/>
+          <a:ext cx="0" cy="0"/>
+          <a:chOff x="0" y="0"/>
+          <a:chExt cx="0" cy="0"/>
+        </a:xfrm>
+      </p:grpSpPr>
+      <p:sp>
+        <p:nvSpPr>
+          <p:cNvPr id="2" name="標題 1">
+            <a:extLst>
+              <a:ext uri="{FF2B5EF4-FFF2-40B4-BE49-F238E27FC236}">
                 <a16:creationId xmlns:a16="http://schemas.microsoft.com/office/drawing/2014/main" id="{042F1310-2BFC-3D20-5FCD-AB24ABF21979}"/>
               </a:ext>
             </a:extLst>
@@ -17377,7 +18483,7 @@
 </p:sld>
 </file>
 
-<file path=ppt/slides/slide35.xml><?xml version="1.0" encoding="utf-8"?>
+<file path=ppt/slides/slide36.xml><?xml version="1.0" encoding="utf-8"?>
 <p:sld xmlns:a="http://schemas.openxmlformats.org/drawingml/2006/main" xmlns:r="http://schemas.openxmlformats.org/officeDocument/2006/relationships" xmlns:p="http://schemas.openxmlformats.org/presentationml/2006/main">
   <p:cSld>
     <p:spTree>
@@ -17914,135 +19020,6 @@
 </p:sld>
 </file>
 
-<file path=ppt/slides/slide36.xml><?xml version="1.0" encoding="utf-8"?>
-<p:sld xmlns:a="http://schemas.openxmlformats.org/drawingml/2006/main" xmlns:r="http://schemas.openxmlformats.org/officeDocument/2006/relationships" xmlns:p="http://schemas.openxmlformats.org/presentationml/2006/main">
-  <p:cSld>
-    <p:spTree>
-      <p:nvGrpSpPr>
-        <p:cNvPr id="1" name=""/>
-        <p:cNvGrpSpPr/>
-        <p:nvPr/>
-      </p:nvGrpSpPr>
-      <p:grpSpPr>
-        <a:xfrm>
-          <a:off x="0" y="0"/>
-          <a:ext cx="0" cy="0"/>
-          <a:chOff x="0" y="0"/>
-          <a:chExt cx="0" cy="0"/>
-        </a:xfrm>
-      </p:grpSpPr>
-      <p:sp>
-        <p:nvSpPr>
-          <p:cNvPr id="2" name="標題 1">
-            <a:extLst>
-              <a:ext uri="{FF2B5EF4-FFF2-40B4-BE49-F238E27FC236}">
-                <a16:creationId xmlns:a16="http://schemas.microsoft.com/office/drawing/2014/main" id="{E32E6CD8-2503-30B7-A4F8-AE84BE484917}"/>
-              </a:ext>
-            </a:extLst>
-          </p:cNvPr>
-          <p:cNvSpPr>
-            <a:spLocks noGrp="1"/>
-          </p:cNvSpPr>
-          <p:nvPr>
-            <p:ph type="title"/>
-          </p:nvPr>
-        </p:nvSpPr>
-        <p:spPr/>
-        <p:txBody>
-          <a:bodyPr/>
-          <a:lstStyle/>
-          <a:p>
-            <a:pPr algn="ctr"/>
-            <a:r>
-              <a:rPr lang="en-US" altLang="zh-TW" dirty="0"/>
-              <a:t>AGC flow</a:t>
-            </a:r>
-            <a:r>
-              <a:rPr lang="zh-TW" altLang="en-US" dirty="0"/>
-              <a:t>架構過程</a:t>
-            </a:r>
-          </a:p>
-        </p:txBody>
-      </p:sp>
-      <p:sp>
-        <p:nvSpPr>
-          <p:cNvPr id="3" name="內容版面配置區 2">
-            <a:extLst>
-              <a:ext uri="{FF2B5EF4-FFF2-40B4-BE49-F238E27FC236}">
-                <a16:creationId xmlns:a16="http://schemas.microsoft.com/office/drawing/2014/main" id="{ED8640AC-FE27-0D8C-6B75-7018404197B3}"/>
-              </a:ext>
-            </a:extLst>
-          </p:cNvPr>
-          <p:cNvSpPr>
-            <a:spLocks noGrp="1"/>
-          </p:cNvSpPr>
-          <p:nvPr>
-            <p:ph idx="1"/>
-          </p:nvPr>
-        </p:nvSpPr>
-        <p:spPr/>
-        <p:txBody>
-          <a:bodyPr/>
-          <a:lstStyle/>
-          <a:p>
-            <a:pPr marL="514350" indent="-514350">
-              <a:buAutoNum type="arabicPeriod"/>
-            </a:pPr>
-            <a:r>
-              <a:rPr lang="zh-TW" altLang="en-US" dirty="0"/>
-              <a:t>前期</a:t>
-            </a:r>
-            <a:r>
-              <a:rPr lang="en-US" altLang="zh-TW" dirty="0"/>
-              <a:t>ISSUE</a:t>
-            </a:r>
-          </a:p>
-          <a:p>
-            <a:pPr marL="514350" indent="-514350">
-              <a:buAutoNum type="arabicPeriod"/>
-            </a:pPr>
-            <a:endParaRPr lang="en-US" altLang="zh-TW" dirty="0"/>
-          </a:p>
-          <a:p>
-            <a:pPr marL="514350" indent="-514350">
-              <a:buAutoNum type="arabicPeriod"/>
-            </a:pPr>
-            <a:r>
-              <a:rPr lang="zh-TW" altLang="en-US" dirty="0"/>
-              <a:t>中後期統計</a:t>
-            </a:r>
-            <a:endParaRPr lang="en-US" altLang="zh-TW" dirty="0"/>
-          </a:p>
-          <a:p>
-            <a:pPr marL="514350" indent="-514350">
-              <a:buAutoNum type="arabicPeriod"/>
-            </a:pPr>
-            <a:endParaRPr lang="en-US" altLang="zh-TW" dirty="0"/>
-          </a:p>
-          <a:p>
-            <a:pPr marL="514350" indent="-514350">
-              <a:buAutoNum type="arabicPeriod"/>
-            </a:pPr>
-            <a:r>
-              <a:rPr lang="zh-TW" altLang="en-US" dirty="0"/>
-              <a:t>後期完工</a:t>
-            </a:r>
-          </a:p>
-        </p:txBody>
-      </p:sp>
-    </p:spTree>
-    <p:extLst>
-      <p:ext uri="{BB962C8B-B14F-4D97-AF65-F5344CB8AC3E}">
-        <p14:creationId xmlns:p14="http://schemas.microsoft.com/office/powerpoint/2010/main" val="3478487214"/>
-      </p:ext>
-    </p:extLst>
-  </p:cSld>
-  <p:clrMapOvr>
-    <a:masterClrMapping/>
-  </p:clrMapOvr>
-</p:sld>
-</file>
-
 <file path=ppt/slides/slide37.xml><?xml version="1.0" encoding="utf-8"?>
 <p:sld xmlns:a="http://schemas.openxmlformats.org/drawingml/2006/main" xmlns:r="http://schemas.openxmlformats.org/officeDocument/2006/relationships" xmlns:p="http://schemas.openxmlformats.org/presentationml/2006/main">
   <p:cSld>
@@ -18065,7 +19042,7 @@
           <p:cNvPr id="2" name="標題 1">
             <a:extLst>
               <a:ext uri="{FF2B5EF4-FFF2-40B4-BE49-F238E27FC236}">
-                <a16:creationId xmlns:a16="http://schemas.microsoft.com/office/drawing/2014/main" id="{75A8CDCF-D217-9237-F0F3-F03F7A3BC82D}"/>
+                <a16:creationId xmlns:a16="http://schemas.microsoft.com/office/drawing/2014/main" id="{E32E6CD8-2503-30B7-A4F8-AE84BE484917}"/>
               </a:ext>
             </a:extLst>
           </p:cNvPr>
@@ -18081,7 +19058,15 @@
           <a:bodyPr/>
           <a:lstStyle/>
           <a:p>
-            <a:endParaRPr lang="zh-TW" altLang="en-US" dirty="0"/>
+            <a:pPr algn="ctr"/>
+            <a:r>
+              <a:rPr lang="en-US" altLang="zh-TW" dirty="0"/>
+              <a:t>AGC flow</a:t>
+            </a:r>
+            <a:r>
+              <a:rPr lang="zh-TW" altLang="en-US" dirty="0"/>
+              <a:t>架構過程</a:t>
+            </a:r>
           </a:p>
         </p:txBody>
       </p:sp>
@@ -18090,7 +19075,7 @@
           <p:cNvPr id="3" name="內容版面配置區 2">
             <a:extLst>
               <a:ext uri="{FF2B5EF4-FFF2-40B4-BE49-F238E27FC236}">
-                <a16:creationId xmlns:a16="http://schemas.microsoft.com/office/drawing/2014/main" id="{A5250B66-E56F-5AAD-0B99-C4E8E1B221C2}"/>
+                <a16:creationId xmlns:a16="http://schemas.microsoft.com/office/drawing/2014/main" id="{ED8640AC-FE27-0D8C-6B75-7018404197B3}"/>
               </a:ext>
             </a:extLst>
           </p:cNvPr>
@@ -18106,14 +19091,55 @@
           <a:bodyPr/>
           <a:lstStyle/>
           <a:p>
-            <a:endParaRPr lang="zh-TW" altLang="en-US"/>
+            <a:pPr marL="514350" indent="-514350">
+              <a:buAutoNum type="arabicPeriod"/>
+            </a:pPr>
+            <a:r>
+              <a:rPr lang="zh-TW" altLang="en-US" dirty="0"/>
+              <a:t>前期</a:t>
+            </a:r>
+            <a:r>
+              <a:rPr lang="en-US" altLang="zh-TW" dirty="0"/>
+              <a:t>ISSUE</a:t>
+            </a:r>
+          </a:p>
+          <a:p>
+            <a:pPr marL="514350" indent="-514350">
+              <a:buAutoNum type="arabicPeriod"/>
+            </a:pPr>
+            <a:endParaRPr lang="en-US" altLang="zh-TW" dirty="0"/>
+          </a:p>
+          <a:p>
+            <a:pPr marL="514350" indent="-514350">
+              <a:buAutoNum type="arabicPeriod"/>
+            </a:pPr>
+            <a:r>
+              <a:rPr lang="zh-TW" altLang="en-US" dirty="0"/>
+              <a:t>中後期統計</a:t>
+            </a:r>
+            <a:endParaRPr lang="en-US" altLang="zh-TW" dirty="0"/>
+          </a:p>
+          <a:p>
+            <a:pPr marL="514350" indent="-514350">
+              <a:buAutoNum type="arabicPeriod"/>
+            </a:pPr>
+            <a:endParaRPr lang="en-US" altLang="zh-TW" dirty="0"/>
+          </a:p>
+          <a:p>
+            <a:pPr marL="514350" indent="-514350">
+              <a:buAutoNum type="arabicPeriod"/>
+            </a:pPr>
+            <a:r>
+              <a:rPr lang="zh-TW" altLang="en-US" dirty="0"/>
+              <a:t>後期完工</a:t>
+            </a:r>
           </a:p>
         </p:txBody>
       </p:sp>
     </p:spTree>
     <p:extLst>
       <p:ext uri="{BB962C8B-B14F-4D97-AF65-F5344CB8AC3E}">
-        <p14:creationId xmlns:p14="http://schemas.microsoft.com/office/powerpoint/2010/main" val="2364024188"/>
+        <p14:creationId xmlns:p14="http://schemas.microsoft.com/office/powerpoint/2010/main" val="3478487214"/>
       </p:ext>
     </p:extLst>
   </p:cSld>
@@ -18145,7 +19171,7 @@
           <p:cNvPr id="2" name="標題 1">
             <a:extLst>
               <a:ext uri="{FF2B5EF4-FFF2-40B4-BE49-F238E27FC236}">
-                <a16:creationId xmlns:a16="http://schemas.microsoft.com/office/drawing/2014/main" id="{02C3FE11-1F15-4971-95B5-34F7811B7E8A}"/>
+                <a16:creationId xmlns:a16="http://schemas.microsoft.com/office/drawing/2014/main" id="{75A8CDCF-D217-9237-F0F3-F03F7A3BC82D}"/>
               </a:ext>
             </a:extLst>
           </p:cNvPr>
@@ -18161,19 +19187,6 @@
           <a:bodyPr/>
           <a:lstStyle/>
           <a:p>
-            <a:pPr algn="ctr"/>
-            <a:r>
-              <a:rPr lang="en-US" altLang="zh-TW" dirty="0"/>
-              <a:t>Color </a:t>
-            </a:r>
-            <a:r>
-              <a:rPr lang="en-US" altLang="zh-TW" dirty="0" err="1"/>
-              <a:t>Pikcing</a:t>
-            </a:r>
-            <a:r>
-              <a:rPr lang="en-US" altLang="zh-TW" dirty="0"/>
-              <a:t> Project</a:t>
-            </a:r>
             <a:endParaRPr lang="zh-TW" altLang="en-US" dirty="0"/>
           </a:p>
         </p:txBody>
@@ -18183,7 +19196,7 @@
           <p:cNvPr id="3" name="內容版面配置區 2">
             <a:extLst>
               <a:ext uri="{FF2B5EF4-FFF2-40B4-BE49-F238E27FC236}">
-                <a16:creationId xmlns:a16="http://schemas.microsoft.com/office/drawing/2014/main" id="{5C2571F1-765B-42C3-8AAC-2A8441E0FBA0}"/>
+                <a16:creationId xmlns:a16="http://schemas.microsoft.com/office/drawing/2014/main" id="{A5250B66-E56F-5AAD-0B99-C4E8E1B221C2}"/>
               </a:ext>
             </a:extLst>
           </p:cNvPr>
@@ -18199,74 +19212,14 @@
           <a:bodyPr/>
           <a:lstStyle/>
           <a:p>
-            <a:pPr marL="457200" lvl="1" indent="0">
-              <a:lnSpc>
-                <a:spcPct val="150000"/>
-              </a:lnSpc>
-              <a:buNone/>
-            </a:pPr>
-            <a:r>
-              <a:rPr lang="zh-TW" altLang="en-US" sz="2800" dirty="0">
-                <a:solidFill>
-                  <a:srgbClr val="FF0000"/>
-                </a:solidFill>
-              </a:rPr>
-              <a:t>目的</a:t>
-            </a:r>
-            <a:r>
-              <a:rPr lang="zh-TW" altLang="en-US" dirty="0"/>
-              <a:t> </a:t>
-            </a:r>
-            <a:r>
-              <a:rPr lang="en-US" altLang="zh-TW" dirty="0"/>
-              <a:t>:</a:t>
-            </a:r>
-            <a:r>
-              <a:rPr lang="zh-TW" altLang="en-US" dirty="0"/>
-              <a:t>  按壓</a:t>
-            </a:r>
-            <a:r>
-              <a:rPr lang="en-US" altLang="zh-TW" dirty="0"/>
-              <a:t>Color Sensor</a:t>
-            </a:r>
-            <a:r>
-              <a:rPr lang="zh-TW" altLang="en-US" dirty="0"/>
-              <a:t>選擇顏色、並透過筆在</a:t>
-            </a:r>
-            <a:r>
-              <a:rPr lang="en-US" altLang="zh-TW" dirty="0"/>
-              <a:t>Host</a:t>
-            </a:r>
-            <a:r>
-              <a:rPr lang="zh-TW" altLang="en-US" dirty="0"/>
-              <a:t>上畫出對應的顏色</a:t>
-            </a:r>
-            <a:endParaRPr lang="en-US" altLang="zh-TW" dirty="0"/>
-          </a:p>
-          <a:p>
-            <a:pPr marL="457200" lvl="1" indent="0">
-              <a:lnSpc>
-                <a:spcPct val="150000"/>
-              </a:lnSpc>
-              <a:buNone/>
-            </a:pPr>
-            <a:endParaRPr lang="en-US" altLang="zh-TW" dirty="0"/>
-          </a:p>
-          <a:p>
-            <a:pPr marL="457200" lvl="1" indent="0">
-              <a:lnSpc>
-                <a:spcPct val="150000"/>
-              </a:lnSpc>
-              <a:buNone/>
-            </a:pPr>
-            <a:endParaRPr lang="en-US" altLang="zh-TW" dirty="0"/>
+            <a:endParaRPr lang="zh-TW" altLang="en-US"/>
           </a:p>
         </p:txBody>
       </p:sp>
     </p:spTree>
     <p:extLst>
       <p:ext uri="{BB962C8B-B14F-4D97-AF65-F5344CB8AC3E}">
-        <p14:creationId xmlns:p14="http://schemas.microsoft.com/office/powerpoint/2010/main" val="263751651"/>
+        <p14:creationId xmlns:p14="http://schemas.microsoft.com/office/powerpoint/2010/main" val="2364024188"/>
       </p:ext>
     </p:extLst>
   </p:cSld>
@@ -18298,7 +19251,7 @@
           <p:cNvPr id="2" name="標題 1">
             <a:extLst>
               <a:ext uri="{FF2B5EF4-FFF2-40B4-BE49-F238E27FC236}">
-                <a16:creationId xmlns:a16="http://schemas.microsoft.com/office/drawing/2014/main" id="{36663CA0-2783-4A34-8C5A-24686BD0A02B}"/>
+                <a16:creationId xmlns:a16="http://schemas.microsoft.com/office/drawing/2014/main" id="{02C3FE11-1F15-4971-95B5-34F7811B7E8A}"/>
               </a:ext>
             </a:extLst>
           </p:cNvPr>
@@ -18316,9 +19269,18 @@
           <a:p>
             <a:pPr algn="ctr"/>
             <a:r>
-              <a:rPr lang="zh-TW" altLang="en-US" dirty="0"/>
-              <a:t>主要遇到的問題</a:t>
-            </a:r>
+              <a:rPr lang="en-US" altLang="zh-TW" dirty="0"/>
+              <a:t>Color </a:t>
+            </a:r>
+            <a:r>
+              <a:rPr lang="en-US" altLang="zh-TW" dirty="0" err="1"/>
+              <a:t>Pikcing</a:t>
+            </a:r>
+            <a:r>
+              <a:rPr lang="en-US" altLang="zh-TW" dirty="0"/>
+              <a:t> Project</a:t>
+            </a:r>
+            <a:endParaRPr lang="zh-TW" altLang="en-US" dirty="0"/>
           </a:p>
         </p:txBody>
       </p:sp>
@@ -18327,7 +19289,7 @@
           <p:cNvPr id="3" name="內容版面配置區 2">
             <a:extLst>
               <a:ext uri="{FF2B5EF4-FFF2-40B4-BE49-F238E27FC236}">
-                <a16:creationId xmlns:a16="http://schemas.microsoft.com/office/drawing/2014/main" id="{4EB3A3B7-3819-4E07-A5DF-C15C993A0B95}"/>
+                <a16:creationId xmlns:a16="http://schemas.microsoft.com/office/drawing/2014/main" id="{5C2571F1-765B-42C3-8AAC-2A8441E0FBA0}"/>
               </a:ext>
             </a:extLst>
           </p:cNvPr>
@@ -18343,144 +19305,66 @@
           <a:bodyPr/>
           <a:lstStyle/>
           <a:p>
-            <a:pPr marL="0" indent="0">
+            <a:pPr marL="457200" lvl="1" indent="0">
+              <a:lnSpc>
+                <a:spcPct val="150000"/>
+              </a:lnSpc>
               <a:buNone/>
             </a:pPr>
             <a:r>
-              <a:rPr lang="zh-TW" altLang="en-US" dirty="0">
+              <a:rPr lang="zh-TW" altLang="en-US" sz="2800" dirty="0">
                 <a:solidFill>
-                  <a:schemeClr val="accent1"/>
+                  <a:srgbClr val="FF0000"/>
                 </a:solidFill>
               </a:rPr>
-              <a:t>問題</a:t>
-            </a:r>
-            <a:endParaRPr lang="en-US" altLang="zh-TW" dirty="0">
-              <a:solidFill>
-                <a:schemeClr val="accent1"/>
-              </a:solidFill>
-            </a:endParaRPr>
-          </a:p>
-          <a:p>
-            <a:pPr marL="514350" indent="-514350">
-              <a:buAutoNum type="arabicPeriod"/>
+              <a:t>目的</a:t>
+            </a:r>
+            <a:r>
+              <a:rPr lang="zh-TW" altLang="en-US" dirty="0"/>
+              <a:t> </a:t>
+            </a:r>
+            <a:r>
+              <a:rPr lang="en-US" altLang="zh-TW" dirty="0"/>
+              <a:t>:</a:t>
+            </a:r>
+            <a:r>
+              <a:rPr lang="zh-TW" altLang="en-US" dirty="0"/>
+              <a:t>  按壓</a:t>
+            </a:r>
+            <a:r>
+              <a:rPr lang="en-US" altLang="zh-TW" dirty="0"/>
+              <a:t>Color Sensor</a:t>
+            </a:r>
+            <a:r>
+              <a:rPr lang="zh-TW" altLang="en-US" dirty="0"/>
+              <a:t>選擇顏色、並透過筆在</a:t>
+            </a:r>
+            <a:r>
+              <a:rPr lang="en-US" altLang="zh-TW" dirty="0"/>
+              <a:t>Host</a:t>
+            </a:r>
+            <a:r>
+              <a:rPr lang="zh-TW" altLang="en-US" dirty="0"/>
+              <a:t>上畫出對應的顏色</a:t>
+            </a:r>
+            <a:endParaRPr lang="en-US" altLang="zh-TW" dirty="0"/>
+          </a:p>
+          <a:p>
+            <a:pPr marL="457200" lvl="1" indent="0">
+              <a:lnSpc>
+                <a:spcPct val="150000"/>
+              </a:lnSpc>
+              <a:buNone/>
             </a:pPr>
             <a:endParaRPr lang="en-US" altLang="zh-TW" dirty="0"/>
           </a:p>
           <a:p>
-            <a:pPr marL="514350" indent="-514350">
-              <a:buAutoNum type="arabicPeriod"/>
-            </a:pPr>
-            <a:r>
-              <a:rPr lang="zh-TW" altLang="en-US" sz="2400" dirty="0">
-                <a:hlinkClick r:id="rId3" action="ppaction://hlinksldjump"/>
-              </a:rPr>
-              <a:t>傳輸問題 </a:t>
-            </a:r>
-            <a:r>
-              <a:rPr lang="en-US" altLang="zh-TW" sz="2400" dirty="0"/>
-              <a:t>:</a:t>
-            </a:r>
-            <a:r>
-              <a:rPr lang="zh-TW" altLang="en-US" sz="2400" dirty="0"/>
-              <a:t> </a:t>
-            </a:r>
-            <a:endParaRPr lang="en-US" altLang="zh-TW" sz="2400" dirty="0"/>
-          </a:p>
-          <a:p>
             <a:pPr marL="457200" lvl="1" indent="0">
+              <a:lnSpc>
+                <a:spcPct val="150000"/>
+              </a:lnSpc>
               <a:buNone/>
             </a:pPr>
-            <a:r>
-              <a:rPr lang="en-US" altLang="zh-TW" sz="2000" dirty="0"/>
-              <a:t>1.  Set UART</a:t>
-            </a:r>
-            <a:r>
-              <a:rPr lang="zh-TW" altLang="en-US" sz="2000" dirty="0"/>
-              <a:t> </a:t>
-            </a:r>
-            <a:r>
-              <a:rPr lang="en-US" altLang="zh-TW" sz="2000" dirty="0"/>
-              <a:t>RX</a:t>
-            </a:r>
-            <a:r>
-              <a:rPr lang="zh-TW" altLang="en-US" sz="2000" dirty="0"/>
-              <a:t> </a:t>
-            </a:r>
-            <a:r>
-              <a:rPr lang="en-US" altLang="zh-TW" sz="2000" dirty="0"/>
-              <a:t>Setting </a:t>
-            </a:r>
-            <a:r>
-              <a:rPr lang="zh-TW" altLang="en-US" sz="2000" dirty="0"/>
-              <a:t>以及 </a:t>
-            </a:r>
-            <a:r>
-              <a:rPr lang="en-US" altLang="zh-TW" sz="2000" dirty="0"/>
-              <a:t>Flow </a:t>
-            </a:r>
-            <a:r>
-              <a:rPr lang="zh-TW" altLang="en-US" sz="2000" dirty="0"/>
-              <a:t>規劃</a:t>
-            </a:r>
-            <a:endParaRPr lang="en-US" altLang="zh-TW" sz="2000" dirty="0"/>
-          </a:p>
-          <a:p>
-            <a:pPr marL="0" indent="0">
-              <a:buNone/>
-            </a:pPr>
-            <a:endParaRPr lang="en-US" altLang="zh-TW" sz="2400" dirty="0"/>
-          </a:p>
-          <a:p>
-            <a:pPr marL="457200" indent="-457200">
-              <a:buAutoNum type="arabicPeriod" startAt="2"/>
-            </a:pPr>
-            <a:r>
-              <a:rPr lang="zh-TW" altLang="en-US" sz="2400" dirty="0">
-                <a:hlinkClick r:id="rId4" action="ppaction://hlinksldjump"/>
-              </a:rPr>
-              <a:t>最接近顏色</a:t>
-            </a:r>
-            <a:r>
-              <a:rPr lang="en-US" altLang="zh-TW" sz="2400" dirty="0"/>
-              <a:t>:</a:t>
-            </a:r>
-          </a:p>
-          <a:p>
-            <a:pPr marL="914400" lvl="1" indent="-457200">
-              <a:buAutoNum type="arabicPeriod" startAt="2"/>
-            </a:pPr>
-            <a:r>
-              <a:rPr lang="zh-TW" altLang="en-US" sz="2000" dirty="0"/>
-              <a:t>筆的</a:t>
-            </a:r>
-            <a:r>
-              <a:rPr lang="en-US" altLang="zh-TW" sz="2000" dirty="0" err="1"/>
-              <a:t>Protocal</a:t>
-            </a:r>
-            <a:r>
-              <a:rPr lang="en-US" altLang="zh-TW" sz="2000" dirty="0"/>
-              <a:t> </a:t>
-            </a:r>
-            <a:r>
-              <a:rPr lang="zh-TW" altLang="en-US" sz="2000" dirty="0"/>
-              <a:t>定義的顏色只佔</a:t>
-            </a:r>
-            <a:r>
-              <a:rPr lang="en-US" altLang="zh-TW" sz="2000" dirty="0"/>
-              <a:t>RGB</a:t>
-            </a:r>
-            <a:r>
-              <a:rPr lang="zh-TW" altLang="en-US" sz="2000" dirty="0"/>
-              <a:t>裡面</a:t>
-            </a:r>
-            <a:r>
-              <a:rPr lang="en-US" altLang="zh-TW" sz="2000" dirty="0"/>
-              <a:t>200</a:t>
-            </a:r>
-            <a:r>
-              <a:rPr lang="zh-TW" altLang="en-US" sz="2000" dirty="0"/>
-              <a:t>多個</a:t>
-            </a:r>
             <a:endParaRPr lang="en-US" altLang="zh-TW" dirty="0"/>
           </a:p>
         </p:txBody>
@@ -18488,7 +19372,7 @@
     </p:spTree>
     <p:extLst>
       <p:ext uri="{BB962C8B-B14F-4D97-AF65-F5344CB8AC3E}">
-        <p14:creationId xmlns:p14="http://schemas.microsoft.com/office/powerpoint/2010/main" val="2576856385"/>
+        <p14:creationId xmlns:p14="http://schemas.microsoft.com/office/powerpoint/2010/main" val="263751651"/>
       </p:ext>
     </p:extLst>
   </p:cSld>
@@ -18684,7 +19568,7 @@
           <p:cNvPr id="2" name="標題 1">
             <a:extLst>
               <a:ext uri="{FF2B5EF4-FFF2-40B4-BE49-F238E27FC236}">
-                <a16:creationId xmlns:a16="http://schemas.microsoft.com/office/drawing/2014/main" id="{FEDEBC06-C75E-5899-979E-C29912B4A68E}"/>
+                <a16:creationId xmlns:a16="http://schemas.microsoft.com/office/drawing/2014/main" id="{36663CA0-2783-4A34-8C5A-24686BD0A02B}"/>
               </a:ext>
             </a:extLst>
           </p:cNvPr>
@@ -18702,10 +19586,9 @@
           <a:p>
             <a:pPr algn="ctr"/>
             <a:r>
-              <a:rPr lang="en-US" altLang="zh-TW" dirty="0"/>
-              <a:t>UART RX Setting</a:t>
-            </a:r>
-            <a:endParaRPr lang="zh-TW" altLang="en-US" dirty="0"/>
+              <a:rPr lang="zh-TW" altLang="en-US" dirty="0"/>
+              <a:t>主要遇到的問題</a:t>
+            </a:r>
           </a:p>
         </p:txBody>
       </p:sp>
@@ -18714,7 +19597,7 @@
           <p:cNvPr id="3" name="內容版面配置區 2">
             <a:extLst>
               <a:ext uri="{FF2B5EF4-FFF2-40B4-BE49-F238E27FC236}">
-                <a16:creationId xmlns:a16="http://schemas.microsoft.com/office/drawing/2014/main" id="{D33F5725-65BC-FF79-0EEB-A34DF7904932}"/>
+                <a16:creationId xmlns:a16="http://schemas.microsoft.com/office/drawing/2014/main" id="{4EB3A3B7-3819-4E07-A5DF-C15C993A0B95}"/>
               </a:ext>
             </a:extLst>
           </p:cNvPr>
@@ -18727,79 +19610,155 @@
         </p:nvSpPr>
         <p:spPr/>
         <p:txBody>
-          <a:bodyPr>
-            <a:normAutofit/>
-          </a:bodyPr>
-          <a:lstStyle/>
+          <a:bodyPr/>
+          <a:lstStyle/>
+          <a:p>
+            <a:pPr marL="0" indent="0">
+              <a:buNone/>
+            </a:pPr>
+            <a:r>
+              <a:rPr lang="zh-TW" altLang="en-US" dirty="0">
+                <a:solidFill>
+                  <a:schemeClr val="accent1"/>
+                </a:solidFill>
+              </a:rPr>
+              <a:t>問題</a:t>
+            </a:r>
+            <a:endParaRPr lang="en-US" altLang="zh-TW" dirty="0">
+              <a:solidFill>
+                <a:schemeClr val="accent1"/>
+              </a:solidFill>
+            </a:endParaRPr>
+          </a:p>
           <a:p>
             <a:pPr marL="514350" indent="-514350">
               <a:buAutoNum type="arabicPeriod"/>
             </a:pPr>
-            <a:r>
-              <a:rPr lang="en-US" altLang="zh-TW" sz="2000" dirty="0"/>
-              <a:t>UART</a:t>
-            </a:r>
-            <a:r>
-              <a:rPr lang="zh-TW" altLang="en-US" sz="2000" dirty="0"/>
-              <a:t> </a:t>
-            </a:r>
-            <a:r>
-              <a:rPr lang="en-US" altLang="zh-TW" sz="2000" dirty="0"/>
-              <a:t>RX</a:t>
-            </a:r>
-            <a:r>
-              <a:rPr lang="zh-TW" altLang="en-US" sz="2000" dirty="0"/>
-              <a:t> 使用</a:t>
-            </a:r>
-            <a:r>
-              <a:rPr lang="en-US" altLang="zh-TW" sz="2000" dirty="0"/>
-              <a:t>FIFO</a:t>
-            </a:r>
-            <a:r>
-              <a:rPr lang="zh-TW" altLang="en-US" sz="2000" dirty="0"/>
-              <a:t> 架構、這個</a:t>
-            </a:r>
-            <a:r>
-              <a:rPr lang="en-US" altLang="zh-TW" sz="2000" dirty="0"/>
-              <a:t>FIFO</a:t>
-            </a:r>
-            <a:r>
-              <a:rPr lang="zh-TW" altLang="en-US" sz="2000" dirty="0"/>
-              <a:t>架構是被封裝過。</a:t>
-            </a:r>
-            <a:endParaRPr lang="en-US" altLang="zh-TW" sz="2000" dirty="0"/>
+            <a:endParaRPr lang="en-US" altLang="zh-TW" dirty="0"/>
           </a:p>
           <a:p>
             <a:pPr marL="514350" indent="-514350">
               <a:buAutoNum type="arabicPeriod"/>
             </a:pPr>
+            <a:r>
+              <a:rPr lang="zh-TW" altLang="en-US" sz="2400" dirty="0">
+                <a:hlinkClick r:id="rId3" action="ppaction://hlinksldjump"/>
+              </a:rPr>
+              <a:t>傳輸問題 </a:t>
+            </a:r>
+            <a:r>
+              <a:rPr lang="en-US" altLang="zh-TW" sz="2400" dirty="0"/>
+              <a:t>:</a:t>
+            </a:r>
+            <a:r>
+              <a:rPr lang="zh-TW" altLang="en-US" sz="2400" dirty="0"/>
+              <a:t> </a:t>
+            </a:r>
+            <a:endParaRPr lang="en-US" altLang="zh-TW" sz="2400" dirty="0"/>
+          </a:p>
+          <a:p>
+            <a:pPr marL="457200" lvl="1" indent="0">
+              <a:buNone/>
+            </a:pPr>
+            <a:r>
+              <a:rPr lang="en-US" altLang="zh-TW" sz="2000" dirty="0"/>
+              <a:t>1.  Set UART</a:t>
+            </a:r>
+            <a:r>
+              <a:rPr lang="zh-TW" altLang="en-US" sz="2000" dirty="0"/>
+              <a:t> </a:t>
+            </a:r>
+            <a:r>
+              <a:rPr lang="en-US" altLang="zh-TW" sz="2000" dirty="0"/>
+              <a:t>RX</a:t>
+            </a:r>
+            <a:r>
+              <a:rPr lang="zh-TW" altLang="en-US" sz="2000" dirty="0"/>
+              <a:t> </a:t>
+            </a:r>
+            <a:r>
+              <a:rPr lang="en-US" altLang="zh-TW" sz="2000" dirty="0"/>
+              <a:t>Setting </a:t>
+            </a:r>
+            <a:r>
+              <a:rPr lang="zh-TW" altLang="en-US" sz="2000" dirty="0"/>
+              <a:t>以及 </a:t>
+            </a:r>
+            <a:r>
+              <a:rPr lang="en-US" altLang="zh-TW" sz="2000" dirty="0"/>
+              <a:t>Flow </a:t>
+            </a:r>
+            <a:r>
+              <a:rPr lang="zh-TW" altLang="en-US" sz="2000" dirty="0"/>
+              <a:t>規劃</a:t>
+            </a:r>
             <a:endParaRPr lang="en-US" altLang="zh-TW" sz="2000" dirty="0"/>
           </a:p>
           <a:p>
-            <a:pPr marL="514350" indent="-514350">
-              <a:buAutoNum type="arabicPeriod"/>
+            <a:pPr marL="0" indent="0">
+              <a:buNone/>
             </a:pPr>
-            <a:endParaRPr lang="en-US" altLang="zh-TW" sz="2000" dirty="0"/>
-          </a:p>
-          <a:p>
-            <a:pPr marL="514350" indent="-514350">
-              <a:buAutoNum type="arabicPeriod"/>
+            <a:endParaRPr lang="en-US" altLang="zh-TW" sz="2400" dirty="0"/>
+          </a:p>
+          <a:p>
+            <a:pPr marL="457200" indent="-457200">
+              <a:buAutoNum type="arabicPeriod" startAt="2"/>
             </a:pPr>
             <a:r>
+              <a:rPr lang="zh-TW" altLang="en-US" sz="2400" dirty="0">
+                <a:hlinkClick r:id="rId4" action="ppaction://hlinksldjump"/>
+              </a:rPr>
+              <a:t>最接近顏色</a:t>
+            </a:r>
+            <a:r>
+              <a:rPr lang="en-US" altLang="zh-TW" sz="2400" dirty="0"/>
+              <a:t>:</a:t>
+            </a:r>
+          </a:p>
+          <a:p>
+            <a:pPr marL="914400" lvl="1" indent="-457200">
+              <a:buAutoNum type="arabicPeriod" startAt="2"/>
+            </a:pPr>
+            <a:r>
+              <a:rPr lang="zh-TW" altLang="en-US" sz="2000" dirty="0"/>
+              <a:t>筆的</a:t>
+            </a:r>
+            <a:r>
+              <a:rPr lang="en-US" altLang="zh-TW" sz="2000" dirty="0" err="1"/>
+              <a:t>Protocal</a:t>
+            </a:r>
+            <a:r>
               <a:rPr lang="en-US" altLang="zh-TW" sz="2000" dirty="0"/>
-              <a:t>UART RX</a:t>
+              <a:t> </a:t>
             </a:r>
             <a:r>
               <a:rPr lang="zh-TW" altLang="en-US" sz="2000" dirty="0"/>
-              <a:t> 中斷硬體設計</a:t>
-            </a:r>
+              <a:t>定義的顏色只佔</a:t>
+            </a:r>
+            <a:r>
+              <a:rPr lang="en-US" altLang="zh-TW" sz="2000" dirty="0"/>
+              <a:t>RGB</a:t>
+            </a:r>
+            <a:r>
+              <a:rPr lang="zh-TW" altLang="en-US" sz="2000" dirty="0"/>
+              <a:t>裡面</a:t>
+            </a:r>
+            <a:r>
+              <a:rPr lang="en-US" altLang="zh-TW" sz="2000" dirty="0"/>
+              <a:t>200</a:t>
+            </a:r>
+            <a:r>
+              <a:rPr lang="zh-TW" altLang="en-US" sz="2000" dirty="0"/>
+              <a:t>多個</a:t>
+            </a:r>
+            <a:endParaRPr lang="en-US" altLang="zh-TW" dirty="0"/>
           </a:p>
         </p:txBody>
       </p:sp>
     </p:spTree>
     <p:extLst>
       <p:ext uri="{BB962C8B-B14F-4D97-AF65-F5344CB8AC3E}">
-        <p14:creationId xmlns:p14="http://schemas.microsoft.com/office/powerpoint/2010/main" val="3743749783"/>
+        <p14:creationId xmlns:p14="http://schemas.microsoft.com/office/powerpoint/2010/main" val="2576856385"/>
       </p:ext>
     </p:extLst>
   </p:cSld>
@@ -18879,16 +19838,12 @@
           </a:bodyPr>
           <a:lstStyle/>
           <a:p>
-            <a:pPr marL="0" indent="0">
-              <a:buNone/>
+            <a:pPr marL="514350" indent="-514350">
+              <a:buAutoNum type="arabicPeriod"/>
             </a:pPr>
             <a:r>
-              <a:rPr lang="zh-TW" altLang="en-US" sz="2000" dirty="0"/>
-              <a:t>總結 </a:t>
-            </a:r>
-            <a:r>
               <a:rPr lang="en-US" altLang="zh-TW" sz="2000" dirty="0"/>
-              <a:t>:</a:t>
+              <a:t>UART</a:t>
             </a:r>
             <a:r>
               <a:rPr lang="zh-TW" altLang="en-US" sz="2000" dirty="0"/>
@@ -18896,44 +19851,61 @@
             </a:r>
             <a:r>
               <a:rPr lang="en-US" altLang="zh-TW" sz="2000" dirty="0"/>
-              <a:t> </a:t>
+              <a:t>RX</a:t>
             </a:r>
             <a:r>
               <a:rPr lang="zh-TW" altLang="en-US" sz="2000" dirty="0"/>
-              <a:t>由於使用情況是使用者隨時可能會去觸動後發</a:t>
+              <a:t> 使用</a:t>
             </a:r>
             <a:r>
               <a:rPr lang="en-US" altLang="zh-TW" sz="2000" dirty="0"/>
-              <a:t>Sensor</a:t>
+              <a:t>FIFO</a:t>
             </a:r>
             <a:r>
               <a:rPr lang="zh-TW" altLang="en-US" sz="2000" dirty="0"/>
-              <a:t>、筆本身還要</a:t>
+              <a:t> 架構、這個</a:t>
             </a:r>
             <a:r>
               <a:rPr lang="en-US" altLang="zh-TW" sz="2000" dirty="0"/>
-              <a:t>Decode </a:t>
+              <a:t>FIFO</a:t>
             </a:r>
             <a:r>
               <a:rPr lang="zh-TW" altLang="en-US" sz="2000" dirty="0"/>
-              <a:t>訊號，因此中斷是最佳方法，</a:t>
-            </a:r>
+              <a:t>架構是被封裝過。</a:t>
+            </a:r>
+            <a:endParaRPr lang="en-US" altLang="zh-TW" sz="2000" dirty="0"/>
+          </a:p>
+          <a:p>
+            <a:pPr marL="514350" indent="-514350">
+              <a:buAutoNum type="arabicPeriod"/>
+            </a:pPr>
+            <a:endParaRPr lang="en-US" altLang="zh-TW" sz="2000" dirty="0"/>
+          </a:p>
+          <a:p>
+            <a:pPr marL="514350" indent="-514350">
+              <a:buAutoNum type="arabicPeriod"/>
+            </a:pPr>
+            <a:endParaRPr lang="en-US" altLang="zh-TW" sz="2000" dirty="0"/>
+          </a:p>
+          <a:p>
+            <a:pPr marL="514350" indent="-514350">
+              <a:buAutoNum type="arabicPeriod"/>
+            </a:pPr>
             <a:r>
               <a:rPr lang="en-US" altLang="zh-TW" sz="2000" dirty="0"/>
-              <a:t>Polling </a:t>
+              <a:t>UART RX</a:t>
             </a:r>
             <a:r>
               <a:rPr lang="zh-TW" altLang="en-US" sz="2000" dirty="0"/>
-              <a:t>去偵測就不是好方法並且耗電</a:t>
-            </a:r>
-            <a:endParaRPr lang="en-US" altLang="zh-TW" sz="2000" dirty="0"/>
+              <a:t> 中斷硬體設計</a:t>
+            </a:r>
           </a:p>
         </p:txBody>
       </p:sp>
     </p:spTree>
     <p:extLst>
       <p:ext uri="{BB962C8B-B14F-4D97-AF65-F5344CB8AC3E}">
-        <p14:creationId xmlns:p14="http://schemas.microsoft.com/office/powerpoint/2010/main" val="1764172780"/>
+        <p14:creationId xmlns:p14="http://schemas.microsoft.com/office/powerpoint/2010/main" val="3743749783"/>
       </p:ext>
     </p:extLst>
   </p:cSld>
@@ -18965,7 +19937,7 @@
           <p:cNvPr id="2" name="標題 1">
             <a:extLst>
               <a:ext uri="{FF2B5EF4-FFF2-40B4-BE49-F238E27FC236}">
-                <a16:creationId xmlns:a16="http://schemas.microsoft.com/office/drawing/2014/main" id="{DCAF803D-3CAB-3E11-8A90-4D5310A3A5EA}"/>
+                <a16:creationId xmlns:a16="http://schemas.microsoft.com/office/drawing/2014/main" id="{FEDEBC06-C75E-5899-979E-C29912B4A68E}"/>
               </a:ext>
             </a:extLst>
           </p:cNvPr>
@@ -18995,7 +19967,7 @@
           <p:cNvPr id="3" name="內容版面配置區 2">
             <a:extLst>
               <a:ext uri="{FF2B5EF4-FFF2-40B4-BE49-F238E27FC236}">
-                <a16:creationId xmlns:a16="http://schemas.microsoft.com/office/drawing/2014/main" id="{3B1B8A68-518A-9A03-2325-0016A63D6547}"/>
+                <a16:creationId xmlns:a16="http://schemas.microsoft.com/office/drawing/2014/main" id="{D33F5725-65BC-FF79-0EEB-A34DF7904932}"/>
               </a:ext>
             </a:extLst>
           </p:cNvPr>
@@ -19008,151 +19980,66 @@
         </p:nvSpPr>
         <p:spPr/>
         <p:txBody>
-          <a:bodyPr/>
+          <a:bodyPr>
+            <a:normAutofit/>
+          </a:bodyPr>
           <a:lstStyle/>
           <a:p>
             <a:pPr marL="0" indent="0">
               <a:buNone/>
             </a:pPr>
             <a:r>
-              <a:rPr lang="zh-TW" altLang="en-US" dirty="0">
-                <a:solidFill>
-                  <a:schemeClr val="accent1"/>
-                </a:solidFill>
-              </a:rPr>
-              <a:t>過程中遇到最大問題 </a:t>
-            </a:r>
-            <a:r>
-              <a:rPr lang="en-US" altLang="zh-TW" dirty="0">
-                <a:solidFill>
-                  <a:schemeClr val="accent1"/>
-                </a:solidFill>
-              </a:rPr>
-              <a:t>: </a:t>
-            </a:r>
-          </a:p>
-          <a:p>
-            <a:pPr marL="0" indent="0">
-              <a:buNone/>
-            </a:pPr>
-            <a:r>
-              <a:rPr lang="zh-TW" altLang="en-US" sz="2400" dirty="0"/>
-              <a:t>收完</a:t>
-            </a:r>
-            <a:r>
-              <a:rPr lang="en-US" altLang="zh-TW" sz="2400" dirty="0"/>
-              <a:t>Sensor Data</a:t>
-            </a:r>
-            <a:r>
-              <a:rPr lang="zh-TW" altLang="en-US" sz="2400" dirty="0"/>
-              <a:t>後，顯示資料卻有漏東漏西</a:t>
-            </a:r>
-            <a:endParaRPr lang="en-US" altLang="zh-TW" sz="2400" dirty="0"/>
-          </a:p>
-          <a:p>
-            <a:pPr marL="0" indent="0">
-              <a:buNone/>
-            </a:pPr>
-            <a:r>
-              <a:rPr lang="en-US" altLang="zh-TW" sz="2400" dirty="0"/>
-              <a:t>Source</a:t>
-            </a:r>
-          </a:p>
-          <a:p>
-            <a:pPr marL="0" indent="0">
-              <a:buNone/>
-            </a:pPr>
-            <a:r>
-              <a:rPr lang="en-US" altLang="zh-TW" sz="2400" dirty="0"/>
-              <a:t>1 . </a:t>
-            </a:r>
-            <a:r>
-              <a:rPr lang="zh-TW" altLang="en-US" sz="2400" dirty="0"/>
-              <a:t> 硬體觸發設定 </a:t>
-            </a:r>
-            <a:r>
-              <a:rPr lang="en-US" altLang="zh-TW" sz="2400" dirty="0"/>
-              <a:t>: 4Bytes -&gt; 1Bytes</a:t>
-            </a:r>
-          </a:p>
-          <a:p>
-            <a:pPr marL="0" indent="0">
-              <a:buNone/>
-            </a:pPr>
-            <a:r>
-              <a:rPr lang="en-US" altLang="zh-TW" sz="2400" dirty="0"/>
-              <a:t>2. </a:t>
-            </a:r>
-            <a:r>
-              <a:rPr lang="zh-TW" altLang="en-US" sz="2400" dirty="0"/>
+              <a:rPr lang="zh-TW" altLang="en-US" sz="2000" dirty="0"/>
+              <a:t>總結 </a:t>
+            </a:r>
+            <a:r>
+              <a:rPr lang="en-US" altLang="zh-TW" sz="2000" dirty="0"/>
+              <a:t>:</a:t>
+            </a:r>
+            <a:r>
+              <a:rPr lang="zh-TW" altLang="en-US" sz="2000" dirty="0"/>
               <a:t> </a:t>
             </a:r>
             <a:r>
-              <a:rPr lang="zh-TW" altLang="en-US" sz="2400" dirty="0">
-                <a:solidFill>
-                  <a:srgbClr val="FF0000"/>
-                </a:solidFill>
-              </a:rPr>
-              <a:t>解除中斷</a:t>
-            </a:r>
-            <a:r>
-              <a:rPr lang="en-US" altLang="zh-TW" sz="2400" dirty="0">
-                <a:solidFill>
-                  <a:srgbClr val="FF0000"/>
-                </a:solidFill>
-              </a:rPr>
-              <a:t>Event </a:t>
-            </a:r>
-            <a:r>
-              <a:rPr lang="en-US" altLang="zh-TW" sz="2400" dirty="0" err="1">
-                <a:solidFill>
-                  <a:srgbClr val="FF0000"/>
-                </a:solidFill>
-              </a:rPr>
-              <a:t>regestier</a:t>
-            </a:r>
-            <a:r>
-              <a:rPr lang="zh-TW" altLang="en-US" sz="2400" dirty="0">
-                <a:solidFill>
-                  <a:srgbClr val="FF0000"/>
-                </a:solidFill>
-              </a:rPr>
-              <a:t>在</a:t>
-            </a:r>
-            <a:r>
-              <a:rPr lang="en-US" altLang="zh-TW" sz="2400" dirty="0">
-                <a:solidFill>
-                  <a:srgbClr val="FF0000"/>
-                </a:solidFill>
-              </a:rPr>
-              <a:t>Code</a:t>
-            </a:r>
-            <a:r>
-              <a:rPr lang="zh-TW" altLang="en-US" sz="2400" dirty="0">
-                <a:solidFill>
-                  <a:srgbClr val="FF0000"/>
-                </a:solidFill>
-              </a:rPr>
-              <a:t>中的位置</a:t>
-            </a:r>
-            <a:endParaRPr lang="en-US" altLang="zh-TW" sz="2400" dirty="0">
-              <a:solidFill>
-                <a:srgbClr val="FF0000"/>
-              </a:solidFill>
-            </a:endParaRPr>
-          </a:p>
-          <a:p>
-            <a:pPr marL="0" indent="0">
-              <a:buNone/>
-            </a:pPr>
-            <a:endParaRPr lang="zh-TW" altLang="en-US" dirty="0"/>
+              <a:rPr lang="en-US" altLang="zh-TW" sz="2000" dirty="0"/>
+              <a:t> </a:t>
+            </a:r>
+            <a:r>
+              <a:rPr lang="zh-TW" altLang="en-US" sz="2000" dirty="0"/>
+              <a:t>由於使用情況是使用者隨時可能會去觸動後發</a:t>
+            </a:r>
+            <a:r>
+              <a:rPr lang="en-US" altLang="zh-TW" sz="2000" dirty="0"/>
+              <a:t>Sensor</a:t>
+            </a:r>
+            <a:r>
+              <a:rPr lang="zh-TW" altLang="en-US" sz="2000" dirty="0"/>
+              <a:t>、筆本身還要</a:t>
+            </a:r>
+            <a:r>
+              <a:rPr lang="en-US" altLang="zh-TW" sz="2000" dirty="0"/>
+              <a:t>Decode </a:t>
+            </a:r>
+            <a:r>
+              <a:rPr lang="zh-TW" altLang="en-US" sz="2000" dirty="0"/>
+              <a:t>訊號，因此中斷是最佳方法，</a:t>
+            </a:r>
+            <a:r>
+              <a:rPr lang="en-US" altLang="zh-TW" sz="2000" dirty="0"/>
+              <a:t>Polling </a:t>
+            </a:r>
+            <a:r>
+              <a:rPr lang="zh-TW" altLang="en-US" sz="2000" dirty="0"/>
+              <a:t>去偵測就不是好方法並且耗電</a:t>
+            </a:r>
+            <a:endParaRPr lang="en-US" altLang="zh-TW" sz="2000" dirty="0"/>
           </a:p>
         </p:txBody>
       </p:sp>
     </p:spTree>
     <p:extLst>
       <p:ext uri="{BB962C8B-B14F-4D97-AF65-F5344CB8AC3E}">
-        <p14:creationId xmlns:p14="http://schemas.microsoft.com/office/powerpoint/2010/main" val="719165155"/>
+        <p14:creationId xmlns:p14="http://schemas.microsoft.com/office/powerpoint/2010/main" val="1764172780"/>
       </p:ext>
     </p:extLst>
   </p:cSld>
@@ -19184,7 +20071,7 @@
           <p:cNvPr id="2" name="標題 1">
             <a:extLst>
               <a:ext uri="{FF2B5EF4-FFF2-40B4-BE49-F238E27FC236}">
-                <a16:creationId xmlns:a16="http://schemas.microsoft.com/office/drawing/2014/main" id="{A90C3E7E-AE4E-452E-A66F-A6DA326A606E}"/>
+                <a16:creationId xmlns:a16="http://schemas.microsoft.com/office/drawing/2014/main" id="{DCAF803D-3CAB-3E11-8A90-4D5310A3A5EA}"/>
               </a:ext>
             </a:extLst>
           </p:cNvPr>
@@ -19202,8 +20089,8 @@
           <a:p>
             <a:pPr algn="ctr"/>
             <a:r>
-              <a:rPr lang="zh-TW" altLang="en-US" sz="4400" dirty="0"/>
-              <a:t>最接近顏色</a:t>
+              <a:rPr lang="en-US" altLang="zh-TW" dirty="0"/>
+              <a:t>UART RX Setting</a:t>
             </a:r>
             <a:endParaRPr lang="zh-TW" altLang="en-US" dirty="0"/>
           </a:p>
@@ -19214,7 +20101,7 @@
           <p:cNvPr id="3" name="內容版面配置區 2">
             <a:extLst>
               <a:ext uri="{FF2B5EF4-FFF2-40B4-BE49-F238E27FC236}">
-                <a16:creationId xmlns:a16="http://schemas.microsoft.com/office/drawing/2014/main" id="{2270879B-7395-4917-86B4-47F549C5A985}"/>
+                <a16:creationId xmlns:a16="http://schemas.microsoft.com/office/drawing/2014/main" id="{3B1B8A68-518A-9A03-2325-0016A63D6547}"/>
               </a:ext>
             </a:extLst>
           </p:cNvPr>
@@ -19234,89 +20121,144 @@
               <a:buNone/>
             </a:pPr>
             <a:r>
-              <a:rPr lang="en-US" altLang="zh-TW" dirty="0"/>
-              <a:t>Root Cause :</a:t>
-            </a:r>
-          </a:p>
-          <a:p>
-            <a:pPr marL="514350" indent="-514350">
-              <a:buAutoNum type="arabicPeriod"/>
-            </a:pPr>
-            <a:r>
-              <a:rPr lang="en-US" altLang="zh-TW" dirty="0"/>
-              <a:t>Sensor </a:t>
-            </a:r>
-            <a:r>
-              <a:rPr lang="zh-TW" altLang="en-US" dirty="0"/>
-              <a:t>傳輸的顏色，並不一定落在</a:t>
-            </a:r>
-            <a:r>
-              <a:rPr lang="en-US" altLang="zh-TW" dirty="0"/>
-              <a:t>USI</a:t>
-            </a:r>
-            <a:r>
-              <a:rPr lang="zh-TW" altLang="en-US" dirty="0"/>
-              <a:t>所定義的顏色，因此需要找到最接近的顏色。</a:t>
-            </a:r>
-            <a:endParaRPr lang="en-US" altLang="zh-TW" dirty="0"/>
-          </a:p>
-          <a:p>
-            <a:pPr marL="514350" indent="-514350">
-              <a:buAutoNum type="arabicPeriod"/>
-            </a:pPr>
-            <a:endParaRPr lang="en-US" altLang="zh-TW" dirty="0"/>
+              <a:rPr lang="zh-TW" altLang="en-US" dirty="0">
+                <a:solidFill>
+                  <a:schemeClr val="accent1"/>
+                </a:solidFill>
+              </a:rPr>
+              <a:t>過程中遇到最大問題 </a:t>
+            </a:r>
+            <a:r>
+              <a:rPr lang="en-US" altLang="zh-TW" dirty="0">
+                <a:solidFill>
+                  <a:schemeClr val="accent1"/>
+                </a:solidFill>
+              </a:rPr>
+              <a:t>: </a:t>
+            </a:r>
           </a:p>
           <a:p>
             <a:pPr marL="0" indent="0">
               <a:buNone/>
             </a:pPr>
             <a:r>
-              <a:rPr lang="en-US" altLang="zh-TW" dirty="0"/>
-              <a:t>Solve :</a:t>
-            </a:r>
+              <a:rPr lang="zh-TW" altLang="en-US" sz="2400" dirty="0"/>
+              <a:t>收完</a:t>
+            </a:r>
+            <a:r>
+              <a:rPr lang="en-US" altLang="zh-TW" sz="2400" dirty="0"/>
+              <a:t>Sensor Data</a:t>
+            </a:r>
+            <a:r>
+              <a:rPr lang="zh-TW" altLang="en-US" sz="2400" dirty="0"/>
+              <a:t>後，顯示資料卻有漏東漏西</a:t>
+            </a:r>
+            <a:endParaRPr lang="en-US" altLang="zh-TW" sz="2400" dirty="0"/>
           </a:p>
           <a:p>
             <a:pPr marL="0" indent="0">
               <a:buNone/>
             </a:pPr>
             <a:r>
-              <a:rPr lang="en-US" altLang="zh-TW" dirty="0"/>
-              <a:t>	1. </a:t>
-            </a:r>
-            <a:r>
-              <a:rPr lang="zh-TW" altLang="en-US" dirty="0"/>
-              <a:t>顏色距離定義</a:t>
-            </a:r>
-            <a:endParaRPr lang="en-US" altLang="zh-TW" dirty="0"/>
+              <a:rPr lang="en-US" altLang="zh-TW" sz="2400" dirty="0"/>
+              <a:t>Source</a:t>
+            </a:r>
           </a:p>
           <a:p>
             <a:pPr marL="0" indent="0">
               <a:buNone/>
             </a:pPr>
             <a:r>
-              <a:rPr lang="en-US" altLang="zh-TW" dirty="0"/>
-              <a:t>	2.  </a:t>
-            </a:r>
-            <a:r>
-              <a:rPr lang="zh-TW" altLang="en-US" dirty="0"/>
-              <a:t>使用</a:t>
-            </a:r>
-            <a:r>
-              <a:rPr lang="en-US" altLang="zh-TW" dirty="0" err="1"/>
-              <a:t>matlab</a:t>
-            </a:r>
-            <a:r>
-              <a:rPr lang="zh-TW" altLang="en-US" dirty="0"/>
-              <a:t>來加速驗證速度</a:t>
-            </a:r>
-            <a:endParaRPr lang="en-US" altLang="zh-TW" dirty="0"/>
+              <a:rPr lang="en-US" altLang="zh-TW" sz="2400" dirty="0"/>
+              <a:t>1 . </a:t>
+            </a:r>
+            <a:r>
+              <a:rPr lang="zh-TW" altLang="en-US" sz="2400" dirty="0"/>
+              <a:t> 硬體觸發設定 </a:t>
+            </a:r>
+            <a:r>
+              <a:rPr lang="en-US" altLang="zh-TW" sz="2400" dirty="0"/>
+              <a:t>: 4Bytes -&gt; 1Bytes</a:t>
+            </a:r>
+          </a:p>
+          <a:p>
+            <a:pPr marL="0" indent="0">
+              <a:buNone/>
+            </a:pPr>
+            <a:r>
+              <a:rPr lang="en-US" altLang="zh-TW" sz="2400" dirty="0"/>
+              <a:t>2. </a:t>
+            </a:r>
+            <a:r>
+              <a:rPr lang="zh-TW" altLang="en-US" sz="2400" dirty="0"/>
+              <a:t> </a:t>
+            </a:r>
+            <a:r>
+              <a:rPr lang="zh-TW" altLang="en-US" sz="2400" dirty="0">
+                <a:solidFill>
+                  <a:srgbClr val="FF0000"/>
+                </a:solidFill>
+              </a:rPr>
+              <a:t>解除中斷</a:t>
+            </a:r>
+            <a:r>
+              <a:rPr lang="en-US" altLang="zh-TW" sz="2400" dirty="0">
+                <a:solidFill>
+                  <a:srgbClr val="FF0000"/>
+                </a:solidFill>
+              </a:rPr>
+              <a:t>Event </a:t>
+            </a:r>
+            <a:r>
+              <a:rPr lang="en-US" altLang="zh-TW" sz="2400" dirty="0" err="1">
+                <a:solidFill>
+                  <a:srgbClr val="FF0000"/>
+                </a:solidFill>
+              </a:rPr>
+              <a:t>regestier</a:t>
+            </a:r>
+            <a:r>
+              <a:rPr lang="zh-TW" altLang="en-US" sz="2400" dirty="0">
+                <a:solidFill>
+                  <a:srgbClr val="FF0000"/>
+                </a:solidFill>
+              </a:rPr>
+              <a:t>在</a:t>
+            </a:r>
+            <a:r>
+              <a:rPr lang="en-US" altLang="zh-TW" sz="2400" dirty="0">
+                <a:solidFill>
+                  <a:srgbClr val="FF0000"/>
+                </a:solidFill>
+              </a:rPr>
+              <a:t>Code</a:t>
+            </a:r>
+            <a:r>
+              <a:rPr lang="zh-TW" altLang="en-US" sz="2400" dirty="0">
+                <a:solidFill>
+                  <a:srgbClr val="FF0000"/>
+                </a:solidFill>
+              </a:rPr>
+              <a:t>中的位置</a:t>
+            </a:r>
+            <a:endParaRPr lang="en-US" altLang="zh-TW" sz="2400" dirty="0">
+              <a:solidFill>
+                <a:srgbClr val="FF0000"/>
+              </a:solidFill>
+            </a:endParaRPr>
+          </a:p>
+          <a:p>
+            <a:pPr marL="0" indent="0">
+              <a:buNone/>
+            </a:pPr>
+            <a:endParaRPr lang="zh-TW" altLang="en-US" dirty="0"/>
           </a:p>
         </p:txBody>
       </p:sp>
     </p:spTree>
     <p:extLst>
       <p:ext uri="{BB962C8B-B14F-4D97-AF65-F5344CB8AC3E}">
-        <p14:creationId xmlns:p14="http://schemas.microsoft.com/office/powerpoint/2010/main" val="2172983373"/>
+        <p14:creationId xmlns:p14="http://schemas.microsoft.com/office/powerpoint/2010/main" val="719165155"/>
       </p:ext>
     </p:extLst>
   </p:cSld>
@@ -19348,7 +20290,7 @@
           <p:cNvPr id="2" name="標題 1">
             <a:extLst>
               <a:ext uri="{FF2B5EF4-FFF2-40B4-BE49-F238E27FC236}">
-                <a16:creationId xmlns:a16="http://schemas.microsoft.com/office/drawing/2014/main" id="{77C37F21-5DBA-B401-7D71-7CFB5E6E6C5D}"/>
+                <a16:creationId xmlns:a16="http://schemas.microsoft.com/office/drawing/2014/main" id="{A90C3E7E-AE4E-452E-A66F-A6DA326A606E}"/>
               </a:ext>
             </a:extLst>
           </p:cNvPr>
@@ -19366,21 +20308,10 @@
           <a:p>
             <a:pPr algn="ctr"/>
             <a:r>
-              <a:rPr lang="zh-TW" altLang="en-US" dirty="0"/>
-              <a:t> </a:t>
-            </a:r>
-            <a:r>
-              <a:rPr lang="en-US" altLang="zh-TW" dirty="0" err="1"/>
-              <a:t>Matlab</a:t>
-            </a:r>
-            <a:r>
-              <a:rPr lang="en-US" altLang="zh-TW" dirty="0"/>
-              <a:t> </a:t>
-            </a:r>
-            <a:r>
-              <a:rPr lang="zh-TW" altLang="en-US" dirty="0"/>
-              <a:t>驗證</a:t>
-            </a:r>
+              <a:rPr lang="zh-TW" altLang="en-US" sz="4400" dirty="0"/>
+              <a:t>最接近顏色</a:t>
+            </a:r>
+            <a:endParaRPr lang="zh-TW" altLang="en-US" dirty="0"/>
           </a:p>
         </p:txBody>
       </p:sp>
@@ -19389,7 +20320,7 @@
           <p:cNvPr id="3" name="內容版面配置區 2">
             <a:extLst>
               <a:ext uri="{FF2B5EF4-FFF2-40B4-BE49-F238E27FC236}">
-                <a16:creationId xmlns:a16="http://schemas.microsoft.com/office/drawing/2014/main" id="{534E79D0-3692-7581-7815-5DEF93BC5DAC}"/>
+                <a16:creationId xmlns:a16="http://schemas.microsoft.com/office/drawing/2014/main" id="{2270879B-7395-4917-86B4-47F549C5A985}"/>
               </a:ext>
             </a:extLst>
           </p:cNvPr>
@@ -19410,27 +20341,88 @@
             </a:pPr>
             <a:r>
               <a:rPr lang="en-US" altLang="zh-TW" dirty="0"/>
-              <a:t>Use </a:t>
+              <a:t>Root Cause :</a:t>
+            </a:r>
+          </a:p>
+          <a:p>
+            <a:pPr marL="514350" indent="-514350">
+              <a:buAutoNum type="arabicPeriod"/>
+            </a:pPr>
+            <a:r>
+              <a:rPr lang="en-US" altLang="zh-TW" dirty="0"/>
+              <a:t>Sensor </a:t>
+            </a:r>
+            <a:r>
+              <a:rPr lang="zh-TW" altLang="en-US" dirty="0"/>
+              <a:t>傳輸的顏色，並不一定落在</a:t>
+            </a:r>
+            <a:r>
+              <a:rPr lang="en-US" altLang="zh-TW" dirty="0"/>
+              <a:t>USI</a:t>
+            </a:r>
+            <a:r>
+              <a:rPr lang="zh-TW" altLang="en-US" dirty="0"/>
+              <a:t>所定義的顏色，因此需要找到最接近的顏色。</a:t>
+            </a:r>
+            <a:endParaRPr lang="en-US" altLang="zh-TW" dirty="0"/>
+          </a:p>
+          <a:p>
+            <a:pPr marL="514350" indent="-514350">
+              <a:buAutoNum type="arabicPeriod"/>
+            </a:pPr>
+            <a:endParaRPr lang="en-US" altLang="zh-TW" dirty="0"/>
+          </a:p>
+          <a:p>
+            <a:pPr marL="0" indent="0">
+              <a:buNone/>
+            </a:pPr>
+            <a:r>
+              <a:rPr lang="en-US" altLang="zh-TW" dirty="0"/>
+              <a:t>Solve :</a:t>
+            </a:r>
+          </a:p>
+          <a:p>
+            <a:pPr marL="0" indent="0">
+              <a:buNone/>
+            </a:pPr>
+            <a:r>
+              <a:rPr lang="en-US" altLang="zh-TW" dirty="0"/>
+              <a:t>	1. </a:t>
+            </a:r>
+            <a:r>
+              <a:rPr lang="zh-TW" altLang="en-US" dirty="0"/>
+              <a:t>顏色距離定義</a:t>
+            </a:r>
+            <a:endParaRPr lang="en-US" altLang="zh-TW" dirty="0"/>
+          </a:p>
+          <a:p>
+            <a:pPr marL="0" indent="0">
+              <a:buNone/>
+            </a:pPr>
+            <a:r>
+              <a:rPr lang="en-US" altLang="zh-TW" dirty="0"/>
+              <a:t>	2.  </a:t>
+            </a:r>
+            <a:r>
+              <a:rPr lang="zh-TW" altLang="en-US" dirty="0"/>
+              <a:t>使用</a:t>
             </a:r>
             <a:r>
               <a:rPr lang="en-US" altLang="zh-TW" dirty="0" err="1"/>
-              <a:t>Matalb</a:t>
-            </a:r>
-            <a:r>
-              <a:rPr lang="en-US" altLang="zh-TW" dirty="0"/>
-              <a:t> APP</a:t>
+              <a:t>matlab</a:t>
             </a:r>
             <a:r>
               <a:rPr lang="zh-TW" altLang="en-US" dirty="0"/>
-              <a:t> 寫的</a:t>
-            </a:r>
+              <a:t>來加速驗證速度</a:t>
+            </a:r>
+            <a:endParaRPr lang="en-US" altLang="zh-TW" dirty="0"/>
           </a:p>
         </p:txBody>
       </p:sp>
     </p:spTree>
     <p:extLst>
       <p:ext uri="{BB962C8B-B14F-4D97-AF65-F5344CB8AC3E}">
-        <p14:creationId xmlns:p14="http://schemas.microsoft.com/office/powerpoint/2010/main" val="3411917283"/>
+        <p14:creationId xmlns:p14="http://schemas.microsoft.com/office/powerpoint/2010/main" val="2172983373"/>
       </p:ext>
     </p:extLst>
   </p:cSld>
@@ -19462,6 +20454,120 @@
           <p:cNvPr id="2" name="標題 1">
             <a:extLst>
               <a:ext uri="{FF2B5EF4-FFF2-40B4-BE49-F238E27FC236}">
+                <a16:creationId xmlns:a16="http://schemas.microsoft.com/office/drawing/2014/main" id="{77C37F21-5DBA-B401-7D71-7CFB5E6E6C5D}"/>
+              </a:ext>
+            </a:extLst>
+          </p:cNvPr>
+          <p:cNvSpPr>
+            <a:spLocks noGrp="1"/>
+          </p:cNvSpPr>
+          <p:nvPr>
+            <p:ph type="title"/>
+          </p:nvPr>
+        </p:nvSpPr>
+        <p:spPr/>
+        <p:txBody>
+          <a:bodyPr/>
+          <a:lstStyle/>
+          <a:p>
+            <a:pPr algn="ctr"/>
+            <a:r>
+              <a:rPr lang="zh-TW" altLang="en-US" dirty="0"/>
+              <a:t> </a:t>
+            </a:r>
+            <a:r>
+              <a:rPr lang="en-US" altLang="zh-TW" dirty="0" err="1"/>
+              <a:t>Matlab</a:t>
+            </a:r>
+            <a:r>
+              <a:rPr lang="en-US" altLang="zh-TW" dirty="0"/>
+              <a:t> </a:t>
+            </a:r>
+            <a:r>
+              <a:rPr lang="zh-TW" altLang="en-US" dirty="0"/>
+              <a:t>驗證</a:t>
+            </a:r>
+          </a:p>
+        </p:txBody>
+      </p:sp>
+      <p:sp>
+        <p:nvSpPr>
+          <p:cNvPr id="3" name="內容版面配置區 2">
+            <a:extLst>
+              <a:ext uri="{FF2B5EF4-FFF2-40B4-BE49-F238E27FC236}">
+                <a16:creationId xmlns:a16="http://schemas.microsoft.com/office/drawing/2014/main" id="{534E79D0-3692-7581-7815-5DEF93BC5DAC}"/>
+              </a:ext>
+            </a:extLst>
+          </p:cNvPr>
+          <p:cNvSpPr>
+            <a:spLocks noGrp="1"/>
+          </p:cNvSpPr>
+          <p:nvPr>
+            <p:ph idx="1"/>
+          </p:nvPr>
+        </p:nvSpPr>
+        <p:spPr/>
+        <p:txBody>
+          <a:bodyPr/>
+          <a:lstStyle/>
+          <a:p>
+            <a:pPr marL="0" indent="0">
+              <a:buNone/>
+            </a:pPr>
+            <a:r>
+              <a:rPr lang="en-US" altLang="zh-TW" dirty="0"/>
+              <a:t>Use </a:t>
+            </a:r>
+            <a:r>
+              <a:rPr lang="en-US" altLang="zh-TW" dirty="0" err="1"/>
+              <a:t>Matalb</a:t>
+            </a:r>
+            <a:r>
+              <a:rPr lang="en-US" altLang="zh-TW" dirty="0"/>
+              <a:t> APP</a:t>
+            </a:r>
+            <a:r>
+              <a:rPr lang="zh-TW" altLang="en-US" dirty="0"/>
+              <a:t> 寫的</a:t>
+            </a:r>
+          </a:p>
+        </p:txBody>
+      </p:sp>
+    </p:spTree>
+    <p:extLst>
+      <p:ext uri="{BB962C8B-B14F-4D97-AF65-F5344CB8AC3E}">
+        <p14:creationId xmlns:p14="http://schemas.microsoft.com/office/powerpoint/2010/main" val="3411917283"/>
+      </p:ext>
+    </p:extLst>
+  </p:cSld>
+  <p:clrMapOvr>
+    <a:masterClrMapping/>
+  </p:clrMapOvr>
+</p:sld>
+</file>
+
+<file path=ppt/slides/slide46.xml><?xml version="1.0" encoding="utf-8"?>
+<p:sld xmlns:a="http://schemas.openxmlformats.org/drawingml/2006/main" xmlns:r="http://schemas.openxmlformats.org/officeDocument/2006/relationships" xmlns:p="http://schemas.openxmlformats.org/presentationml/2006/main">
+  <p:cSld>
+    <p:spTree>
+      <p:nvGrpSpPr>
+        <p:cNvPr id="1" name=""/>
+        <p:cNvGrpSpPr/>
+        <p:nvPr/>
+      </p:nvGrpSpPr>
+      <p:grpSpPr>
+        <a:xfrm>
+          <a:off x="0" y="0"/>
+          <a:ext cx="0" cy="0"/>
+          <a:chOff x="0" y="0"/>
+          <a:chExt cx="0" cy="0"/>
+        </a:xfrm>
+      </p:grpSpPr>
+      <p:sp>
+        <p:nvSpPr>
+          <p:cNvPr id="2" name="標題 1">
+            <a:extLst>
+              <a:ext uri="{FF2B5EF4-FFF2-40B4-BE49-F238E27FC236}">
                 <a16:creationId xmlns:a16="http://schemas.microsoft.com/office/drawing/2014/main" id="{F0C4E827-8FA5-D200-CB63-931E7FB72A01}"/>
               </a:ext>
             </a:extLst>
@@ -19631,7 +20737,7 @@
 </p:sld>
 </file>
 
-<file path=ppt/slides/slide46.xml><?xml version="1.0" encoding="utf-8"?>
+<file path=ppt/slides/slide47.xml><?xml version="1.0" encoding="utf-8"?>
 <p:sld xmlns:a="http://schemas.openxmlformats.org/drawingml/2006/main" xmlns:r="http://schemas.openxmlformats.org/officeDocument/2006/relationships" xmlns:p="http://schemas.openxmlformats.org/presentationml/2006/main">
   <p:cSld>
     <p:spTree>

--- a/Project_Summary_pdf/Project_Summary.pptx
+++ b/Project_Summary_pdf/Project_Summary.pptx
@@ -5,7 +5,7 @@
     <p:sldMasterId id="2147483648" r:id="rId1"/>
   </p:sldMasterIdLst>
   <p:notesMasterIdLst>
-    <p:notesMasterId r:id="rId49"/>
+    <p:notesMasterId r:id="rId60"/>
   </p:notesMasterIdLst>
   <p:sldIdLst>
     <p:sldId id="256" r:id="rId2"/>
@@ -40,21 +40,32 @@
     <p:sldId id="881" r:id="rId31"/>
     <p:sldId id="897" r:id="rId32"/>
     <p:sldId id="896" r:id="rId33"/>
-    <p:sldId id="895" r:id="rId34"/>
-    <p:sldId id="889" r:id="rId35"/>
-    <p:sldId id="890" r:id="rId36"/>
-    <p:sldId id="751" r:id="rId37"/>
-    <p:sldId id="882" r:id="rId38"/>
-    <p:sldId id="281" r:id="rId39"/>
-    <p:sldId id="257" r:id="rId40"/>
-    <p:sldId id="258" r:id="rId41"/>
-    <p:sldId id="260" r:id="rId42"/>
-    <p:sldId id="263" r:id="rId43"/>
-    <p:sldId id="264" r:id="rId44"/>
-    <p:sldId id="259" r:id="rId45"/>
-    <p:sldId id="265" r:id="rId46"/>
-    <p:sldId id="282" r:id="rId47"/>
-    <p:sldId id="885" r:id="rId48"/>
+    <p:sldId id="898" r:id="rId34"/>
+    <p:sldId id="899" r:id="rId35"/>
+    <p:sldId id="900" r:id="rId36"/>
+    <p:sldId id="902" r:id="rId37"/>
+    <p:sldId id="836" r:id="rId38"/>
+    <p:sldId id="839" r:id="rId39"/>
+    <p:sldId id="840" r:id="rId40"/>
+    <p:sldId id="848" r:id="rId41"/>
+    <p:sldId id="849" r:id="rId42"/>
+    <p:sldId id="842" r:id="rId43"/>
+    <p:sldId id="901" r:id="rId44"/>
+    <p:sldId id="895" r:id="rId45"/>
+    <p:sldId id="889" r:id="rId46"/>
+    <p:sldId id="890" r:id="rId47"/>
+    <p:sldId id="751" r:id="rId48"/>
+    <p:sldId id="882" r:id="rId49"/>
+    <p:sldId id="281" r:id="rId50"/>
+    <p:sldId id="257" r:id="rId51"/>
+    <p:sldId id="258" r:id="rId52"/>
+    <p:sldId id="260" r:id="rId53"/>
+    <p:sldId id="263" r:id="rId54"/>
+    <p:sldId id="264" r:id="rId55"/>
+    <p:sldId id="259" r:id="rId56"/>
+    <p:sldId id="265" r:id="rId57"/>
+    <p:sldId id="282" r:id="rId58"/>
+    <p:sldId id="885" r:id="rId59"/>
   </p:sldIdLst>
   <p:sldSz cx="12192000" cy="6858000"/>
   <p:notesSz cx="6858000" cy="9144000"/>
@@ -206,6 +217,17 @@
             <p14:sldId id="881"/>
             <p14:sldId id="897"/>
             <p14:sldId id="896"/>
+            <p14:sldId id="898"/>
+            <p14:sldId id="899"/>
+            <p14:sldId id="900"/>
+            <p14:sldId id="902"/>
+            <p14:sldId id="836"/>
+            <p14:sldId id="839"/>
+            <p14:sldId id="840"/>
+            <p14:sldId id="848"/>
+            <p14:sldId id="849"/>
+            <p14:sldId id="842"/>
+            <p14:sldId id="901"/>
             <p14:sldId id="895"/>
             <p14:sldId id="889"/>
             <p14:sldId id="890"/>
@@ -405,7 +427,7 @@
           <a:p>
             <a:fld id="{C65320F2-F42B-45F1-AA86-96F1A2E46749}" type="datetimeFigureOut">
               <a:rPr lang="zh-TW" altLang="en-US" smtClean="0"/>
-              <a:t>2023/1/31</a:t>
+              <a:t>2023/2/1</a:t>
             </a:fld>
             <a:endParaRPr lang="zh-TW" altLang="en-US"/>
           </a:p>
@@ -1308,42 +1330,116 @@
           <a:bodyPr/>
           <a:lstStyle/>
           <a:p>
+            <a:pPr marL="228600" indent="-228600">
+              <a:buAutoNum type="arabicPeriod"/>
+            </a:pPr>
             <a:r>
               <a:rPr lang="zh-TW" altLang="en-US" dirty="0"/>
-              <a:t>硬體模擬需要耗費大量時間，只能</a:t>
-            </a:r>
-            <a:r>
-              <a:rPr lang="en-US" altLang="zh-TW" dirty="0"/>
-              <a:t>Sim</a:t>
+              <a:t>下方點的</a:t>
+            </a:r>
+            <a:r>
+              <a:rPr lang="en-US" altLang="zh-TW" dirty="0"/>
+              <a:t>Sample</a:t>
             </a:r>
             <a:r>
               <a:rPr lang="zh-TW" altLang="en-US" dirty="0"/>
-              <a:t>出一小段實際行為。而</a:t>
-            </a:r>
-            <a:r>
-              <a:rPr lang="en-US" altLang="zh-TW" dirty="0"/>
-              <a:t>FW</a:t>
+              <a:t>是固定的</a:t>
+            </a:r>
+            <a:r>
+              <a:rPr lang="en-US" altLang="zh-TW" dirty="0"/>
+              <a:t>(Sample</a:t>
             </a:r>
             <a:r>
               <a:rPr lang="zh-TW" altLang="en-US" dirty="0"/>
-              <a:t>關注的點偏向於是否能</a:t>
-            </a:r>
-            <a:r>
-              <a:rPr lang="en-US" altLang="zh-TW" dirty="0"/>
-              <a:t>Decode</a:t>
+              <a:t>的頭節點會取第一個</a:t>
+            </a:r>
+            <a:r>
+              <a:rPr lang="en-US" altLang="zh-TW" dirty="0" err="1"/>
+              <a:t>GroupLeader</a:t>
             </a:r>
             <a:r>
               <a:rPr lang="zh-TW" altLang="en-US" dirty="0"/>
-              <a:t>，</a:t>
-            </a:r>
-            <a:r>
-              <a:rPr lang="en-US" altLang="zh-TW" dirty="0"/>
-              <a:t>Focus</a:t>
+              <a:t>的點當作起始點</a:t>
+            </a:r>
+            <a:r>
+              <a:rPr lang="en-US" altLang="zh-TW" dirty="0"/>
+              <a:t>)</a:t>
             </a:r>
             <a:r>
               <a:rPr lang="zh-TW" altLang="en-US" dirty="0"/>
-              <a:t>的點相對於硬體少很多，所以無需花費大量時間</a:t>
-            </a:r>
+              <a:t>。</a:t>
+            </a:r>
+            <a:endParaRPr lang="en-US" altLang="zh-TW" dirty="0"/>
+          </a:p>
+          <a:p>
+            <a:pPr marL="228600" indent="-228600">
+              <a:buAutoNum type="arabicPeriod"/>
+            </a:pPr>
+            <a:r>
+              <a:rPr lang="zh-TW" altLang="en-US" dirty="0"/>
+              <a:t>以下每個</a:t>
+            </a:r>
+            <a:r>
+              <a:rPr lang="en-US" altLang="zh-TW" dirty="0"/>
+              <a:t>Sample</a:t>
+            </a:r>
+            <a:r>
+              <a:rPr lang="zh-TW" altLang="en-US" dirty="0"/>
+              <a:t>點的值依照以下方法取值  </a:t>
+            </a:r>
+            <a:r>
+              <a:rPr lang="en-US" altLang="zh-TW" dirty="0" err="1"/>
+              <a:t>G_time</a:t>
+            </a:r>
+            <a:r>
+              <a:rPr lang="en-US" altLang="zh-TW" dirty="0"/>
+              <a:t>[n]&lt; </a:t>
+            </a:r>
+            <a:r>
+              <a:rPr lang="en-US" altLang="zh-TW" dirty="0" err="1"/>
+              <a:t>S_time</a:t>
+            </a:r>
+            <a:r>
+              <a:rPr lang="en-US" altLang="zh-TW" dirty="0"/>
+              <a:t>[m] &lt; </a:t>
+            </a:r>
+            <a:r>
+              <a:rPr lang="en-US" altLang="zh-TW" dirty="0" err="1"/>
+              <a:t>G_time</a:t>
+            </a:r>
+            <a:r>
+              <a:rPr lang="en-US" altLang="zh-TW" dirty="0"/>
+              <a:t>[n+1]</a:t>
+            </a:r>
+            <a:r>
+              <a:rPr lang="zh-TW" altLang="en-US" dirty="0"/>
+              <a:t> </a:t>
+            </a:r>
+            <a:r>
+              <a:rPr lang="en-US" altLang="zh-TW" dirty="0"/>
+              <a:t>=&gt;</a:t>
+            </a:r>
+            <a:r>
+              <a:rPr lang="zh-TW" altLang="en-US" dirty="0"/>
+              <a:t> </a:t>
+            </a:r>
+            <a:r>
+              <a:rPr lang="en-US" altLang="zh-TW" dirty="0" err="1"/>
+              <a:t>S_val</a:t>
+            </a:r>
+            <a:r>
+              <a:rPr lang="en-US" altLang="zh-TW" dirty="0"/>
+              <a:t>[m] = </a:t>
+            </a:r>
+            <a:r>
+              <a:rPr lang="en-US" altLang="zh-TW" dirty="0" err="1"/>
+              <a:t>G_Val</a:t>
+            </a:r>
+            <a:r>
+              <a:rPr lang="en-US" altLang="zh-TW" dirty="0"/>
+              <a:t>[n]</a:t>
+            </a:r>
+            <a:endParaRPr lang="zh-TW" altLang="en-US" dirty="0"/>
           </a:p>
         </p:txBody>
       </p:sp>
@@ -1364,7 +1460,7 @@
           <a:p>
             <a:fld id="{0116F853-F7F2-4239-A629-A213C1D67574}" type="slidenum">
               <a:rPr lang="zh-TW" altLang="en-US" smtClean="0"/>
-              <a:t>27</a:t>
+              <a:t>26</a:t>
             </a:fld>
             <a:endParaRPr lang="zh-TW" altLang="en-US"/>
           </a:p>
@@ -1373,7 +1469,7 @@
     </p:spTree>
     <p:extLst>
       <p:ext uri="{BB962C8B-B14F-4D97-AF65-F5344CB8AC3E}">
-        <p14:creationId xmlns:p14="http://schemas.microsoft.com/office/powerpoint/2010/main" val="1884394461"/>
+        <p14:creationId xmlns:p14="http://schemas.microsoft.com/office/powerpoint/2010/main" val="2126586939"/>
       </p:ext>
     </p:extLst>
   </p:cSld>
@@ -1427,35 +1523,42 @@
           <a:bodyPr/>
           <a:lstStyle/>
           <a:p>
-            <a:pPr marL="228600" indent="-228600">
-              <a:buAutoNum type="arabicPeriod"/>
-            </a:pPr>
-            <a:r>
-              <a:rPr lang="zh-TW" altLang="en-US"/>
-              <a:t>這裡可以強調原先學長們有提到某一路是不可行的。但是透過自身對數位電路理解，將其電路串起來可以</a:t>
-            </a:r>
-            <a:r>
-              <a:rPr lang="en-US" altLang="zh-TW"/>
-              <a:t>Work . “RX0 Decoder </a:t>
-            </a:r>
-            <a:r>
-              <a:rPr lang="zh-TW" altLang="en-US"/>
-              <a:t>無法搭配 </a:t>
-            </a:r>
-            <a:r>
-              <a:rPr lang="en-US" altLang="zh-TW"/>
-              <a:t>1st HPF filter + Schmitt Digital “</a:t>
-            </a:r>
-          </a:p>
-          <a:p>
-            <a:pPr marL="0" indent="0">
-              <a:buNone/>
-            </a:pPr>
-            <a:r>
-              <a:rPr lang="zh-TW" altLang="en-US"/>
-              <a:t>這裡可以講細一點，我是如何將電路串起來的</a:t>
-            </a:r>
-            <a:endParaRPr lang="en-US" altLang="zh-TW"/>
+            <a:r>
+              <a:rPr lang="zh-TW" altLang="en-US" dirty="0"/>
+              <a:t>硬體模擬需要耗費大量時間，只能</a:t>
+            </a:r>
+            <a:r>
+              <a:rPr lang="en-US" altLang="zh-TW" dirty="0"/>
+              <a:t>Sim</a:t>
+            </a:r>
+            <a:r>
+              <a:rPr lang="zh-TW" altLang="en-US" dirty="0"/>
+              <a:t>出一小段實際行為。而</a:t>
+            </a:r>
+            <a:r>
+              <a:rPr lang="en-US" altLang="zh-TW" dirty="0"/>
+              <a:t>FW</a:t>
+            </a:r>
+            <a:r>
+              <a:rPr lang="zh-TW" altLang="en-US" dirty="0"/>
+              <a:t>關注的點偏向於是否能</a:t>
+            </a:r>
+            <a:r>
+              <a:rPr lang="en-US" altLang="zh-TW" dirty="0"/>
+              <a:t>Decode</a:t>
+            </a:r>
+            <a:r>
+              <a:rPr lang="zh-TW" altLang="en-US" dirty="0"/>
+              <a:t>，</a:t>
+            </a:r>
+            <a:r>
+              <a:rPr lang="en-US" altLang="zh-TW" dirty="0"/>
+              <a:t>Focus</a:t>
+            </a:r>
+            <a:r>
+              <a:rPr lang="zh-TW" altLang="en-US" dirty="0"/>
+              <a:t>的點相對於硬體少很多，所以無需花費大量時間</a:t>
+            </a:r>
           </a:p>
         </p:txBody>
       </p:sp>
@@ -1476,7 +1579,7 @@
           <a:p>
             <a:fld id="{0116F853-F7F2-4239-A629-A213C1D67574}" type="slidenum">
               <a:rPr lang="zh-TW" altLang="en-US" smtClean="0"/>
-              <a:t>30</a:t>
+              <a:t>27</a:t>
             </a:fld>
             <a:endParaRPr lang="zh-TW" altLang="en-US"/>
           </a:p>
@@ -1485,7 +1588,7 @@
     </p:spTree>
     <p:extLst>
       <p:ext uri="{BB962C8B-B14F-4D97-AF65-F5344CB8AC3E}">
-        <p14:creationId xmlns:p14="http://schemas.microsoft.com/office/powerpoint/2010/main" val="685821978"/>
+        <p14:creationId xmlns:p14="http://schemas.microsoft.com/office/powerpoint/2010/main" val="1884394461"/>
       </p:ext>
     </p:extLst>
   </p:cSld>
@@ -1539,46 +1642,35 @@
           <a:bodyPr/>
           <a:lstStyle/>
           <a:p>
-            <a:pPr marL="0" marR="0" lvl="0" indent="0" algn="l" defTabSz="914400" rtl="0" eaLnBrk="1" fontAlgn="auto" latinLnBrk="0" hangingPunct="1">
-              <a:lnSpc>
-                <a:spcPct val="100000"/>
-              </a:lnSpc>
-              <a:spcBef>
-                <a:spcPts val="0"/>
-              </a:spcBef>
-              <a:spcAft>
-                <a:spcPts val="0"/>
-              </a:spcAft>
-              <a:buClrTx/>
-              <a:buSzTx/>
-              <a:buFontTx/>
+            <a:pPr marL="228600" indent="-228600">
+              <a:buAutoNum type="arabicPeriod"/>
+            </a:pPr>
+            <a:r>
+              <a:rPr lang="zh-TW" altLang="en-US"/>
+              <a:t>這裡可以強調原先學長們有提到某一路是不可行的。但是透過自身對數位電路理解，將其電路串起來可以</a:t>
+            </a:r>
+            <a:r>
+              <a:rPr lang="en-US" altLang="zh-TW"/>
+              <a:t>Work . “RX0 Decoder </a:t>
+            </a:r>
+            <a:r>
+              <a:rPr lang="zh-TW" altLang="en-US"/>
+              <a:t>無法搭配 </a:t>
+            </a:r>
+            <a:r>
+              <a:rPr lang="en-US" altLang="zh-TW"/>
+              <a:t>1st HPF filter + Schmitt Digital “</a:t>
+            </a:r>
+          </a:p>
+          <a:p>
+            <a:pPr marL="0" indent="0">
               <a:buNone/>
-              <a:tabLst/>
-              <a:defRPr/>
             </a:pPr>
             <a:r>
               <a:rPr lang="zh-TW" altLang="en-US"/>
-              <a:t>針對第一點 </a:t>
-            </a:r>
-            <a:r>
-              <a:rPr lang="en-US" altLang="zh-TW"/>
-              <a:t>:</a:t>
-            </a:r>
-            <a:r>
-              <a:rPr lang="zh-TW" altLang="en-US"/>
-              <a:t>不經過任何訊號處理</a:t>
+              <a:t>這裡可以講細一點，我是如何將電路串起來的</a:t>
             </a:r>
             <a:endParaRPr lang="en-US" altLang="zh-TW"/>
-          </a:p>
-          <a:p>
-            <a:r>
-              <a:rPr lang="en-US" altLang="zh-TW"/>
-              <a:t>1. ADC </a:t>
-            </a:r>
-            <a:r>
-              <a:rPr lang="zh-TW" altLang="en-US"/>
-              <a:t>刻度少，是指說</a:t>
-            </a:r>
           </a:p>
         </p:txBody>
       </p:sp>
@@ -1599,7 +1691,7 @@
           <a:p>
             <a:fld id="{0116F853-F7F2-4239-A629-A213C1D67574}" type="slidenum">
               <a:rPr lang="zh-TW" altLang="en-US" smtClean="0"/>
-              <a:t>32</a:t>
+              <a:t>30</a:t>
             </a:fld>
             <a:endParaRPr lang="zh-TW" altLang="en-US"/>
           </a:p>
@@ -1608,7 +1700,7 @@
     </p:spTree>
     <p:extLst>
       <p:ext uri="{BB962C8B-B14F-4D97-AF65-F5344CB8AC3E}">
-        <p14:creationId xmlns:p14="http://schemas.microsoft.com/office/powerpoint/2010/main" val="4159971274"/>
+        <p14:creationId xmlns:p14="http://schemas.microsoft.com/office/powerpoint/2010/main" val="685821978"/>
       </p:ext>
     </p:extLst>
   </p:cSld>
@@ -1662,7 +1754,46 @@
           <a:bodyPr/>
           <a:lstStyle/>
           <a:p>
-            <a:endParaRPr lang="zh-TW" altLang="en-US"/>
+            <a:pPr marL="0" marR="0" lvl="0" indent="0" algn="l" defTabSz="914400" rtl="0" eaLnBrk="1" fontAlgn="auto" latinLnBrk="0" hangingPunct="1">
+              <a:lnSpc>
+                <a:spcPct val="100000"/>
+              </a:lnSpc>
+              <a:spcBef>
+                <a:spcPts val="0"/>
+              </a:spcBef>
+              <a:spcAft>
+                <a:spcPts val="0"/>
+              </a:spcAft>
+              <a:buClrTx/>
+              <a:buSzTx/>
+              <a:buFontTx/>
+              <a:buNone/>
+              <a:tabLst/>
+              <a:defRPr/>
+            </a:pPr>
+            <a:r>
+              <a:rPr lang="zh-TW" altLang="en-US"/>
+              <a:t>針對第一點 </a:t>
+            </a:r>
+            <a:r>
+              <a:rPr lang="en-US" altLang="zh-TW"/>
+              <a:t>:</a:t>
+            </a:r>
+            <a:r>
+              <a:rPr lang="zh-TW" altLang="en-US"/>
+              <a:t>不經過任何訊號處理</a:t>
+            </a:r>
+            <a:endParaRPr lang="en-US" altLang="zh-TW"/>
+          </a:p>
+          <a:p>
+            <a:r>
+              <a:rPr lang="en-US" altLang="zh-TW"/>
+              <a:t>1. ADC </a:t>
+            </a:r>
+            <a:r>
+              <a:rPr lang="zh-TW" altLang="en-US"/>
+              <a:t>刻度少，是指說</a:t>
+            </a:r>
           </a:p>
         </p:txBody>
       </p:sp>
@@ -1683,7 +1814,7 @@
           <a:p>
             <a:fld id="{0116F853-F7F2-4239-A629-A213C1D67574}" type="slidenum">
               <a:rPr lang="zh-TW" altLang="en-US" smtClean="0"/>
-              <a:t>39</a:t>
+              <a:t>32</a:t>
             </a:fld>
             <a:endParaRPr lang="zh-TW" altLang="en-US"/>
           </a:p>
@@ -1692,7 +1823,7 @@
     </p:spTree>
     <p:extLst>
       <p:ext uri="{BB962C8B-B14F-4D97-AF65-F5344CB8AC3E}">
-        <p14:creationId xmlns:p14="http://schemas.microsoft.com/office/powerpoint/2010/main" val="2670570649"/>
+        <p14:creationId xmlns:p14="http://schemas.microsoft.com/office/powerpoint/2010/main" val="4159971274"/>
       </p:ext>
     </p:extLst>
   </p:cSld>
@@ -1746,71 +1877,7 @@
           <a:bodyPr/>
           <a:lstStyle/>
           <a:p>
-            <a:pPr marL="228600" indent="-228600">
-              <a:buAutoNum type="arabicPeriod"/>
-            </a:pPr>
-            <a:r>
-              <a:rPr lang="zh-TW" altLang="en-US"/>
-              <a:t>由於筆只使用</a:t>
-            </a:r>
-            <a:r>
-              <a:rPr lang="en-US" altLang="zh-TW"/>
-              <a:t>UART TX</a:t>
-            </a:r>
-            <a:r>
-              <a:rPr lang="zh-TW" altLang="en-US"/>
-              <a:t>來印出相關資訊、並沒有使用</a:t>
-            </a:r>
-            <a:r>
-              <a:rPr lang="en-US" altLang="zh-TW"/>
-              <a:t>RX</a:t>
-            </a:r>
-            <a:r>
-              <a:rPr lang="zh-TW" altLang="en-US"/>
-              <a:t>來接收其他</a:t>
-            </a:r>
-            <a:r>
-              <a:rPr lang="en-US" altLang="zh-TW"/>
-              <a:t>Sensor</a:t>
-            </a:r>
-            <a:r>
-              <a:rPr lang="zh-TW" altLang="en-US"/>
-              <a:t>的</a:t>
-            </a:r>
-            <a:r>
-              <a:rPr lang="en-US" altLang="zh-TW"/>
-              <a:t>information</a:t>
-            </a:r>
-            <a:r>
-              <a:rPr lang="zh-TW" altLang="en-US"/>
-              <a:t>。</a:t>
-            </a:r>
-            <a:endParaRPr lang="en-US" altLang="zh-TW"/>
-          </a:p>
-          <a:p>
-            <a:pPr marL="0" indent="0">
-              <a:buNone/>
-            </a:pPr>
-            <a:r>
-              <a:rPr lang="zh-TW" altLang="en-US"/>
-              <a:t>       </a:t>
-            </a:r>
-            <a:r>
-              <a:rPr lang="en-US" altLang="zh-TW"/>
-              <a:t>1.1 UART</a:t>
-            </a:r>
-            <a:r>
-              <a:rPr lang="zh-TW" altLang="en-US"/>
-              <a:t> </a:t>
-            </a:r>
-            <a:r>
-              <a:rPr lang="en-US" altLang="zh-TW"/>
-              <a:t>RX Setting</a:t>
-            </a:r>
-            <a:r>
-              <a:rPr lang="zh-TW" altLang="en-US"/>
-              <a:t>建立</a:t>
-            </a:r>
+            <a:endParaRPr lang="zh-TW" altLang="en-US"/>
           </a:p>
         </p:txBody>
       </p:sp>
@@ -1831,7 +1898,155 @@
           <a:p>
             <a:fld id="{0116F853-F7F2-4239-A629-A213C1D67574}" type="slidenum">
               <a:rPr lang="zh-TW" altLang="en-US" smtClean="0"/>
-              <a:t>40</a:t>
+              <a:t>50</a:t>
+            </a:fld>
+            <a:endParaRPr lang="zh-TW" altLang="en-US"/>
+          </a:p>
+        </p:txBody>
+      </p:sp>
+    </p:spTree>
+    <p:extLst>
+      <p:ext uri="{BB962C8B-B14F-4D97-AF65-F5344CB8AC3E}">
+        <p14:creationId xmlns:p14="http://schemas.microsoft.com/office/powerpoint/2010/main" val="2670570649"/>
+      </p:ext>
+    </p:extLst>
+  </p:cSld>
+  <p:clrMapOvr>
+    <a:masterClrMapping/>
+  </p:clrMapOvr>
+</p:notes>
+</file>
+
+<file path=ppt/notesSlides/notesSlide19.xml><?xml version="1.0" encoding="utf-8"?>
+<p:notes xmlns:a="http://schemas.openxmlformats.org/drawingml/2006/main" xmlns:r="http://schemas.openxmlformats.org/officeDocument/2006/relationships" xmlns:p="http://schemas.openxmlformats.org/presentationml/2006/main">
+  <p:cSld>
+    <p:spTree>
+      <p:nvGrpSpPr>
+        <p:cNvPr id="1" name=""/>
+        <p:cNvGrpSpPr/>
+        <p:nvPr/>
+      </p:nvGrpSpPr>
+      <p:grpSpPr>
+        <a:xfrm>
+          <a:off x="0" y="0"/>
+          <a:ext cx="0" cy="0"/>
+          <a:chOff x="0" y="0"/>
+          <a:chExt cx="0" cy="0"/>
+        </a:xfrm>
+      </p:grpSpPr>
+      <p:sp>
+        <p:nvSpPr>
+          <p:cNvPr id="2" name="投影片影像版面配置區 1"/>
+          <p:cNvSpPr>
+            <a:spLocks noGrp="1" noRot="1" noChangeAspect="1"/>
+          </p:cNvSpPr>
+          <p:nvPr>
+            <p:ph type="sldImg"/>
+          </p:nvPr>
+        </p:nvSpPr>
+        <p:spPr/>
+      </p:sp>
+      <p:sp>
+        <p:nvSpPr>
+          <p:cNvPr id="3" name="備忘稿版面配置區 2"/>
+          <p:cNvSpPr>
+            <a:spLocks noGrp="1"/>
+          </p:cNvSpPr>
+          <p:nvPr>
+            <p:ph type="body" idx="1"/>
+          </p:nvPr>
+        </p:nvSpPr>
+        <p:spPr/>
+        <p:txBody>
+          <a:bodyPr/>
+          <a:lstStyle/>
+          <a:p>
+            <a:pPr marL="228600" indent="-228600">
+              <a:buAutoNum type="arabicPeriod"/>
+            </a:pPr>
+            <a:r>
+              <a:rPr lang="zh-TW" altLang="en-US"/>
+              <a:t>由於筆只使用</a:t>
+            </a:r>
+            <a:r>
+              <a:rPr lang="en-US" altLang="zh-TW"/>
+              <a:t>UART TX</a:t>
+            </a:r>
+            <a:r>
+              <a:rPr lang="zh-TW" altLang="en-US"/>
+              <a:t>來印出相關資訊、並沒有使用</a:t>
+            </a:r>
+            <a:r>
+              <a:rPr lang="en-US" altLang="zh-TW"/>
+              <a:t>RX</a:t>
+            </a:r>
+            <a:r>
+              <a:rPr lang="zh-TW" altLang="en-US"/>
+              <a:t>來接收其他</a:t>
+            </a:r>
+            <a:r>
+              <a:rPr lang="en-US" altLang="zh-TW"/>
+              <a:t>Sensor</a:t>
+            </a:r>
+            <a:r>
+              <a:rPr lang="zh-TW" altLang="en-US"/>
+              <a:t>的</a:t>
+            </a:r>
+            <a:r>
+              <a:rPr lang="en-US" altLang="zh-TW"/>
+              <a:t>information</a:t>
+            </a:r>
+            <a:r>
+              <a:rPr lang="zh-TW" altLang="en-US"/>
+              <a:t>。</a:t>
+            </a:r>
+            <a:endParaRPr lang="en-US" altLang="zh-TW"/>
+          </a:p>
+          <a:p>
+            <a:pPr marL="0" indent="0">
+              <a:buNone/>
+            </a:pPr>
+            <a:r>
+              <a:rPr lang="zh-TW" altLang="en-US"/>
+              <a:t>       </a:t>
+            </a:r>
+            <a:r>
+              <a:rPr lang="en-US" altLang="zh-TW"/>
+              <a:t>1.1 UART</a:t>
+            </a:r>
+            <a:r>
+              <a:rPr lang="zh-TW" altLang="en-US"/>
+              <a:t> </a:t>
+            </a:r>
+            <a:r>
+              <a:rPr lang="en-US" altLang="zh-TW"/>
+              <a:t>RX Setting</a:t>
+            </a:r>
+            <a:r>
+              <a:rPr lang="zh-TW" altLang="en-US"/>
+              <a:t>建立</a:t>
+            </a:r>
+          </a:p>
+        </p:txBody>
+      </p:sp>
+      <p:sp>
+        <p:nvSpPr>
+          <p:cNvPr id="4" name="投影片編號版面配置區 3"/>
+          <p:cNvSpPr>
+            <a:spLocks noGrp="1"/>
+          </p:cNvSpPr>
+          <p:nvPr>
+            <p:ph type="sldNum" sz="quarter" idx="5"/>
+          </p:nvPr>
+        </p:nvSpPr>
+        <p:spPr/>
+        <p:txBody>
+          <a:bodyPr/>
+          <a:lstStyle/>
+          <a:p>
+            <a:fld id="{0116F853-F7F2-4239-A629-A213C1D67574}" type="slidenum">
+              <a:rPr lang="zh-TW" altLang="en-US" smtClean="0"/>
+              <a:t>51</a:t>
             </a:fld>
             <a:endParaRPr lang="zh-TW" altLang="en-US"/>
           </a:p>
@@ -3217,7 +3432,7 @@
           <a:p>
             <a:fld id="{8A9F4CB5-1750-4E23-A13C-2C1F028F9724}" type="datetimeFigureOut">
               <a:rPr lang="zh-TW" altLang="en-US" smtClean="0"/>
-              <a:t>2023/1/31</a:t>
+              <a:t>2023/2/1</a:t>
             </a:fld>
             <a:endParaRPr lang="zh-TW" altLang="en-US"/>
           </a:p>
@@ -3415,7 +3630,7 @@
           <a:p>
             <a:fld id="{8A9F4CB5-1750-4E23-A13C-2C1F028F9724}" type="datetimeFigureOut">
               <a:rPr lang="zh-TW" altLang="en-US" smtClean="0"/>
-              <a:t>2023/1/31</a:t>
+              <a:t>2023/2/1</a:t>
             </a:fld>
             <a:endParaRPr lang="zh-TW" altLang="en-US"/>
           </a:p>
@@ -3623,7 +3838,7 @@
           <a:p>
             <a:fld id="{8A9F4CB5-1750-4E23-A13C-2C1F028F9724}" type="datetimeFigureOut">
               <a:rPr lang="zh-TW" altLang="en-US" smtClean="0"/>
-              <a:t>2023/1/31</a:t>
+              <a:t>2023/2/1</a:t>
             </a:fld>
             <a:endParaRPr lang="zh-TW" altLang="en-US"/>
           </a:p>
@@ -3821,7 +4036,7 @@
           <a:p>
             <a:fld id="{8A9F4CB5-1750-4E23-A13C-2C1F028F9724}" type="datetimeFigureOut">
               <a:rPr lang="zh-TW" altLang="en-US" smtClean="0"/>
-              <a:t>2023/1/31</a:t>
+              <a:t>2023/2/1</a:t>
             </a:fld>
             <a:endParaRPr lang="zh-TW" altLang="en-US"/>
           </a:p>
@@ -4096,7 +4311,7 @@
           <a:p>
             <a:fld id="{8A9F4CB5-1750-4E23-A13C-2C1F028F9724}" type="datetimeFigureOut">
               <a:rPr lang="zh-TW" altLang="en-US" smtClean="0"/>
-              <a:t>2023/1/31</a:t>
+              <a:t>2023/2/1</a:t>
             </a:fld>
             <a:endParaRPr lang="zh-TW" altLang="en-US"/>
           </a:p>
@@ -4361,7 +4576,7 @@
           <a:p>
             <a:fld id="{8A9F4CB5-1750-4E23-A13C-2C1F028F9724}" type="datetimeFigureOut">
               <a:rPr lang="zh-TW" altLang="en-US" smtClean="0"/>
-              <a:t>2023/1/31</a:t>
+              <a:t>2023/2/1</a:t>
             </a:fld>
             <a:endParaRPr lang="zh-TW" altLang="en-US"/>
           </a:p>
@@ -4773,7 +4988,7 @@
           <a:p>
             <a:fld id="{8A9F4CB5-1750-4E23-A13C-2C1F028F9724}" type="datetimeFigureOut">
               <a:rPr lang="zh-TW" altLang="en-US" smtClean="0"/>
-              <a:t>2023/1/31</a:t>
+              <a:t>2023/2/1</a:t>
             </a:fld>
             <a:endParaRPr lang="zh-TW" altLang="en-US"/>
           </a:p>
@@ -4914,7 +5129,7 @@
           <a:p>
             <a:fld id="{8A9F4CB5-1750-4E23-A13C-2C1F028F9724}" type="datetimeFigureOut">
               <a:rPr lang="zh-TW" altLang="en-US" smtClean="0"/>
-              <a:t>2023/1/31</a:t>
+              <a:t>2023/2/1</a:t>
             </a:fld>
             <a:endParaRPr lang="zh-TW" altLang="en-US"/>
           </a:p>
@@ -5027,7 +5242,7 @@
           <a:p>
             <a:fld id="{8A9F4CB5-1750-4E23-A13C-2C1F028F9724}" type="datetimeFigureOut">
               <a:rPr lang="zh-TW" altLang="en-US" smtClean="0"/>
-              <a:t>2023/1/31</a:t>
+              <a:t>2023/2/1</a:t>
             </a:fld>
             <a:endParaRPr lang="zh-TW" altLang="en-US"/>
           </a:p>
@@ -5338,7 +5553,7 @@
           <a:p>
             <a:fld id="{8A9F4CB5-1750-4E23-A13C-2C1F028F9724}" type="datetimeFigureOut">
               <a:rPr lang="zh-TW" altLang="en-US" smtClean="0"/>
-              <a:t>2023/1/31</a:t>
+              <a:t>2023/2/1</a:t>
             </a:fld>
             <a:endParaRPr lang="zh-TW" altLang="en-US"/>
           </a:p>
@@ -5626,7 +5841,7 @@
           <a:p>
             <a:fld id="{8A9F4CB5-1750-4E23-A13C-2C1F028F9724}" type="datetimeFigureOut">
               <a:rPr lang="zh-TW" altLang="en-US" smtClean="0"/>
-              <a:t>2023/1/31</a:t>
+              <a:t>2023/2/1</a:t>
             </a:fld>
             <a:endParaRPr lang="zh-TW" altLang="en-US"/>
           </a:p>
@@ -5867,7 +6082,7 @@
           <a:p>
             <a:fld id="{8A9F4CB5-1750-4E23-A13C-2C1F028F9724}" type="datetimeFigureOut">
               <a:rPr lang="zh-TW" altLang="en-US" smtClean="0"/>
-              <a:t>2023/1/31</a:t>
+              <a:t>2023/2/1</a:t>
             </a:fld>
             <a:endParaRPr lang="zh-TW" altLang="en-US"/>
           </a:p>
@@ -12971,13 +13186,14 @@
           </p:cNvPr>
           <p:cNvCxnSpPr>
             <a:cxnSpLocks/>
+            <a:stCxn id="6" idx="2"/>
           </p:cNvCxnSpPr>
           <p:nvPr/>
         </p:nvCxnSpPr>
         <p:spPr>
           <a:xfrm>
-            <a:off x="1189703" y="3429000"/>
-            <a:ext cx="10314039" cy="0"/>
+            <a:off x="1014620" y="3427360"/>
+            <a:ext cx="10489122" cy="1640"/>
           </a:xfrm>
           <a:prstGeom prst="line">
             <a:avLst/>
@@ -13012,7 +13228,7 @@
         </p:nvSpPr>
         <p:spPr>
           <a:xfrm>
-            <a:off x="1582994" y="3320847"/>
+            <a:off x="1892148" y="3316528"/>
             <a:ext cx="137652" cy="216306"/>
           </a:xfrm>
           <a:prstGeom prst="ellipse">
@@ -14106,55 +14322,6 @@
       </p:sp>
       <p:sp>
         <p:nvSpPr>
-          <p:cNvPr id="50" name="橢圓 49">
-            <a:extLst>
-              <a:ext uri="{FF2B5EF4-FFF2-40B4-BE49-F238E27FC236}">
-                <a16:creationId xmlns:a16="http://schemas.microsoft.com/office/drawing/2014/main" id="{48E39A83-A5E3-446F-DE45-1D198D8EBFC8}"/>
-              </a:ext>
-            </a:extLst>
-          </p:cNvPr>
-          <p:cNvSpPr/>
-          <p:nvPr/>
-        </p:nvSpPr>
-        <p:spPr>
-          <a:xfrm>
-            <a:off x="1882876" y="4106188"/>
-            <a:ext cx="137652" cy="216306"/>
-          </a:xfrm>
-          <a:prstGeom prst="ellipse">
-            <a:avLst/>
-          </a:prstGeom>
-          <a:solidFill>
-            <a:srgbClr val="FFC000"/>
-          </a:solidFill>
-        </p:spPr>
-        <p:style>
-          <a:lnRef idx="2">
-            <a:schemeClr val="accent1">
-              <a:shade val="50000"/>
-            </a:schemeClr>
-          </a:lnRef>
-          <a:fillRef idx="1">
-            <a:schemeClr val="accent1"/>
-          </a:fillRef>
-          <a:effectRef idx="0">
-            <a:schemeClr val="accent1"/>
-          </a:effectRef>
-          <a:fontRef idx="minor">
-            <a:schemeClr val="lt1"/>
-          </a:fontRef>
-        </p:style>
-        <p:txBody>
-          <a:bodyPr rtlCol="0" anchor="ctr"/>
-          <a:lstStyle/>
-          <a:p>
-            <a:pPr algn="ctr"/>
-            <a:endParaRPr lang="zh-TW" altLang="en-US"/>
-          </a:p>
-        </p:txBody>
-      </p:sp>
-      <p:sp>
-        <p:nvSpPr>
           <p:cNvPr id="51" name="橢圓 50">
             <a:extLst>
               <a:ext uri="{FF2B5EF4-FFF2-40B4-BE49-F238E27FC236}">
@@ -14767,6 +14934,114 @@
               <a:t>Sample Data</a:t>
             </a:r>
             <a:endParaRPr lang="zh-TW" altLang="en-US" dirty="0"/>
+          </a:p>
+        </p:txBody>
+      </p:sp>
+      <p:sp>
+        <p:nvSpPr>
+          <p:cNvPr id="6" name="橢圓 5">
+            <a:extLst>
+              <a:ext uri="{FF2B5EF4-FFF2-40B4-BE49-F238E27FC236}">
+                <a16:creationId xmlns:a16="http://schemas.microsoft.com/office/drawing/2014/main" id="{E712DCCB-23B0-F4D7-D2C7-E755A03DC71E}"/>
+              </a:ext>
+            </a:extLst>
+          </p:cNvPr>
+          <p:cNvSpPr/>
+          <p:nvPr/>
+        </p:nvSpPr>
+        <p:spPr>
+          <a:xfrm>
+            <a:off x="1014620" y="3319207"/>
+            <a:ext cx="137652" cy="216306"/>
+          </a:xfrm>
+          <a:prstGeom prst="ellipse">
+            <a:avLst/>
+          </a:prstGeom>
+          <a:solidFill>
+            <a:schemeClr val="accent3"/>
+          </a:solidFill>
+          <a:ln>
+            <a:solidFill>
+              <a:schemeClr val="accent3"/>
+            </a:solidFill>
+          </a:ln>
+        </p:spPr>
+        <p:style>
+          <a:lnRef idx="2">
+            <a:schemeClr val="accent1">
+              <a:shade val="50000"/>
+            </a:schemeClr>
+          </a:lnRef>
+          <a:fillRef idx="1">
+            <a:schemeClr val="accent1"/>
+          </a:fillRef>
+          <a:effectRef idx="0">
+            <a:schemeClr val="accent1"/>
+          </a:effectRef>
+          <a:fontRef idx="minor">
+            <a:schemeClr val="lt1"/>
+          </a:fontRef>
+        </p:style>
+        <p:txBody>
+          <a:bodyPr rtlCol="0" anchor="ctr"/>
+          <a:lstStyle/>
+          <a:p>
+            <a:pPr algn="ctr"/>
+            <a:endParaRPr lang="zh-TW" altLang="en-US"/>
+          </a:p>
+        </p:txBody>
+      </p:sp>
+      <p:sp>
+        <p:nvSpPr>
+          <p:cNvPr id="18" name="橢圓 17">
+            <a:extLst>
+              <a:ext uri="{FF2B5EF4-FFF2-40B4-BE49-F238E27FC236}">
+                <a16:creationId xmlns:a16="http://schemas.microsoft.com/office/drawing/2014/main" id="{D89CA0C2-EAC8-CBC6-DCD5-A27E7CF7CAC8}"/>
+              </a:ext>
+            </a:extLst>
+          </p:cNvPr>
+          <p:cNvSpPr/>
+          <p:nvPr/>
+        </p:nvSpPr>
+        <p:spPr>
+          <a:xfrm>
+            <a:off x="1902393" y="4080491"/>
+            <a:ext cx="137652" cy="216306"/>
+          </a:xfrm>
+          <a:prstGeom prst="ellipse">
+            <a:avLst/>
+          </a:prstGeom>
+          <a:solidFill>
+            <a:schemeClr val="accent3"/>
+          </a:solidFill>
+          <a:ln>
+            <a:solidFill>
+              <a:schemeClr val="accent3"/>
+            </a:solidFill>
+          </a:ln>
+        </p:spPr>
+        <p:style>
+          <a:lnRef idx="2">
+            <a:schemeClr val="accent1">
+              <a:shade val="50000"/>
+            </a:schemeClr>
+          </a:lnRef>
+          <a:fillRef idx="1">
+            <a:schemeClr val="accent1"/>
+          </a:fillRef>
+          <a:effectRef idx="0">
+            <a:schemeClr val="accent1"/>
+          </a:effectRef>
+          <a:fontRef idx="minor">
+            <a:schemeClr val="lt1"/>
+          </a:fontRef>
+        </p:style>
+        <p:txBody>
+          <a:bodyPr rtlCol="0" anchor="ctr"/>
+          <a:lstStyle/>
+          <a:p>
+            <a:pPr algn="ctr"/>
+            <a:endParaRPr lang="zh-TW" altLang="en-US"/>
           </a:p>
         </p:txBody>
       </p:sp>
@@ -16567,7 +16842,7 @@
         </p:nvCxnSpPr>
         <p:spPr>
           <a:xfrm flipV="1">
-            <a:off x="9047219" y="2477397"/>
+            <a:off x="9078579" y="2491004"/>
             <a:ext cx="999434" cy="745393"/>
           </a:xfrm>
           <a:prstGeom prst="straightConnector1">
@@ -18184,7 +18459,7 @@
           <p:cNvPr id="2" name="標題 1">
             <a:extLst>
               <a:ext uri="{FF2B5EF4-FFF2-40B4-BE49-F238E27FC236}">
-                <a16:creationId xmlns:a16="http://schemas.microsoft.com/office/drawing/2014/main" id="{41A1B36A-471A-BDE5-0D9F-F818171D72B1}"/>
+                <a16:creationId xmlns:a16="http://schemas.microsoft.com/office/drawing/2014/main" id="{EB2E4457-D2C3-9085-4A3E-B4294C350C25}"/>
               </a:ext>
             </a:extLst>
           </p:cNvPr>
@@ -18203,16 +18478,16 @@
             <a:pPr algn="ctr"/>
             <a:r>
               <a:rPr lang="zh-TW" altLang="en-US" dirty="0"/>
-              <a:t>後端</a:t>
-            </a:r>
-            <a:r>
-              <a:rPr lang="en-US" altLang="zh-TW" dirty="0"/>
-              <a:t>Decoder</a:t>
-            </a:r>
-            <a:r>
-              <a:rPr lang="zh-TW" altLang="en-US" dirty="0"/>
-              <a:t>電路</a:t>
-            </a:r>
+              <a:t>前端電路</a:t>
+            </a:r>
+            <a:br>
+              <a:rPr lang="en-US" altLang="zh-TW" dirty="0"/>
+            </a:br>
+            <a:r>
+              <a:rPr lang="en-US" altLang="zh-TW" dirty="0"/>
+              <a:t>List</a:t>
+            </a:r>
+            <a:endParaRPr lang="zh-TW" altLang="en-US" dirty="0"/>
           </a:p>
         </p:txBody>
       </p:sp>
@@ -18221,7 +18496,7 @@
           <p:cNvPr id="3" name="內容版面配置區 2">
             <a:extLst>
               <a:ext uri="{FF2B5EF4-FFF2-40B4-BE49-F238E27FC236}">
-                <a16:creationId xmlns:a16="http://schemas.microsoft.com/office/drawing/2014/main" id="{AEB419E4-8661-C0C0-63D0-CF90B8FED2EC}"/>
+                <a16:creationId xmlns:a16="http://schemas.microsoft.com/office/drawing/2014/main" id="{84DD9BA4-485A-D3F6-2A27-83CA868965E9}"/>
               </a:ext>
             </a:extLst>
           </p:cNvPr>
@@ -18237,6 +18512,46 @@
           <a:bodyPr/>
           <a:lstStyle/>
           <a:p>
+            <a:pPr marL="0" indent="0">
+              <a:buNone/>
+            </a:pPr>
+            <a:endParaRPr lang="en-US" altLang="zh-TW" dirty="0"/>
+          </a:p>
+          <a:p>
+            <a:pPr marL="514350" indent="-514350">
+              <a:buAutoNum type="arabicPeriod"/>
+            </a:pPr>
+            <a:r>
+              <a:rPr lang="en-US" altLang="zh-TW" dirty="0"/>
+              <a:t>1</a:t>
+            </a:r>
+            <a:r>
+              <a:rPr lang="en-US" altLang="zh-TW" baseline="30000" dirty="0"/>
+              <a:t>st</a:t>
+            </a:r>
+            <a:r>
+              <a:rPr lang="en-US" altLang="zh-TW" dirty="0"/>
+              <a:t> HPF</a:t>
+            </a:r>
+          </a:p>
+          <a:p>
+            <a:pPr marL="514350" indent="-514350">
+              <a:buAutoNum type="arabicPeriod"/>
+            </a:pPr>
+            <a:endParaRPr lang="en-US" altLang="zh-TW" dirty="0"/>
+          </a:p>
+          <a:p>
+            <a:pPr marL="514350" indent="-514350">
+              <a:buAutoNum type="arabicPeriod"/>
+            </a:pPr>
+            <a:r>
+              <a:rPr lang="en-US" altLang="zh-TW" dirty="0" err="1"/>
+              <a:t>Schimmit</a:t>
+            </a:r>
+            <a:r>
+              <a:rPr lang="en-US" altLang="zh-TW" dirty="0"/>
+              <a:t> Digital </a:t>
+            </a:r>
             <a:endParaRPr lang="zh-TW" altLang="en-US" dirty="0"/>
           </a:p>
         </p:txBody>
@@ -18244,7 +18559,7 @@
     </p:spTree>
     <p:extLst>
       <p:ext uri="{BB962C8B-B14F-4D97-AF65-F5344CB8AC3E}">
-        <p14:creationId xmlns:p14="http://schemas.microsoft.com/office/powerpoint/2010/main" val="1747056482"/>
+        <p14:creationId xmlns:p14="http://schemas.microsoft.com/office/powerpoint/2010/main" val="3449805241"/>
       </p:ext>
     </p:extLst>
   </p:cSld>
@@ -18276,7 +18591,7 @@
           <p:cNvPr id="2" name="標題 1">
             <a:extLst>
               <a:ext uri="{FF2B5EF4-FFF2-40B4-BE49-F238E27FC236}">
-                <a16:creationId xmlns:a16="http://schemas.microsoft.com/office/drawing/2014/main" id="{50BB383F-54B9-1566-5039-3C13647347F8}"/>
+                <a16:creationId xmlns:a16="http://schemas.microsoft.com/office/drawing/2014/main" id="{2A90B15D-FFF0-0108-A561-C393ACB0C15F}"/>
               </a:ext>
             </a:extLst>
           </p:cNvPr>
@@ -18294,94 +18609,586 @@
           <a:p>
             <a:pPr algn="ctr"/>
             <a:r>
-              <a:rPr lang="en-US" altLang="zh-TW" dirty="0" err="1"/>
-              <a:t>AutoCorrelation</a:t>
+              <a:rPr lang="en-US" altLang="zh-TW" dirty="0"/>
+              <a:t>1</a:t>
+            </a:r>
+            <a:r>
+              <a:rPr lang="en-US" altLang="zh-TW" baseline="30000" dirty="0"/>
+              <a:t>st</a:t>
+            </a:r>
+            <a:r>
+              <a:rPr lang="en-US" altLang="zh-TW" dirty="0"/>
+              <a:t> HPF</a:t>
             </a:r>
             <a:endParaRPr lang="zh-TW" altLang="en-US" dirty="0"/>
           </a:p>
         </p:txBody>
       </p:sp>
-      <p:sp>
-        <p:nvSpPr>
-          <p:cNvPr id="3" name="內容版面配置區 2">
-            <a:extLst>
-              <a:ext uri="{FF2B5EF4-FFF2-40B4-BE49-F238E27FC236}">
-                <a16:creationId xmlns:a16="http://schemas.microsoft.com/office/drawing/2014/main" id="{2596C747-6CF3-CCCC-4223-2CFCEABA8BA0}"/>
-              </a:ext>
-            </a:extLst>
-          </p:cNvPr>
-          <p:cNvSpPr>
-            <a:spLocks noGrp="1"/>
-          </p:cNvSpPr>
-          <p:nvPr>
-            <p:ph idx="1"/>
-          </p:nvPr>
-        </p:nvSpPr>
-        <p:spPr/>
-        <p:txBody>
-          <a:bodyPr/>
-          <a:lstStyle/>
-          <a:p>
-            <a:pPr marL="514350" indent="-514350">
-              <a:buAutoNum type="arabicPeriod"/>
-            </a:pPr>
+      <mc:AlternateContent xmlns:mc="http://schemas.openxmlformats.org/markup-compatibility/2006">
+        <mc:Choice xmlns:a14="http://schemas.microsoft.com/office/drawing/2010/main" Requires="a14">
+          <p:sp>
+            <p:nvSpPr>
+              <p:cNvPr id="3" name="內容版面配置區 2">
+                <a:extLst>
+                  <a:ext uri="{FF2B5EF4-FFF2-40B4-BE49-F238E27FC236}">
+                    <a16:creationId xmlns:a16="http://schemas.microsoft.com/office/drawing/2014/main" id="{80C0E3A1-714C-3ABD-5C54-E12EB5928AB6}"/>
+                  </a:ext>
+                </a:extLst>
+              </p:cNvPr>
+              <p:cNvSpPr>
+                <a:spLocks noGrp="1"/>
+              </p:cNvSpPr>
+              <p:nvPr>
+                <p:ph idx="1"/>
+              </p:nvPr>
+            </p:nvSpPr>
+            <p:spPr/>
+            <p:txBody>
+              <a:bodyPr/>
+              <a:lstStyle/>
+              <a:p>
+                <a:pPr marL="0" indent="0">
+                  <a:buNone/>
+                </a:pPr>
+                <a:r>
+                  <a:rPr lang="en-US" altLang="zh-TW" dirty="0"/>
+                  <a:t>First Difference :</a:t>
+                </a:r>
+              </a:p>
+              <a:p>
+                <a:pPr marL="0" indent="0">
+                  <a:buNone/>
+                </a:pPr>
+                <a14:m>
+                  <m:oMathPara xmlns:m="http://schemas.openxmlformats.org/officeDocument/2006/math">
+                    <m:oMathParaPr>
+                      <m:jc m:val="centerGroup"/>
+                    </m:oMathParaPr>
+                    <m:oMath xmlns:m="http://schemas.openxmlformats.org/officeDocument/2006/math">
+                      <m:r>
+                        <a:rPr lang="en-US" altLang="zh-TW" b="0" i="1" smtClean="0">
+                          <a:latin typeface="Cambria Math" panose="02040503050406030204" pitchFamily="18" charset="0"/>
+                        </a:rPr>
+                        <m:t>𝑦</m:t>
+                      </m:r>
+                      <m:d>
+                        <m:dPr>
+                          <m:begChr m:val="["/>
+                          <m:endChr m:val="]"/>
+                          <m:ctrlPr>
+                            <a:rPr lang="en-US" altLang="zh-TW" b="0" i="1" smtClean="0">
+                              <a:latin typeface="Cambria Math" panose="02040503050406030204" pitchFamily="18" charset="0"/>
+                            </a:rPr>
+                          </m:ctrlPr>
+                        </m:dPr>
+                        <m:e>
+                          <m:r>
+                            <a:rPr lang="en-US" altLang="zh-TW" b="0" i="1" smtClean="0">
+                              <a:latin typeface="Cambria Math" panose="02040503050406030204" pitchFamily="18" charset="0"/>
+                            </a:rPr>
+                            <m:t>𝑛</m:t>
+                          </m:r>
+                        </m:e>
+                      </m:d>
+                      <m:r>
+                        <a:rPr lang="en-US" altLang="zh-TW" b="0" i="1" smtClean="0">
+                          <a:latin typeface="Cambria Math" panose="02040503050406030204" pitchFamily="18" charset="0"/>
+                        </a:rPr>
+                        <m:t>=</m:t>
+                      </m:r>
+                      <m:r>
+                        <a:rPr lang="en-US" altLang="zh-TW" b="0" i="1" smtClean="0">
+                          <a:latin typeface="Cambria Math" panose="02040503050406030204" pitchFamily="18" charset="0"/>
+                        </a:rPr>
+                        <m:t>𝑥</m:t>
+                      </m:r>
+                      <m:d>
+                        <m:dPr>
+                          <m:begChr m:val="["/>
+                          <m:endChr m:val="]"/>
+                          <m:ctrlPr>
+                            <a:rPr lang="en-US" altLang="zh-TW" b="0" i="1" smtClean="0">
+                              <a:latin typeface="Cambria Math" panose="02040503050406030204" pitchFamily="18" charset="0"/>
+                            </a:rPr>
+                          </m:ctrlPr>
+                        </m:dPr>
+                        <m:e>
+                          <m:r>
+                            <a:rPr lang="en-US" altLang="zh-TW" b="0" i="1" smtClean="0">
+                              <a:latin typeface="Cambria Math" panose="02040503050406030204" pitchFamily="18" charset="0"/>
+                            </a:rPr>
+                            <m:t>𝑛</m:t>
+                          </m:r>
+                        </m:e>
+                      </m:d>
+                      <m:r>
+                        <a:rPr lang="en-US" altLang="zh-TW" b="0" i="1" smtClean="0">
+                          <a:latin typeface="Cambria Math" panose="02040503050406030204" pitchFamily="18" charset="0"/>
+                        </a:rPr>
+                        <m:t>−</m:t>
+                      </m:r>
+                      <m:r>
+                        <a:rPr lang="en-US" altLang="zh-TW" b="0" i="1" smtClean="0">
+                          <a:latin typeface="Cambria Math" panose="02040503050406030204" pitchFamily="18" charset="0"/>
+                        </a:rPr>
+                        <m:t>𝑥</m:t>
+                      </m:r>
+                      <m:d>
+                        <m:dPr>
+                          <m:begChr m:val="["/>
+                          <m:endChr m:val="]"/>
+                          <m:ctrlPr>
+                            <a:rPr lang="en-US" altLang="zh-TW" b="0" i="1" smtClean="0">
+                              <a:latin typeface="Cambria Math" panose="02040503050406030204" pitchFamily="18" charset="0"/>
+                            </a:rPr>
+                          </m:ctrlPr>
+                        </m:dPr>
+                        <m:e>
+                          <m:r>
+                            <a:rPr lang="en-US" altLang="zh-TW" b="0" i="1" smtClean="0">
+                              <a:latin typeface="Cambria Math" panose="02040503050406030204" pitchFamily="18" charset="0"/>
+                            </a:rPr>
+                            <m:t>𝑚</m:t>
+                          </m:r>
+                        </m:e>
+                      </m:d>
+                    </m:oMath>
+                  </m:oMathPara>
+                </a14:m>
+                <a:endParaRPr lang="zh-TW" altLang="en-US" dirty="0"/>
+              </a:p>
+            </p:txBody>
+          </p:sp>
+        </mc:Choice>
+        <mc:Fallback>
+          <p:sp>
+            <p:nvSpPr>
+              <p:cNvPr id="3" name="內容版面配置區 2">
+                <a:extLst>
+                  <a:ext uri="{FF2B5EF4-FFF2-40B4-BE49-F238E27FC236}">
+                    <a16:creationId xmlns:a16="http://schemas.microsoft.com/office/drawing/2014/main" id="{80C0E3A1-714C-3ABD-5C54-E12EB5928AB6}"/>
+                  </a:ext>
+                </a:extLst>
+              </p:cNvPr>
+              <p:cNvSpPr>
+                <a:spLocks noGrp="1" noRot="1" noChangeAspect="1" noMove="1" noResize="1" noEditPoints="1" noAdjustHandles="1" noChangeArrowheads="1" noChangeShapeType="1" noTextEdit="1"/>
+              </p:cNvSpPr>
+              <p:nvPr>
+                <p:ph idx="1"/>
+              </p:nvPr>
+            </p:nvSpPr>
+            <p:spPr>
+              <a:blipFill>
+                <a:blip r:embed="rId2"/>
+                <a:stretch>
+                  <a:fillRect l="-1217" t="-2241"/>
+                </a:stretch>
+              </a:blipFill>
+            </p:spPr>
+            <p:txBody>
+              <a:bodyPr/>
+              <a:lstStyle/>
+              <a:p>
+                <a:r>
+                  <a:rPr lang="zh-TW" altLang="en-US">
+                    <a:noFill/>
+                  </a:rPr>
+                  <a:t> </a:t>
+                </a:r>
+              </a:p>
+            </p:txBody>
+          </p:sp>
+        </mc:Fallback>
+      </mc:AlternateContent>
+      <p:sp>
+        <p:nvSpPr>
+          <p:cNvPr id="4" name="文字方塊 3">
+            <a:extLst>
+              <a:ext uri="{FF2B5EF4-FFF2-40B4-BE49-F238E27FC236}">
+                <a16:creationId xmlns:a16="http://schemas.microsoft.com/office/drawing/2014/main" id="{929876B0-CF33-B947-85FA-A373CD34DB4E}"/>
+              </a:ext>
+            </a:extLst>
+          </p:cNvPr>
+          <p:cNvSpPr txBox="1"/>
+          <p:nvPr/>
+        </p:nvSpPr>
+        <p:spPr>
+          <a:xfrm>
+            <a:off x="7806813" y="2733368"/>
+            <a:ext cx="2389238" cy="369332"/>
+          </a:xfrm>
+          <a:prstGeom prst="rect">
+            <a:avLst/>
+          </a:prstGeom>
+          <a:noFill/>
+        </p:spPr>
+        <p:txBody>
+          <a:bodyPr wrap="square" rtlCol="0">
+            <a:spAutoFit/>
+          </a:bodyPr>
+          <a:lstStyle/>
+          <a:p>
+            <a:r>
+              <a:rPr lang="en-US" altLang="zh-TW" dirty="0"/>
+              <a:t> </a:t>
+            </a:r>
+            <a:endParaRPr lang="zh-TW" altLang="en-US" dirty="0"/>
+          </a:p>
+        </p:txBody>
+      </p:sp>
+      <mc:AlternateContent xmlns:mc="http://schemas.openxmlformats.org/markup-compatibility/2006">
+        <mc:Choice xmlns:a14="http://schemas.microsoft.com/office/drawing/2010/main" Requires="a14">
+          <p:sp>
+            <p:nvSpPr>
+              <p:cNvPr id="5" name="文字方塊 4">
+                <a:extLst>
+                  <a:ext uri="{FF2B5EF4-FFF2-40B4-BE49-F238E27FC236}">
+                    <a16:creationId xmlns:a16="http://schemas.microsoft.com/office/drawing/2014/main" id="{9A4EF9FE-CE97-922D-BF3A-91C52E77F7DE}"/>
+                  </a:ext>
+                </a:extLst>
+              </p:cNvPr>
+              <p:cNvSpPr txBox="1"/>
+              <p:nvPr/>
+            </p:nvSpPr>
+            <p:spPr>
+              <a:xfrm>
+                <a:off x="8686799" y="2644598"/>
+                <a:ext cx="1149609" cy="276999"/>
+              </a:xfrm>
+              <a:prstGeom prst="rect">
+                <a:avLst/>
+              </a:prstGeom>
+              <a:noFill/>
+            </p:spPr>
+            <p:txBody>
+              <a:bodyPr wrap="none" lIns="0" tIns="0" rIns="0" bIns="0" rtlCol="0">
+                <a:spAutoFit/>
+              </a:bodyPr>
+              <a:lstStyle/>
+              <a:p>
+                <a14:m>
+                  <m:oMathPara xmlns:m="http://schemas.openxmlformats.org/officeDocument/2006/math">
+                    <m:oMathParaPr>
+                      <m:jc m:val="centerGroup"/>
+                    </m:oMathParaPr>
+                    <m:oMath xmlns:m="http://schemas.openxmlformats.org/officeDocument/2006/math">
+                      <m:r>
+                        <a:rPr lang="en-US" altLang="zh-TW" b="0" i="1" smtClean="0">
+                          <a:latin typeface="Cambria Math" panose="02040503050406030204" pitchFamily="18" charset="0"/>
+                        </a:rPr>
+                        <m:t>𝑚</m:t>
+                      </m:r>
+                      <m:r>
+                        <a:rPr lang="en-US" altLang="zh-TW" b="0" i="1" smtClean="0">
+                          <a:latin typeface="Cambria Math" panose="02040503050406030204" pitchFamily="18" charset="0"/>
+                        </a:rPr>
+                        <m:t>=</m:t>
+                      </m:r>
+                      <m:r>
+                        <a:rPr lang="en-US" altLang="zh-TW" b="0" i="1" smtClean="0">
+                          <a:latin typeface="Cambria Math" panose="02040503050406030204" pitchFamily="18" charset="0"/>
+                        </a:rPr>
+                        <m:t>𝑛</m:t>
+                      </m:r>
+                      <m:r>
+                        <a:rPr lang="en-US" altLang="zh-TW" b="0" i="1" smtClean="0">
+                          <a:latin typeface="Cambria Math" panose="02040503050406030204" pitchFamily="18" charset="0"/>
+                        </a:rPr>
+                        <m:t>−</m:t>
+                      </m:r>
+                      <m:r>
+                        <a:rPr lang="en-US" altLang="zh-TW" b="0" i="1" smtClean="0">
+                          <a:latin typeface="Cambria Math" panose="02040503050406030204" pitchFamily="18" charset="0"/>
+                        </a:rPr>
+                        <m:t>𝑘</m:t>
+                      </m:r>
+                      <m:r>
+                        <a:rPr lang="en-US" altLang="zh-TW" b="0" i="1" smtClean="0">
+                          <a:latin typeface="Cambria Math" panose="02040503050406030204" pitchFamily="18" charset="0"/>
+                        </a:rPr>
+                        <m:t> </m:t>
+                      </m:r>
+                    </m:oMath>
+                  </m:oMathPara>
+                </a14:m>
+                <a:endParaRPr lang="zh-TW" altLang="en-US" dirty="0"/>
+              </a:p>
+            </p:txBody>
+          </p:sp>
+        </mc:Choice>
+        <mc:Fallback>
+          <p:sp>
+            <p:nvSpPr>
+              <p:cNvPr id="5" name="文字方塊 4">
+                <a:extLst>
+                  <a:ext uri="{FF2B5EF4-FFF2-40B4-BE49-F238E27FC236}">
+                    <a16:creationId xmlns:a16="http://schemas.microsoft.com/office/drawing/2014/main" id="{9A4EF9FE-CE97-922D-BF3A-91C52E77F7DE}"/>
+                  </a:ext>
+                </a:extLst>
+              </p:cNvPr>
+              <p:cNvSpPr txBox="1">
+                <a:spLocks noRot="1" noChangeAspect="1" noMove="1" noResize="1" noEditPoints="1" noAdjustHandles="1" noChangeArrowheads="1" noChangeShapeType="1" noTextEdit="1"/>
+              </p:cNvSpPr>
+              <p:nvPr/>
+            </p:nvSpPr>
+            <p:spPr>
+              <a:xfrm>
+                <a:off x="8686799" y="2644598"/>
+                <a:ext cx="1149609" cy="276999"/>
+              </a:xfrm>
+              <a:prstGeom prst="rect">
+                <a:avLst/>
+              </a:prstGeom>
+              <a:blipFill>
+                <a:blip r:embed="rId3"/>
+                <a:stretch>
+                  <a:fillRect l="-2646" b="-8889"/>
+                </a:stretch>
+              </a:blipFill>
+            </p:spPr>
+            <p:txBody>
+              <a:bodyPr/>
+              <a:lstStyle/>
+              <a:p>
+                <a:r>
+                  <a:rPr lang="zh-TW" altLang="en-US">
+                    <a:noFill/>
+                  </a:rPr>
+                  <a:t> </a:t>
+                </a:r>
+              </a:p>
+            </p:txBody>
+          </p:sp>
+        </mc:Fallback>
+      </mc:AlternateContent>
+      <p:sp>
+        <p:nvSpPr>
+          <p:cNvPr id="6" name="文字方塊 5">
+            <a:extLst>
+              <a:ext uri="{FF2B5EF4-FFF2-40B4-BE49-F238E27FC236}">
+                <a16:creationId xmlns:a16="http://schemas.microsoft.com/office/drawing/2014/main" id="{3F67F89D-2106-DCF2-5014-6473E5BC9BC3}"/>
+              </a:ext>
+            </a:extLst>
+          </p:cNvPr>
+          <p:cNvSpPr txBox="1"/>
+          <p:nvPr/>
+        </p:nvSpPr>
+        <p:spPr>
+          <a:xfrm>
+            <a:off x="7907593" y="2598431"/>
+            <a:ext cx="931607" cy="369332"/>
+          </a:xfrm>
+          <a:prstGeom prst="rect">
+            <a:avLst/>
+          </a:prstGeom>
+          <a:noFill/>
+        </p:spPr>
+        <p:txBody>
+          <a:bodyPr wrap="square" rtlCol="0">
+            <a:spAutoFit/>
+          </a:bodyPr>
+          <a:lstStyle/>
+          <a:p>
+            <a:r>
+              <a:rPr lang="en-US" altLang="zh-TW" dirty="0"/>
+              <a:t>where</a:t>
+            </a:r>
+            <a:endParaRPr lang="zh-TW" altLang="en-US" dirty="0"/>
+          </a:p>
+        </p:txBody>
+      </p:sp>
+      <p:sp>
+        <p:nvSpPr>
+          <p:cNvPr id="7" name="文字方塊 6">
+            <a:extLst>
+              <a:ext uri="{FF2B5EF4-FFF2-40B4-BE49-F238E27FC236}">
+                <a16:creationId xmlns:a16="http://schemas.microsoft.com/office/drawing/2014/main" id="{014F6369-970A-1C6C-D471-073E969B0D9C}"/>
+              </a:ext>
+            </a:extLst>
+          </p:cNvPr>
+          <p:cNvSpPr txBox="1"/>
+          <p:nvPr/>
+        </p:nvSpPr>
+        <p:spPr>
+          <a:xfrm>
+            <a:off x="9713887" y="2611812"/>
+            <a:ext cx="668977" cy="369332"/>
+          </a:xfrm>
+          <a:prstGeom prst="rect">
+            <a:avLst/>
+          </a:prstGeom>
+          <a:noFill/>
+        </p:spPr>
+        <p:txBody>
+          <a:bodyPr wrap="square" rtlCol="0">
+            <a:spAutoFit/>
+          </a:bodyPr>
+          <a:lstStyle/>
+          <a:p>
+            <a:r>
+              <a:rPr lang="en-US" altLang="zh-TW" dirty="0"/>
+              <a:t>,</a:t>
+            </a:r>
             <a:r>
               <a:rPr lang="zh-TW" altLang="en-US" dirty="0"/>
-              <a:t>能推倒出</a:t>
-            </a:r>
-            <a:r>
-              <a:rPr lang="en-US" altLang="zh-TW" dirty="0" err="1"/>
-              <a:t>Convolation</a:t>
-            </a:r>
-            <a:r>
-              <a:rPr lang="en-US" altLang="zh-TW" dirty="0"/>
-              <a:t> Property for LTI system</a:t>
-            </a:r>
-          </a:p>
-          <a:p>
-            <a:pPr marL="514350" indent="-514350">
-              <a:buAutoNum type="arabicPeriod"/>
-            </a:pPr>
-            <a:endParaRPr lang="en-US" altLang="zh-TW" dirty="0"/>
-          </a:p>
-          <a:p>
-            <a:pPr marL="514350" indent="-514350">
-              <a:buAutoNum type="arabicPeriod"/>
-            </a:pPr>
-            <a:r>
-              <a:rPr lang="en-US" altLang="zh-TW" dirty="0" err="1"/>
-              <a:t>AutoCorreltion</a:t>
-            </a:r>
+              <a:t> </a:t>
+            </a:r>
+          </a:p>
+        </p:txBody>
+      </p:sp>
+      <mc:AlternateContent xmlns:mc="http://schemas.openxmlformats.org/markup-compatibility/2006">
+        <mc:Choice xmlns:a14="http://schemas.microsoft.com/office/drawing/2010/main" Requires="a14">
+          <p:sp>
+            <p:nvSpPr>
+              <p:cNvPr id="9" name="文字方塊 8">
+                <a:extLst>
+                  <a:ext uri="{FF2B5EF4-FFF2-40B4-BE49-F238E27FC236}">
+                    <a16:creationId xmlns:a16="http://schemas.microsoft.com/office/drawing/2014/main" id="{77E48CE4-B269-D515-1105-63058B7CC964}"/>
+                  </a:ext>
+                </a:extLst>
+              </p:cNvPr>
+              <p:cNvSpPr txBox="1"/>
+              <p:nvPr/>
+            </p:nvSpPr>
+            <p:spPr>
+              <a:xfrm>
+                <a:off x="9770807" y="2598431"/>
+                <a:ext cx="1445342" cy="369332"/>
+              </a:xfrm>
+              <a:prstGeom prst="rect">
+                <a:avLst/>
+              </a:prstGeom>
+              <a:noFill/>
+            </p:spPr>
+            <p:txBody>
+              <a:bodyPr wrap="square" rtlCol="0">
+                <a:spAutoFit/>
+              </a:bodyPr>
+              <a:lstStyle/>
+              <a:p>
+                <a14:m>
+                  <m:oMathPara xmlns:m="http://schemas.openxmlformats.org/officeDocument/2006/math">
+                    <m:oMathParaPr>
+                      <m:jc m:val="centerGroup"/>
+                    </m:oMathParaPr>
+                    <m:oMath xmlns:m="http://schemas.openxmlformats.org/officeDocument/2006/math">
+                      <m:r>
+                        <a:rPr lang="en-US" altLang="zh-TW" b="0" i="1" smtClean="0">
+                          <a:latin typeface="Cambria Math" panose="02040503050406030204" pitchFamily="18" charset="0"/>
+                          <a:ea typeface="Cambria Math" panose="02040503050406030204" pitchFamily="18" charset="0"/>
+                        </a:rPr>
+                        <m:t>1≤</m:t>
+                      </m:r>
+                      <m:r>
+                        <a:rPr lang="en-US" altLang="zh-TW" b="0" i="1" smtClean="0">
+                          <a:latin typeface="Cambria Math" panose="02040503050406030204" pitchFamily="18" charset="0"/>
+                        </a:rPr>
+                        <m:t>𝑘</m:t>
+                      </m:r>
+                      <m:r>
+                        <a:rPr lang="en-US" altLang="zh-TW" b="0" i="1" smtClean="0">
+                          <a:latin typeface="Cambria Math" panose="02040503050406030204" pitchFamily="18" charset="0"/>
+                          <a:ea typeface="Cambria Math" panose="02040503050406030204" pitchFamily="18" charset="0"/>
+                        </a:rPr>
+                        <m:t>≤4</m:t>
+                      </m:r>
+                    </m:oMath>
+                  </m:oMathPara>
+                </a14:m>
+                <a:endParaRPr lang="zh-TW" altLang="en-US" dirty="0"/>
+              </a:p>
+            </p:txBody>
+          </p:sp>
+        </mc:Choice>
+        <mc:Fallback>
+          <p:sp>
+            <p:nvSpPr>
+              <p:cNvPr id="9" name="文字方塊 8">
+                <a:extLst>
+                  <a:ext uri="{FF2B5EF4-FFF2-40B4-BE49-F238E27FC236}">
+                    <a16:creationId xmlns:a16="http://schemas.microsoft.com/office/drawing/2014/main" id="{77E48CE4-B269-D515-1105-63058B7CC964}"/>
+                  </a:ext>
+                </a:extLst>
+              </p:cNvPr>
+              <p:cNvSpPr txBox="1">
+                <a:spLocks noRot="1" noChangeAspect="1" noMove="1" noResize="1" noEditPoints="1" noAdjustHandles="1" noChangeArrowheads="1" noChangeShapeType="1" noTextEdit="1"/>
+              </p:cNvSpPr>
+              <p:nvPr/>
+            </p:nvSpPr>
+            <p:spPr>
+              <a:xfrm>
+                <a:off x="9770807" y="2598431"/>
+                <a:ext cx="1445342" cy="369332"/>
+              </a:xfrm>
+              <a:prstGeom prst="rect">
+                <a:avLst/>
+              </a:prstGeom>
+              <a:blipFill>
+                <a:blip r:embed="rId4"/>
+                <a:stretch>
+                  <a:fillRect/>
+                </a:stretch>
+              </a:blipFill>
+            </p:spPr>
+            <p:txBody>
+              <a:bodyPr/>
+              <a:lstStyle/>
+              <a:p>
+                <a:r>
+                  <a:rPr lang="zh-TW" altLang="en-US">
+                    <a:noFill/>
+                  </a:rPr>
+                  <a:t> </a:t>
+                </a:r>
+              </a:p>
+            </p:txBody>
+          </p:sp>
+        </mc:Fallback>
+      </mc:AlternateContent>
+      <p:sp>
+        <p:nvSpPr>
+          <p:cNvPr id="10" name="文字方塊 9">
+            <a:extLst>
+              <a:ext uri="{FF2B5EF4-FFF2-40B4-BE49-F238E27FC236}">
+                <a16:creationId xmlns:a16="http://schemas.microsoft.com/office/drawing/2014/main" id="{8BB687EC-7CEF-2F4F-8DB0-27EED05792FD}"/>
+              </a:ext>
+            </a:extLst>
+          </p:cNvPr>
+          <p:cNvSpPr txBox="1"/>
+          <p:nvPr/>
+        </p:nvSpPr>
+        <p:spPr>
+          <a:xfrm>
+            <a:off x="3878443" y="4631524"/>
+            <a:ext cx="5835444" cy="369332"/>
+          </a:xfrm>
+          <a:prstGeom prst="rect">
+            <a:avLst/>
+          </a:prstGeom>
+          <a:noFill/>
+        </p:spPr>
+        <p:txBody>
+          <a:bodyPr wrap="square" rtlCol="0">
+            <a:spAutoFit/>
+          </a:bodyPr>
+          <a:lstStyle/>
+          <a:p>
             <a:r>
               <a:rPr lang="zh-TW" altLang="en-US" dirty="0"/>
-              <a:t> 用處到底是</a:t>
-            </a:r>
-            <a:r>
-              <a:rPr lang="en-US" altLang="zh-TW" dirty="0"/>
-              <a:t>?</a:t>
-            </a:r>
-          </a:p>
-          <a:p>
-            <a:pPr marL="514350" indent="-514350">
-              <a:buAutoNum type="arabicPeriod"/>
-            </a:pPr>
-            <a:endParaRPr lang="en-US" altLang="zh-TW" dirty="0"/>
-          </a:p>
-          <a:p>
-            <a:pPr marL="514350" indent="-514350">
-              <a:buAutoNum type="arabicPeriod"/>
-            </a:pPr>
-            <a:r>
-              <a:rPr lang="zh-TW" altLang="en-US" dirty="0"/>
-              <a:t>訊號上的分析</a:t>
-            </a:r>
+              <a:t>畫圖來表示，並請搭配</a:t>
+            </a:r>
+            <a:r>
+              <a:rPr lang="en-US" altLang="zh-TW" dirty="0"/>
+              <a:t>Sample Rate</a:t>
+            </a:r>
+            <a:endParaRPr lang="zh-TW" altLang="en-US" dirty="0"/>
           </a:p>
         </p:txBody>
       </p:sp>
     </p:spTree>
     <p:extLst>
       <p:ext uri="{BB962C8B-B14F-4D97-AF65-F5344CB8AC3E}">
-        <p14:creationId xmlns:p14="http://schemas.microsoft.com/office/powerpoint/2010/main" val="1802279474"/>
+        <p14:creationId xmlns:p14="http://schemas.microsoft.com/office/powerpoint/2010/main" val="2541878093"/>
       </p:ext>
     </p:extLst>
   </p:cSld>
@@ -18413,6 +19220,2408 @@
           <p:cNvPr id="2" name="標題 1">
             <a:extLst>
               <a:ext uri="{FF2B5EF4-FFF2-40B4-BE49-F238E27FC236}">
+                <a16:creationId xmlns:a16="http://schemas.microsoft.com/office/drawing/2014/main" id="{F87106D1-6A38-7DC5-94DE-C5CC9C4A3A6D}"/>
+              </a:ext>
+            </a:extLst>
+          </p:cNvPr>
+          <p:cNvSpPr>
+            <a:spLocks noGrp="1"/>
+          </p:cNvSpPr>
+          <p:nvPr>
+            <p:ph type="title"/>
+          </p:nvPr>
+        </p:nvSpPr>
+        <p:spPr/>
+        <p:txBody>
+          <a:bodyPr/>
+          <a:lstStyle/>
+          <a:p>
+            <a:pPr algn="ctr"/>
+            <a:r>
+              <a:rPr lang="en-US" altLang="zh-TW" dirty="0"/>
+              <a:t>1</a:t>
+            </a:r>
+            <a:r>
+              <a:rPr lang="en-US" altLang="zh-TW" baseline="30000" dirty="0"/>
+              <a:t>st</a:t>
+            </a:r>
+            <a:r>
+              <a:rPr lang="en-US" altLang="zh-TW" dirty="0"/>
+              <a:t> HPF</a:t>
+            </a:r>
+            <a:endParaRPr lang="zh-TW" altLang="en-US" dirty="0"/>
+          </a:p>
+        </p:txBody>
+      </p:sp>
+      <p:sp>
+        <p:nvSpPr>
+          <p:cNvPr id="3" name="內容版面配置區 2">
+            <a:extLst>
+              <a:ext uri="{FF2B5EF4-FFF2-40B4-BE49-F238E27FC236}">
+                <a16:creationId xmlns:a16="http://schemas.microsoft.com/office/drawing/2014/main" id="{1CC4437C-1835-0D5B-4532-2D3DACA7A45C}"/>
+              </a:ext>
+            </a:extLst>
+          </p:cNvPr>
+          <p:cNvSpPr>
+            <a:spLocks noGrp="1"/>
+          </p:cNvSpPr>
+          <p:nvPr>
+            <p:ph idx="1"/>
+          </p:nvPr>
+        </p:nvSpPr>
+        <p:spPr/>
+        <p:txBody>
+          <a:bodyPr/>
+          <a:lstStyle/>
+          <a:p>
+            <a:pPr marL="0" indent="0">
+              <a:buNone/>
+            </a:pPr>
+            <a:r>
+              <a:rPr lang="zh-TW" altLang="en-US" dirty="0"/>
+              <a:t>用處 </a:t>
+            </a:r>
+            <a:r>
+              <a:rPr lang="en-US" altLang="zh-TW" dirty="0"/>
+              <a:t>:</a:t>
+            </a:r>
+            <a:r>
+              <a:rPr lang="zh-TW" altLang="en-US" dirty="0"/>
+              <a:t> </a:t>
+            </a:r>
+            <a:endParaRPr lang="en-US" altLang="zh-TW" dirty="0"/>
+          </a:p>
+          <a:p>
+            <a:pPr marL="0" indent="0">
+              <a:buNone/>
+            </a:pPr>
+            <a:r>
+              <a:rPr lang="zh-TW" altLang="en-US" dirty="0"/>
+              <a:t>濾掉相對低頻訊號 </a:t>
+            </a:r>
+            <a:r>
+              <a:rPr lang="en-US" altLang="zh-TW" dirty="0"/>
+              <a:t>T5</a:t>
+            </a:r>
+            <a:r>
+              <a:rPr lang="zh-TW" altLang="en-US" dirty="0"/>
+              <a:t> </a:t>
+            </a:r>
+            <a:r>
+              <a:rPr lang="en-US" altLang="zh-TW" dirty="0"/>
+              <a:t>(</a:t>
+            </a:r>
+            <a:r>
+              <a:rPr lang="zh-TW" altLang="en-US" dirty="0"/>
+              <a:t>這裡可以解釋</a:t>
+            </a:r>
+            <a:r>
+              <a:rPr lang="en-US" altLang="zh-TW" dirty="0"/>
+              <a:t>T5 </a:t>
+            </a:r>
+            <a:r>
+              <a:rPr lang="zh-TW" altLang="en-US" dirty="0"/>
+              <a:t>以及為何波型會像</a:t>
+            </a:r>
+            <a:r>
+              <a:rPr lang="en-US" altLang="zh-TW" dirty="0"/>
+              <a:t>T5)</a:t>
+            </a:r>
+            <a:endParaRPr lang="zh-TW" altLang="en-US" dirty="0"/>
+          </a:p>
+        </p:txBody>
+      </p:sp>
+    </p:spTree>
+    <p:extLst>
+      <p:ext uri="{BB962C8B-B14F-4D97-AF65-F5344CB8AC3E}">
+        <p14:creationId xmlns:p14="http://schemas.microsoft.com/office/powerpoint/2010/main" val="1051270182"/>
+      </p:ext>
+    </p:extLst>
+  </p:cSld>
+  <p:clrMapOvr>
+    <a:masterClrMapping/>
+  </p:clrMapOvr>
+</p:sld>
+</file>
+
+<file path=ppt/slides/slide36.xml><?xml version="1.0" encoding="utf-8"?>
+<p:sld xmlns:a="http://schemas.openxmlformats.org/drawingml/2006/main" xmlns:r="http://schemas.openxmlformats.org/officeDocument/2006/relationships" xmlns:p="http://schemas.openxmlformats.org/presentationml/2006/main">
+  <p:cSld>
+    <p:spTree>
+      <p:nvGrpSpPr>
+        <p:cNvPr id="1" name=""/>
+        <p:cNvGrpSpPr/>
+        <p:nvPr/>
+      </p:nvGrpSpPr>
+      <p:grpSpPr>
+        <a:xfrm>
+          <a:off x="0" y="0"/>
+          <a:ext cx="0" cy="0"/>
+          <a:chOff x="0" y="0"/>
+          <a:chExt cx="0" cy="0"/>
+        </a:xfrm>
+      </p:grpSpPr>
+      <p:sp>
+        <p:nvSpPr>
+          <p:cNvPr id="2" name="標題 1">
+            <a:extLst>
+              <a:ext uri="{FF2B5EF4-FFF2-40B4-BE49-F238E27FC236}">
+                <a16:creationId xmlns:a16="http://schemas.microsoft.com/office/drawing/2014/main" id="{77A82EA5-5CA2-7D42-8199-77430683873D}"/>
+              </a:ext>
+            </a:extLst>
+          </p:cNvPr>
+          <p:cNvSpPr>
+            <a:spLocks noGrp="1"/>
+          </p:cNvSpPr>
+          <p:nvPr>
+            <p:ph type="title"/>
+          </p:nvPr>
+        </p:nvSpPr>
+        <p:spPr/>
+        <p:txBody>
+          <a:bodyPr/>
+          <a:lstStyle/>
+          <a:p>
+            <a:pPr algn="ctr"/>
+            <a:r>
+              <a:rPr lang="zh-TW" altLang="en-US" dirty="0"/>
+              <a:t>補充 </a:t>
+            </a:r>
+            <a:r>
+              <a:rPr lang="en-US" altLang="zh-TW" dirty="0"/>
+              <a:t>T5</a:t>
+            </a:r>
+            <a:endParaRPr lang="zh-TW" altLang="en-US" dirty="0"/>
+          </a:p>
+        </p:txBody>
+      </p:sp>
+      <p:sp>
+        <p:nvSpPr>
+          <p:cNvPr id="3" name="內容版面配置區 2">
+            <a:extLst>
+              <a:ext uri="{FF2B5EF4-FFF2-40B4-BE49-F238E27FC236}">
+                <a16:creationId xmlns:a16="http://schemas.microsoft.com/office/drawing/2014/main" id="{7B7047CA-B0ED-0ADD-56B8-AB4F04614DDA}"/>
+              </a:ext>
+            </a:extLst>
+          </p:cNvPr>
+          <p:cNvSpPr>
+            <a:spLocks noGrp="1"/>
+          </p:cNvSpPr>
+          <p:nvPr>
+            <p:ph idx="1"/>
+          </p:nvPr>
+        </p:nvSpPr>
+        <p:spPr/>
+        <p:txBody>
+          <a:bodyPr/>
+          <a:lstStyle/>
+          <a:p>
+            <a:endParaRPr lang="zh-TW" altLang="en-US"/>
+          </a:p>
+        </p:txBody>
+      </p:sp>
+    </p:spTree>
+    <p:extLst>
+      <p:ext uri="{BB962C8B-B14F-4D97-AF65-F5344CB8AC3E}">
+        <p14:creationId xmlns:p14="http://schemas.microsoft.com/office/powerpoint/2010/main" val="3262252602"/>
+      </p:ext>
+    </p:extLst>
+  </p:cSld>
+  <p:clrMapOvr>
+    <a:masterClrMapping/>
+  </p:clrMapOvr>
+</p:sld>
+</file>
+
+<file path=ppt/slides/slide37.xml><?xml version="1.0" encoding="utf-8"?>
+<p:sld xmlns:a="http://schemas.openxmlformats.org/drawingml/2006/main" xmlns:r="http://schemas.openxmlformats.org/officeDocument/2006/relationships" xmlns:p="http://schemas.openxmlformats.org/presentationml/2006/main">
+  <p:cSld>
+    <p:spTree>
+      <p:nvGrpSpPr>
+        <p:cNvPr id="1" name=""/>
+        <p:cNvGrpSpPr/>
+        <p:nvPr/>
+      </p:nvGrpSpPr>
+      <p:grpSpPr>
+        <a:xfrm>
+          <a:off x="0" y="0"/>
+          <a:ext cx="0" cy="0"/>
+          <a:chOff x="0" y="0"/>
+          <a:chExt cx="0" cy="0"/>
+        </a:xfrm>
+      </p:grpSpPr>
+      <p:sp>
+        <p:nvSpPr>
+          <p:cNvPr id="2" name="標題 1">
+            <a:extLst>
+              <a:ext uri="{FF2B5EF4-FFF2-40B4-BE49-F238E27FC236}">
+                <a16:creationId xmlns:a16="http://schemas.microsoft.com/office/drawing/2014/main" id="{44A3EED0-E48E-5075-AF86-C1688A025F82}"/>
+              </a:ext>
+            </a:extLst>
+          </p:cNvPr>
+          <p:cNvSpPr>
+            <a:spLocks noGrp="1"/>
+          </p:cNvSpPr>
+          <p:nvPr>
+            <p:ph type="title"/>
+          </p:nvPr>
+        </p:nvSpPr>
+        <p:spPr/>
+        <p:txBody>
+          <a:bodyPr/>
+          <a:lstStyle/>
+          <a:p>
+            <a:pPr algn="ctr"/>
+            <a:r>
+              <a:rPr lang="en-US" altLang="zh-TW" dirty="0"/>
+              <a:t>T5 Wave(</a:t>
+            </a:r>
+            <a:r>
+              <a:rPr lang="en-US" altLang="zh-TW" dirty="0">
+                <a:solidFill>
+                  <a:srgbClr val="FF0000"/>
+                </a:solidFill>
+              </a:rPr>
+              <a:t>Two Tube</a:t>
+            </a:r>
+            <a:r>
+              <a:rPr lang="en-US" altLang="zh-TW" dirty="0"/>
+              <a:t>) </a:t>
+            </a:r>
+            <a:endParaRPr lang="zh-TW" altLang="en-US" dirty="0"/>
+          </a:p>
+        </p:txBody>
+      </p:sp>
+      <p:pic>
+        <p:nvPicPr>
+          <p:cNvPr id="5" name="內容版面配置區 4">
+            <a:extLst>
+              <a:ext uri="{FF2B5EF4-FFF2-40B4-BE49-F238E27FC236}">
+                <a16:creationId xmlns:a16="http://schemas.microsoft.com/office/drawing/2014/main" id="{F8E32013-00A1-9EF7-79F8-AF58B893170D}"/>
+              </a:ext>
+            </a:extLst>
+          </p:cNvPr>
+          <p:cNvPicPr>
+            <a:picLocks noGrp="1" noChangeAspect="1"/>
+          </p:cNvPicPr>
+          <p:nvPr>
+            <p:ph idx="1"/>
+          </p:nvPr>
+        </p:nvPicPr>
+        <p:blipFill>
+          <a:blip r:embed="rId2">
+            <a:extLst>
+              <a:ext uri="{28A0092B-C50C-407E-A947-70E740481C1C}">
+                <a14:useLocalDpi xmlns:a14="http://schemas.microsoft.com/office/drawing/2010/main" val="0"/>
+              </a:ext>
+            </a:extLst>
+          </a:blip>
+          <a:stretch>
+            <a:fillRect/>
+          </a:stretch>
+        </p:blipFill>
+        <p:spPr>
+          <a:xfrm>
+            <a:off x="2052490" y="2045081"/>
+            <a:ext cx="8087019" cy="4351338"/>
+          </a:xfrm>
+        </p:spPr>
+      </p:pic>
+      <p:sp>
+        <p:nvSpPr>
+          <p:cNvPr id="6" name="文字方塊 5">
+            <a:extLst>
+              <a:ext uri="{FF2B5EF4-FFF2-40B4-BE49-F238E27FC236}">
+                <a16:creationId xmlns:a16="http://schemas.microsoft.com/office/drawing/2014/main" id="{5B4241EB-2F6F-E91D-8533-31FBE7E962CA}"/>
+              </a:ext>
+            </a:extLst>
+          </p:cNvPr>
+          <p:cNvSpPr txBox="1"/>
+          <p:nvPr/>
+        </p:nvSpPr>
+        <p:spPr>
+          <a:xfrm>
+            <a:off x="4541519" y="5028248"/>
+            <a:ext cx="1554480" cy="369332"/>
+          </a:xfrm>
+          <a:prstGeom prst="rect">
+            <a:avLst/>
+          </a:prstGeom>
+          <a:noFill/>
+        </p:spPr>
+        <p:txBody>
+          <a:bodyPr wrap="square" rtlCol="0">
+            <a:spAutoFit/>
+          </a:bodyPr>
+          <a:lstStyle/>
+          <a:p>
+            <a:r>
+              <a:rPr lang="zh-TW" altLang="en-US" dirty="0"/>
+              <a:t>高頻 </a:t>
+            </a:r>
+            <a:r>
+              <a:rPr lang="en-US" altLang="zh-TW" dirty="0"/>
+              <a:t>: 43Khz</a:t>
+            </a:r>
+            <a:endParaRPr lang="zh-TW" altLang="en-US" dirty="0"/>
+          </a:p>
+        </p:txBody>
+      </p:sp>
+      <mc:AlternateContent xmlns:mc="http://schemas.openxmlformats.org/markup-compatibility/2006" xmlns:a14="http://schemas.microsoft.com/office/drawing/2010/main">
+        <mc:Choice Requires="a14">
+          <p:sp>
+            <p:nvSpPr>
+              <p:cNvPr id="3" name="文字方塊 2">
+                <a:extLst>
+                  <a:ext uri="{FF2B5EF4-FFF2-40B4-BE49-F238E27FC236}">
+                    <a16:creationId xmlns:a16="http://schemas.microsoft.com/office/drawing/2014/main" id="{80FEDEA9-4DD9-44E7-3C87-B5484ED5C20F}"/>
+                  </a:ext>
+                </a:extLst>
+              </p:cNvPr>
+              <p:cNvSpPr txBox="1"/>
+              <p:nvPr/>
+            </p:nvSpPr>
+            <p:spPr>
+              <a:xfrm>
+                <a:off x="10326123" y="2533650"/>
+                <a:ext cx="4638105" cy="1200329"/>
+              </a:xfrm>
+              <a:prstGeom prst="rect">
+                <a:avLst/>
+              </a:prstGeom>
+              <a:noFill/>
+            </p:spPr>
+            <p:txBody>
+              <a:bodyPr wrap="square" rtlCol="0">
+                <a:spAutoFit/>
+              </a:bodyPr>
+              <a:lstStyle/>
+              <a:p>
+                <a:r>
+                  <a:rPr lang="en-US" altLang="zh-TW" dirty="0"/>
+                  <a:t>sinx + </a:t>
+                </a:r>
+                <a:r>
+                  <a:rPr lang="en-US" altLang="zh-TW" dirty="0" err="1"/>
+                  <a:t>siny</a:t>
+                </a:r>
+                <a:r>
+                  <a:rPr lang="en-US" altLang="zh-TW" dirty="0"/>
+                  <a:t>  = 2sin((</a:t>
+                </a:r>
+                <a:r>
+                  <a:rPr lang="en-US" altLang="zh-TW" dirty="0" err="1"/>
+                  <a:t>x+y</a:t>
+                </a:r>
+                <a:r>
+                  <a:rPr lang="en-US" altLang="zh-TW" dirty="0"/>
+                  <a:t>)/2) sin((x-y)/2)</a:t>
+                </a:r>
+              </a:p>
+              <a:p>
+                <a:r>
+                  <a:rPr lang="zh-TW" altLang="en-US" dirty="0"/>
+                  <a:t> </a:t>
+                </a:r>
+                <a:endParaRPr lang="en-US" altLang="zh-TW" dirty="0"/>
+              </a:p>
+              <a:p>
+                <a:r>
+                  <a:rPr lang="en-US" altLang="zh-TW" b="0" dirty="0" err="1">
+                    <a:ea typeface="Cambria Math" panose="02040503050406030204" pitchFamily="18" charset="0"/>
+                  </a:rPr>
+                  <a:t>Wher</a:t>
+                </a:r>
+                <a:r>
+                  <a:rPr lang="en-US" altLang="zh-TW" dirty="0">
+                    <a:ea typeface="Cambria Math" panose="02040503050406030204" pitchFamily="18" charset="0"/>
+                  </a:rPr>
+                  <a:t>e </a:t>
+                </a:r>
+                <a14:m>
+                  <m:oMath xmlns:m="http://schemas.openxmlformats.org/officeDocument/2006/math">
+                    <m:r>
+                      <m:rPr>
+                        <m:sty m:val="p"/>
+                      </m:rPr>
+                      <a:rPr lang="en-US" altLang="zh-TW" b="0" i="0" smtClean="0">
+                        <a:latin typeface="Cambria Math" panose="02040503050406030204" pitchFamily="18" charset="0"/>
+                        <a:ea typeface="Cambria Math" panose="02040503050406030204" pitchFamily="18" charset="0"/>
+                      </a:rPr>
+                      <m:t>x</m:t>
+                    </m:r>
+                    <m:r>
+                      <a:rPr lang="en-US" altLang="zh-TW" i="1" smtClean="0">
+                        <a:latin typeface="Cambria Math" panose="02040503050406030204" pitchFamily="18" charset="0"/>
+                        <a:ea typeface="Cambria Math" panose="02040503050406030204" pitchFamily="18" charset="0"/>
+                      </a:rPr>
+                      <m:t>≅</m:t>
+                    </m:r>
+                    <m:r>
+                      <a:rPr lang="en-US" altLang="zh-TW" b="0" i="1" smtClean="0">
+                        <a:latin typeface="Cambria Math" panose="02040503050406030204" pitchFamily="18" charset="0"/>
+                        <a:ea typeface="Cambria Math" panose="02040503050406030204" pitchFamily="18" charset="0"/>
+                      </a:rPr>
+                      <m:t>𝑦</m:t>
+                    </m:r>
+                    <m:r>
+                      <a:rPr lang="en-US" altLang="zh-TW" b="0" i="1" smtClean="0">
+                        <a:latin typeface="Cambria Math" panose="02040503050406030204" pitchFamily="18" charset="0"/>
+                        <a:ea typeface="Cambria Math" panose="02040503050406030204" pitchFamily="18" charset="0"/>
+                      </a:rPr>
+                      <m:t> , </m:t>
+                    </m:r>
+                    <m:r>
+                      <a:rPr lang="en-US" altLang="zh-TW" b="0" i="1" smtClean="0">
+                        <a:latin typeface="Cambria Math" panose="02040503050406030204" pitchFamily="18" charset="0"/>
+                        <a:ea typeface="Cambria Math" panose="02040503050406030204" pitchFamily="18" charset="0"/>
+                      </a:rPr>
+                      <m:t>𝑥</m:t>
+                    </m:r>
+                    <m:r>
+                      <a:rPr lang="en-US" altLang="zh-TW" b="0" i="1" smtClean="0">
+                        <a:latin typeface="Cambria Math" panose="02040503050406030204" pitchFamily="18" charset="0"/>
+                        <a:ea typeface="Cambria Math" panose="02040503050406030204" pitchFamily="18" charset="0"/>
+                      </a:rPr>
+                      <m:t> </m:t>
+                    </m:r>
+                    <m:r>
+                      <a:rPr lang="en-US" altLang="zh-TW" b="0" i="1" smtClean="0">
+                        <a:latin typeface="Cambria Math" panose="02040503050406030204" pitchFamily="18" charset="0"/>
+                        <a:ea typeface="Cambria Math" panose="02040503050406030204" pitchFamily="18" charset="0"/>
+                      </a:rPr>
+                      <m:t>𝑖𝑠</m:t>
+                    </m:r>
+                    <m:r>
+                      <a:rPr lang="en-US" altLang="zh-TW" b="0" i="1" smtClean="0">
+                        <a:latin typeface="Cambria Math" panose="02040503050406030204" pitchFamily="18" charset="0"/>
+                        <a:ea typeface="Cambria Math" panose="02040503050406030204" pitchFamily="18" charset="0"/>
+                      </a:rPr>
+                      <m:t> </m:t>
+                    </m:r>
+                    <m:r>
+                      <a:rPr lang="en-US" altLang="zh-TW" b="0" i="1" smtClean="0">
+                        <a:latin typeface="Cambria Math" panose="02040503050406030204" pitchFamily="18" charset="0"/>
+                        <a:ea typeface="Cambria Math" panose="02040503050406030204" pitchFamily="18" charset="0"/>
+                      </a:rPr>
+                      <m:t>𝑜𝑛𝑒</m:t>
+                    </m:r>
+                    <m:r>
+                      <a:rPr lang="en-US" altLang="zh-TW" b="0" i="1" smtClean="0">
+                        <a:latin typeface="Cambria Math" panose="02040503050406030204" pitchFamily="18" charset="0"/>
+                        <a:ea typeface="Cambria Math" panose="02040503050406030204" pitchFamily="18" charset="0"/>
+                      </a:rPr>
+                      <m:t> </m:t>
+                    </m:r>
+                    <m:r>
+                      <a:rPr lang="en-US" altLang="zh-TW" b="0" i="1" smtClean="0">
+                        <a:latin typeface="Cambria Math" panose="02040503050406030204" pitchFamily="18" charset="0"/>
+                        <a:ea typeface="Cambria Math" panose="02040503050406030204" pitchFamily="18" charset="0"/>
+                      </a:rPr>
+                      <m:t>𝑡𝑢𝑏𝑒</m:t>
+                    </m:r>
+                    <m:r>
+                      <a:rPr lang="en-US" altLang="zh-TW" b="0" i="1" smtClean="0">
+                        <a:latin typeface="Cambria Math" panose="02040503050406030204" pitchFamily="18" charset="0"/>
+                        <a:ea typeface="Cambria Math" panose="02040503050406030204" pitchFamily="18" charset="0"/>
+                      </a:rPr>
+                      <m:t> </m:t>
+                    </m:r>
+                    <m:r>
+                      <a:rPr lang="en-US" altLang="zh-TW" b="0" i="1" smtClean="0">
+                        <a:latin typeface="Cambria Math" panose="02040503050406030204" pitchFamily="18" charset="0"/>
+                        <a:ea typeface="Cambria Math" panose="02040503050406030204" pitchFamily="18" charset="0"/>
+                      </a:rPr>
+                      <m:t>𝑓𝑟𝑒𝑞𝑒𝑛𝑐𝑦</m:t>
+                    </m:r>
+                  </m:oMath>
+                </a14:m>
+                <a:endParaRPr lang="en-US" altLang="zh-TW" b="0" dirty="0">
+                  <a:ea typeface="Cambria Math" panose="02040503050406030204" pitchFamily="18" charset="0"/>
+                </a:endParaRPr>
+              </a:p>
+              <a:p>
+                <a:r>
+                  <a:rPr lang="en-US" altLang="zh-TW" dirty="0"/>
+                  <a:t>and y is another tube frequency.</a:t>
+                </a:r>
+                <a:endParaRPr lang="zh-TW" altLang="en-US" dirty="0"/>
+              </a:p>
+            </p:txBody>
+          </p:sp>
+        </mc:Choice>
+        <mc:Fallback xmlns="">
+          <p:sp>
+            <p:nvSpPr>
+              <p:cNvPr id="3" name="文字方塊 2">
+                <a:extLst>
+                  <a:ext uri="{FF2B5EF4-FFF2-40B4-BE49-F238E27FC236}">
+                    <a16:creationId xmlns:a16="http://schemas.microsoft.com/office/drawing/2014/main" id="{80FEDEA9-4DD9-44E7-3C87-B5484ED5C20F}"/>
+                  </a:ext>
+                </a:extLst>
+              </p:cNvPr>
+              <p:cNvSpPr txBox="1">
+                <a:spLocks noRot="1" noChangeAspect="1" noMove="1" noResize="1" noEditPoints="1" noAdjustHandles="1" noChangeArrowheads="1" noChangeShapeType="1" noTextEdit="1"/>
+              </p:cNvSpPr>
+              <p:nvPr/>
+            </p:nvSpPr>
+            <p:spPr>
+              <a:xfrm>
+                <a:off x="10326123" y="2533650"/>
+                <a:ext cx="4638105" cy="1200329"/>
+              </a:xfrm>
+              <a:prstGeom prst="rect">
+                <a:avLst/>
+              </a:prstGeom>
+              <a:blipFill>
+                <a:blip r:embed="rId3"/>
+                <a:stretch>
+                  <a:fillRect l="-1183" t="-3046" b="-7107"/>
+                </a:stretch>
+              </a:blipFill>
+            </p:spPr>
+            <p:txBody>
+              <a:bodyPr/>
+              <a:lstStyle/>
+              <a:p>
+                <a:r>
+                  <a:rPr lang="zh-TW" altLang="en-US">
+                    <a:noFill/>
+                  </a:rPr>
+                  <a:t> </a:t>
+                </a:r>
+              </a:p>
+            </p:txBody>
+          </p:sp>
+        </mc:Fallback>
+      </mc:AlternateContent>
+      <p:pic>
+        <p:nvPicPr>
+          <p:cNvPr id="7" name="圖片 6">
+            <a:extLst>
+              <a:ext uri="{FF2B5EF4-FFF2-40B4-BE49-F238E27FC236}">
+                <a16:creationId xmlns:a16="http://schemas.microsoft.com/office/drawing/2014/main" id="{44D142B3-9C0B-91DF-1903-17DC00B8F2B3}"/>
+              </a:ext>
+            </a:extLst>
+          </p:cNvPr>
+          <p:cNvPicPr>
+            <a:picLocks noChangeAspect="1"/>
+          </p:cNvPicPr>
+          <p:nvPr/>
+        </p:nvPicPr>
+        <p:blipFill>
+          <a:blip r:embed="rId4">
+            <a:extLst>
+              <a:ext uri="{28A0092B-C50C-407E-A947-70E740481C1C}">
+                <a14:useLocalDpi xmlns:a14="http://schemas.microsoft.com/office/drawing/2010/main" val="0"/>
+              </a:ext>
+            </a:extLst>
+          </a:blip>
+          <a:stretch>
+            <a:fillRect/>
+          </a:stretch>
+        </p:blipFill>
+        <p:spPr>
+          <a:xfrm>
+            <a:off x="10377487" y="4162425"/>
+            <a:ext cx="3521539" cy="2596098"/>
+          </a:xfrm>
+          <a:prstGeom prst="rect">
+            <a:avLst/>
+          </a:prstGeom>
+        </p:spPr>
+      </p:pic>
+    </p:spTree>
+    <p:extLst>
+      <p:ext uri="{BB962C8B-B14F-4D97-AF65-F5344CB8AC3E}">
+        <p14:creationId xmlns:p14="http://schemas.microsoft.com/office/powerpoint/2010/main" val="2533574312"/>
+      </p:ext>
+    </p:extLst>
+  </p:cSld>
+  <p:clrMapOvr>
+    <a:masterClrMapping/>
+  </p:clrMapOvr>
+</p:sld>
+</file>
+
+<file path=ppt/slides/slide38.xml><?xml version="1.0" encoding="utf-8"?>
+<p:sld xmlns:a="http://schemas.openxmlformats.org/drawingml/2006/main" xmlns:r="http://schemas.openxmlformats.org/officeDocument/2006/relationships" xmlns:p="http://schemas.openxmlformats.org/presentationml/2006/main">
+  <p:cSld>
+    <p:spTree>
+      <p:nvGrpSpPr>
+        <p:cNvPr id="1" name=""/>
+        <p:cNvGrpSpPr/>
+        <p:nvPr/>
+      </p:nvGrpSpPr>
+      <p:grpSpPr>
+        <a:xfrm>
+          <a:off x="0" y="0"/>
+          <a:ext cx="0" cy="0"/>
+          <a:chOff x="0" y="0"/>
+          <a:chExt cx="0" cy="0"/>
+        </a:xfrm>
+      </p:grpSpPr>
+      <p:sp>
+        <p:nvSpPr>
+          <p:cNvPr id="2" name="標題 1">
+            <a:extLst>
+              <a:ext uri="{FF2B5EF4-FFF2-40B4-BE49-F238E27FC236}">
+                <a16:creationId xmlns:a16="http://schemas.microsoft.com/office/drawing/2014/main" id="{44A3EED0-E48E-5075-AF86-C1688A025F82}"/>
+              </a:ext>
+            </a:extLst>
+          </p:cNvPr>
+          <p:cNvSpPr>
+            <a:spLocks noGrp="1"/>
+          </p:cNvSpPr>
+          <p:nvPr>
+            <p:ph type="title"/>
+          </p:nvPr>
+        </p:nvSpPr>
+        <p:spPr/>
+        <p:txBody>
+          <a:bodyPr/>
+          <a:lstStyle/>
+          <a:p>
+            <a:pPr algn="ctr"/>
+            <a:r>
+              <a:rPr lang="en-US" altLang="zh-TW" dirty="0"/>
+              <a:t>DSSS Wave with T5</a:t>
+            </a:r>
+            <a:endParaRPr lang="zh-TW" altLang="en-US" dirty="0"/>
+          </a:p>
+        </p:txBody>
+      </p:sp>
+      <p:pic>
+        <p:nvPicPr>
+          <p:cNvPr id="5" name="內容版面配置區 4">
+            <a:extLst>
+              <a:ext uri="{FF2B5EF4-FFF2-40B4-BE49-F238E27FC236}">
+                <a16:creationId xmlns:a16="http://schemas.microsoft.com/office/drawing/2014/main" id="{F8E32013-00A1-9EF7-79F8-AF58B893170D}"/>
+              </a:ext>
+            </a:extLst>
+          </p:cNvPr>
+          <p:cNvPicPr>
+            <a:picLocks noGrp="1" noChangeAspect="1"/>
+          </p:cNvPicPr>
+          <p:nvPr>
+            <p:ph idx="1"/>
+          </p:nvPr>
+        </p:nvPicPr>
+        <p:blipFill>
+          <a:blip r:embed="rId2">
+            <a:extLst>
+              <a:ext uri="{28A0092B-C50C-407E-A947-70E740481C1C}">
+                <a14:useLocalDpi xmlns:a14="http://schemas.microsoft.com/office/drawing/2010/main" val="0"/>
+              </a:ext>
+            </a:extLst>
+          </a:blip>
+          <a:srcRect/>
+          <a:stretch/>
+        </p:blipFill>
+        <p:spPr>
+          <a:xfrm>
+            <a:off x="0" y="1690688"/>
+            <a:ext cx="12192000" cy="5167312"/>
+          </a:xfrm>
+        </p:spPr>
+      </p:pic>
+      <p:sp>
+        <p:nvSpPr>
+          <p:cNvPr id="3" name="文字方塊 2">
+            <a:extLst>
+              <a:ext uri="{FF2B5EF4-FFF2-40B4-BE49-F238E27FC236}">
+                <a16:creationId xmlns:a16="http://schemas.microsoft.com/office/drawing/2014/main" id="{020AD56A-A851-8749-D93F-4C757C11E8C6}"/>
+              </a:ext>
+            </a:extLst>
+          </p:cNvPr>
+          <p:cNvSpPr txBox="1"/>
+          <p:nvPr/>
+        </p:nvSpPr>
+        <p:spPr>
+          <a:xfrm>
+            <a:off x="4697639" y="5861893"/>
+            <a:ext cx="3181350" cy="369332"/>
+          </a:xfrm>
+          <a:prstGeom prst="rect">
+            <a:avLst/>
+          </a:prstGeom>
+          <a:noFill/>
+        </p:spPr>
+        <p:txBody>
+          <a:bodyPr wrap="square" rtlCol="0">
+            <a:spAutoFit/>
+          </a:bodyPr>
+          <a:lstStyle/>
+          <a:p>
+            <a:r>
+              <a:rPr lang="en-US" altLang="zh-TW" dirty="0"/>
+              <a:t>DSSS</a:t>
+            </a:r>
+            <a:r>
+              <a:rPr lang="zh-TW" altLang="en-US" dirty="0"/>
+              <a:t> </a:t>
+            </a:r>
+            <a:r>
+              <a:rPr lang="en-US" altLang="zh-TW" dirty="0"/>
+              <a:t>code with T5 Noise</a:t>
+            </a:r>
+            <a:endParaRPr lang="zh-TW" altLang="en-US" dirty="0"/>
+          </a:p>
+        </p:txBody>
+      </p:sp>
+    </p:spTree>
+    <p:extLst>
+      <p:ext uri="{BB962C8B-B14F-4D97-AF65-F5344CB8AC3E}">
+        <p14:creationId xmlns:p14="http://schemas.microsoft.com/office/powerpoint/2010/main" val="1637251675"/>
+      </p:ext>
+    </p:extLst>
+  </p:cSld>
+  <p:clrMapOvr>
+    <a:masterClrMapping/>
+  </p:clrMapOvr>
+</p:sld>
+</file>
+
+<file path=ppt/slides/slide39.xml><?xml version="1.0" encoding="utf-8"?>
+<p:sld xmlns:a="http://schemas.openxmlformats.org/drawingml/2006/main" xmlns:r="http://schemas.openxmlformats.org/officeDocument/2006/relationships" xmlns:p="http://schemas.openxmlformats.org/presentationml/2006/main">
+  <p:cSld>
+    <p:spTree>
+      <p:nvGrpSpPr>
+        <p:cNvPr id="1" name=""/>
+        <p:cNvGrpSpPr/>
+        <p:nvPr/>
+      </p:nvGrpSpPr>
+      <p:grpSpPr>
+        <a:xfrm>
+          <a:off x="0" y="0"/>
+          <a:ext cx="0" cy="0"/>
+          <a:chOff x="0" y="0"/>
+          <a:chExt cx="0" cy="0"/>
+        </a:xfrm>
+      </p:grpSpPr>
+      <p:sp>
+        <p:nvSpPr>
+          <p:cNvPr id="2" name="標題 1">
+            <a:extLst>
+              <a:ext uri="{FF2B5EF4-FFF2-40B4-BE49-F238E27FC236}">
+                <a16:creationId xmlns:a16="http://schemas.microsoft.com/office/drawing/2014/main" id="{44A3EED0-E48E-5075-AF86-C1688A025F82}"/>
+              </a:ext>
+            </a:extLst>
+          </p:cNvPr>
+          <p:cNvSpPr>
+            <a:spLocks noGrp="1"/>
+          </p:cNvSpPr>
+          <p:nvPr>
+            <p:ph type="title"/>
+          </p:nvPr>
+        </p:nvSpPr>
+        <p:spPr/>
+        <p:txBody>
+          <a:bodyPr/>
+          <a:lstStyle/>
+          <a:p>
+            <a:pPr algn="ctr"/>
+            <a:r>
+              <a:rPr lang="en-US" altLang="zh-TW" dirty="0"/>
+              <a:t>DSSS Wave with T5</a:t>
+            </a:r>
+            <a:endParaRPr lang="zh-TW" altLang="en-US" dirty="0"/>
+          </a:p>
+        </p:txBody>
+      </p:sp>
+      <p:pic>
+        <p:nvPicPr>
+          <p:cNvPr id="5" name="內容版面配置區 4">
+            <a:extLst>
+              <a:ext uri="{FF2B5EF4-FFF2-40B4-BE49-F238E27FC236}">
+                <a16:creationId xmlns:a16="http://schemas.microsoft.com/office/drawing/2014/main" id="{F8E32013-00A1-9EF7-79F8-AF58B893170D}"/>
+              </a:ext>
+            </a:extLst>
+          </p:cNvPr>
+          <p:cNvPicPr>
+            <a:picLocks noGrp="1" noChangeAspect="1"/>
+          </p:cNvPicPr>
+          <p:nvPr>
+            <p:ph idx="1"/>
+          </p:nvPr>
+        </p:nvPicPr>
+        <p:blipFill>
+          <a:blip r:embed="rId2">
+            <a:extLst>
+              <a:ext uri="{28A0092B-C50C-407E-A947-70E740481C1C}">
+                <a14:useLocalDpi xmlns:a14="http://schemas.microsoft.com/office/drawing/2010/main" val="0"/>
+              </a:ext>
+            </a:extLst>
+          </a:blip>
+          <a:srcRect/>
+          <a:stretch/>
+        </p:blipFill>
+        <p:spPr>
+          <a:xfrm>
+            <a:off x="0" y="2013378"/>
+            <a:ext cx="12191999" cy="4844621"/>
+          </a:xfrm>
+        </p:spPr>
+      </p:pic>
+      <p:sp>
+        <p:nvSpPr>
+          <p:cNvPr id="6" name="文字方塊 5">
+            <a:extLst>
+              <a:ext uri="{FF2B5EF4-FFF2-40B4-BE49-F238E27FC236}">
+                <a16:creationId xmlns:a16="http://schemas.microsoft.com/office/drawing/2014/main" id="{5B4241EB-2F6F-E91D-8533-31FBE7E962CA}"/>
+              </a:ext>
+            </a:extLst>
+          </p:cNvPr>
+          <p:cNvSpPr txBox="1"/>
+          <p:nvPr/>
+        </p:nvSpPr>
+        <p:spPr>
+          <a:xfrm>
+            <a:off x="4565871" y="1768079"/>
+            <a:ext cx="2638045" cy="369332"/>
+          </a:xfrm>
+          <a:prstGeom prst="rect">
+            <a:avLst/>
+          </a:prstGeom>
+          <a:noFill/>
+        </p:spPr>
+        <p:txBody>
+          <a:bodyPr wrap="square" rtlCol="0">
+            <a:spAutoFit/>
+          </a:bodyPr>
+          <a:lstStyle/>
+          <a:p>
+            <a:r>
+              <a:rPr lang="en-US" altLang="zh-TW" dirty="0">
+                <a:highlight>
+                  <a:srgbClr val="FFFF00"/>
+                </a:highlight>
+              </a:rPr>
+              <a:t>Use 1</a:t>
+            </a:r>
+            <a:r>
+              <a:rPr lang="en-US" altLang="zh-TW" baseline="30000" dirty="0">
+                <a:highlight>
+                  <a:srgbClr val="FFFF00"/>
+                </a:highlight>
+              </a:rPr>
+              <a:t>st</a:t>
+            </a:r>
+            <a:r>
+              <a:rPr lang="en-US" altLang="zh-TW" dirty="0">
+                <a:highlight>
+                  <a:srgbClr val="FFFF00"/>
+                </a:highlight>
+              </a:rPr>
+              <a:t> HPF filter in Signal</a:t>
+            </a:r>
+            <a:endParaRPr lang="zh-TW" altLang="en-US" dirty="0">
+              <a:highlight>
+                <a:srgbClr val="FFFF00"/>
+              </a:highlight>
+            </a:endParaRPr>
+          </a:p>
+        </p:txBody>
+      </p:sp>
+      <mc:AlternateContent xmlns:mc="http://schemas.openxmlformats.org/markup-compatibility/2006" xmlns:a14="http://schemas.microsoft.com/office/drawing/2010/main">
+        <mc:Choice Requires="a14">
+          <p:sp>
+            <p:nvSpPr>
+              <p:cNvPr id="3" name="文字方塊 2">
+                <a:extLst>
+                  <a:ext uri="{FF2B5EF4-FFF2-40B4-BE49-F238E27FC236}">
+                    <a16:creationId xmlns:a16="http://schemas.microsoft.com/office/drawing/2014/main" id="{D8573C1F-1DBC-CD1D-89E0-C8C138672264}"/>
+                  </a:ext>
+                </a:extLst>
+              </p:cNvPr>
+              <p:cNvSpPr txBox="1"/>
+              <p:nvPr/>
+            </p:nvSpPr>
+            <p:spPr>
+              <a:xfrm>
+                <a:off x="4723325" y="2769274"/>
+                <a:ext cx="2323135" cy="276999"/>
+              </a:xfrm>
+              <a:prstGeom prst="rect">
+                <a:avLst/>
+              </a:prstGeom>
+              <a:noFill/>
+            </p:spPr>
+            <p:txBody>
+              <a:bodyPr wrap="none" lIns="0" tIns="0" rIns="0" bIns="0" rtlCol="0">
+                <a:spAutoFit/>
+              </a:bodyPr>
+              <a:lstStyle/>
+              <a:p>
+                <a:pPr/>
+                <a14:m>
+                  <m:oMathPara xmlns:m="http://schemas.openxmlformats.org/officeDocument/2006/math">
+                    <m:oMathParaPr>
+                      <m:jc m:val="centerGroup"/>
+                    </m:oMathParaPr>
+                    <m:oMath xmlns:m="http://schemas.openxmlformats.org/officeDocument/2006/math">
+                      <m:r>
+                        <a:rPr lang="en-US" altLang="zh-TW" b="0" i="1" smtClean="0">
+                          <a:latin typeface="Cambria Math" panose="02040503050406030204" pitchFamily="18" charset="0"/>
+                        </a:rPr>
+                        <m:t>𝑦</m:t>
+                      </m:r>
+                      <m:d>
+                        <m:dPr>
+                          <m:begChr m:val="["/>
+                          <m:endChr m:val="]"/>
+                          <m:ctrlPr>
+                            <a:rPr lang="en-US" altLang="zh-TW" b="0" i="1" smtClean="0">
+                              <a:latin typeface="Cambria Math" panose="02040503050406030204" pitchFamily="18" charset="0"/>
+                            </a:rPr>
+                          </m:ctrlPr>
+                        </m:dPr>
+                        <m:e>
+                          <m:r>
+                            <a:rPr lang="en-US" altLang="zh-TW" b="0" i="1" smtClean="0">
+                              <a:latin typeface="Cambria Math" panose="02040503050406030204" pitchFamily="18" charset="0"/>
+                            </a:rPr>
+                            <m:t>𝑛</m:t>
+                          </m:r>
+                        </m:e>
+                      </m:d>
+                      <m:r>
+                        <a:rPr lang="en-US" altLang="zh-TW" b="0" i="1" smtClean="0">
+                          <a:latin typeface="Cambria Math" panose="02040503050406030204" pitchFamily="18" charset="0"/>
+                        </a:rPr>
+                        <m:t>=</m:t>
+                      </m:r>
+                      <m:r>
+                        <a:rPr lang="en-US" altLang="zh-TW" b="0" i="1" smtClean="0">
+                          <a:latin typeface="Cambria Math" panose="02040503050406030204" pitchFamily="18" charset="0"/>
+                        </a:rPr>
+                        <m:t>𝑥</m:t>
+                      </m:r>
+                      <m:d>
+                        <m:dPr>
+                          <m:begChr m:val="["/>
+                          <m:endChr m:val="]"/>
+                          <m:ctrlPr>
+                            <a:rPr lang="en-US" altLang="zh-TW" b="0" i="1" smtClean="0">
+                              <a:latin typeface="Cambria Math" panose="02040503050406030204" pitchFamily="18" charset="0"/>
+                            </a:rPr>
+                          </m:ctrlPr>
+                        </m:dPr>
+                        <m:e>
+                          <m:r>
+                            <a:rPr lang="en-US" altLang="zh-TW" b="0" i="1" smtClean="0">
+                              <a:latin typeface="Cambria Math" panose="02040503050406030204" pitchFamily="18" charset="0"/>
+                            </a:rPr>
+                            <m:t>𝑛</m:t>
+                          </m:r>
+                        </m:e>
+                      </m:d>
+                      <m:r>
+                        <a:rPr lang="en-US" altLang="zh-TW" b="0" i="1" smtClean="0">
+                          <a:latin typeface="Cambria Math" panose="02040503050406030204" pitchFamily="18" charset="0"/>
+                        </a:rPr>
+                        <m:t>−</m:t>
+                      </m:r>
+                      <m:r>
+                        <a:rPr lang="en-US" altLang="zh-TW" b="0" i="1" smtClean="0">
+                          <a:latin typeface="Cambria Math" panose="02040503050406030204" pitchFamily="18" charset="0"/>
+                        </a:rPr>
+                        <m:t>𝑥</m:t>
+                      </m:r>
+                      <m:r>
+                        <a:rPr lang="en-US" altLang="zh-TW" b="0" i="1" smtClean="0">
+                          <a:latin typeface="Cambria Math" panose="02040503050406030204" pitchFamily="18" charset="0"/>
+                        </a:rPr>
+                        <m:t>[</m:t>
+                      </m:r>
+                      <m:r>
+                        <a:rPr lang="en-US" altLang="zh-TW" b="0" i="1" smtClean="0">
+                          <a:latin typeface="Cambria Math" panose="02040503050406030204" pitchFamily="18" charset="0"/>
+                        </a:rPr>
+                        <m:t>𝑛</m:t>
+                      </m:r>
+                      <m:r>
+                        <a:rPr lang="en-US" altLang="zh-TW" b="0" i="1" smtClean="0">
+                          <a:latin typeface="Cambria Math" panose="02040503050406030204" pitchFamily="18" charset="0"/>
+                        </a:rPr>
+                        <m:t>−2]</m:t>
+                      </m:r>
+                    </m:oMath>
+                  </m:oMathPara>
+                </a14:m>
+                <a:endParaRPr lang="zh-TW" altLang="en-US" dirty="0"/>
+              </a:p>
+            </p:txBody>
+          </p:sp>
+        </mc:Choice>
+        <mc:Fallback xmlns="">
+          <p:sp>
+            <p:nvSpPr>
+              <p:cNvPr id="3" name="文字方塊 2">
+                <a:extLst>
+                  <a:ext uri="{FF2B5EF4-FFF2-40B4-BE49-F238E27FC236}">
+                    <a16:creationId xmlns:a16="http://schemas.microsoft.com/office/drawing/2014/main" id="{D8573C1F-1DBC-CD1D-89E0-C8C138672264}"/>
+                  </a:ext>
+                </a:extLst>
+              </p:cNvPr>
+              <p:cNvSpPr txBox="1">
+                <a:spLocks noRot="1" noChangeAspect="1" noMove="1" noResize="1" noEditPoints="1" noAdjustHandles="1" noChangeArrowheads="1" noChangeShapeType="1" noTextEdit="1"/>
+              </p:cNvSpPr>
+              <p:nvPr/>
+            </p:nvSpPr>
+            <p:spPr>
+              <a:xfrm>
+                <a:off x="4723325" y="2769274"/>
+                <a:ext cx="2323135" cy="276999"/>
+              </a:xfrm>
+              <a:prstGeom prst="rect">
+                <a:avLst/>
+              </a:prstGeom>
+              <a:blipFill>
+                <a:blip r:embed="rId3"/>
+                <a:stretch>
+                  <a:fillRect l="-2100" t="-2174" r="-3150" b="-36957"/>
+                </a:stretch>
+              </a:blipFill>
+            </p:spPr>
+            <p:txBody>
+              <a:bodyPr/>
+              <a:lstStyle/>
+              <a:p>
+                <a:r>
+                  <a:rPr lang="zh-TW" altLang="en-US">
+                    <a:noFill/>
+                  </a:rPr>
+                  <a:t> </a:t>
+                </a:r>
+              </a:p>
+            </p:txBody>
+          </p:sp>
+        </mc:Fallback>
+      </mc:AlternateContent>
+      <p:sp>
+        <p:nvSpPr>
+          <p:cNvPr id="4" name="文字方塊 3">
+            <a:extLst>
+              <a:ext uri="{FF2B5EF4-FFF2-40B4-BE49-F238E27FC236}">
+                <a16:creationId xmlns:a16="http://schemas.microsoft.com/office/drawing/2014/main" id="{EE2C5372-77E2-7AE6-31CB-B7C9165BED35}"/>
+              </a:ext>
+            </a:extLst>
+          </p:cNvPr>
+          <p:cNvSpPr txBox="1"/>
+          <p:nvPr/>
+        </p:nvSpPr>
+        <p:spPr>
+          <a:xfrm>
+            <a:off x="7203916" y="2827874"/>
+            <a:ext cx="3430094" cy="369332"/>
+          </a:xfrm>
+          <a:prstGeom prst="rect">
+            <a:avLst/>
+          </a:prstGeom>
+          <a:noFill/>
+        </p:spPr>
+        <p:txBody>
+          <a:bodyPr wrap="square" rtlCol="0">
+            <a:spAutoFit/>
+          </a:bodyPr>
+          <a:lstStyle/>
+          <a:p>
+            <a:r>
+              <a:rPr lang="en-US" altLang="zh-TW" dirty="0"/>
+              <a:t>Where x is </a:t>
+            </a:r>
+            <a:r>
+              <a:rPr lang="en-US" altLang="zh-TW" dirty="0" err="1"/>
+              <a:t>Adc</a:t>
+            </a:r>
+            <a:r>
+              <a:rPr lang="en-US" altLang="zh-TW" dirty="0"/>
+              <a:t> sample value </a:t>
+            </a:r>
+            <a:endParaRPr lang="zh-TW" altLang="en-US" dirty="0"/>
+          </a:p>
+        </p:txBody>
+      </p:sp>
+    </p:spTree>
+    <p:extLst>
+      <p:ext uri="{BB962C8B-B14F-4D97-AF65-F5344CB8AC3E}">
+        <p14:creationId xmlns:p14="http://schemas.microsoft.com/office/powerpoint/2010/main" val="1257708605"/>
+      </p:ext>
+    </p:extLst>
+  </p:cSld>
+  <p:clrMapOvr>
+    <a:masterClrMapping/>
+  </p:clrMapOvr>
+</p:sld>
+</file>
+
+<file path=ppt/slides/slide4.xml><?xml version="1.0" encoding="utf-8"?>
+<p:sld xmlns:a="http://schemas.openxmlformats.org/drawingml/2006/main" xmlns:r="http://schemas.openxmlformats.org/officeDocument/2006/relationships" xmlns:p="http://schemas.openxmlformats.org/presentationml/2006/main">
+  <p:cSld>
+    <p:spTree>
+      <p:nvGrpSpPr>
+        <p:cNvPr id="1" name=""/>
+        <p:cNvGrpSpPr/>
+        <p:nvPr/>
+      </p:nvGrpSpPr>
+      <p:grpSpPr>
+        <a:xfrm>
+          <a:off x="0" y="0"/>
+          <a:ext cx="0" cy="0"/>
+          <a:chOff x="0" y="0"/>
+          <a:chExt cx="0" cy="0"/>
+        </a:xfrm>
+      </p:grpSpPr>
+      <p:sp>
+        <p:nvSpPr>
+          <p:cNvPr id="2" name="標題 1">
+            <a:extLst>
+              <a:ext uri="{FF2B5EF4-FFF2-40B4-BE49-F238E27FC236}">
+                <a16:creationId xmlns:a16="http://schemas.microsoft.com/office/drawing/2014/main" id="{909DFB7A-5178-A910-AF8A-5FC156C6DC4F}"/>
+              </a:ext>
+            </a:extLst>
+          </p:cNvPr>
+          <p:cNvSpPr>
+            <a:spLocks noGrp="1"/>
+          </p:cNvSpPr>
+          <p:nvPr>
+            <p:ph type="title"/>
+          </p:nvPr>
+        </p:nvSpPr>
+        <p:spPr/>
+        <p:txBody>
+          <a:bodyPr/>
+          <a:lstStyle/>
+          <a:p>
+            <a:pPr algn="ctr"/>
+            <a:r>
+              <a:rPr lang="en-US" altLang="zh-TW" dirty="0"/>
+              <a:t>ADC</a:t>
+            </a:r>
+            <a:r>
+              <a:rPr lang="zh-TW" altLang="en-US" dirty="0"/>
+              <a:t> 數位架構</a:t>
+            </a:r>
+          </a:p>
+        </p:txBody>
+      </p:sp>
+      <p:sp>
+        <p:nvSpPr>
+          <p:cNvPr id="3" name="內容版面配置區 2">
+            <a:extLst>
+              <a:ext uri="{FF2B5EF4-FFF2-40B4-BE49-F238E27FC236}">
+                <a16:creationId xmlns:a16="http://schemas.microsoft.com/office/drawing/2014/main" id="{8A99489D-A16A-D6B9-AC42-459E9A5A1CDB}"/>
+              </a:ext>
+            </a:extLst>
+          </p:cNvPr>
+          <p:cNvSpPr>
+            <a:spLocks noGrp="1"/>
+          </p:cNvSpPr>
+          <p:nvPr>
+            <p:ph idx="1"/>
+          </p:nvPr>
+        </p:nvSpPr>
+        <p:spPr>
+          <a:xfrm>
+            <a:off x="838200" y="1864535"/>
+            <a:ext cx="10515600" cy="4351338"/>
+          </a:xfrm>
+        </p:spPr>
+        <p:txBody>
+          <a:bodyPr/>
+          <a:lstStyle/>
+          <a:p>
+            <a:pPr marL="0" indent="0">
+              <a:buNone/>
+            </a:pPr>
+            <a:r>
+              <a:rPr lang="zh-TW" altLang="en-US" dirty="0"/>
+              <a:t>章節列表</a:t>
+            </a:r>
+            <a:endParaRPr lang="en-US" altLang="zh-TW" dirty="0"/>
+          </a:p>
+          <a:p>
+            <a:pPr marL="0" indent="0">
+              <a:buNone/>
+            </a:pPr>
+            <a:endParaRPr lang="en-US" altLang="zh-TW" dirty="0"/>
+          </a:p>
+          <a:p>
+            <a:pPr marL="514350" indent="-514350">
+              <a:buAutoNum type="arabicPeriod"/>
+            </a:pPr>
+            <a:r>
+              <a:rPr lang="zh-TW" altLang="en-US" dirty="0"/>
+              <a:t>目的</a:t>
+            </a:r>
+            <a:endParaRPr lang="en-US" altLang="zh-TW" dirty="0"/>
+          </a:p>
+          <a:p>
+            <a:pPr marL="514350" indent="-514350">
+              <a:buAutoNum type="arabicPeriod"/>
+            </a:pPr>
+            <a:endParaRPr lang="en-US" altLang="zh-TW" dirty="0"/>
+          </a:p>
+          <a:p>
+            <a:pPr marL="514350" indent="-514350">
+              <a:buAutoNum type="arabicPeriod"/>
+            </a:pPr>
+            <a:r>
+              <a:rPr lang="zh-TW" altLang="en-US" dirty="0"/>
+              <a:t>解決的問題列表</a:t>
+            </a:r>
+            <a:endParaRPr lang="en-US" altLang="zh-TW" dirty="0"/>
+          </a:p>
+          <a:p>
+            <a:pPr marL="514350" indent="-514350">
+              <a:buAutoNum type="arabicPeriod"/>
+            </a:pPr>
+            <a:endParaRPr lang="en-US" altLang="zh-TW" dirty="0"/>
+          </a:p>
+          <a:p>
+            <a:pPr marL="514350" indent="-514350">
+              <a:buAutoNum type="arabicPeriod"/>
+            </a:pPr>
+            <a:r>
+              <a:rPr lang="en-US" altLang="zh-TW" dirty="0"/>
+              <a:t>ADC </a:t>
+            </a:r>
+            <a:r>
+              <a:rPr lang="zh-TW" altLang="en-US" dirty="0"/>
+              <a:t>架構</a:t>
+            </a:r>
+            <a:endParaRPr lang="en-US" altLang="zh-TW" dirty="0"/>
+          </a:p>
+          <a:p>
+            <a:pPr marL="514350" indent="-514350">
+              <a:buAutoNum type="arabicPeriod"/>
+            </a:pPr>
+            <a:endParaRPr lang="en-US" altLang="zh-TW" dirty="0"/>
+          </a:p>
+          <a:p>
+            <a:pPr marL="514350" indent="-514350">
+              <a:buAutoNum type="arabicPeriod"/>
+            </a:pPr>
+            <a:endParaRPr lang="zh-TW" altLang="en-US" dirty="0"/>
+          </a:p>
+        </p:txBody>
+      </p:sp>
+    </p:spTree>
+    <p:extLst>
+      <p:ext uri="{BB962C8B-B14F-4D97-AF65-F5344CB8AC3E}">
+        <p14:creationId xmlns:p14="http://schemas.microsoft.com/office/powerpoint/2010/main" val="4269580222"/>
+      </p:ext>
+    </p:extLst>
+  </p:cSld>
+  <p:clrMapOvr>
+    <a:masterClrMapping/>
+  </p:clrMapOvr>
+</p:sld>
+</file>
+
+<file path=ppt/slides/slide40.xml><?xml version="1.0" encoding="utf-8"?>
+<p:sld xmlns:a="http://schemas.openxmlformats.org/drawingml/2006/main" xmlns:r="http://schemas.openxmlformats.org/officeDocument/2006/relationships" xmlns:p="http://schemas.openxmlformats.org/presentationml/2006/main">
+  <p:cSld>
+    <p:spTree>
+      <p:nvGrpSpPr>
+        <p:cNvPr id="1" name=""/>
+        <p:cNvGrpSpPr/>
+        <p:nvPr/>
+      </p:nvGrpSpPr>
+      <p:grpSpPr>
+        <a:xfrm>
+          <a:off x="0" y="0"/>
+          <a:ext cx="0" cy="0"/>
+          <a:chOff x="0" y="0"/>
+          <a:chExt cx="0" cy="0"/>
+        </a:xfrm>
+      </p:grpSpPr>
+      <p:sp>
+        <p:nvSpPr>
+          <p:cNvPr id="2" name="標題 1">
+            <a:extLst>
+              <a:ext uri="{FF2B5EF4-FFF2-40B4-BE49-F238E27FC236}">
+                <a16:creationId xmlns:a16="http://schemas.microsoft.com/office/drawing/2014/main" id="{BD4F6E74-41DD-5DFF-8A35-FC63C2A0B647}"/>
+              </a:ext>
+            </a:extLst>
+          </p:cNvPr>
+          <p:cNvSpPr>
+            <a:spLocks noGrp="1"/>
+          </p:cNvSpPr>
+          <p:nvPr>
+            <p:ph type="title"/>
+          </p:nvPr>
+        </p:nvSpPr>
+        <p:spPr/>
+        <p:txBody>
+          <a:bodyPr/>
+          <a:lstStyle/>
+          <a:p>
+            <a:pPr algn="ctr"/>
+            <a:r>
+              <a:rPr lang="en-US" altLang="zh-TW" dirty="0"/>
+              <a:t>DSSS Wave with T5</a:t>
+            </a:r>
+            <a:endParaRPr lang="zh-TW" altLang="en-US" dirty="0"/>
+          </a:p>
+        </p:txBody>
+      </p:sp>
+      <p:pic>
+        <p:nvPicPr>
+          <p:cNvPr id="5" name="內容版面配置區 4">
+            <a:extLst>
+              <a:ext uri="{FF2B5EF4-FFF2-40B4-BE49-F238E27FC236}">
+                <a16:creationId xmlns:a16="http://schemas.microsoft.com/office/drawing/2014/main" id="{063DCBD2-1AC4-1AC9-A55C-CC45CD4E8DE8}"/>
+              </a:ext>
+            </a:extLst>
+          </p:cNvPr>
+          <p:cNvPicPr>
+            <a:picLocks noGrp="1" noChangeAspect="1"/>
+          </p:cNvPicPr>
+          <p:nvPr>
+            <p:ph idx="1"/>
+          </p:nvPr>
+        </p:nvPicPr>
+        <p:blipFill>
+          <a:blip r:embed="rId2">
+            <a:extLst>
+              <a:ext uri="{28A0092B-C50C-407E-A947-70E740481C1C}">
+                <a14:useLocalDpi xmlns:a14="http://schemas.microsoft.com/office/drawing/2010/main" val="0"/>
+              </a:ext>
+            </a:extLst>
+          </a:blip>
+          <a:stretch>
+            <a:fillRect/>
+          </a:stretch>
+        </p:blipFill>
+        <p:spPr>
+          <a:xfrm>
+            <a:off x="0" y="1852454"/>
+            <a:ext cx="12192000" cy="5005546"/>
+          </a:xfrm>
+        </p:spPr>
+      </p:pic>
+      <p:sp>
+        <p:nvSpPr>
+          <p:cNvPr id="6" name="文字方塊 5">
+            <a:extLst>
+              <a:ext uri="{FF2B5EF4-FFF2-40B4-BE49-F238E27FC236}">
+                <a16:creationId xmlns:a16="http://schemas.microsoft.com/office/drawing/2014/main" id="{657C2232-6BE1-3EDF-BDBE-4F5514E53DB9}"/>
+              </a:ext>
+            </a:extLst>
+          </p:cNvPr>
+          <p:cNvSpPr txBox="1"/>
+          <p:nvPr/>
+        </p:nvSpPr>
+        <p:spPr>
+          <a:xfrm>
+            <a:off x="4673600" y="1667788"/>
+            <a:ext cx="3933371" cy="369332"/>
+          </a:xfrm>
+          <a:prstGeom prst="rect">
+            <a:avLst/>
+          </a:prstGeom>
+          <a:noFill/>
+        </p:spPr>
+        <p:txBody>
+          <a:bodyPr wrap="square" rtlCol="0">
+            <a:spAutoFit/>
+          </a:bodyPr>
+          <a:lstStyle/>
+          <a:p>
+            <a:r>
+              <a:rPr lang="zh-TW" altLang="en-US" dirty="0"/>
+              <a:t>透過比較器將訊號還原</a:t>
+            </a:r>
+          </a:p>
+        </p:txBody>
+      </p:sp>
+    </p:spTree>
+    <p:extLst>
+      <p:ext uri="{BB962C8B-B14F-4D97-AF65-F5344CB8AC3E}">
+        <p14:creationId xmlns:p14="http://schemas.microsoft.com/office/powerpoint/2010/main" val="2721288156"/>
+      </p:ext>
+    </p:extLst>
+  </p:cSld>
+  <p:clrMapOvr>
+    <a:masterClrMapping/>
+  </p:clrMapOvr>
+</p:sld>
+</file>
+
+<file path=ppt/slides/slide41.xml><?xml version="1.0" encoding="utf-8"?>
+<p:sld xmlns:a="http://schemas.openxmlformats.org/drawingml/2006/main" xmlns:r="http://schemas.openxmlformats.org/officeDocument/2006/relationships" xmlns:p="http://schemas.openxmlformats.org/presentationml/2006/main">
+  <p:cSld>
+    <p:spTree>
+      <p:nvGrpSpPr>
+        <p:cNvPr id="1" name=""/>
+        <p:cNvGrpSpPr/>
+        <p:nvPr/>
+      </p:nvGrpSpPr>
+      <p:grpSpPr>
+        <a:xfrm>
+          <a:off x="0" y="0"/>
+          <a:ext cx="0" cy="0"/>
+          <a:chOff x="0" y="0"/>
+          <a:chExt cx="0" cy="0"/>
+        </a:xfrm>
+      </p:grpSpPr>
+      <p:sp>
+        <p:nvSpPr>
+          <p:cNvPr id="2" name="標題 1">
+            <a:extLst>
+              <a:ext uri="{FF2B5EF4-FFF2-40B4-BE49-F238E27FC236}">
+                <a16:creationId xmlns:a16="http://schemas.microsoft.com/office/drawing/2014/main" id="{D6BCE54B-5713-5B04-E759-8A8D96A55CB3}"/>
+              </a:ext>
+            </a:extLst>
+          </p:cNvPr>
+          <p:cNvSpPr>
+            <a:spLocks noGrp="1"/>
+          </p:cNvSpPr>
+          <p:nvPr>
+            <p:ph type="title"/>
+          </p:nvPr>
+        </p:nvSpPr>
+        <p:spPr/>
+        <p:txBody>
+          <a:bodyPr/>
+          <a:lstStyle/>
+          <a:p>
+            <a:pPr algn="ctr"/>
+            <a:r>
+              <a:rPr lang="en-US" altLang="zh-TW" dirty="0"/>
+              <a:t>DSSS Wave with T5</a:t>
+            </a:r>
+            <a:endParaRPr lang="zh-TW" altLang="en-US" dirty="0"/>
+          </a:p>
+        </p:txBody>
+      </p:sp>
+      <p:pic>
+        <p:nvPicPr>
+          <p:cNvPr id="5" name="內容版面配置區 4">
+            <a:extLst>
+              <a:ext uri="{FF2B5EF4-FFF2-40B4-BE49-F238E27FC236}">
+                <a16:creationId xmlns:a16="http://schemas.microsoft.com/office/drawing/2014/main" id="{74713380-74F2-DA34-0B57-977650ACA931}"/>
+              </a:ext>
+            </a:extLst>
+          </p:cNvPr>
+          <p:cNvPicPr>
+            <a:picLocks noGrp="1" noChangeAspect="1"/>
+          </p:cNvPicPr>
+          <p:nvPr>
+            <p:ph idx="1"/>
+          </p:nvPr>
+        </p:nvPicPr>
+        <p:blipFill>
+          <a:blip r:embed="rId2">
+            <a:extLst>
+              <a:ext uri="{28A0092B-C50C-407E-A947-70E740481C1C}">
+                <a14:useLocalDpi xmlns:a14="http://schemas.microsoft.com/office/drawing/2010/main" val="0"/>
+              </a:ext>
+            </a:extLst>
+          </a:blip>
+          <a:srcRect/>
+          <a:stretch/>
+        </p:blipFill>
+        <p:spPr>
+          <a:xfrm>
+            <a:off x="0" y="1825784"/>
+            <a:ext cx="12192000" cy="5032216"/>
+          </a:xfrm>
+        </p:spPr>
+      </p:pic>
+      <p:sp>
+        <p:nvSpPr>
+          <p:cNvPr id="6" name="文字方塊 5">
+            <a:extLst>
+              <a:ext uri="{FF2B5EF4-FFF2-40B4-BE49-F238E27FC236}">
+                <a16:creationId xmlns:a16="http://schemas.microsoft.com/office/drawing/2014/main" id="{30433AF9-FE4A-ED53-2D0B-73AA5995A79C}"/>
+              </a:ext>
+            </a:extLst>
+          </p:cNvPr>
+          <p:cNvSpPr txBox="1"/>
+          <p:nvPr/>
+        </p:nvSpPr>
+        <p:spPr>
+          <a:xfrm>
+            <a:off x="8824688" y="952024"/>
+            <a:ext cx="4426855" cy="1477328"/>
+          </a:xfrm>
+          <a:prstGeom prst="rect">
+            <a:avLst/>
+          </a:prstGeom>
+          <a:noFill/>
+        </p:spPr>
+        <p:txBody>
+          <a:bodyPr wrap="square" rtlCol="0">
+            <a:spAutoFit/>
+          </a:bodyPr>
+          <a:lstStyle/>
+          <a:p>
+            <a:r>
+              <a:rPr lang="zh-TW" altLang="en-US" dirty="0"/>
+              <a:t>註解 </a:t>
+            </a:r>
+            <a:r>
+              <a:rPr lang="en-US" altLang="zh-TW" dirty="0"/>
+              <a:t>:</a:t>
+            </a:r>
+          </a:p>
+          <a:p>
+            <a:pPr marL="342900" indent="-342900">
+              <a:buAutoNum type="arabicPeriod"/>
+            </a:pPr>
+            <a:r>
+              <a:rPr lang="zh-TW" altLang="en-US" dirty="0"/>
+              <a:t>原始訊號 </a:t>
+            </a:r>
+            <a:r>
+              <a:rPr lang="en-US" altLang="zh-TW" dirty="0"/>
+              <a:t>:</a:t>
+            </a:r>
+            <a:r>
+              <a:rPr lang="zh-TW" altLang="en-US" dirty="0"/>
+              <a:t> 黃色</a:t>
+            </a:r>
+            <a:endParaRPr lang="en-US" altLang="zh-TW" dirty="0"/>
+          </a:p>
+          <a:p>
+            <a:pPr marL="342900" indent="-342900">
+              <a:buAutoNum type="arabicPeriod"/>
+            </a:pPr>
+            <a:r>
+              <a:rPr lang="zh-TW" altLang="en-US" dirty="0"/>
+              <a:t>經過還原後訊號 </a:t>
+            </a:r>
+            <a:r>
+              <a:rPr lang="en-US" altLang="zh-TW" dirty="0"/>
+              <a:t>: </a:t>
+            </a:r>
+            <a:r>
+              <a:rPr lang="zh-TW" altLang="en-US" dirty="0"/>
+              <a:t>紫色</a:t>
+            </a:r>
+            <a:endParaRPr lang="en-US" altLang="zh-TW" dirty="0"/>
+          </a:p>
+          <a:p>
+            <a:pPr marL="342900" indent="-342900">
+              <a:buAutoNum type="arabicPeriod"/>
+            </a:pPr>
+            <a:r>
+              <a:rPr lang="zh-TW" altLang="en-US" dirty="0">
+                <a:solidFill>
+                  <a:srgbClr val="FF0000"/>
+                </a:solidFill>
+              </a:rPr>
+              <a:t>可以看到黃色訊號與紫色訊號長相很像</a:t>
+            </a:r>
+            <a:r>
+              <a:rPr lang="en-US" altLang="zh-TW" dirty="0">
+                <a:solidFill>
+                  <a:srgbClr val="FF0000"/>
+                </a:solidFill>
+              </a:rPr>
+              <a:t>(</a:t>
+            </a:r>
+            <a:r>
+              <a:rPr lang="zh-TW" altLang="en-US" dirty="0">
+                <a:solidFill>
+                  <a:srgbClr val="FF0000"/>
+                </a:solidFill>
+              </a:rPr>
+              <a:t>濾掉低頻訊號</a:t>
+            </a:r>
+            <a:r>
+              <a:rPr lang="en-US" altLang="zh-TW" dirty="0">
+                <a:solidFill>
+                  <a:srgbClr val="FF0000"/>
+                </a:solidFill>
+              </a:rPr>
+              <a:t>)</a:t>
+            </a:r>
+          </a:p>
+        </p:txBody>
+      </p:sp>
+      <p:sp>
+        <p:nvSpPr>
+          <p:cNvPr id="7" name="矩形: 圓角 6">
+            <a:extLst>
+              <a:ext uri="{FF2B5EF4-FFF2-40B4-BE49-F238E27FC236}">
+                <a16:creationId xmlns:a16="http://schemas.microsoft.com/office/drawing/2014/main" id="{C0223158-CE2C-4B40-0A34-031966756A2F}"/>
+              </a:ext>
+            </a:extLst>
+          </p:cNvPr>
+          <p:cNvSpPr/>
+          <p:nvPr/>
+        </p:nvSpPr>
+        <p:spPr>
+          <a:xfrm>
+            <a:off x="0" y="1690688"/>
+            <a:ext cx="3367314" cy="340139"/>
+          </a:xfrm>
+          <a:prstGeom prst="roundRect">
+            <a:avLst/>
+          </a:prstGeom>
+          <a:noFill/>
+          <a:ln w="38100">
+            <a:solidFill>
+              <a:srgbClr val="FF0000"/>
+            </a:solidFill>
+          </a:ln>
+        </p:spPr>
+        <p:style>
+          <a:lnRef idx="2">
+            <a:schemeClr val="accent1">
+              <a:shade val="50000"/>
+            </a:schemeClr>
+          </a:lnRef>
+          <a:fillRef idx="1">
+            <a:schemeClr val="accent1"/>
+          </a:fillRef>
+          <a:effectRef idx="0">
+            <a:schemeClr val="accent1"/>
+          </a:effectRef>
+          <a:fontRef idx="minor">
+            <a:schemeClr val="lt1"/>
+          </a:fontRef>
+        </p:style>
+        <p:txBody>
+          <a:bodyPr rtlCol="0" anchor="ctr"/>
+          <a:lstStyle/>
+          <a:p>
+            <a:pPr algn="ctr"/>
+            <a:endParaRPr lang="zh-TW" altLang="en-US"/>
+          </a:p>
+        </p:txBody>
+      </p:sp>
+    </p:spTree>
+    <p:extLst>
+      <p:ext uri="{BB962C8B-B14F-4D97-AF65-F5344CB8AC3E}">
+        <p14:creationId xmlns:p14="http://schemas.microsoft.com/office/powerpoint/2010/main" val="2556651551"/>
+      </p:ext>
+    </p:extLst>
+  </p:cSld>
+  <p:clrMapOvr>
+    <a:masterClrMapping/>
+  </p:clrMapOvr>
+</p:sld>
+</file>
+
+<file path=ppt/slides/slide42.xml><?xml version="1.0" encoding="utf-8"?>
+<p:sld xmlns:a="http://schemas.openxmlformats.org/drawingml/2006/main" xmlns:r="http://schemas.openxmlformats.org/officeDocument/2006/relationships" xmlns:p="http://schemas.openxmlformats.org/presentationml/2006/main">
+  <p:cSld>
+    <p:spTree>
+      <p:nvGrpSpPr>
+        <p:cNvPr id="1" name=""/>
+        <p:cNvGrpSpPr/>
+        <p:nvPr/>
+      </p:nvGrpSpPr>
+      <p:grpSpPr>
+        <a:xfrm>
+          <a:off x="0" y="0"/>
+          <a:ext cx="0" cy="0"/>
+          <a:chOff x="0" y="0"/>
+          <a:chExt cx="0" cy="0"/>
+        </a:xfrm>
+      </p:grpSpPr>
+      <p:sp>
+        <p:nvSpPr>
+          <p:cNvPr id="2" name="標題 1">
+            <a:extLst>
+              <a:ext uri="{FF2B5EF4-FFF2-40B4-BE49-F238E27FC236}">
+                <a16:creationId xmlns:a16="http://schemas.microsoft.com/office/drawing/2014/main" id="{44A3EED0-E48E-5075-AF86-C1688A025F82}"/>
+              </a:ext>
+            </a:extLst>
+          </p:cNvPr>
+          <p:cNvSpPr>
+            <a:spLocks noGrp="1"/>
+          </p:cNvSpPr>
+          <p:nvPr>
+            <p:ph type="title"/>
+          </p:nvPr>
+        </p:nvSpPr>
+        <p:spPr/>
+        <p:txBody>
+          <a:bodyPr/>
+          <a:lstStyle/>
+          <a:p>
+            <a:pPr algn="ctr"/>
+            <a:r>
+              <a:rPr lang="en-US" altLang="zh-TW" dirty="0"/>
+              <a:t>T5 Wave </a:t>
+            </a:r>
+            <a:endParaRPr lang="zh-TW" altLang="en-US" dirty="0"/>
+          </a:p>
+        </p:txBody>
+      </p:sp>
+      <p:pic>
+        <p:nvPicPr>
+          <p:cNvPr id="5" name="內容版面配置區 4">
+            <a:extLst>
+              <a:ext uri="{FF2B5EF4-FFF2-40B4-BE49-F238E27FC236}">
+                <a16:creationId xmlns:a16="http://schemas.microsoft.com/office/drawing/2014/main" id="{F8E32013-00A1-9EF7-79F8-AF58B893170D}"/>
+              </a:ext>
+            </a:extLst>
+          </p:cNvPr>
+          <p:cNvPicPr>
+            <a:picLocks noGrp="1" noChangeAspect="1"/>
+          </p:cNvPicPr>
+          <p:nvPr>
+            <p:ph idx="1"/>
+          </p:nvPr>
+        </p:nvPicPr>
+        <p:blipFill>
+          <a:blip r:embed="rId2">
+            <a:extLst>
+              <a:ext uri="{28A0092B-C50C-407E-A947-70E740481C1C}">
+                <a14:useLocalDpi xmlns:a14="http://schemas.microsoft.com/office/drawing/2010/main" val="0"/>
+              </a:ext>
+            </a:extLst>
+          </a:blip>
+          <a:srcRect/>
+          <a:stretch/>
+        </p:blipFill>
+        <p:spPr>
+          <a:xfrm>
+            <a:off x="420625" y="1536192"/>
+            <a:ext cx="11411712" cy="5148072"/>
+          </a:xfrm>
+        </p:spPr>
+      </p:pic>
+      <p:sp>
+        <p:nvSpPr>
+          <p:cNvPr id="3" name="文字方塊 2">
+            <a:extLst>
+              <a:ext uri="{FF2B5EF4-FFF2-40B4-BE49-F238E27FC236}">
+                <a16:creationId xmlns:a16="http://schemas.microsoft.com/office/drawing/2014/main" id="{679F4C3E-3A91-29DC-9B86-4CB9A795A6B3}"/>
+              </a:ext>
+            </a:extLst>
+          </p:cNvPr>
+          <p:cNvSpPr txBox="1"/>
+          <p:nvPr/>
+        </p:nvSpPr>
+        <p:spPr>
+          <a:xfrm>
+            <a:off x="8872348" y="566241"/>
+            <a:ext cx="3026664" cy="923330"/>
+          </a:xfrm>
+          <a:prstGeom prst="rect">
+            <a:avLst/>
+          </a:prstGeom>
+          <a:noFill/>
+        </p:spPr>
+        <p:txBody>
+          <a:bodyPr wrap="square" rtlCol="0">
+            <a:spAutoFit/>
+          </a:bodyPr>
+          <a:lstStyle/>
+          <a:p>
+            <a:r>
+              <a:rPr lang="zh-TW" altLang="en-US" dirty="0"/>
+              <a:t>藍色 </a:t>
+            </a:r>
+            <a:r>
+              <a:rPr lang="en-US" altLang="zh-TW" dirty="0"/>
+              <a:t>: Origin Signal</a:t>
+            </a:r>
+          </a:p>
+          <a:p>
+            <a:r>
+              <a:rPr lang="zh-TW" altLang="en-US" dirty="0"/>
+              <a:t>紅色 </a:t>
+            </a:r>
+            <a:r>
+              <a:rPr lang="en-US" altLang="zh-TW" dirty="0"/>
+              <a:t>: </a:t>
+            </a:r>
+            <a:r>
+              <a:rPr lang="zh-TW" altLang="en-US" dirty="0"/>
+              <a:t>經過</a:t>
+            </a:r>
+            <a:r>
+              <a:rPr lang="en-US" altLang="zh-TW" dirty="0"/>
+              <a:t>HPF</a:t>
+            </a:r>
+          </a:p>
+          <a:p>
+            <a:r>
+              <a:rPr lang="zh-TW" altLang="en-US" dirty="0"/>
+              <a:t>綠色 </a:t>
+            </a:r>
+            <a:r>
+              <a:rPr lang="en-US" altLang="zh-TW" dirty="0"/>
+              <a:t>:</a:t>
+            </a:r>
+            <a:r>
+              <a:rPr lang="zh-TW" altLang="en-US" dirty="0"/>
+              <a:t> 經過遲滯還原後訊號</a:t>
+            </a:r>
+          </a:p>
+        </p:txBody>
+      </p:sp>
+      <p:cxnSp>
+        <p:nvCxnSpPr>
+          <p:cNvPr id="7" name="直線單箭頭接點 6">
+            <a:extLst>
+              <a:ext uri="{FF2B5EF4-FFF2-40B4-BE49-F238E27FC236}">
+                <a16:creationId xmlns:a16="http://schemas.microsoft.com/office/drawing/2014/main" id="{81B3D2F6-0BF6-CB77-7406-F632733D6AFF}"/>
+              </a:ext>
+            </a:extLst>
+          </p:cNvPr>
+          <p:cNvCxnSpPr/>
+          <p:nvPr/>
+        </p:nvCxnSpPr>
+        <p:spPr>
+          <a:xfrm flipH="1" flipV="1">
+            <a:off x="1847088" y="5696712"/>
+            <a:ext cx="905256" cy="557784"/>
+          </a:xfrm>
+          <a:prstGeom prst="straightConnector1">
+            <a:avLst/>
+          </a:prstGeom>
+          <a:ln>
+            <a:tailEnd type="triangle"/>
+          </a:ln>
+        </p:spPr>
+        <p:style>
+          <a:lnRef idx="1">
+            <a:schemeClr val="accent1"/>
+          </a:lnRef>
+          <a:fillRef idx="0">
+            <a:schemeClr val="accent1"/>
+          </a:fillRef>
+          <a:effectRef idx="0">
+            <a:schemeClr val="accent1"/>
+          </a:effectRef>
+          <a:fontRef idx="minor">
+            <a:schemeClr val="tx1"/>
+          </a:fontRef>
+        </p:style>
+      </p:cxnSp>
+      <p:sp>
+        <p:nvSpPr>
+          <p:cNvPr id="8" name="文字方塊 7">
+            <a:extLst>
+              <a:ext uri="{FF2B5EF4-FFF2-40B4-BE49-F238E27FC236}">
+                <a16:creationId xmlns:a16="http://schemas.microsoft.com/office/drawing/2014/main" id="{DD7F9A39-B996-DCC3-718A-6F84A274ADF9}"/>
+              </a:ext>
+            </a:extLst>
+          </p:cNvPr>
+          <p:cNvSpPr txBox="1"/>
+          <p:nvPr/>
+        </p:nvSpPr>
+        <p:spPr>
+          <a:xfrm>
+            <a:off x="2712718" y="5696712"/>
+            <a:ext cx="4126232" cy="369332"/>
+          </a:xfrm>
+          <a:prstGeom prst="rect">
+            <a:avLst/>
+          </a:prstGeom>
+          <a:noFill/>
+        </p:spPr>
+        <p:txBody>
+          <a:bodyPr wrap="square" rtlCol="0">
+            <a:spAutoFit/>
+          </a:bodyPr>
+          <a:lstStyle/>
+          <a:p>
+            <a:r>
+              <a:rPr lang="zh-TW" altLang="en-US" dirty="0"/>
+              <a:t>重點 </a:t>
+            </a:r>
+            <a:r>
+              <a:rPr lang="en-US" altLang="zh-TW" dirty="0"/>
+              <a:t>:</a:t>
+            </a:r>
+            <a:r>
+              <a:rPr lang="zh-TW" altLang="en-US" dirty="0"/>
+              <a:t> 紅色頻率</a:t>
+            </a:r>
+            <a:r>
+              <a:rPr lang="en-US" altLang="zh-TW" dirty="0"/>
+              <a:t>43KHZ</a:t>
+            </a:r>
+            <a:r>
+              <a:rPr lang="zh-TW" altLang="en-US" dirty="0"/>
+              <a:t>被濾得很乾淨</a:t>
+            </a:r>
+          </a:p>
+        </p:txBody>
+      </p:sp>
+      <p:sp>
+        <p:nvSpPr>
+          <p:cNvPr id="4" name="矩形 3">
+            <a:extLst>
+              <a:ext uri="{FF2B5EF4-FFF2-40B4-BE49-F238E27FC236}">
+                <a16:creationId xmlns:a16="http://schemas.microsoft.com/office/drawing/2014/main" id="{5B392F7F-F8D5-AB30-59A4-DBB701320C51}"/>
+              </a:ext>
+            </a:extLst>
+          </p:cNvPr>
+          <p:cNvSpPr/>
+          <p:nvPr/>
+        </p:nvSpPr>
+        <p:spPr>
+          <a:xfrm>
+            <a:off x="1209675" y="6254496"/>
+            <a:ext cx="1038606" cy="429768"/>
+          </a:xfrm>
+          <a:prstGeom prst="rect">
+            <a:avLst/>
+          </a:prstGeom>
+          <a:noFill/>
+          <a:ln w="38100">
+            <a:solidFill>
+              <a:srgbClr val="FF0000"/>
+            </a:solidFill>
+          </a:ln>
+        </p:spPr>
+        <p:style>
+          <a:lnRef idx="2">
+            <a:schemeClr val="accent1">
+              <a:shade val="50000"/>
+            </a:schemeClr>
+          </a:lnRef>
+          <a:fillRef idx="1">
+            <a:schemeClr val="accent1"/>
+          </a:fillRef>
+          <a:effectRef idx="0">
+            <a:schemeClr val="accent1"/>
+          </a:effectRef>
+          <a:fontRef idx="minor">
+            <a:schemeClr val="lt1"/>
+          </a:fontRef>
+        </p:style>
+        <p:txBody>
+          <a:bodyPr rtlCol="0" anchor="ctr"/>
+          <a:lstStyle/>
+          <a:p>
+            <a:pPr algn="ctr"/>
+            <a:endParaRPr lang="zh-TW" altLang="en-US"/>
+          </a:p>
+        </p:txBody>
+      </p:sp>
+    </p:spTree>
+    <p:extLst>
+      <p:ext uri="{BB962C8B-B14F-4D97-AF65-F5344CB8AC3E}">
+        <p14:creationId xmlns:p14="http://schemas.microsoft.com/office/powerpoint/2010/main" val="1049564330"/>
+      </p:ext>
+    </p:extLst>
+  </p:cSld>
+  <p:clrMapOvr>
+    <a:masterClrMapping/>
+  </p:clrMapOvr>
+</p:sld>
+</file>
+
+<file path=ppt/slides/slide43.xml><?xml version="1.0" encoding="utf-8"?>
+<p:sld xmlns:a="http://schemas.openxmlformats.org/drawingml/2006/main" xmlns:r="http://schemas.openxmlformats.org/officeDocument/2006/relationships" xmlns:p="http://schemas.openxmlformats.org/presentationml/2006/main">
+  <p:cSld>
+    <p:spTree>
+      <p:nvGrpSpPr>
+        <p:cNvPr id="1" name=""/>
+        <p:cNvGrpSpPr/>
+        <p:nvPr/>
+      </p:nvGrpSpPr>
+      <p:grpSpPr>
+        <a:xfrm>
+          <a:off x="0" y="0"/>
+          <a:ext cx="0" cy="0"/>
+          <a:chOff x="0" y="0"/>
+          <a:chExt cx="0" cy="0"/>
+        </a:xfrm>
+      </p:grpSpPr>
+      <p:sp>
+        <p:nvSpPr>
+          <p:cNvPr id="2" name="標題 1">
+            <a:extLst>
+              <a:ext uri="{FF2B5EF4-FFF2-40B4-BE49-F238E27FC236}">
+                <a16:creationId xmlns:a16="http://schemas.microsoft.com/office/drawing/2014/main" id="{77B76CDA-2D03-836D-750B-6F0405B93A9F}"/>
+              </a:ext>
+            </a:extLst>
+          </p:cNvPr>
+          <p:cNvSpPr>
+            <a:spLocks noGrp="1"/>
+          </p:cNvSpPr>
+          <p:nvPr>
+            <p:ph type="title"/>
+          </p:nvPr>
+        </p:nvSpPr>
+        <p:spPr/>
+        <p:txBody>
+          <a:bodyPr/>
+          <a:lstStyle/>
+          <a:p>
+            <a:pPr algn="ctr"/>
+            <a:r>
+              <a:rPr lang="en-US" altLang="zh-TW" dirty="0"/>
+              <a:t>Schmitt Digital</a:t>
+            </a:r>
+            <a:endParaRPr lang="zh-TW" altLang="en-US" dirty="0"/>
+          </a:p>
+        </p:txBody>
+      </p:sp>
+      <p:sp>
+        <p:nvSpPr>
+          <p:cNvPr id="3" name="內容版面配置區 2">
+            <a:extLst>
+              <a:ext uri="{FF2B5EF4-FFF2-40B4-BE49-F238E27FC236}">
+                <a16:creationId xmlns:a16="http://schemas.microsoft.com/office/drawing/2014/main" id="{539F7440-3ABC-79D7-D088-A074EF678298}"/>
+              </a:ext>
+            </a:extLst>
+          </p:cNvPr>
+          <p:cNvSpPr>
+            <a:spLocks noGrp="1"/>
+          </p:cNvSpPr>
+          <p:nvPr>
+            <p:ph idx="1"/>
+          </p:nvPr>
+        </p:nvSpPr>
+        <p:spPr/>
+        <p:txBody>
+          <a:bodyPr/>
+          <a:lstStyle/>
+          <a:p>
+            <a:pPr marL="0" indent="0">
+              <a:buNone/>
+            </a:pPr>
+            <a:r>
+              <a:rPr lang="zh-TW" altLang="en-US" dirty="0"/>
+              <a:t>行為</a:t>
+            </a:r>
+            <a:endParaRPr lang="en-US" altLang="zh-TW" dirty="0"/>
+          </a:p>
+          <a:p>
+            <a:pPr marL="0" indent="0">
+              <a:buNone/>
+            </a:pPr>
+            <a:r>
+              <a:rPr lang="en-US" altLang="zh-TW" dirty="0"/>
+              <a:t>Code</a:t>
+            </a:r>
+            <a:r>
+              <a:rPr lang="zh-TW" altLang="en-US" dirty="0"/>
+              <a:t>寫法</a:t>
+            </a:r>
+          </a:p>
+        </p:txBody>
+      </p:sp>
+    </p:spTree>
+    <p:extLst>
+      <p:ext uri="{BB962C8B-B14F-4D97-AF65-F5344CB8AC3E}">
+        <p14:creationId xmlns:p14="http://schemas.microsoft.com/office/powerpoint/2010/main" val="2446044506"/>
+      </p:ext>
+    </p:extLst>
+  </p:cSld>
+  <p:clrMapOvr>
+    <a:masterClrMapping/>
+  </p:clrMapOvr>
+</p:sld>
+</file>
+
+<file path=ppt/slides/slide44.xml><?xml version="1.0" encoding="utf-8"?>
+<p:sld xmlns:a="http://schemas.openxmlformats.org/drawingml/2006/main" xmlns:r="http://schemas.openxmlformats.org/officeDocument/2006/relationships" xmlns:p="http://schemas.openxmlformats.org/presentationml/2006/main">
+  <p:cSld>
+    <p:spTree>
+      <p:nvGrpSpPr>
+        <p:cNvPr id="1" name=""/>
+        <p:cNvGrpSpPr/>
+        <p:nvPr/>
+      </p:nvGrpSpPr>
+      <p:grpSpPr>
+        <a:xfrm>
+          <a:off x="0" y="0"/>
+          <a:ext cx="0" cy="0"/>
+          <a:chOff x="0" y="0"/>
+          <a:chExt cx="0" cy="0"/>
+        </a:xfrm>
+      </p:grpSpPr>
+      <p:sp>
+        <p:nvSpPr>
+          <p:cNvPr id="2" name="標題 1">
+            <a:extLst>
+              <a:ext uri="{FF2B5EF4-FFF2-40B4-BE49-F238E27FC236}">
+                <a16:creationId xmlns:a16="http://schemas.microsoft.com/office/drawing/2014/main" id="{41A1B36A-471A-BDE5-0D9F-F818171D72B1}"/>
+              </a:ext>
+            </a:extLst>
+          </p:cNvPr>
+          <p:cNvSpPr>
+            <a:spLocks noGrp="1"/>
+          </p:cNvSpPr>
+          <p:nvPr>
+            <p:ph type="title"/>
+          </p:nvPr>
+        </p:nvSpPr>
+        <p:spPr/>
+        <p:txBody>
+          <a:bodyPr/>
+          <a:lstStyle/>
+          <a:p>
+            <a:pPr algn="ctr"/>
+            <a:r>
+              <a:rPr lang="zh-TW" altLang="en-US" dirty="0"/>
+              <a:t>後端</a:t>
+            </a:r>
+            <a:r>
+              <a:rPr lang="en-US" altLang="zh-TW" dirty="0"/>
+              <a:t>Decoder</a:t>
+            </a:r>
+            <a:r>
+              <a:rPr lang="zh-TW" altLang="en-US" dirty="0"/>
+              <a:t>電路</a:t>
+            </a:r>
+          </a:p>
+        </p:txBody>
+      </p:sp>
+      <p:sp>
+        <p:nvSpPr>
+          <p:cNvPr id="3" name="內容版面配置區 2">
+            <a:extLst>
+              <a:ext uri="{FF2B5EF4-FFF2-40B4-BE49-F238E27FC236}">
+                <a16:creationId xmlns:a16="http://schemas.microsoft.com/office/drawing/2014/main" id="{AEB419E4-8661-C0C0-63D0-CF90B8FED2EC}"/>
+              </a:ext>
+            </a:extLst>
+          </p:cNvPr>
+          <p:cNvSpPr>
+            <a:spLocks noGrp="1"/>
+          </p:cNvSpPr>
+          <p:nvPr>
+            <p:ph idx="1"/>
+          </p:nvPr>
+        </p:nvSpPr>
+        <p:spPr/>
+        <p:txBody>
+          <a:bodyPr/>
+          <a:lstStyle/>
+          <a:p>
+            <a:pPr marL="0" indent="0">
+              <a:buNone/>
+            </a:pPr>
+            <a:r>
+              <a:rPr lang="en-US" altLang="zh-TW" dirty="0"/>
+              <a:t>Auto Correlation</a:t>
+            </a:r>
+          </a:p>
+          <a:p>
+            <a:pPr marL="0" indent="0">
+              <a:buNone/>
+            </a:pPr>
+            <a:endParaRPr lang="en-US" altLang="zh-TW" dirty="0"/>
+          </a:p>
+          <a:p>
+            <a:pPr marL="0" indent="0">
+              <a:buNone/>
+            </a:pPr>
+            <a:r>
+              <a:rPr lang="en-US" altLang="zh-TW" dirty="0"/>
+              <a:t>Decode</a:t>
+            </a:r>
+            <a:r>
+              <a:rPr lang="zh-TW" altLang="en-US" dirty="0"/>
+              <a:t> </a:t>
+            </a:r>
+            <a:r>
+              <a:rPr lang="en-US" altLang="zh-TW" dirty="0"/>
+              <a:t>RX1 </a:t>
+            </a:r>
+          </a:p>
+          <a:p>
+            <a:pPr marL="0" indent="0">
+              <a:buNone/>
+            </a:pPr>
+            <a:endParaRPr lang="en-US" altLang="zh-TW" dirty="0"/>
+          </a:p>
+          <a:p>
+            <a:pPr marL="0" indent="0">
+              <a:buNone/>
+            </a:pPr>
+            <a:endParaRPr lang="en-US" altLang="zh-TW" dirty="0"/>
+          </a:p>
+          <a:p>
+            <a:pPr marL="0" indent="0">
+              <a:buNone/>
+            </a:pPr>
+            <a:r>
+              <a:rPr lang="en-US" altLang="zh-TW" dirty="0"/>
+              <a:t>Decode RX0</a:t>
+            </a:r>
+            <a:endParaRPr lang="zh-TW" altLang="en-US" dirty="0"/>
+          </a:p>
+        </p:txBody>
+      </p:sp>
+    </p:spTree>
+    <p:extLst>
+      <p:ext uri="{BB962C8B-B14F-4D97-AF65-F5344CB8AC3E}">
+        <p14:creationId xmlns:p14="http://schemas.microsoft.com/office/powerpoint/2010/main" val="1747056482"/>
+      </p:ext>
+    </p:extLst>
+  </p:cSld>
+  <p:clrMapOvr>
+    <a:masterClrMapping/>
+  </p:clrMapOvr>
+</p:sld>
+</file>
+
+<file path=ppt/slides/slide45.xml><?xml version="1.0" encoding="utf-8"?>
+<p:sld xmlns:a="http://schemas.openxmlformats.org/drawingml/2006/main" xmlns:r="http://schemas.openxmlformats.org/officeDocument/2006/relationships" xmlns:p="http://schemas.openxmlformats.org/presentationml/2006/main">
+  <p:cSld>
+    <p:spTree>
+      <p:nvGrpSpPr>
+        <p:cNvPr id="1" name=""/>
+        <p:cNvGrpSpPr/>
+        <p:nvPr/>
+      </p:nvGrpSpPr>
+      <p:grpSpPr>
+        <a:xfrm>
+          <a:off x="0" y="0"/>
+          <a:ext cx="0" cy="0"/>
+          <a:chOff x="0" y="0"/>
+          <a:chExt cx="0" cy="0"/>
+        </a:xfrm>
+      </p:grpSpPr>
+      <p:sp>
+        <p:nvSpPr>
+          <p:cNvPr id="2" name="標題 1">
+            <a:extLst>
+              <a:ext uri="{FF2B5EF4-FFF2-40B4-BE49-F238E27FC236}">
+                <a16:creationId xmlns:a16="http://schemas.microsoft.com/office/drawing/2014/main" id="{50BB383F-54B9-1566-5039-3C13647347F8}"/>
+              </a:ext>
+            </a:extLst>
+          </p:cNvPr>
+          <p:cNvSpPr>
+            <a:spLocks noGrp="1"/>
+          </p:cNvSpPr>
+          <p:nvPr>
+            <p:ph type="title"/>
+          </p:nvPr>
+        </p:nvSpPr>
+        <p:spPr/>
+        <p:txBody>
+          <a:bodyPr/>
+          <a:lstStyle/>
+          <a:p>
+            <a:pPr algn="ctr"/>
+            <a:r>
+              <a:rPr lang="en-US" altLang="zh-TW" dirty="0" err="1"/>
+              <a:t>AutoCorrelation</a:t>
+            </a:r>
+            <a:endParaRPr lang="zh-TW" altLang="en-US" dirty="0"/>
+          </a:p>
+        </p:txBody>
+      </p:sp>
+      <p:sp>
+        <p:nvSpPr>
+          <p:cNvPr id="3" name="內容版面配置區 2">
+            <a:extLst>
+              <a:ext uri="{FF2B5EF4-FFF2-40B4-BE49-F238E27FC236}">
+                <a16:creationId xmlns:a16="http://schemas.microsoft.com/office/drawing/2014/main" id="{2596C747-6CF3-CCCC-4223-2CFCEABA8BA0}"/>
+              </a:ext>
+            </a:extLst>
+          </p:cNvPr>
+          <p:cNvSpPr>
+            <a:spLocks noGrp="1"/>
+          </p:cNvSpPr>
+          <p:nvPr>
+            <p:ph idx="1"/>
+          </p:nvPr>
+        </p:nvSpPr>
+        <p:spPr/>
+        <p:txBody>
+          <a:bodyPr/>
+          <a:lstStyle/>
+          <a:p>
+            <a:pPr marL="514350" indent="-514350">
+              <a:buAutoNum type="arabicPeriod"/>
+            </a:pPr>
+            <a:r>
+              <a:rPr lang="zh-TW" altLang="en-US" dirty="0"/>
+              <a:t>能推倒出</a:t>
+            </a:r>
+            <a:r>
+              <a:rPr lang="en-US" altLang="zh-TW" dirty="0" err="1"/>
+              <a:t>Convolation</a:t>
+            </a:r>
+            <a:r>
+              <a:rPr lang="en-US" altLang="zh-TW" dirty="0"/>
+              <a:t> Property for LTI system</a:t>
+            </a:r>
+          </a:p>
+          <a:p>
+            <a:pPr marL="514350" indent="-514350">
+              <a:buAutoNum type="arabicPeriod"/>
+            </a:pPr>
+            <a:endParaRPr lang="en-US" altLang="zh-TW" dirty="0"/>
+          </a:p>
+          <a:p>
+            <a:pPr marL="514350" indent="-514350">
+              <a:buAutoNum type="arabicPeriod"/>
+            </a:pPr>
+            <a:r>
+              <a:rPr lang="en-US" altLang="zh-TW" dirty="0" err="1"/>
+              <a:t>AutoCorreltion</a:t>
+            </a:r>
+            <a:r>
+              <a:rPr lang="zh-TW" altLang="en-US" dirty="0"/>
+              <a:t> 用處到底是</a:t>
+            </a:r>
+            <a:r>
+              <a:rPr lang="en-US" altLang="zh-TW" dirty="0"/>
+              <a:t>?</a:t>
+            </a:r>
+          </a:p>
+          <a:p>
+            <a:pPr marL="514350" indent="-514350">
+              <a:buAutoNum type="arabicPeriod"/>
+            </a:pPr>
+            <a:endParaRPr lang="en-US" altLang="zh-TW" dirty="0"/>
+          </a:p>
+          <a:p>
+            <a:pPr marL="514350" indent="-514350">
+              <a:buAutoNum type="arabicPeriod"/>
+            </a:pPr>
+            <a:r>
+              <a:rPr lang="zh-TW" altLang="en-US" dirty="0"/>
+              <a:t>訊號上的分析</a:t>
+            </a:r>
+          </a:p>
+        </p:txBody>
+      </p:sp>
+    </p:spTree>
+    <p:extLst>
+      <p:ext uri="{BB962C8B-B14F-4D97-AF65-F5344CB8AC3E}">
+        <p14:creationId xmlns:p14="http://schemas.microsoft.com/office/powerpoint/2010/main" val="1802279474"/>
+      </p:ext>
+    </p:extLst>
+  </p:cSld>
+  <p:clrMapOvr>
+    <a:masterClrMapping/>
+  </p:clrMapOvr>
+</p:sld>
+</file>
+
+<file path=ppt/slides/slide46.xml><?xml version="1.0" encoding="utf-8"?>
+<p:sld xmlns:a="http://schemas.openxmlformats.org/drawingml/2006/main" xmlns:r="http://schemas.openxmlformats.org/officeDocument/2006/relationships" xmlns:p="http://schemas.openxmlformats.org/presentationml/2006/main">
+  <p:cSld>
+    <p:spTree>
+      <p:nvGrpSpPr>
+        <p:cNvPr id="1" name=""/>
+        <p:cNvGrpSpPr/>
+        <p:nvPr/>
+      </p:nvGrpSpPr>
+      <p:grpSpPr>
+        <a:xfrm>
+          <a:off x="0" y="0"/>
+          <a:ext cx="0" cy="0"/>
+          <a:chOff x="0" y="0"/>
+          <a:chExt cx="0" cy="0"/>
+        </a:xfrm>
+      </p:grpSpPr>
+      <p:sp>
+        <p:nvSpPr>
+          <p:cNvPr id="2" name="標題 1">
+            <a:extLst>
+              <a:ext uri="{FF2B5EF4-FFF2-40B4-BE49-F238E27FC236}">
                 <a16:creationId xmlns:a16="http://schemas.microsoft.com/office/drawing/2014/main" id="{042F1310-2BFC-3D20-5FCD-AB24ABF21979}"/>
               </a:ext>
             </a:extLst>
@@ -18483,7 +21692,7 @@
 </p:sld>
 </file>
 
-<file path=ppt/slides/slide36.xml><?xml version="1.0" encoding="utf-8"?>
+<file path=ppt/slides/slide47.xml><?xml version="1.0" encoding="utf-8"?>
 <p:sld xmlns:a="http://schemas.openxmlformats.org/drawingml/2006/main" xmlns:r="http://schemas.openxmlformats.org/officeDocument/2006/relationships" xmlns:p="http://schemas.openxmlformats.org/presentationml/2006/main">
   <p:cSld>
     <p:spTree>
@@ -19020,7 +22229,7 @@
 </p:sld>
 </file>
 
-<file path=ppt/slides/slide37.xml><?xml version="1.0" encoding="utf-8"?>
+<file path=ppt/slides/slide48.xml><?xml version="1.0" encoding="utf-8"?>
 <p:sld xmlns:a="http://schemas.openxmlformats.org/drawingml/2006/main" xmlns:r="http://schemas.openxmlformats.org/officeDocument/2006/relationships" xmlns:p="http://schemas.openxmlformats.org/presentationml/2006/main">
   <p:cSld>
     <p:spTree>
@@ -19149,7 +22358,7 @@
 </p:sld>
 </file>
 
-<file path=ppt/slides/slide38.xml><?xml version="1.0" encoding="utf-8"?>
+<file path=ppt/slides/slide49.xml><?xml version="1.0" encoding="utf-8"?>
 <p:sld xmlns:a="http://schemas.openxmlformats.org/drawingml/2006/main" xmlns:r="http://schemas.openxmlformats.org/officeDocument/2006/relationships" xmlns:p="http://schemas.openxmlformats.org/presentationml/2006/main">
   <p:cSld>
     <p:spTree>
@@ -19220,1614 +22429,6 @@
     <p:extLst>
       <p:ext uri="{BB962C8B-B14F-4D97-AF65-F5344CB8AC3E}">
         <p14:creationId xmlns:p14="http://schemas.microsoft.com/office/powerpoint/2010/main" val="2364024188"/>
-      </p:ext>
-    </p:extLst>
-  </p:cSld>
-  <p:clrMapOvr>
-    <a:masterClrMapping/>
-  </p:clrMapOvr>
-</p:sld>
-</file>
-
-<file path=ppt/slides/slide39.xml><?xml version="1.0" encoding="utf-8"?>
-<p:sld xmlns:a="http://schemas.openxmlformats.org/drawingml/2006/main" xmlns:r="http://schemas.openxmlformats.org/officeDocument/2006/relationships" xmlns:p="http://schemas.openxmlformats.org/presentationml/2006/main">
-  <p:cSld>
-    <p:spTree>
-      <p:nvGrpSpPr>
-        <p:cNvPr id="1" name=""/>
-        <p:cNvGrpSpPr/>
-        <p:nvPr/>
-      </p:nvGrpSpPr>
-      <p:grpSpPr>
-        <a:xfrm>
-          <a:off x="0" y="0"/>
-          <a:ext cx="0" cy="0"/>
-          <a:chOff x="0" y="0"/>
-          <a:chExt cx="0" cy="0"/>
-        </a:xfrm>
-      </p:grpSpPr>
-      <p:sp>
-        <p:nvSpPr>
-          <p:cNvPr id="2" name="標題 1">
-            <a:extLst>
-              <a:ext uri="{FF2B5EF4-FFF2-40B4-BE49-F238E27FC236}">
-                <a16:creationId xmlns:a16="http://schemas.microsoft.com/office/drawing/2014/main" id="{02C3FE11-1F15-4971-95B5-34F7811B7E8A}"/>
-              </a:ext>
-            </a:extLst>
-          </p:cNvPr>
-          <p:cNvSpPr>
-            <a:spLocks noGrp="1"/>
-          </p:cNvSpPr>
-          <p:nvPr>
-            <p:ph type="title"/>
-          </p:nvPr>
-        </p:nvSpPr>
-        <p:spPr/>
-        <p:txBody>
-          <a:bodyPr/>
-          <a:lstStyle/>
-          <a:p>
-            <a:pPr algn="ctr"/>
-            <a:r>
-              <a:rPr lang="en-US" altLang="zh-TW" dirty="0"/>
-              <a:t>Color </a:t>
-            </a:r>
-            <a:r>
-              <a:rPr lang="en-US" altLang="zh-TW" dirty="0" err="1"/>
-              <a:t>Pikcing</a:t>
-            </a:r>
-            <a:r>
-              <a:rPr lang="en-US" altLang="zh-TW" dirty="0"/>
-              <a:t> Project</a:t>
-            </a:r>
-            <a:endParaRPr lang="zh-TW" altLang="en-US" dirty="0"/>
-          </a:p>
-        </p:txBody>
-      </p:sp>
-      <p:sp>
-        <p:nvSpPr>
-          <p:cNvPr id="3" name="內容版面配置區 2">
-            <a:extLst>
-              <a:ext uri="{FF2B5EF4-FFF2-40B4-BE49-F238E27FC236}">
-                <a16:creationId xmlns:a16="http://schemas.microsoft.com/office/drawing/2014/main" id="{5C2571F1-765B-42C3-8AAC-2A8441E0FBA0}"/>
-              </a:ext>
-            </a:extLst>
-          </p:cNvPr>
-          <p:cNvSpPr>
-            <a:spLocks noGrp="1"/>
-          </p:cNvSpPr>
-          <p:nvPr>
-            <p:ph idx="1"/>
-          </p:nvPr>
-        </p:nvSpPr>
-        <p:spPr/>
-        <p:txBody>
-          <a:bodyPr/>
-          <a:lstStyle/>
-          <a:p>
-            <a:pPr marL="457200" lvl="1" indent="0">
-              <a:lnSpc>
-                <a:spcPct val="150000"/>
-              </a:lnSpc>
-              <a:buNone/>
-            </a:pPr>
-            <a:r>
-              <a:rPr lang="zh-TW" altLang="en-US" sz="2800" dirty="0">
-                <a:solidFill>
-                  <a:srgbClr val="FF0000"/>
-                </a:solidFill>
-              </a:rPr>
-              <a:t>目的</a:t>
-            </a:r>
-            <a:r>
-              <a:rPr lang="zh-TW" altLang="en-US" dirty="0"/>
-              <a:t> </a:t>
-            </a:r>
-            <a:r>
-              <a:rPr lang="en-US" altLang="zh-TW" dirty="0"/>
-              <a:t>:</a:t>
-            </a:r>
-            <a:r>
-              <a:rPr lang="zh-TW" altLang="en-US" dirty="0"/>
-              <a:t>  按壓</a:t>
-            </a:r>
-            <a:r>
-              <a:rPr lang="en-US" altLang="zh-TW" dirty="0"/>
-              <a:t>Color Sensor</a:t>
-            </a:r>
-            <a:r>
-              <a:rPr lang="zh-TW" altLang="en-US" dirty="0"/>
-              <a:t>選擇顏色、並透過筆在</a:t>
-            </a:r>
-            <a:r>
-              <a:rPr lang="en-US" altLang="zh-TW" dirty="0"/>
-              <a:t>Host</a:t>
-            </a:r>
-            <a:r>
-              <a:rPr lang="zh-TW" altLang="en-US" dirty="0"/>
-              <a:t>上畫出對應的顏色</a:t>
-            </a:r>
-            <a:endParaRPr lang="en-US" altLang="zh-TW" dirty="0"/>
-          </a:p>
-          <a:p>
-            <a:pPr marL="457200" lvl="1" indent="0">
-              <a:lnSpc>
-                <a:spcPct val="150000"/>
-              </a:lnSpc>
-              <a:buNone/>
-            </a:pPr>
-            <a:endParaRPr lang="en-US" altLang="zh-TW" dirty="0"/>
-          </a:p>
-          <a:p>
-            <a:pPr marL="457200" lvl="1" indent="0">
-              <a:lnSpc>
-                <a:spcPct val="150000"/>
-              </a:lnSpc>
-              <a:buNone/>
-            </a:pPr>
-            <a:endParaRPr lang="en-US" altLang="zh-TW" dirty="0"/>
-          </a:p>
-        </p:txBody>
-      </p:sp>
-    </p:spTree>
-    <p:extLst>
-      <p:ext uri="{BB962C8B-B14F-4D97-AF65-F5344CB8AC3E}">
-        <p14:creationId xmlns:p14="http://schemas.microsoft.com/office/powerpoint/2010/main" val="263751651"/>
-      </p:ext>
-    </p:extLst>
-  </p:cSld>
-  <p:clrMapOvr>
-    <a:masterClrMapping/>
-  </p:clrMapOvr>
-</p:sld>
-</file>
-
-<file path=ppt/slides/slide4.xml><?xml version="1.0" encoding="utf-8"?>
-<p:sld xmlns:a="http://schemas.openxmlformats.org/drawingml/2006/main" xmlns:r="http://schemas.openxmlformats.org/officeDocument/2006/relationships" xmlns:p="http://schemas.openxmlformats.org/presentationml/2006/main">
-  <p:cSld>
-    <p:spTree>
-      <p:nvGrpSpPr>
-        <p:cNvPr id="1" name=""/>
-        <p:cNvGrpSpPr/>
-        <p:nvPr/>
-      </p:nvGrpSpPr>
-      <p:grpSpPr>
-        <a:xfrm>
-          <a:off x="0" y="0"/>
-          <a:ext cx="0" cy="0"/>
-          <a:chOff x="0" y="0"/>
-          <a:chExt cx="0" cy="0"/>
-        </a:xfrm>
-      </p:grpSpPr>
-      <p:sp>
-        <p:nvSpPr>
-          <p:cNvPr id="2" name="標題 1">
-            <a:extLst>
-              <a:ext uri="{FF2B5EF4-FFF2-40B4-BE49-F238E27FC236}">
-                <a16:creationId xmlns:a16="http://schemas.microsoft.com/office/drawing/2014/main" id="{909DFB7A-5178-A910-AF8A-5FC156C6DC4F}"/>
-              </a:ext>
-            </a:extLst>
-          </p:cNvPr>
-          <p:cNvSpPr>
-            <a:spLocks noGrp="1"/>
-          </p:cNvSpPr>
-          <p:nvPr>
-            <p:ph type="title"/>
-          </p:nvPr>
-        </p:nvSpPr>
-        <p:spPr/>
-        <p:txBody>
-          <a:bodyPr/>
-          <a:lstStyle/>
-          <a:p>
-            <a:pPr algn="ctr"/>
-            <a:r>
-              <a:rPr lang="en-US" altLang="zh-TW" dirty="0"/>
-              <a:t>ADC</a:t>
-            </a:r>
-            <a:r>
-              <a:rPr lang="zh-TW" altLang="en-US" dirty="0"/>
-              <a:t> 數位架構</a:t>
-            </a:r>
-          </a:p>
-        </p:txBody>
-      </p:sp>
-      <p:sp>
-        <p:nvSpPr>
-          <p:cNvPr id="3" name="內容版面配置區 2">
-            <a:extLst>
-              <a:ext uri="{FF2B5EF4-FFF2-40B4-BE49-F238E27FC236}">
-                <a16:creationId xmlns:a16="http://schemas.microsoft.com/office/drawing/2014/main" id="{8A99489D-A16A-D6B9-AC42-459E9A5A1CDB}"/>
-              </a:ext>
-            </a:extLst>
-          </p:cNvPr>
-          <p:cNvSpPr>
-            <a:spLocks noGrp="1"/>
-          </p:cNvSpPr>
-          <p:nvPr>
-            <p:ph idx="1"/>
-          </p:nvPr>
-        </p:nvSpPr>
-        <p:spPr>
-          <a:xfrm>
-            <a:off x="838200" y="1864535"/>
-            <a:ext cx="10515600" cy="4351338"/>
-          </a:xfrm>
-        </p:spPr>
-        <p:txBody>
-          <a:bodyPr/>
-          <a:lstStyle/>
-          <a:p>
-            <a:pPr marL="0" indent="0">
-              <a:buNone/>
-            </a:pPr>
-            <a:r>
-              <a:rPr lang="zh-TW" altLang="en-US" dirty="0"/>
-              <a:t>章節列表</a:t>
-            </a:r>
-            <a:endParaRPr lang="en-US" altLang="zh-TW" dirty="0"/>
-          </a:p>
-          <a:p>
-            <a:pPr marL="0" indent="0">
-              <a:buNone/>
-            </a:pPr>
-            <a:endParaRPr lang="en-US" altLang="zh-TW" dirty="0"/>
-          </a:p>
-          <a:p>
-            <a:pPr marL="514350" indent="-514350">
-              <a:buAutoNum type="arabicPeriod"/>
-            </a:pPr>
-            <a:r>
-              <a:rPr lang="zh-TW" altLang="en-US" dirty="0"/>
-              <a:t>目的</a:t>
-            </a:r>
-            <a:endParaRPr lang="en-US" altLang="zh-TW" dirty="0"/>
-          </a:p>
-          <a:p>
-            <a:pPr marL="514350" indent="-514350">
-              <a:buAutoNum type="arabicPeriod"/>
-            </a:pPr>
-            <a:endParaRPr lang="en-US" altLang="zh-TW" dirty="0"/>
-          </a:p>
-          <a:p>
-            <a:pPr marL="514350" indent="-514350">
-              <a:buAutoNum type="arabicPeriod"/>
-            </a:pPr>
-            <a:r>
-              <a:rPr lang="zh-TW" altLang="en-US" dirty="0"/>
-              <a:t>解決的問題列表</a:t>
-            </a:r>
-            <a:endParaRPr lang="en-US" altLang="zh-TW" dirty="0"/>
-          </a:p>
-          <a:p>
-            <a:pPr marL="514350" indent="-514350">
-              <a:buAutoNum type="arabicPeriod"/>
-            </a:pPr>
-            <a:endParaRPr lang="en-US" altLang="zh-TW" dirty="0"/>
-          </a:p>
-          <a:p>
-            <a:pPr marL="514350" indent="-514350">
-              <a:buAutoNum type="arabicPeriod"/>
-            </a:pPr>
-            <a:r>
-              <a:rPr lang="en-US" altLang="zh-TW" dirty="0"/>
-              <a:t>ADC </a:t>
-            </a:r>
-            <a:r>
-              <a:rPr lang="zh-TW" altLang="en-US" dirty="0"/>
-              <a:t>架構</a:t>
-            </a:r>
-            <a:endParaRPr lang="en-US" altLang="zh-TW" dirty="0"/>
-          </a:p>
-          <a:p>
-            <a:pPr marL="514350" indent="-514350">
-              <a:buAutoNum type="arabicPeriod"/>
-            </a:pPr>
-            <a:endParaRPr lang="en-US" altLang="zh-TW" dirty="0"/>
-          </a:p>
-          <a:p>
-            <a:pPr marL="514350" indent="-514350">
-              <a:buAutoNum type="arabicPeriod"/>
-            </a:pPr>
-            <a:endParaRPr lang="zh-TW" altLang="en-US" dirty="0"/>
-          </a:p>
-        </p:txBody>
-      </p:sp>
-    </p:spTree>
-    <p:extLst>
-      <p:ext uri="{BB962C8B-B14F-4D97-AF65-F5344CB8AC3E}">
-        <p14:creationId xmlns:p14="http://schemas.microsoft.com/office/powerpoint/2010/main" val="4269580222"/>
-      </p:ext>
-    </p:extLst>
-  </p:cSld>
-  <p:clrMapOvr>
-    <a:masterClrMapping/>
-  </p:clrMapOvr>
-</p:sld>
-</file>
-
-<file path=ppt/slides/slide40.xml><?xml version="1.0" encoding="utf-8"?>
-<p:sld xmlns:a="http://schemas.openxmlformats.org/drawingml/2006/main" xmlns:r="http://schemas.openxmlformats.org/officeDocument/2006/relationships" xmlns:p="http://schemas.openxmlformats.org/presentationml/2006/main">
-  <p:cSld>
-    <p:spTree>
-      <p:nvGrpSpPr>
-        <p:cNvPr id="1" name=""/>
-        <p:cNvGrpSpPr/>
-        <p:nvPr/>
-      </p:nvGrpSpPr>
-      <p:grpSpPr>
-        <a:xfrm>
-          <a:off x="0" y="0"/>
-          <a:ext cx="0" cy="0"/>
-          <a:chOff x="0" y="0"/>
-          <a:chExt cx="0" cy="0"/>
-        </a:xfrm>
-      </p:grpSpPr>
-      <p:sp>
-        <p:nvSpPr>
-          <p:cNvPr id="2" name="標題 1">
-            <a:extLst>
-              <a:ext uri="{FF2B5EF4-FFF2-40B4-BE49-F238E27FC236}">
-                <a16:creationId xmlns:a16="http://schemas.microsoft.com/office/drawing/2014/main" id="{36663CA0-2783-4A34-8C5A-24686BD0A02B}"/>
-              </a:ext>
-            </a:extLst>
-          </p:cNvPr>
-          <p:cNvSpPr>
-            <a:spLocks noGrp="1"/>
-          </p:cNvSpPr>
-          <p:nvPr>
-            <p:ph type="title"/>
-          </p:nvPr>
-        </p:nvSpPr>
-        <p:spPr/>
-        <p:txBody>
-          <a:bodyPr/>
-          <a:lstStyle/>
-          <a:p>
-            <a:pPr algn="ctr"/>
-            <a:r>
-              <a:rPr lang="zh-TW" altLang="en-US" dirty="0"/>
-              <a:t>主要遇到的問題</a:t>
-            </a:r>
-          </a:p>
-        </p:txBody>
-      </p:sp>
-      <p:sp>
-        <p:nvSpPr>
-          <p:cNvPr id="3" name="內容版面配置區 2">
-            <a:extLst>
-              <a:ext uri="{FF2B5EF4-FFF2-40B4-BE49-F238E27FC236}">
-                <a16:creationId xmlns:a16="http://schemas.microsoft.com/office/drawing/2014/main" id="{4EB3A3B7-3819-4E07-A5DF-C15C993A0B95}"/>
-              </a:ext>
-            </a:extLst>
-          </p:cNvPr>
-          <p:cNvSpPr>
-            <a:spLocks noGrp="1"/>
-          </p:cNvSpPr>
-          <p:nvPr>
-            <p:ph idx="1"/>
-          </p:nvPr>
-        </p:nvSpPr>
-        <p:spPr/>
-        <p:txBody>
-          <a:bodyPr/>
-          <a:lstStyle/>
-          <a:p>
-            <a:pPr marL="0" indent="0">
-              <a:buNone/>
-            </a:pPr>
-            <a:r>
-              <a:rPr lang="zh-TW" altLang="en-US" dirty="0">
-                <a:solidFill>
-                  <a:schemeClr val="accent1"/>
-                </a:solidFill>
-              </a:rPr>
-              <a:t>問題</a:t>
-            </a:r>
-            <a:endParaRPr lang="en-US" altLang="zh-TW" dirty="0">
-              <a:solidFill>
-                <a:schemeClr val="accent1"/>
-              </a:solidFill>
-            </a:endParaRPr>
-          </a:p>
-          <a:p>
-            <a:pPr marL="514350" indent="-514350">
-              <a:buAutoNum type="arabicPeriod"/>
-            </a:pPr>
-            <a:endParaRPr lang="en-US" altLang="zh-TW" dirty="0"/>
-          </a:p>
-          <a:p>
-            <a:pPr marL="514350" indent="-514350">
-              <a:buAutoNum type="arabicPeriod"/>
-            </a:pPr>
-            <a:r>
-              <a:rPr lang="zh-TW" altLang="en-US" sz="2400" dirty="0">
-                <a:hlinkClick r:id="rId3" action="ppaction://hlinksldjump"/>
-              </a:rPr>
-              <a:t>傳輸問題 </a:t>
-            </a:r>
-            <a:r>
-              <a:rPr lang="en-US" altLang="zh-TW" sz="2400" dirty="0"/>
-              <a:t>:</a:t>
-            </a:r>
-            <a:r>
-              <a:rPr lang="zh-TW" altLang="en-US" sz="2400" dirty="0"/>
-              <a:t> </a:t>
-            </a:r>
-            <a:endParaRPr lang="en-US" altLang="zh-TW" sz="2400" dirty="0"/>
-          </a:p>
-          <a:p>
-            <a:pPr marL="457200" lvl="1" indent="0">
-              <a:buNone/>
-            </a:pPr>
-            <a:r>
-              <a:rPr lang="en-US" altLang="zh-TW" sz="2000" dirty="0"/>
-              <a:t>1.  Set UART</a:t>
-            </a:r>
-            <a:r>
-              <a:rPr lang="zh-TW" altLang="en-US" sz="2000" dirty="0"/>
-              <a:t> </a:t>
-            </a:r>
-            <a:r>
-              <a:rPr lang="en-US" altLang="zh-TW" sz="2000" dirty="0"/>
-              <a:t>RX</a:t>
-            </a:r>
-            <a:r>
-              <a:rPr lang="zh-TW" altLang="en-US" sz="2000" dirty="0"/>
-              <a:t> </a:t>
-            </a:r>
-            <a:r>
-              <a:rPr lang="en-US" altLang="zh-TW" sz="2000" dirty="0"/>
-              <a:t>Setting </a:t>
-            </a:r>
-            <a:r>
-              <a:rPr lang="zh-TW" altLang="en-US" sz="2000" dirty="0"/>
-              <a:t>以及 </a:t>
-            </a:r>
-            <a:r>
-              <a:rPr lang="en-US" altLang="zh-TW" sz="2000" dirty="0"/>
-              <a:t>Flow </a:t>
-            </a:r>
-            <a:r>
-              <a:rPr lang="zh-TW" altLang="en-US" sz="2000" dirty="0"/>
-              <a:t>規劃</a:t>
-            </a:r>
-            <a:endParaRPr lang="en-US" altLang="zh-TW" sz="2000" dirty="0"/>
-          </a:p>
-          <a:p>
-            <a:pPr marL="0" indent="0">
-              <a:buNone/>
-            </a:pPr>
-            <a:endParaRPr lang="en-US" altLang="zh-TW" sz="2400" dirty="0"/>
-          </a:p>
-          <a:p>
-            <a:pPr marL="457200" indent="-457200">
-              <a:buAutoNum type="arabicPeriod" startAt="2"/>
-            </a:pPr>
-            <a:r>
-              <a:rPr lang="zh-TW" altLang="en-US" sz="2400" dirty="0">
-                <a:hlinkClick r:id="rId4" action="ppaction://hlinksldjump"/>
-              </a:rPr>
-              <a:t>最接近顏色</a:t>
-            </a:r>
-            <a:r>
-              <a:rPr lang="en-US" altLang="zh-TW" sz="2400" dirty="0"/>
-              <a:t>:</a:t>
-            </a:r>
-          </a:p>
-          <a:p>
-            <a:pPr marL="914400" lvl="1" indent="-457200">
-              <a:buAutoNum type="arabicPeriod" startAt="2"/>
-            </a:pPr>
-            <a:r>
-              <a:rPr lang="zh-TW" altLang="en-US" sz="2000" dirty="0"/>
-              <a:t>筆的</a:t>
-            </a:r>
-            <a:r>
-              <a:rPr lang="en-US" altLang="zh-TW" sz="2000" dirty="0" err="1"/>
-              <a:t>Protocal</a:t>
-            </a:r>
-            <a:r>
-              <a:rPr lang="en-US" altLang="zh-TW" sz="2000" dirty="0"/>
-              <a:t> </a:t>
-            </a:r>
-            <a:r>
-              <a:rPr lang="zh-TW" altLang="en-US" sz="2000" dirty="0"/>
-              <a:t>定義的顏色只佔</a:t>
-            </a:r>
-            <a:r>
-              <a:rPr lang="en-US" altLang="zh-TW" sz="2000" dirty="0"/>
-              <a:t>RGB</a:t>
-            </a:r>
-            <a:r>
-              <a:rPr lang="zh-TW" altLang="en-US" sz="2000" dirty="0"/>
-              <a:t>裡面</a:t>
-            </a:r>
-            <a:r>
-              <a:rPr lang="en-US" altLang="zh-TW" sz="2000" dirty="0"/>
-              <a:t>200</a:t>
-            </a:r>
-            <a:r>
-              <a:rPr lang="zh-TW" altLang="en-US" sz="2000" dirty="0"/>
-              <a:t>多個</a:t>
-            </a:r>
-            <a:endParaRPr lang="en-US" altLang="zh-TW" dirty="0"/>
-          </a:p>
-        </p:txBody>
-      </p:sp>
-    </p:spTree>
-    <p:extLst>
-      <p:ext uri="{BB962C8B-B14F-4D97-AF65-F5344CB8AC3E}">
-        <p14:creationId xmlns:p14="http://schemas.microsoft.com/office/powerpoint/2010/main" val="2576856385"/>
-      </p:ext>
-    </p:extLst>
-  </p:cSld>
-  <p:clrMapOvr>
-    <a:masterClrMapping/>
-  </p:clrMapOvr>
-</p:sld>
-</file>
-
-<file path=ppt/slides/slide41.xml><?xml version="1.0" encoding="utf-8"?>
-<p:sld xmlns:a="http://schemas.openxmlformats.org/drawingml/2006/main" xmlns:r="http://schemas.openxmlformats.org/officeDocument/2006/relationships" xmlns:p="http://schemas.openxmlformats.org/presentationml/2006/main">
-  <p:cSld>
-    <p:spTree>
-      <p:nvGrpSpPr>
-        <p:cNvPr id="1" name=""/>
-        <p:cNvGrpSpPr/>
-        <p:nvPr/>
-      </p:nvGrpSpPr>
-      <p:grpSpPr>
-        <a:xfrm>
-          <a:off x="0" y="0"/>
-          <a:ext cx="0" cy="0"/>
-          <a:chOff x="0" y="0"/>
-          <a:chExt cx="0" cy="0"/>
-        </a:xfrm>
-      </p:grpSpPr>
-      <p:sp>
-        <p:nvSpPr>
-          <p:cNvPr id="2" name="標題 1">
-            <a:extLst>
-              <a:ext uri="{FF2B5EF4-FFF2-40B4-BE49-F238E27FC236}">
-                <a16:creationId xmlns:a16="http://schemas.microsoft.com/office/drawing/2014/main" id="{FEDEBC06-C75E-5899-979E-C29912B4A68E}"/>
-              </a:ext>
-            </a:extLst>
-          </p:cNvPr>
-          <p:cNvSpPr>
-            <a:spLocks noGrp="1"/>
-          </p:cNvSpPr>
-          <p:nvPr>
-            <p:ph type="title"/>
-          </p:nvPr>
-        </p:nvSpPr>
-        <p:spPr/>
-        <p:txBody>
-          <a:bodyPr/>
-          <a:lstStyle/>
-          <a:p>
-            <a:pPr algn="ctr"/>
-            <a:r>
-              <a:rPr lang="en-US" altLang="zh-TW" dirty="0"/>
-              <a:t>UART RX Setting</a:t>
-            </a:r>
-            <a:endParaRPr lang="zh-TW" altLang="en-US" dirty="0"/>
-          </a:p>
-        </p:txBody>
-      </p:sp>
-      <p:sp>
-        <p:nvSpPr>
-          <p:cNvPr id="3" name="內容版面配置區 2">
-            <a:extLst>
-              <a:ext uri="{FF2B5EF4-FFF2-40B4-BE49-F238E27FC236}">
-                <a16:creationId xmlns:a16="http://schemas.microsoft.com/office/drawing/2014/main" id="{D33F5725-65BC-FF79-0EEB-A34DF7904932}"/>
-              </a:ext>
-            </a:extLst>
-          </p:cNvPr>
-          <p:cNvSpPr>
-            <a:spLocks noGrp="1"/>
-          </p:cNvSpPr>
-          <p:nvPr>
-            <p:ph idx="1"/>
-          </p:nvPr>
-        </p:nvSpPr>
-        <p:spPr/>
-        <p:txBody>
-          <a:bodyPr>
-            <a:normAutofit/>
-          </a:bodyPr>
-          <a:lstStyle/>
-          <a:p>
-            <a:pPr marL="514350" indent="-514350">
-              <a:buAutoNum type="arabicPeriod"/>
-            </a:pPr>
-            <a:r>
-              <a:rPr lang="en-US" altLang="zh-TW" sz="2000" dirty="0"/>
-              <a:t>UART</a:t>
-            </a:r>
-            <a:r>
-              <a:rPr lang="zh-TW" altLang="en-US" sz="2000" dirty="0"/>
-              <a:t> </a:t>
-            </a:r>
-            <a:r>
-              <a:rPr lang="en-US" altLang="zh-TW" sz="2000" dirty="0"/>
-              <a:t>RX</a:t>
-            </a:r>
-            <a:r>
-              <a:rPr lang="zh-TW" altLang="en-US" sz="2000" dirty="0"/>
-              <a:t> 使用</a:t>
-            </a:r>
-            <a:r>
-              <a:rPr lang="en-US" altLang="zh-TW" sz="2000" dirty="0"/>
-              <a:t>FIFO</a:t>
-            </a:r>
-            <a:r>
-              <a:rPr lang="zh-TW" altLang="en-US" sz="2000" dirty="0"/>
-              <a:t> 架構、這個</a:t>
-            </a:r>
-            <a:r>
-              <a:rPr lang="en-US" altLang="zh-TW" sz="2000" dirty="0"/>
-              <a:t>FIFO</a:t>
-            </a:r>
-            <a:r>
-              <a:rPr lang="zh-TW" altLang="en-US" sz="2000" dirty="0"/>
-              <a:t>架構是被封裝過。</a:t>
-            </a:r>
-            <a:endParaRPr lang="en-US" altLang="zh-TW" sz="2000" dirty="0"/>
-          </a:p>
-          <a:p>
-            <a:pPr marL="514350" indent="-514350">
-              <a:buAutoNum type="arabicPeriod"/>
-            </a:pPr>
-            <a:endParaRPr lang="en-US" altLang="zh-TW" sz="2000" dirty="0"/>
-          </a:p>
-          <a:p>
-            <a:pPr marL="514350" indent="-514350">
-              <a:buAutoNum type="arabicPeriod"/>
-            </a:pPr>
-            <a:endParaRPr lang="en-US" altLang="zh-TW" sz="2000" dirty="0"/>
-          </a:p>
-          <a:p>
-            <a:pPr marL="514350" indent="-514350">
-              <a:buAutoNum type="arabicPeriod"/>
-            </a:pPr>
-            <a:r>
-              <a:rPr lang="en-US" altLang="zh-TW" sz="2000" dirty="0"/>
-              <a:t>UART RX</a:t>
-            </a:r>
-            <a:r>
-              <a:rPr lang="zh-TW" altLang="en-US" sz="2000" dirty="0"/>
-              <a:t> 中斷硬體設計</a:t>
-            </a:r>
-          </a:p>
-        </p:txBody>
-      </p:sp>
-    </p:spTree>
-    <p:extLst>
-      <p:ext uri="{BB962C8B-B14F-4D97-AF65-F5344CB8AC3E}">
-        <p14:creationId xmlns:p14="http://schemas.microsoft.com/office/powerpoint/2010/main" val="3743749783"/>
-      </p:ext>
-    </p:extLst>
-  </p:cSld>
-  <p:clrMapOvr>
-    <a:masterClrMapping/>
-  </p:clrMapOvr>
-</p:sld>
-</file>
-
-<file path=ppt/slides/slide42.xml><?xml version="1.0" encoding="utf-8"?>
-<p:sld xmlns:a="http://schemas.openxmlformats.org/drawingml/2006/main" xmlns:r="http://schemas.openxmlformats.org/officeDocument/2006/relationships" xmlns:p="http://schemas.openxmlformats.org/presentationml/2006/main">
-  <p:cSld>
-    <p:spTree>
-      <p:nvGrpSpPr>
-        <p:cNvPr id="1" name=""/>
-        <p:cNvGrpSpPr/>
-        <p:nvPr/>
-      </p:nvGrpSpPr>
-      <p:grpSpPr>
-        <a:xfrm>
-          <a:off x="0" y="0"/>
-          <a:ext cx="0" cy="0"/>
-          <a:chOff x="0" y="0"/>
-          <a:chExt cx="0" cy="0"/>
-        </a:xfrm>
-      </p:grpSpPr>
-      <p:sp>
-        <p:nvSpPr>
-          <p:cNvPr id="2" name="標題 1">
-            <a:extLst>
-              <a:ext uri="{FF2B5EF4-FFF2-40B4-BE49-F238E27FC236}">
-                <a16:creationId xmlns:a16="http://schemas.microsoft.com/office/drawing/2014/main" id="{FEDEBC06-C75E-5899-979E-C29912B4A68E}"/>
-              </a:ext>
-            </a:extLst>
-          </p:cNvPr>
-          <p:cNvSpPr>
-            <a:spLocks noGrp="1"/>
-          </p:cNvSpPr>
-          <p:nvPr>
-            <p:ph type="title"/>
-          </p:nvPr>
-        </p:nvSpPr>
-        <p:spPr/>
-        <p:txBody>
-          <a:bodyPr/>
-          <a:lstStyle/>
-          <a:p>
-            <a:pPr algn="ctr"/>
-            <a:r>
-              <a:rPr lang="en-US" altLang="zh-TW" dirty="0"/>
-              <a:t>UART RX Setting</a:t>
-            </a:r>
-            <a:endParaRPr lang="zh-TW" altLang="en-US" dirty="0"/>
-          </a:p>
-        </p:txBody>
-      </p:sp>
-      <p:sp>
-        <p:nvSpPr>
-          <p:cNvPr id="3" name="內容版面配置區 2">
-            <a:extLst>
-              <a:ext uri="{FF2B5EF4-FFF2-40B4-BE49-F238E27FC236}">
-                <a16:creationId xmlns:a16="http://schemas.microsoft.com/office/drawing/2014/main" id="{D33F5725-65BC-FF79-0EEB-A34DF7904932}"/>
-              </a:ext>
-            </a:extLst>
-          </p:cNvPr>
-          <p:cNvSpPr>
-            <a:spLocks noGrp="1"/>
-          </p:cNvSpPr>
-          <p:nvPr>
-            <p:ph idx="1"/>
-          </p:nvPr>
-        </p:nvSpPr>
-        <p:spPr/>
-        <p:txBody>
-          <a:bodyPr>
-            <a:normAutofit/>
-          </a:bodyPr>
-          <a:lstStyle/>
-          <a:p>
-            <a:pPr marL="0" indent="0">
-              <a:buNone/>
-            </a:pPr>
-            <a:r>
-              <a:rPr lang="zh-TW" altLang="en-US" sz="2000" dirty="0"/>
-              <a:t>總結 </a:t>
-            </a:r>
-            <a:r>
-              <a:rPr lang="en-US" altLang="zh-TW" sz="2000" dirty="0"/>
-              <a:t>:</a:t>
-            </a:r>
-            <a:r>
-              <a:rPr lang="zh-TW" altLang="en-US" sz="2000" dirty="0"/>
-              <a:t> </a:t>
-            </a:r>
-            <a:r>
-              <a:rPr lang="en-US" altLang="zh-TW" sz="2000" dirty="0"/>
-              <a:t> </a:t>
-            </a:r>
-            <a:r>
-              <a:rPr lang="zh-TW" altLang="en-US" sz="2000" dirty="0"/>
-              <a:t>由於使用情況是使用者隨時可能會去觸動後發</a:t>
-            </a:r>
-            <a:r>
-              <a:rPr lang="en-US" altLang="zh-TW" sz="2000" dirty="0"/>
-              <a:t>Sensor</a:t>
-            </a:r>
-            <a:r>
-              <a:rPr lang="zh-TW" altLang="en-US" sz="2000" dirty="0"/>
-              <a:t>、筆本身還要</a:t>
-            </a:r>
-            <a:r>
-              <a:rPr lang="en-US" altLang="zh-TW" sz="2000" dirty="0"/>
-              <a:t>Decode </a:t>
-            </a:r>
-            <a:r>
-              <a:rPr lang="zh-TW" altLang="en-US" sz="2000" dirty="0"/>
-              <a:t>訊號，因此中斷是最佳方法，</a:t>
-            </a:r>
-            <a:r>
-              <a:rPr lang="en-US" altLang="zh-TW" sz="2000" dirty="0"/>
-              <a:t>Polling </a:t>
-            </a:r>
-            <a:r>
-              <a:rPr lang="zh-TW" altLang="en-US" sz="2000" dirty="0"/>
-              <a:t>去偵測就不是好方法並且耗電</a:t>
-            </a:r>
-            <a:endParaRPr lang="en-US" altLang="zh-TW" sz="2000" dirty="0"/>
-          </a:p>
-        </p:txBody>
-      </p:sp>
-    </p:spTree>
-    <p:extLst>
-      <p:ext uri="{BB962C8B-B14F-4D97-AF65-F5344CB8AC3E}">
-        <p14:creationId xmlns:p14="http://schemas.microsoft.com/office/powerpoint/2010/main" val="1764172780"/>
-      </p:ext>
-    </p:extLst>
-  </p:cSld>
-  <p:clrMapOvr>
-    <a:masterClrMapping/>
-  </p:clrMapOvr>
-</p:sld>
-</file>
-
-<file path=ppt/slides/slide43.xml><?xml version="1.0" encoding="utf-8"?>
-<p:sld xmlns:a="http://schemas.openxmlformats.org/drawingml/2006/main" xmlns:r="http://schemas.openxmlformats.org/officeDocument/2006/relationships" xmlns:p="http://schemas.openxmlformats.org/presentationml/2006/main">
-  <p:cSld>
-    <p:spTree>
-      <p:nvGrpSpPr>
-        <p:cNvPr id="1" name=""/>
-        <p:cNvGrpSpPr/>
-        <p:nvPr/>
-      </p:nvGrpSpPr>
-      <p:grpSpPr>
-        <a:xfrm>
-          <a:off x="0" y="0"/>
-          <a:ext cx="0" cy="0"/>
-          <a:chOff x="0" y="0"/>
-          <a:chExt cx="0" cy="0"/>
-        </a:xfrm>
-      </p:grpSpPr>
-      <p:sp>
-        <p:nvSpPr>
-          <p:cNvPr id="2" name="標題 1">
-            <a:extLst>
-              <a:ext uri="{FF2B5EF4-FFF2-40B4-BE49-F238E27FC236}">
-                <a16:creationId xmlns:a16="http://schemas.microsoft.com/office/drawing/2014/main" id="{DCAF803D-3CAB-3E11-8A90-4D5310A3A5EA}"/>
-              </a:ext>
-            </a:extLst>
-          </p:cNvPr>
-          <p:cNvSpPr>
-            <a:spLocks noGrp="1"/>
-          </p:cNvSpPr>
-          <p:nvPr>
-            <p:ph type="title"/>
-          </p:nvPr>
-        </p:nvSpPr>
-        <p:spPr/>
-        <p:txBody>
-          <a:bodyPr/>
-          <a:lstStyle/>
-          <a:p>
-            <a:pPr algn="ctr"/>
-            <a:r>
-              <a:rPr lang="en-US" altLang="zh-TW" dirty="0"/>
-              <a:t>UART RX Setting</a:t>
-            </a:r>
-            <a:endParaRPr lang="zh-TW" altLang="en-US" dirty="0"/>
-          </a:p>
-        </p:txBody>
-      </p:sp>
-      <p:sp>
-        <p:nvSpPr>
-          <p:cNvPr id="3" name="內容版面配置區 2">
-            <a:extLst>
-              <a:ext uri="{FF2B5EF4-FFF2-40B4-BE49-F238E27FC236}">
-                <a16:creationId xmlns:a16="http://schemas.microsoft.com/office/drawing/2014/main" id="{3B1B8A68-518A-9A03-2325-0016A63D6547}"/>
-              </a:ext>
-            </a:extLst>
-          </p:cNvPr>
-          <p:cNvSpPr>
-            <a:spLocks noGrp="1"/>
-          </p:cNvSpPr>
-          <p:nvPr>
-            <p:ph idx="1"/>
-          </p:nvPr>
-        </p:nvSpPr>
-        <p:spPr/>
-        <p:txBody>
-          <a:bodyPr/>
-          <a:lstStyle/>
-          <a:p>
-            <a:pPr marL="0" indent="0">
-              <a:buNone/>
-            </a:pPr>
-            <a:r>
-              <a:rPr lang="zh-TW" altLang="en-US" dirty="0">
-                <a:solidFill>
-                  <a:schemeClr val="accent1"/>
-                </a:solidFill>
-              </a:rPr>
-              <a:t>過程中遇到最大問題 </a:t>
-            </a:r>
-            <a:r>
-              <a:rPr lang="en-US" altLang="zh-TW" dirty="0">
-                <a:solidFill>
-                  <a:schemeClr val="accent1"/>
-                </a:solidFill>
-              </a:rPr>
-              <a:t>: </a:t>
-            </a:r>
-          </a:p>
-          <a:p>
-            <a:pPr marL="0" indent="0">
-              <a:buNone/>
-            </a:pPr>
-            <a:r>
-              <a:rPr lang="zh-TW" altLang="en-US" sz="2400" dirty="0"/>
-              <a:t>收完</a:t>
-            </a:r>
-            <a:r>
-              <a:rPr lang="en-US" altLang="zh-TW" sz="2400" dirty="0"/>
-              <a:t>Sensor Data</a:t>
-            </a:r>
-            <a:r>
-              <a:rPr lang="zh-TW" altLang="en-US" sz="2400" dirty="0"/>
-              <a:t>後，顯示資料卻有漏東漏西</a:t>
-            </a:r>
-            <a:endParaRPr lang="en-US" altLang="zh-TW" sz="2400" dirty="0"/>
-          </a:p>
-          <a:p>
-            <a:pPr marL="0" indent="0">
-              <a:buNone/>
-            </a:pPr>
-            <a:r>
-              <a:rPr lang="en-US" altLang="zh-TW" sz="2400" dirty="0"/>
-              <a:t>Source</a:t>
-            </a:r>
-          </a:p>
-          <a:p>
-            <a:pPr marL="0" indent="0">
-              <a:buNone/>
-            </a:pPr>
-            <a:r>
-              <a:rPr lang="en-US" altLang="zh-TW" sz="2400" dirty="0"/>
-              <a:t>1 . </a:t>
-            </a:r>
-            <a:r>
-              <a:rPr lang="zh-TW" altLang="en-US" sz="2400" dirty="0"/>
-              <a:t> 硬體觸發設定 </a:t>
-            </a:r>
-            <a:r>
-              <a:rPr lang="en-US" altLang="zh-TW" sz="2400" dirty="0"/>
-              <a:t>: 4Bytes -&gt; 1Bytes</a:t>
-            </a:r>
-          </a:p>
-          <a:p>
-            <a:pPr marL="0" indent="0">
-              <a:buNone/>
-            </a:pPr>
-            <a:r>
-              <a:rPr lang="en-US" altLang="zh-TW" sz="2400" dirty="0"/>
-              <a:t>2. </a:t>
-            </a:r>
-            <a:r>
-              <a:rPr lang="zh-TW" altLang="en-US" sz="2400" dirty="0"/>
-              <a:t> </a:t>
-            </a:r>
-            <a:r>
-              <a:rPr lang="zh-TW" altLang="en-US" sz="2400" dirty="0">
-                <a:solidFill>
-                  <a:srgbClr val="FF0000"/>
-                </a:solidFill>
-              </a:rPr>
-              <a:t>解除中斷</a:t>
-            </a:r>
-            <a:r>
-              <a:rPr lang="en-US" altLang="zh-TW" sz="2400" dirty="0">
-                <a:solidFill>
-                  <a:srgbClr val="FF0000"/>
-                </a:solidFill>
-              </a:rPr>
-              <a:t>Event </a:t>
-            </a:r>
-            <a:r>
-              <a:rPr lang="en-US" altLang="zh-TW" sz="2400" dirty="0" err="1">
-                <a:solidFill>
-                  <a:srgbClr val="FF0000"/>
-                </a:solidFill>
-              </a:rPr>
-              <a:t>regestier</a:t>
-            </a:r>
-            <a:r>
-              <a:rPr lang="zh-TW" altLang="en-US" sz="2400" dirty="0">
-                <a:solidFill>
-                  <a:srgbClr val="FF0000"/>
-                </a:solidFill>
-              </a:rPr>
-              <a:t>在</a:t>
-            </a:r>
-            <a:r>
-              <a:rPr lang="en-US" altLang="zh-TW" sz="2400" dirty="0">
-                <a:solidFill>
-                  <a:srgbClr val="FF0000"/>
-                </a:solidFill>
-              </a:rPr>
-              <a:t>Code</a:t>
-            </a:r>
-            <a:r>
-              <a:rPr lang="zh-TW" altLang="en-US" sz="2400" dirty="0">
-                <a:solidFill>
-                  <a:srgbClr val="FF0000"/>
-                </a:solidFill>
-              </a:rPr>
-              <a:t>中的位置</a:t>
-            </a:r>
-            <a:endParaRPr lang="en-US" altLang="zh-TW" sz="2400" dirty="0">
-              <a:solidFill>
-                <a:srgbClr val="FF0000"/>
-              </a:solidFill>
-            </a:endParaRPr>
-          </a:p>
-          <a:p>
-            <a:pPr marL="0" indent="0">
-              <a:buNone/>
-            </a:pPr>
-            <a:endParaRPr lang="zh-TW" altLang="en-US" dirty="0"/>
-          </a:p>
-        </p:txBody>
-      </p:sp>
-    </p:spTree>
-    <p:extLst>
-      <p:ext uri="{BB962C8B-B14F-4D97-AF65-F5344CB8AC3E}">
-        <p14:creationId xmlns:p14="http://schemas.microsoft.com/office/powerpoint/2010/main" val="719165155"/>
-      </p:ext>
-    </p:extLst>
-  </p:cSld>
-  <p:clrMapOvr>
-    <a:masterClrMapping/>
-  </p:clrMapOvr>
-</p:sld>
-</file>
-
-<file path=ppt/slides/slide44.xml><?xml version="1.0" encoding="utf-8"?>
-<p:sld xmlns:a="http://schemas.openxmlformats.org/drawingml/2006/main" xmlns:r="http://schemas.openxmlformats.org/officeDocument/2006/relationships" xmlns:p="http://schemas.openxmlformats.org/presentationml/2006/main">
-  <p:cSld>
-    <p:spTree>
-      <p:nvGrpSpPr>
-        <p:cNvPr id="1" name=""/>
-        <p:cNvGrpSpPr/>
-        <p:nvPr/>
-      </p:nvGrpSpPr>
-      <p:grpSpPr>
-        <a:xfrm>
-          <a:off x="0" y="0"/>
-          <a:ext cx="0" cy="0"/>
-          <a:chOff x="0" y="0"/>
-          <a:chExt cx="0" cy="0"/>
-        </a:xfrm>
-      </p:grpSpPr>
-      <p:sp>
-        <p:nvSpPr>
-          <p:cNvPr id="2" name="標題 1">
-            <a:extLst>
-              <a:ext uri="{FF2B5EF4-FFF2-40B4-BE49-F238E27FC236}">
-                <a16:creationId xmlns:a16="http://schemas.microsoft.com/office/drawing/2014/main" id="{A90C3E7E-AE4E-452E-A66F-A6DA326A606E}"/>
-              </a:ext>
-            </a:extLst>
-          </p:cNvPr>
-          <p:cNvSpPr>
-            <a:spLocks noGrp="1"/>
-          </p:cNvSpPr>
-          <p:nvPr>
-            <p:ph type="title"/>
-          </p:nvPr>
-        </p:nvSpPr>
-        <p:spPr/>
-        <p:txBody>
-          <a:bodyPr/>
-          <a:lstStyle/>
-          <a:p>
-            <a:pPr algn="ctr"/>
-            <a:r>
-              <a:rPr lang="zh-TW" altLang="en-US" sz="4400" dirty="0"/>
-              <a:t>最接近顏色</a:t>
-            </a:r>
-            <a:endParaRPr lang="zh-TW" altLang="en-US" dirty="0"/>
-          </a:p>
-        </p:txBody>
-      </p:sp>
-      <p:sp>
-        <p:nvSpPr>
-          <p:cNvPr id="3" name="內容版面配置區 2">
-            <a:extLst>
-              <a:ext uri="{FF2B5EF4-FFF2-40B4-BE49-F238E27FC236}">
-                <a16:creationId xmlns:a16="http://schemas.microsoft.com/office/drawing/2014/main" id="{2270879B-7395-4917-86B4-47F549C5A985}"/>
-              </a:ext>
-            </a:extLst>
-          </p:cNvPr>
-          <p:cNvSpPr>
-            <a:spLocks noGrp="1"/>
-          </p:cNvSpPr>
-          <p:nvPr>
-            <p:ph idx="1"/>
-          </p:nvPr>
-        </p:nvSpPr>
-        <p:spPr/>
-        <p:txBody>
-          <a:bodyPr/>
-          <a:lstStyle/>
-          <a:p>
-            <a:pPr marL="0" indent="0">
-              <a:buNone/>
-            </a:pPr>
-            <a:r>
-              <a:rPr lang="en-US" altLang="zh-TW" dirty="0"/>
-              <a:t>Root Cause :</a:t>
-            </a:r>
-          </a:p>
-          <a:p>
-            <a:pPr marL="514350" indent="-514350">
-              <a:buAutoNum type="arabicPeriod"/>
-            </a:pPr>
-            <a:r>
-              <a:rPr lang="en-US" altLang="zh-TW" dirty="0"/>
-              <a:t>Sensor </a:t>
-            </a:r>
-            <a:r>
-              <a:rPr lang="zh-TW" altLang="en-US" dirty="0"/>
-              <a:t>傳輸的顏色，並不一定落在</a:t>
-            </a:r>
-            <a:r>
-              <a:rPr lang="en-US" altLang="zh-TW" dirty="0"/>
-              <a:t>USI</a:t>
-            </a:r>
-            <a:r>
-              <a:rPr lang="zh-TW" altLang="en-US" dirty="0"/>
-              <a:t>所定義的顏色，因此需要找到最接近的顏色。</a:t>
-            </a:r>
-            <a:endParaRPr lang="en-US" altLang="zh-TW" dirty="0"/>
-          </a:p>
-          <a:p>
-            <a:pPr marL="514350" indent="-514350">
-              <a:buAutoNum type="arabicPeriod"/>
-            </a:pPr>
-            <a:endParaRPr lang="en-US" altLang="zh-TW" dirty="0"/>
-          </a:p>
-          <a:p>
-            <a:pPr marL="0" indent="0">
-              <a:buNone/>
-            </a:pPr>
-            <a:r>
-              <a:rPr lang="en-US" altLang="zh-TW" dirty="0"/>
-              <a:t>Solve :</a:t>
-            </a:r>
-          </a:p>
-          <a:p>
-            <a:pPr marL="0" indent="0">
-              <a:buNone/>
-            </a:pPr>
-            <a:r>
-              <a:rPr lang="en-US" altLang="zh-TW" dirty="0"/>
-              <a:t>	1. </a:t>
-            </a:r>
-            <a:r>
-              <a:rPr lang="zh-TW" altLang="en-US" dirty="0"/>
-              <a:t>顏色距離定義</a:t>
-            </a:r>
-            <a:endParaRPr lang="en-US" altLang="zh-TW" dirty="0"/>
-          </a:p>
-          <a:p>
-            <a:pPr marL="0" indent="0">
-              <a:buNone/>
-            </a:pPr>
-            <a:r>
-              <a:rPr lang="en-US" altLang="zh-TW" dirty="0"/>
-              <a:t>	2.  </a:t>
-            </a:r>
-            <a:r>
-              <a:rPr lang="zh-TW" altLang="en-US" dirty="0"/>
-              <a:t>使用</a:t>
-            </a:r>
-            <a:r>
-              <a:rPr lang="en-US" altLang="zh-TW" dirty="0" err="1"/>
-              <a:t>matlab</a:t>
-            </a:r>
-            <a:r>
-              <a:rPr lang="zh-TW" altLang="en-US" dirty="0"/>
-              <a:t>來加速驗證速度</a:t>
-            </a:r>
-            <a:endParaRPr lang="en-US" altLang="zh-TW" dirty="0"/>
-          </a:p>
-        </p:txBody>
-      </p:sp>
-    </p:spTree>
-    <p:extLst>
-      <p:ext uri="{BB962C8B-B14F-4D97-AF65-F5344CB8AC3E}">
-        <p14:creationId xmlns:p14="http://schemas.microsoft.com/office/powerpoint/2010/main" val="2172983373"/>
-      </p:ext>
-    </p:extLst>
-  </p:cSld>
-  <p:clrMapOvr>
-    <a:masterClrMapping/>
-  </p:clrMapOvr>
-</p:sld>
-</file>
-
-<file path=ppt/slides/slide45.xml><?xml version="1.0" encoding="utf-8"?>
-<p:sld xmlns:a="http://schemas.openxmlformats.org/drawingml/2006/main" xmlns:r="http://schemas.openxmlformats.org/officeDocument/2006/relationships" xmlns:p="http://schemas.openxmlformats.org/presentationml/2006/main">
-  <p:cSld>
-    <p:spTree>
-      <p:nvGrpSpPr>
-        <p:cNvPr id="1" name=""/>
-        <p:cNvGrpSpPr/>
-        <p:nvPr/>
-      </p:nvGrpSpPr>
-      <p:grpSpPr>
-        <a:xfrm>
-          <a:off x="0" y="0"/>
-          <a:ext cx="0" cy="0"/>
-          <a:chOff x="0" y="0"/>
-          <a:chExt cx="0" cy="0"/>
-        </a:xfrm>
-      </p:grpSpPr>
-      <p:sp>
-        <p:nvSpPr>
-          <p:cNvPr id="2" name="標題 1">
-            <a:extLst>
-              <a:ext uri="{FF2B5EF4-FFF2-40B4-BE49-F238E27FC236}">
-                <a16:creationId xmlns:a16="http://schemas.microsoft.com/office/drawing/2014/main" id="{77C37F21-5DBA-B401-7D71-7CFB5E6E6C5D}"/>
-              </a:ext>
-            </a:extLst>
-          </p:cNvPr>
-          <p:cNvSpPr>
-            <a:spLocks noGrp="1"/>
-          </p:cNvSpPr>
-          <p:nvPr>
-            <p:ph type="title"/>
-          </p:nvPr>
-        </p:nvSpPr>
-        <p:spPr/>
-        <p:txBody>
-          <a:bodyPr/>
-          <a:lstStyle/>
-          <a:p>
-            <a:pPr algn="ctr"/>
-            <a:r>
-              <a:rPr lang="zh-TW" altLang="en-US" dirty="0"/>
-              <a:t> </a:t>
-            </a:r>
-            <a:r>
-              <a:rPr lang="en-US" altLang="zh-TW" dirty="0" err="1"/>
-              <a:t>Matlab</a:t>
-            </a:r>
-            <a:r>
-              <a:rPr lang="en-US" altLang="zh-TW" dirty="0"/>
-              <a:t> </a:t>
-            </a:r>
-            <a:r>
-              <a:rPr lang="zh-TW" altLang="en-US" dirty="0"/>
-              <a:t>驗證</a:t>
-            </a:r>
-          </a:p>
-        </p:txBody>
-      </p:sp>
-      <p:sp>
-        <p:nvSpPr>
-          <p:cNvPr id="3" name="內容版面配置區 2">
-            <a:extLst>
-              <a:ext uri="{FF2B5EF4-FFF2-40B4-BE49-F238E27FC236}">
-                <a16:creationId xmlns:a16="http://schemas.microsoft.com/office/drawing/2014/main" id="{534E79D0-3692-7581-7815-5DEF93BC5DAC}"/>
-              </a:ext>
-            </a:extLst>
-          </p:cNvPr>
-          <p:cNvSpPr>
-            <a:spLocks noGrp="1"/>
-          </p:cNvSpPr>
-          <p:nvPr>
-            <p:ph idx="1"/>
-          </p:nvPr>
-        </p:nvSpPr>
-        <p:spPr/>
-        <p:txBody>
-          <a:bodyPr/>
-          <a:lstStyle/>
-          <a:p>
-            <a:pPr marL="0" indent="0">
-              <a:buNone/>
-            </a:pPr>
-            <a:r>
-              <a:rPr lang="en-US" altLang="zh-TW" dirty="0"/>
-              <a:t>Use </a:t>
-            </a:r>
-            <a:r>
-              <a:rPr lang="en-US" altLang="zh-TW" dirty="0" err="1"/>
-              <a:t>Matalb</a:t>
-            </a:r>
-            <a:r>
-              <a:rPr lang="en-US" altLang="zh-TW" dirty="0"/>
-              <a:t> APP</a:t>
-            </a:r>
-            <a:r>
-              <a:rPr lang="zh-TW" altLang="en-US" dirty="0"/>
-              <a:t> 寫的</a:t>
-            </a:r>
-          </a:p>
-        </p:txBody>
-      </p:sp>
-    </p:spTree>
-    <p:extLst>
-      <p:ext uri="{BB962C8B-B14F-4D97-AF65-F5344CB8AC3E}">
-        <p14:creationId xmlns:p14="http://schemas.microsoft.com/office/powerpoint/2010/main" val="3411917283"/>
-      </p:ext>
-    </p:extLst>
-  </p:cSld>
-  <p:clrMapOvr>
-    <a:masterClrMapping/>
-  </p:clrMapOvr>
-</p:sld>
-</file>
-
-<file path=ppt/slides/slide46.xml><?xml version="1.0" encoding="utf-8"?>
-<p:sld xmlns:a="http://schemas.openxmlformats.org/drawingml/2006/main" xmlns:r="http://schemas.openxmlformats.org/officeDocument/2006/relationships" xmlns:p="http://schemas.openxmlformats.org/presentationml/2006/main">
-  <p:cSld>
-    <p:spTree>
-      <p:nvGrpSpPr>
-        <p:cNvPr id="1" name=""/>
-        <p:cNvGrpSpPr/>
-        <p:nvPr/>
-      </p:nvGrpSpPr>
-      <p:grpSpPr>
-        <a:xfrm>
-          <a:off x="0" y="0"/>
-          <a:ext cx="0" cy="0"/>
-          <a:chOff x="0" y="0"/>
-          <a:chExt cx="0" cy="0"/>
-        </a:xfrm>
-      </p:grpSpPr>
-      <p:sp>
-        <p:nvSpPr>
-          <p:cNvPr id="2" name="標題 1">
-            <a:extLst>
-              <a:ext uri="{FF2B5EF4-FFF2-40B4-BE49-F238E27FC236}">
-                <a16:creationId xmlns:a16="http://schemas.microsoft.com/office/drawing/2014/main" id="{F0C4E827-8FA5-D200-CB63-931E7FB72A01}"/>
-              </a:ext>
-            </a:extLst>
-          </p:cNvPr>
-          <p:cNvSpPr>
-            <a:spLocks noGrp="1"/>
-          </p:cNvSpPr>
-          <p:nvPr>
-            <p:ph type="title"/>
-          </p:nvPr>
-        </p:nvSpPr>
-        <p:spPr/>
-        <p:txBody>
-          <a:bodyPr/>
-          <a:lstStyle/>
-          <a:p>
-            <a:endParaRPr lang="zh-TW" altLang="en-US" dirty="0"/>
-          </a:p>
-        </p:txBody>
-      </p:sp>
-      <p:sp>
-        <p:nvSpPr>
-          <p:cNvPr id="3" name="內容版面配置區 2">
-            <a:extLst>
-              <a:ext uri="{FF2B5EF4-FFF2-40B4-BE49-F238E27FC236}">
-                <a16:creationId xmlns:a16="http://schemas.microsoft.com/office/drawing/2014/main" id="{3DEDB90D-322B-3E70-CB9B-BCCD6F0A04A3}"/>
-              </a:ext>
-            </a:extLst>
-          </p:cNvPr>
-          <p:cNvSpPr>
-            <a:spLocks noGrp="1"/>
-          </p:cNvSpPr>
-          <p:nvPr>
-            <p:ph idx="1"/>
-          </p:nvPr>
-        </p:nvSpPr>
-        <p:spPr/>
-        <p:txBody>
-          <a:bodyPr/>
-          <a:lstStyle/>
-          <a:p>
-            <a:pPr marL="514350" indent="-514350">
-              <a:buAutoNum type="arabicPeriod"/>
-            </a:pPr>
-            <a:r>
-              <a:rPr lang="en-US" altLang="zh-TW" dirty="0"/>
-              <a:t>Intel USI2.0 </a:t>
-            </a:r>
-            <a:r>
-              <a:rPr lang="zh-TW" altLang="en-US" dirty="0"/>
-              <a:t>測項 </a:t>
-            </a:r>
-            <a:r>
-              <a:rPr lang="en-US" altLang="zh-TW" dirty="0"/>
-              <a:t>Total 57</a:t>
-            </a:r>
-          </a:p>
-          <a:p>
-            <a:pPr marL="514350" indent="-514350">
-              <a:buAutoNum type="arabicPeriod"/>
-            </a:pPr>
-            <a:endParaRPr lang="en-US" altLang="zh-TW" dirty="0"/>
-          </a:p>
-          <a:p>
-            <a:pPr marL="514350" indent="-514350">
-              <a:buAutoNum type="arabicPeriod"/>
-            </a:pPr>
-            <a:r>
-              <a:rPr lang="en-US" altLang="zh-TW" dirty="0" err="1"/>
-              <a:t>Novatek</a:t>
-            </a:r>
-            <a:r>
-              <a:rPr lang="en-US" altLang="zh-TW" dirty="0"/>
-              <a:t> AVL</a:t>
-            </a:r>
-            <a:r>
-              <a:rPr lang="zh-TW" altLang="en-US" dirty="0"/>
-              <a:t>測項</a:t>
-            </a:r>
-            <a:r>
-              <a:rPr lang="en-US" altLang="zh-TW" dirty="0"/>
-              <a:t>Pass</a:t>
-            </a:r>
-          </a:p>
-          <a:p>
-            <a:pPr marL="514350" indent="-514350">
-              <a:buAutoNum type="arabicPeriod"/>
-            </a:pPr>
-            <a:endParaRPr lang="en-US" altLang="zh-TW" dirty="0"/>
-          </a:p>
-          <a:p>
-            <a:pPr marL="514350" indent="-514350">
-              <a:buAutoNum type="arabicPeriod"/>
-            </a:pPr>
-            <a:r>
-              <a:rPr lang="en-US" altLang="zh-TW" dirty="0"/>
-              <a:t>Noise </a:t>
-            </a:r>
-            <a:r>
-              <a:rPr lang="zh-TW" altLang="en-US" dirty="0"/>
-              <a:t>處理 </a:t>
-            </a:r>
-            <a:r>
-              <a:rPr lang="en-US" altLang="zh-TW" dirty="0"/>
-              <a:t>:</a:t>
-            </a:r>
-            <a:r>
-              <a:rPr lang="zh-TW" altLang="en-US" dirty="0"/>
-              <a:t> </a:t>
-            </a:r>
-            <a:r>
-              <a:rPr lang="en-US" altLang="zh-TW" dirty="0"/>
-              <a:t>Palm</a:t>
-            </a:r>
-            <a:r>
-              <a:rPr lang="zh-TW" altLang="en-US" dirty="0"/>
-              <a:t>、邊邊角落、</a:t>
-            </a:r>
-            <a:r>
-              <a:rPr lang="en-US" altLang="zh-TW" dirty="0"/>
-              <a:t>T5</a:t>
-            </a:r>
-            <a:r>
-              <a:rPr lang="zh-TW" altLang="en-US" dirty="0"/>
-              <a:t>、</a:t>
-            </a:r>
-            <a:r>
-              <a:rPr lang="en-US" altLang="zh-TW" dirty="0"/>
-              <a:t>CS</a:t>
-            </a:r>
-          </a:p>
-          <a:p>
-            <a:pPr marL="514350" indent="-514350">
-              <a:buAutoNum type="arabicPeriod"/>
-            </a:pPr>
-            <a:endParaRPr lang="en-US" altLang="zh-TW" dirty="0"/>
-          </a:p>
-          <a:p>
-            <a:pPr marL="514350" indent="-514350">
-              <a:buAutoNum type="arabicPeriod"/>
-            </a:pPr>
-            <a:r>
-              <a:rPr lang="en-US" altLang="zh-TW" dirty="0" err="1"/>
-              <a:t>Agc</a:t>
-            </a:r>
-            <a:r>
-              <a:rPr lang="en-US" altLang="zh-TW" dirty="0"/>
-              <a:t> Flow </a:t>
-            </a:r>
-            <a:r>
-              <a:rPr lang="zh-TW" altLang="en-US" dirty="0"/>
-              <a:t>架構</a:t>
-            </a:r>
-          </a:p>
-        </p:txBody>
-      </p:sp>
-    </p:spTree>
-    <p:extLst>
-      <p:ext uri="{BB962C8B-B14F-4D97-AF65-F5344CB8AC3E}">
-        <p14:creationId xmlns:p14="http://schemas.microsoft.com/office/powerpoint/2010/main" val="3116768302"/>
-      </p:ext>
-    </p:extLst>
-  </p:cSld>
-  <p:clrMapOvr>
-    <a:masterClrMapping/>
-  </p:clrMapOvr>
-</p:sld>
-</file>
-
-<file path=ppt/slides/slide47.xml><?xml version="1.0" encoding="utf-8"?>
-<p:sld xmlns:a="http://schemas.openxmlformats.org/drawingml/2006/main" xmlns:r="http://schemas.openxmlformats.org/officeDocument/2006/relationships" xmlns:p="http://schemas.openxmlformats.org/presentationml/2006/main">
-  <p:cSld>
-    <p:spTree>
-      <p:nvGrpSpPr>
-        <p:cNvPr id="1" name=""/>
-        <p:cNvGrpSpPr/>
-        <p:nvPr/>
-      </p:nvGrpSpPr>
-      <p:grpSpPr>
-        <a:xfrm>
-          <a:off x="0" y="0"/>
-          <a:ext cx="0" cy="0"/>
-          <a:chOff x="0" y="0"/>
-          <a:chExt cx="0" cy="0"/>
-        </a:xfrm>
-      </p:grpSpPr>
-      <p:sp>
-        <p:nvSpPr>
-          <p:cNvPr id="2" name="標題 1">
-            <a:extLst>
-              <a:ext uri="{FF2B5EF4-FFF2-40B4-BE49-F238E27FC236}">
-                <a16:creationId xmlns:a16="http://schemas.microsoft.com/office/drawing/2014/main" id="{0AD59BC0-0510-6326-DD50-2DF0BA6A3F5B}"/>
-              </a:ext>
-            </a:extLst>
-          </p:cNvPr>
-          <p:cNvSpPr>
-            <a:spLocks noGrp="1"/>
-          </p:cNvSpPr>
-          <p:nvPr>
-            <p:ph type="title"/>
-          </p:nvPr>
-        </p:nvSpPr>
-        <p:spPr/>
-        <p:txBody>
-          <a:bodyPr/>
-          <a:lstStyle/>
-          <a:p>
-            <a:r>
-              <a:rPr lang="zh-TW" altLang="en-US" dirty="0"/>
-              <a:t>嚴重問題</a:t>
-            </a:r>
-          </a:p>
-        </p:txBody>
-      </p:sp>
-      <p:sp>
-        <p:nvSpPr>
-          <p:cNvPr id="3" name="內容版面配置區 2">
-            <a:extLst>
-              <a:ext uri="{FF2B5EF4-FFF2-40B4-BE49-F238E27FC236}">
-                <a16:creationId xmlns:a16="http://schemas.microsoft.com/office/drawing/2014/main" id="{E2F59C58-A377-FCE2-6D10-158F112376F5}"/>
-              </a:ext>
-            </a:extLst>
-          </p:cNvPr>
-          <p:cNvSpPr>
-            <a:spLocks noGrp="1"/>
-          </p:cNvSpPr>
-          <p:nvPr>
-            <p:ph idx="1"/>
-          </p:nvPr>
-        </p:nvSpPr>
-        <p:spPr/>
-        <p:txBody>
-          <a:bodyPr/>
-          <a:lstStyle/>
-          <a:p>
-            <a:r>
-              <a:rPr lang="zh-TW" altLang="en-US" dirty="0"/>
-              <a:t>電路上</a:t>
-            </a:r>
-            <a:r>
-              <a:rPr lang="en-US" altLang="zh-TW" dirty="0"/>
-              <a:t>ISSUE</a:t>
-            </a:r>
-          </a:p>
-          <a:p>
-            <a:endParaRPr lang="en-US" altLang="zh-TW" dirty="0"/>
-          </a:p>
-          <a:p>
-            <a:r>
-              <a:rPr lang="en-US" altLang="zh-TW" dirty="0"/>
-              <a:t>RX0 CMU </a:t>
-            </a:r>
-            <a:endParaRPr lang="zh-TW" altLang="en-US" dirty="0"/>
-          </a:p>
-        </p:txBody>
-      </p:sp>
-    </p:spTree>
-    <p:extLst>
-      <p:ext uri="{BB962C8B-B14F-4D97-AF65-F5344CB8AC3E}">
-        <p14:creationId xmlns:p14="http://schemas.microsoft.com/office/powerpoint/2010/main" val="832131673"/>
       </p:ext>
     </p:extLst>
   </p:cSld>
@@ -21025,6 +22626,1450 @@
     <p:extLst>
       <p:ext uri="{BB962C8B-B14F-4D97-AF65-F5344CB8AC3E}">
         <p14:creationId xmlns:p14="http://schemas.microsoft.com/office/powerpoint/2010/main" val="3530819276"/>
+      </p:ext>
+    </p:extLst>
+  </p:cSld>
+  <p:clrMapOvr>
+    <a:masterClrMapping/>
+  </p:clrMapOvr>
+</p:sld>
+</file>
+
+<file path=ppt/slides/slide50.xml><?xml version="1.0" encoding="utf-8"?>
+<p:sld xmlns:a="http://schemas.openxmlformats.org/drawingml/2006/main" xmlns:r="http://schemas.openxmlformats.org/officeDocument/2006/relationships" xmlns:p="http://schemas.openxmlformats.org/presentationml/2006/main">
+  <p:cSld>
+    <p:spTree>
+      <p:nvGrpSpPr>
+        <p:cNvPr id="1" name=""/>
+        <p:cNvGrpSpPr/>
+        <p:nvPr/>
+      </p:nvGrpSpPr>
+      <p:grpSpPr>
+        <a:xfrm>
+          <a:off x="0" y="0"/>
+          <a:ext cx="0" cy="0"/>
+          <a:chOff x="0" y="0"/>
+          <a:chExt cx="0" cy="0"/>
+        </a:xfrm>
+      </p:grpSpPr>
+      <p:sp>
+        <p:nvSpPr>
+          <p:cNvPr id="2" name="標題 1">
+            <a:extLst>
+              <a:ext uri="{FF2B5EF4-FFF2-40B4-BE49-F238E27FC236}">
+                <a16:creationId xmlns:a16="http://schemas.microsoft.com/office/drawing/2014/main" id="{02C3FE11-1F15-4971-95B5-34F7811B7E8A}"/>
+              </a:ext>
+            </a:extLst>
+          </p:cNvPr>
+          <p:cNvSpPr>
+            <a:spLocks noGrp="1"/>
+          </p:cNvSpPr>
+          <p:nvPr>
+            <p:ph type="title"/>
+          </p:nvPr>
+        </p:nvSpPr>
+        <p:spPr/>
+        <p:txBody>
+          <a:bodyPr/>
+          <a:lstStyle/>
+          <a:p>
+            <a:pPr algn="ctr"/>
+            <a:r>
+              <a:rPr lang="en-US" altLang="zh-TW" dirty="0"/>
+              <a:t>Color </a:t>
+            </a:r>
+            <a:r>
+              <a:rPr lang="en-US" altLang="zh-TW" dirty="0" err="1"/>
+              <a:t>Pikcing</a:t>
+            </a:r>
+            <a:r>
+              <a:rPr lang="en-US" altLang="zh-TW" dirty="0"/>
+              <a:t> Project</a:t>
+            </a:r>
+            <a:endParaRPr lang="zh-TW" altLang="en-US" dirty="0"/>
+          </a:p>
+        </p:txBody>
+      </p:sp>
+      <p:sp>
+        <p:nvSpPr>
+          <p:cNvPr id="3" name="內容版面配置區 2">
+            <a:extLst>
+              <a:ext uri="{FF2B5EF4-FFF2-40B4-BE49-F238E27FC236}">
+                <a16:creationId xmlns:a16="http://schemas.microsoft.com/office/drawing/2014/main" id="{5C2571F1-765B-42C3-8AAC-2A8441E0FBA0}"/>
+              </a:ext>
+            </a:extLst>
+          </p:cNvPr>
+          <p:cNvSpPr>
+            <a:spLocks noGrp="1"/>
+          </p:cNvSpPr>
+          <p:nvPr>
+            <p:ph idx="1"/>
+          </p:nvPr>
+        </p:nvSpPr>
+        <p:spPr/>
+        <p:txBody>
+          <a:bodyPr/>
+          <a:lstStyle/>
+          <a:p>
+            <a:pPr marL="457200" lvl="1" indent="0">
+              <a:lnSpc>
+                <a:spcPct val="150000"/>
+              </a:lnSpc>
+              <a:buNone/>
+            </a:pPr>
+            <a:r>
+              <a:rPr lang="zh-TW" altLang="en-US" sz="2800" dirty="0">
+                <a:solidFill>
+                  <a:srgbClr val="FF0000"/>
+                </a:solidFill>
+              </a:rPr>
+              <a:t>目的</a:t>
+            </a:r>
+            <a:r>
+              <a:rPr lang="zh-TW" altLang="en-US" dirty="0"/>
+              <a:t> </a:t>
+            </a:r>
+            <a:r>
+              <a:rPr lang="en-US" altLang="zh-TW" dirty="0"/>
+              <a:t>:</a:t>
+            </a:r>
+            <a:r>
+              <a:rPr lang="zh-TW" altLang="en-US" dirty="0"/>
+              <a:t>  按壓</a:t>
+            </a:r>
+            <a:r>
+              <a:rPr lang="en-US" altLang="zh-TW" dirty="0"/>
+              <a:t>Color Sensor</a:t>
+            </a:r>
+            <a:r>
+              <a:rPr lang="zh-TW" altLang="en-US" dirty="0"/>
+              <a:t>選擇顏色、並透過筆在</a:t>
+            </a:r>
+            <a:r>
+              <a:rPr lang="en-US" altLang="zh-TW" dirty="0"/>
+              <a:t>Host</a:t>
+            </a:r>
+            <a:r>
+              <a:rPr lang="zh-TW" altLang="en-US" dirty="0"/>
+              <a:t>上畫出對應的顏色</a:t>
+            </a:r>
+            <a:endParaRPr lang="en-US" altLang="zh-TW" dirty="0"/>
+          </a:p>
+          <a:p>
+            <a:pPr marL="457200" lvl="1" indent="0">
+              <a:lnSpc>
+                <a:spcPct val="150000"/>
+              </a:lnSpc>
+              <a:buNone/>
+            </a:pPr>
+            <a:endParaRPr lang="en-US" altLang="zh-TW" dirty="0"/>
+          </a:p>
+          <a:p>
+            <a:pPr marL="457200" lvl="1" indent="0">
+              <a:lnSpc>
+                <a:spcPct val="150000"/>
+              </a:lnSpc>
+              <a:buNone/>
+            </a:pPr>
+            <a:endParaRPr lang="en-US" altLang="zh-TW" dirty="0"/>
+          </a:p>
+        </p:txBody>
+      </p:sp>
+    </p:spTree>
+    <p:extLst>
+      <p:ext uri="{BB962C8B-B14F-4D97-AF65-F5344CB8AC3E}">
+        <p14:creationId xmlns:p14="http://schemas.microsoft.com/office/powerpoint/2010/main" val="263751651"/>
+      </p:ext>
+    </p:extLst>
+  </p:cSld>
+  <p:clrMapOvr>
+    <a:masterClrMapping/>
+  </p:clrMapOvr>
+</p:sld>
+</file>
+
+<file path=ppt/slides/slide51.xml><?xml version="1.0" encoding="utf-8"?>
+<p:sld xmlns:a="http://schemas.openxmlformats.org/drawingml/2006/main" xmlns:r="http://schemas.openxmlformats.org/officeDocument/2006/relationships" xmlns:p="http://schemas.openxmlformats.org/presentationml/2006/main">
+  <p:cSld>
+    <p:spTree>
+      <p:nvGrpSpPr>
+        <p:cNvPr id="1" name=""/>
+        <p:cNvGrpSpPr/>
+        <p:nvPr/>
+      </p:nvGrpSpPr>
+      <p:grpSpPr>
+        <a:xfrm>
+          <a:off x="0" y="0"/>
+          <a:ext cx="0" cy="0"/>
+          <a:chOff x="0" y="0"/>
+          <a:chExt cx="0" cy="0"/>
+        </a:xfrm>
+      </p:grpSpPr>
+      <p:sp>
+        <p:nvSpPr>
+          <p:cNvPr id="2" name="標題 1">
+            <a:extLst>
+              <a:ext uri="{FF2B5EF4-FFF2-40B4-BE49-F238E27FC236}">
+                <a16:creationId xmlns:a16="http://schemas.microsoft.com/office/drawing/2014/main" id="{36663CA0-2783-4A34-8C5A-24686BD0A02B}"/>
+              </a:ext>
+            </a:extLst>
+          </p:cNvPr>
+          <p:cNvSpPr>
+            <a:spLocks noGrp="1"/>
+          </p:cNvSpPr>
+          <p:nvPr>
+            <p:ph type="title"/>
+          </p:nvPr>
+        </p:nvSpPr>
+        <p:spPr/>
+        <p:txBody>
+          <a:bodyPr/>
+          <a:lstStyle/>
+          <a:p>
+            <a:pPr algn="ctr"/>
+            <a:r>
+              <a:rPr lang="zh-TW" altLang="en-US" dirty="0"/>
+              <a:t>主要遇到的問題</a:t>
+            </a:r>
+          </a:p>
+        </p:txBody>
+      </p:sp>
+      <p:sp>
+        <p:nvSpPr>
+          <p:cNvPr id="3" name="內容版面配置區 2">
+            <a:extLst>
+              <a:ext uri="{FF2B5EF4-FFF2-40B4-BE49-F238E27FC236}">
+                <a16:creationId xmlns:a16="http://schemas.microsoft.com/office/drawing/2014/main" id="{4EB3A3B7-3819-4E07-A5DF-C15C993A0B95}"/>
+              </a:ext>
+            </a:extLst>
+          </p:cNvPr>
+          <p:cNvSpPr>
+            <a:spLocks noGrp="1"/>
+          </p:cNvSpPr>
+          <p:nvPr>
+            <p:ph idx="1"/>
+          </p:nvPr>
+        </p:nvSpPr>
+        <p:spPr/>
+        <p:txBody>
+          <a:bodyPr/>
+          <a:lstStyle/>
+          <a:p>
+            <a:pPr marL="0" indent="0">
+              <a:buNone/>
+            </a:pPr>
+            <a:r>
+              <a:rPr lang="zh-TW" altLang="en-US" dirty="0">
+                <a:solidFill>
+                  <a:schemeClr val="accent1"/>
+                </a:solidFill>
+              </a:rPr>
+              <a:t>問題</a:t>
+            </a:r>
+            <a:endParaRPr lang="en-US" altLang="zh-TW" dirty="0">
+              <a:solidFill>
+                <a:schemeClr val="accent1"/>
+              </a:solidFill>
+            </a:endParaRPr>
+          </a:p>
+          <a:p>
+            <a:pPr marL="514350" indent="-514350">
+              <a:buAutoNum type="arabicPeriod"/>
+            </a:pPr>
+            <a:endParaRPr lang="en-US" altLang="zh-TW" dirty="0"/>
+          </a:p>
+          <a:p>
+            <a:pPr marL="514350" indent="-514350">
+              <a:buAutoNum type="arabicPeriod"/>
+            </a:pPr>
+            <a:r>
+              <a:rPr lang="zh-TW" altLang="en-US" sz="2400" dirty="0">
+                <a:hlinkClick r:id="rId3" action="ppaction://hlinksldjump"/>
+              </a:rPr>
+              <a:t>傳輸問題 </a:t>
+            </a:r>
+            <a:r>
+              <a:rPr lang="en-US" altLang="zh-TW" sz="2400" dirty="0"/>
+              <a:t>:</a:t>
+            </a:r>
+            <a:r>
+              <a:rPr lang="zh-TW" altLang="en-US" sz="2400" dirty="0"/>
+              <a:t> </a:t>
+            </a:r>
+            <a:endParaRPr lang="en-US" altLang="zh-TW" sz="2400" dirty="0"/>
+          </a:p>
+          <a:p>
+            <a:pPr marL="457200" lvl="1" indent="0">
+              <a:buNone/>
+            </a:pPr>
+            <a:r>
+              <a:rPr lang="en-US" altLang="zh-TW" sz="2000" dirty="0"/>
+              <a:t>1.  Set UART</a:t>
+            </a:r>
+            <a:r>
+              <a:rPr lang="zh-TW" altLang="en-US" sz="2000" dirty="0"/>
+              <a:t> </a:t>
+            </a:r>
+            <a:r>
+              <a:rPr lang="en-US" altLang="zh-TW" sz="2000" dirty="0"/>
+              <a:t>RX</a:t>
+            </a:r>
+            <a:r>
+              <a:rPr lang="zh-TW" altLang="en-US" sz="2000" dirty="0"/>
+              <a:t> </a:t>
+            </a:r>
+            <a:r>
+              <a:rPr lang="en-US" altLang="zh-TW" sz="2000" dirty="0"/>
+              <a:t>Setting </a:t>
+            </a:r>
+            <a:r>
+              <a:rPr lang="zh-TW" altLang="en-US" sz="2000" dirty="0"/>
+              <a:t>以及 </a:t>
+            </a:r>
+            <a:r>
+              <a:rPr lang="en-US" altLang="zh-TW" sz="2000" dirty="0"/>
+              <a:t>Flow </a:t>
+            </a:r>
+            <a:r>
+              <a:rPr lang="zh-TW" altLang="en-US" sz="2000" dirty="0"/>
+              <a:t>規劃</a:t>
+            </a:r>
+            <a:endParaRPr lang="en-US" altLang="zh-TW" sz="2000" dirty="0"/>
+          </a:p>
+          <a:p>
+            <a:pPr marL="0" indent="0">
+              <a:buNone/>
+            </a:pPr>
+            <a:endParaRPr lang="en-US" altLang="zh-TW" sz="2400" dirty="0"/>
+          </a:p>
+          <a:p>
+            <a:pPr marL="457200" indent="-457200">
+              <a:buAutoNum type="arabicPeriod" startAt="2"/>
+            </a:pPr>
+            <a:r>
+              <a:rPr lang="zh-TW" altLang="en-US" sz="2400" dirty="0">
+                <a:hlinkClick r:id="rId4" action="ppaction://hlinksldjump"/>
+              </a:rPr>
+              <a:t>最接近顏色</a:t>
+            </a:r>
+            <a:r>
+              <a:rPr lang="en-US" altLang="zh-TW" sz="2400" dirty="0"/>
+              <a:t>:</a:t>
+            </a:r>
+          </a:p>
+          <a:p>
+            <a:pPr marL="914400" lvl="1" indent="-457200">
+              <a:buAutoNum type="arabicPeriod" startAt="2"/>
+            </a:pPr>
+            <a:r>
+              <a:rPr lang="zh-TW" altLang="en-US" sz="2000" dirty="0"/>
+              <a:t>筆的</a:t>
+            </a:r>
+            <a:r>
+              <a:rPr lang="en-US" altLang="zh-TW" sz="2000" dirty="0" err="1"/>
+              <a:t>Protocal</a:t>
+            </a:r>
+            <a:r>
+              <a:rPr lang="en-US" altLang="zh-TW" sz="2000" dirty="0"/>
+              <a:t> </a:t>
+            </a:r>
+            <a:r>
+              <a:rPr lang="zh-TW" altLang="en-US" sz="2000" dirty="0"/>
+              <a:t>定義的顏色只佔</a:t>
+            </a:r>
+            <a:r>
+              <a:rPr lang="en-US" altLang="zh-TW" sz="2000" dirty="0"/>
+              <a:t>RGB</a:t>
+            </a:r>
+            <a:r>
+              <a:rPr lang="zh-TW" altLang="en-US" sz="2000" dirty="0"/>
+              <a:t>裡面</a:t>
+            </a:r>
+            <a:r>
+              <a:rPr lang="en-US" altLang="zh-TW" sz="2000" dirty="0"/>
+              <a:t>200</a:t>
+            </a:r>
+            <a:r>
+              <a:rPr lang="zh-TW" altLang="en-US" sz="2000" dirty="0"/>
+              <a:t>多個</a:t>
+            </a:r>
+            <a:endParaRPr lang="en-US" altLang="zh-TW" dirty="0"/>
+          </a:p>
+        </p:txBody>
+      </p:sp>
+    </p:spTree>
+    <p:extLst>
+      <p:ext uri="{BB962C8B-B14F-4D97-AF65-F5344CB8AC3E}">
+        <p14:creationId xmlns:p14="http://schemas.microsoft.com/office/powerpoint/2010/main" val="2576856385"/>
+      </p:ext>
+    </p:extLst>
+  </p:cSld>
+  <p:clrMapOvr>
+    <a:masterClrMapping/>
+  </p:clrMapOvr>
+</p:sld>
+</file>
+
+<file path=ppt/slides/slide52.xml><?xml version="1.0" encoding="utf-8"?>
+<p:sld xmlns:a="http://schemas.openxmlformats.org/drawingml/2006/main" xmlns:r="http://schemas.openxmlformats.org/officeDocument/2006/relationships" xmlns:p="http://schemas.openxmlformats.org/presentationml/2006/main">
+  <p:cSld>
+    <p:spTree>
+      <p:nvGrpSpPr>
+        <p:cNvPr id="1" name=""/>
+        <p:cNvGrpSpPr/>
+        <p:nvPr/>
+      </p:nvGrpSpPr>
+      <p:grpSpPr>
+        <a:xfrm>
+          <a:off x="0" y="0"/>
+          <a:ext cx="0" cy="0"/>
+          <a:chOff x="0" y="0"/>
+          <a:chExt cx="0" cy="0"/>
+        </a:xfrm>
+      </p:grpSpPr>
+      <p:sp>
+        <p:nvSpPr>
+          <p:cNvPr id="2" name="標題 1">
+            <a:extLst>
+              <a:ext uri="{FF2B5EF4-FFF2-40B4-BE49-F238E27FC236}">
+                <a16:creationId xmlns:a16="http://schemas.microsoft.com/office/drawing/2014/main" id="{FEDEBC06-C75E-5899-979E-C29912B4A68E}"/>
+              </a:ext>
+            </a:extLst>
+          </p:cNvPr>
+          <p:cNvSpPr>
+            <a:spLocks noGrp="1"/>
+          </p:cNvSpPr>
+          <p:nvPr>
+            <p:ph type="title"/>
+          </p:nvPr>
+        </p:nvSpPr>
+        <p:spPr/>
+        <p:txBody>
+          <a:bodyPr/>
+          <a:lstStyle/>
+          <a:p>
+            <a:pPr algn="ctr"/>
+            <a:r>
+              <a:rPr lang="en-US" altLang="zh-TW" dirty="0"/>
+              <a:t>UART RX Setting</a:t>
+            </a:r>
+            <a:endParaRPr lang="zh-TW" altLang="en-US" dirty="0"/>
+          </a:p>
+        </p:txBody>
+      </p:sp>
+      <p:sp>
+        <p:nvSpPr>
+          <p:cNvPr id="3" name="內容版面配置區 2">
+            <a:extLst>
+              <a:ext uri="{FF2B5EF4-FFF2-40B4-BE49-F238E27FC236}">
+                <a16:creationId xmlns:a16="http://schemas.microsoft.com/office/drawing/2014/main" id="{D33F5725-65BC-FF79-0EEB-A34DF7904932}"/>
+              </a:ext>
+            </a:extLst>
+          </p:cNvPr>
+          <p:cNvSpPr>
+            <a:spLocks noGrp="1"/>
+          </p:cNvSpPr>
+          <p:nvPr>
+            <p:ph idx="1"/>
+          </p:nvPr>
+        </p:nvSpPr>
+        <p:spPr/>
+        <p:txBody>
+          <a:bodyPr>
+            <a:normAutofit/>
+          </a:bodyPr>
+          <a:lstStyle/>
+          <a:p>
+            <a:pPr marL="514350" indent="-514350">
+              <a:buAutoNum type="arabicPeriod"/>
+            </a:pPr>
+            <a:r>
+              <a:rPr lang="en-US" altLang="zh-TW" sz="2000" dirty="0"/>
+              <a:t>UART</a:t>
+            </a:r>
+            <a:r>
+              <a:rPr lang="zh-TW" altLang="en-US" sz="2000" dirty="0"/>
+              <a:t> </a:t>
+            </a:r>
+            <a:r>
+              <a:rPr lang="en-US" altLang="zh-TW" sz="2000" dirty="0"/>
+              <a:t>RX</a:t>
+            </a:r>
+            <a:r>
+              <a:rPr lang="zh-TW" altLang="en-US" sz="2000" dirty="0"/>
+              <a:t> 使用</a:t>
+            </a:r>
+            <a:r>
+              <a:rPr lang="en-US" altLang="zh-TW" sz="2000" dirty="0"/>
+              <a:t>FIFO</a:t>
+            </a:r>
+            <a:r>
+              <a:rPr lang="zh-TW" altLang="en-US" sz="2000" dirty="0"/>
+              <a:t> 架構、這個</a:t>
+            </a:r>
+            <a:r>
+              <a:rPr lang="en-US" altLang="zh-TW" sz="2000" dirty="0"/>
+              <a:t>FIFO</a:t>
+            </a:r>
+            <a:r>
+              <a:rPr lang="zh-TW" altLang="en-US" sz="2000" dirty="0"/>
+              <a:t>架構是被封裝過。</a:t>
+            </a:r>
+            <a:endParaRPr lang="en-US" altLang="zh-TW" sz="2000" dirty="0"/>
+          </a:p>
+          <a:p>
+            <a:pPr marL="514350" indent="-514350">
+              <a:buAutoNum type="arabicPeriod"/>
+            </a:pPr>
+            <a:endParaRPr lang="en-US" altLang="zh-TW" sz="2000" dirty="0"/>
+          </a:p>
+          <a:p>
+            <a:pPr marL="514350" indent="-514350">
+              <a:buAutoNum type="arabicPeriod"/>
+            </a:pPr>
+            <a:endParaRPr lang="en-US" altLang="zh-TW" sz="2000" dirty="0"/>
+          </a:p>
+          <a:p>
+            <a:pPr marL="514350" indent="-514350">
+              <a:buAutoNum type="arabicPeriod"/>
+            </a:pPr>
+            <a:r>
+              <a:rPr lang="en-US" altLang="zh-TW" sz="2000" dirty="0"/>
+              <a:t>UART RX</a:t>
+            </a:r>
+            <a:r>
+              <a:rPr lang="zh-TW" altLang="en-US" sz="2000" dirty="0"/>
+              <a:t> 中斷硬體設計</a:t>
+            </a:r>
+          </a:p>
+        </p:txBody>
+      </p:sp>
+    </p:spTree>
+    <p:extLst>
+      <p:ext uri="{BB962C8B-B14F-4D97-AF65-F5344CB8AC3E}">
+        <p14:creationId xmlns:p14="http://schemas.microsoft.com/office/powerpoint/2010/main" val="3743749783"/>
+      </p:ext>
+    </p:extLst>
+  </p:cSld>
+  <p:clrMapOvr>
+    <a:masterClrMapping/>
+  </p:clrMapOvr>
+</p:sld>
+</file>
+
+<file path=ppt/slides/slide53.xml><?xml version="1.0" encoding="utf-8"?>
+<p:sld xmlns:a="http://schemas.openxmlformats.org/drawingml/2006/main" xmlns:r="http://schemas.openxmlformats.org/officeDocument/2006/relationships" xmlns:p="http://schemas.openxmlformats.org/presentationml/2006/main">
+  <p:cSld>
+    <p:spTree>
+      <p:nvGrpSpPr>
+        <p:cNvPr id="1" name=""/>
+        <p:cNvGrpSpPr/>
+        <p:nvPr/>
+      </p:nvGrpSpPr>
+      <p:grpSpPr>
+        <a:xfrm>
+          <a:off x="0" y="0"/>
+          <a:ext cx="0" cy="0"/>
+          <a:chOff x="0" y="0"/>
+          <a:chExt cx="0" cy="0"/>
+        </a:xfrm>
+      </p:grpSpPr>
+      <p:sp>
+        <p:nvSpPr>
+          <p:cNvPr id="2" name="標題 1">
+            <a:extLst>
+              <a:ext uri="{FF2B5EF4-FFF2-40B4-BE49-F238E27FC236}">
+                <a16:creationId xmlns:a16="http://schemas.microsoft.com/office/drawing/2014/main" id="{FEDEBC06-C75E-5899-979E-C29912B4A68E}"/>
+              </a:ext>
+            </a:extLst>
+          </p:cNvPr>
+          <p:cNvSpPr>
+            <a:spLocks noGrp="1"/>
+          </p:cNvSpPr>
+          <p:nvPr>
+            <p:ph type="title"/>
+          </p:nvPr>
+        </p:nvSpPr>
+        <p:spPr/>
+        <p:txBody>
+          <a:bodyPr/>
+          <a:lstStyle/>
+          <a:p>
+            <a:pPr algn="ctr"/>
+            <a:r>
+              <a:rPr lang="en-US" altLang="zh-TW" dirty="0"/>
+              <a:t>UART RX Setting</a:t>
+            </a:r>
+            <a:endParaRPr lang="zh-TW" altLang="en-US" dirty="0"/>
+          </a:p>
+        </p:txBody>
+      </p:sp>
+      <p:sp>
+        <p:nvSpPr>
+          <p:cNvPr id="3" name="內容版面配置區 2">
+            <a:extLst>
+              <a:ext uri="{FF2B5EF4-FFF2-40B4-BE49-F238E27FC236}">
+                <a16:creationId xmlns:a16="http://schemas.microsoft.com/office/drawing/2014/main" id="{D33F5725-65BC-FF79-0EEB-A34DF7904932}"/>
+              </a:ext>
+            </a:extLst>
+          </p:cNvPr>
+          <p:cNvSpPr>
+            <a:spLocks noGrp="1"/>
+          </p:cNvSpPr>
+          <p:nvPr>
+            <p:ph idx="1"/>
+          </p:nvPr>
+        </p:nvSpPr>
+        <p:spPr/>
+        <p:txBody>
+          <a:bodyPr>
+            <a:normAutofit/>
+          </a:bodyPr>
+          <a:lstStyle/>
+          <a:p>
+            <a:pPr marL="0" indent="0">
+              <a:buNone/>
+            </a:pPr>
+            <a:r>
+              <a:rPr lang="zh-TW" altLang="en-US" sz="2000" dirty="0"/>
+              <a:t>總結 </a:t>
+            </a:r>
+            <a:r>
+              <a:rPr lang="en-US" altLang="zh-TW" sz="2000" dirty="0"/>
+              <a:t>:</a:t>
+            </a:r>
+            <a:r>
+              <a:rPr lang="zh-TW" altLang="en-US" sz="2000" dirty="0"/>
+              <a:t> </a:t>
+            </a:r>
+            <a:r>
+              <a:rPr lang="en-US" altLang="zh-TW" sz="2000" dirty="0"/>
+              <a:t> </a:t>
+            </a:r>
+            <a:r>
+              <a:rPr lang="zh-TW" altLang="en-US" sz="2000" dirty="0"/>
+              <a:t>由於使用情況是使用者隨時可能會去觸動後發</a:t>
+            </a:r>
+            <a:r>
+              <a:rPr lang="en-US" altLang="zh-TW" sz="2000" dirty="0"/>
+              <a:t>Sensor</a:t>
+            </a:r>
+            <a:r>
+              <a:rPr lang="zh-TW" altLang="en-US" sz="2000" dirty="0"/>
+              <a:t>、筆本身還要</a:t>
+            </a:r>
+            <a:r>
+              <a:rPr lang="en-US" altLang="zh-TW" sz="2000" dirty="0"/>
+              <a:t>Decode </a:t>
+            </a:r>
+            <a:r>
+              <a:rPr lang="zh-TW" altLang="en-US" sz="2000" dirty="0"/>
+              <a:t>訊號，因此中斷是最佳方法，</a:t>
+            </a:r>
+            <a:r>
+              <a:rPr lang="en-US" altLang="zh-TW" sz="2000" dirty="0"/>
+              <a:t>Polling </a:t>
+            </a:r>
+            <a:r>
+              <a:rPr lang="zh-TW" altLang="en-US" sz="2000" dirty="0"/>
+              <a:t>去偵測就不是好方法並且耗電</a:t>
+            </a:r>
+            <a:endParaRPr lang="en-US" altLang="zh-TW" sz="2000" dirty="0"/>
+          </a:p>
+        </p:txBody>
+      </p:sp>
+    </p:spTree>
+    <p:extLst>
+      <p:ext uri="{BB962C8B-B14F-4D97-AF65-F5344CB8AC3E}">
+        <p14:creationId xmlns:p14="http://schemas.microsoft.com/office/powerpoint/2010/main" val="1764172780"/>
+      </p:ext>
+    </p:extLst>
+  </p:cSld>
+  <p:clrMapOvr>
+    <a:masterClrMapping/>
+  </p:clrMapOvr>
+</p:sld>
+</file>
+
+<file path=ppt/slides/slide54.xml><?xml version="1.0" encoding="utf-8"?>
+<p:sld xmlns:a="http://schemas.openxmlformats.org/drawingml/2006/main" xmlns:r="http://schemas.openxmlformats.org/officeDocument/2006/relationships" xmlns:p="http://schemas.openxmlformats.org/presentationml/2006/main">
+  <p:cSld>
+    <p:spTree>
+      <p:nvGrpSpPr>
+        <p:cNvPr id="1" name=""/>
+        <p:cNvGrpSpPr/>
+        <p:nvPr/>
+      </p:nvGrpSpPr>
+      <p:grpSpPr>
+        <a:xfrm>
+          <a:off x="0" y="0"/>
+          <a:ext cx="0" cy="0"/>
+          <a:chOff x="0" y="0"/>
+          <a:chExt cx="0" cy="0"/>
+        </a:xfrm>
+      </p:grpSpPr>
+      <p:sp>
+        <p:nvSpPr>
+          <p:cNvPr id="2" name="標題 1">
+            <a:extLst>
+              <a:ext uri="{FF2B5EF4-FFF2-40B4-BE49-F238E27FC236}">
+                <a16:creationId xmlns:a16="http://schemas.microsoft.com/office/drawing/2014/main" id="{DCAF803D-3CAB-3E11-8A90-4D5310A3A5EA}"/>
+              </a:ext>
+            </a:extLst>
+          </p:cNvPr>
+          <p:cNvSpPr>
+            <a:spLocks noGrp="1"/>
+          </p:cNvSpPr>
+          <p:nvPr>
+            <p:ph type="title"/>
+          </p:nvPr>
+        </p:nvSpPr>
+        <p:spPr/>
+        <p:txBody>
+          <a:bodyPr/>
+          <a:lstStyle/>
+          <a:p>
+            <a:pPr algn="ctr"/>
+            <a:r>
+              <a:rPr lang="en-US" altLang="zh-TW" dirty="0"/>
+              <a:t>UART RX Setting</a:t>
+            </a:r>
+            <a:endParaRPr lang="zh-TW" altLang="en-US" dirty="0"/>
+          </a:p>
+        </p:txBody>
+      </p:sp>
+      <p:sp>
+        <p:nvSpPr>
+          <p:cNvPr id="3" name="內容版面配置區 2">
+            <a:extLst>
+              <a:ext uri="{FF2B5EF4-FFF2-40B4-BE49-F238E27FC236}">
+                <a16:creationId xmlns:a16="http://schemas.microsoft.com/office/drawing/2014/main" id="{3B1B8A68-518A-9A03-2325-0016A63D6547}"/>
+              </a:ext>
+            </a:extLst>
+          </p:cNvPr>
+          <p:cNvSpPr>
+            <a:spLocks noGrp="1"/>
+          </p:cNvSpPr>
+          <p:nvPr>
+            <p:ph idx="1"/>
+          </p:nvPr>
+        </p:nvSpPr>
+        <p:spPr/>
+        <p:txBody>
+          <a:bodyPr/>
+          <a:lstStyle/>
+          <a:p>
+            <a:pPr marL="0" indent="0">
+              <a:buNone/>
+            </a:pPr>
+            <a:r>
+              <a:rPr lang="zh-TW" altLang="en-US" dirty="0">
+                <a:solidFill>
+                  <a:schemeClr val="accent1"/>
+                </a:solidFill>
+              </a:rPr>
+              <a:t>過程中遇到最大問題 </a:t>
+            </a:r>
+            <a:r>
+              <a:rPr lang="en-US" altLang="zh-TW" dirty="0">
+                <a:solidFill>
+                  <a:schemeClr val="accent1"/>
+                </a:solidFill>
+              </a:rPr>
+              <a:t>: </a:t>
+            </a:r>
+          </a:p>
+          <a:p>
+            <a:pPr marL="0" indent="0">
+              <a:buNone/>
+            </a:pPr>
+            <a:r>
+              <a:rPr lang="zh-TW" altLang="en-US" sz="2400" dirty="0"/>
+              <a:t>收完</a:t>
+            </a:r>
+            <a:r>
+              <a:rPr lang="en-US" altLang="zh-TW" sz="2400" dirty="0"/>
+              <a:t>Sensor Data</a:t>
+            </a:r>
+            <a:r>
+              <a:rPr lang="zh-TW" altLang="en-US" sz="2400" dirty="0"/>
+              <a:t>後，顯示資料卻有漏東漏西</a:t>
+            </a:r>
+            <a:endParaRPr lang="en-US" altLang="zh-TW" sz="2400" dirty="0"/>
+          </a:p>
+          <a:p>
+            <a:pPr marL="0" indent="0">
+              <a:buNone/>
+            </a:pPr>
+            <a:r>
+              <a:rPr lang="en-US" altLang="zh-TW" sz="2400" dirty="0"/>
+              <a:t>Source</a:t>
+            </a:r>
+          </a:p>
+          <a:p>
+            <a:pPr marL="0" indent="0">
+              <a:buNone/>
+            </a:pPr>
+            <a:r>
+              <a:rPr lang="en-US" altLang="zh-TW" sz="2400" dirty="0"/>
+              <a:t>1 . </a:t>
+            </a:r>
+            <a:r>
+              <a:rPr lang="zh-TW" altLang="en-US" sz="2400" dirty="0"/>
+              <a:t> 硬體觸發設定 </a:t>
+            </a:r>
+            <a:r>
+              <a:rPr lang="en-US" altLang="zh-TW" sz="2400" dirty="0"/>
+              <a:t>: 4Bytes -&gt; 1Bytes</a:t>
+            </a:r>
+          </a:p>
+          <a:p>
+            <a:pPr marL="0" indent="0">
+              <a:buNone/>
+            </a:pPr>
+            <a:r>
+              <a:rPr lang="en-US" altLang="zh-TW" sz="2400" dirty="0"/>
+              <a:t>2. </a:t>
+            </a:r>
+            <a:r>
+              <a:rPr lang="zh-TW" altLang="en-US" sz="2400" dirty="0"/>
+              <a:t> </a:t>
+            </a:r>
+            <a:r>
+              <a:rPr lang="zh-TW" altLang="en-US" sz="2400" dirty="0">
+                <a:solidFill>
+                  <a:srgbClr val="FF0000"/>
+                </a:solidFill>
+              </a:rPr>
+              <a:t>解除中斷</a:t>
+            </a:r>
+            <a:r>
+              <a:rPr lang="en-US" altLang="zh-TW" sz="2400" dirty="0">
+                <a:solidFill>
+                  <a:srgbClr val="FF0000"/>
+                </a:solidFill>
+              </a:rPr>
+              <a:t>Event </a:t>
+            </a:r>
+            <a:r>
+              <a:rPr lang="en-US" altLang="zh-TW" sz="2400" dirty="0" err="1">
+                <a:solidFill>
+                  <a:srgbClr val="FF0000"/>
+                </a:solidFill>
+              </a:rPr>
+              <a:t>regestier</a:t>
+            </a:r>
+            <a:r>
+              <a:rPr lang="zh-TW" altLang="en-US" sz="2400" dirty="0">
+                <a:solidFill>
+                  <a:srgbClr val="FF0000"/>
+                </a:solidFill>
+              </a:rPr>
+              <a:t>在</a:t>
+            </a:r>
+            <a:r>
+              <a:rPr lang="en-US" altLang="zh-TW" sz="2400" dirty="0">
+                <a:solidFill>
+                  <a:srgbClr val="FF0000"/>
+                </a:solidFill>
+              </a:rPr>
+              <a:t>Code</a:t>
+            </a:r>
+            <a:r>
+              <a:rPr lang="zh-TW" altLang="en-US" sz="2400" dirty="0">
+                <a:solidFill>
+                  <a:srgbClr val="FF0000"/>
+                </a:solidFill>
+              </a:rPr>
+              <a:t>中的位置</a:t>
+            </a:r>
+            <a:endParaRPr lang="en-US" altLang="zh-TW" sz="2400" dirty="0">
+              <a:solidFill>
+                <a:srgbClr val="FF0000"/>
+              </a:solidFill>
+            </a:endParaRPr>
+          </a:p>
+          <a:p>
+            <a:pPr marL="0" indent="0">
+              <a:buNone/>
+            </a:pPr>
+            <a:endParaRPr lang="zh-TW" altLang="en-US" dirty="0"/>
+          </a:p>
+        </p:txBody>
+      </p:sp>
+    </p:spTree>
+    <p:extLst>
+      <p:ext uri="{BB962C8B-B14F-4D97-AF65-F5344CB8AC3E}">
+        <p14:creationId xmlns:p14="http://schemas.microsoft.com/office/powerpoint/2010/main" val="719165155"/>
+      </p:ext>
+    </p:extLst>
+  </p:cSld>
+  <p:clrMapOvr>
+    <a:masterClrMapping/>
+  </p:clrMapOvr>
+</p:sld>
+</file>
+
+<file path=ppt/slides/slide55.xml><?xml version="1.0" encoding="utf-8"?>
+<p:sld xmlns:a="http://schemas.openxmlformats.org/drawingml/2006/main" xmlns:r="http://schemas.openxmlformats.org/officeDocument/2006/relationships" xmlns:p="http://schemas.openxmlformats.org/presentationml/2006/main">
+  <p:cSld>
+    <p:spTree>
+      <p:nvGrpSpPr>
+        <p:cNvPr id="1" name=""/>
+        <p:cNvGrpSpPr/>
+        <p:nvPr/>
+      </p:nvGrpSpPr>
+      <p:grpSpPr>
+        <a:xfrm>
+          <a:off x="0" y="0"/>
+          <a:ext cx="0" cy="0"/>
+          <a:chOff x="0" y="0"/>
+          <a:chExt cx="0" cy="0"/>
+        </a:xfrm>
+      </p:grpSpPr>
+      <p:sp>
+        <p:nvSpPr>
+          <p:cNvPr id="2" name="標題 1">
+            <a:extLst>
+              <a:ext uri="{FF2B5EF4-FFF2-40B4-BE49-F238E27FC236}">
+                <a16:creationId xmlns:a16="http://schemas.microsoft.com/office/drawing/2014/main" id="{A90C3E7E-AE4E-452E-A66F-A6DA326A606E}"/>
+              </a:ext>
+            </a:extLst>
+          </p:cNvPr>
+          <p:cNvSpPr>
+            <a:spLocks noGrp="1"/>
+          </p:cNvSpPr>
+          <p:nvPr>
+            <p:ph type="title"/>
+          </p:nvPr>
+        </p:nvSpPr>
+        <p:spPr/>
+        <p:txBody>
+          <a:bodyPr/>
+          <a:lstStyle/>
+          <a:p>
+            <a:pPr algn="ctr"/>
+            <a:r>
+              <a:rPr lang="zh-TW" altLang="en-US" sz="4400" dirty="0"/>
+              <a:t>最接近顏色</a:t>
+            </a:r>
+            <a:endParaRPr lang="zh-TW" altLang="en-US" dirty="0"/>
+          </a:p>
+        </p:txBody>
+      </p:sp>
+      <p:sp>
+        <p:nvSpPr>
+          <p:cNvPr id="3" name="內容版面配置區 2">
+            <a:extLst>
+              <a:ext uri="{FF2B5EF4-FFF2-40B4-BE49-F238E27FC236}">
+                <a16:creationId xmlns:a16="http://schemas.microsoft.com/office/drawing/2014/main" id="{2270879B-7395-4917-86B4-47F549C5A985}"/>
+              </a:ext>
+            </a:extLst>
+          </p:cNvPr>
+          <p:cNvSpPr>
+            <a:spLocks noGrp="1"/>
+          </p:cNvSpPr>
+          <p:nvPr>
+            <p:ph idx="1"/>
+          </p:nvPr>
+        </p:nvSpPr>
+        <p:spPr/>
+        <p:txBody>
+          <a:bodyPr/>
+          <a:lstStyle/>
+          <a:p>
+            <a:pPr marL="0" indent="0">
+              <a:buNone/>
+            </a:pPr>
+            <a:r>
+              <a:rPr lang="en-US" altLang="zh-TW" dirty="0"/>
+              <a:t>Root Cause :</a:t>
+            </a:r>
+          </a:p>
+          <a:p>
+            <a:pPr marL="514350" indent="-514350">
+              <a:buAutoNum type="arabicPeriod"/>
+            </a:pPr>
+            <a:r>
+              <a:rPr lang="en-US" altLang="zh-TW" dirty="0"/>
+              <a:t>Sensor </a:t>
+            </a:r>
+            <a:r>
+              <a:rPr lang="zh-TW" altLang="en-US" dirty="0"/>
+              <a:t>傳輸的顏色，並不一定落在</a:t>
+            </a:r>
+            <a:r>
+              <a:rPr lang="en-US" altLang="zh-TW" dirty="0"/>
+              <a:t>USI</a:t>
+            </a:r>
+            <a:r>
+              <a:rPr lang="zh-TW" altLang="en-US" dirty="0"/>
+              <a:t>所定義的顏色，因此需要找到最接近的顏色。</a:t>
+            </a:r>
+            <a:endParaRPr lang="en-US" altLang="zh-TW" dirty="0"/>
+          </a:p>
+          <a:p>
+            <a:pPr marL="514350" indent="-514350">
+              <a:buAutoNum type="arabicPeriod"/>
+            </a:pPr>
+            <a:endParaRPr lang="en-US" altLang="zh-TW" dirty="0"/>
+          </a:p>
+          <a:p>
+            <a:pPr marL="0" indent="0">
+              <a:buNone/>
+            </a:pPr>
+            <a:r>
+              <a:rPr lang="en-US" altLang="zh-TW" dirty="0"/>
+              <a:t>Solve :</a:t>
+            </a:r>
+          </a:p>
+          <a:p>
+            <a:pPr marL="0" indent="0">
+              <a:buNone/>
+            </a:pPr>
+            <a:r>
+              <a:rPr lang="en-US" altLang="zh-TW" dirty="0"/>
+              <a:t>	1. </a:t>
+            </a:r>
+            <a:r>
+              <a:rPr lang="zh-TW" altLang="en-US" dirty="0"/>
+              <a:t>顏色距離定義</a:t>
+            </a:r>
+            <a:endParaRPr lang="en-US" altLang="zh-TW" dirty="0"/>
+          </a:p>
+          <a:p>
+            <a:pPr marL="0" indent="0">
+              <a:buNone/>
+            </a:pPr>
+            <a:r>
+              <a:rPr lang="en-US" altLang="zh-TW" dirty="0"/>
+              <a:t>	2.  </a:t>
+            </a:r>
+            <a:r>
+              <a:rPr lang="zh-TW" altLang="en-US" dirty="0"/>
+              <a:t>使用</a:t>
+            </a:r>
+            <a:r>
+              <a:rPr lang="en-US" altLang="zh-TW" dirty="0" err="1"/>
+              <a:t>matlab</a:t>
+            </a:r>
+            <a:r>
+              <a:rPr lang="zh-TW" altLang="en-US" dirty="0"/>
+              <a:t>來加速驗證速度</a:t>
+            </a:r>
+            <a:endParaRPr lang="en-US" altLang="zh-TW" dirty="0"/>
+          </a:p>
+        </p:txBody>
+      </p:sp>
+    </p:spTree>
+    <p:extLst>
+      <p:ext uri="{BB962C8B-B14F-4D97-AF65-F5344CB8AC3E}">
+        <p14:creationId xmlns:p14="http://schemas.microsoft.com/office/powerpoint/2010/main" val="2172983373"/>
+      </p:ext>
+    </p:extLst>
+  </p:cSld>
+  <p:clrMapOvr>
+    <a:masterClrMapping/>
+  </p:clrMapOvr>
+</p:sld>
+</file>
+
+<file path=ppt/slides/slide56.xml><?xml version="1.0" encoding="utf-8"?>
+<p:sld xmlns:a="http://schemas.openxmlformats.org/drawingml/2006/main" xmlns:r="http://schemas.openxmlformats.org/officeDocument/2006/relationships" xmlns:p="http://schemas.openxmlformats.org/presentationml/2006/main">
+  <p:cSld>
+    <p:spTree>
+      <p:nvGrpSpPr>
+        <p:cNvPr id="1" name=""/>
+        <p:cNvGrpSpPr/>
+        <p:nvPr/>
+      </p:nvGrpSpPr>
+      <p:grpSpPr>
+        <a:xfrm>
+          <a:off x="0" y="0"/>
+          <a:ext cx="0" cy="0"/>
+          <a:chOff x="0" y="0"/>
+          <a:chExt cx="0" cy="0"/>
+        </a:xfrm>
+      </p:grpSpPr>
+      <p:sp>
+        <p:nvSpPr>
+          <p:cNvPr id="2" name="標題 1">
+            <a:extLst>
+              <a:ext uri="{FF2B5EF4-FFF2-40B4-BE49-F238E27FC236}">
+                <a16:creationId xmlns:a16="http://schemas.microsoft.com/office/drawing/2014/main" id="{77C37F21-5DBA-B401-7D71-7CFB5E6E6C5D}"/>
+              </a:ext>
+            </a:extLst>
+          </p:cNvPr>
+          <p:cNvSpPr>
+            <a:spLocks noGrp="1"/>
+          </p:cNvSpPr>
+          <p:nvPr>
+            <p:ph type="title"/>
+          </p:nvPr>
+        </p:nvSpPr>
+        <p:spPr/>
+        <p:txBody>
+          <a:bodyPr/>
+          <a:lstStyle/>
+          <a:p>
+            <a:pPr algn="ctr"/>
+            <a:r>
+              <a:rPr lang="zh-TW" altLang="en-US" dirty="0"/>
+              <a:t> </a:t>
+            </a:r>
+            <a:r>
+              <a:rPr lang="en-US" altLang="zh-TW" dirty="0" err="1"/>
+              <a:t>Matlab</a:t>
+            </a:r>
+            <a:r>
+              <a:rPr lang="en-US" altLang="zh-TW" dirty="0"/>
+              <a:t> </a:t>
+            </a:r>
+            <a:r>
+              <a:rPr lang="zh-TW" altLang="en-US" dirty="0"/>
+              <a:t>驗證</a:t>
+            </a:r>
+          </a:p>
+        </p:txBody>
+      </p:sp>
+      <p:sp>
+        <p:nvSpPr>
+          <p:cNvPr id="3" name="內容版面配置區 2">
+            <a:extLst>
+              <a:ext uri="{FF2B5EF4-FFF2-40B4-BE49-F238E27FC236}">
+                <a16:creationId xmlns:a16="http://schemas.microsoft.com/office/drawing/2014/main" id="{534E79D0-3692-7581-7815-5DEF93BC5DAC}"/>
+              </a:ext>
+            </a:extLst>
+          </p:cNvPr>
+          <p:cNvSpPr>
+            <a:spLocks noGrp="1"/>
+          </p:cNvSpPr>
+          <p:nvPr>
+            <p:ph idx="1"/>
+          </p:nvPr>
+        </p:nvSpPr>
+        <p:spPr/>
+        <p:txBody>
+          <a:bodyPr/>
+          <a:lstStyle/>
+          <a:p>
+            <a:pPr marL="0" indent="0">
+              <a:buNone/>
+            </a:pPr>
+            <a:r>
+              <a:rPr lang="en-US" altLang="zh-TW" dirty="0"/>
+              <a:t>Use </a:t>
+            </a:r>
+            <a:r>
+              <a:rPr lang="en-US" altLang="zh-TW" dirty="0" err="1"/>
+              <a:t>Matalb</a:t>
+            </a:r>
+            <a:r>
+              <a:rPr lang="en-US" altLang="zh-TW" dirty="0"/>
+              <a:t> APP</a:t>
+            </a:r>
+            <a:r>
+              <a:rPr lang="zh-TW" altLang="en-US" dirty="0"/>
+              <a:t> 寫的</a:t>
+            </a:r>
+          </a:p>
+        </p:txBody>
+      </p:sp>
+    </p:spTree>
+    <p:extLst>
+      <p:ext uri="{BB962C8B-B14F-4D97-AF65-F5344CB8AC3E}">
+        <p14:creationId xmlns:p14="http://schemas.microsoft.com/office/powerpoint/2010/main" val="3411917283"/>
+      </p:ext>
+    </p:extLst>
+  </p:cSld>
+  <p:clrMapOvr>
+    <a:masterClrMapping/>
+  </p:clrMapOvr>
+</p:sld>
+</file>
+
+<file path=ppt/slides/slide57.xml><?xml version="1.0" encoding="utf-8"?>
+<p:sld xmlns:a="http://schemas.openxmlformats.org/drawingml/2006/main" xmlns:r="http://schemas.openxmlformats.org/officeDocument/2006/relationships" xmlns:p="http://schemas.openxmlformats.org/presentationml/2006/main">
+  <p:cSld>
+    <p:spTree>
+      <p:nvGrpSpPr>
+        <p:cNvPr id="1" name=""/>
+        <p:cNvGrpSpPr/>
+        <p:nvPr/>
+      </p:nvGrpSpPr>
+      <p:grpSpPr>
+        <a:xfrm>
+          <a:off x="0" y="0"/>
+          <a:ext cx="0" cy="0"/>
+          <a:chOff x="0" y="0"/>
+          <a:chExt cx="0" cy="0"/>
+        </a:xfrm>
+      </p:grpSpPr>
+      <p:sp>
+        <p:nvSpPr>
+          <p:cNvPr id="2" name="標題 1">
+            <a:extLst>
+              <a:ext uri="{FF2B5EF4-FFF2-40B4-BE49-F238E27FC236}">
+                <a16:creationId xmlns:a16="http://schemas.microsoft.com/office/drawing/2014/main" id="{F0C4E827-8FA5-D200-CB63-931E7FB72A01}"/>
+              </a:ext>
+            </a:extLst>
+          </p:cNvPr>
+          <p:cNvSpPr>
+            <a:spLocks noGrp="1"/>
+          </p:cNvSpPr>
+          <p:nvPr>
+            <p:ph type="title"/>
+          </p:nvPr>
+        </p:nvSpPr>
+        <p:spPr/>
+        <p:txBody>
+          <a:bodyPr/>
+          <a:lstStyle/>
+          <a:p>
+            <a:endParaRPr lang="zh-TW" altLang="en-US" dirty="0"/>
+          </a:p>
+        </p:txBody>
+      </p:sp>
+      <p:sp>
+        <p:nvSpPr>
+          <p:cNvPr id="3" name="內容版面配置區 2">
+            <a:extLst>
+              <a:ext uri="{FF2B5EF4-FFF2-40B4-BE49-F238E27FC236}">
+                <a16:creationId xmlns:a16="http://schemas.microsoft.com/office/drawing/2014/main" id="{3DEDB90D-322B-3E70-CB9B-BCCD6F0A04A3}"/>
+              </a:ext>
+            </a:extLst>
+          </p:cNvPr>
+          <p:cNvSpPr>
+            <a:spLocks noGrp="1"/>
+          </p:cNvSpPr>
+          <p:nvPr>
+            <p:ph idx="1"/>
+          </p:nvPr>
+        </p:nvSpPr>
+        <p:spPr/>
+        <p:txBody>
+          <a:bodyPr/>
+          <a:lstStyle/>
+          <a:p>
+            <a:pPr marL="514350" indent="-514350">
+              <a:buAutoNum type="arabicPeriod"/>
+            </a:pPr>
+            <a:r>
+              <a:rPr lang="en-US" altLang="zh-TW" dirty="0"/>
+              <a:t>Intel USI2.0 </a:t>
+            </a:r>
+            <a:r>
+              <a:rPr lang="zh-TW" altLang="en-US" dirty="0"/>
+              <a:t>測項 </a:t>
+            </a:r>
+            <a:r>
+              <a:rPr lang="en-US" altLang="zh-TW" dirty="0"/>
+              <a:t>Total 57</a:t>
+            </a:r>
+          </a:p>
+          <a:p>
+            <a:pPr marL="514350" indent="-514350">
+              <a:buAutoNum type="arabicPeriod"/>
+            </a:pPr>
+            <a:endParaRPr lang="en-US" altLang="zh-TW" dirty="0"/>
+          </a:p>
+          <a:p>
+            <a:pPr marL="514350" indent="-514350">
+              <a:buAutoNum type="arabicPeriod"/>
+            </a:pPr>
+            <a:r>
+              <a:rPr lang="en-US" altLang="zh-TW" dirty="0" err="1"/>
+              <a:t>Novatek</a:t>
+            </a:r>
+            <a:r>
+              <a:rPr lang="en-US" altLang="zh-TW" dirty="0"/>
+              <a:t> AVL</a:t>
+            </a:r>
+            <a:r>
+              <a:rPr lang="zh-TW" altLang="en-US" dirty="0"/>
+              <a:t>測項</a:t>
+            </a:r>
+            <a:r>
+              <a:rPr lang="en-US" altLang="zh-TW" dirty="0"/>
+              <a:t>Pass</a:t>
+            </a:r>
+          </a:p>
+          <a:p>
+            <a:pPr marL="514350" indent="-514350">
+              <a:buAutoNum type="arabicPeriod"/>
+            </a:pPr>
+            <a:endParaRPr lang="en-US" altLang="zh-TW" dirty="0"/>
+          </a:p>
+          <a:p>
+            <a:pPr marL="514350" indent="-514350">
+              <a:buAutoNum type="arabicPeriod"/>
+            </a:pPr>
+            <a:r>
+              <a:rPr lang="en-US" altLang="zh-TW" dirty="0"/>
+              <a:t>Noise </a:t>
+            </a:r>
+            <a:r>
+              <a:rPr lang="zh-TW" altLang="en-US" dirty="0"/>
+              <a:t>處理 </a:t>
+            </a:r>
+            <a:r>
+              <a:rPr lang="en-US" altLang="zh-TW" dirty="0"/>
+              <a:t>:</a:t>
+            </a:r>
+            <a:r>
+              <a:rPr lang="zh-TW" altLang="en-US" dirty="0"/>
+              <a:t> </a:t>
+            </a:r>
+            <a:r>
+              <a:rPr lang="en-US" altLang="zh-TW" dirty="0"/>
+              <a:t>Palm</a:t>
+            </a:r>
+            <a:r>
+              <a:rPr lang="zh-TW" altLang="en-US" dirty="0"/>
+              <a:t>、邊邊角落、</a:t>
+            </a:r>
+            <a:r>
+              <a:rPr lang="en-US" altLang="zh-TW" dirty="0"/>
+              <a:t>T5</a:t>
+            </a:r>
+            <a:r>
+              <a:rPr lang="zh-TW" altLang="en-US" dirty="0"/>
+              <a:t>、</a:t>
+            </a:r>
+            <a:r>
+              <a:rPr lang="en-US" altLang="zh-TW" dirty="0"/>
+              <a:t>CS</a:t>
+            </a:r>
+          </a:p>
+          <a:p>
+            <a:pPr marL="514350" indent="-514350">
+              <a:buAutoNum type="arabicPeriod"/>
+            </a:pPr>
+            <a:endParaRPr lang="en-US" altLang="zh-TW" dirty="0"/>
+          </a:p>
+          <a:p>
+            <a:pPr marL="514350" indent="-514350">
+              <a:buAutoNum type="arabicPeriod"/>
+            </a:pPr>
+            <a:r>
+              <a:rPr lang="en-US" altLang="zh-TW" dirty="0" err="1"/>
+              <a:t>Agc</a:t>
+            </a:r>
+            <a:r>
+              <a:rPr lang="en-US" altLang="zh-TW" dirty="0"/>
+              <a:t> Flow </a:t>
+            </a:r>
+            <a:r>
+              <a:rPr lang="zh-TW" altLang="en-US" dirty="0"/>
+              <a:t>架構</a:t>
+            </a:r>
+          </a:p>
+        </p:txBody>
+      </p:sp>
+    </p:spTree>
+    <p:extLst>
+      <p:ext uri="{BB962C8B-B14F-4D97-AF65-F5344CB8AC3E}">
+        <p14:creationId xmlns:p14="http://schemas.microsoft.com/office/powerpoint/2010/main" val="3116768302"/>
+      </p:ext>
+    </p:extLst>
+  </p:cSld>
+  <p:clrMapOvr>
+    <a:masterClrMapping/>
+  </p:clrMapOvr>
+</p:sld>
+</file>
+
+<file path=ppt/slides/slide58.xml><?xml version="1.0" encoding="utf-8"?>
+<p:sld xmlns:a="http://schemas.openxmlformats.org/drawingml/2006/main" xmlns:r="http://schemas.openxmlformats.org/officeDocument/2006/relationships" xmlns:p="http://schemas.openxmlformats.org/presentationml/2006/main">
+  <p:cSld>
+    <p:spTree>
+      <p:nvGrpSpPr>
+        <p:cNvPr id="1" name=""/>
+        <p:cNvGrpSpPr/>
+        <p:nvPr/>
+      </p:nvGrpSpPr>
+      <p:grpSpPr>
+        <a:xfrm>
+          <a:off x="0" y="0"/>
+          <a:ext cx="0" cy="0"/>
+          <a:chOff x="0" y="0"/>
+          <a:chExt cx="0" cy="0"/>
+        </a:xfrm>
+      </p:grpSpPr>
+      <p:sp>
+        <p:nvSpPr>
+          <p:cNvPr id="2" name="標題 1">
+            <a:extLst>
+              <a:ext uri="{FF2B5EF4-FFF2-40B4-BE49-F238E27FC236}">
+                <a16:creationId xmlns:a16="http://schemas.microsoft.com/office/drawing/2014/main" id="{0AD59BC0-0510-6326-DD50-2DF0BA6A3F5B}"/>
+              </a:ext>
+            </a:extLst>
+          </p:cNvPr>
+          <p:cNvSpPr>
+            <a:spLocks noGrp="1"/>
+          </p:cNvSpPr>
+          <p:nvPr>
+            <p:ph type="title"/>
+          </p:nvPr>
+        </p:nvSpPr>
+        <p:spPr/>
+        <p:txBody>
+          <a:bodyPr/>
+          <a:lstStyle/>
+          <a:p>
+            <a:r>
+              <a:rPr lang="zh-TW" altLang="en-US" dirty="0"/>
+              <a:t>嚴重問題</a:t>
+            </a:r>
+          </a:p>
+        </p:txBody>
+      </p:sp>
+      <p:sp>
+        <p:nvSpPr>
+          <p:cNvPr id="3" name="內容版面配置區 2">
+            <a:extLst>
+              <a:ext uri="{FF2B5EF4-FFF2-40B4-BE49-F238E27FC236}">
+                <a16:creationId xmlns:a16="http://schemas.microsoft.com/office/drawing/2014/main" id="{E2F59C58-A377-FCE2-6D10-158F112376F5}"/>
+              </a:ext>
+            </a:extLst>
+          </p:cNvPr>
+          <p:cNvSpPr>
+            <a:spLocks noGrp="1"/>
+          </p:cNvSpPr>
+          <p:nvPr>
+            <p:ph idx="1"/>
+          </p:nvPr>
+        </p:nvSpPr>
+        <p:spPr/>
+        <p:txBody>
+          <a:bodyPr/>
+          <a:lstStyle/>
+          <a:p>
+            <a:r>
+              <a:rPr lang="zh-TW" altLang="en-US" dirty="0"/>
+              <a:t>電路上</a:t>
+            </a:r>
+            <a:r>
+              <a:rPr lang="en-US" altLang="zh-TW" dirty="0"/>
+              <a:t>ISSUE</a:t>
+            </a:r>
+          </a:p>
+          <a:p>
+            <a:endParaRPr lang="en-US" altLang="zh-TW" dirty="0"/>
+          </a:p>
+          <a:p>
+            <a:r>
+              <a:rPr lang="en-US" altLang="zh-TW" dirty="0"/>
+              <a:t>RX0 CMU </a:t>
+            </a:r>
+            <a:endParaRPr lang="zh-TW" altLang="en-US" dirty="0"/>
+          </a:p>
+        </p:txBody>
+      </p:sp>
+    </p:spTree>
+    <p:extLst>
+      <p:ext uri="{BB962C8B-B14F-4D97-AF65-F5344CB8AC3E}">
+        <p14:creationId xmlns:p14="http://schemas.microsoft.com/office/powerpoint/2010/main" val="832131673"/>
       </p:ext>
     </p:extLst>
   </p:cSld>

--- a/Project_Summary_pdf/Project_Summary.pptx
+++ b/Project_Summary_pdf/Project_Summary.pptx
@@ -427,7 +427,7 @@
           <a:p>
             <a:fld id="{C65320F2-F42B-45F1-AA86-96F1A2E46749}" type="datetimeFigureOut">
               <a:rPr lang="zh-TW" altLang="en-US" smtClean="0"/>
-              <a:t>2023/2/1</a:t>
+              <a:t>2023/2/3</a:t>
             </a:fld>
             <a:endParaRPr lang="zh-TW" altLang="en-US"/>
           </a:p>
@@ -3432,7 +3432,7 @@
           <a:p>
             <a:fld id="{8A9F4CB5-1750-4E23-A13C-2C1F028F9724}" type="datetimeFigureOut">
               <a:rPr lang="zh-TW" altLang="en-US" smtClean="0"/>
-              <a:t>2023/2/1</a:t>
+              <a:t>2023/2/3</a:t>
             </a:fld>
             <a:endParaRPr lang="zh-TW" altLang="en-US"/>
           </a:p>
@@ -3630,7 +3630,7 @@
           <a:p>
             <a:fld id="{8A9F4CB5-1750-4E23-A13C-2C1F028F9724}" type="datetimeFigureOut">
               <a:rPr lang="zh-TW" altLang="en-US" smtClean="0"/>
-              <a:t>2023/2/1</a:t>
+              <a:t>2023/2/3</a:t>
             </a:fld>
             <a:endParaRPr lang="zh-TW" altLang="en-US"/>
           </a:p>
@@ -3838,7 +3838,7 @@
           <a:p>
             <a:fld id="{8A9F4CB5-1750-4E23-A13C-2C1F028F9724}" type="datetimeFigureOut">
               <a:rPr lang="zh-TW" altLang="en-US" smtClean="0"/>
-              <a:t>2023/2/1</a:t>
+              <a:t>2023/2/3</a:t>
             </a:fld>
             <a:endParaRPr lang="zh-TW" altLang="en-US"/>
           </a:p>
@@ -4036,7 +4036,7 @@
           <a:p>
             <a:fld id="{8A9F4CB5-1750-4E23-A13C-2C1F028F9724}" type="datetimeFigureOut">
               <a:rPr lang="zh-TW" altLang="en-US" smtClean="0"/>
-              <a:t>2023/2/1</a:t>
+              <a:t>2023/2/3</a:t>
             </a:fld>
             <a:endParaRPr lang="zh-TW" altLang="en-US"/>
           </a:p>
@@ -4311,7 +4311,7 @@
           <a:p>
             <a:fld id="{8A9F4CB5-1750-4E23-A13C-2C1F028F9724}" type="datetimeFigureOut">
               <a:rPr lang="zh-TW" altLang="en-US" smtClean="0"/>
-              <a:t>2023/2/1</a:t>
+              <a:t>2023/2/3</a:t>
             </a:fld>
             <a:endParaRPr lang="zh-TW" altLang="en-US"/>
           </a:p>
@@ -4576,7 +4576,7 @@
           <a:p>
             <a:fld id="{8A9F4CB5-1750-4E23-A13C-2C1F028F9724}" type="datetimeFigureOut">
               <a:rPr lang="zh-TW" altLang="en-US" smtClean="0"/>
-              <a:t>2023/2/1</a:t>
+              <a:t>2023/2/3</a:t>
             </a:fld>
             <a:endParaRPr lang="zh-TW" altLang="en-US"/>
           </a:p>
@@ -4988,7 +4988,7 @@
           <a:p>
             <a:fld id="{8A9F4CB5-1750-4E23-A13C-2C1F028F9724}" type="datetimeFigureOut">
               <a:rPr lang="zh-TW" altLang="en-US" smtClean="0"/>
-              <a:t>2023/2/1</a:t>
+              <a:t>2023/2/3</a:t>
             </a:fld>
             <a:endParaRPr lang="zh-TW" altLang="en-US"/>
           </a:p>
@@ -5129,7 +5129,7 @@
           <a:p>
             <a:fld id="{8A9F4CB5-1750-4E23-A13C-2C1F028F9724}" type="datetimeFigureOut">
               <a:rPr lang="zh-TW" altLang="en-US" smtClean="0"/>
-              <a:t>2023/2/1</a:t>
+              <a:t>2023/2/3</a:t>
             </a:fld>
             <a:endParaRPr lang="zh-TW" altLang="en-US"/>
           </a:p>
@@ -5242,7 +5242,7 @@
           <a:p>
             <a:fld id="{8A9F4CB5-1750-4E23-A13C-2C1F028F9724}" type="datetimeFigureOut">
               <a:rPr lang="zh-TW" altLang="en-US" smtClean="0"/>
-              <a:t>2023/2/1</a:t>
+              <a:t>2023/2/3</a:t>
             </a:fld>
             <a:endParaRPr lang="zh-TW" altLang="en-US"/>
           </a:p>
@@ -5553,7 +5553,7 @@
           <a:p>
             <a:fld id="{8A9F4CB5-1750-4E23-A13C-2C1F028F9724}" type="datetimeFigureOut">
               <a:rPr lang="zh-TW" altLang="en-US" smtClean="0"/>
-              <a:t>2023/2/1</a:t>
+              <a:t>2023/2/3</a:t>
             </a:fld>
             <a:endParaRPr lang="zh-TW" altLang="en-US"/>
           </a:p>
@@ -5841,7 +5841,7 @@
           <a:p>
             <a:fld id="{8A9F4CB5-1750-4E23-A13C-2C1F028F9724}" type="datetimeFigureOut">
               <a:rPr lang="zh-TW" altLang="en-US" smtClean="0"/>
-              <a:t>2023/2/1</a:t>
+              <a:t>2023/2/3</a:t>
             </a:fld>
             <a:endParaRPr lang="zh-TW" altLang="en-US"/>
           </a:p>
@@ -6082,7 +6082,7 @@
           <a:p>
             <a:fld id="{8A9F4CB5-1750-4E23-A13C-2C1F028F9724}" type="datetimeFigureOut">
               <a:rPr lang="zh-TW" altLang="en-US" smtClean="0"/>
-              <a:t>2023/2/1</a:t>
+              <a:t>2023/2/3</a:t>
             </a:fld>
             <a:endParaRPr lang="zh-TW" altLang="en-US"/>
           </a:p>
@@ -18624,8 +18624,8 @@
           </a:p>
         </p:txBody>
       </p:sp>
-      <mc:AlternateContent xmlns:mc="http://schemas.openxmlformats.org/markup-compatibility/2006">
-        <mc:Choice xmlns:a14="http://schemas.microsoft.com/office/drawing/2010/main" Requires="a14">
+      <mc:AlternateContent xmlns:mc="http://schemas.openxmlformats.org/markup-compatibility/2006" xmlns:a14="http://schemas.microsoft.com/office/drawing/2010/main">
+        <mc:Choice Requires="a14">
           <p:sp>
             <p:nvSpPr>
               <p:cNvPr id="3" name="內容版面配置區 2">
@@ -18760,7 +18760,7 @@
             </p:txBody>
           </p:sp>
         </mc:Choice>
-        <mc:Fallback>
+        <mc:Fallback xmlns="">
           <p:sp>
             <p:nvSpPr>
               <p:cNvPr id="3" name="內容版面配置區 2">
@@ -18836,8 +18836,8 @@
           </a:p>
         </p:txBody>
       </p:sp>
-      <mc:AlternateContent xmlns:mc="http://schemas.openxmlformats.org/markup-compatibility/2006">
-        <mc:Choice xmlns:a14="http://schemas.microsoft.com/office/drawing/2010/main" Requires="a14">
+      <mc:AlternateContent xmlns:mc="http://schemas.openxmlformats.org/markup-compatibility/2006" xmlns:a14="http://schemas.microsoft.com/office/drawing/2010/main">
+        <mc:Choice Requires="a14">
           <p:sp>
             <p:nvSpPr>
               <p:cNvPr id="5" name="文字方塊 4">
@@ -18866,6 +18866,7 @@
               </a:bodyPr>
               <a:lstStyle/>
               <a:p>
+                <a:pPr/>
                 <a14:m>
                   <m:oMathPara xmlns:m="http://schemas.openxmlformats.org/officeDocument/2006/math">
                     <m:oMathParaPr>
@@ -18916,7 +18917,7 @@
             </p:txBody>
           </p:sp>
         </mc:Choice>
-        <mc:Fallback>
+        <mc:Fallback xmlns="">
           <p:sp>
             <p:nvSpPr>
               <p:cNvPr id="5" name="文字方塊 4">
@@ -19036,8 +19037,8 @@
           </a:p>
         </p:txBody>
       </p:sp>
-      <mc:AlternateContent xmlns:mc="http://schemas.openxmlformats.org/markup-compatibility/2006">
-        <mc:Choice xmlns:a14="http://schemas.microsoft.com/office/drawing/2010/main" Requires="a14">
+      <mc:AlternateContent xmlns:mc="http://schemas.openxmlformats.org/markup-compatibility/2006" xmlns:a14="http://schemas.microsoft.com/office/drawing/2010/main">
+        <mc:Choice Requires="a14">
           <p:sp>
             <p:nvSpPr>
               <p:cNvPr id="9" name="文字方塊 8">
@@ -19066,6 +19067,7 @@
               </a:bodyPr>
               <a:lstStyle/>
               <a:p>
+                <a:pPr/>
                 <a14:m>
                   <m:oMathPara xmlns:m="http://schemas.openxmlformats.org/officeDocument/2006/math">
                     <m:oMathParaPr>
@@ -19100,7 +19102,7 @@
             </p:txBody>
           </p:sp>
         </mc:Choice>
-        <mc:Fallback>
+        <mc:Fallback xmlns="">
           <p:sp>
             <p:nvSpPr>
               <p:cNvPr id="9" name="文字方塊 8">

--- a/Project_Summary_pdf/Project_Summary.pptx
+++ b/Project_Summary_pdf/Project_Summary.pptx
@@ -42,20 +42,20 @@
     <p:sldId id="896" r:id="rId33"/>
     <p:sldId id="898" r:id="rId34"/>
     <p:sldId id="899" r:id="rId35"/>
-    <p:sldId id="900" r:id="rId36"/>
-    <p:sldId id="902" r:id="rId37"/>
+    <p:sldId id="327" r:id="rId36"/>
+    <p:sldId id="903" r:id="rId37"/>
     <p:sldId id="836" r:id="rId38"/>
     <p:sldId id="839" r:id="rId39"/>
     <p:sldId id="840" r:id="rId40"/>
     <p:sldId id="848" r:id="rId41"/>
     <p:sldId id="849" r:id="rId42"/>
     <p:sldId id="842" r:id="rId43"/>
-    <p:sldId id="901" r:id="rId44"/>
-    <p:sldId id="895" r:id="rId45"/>
-    <p:sldId id="889" r:id="rId46"/>
-    <p:sldId id="890" r:id="rId47"/>
-    <p:sldId id="751" r:id="rId48"/>
-    <p:sldId id="882" r:id="rId49"/>
+    <p:sldId id="895" r:id="rId44"/>
+    <p:sldId id="889" r:id="rId45"/>
+    <p:sldId id="890" r:id="rId46"/>
+    <p:sldId id="751" r:id="rId47"/>
+    <p:sldId id="882" r:id="rId48"/>
+    <p:sldId id="902" r:id="rId49"/>
     <p:sldId id="281" r:id="rId50"/>
     <p:sldId id="257" r:id="rId51"/>
     <p:sldId id="258" r:id="rId52"/>
@@ -219,15 +219,14 @@
             <p14:sldId id="896"/>
             <p14:sldId id="898"/>
             <p14:sldId id="899"/>
-            <p14:sldId id="900"/>
-            <p14:sldId id="902"/>
+            <p14:sldId id="327"/>
+            <p14:sldId id="903"/>
             <p14:sldId id="836"/>
             <p14:sldId id="839"/>
             <p14:sldId id="840"/>
             <p14:sldId id="848"/>
             <p14:sldId id="849"/>
             <p14:sldId id="842"/>
-            <p14:sldId id="901"/>
             <p14:sldId id="895"/>
             <p14:sldId id="889"/>
             <p14:sldId id="890"/>
@@ -237,6 +236,7 @@
         <p14:section name="AGC flow" id="{D4987742-1940-4315-8C24-0E7FB243CB3A}">
           <p14:sldIdLst>
             <p14:sldId id="882"/>
+            <p14:sldId id="902"/>
           </p14:sldIdLst>
         </p14:section>
         <p14:section name="數位電路驗證" id="{D5C40446-EBF3-4C53-8497-3F374EA8D1ED}">
@@ -244,7 +244,7 @@
             <p14:sldId id="281"/>
           </p14:sldIdLst>
         </p14:section>
-        <p14:section name="Project Name : ColorPicking" id="{2A9654F3-D5BC-4227-9ADF-A1FABED36332}">
+        <p14:section name="First Project : ColorPicking" id="{2A9654F3-D5BC-4227-9ADF-A1FABED36332}">
           <p14:sldIdLst>
             <p14:sldId id="257"/>
             <p14:sldId id="258"/>
@@ -427,7 +427,7 @@
           <a:p>
             <a:fld id="{C65320F2-F42B-45F1-AA86-96F1A2E46749}" type="datetimeFigureOut">
               <a:rPr lang="zh-TW" altLang="en-US" smtClean="0"/>
-              <a:t>2023/2/3</a:t>
+              <a:t>2023/2/4</a:t>
             </a:fld>
             <a:endParaRPr lang="zh-TW" altLang="en-US"/>
           </a:p>
@@ -822,106 +822,129 @@
           <a:bodyPr/>
           <a:lstStyle/>
           <a:p>
-            <a:r>
-              <a:rPr lang="en-US" altLang="zh-TW" dirty="0"/>
-              <a:t>First Method </a:t>
-            </a:r>
-          </a:p>
-          <a:p>
-            <a:r>
-              <a:rPr lang="en-US" altLang="zh-TW" sz="1800" dirty="0"/>
-              <a:t>1. </a:t>
-            </a:r>
-          </a:p>
-          <a:p>
-            <a:r>
-              <a:rPr lang="zh-TW" altLang="en-US" dirty="0"/>
-              <a:t>利用</a:t>
-            </a:r>
-            <a:r>
-              <a:rPr lang="en-US" altLang="zh-TW" dirty="0" err="1"/>
-              <a:t>Matlab</a:t>
-            </a:r>
-            <a:r>
-              <a:rPr lang="zh-TW" altLang="en-US" dirty="0"/>
-              <a:t>處理矩陣速度較快的理由。假定 </a:t>
-            </a:r>
-            <a:r>
-              <a:rPr lang="en-US" altLang="zh-TW" dirty="0"/>
-              <a:t>x[n] = 0, x[ n+1] = 1, </a:t>
-            </a:r>
-          </a:p>
-          <a:p>
-            <a:r>
-              <a:rPr lang="en-US" altLang="zh-TW" dirty="0"/>
-              <a:t>x[n+1]</a:t>
-            </a:r>
-            <a:r>
-              <a:rPr lang="zh-TW" altLang="en-US" dirty="0"/>
-              <a:t> </a:t>
-            </a:r>
-            <a:r>
-              <a:rPr lang="en-US" altLang="zh-TW" dirty="0"/>
-              <a:t>is rising edge, D[k] = [ 0 , x ] , C[k] = [x, 0] then (D-C )[k] = D[k] –C[k]</a:t>
-            </a:r>
-          </a:p>
-          <a:p>
-            <a:r>
-              <a:rPr lang="en-US" altLang="zh-TW" dirty="0"/>
-              <a:t>(D-C)[n+1] = x[n] – x[n+1] = -1 , then if and only if  x[n+1] is also Rising edge</a:t>
-            </a:r>
-          </a:p>
-          <a:p>
-            <a:r>
-              <a:rPr lang="en-US" altLang="zh-TW" dirty="0"/>
-              <a:t>Similar for falling edge. It is </a:t>
-            </a:r>
-            <a:r>
-              <a:rPr lang="en-US" altLang="zh-TW" dirty="0" err="1"/>
-              <a:t>fastly</a:t>
-            </a:r>
-            <a:r>
-              <a:rPr lang="en-US" altLang="zh-TW" dirty="0"/>
-              <a:t> in </a:t>
-            </a:r>
-            <a:r>
-              <a:rPr lang="en-US" altLang="zh-TW" dirty="0" err="1"/>
-              <a:t>matalb</a:t>
-            </a:r>
-            <a:r>
-              <a:rPr lang="en-US" altLang="zh-TW" dirty="0"/>
-              <a:t> use matrix </a:t>
-            </a:r>
-            <a:r>
-              <a:rPr lang="en-US" altLang="zh-TW" dirty="0" err="1"/>
-              <a:t>calulation</a:t>
-            </a:r>
-            <a:r>
-              <a:rPr lang="en-US" altLang="zh-TW" dirty="0"/>
-              <a:t> </a:t>
-            </a:r>
-          </a:p>
-          <a:p>
-            <a:r>
-              <a:rPr lang="en-US" altLang="zh-TW" dirty="0"/>
-              <a:t>2. </a:t>
-            </a:r>
-            <a:r>
-              <a:rPr lang="zh-TW" altLang="en-US" dirty="0"/>
-              <a:t>利用</a:t>
-            </a:r>
-            <a:r>
-              <a:rPr lang="en-US" altLang="zh-TW" dirty="0"/>
-              <a:t>merge sort </a:t>
-            </a:r>
-            <a:r>
-              <a:rPr lang="zh-TW" altLang="en-US" dirty="0"/>
-              <a:t>將</a:t>
-            </a:r>
-            <a:r>
-              <a:rPr lang="en-US" altLang="zh-TW" dirty="0"/>
-              <a:t>Rising Edge and Falling Edge merge</a:t>
-            </a:r>
+            <a:pPr marL="457200" lvl="1" indent="0" algn="l">
+              <a:buNone/>
+            </a:pPr>
+            <a:endParaRPr lang="en-US" altLang="zh-TW" dirty="0"/>
+          </a:p>
+          <a:p>
+            <a:pPr marL="228600" indent="-228600" algn="l">
+              <a:buAutoNum type="arabicPeriod"/>
+            </a:pPr>
+            <a:r>
+              <a:rPr lang="en-US" altLang="zh-TW" dirty="0"/>
+              <a:t>Sample</a:t>
+            </a:r>
+            <a:r>
+              <a:rPr lang="zh-TW" altLang="en-US" dirty="0"/>
+              <a:t>的時間點取這個</a:t>
+            </a:r>
+            <a:r>
+              <a:rPr lang="en-US" altLang="zh-TW" dirty="0"/>
+              <a:t>Group</a:t>
+            </a:r>
+            <a:r>
+              <a:rPr lang="zh-TW" altLang="en-US" dirty="0"/>
+              <a:t>的最後</a:t>
+            </a:r>
+            <a:endParaRPr lang="en-US" altLang="zh-TW" dirty="0"/>
+          </a:p>
+          <a:p>
+            <a:pPr marL="228600" indent="-228600" algn="l">
+              <a:buAutoNum type="arabicPeriod" startAt="2"/>
+            </a:pPr>
+            <a:r>
+              <a:rPr lang="en-US" altLang="zh-TW" dirty="0"/>
+              <a:t>Group </a:t>
+            </a:r>
+            <a:r>
+              <a:rPr lang="zh-TW" altLang="en-US" dirty="0"/>
+              <a:t>指的是 </a:t>
+            </a:r>
+            <a:r>
+              <a:rPr lang="en-US" altLang="zh-TW" dirty="0"/>
+              <a:t>8</a:t>
+            </a:r>
+            <a:r>
+              <a:rPr lang="zh-TW" altLang="en-US" dirty="0"/>
+              <a:t>個</a:t>
+            </a:r>
+            <a:r>
+              <a:rPr lang="en-US" altLang="zh-TW" dirty="0"/>
+              <a:t>Port </a:t>
+            </a:r>
+            <a:r>
+              <a:rPr lang="zh-TW" altLang="en-US" dirty="0"/>
+              <a:t>開始變化的時間不超過</a:t>
+            </a:r>
+            <a:r>
+              <a:rPr lang="en-US" altLang="zh-TW" dirty="0"/>
+              <a:t>40ns</a:t>
+            </a:r>
+            <a:r>
+              <a:rPr lang="zh-TW" altLang="en-US" dirty="0"/>
+              <a:t>，將這些時間點列在相同的</a:t>
+            </a:r>
+            <a:r>
+              <a:rPr lang="en-US" altLang="zh-TW" dirty="0"/>
+              <a:t>Group</a:t>
+            </a:r>
+            <a:r>
+              <a:rPr lang="zh-TW" altLang="en-US" dirty="0"/>
+              <a:t>。</a:t>
+            </a:r>
+            <a:endParaRPr lang="en-US" altLang="zh-TW" dirty="0"/>
+          </a:p>
+          <a:p>
+            <a:pPr marL="228600" marR="0" lvl="0" indent="-228600" algn="l" defTabSz="914400" rtl="0" eaLnBrk="1" fontAlgn="auto" latinLnBrk="0" hangingPunct="1">
+              <a:lnSpc>
+                <a:spcPct val="100000"/>
+              </a:lnSpc>
+              <a:spcBef>
+                <a:spcPts val="0"/>
+              </a:spcBef>
+              <a:spcAft>
+                <a:spcPts val="0"/>
+              </a:spcAft>
+              <a:buClrTx/>
+              <a:buSzTx/>
+              <a:buFontTx/>
+              <a:buAutoNum type="arabicPeriod" startAt="2"/>
+              <a:tabLst/>
+              <a:defRPr/>
+            </a:pPr>
+            <a:r>
+              <a:rPr lang="en-US" altLang="zh-TW" dirty="0"/>
+              <a:t>1. ADC CLK </a:t>
+            </a:r>
+            <a:r>
+              <a:rPr lang="zh-TW" altLang="en-US" dirty="0"/>
+              <a:t>利用該</a:t>
+            </a:r>
+            <a:r>
+              <a:rPr lang="en-US" altLang="zh-TW" dirty="0"/>
+              <a:t>Port </a:t>
+            </a:r>
+            <a:r>
+              <a:rPr lang="zh-TW" altLang="en-US" dirty="0"/>
+              <a:t>會損失</a:t>
+            </a:r>
+            <a:r>
+              <a:rPr lang="en-US" altLang="zh-TW" dirty="0"/>
+              <a:t>LSB information</a:t>
+            </a:r>
+          </a:p>
+          <a:p>
+            <a:pPr marL="228600" indent="-228600" algn="l">
+              <a:buAutoNum type="arabicPeriod" startAt="2"/>
+            </a:pPr>
+            <a:endParaRPr lang="en-US" altLang="zh-TW" dirty="0"/>
+          </a:p>
+          <a:p>
+            <a:pPr marL="228600" indent="-228600">
+              <a:buAutoNum type="arabicPeriod"/>
+            </a:pPr>
+            <a:endParaRPr lang="zh-TW" altLang="en-US" dirty="0"/>
           </a:p>
         </p:txBody>
       </p:sp>
@@ -942,7 +965,7 @@
           <a:p>
             <a:fld id="{0116F853-F7F2-4239-A629-A213C1D67574}" type="slidenum">
               <a:rPr lang="zh-TW" altLang="en-US" smtClean="0"/>
-              <a:t>21</a:t>
+              <a:t>18</a:t>
             </a:fld>
             <a:endParaRPr lang="zh-TW" altLang="en-US"/>
           </a:p>
@@ -951,7 +974,7 @@
     </p:spTree>
     <p:extLst>
       <p:ext uri="{BB962C8B-B14F-4D97-AF65-F5344CB8AC3E}">
-        <p14:creationId xmlns:p14="http://schemas.microsoft.com/office/powerpoint/2010/main" val="3272922513"/>
+        <p14:creationId xmlns:p14="http://schemas.microsoft.com/office/powerpoint/2010/main" val="1746073952"/>
       </p:ext>
     </p:extLst>
   </p:cSld>
@@ -1006,8 +1029,104 @@
           <a:lstStyle/>
           <a:p>
             <a:r>
-              <a:rPr lang="zh-TW" altLang="en-US"/>
-              <a:t>透過分群的作法</a:t>
+              <a:rPr lang="en-US" altLang="zh-TW" dirty="0"/>
+              <a:t>First Method </a:t>
+            </a:r>
+          </a:p>
+          <a:p>
+            <a:r>
+              <a:rPr lang="en-US" altLang="zh-TW" sz="1800" dirty="0"/>
+              <a:t>1. </a:t>
+            </a:r>
+          </a:p>
+          <a:p>
+            <a:r>
+              <a:rPr lang="zh-TW" altLang="en-US" dirty="0"/>
+              <a:t>利用</a:t>
+            </a:r>
+            <a:r>
+              <a:rPr lang="en-US" altLang="zh-TW" dirty="0" err="1"/>
+              <a:t>Matlab</a:t>
+            </a:r>
+            <a:r>
+              <a:rPr lang="zh-TW" altLang="en-US" dirty="0"/>
+              <a:t>處理矩陣速度較快的理由。假定 </a:t>
+            </a:r>
+            <a:r>
+              <a:rPr lang="en-US" altLang="zh-TW" dirty="0"/>
+              <a:t>x[n] = 0, x[ n+1] = 1, </a:t>
+            </a:r>
+          </a:p>
+          <a:p>
+            <a:r>
+              <a:rPr lang="en-US" altLang="zh-TW" dirty="0"/>
+              <a:t>x[n+1]</a:t>
+            </a:r>
+            <a:r>
+              <a:rPr lang="zh-TW" altLang="en-US" dirty="0"/>
+              <a:t> </a:t>
+            </a:r>
+            <a:r>
+              <a:rPr lang="en-US" altLang="zh-TW" dirty="0"/>
+              <a:t>is rising edge, D[k] = [ 0 , x ] , C[k] = [x, 0] then (D-C )[k] = D[k] –C[k]</a:t>
+            </a:r>
+          </a:p>
+          <a:p>
+            <a:r>
+              <a:rPr lang="en-US" altLang="zh-TW" dirty="0"/>
+              <a:t>(D-C)[n+1] = x[n] – x[n+1] = -1 , then if and only if  x[n+1] is also Rising edge</a:t>
+            </a:r>
+          </a:p>
+          <a:p>
+            <a:r>
+              <a:rPr lang="en-US" altLang="zh-TW" dirty="0"/>
+              <a:t>Similar for falling edge. It is </a:t>
+            </a:r>
+            <a:r>
+              <a:rPr lang="en-US" altLang="zh-TW" dirty="0" err="1"/>
+              <a:t>fastly</a:t>
+            </a:r>
+            <a:r>
+              <a:rPr lang="en-US" altLang="zh-TW" dirty="0"/>
+              <a:t> in </a:t>
+            </a:r>
+            <a:r>
+              <a:rPr lang="en-US" altLang="zh-TW" dirty="0" err="1"/>
+              <a:t>matalb</a:t>
+            </a:r>
+            <a:r>
+              <a:rPr lang="en-US" altLang="zh-TW" dirty="0"/>
+              <a:t> use matrix </a:t>
+            </a:r>
+            <a:r>
+              <a:rPr lang="en-US" altLang="zh-TW" dirty="0" err="1"/>
+              <a:t>calulation</a:t>
+            </a:r>
+            <a:r>
+              <a:rPr lang="en-US" altLang="zh-TW" dirty="0"/>
+              <a:t> </a:t>
+            </a:r>
+          </a:p>
+          <a:p>
+            <a:r>
+              <a:rPr lang="en-US" altLang="zh-TW" dirty="0"/>
+              <a:t>2. </a:t>
+            </a:r>
+            <a:r>
+              <a:rPr lang="zh-TW" altLang="en-US" dirty="0"/>
+              <a:t>利用</a:t>
+            </a:r>
+            <a:r>
+              <a:rPr lang="en-US" altLang="zh-TW" dirty="0"/>
+              <a:t>merge sort </a:t>
+            </a:r>
+            <a:r>
+              <a:rPr lang="zh-TW" altLang="en-US" dirty="0"/>
+              <a:t>將</a:t>
+            </a:r>
+            <a:r>
+              <a:rPr lang="en-US" altLang="zh-TW" dirty="0"/>
+              <a:t>Rising Edge and Falling Edge merge</a:t>
             </a:r>
           </a:p>
         </p:txBody>
@@ -1029,7 +1148,7 @@
           <a:p>
             <a:fld id="{0116F853-F7F2-4239-A629-A213C1D67574}" type="slidenum">
               <a:rPr lang="zh-TW" altLang="en-US" smtClean="0"/>
-              <a:t>22</a:t>
+              <a:t>21</a:t>
             </a:fld>
             <a:endParaRPr lang="zh-TW" altLang="en-US"/>
           </a:p>
@@ -1038,7 +1157,7 @@
     </p:spTree>
     <p:extLst>
       <p:ext uri="{BB962C8B-B14F-4D97-AF65-F5344CB8AC3E}">
-        <p14:creationId xmlns:p14="http://schemas.microsoft.com/office/powerpoint/2010/main" val="1082152292"/>
+        <p14:creationId xmlns:p14="http://schemas.microsoft.com/office/powerpoint/2010/main" val="3272922513"/>
       </p:ext>
     </p:extLst>
   </p:cSld>
@@ -1092,7 +1211,10 @@
           <a:bodyPr/>
           <a:lstStyle/>
           <a:p>
-            <a:endParaRPr lang="zh-TW" altLang="en-US" dirty="0"/>
+            <a:r>
+              <a:rPr lang="zh-TW" altLang="en-US"/>
+              <a:t>透過分群的作法</a:t>
+            </a:r>
           </a:p>
         </p:txBody>
       </p:sp>
@@ -1113,7 +1235,7 @@
           <a:p>
             <a:fld id="{0116F853-F7F2-4239-A629-A213C1D67574}" type="slidenum">
               <a:rPr lang="zh-TW" altLang="en-US" smtClean="0"/>
-              <a:t>24</a:t>
+              <a:t>22</a:t>
             </a:fld>
             <a:endParaRPr lang="zh-TW" altLang="en-US"/>
           </a:p>
@@ -1122,7 +1244,7 @@
     </p:spTree>
     <p:extLst>
       <p:ext uri="{BB962C8B-B14F-4D97-AF65-F5344CB8AC3E}">
-        <p14:creationId xmlns:p14="http://schemas.microsoft.com/office/powerpoint/2010/main" val="1503720047"/>
+        <p14:creationId xmlns:p14="http://schemas.microsoft.com/office/powerpoint/2010/main" val="1082152292"/>
       </p:ext>
     </p:extLst>
   </p:cSld>
@@ -1176,76 +1298,6 @@
           <a:bodyPr/>
           <a:lstStyle/>
           <a:p>
-            <a:r>
-              <a:rPr lang="en-US" altLang="zh-TW" dirty="0"/>
-              <a:t>Use </a:t>
-            </a:r>
-          </a:p>
-          <a:p>
-            <a:r>
-              <a:rPr lang="en-US" altLang="zh-TW" dirty="0" err="1"/>
-              <a:t>Diff_time</a:t>
-            </a:r>
-            <a:r>
-              <a:rPr lang="en-US" altLang="zh-TW" dirty="0"/>
-              <a:t>[n]  = Time[n] – Time[n+1] and </a:t>
-            </a:r>
-            <a:r>
-              <a:rPr lang="en-US" altLang="zh-TW" dirty="0" err="1"/>
-              <a:t>GroupLeader</a:t>
-            </a:r>
-            <a:r>
-              <a:rPr lang="en-US" altLang="zh-TW" dirty="0"/>
-              <a:t> always lock in new Group</a:t>
-            </a:r>
-          </a:p>
-          <a:p>
-            <a:r>
-              <a:rPr lang="en-US" altLang="zh-TW" dirty="0"/>
-              <a:t>Sum(</a:t>
-            </a:r>
-            <a:r>
-              <a:rPr lang="en-US" altLang="zh-TW" dirty="0" err="1"/>
-              <a:t>Diff_time</a:t>
-            </a:r>
-            <a:r>
-              <a:rPr lang="en-US" altLang="zh-TW" dirty="0"/>
-              <a:t>[k] + … </a:t>
-            </a:r>
-            <a:r>
-              <a:rPr lang="en-US" altLang="zh-TW" dirty="0" err="1"/>
-              <a:t>Diff_time</a:t>
-            </a:r>
-            <a:r>
-              <a:rPr lang="en-US" altLang="zh-TW" dirty="0"/>
-              <a:t>[</a:t>
-            </a:r>
-            <a:r>
-              <a:rPr lang="en-US" altLang="zh-TW" dirty="0" err="1"/>
-              <a:t>k+j</a:t>
-            </a:r>
-            <a:r>
-              <a:rPr lang="en-US" altLang="zh-TW" dirty="0"/>
-              <a:t>])</a:t>
-            </a:r>
-            <a:r>
-              <a:rPr lang="zh-TW" altLang="en-US" dirty="0"/>
-              <a:t> </a:t>
-            </a:r>
-            <a:r>
-              <a:rPr lang="en-US" altLang="zh-TW" dirty="0"/>
-              <a:t>&gt;</a:t>
-            </a:r>
-            <a:r>
-              <a:rPr lang="zh-TW" altLang="en-US" dirty="0"/>
-              <a:t> </a:t>
-            </a:r>
-            <a:r>
-              <a:rPr lang="en-US" altLang="zh-TW" dirty="0"/>
-              <a:t>40ns( tolerance) then find the last point of Group</a:t>
-            </a:r>
-          </a:p>
-          <a:p>
             <a:endParaRPr lang="zh-TW" altLang="en-US" dirty="0"/>
           </a:p>
         </p:txBody>
@@ -1267,7 +1319,7 @@
           <a:p>
             <a:fld id="{0116F853-F7F2-4239-A629-A213C1D67574}" type="slidenum">
               <a:rPr lang="zh-TW" altLang="en-US" smtClean="0"/>
-              <a:t>25</a:t>
+              <a:t>24</a:t>
             </a:fld>
             <a:endParaRPr lang="zh-TW" altLang="en-US"/>
           </a:p>
@@ -1276,7 +1328,7 @@
     </p:spTree>
     <p:extLst>
       <p:ext uri="{BB962C8B-B14F-4D97-AF65-F5344CB8AC3E}">
-        <p14:creationId xmlns:p14="http://schemas.microsoft.com/office/powerpoint/2010/main" val="2483701480"/>
+        <p14:creationId xmlns:p14="http://schemas.microsoft.com/office/powerpoint/2010/main" val="1503720047"/>
       </p:ext>
     </p:extLst>
   </p:cSld>
@@ -1330,86 +1382,57 @@
           <a:bodyPr/>
           <a:lstStyle/>
           <a:p>
-            <a:pPr marL="228600" indent="-228600">
-              <a:buAutoNum type="arabicPeriod"/>
-            </a:pPr>
-            <a:r>
-              <a:rPr lang="zh-TW" altLang="en-US" dirty="0"/>
-              <a:t>下方點的</a:t>
-            </a:r>
-            <a:r>
-              <a:rPr lang="en-US" altLang="zh-TW" dirty="0"/>
-              <a:t>Sample</a:t>
-            </a:r>
-            <a:r>
-              <a:rPr lang="zh-TW" altLang="en-US" dirty="0"/>
-              <a:t>是固定的</a:t>
-            </a:r>
-            <a:r>
-              <a:rPr lang="en-US" altLang="zh-TW" dirty="0"/>
-              <a:t>(Sample</a:t>
-            </a:r>
-            <a:r>
-              <a:rPr lang="zh-TW" altLang="en-US" dirty="0"/>
-              <a:t>的頭節點會取第一個</a:t>
+            <a:r>
+              <a:rPr lang="en-US" altLang="zh-TW" dirty="0"/>
+              <a:t>Use </a:t>
+            </a:r>
+          </a:p>
+          <a:p>
+            <a:r>
+              <a:rPr lang="en-US" altLang="zh-TW" dirty="0" err="1"/>
+              <a:t>Diff_time</a:t>
+            </a:r>
+            <a:r>
+              <a:rPr lang="en-US" altLang="zh-TW" dirty="0"/>
+              <a:t>[n]  = Time[n] – Time[n+1] and </a:t>
             </a:r>
             <a:r>
               <a:rPr lang="en-US" altLang="zh-TW" dirty="0" err="1"/>
               <a:t>GroupLeader</a:t>
             </a:r>
             <a:r>
-              <a:rPr lang="zh-TW" altLang="en-US" dirty="0"/>
-              <a:t>的點當作起始點</a:t>
-            </a:r>
-            <a:r>
-              <a:rPr lang="en-US" altLang="zh-TW" dirty="0"/>
-              <a:t>)</a:t>
-            </a:r>
-            <a:r>
-              <a:rPr lang="zh-TW" altLang="en-US" dirty="0"/>
-              <a:t>。</a:t>
-            </a:r>
-            <a:endParaRPr lang="en-US" altLang="zh-TW" dirty="0"/>
-          </a:p>
-          <a:p>
-            <a:pPr marL="228600" indent="-228600">
-              <a:buAutoNum type="arabicPeriod"/>
-            </a:pPr>
-            <a:r>
-              <a:rPr lang="zh-TW" altLang="en-US" dirty="0"/>
-              <a:t>以下每個</a:t>
-            </a:r>
-            <a:r>
-              <a:rPr lang="en-US" altLang="zh-TW" dirty="0"/>
-              <a:t>Sample</a:t>
-            </a:r>
-            <a:r>
-              <a:rPr lang="zh-TW" altLang="en-US" dirty="0"/>
-              <a:t>點的值依照以下方法取值  </a:t>
+              <a:rPr lang="en-US" altLang="zh-TW" dirty="0"/>
+              <a:t> always lock in new Group</a:t>
+            </a:r>
+          </a:p>
+          <a:p>
+            <a:r>
+              <a:rPr lang="en-US" altLang="zh-TW" dirty="0"/>
+              <a:t>Sum(</a:t>
             </a:r>
             <a:r>
               <a:rPr lang="en-US" altLang="zh-TW" dirty="0" err="1"/>
-              <a:t>G_time</a:t>
-            </a:r>
-            <a:r>
-              <a:rPr lang="en-US" altLang="zh-TW" dirty="0"/>
-              <a:t>[n]&lt; </a:t>
+              <a:t>Diff_time</a:t>
+            </a:r>
+            <a:r>
+              <a:rPr lang="en-US" altLang="zh-TW" dirty="0"/>
+              <a:t>[k] + … </a:t>
             </a:r>
             <a:r>
               <a:rPr lang="en-US" altLang="zh-TW" dirty="0" err="1"/>
-              <a:t>S_time</a:t>
-            </a:r>
-            <a:r>
-              <a:rPr lang="en-US" altLang="zh-TW" dirty="0"/>
-              <a:t>[m] &lt; </a:t>
+              <a:t>Diff_time</a:t>
+            </a:r>
+            <a:r>
+              <a:rPr lang="en-US" altLang="zh-TW" dirty="0"/>
+              <a:t>[</a:t>
             </a:r>
             <a:r>
               <a:rPr lang="en-US" altLang="zh-TW" dirty="0" err="1"/>
-              <a:t>G_time</a:t>
-            </a:r>
-            <a:r>
-              <a:rPr lang="en-US" altLang="zh-TW" dirty="0"/>
-              <a:t>[n+1]</a:t>
+              <a:t>k+j</a:t>
+            </a:r>
+            <a:r>
+              <a:rPr lang="en-US" altLang="zh-TW" dirty="0"/>
+              <a:t>])</a:t>
             </a:r>
             <a:r>
               <a:rPr lang="zh-TW" altLang="en-US" dirty="0"/>
@@ -1417,28 +1440,18 @@
             </a:r>
             <a:r>
               <a:rPr lang="en-US" altLang="zh-TW" dirty="0"/>
-              <a:t>=&gt;</a:t>
+              <a:t>&gt;</a:t>
             </a:r>
             <a:r>
               <a:rPr lang="zh-TW" altLang="en-US" dirty="0"/>
               <a:t> </a:t>
             </a:r>
             <a:r>
-              <a:rPr lang="en-US" altLang="zh-TW" dirty="0" err="1"/>
-              <a:t>S_val</a:t>
-            </a:r>
-            <a:r>
-              <a:rPr lang="en-US" altLang="zh-TW" dirty="0"/>
-              <a:t>[m] = </a:t>
-            </a:r>
-            <a:r>
-              <a:rPr lang="en-US" altLang="zh-TW" dirty="0" err="1"/>
-              <a:t>G_Val</a:t>
-            </a:r>
-            <a:r>
-              <a:rPr lang="en-US" altLang="zh-TW" dirty="0"/>
-              <a:t>[n]</a:t>
-            </a:r>
+              <a:rPr lang="en-US" altLang="zh-TW" dirty="0"/>
+              <a:t>40ns( tolerance) then find the last point of Group</a:t>
+            </a:r>
+          </a:p>
+          <a:p>
             <a:endParaRPr lang="zh-TW" altLang="en-US" dirty="0"/>
           </a:p>
         </p:txBody>
@@ -1460,7 +1473,7 @@
           <a:p>
             <a:fld id="{0116F853-F7F2-4239-A629-A213C1D67574}" type="slidenum">
               <a:rPr lang="zh-TW" altLang="en-US" smtClean="0"/>
-              <a:t>26</a:t>
+              <a:t>25</a:t>
             </a:fld>
             <a:endParaRPr lang="zh-TW" altLang="en-US"/>
           </a:p>
@@ -1469,7 +1482,7 @@
     </p:spTree>
     <p:extLst>
       <p:ext uri="{BB962C8B-B14F-4D97-AF65-F5344CB8AC3E}">
-        <p14:creationId xmlns:p14="http://schemas.microsoft.com/office/powerpoint/2010/main" val="2126586939"/>
+        <p14:creationId xmlns:p14="http://schemas.microsoft.com/office/powerpoint/2010/main" val="2483701480"/>
       </p:ext>
     </p:extLst>
   </p:cSld>
@@ -1523,42 +1536,116 @@
           <a:bodyPr/>
           <a:lstStyle/>
           <a:p>
-            <a:r>
-              <a:rPr lang="zh-TW" altLang="en-US" dirty="0"/>
-              <a:t>硬體模擬需要耗費大量時間，只能</a:t>
-            </a:r>
-            <a:r>
-              <a:rPr lang="en-US" altLang="zh-TW" dirty="0"/>
-              <a:t>Sim</a:t>
-            </a:r>
-            <a:r>
-              <a:rPr lang="zh-TW" altLang="en-US" dirty="0"/>
-              <a:t>出一小段實際行為。而</a:t>
-            </a:r>
-            <a:r>
-              <a:rPr lang="en-US" altLang="zh-TW" dirty="0"/>
-              <a:t>FW</a:t>
-            </a:r>
-            <a:r>
-              <a:rPr lang="zh-TW" altLang="en-US" dirty="0"/>
-              <a:t>關注的點偏向於是否能</a:t>
-            </a:r>
-            <a:r>
-              <a:rPr lang="en-US" altLang="zh-TW" dirty="0"/>
-              <a:t>Decode</a:t>
-            </a:r>
-            <a:r>
-              <a:rPr lang="zh-TW" altLang="en-US" dirty="0"/>
-              <a:t>，</a:t>
-            </a:r>
-            <a:r>
-              <a:rPr lang="en-US" altLang="zh-TW" dirty="0"/>
-              <a:t>Focus</a:t>
-            </a:r>
-            <a:r>
-              <a:rPr lang="zh-TW" altLang="en-US" dirty="0"/>
-              <a:t>的點相對於硬體少很多，所以無需花費大量時間</a:t>
-            </a:r>
+            <a:pPr marL="228600" indent="-228600">
+              <a:buAutoNum type="arabicPeriod"/>
+            </a:pPr>
+            <a:r>
+              <a:rPr lang="zh-TW" altLang="en-US" dirty="0"/>
+              <a:t>下方點的</a:t>
+            </a:r>
+            <a:r>
+              <a:rPr lang="en-US" altLang="zh-TW" dirty="0"/>
+              <a:t>Sample</a:t>
+            </a:r>
+            <a:r>
+              <a:rPr lang="zh-TW" altLang="en-US" dirty="0"/>
+              <a:t>是固定的</a:t>
+            </a:r>
+            <a:r>
+              <a:rPr lang="en-US" altLang="zh-TW" dirty="0"/>
+              <a:t>(Sample</a:t>
+            </a:r>
+            <a:r>
+              <a:rPr lang="zh-TW" altLang="en-US" dirty="0"/>
+              <a:t>的頭節點會取第一個</a:t>
+            </a:r>
+            <a:r>
+              <a:rPr lang="en-US" altLang="zh-TW" dirty="0" err="1"/>
+              <a:t>GroupLeader</a:t>
+            </a:r>
+            <a:r>
+              <a:rPr lang="zh-TW" altLang="en-US" dirty="0"/>
+              <a:t>的點當作起始點</a:t>
+            </a:r>
+            <a:r>
+              <a:rPr lang="en-US" altLang="zh-TW" dirty="0"/>
+              <a:t>)</a:t>
+            </a:r>
+            <a:r>
+              <a:rPr lang="zh-TW" altLang="en-US" dirty="0"/>
+              <a:t>。</a:t>
+            </a:r>
+            <a:endParaRPr lang="en-US" altLang="zh-TW" dirty="0"/>
+          </a:p>
+          <a:p>
+            <a:pPr marL="228600" indent="-228600">
+              <a:buAutoNum type="arabicPeriod"/>
+            </a:pPr>
+            <a:r>
+              <a:rPr lang="zh-TW" altLang="en-US" dirty="0"/>
+              <a:t>以下每個</a:t>
+            </a:r>
+            <a:r>
+              <a:rPr lang="en-US" altLang="zh-TW" dirty="0"/>
+              <a:t>Sample</a:t>
+            </a:r>
+            <a:r>
+              <a:rPr lang="zh-TW" altLang="en-US" dirty="0"/>
+              <a:t>點的值依照以下方法取值  </a:t>
+            </a:r>
+            <a:r>
+              <a:rPr lang="en-US" altLang="zh-TW" dirty="0" err="1"/>
+              <a:t>G_time</a:t>
+            </a:r>
+            <a:r>
+              <a:rPr lang="en-US" altLang="zh-TW" dirty="0"/>
+              <a:t>[n]&lt; </a:t>
+            </a:r>
+            <a:r>
+              <a:rPr lang="en-US" altLang="zh-TW" dirty="0" err="1"/>
+              <a:t>S_time</a:t>
+            </a:r>
+            <a:r>
+              <a:rPr lang="en-US" altLang="zh-TW" dirty="0"/>
+              <a:t>[m] &lt; </a:t>
+            </a:r>
+            <a:r>
+              <a:rPr lang="en-US" altLang="zh-TW" dirty="0" err="1"/>
+              <a:t>G_time</a:t>
+            </a:r>
+            <a:r>
+              <a:rPr lang="en-US" altLang="zh-TW" dirty="0"/>
+              <a:t>[n+1]</a:t>
+            </a:r>
+            <a:r>
+              <a:rPr lang="zh-TW" altLang="en-US" dirty="0"/>
+              <a:t> </a:t>
+            </a:r>
+            <a:r>
+              <a:rPr lang="en-US" altLang="zh-TW" dirty="0"/>
+              <a:t>=&gt;</a:t>
+            </a:r>
+            <a:r>
+              <a:rPr lang="zh-TW" altLang="en-US" dirty="0"/>
+              <a:t> </a:t>
+            </a:r>
+            <a:r>
+              <a:rPr lang="en-US" altLang="zh-TW" dirty="0" err="1"/>
+              <a:t>S_val</a:t>
+            </a:r>
+            <a:r>
+              <a:rPr lang="en-US" altLang="zh-TW" dirty="0"/>
+              <a:t>[m] = </a:t>
+            </a:r>
+            <a:r>
+              <a:rPr lang="en-US" altLang="zh-TW" dirty="0" err="1"/>
+              <a:t>G_Val</a:t>
+            </a:r>
+            <a:r>
+              <a:rPr lang="en-US" altLang="zh-TW" dirty="0"/>
+              <a:t>[n]</a:t>
+            </a:r>
+            <a:endParaRPr lang="zh-TW" altLang="en-US" dirty="0"/>
           </a:p>
         </p:txBody>
       </p:sp>
@@ -1579,7 +1666,7 @@
           <a:p>
             <a:fld id="{0116F853-F7F2-4239-A629-A213C1D67574}" type="slidenum">
               <a:rPr lang="zh-TW" altLang="en-US" smtClean="0"/>
-              <a:t>27</a:t>
+              <a:t>26</a:t>
             </a:fld>
             <a:endParaRPr lang="zh-TW" altLang="en-US"/>
           </a:p>
@@ -1588,7 +1675,7 @@
     </p:spTree>
     <p:extLst>
       <p:ext uri="{BB962C8B-B14F-4D97-AF65-F5344CB8AC3E}">
-        <p14:creationId xmlns:p14="http://schemas.microsoft.com/office/powerpoint/2010/main" val="1884394461"/>
+        <p14:creationId xmlns:p14="http://schemas.microsoft.com/office/powerpoint/2010/main" val="2126586939"/>
       </p:ext>
     </p:extLst>
   </p:cSld>
@@ -1642,35 +1729,42 @@
           <a:bodyPr/>
           <a:lstStyle/>
           <a:p>
-            <a:pPr marL="228600" indent="-228600">
-              <a:buAutoNum type="arabicPeriod"/>
-            </a:pPr>
-            <a:r>
-              <a:rPr lang="zh-TW" altLang="en-US"/>
-              <a:t>這裡可以強調原先學長們有提到某一路是不可行的。但是透過自身對數位電路理解，將其電路串起來可以</a:t>
-            </a:r>
-            <a:r>
-              <a:rPr lang="en-US" altLang="zh-TW"/>
-              <a:t>Work . “RX0 Decoder </a:t>
-            </a:r>
-            <a:r>
-              <a:rPr lang="zh-TW" altLang="en-US"/>
-              <a:t>無法搭配 </a:t>
-            </a:r>
-            <a:r>
-              <a:rPr lang="en-US" altLang="zh-TW"/>
-              <a:t>1st HPF filter + Schmitt Digital “</a:t>
-            </a:r>
-          </a:p>
-          <a:p>
-            <a:pPr marL="0" indent="0">
-              <a:buNone/>
-            </a:pPr>
-            <a:r>
-              <a:rPr lang="zh-TW" altLang="en-US"/>
-              <a:t>這裡可以講細一點，我是如何將電路串起來的</a:t>
-            </a:r>
-            <a:endParaRPr lang="en-US" altLang="zh-TW"/>
+            <a:r>
+              <a:rPr lang="zh-TW" altLang="en-US" dirty="0"/>
+              <a:t>硬體模擬需要耗費大量時間，只能</a:t>
+            </a:r>
+            <a:r>
+              <a:rPr lang="en-US" altLang="zh-TW" dirty="0"/>
+              <a:t>Sim</a:t>
+            </a:r>
+            <a:r>
+              <a:rPr lang="zh-TW" altLang="en-US" dirty="0"/>
+              <a:t>出一小段實際行為。而</a:t>
+            </a:r>
+            <a:r>
+              <a:rPr lang="en-US" altLang="zh-TW" dirty="0"/>
+              <a:t>FW</a:t>
+            </a:r>
+            <a:r>
+              <a:rPr lang="zh-TW" altLang="en-US" dirty="0"/>
+              <a:t>關注的點偏向於是否能</a:t>
+            </a:r>
+            <a:r>
+              <a:rPr lang="en-US" altLang="zh-TW" dirty="0"/>
+              <a:t>Decode</a:t>
+            </a:r>
+            <a:r>
+              <a:rPr lang="zh-TW" altLang="en-US" dirty="0"/>
+              <a:t>，</a:t>
+            </a:r>
+            <a:r>
+              <a:rPr lang="en-US" altLang="zh-TW" dirty="0"/>
+              <a:t>Focus</a:t>
+            </a:r>
+            <a:r>
+              <a:rPr lang="zh-TW" altLang="en-US" dirty="0"/>
+              <a:t>的點相對於硬體少很多，所以無需花費大量時間</a:t>
+            </a:r>
           </a:p>
         </p:txBody>
       </p:sp>
@@ -1691,7 +1785,7 @@
           <a:p>
             <a:fld id="{0116F853-F7F2-4239-A629-A213C1D67574}" type="slidenum">
               <a:rPr lang="zh-TW" altLang="en-US" smtClean="0"/>
-              <a:t>30</a:t>
+              <a:t>27</a:t>
             </a:fld>
             <a:endParaRPr lang="zh-TW" altLang="en-US"/>
           </a:p>
@@ -1700,7 +1794,7 @@
     </p:spTree>
     <p:extLst>
       <p:ext uri="{BB962C8B-B14F-4D97-AF65-F5344CB8AC3E}">
-        <p14:creationId xmlns:p14="http://schemas.microsoft.com/office/powerpoint/2010/main" val="685821978"/>
+        <p14:creationId xmlns:p14="http://schemas.microsoft.com/office/powerpoint/2010/main" val="1884394461"/>
       </p:ext>
     </p:extLst>
   </p:cSld>
@@ -1754,46 +1848,27 @@
           <a:bodyPr/>
           <a:lstStyle/>
           <a:p>
-            <a:pPr marL="0" marR="0" lvl="0" indent="0" algn="l" defTabSz="914400" rtl="0" eaLnBrk="1" fontAlgn="auto" latinLnBrk="0" hangingPunct="1">
-              <a:lnSpc>
-                <a:spcPct val="100000"/>
-              </a:lnSpc>
-              <a:spcBef>
-                <a:spcPts val="0"/>
-              </a:spcBef>
-              <a:spcAft>
-                <a:spcPts val="0"/>
-              </a:spcAft>
-              <a:buClrTx/>
-              <a:buSzTx/>
-              <a:buFontTx/>
-              <a:buNone/>
-              <a:tabLst/>
-              <a:defRPr/>
+            <a:pPr marL="228600" indent="-228600">
+              <a:buAutoNum type="arabicPeriod"/>
             </a:pPr>
             <a:r>
-              <a:rPr lang="zh-TW" altLang="en-US"/>
-              <a:t>針對第一點 </a:t>
-            </a:r>
-            <a:r>
-              <a:rPr lang="en-US" altLang="zh-TW"/>
-              <a:t>:</a:t>
-            </a:r>
-            <a:r>
-              <a:rPr lang="zh-TW" altLang="en-US"/>
-              <a:t>不經過任何訊號處理</a:t>
-            </a:r>
-            <a:endParaRPr lang="en-US" altLang="zh-TW"/>
-          </a:p>
-          <a:p>
-            <a:r>
-              <a:rPr lang="en-US" altLang="zh-TW"/>
-              <a:t>1. ADC </a:t>
-            </a:r>
-            <a:r>
-              <a:rPr lang="zh-TW" altLang="en-US"/>
-              <a:t>刻度少，是指說</a:t>
-            </a:r>
+              <a:rPr lang="zh-TW" altLang="en-US" dirty="0"/>
+              <a:t>數位電路總攬 </a:t>
+            </a:r>
+            <a:r>
+              <a:rPr lang="en-US" altLang="zh-TW" dirty="0"/>
+              <a:t>: </a:t>
+            </a:r>
+          </a:p>
+          <a:p>
+            <a:pPr marL="228600" indent="-228600">
+              <a:buAutoNum type="arabicPeriod"/>
+            </a:pPr>
+            <a:r>
+              <a:rPr lang="en-US" altLang="zh-TW" dirty="0"/>
+              <a:t>B=</a:t>
+            </a:r>
+            <a:endParaRPr lang="zh-TW" altLang="en-US" dirty="0"/>
           </a:p>
         </p:txBody>
       </p:sp>
@@ -1814,7 +1889,7 @@
           <a:p>
             <a:fld id="{0116F853-F7F2-4239-A629-A213C1D67574}" type="slidenum">
               <a:rPr lang="zh-TW" altLang="en-US" smtClean="0"/>
-              <a:t>32</a:t>
+              <a:t>29</a:t>
             </a:fld>
             <a:endParaRPr lang="zh-TW" altLang="en-US"/>
           </a:p>
@@ -1823,7 +1898,7 @@
     </p:spTree>
     <p:extLst>
       <p:ext uri="{BB962C8B-B14F-4D97-AF65-F5344CB8AC3E}">
-        <p14:creationId xmlns:p14="http://schemas.microsoft.com/office/powerpoint/2010/main" val="4159971274"/>
+        <p14:creationId xmlns:p14="http://schemas.microsoft.com/office/powerpoint/2010/main" val="188277632"/>
       </p:ext>
     </p:extLst>
   </p:cSld>
@@ -1877,7 +1952,68 @@
           <a:bodyPr/>
           <a:lstStyle/>
           <a:p>
-            <a:endParaRPr lang="zh-TW" altLang="en-US"/>
+            <a:pPr marL="228600" indent="-228600">
+              <a:buAutoNum type="arabicPeriod"/>
+            </a:pPr>
+            <a:r>
+              <a:rPr lang="zh-TW" altLang="en-US" dirty="0"/>
+              <a:t>這裡可以強調原先學長們有提到某一路是不可行的。但是透過自身對數位電路理解，將其電路串起來可以</a:t>
+            </a:r>
+            <a:r>
+              <a:rPr lang="en-US" altLang="zh-TW" dirty="0"/>
+              <a:t>Work . “RX0 Decoder </a:t>
+            </a:r>
+            <a:r>
+              <a:rPr lang="zh-TW" altLang="en-US" dirty="0"/>
+              <a:t>無法搭配 </a:t>
+            </a:r>
+            <a:r>
+              <a:rPr lang="en-US" altLang="zh-TW" dirty="0"/>
+              <a:t>1st HPF filter + Schmitt Digital “</a:t>
+            </a:r>
+          </a:p>
+          <a:p>
+            <a:pPr marL="0" indent="0">
+              <a:buNone/>
+            </a:pPr>
+            <a:r>
+              <a:rPr lang="zh-TW" altLang="en-US" dirty="0"/>
+              <a:t>這裡可以講細一點，我是如何將電路串起來的</a:t>
+            </a:r>
+            <a:endParaRPr lang="en-US" altLang="zh-TW" dirty="0"/>
+          </a:p>
+          <a:p>
+            <a:pPr marL="0" marR="0" lvl="0" indent="0" algn="l" defTabSz="914400" rtl="0" eaLnBrk="1" fontAlgn="auto" latinLnBrk="0" hangingPunct="1">
+              <a:lnSpc>
+                <a:spcPct val="100000"/>
+              </a:lnSpc>
+              <a:spcBef>
+                <a:spcPts val="0"/>
+              </a:spcBef>
+              <a:spcAft>
+                <a:spcPts val="0"/>
+              </a:spcAft>
+              <a:buClrTx/>
+              <a:buSzTx/>
+              <a:buFontTx/>
+              <a:buNone/>
+              <a:tabLst/>
+              <a:defRPr/>
+            </a:pPr>
+            <a:r>
+              <a:rPr lang="en-US" altLang="zh-TW" dirty="0"/>
+              <a:t>2.   </a:t>
+            </a:r>
+            <a:r>
+              <a:rPr lang="zh-TW" altLang="en-US" dirty="0"/>
+              <a:t>等前後端電路都講解完，可以補充上述電路發現過程</a:t>
+            </a:r>
+          </a:p>
+          <a:p>
+            <a:pPr marL="0" indent="0">
+              <a:buNone/>
+            </a:pPr>
+            <a:endParaRPr lang="en-US" altLang="zh-TW" dirty="0"/>
           </a:p>
         </p:txBody>
       </p:sp>
@@ -1898,7 +2034,7 @@
           <a:p>
             <a:fld id="{0116F853-F7F2-4239-A629-A213C1D67574}" type="slidenum">
               <a:rPr lang="zh-TW" altLang="en-US" smtClean="0"/>
-              <a:t>50</a:t>
+              <a:t>30</a:t>
             </a:fld>
             <a:endParaRPr lang="zh-TW" altLang="en-US"/>
           </a:p>
@@ -1907,7 +2043,7 @@
     </p:spTree>
     <p:extLst>
       <p:ext uri="{BB962C8B-B14F-4D97-AF65-F5344CB8AC3E}">
-        <p14:creationId xmlns:p14="http://schemas.microsoft.com/office/powerpoint/2010/main" val="2670570649"/>
+        <p14:creationId xmlns:p14="http://schemas.microsoft.com/office/powerpoint/2010/main" val="685821978"/>
       </p:ext>
     </p:extLst>
   </p:cSld>
@@ -1961,71 +2097,7 @@
           <a:bodyPr/>
           <a:lstStyle/>
           <a:p>
-            <a:pPr marL="228600" indent="-228600">
-              <a:buAutoNum type="arabicPeriod"/>
-            </a:pPr>
-            <a:r>
-              <a:rPr lang="zh-TW" altLang="en-US"/>
-              <a:t>由於筆只使用</a:t>
-            </a:r>
-            <a:r>
-              <a:rPr lang="en-US" altLang="zh-TW"/>
-              <a:t>UART TX</a:t>
-            </a:r>
-            <a:r>
-              <a:rPr lang="zh-TW" altLang="en-US"/>
-              <a:t>來印出相關資訊、並沒有使用</a:t>
-            </a:r>
-            <a:r>
-              <a:rPr lang="en-US" altLang="zh-TW"/>
-              <a:t>RX</a:t>
-            </a:r>
-            <a:r>
-              <a:rPr lang="zh-TW" altLang="en-US"/>
-              <a:t>來接收其他</a:t>
-            </a:r>
-            <a:r>
-              <a:rPr lang="en-US" altLang="zh-TW"/>
-              <a:t>Sensor</a:t>
-            </a:r>
-            <a:r>
-              <a:rPr lang="zh-TW" altLang="en-US"/>
-              <a:t>的</a:t>
-            </a:r>
-            <a:r>
-              <a:rPr lang="en-US" altLang="zh-TW"/>
-              <a:t>information</a:t>
-            </a:r>
-            <a:r>
-              <a:rPr lang="zh-TW" altLang="en-US"/>
-              <a:t>。</a:t>
-            </a:r>
-            <a:endParaRPr lang="en-US" altLang="zh-TW"/>
-          </a:p>
-          <a:p>
-            <a:pPr marL="0" indent="0">
-              <a:buNone/>
-            </a:pPr>
-            <a:r>
-              <a:rPr lang="zh-TW" altLang="en-US"/>
-              <a:t>       </a:t>
-            </a:r>
-            <a:r>
-              <a:rPr lang="en-US" altLang="zh-TW"/>
-              <a:t>1.1 UART</a:t>
-            </a:r>
-            <a:r>
-              <a:rPr lang="zh-TW" altLang="en-US"/>
-              <a:t> </a:t>
-            </a:r>
-            <a:r>
-              <a:rPr lang="en-US" altLang="zh-TW"/>
-              <a:t>RX Setting</a:t>
-            </a:r>
-            <a:r>
-              <a:rPr lang="zh-TW" altLang="en-US"/>
-              <a:t>建立</a:t>
-            </a:r>
+            <a:endParaRPr lang="zh-TW" altLang="en-US" dirty="0"/>
           </a:p>
         </p:txBody>
       </p:sp>
@@ -2046,7 +2118,7 @@
           <a:p>
             <a:fld id="{0116F853-F7F2-4239-A629-A213C1D67574}" type="slidenum">
               <a:rPr lang="zh-TW" altLang="en-US" smtClean="0"/>
-              <a:t>51</a:t>
+              <a:t>31</a:t>
             </a:fld>
             <a:endParaRPr lang="zh-TW" altLang="en-US"/>
           </a:p>
@@ -2055,7 +2127,7 @@
     </p:spTree>
     <p:extLst>
       <p:ext uri="{BB962C8B-B14F-4D97-AF65-F5344CB8AC3E}">
-        <p14:creationId xmlns:p14="http://schemas.microsoft.com/office/powerpoint/2010/main" val="978169652"/>
+        <p14:creationId xmlns:p14="http://schemas.microsoft.com/office/powerpoint/2010/main" val="2782265935"/>
       </p:ext>
     </p:extLst>
   </p:cSld>
@@ -2177,6 +2249,532 @@
     <p:extLst>
       <p:ext uri="{BB962C8B-B14F-4D97-AF65-F5344CB8AC3E}">
         <p14:creationId xmlns:p14="http://schemas.microsoft.com/office/powerpoint/2010/main" val="2700440100"/>
+      </p:ext>
+    </p:extLst>
+  </p:cSld>
+  <p:clrMapOvr>
+    <a:masterClrMapping/>
+  </p:clrMapOvr>
+</p:notes>
+</file>
+
+<file path=ppt/notesSlides/notesSlide20.xml><?xml version="1.0" encoding="utf-8"?>
+<p:notes xmlns:a="http://schemas.openxmlformats.org/drawingml/2006/main" xmlns:r="http://schemas.openxmlformats.org/officeDocument/2006/relationships" xmlns:p="http://schemas.openxmlformats.org/presentationml/2006/main">
+  <p:cSld>
+    <p:spTree>
+      <p:nvGrpSpPr>
+        <p:cNvPr id="1" name=""/>
+        <p:cNvGrpSpPr/>
+        <p:nvPr/>
+      </p:nvGrpSpPr>
+      <p:grpSpPr>
+        <a:xfrm>
+          <a:off x="0" y="0"/>
+          <a:ext cx="0" cy="0"/>
+          <a:chOff x="0" y="0"/>
+          <a:chExt cx="0" cy="0"/>
+        </a:xfrm>
+      </p:grpSpPr>
+      <p:sp>
+        <p:nvSpPr>
+          <p:cNvPr id="2" name="投影片影像版面配置區 1"/>
+          <p:cNvSpPr>
+            <a:spLocks noGrp="1" noRot="1" noChangeAspect="1"/>
+          </p:cNvSpPr>
+          <p:nvPr>
+            <p:ph type="sldImg"/>
+          </p:nvPr>
+        </p:nvSpPr>
+        <p:spPr/>
+      </p:sp>
+      <p:sp>
+        <p:nvSpPr>
+          <p:cNvPr id="3" name="備忘稿版面配置區 2"/>
+          <p:cNvSpPr>
+            <a:spLocks noGrp="1"/>
+          </p:cNvSpPr>
+          <p:nvPr>
+            <p:ph type="body" idx="1"/>
+          </p:nvPr>
+        </p:nvSpPr>
+        <p:spPr/>
+        <p:txBody>
+          <a:bodyPr/>
+          <a:lstStyle/>
+          <a:p>
+            <a:pPr marL="0" marR="0" lvl="0" indent="0" algn="l" defTabSz="914400" rtl="0" eaLnBrk="1" fontAlgn="auto" latinLnBrk="0" hangingPunct="1">
+              <a:lnSpc>
+                <a:spcPct val="100000"/>
+              </a:lnSpc>
+              <a:spcBef>
+                <a:spcPts val="0"/>
+              </a:spcBef>
+              <a:spcAft>
+                <a:spcPts val="0"/>
+              </a:spcAft>
+              <a:buClrTx/>
+              <a:buSzTx/>
+              <a:buFontTx/>
+              <a:buNone/>
+              <a:tabLst/>
+              <a:defRPr/>
+            </a:pPr>
+            <a:r>
+              <a:rPr lang="zh-TW" altLang="en-US"/>
+              <a:t>針對第一點 </a:t>
+            </a:r>
+            <a:r>
+              <a:rPr lang="en-US" altLang="zh-TW"/>
+              <a:t>:</a:t>
+            </a:r>
+            <a:r>
+              <a:rPr lang="zh-TW" altLang="en-US"/>
+              <a:t>不經過任何訊號處理</a:t>
+            </a:r>
+            <a:endParaRPr lang="en-US" altLang="zh-TW"/>
+          </a:p>
+          <a:p>
+            <a:r>
+              <a:rPr lang="en-US" altLang="zh-TW"/>
+              <a:t>1. ADC </a:t>
+            </a:r>
+            <a:r>
+              <a:rPr lang="zh-TW" altLang="en-US"/>
+              <a:t>刻度少，是指說</a:t>
+            </a:r>
+          </a:p>
+        </p:txBody>
+      </p:sp>
+      <p:sp>
+        <p:nvSpPr>
+          <p:cNvPr id="4" name="投影片編號版面配置區 3"/>
+          <p:cNvSpPr>
+            <a:spLocks noGrp="1"/>
+          </p:cNvSpPr>
+          <p:nvPr>
+            <p:ph type="sldNum" sz="quarter" idx="5"/>
+          </p:nvPr>
+        </p:nvSpPr>
+        <p:spPr/>
+        <p:txBody>
+          <a:bodyPr/>
+          <a:lstStyle/>
+          <a:p>
+            <a:fld id="{0116F853-F7F2-4239-A629-A213C1D67574}" type="slidenum">
+              <a:rPr lang="zh-TW" altLang="en-US" smtClean="0"/>
+              <a:t>32</a:t>
+            </a:fld>
+            <a:endParaRPr lang="zh-TW" altLang="en-US"/>
+          </a:p>
+        </p:txBody>
+      </p:sp>
+    </p:spTree>
+    <p:extLst>
+      <p:ext uri="{BB962C8B-B14F-4D97-AF65-F5344CB8AC3E}">
+        <p14:creationId xmlns:p14="http://schemas.microsoft.com/office/powerpoint/2010/main" val="4159971274"/>
+      </p:ext>
+    </p:extLst>
+  </p:cSld>
+  <p:clrMapOvr>
+    <a:masterClrMapping/>
+  </p:clrMapOvr>
+</p:notes>
+</file>
+
+<file path=ppt/notesSlides/notesSlide21.xml><?xml version="1.0" encoding="utf-8"?>
+<p:notes xmlns:a="http://schemas.openxmlformats.org/drawingml/2006/main" xmlns:r="http://schemas.openxmlformats.org/officeDocument/2006/relationships" xmlns:p="http://schemas.openxmlformats.org/presentationml/2006/main">
+  <p:cSld>
+    <p:spTree>
+      <p:nvGrpSpPr>
+        <p:cNvPr id="1" name=""/>
+        <p:cNvGrpSpPr/>
+        <p:nvPr/>
+      </p:nvGrpSpPr>
+      <p:grpSpPr>
+        <a:xfrm>
+          <a:off x="0" y="0"/>
+          <a:ext cx="0" cy="0"/>
+          <a:chOff x="0" y="0"/>
+          <a:chExt cx="0" cy="0"/>
+        </a:xfrm>
+      </p:grpSpPr>
+      <p:sp>
+        <p:nvSpPr>
+          <p:cNvPr id="2" name="投影片影像版面配置區 1"/>
+          <p:cNvSpPr>
+            <a:spLocks noGrp="1" noRot="1" noChangeAspect="1"/>
+          </p:cNvSpPr>
+          <p:nvPr>
+            <p:ph type="sldImg"/>
+          </p:nvPr>
+        </p:nvSpPr>
+        <p:spPr/>
+      </p:sp>
+      <p:sp>
+        <p:nvSpPr>
+          <p:cNvPr id="3" name="備忘稿版面配置區 2"/>
+          <p:cNvSpPr>
+            <a:spLocks noGrp="1"/>
+          </p:cNvSpPr>
+          <p:nvPr>
+            <p:ph type="body" idx="1"/>
+          </p:nvPr>
+        </p:nvSpPr>
+        <p:spPr/>
+        <p:txBody>
+          <a:bodyPr/>
+          <a:lstStyle/>
+          <a:p>
+            <a:endParaRPr lang="zh-TW" altLang="en-US" dirty="0"/>
+          </a:p>
+        </p:txBody>
+      </p:sp>
+      <p:sp>
+        <p:nvSpPr>
+          <p:cNvPr id="4" name="投影片編號版面配置區 3"/>
+          <p:cNvSpPr>
+            <a:spLocks noGrp="1"/>
+          </p:cNvSpPr>
+          <p:nvPr>
+            <p:ph type="sldNum" sz="quarter" idx="5"/>
+          </p:nvPr>
+        </p:nvSpPr>
+        <p:spPr/>
+        <p:txBody>
+          <a:bodyPr/>
+          <a:lstStyle/>
+          <a:p>
+            <a:fld id="{0116F853-F7F2-4239-A629-A213C1D67574}" type="slidenum">
+              <a:rPr lang="zh-TW" altLang="en-US" smtClean="0"/>
+              <a:t>33</a:t>
+            </a:fld>
+            <a:endParaRPr lang="zh-TW" altLang="en-US"/>
+          </a:p>
+        </p:txBody>
+      </p:sp>
+    </p:spTree>
+    <p:extLst>
+      <p:ext uri="{BB962C8B-B14F-4D97-AF65-F5344CB8AC3E}">
+        <p14:creationId xmlns:p14="http://schemas.microsoft.com/office/powerpoint/2010/main" val="990445044"/>
+      </p:ext>
+    </p:extLst>
+  </p:cSld>
+  <p:clrMapOvr>
+    <a:masterClrMapping/>
+  </p:clrMapOvr>
+</p:notes>
+</file>
+
+<file path=ppt/notesSlides/notesSlide22.xml><?xml version="1.0" encoding="utf-8"?>
+<p:notes xmlns:a="http://schemas.openxmlformats.org/drawingml/2006/main" xmlns:r="http://schemas.openxmlformats.org/officeDocument/2006/relationships" xmlns:p="http://schemas.openxmlformats.org/presentationml/2006/main">
+  <p:cSld>
+    <p:spTree>
+      <p:nvGrpSpPr>
+        <p:cNvPr id="1" name=""/>
+        <p:cNvGrpSpPr/>
+        <p:nvPr/>
+      </p:nvGrpSpPr>
+      <p:grpSpPr>
+        <a:xfrm>
+          <a:off x="0" y="0"/>
+          <a:ext cx="0" cy="0"/>
+          <a:chOff x="0" y="0"/>
+          <a:chExt cx="0" cy="0"/>
+        </a:xfrm>
+      </p:grpSpPr>
+      <p:sp>
+        <p:nvSpPr>
+          <p:cNvPr id="2" name="投影片影像版面配置區 1"/>
+          <p:cNvSpPr>
+            <a:spLocks noGrp="1" noRot="1" noChangeAspect="1"/>
+          </p:cNvSpPr>
+          <p:nvPr>
+            <p:ph type="sldImg"/>
+          </p:nvPr>
+        </p:nvSpPr>
+        <p:spPr/>
+      </p:sp>
+      <p:sp>
+        <p:nvSpPr>
+          <p:cNvPr id="3" name="備忘稿版面配置區 2"/>
+          <p:cNvSpPr>
+            <a:spLocks noGrp="1"/>
+          </p:cNvSpPr>
+          <p:nvPr>
+            <p:ph type="body" idx="1"/>
+          </p:nvPr>
+        </p:nvSpPr>
+        <p:spPr/>
+        <p:txBody>
+          <a:bodyPr/>
+          <a:lstStyle/>
+          <a:p>
+            <a:r>
+              <a:rPr lang="zh-TW" altLang="en-US" dirty="0"/>
+              <a:t>利用這張圖解釋</a:t>
+            </a:r>
+          </a:p>
+        </p:txBody>
+      </p:sp>
+      <p:sp>
+        <p:nvSpPr>
+          <p:cNvPr id="4" name="投影片編號版面配置區 3"/>
+          <p:cNvSpPr>
+            <a:spLocks noGrp="1"/>
+          </p:cNvSpPr>
+          <p:nvPr>
+            <p:ph type="sldNum" sz="quarter" idx="5"/>
+          </p:nvPr>
+        </p:nvSpPr>
+        <p:spPr/>
+        <p:txBody>
+          <a:bodyPr/>
+          <a:lstStyle/>
+          <a:p>
+            <a:fld id="{0116F853-F7F2-4239-A629-A213C1D67574}" type="slidenum">
+              <a:rPr lang="zh-TW" altLang="en-US" smtClean="0"/>
+              <a:t>35</a:t>
+            </a:fld>
+            <a:endParaRPr lang="zh-TW" altLang="en-US"/>
+          </a:p>
+        </p:txBody>
+      </p:sp>
+    </p:spTree>
+    <p:extLst>
+      <p:ext uri="{BB962C8B-B14F-4D97-AF65-F5344CB8AC3E}">
+        <p14:creationId xmlns:p14="http://schemas.microsoft.com/office/powerpoint/2010/main" val="1884241967"/>
+      </p:ext>
+    </p:extLst>
+  </p:cSld>
+  <p:clrMapOvr>
+    <a:masterClrMapping/>
+  </p:clrMapOvr>
+</p:notes>
+</file>
+
+<file path=ppt/notesSlides/notesSlide23.xml><?xml version="1.0" encoding="utf-8"?>
+<p:notes xmlns:a="http://schemas.openxmlformats.org/drawingml/2006/main" xmlns:r="http://schemas.openxmlformats.org/officeDocument/2006/relationships" xmlns:p="http://schemas.openxmlformats.org/presentationml/2006/main">
+  <p:cSld>
+    <p:spTree>
+      <p:nvGrpSpPr>
+        <p:cNvPr id="1" name=""/>
+        <p:cNvGrpSpPr/>
+        <p:nvPr/>
+      </p:nvGrpSpPr>
+      <p:grpSpPr>
+        <a:xfrm>
+          <a:off x="0" y="0"/>
+          <a:ext cx="0" cy="0"/>
+          <a:chOff x="0" y="0"/>
+          <a:chExt cx="0" cy="0"/>
+        </a:xfrm>
+      </p:grpSpPr>
+      <p:sp>
+        <p:nvSpPr>
+          <p:cNvPr id="2" name="投影片影像版面配置區 1"/>
+          <p:cNvSpPr>
+            <a:spLocks noGrp="1" noRot="1" noChangeAspect="1"/>
+          </p:cNvSpPr>
+          <p:nvPr>
+            <p:ph type="sldImg"/>
+          </p:nvPr>
+        </p:nvSpPr>
+        <p:spPr/>
+      </p:sp>
+      <p:sp>
+        <p:nvSpPr>
+          <p:cNvPr id="3" name="備忘稿版面配置區 2"/>
+          <p:cNvSpPr>
+            <a:spLocks noGrp="1"/>
+          </p:cNvSpPr>
+          <p:nvPr>
+            <p:ph type="body" idx="1"/>
+          </p:nvPr>
+        </p:nvSpPr>
+        <p:spPr/>
+        <p:txBody>
+          <a:bodyPr/>
+          <a:lstStyle/>
+          <a:p>
+            <a:endParaRPr lang="zh-TW" altLang="en-US"/>
+          </a:p>
+        </p:txBody>
+      </p:sp>
+      <p:sp>
+        <p:nvSpPr>
+          <p:cNvPr id="4" name="投影片編號版面配置區 3"/>
+          <p:cNvSpPr>
+            <a:spLocks noGrp="1"/>
+          </p:cNvSpPr>
+          <p:nvPr>
+            <p:ph type="sldNum" sz="quarter" idx="5"/>
+          </p:nvPr>
+        </p:nvSpPr>
+        <p:spPr/>
+        <p:txBody>
+          <a:bodyPr/>
+          <a:lstStyle/>
+          <a:p>
+            <a:fld id="{0116F853-F7F2-4239-A629-A213C1D67574}" type="slidenum">
+              <a:rPr lang="zh-TW" altLang="en-US" smtClean="0"/>
+              <a:t>50</a:t>
+            </a:fld>
+            <a:endParaRPr lang="zh-TW" altLang="en-US"/>
+          </a:p>
+        </p:txBody>
+      </p:sp>
+    </p:spTree>
+    <p:extLst>
+      <p:ext uri="{BB962C8B-B14F-4D97-AF65-F5344CB8AC3E}">
+        <p14:creationId xmlns:p14="http://schemas.microsoft.com/office/powerpoint/2010/main" val="2670570649"/>
+      </p:ext>
+    </p:extLst>
+  </p:cSld>
+  <p:clrMapOvr>
+    <a:masterClrMapping/>
+  </p:clrMapOvr>
+</p:notes>
+</file>
+
+<file path=ppt/notesSlides/notesSlide24.xml><?xml version="1.0" encoding="utf-8"?>
+<p:notes xmlns:a="http://schemas.openxmlformats.org/drawingml/2006/main" xmlns:r="http://schemas.openxmlformats.org/officeDocument/2006/relationships" xmlns:p="http://schemas.openxmlformats.org/presentationml/2006/main">
+  <p:cSld>
+    <p:spTree>
+      <p:nvGrpSpPr>
+        <p:cNvPr id="1" name=""/>
+        <p:cNvGrpSpPr/>
+        <p:nvPr/>
+      </p:nvGrpSpPr>
+      <p:grpSpPr>
+        <a:xfrm>
+          <a:off x="0" y="0"/>
+          <a:ext cx="0" cy="0"/>
+          <a:chOff x="0" y="0"/>
+          <a:chExt cx="0" cy="0"/>
+        </a:xfrm>
+      </p:grpSpPr>
+      <p:sp>
+        <p:nvSpPr>
+          <p:cNvPr id="2" name="投影片影像版面配置區 1"/>
+          <p:cNvSpPr>
+            <a:spLocks noGrp="1" noRot="1" noChangeAspect="1"/>
+          </p:cNvSpPr>
+          <p:nvPr>
+            <p:ph type="sldImg"/>
+          </p:nvPr>
+        </p:nvSpPr>
+        <p:spPr/>
+      </p:sp>
+      <p:sp>
+        <p:nvSpPr>
+          <p:cNvPr id="3" name="備忘稿版面配置區 2"/>
+          <p:cNvSpPr>
+            <a:spLocks noGrp="1"/>
+          </p:cNvSpPr>
+          <p:nvPr>
+            <p:ph type="body" idx="1"/>
+          </p:nvPr>
+        </p:nvSpPr>
+        <p:spPr/>
+        <p:txBody>
+          <a:bodyPr/>
+          <a:lstStyle/>
+          <a:p>
+            <a:pPr marL="228600" indent="-228600">
+              <a:buAutoNum type="arabicPeriod"/>
+            </a:pPr>
+            <a:r>
+              <a:rPr lang="zh-TW" altLang="en-US"/>
+              <a:t>由於筆只使用</a:t>
+            </a:r>
+            <a:r>
+              <a:rPr lang="en-US" altLang="zh-TW"/>
+              <a:t>UART TX</a:t>
+            </a:r>
+            <a:r>
+              <a:rPr lang="zh-TW" altLang="en-US"/>
+              <a:t>來印出相關資訊、並沒有使用</a:t>
+            </a:r>
+            <a:r>
+              <a:rPr lang="en-US" altLang="zh-TW"/>
+              <a:t>RX</a:t>
+            </a:r>
+            <a:r>
+              <a:rPr lang="zh-TW" altLang="en-US"/>
+              <a:t>來接收其他</a:t>
+            </a:r>
+            <a:r>
+              <a:rPr lang="en-US" altLang="zh-TW"/>
+              <a:t>Sensor</a:t>
+            </a:r>
+            <a:r>
+              <a:rPr lang="zh-TW" altLang="en-US"/>
+              <a:t>的</a:t>
+            </a:r>
+            <a:r>
+              <a:rPr lang="en-US" altLang="zh-TW"/>
+              <a:t>information</a:t>
+            </a:r>
+            <a:r>
+              <a:rPr lang="zh-TW" altLang="en-US"/>
+              <a:t>。</a:t>
+            </a:r>
+            <a:endParaRPr lang="en-US" altLang="zh-TW"/>
+          </a:p>
+          <a:p>
+            <a:pPr marL="0" indent="0">
+              <a:buNone/>
+            </a:pPr>
+            <a:r>
+              <a:rPr lang="zh-TW" altLang="en-US"/>
+              <a:t>       </a:t>
+            </a:r>
+            <a:r>
+              <a:rPr lang="en-US" altLang="zh-TW"/>
+              <a:t>1.1 UART</a:t>
+            </a:r>
+            <a:r>
+              <a:rPr lang="zh-TW" altLang="en-US"/>
+              <a:t> </a:t>
+            </a:r>
+            <a:r>
+              <a:rPr lang="en-US" altLang="zh-TW"/>
+              <a:t>RX Setting</a:t>
+            </a:r>
+            <a:r>
+              <a:rPr lang="zh-TW" altLang="en-US"/>
+              <a:t>建立</a:t>
+            </a:r>
+          </a:p>
+        </p:txBody>
+      </p:sp>
+      <p:sp>
+        <p:nvSpPr>
+          <p:cNvPr id="4" name="投影片編號版面配置區 3"/>
+          <p:cNvSpPr>
+            <a:spLocks noGrp="1"/>
+          </p:cNvSpPr>
+          <p:nvPr>
+            <p:ph type="sldNum" sz="quarter" idx="5"/>
+          </p:nvPr>
+        </p:nvSpPr>
+        <p:spPr/>
+        <p:txBody>
+          <a:bodyPr/>
+          <a:lstStyle/>
+          <a:p>
+            <a:fld id="{0116F853-F7F2-4239-A629-A213C1D67574}" type="slidenum">
+              <a:rPr lang="zh-TW" altLang="en-US" smtClean="0"/>
+              <a:t>51</a:t>
+            </a:fld>
+            <a:endParaRPr lang="zh-TW" altLang="en-US"/>
+          </a:p>
+        </p:txBody>
+      </p:sp>
+    </p:spTree>
+    <p:extLst>
+      <p:ext uri="{BB962C8B-B14F-4D97-AF65-F5344CB8AC3E}">
+        <p14:creationId xmlns:p14="http://schemas.microsoft.com/office/powerpoint/2010/main" val="978169652"/>
       </p:ext>
     </p:extLst>
   </p:cSld>
@@ -2757,7 +3355,15 @@
           <a:p>
             <a:r>
               <a:rPr lang="en-US" altLang="zh-TW" dirty="0"/>
-              <a:t>1. PGA </a:t>
+              <a:t>1.  </a:t>
+            </a:r>
+            <a:r>
+              <a:rPr lang="zh-TW" altLang="en-US" dirty="0"/>
+              <a:t> </a:t>
+            </a:r>
+            <a:r>
+              <a:rPr lang="en-US" altLang="zh-TW" dirty="0"/>
+              <a:t>PGA </a:t>
             </a:r>
             <a:r>
               <a:rPr lang="zh-TW" altLang="en-US" dirty="0"/>
@@ -2801,8 +3407,9 @@
             </a:r>
             <a:r>
               <a:rPr lang="zh-TW" altLang="en-US" dirty="0"/>
-              <a:t>流程有密切關係</a:t>
-            </a:r>
+              <a:t>流程有密切關係。</a:t>
+            </a:r>
+            <a:endParaRPr lang="en-US" altLang="zh-TW" dirty="0"/>
           </a:p>
         </p:txBody>
       </p:sp>
@@ -2981,65 +3588,7 @@
           <a:bodyPr/>
           <a:lstStyle/>
           <a:p>
-            <a:r>
-              <a:rPr lang="zh-TW" altLang="en-US" dirty="0"/>
-              <a:t>講述</a:t>
-            </a:r>
-            <a:r>
-              <a:rPr lang="en-US" altLang="zh-TW" dirty="0"/>
-              <a:t>LA</a:t>
-            </a:r>
-            <a:r>
-              <a:rPr lang="zh-TW" altLang="en-US" dirty="0"/>
-              <a:t>的儲存方式</a:t>
-            </a:r>
-            <a:endParaRPr lang="en-US" altLang="zh-TW" dirty="0"/>
-          </a:p>
-          <a:p>
-            <a:pPr marL="228600" indent="-228600">
-              <a:buAutoNum type="arabicPeriod"/>
-            </a:pPr>
-            <a:r>
-              <a:rPr lang="en-US" altLang="zh-TW" dirty="0"/>
-              <a:t>LA </a:t>
-            </a:r>
-            <a:r>
-              <a:rPr lang="zh-TW" altLang="en-US" dirty="0"/>
-              <a:t>的 </a:t>
-            </a:r>
-            <a:r>
-              <a:rPr lang="en-US" altLang="zh-TW" dirty="0" err="1"/>
-              <a:t>SampleRate</a:t>
-            </a:r>
-            <a:r>
-              <a:rPr lang="en-US" altLang="zh-TW" dirty="0"/>
-              <a:t> </a:t>
-            </a:r>
-            <a:r>
-              <a:rPr lang="zh-TW" altLang="en-US" dirty="0"/>
-              <a:t>最高可以到</a:t>
-            </a:r>
-            <a:r>
-              <a:rPr lang="en-US" altLang="zh-TW" dirty="0"/>
-              <a:t>500MHZ</a:t>
-            </a:r>
-          </a:p>
-          <a:p>
-            <a:pPr marL="228600" indent="-228600">
-              <a:buAutoNum type="arabicPeriod"/>
-            </a:pPr>
-            <a:r>
-              <a:rPr lang="zh-TW" altLang="en-US" dirty="0"/>
-              <a:t>當儲存成</a:t>
-            </a:r>
-            <a:r>
-              <a:rPr lang="en-US" altLang="zh-TW" dirty="0"/>
-              <a:t>csv</a:t>
-            </a:r>
-            <a:r>
-              <a:rPr lang="zh-TW" altLang="en-US" dirty="0"/>
-              <a:t>檔時，指針對數值變化的時間點儲存</a:t>
-            </a:r>
+            <a:endParaRPr lang="zh-TW" altLang="en-US" dirty="0"/>
           </a:p>
         </p:txBody>
       </p:sp>
@@ -3060,7 +3609,7 @@
           <a:p>
             <a:fld id="{0116F853-F7F2-4239-A629-A213C1D67574}" type="slidenum">
               <a:rPr lang="zh-TW" altLang="en-US" smtClean="0"/>
-              <a:t>17</a:t>
+              <a:t>14</a:t>
             </a:fld>
             <a:endParaRPr lang="zh-TW" altLang="en-US"/>
           </a:p>
@@ -3069,7 +3618,7 @@
     </p:spTree>
     <p:extLst>
       <p:ext uri="{BB962C8B-B14F-4D97-AF65-F5344CB8AC3E}">
-        <p14:creationId xmlns:p14="http://schemas.microsoft.com/office/powerpoint/2010/main" val="2752075676"/>
+        <p14:creationId xmlns:p14="http://schemas.microsoft.com/office/powerpoint/2010/main" val="1427615133"/>
       </p:ext>
     </p:extLst>
   </p:cSld>
@@ -3123,129 +3672,65 @@
           <a:bodyPr/>
           <a:lstStyle/>
           <a:p>
-            <a:pPr marL="457200" lvl="1" indent="0" algn="l">
-              <a:buNone/>
-            </a:pPr>
-            <a:endParaRPr lang="en-US" altLang="zh-TW" dirty="0"/>
-          </a:p>
-          <a:p>
-            <a:pPr marL="228600" indent="-228600" algn="l">
-              <a:buAutoNum type="arabicPeriod"/>
-            </a:pPr>
-            <a:r>
-              <a:rPr lang="en-US" altLang="zh-TW" dirty="0"/>
-              <a:t>Sample</a:t>
-            </a:r>
-            <a:r>
-              <a:rPr lang="zh-TW" altLang="en-US" dirty="0"/>
-              <a:t>的時間點取這個</a:t>
-            </a:r>
-            <a:r>
-              <a:rPr lang="en-US" altLang="zh-TW" dirty="0"/>
-              <a:t>Group</a:t>
-            </a:r>
-            <a:r>
-              <a:rPr lang="zh-TW" altLang="en-US" dirty="0"/>
-              <a:t>的最後</a:t>
-            </a:r>
-            <a:endParaRPr lang="en-US" altLang="zh-TW" dirty="0"/>
-          </a:p>
-          <a:p>
-            <a:pPr marL="228600" indent="-228600" algn="l">
-              <a:buAutoNum type="arabicPeriod" startAt="2"/>
-            </a:pPr>
-            <a:r>
-              <a:rPr lang="en-US" altLang="zh-TW" dirty="0"/>
-              <a:t>Group </a:t>
-            </a:r>
-            <a:r>
-              <a:rPr lang="zh-TW" altLang="en-US" dirty="0"/>
-              <a:t>指的是 </a:t>
-            </a:r>
-            <a:r>
-              <a:rPr lang="en-US" altLang="zh-TW" dirty="0"/>
-              <a:t>8</a:t>
-            </a:r>
-            <a:r>
-              <a:rPr lang="zh-TW" altLang="en-US" dirty="0"/>
-              <a:t>個</a:t>
-            </a:r>
-            <a:r>
-              <a:rPr lang="en-US" altLang="zh-TW" dirty="0"/>
-              <a:t>Port </a:t>
-            </a:r>
-            <a:r>
-              <a:rPr lang="zh-TW" altLang="en-US" dirty="0"/>
-              <a:t>開始變化的時間不超過</a:t>
-            </a:r>
-            <a:r>
-              <a:rPr lang="en-US" altLang="zh-TW" dirty="0"/>
-              <a:t>40ns</a:t>
-            </a:r>
-            <a:r>
-              <a:rPr lang="zh-TW" altLang="en-US" dirty="0"/>
-              <a:t>，將這些時間點列在相同的</a:t>
-            </a:r>
-            <a:r>
-              <a:rPr lang="en-US" altLang="zh-TW" dirty="0"/>
-              <a:t>Group</a:t>
-            </a:r>
-            <a:r>
-              <a:rPr lang="zh-TW" altLang="en-US" dirty="0"/>
-              <a:t>。</a:t>
-            </a:r>
-            <a:endParaRPr lang="en-US" altLang="zh-TW" dirty="0"/>
-          </a:p>
-          <a:p>
-            <a:pPr marL="228600" marR="0" lvl="0" indent="-228600" algn="l" defTabSz="914400" rtl="0" eaLnBrk="1" fontAlgn="auto" latinLnBrk="0" hangingPunct="1">
-              <a:lnSpc>
-                <a:spcPct val="100000"/>
-              </a:lnSpc>
-              <a:spcBef>
-                <a:spcPts val="0"/>
-              </a:spcBef>
-              <a:spcAft>
-                <a:spcPts val="0"/>
-              </a:spcAft>
-              <a:buClrTx/>
-              <a:buSzTx/>
-              <a:buFontTx/>
-              <a:buAutoNum type="arabicPeriod" startAt="2"/>
-              <a:tabLst/>
-              <a:defRPr/>
-            </a:pPr>
-            <a:r>
-              <a:rPr lang="en-US" altLang="zh-TW" dirty="0"/>
-              <a:t>1. ADC CLK </a:t>
-            </a:r>
-            <a:r>
-              <a:rPr lang="zh-TW" altLang="en-US" dirty="0"/>
-              <a:t>利用該</a:t>
-            </a:r>
-            <a:r>
-              <a:rPr lang="en-US" altLang="zh-TW" dirty="0"/>
-              <a:t>Port </a:t>
-            </a:r>
-            <a:r>
-              <a:rPr lang="zh-TW" altLang="en-US" dirty="0"/>
-              <a:t>會損失</a:t>
-            </a:r>
-            <a:r>
-              <a:rPr lang="en-US" altLang="zh-TW" dirty="0"/>
-              <a:t>LSB information</a:t>
-            </a:r>
-          </a:p>
-          <a:p>
-            <a:pPr marL="228600" indent="-228600" algn="l">
-              <a:buAutoNum type="arabicPeriod" startAt="2"/>
-            </a:pPr>
+            <a:r>
+              <a:rPr lang="zh-TW" altLang="en-US" dirty="0"/>
+              <a:t>講述</a:t>
+            </a:r>
+            <a:r>
+              <a:rPr lang="en-US" altLang="zh-TW" dirty="0"/>
+              <a:t>LA</a:t>
+            </a:r>
+            <a:r>
+              <a:rPr lang="zh-TW" altLang="en-US" dirty="0"/>
+              <a:t>的儲存方式</a:t>
+            </a:r>
             <a:endParaRPr lang="en-US" altLang="zh-TW" dirty="0"/>
           </a:p>
           <a:p>
             <a:pPr marL="228600" indent="-228600">
               <a:buAutoNum type="arabicPeriod"/>
             </a:pPr>
-            <a:endParaRPr lang="zh-TW" altLang="en-US" dirty="0"/>
+            <a:r>
+              <a:rPr lang="en-US" altLang="zh-TW" dirty="0"/>
+              <a:t>LA </a:t>
+            </a:r>
+            <a:r>
+              <a:rPr lang="zh-TW" altLang="en-US" dirty="0"/>
+              <a:t>的 </a:t>
+            </a:r>
+            <a:r>
+              <a:rPr lang="en-US" altLang="zh-TW" dirty="0" err="1"/>
+              <a:t>SampleRate</a:t>
+            </a:r>
+            <a:r>
+              <a:rPr lang="en-US" altLang="zh-TW" dirty="0"/>
+              <a:t> </a:t>
+            </a:r>
+            <a:r>
+              <a:rPr lang="zh-TW" altLang="en-US" dirty="0"/>
+              <a:t>最高可以到</a:t>
+            </a:r>
+            <a:r>
+              <a:rPr lang="en-US" altLang="zh-TW" dirty="0"/>
+              <a:t>500MHZ</a:t>
+            </a:r>
+          </a:p>
+          <a:p>
+            <a:pPr marL="228600" indent="-228600">
+              <a:buAutoNum type="arabicPeriod"/>
+            </a:pPr>
+            <a:r>
+              <a:rPr lang="zh-TW" altLang="en-US" dirty="0"/>
+              <a:t>當儲存成</a:t>
+            </a:r>
+            <a:r>
+              <a:rPr lang="en-US" altLang="zh-TW" dirty="0"/>
+              <a:t>csv</a:t>
+            </a:r>
+            <a:r>
+              <a:rPr lang="zh-TW" altLang="en-US" dirty="0"/>
+              <a:t>檔時，指針對數值變化的時間點儲存</a:t>
+            </a:r>
           </a:p>
         </p:txBody>
       </p:sp>
@@ -3266,7 +3751,7 @@
           <a:p>
             <a:fld id="{0116F853-F7F2-4239-A629-A213C1D67574}" type="slidenum">
               <a:rPr lang="zh-TW" altLang="en-US" smtClean="0"/>
-              <a:t>18</a:t>
+              <a:t>17</a:t>
             </a:fld>
             <a:endParaRPr lang="zh-TW" altLang="en-US"/>
           </a:p>
@@ -3275,7 +3760,7 @@
     </p:spTree>
     <p:extLst>
       <p:ext uri="{BB962C8B-B14F-4D97-AF65-F5344CB8AC3E}">
-        <p14:creationId xmlns:p14="http://schemas.microsoft.com/office/powerpoint/2010/main" val="1746073952"/>
+        <p14:creationId xmlns:p14="http://schemas.microsoft.com/office/powerpoint/2010/main" val="2752075676"/>
       </p:ext>
     </p:extLst>
   </p:cSld>
@@ -3432,7 +3917,7 @@
           <a:p>
             <a:fld id="{8A9F4CB5-1750-4E23-A13C-2C1F028F9724}" type="datetimeFigureOut">
               <a:rPr lang="zh-TW" altLang="en-US" smtClean="0"/>
-              <a:t>2023/2/3</a:t>
+              <a:t>2023/2/4</a:t>
             </a:fld>
             <a:endParaRPr lang="zh-TW" altLang="en-US"/>
           </a:p>
@@ -3630,7 +4115,7 @@
           <a:p>
             <a:fld id="{8A9F4CB5-1750-4E23-A13C-2C1F028F9724}" type="datetimeFigureOut">
               <a:rPr lang="zh-TW" altLang="en-US" smtClean="0"/>
-              <a:t>2023/2/3</a:t>
+              <a:t>2023/2/4</a:t>
             </a:fld>
             <a:endParaRPr lang="zh-TW" altLang="en-US"/>
           </a:p>
@@ -3838,7 +4323,7 @@
           <a:p>
             <a:fld id="{8A9F4CB5-1750-4E23-A13C-2C1F028F9724}" type="datetimeFigureOut">
               <a:rPr lang="zh-TW" altLang="en-US" smtClean="0"/>
-              <a:t>2023/2/3</a:t>
+              <a:t>2023/2/4</a:t>
             </a:fld>
             <a:endParaRPr lang="zh-TW" altLang="en-US"/>
           </a:p>
@@ -4036,7 +4521,7 @@
           <a:p>
             <a:fld id="{8A9F4CB5-1750-4E23-A13C-2C1F028F9724}" type="datetimeFigureOut">
               <a:rPr lang="zh-TW" altLang="en-US" smtClean="0"/>
-              <a:t>2023/2/3</a:t>
+              <a:t>2023/2/4</a:t>
             </a:fld>
             <a:endParaRPr lang="zh-TW" altLang="en-US"/>
           </a:p>
@@ -4311,7 +4796,7 @@
           <a:p>
             <a:fld id="{8A9F4CB5-1750-4E23-A13C-2C1F028F9724}" type="datetimeFigureOut">
               <a:rPr lang="zh-TW" altLang="en-US" smtClean="0"/>
-              <a:t>2023/2/3</a:t>
+              <a:t>2023/2/4</a:t>
             </a:fld>
             <a:endParaRPr lang="zh-TW" altLang="en-US"/>
           </a:p>
@@ -4576,7 +5061,7 @@
           <a:p>
             <a:fld id="{8A9F4CB5-1750-4E23-A13C-2C1F028F9724}" type="datetimeFigureOut">
               <a:rPr lang="zh-TW" altLang="en-US" smtClean="0"/>
-              <a:t>2023/2/3</a:t>
+              <a:t>2023/2/4</a:t>
             </a:fld>
             <a:endParaRPr lang="zh-TW" altLang="en-US"/>
           </a:p>
@@ -4988,7 +5473,7 @@
           <a:p>
             <a:fld id="{8A9F4CB5-1750-4E23-A13C-2C1F028F9724}" type="datetimeFigureOut">
               <a:rPr lang="zh-TW" altLang="en-US" smtClean="0"/>
-              <a:t>2023/2/3</a:t>
+              <a:t>2023/2/4</a:t>
             </a:fld>
             <a:endParaRPr lang="zh-TW" altLang="en-US"/>
           </a:p>
@@ -5129,7 +5614,7 @@
           <a:p>
             <a:fld id="{8A9F4CB5-1750-4E23-A13C-2C1F028F9724}" type="datetimeFigureOut">
               <a:rPr lang="zh-TW" altLang="en-US" smtClean="0"/>
-              <a:t>2023/2/3</a:t>
+              <a:t>2023/2/4</a:t>
             </a:fld>
             <a:endParaRPr lang="zh-TW" altLang="en-US"/>
           </a:p>
@@ -5242,7 +5727,7 @@
           <a:p>
             <a:fld id="{8A9F4CB5-1750-4E23-A13C-2C1F028F9724}" type="datetimeFigureOut">
               <a:rPr lang="zh-TW" altLang="en-US" smtClean="0"/>
-              <a:t>2023/2/3</a:t>
+              <a:t>2023/2/4</a:t>
             </a:fld>
             <a:endParaRPr lang="zh-TW" altLang="en-US"/>
           </a:p>
@@ -5553,7 +6038,7 @@
           <a:p>
             <a:fld id="{8A9F4CB5-1750-4E23-A13C-2C1F028F9724}" type="datetimeFigureOut">
               <a:rPr lang="zh-TW" altLang="en-US" smtClean="0"/>
-              <a:t>2023/2/3</a:t>
+              <a:t>2023/2/4</a:t>
             </a:fld>
             <a:endParaRPr lang="zh-TW" altLang="en-US"/>
           </a:p>
@@ -5841,7 +6326,7 @@
           <a:p>
             <a:fld id="{8A9F4CB5-1750-4E23-A13C-2C1F028F9724}" type="datetimeFigureOut">
               <a:rPr lang="zh-TW" altLang="en-US" smtClean="0"/>
-              <a:t>2023/2/3</a:t>
+              <a:t>2023/2/4</a:t>
             </a:fld>
             <a:endParaRPr lang="zh-TW" altLang="en-US"/>
           </a:p>
@@ -6082,7 +6567,7 @@
           <a:p>
             <a:fld id="{8A9F4CB5-1750-4E23-A13C-2C1F028F9724}" type="datetimeFigureOut">
               <a:rPr lang="zh-TW" altLang="en-US" smtClean="0"/>
-              <a:t>2023/2/3</a:t>
+              <a:t>2023/2/4</a:t>
             </a:fld>
             <a:endParaRPr lang="zh-TW" altLang="en-US"/>
           </a:p>
@@ -8763,7 +9248,7 @@
           <p:nvPr/>
         </p:nvPicPr>
         <p:blipFill>
-          <a:blip r:embed="rId2">
+          <a:blip r:embed="rId3">
             <a:extLst>
               <a:ext uri="{28A0092B-C50C-407E-A947-70E740481C1C}">
                 <a14:useLocalDpi xmlns:a14="http://schemas.microsoft.com/office/drawing/2010/main" val="0"/>
@@ -8784,6 +9269,54 @@
           </a:prstGeom>
         </p:spPr>
       </p:pic>
+      <p:sp>
+        <p:nvSpPr>
+          <p:cNvPr id="4" name="文字方塊 3">
+            <a:extLst>
+              <a:ext uri="{FF2B5EF4-FFF2-40B4-BE49-F238E27FC236}">
+                <a16:creationId xmlns:a16="http://schemas.microsoft.com/office/drawing/2014/main" id="{B0F52082-0664-0566-9386-69815B5E7897}"/>
+              </a:ext>
+            </a:extLst>
+          </p:cNvPr>
+          <p:cNvSpPr txBox="1"/>
+          <p:nvPr/>
+        </p:nvSpPr>
+        <p:spPr>
+          <a:xfrm>
+            <a:off x="6901543" y="6377459"/>
+            <a:ext cx="5211096" cy="230832"/>
+          </a:xfrm>
+          <a:prstGeom prst="rect">
+            <a:avLst/>
+          </a:prstGeom>
+          <a:noFill/>
+        </p:spPr>
+        <p:txBody>
+          <a:bodyPr wrap="square" rtlCol="0">
+            <a:spAutoFit/>
+          </a:bodyPr>
+          <a:lstStyle/>
+          <a:p>
+            <a:r>
+              <a:rPr lang="zh-TW" altLang="en-US" sz="900" dirty="0"/>
+              <a:t>附上圖片網址 </a:t>
+            </a:r>
+            <a:r>
+              <a:rPr lang="en-US" altLang="zh-TW" sz="900" dirty="0"/>
+              <a:t>:</a:t>
+            </a:r>
+            <a:r>
+              <a:rPr lang="zh-TW" altLang="en-US" sz="900" dirty="0"/>
+              <a:t> </a:t>
+            </a:r>
+            <a:r>
+              <a:rPr lang="en-US" altLang="zh-TW" sz="900" dirty="0"/>
+              <a:t>https://www.digikey.tw/zh/articles/analog-basics-part-1-sar-analog-to-digital-converters</a:t>
+            </a:r>
+            <a:endParaRPr lang="zh-TW" altLang="en-US" sz="900" dirty="0"/>
+          </a:p>
+        </p:txBody>
+      </p:sp>
     </p:spTree>
     <p:extLst>
       <p:ext uri="{BB962C8B-B14F-4D97-AF65-F5344CB8AC3E}">
@@ -16598,8 +17131,8 @@
         </p:nvCxnSpPr>
         <p:spPr>
           <a:xfrm>
-            <a:off x="5865786" y="2410083"/>
-            <a:ext cx="527278" cy="0"/>
+            <a:off x="5643716" y="2402385"/>
+            <a:ext cx="759709" cy="0"/>
           </a:xfrm>
           <a:prstGeom prst="line">
             <a:avLst/>
@@ -16636,46 +17169,8 @@
         </p:nvCxnSpPr>
         <p:spPr>
           <a:xfrm flipV="1">
-            <a:off x="5658872" y="2402385"/>
-            <a:ext cx="217275" cy="467845"/>
-          </a:xfrm>
-          <a:prstGeom prst="line">
-            <a:avLst/>
-          </a:prstGeom>
-        </p:spPr>
-        <p:style>
-          <a:lnRef idx="1">
-            <a:schemeClr val="accent1"/>
-          </a:lnRef>
-          <a:fillRef idx="0">
-            <a:schemeClr val="accent1"/>
-          </a:fillRef>
-          <a:effectRef idx="0">
-            <a:schemeClr val="accent1"/>
-          </a:effectRef>
-          <a:fontRef idx="minor">
-            <a:schemeClr val="tx1"/>
-          </a:fontRef>
-        </p:style>
-      </p:cxnSp>
-      <p:cxnSp>
-        <p:nvCxnSpPr>
-          <p:cNvPr id="43" name="直線接點 42">
-            <a:extLst>
-              <a:ext uri="{FF2B5EF4-FFF2-40B4-BE49-F238E27FC236}">
-                <a16:creationId xmlns:a16="http://schemas.microsoft.com/office/drawing/2014/main" id="{1C8D913C-1216-D04E-F801-CAD76536B8B4}"/>
-              </a:ext>
-            </a:extLst>
-          </p:cNvPr>
-          <p:cNvCxnSpPr>
-            <a:cxnSpLocks/>
-          </p:cNvCxnSpPr>
-          <p:nvPr/>
-        </p:nvCxnSpPr>
-        <p:spPr>
-          <a:xfrm>
-            <a:off x="5131594" y="2878905"/>
-            <a:ext cx="527278" cy="0"/>
+            <a:off x="5865786" y="2402385"/>
+            <a:ext cx="10361" cy="476520"/>
           </a:xfrm>
           <a:prstGeom prst="line">
             <a:avLst/>
@@ -17230,6 +17725,82 @@
           </a:p>
         </p:txBody>
       </p:sp>
+      <p:cxnSp>
+        <p:nvCxnSpPr>
+          <p:cNvPr id="14" name="直線接點 13">
+            <a:extLst>
+              <a:ext uri="{FF2B5EF4-FFF2-40B4-BE49-F238E27FC236}">
+                <a16:creationId xmlns:a16="http://schemas.microsoft.com/office/drawing/2014/main" id="{F8139C0E-9B93-C435-28F2-354FDF69768A}"/>
+              </a:ext>
+            </a:extLst>
+          </p:cNvPr>
+          <p:cNvCxnSpPr>
+            <a:cxnSpLocks/>
+          </p:cNvCxnSpPr>
+          <p:nvPr/>
+        </p:nvCxnSpPr>
+        <p:spPr>
+          <a:xfrm>
+            <a:off x="5131594" y="2878905"/>
+            <a:ext cx="759709" cy="0"/>
+          </a:xfrm>
+          <a:prstGeom prst="line">
+            <a:avLst/>
+          </a:prstGeom>
+        </p:spPr>
+        <p:style>
+          <a:lnRef idx="1">
+            <a:schemeClr val="accent1"/>
+          </a:lnRef>
+          <a:fillRef idx="0">
+            <a:schemeClr val="accent1"/>
+          </a:fillRef>
+          <a:effectRef idx="0">
+            <a:schemeClr val="accent1"/>
+          </a:effectRef>
+          <a:fontRef idx="minor">
+            <a:schemeClr val="tx1"/>
+          </a:fontRef>
+        </p:style>
+      </p:cxnSp>
+      <p:cxnSp>
+        <p:nvCxnSpPr>
+          <p:cNvPr id="15" name="直線接點 14">
+            <a:extLst>
+              <a:ext uri="{FF2B5EF4-FFF2-40B4-BE49-F238E27FC236}">
+                <a16:creationId xmlns:a16="http://schemas.microsoft.com/office/drawing/2014/main" id="{168B1D4E-4D51-4587-3123-0A9C8EF73BF0}"/>
+              </a:ext>
+            </a:extLst>
+          </p:cNvPr>
+          <p:cNvCxnSpPr>
+            <a:cxnSpLocks/>
+          </p:cNvCxnSpPr>
+          <p:nvPr/>
+        </p:nvCxnSpPr>
+        <p:spPr>
+          <a:xfrm flipV="1">
+            <a:off x="5643716" y="2387180"/>
+            <a:ext cx="10361" cy="476520"/>
+          </a:xfrm>
+          <a:prstGeom prst="line">
+            <a:avLst/>
+          </a:prstGeom>
+        </p:spPr>
+        <p:style>
+          <a:lnRef idx="1">
+            <a:schemeClr val="accent1"/>
+          </a:lnRef>
+          <a:fillRef idx="0">
+            <a:schemeClr val="accent1"/>
+          </a:fillRef>
+          <a:effectRef idx="0">
+            <a:schemeClr val="accent1"/>
+          </a:effectRef>
+          <a:fontRef idx="minor">
+            <a:schemeClr val="tx1"/>
+          </a:fontRef>
+        </p:style>
+      </p:cxnSp>
     </p:spTree>
     <p:extLst>
       <p:ext uri="{BB962C8B-B14F-4D97-AF65-F5344CB8AC3E}">
@@ -18552,6 +19123,33 @@
               <a:rPr lang="en-US" altLang="zh-TW" dirty="0"/>
               <a:t> Digital </a:t>
             </a:r>
+          </a:p>
+          <a:p>
+            <a:pPr marL="514350" indent="-514350">
+              <a:buAutoNum type="arabicPeriod"/>
+            </a:pPr>
+            <a:endParaRPr lang="en-US" altLang="zh-TW" dirty="0"/>
+          </a:p>
+          <a:p>
+            <a:pPr marL="514350" indent="-514350">
+              <a:buAutoNum type="arabicPeriod"/>
+            </a:pPr>
+            <a:r>
+              <a:rPr lang="zh-TW" altLang="en-US" dirty="0"/>
+              <a:t>用處 </a:t>
+            </a:r>
+            <a:r>
+              <a:rPr lang="en-US" altLang="zh-TW" dirty="0"/>
+              <a:t>:</a:t>
+            </a:r>
+            <a:r>
+              <a:rPr lang="zh-TW" altLang="en-US" dirty="0"/>
+              <a:t> </a:t>
+            </a:r>
+            <a:r>
+              <a:rPr lang="en-US" altLang="zh-TW" dirty="0"/>
+              <a:t>T5 Tube</a:t>
+            </a:r>
             <a:endParaRPr lang="zh-TW" altLang="en-US" dirty="0"/>
           </a:p>
         </p:txBody>
@@ -18624,8 +19222,8 @@
           </a:p>
         </p:txBody>
       </p:sp>
-      <mc:AlternateContent xmlns:mc="http://schemas.openxmlformats.org/markup-compatibility/2006" xmlns:a14="http://schemas.microsoft.com/office/drawing/2010/main">
-        <mc:Choice Requires="a14">
+      <mc:AlternateContent xmlns:mc="http://schemas.openxmlformats.org/markup-compatibility/2006">
+        <mc:Choice xmlns:a14="http://schemas.microsoft.com/office/drawing/2010/main" Requires="a14">
           <p:sp>
             <p:nvSpPr>
               <p:cNvPr id="3" name="內容版面配置區 2">
@@ -18652,7 +19250,7 @@
                 </a:pPr>
                 <a:r>
                   <a:rPr lang="en-US" altLang="zh-TW" dirty="0"/>
-                  <a:t>First Difference :</a:t>
+                  <a:t>Difference :</a:t>
                 </a:r>
               </a:p>
               <a:p>
@@ -18760,7 +19358,7 @@
             </p:txBody>
           </p:sp>
         </mc:Choice>
-        <mc:Fallback xmlns="">
+        <mc:Fallback>
           <p:sp>
             <p:nvSpPr>
               <p:cNvPr id="3" name="內容版面配置區 2">
@@ -19161,7 +19759,7 @@
         </p:nvSpPr>
         <p:spPr>
           <a:xfrm>
-            <a:off x="3878443" y="4631524"/>
+            <a:off x="3681798" y="4455165"/>
             <a:ext cx="5835444" cy="369332"/>
           </a:xfrm>
           <a:prstGeom prst="rect">
@@ -19177,11 +19775,19 @@
           <a:p>
             <a:r>
               <a:rPr lang="zh-TW" altLang="en-US" dirty="0"/>
-              <a:t>畫圖來表示，並請搭配</a:t>
+              <a:t>圖來表示，並請搭配</a:t>
             </a:r>
             <a:r>
               <a:rPr lang="en-US" altLang="zh-TW" dirty="0"/>
               <a:t>Sample Rate</a:t>
+            </a:r>
+            <a:r>
+              <a:rPr lang="zh-TW" altLang="en-US" dirty="0"/>
+              <a:t>，</a:t>
+            </a:r>
+            <a:r>
+              <a:rPr lang="en-US" altLang="zh-TW" dirty="0"/>
+              <a:t>Linear Phase </a:t>
             </a:r>
             <a:endParaRPr lang="zh-TW" altLang="en-US" dirty="0"/>
           </a:p>
@@ -19219,13 +19825,7 @@
       </p:grpSpPr>
       <p:sp>
         <p:nvSpPr>
-          <p:cNvPr id="2" name="標題 1">
-            <a:extLst>
-              <a:ext uri="{FF2B5EF4-FFF2-40B4-BE49-F238E27FC236}">
-                <a16:creationId xmlns:a16="http://schemas.microsoft.com/office/drawing/2014/main" id="{F87106D1-6A38-7DC5-94DE-C5CC9C4A3A6D}"/>
-              </a:ext>
-            </a:extLst>
-          </p:cNvPr>
+          <p:cNvPr id="2" name="標題 1"/>
           <p:cNvSpPr>
             <a:spLocks noGrp="1"/>
           </p:cNvSpPr>
@@ -19233,23 +19833,22 @@
             <p:ph type="title"/>
           </p:nvPr>
         </p:nvSpPr>
-        <p:spPr/>
-        <p:txBody>
-          <a:bodyPr/>
+        <p:spPr>
+          <a:xfrm>
+            <a:off x="947928" y="255397"/>
+            <a:ext cx="10515600" cy="1325563"/>
+          </a:xfrm>
+        </p:spPr>
+        <p:txBody>
+          <a:bodyPr>
+            <a:normAutofit/>
+          </a:bodyPr>
           <a:lstStyle/>
           <a:p>
             <a:pPr algn="ctr"/>
             <a:r>
               <a:rPr lang="en-US" altLang="zh-TW" dirty="0"/>
-              <a:t>1</a:t>
-            </a:r>
-            <a:r>
-              <a:rPr lang="en-US" altLang="zh-TW" baseline="30000" dirty="0"/>
-              <a:t>st</a:t>
-            </a:r>
-            <a:r>
-              <a:rPr lang="en-US" altLang="zh-TW" dirty="0"/>
-              <a:t> HPF</a:t>
+              <a:t>Schmitt Circuit</a:t>
             </a:r>
             <a:endParaRPr lang="zh-TW" altLang="en-US" dirty="0"/>
           </a:p>
@@ -19257,31 +19856,111 @@
       </p:sp>
       <p:sp>
         <p:nvSpPr>
-          <p:cNvPr id="3" name="內容版面配置區 2">
-            <a:extLst>
-              <a:ext uri="{FF2B5EF4-FFF2-40B4-BE49-F238E27FC236}">
-                <a16:creationId xmlns:a16="http://schemas.microsoft.com/office/drawing/2014/main" id="{1CC4437C-1835-0D5B-4532-2D3DACA7A45C}"/>
-              </a:ext>
-            </a:extLst>
-          </p:cNvPr>
-          <p:cNvSpPr>
-            <a:spLocks noGrp="1"/>
-          </p:cNvSpPr>
-          <p:nvPr>
-            <p:ph idx="1"/>
-          </p:nvPr>
-        </p:nvSpPr>
-        <p:spPr/>
-        <p:txBody>
-          <a:bodyPr/>
-          <a:lstStyle/>
-          <a:p>
-            <a:pPr marL="0" indent="0">
-              <a:buNone/>
-            </a:pPr>
-            <a:r>
-              <a:rPr lang="zh-TW" altLang="en-US" dirty="0"/>
-              <a:t>用處 </a:t>
+          <p:cNvPr id="5" name="矩形 4">
+            <a:extLst>
+              <a:ext uri="{FF2B5EF4-FFF2-40B4-BE49-F238E27FC236}">
+                <a16:creationId xmlns:a16="http://schemas.microsoft.com/office/drawing/2014/main" id="{610D6BE4-1B34-4BCF-9FEB-60E2C7959C3C}"/>
+              </a:ext>
+            </a:extLst>
+          </p:cNvPr>
+          <p:cNvSpPr/>
+          <p:nvPr/>
+        </p:nvSpPr>
+        <p:spPr>
+          <a:xfrm>
+            <a:off x="1774825" y="1772816"/>
+            <a:ext cx="8642350" cy="738664"/>
+          </a:xfrm>
+          <a:prstGeom prst="rect">
+            <a:avLst/>
+          </a:prstGeom>
+          <a:noFill/>
+          <a:ln>
+            <a:noFill/>
+          </a:ln>
+        </p:spPr>
+        <p:txBody>
+          <a:bodyPr>
+            <a:spAutoFit/>
+          </a:bodyPr>
+          <a:lstStyle/>
+          <a:p>
+            <a:endParaRPr lang="en-US" altLang="zh-TW" sz="1400" dirty="0"/>
+          </a:p>
+          <a:p>
+            <a:endParaRPr lang="en-US" altLang="zh-TW" sz="1400" dirty="0"/>
+          </a:p>
+          <a:p>
+            <a:endParaRPr lang="en-US" altLang="zh-TW" sz="1400" dirty="0"/>
+          </a:p>
+        </p:txBody>
+      </p:sp>
+      <p:pic>
+        <p:nvPicPr>
+          <p:cNvPr id="4" name="圖片 3">
+            <a:extLst>
+              <a:ext uri="{FF2B5EF4-FFF2-40B4-BE49-F238E27FC236}">
+                <a16:creationId xmlns:a16="http://schemas.microsoft.com/office/drawing/2014/main" id="{191C003D-54DA-4629-83D3-590EE5208F39}"/>
+              </a:ext>
+            </a:extLst>
+          </p:cNvPr>
+          <p:cNvPicPr>
+            <a:picLocks noChangeAspect="1"/>
+          </p:cNvPicPr>
+          <p:nvPr/>
+        </p:nvPicPr>
+        <p:blipFill>
+          <a:blip r:embed="rId3">
+            <a:extLst>
+              <a:ext uri="{28A0092B-C50C-407E-A947-70E740481C1C}">
+                <a14:useLocalDpi xmlns:a14="http://schemas.microsoft.com/office/drawing/2010/main" val="0"/>
+              </a:ext>
+            </a:extLst>
+          </a:blip>
+          <a:srcRect/>
+          <a:stretch/>
+        </p:blipFill>
+        <p:spPr>
+          <a:xfrm>
+            <a:off x="831384" y="1988841"/>
+            <a:ext cx="10515600" cy="4751685"/>
+          </a:xfrm>
+          <a:prstGeom prst="rect">
+            <a:avLst/>
+          </a:prstGeom>
+        </p:spPr>
+      </p:pic>
+      <p:sp>
+        <p:nvSpPr>
+          <p:cNvPr id="6" name="文字方塊 5">
+            <a:extLst>
+              <a:ext uri="{FF2B5EF4-FFF2-40B4-BE49-F238E27FC236}">
+                <a16:creationId xmlns:a16="http://schemas.microsoft.com/office/drawing/2014/main" id="{8B84FB90-D9DB-4381-BBEC-CCEA2C18F138}"/>
+              </a:ext>
+            </a:extLst>
+          </p:cNvPr>
+          <p:cNvSpPr txBox="1"/>
+          <p:nvPr/>
+        </p:nvSpPr>
+        <p:spPr>
+          <a:xfrm>
+            <a:off x="207363" y="692584"/>
+            <a:ext cx="6264696" cy="1200329"/>
+          </a:xfrm>
+          <a:prstGeom prst="rect">
+            <a:avLst/>
+          </a:prstGeom>
+          <a:noFill/>
+        </p:spPr>
+        <p:txBody>
+          <a:bodyPr wrap="square" rtlCol="0">
+            <a:spAutoFit/>
+          </a:bodyPr>
+          <a:lstStyle/>
+          <a:p>
+            <a:r>
+              <a:rPr lang="zh-TW" altLang="en-US" dirty="0"/>
+              <a:t>黃色 </a:t>
             </a:r>
             <a:r>
               <a:rPr lang="en-US" altLang="zh-TW" dirty="0"/>
@@ -19289,21 +19968,51 @@
             </a:r>
             <a:r>
               <a:rPr lang="zh-TW" altLang="en-US" dirty="0"/>
+              <a:t> 原始訊號</a:t>
+            </a:r>
+            <a:endParaRPr lang="en-US" altLang="zh-TW" dirty="0"/>
+          </a:p>
+          <a:p>
+            <a:r>
+              <a:rPr lang="zh-TW" altLang="en-US" dirty="0"/>
+              <a:t>紅色 </a:t>
+            </a:r>
+            <a:r>
+              <a:rPr lang="en-US" altLang="zh-TW" dirty="0"/>
+              <a:t>:</a:t>
+            </a:r>
+            <a:r>
+              <a:rPr lang="zh-TW" altLang="en-US" dirty="0"/>
               <a:t> </a:t>
             </a:r>
+            <a:r>
+              <a:rPr lang="en-US" altLang="zh-TW" dirty="0"/>
+              <a:t>1st HPF</a:t>
+            </a:r>
+            <a:r>
+              <a:rPr lang="zh-TW" altLang="en-US" dirty="0"/>
+              <a:t>後訊號</a:t>
+            </a:r>
             <a:endParaRPr lang="en-US" altLang="zh-TW" dirty="0"/>
           </a:p>
           <a:p>
-            <a:pPr marL="0" indent="0">
-              <a:buNone/>
-            </a:pPr>
-            <a:r>
-              <a:rPr lang="zh-TW" altLang="en-US" dirty="0"/>
-              <a:t>濾掉相對低頻訊號 </a:t>
-            </a:r>
-            <a:r>
-              <a:rPr lang="en-US" altLang="zh-TW" dirty="0"/>
-              <a:t>T5</a:t>
+            <a:r>
+              <a:rPr lang="zh-TW" altLang="en-US" dirty="0"/>
+              <a:t>綠色</a:t>
+            </a:r>
+            <a:r>
+              <a:rPr lang="en-US" altLang="zh-TW" dirty="0"/>
+              <a:t>Digital Port : CMP_DOUT&lt;1&gt; ,for High Threshold</a:t>
+            </a:r>
+          </a:p>
+          <a:p>
+            <a:r>
+              <a:rPr lang="zh-TW" altLang="en-US" dirty="0"/>
+              <a:t>藍色</a:t>
+            </a:r>
+            <a:r>
+              <a:rPr lang="en-US" altLang="zh-TW" dirty="0"/>
+              <a:t>Digital Port</a:t>
             </a:r>
             <a:r>
               <a:rPr lang="zh-TW" altLang="en-US" dirty="0"/>
@@ -19311,23 +20020,19 @@
             </a:r>
             <a:r>
               <a:rPr lang="en-US" altLang="zh-TW" dirty="0"/>
-              <a:t>(</a:t>
-            </a:r>
-            <a:r>
-              <a:rPr lang="zh-TW" altLang="en-US" dirty="0"/>
-              <a:t>這裡可以解釋</a:t>
-            </a:r>
-            <a:r>
-              <a:rPr lang="en-US" altLang="zh-TW" dirty="0"/>
-              <a:t>T5 </a:t>
-            </a:r>
-            <a:r>
-              <a:rPr lang="zh-TW" altLang="en-US" dirty="0"/>
-              <a:t>以及為何波型會像</a:t>
-            </a:r>
-            <a:r>
-              <a:rPr lang="en-US" altLang="zh-TW" dirty="0"/>
-              <a:t>T5)</a:t>
+              <a:t>:</a:t>
+            </a:r>
+            <a:r>
+              <a:rPr lang="zh-TW" altLang="en-US" dirty="0"/>
+              <a:t> </a:t>
+            </a:r>
+            <a:r>
+              <a:rPr lang="en-US" altLang="zh-TW" dirty="0" err="1"/>
+              <a:t>OutPut</a:t>
+            </a:r>
+            <a:r>
+              <a:rPr lang="en-US" altLang="zh-TW" dirty="0"/>
+              <a:t>&lt;1&gt;</a:t>
             </a:r>
             <a:endParaRPr lang="zh-TW" altLang="en-US" dirty="0"/>
           </a:p>
@@ -19336,7 +20041,7 @@
     </p:spTree>
     <p:extLst>
       <p:ext uri="{BB962C8B-B14F-4D97-AF65-F5344CB8AC3E}">
-        <p14:creationId xmlns:p14="http://schemas.microsoft.com/office/powerpoint/2010/main" val="1051270182"/>
+        <p14:creationId xmlns:p14="http://schemas.microsoft.com/office/powerpoint/2010/main" val="1559203381"/>
       </p:ext>
     </p:extLst>
   </p:cSld>
@@ -19368,7 +20073,7 @@
           <p:cNvPr id="2" name="標題 1">
             <a:extLst>
               <a:ext uri="{FF2B5EF4-FFF2-40B4-BE49-F238E27FC236}">
-                <a16:creationId xmlns:a16="http://schemas.microsoft.com/office/drawing/2014/main" id="{77A82EA5-5CA2-7D42-8199-77430683873D}"/>
+                <a16:creationId xmlns:a16="http://schemas.microsoft.com/office/drawing/2014/main" id="{19E36743-25A1-BE5C-A8C2-0019D13586BB}"/>
               </a:ext>
             </a:extLst>
           </p:cNvPr>
@@ -19386,12 +20091,8 @@
           <a:p>
             <a:pPr algn="ctr"/>
             <a:r>
-              <a:rPr lang="zh-TW" altLang="en-US" dirty="0"/>
-              <a:t>補充 </a:t>
-            </a:r>
-            <a:r>
-              <a:rPr lang="en-US" altLang="zh-TW" dirty="0"/>
-              <a:t>T5</a:t>
+              <a:rPr lang="en-US" altLang="zh-TW" dirty="0"/>
+              <a:t>Schmitt Digital Code</a:t>
             </a:r>
             <a:endParaRPr lang="zh-TW" altLang="en-US" dirty="0"/>
           </a:p>
@@ -19402,7 +20103,7 @@
           <p:cNvPr id="3" name="內容版面配置區 2">
             <a:extLst>
               <a:ext uri="{FF2B5EF4-FFF2-40B4-BE49-F238E27FC236}">
-                <a16:creationId xmlns:a16="http://schemas.microsoft.com/office/drawing/2014/main" id="{7B7047CA-B0ED-0ADD-56B8-AB4F04614DDA}"/>
+                <a16:creationId xmlns:a16="http://schemas.microsoft.com/office/drawing/2014/main" id="{541FFBC3-4351-9F46-B8A7-208139BF452D}"/>
               </a:ext>
             </a:extLst>
           </p:cNvPr>
@@ -19418,14 +20119,14 @@
           <a:bodyPr/>
           <a:lstStyle/>
           <a:p>
-            <a:endParaRPr lang="zh-TW" altLang="en-US"/>
+            <a:endParaRPr lang="zh-TW" altLang="en-US" dirty="0"/>
           </a:p>
         </p:txBody>
       </p:sp>
     </p:spTree>
     <p:extLst>
       <p:ext uri="{BB962C8B-B14F-4D97-AF65-F5344CB8AC3E}">
-        <p14:creationId xmlns:p14="http://schemas.microsoft.com/office/powerpoint/2010/main" val="3262252602"/>
+        <p14:creationId xmlns:p14="http://schemas.microsoft.com/office/powerpoint/2010/main" val="4245840055"/>
       </p:ext>
     </p:extLst>
   </p:cSld>
@@ -21239,7 +21940,7 @@
           <p:cNvPr id="2" name="標題 1">
             <a:extLst>
               <a:ext uri="{FF2B5EF4-FFF2-40B4-BE49-F238E27FC236}">
-                <a16:creationId xmlns:a16="http://schemas.microsoft.com/office/drawing/2014/main" id="{77B76CDA-2D03-836D-750B-6F0405B93A9F}"/>
+                <a16:creationId xmlns:a16="http://schemas.microsoft.com/office/drawing/2014/main" id="{41A1B36A-471A-BDE5-0D9F-F818171D72B1}"/>
               </a:ext>
             </a:extLst>
           </p:cNvPr>
@@ -21257,10 +21958,17 @@
           <a:p>
             <a:pPr algn="ctr"/>
             <a:r>
-              <a:rPr lang="en-US" altLang="zh-TW" dirty="0"/>
-              <a:t>Schmitt Digital</a:t>
-            </a:r>
-            <a:endParaRPr lang="zh-TW" altLang="en-US" dirty="0"/>
+              <a:rPr lang="zh-TW" altLang="en-US" dirty="0"/>
+              <a:t>後端</a:t>
+            </a:r>
+            <a:r>
+              <a:rPr lang="en-US" altLang="zh-TW" dirty="0"/>
+              <a:t>Decoder</a:t>
+            </a:r>
+            <a:r>
+              <a:rPr lang="zh-TW" altLang="en-US" dirty="0"/>
+              <a:t>電路</a:t>
+            </a:r>
           </a:p>
         </p:txBody>
       </p:sp>
@@ -21269,7 +21977,7 @@
           <p:cNvPr id="3" name="內容版面配置區 2">
             <a:extLst>
               <a:ext uri="{FF2B5EF4-FFF2-40B4-BE49-F238E27FC236}">
-                <a16:creationId xmlns:a16="http://schemas.microsoft.com/office/drawing/2014/main" id="{539F7440-3ABC-79D7-D088-A074EF678298}"/>
+                <a16:creationId xmlns:a16="http://schemas.microsoft.com/office/drawing/2014/main" id="{AEB419E4-8661-C0C0-63D0-CF90B8FED2EC}"/>
               </a:ext>
             </a:extLst>
           </p:cNvPr>
@@ -21289,30 +21997,61 @@
               <a:buNone/>
             </a:pPr>
             <a:r>
-              <a:rPr lang="zh-TW" altLang="en-US" dirty="0"/>
-              <a:t>行為</a:t>
-            </a:r>
-            <a:endParaRPr lang="en-US" altLang="zh-TW" dirty="0"/>
+              <a:rPr lang="en-US" altLang="zh-TW" dirty="0"/>
+              <a:t>Auto Correlation</a:t>
+            </a:r>
           </a:p>
           <a:p>
             <a:pPr marL="0" indent="0">
               <a:buNone/>
             </a:pPr>
-            <a:r>
-              <a:rPr lang="en-US" altLang="zh-TW" dirty="0"/>
-              <a:t>Code</a:t>
-            </a:r>
-            <a:r>
-              <a:rPr lang="zh-TW" altLang="en-US" dirty="0"/>
-              <a:t>寫法</a:t>
-            </a:r>
+            <a:endParaRPr lang="en-US" altLang="zh-TW" dirty="0"/>
+          </a:p>
+          <a:p>
+            <a:pPr marL="0" indent="0">
+              <a:buNone/>
+            </a:pPr>
+            <a:r>
+              <a:rPr lang="en-US" altLang="zh-TW" dirty="0"/>
+              <a:t>Decode</a:t>
+            </a:r>
+            <a:r>
+              <a:rPr lang="zh-TW" altLang="en-US" dirty="0"/>
+              <a:t> </a:t>
+            </a:r>
+            <a:r>
+              <a:rPr lang="en-US" altLang="zh-TW" dirty="0"/>
+              <a:t>RX1 </a:t>
+            </a:r>
+          </a:p>
+          <a:p>
+            <a:pPr marL="0" indent="0">
+              <a:buNone/>
+            </a:pPr>
+            <a:endParaRPr lang="en-US" altLang="zh-TW" dirty="0"/>
+          </a:p>
+          <a:p>
+            <a:pPr marL="0" indent="0">
+              <a:buNone/>
+            </a:pPr>
+            <a:endParaRPr lang="en-US" altLang="zh-TW" dirty="0"/>
+          </a:p>
+          <a:p>
+            <a:pPr marL="0" indent="0">
+              <a:buNone/>
+            </a:pPr>
+            <a:r>
+              <a:rPr lang="en-US" altLang="zh-TW" dirty="0"/>
+              <a:t>Decode RX0</a:t>
+            </a:r>
+            <a:endParaRPr lang="zh-TW" altLang="en-US" dirty="0"/>
           </a:p>
         </p:txBody>
       </p:sp>
     </p:spTree>
     <p:extLst>
       <p:ext uri="{BB962C8B-B14F-4D97-AF65-F5344CB8AC3E}">
-        <p14:creationId xmlns:p14="http://schemas.microsoft.com/office/powerpoint/2010/main" val="2446044506"/>
+        <p14:creationId xmlns:p14="http://schemas.microsoft.com/office/powerpoint/2010/main" val="1747056482"/>
       </p:ext>
     </p:extLst>
   </p:cSld>
@@ -21344,7 +22083,7 @@
           <p:cNvPr id="2" name="標題 1">
             <a:extLst>
               <a:ext uri="{FF2B5EF4-FFF2-40B4-BE49-F238E27FC236}">
-                <a16:creationId xmlns:a16="http://schemas.microsoft.com/office/drawing/2014/main" id="{41A1B36A-471A-BDE5-0D9F-F818171D72B1}"/>
+                <a16:creationId xmlns:a16="http://schemas.microsoft.com/office/drawing/2014/main" id="{50BB383F-54B9-1566-5039-3C13647347F8}"/>
               </a:ext>
             </a:extLst>
           </p:cNvPr>
@@ -21362,17 +22101,10 @@
           <a:p>
             <a:pPr algn="ctr"/>
             <a:r>
-              <a:rPr lang="zh-TW" altLang="en-US" dirty="0"/>
-              <a:t>後端</a:t>
-            </a:r>
-            <a:r>
-              <a:rPr lang="en-US" altLang="zh-TW" dirty="0"/>
-              <a:t>Decoder</a:t>
-            </a:r>
-            <a:r>
-              <a:rPr lang="zh-TW" altLang="en-US" dirty="0"/>
-              <a:t>電路</a:t>
-            </a:r>
+              <a:rPr lang="en-US" altLang="zh-TW" dirty="0" err="1"/>
+              <a:t>AutoCorrelation</a:t>
+            </a:r>
+            <a:endParaRPr lang="zh-TW" altLang="en-US" dirty="0"/>
           </a:p>
         </p:txBody>
       </p:sp>
@@ -21381,7 +22113,7 @@
           <p:cNvPr id="3" name="內容版面配置區 2">
             <a:extLst>
               <a:ext uri="{FF2B5EF4-FFF2-40B4-BE49-F238E27FC236}">
-                <a16:creationId xmlns:a16="http://schemas.microsoft.com/office/drawing/2014/main" id="{AEB419E4-8661-C0C0-63D0-CF90B8FED2EC}"/>
+                <a16:creationId xmlns:a16="http://schemas.microsoft.com/office/drawing/2014/main" id="{2596C747-6CF3-CCCC-4223-2CFCEABA8BA0}"/>
               </a:ext>
             </a:extLst>
           </p:cNvPr>
@@ -21397,65 +22129,66 @@
           <a:bodyPr/>
           <a:lstStyle/>
           <a:p>
-            <a:pPr marL="0" indent="0">
-              <a:buNone/>
+            <a:pPr marL="514350" indent="-514350">
+              <a:buAutoNum type="arabicPeriod"/>
             </a:pPr>
             <a:r>
-              <a:rPr lang="en-US" altLang="zh-TW" dirty="0"/>
-              <a:t>Auto Correlation</a:t>
-            </a:r>
-          </a:p>
-          <a:p>
-            <a:pPr marL="0" indent="0">
-              <a:buNone/>
+              <a:rPr lang="zh-TW" altLang="en-US" dirty="0"/>
+              <a:t>能推倒出</a:t>
+            </a:r>
+            <a:r>
+              <a:rPr lang="en-US" altLang="zh-TW" dirty="0" err="1"/>
+              <a:t>Convolation</a:t>
+            </a:r>
+            <a:r>
+              <a:rPr lang="en-US" altLang="zh-TW" dirty="0"/>
+              <a:t> Property for LTI system</a:t>
+            </a:r>
+          </a:p>
+          <a:p>
+            <a:pPr marL="514350" indent="-514350">
+              <a:buAutoNum type="arabicPeriod"/>
             </a:pPr>
             <a:endParaRPr lang="en-US" altLang="zh-TW" dirty="0"/>
           </a:p>
           <a:p>
-            <a:pPr marL="0" indent="0">
-              <a:buNone/>
+            <a:pPr marL="514350" indent="-514350">
+              <a:buAutoNum type="arabicPeriod"/>
             </a:pPr>
             <a:r>
-              <a:rPr lang="en-US" altLang="zh-TW" dirty="0"/>
-              <a:t>Decode</a:t>
-            </a:r>
-            <a:r>
-              <a:rPr lang="zh-TW" altLang="en-US" dirty="0"/>
-              <a:t> </a:t>
-            </a:r>
-            <a:r>
-              <a:rPr lang="en-US" altLang="zh-TW" dirty="0"/>
-              <a:t>RX1 </a:t>
-            </a:r>
-          </a:p>
-          <a:p>
-            <a:pPr marL="0" indent="0">
-              <a:buNone/>
+              <a:rPr lang="en-US" altLang="zh-TW" dirty="0" err="1"/>
+              <a:t>AutoCorreltion</a:t>
+            </a:r>
+            <a:r>
+              <a:rPr lang="zh-TW" altLang="en-US" dirty="0"/>
+              <a:t> 用處到底是</a:t>
+            </a:r>
+            <a:r>
+              <a:rPr lang="en-US" altLang="zh-TW" dirty="0"/>
+              <a:t>?</a:t>
+            </a:r>
+          </a:p>
+          <a:p>
+            <a:pPr marL="514350" indent="-514350">
+              <a:buAutoNum type="arabicPeriod"/>
             </a:pPr>
             <a:endParaRPr lang="en-US" altLang="zh-TW" dirty="0"/>
           </a:p>
           <a:p>
-            <a:pPr marL="0" indent="0">
-              <a:buNone/>
+            <a:pPr marL="514350" indent="-514350">
+              <a:buAutoNum type="arabicPeriod"/>
             </a:pPr>
-            <a:endParaRPr lang="en-US" altLang="zh-TW" dirty="0"/>
-          </a:p>
-          <a:p>
-            <a:pPr marL="0" indent="0">
-              <a:buNone/>
-            </a:pPr>
-            <a:r>
-              <a:rPr lang="en-US" altLang="zh-TW" dirty="0"/>
-              <a:t>Decode RX0</a:t>
-            </a:r>
-            <a:endParaRPr lang="zh-TW" altLang="en-US" dirty="0"/>
+            <a:r>
+              <a:rPr lang="zh-TW" altLang="en-US" dirty="0"/>
+              <a:t>訊號上的分析</a:t>
+            </a:r>
           </a:p>
         </p:txBody>
       </p:sp>
     </p:spTree>
     <p:extLst>
       <p:ext uri="{BB962C8B-B14F-4D97-AF65-F5344CB8AC3E}">
-        <p14:creationId xmlns:p14="http://schemas.microsoft.com/office/powerpoint/2010/main" val="1747056482"/>
+        <p14:creationId xmlns:p14="http://schemas.microsoft.com/office/powerpoint/2010/main" val="1802279474"/>
       </p:ext>
     </p:extLst>
   </p:cSld>
@@ -21487,143 +22220,6 @@
           <p:cNvPr id="2" name="標題 1">
             <a:extLst>
               <a:ext uri="{FF2B5EF4-FFF2-40B4-BE49-F238E27FC236}">
-                <a16:creationId xmlns:a16="http://schemas.microsoft.com/office/drawing/2014/main" id="{50BB383F-54B9-1566-5039-3C13647347F8}"/>
-              </a:ext>
-            </a:extLst>
-          </p:cNvPr>
-          <p:cNvSpPr>
-            <a:spLocks noGrp="1"/>
-          </p:cNvSpPr>
-          <p:nvPr>
-            <p:ph type="title"/>
-          </p:nvPr>
-        </p:nvSpPr>
-        <p:spPr/>
-        <p:txBody>
-          <a:bodyPr/>
-          <a:lstStyle/>
-          <a:p>
-            <a:pPr algn="ctr"/>
-            <a:r>
-              <a:rPr lang="en-US" altLang="zh-TW" dirty="0" err="1"/>
-              <a:t>AutoCorrelation</a:t>
-            </a:r>
-            <a:endParaRPr lang="zh-TW" altLang="en-US" dirty="0"/>
-          </a:p>
-        </p:txBody>
-      </p:sp>
-      <p:sp>
-        <p:nvSpPr>
-          <p:cNvPr id="3" name="內容版面配置區 2">
-            <a:extLst>
-              <a:ext uri="{FF2B5EF4-FFF2-40B4-BE49-F238E27FC236}">
-                <a16:creationId xmlns:a16="http://schemas.microsoft.com/office/drawing/2014/main" id="{2596C747-6CF3-CCCC-4223-2CFCEABA8BA0}"/>
-              </a:ext>
-            </a:extLst>
-          </p:cNvPr>
-          <p:cNvSpPr>
-            <a:spLocks noGrp="1"/>
-          </p:cNvSpPr>
-          <p:nvPr>
-            <p:ph idx="1"/>
-          </p:nvPr>
-        </p:nvSpPr>
-        <p:spPr/>
-        <p:txBody>
-          <a:bodyPr/>
-          <a:lstStyle/>
-          <a:p>
-            <a:pPr marL="514350" indent="-514350">
-              <a:buAutoNum type="arabicPeriod"/>
-            </a:pPr>
-            <a:r>
-              <a:rPr lang="zh-TW" altLang="en-US" dirty="0"/>
-              <a:t>能推倒出</a:t>
-            </a:r>
-            <a:r>
-              <a:rPr lang="en-US" altLang="zh-TW" dirty="0" err="1"/>
-              <a:t>Convolation</a:t>
-            </a:r>
-            <a:r>
-              <a:rPr lang="en-US" altLang="zh-TW" dirty="0"/>
-              <a:t> Property for LTI system</a:t>
-            </a:r>
-          </a:p>
-          <a:p>
-            <a:pPr marL="514350" indent="-514350">
-              <a:buAutoNum type="arabicPeriod"/>
-            </a:pPr>
-            <a:endParaRPr lang="en-US" altLang="zh-TW" dirty="0"/>
-          </a:p>
-          <a:p>
-            <a:pPr marL="514350" indent="-514350">
-              <a:buAutoNum type="arabicPeriod"/>
-            </a:pPr>
-            <a:r>
-              <a:rPr lang="en-US" altLang="zh-TW" dirty="0" err="1"/>
-              <a:t>AutoCorreltion</a:t>
-            </a:r>
-            <a:r>
-              <a:rPr lang="zh-TW" altLang="en-US" dirty="0"/>
-              <a:t> 用處到底是</a:t>
-            </a:r>
-            <a:r>
-              <a:rPr lang="en-US" altLang="zh-TW" dirty="0"/>
-              <a:t>?</a:t>
-            </a:r>
-          </a:p>
-          <a:p>
-            <a:pPr marL="514350" indent="-514350">
-              <a:buAutoNum type="arabicPeriod"/>
-            </a:pPr>
-            <a:endParaRPr lang="en-US" altLang="zh-TW" dirty="0"/>
-          </a:p>
-          <a:p>
-            <a:pPr marL="514350" indent="-514350">
-              <a:buAutoNum type="arabicPeriod"/>
-            </a:pPr>
-            <a:r>
-              <a:rPr lang="zh-TW" altLang="en-US" dirty="0"/>
-              <a:t>訊號上的分析</a:t>
-            </a:r>
-          </a:p>
-        </p:txBody>
-      </p:sp>
-    </p:spTree>
-    <p:extLst>
-      <p:ext uri="{BB962C8B-B14F-4D97-AF65-F5344CB8AC3E}">
-        <p14:creationId xmlns:p14="http://schemas.microsoft.com/office/powerpoint/2010/main" val="1802279474"/>
-      </p:ext>
-    </p:extLst>
-  </p:cSld>
-  <p:clrMapOvr>
-    <a:masterClrMapping/>
-  </p:clrMapOvr>
-</p:sld>
-</file>
-
-<file path=ppt/slides/slide46.xml><?xml version="1.0" encoding="utf-8"?>
-<p:sld xmlns:a="http://schemas.openxmlformats.org/drawingml/2006/main" xmlns:r="http://schemas.openxmlformats.org/officeDocument/2006/relationships" xmlns:p="http://schemas.openxmlformats.org/presentationml/2006/main">
-  <p:cSld>
-    <p:spTree>
-      <p:nvGrpSpPr>
-        <p:cNvPr id="1" name=""/>
-        <p:cNvGrpSpPr/>
-        <p:nvPr/>
-      </p:nvGrpSpPr>
-      <p:grpSpPr>
-        <a:xfrm>
-          <a:off x="0" y="0"/>
-          <a:ext cx="0" cy="0"/>
-          <a:chOff x="0" y="0"/>
-          <a:chExt cx="0" cy="0"/>
-        </a:xfrm>
-      </p:grpSpPr>
-      <p:sp>
-        <p:nvSpPr>
-          <p:cNvPr id="2" name="標題 1">
-            <a:extLst>
-              <a:ext uri="{FF2B5EF4-FFF2-40B4-BE49-F238E27FC236}">
                 <a16:creationId xmlns:a16="http://schemas.microsoft.com/office/drawing/2014/main" id="{042F1310-2BFC-3D20-5FCD-AB24ABF21979}"/>
               </a:ext>
             </a:extLst>
@@ -21694,7 +22290,7 @@
 </p:sld>
 </file>
 
-<file path=ppt/slides/slide47.xml><?xml version="1.0" encoding="utf-8"?>
+<file path=ppt/slides/slide46.xml><?xml version="1.0" encoding="utf-8"?>
 <p:sld xmlns:a="http://schemas.openxmlformats.org/drawingml/2006/main" xmlns:r="http://schemas.openxmlformats.org/officeDocument/2006/relationships" xmlns:p="http://schemas.openxmlformats.org/presentationml/2006/main">
   <p:cSld>
     <p:spTree>
@@ -22231,6 +22827,135 @@
 </p:sld>
 </file>
 
+<file path=ppt/slides/slide47.xml><?xml version="1.0" encoding="utf-8"?>
+<p:sld xmlns:a="http://schemas.openxmlformats.org/drawingml/2006/main" xmlns:r="http://schemas.openxmlformats.org/officeDocument/2006/relationships" xmlns:p="http://schemas.openxmlformats.org/presentationml/2006/main">
+  <p:cSld>
+    <p:spTree>
+      <p:nvGrpSpPr>
+        <p:cNvPr id="1" name=""/>
+        <p:cNvGrpSpPr/>
+        <p:nvPr/>
+      </p:nvGrpSpPr>
+      <p:grpSpPr>
+        <a:xfrm>
+          <a:off x="0" y="0"/>
+          <a:ext cx="0" cy="0"/>
+          <a:chOff x="0" y="0"/>
+          <a:chExt cx="0" cy="0"/>
+        </a:xfrm>
+      </p:grpSpPr>
+      <p:sp>
+        <p:nvSpPr>
+          <p:cNvPr id="2" name="標題 1">
+            <a:extLst>
+              <a:ext uri="{FF2B5EF4-FFF2-40B4-BE49-F238E27FC236}">
+                <a16:creationId xmlns:a16="http://schemas.microsoft.com/office/drawing/2014/main" id="{E32E6CD8-2503-30B7-A4F8-AE84BE484917}"/>
+              </a:ext>
+            </a:extLst>
+          </p:cNvPr>
+          <p:cNvSpPr>
+            <a:spLocks noGrp="1"/>
+          </p:cNvSpPr>
+          <p:nvPr>
+            <p:ph type="title"/>
+          </p:nvPr>
+        </p:nvSpPr>
+        <p:spPr/>
+        <p:txBody>
+          <a:bodyPr/>
+          <a:lstStyle/>
+          <a:p>
+            <a:pPr algn="ctr"/>
+            <a:r>
+              <a:rPr lang="en-US" altLang="zh-TW" dirty="0"/>
+              <a:t>AGC flow</a:t>
+            </a:r>
+            <a:r>
+              <a:rPr lang="zh-TW" altLang="en-US" dirty="0"/>
+              <a:t>架構過程</a:t>
+            </a:r>
+          </a:p>
+        </p:txBody>
+      </p:sp>
+      <p:sp>
+        <p:nvSpPr>
+          <p:cNvPr id="3" name="內容版面配置區 2">
+            <a:extLst>
+              <a:ext uri="{FF2B5EF4-FFF2-40B4-BE49-F238E27FC236}">
+                <a16:creationId xmlns:a16="http://schemas.microsoft.com/office/drawing/2014/main" id="{ED8640AC-FE27-0D8C-6B75-7018404197B3}"/>
+              </a:ext>
+            </a:extLst>
+          </p:cNvPr>
+          <p:cNvSpPr>
+            <a:spLocks noGrp="1"/>
+          </p:cNvSpPr>
+          <p:nvPr>
+            <p:ph idx="1"/>
+          </p:nvPr>
+        </p:nvSpPr>
+        <p:spPr/>
+        <p:txBody>
+          <a:bodyPr/>
+          <a:lstStyle/>
+          <a:p>
+            <a:pPr marL="514350" indent="-514350">
+              <a:buAutoNum type="arabicPeriod"/>
+            </a:pPr>
+            <a:r>
+              <a:rPr lang="zh-TW" altLang="en-US" dirty="0"/>
+              <a:t>前期</a:t>
+            </a:r>
+            <a:r>
+              <a:rPr lang="en-US" altLang="zh-TW" dirty="0"/>
+              <a:t>ISSUE</a:t>
+            </a:r>
+          </a:p>
+          <a:p>
+            <a:pPr marL="514350" indent="-514350">
+              <a:buAutoNum type="arabicPeriod"/>
+            </a:pPr>
+            <a:endParaRPr lang="en-US" altLang="zh-TW" dirty="0"/>
+          </a:p>
+          <a:p>
+            <a:pPr marL="514350" indent="-514350">
+              <a:buAutoNum type="arabicPeriod"/>
+            </a:pPr>
+            <a:r>
+              <a:rPr lang="zh-TW" altLang="en-US" dirty="0"/>
+              <a:t>中後期統計</a:t>
+            </a:r>
+            <a:endParaRPr lang="en-US" altLang="zh-TW" dirty="0"/>
+          </a:p>
+          <a:p>
+            <a:pPr marL="514350" indent="-514350">
+              <a:buAutoNum type="arabicPeriod"/>
+            </a:pPr>
+            <a:endParaRPr lang="en-US" altLang="zh-TW" dirty="0"/>
+          </a:p>
+          <a:p>
+            <a:pPr marL="514350" indent="-514350">
+              <a:buAutoNum type="arabicPeriod"/>
+            </a:pPr>
+            <a:r>
+              <a:rPr lang="zh-TW" altLang="en-US" dirty="0"/>
+              <a:t>後期完工</a:t>
+            </a:r>
+          </a:p>
+        </p:txBody>
+      </p:sp>
+    </p:spTree>
+    <p:extLst>
+      <p:ext uri="{BB962C8B-B14F-4D97-AF65-F5344CB8AC3E}">
+        <p14:creationId xmlns:p14="http://schemas.microsoft.com/office/powerpoint/2010/main" val="3478487214"/>
+      </p:ext>
+    </p:extLst>
+  </p:cSld>
+  <p:clrMapOvr>
+    <a:masterClrMapping/>
+  </p:clrMapOvr>
+</p:sld>
+</file>
+
 <file path=ppt/slides/slide48.xml><?xml version="1.0" encoding="utf-8"?>
 <p:sld xmlns:a="http://schemas.openxmlformats.org/drawingml/2006/main" xmlns:r="http://schemas.openxmlformats.org/officeDocument/2006/relationships" xmlns:p="http://schemas.openxmlformats.org/presentationml/2006/main">
   <p:cSld>
@@ -22253,7 +22978,7 @@
           <p:cNvPr id="2" name="標題 1">
             <a:extLst>
               <a:ext uri="{FF2B5EF4-FFF2-40B4-BE49-F238E27FC236}">
-                <a16:creationId xmlns:a16="http://schemas.microsoft.com/office/drawing/2014/main" id="{E32E6CD8-2503-30B7-A4F8-AE84BE484917}"/>
+                <a16:creationId xmlns:a16="http://schemas.microsoft.com/office/drawing/2014/main" id="{3A28C725-6131-003C-3B09-A135BB92DB74}"/>
               </a:ext>
             </a:extLst>
           </p:cNvPr>
@@ -22269,15 +22994,7 @@
           <a:bodyPr/>
           <a:lstStyle/>
           <a:p>
-            <a:pPr algn="ctr"/>
-            <a:r>
-              <a:rPr lang="en-US" altLang="zh-TW" dirty="0"/>
-              <a:t>AGC flow</a:t>
-            </a:r>
-            <a:r>
-              <a:rPr lang="zh-TW" altLang="en-US" dirty="0"/>
-              <a:t>架構過程</a:t>
-            </a:r>
+            <a:endParaRPr lang="zh-TW" altLang="en-US"/>
           </a:p>
         </p:txBody>
       </p:sp>
@@ -22286,7 +23003,7 @@
           <p:cNvPr id="3" name="內容版面配置區 2">
             <a:extLst>
               <a:ext uri="{FF2B5EF4-FFF2-40B4-BE49-F238E27FC236}">
-                <a16:creationId xmlns:a16="http://schemas.microsoft.com/office/drawing/2014/main" id="{ED8640AC-FE27-0D8C-6B75-7018404197B3}"/>
+                <a16:creationId xmlns:a16="http://schemas.microsoft.com/office/drawing/2014/main" id="{5818DC31-9BA2-F239-57B3-E888E732592C}"/>
               </a:ext>
             </a:extLst>
           </p:cNvPr>
@@ -22302,47 +23019,17 @@
           <a:bodyPr/>
           <a:lstStyle/>
           <a:p>
-            <a:pPr marL="514350" indent="-514350">
-              <a:buAutoNum type="arabicPeriod"/>
-            </a:pPr>
-            <a:r>
-              <a:rPr lang="zh-TW" altLang="en-US" dirty="0"/>
-              <a:t>前期</a:t>
-            </a:r>
-            <a:r>
-              <a:rPr lang="en-US" altLang="zh-TW" dirty="0"/>
-              <a:t>ISSUE</a:t>
-            </a:r>
-          </a:p>
-          <a:p>
-            <a:pPr marL="514350" indent="-514350">
-              <a:buAutoNum type="arabicPeriod"/>
-            </a:pPr>
-            <a:endParaRPr lang="en-US" altLang="zh-TW" dirty="0"/>
-          </a:p>
-          <a:p>
-            <a:pPr marL="514350" indent="-514350">
-              <a:buAutoNum type="arabicPeriod"/>
-            </a:pPr>
-            <a:r>
-              <a:rPr lang="zh-TW" altLang="en-US" dirty="0"/>
-              <a:t>中後期統計</a:t>
-            </a:r>
-            <a:endParaRPr lang="en-US" altLang="zh-TW" dirty="0"/>
-          </a:p>
-          <a:p>
-            <a:pPr marL="514350" indent="-514350">
-              <a:buAutoNum type="arabicPeriod"/>
-            </a:pPr>
-            <a:endParaRPr lang="en-US" altLang="zh-TW" dirty="0"/>
-          </a:p>
-          <a:p>
-            <a:pPr marL="514350" indent="-514350">
-              <a:buAutoNum type="arabicPeriod"/>
-            </a:pPr>
-            <a:r>
-              <a:rPr lang="zh-TW" altLang="en-US" dirty="0"/>
-              <a:t>後期完工</a:t>
+            <a:r>
+              <a:rPr lang="zh-TW" altLang="en-US" dirty="0"/>
+              <a:t>為何要取</a:t>
+            </a:r>
+            <a:r>
+              <a:rPr lang="en-US" altLang="zh-TW" dirty="0"/>
+              <a:t>4T</a:t>
+            </a:r>
+            <a:r>
+              <a:rPr lang="zh-TW" altLang="en-US" dirty="0"/>
+              <a:t>來做的原因</a:t>
             </a:r>
           </a:p>
         </p:txBody>
@@ -22350,7 +23037,7 @@
     </p:spTree>
     <p:extLst>
       <p:ext uri="{BB962C8B-B14F-4D97-AF65-F5344CB8AC3E}">
-        <p14:creationId xmlns:p14="http://schemas.microsoft.com/office/powerpoint/2010/main" val="3478487214"/>
+        <p14:creationId xmlns:p14="http://schemas.microsoft.com/office/powerpoint/2010/main" val="147892164"/>
       </p:ext>
     </p:extLst>
   </p:cSld>

--- a/Project_Summary_pdf/Project_Summary.pptx
+++ b/Project_Summary_pdf/Project_Summary.pptx
@@ -282,6 +282,13 @@
       </p:ext>
     </p:extLst>
   </p:cmAuthor>
+  <p:cmAuthor id="2" name="User" initials="U" lastIdx="1" clrIdx="1">
+    <p:extLst>
+      <p:ext uri="{19B8F6BF-5375-455C-9EA6-DF929625EA0E}">
+        <p15:presenceInfo xmlns:p15="http://schemas.microsoft.com/office/powerpoint/2012/main" userId="User" providerId="None"/>
+      </p:ext>
+    </p:extLst>
+  </p:cmAuthor>
 </p:cmAuthorLst>
 </file>
 
@@ -427,7 +434,7 @@
           <a:p>
             <a:fld id="{C65320F2-F42B-45F1-AA86-96F1A2E46749}" type="datetimeFigureOut">
               <a:rPr lang="zh-TW" altLang="en-US" smtClean="0"/>
-              <a:t>2023/2/4</a:t>
+              <a:t>2023/2/8</a:t>
             </a:fld>
             <a:endParaRPr lang="zh-TW" altLang="en-US"/>
           </a:p>
@@ -2511,8 +2518,109 @@
           <a:p>
             <a:r>
               <a:rPr lang="zh-TW" altLang="en-US" dirty="0"/>
-              <a:t>利用這張圖解釋</a:t>
-            </a:r>
+              <a:t>利用這</a:t>
+            </a:r>
+            <a:r>
+              <a:rPr lang="zh-TW" altLang="en-US"/>
+              <a:t>張圖以及紅色框框解釋何謂</a:t>
+            </a:r>
+            <a:r>
+              <a:rPr lang="en-US" altLang="zh-TW"/>
+              <a:t>Schmitt</a:t>
+            </a:r>
+          </a:p>
+          <a:p>
+            <a:r>
+              <a:rPr lang="zh-TW" altLang="en-US"/>
+              <a:t>解釋 </a:t>
+            </a:r>
+            <a:r>
+              <a:rPr lang="en-US" altLang="zh-TW"/>
+              <a:t>:</a:t>
+            </a:r>
+            <a:r>
+              <a:rPr lang="zh-TW" altLang="en-US"/>
+              <a:t> </a:t>
+            </a:r>
+            <a:endParaRPr lang="en-US" altLang="zh-TW"/>
+          </a:p>
+          <a:p>
+            <a:r>
+              <a:rPr lang="zh-TW" altLang="en-US"/>
+              <a:t>藍色訊號 如何利用綠色得到 </a:t>
+            </a:r>
+            <a:r>
+              <a:rPr lang="en-US" altLang="zh-TW"/>
+              <a:t>:</a:t>
+            </a:r>
+            <a:r>
+              <a:rPr lang="zh-TW" altLang="en-US"/>
+              <a:t> </a:t>
+            </a:r>
+            <a:endParaRPr lang="en-US" altLang="zh-TW"/>
+          </a:p>
+          <a:p>
+            <a:r>
+              <a:rPr lang="zh-TW" altLang="en-US"/>
+              <a:t>當訊號</a:t>
+            </a:r>
+            <a:r>
+              <a:rPr lang="en-US" altLang="zh-TW"/>
+              <a:t>Rising Edge</a:t>
+            </a:r>
+            <a:r>
+              <a:rPr lang="zh-TW" altLang="en-US"/>
+              <a:t>電壓大過</a:t>
+            </a:r>
+            <a:r>
+              <a:rPr lang="en-US" altLang="zh-TW"/>
+              <a:t>HT</a:t>
+            </a:r>
+            <a:r>
+              <a:rPr lang="zh-TW" altLang="en-US"/>
+              <a:t>時輸出為</a:t>
+            </a:r>
+            <a:r>
+              <a:rPr lang="en-US" altLang="zh-TW"/>
+              <a:t> 1, </a:t>
+            </a:r>
+            <a:r>
+              <a:rPr lang="zh-TW" altLang="en-US"/>
+              <a:t>當訊號</a:t>
+            </a:r>
+            <a:r>
+              <a:rPr lang="en-US" altLang="zh-TW"/>
+              <a:t>Rising Edge</a:t>
+            </a:r>
+            <a:r>
+              <a:rPr lang="zh-TW" altLang="en-US"/>
+              <a:t>小過</a:t>
+            </a:r>
+            <a:r>
+              <a:rPr lang="en-US" altLang="zh-TW"/>
+              <a:t>LT</a:t>
+            </a:r>
+            <a:r>
+              <a:rPr lang="zh-TW" altLang="en-US"/>
+              <a:t>時輸出為</a:t>
+            </a:r>
+            <a:r>
+              <a:rPr lang="en-US" altLang="zh-TW"/>
+              <a:t>0</a:t>
+            </a:r>
+            <a:r>
+              <a:rPr lang="zh-TW" altLang="en-US"/>
+              <a:t>，中間則根據</a:t>
+            </a:r>
+            <a:r>
+              <a:rPr lang="en-US" altLang="zh-TW"/>
+              <a:t>Lock</a:t>
+            </a:r>
+            <a:r>
+              <a:rPr lang="zh-TW" altLang="en-US"/>
+              <a:t>到的訊號決定。</a:t>
+            </a:r>
+            <a:endParaRPr lang="zh-TW" altLang="en-US" dirty="0"/>
           </a:p>
         </p:txBody>
       </p:sp>
@@ -3917,7 +4025,7 @@
           <a:p>
             <a:fld id="{8A9F4CB5-1750-4E23-A13C-2C1F028F9724}" type="datetimeFigureOut">
               <a:rPr lang="zh-TW" altLang="en-US" smtClean="0"/>
-              <a:t>2023/2/4</a:t>
+              <a:t>2023/2/8</a:t>
             </a:fld>
             <a:endParaRPr lang="zh-TW" altLang="en-US"/>
           </a:p>
@@ -4115,7 +4223,7 @@
           <a:p>
             <a:fld id="{8A9F4CB5-1750-4E23-A13C-2C1F028F9724}" type="datetimeFigureOut">
               <a:rPr lang="zh-TW" altLang="en-US" smtClean="0"/>
-              <a:t>2023/2/4</a:t>
+              <a:t>2023/2/8</a:t>
             </a:fld>
             <a:endParaRPr lang="zh-TW" altLang="en-US"/>
           </a:p>
@@ -4323,7 +4431,7 @@
           <a:p>
             <a:fld id="{8A9F4CB5-1750-4E23-A13C-2C1F028F9724}" type="datetimeFigureOut">
               <a:rPr lang="zh-TW" altLang="en-US" smtClean="0"/>
-              <a:t>2023/2/4</a:t>
+              <a:t>2023/2/8</a:t>
             </a:fld>
             <a:endParaRPr lang="zh-TW" altLang="en-US"/>
           </a:p>
@@ -4521,7 +4629,7 @@
           <a:p>
             <a:fld id="{8A9F4CB5-1750-4E23-A13C-2C1F028F9724}" type="datetimeFigureOut">
               <a:rPr lang="zh-TW" altLang="en-US" smtClean="0"/>
-              <a:t>2023/2/4</a:t>
+              <a:t>2023/2/8</a:t>
             </a:fld>
             <a:endParaRPr lang="zh-TW" altLang="en-US"/>
           </a:p>
@@ -4796,7 +4904,7 @@
           <a:p>
             <a:fld id="{8A9F4CB5-1750-4E23-A13C-2C1F028F9724}" type="datetimeFigureOut">
               <a:rPr lang="zh-TW" altLang="en-US" smtClean="0"/>
-              <a:t>2023/2/4</a:t>
+              <a:t>2023/2/8</a:t>
             </a:fld>
             <a:endParaRPr lang="zh-TW" altLang="en-US"/>
           </a:p>
@@ -5061,7 +5169,7 @@
           <a:p>
             <a:fld id="{8A9F4CB5-1750-4E23-A13C-2C1F028F9724}" type="datetimeFigureOut">
               <a:rPr lang="zh-TW" altLang="en-US" smtClean="0"/>
-              <a:t>2023/2/4</a:t>
+              <a:t>2023/2/8</a:t>
             </a:fld>
             <a:endParaRPr lang="zh-TW" altLang="en-US"/>
           </a:p>
@@ -5473,7 +5581,7 @@
           <a:p>
             <a:fld id="{8A9F4CB5-1750-4E23-A13C-2C1F028F9724}" type="datetimeFigureOut">
               <a:rPr lang="zh-TW" altLang="en-US" smtClean="0"/>
-              <a:t>2023/2/4</a:t>
+              <a:t>2023/2/8</a:t>
             </a:fld>
             <a:endParaRPr lang="zh-TW" altLang="en-US"/>
           </a:p>
@@ -5614,7 +5722,7 @@
           <a:p>
             <a:fld id="{8A9F4CB5-1750-4E23-A13C-2C1F028F9724}" type="datetimeFigureOut">
               <a:rPr lang="zh-TW" altLang="en-US" smtClean="0"/>
-              <a:t>2023/2/4</a:t>
+              <a:t>2023/2/8</a:t>
             </a:fld>
             <a:endParaRPr lang="zh-TW" altLang="en-US"/>
           </a:p>
@@ -5727,7 +5835,7 @@
           <a:p>
             <a:fld id="{8A9F4CB5-1750-4E23-A13C-2C1F028F9724}" type="datetimeFigureOut">
               <a:rPr lang="zh-TW" altLang="en-US" smtClean="0"/>
-              <a:t>2023/2/4</a:t>
+              <a:t>2023/2/8</a:t>
             </a:fld>
             <a:endParaRPr lang="zh-TW" altLang="en-US"/>
           </a:p>
@@ -6038,7 +6146,7 @@
           <a:p>
             <a:fld id="{8A9F4CB5-1750-4E23-A13C-2C1F028F9724}" type="datetimeFigureOut">
               <a:rPr lang="zh-TW" altLang="en-US" smtClean="0"/>
-              <a:t>2023/2/4</a:t>
+              <a:t>2023/2/8</a:t>
             </a:fld>
             <a:endParaRPr lang="zh-TW" altLang="en-US"/>
           </a:p>
@@ -6326,7 +6434,7 @@
           <a:p>
             <a:fld id="{8A9F4CB5-1750-4E23-A13C-2C1F028F9724}" type="datetimeFigureOut">
               <a:rPr lang="zh-TW" altLang="en-US" smtClean="0"/>
-              <a:t>2023/2/4</a:t>
+              <a:t>2023/2/8</a:t>
             </a:fld>
             <a:endParaRPr lang="zh-TW" altLang="en-US"/>
           </a:p>
@@ -6567,7 +6675,7 @@
           <a:p>
             <a:fld id="{8A9F4CB5-1750-4E23-A13C-2C1F028F9724}" type="datetimeFigureOut">
               <a:rPr lang="zh-TW" altLang="en-US" smtClean="0"/>
-              <a:t>2023/2/4</a:t>
+              <a:t>2023/2/8</a:t>
             </a:fld>
             <a:endParaRPr lang="zh-TW" altLang="en-US"/>
           </a:p>
@@ -19222,8 +19330,8 @@
           </a:p>
         </p:txBody>
       </p:sp>
-      <mc:AlternateContent xmlns:mc="http://schemas.openxmlformats.org/markup-compatibility/2006">
-        <mc:Choice xmlns:a14="http://schemas.microsoft.com/office/drawing/2010/main" Requires="a14">
+      <mc:AlternateContent xmlns:mc="http://schemas.openxmlformats.org/markup-compatibility/2006" xmlns:a14="http://schemas.microsoft.com/office/drawing/2010/main">
+        <mc:Choice Requires="a14">
           <p:sp>
             <p:nvSpPr>
               <p:cNvPr id="3" name="內容版面配置區 2">
@@ -19358,7 +19466,7 @@
             </p:txBody>
           </p:sp>
         </mc:Choice>
-        <mc:Fallback>
+        <mc:Fallback xmlns="">
           <p:sp>
             <p:nvSpPr>
               <p:cNvPr id="3" name="內容版面配置區 2">
@@ -19944,7 +20052,7 @@
         </p:nvSpPr>
         <p:spPr>
           <a:xfrm>
-            <a:off x="207363" y="692584"/>
+            <a:off x="94075" y="692584"/>
             <a:ext cx="6264696" cy="1200329"/>
           </a:xfrm>
           <a:prstGeom prst="rect">
@@ -19959,8 +20067,16 @@
           <a:lstStyle/>
           <a:p>
             <a:r>
+              <a:rPr lang="zh-TW" altLang="en-US" dirty="0">
+                <a:highlight>
+                  <a:srgbClr val="FFFF00"/>
+                </a:highlight>
+              </a:rPr>
+              <a:t>黃色</a:t>
+            </a:r>
+            <a:r>
               <a:rPr lang="zh-TW" altLang="en-US" dirty="0"/>
-              <a:t>黃色 </a:t>
+              <a:t> </a:t>
             </a:r>
             <a:r>
               <a:rPr lang="en-US" altLang="zh-TW" dirty="0"/>
@@ -19974,12 +20090,12 @@
           </a:p>
           <a:p>
             <a:r>
-              <a:rPr lang="zh-TW" altLang="en-US" dirty="0"/>
-              <a:t>紅色 </a:t>
-            </a:r>
-            <a:r>
-              <a:rPr lang="en-US" altLang="zh-TW" dirty="0"/>
-              <a:t>:</a:t>
+              <a:rPr lang="zh-TW" altLang="en-US" dirty="0">
+                <a:highlight>
+                  <a:srgbClr val="FF0000"/>
+                </a:highlight>
+              </a:rPr>
+              <a:t>紅色</a:t>
             </a:r>
             <a:r>
               <a:rPr lang="zh-TW" altLang="en-US" dirty="0"/>
@@ -19987,6 +20103,14 @@
             </a:r>
             <a:r>
               <a:rPr lang="en-US" altLang="zh-TW" dirty="0"/>
+              <a:t>:</a:t>
+            </a:r>
+            <a:r>
+              <a:rPr lang="zh-TW" altLang="en-US" dirty="0"/>
+              <a:t> </a:t>
+            </a:r>
+            <a:r>
+              <a:rPr lang="en-US" altLang="zh-TW" dirty="0"/>
               <a:t>1st HPF</a:t>
             </a:r>
             <a:r>
@@ -19997,44 +20121,278 @@
           </a:p>
           <a:p>
             <a:r>
-              <a:rPr lang="zh-TW" altLang="en-US" dirty="0"/>
+              <a:rPr lang="zh-TW" altLang="en-US">
+                <a:highlight>
+                  <a:srgbClr val="00FF00"/>
+                </a:highlight>
+              </a:rPr>
               <a:t>綠色</a:t>
             </a:r>
             <a:r>
-              <a:rPr lang="en-US" altLang="zh-TW" dirty="0"/>
-              <a:t>Digital Port : CMP_DOUT&lt;1&gt; ,for High Threshold</a:t>
-            </a:r>
-          </a:p>
-          <a:p>
-            <a:r>
-              <a:rPr lang="zh-TW" altLang="en-US" dirty="0"/>
+              <a:rPr lang="en-US" altLang="zh-TW"/>
+              <a:t> : More Than High </a:t>
+            </a:r>
+            <a:r>
+              <a:rPr lang="en-US" altLang="zh-TW" dirty="0"/>
+              <a:t>Threshold</a:t>
+            </a:r>
+          </a:p>
+          <a:p>
+            <a:r>
+              <a:rPr lang="zh-TW" altLang="en-US">
+                <a:highlight>
+                  <a:srgbClr val="00FFFF"/>
+                </a:highlight>
+              </a:rPr>
               <a:t>藍色</a:t>
             </a:r>
             <a:r>
-              <a:rPr lang="en-US" altLang="zh-TW" dirty="0"/>
-              <a:t>Digital Port</a:t>
-            </a:r>
-            <a:r>
-              <a:rPr lang="zh-TW" altLang="en-US" dirty="0"/>
+              <a:rPr lang="zh-TW" altLang="en-US"/>
               <a:t> </a:t>
             </a:r>
             <a:r>
-              <a:rPr lang="en-US" altLang="zh-TW" dirty="0"/>
+              <a:rPr lang="en-US" altLang="zh-TW"/>
               <a:t>:</a:t>
             </a:r>
             <a:r>
-              <a:rPr lang="zh-TW" altLang="en-US" dirty="0"/>
+              <a:rPr lang="zh-TW" altLang="en-US"/>
               <a:t> </a:t>
             </a:r>
             <a:r>
-              <a:rPr lang="en-US" altLang="zh-TW" dirty="0" err="1"/>
-              <a:t>OutPut</a:t>
+              <a:rPr lang="en-US" altLang="zh-TW"/>
+              <a:t>Schmitt OutPut</a:t>
             </a:r>
             <a:r>
               <a:rPr lang="en-US" altLang="zh-TW" dirty="0"/>
               <a:t>&lt;1&gt;</a:t>
             </a:r>
             <a:endParaRPr lang="zh-TW" altLang="en-US" dirty="0"/>
+          </a:p>
+        </p:txBody>
+      </p:sp>
+      <p:cxnSp>
+        <p:nvCxnSpPr>
+          <p:cNvPr id="7" name="直線接點 6">
+            <a:extLst>
+              <a:ext uri="{FF2B5EF4-FFF2-40B4-BE49-F238E27FC236}">
+                <a16:creationId xmlns:a16="http://schemas.microsoft.com/office/drawing/2014/main" id="{48986426-D8B9-A965-D13B-951AACC49CED}"/>
+              </a:ext>
+            </a:extLst>
+          </p:cNvPr>
+          <p:cNvCxnSpPr>
+            <a:cxnSpLocks/>
+          </p:cNvCxnSpPr>
+          <p:nvPr/>
+        </p:nvCxnSpPr>
+        <p:spPr>
+          <a:xfrm>
+            <a:off x="1994281" y="3348304"/>
+            <a:ext cx="9469247" cy="0"/>
+          </a:xfrm>
+          <a:prstGeom prst="line">
+            <a:avLst/>
+          </a:prstGeom>
+          <a:ln w="28575">
+            <a:solidFill>
+              <a:srgbClr val="7030A0"/>
+            </a:solidFill>
+            <a:prstDash val="dashDot"/>
+          </a:ln>
+        </p:spPr>
+        <p:style>
+          <a:lnRef idx="1">
+            <a:schemeClr val="accent1"/>
+          </a:lnRef>
+          <a:fillRef idx="0">
+            <a:schemeClr val="accent1"/>
+          </a:fillRef>
+          <a:effectRef idx="0">
+            <a:schemeClr val="accent1"/>
+          </a:effectRef>
+          <a:fontRef idx="minor">
+            <a:schemeClr val="tx1"/>
+          </a:fontRef>
+        </p:style>
+      </p:cxnSp>
+      <p:cxnSp>
+        <p:nvCxnSpPr>
+          <p:cNvPr id="9" name="直線接點 8">
+            <a:extLst>
+              <a:ext uri="{FF2B5EF4-FFF2-40B4-BE49-F238E27FC236}">
+                <a16:creationId xmlns:a16="http://schemas.microsoft.com/office/drawing/2014/main" id="{A3DDCFA6-8C8F-6165-4DFA-98A13A102FCF}"/>
+              </a:ext>
+            </a:extLst>
+          </p:cNvPr>
+          <p:cNvCxnSpPr>
+            <a:cxnSpLocks/>
+          </p:cNvCxnSpPr>
+          <p:nvPr/>
+        </p:nvCxnSpPr>
+        <p:spPr>
+          <a:xfrm>
+            <a:off x="1877736" y="3751556"/>
+            <a:ext cx="9585792" cy="0"/>
+          </a:xfrm>
+          <a:prstGeom prst="line">
+            <a:avLst/>
+          </a:prstGeom>
+          <a:ln w="28575">
+            <a:solidFill>
+              <a:schemeClr val="accent6">
+                <a:lumMod val="60000"/>
+                <a:lumOff val="40000"/>
+              </a:schemeClr>
+            </a:solidFill>
+            <a:prstDash val="dashDot"/>
+          </a:ln>
+        </p:spPr>
+        <p:style>
+          <a:lnRef idx="1">
+            <a:schemeClr val="accent1"/>
+          </a:lnRef>
+          <a:fillRef idx="0">
+            <a:schemeClr val="accent1"/>
+          </a:fillRef>
+          <a:effectRef idx="0">
+            <a:schemeClr val="accent1"/>
+          </a:effectRef>
+          <a:fontRef idx="minor">
+            <a:schemeClr val="tx1"/>
+          </a:fontRef>
+        </p:style>
+      </p:cxnSp>
+      <p:sp>
+        <p:nvSpPr>
+          <p:cNvPr id="12" name="文字方塊 11">
+            <a:extLst>
+              <a:ext uri="{FF2B5EF4-FFF2-40B4-BE49-F238E27FC236}">
+                <a16:creationId xmlns:a16="http://schemas.microsoft.com/office/drawing/2014/main" id="{0F3DADD4-6F0F-3C2E-01F3-DEA47010A0C2}"/>
+              </a:ext>
+            </a:extLst>
+          </p:cNvPr>
+          <p:cNvSpPr txBox="1"/>
+          <p:nvPr/>
+        </p:nvSpPr>
+        <p:spPr>
+          <a:xfrm>
+            <a:off x="11531150" y="3107342"/>
+            <a:ext cx="534075" cy="380324"/>
+          </a:xfrm>
+          <a:prstGeom prst="rect">
+            <a:avLst/>
+          </a:prstGeom>
+          <a:solidFill>
+            <a:schemeClr val="accent1">
+              <a:lumMod val="40000"/>
+              <a:lumOff val="60000"/>
+            </a:schemeClr>
+          </a:solidFill>
+        </p:spPr>
+        <p:txBody>
+          <a:bodyPr wrap="square" rtlCol="0">
+            <a:spAutoFit/>
+          </a:bodyPr>
+          <a:lstStyle/>
+          <a:p>
+            <a:r>
+              <a:rPr lang="en-US" altLang="zh-TW"/>
+              <a:t>HT</a:t>
+            </a:r>
+            <a:endParaRPr lang="zh-TW" altLang="en-US"/>
+          </a:p>
+        </p:txBody>
+      </p:sp>
+      <p:sp>
+        <p:nvSpPr>
+          <p:cNvPr id="13" name="文字方塊 12">
+            <a:extLst>
+              <a:ext uri="{FF2B5EF4-FFF2-40B4-BE49-F238E27FC236}">
+                <a16:creationId xmlns:a16="http://schemas.microsoft.com/office/drawing/2014/main" id="{C52813D4-6981-0264-9EF2-FB4C1A75B3A2}"/>
+              </a:ext>
+            </a:extLst>
+          </p:cNvPr>
+          <p:cNvSpPr txBox="1"/>
+          <p:nvPr/>
+        </p:nvSpPr>
+        <p:spPr>
+          <a:xfrm>
+            <a:off x="11531149" y="3487666"/>
+            <a:ext cx="534075" cy="380324"/>
+          </a:xfrm>
+          <a:prstGeom prst="rect">
+            <a:avLst/>
+          </a:prstGeom>
+          <a:solidFill>
+            <a:schemeClr val="accent2">
+              <a:lumMod val="40000"/>
+              <a:lumOff val="60000"/>
+            </a:schemeClr>
+          </a:solidFill>
+        </p:spPr>
+        <p:txBody>
+          <a:bodyPr wrap="square" rtlCol="0">
+            <a:spAutoFit/>
+          </a:bodyPr>
+          <a:lstStyle/>
+          <a:p>
+            <a:r>
+              <a:rPr lang="en-US" altLang="zh-TW"/>
+              <a:t>LT</a:t>
+            </a:r>
+            <a:endParaRPr lang="zh-TW" altLang="en-US"/>
+          </a:p>
+        </p:txBody>
+      </p:sp>
+      <p:sp>
+        <p:nvSpPr>
+          <p:cNvPr id="16" name="矩形: 圓角 15">
+            <a:extLst>
+              <a:ext uri="{FF2B5EF4-FFF2-40B4-BE49-F238E27FC236}">
+                <a16:creationId xmlns:a16="http://schemas.microsoft.com/office/drawing/2014/main" id="{40B72A63-F3FC-C29A-AB1C-ADEBE6E0A209}"/>
+              </a:ext>
+            </a:extLst>
+          </p:cNvPr>
+          <p:cNvSpPr/>
+          <p:nvPr/>
+        </p:nvSpPr>
+        <p:spPr>
+          <a:xfrm>
+            <a:off x="7218096" y="3847485"/>
+            <a:ext cx="776835" cy="1792664"/>
+          </a:xfrm>
+          <a:prstGeom prst="roundRect">
+            <a:avLst/>
+          </a:prstGeom>
+          <a:noFill/>
+          <a:ln w="38100">
+            <a:solidFill>
+              <a:srgbClr val="FF0000"/>
+            </a:solidFill>
+            <a:prstDash val="dash"/>
+          </a:ln>
+        </p:spPr>
+        <p:style>
+          <a:lnRef idx="2">
+            <a:schemeClr val="accent1">
+              <a:shade val="50000"/>
+            </a:schemeClr>
+          </a:lnRef>
+          <a:fillRef idx="1">
+            <a:schemeClr val="accent1"/>
+          </a:fillRef>
+          <a:effectRef idx="0">
+            <a:schemeClr val="accent1"/>
+          </a:effectRef>
+          <a:fontRef idx="minor">
+            <a:schemeClr val="lt1"/>
+          </a:fontRef>
+        </p:style>
+        <p:txBody>
+          <a:bodyPr rtlCol="0" anchor="ctr"/>
+          <a:lstStyle/>
+          <a:p>
+            <a:pPr algn="ctr"/>
+            <a:endParaRPr lang="zh-TW" altLang="en-US"/>
           </a:p>
         </p:txBody>
       </p:sp>
@@ -20073,7 +20431,7 @@
           <p:cNvPr id="2" name="標題 1">
             <a:extLst>
               <a:ext uri="{FF2B5EF4-FFF2-40B4-BE49-F238E27FC236}">
-                <a16:creationId xmlns:a16="http://schemas.microsoft.com/office/drawing/2014/main" id="{19E36743-25A1-BE5C-A8C2-0019D13586BB}"/>
+                <a16:creationId xmlns:a16="http://schemas.microsoft.com/office/drawing/2014/main" id="{47D96773-D6B2-972C-8B3F-89FD60177D30}"/>
               </a:ext>
             </a:extLst>
           </p:cNvPr>
@@ -20091,10 +20449,10 @@
           <a:p>
             <a:pPr algn="ctr"/>
             <a:r>
-              <a:rPr lang="en-US" altLang="zh-TW" dirty="0"/>
+              <a:rPr lang="en-US" altLang="zh-TW"/>
               <a:t>Schmitt Digital Code</a:t>
             </a:r>
-            <a:endParaRPr lang="zh-TW" altLang="en-US" dirty="0"/>
+            <a:endParaRPr lang="zh-TW" altLang="en-US"/>
           </a:p>
         </p:txBody>
       </p:sp>
@@ -20103,7 +20461,7 @@
           <p:cNvPr id="3" name="內容版面配置區 2">
             <a:extLst>
               <a:ext uri="{FF2B5EF4-FFF2-40B4-BE49-F238E27FC236}">
-                <a16:creationId xmlns:a16="http://schemas.microsoft.com/office/drawing/2014/main" id="{541FFBC3-4351-9F46-B8A7-208139BF452D}"/>
+                <a16:creationId xmlns:a16="http://schemas.microsoft.com/office/drawing/2014/main" id="{A24B6AF3-B97B-C725-DBD9-94462BD9B29B}"/>
               </a:ext>
             </a:extLst>
           </p:cNvPr>
@@ -20119,14 +20477,17 @@
           <a:bodyPr/>
           <a:lstStyle/>
           <a:p>
-            <a:endParaRPr lang="zh-TW" altLang="en-US" dirty="0"/>
+            <a:pPr marL="0" indent="0">
+              <a:buNone/>
+            </a:pPr>
+            <a:endParaRPr lang="zh-TW" altLang="en-US"/>
           </a:p>
         </p:txBody>
       </p:sp>
     </p:spTree>
     <p:extLst>
       <p:ext uri="{BB962C8B-B14F-4D97-AF65-F5344CB8AC3E}">
-        <p14:creationId xmlns:p14="http://schemas.microsoft.com/office/powerpoint/2010/main" val="4245840055"/>
+        <p14:creationId xmlns:p14="http://schemas.microsoft.com/office/powerpoint/2010/main" val="1737055496"/>
       </p:ext>
     </p:extLst>
   </p:cSld>

--- a/Project_Summary_pdf/Project_Summary.pptx
+++ b/Project_Summary_pdf/Project_Summary.pptx
@@ -5,7 +5,7 @@
     <p:sldMasterId id="2147483648" r:id="rId1"/>
   </p:sldMasterIdLst>
   <p:notesMasterIdLst>
-    <p:notesMasterId r:id="rId60"/>
+    <p:notesMasterId r:id="rId63"/>
   </p:notesMasterIdLst>
   <p:sldIdLst>
     <p:sldId id="256" r:id="rId2"/>
@@ -44,28 +44,31 @@
     <p:sldId id="899" r:id="rId35"/>
     <p:sldId id="327" r:id="rId36"/>
     <p:sldId id="903" r:id="rId37"/>
-    <p:sldId id="836" r:id="rId38"/>
-    <p:sldId id="839" r:id="rId39"/>
-    <p:sldId id="840" r:id="rId40"/>
-    <p:sldId id="848" r:id="rId41"/>
-    <p:sldId id="849" r:id="rId42"/>
-    <p:sldId id="842" r:id="rId43"/>
-    <p:sldId id="895" r:id="rId44"/>
-    <p:sldId id="889" r:id="rId45"/>
-    <p:sldId id="890" r:id="rId46"/>
-    <p:sldId id="751" r:id="rId47"/>
-    <p:sldId id="882" r:id="rId48"/>
-    <p:sldId id="902" r:id="rId49"/>
-    <p:sldId id="281" r:id="rId50"/>
-    <p:sldId id="257" r:id="rId51"/>
-    <p:sldId id="258" r:id="rId52"/>
-    <p:sldId id="260" r:id="rId53"/>
-    <p:sldId id="263" r:id="rId54"/>
-    <p:sldId id="264" r:id="rId55"/>
-    <p:sldId id="259" r:id="rId56"/>
-    <p:sldId id="265" r:id="rId57"/>
-    <p:sldId id="282" r:id="rId58"/>
-    <p:sldId id="885" r:id="rId59"/>
+    <p:sldId id="905" r:id="rId38"/>
+    <p:sldId id="906" r:id="rId39"/>
+    <p:sldId id="836" r:id="rId40"/>
+    <p:sldId id="839" r:id="rId41"/>
+    <p:sldId id="840" r:id="rId42"/>
+    <p:sldId id="848" r:id="rId43"/>
+    <p:sldId id="849" r:id="rId44"/>
+    <p:sldId id="842" r:id="rId45"/>
+    <p:sldId id="895" r:id="rId46"/>
+    <p:sldId id="889" r:id="rId47"/>
+    <p:sldId id="890" r:id="rId48"/>
+    <p:sldId id="751" r:id="rId49"/>
+    <p:sldId id="882" r:id="rId50"/>
+    <p:sldId id="902" r:id="rId51"/>
+    <p:sldId id="281" r:id="rId52"/>
+    <p:sldId id="257" r:id="rId53"/>
+    <p:sldId id="258" r:id="rId54"/>
+    <p:sldId id="260" r:id="rId55"/>
+    <p:sldId id="263" r:id="rId56"/>
+    <p:sldId id="264" r:id="rId57"/>
+    <p:sldId id="259" r:id="rId58"/>
+    <p:sldId id="265" r:id="rId59"/>
+    <p:sldId id="282" r:id="rId60"/>
+    <p:sldId id="885" r:id="rId61"/>
+    <p:sldId id="904" r:id="rId62"/>
   </p:sldIdLst>
   <p:sldSz cx="12192000" cy="6858000"/>
   <p:notesSz cx="6858000" cy="9144000"/>
@@ -221,6 +224,8 @@
             <p14:sldId id="899"/>
             <p14:sldId id="327"/>
             <p14:sldId id="903"/>
+            <p14:sldId id="905"/>
+            <p14:sldId id="906"/>
             <p14:sldId id="836"/>
             <p14:sldId id="839"/>
             <p14:sldId id="840"/>
@@ -259,6 +264,7 @@
           <p14:sldIdLst>
             <p14:sldId id="282"/>
             <p14:sldId id="885"/>
+            <p14:sldId id="904"/>
           </p14:sldIdLst>
         </p14:section>
       </p14:sectionLst>
@@ -2518,109 +2524,104 @@
           <a:p>
             <a:r>
               <a:rPr lang="zh-TW" altLang="en-US" dirty="0"/>
-              <a:t>利用這</a:t>
-            </a:r>
-            <a:r>
-              <a:rPr lang="zh-TW" altLang="en-US"/>
-              <a:t>張圖以及紅色框框解釋何謂</a:t>
-            </a:r>
-            <a:r>
-              <a:rPr lang="en-US" altLang="zh-TW"/>
+              <a:t>利用這張圖以及紅色框框解釋何謂</a:t>
+            </a:r>
+            <a:r>
+              <a:rPr lang="en-US" altLang="zh-TW" dirty="0"/>
               <a:t>Schmitt</a:t>
             </a:r>
           </a:p>
           <a:p>
             <a:r>
-              <a:rPr lang="zh-TW" altLang="en-US"/>
+              <a:rPr lang="zh-TW" altLang="en-US" dirty="0"/>
               <a:t>解釋 </a:t>
             </a:r>
             <a:r>
-              <a:rPr lang="en-US" altLang="zh-TW"/>
+              <a:rPr lang="en-US" altLang="zh-TW" dirty="0"/>
               <a:t>:</a:t>
             </a:r>
             <a:r>
-              <a:rPr lang="zh-TW" altLang="en-US"/>
+              <a:rPr lang="zh-TW" altLang="en-US" dirty="0"/>
               <a:t> </a:t>
             </a:r>
-            <a:endParaRPr lang="en-US" altLang="zh-TW"/>
-          </a:p>
-          <a:p>
-            <a:r>
-              <a:rPr lang="zh-TW" altLang="en-US"/>
-              <a:t>藍色訊號 如何利用綠色得到 </a:t>
-            </a:r>
-            <a:r>
-              <a:rPr lang="en-US" altLang="zh-TW"/>
+            <a:endParaRPr lang="en-US" altLang="zh-TW" dirty="0"/>
+          </a:p>
+          <a:p>
+            <a:r>
+              <a:rPr lang="zh-TW" altLang="en-US" dirty="0"/>
+              <a:t>藍色訊號 </a:t>
+            </a:r>
+            <a:r>
+              <a:rPr lang="en-US" altLang="zh-TW" dirty="0"/>
               <a:t>:</a:t>
             </a:r>
             <a:r>
-              <a:rPr lang="zh-TW" altLang="en-US"/>
+              <a:rPr lang="zh-TW" altLang="en-US" dirty="0"/>
               <a:t> </a:t>
             </a:r>
-            <a:endParaRPr lang="en-US" altLang="zh-TW"/>
-          </a:p>
-          <a:p>
-            <a:r>
-              <a:rPr lang="zh-TW" altLang="en-US"/>
+            <a:endParaRPr lang="en-US" altLang="zh-TW" dirty="0"/>
+          </a:p>
+          <a:p>
+            <a:r>
+              <a:rPr lang="zh-TW" altLang="en-US" dirty="0"/>
               <a:t>當訊號</a:t>
             </a:r>
             <a:r>
-              <a:rPr lang="en-US" altLang="zh-TW"/>
+              <a:rPr lang="en-US" altLang="zh-TW" dirty="0"/>
               <a:t>Rising Edge</a:t>
             </a:r>
             <a:r>
-              <a:rPr lang="zh-TW" altLang="en-US"/>
+              <a:rPr lang="zh-TW" altLang="en-US" dirty="0"/>
               <a:t>電壓大過</a:t>
             </a:r>
             <a:r>
-              <a:rPr lang="en-US" altLang="zh-TW"/>
+              <a:rPr lang="en-US" altLang="zh-TW" dirty="0"/>
               <a:t>HT</a:t>
             </a:r>
             <a:r>
-              <a:rPr lang="zh-TW" altLang="en-US"/>
+              <a:rPr lang="zh-TW" altLang="en-US" dirty="0"/>
               <a:t>時輸出為</a:t>
             </a:r>
             <a:r>
-              <a:rPr lang="en-US" altLang="zh-TW"/>
+              <a:rPr lang="en-US" altLang="zh-TW" dirty="0"/>
               <a:t> 1, </a:t>
             </a:r>
             <a:r>
-              <a:rPr lang="zh-TW" altLang="en-US"/>
+              <a:rPr lang="zh-TW" altLang="en-US" dirty="0"/>
               <a:t>當訊號</a:t>
             </a:r>
             <a:r>
-              <a:rPr lang="en-US" altLang="zh-TW"/>
+              <a:rPr lang="en-US" altLang="zh-TW" dirty="0"/>
               <a:t>Rising Edge</a:t>
             </a:r>
             <a:r>
-              <a:rPr lang="zh-TW" altLang="en-US"/>
+              <a:rPr lang="zh-TW" altLang="en-US" dirty="0"/>
               <a:t>小過</a:t>
             </a:r>
             <a:r>
-              <a:rPr lang="en-US" altLang="zh-TW"/>
+              <a:rPr lang="en-US" altLang="zh-TW" dirty="0"/>
               <a:t>LT</a:t>
             </a:r>
             <a:r>
-              <a:rPr lang="zh-TW" altLang="en-US"/>
+              <a:rPr lang="zh-TW" altLang="en-US" dirty="0"/>
               <a:t>時輸出為</a:t>
             </a:r>
             <a:r>
-              <a:rPr lang="en-US" altLang="zh-TW"/>
+              <a:rPr lang="en-US" altLang="zh-TW" dirty="0"/>
               <a:t>0</a:t>
             </a:r>
             <a:r>
-              <a:rPr lang="zh-TW" altLang="en-US"/>
+              <a:rPr lang="zh-TW" altLang="en-US" dirty="0"/>
               <a:t>，中間則根據</a:t>
             </a:r>
             <a:r>
-              <a:rPr lang="en-US" altLang="zh-TW"/>
+              <a:rPr lang="en-US" altLang="zh-TW" dirty="0"/>
               <a:t>Lock</a:t>
             </a:r>
             <a:r>
-              <a:rPr lang="zh-TW" altLang="en-US"/>
+              <a:rPr lang="zh-TW" altLang="en-US" dirty="0"/>
               <a:t>到的訊號決定。</a:t>
             </a:r>
-            <a:endParaRPr lang="zh-TW" altLang="en-US" dirty="0"/>
           </a:p>
         </p:txBody>
       </p:sp>
@@ -2704,7 +2705,231 @@
           <a:bodyPr/>
           <a:lstStyle/>
           <a:p>
-            <a:endParaRPr lang="zh-TW" altLang="en-US"/>
+            <a:r>
+              <a:rPr lang="zh-TW" altLang="en-US" dirty="0"/>
+              <a:t>利用上面的圖來解釋 </a:t>
+            </a:r>
+            <a:r>
+              <a:rPr lang="en-US" altLang="zh-TW" dirty="0"/>
+              <a:t>Code </a:t>
+            </a:r>
+            <a:r>
+              <a:rPr lang="zh-TW" altLang="en-US" dirty="0"/>
+              <a:t>流程</a:t>
+            </a:r>
+            <a:endParaRPr lang="en-US" altLang="zh-TW" dirty="0"/>
+          </a:p>
+          <a:p>
+            <a:r>
+              <a:rPr lang="zh-TW" altLang="en-US" dirty="0"/>
+              <a:t>依照上面邏輯 </a:t>
+            </a:r>
+            <a:endParaRPr lang="en-US" altLang="zh-TW" dirty="0"/>
+          </a:p>
+          <a:p>
+            <a:r>
+              <a:rPr lang="zh-TW" altLang="en-US" dirty="0"/>
+              <a:t>我們要抓得是 </a:t>
+            </a:r>
+            <a:endParaRPr lang="en-US" altLang="zh-TW" dirty="0"/>
+          </a:p>
+          <a:p>
+            <a:pPr marL="228600" indent="-228600">
+              <a:buAutoNum type="arabicPeriod"/>
+            </a:pPr>
+            <a:r>
+              <a:rPr lang="en-US" altLang="zh-TW" dirty="0"/>
+              <a:t>Rising Edge </a:t>
+            </a:r>
+            <a:r>
+              <a:rPr lang="zh-TW" altLang="en-US" dirty="0"/>
+              <a:t>大過 </a:t>
+            </a:r>
+            <a:r>
+              <a:rPr lang="en-US" altLang="zh-TW" dirty="0"/>
+              <a:t>HT</a:t>
+            </a:r>
+            <a:r>
+              <a:rPr lang="zh-TW" altLang="en-US" dirty="0"/>
+              <a:t>  </a:t>
+            </a:r>
+            <a:endParaRPr lang="en-US" altLang="zh-TW" dirty="0"/>
+          </a:p>
+          <a:p>
+            <a:pPr marL="228600" indent="-228600">
+              <a:buAutoNum type="arabicPeriod"/>
+            </a:pPr>
+            <a:r>
+              <a:rPr lang="en-US" altLang="zh-TW" dirty="0"/>
+              <a:t> Falling Edge </a:t>
+            </a:r>
+            <a:r>
+              <a:rPr lang="zh-TW" altLang="en-US" dirty="0"/>
+              <a:t>小過 </a:t>
+            </a:r>
+            <a:r>
+              <a:rPr lang="en-US" altLang="zh-TW" dirty="0"/>
+              <a:t>LT</a:t>
+            </a:r>
+            <a:r>
+              <a:rPr lang="zh-TW" altLang="en-US" dirty="0"/>
+              <a:t>的</a:t>
+            </a:r>
+            <a:r>
+              <a:rPr lang="en-US" altLang="zh-TW" dirty="0"/>
+              <a:t>timing </a:t>
+            </a:r>
+            <a:r>
+              <a:rPr lang="en-US" altLang="zh-TW" dirty="0" err="1"/>
+              <a:t>idx</a:t>
+            </a:r>
+            <a:endParaRPr lang="en-US" altLang="zh-TW" dirty="0"/>
+          </a:p>
+          <a:p>
+            <a:pPr marL="228600" indent="-228600">
+              <a:buAutoNum type="arabicPeriod"/>
+            </a:pPr>
+            <a:endParaRPr lang="en-US" altLang="zh-TW" dirty="0"/>
+          </a:p>
+          <a:p>
+            <a:pPr marL="0" indent="0">
+              <a:buNone/>
+            </a:pPr>
+            <a:r>
+              <a:rPr lang="en-US" altLang="zh-TW" dirty="0"/>
+              <a:t>1. </a:t>
+            </a:r>
+            <a:r>
+              <a:rPr lang="zh-TW" altLang="en-US" dirty="0"/>
+              <a:t>當</a:t>
+            </a:r>
+            <a:r>
+              <a:rPr lang="en-US" altLang="zh-TW" dirty="0"/>
+              <a:t>Rising Edge </a:t>
+            </a:r>
+            <a:r>
+              <a:rPr lang="zh-TW" altLang="en-US" dirty="0"/>
+              <a:t> 大過 </a:t>
+            </a:r>
+            <a:r>
+              <a:rPr lang="en-US" altLang="zh-TW" dirty="0"/>
+              <a:t>HT</a:t>
+            </a:r>
+            <a:r>
+              <a:rPr lang="zh-TW" altLang="en-US" dirty="0"/>
+              <a:t> 輸出為 </a:t>
+            </a:r>
+            <a:r>
+              <a:rPr lang="en-US" altLang="zh-TW" dirty="0"/>
+              <a:t>1 &lt;=&gt; </a:t>
+            </a:r>
+            <a:r>
+              <a:rPr lang="zh-TW" altLang="en-US" dirty="0"/>
+              <a:t>轉化成訊號語言 </a:t>
+            </a:r>
+            <a:r>
+              <a:rPr lang="en-US" altLang="zh-TW" dirty="0"/>
+              <a:t>y[n] = x[n] – x[n-1]</a:t>
+            </a:r>
+            <a:r>
+              <a:rPr lang="zh-TW" altLang="en-US" dirty="0"/>
+              <a:t> </a:t>
+            </a:r>
+            <a:r>
+              <a:rPr lang="en-US" altLang="zh-TW" dirty="0"/>
+              <a:t>, y[n] &gt; 0 then Rising Edge. x[n-1] &lt; HT and HT &lt; x[n] </a:t>
+            </a:r>
+          </a:p>
+          <a:p>
+            <a:pPr marL="0" indent="0">
+              <a:buNone/>
+            </a:pPr>
+            <a:r>
+              <a:rPr lang="en-US" altLang="zh-TW" dirty="0"/>
+              <a:t>2. </a:t>
+            </a:r>
+            <a:r>
+              <a:rPr lang="zh-TW" altLang="en-US" dirty="0"/>
+              <a:t>當</a:t>
+            </a:r>
+            <a:r>
+              <a:rPr lang="en-US" altLang="zh-TW" dirty="0"/>
+              <a:t>Falling Edge </a:t>
+            </a:r>
+            <a:r>
+              <a:rPr lang="zh-TW" altLang="en-US" dirty="0"/>
+              <a:t>小過 </a:t>
+            </a:r>
+            <a:r>
+              <a:rPr lang="en-US" altLang="zh-TW" dirty="0"/>
+              <a:t>LT</a:t>
+            </a:r>
+            <a:r>
+              <a:rPr lang="zh-TW" altLang="en-US" dirty="0"/>
+              <a:t> 輸出為 </a:t>
+            </a:r>
+            <a:r>
+              <a:rPr lang="en-US" altLang="zh-TW" dirty="0"/>
+              <a:t>0 </a:t>
+            </a:r>
+            <a:r>
+              <a:rPr lang="en-US" altLang="zh-TW" dirty="0">
+                <a:sym typeface="Wingdings" panose="05000000000000000000" pitchFamily="2" charset="2"/>
+              </a:rPr>
+              <a:t></a:t>
+            </a:r>
+            <a:r>
+              <a:rPr lang="en-US" altLang="zh-TW" dirty="0"/>
+              <a:t> </a:t>
+            </a:r>
+            <a:r>
+              <a:rPr lang="zh-TW" altLang="en-US" dirty="0"/>
+              <a:t>轉化成訊號語言 </a:t>
+            </a:r>
+            <a:r>
+              <a:rPr lang="en-US" altLang="zh-TW" dirty="0"/>
+              <a:t>y[n] = x[n] – x[n-1]</a:t>
+            </a:r>
+            <a:r>
+              <a:rPr lang="zh-TW" altLang="en-US" dirty="0"/>
+              <a:t> </a:t>
+            </a:r>
+            <a:r>
+              <a:rPr lang="en-US" altLang="zh-TW" dirty="0"/>
+              <a:t>, y[n] &lt; 0 then Rising Edge. x[n-1] &gt; LT and LT &gt; x[n]</a:t>
+            </a:r>
+          </a:p>
+          <a:p>
+            <a:pPr marL="0" indent="0">
+              <a:buNone/>
+            </a:pPr>
+            <a:r>
+              <a:rPr lang="en-US" altLang="zh-TW" dirty="0"/>
+              <a:t>3. </a:t>
+            </a:r>
+            <a:r>
+              <a:rPr lang="zh-TW" altLang="en-US" dirty="0"/>
+              <a:t>最後利用</a:t>
+            </a:r>
+            <a:r>
+              <a:rPr lang="en-US" altLang="zh-TW" dirty="0"/>
+              <a:t>merge sort </a:t>
+            </a:r>
+            <a:r>
+              <a:rPr lang="zh-TW" altLang="en-US" dirty="0"/>
+              <a:t>將</a:t>
+            </a:r>
+            <a:r>
+              <a:rPr lang="en-US" altLang="zh-TW" dirty="0" err="1"/>
+              <a:t>seqence</a:t>
+            </a:r>
+            <a:endParaRPr lang="en-US" altLang="zh-TW" dirty="0"/>
+          </a:p>
+          <a:p>
+            <a:pPr marL="228600" indent="-228600">
+              <a:buAutoNum type="arabicPeriod"/>
+            </a:pPr>
+            <a:endParaRPr lang="en-US" altLang="zh-TW" dirty="0"/>
           </a:p>
         </p:txBody>
       </p:sp>
@@ -2725,7 +2950,7 @@
           <a:p>
             <a:fld id="{0116F853-F7F2-4239-A629-A213C1D67574}" type="slidenum">
               <a:rPr lang="zh-TW" altLang="en-US" smtClean="0"/>
-              <a:t>50</a:t>
+              <a:t>36</a:t>
             </a:fld>
             <a:endParaRPr lang="zh-TW" altLang="en-US"/>
           </a:p>
@@ -2734,7 +2959,7 @@
     </p:spTree>
     <p:extLst>
       <p:ext uri="{BB962C8B-B14F-4D97-AF65-F5344CB8AC3E}">
-        <p14:creationId xmlns:p14="http://schemas.microsoft.com/office/powerpoint/2010/main" val="2670570649"/>
+        <p14:creationId xmlns:p14="http://schemas.microsoft.com/office/powerpoint/2010/main" val="4199754988"/>
       </p:ext>
     </p:extLst>
   </p:cSld>
@@ -2788,71 +3013,7 @@
           <a:bodyPr/>
           <a:lstStyle/>
           <a:p>
-            <a:pPr marL="228600" indent="-228600">
-              <a:buAutoNum type="arabicPeriod"/>
-            </a:pPr>
-            <a:r>
-              <a:rPr lang="zh-TW" altLang="en-US"/>
-              <a:t>由於筆只使用</a:t>
-            </a:r>
-            <a:r>
-              <a:rPr lang="en-US" altLang="zh-TW"/>
-              <a:t>UART TX</a:t>
-            </a:r>
-            <a:r>
-              <a:rPr lang="zh-TW" altLang="en-US"/>
-              <a:t>來印出相關資訊、並沒有使用</a:t>
-            </a:r>
-            <a:r>
-              <a:rPr lang="en-US" altLang="zh-TW"/>
-              <a:t>RX</a:t>
-            </a:r>
-            <a:r>
-              <a:rPr lang="zh-TW" altLang="en-US"/>
-              <a:t>來接收其他</a:t>
-            </a:r>
-            <a:r>
-              <a:rPr lang="en-US" altLang="zh-TW"/>
-              <a:t>Sensor</a:t>
-            </a:r>
-            <a:r>
-              <a:rPr lang="zh-TW" altLang="en-US"/>
-              <a:t>的</a:t>
-            </a:r>
-            <a:r>
-              <a:rPr lang="en-US" altLang="zh-TW"/>
-              <a:t>information</a:t>
-            </a:r>
-            <a:r>
-              <a:rPr lang="zh-TW" altLang="en-US"/>
-              <a:t>。</a:t>
-            </a:r>
-            <a:endParaRPr lang="en-US" altLang="zh-TW"/>
-          </a:p>
-          <a:p>
-            <a:pPr marL="0" indent="0">
-              <a:buNone/>
-            </a:pPr>
-            <a:r>
-              <a:rPr lang="zh-TW" altLang="en-US"/>
-              <a:t>       </a:t>
-            </a:r>
-            <a:r>
-              <a:rPr lang="en-US" altLang="zh-TW"/>
-              <a:t>1.1 UART</a:t>
-            </a:r>
-            <a:r>
-              <a:rPr lang="zh-TW" altLang="en-US"/>
-              <a:t> </a:t>
-            </a:r>
-            <a:r>
-              <a:rPr lang="en-US" altLang="zh-TW"/>
-              <a:t>RX Setting</a:t>
-            </a:r>
-            <a:r>
-              <a:rPr lang="zh-TW" altLang="en-US"/>
-              <a:t>建立</a:t>
-            </a:r>
+            <a:endParaRPr lang="zh-TW" altLang="en-US"/>
           </a:p>
         </p:txBody>
       </p:sp>
@@ -2873,7 +3034,155 @@
           <a:p>
             <a:fld id="{0116F853-F7F2-4239-A629-A213C1D67574}" type="slidenum">
               <a:rPr lang="zh-TW" altLang="en-US" smtClean="0"/>
-              <a:t>51</a:t>
+              <a:t>52</a:t>
+            </a:fld>
+            <a:endParaRPr lang="zh-TW" altLang="en-US"/>
+          </a:p>
+        </p:txBody>
+      </p:sp>
+    </p:spTree>
+    <p:extLst>
+      <p:ext uri="{BB962C8B-B14F-4D97-AF65-F5344CB8AC3E}">
+        <p14:creationId xmlns:p14="http://schemas.microsoft.com/office/powerpoint/2010/main" val="2670570649"/>
+      </p:ext>
+    </p:extLst>
+  </p:cSld>
+  <p:clrMapOvr>
+    <a:masterClrMapping/>
+  </p:clrMapOvr>
+</p:notes>
+</file>
+
+<file path=ppt/notesSlides/notesSlide25.xml><?xml version="1.0" encoding="utf-8"?>
+<p:notes xmlns:a="http://schemas.openxmlformats.org/drawingml/2006/main" xmlns:r="http://schemas.openxmlformats.org/officeDocument/2006/relationships" xmlns:p="http://schemas.openxmlformats.org/presentationml/2006/main">
+  <p:cSld>
+    <p:spTree>
+      <p:nvGrpSpPr>
+        <p:cNvPr id="1" name=""/>
+        <p:cNvGrpSpPr/>
+        <p:nvPr/>
+      </p:nvGrpSpPr>
+      <p:grpSpPr>
+        <a:xfrm>
+          <a:off x="0" y="0"/>
+          <a:ext cx="0" cy="0"/>
+          <a:chOff x="0" y="0"/>
+          <a:chExt cx="0" cy="0"/>
+        </a:xfrm>
+      </p:grpSpPr>
+      <p:sp>
+        <p:nvSpPr>
+          <p:cNvPr id="2" name="投影片影像版面配置區 1"/>
+          <p:cNvSpPr>
+            <a:spLocks noGrp="1" noRot="1" noChangeAspect="1"/>
+          </p:cNvSpPr>
+          <p:nvPr>
+            <p:ph type="sldImg"/>
+          </p:nvPr>
+        </p:nvSpPr>
+        <p:spPr/>
+      </p:sp>
+      <p:sp>
+        <p:nvSpPr>
+          <p:cNvPr id="3" name="備忘稿版面配置區 2"/>
+          <p:cNvSpPr>
+            <a:spLocks noGrp="1"/>
+          </p:cNvSpPr>
+          <p:nvPr>
+            <p:ph type="body" idx="1"/>
+          </p:nvPr>
+        </p:nvSpPr>
+        <p:spPr/>
+        <p:txBody>
+          <a:bodyPr/>
+          <a:lstStyle/>
+          <a:p>
+            <a:pPr marL="228600" indent="-228600">
+              <a:buAutoNum type="arabicPeriod"/>
+            </a:pPr>
+            <a:r>
+              <a:rPr lang="zh-TW" altLang="en-US"/>
+              <a:t>由於筆只使用</a:t>
+            </a:r>
+            <a:r>
+              <a:rPr lang="en-US" altLang="zh-TW"/>
+              <a:t>UART TX</a:t>
+            </a:r>
+            <a:r>
+              <a:rPr lang="zh-TW" altLang="en-US"/>
+              <a:t>來印出相關資訊、並沒有使用</a:t>
+            </a:r>
+            <a:r>
+              <a:rPr lang="en-US" altLang="zh-TW"/>
+              <a:t>RX</a:t>
+            </a:r>
+            <a:r>
+              <a:rPr lang="zh-TW" altLang="en-US"/>
+              <a:t>來接收其他</a:t>
+            </a:r>
+            <a:r>
+              <a:rPr lang="en-US" altLang="zh-TW"/>
+              <a:t>Sensor</a:t>
+            </a:r>
+            <a:r>
+              <a:rPr lang="zh-TW" altLang="en-US"/>
+              <a:t>的</a:t>
+            </a:r>
+            <a:r>
+              <a:rPr lang="en-US" altLang="zh-TW"/>
+              <a:t>information</a:t>
+            </a:r>
+            <a:r>
+              <a:rPr lang="zh-TW" altLang="en-US"/>
+              <a:t>。</a:t>
+            </a:r>
+            <a:endParaRPr lang="en-US" altLang="zh-TW"/>
+          </a:p>
+          <a:p>
+            <a:pPr marL="0" indent="0">
+              <a:buNone/>
+            </a:pPr>
+            <a:r>
+              <a:rPr lang="zh-TW" altLang="en-US"/>
+              <a:t>       </a:t>
+            </a:r>
+            <a:r>
+              <a:rPr lang="en-US" altLang="zh-TW"/>
+              <a:t>1.1 UART</a:t>
+            </a:r>
+            <a:r>
+              <a:rPr lang="zh-TW" altLang="en-US"/>
+              <a:t> </a:t>
+            </a:r>
+            <a:r>
+              <a:rPr lang="en-US" altLang="zh-TW"/>
+              <a:t>RX Setting</a:t>
+            </a:r>
+            <a:r>
+              <a:rPr lang="zh-TW" altLang="en-US"/>
+              <a:t>建立</a:t>
+            </a:r>
+          </a:p>
+        </p:txBody>
+      </p:sp>
+      <p:sp>
+        <p:nvSpPr>
+          <p:cNvPr id="4" name="投影片編號版面配置區 3"/>
+          <p:cNvSpPr>
+            <a:spLocks noGrp="1"/>
+          </p:cNvSpPr>
+          <p:nvPr>
+            <p:ph type="sldNum" sz="quarter" idx="5"/>
+          </p:nvPr>
+        </p:nvSpPr>
+        <p:spPr/>
+        <p:txBody>
+          <a:bodyPr/>
+          <a:lstStyle/>
+          <a:p>
+            <a:fld id="{0116F853-F7F2-4239-A629-A213C1D67574}" type="slidenum">
+              <a:rPr lang="zh-TW" altLang="en-US" smtClean="0"/>
+              <a:t>53</a:t>
             </a:fld>
             <a:endParaRPr lang="zh-TW" altLang="en-US"/>
           </a:p>
@@ -20115,13 +20424,28 @@
             </a:r>
             <a:r>
               <a:rPr lang="zh-TW" altLang="en-US" dirty="0"/>
-              <a:t>後訊號</a:t>
-            </a:r>
-            <a:endParaRPr lang="en-US" altLang="zh-TW" dirty="0"/>
-          </a:p>
-          <a:p>
-            <a:r>
-              <a:rPr lang="zh-TW" altLang="en-US">
+              <a:t>後訊號 </a:t>
+            </a:r>
+            <a:r>
+              <a:rPr lang="en-US" altLang="zh-TW" dirty="0"/>
+              <a:t>(</a:t>
+            </a:r>
+            <a:r>
+              <a:rPr lang="en-US" altLang="zh-TW" dirty="0">
+                <a:solidFill>
+                  <a:srgbClr val="FF0000"/>
+                </a:solidFill>
+              </a:rPr>
+              <a:t>Input</a:t>
+            </a:r>
+            <a:r>
+              <a:rPr lang="en-US" altLang="zh-TW" dirty="0"/>
+              <a:t>)</a:t>
+            </a:r>
+          </a:p>
+          <a:p>
+            <a:r>
+              <a:rPr lang="zh-TW" altLang="en-US" dirty="0">
                 <a:highlight>
                   <a:srgbClr val="00FF00"/>
                 </a:highlight>
@@ -20129,17 +20453,13 @@
               <a:t>綠色</a:t>
             </a:r>
             <a:r>
-              <a:rPr lang="en-US" altLang="zh-TW"/>
-              <a:t> : More Than High </a:t>
-            </a:r>
-            <a:r>
-              <a:rPr lang="en-US" altLang="zh-TW" dirty="0"/>
-              <a:t>Threshold</a:t>
-            </a:r>
-          </a:p>
-          <a:p>
-            <a:r>
-              <a:rPr lang="zh-TW" altLang="en-US">
+              <a:rPr lang="en-US" altLang="zh-TW" dirty="0"/>
+              <a:t> : More Than High Threshold</a:t>
+            </a:r>
+          </a:p>
+          <a:p>
+            <a:r>
+              <a:rPr lang="zh-TW" altLang="en-US" dirty="0">
                 <a:highlight>
                   <a:srgbClr val="00FFFF"/>
                 </a:highlight>
@@ -20147,24 +20467,32 @@
               <a:t>藍色</a:t>
             </a:r>
             <a:r>
-              <a:rPr lang="zh-TW" altLang="en-US"/>
+              <a:rPr lang="zh-TW" altLang="en-US" dirty="0"/>
               <a:t> </a:t>
             </a:r>
             <a:r>
-              <a:rPr lang="en-US" altLang="zh-TW"/>
+              <a:rPr lang="en-US" altLang="zh-TW" dirty="0"/>
               <a:t>:</a:t>
             </a:r>
             <a:r>
-              <a:rPr lang="zh-TW" altLang="en-US"/>
+              <a:rPr lang="zh-TW" altLang="en-US" dirty="0"/>
               <a:t> </a:t>
             </a:r>
             <a:r>
-              <a:rPr lang="en-US" altLang="zh-TW"/>
-              <a:t>Schmitt OutPut</a:t>
-            </a:r>
-            <a:r>
-              <a:rPr lang="en-US" altLang="zh-TW" dirty="0"/>
-              <a:t>&lt;1&gt;</a:t>
+              <a:rPr lang="en-US" altLang="zh-TW" dirty="0"/>
+              <a:t>Schmitt (</a:t>
+            </a:r>
+            <a:r>
+              <a:rPr lang="en-US" altLang="zh-TW" dirty="0" err="1">
+                <a:solidFill>
+                  <a:srgbClr val="FF0000"/>
+                </a:solidFill>
+              </a:rPr>
+              <a:t>OutPut</a:t>
+            </a:r>
+            <a:r>
+              <a:rPr lang="en-US" altLang="zh-TW" dirty="0"/>
+              <a:t>)</a:t>
             </a:r>
             <a:endParaRPr lang="zh-TW" altLang="en-US" dirty="0"/>
           </a:p>
@@ -20275,7 +20603,7 @@
         </p:nvSpPr>
         <p:spPr>
           <a:xfrm>
-            <a:off x="11531150" y="3107342"/>
+            <a:off x="11463528" y="3107342"/>
             <a:ext cx="534075" cy="380324"/>
           </a:xfrm>
           <a:prstGeom prst="rect">
@@ -20316,7 +20644,7 @@
         </p:nvSpPr>
         <p:spPr>
           <a:xfrm>
-            <a:off x="11531149" y="3487666"/>
+            <a:off x="11463527" y="3487666"/>
             <a:ext cx="534075" cy="380324"/>
           </a:xfrm>
           <a:prstGeom prst="rect">
@@ -20396,6 +20724,127 @@
           </a:p>
         </p:txBody>
       </p:sp>
+      <p:sp>
+        <p:nvSpPr>
+          <p:cNvPr id="3" name="右大括弧 2">
+            <a:extLst>
+              <a:ext uri="{FF2B5EF4-FFF2-40B4-BE49-F238E27FC236}">
+                <a16:creationId xmlns:a16="http://schemas.microsoft.com/office/drawing/2014/main" id="{DCF6846C-588D-4333-4800-4EFE2EC5CE12}"/>
+              </a:ext>
+            </a:extLst>
+          </p:cNvPr>
+          <p:cNvSpPr/>
+          <p:nvPr/>
+        </p:nvSpPr>
+        <p:spPr>
+          <a:xfrm>
+            <a:off x="12007035" y="3097162"/>
+            <a:ext cx="126776" cy="760648"/>
+          </a:xfrm>
+          <a:prstGeom prst="rightBrace">
+            <a:avLst/>
+          </a:prstGeom>
+        </p:spPr>
+        <p:style>
+          <a:lnRef idx="1">
+            <a:schemeClr val="accent1"/>
+          </a:lnRef>
+          <a:fillRef idx="0">
+            <a:schemeClr val="accent1"/>
+          </a:fillRef>
+          <a:effectRef idx="0">
+            <a:schemeClr val="accent1"/>
+          </a:effectRef>
+          <a:fontRef idx="minor">
+            <a:schemeClr val="tx1"/>
+          </a:fontRef>
+        </p:style>
+        <p:txBody>
+          <a:bodyPr rtlCol="0" anchor="ctr"/>
+          <a:lstStyle/>
+          <a:p>
+            <a:pPr algn="ctr"/>
+            <a:endParaRPr lang="zh-TW" altLang="en-US"/>
+          </a:p>
+        </p:txBody>
+      </p:sp>
+      <p:cxnSp>
+        <p:nvCxnSpPr>
+          <p:cNvPr id="10" name="直線接點 9">
+            <a:extLst>
+              <a:ext uri="{FF2B5EF4-FFF2-40B4-BE49-F238E27FC236}">
+                <a16:creationId xmlns:a16="http://schemas.microsoft.com/office/drawing/2014/main" id="{AB9F8A92-AF72-400D-669A-06B6F5F10BBE}"/>
+              </a:ext>
+            </a:extLst>
+          </p:cNvPr>
+          <p:cNvCxnSpPr>
+            <a:stCxn id="3" idx="1"/>
+          </p:cNvCxnSpPr>
+          <p:nvPr/>
+        </p:nvCxnSpPr>
+        <p:spPr>
+          <a:xfrm>
+            <a:off x="12133811" y="3477486"/>
+            <a:ext cx="0" cy="1448475"/>
+          </a:xfrm>
+          <a:prstGeom prst="line">
+            <a:avLst/>
+          </a:prstGeom>
+        </p:spPr>
+        <p:style>
+          <a:lnRef idx="1">
+            <a:schemeClr val="accent1"/>
+          </a:lnRef>
+          <a:fillRef idx="0">
+            <a:schemeClr val="accent1"/>
+          </a:fillRef>
+          <a:effectRef idx="0">
+            <a:schemeClr val="accent1"/>
+          </a:effectRef>
+          <a:fontRef idx="minor">
+            <a:schemeClr val="tx1"/>
+          </a:fontRef>
+        </p:style>
+      </p:cxnSp>
+      <p:cxnSp>
+        <p:nvCxnSpPr>
+          <p:cNvPr id="14" name="直線單箭頭接點 13">
+            <a:extLst>
+              <a:ext uri="{FF2B5EF4-FFF2-40B4-BE49-F238E27FC236}">
+                <a16:creationId xmlns:a16="http://schemas.microsoft.com/office/drawing/2014/main" id="{58CFDD6B-A408-233F-AF05-594746D82512}"/>
+              </a:ext>
+            </a:extLst>
+          </p:cNvPr>
+          <p:cNvCxnSpPr/>
+          <p:nvPr/>
+        </p:nvCxnSpPr>
+        <p:spPr>
+          <a:xfrm flipH="1">
+            <a:off x="11463527" y="4925961"/>
+            <a:ext cx="670284" cy="0"/>
+          </a:xfrm>
+          <a:prstGeom prst="straightConnector1">
+            <a:avLst/>
+          </a:prstGeom>
+          <a:ln>
+            <a:tailEnd type="triangle"/>
+          </a:ln>
+        </p:spPr>
+        <p:style>
+          <a:lnRef idx="1">
+            <a:schemeClr val="accent1"/>
+          </a:lnRef>
+          <a:fillRef idx="0">
+            <a:schemeClr val="accent1"/>
+          </a:fillRef>
+          <a:effectRef idx="0">
+            <a:schemeClr val="accent1"/>
+          </a:effectRef>
+          <a:fontRef idx="minor">
+            <a:schemeClr val="tx1"/>
+          </a:fontRef>
+        </p:style>
+      </p:cxnSp>
     </p:spTree>
     <p:extLst>
       <p:ext uri="{BB962C8B-B14F-4D97-AF65-F5344CB8AC3E}">
@@ -20456,31 +20905,110 @@
           </a:p>
         </p:txBody>
       </p:sp>
-      <p:sp>
-        <p:nvSpPr>
-          <p:cNvPr id="3" name="內容版面配置區 2">
-            <a:extLst>
-              <a:ext uri="{FF2B5EF4-FFF2-40B4-BE49-F238E27FC236}">
-                <a16:creationId xmlns:a16="http://schemas.microsoft.com/office/drawing/2014/main" id="{A24B6AF3-B97B-C725-DBD9-94462BD9B29B}"/>
-              </a:ext>
-            </a:extLst>
-          </p:cNvPr>
-          <p:cNvSpPr>
-            <a:spLocks noGrp="1"/>
-          </p:cNvSpPr>
+      <p:pic>
+        <p:nvPicPr>
+          <p:cNvPr id="5" name="內容版面配置區 4">
+            <a:extLst>
+              <a:ext uri="{FF2B5EF4-FFF2-40B4-BE49-F238E27FC236}">
+                <a16:creationId xmlns:a16="http://schemas.microsoft.com/office/drawing/2014/main" id="{AEDF54DD-19D7-7C97-85B1-5F98D37A90E0}"/>
+              </a:ext>
+            </a:extLst>
+          </p:cNvPr>
+          <p:cNvPicPr>
+            <a:picLocks noGrp="1" noChangeAspect="1"/>
+          </p:cNvPicPr>
           <p:nvPr>
             <p:ph idx="1"/>
           </p:nvPr>
-        </p:nvSpPr>
-        <p:spPr/>
-        <p:txBody>
-          <a:bodyPr/>
-          <a:lstStyle/>
-          <a:p>
-            <a:pPr marL="0" indent="0">
-              <a:buNone/>
-            </a:pPr>
-            <a:endParaRPr lang="zh-TW" altLang="en-US"/>
+        </p:nvPicPr>
+        <p:blipFill>
+          <a:blip r:embed="rId3">
+            <a:extLst>
+              <a:ext uri="{28A0092B-C50C-407E-A947-70E740481C1C}">
+                <a14:useLocalDpi xmlns:a14="http://schemas.microsoft.com/office/drawing/2010/main" val="0"/>
+              </a:ext>
+            </a:extLst>
+          </a:blip>
+          <a:stretch>
+            <a:fillRect/>
+          </a:stretch>
+        </p:blipFill>
+        <p:spPr>
+          <a:xfrm>
+            <a:off x="555523" y="1825624"/>
+            <a:ext cx="11080955" cy="4791485"/>
+          </a:xfrm>
+        </p:spPr>
+      </p:pic>
+      <p:sp>
+        <p:nvSpPr>
+          <p:cNvPr id="6" name="文字方塊 5">
+            <a:extLst>
+              <a:ext uri="{FF2B5EF4-FFF2-40B4-BE49-F238E27FC236}">
+                <a16:creationId xmlns:a16="http://schemas.microsoft.com/office/drawing/2014/main" id="{567C9E40-4FDD-343E-7D16-11461CA44E74}"/>
+              </a:ext>
+            </a:extLst>
+          </p:cNvPr>
+          <p:cNvSpPr txBox="1"/>
+          <p:nvPr/>
+        </p:nvSpPr>
+        <p:spPr>
+          <a:xfrm>
+            <a:off x="3296092" y="3244334"/>
+            <a:ext cx="893135" cy="369332"/>
+          </a:xfrm>
+          <a:prstGeom prst="rect">
+            <a:avLst/>
+          </a:prstGeom>
+          <a:noFill/>
+        </p:spPr>
+        <p:txBody>
+          <a:bodyPr wrap="square" rtlCol="0">
+            <a:spAutoFit/>
+          </a:bodyPr>
+          <a:lstStyle/>
+          <a:p>
+            <a:r>
+              <a:rPr lang="en-US" altLang="zh-TW" dirty="0"/>
+              <a:t>Cond1</a:t>
+            </a:r>
+            <a:endParaRPr lang="zh-TW" altLang="en-US" dirty="0"/>
+          </a:p>
+        </p:txBody>
+      </p:sp>
+      <p:sp>
+        <p:nvSpPr>
+          <p:cNvPr id="7" name="文字方塊 6">
+            <a:extLst>
+              <a:ext uri="{FF2B5EF4-FFF2-40B4-BE49-F238E27FC236}">
+                <a16:creationId xmlns:a16="http://schemas.microsoft.com/office/drawing/2014/main" id="{74993B3D-3754-BE76-CB18-4FAC5B1BC9A9}"/>
+              </a:ext>
+            </a:extLst>
+          </p:cNvPr>
+          <p:cNvSpPr txBox="1"/>
+          <p:nvPr/>
+        </p:nvSpPr>
+        <p:spPr>
+          <a:xfrm>
+            <a:off x="4575543" y="4113027"/>
+            <a:ext cx="893135" cy="369332"/>
+          </a:xfrm>
+          <a:prstGeom prst="rect">
+            <a:avLst/>
+          </a:prstGeom>
+          <a:noFill/>
+        </p:spPr>
+        <p:txBody>
+          <a:bodyPr wrap="square" rtlCol="0">
+            <a:spAutoFit/>
+          </a:bodyPr>
+          <a:lstStyle/>
+          <a:p>
+            <a:r>
+              <a:rPr lang="en-US" altLang="zh-TW" dirty="0"/>
+              <a:t>Cond2</a:t>
+            </a:r>
+            <a:endParaRPr lang="zh-TW" altLang="en-US" dirty="0"/>
           </a:p>
         </p:txBody>
       </p:sp>
@@ -20498,6 +21026,2279 @@
 </file>
 
 <file path=ppt/slides/slide37.xml><?xml version="1.0" encoding="utf-8"?>
+<p:sld xmlns:a="http://schemas.openxmlformats.org/drawingml/2006/main" xmlns:r="http://schemas.openxmlformats.org/officeDocument/2006/relationships" xmlns:p="http://schemas.openxmlformats.org/presentationml/2006/main">
+  <p:cSld>
+    <p:spTree>
+      <p:nvGrpSpPr>
+        <p:cNvPr id="1" name=""/>
+        <p:cNvGrpSpPr/>
+        <p:nvPr/>
+      </p:nvGrpSpPr>
+      <p:grpSpPr>
+        <a:xfrm>
+          <a:off x="0" y="0"/>
+          <a:ext cx="0" cy="0"/>
+          <a:chOff x="0" y="0"/>
+          <a:chExt cx="0" cy="0"/>
+        </a:xfrm>
+      </p:grpSpPr>
+      <p:sp>
+        <p:nvSpPr>
+          <p:cNvPr id="2" name="標題 1">
+            <a:extLst>
+              <a:ext uri="{FF2B5EF4-FFF2-40B4-BE49-F238E27FC236}">
+                <a16:creationId xmlns:a16="http://schemas.microsoft.com/office/drawing/2014/main" id="{275D3A40-24B7-C999-F8C0-CF935B3F826C}"/>
+              </a:ext>
+            </a:extLst>
+          </p:cNvPr>
+          <p:cNvSpPr>
+            <a:spLocks noGrp="1"/>
+          </p:cNvSpPr>
+          <p:nvPr>
+            <p:ph type="title"/>
+          </p:nvPr>
+        </p:nvSpPr>
+        <p:spPr/>
+        <p:txBody>
+          <a:bodyPr/>
+          <a:lstStyle/>
+          <a:p>
+            <a:pPr algn="ctr"/>
+            <a:r>
+              <a:rPr lang="en-US" altLang="zh-TW" dirty="0"/>
+              <a:t>Schmitt Digital </a:t>
+            </a:r>
+            <a:endParaRPr lang="zh-TW" altLang="en-US" dirty="0"/>
+          </a:p>
+        </p:txBody>
+      </p:sp>
+      <mc:AlternateContent xmlns:mc="http://schemas.openxmlformats.org/markup-compatibility/2006">
+        <mc:Choice xmlns:a14="http://schemas.microsoft.com/office/drawing/2010/main" Requires="a14">
+          <p:sp>
+            <p:nvSpPr>
+              <p:cNvPr id="3" name="內容版面配置區 2">
+                <a:extLst>
+                  <a:ext uri="{FF2B5EF4-FFF2-40B4-BE49-F238E27FC236}">
+                    <a16:creationId xmlns:a16="http://schemas.microsoft.com/office/drawing/2014/main" id="{D84D3B38-6E5F-2EE8-8474-8AADA418EEDF}"/>
+                  </a:ext>
+                </a:extLst>
+              </p:cNvPr>
+              <p:cNvSpPr>
+                <a:spLocks noGrp="1"/>
+              </p:cNvSpPr>
+              <p:nvPr>
+                <p:ph idx="1"/>
+              </p:nvPr>
+            </p:nvSpPr>
+            <p:spPr/>
+            <p:txBody>
+              <a:bodyPr/>
+              <a:lstStyle/>
+              <a:p>
+                <a:pPr marL="0" indent="0">
+                  <a:buNone/>
+                </a:pPr>
+                <a14:m>
+                  <m:oMathPara xmlns:m="http://schemas.openxmlformats.org/officeDocument/2006/math">
+                    <m:oMathParaPr>
+                      <m:jc m:val="centerGroup"/>
+                    </m:oMathParaPr>
+                    <m:oMath xmlns:m="http://schemas.openxmlformats.org/officeDocument/2006/math">
+                      <m:r>
+                        <a:rPr lang="en-US" altLang="zh-TW" b="0" i="1" smtClean="0">
+                          <a:latin typeface="Cambria Math" panose="02040503050406030204" pitchFamily="18" charset="0"/>
+                        </a:rPr>
+                        <m:t>𝑦</m:t>
+                      </m:r>
+                      <m:d>
+                        <m:dPr>
+                          <m:begChr m:val="["/>
+                          <m:endChr m:val="]"/>
+                          <m:ctrlPr>
+                            <a:rPr lang="en-US" altLang="zh-TW" b="0" i="1" smtClean="0">
+                              <a:latin typeface="Cambria Math" panose="02040503050406030204" pitchFamily="18" charset="0"/>
+                            </a:rPr>
+                          </m:ctrlPr>
+                        </m:dPr>
+                        <m:e>
+                          <m:r>
+                            <a:rPr lang="en-US" altLang="zh-TW" b="0" i="1" smtClean="0">
+                              <a:latin typeface="Cambria Math" panose="02040503050406030204" pitchFamily="18" charset="0"/>
+                            </a:rPr>
+                            <m:t>𝑛</m:t>
+                          </m:r>
+                        </m:e>
+                      </m:d>
+                      <m:r>
+                        <a:rPr lang="en-US" altLang="zh-TW" b="0" i="1" smtClean="0">
+                          <a:latin typeface="Cambria Math" panose="02040503050406030204" pitchFamily="18" charset="0"/>
+                        </a:rPr>
+                        <m:t>=</m:t>
+                      </m:r>
+                      <m:r>
+                        <a:rPr lang="en-US" altLang="zh-TW" b="0" i="1" smtClean="0">
+                          <a:latin typeface="Cambria Math" panose="02040503050406030204" pitchFamily="18" charset="0"/>
+                        </a:rPr>
+                        <m:t>𝑥</m:t>
+                      </m:r>
+                      <m:d>
+                        <m:dPr>
+                          <m:begChr m:val="["/>
+                          <m:endChr m:val="]"/>
+                          <m:ctrlPr>
+                            <a:rPr lang="en-US" altLang="zh-TW" b="0" i="1" smtClean="0">
+                              <a:latin typeface="Cambria Math" panose="02040503050406030204" pitchFamily="18" charset="0"/>
+                            </a:rPr>
+                          </m:ctrlPr>
+                        </m:dPr>
+                        <m:e>
+                          <m:r>
+                            <a:rPr lang="en-US" altLang="zh-TW" b="0" i="1" smtClean="0">
+                              <a:latin typeface="Cambria Math" panose="02040503050406030204" pitchFamily="18" charset="0"/>
+                            </a:rPr>
+                            <m:t>𝑛</m:t>
+                          </m:r>
+                        </m:e>
+                      </m:d>
+                      <m:r>
+                        <a:rPr lang="en-US" altLang="zh-TW" b="0" i="1" smtClean="0">
+                          <a:latin typeface="Cambria Math" panose="02040503050406030204" pitchFamily="18" charset="0"/>
+                        </a:rPr>
+                        <m:t>−</m:t>
+                      </m:r>
+                      <m:r>
+                        <a:rPr lang="en-US" altLang="zh-TW" b="0" i="1" smtClean="0">
+                          <a:latin typeface="Cambria Math" panose="02040503050406030204" pitchFamily="18" charset="0"/>
+                        </a:rPr>
+                        <m:t>𝑥</m:t>
+                      </m:r>
+                      <m:r>
+                        <a:rPr lang="en-US" altLang="zh-TW" b="0" i="1" smtClean="0">
+                          <a:latin typeface="Cambria Math" panose="02040503050406030204" pitchFamily="18" charset="0"/>
+                        </a:rPr>
+                        <m:t>[</m:t>
+                      </m:r>
+                      <m:r>
+                        <a:rPr lang="en-US" altLang="zh-TW" b="0" i="1" smtClean="0">
+                          <a:latin typeface="Cambria Math" panose="02040503050406030204" pitchFamily="18" charset="0"/>
+                        </a:rPr>
+                        <m:t>𝑛</m:t>
+                      </m:r>
+                      <m:r>
+                        <a:rPr lang="en-US" altLang="zh-TW" b="0" i="1" smtClean="0">
+                          <a:latin typeface="Cambria Math" panose="02040503050406030204" pitchFamily="18" charset="0"/>
+                        </a:rPr>
+                        <m:t>−1]</m:t>
+                      </m:r>
+                    </m:oMath>
+                  </m:oMathPara>
+                </a14:m>
+                <a:endParaRPr lang="zh-TW" altLang="en-US" dirty="0"/>
+              </a:p>
+            </p:txBody>
+          </p:sp>
+        </mc:Choice>
+        <mc:Fallback>
+          <p:sp>
+            <p:nvSpPr>
+              <p:cNvPr id="3" name="內容版面配置區 2">
+                <a:extLst>
+                  <a:ext uri="{FF2B5EF4-FFF2-40B4-BE49-F238E27FC236}">
+                    <a16:creationId xmlns:a16="http://schemas.microsoft.com/office/drawing/2014/main" id="{D84D3B38-6E5F-2EE8-8474-8AADA418EEDF}"/>
+                  </a:ext>
+                </a:extLst>
+              </p:cNvPr>
+              <p:cNvSpPr>
+                <a:spLocks noGrp="1" noRot="1" noChangeAspect="1" noMove="1" noResize="1" noEditPoints="1" noAdjustHandles="1" noChangeArrowheads="1" noChangeShapeType="1" noTextEdit="1"/>
+              </p:cNvSpPr>
+              <p:nvPr>
+                <p:ph idx="1"/>
+              </p:nvPr>
+            </p:nvSpPr>
+            <p:spPr>
+              <a:blipFill>
+                <a:blip r:embed="rId2"/>
+                <a:stretch>
+                  <a:fillRect/>
+                </a:stretch>
+              </a:blipFill>
+            </p:spPr>
+            <p:txBody>
+              <a:bodyPr/>
+              <a:lstStyle/>
+              <a:p>
+                <a:r>
+                  <a:rPr lang="zh-TW" altLang="en-US">
+                    <a:noFill/>
+                  </a:rPr>
+                  <a:t> </a:t>
+                </a:r>
+              </a:p>
+            </p:txBody>
+          </p:sp>
+        </mc:Fallback>
+      </mc:AlternateContent>
+      <mc:AlternateContent xmlns:mc="http://schemas.openxmlformats.org/markup-compatibility/2006">
+        <mc:Choice xmlns:a14="http://schemas.microsoft.com/office/drawing/2010/main" Requires="a14">
+          <p:sp>
+            <p:nvSpPr>
+              <p:cNvPr id="4" name="文字方塊 3">
+                <a:extLst>
+                  <a:ext uri="{FF2B5EF4-FFF2-40B4-BE49-F238E27FC236}">
+                    <a16:creationId xmlns:a16="http://schemas.microsoft.com/office/drawing/2014/main" id="{4B08CC9D-1ACA-DCCA-AE98-5956F791D717}"/>
+                  </a:ext>
+                </a:extLst>
+              </p:cNvPr>
+              <p:cNvSpPr txBox="1"/>
+              <p:nvPr/>
+            </p:nvSpPr>
+            <p:spPr>
+              <a:xfrm>
+                <a:off x="6905847" y="2929270"/>
+                <a:ext cx="5566144" cy="276999"/>
+              </a:xfrm>
+              <a:prstGeom prst="rect">
+                <a:avLst/>
+              </a:prstGeom>
+              <a:noFill/>
+            </p:spPr>
+            <p:txBody>
+              <a:bodyPr wrap="square" lIns="0" tIns="0" rIns="0" bIns="0" rtlCol="0">
+                <a:spAutoFit/>
+              </a:bodyPr>
+              <a:lstStyle/>
+              <a:p>
+                <a14:m>
+                  <m:oMath xmlns:m="http://schemas.openxmlformats.org/officeDocument/2006/math">
+                    <m:r>
+                      <a:rPr lang="en-US" altLang="zh-TW" b="0" i="1" smtClean="0">
+                        <a:latin typeface="Cambria Math" panose="02040503050406030204" pitchFamily="18" charset="0"/>
+                      </a:rPr>
+                      <m:t>𝑦</m:t>
+                    </m:r>
+                    <m:d>
+                      <m:dPr>
+                        <m:begChr m:val="["/>
+                        <m:endChr m:val="]"/>
+                        <m:ctrlPr>
+                          <a:rPr lang="en-US" altLang="zh-TW" b="0" i="1" smtClean="0">
+                            <a:latin typeface="Cambria Math" panose="02040503050406030204" pitchFamily="18" charset="0"/>
+                          </a:rPr>
+                        </m:ctrlPr>
+                      </m:dPr>
+                      <m:e>
+                        <m:r>
+                          <a:rPr lang="en-US" altLang="zh-TW" b="0" i="1" smtClean="0">
+                            <a:latin typeface="Cambria Math" panose="02040503050406030204" pitchFamily="18" charset="0"/>
+                          </a:rPr>
+                          <m:t>𝑛</m:t>
+                        </m:r>
+                      </m:e>
+                    </m:d>
+                    <m:r>
+                      <a:rPr lang="en-US" altLang="zh-TW" b="0" i="1" smtClean="0">
+                        <a:latin typeface="Cambria Math" panose="02040503050406030204" pitchFamily="18" charset="0"/>
+                      </a:rPr>
+                      <m:t>&gt;0  , </m:t>
+                    </m:r>
+                    <m:r>
+                      <a:rPr lang="en-US" altLang="zh-TW" b="0" i="1" smtClean="0">
+                        <a:latin typeface="Cambria Math" panose="02040503050406030204" pitchFamily="18" charset="0"/>
+                      </a:rPr>
+                      <m:t>𝑥</m:t>
+                    </m:r>
+                    <m:d>
+                      <m:dPr>
+                        <m:begChr m:val="["/>
+                        <m:endChr m:val="]"/>
+                        <m:ctrlPr>
+                          <a:rPr lang="en-US" altLang="zh-TW" b="0" i="1" smtClean="0">
+                            <a:latin typeface="Cambria Math" panose="02040503050406030204" pitchFamily="18" charset="0"/>
+                          </a:rPr>
+                        </m:ctrlPr>
+                      </m:dPr>
+                      <m:e>
+                        <m:r>
+                          <a:rPr lang="en-US" altLang="zh-TW" b="0" i="1" smtClean="0">
+                            <a:latin typeface="Cambria Math" panose="02040503050406030204" pitchFamily="18" charset="0"/>
+                          </a:rPr>
+                          <m:t>𝑛</m:t>
+                        </m:r>
+                        <m:r>
+                          <a:rPr lang="en-US" altLang="zh-TW" b="0" i="1" smtClean="0">
+                            <a:latin typeface="Cambria Math" panose="02040503050406030204" pitchFamily="18" charset="0"/>
+                          </a:rPr>
+                          <m:t>−1</m:t>
+                        </m:r>
+                      </m:e>
+                    </m:d>
+                    <m:r>
+                      <a:rPr lang="en-US" altLang="zh-TW" b="0" i="1" smtClean="0">
+                        <a:latin typeface="Cambria Math" panose="02040503050406030204" pitchFamily="18" charset="0"/>
+                      </a:rPr>
+                      <m:t>&lt;</m:t>
+                    </m:r>
+                    <m:r>
+                      <a:rPr lang="en-US" altLang="zh-TW" b="0" i="1" smtClean="0">
+                        <a:latin typeface="Cambria Math" panose="02040503050406030204" pitchFamily="18" charset="0"/>
+                      </a:rPr>
+                      <m:t>𝐻𝑇</m:t>
+                    </m:r>
+                    <m:r>
+                      <a:rPr lang="en-US" altLang="zh-TW" b="0" i="1" smtClean="0">
+                        <a:latin typeface="Cambria Math" panose="02040503050406030204" pitchFamily="18" charset="0"/>
+                      </a:rPr>
+                      <m:t>  </m:t>
+                    </m:r>
+                    <m:r>
+                      <a:rPr lang="en-US" altLang="zh-TW" b="0" i="1" smtClean="0">
+                        <a:latin typeface="Cambria Math" panose="02040503050406030204" pitchFamily="18" charset="0"/>
+                      </a:rPr>
+                      <m:t>𝑎𝑛𝑑</m:t>
+                    </m:r>
+                    <m:r>
+                      <a:rPr lang="en-US" altLang="zh-TW" b="0" i="1" smtClean="0">
+                        <a:latin typeface="Cambria Math" panose="02040503050406030204" pitchFamily="18" charset="0"/>
+                      </a:rPr>
+                      <m:t>  </m:t>
+                    </m:r>
+                    <m:r>
+                      <a:rPr lang="en-US" altLang="zh-TW" b="0" i="1" smtClean="0">
+                        <a:latin typeface="Cambria Math" panose="02040503050406030204" pitchFamily="18" charset="0"/>
+                      </a:rPr>
+                      <m:t>𝐻𝑇</m:t>
+                    </m:r>
+                    <m:r>
+                      <a:rPr lang="en-US" altLang="zh-TW" b="0" i="1" smtClean="0">
+                        <a:latin typeface="Cambria Math" panose="02040503050406030204" pitchFamily="18" charset="0"/>
+                      </a:rPr>
+                      <m:t>&lt; </m:t>
+                    </m:r>
+                    <m:r>
+                      <a:rPr lang="en-US" altLang="zh-TW" b="0" i="1" smtClean="0">
+                        <a:latin typeface="Cambria Math" panose="02040503050406030204" pitchFamily="18" charset="0"/>
+                      </a:rPr>
+                      <m:t>𝑥</m:t>
+                    </m:r>
+                    <m:d>
+                      <m:dPr>
+                        <m:begChr m:val="["/>
+                        <m:endChr m:val="]"/>
+                        <m:ctrlPr>
+                          <a:rPr lang="en-US" altLang="zh-TW" b="0" i="1" smtClean="0">
+                            <a:latin typeface="Cambria Math" panose="02040503050406030204" pitchFamily="18" charset="0"/>
+                          </a:rPr>
+                        </m:ctrlPr>
+                      </m:dPr>
+                      <m:e>
+                        <m:r>
+                          <a:rPr lang="en-US" altLang="zh-TW" b="0" i="1" smtClean="0">
+                            <a:latin typeface="Cambria Math" panose="02040503050406030204" pitchFamily="18" charset="0"/>
+                          </a:rPr>
+                          <m:t>𝑛</m:t>
+                        </m:r>
+                      </m:e>
+                    </m:d>
+                  </m:oMath>
+                </a14:m>
+                <a:r>
+                  <a:rPr lang="zh-TW" altLang="en-US" dirty="0"/>
+                  <a:t> </a:t>
+                </a:r>
+              </a:p>
+            </p:txBody>
+          </p:sp>
+        </mc:Choice>
+        <mc:Fallback>
+          <p:sp>
+            <p:nvSpPr>
+              <p:cNvPr id="4" name="文字方塊 3">
+                <a:extLst>
+                  <a:ext uri="{FF2B5EF4-FFF2-40B4-BE49-F238E27FC236}">
+                    <a16:creationId xmlns:a16="http://schemas.microsoft.com/office/drawing/2014/main" id="{4B08CC9D-1ACA-DCCA-AE98-5956F791D717}"/>
+                  </a:ext>
+                </a:extLst>
+              </p:cNvPr>
+              <p:cNvSpPr txBox="1">
+                <a:spLocks noRot="1" noChangeAspect="1" noMove="1" noResize="1" noEditPoints="1" noAdjustHandles="1" noChangeArrowheads="1" noChangeShapeType="1" noTextEdit="1"/>
+              </p:cNvSpPr>
+              <p:nvPr/>
+            </p:nvSpPr>
+            <p:spPr>
+              <a:xfrm>
+                <a:off x="6905847" y="2929270"/>
+                <a:ext cx="5566144" cy="276999"/>
+              </a:xfrm>
+              <a:prstGeom prst="rect">
+                <a:avLst/>
+              </a:prstGeom>
+              <a:blipFill>
+                <a:blip r:embed="rId3"/>
+                <a:stretch>
+                  <a:fillRect l="-1533" b="-26667"/>
+                </a:stretch>
+              </a:blipFill>
+            </p:spPr>
+            <p:txBody>
+              <a:bodyPr/>
+              <a:lstStyle/>
+              <a:p>
+                <a:r>
+                  <a:rPr lang="zh-TW" altLang="en-US">
+                    <a:noFill/>
+                  </a:rPr>
+                  <a:t> </a:t>
+                </a:r>
+              </a:p>
+            </p:txBody>
+          </p:sp>
+        </mc:Fallback>
+      </mc:AlternateContent>
+      <p:sp>
+        <p:nvSpPr>
+          <p:cNvPr id="6" name="文字方塊 5">
+            <a:extLst>
+              <a:ext uri="{FF2B5EF4-FFF2-40B4-BE49-F238E27FC236}">
+                <a16:creationId xmlns:a16="http://schemas.microsoft.com/office/drawing/2014/main" id="{3824D909-9F90-1746-2A86-11011A4798A3}"/>
+              </a:ext>
+            </a:extLst>
+          </p:cNvPr>
+          <p:cNvSpPr txBox="1"/>
+          <p:nvPr/>
+        </p:nvSpPr>
+        <p:spPr>
+          <a:xfrm>
+            <a:off x="3524291" y="2905756"/>
+            <a:ext cx="2296633" cy="369332"/>
+          </a:xfrm>
+          <a:prstGeom prst="rect">
+            <a:avLst/>
+          </a:prstGeom>
+          <a:noFill/>
+        </p:spPr>
+        <p:txBody>
+          <a:bodyPr wrap="square" rtlCol="0">
+            <a:spAutoFit/>
+          </a:bodyPr>
+          <a:lstStyle/>
+          <a:p>
+            <a:r>
+              <a:rPr lang="en-US" altLang="zh-TW" dirty="0"/>
+              <a:t>Cond1</a:t>
+            </a:r>
+            <a:endParaRPr lang="zh-TW" altLang="en-US" dirty="0"/>
+          </a:p>
+        </p:txBody>
+      </p:sp>
+      <p:sp>
+        <p:nvSpPr>
+          <p:cNvPr id="8" name="文字方塊 7">
+            <a:extLst>
+              <a:ext uri="{FF2B5EF4-FFF2-40B4-BE49-F238E27FC236}">
+                <a16:creationId xmlns:a16="http://schemas.microsoft.com/office/drawing/2014/main" id="{F8015C8B-1CD8-275C-3521-0C1240B06C2A}"/>
+              </a:ext>
+            </a:extLst>
+          </p:cNvPr>
+          <p:cNvSpPr txBox="1"/>
+          <p:nvPr/>
+        </p:nvSpPr>
+        <p:spPr>
+          <a:xfrm>
+            <a:off x="3686355" y="4504588"/>
+            <a:ext cx="2296633" cy="369332"/>
+          </a:xfrm>
+          <a:prstGeom prst="rect">
+            <a:avLst/>
+          </a:prstGeom>
+          <a:noFill/>
+        </p:spPr>
+        <p:txBody>
+          <a:bodyPr wrap="square" rtlCol="0">
+            <a:spAutoFit/>
+          </a:bodyPr>
+          <a:lstStyle/>
+          <a:p>
+            <a:r>
+              <a:rPr lang="en-US" altLang="zh-TW" dirty="0"/>
+              <a:t>Cond2</a:t>
+            </a:r>
+            <a:endParaRPr lang="zh-TW" altLang="en-US" dirty="0"/>
+          </a:p>
+        </p:txBody>
+      </p:sp>
+      <mc:AlternateContent xmlns:mc="http://schemas.openxmlformats.org/markup-compatibility/2006">
+        <mc:Choice xmlns:a14="http://schemas.microsoft.com/office/drawing/2010/main" Requires="a14">
+          <p:sp>
+            <p:nvSpPr>
+              <p:cNvPr id="11" name="文字方塊 10">
+                <a:extLst>
+                  <a:ext uri="{FF2B5EF4-FFF2-40B4-BE49-F238E27FC236}">
+                    <a16:creationId xmlns:a16="http://schemas.microsoft.com/office/drawing/2014/main" id="{040F3485-CE07-34E7-5B4D-8D7A2A96343D}"/>
+                  </a:ext>
+                </a:extLst>
+              </p:cNvPr>
+              <p:cNvSpPr txBox="1"/>
+              <p:nvPr/>
+            </p:nvSpPr>
+            <p:spPr>
+              <a:xfrm>
+                <a:off x="6905847" y="4479815"/>
+                <a:ext cx="5566144" cy="276999"/>
+              </a:xfrm>
+              <a:prstGeom prst="rect">
+                <a:avLst/>
+              </a:prstGeom>
+              <a:noFill/>
+            </p:spPr>
+            <p:txBody>
+              <a:bodyPr wrap="square" lIns="0" tIns="0" rIns="0" bIns="0" rtlCol="0">
+                <a:spAutoFit/>
+              </a:bodyPr>
+              <a:lstStyle/>
+              <a:p>
+                <a14:m>
+                  <m:oMath xmlns:m="http://schemas.openxmlformats.org/officeDocument/2006/math">
+                    <m:r>
+                      <a:rPr lang="en-US" altLang="zh-TW" b="0" i="1" smtClean="0">
+                        <a:latin typeface="Cambria Math" panose="02040503050406030204" pitchFamily="18" charset="0"/>
+                      </a:rPr>
+                      <m:t>𝑦</m:t>
+                    </m:r>
+                    <m:d>
+                      <m:dPr>
+                        <m:begChr m:val="["/>
+                        <m:endChr m:val="]"/>
+                        <m:ctrlPr>
+                          <a:rPr lang="en-US" altLang="zh-TW" b="0" i="1" smtClean="0">
+                            <a:latin typeface="Cambria Math" panose="02040503050406030204" pitchFamily="18" charset="0"/>
+                          </a:rPr>
+                        </m:ctrlPr>
+                      </m:dPr>
+                      <m:e>
+                        <m:r>
+                          <a:rPr lang="en-US" altLang="zh-TW" b="0" i="1" smtClean="0">
+                            <a:latin typeface="Cambria Math" panose="02040503050406030204" pitchFamily="18" charset="0"/>
+                          </a:rPr>
+                          <m:t>𝑛</m:t>
+                        </m:r>
+                      </m:e>
+                    </m:d>
+                    <m:r>
+                      <a:rPr lang="en-US" altLang="zh-TW" b="0" i="1" smtClean="0">
+                        <a:latin typeface="Cambria Math" panose="02040503050406030204" pitchFamily="18" charset="0"/>
+                      </a:rPr>
+                      <m:t>&lt;0  , </m:t>
+                    </m:r>
+                    <m:r>
+                      <a:rPr lang="en-US" altLang="zh-TW" b="0" i="1" smtClean="0">
+                        <a:latin typeface="Cambria Math" panose="02040503050406030204" pitchFamily="18" charset="0"/>
+                      </a:rPr>
+                      <m:t>𝑥</m:t>
+                    </m:r>
+                    <m:d>
+                      <m:dPr>
+                        <m:begChr m:val="["/>
+                        <m:endChr m:val="]"/>
+                        <m:ctrlPr>
+                          <a:rPr lang="en-US" altLang="zh-TW" b="0" i="1" smtClean="0">
+                            <a:latin typeface="Cambria Math" panose="02040503050406030204" pitchFamily="18" charset="0"/>
+                          </a:rPr>
+                        </m:ctrlPr>
+                      </m:dPr>
+                      <m:e>
+                        <m:r>
+                          <a:rPr lang="en-US" altLang="zh-TW" b="0" i="1" smtClean="0">
+                            <a:latin typeface="Cambria Math" panose="02040503050406030204" pitchFamily="18" charset="0"/>
+                          </a:rPr>
+                          <m:t>𝑛</m:t>
+                        </m:r>
+                        <m:r>
+                          <a:rPr lang="en-US" altLang="zh-TW" b="0" i="1" smtClean="0">
+                            <a:latin typeface="Cambria Math" panose="02040503050406030204" pitchFamily="18" charset="0"/>
+                          </a:rPr>
+                          <m:t>−1</m:t>
+                        </m:r>
+                      </m:e>
+                    </m:d>
+                    <m:r>
+                      <a:rPr lang="en-US" altLang="zh-TW" b="0" i="1" smtClean="0">
+                        <a:latin typeface="Cambria Math" panose="02040503050406030204" pitchFamily="18" charset="0"/>
+                      </a:rPr>
+                      <m:t>&gt;</m:t>
+                    </m:r>
+                    <m:r>
+                      <a:rPr lang="en-US" altLang="zh-TW" b="0" i="1" smtClean="0">
+                        <a:latin typeface="Cambria Math" panose="02040503050406030204" pitchFamily="18" charset="0"/>
+                      </a:rPr>
+                      <m:t>𝐿𝑇</m:t>
+                    </m:r>
+                    <m:r>
+                      <a:rPr lang="en-US" altLang="zh-TW" b="0" i="1" smtClean="0">
+                        <a:latin typeface="Cambria Math" panose="02040503050406030204" pitchFamily="18" charset="0"/>
+                      </a:rPr>
+                      <m:t>  </m:t>
+                    </m:r>
+                    <m:r>
+                      <a:rPr lang="en-US" altLang="zh-TW" b="0" i="1" smtClean="0">
+                        <a:latin typeface="Cambria Math" panose="02040503050406030204" pitchFamily="18" charset="0"/>
+                      </a:rPr>
+                      <m:t>𝑎𝑛𝑑</m:t>
+                    </m:r>
+                    <m:r>
+                      <a:rPr lang="en-US" altLang="zh-TW" b="0" i="1" smtClean="0">
+                        <a:latin typeface="Cambria Math" panose="02040503050406030204" pitchFamily="18" charset="0"/>
+                      </a:rPr>
+                      <m:t>  </m:t>
+                    </m:r>
+                    <m:r>
+                      <a:rPr lang="en-US" altLang="zh-TW" b="0" i="1" smtClean="0">
+                        <a:latin typeface="Cambria Math" panose="02040503050406030204" pitchFamily="18" charset="0"/>
+                      </a:rPr>
+                      <m:t>𝐿𝑇</m:t>
+                    </m:r>
+                    <m:r>
+                      <a:rPr lang="en-US" altLang="zh-TW" b="0" i="1" smtClean="0">
+                        <a:latin typeface="Cambria Math" panose="02040503050406030204" pitchFamily="18" charset="0"/>
+                      </a:rPr>
+                      <m:t>&gt; </m:t>
+                    </m:r>
+                    <m:r>
+                      <a:rPr lang="en-US" altLang="zh-TW" b="0" i="1" smtClean="0">
+                        <a:latin typeface="Cambria Math" panose="02040503050406030204" pitchFamily="18" charset="0"/>
+                      </a:rPr>
+                      <m:t>𝑥</m:t>
+                    </m:r>
+                    <m:d>
+                      <m:dPr>
+                        <m:begChr m:val="["/>
+                        <m:endChr m:val="]"/>
+                        <m:ctrlPr>
+                          <a:rPr lang="en-US" altLang="zh-TW" b="0" i="1" smtClean="0">
+                            <a:latin typeface="Cambria Math" panose="02040503050406030204" pitchFamily="18" charset="0"/>
+                          </a:rPr>
+                        </m:ctrlPr>
+                      </m:dPr>
+                      <m:e>
+                        <m:r>
+                          <a:rPr lang="en-US" altLang="zh-TW" b="0" i="1" smtClean="0">
+                            <a:latin typeface="Cambria Math" panose="02040503050406030204" pitchFamily="18" charset="0"/>
+                          </a:rPr>
+                          <m:t>𝑛</m:t>
+                        </m:r>
+                      </m:e>
+                    </m:d>
+                  </m:oMath>
+                </a14:m>
+                <a:r>
+                  <a:rPr lang="zh-TW" altLang="en-US" dirty="0"/>
+                  <a:t> </a:t>
+                </a:r>
+              </a:p>
+            </p:txBody>
+          </p:sp>
+        </mc:Choice>
+        <mc:Fallback>
+          <p:sp>
+            <p:nvSpPr>
+              <p:cNvPr id="11" name="文字方塊 10">
+                <a:extLst>
+                  <a:ext uri="{FF2B5EF4-FFF2-40B4-BE49-F238E27FC236}">
+                    <a16:creationId xmlns:a16="http://schemas.microsoft.com/office/drawing/2014/main" id="{040F3485-CE07-34E7-5B4D-8D7A2A96343D}"/>
+                  </a:ext>
+                </a:extLst>
+              </p:cNvPr>
+              <p:cNvSpPr txBox="1">
+                <a:spLocks noRot="1" noChangeAspect="1" noMove="1" noResize="1" noEditPoints="1" noAdjustHandles="1" noChangeArrowheads="1" noChangeShapeType="1" noTextEdit="1"/>
+              </p:cNvSpPr>
+              <p:nvPr/>
+            </p:nvSpPr>
+            <p:spPr>
+              <a:xfrm>
+                <a:off x="6905847" y="4479815"/>
+                <a:ext cx="5566144" cy="276999"/>
+              </a:xfrm>
+              <a:prstGeom prst="rect">
+                <a:avLst/>
+              </a:prstGeom>
+              <a:blipFill>
+                <a:blip r:embed="rId4"/>
+                <a:stretch>
+                  <a:fillRect l="-1533" b="-26667"/>
+                </a:stretch>
+              </a:blipFill>
+            </p:spPr>
+            <p:txBody>
+              <a:bodyPr/>
+              <a:lstStyle/>
+              <a:p>
+                <a:r>
+                  <a:rPr lang="zh-TW" altLang="en-US">
+                    <a:noFill/>
+                  </a:rPr>
+                  <a:t> </a:t>
+                </a:r>
+              </a:p>
+            </p:txBody>
+          </p:sp>
+        </mc:Fallback>
+      </mc:AlternateContent>
+      <p:sp>
+        <p:nvSpPr>
+          <p:cNvPr id="13" name="箭號: 左-右雙向 12">
+            <a:extLst>
+              <a:ext uri="{FF2B5EF4-FFF2-40B4-BE49-F238E27FC236}">
+                <a16:creationId xmlns:a16="http://schemas.microsoft.com/office/drawing/2014/main" id="{46FDF591-7539-6375-92ED-5DACD7B8B224}"/>
+              </a:ext>
+            </a:extLst>
+          </p:cNvPr>
+          <p:cNvSpPr/>
+          <p:nvPr/>
+        </p:nvSpPr>
+        <p:spPr>
+          <a:xfrm>
+            <a:off x="5286154" y="2920866"/>
+            <a:ext cx="1127051" cy="295462"/>
+          </a:xfrm>
+          <a:prstGeom prst="leftRightArrow">
+            <a:avLst/>
+          </a:prstGeom>
+          <a:noFill/>
+          <a:ln>
+            <a:solidFill>
+              <a:schemeClr val="tx1"/>
+            </a:solidFill>
+          </a:ln>
+        </p:spPr>
+        <p:style>
+          <a:lnRef idx="2">
+            <a:schemeClr val="accent1">
+              <a:shade val="50000"/>
+            </a:schemeClr>
+          </a:lnRef>
+          <a:fillRef idx="1">
+            <a:schemeClr val="accent1"/>
+          </a:fillRef>
+          <a:effectRef idx="0">
+            <a:schemeClr val="accent1"/>
+          </a:effectRef>
+          <a:fontRef idx="minor">
+            <a:schemeClr val="lt1"/>
+          </a:fontRef>
+        </p:style>
+        <p:txBody>
+          <a:bodyPr rtlCol="0" anchor="ctr"/>
+          <a:lstStyle/>
+          <a:p>
+            <a:pPr algn="ctr"/>
+            <a:endParaRPr lang="zh-TW" altLang="en-US"/>
+          </a:p>
+        </p:txBody>
+      </p:sp>
+      <p:sp>
+        <p:nvSpPr>
+          <p:cNvPr id="14" name="箭號: 左-右雙向 13">
+            <a:extLst>
+              <a:ext uri="{FF2B5EF4-FFF2-40B4-BE49-F238E27FC236}">
+                <a16:creationId xmlns:a16="http://schemas.microsoft.com/office/drawing/2014/main" id="{927FC772-960A-DFFD-005A-F8B8F5C7DAC4}"/>
+              </a:ext>
+            </a:extLst>
+          </p:cNvPr>
+          <p:cNvSpPr/>
+          <p:nvPr/>
+        </p:nvSpPr>
+        <p:spPr>
+          <a:xfrm>
+            <a:off x="5255628" y="4488764"/>
+            <a:ext cx="1127051" cy="295462"/>
+          </a:xfrm>
+          <a:prstGeom prst="leftRightArrow">
+            <a:avLst/>
+          </a:prstGeom>
+          <a:noFill/>
+          <a:ln>
+            <a:solidFill>
+              <a:schemeClr val="tx1"/>
+            </a:solidFill>
+          </a:ln>
+        </p:spPr>
+        <p:style>
+          <a:lnRef idx="2">
+            <a:schemeClr val="accent1">
+              <a:shade val="50000"/>
+            </a:schemeClr>
+          </a:lnRef>
+          <a:fillRef idx="1">
+            <a:schemeClr val="accent1"/>
+          </a:fillRef>
+          <a:effectRef idx="0">
+            <a:schemeClr val="accent1"/>
+          </a:effectRef>
+          <a:fontRef idx="minor">
+            <a:schemeClr val="lt1"/>
+          </a:fontRef>
+        </p:style>
+        <p:txBody>
+          <a:bodyPr rtlCol="0" anchor="ctr"/>
+          <a:lstStyle/>
+          <a:p>
+            <a:pPr algn="ctr"/>
+            <a:endParaRPr lang="zh-TW" altLang="en-US"/>
+          </a:p>
+        </p:txBody>
+      </p:sp>
+    </p:spTree>
+    <p:extLst>
+      <p:ext uri="{BB962C8B-B14F-4D97-AF65-F5344CB8AC3E}">
+        <p14:creationId xmlns:p14="http://schemas.microsoft.com/office/powerpoint/2010/main" val="3739552276"/>
+      </p:ext>
+    </p:extLst>
+  </p:cSld>
+  <p:clrMapOvr>
+    <a:masterClrMapping/>
+  </p:clrMapOvr>
+</p:sld>
+</file>
+
+<file path=ppt/slides/slide38.xml><?xml version="1.0" encoding="utf-8"?>
+<p:sld xmlns:a="http://schemas.openxmlformats.org/drawingml/2006/main" xmlns:r="http://schemas.openxmlformats.org/officeDocument/2006/relationships" xmlns:p="http://schemas.openxmlformats.org/presentationml/2006/main">
+  <p:cSld>
+    <p:spTree>
+      <p:nvGrpSpPr>
+        <p:cNvPr id="1" name=""/>
+        <p:cNvGrpSpPr/>
+        <p:nvPr/>
+      </p:nvGrpSpPr>
+      <p:grpSpPr>
+        <a:xfrm>
+          <a:off x="0" y="0"/>
+          <a:ext cx="0" cy="0"/>
+          <a:chOff x="0" y="0"/>
+          <a:chExt cx="0" cy="0"/>
+        </a:xfrm>
+      </p:grpSpPr>
+      <p:sp>
+        <p:nvSpPr>
+          <p:cNvPr id="2" name="標題 1">
+            <a:extLst>
+              <a:ext uri="{FF2B5EF4-FFF2-40B4-BE49-F238E27FC236}">
+                <a16:creationId xmlns:a16="http://schemas.microsoft.com/office/drawing/2014/main" id="{43983ACA-871F-10E1-8B27-0A49086D75BC}"/>
+              </a:ext>
+            </a:extLst>
+          </p:cNvPr>
+          <p:cNvSpPr>
+            <a:spLocks noGrp="1"/>
+          </p:cNvSpPr>
+          <p:nvPr>
+            <p:ph type="title"/>
+          </p:nvPr>
+        </p:nvSpPr>
+        <p:spPr/>
+        <p:txBody>
+          <a:bodyPr/>
+          <a:lstStyle/>
+          <a:p>
+            <a:pPr algn="ctr"/>
+            <a:r>
+              <a:rPr lang="en-US" altLang="zh-TW" dirty="0"/>
+              <a:t>Schmitt Digital </a:t>
+            </a:r>
+            <a:endParaRPr lang="zh-TW" altLang="en-US" dirty="0"/>
+          </a:p>
+        </p:txBody>
+      </p:sp>
+      <p:cxnSp>
+        <p:nvCxnSpPr>
+          <p:cNvPr id="5" name="直線接點 4">
+            <a:extLst>
+              <a:ext uri="{FF2B5EF4-FFF2-40B4-BE49-F238E27FC236}">
+                <a16:creationId xmlns:a16="http://schemas.microsoft.com/office/drawing/2014/main" id="{A69B8A86-A6EC-B8E4-FDC5-7560A9550C74}"/>
+              </a:ext>
+            </a:extLst>
+          </p:cNvPr>
+          <p:cNvCxnSpPr/>
+          <p:nvPr/>
+        </p:nvCxnSpPr>
+        <p:spPr>
+          <a:xfrm>
+            <a:off x="838200" y="2764465"/>
+            <a:ext cx="10536865" cy="0"/>
+          </a:xfrm>
+          <a:prstGeom prst="line">
+            <a:avLst/>
+          </a:prstGeom>
+        </p:spPr>
+        <p:style>
+          <a:lnRef idx="1">
+            <a:schemeClr val="accent1"/>
+          </a:lnRef>
+          <a:fillRef idx="0">
+            <a:schemeClr val="accent1"/>
+          </a:fillRef>
+          <a:effectRef idx="0">
+            <a:schemeClr val="accent1"/>
+          </a:effectRef>
+          <a:fontRef idx="minor">
+            <a:schemeClr val="tx1"/>
+          </a:fontRef>
+        </p:style>
+      </p:cxnSp>
+      <p:cxnSp>
+        <p:nvCxnSpPr>
+          <p:cNvPr id="6" name="直線接點 5">
+            <a:extLst>
+              <a:ext uri="{FF2B5EF4-FFF2-40B4-BE49-F238E27FC236}">
+                <a16:creationId xmlns:a16="http://schemas.microsoft.com/office/drawing/2014/main" id="{41C06835-F088-B2F9-1A8E-0B033446051E}"/>
+              </a:ext>
+            </a:extLst>
+          </p:cNvPr>
+          <p:cNvCxnSpPr/>
+          <p:nvPr/>
+        </p:nvCxnSpPr>
+        <p:spPr>
+          <a:xfrm>
+            <a:off x="838200" y="4065182"/>
+            <a:ext cx="10536865" cy="0"/>
+          </a:xfrm>
+          <a:prstGeom prst="line">
+            <a:avLst/>
+          </a:prstGeom>
+        </p:spPr>
+        <p:style>
+          <a:lnRef idx="1">
+            <a:schemeClr val="accent1"/>
+          </a:lnRef>
+          <a:fillRef idx="0">
+            <a:schemeClr val="accent1"/>
+          </a:fillRef>
+          <a:effectRef idx="0">
+            <a:schemeClr val="accent1"/>
+          </a:effectRef>
+          <a:fontRef idx="minor">
+            <a:schemeClr val="tx1"/>
+          </a:fontRef>
+        </p:style>
+      </p:cxnSp>
+      <p:sp>
+        <p:nvSpPr>
+          <p:cNvPr id="7" name="橢圓 6">
+            <a:extLst>
+              <a:ext uri="{FF2B5EF4-FFF2-40B4-BE49-F238E27FC236}">
+                <a16:creationId xmlns:a16="http://schemas.microsoft.com/office/drawing/2014/main" id="{14C20973-6A3A-74FA-0BC9-22BD12C46B7F}"/>
+              </a:ext>
+            </a:extLst>
+          </p:cNvPr>
+          <p:cNvSpPr/>
+          <p:nvPr/>
+        </p:nvSpPr>
+        <p:spPr>
+          <a:xfrm>
+            <a:off x="1166922" y="2613626"/>
+            <a:ext cx="111643" cy="260492"/>
+          </a:xfrm>
+          <a:prstGeom prst="ellipse">
+            <a:avLst/>
+          </a:prstGeom>
+        </p:spPr>
+        <p:style>
+          <a:lnRef idx="2">
+            <a:schemeClr val="accent1">
+              <a:shade val="50000"/>
+            </a:schemeClr>
+          </a:lnRef>
+          <a:fillRef idx="1">
+            <a:schemeClr val="accent1"/>
+          </a:fillRef>
+          <a:effectRef idx="0">
+            <a:schemeClr val="accent1"/>
+          </a:effectRef>
+          <a:fontRef idx="minor">
+            <a:schemeClr val="lt1"/>
+          </a:fontRef>
+        </p:style>
+        <p:txBody>
+          <a:bodyPr rtlCol="0" anchor="ctr"/>
+          <a:lstStyle/>
+          <a:p>
+            <a:pPr algn="ctr"/>
+            <a:endParaRPr lang="zh-TW" altLang="en-US"/>
+          </a:p>
+        </p:txBody>
+      </p:sp>
+      <p:sp>
+        <p:nvSpPr>
+          <p:cNvPr id="8" name="文字方塊 7">
+            <a:extLst>
+              <a:ext uri="{FF2B5EF4-FFF2-40B4-BE49-F238E27FC236}">
+                <a16:creationId xmlns:a16="http://schemas.microsoft.com/office/drawing/2014/main" id="{792AE391-D918-D6B1-91D2-965AAFCE43CF}"/>
+              </a:ext>
+            </a:extLst>
+          </p:cNvPr>
+          <p:cNvSpPr txBox="1"/>
+          <p:nvPr/>
+        </p:nvSpPr>
+        <p:spPr>
+          <a:xfrm>
+            <a:off x="0" y="2395133"/>
+            <a:ext cx="1222744" cy="369332"/>
+          </a:xfrm>
+          <a:prstGeom prst="rect">
+            <a:avLst/>
+          </a:prstGeom>
+          <a:noFill/>
+        </p:spPr>
+        <p:txBody>
+          <a:bodyPr wrap="square" rtlCol="0">
+            <a:spAutoFit/>
+          </a:bodyPr>
+          <a:lstStyle/>
+          <a:p>
+            <a:r>
+              <a:rPr lang="en-US" altLang="zh-TW" dirty="0"/>
+              <a:t>Rising </a:t>
+            </a:r>
+            <a:r>
+              <a:rPr lang="en-US" altLang="zh-TW" dirty="0" err="1"/>
+              <a:t>Idx</a:t>
+            </a:r>
+            <a:endParaRPr lang="zh-TW" altLang="en-US" dirty="0"/>
+          </a:p>
+        </p:txBody>
+      </p:sp>
+      <p:sp>
+        <p:nvSpPr>
+          <p:cNvPr id="9" name="文字方塊 8">
+            <a:extLst>
+              <a:ext uri="{FF2B5EF4-FFF2-40B4-BE49-F238E27FC236}">
+                <a16:creationId xmlns:a16="http://schemas.microsoft.com/office/drawing/2014/main" id="{751B7857-ACA1-20E8-5A7D-DB6E930952EC}"/>
+              </a:ext>
+            </a:extLst>
+          </p:cNvPr>
+          <p:cNvSpPr txBox="1"/>
+          <p:nvPr/>
+        </p:nvSpPr>
+        <p:spPr>
+          <a:xfrm>
+            <a:off x="0" y="3617512"/>
+            <a:ext cx="1222744" cy="369332"/>
+          </a:xfrm>
+          <a:prstGeom prst="rect">
+            <a:avLst/>
+          </a:prstGeom>
+          <a:noFill/>
+        </p:spPr>
+        <p:txBody>
+          <a:bodyPr wrap="square" rtlCol="0">
+            <a:spAutoFit/>
+          </a:bodyPr>
+          <a:lstStyle/>
+          <a:p>
+            <a:r>
+              <a:rPr lang="en-US" altLang="zh-TW" dirty="0"/>
+              <a:t>Falling </a:t>
+            </a:r>
+            <a:r>
+              <a:rPr lang="en-US" altLang="zh-TW" dirty="0" err="1"/>
+              <a:t>Idx</a:t>
+            </a:r>
+            <a:endParaRPr lang="zh-TW" altLang="en-US" dirty="0"/>
+          </a:p>
+        </p:txBody>
+      </p:sp>
+      <p:sp>
+        <p:nvSpPr>
+          <p:cNvPr id="15" name="橢圓 14">
+            <a:extLst>
+              <a:ext uri="{FF2B5EF4-FFF2-40B4-BE49-F238E27FC236}">
+                <a16:creationId xmlns:a16="http://schemas.microsoft.com/office/drawing/2014/main" id="{FBED8F84-6232-2D5D-F5B0-D930F860E63E}"/>
+              </a:ext>
+            </a:extLst>
+          </p:cNvPr>
+          <p:cNvSpPr/>
+          <p:nvPr/>
+        </p:nvSpPr>
+        <p:spPr>
+          <a:xfrm>
+            <a:off x="2438400" y="2599656"/>
+            <a:ext cx="111643" cy="260492"/>
+          </a:xfrm>
+          <a:prstGeom prst="ellipse">
+            <a:avLst/>
+          </a:prstGeom>
+        </p:spPr>
+        <p:style>
+          <a:lnRef idx="2">
+            <a:schemeClr val="accent1">
+              <a:shade val="50000"/>
+            </a:schemeClr>
+          </a:lnRef>
+          <a:fillRef idx="1">
+            <a:schemeClr val="accent1"/>
+          </a:fillRef>
+          <a:effectRef idx="0">
+            <a:schemeClr val="accent1"/>
+          </a:effectRef>
+          <a:fontRef idx="minor">
+            <a:schemeClr val="lt1"/>
+          </a:fontRef>
+        </p:style>
+        <p:txBody>
+          <a:bodyPr rtlCol="0" anchor="ctr"/>
+          <a:lstStyle/>
+          <a:p>
+            <a:pPr algn="ctr"/>
+            <a:endParaRPr lang="zh-TW" altLang="en-US"/>
+          </a:p>
+        </p:txBody>
+      </p:sp>
+      <p:sp>
+        <p:nvSpPr>
+          <p:cNvPr id="16" name="橢圓 15">
+            <a:extLst>
+              <a:ext uri="{FF2B5EF4-FFF2-40B4-BE49-F238E27FC236}">
+                <a16:creationId xmlns:a16="http://schemas.microsoft.com/office/drawing/2014/main" id="{A683A858-7E52-AADF-0E43-B51FE986589B}"/>
+              </a:ext>
+            </a:extLst>
+          </p:cNvPr>
+          <p:cNvSpPr/>
+          <p:nvPr/>
+        </p:nvSpPr>
+        <p:spPr>
+          <a:xfrm>
+            <a:off x="5156789" y="2579799"/>
+            <a:ext cx="111643" cy="260492"/>
+          </a:xfrm>
+          <a:prstGeom prst="ellipse">
+            <a:avLst/>
+          </a:prstGeom>
+        </p:spPr>
+        <p:style>
+          <a:lnRef idx="2">
+            <a:schemeClr val="accent1">
+              <a:shade val="50000"/>
+            </a:schemeClr>
+          </a:lnRef>
+          <a:fillRef idx="1">
+            <a:schemeClr val="accent1"/>
+          </a:fillRef>
+          <a:effectRef idx="0">
+            <a:schemeClr val="accent1"/>
+          </a:effectRef>
+          <a:fontRef idx="minor">
+            <a:schemeClr val="lt1"/>
+          </a:fontRef>
+        </p:style>
+        <p:txBody>
+          <a:bodyPr rtlCol="0" anchor="ctr"/>
+          <a:lstStyle/>
+          <a:p>
+            <a:pPr algn="ctr"/>
+            <a:endParaRPr lang="zh-TW" altLang="en-US"/>
+          </a:p>
+        </p:txBody>
+      </p:sp>
+      <p:cxnSp>
+        <p:nvCxnSpPr>
+          <p:cNvPr id="17" name="直線接點 16">
+            <a:extLst>
+              <a:ext uri="{FF2B5EF4-FFF2-40B4-BE49-F238E27FC236}">
+                <a16:creationId xmlns:a16="http://schemas.microsoft.com/office/drawing/2014/main" id="{144C0336-8F4A-427E-949D-9271C82817F9}"/>
+              </a:ext>
+            </a:extLst>
+          </p:cNvPr>
+          <p:cNvCxnSpPr/>
+          <p:nvPr/>
+        </p:nvCxnSpPr>
+        <p:spPr>
+          <a:xfrm>
+            <a:off x="0" y="6858000"/>
+            <a:ext cx="10536865" cy="0"/>
+          </a:xfrm>
+          <a:prstGeom prst="line">
+            <a:avLst/>
+          </a:prstGeom>
+        </p:spPr>
+        <p:style>
+          <a:lnRef idx="1">
+            <a:schemeClr val="accent1"/>
+          </a:lnRef>
+          <a:fillRef idx="0">
+            <a:schemeClr val="accent1"/>
+          </a:fillRef>
+          <a:effectRef idx="0">
+            <a:schemeClr val="accent1"/>
+          </a:effectRef>
+          <a:fontRef idx="minor">
+            <a:schemeClr val="tx1"/>
+          </a:fontRef>
+        </p:style>
+      </p:cxnSp>
+      <p:cxnSp>
+        <p:nvCxnSpPr>
+          <p:cNvPr id="20" name="直線接點 19">
+            <a:extLst>
+              <a:ext uri="{FF2B5EF4-FFF2-40B4-BE49-F238E27FC236}">
+                <a16:creationId xmlns:a16="http://schemas.microsoft.com/office/drawing/2014/main" id="{37CFB74C-4FE8-925B-4195-0379ECBD3C7F}"/>
+              </a:ext>
+            </a:extLst>
+          </p:cNvPr>
+          <p:cNvCxnSpPr/>
+          <p:nvPr/>
+        </p:nvCxnSpPr>
+        <p:spPr>
+          <a:xfrm>
+            <a:off x="816935" y="5015800"/>
+            <a:ext cx="0" cy="194930"/>
+          </a:xfrm>
+          <a:prstGeom prst="line">
+            <a:avLst/>
+          </a:prstGeom>
+          <a:ln w="38100"/>
+        </p:spPr>
+        <p:style>
+          <a:lnRef idx="1">
+            <a:schemeClr val="accent1"/>
+          </a:lnRef>
+          <a:fillRef idx="0">
+            <a:schemeClr val="accent1"/>
+          </a:fillRef>
+          <a:effectRef idx="0">
+            <a:schemeClr val="accent1"/>
+          </a:effectRef>
+          <a:fontRef idx="minor">
+            <a:schemeClr val="tx1"/>
+          </a:fontRef>
+        </p:style>
+      </p:cxnSp>
+      <p:cxnSp>
+        <p:nvCxnSpPr>
+          <p:cNvPr id="23" name="直線接點 22">
+            <a:extLst>
+              <a:ext uri="{FF2B5EF4-FFF2-40B4-BE49-F238E27FC236}">
+                <a16:creationId xmlns:a16="http://schemas.microsoft.com/office/drawing/2014/main" id="{E7D5A111-8E5B-F885-6C0F-8D2E8BB1CB17}"/>
+              </a:ext>
+            </a:extLst>
+          </p:cNvPr>
+          <p:cNvCxnSpPr/>
+          <p:nvPr/>
+        </p:nvCxnSpPr>
+        <p:spPr>
+          <a:xfrm>
+            <a:off x="793009" y="5217501"/>
+            <a:ext cx="10536865" cy="0"/>
+          </a:xfrm>
+          <a:prstGeom prst="line">
+            <a:avLst/>
+          </a:prstGeom>
+        </p:spPr>
+        <p:style>
+          <a:lnRef idx="1">
+            <a:schemeClr val="accent1"/>
+          </a:lnRef>
+          <a:fillRef idx="0">
+            <a:schemeClr val="accent1"/>
+          </a:fillRef>
+          <a:effectRef idx="0">
+            <a:schemeClr val="accent1"/>
+          </a:effectRef>
+          <a:fontRef idx="minor">
+            <a:schemeClr val="tx1"/>
+          </a:fontRef>
+        </p:style>
+      </p:cxnSp>
+      <p:cxnSp>
+        <p:nvCxnSpPr>
+          <p:cNvPr id="24" name="直線接點 23">
+            <a:extLst>
+              <a:ext uri="{FF2B5EF4-FFF2-40B4-BE49-F238E27FC236}">
+                <a16:creationId xmlns:a16="http://schemas.microsoft.com/office/drawing/2014/main" id="{52D2CDA5-3E0E-1210-C563-497F4F152F7A}"/>
+              </a:ext>
+            </a:extLst>
+          </p:cNvPr>
+          <p:cNvCxnSpPr/>
+          <p:nvPr/>
+        </p:nvCxnSpPr>
+        <p:spPr>
+          <a:xfrm>
+            <a:off x="1222744" y="5015800"/>
+            <a:ext cx="0" cy="194930"/>
+          </a:xfrm>
+          <a:prstGeom prst="line">
+            <a:avLst/>
+          </a:prstGeom>
+          <a:ln w="38100"/>
+        </p:spPr>
+        <p:style>
+          <a:lnRef idx="1">
+            <a:schemeClr val="accent1"/>
+          </a:lnRef>
+          <a:fillRef idx="0">
+            <a:schemeClr val="accent1"/>
+          </a:fillRef>
+          <a:effectRef idx="0">
+            <a:schemeClr val="accent1"/>
+          </a:effectRef>
+          <a:fontRef idx="minor">
+            <a:schemeClr val="tx1"/>
+          </a:fontRef>
+        </p:style>
+      </p:cxnSp>
+      <p:cxnSp>
+        <p:nvCxnSpPr>
+          <p:cNvPr id="25" name="直線接點 24">
+            <a:extLst>
+              <a:ext uri="{FF2B5EF4-FFF2-40B4-BE49-F238E27FC236}">
+                <a16:creationId xmlns:a16="http://schemas.microsoft.com/office/drawing/2014/main" id="{1C4413F7-2F2F-846D-3B17-2623499E7D0B}"/>
+              </a:ext>
+            </a:extLst>
+          </p:cNvPr>
+          <p:cNvCxnSpPr/>
+          <p:nvPr/>
+        </p:nvCxnSpPr>
+        <p:spPr>
+          <a:xfrm>
+            <a:off x="1594884" y="5015800"/>
+            <a:ext cx="0" cy="194930"/>
+          </a:xfrm>
+          <a:prstGeom prst="line">
+            <a:avLst/>
+          </a:prstGeom>
+          <a:ln w="38100"/>
+        </p:spPr>
+        <p:style>
+          <a:lnRef idx="1">
+            <a:schemeClr val="accent1"/>
+          </a:lnRef>
+          <a:fillRef idx="0">
+            <a:schemeClr val="accent1"/>
+          </a:fillRef>
+          <a:effectRef idx="0">
+            <a:schemeClr val="accent1"/>
+          </a:effectRef>
+          <a:fontRef idx="minor">
+            <a:schemeClr val="tx1"/>
+          </a:fontRef>
+        </p:style>
+      </p:cxnSp>
+      <p:cxnSp>
+        <p:nvCxnSpPr>
+          <p:cNvPr id="26" name="直線接點 25">
+            <a:extLst>
+              <a:ext uri="{FF2B5EF4-FFF2-40B4-BE49-F238E27FC236}">
+                <a16:creationId xmlns:a16="http://schemas.microsoft.com/office/drawing/2014/main" id="{72EE696E-D2F1-6C06-C81C-6900D29C24D9}"/>
+              </a:ext>
+            </a:extLst>
+          </p:cNvPr>
+          <p:cNvCxnSpPr/>
+          <p:nvPr/>
+        </p:nvCxnSpPr>
+        <p:spPr>
+          <a:xfrm>
+            <a:off x="2044995" y="5015800"/>
+            <a:ext cx="0" cy="194930"/>
+          </a:xfrm>
+          <a:prstGeom prst="line">
+            <a:avLst/>
+          </a:prstGeom>
+          <a:ln w="38100"/>
+        </p:spPr>
+        <p:style>
+          <a:lnRef idx="1">
+            <a:schemeClr val="accent1"/>
+          </a:lnRef>
+          <a:fillRef idx="0">
+            <a:schemeClr val="accent1"/>
+          </a:fillRef>
+          <a:effectRef idx="0">
+            <a:schemeClr val="accent1"/>
+          </a:effectRef>
+          <a:fontRef idx="minor">
+            <a:schemeClr val="tx1"/>
+          </a:fontRef>
+        </p:style>
+      </p:cxnSp>
+      <p:cxnSp>
+        <p:nvCxnSpPr>
+          <p:cNvPr id="27" name="直線接點 26">
+            <a:extLst>
+              <a:ext uri="{FF2B5EF4-FFF2-40B4-BE49-F238E27FC236}">
+                <a16:creationId xmlns:a16="http://schemas.microsoft.com/office/drawing/2014/main" id="{555760A2-E8BD-2319-0292-F839E38CEA26}"/>
+              </a:ext>
+            </a:extLst>
+          </p:cNvPr>
+          <p:cNvCxnSpPr/>
+          <p:nvPr/>
+        </p:nvCxnSpPr>
+        <p:spPr>
+          <a:xfrm>
+            <a:off x="2438400" y="5015800"/>
+            <a:ext cx="0" cy="194930"/>
+          </a:xfrm>
+          <a:prstGeom prst="line">
+            <a:avLst/>
+          </a:prstGeom>
+          <a:ln w="38100"/>
+        </p:spPr>
+        <p:style>
+          <a:lnRef idx="1">
+            <a:schemeClr val="accent1"/>
+          </a:lnRef>
+          <a:fillRef idx="0">
+            <a:schemeClr val="accent1"/>
+          </a:fillRef>
+          <a:effectRef idx="0">
+            <a:schemeClr val="accent1"/>
+          </a:effectRef>
+          <a:fontRef idx="minor">
+            <a:schemeClr val="tx1"/>
+          </a:fontRef>
+        </p:style>
+      </p:cxnSp>
+      <p:cxnSp>
+        <p:nvCxnSpPr>
+          <p:cNvPr id="28" name="直線接點 27">
+            <a:extLst>
+              <a:ext uri="{FF2B5EF4-FFF2-40B4-BE49-F238E27FC236}">
+                <a16:creationId xmlns:a16="http://schemas.microsoft.com/office/drawing/2014/main" id="{6E2B5A28-E5A5-27F8-2684-ED2A640A5D0E}"/>
+              </a:ext>
+            </a:extLst>
+          </p:cNvPr>
+          <p:cNvCxnSpPr/>
+          <p:nvPr/>
+        </p:nvCxnSpPr>
+        <p:spPr>
+          <a:xfrm>
+            <a:off x="2864586" y="5015800"/>
+            <a:ext cx="0" cy="194930"/>
+          </a:xfrm>
+          <a:prstGeom prst="line">
+            <a:avLst/>
+          </a:prstGeom>
+          <a:ln w="38100"/>
+        </p:spPr>
+        <p:style>
+          <a:lnRef idx="1">
+            <a:schemeClr val="accent1"/>
+          </a:lnRef>
+          <a:fillRef idx="0">
+            <a:schemeClr val="accent1"/>
+          </a:fillRef>
+          <a:effectRef idx="0">
+            <a:schemeClr val="accent1"/>
+          </a:effectRef>
+          <a:fontRef idx="minor">
+            <a:schemeClr val="tx1"/>
+          </a:fontRef>
+        </p:style>
+      </p:cxnSp>
+      <p:cxnSp>
+        <p:nvCxnSpPr>
+          <p:cNvPr id="29" name="直線接點 28">
+            <a:extLst>
+              <a:ext uri="{FF2B5EF4-FFF2-40B4-BE49-F238E27FC236}">
+                <a16:creationId xmlns:a16="http://schemas.microsoft.com/office/drawing/2014/main" id="{84879C5F-FDEB-F479-9BBE-76472B291D7C}"/>
+              </a:ext>
+            </a:extLst>
+          </p:cNvPr>
+          <p:cNvCxnSpPr/>
+          <p:nvPr/>
+        </p:nvCxnSpPr>
+        <p:spPr>
+          <a:xfrm>
+            <a:off x="3236725" y="5010265"/>
+            <a:ext cx="0" cy="194930"/>
+          </a:xfrm>
+          <a:prstGeom prst="line">
+            <a:avLst/>
+          </a:prstGeom>
+          <a:ln w="38100"/>
+        </p:spPr>
+        <p:style>
+          <a:lnRef idx="1">
+            <a:schemeClr val="accent1"/>
+          </a:lnRef>
+          <a:fillRef idx="0">
+            <a:schemeClr val="accent1"/>
+          </a:fillRef>
+          <a:effectRef idx="0">
+            <a:schemeClr val="accent1"/>
+          </a:effectRef>
+          <a:fontRef idx="minor">
+            <a:schemeClr val="tx1"/>
+          </a:fontRef>
+        </p:style>
+      </p:cxnSp>
+      <p:cxnSp>
+        <p:nvCxnSpPr>
+          <p:cNvPr id="30" name="直線接點 29">
+            <a:extLst>
+              <a:ext uri="{FF2B5EF4-FFF2-40B4-BE49-F238E27FC236}">
+                <a16:creationId xmlns:a16="http://schemas.microsoft.com/office/drawing/2014/main" id="{AD7032CC-1BA4-7D64-A729-B2FFEF6244C3}"/>
+              </a:ext>
+            </a:extLst>
+          </p:cNvPr>
+          <p:cNvCxnSpPr/>
+          <p:nvPr/>
+        </p:nvCxnSpPr>
+        <p:spPr>
+          <a:xfrm>
+            <a:off x="3612409" y="5017911"/>
+            <a:ext cx="0" cy="194930"/>
+          </a:xfrm>
+          <a:prstGeom prst="line">
+            <a:avLst/>
+          </a:prstGeom>
+          <a:ln w="38100"/>
+        </p:spPr>
+        <p:style>
+          <a:lnRef idx="1">
+            <a:schemeClr val="accent1"/>
+          </a:lnRef>
+          <a:fillRef idx="0">
+            <a:schemeClr val="accent1"/>
+          </a:fillRef>
+          <a:effectRef idx="0">
+            <a:schemeClr val="accent1"/>
+          </a:effectRef>
+          <a:fontRef idx="minor">
+            <a:schemeClr val="tx1"/>
+          </a:fontRef>
+        </p:style>
+      </p:cxnSp>
+      <p:cxnSp>
+        <p:nvCxnSpPr>
+          <p:cNvPr id="31" name="直線接點 30">
+            <a:extLst>
+              <a:ext uri="{FF2B5EF4-FFF2-40B4-BE49-F238E27FC236}">
+                <a16:creationId xmlns:a16="http://schemas.microsoft.com/office/drawing/2014/main" id="{0545103C-036D-1D74-4B34-656FEB2B9FF0}"/>
+              </a:ext>
+            </a:extLst>
+          </p:cNvPr>
+          <p:cNvCxnSpPr/>
+          <p:nvPr/>
+        </p:nvCxnSpPr>
+        <p:spPr>
+          <a:xfrm>
+            <a:off x="4073153" y="5022571"/>
+            <a:ext cx="0" cy="194930"/>
+          </a:xfrm>
+          <a:prstGeom prst="line">
+            <a:avLst/>
+          </a:prstGeom>
+          <a:ln w="38100"/>
+        </p:spPr>
+        <p:style>
+          <a:lnRef idx="1">
+            <a:schemeClr val="accent1"/>
+          </a:lnRef>
+          <a:fillRef idx="0">
+            <a:schemeClr val="accent1"/>
+          </a:fillRef>
+          <a:effectRef idx="0">
+            <a:schemeClr val="accent1"/>
+          </a:effectRef>
+          <a:fontRef idx="minor">
+            <a:schemeClr val="tx1"/>
+          </a:fontRef>
+        </p:style>
+      </p:cxnSp>
+      <p:cxnSp>
+        <p:nvCxnSpPr>
+          <p:cNvPr id="32" name="直線接點 31">
+            <a:extLst>
+              <a:ext uri="{FF2B5EF4-FFF2-40B4-BE49-F238E27FC236}">
+                <a16:creationId xmlns:a16="http://schemas.microsoft.com/office/drawing/2014/main" id="{3730EBE8-B802-9263-43AE-BA4CCC52B7B5}"/>
+              </a:ext>
+            </a:extLst>
+          </p:cNvPr>
+          <p:cNvCxnSpPr/>
+          <p:nvPr/>
+        </p:nvCxnSpPr>
+        <p:spPr>
+          <a:xfrm>
+            <a:off x="4480734" y="5010265"/>
+            <a:ext cx="0" cy="194930"/>
+          </a:xfrm>
+          <a:prstGeom prst="line">
+            <a:avLst/>
+          </a:prstGeom>
+          <a:ln w="38100"/>
+        </p:spPr>
+        <p:style>
+          <a:lnRef idx="1">
+            <a:schemeClr val="accent1"/>
+          </a:lnRef>
+          <a:fillRef idx="0">
+            <a:schemeClr val="accent1"/>
+          </a:fillRef>
+          <a:effectRef idx="0">
+            <a:schemeClr val="accent1"/>
+          </a:effectRef>
+          <a:fontRef idx="minor">
+            <a:schemeClr val="tx1"/>
+          </a:fontRef>
+        </p:style>
+      </p:cxnSp>
+      <p:cxnSp>
+        <p:nvCxnSpPr>
+          <p:cNvPr id="33" name="直線接點 32">
+            <a:extLst>
+              <a:ext uri="{FF2B5EF4-FFF2-40B4-BE49-F238E27FC236}">
+                <a16:creationId xmlns:a16="http://schemas.microsoft.com/office/drawing/2014/main" id="{3ABEB581-E7D9-EBA1-C568-41E16CD45C86}"/>
+              </a:ext>
+            </a:extLst>
+          </p:cNvPr>
+          <p:cNvCxnSpPr/>
+          <p:nvPr/>
+        </p:nvCxnSpPr>
+        <p:spPr>
+          <a:xfrm>
+            <a:off x="4857009" y="5010265"/>
+            <a:ext cx="0" cy="194930"/>
+          </a:xfrm>
+          <a:prstGeom prst="line">
+            <a:avLst/>
+          </a:prstGeom>
+          <a:ln w="38100"/>
+        </p:spPr>
+        <p:style>
+          <a:lnRef idx="1">
+            <a:schemeClr val="accent1"/>
+          </a:lnRef>
+          <a:fillRef idx="0">
+            <a:schemeClr val="accent1"/>
+          </a:fillRef>
+          <a:effectRef idx="0">
+            <a:schemeClr val="accent1"/>
+          </a:effectRef>
+          <a:fontRef idx="minor">
+            <a:schemeClr val="tx1"/>
+          </a:fontRef>
+        </p:style>
+      </p:cxnSp>
+      <p:cxnSp>
+        <p:nvCxnSpPr>
+          <p:cNvPr id="34" name="直線接點 33">
+            <a:extLst>
+              <a:ext uri="{FF2B5EF4-FFF2-40B4-BE49-F238E27FC236}">
+                <a16:creationId xmlns:a16="http://schemas.microsoft.com/office/drawing/2014/main" id="{A8C85513-0927-B7BD-3E46-FC29EEBF33A6}"/>
+              </a:ext>
+            </a:extLst>
+          </p:cNvPr>
+          <p:cNvCxnSpPr/>
+          <p:nvPr/>
+        </p:nvCxnSpPr>
+        <p:spPr>
+          <a:xfrm>
+            <a:off x="5268432" y="5004292"/>
+            <a:ext cx="0" cy="194930"/>
+          </a:xfrm>
+          <a:prstGeom prst="line">
+            <a:avLst/>
+          </a:prstGeom>
+          <a:ln w="38100"/>
+        </p:spPr>
+        <p:style>
+          <a:lnRef idx="1">
+            <a:schemeClr val="accent1"/>
+          </a:lnRef>
+          <a:fillRef idx="0">
+            <a:schemeClr val="accent1"/>
+          </a:fillRef>
+          <a:effectRef idx="0">
+            <a:schemeClr val="accent1"/>
+          </a:effectRef>
+          <a:fontRef idx="minor">
+            <a:schemeClr val="tx1"/>
+          </a:fontRef>
+        </p:style>
+      </p:cxnSp>
+      <p:cxnSp>
+        <p:nvCxnSpPr>
+          <p:cNvPr id="35" name="直線接點 34">
+            <a:extLst>
+              <a:ext uri="{FF2B5EF4-FFF2-40B4-BE49-F238E27FC236}">
+                <a16:creationId xmlns:a16="http://schemas.microsoft.com/office/drawing/2014/main" id="{47BD5986-592D-A5CD-9A91-BEB517C8A4D3}"/>
+              </a:ext>
+            </a:extLst>
+          </p:cNvPr>
+          <p:cNvCxnSpPr/>
+          <p:nvPr/>
+        </p:nvCxnSpPr>
+        <p:spPr>
+          <a:xfrm>
+            <a:off x="5676013" y="5022571"/>
+            <a:ext cx="0" cy="194930"/>
+          </a:xfrm>
+          <a:prstGeom prst="line">
+            <a:avLst/>
+          </a:prstGeom>
+          <a:ln w="38100"/>
+        </p:spPr>
+        <p:style>
+          <a:lnRef idx="1">
+            <a:schemeClr val="accent1"/>
+          </a:lnRef>
+          <a:fillRef idx="0">
+            <a:schemeClr val="accent1"/>
+          </a:fillRef>
+          <a:effectRef idx="0">
+            <a:schemeClr val="accent1"/>
+          </a:effectRef>
+          <a:fontRef idx="minor">
+            <a:schemeClr val="tx1"/>
+          </a:fontRef>
+        </p:style>
+      </p:cxnSp>
+      <p:cxnSp>
+        <p:nvCxnSpPr>
+          <p:cNvPr id="36" name="直線接點 35">
+            <a:extLst>
+              <a:ext uri="{FF2B5EF4-FFF2-40B4-BE49-F238E27FC236}">
+                <a16:creationId xmlns:a16="http://schemas.microsoft.com/office/drawing/2014/main" id="{DFF2218F-B493-781F-3906-C35A2706F8D2}"/>
+              </a:ext>
+            </a:extLst>
+          </p:cNvPr>
+          <p:cNvCxnSpPr/>
+          <p:nvPr/>
+        </p:nvCxnSpPr>
+        <p:spPr>
+          <a:xfrm>
+            <a:off x="6061441" y="5004292"/>
+            <a:ext cx="0" cy="194930"/>
+          </a:xfrm>
+          <a:prstGeom prst="line">
+            <a:avLst/>
+          </a:prstGeom>
+          <a:ln w="38100"/>
+        </p:spPr>
+        <p:style>
+          <a:lnRef idx="1">
+            <a:schemeClr val="accent1"/>
+          </a:lnRef>
+          <a:fillRef idx="0">
+            <a:schemeClr val="accent1"/>
+          </a:fillRef>
+          <a:effectRef idx="0">
+            <a:schemeClr val="accent1"/>
+          </a:effectRef>
+          <a:fontRef idx="minor">
+            <a:schemeClr val="tx1"/>
+          </a:fontRef>
+        </p:style>
+      </p:cxnSp>
+      <p:cxnSp>
+        <p:nvCxnSpPr>
+          <p:cNvPr id="37" name="直線接點 36">
+            <a:extLst>
+              <a:ext uri="{FF2B5EF4-FFF2-40B4-BE49-F238E27FC236}">
+                <a16:creationId xmlns:a16="http://schemas.microsoft.com/office/drawing/2014/main" id="{865F3A9D-A96B-2DD7-E8B7-B89527C2DCEF}"/>
+              </a:ext>
+            </a:extLst>
+          </p:cNvPr>
+          <p:cNvCxnSpPr/>
+          <p:nvPr/>
+        </p:nvCxnSpPr>
+        <p:spPr>
+          <a:xfrm>
+            <a:off x="6479655" y="5004292"/>
+            <a:ext cx="0" cy="194930"/>
+          </a:xfrm>
+          <a:prstGeom prst="line">
+            <a:avLst/>
+          </a:prstGeom>
+          <a:ln w="38100"/>
+        </p:spPr>
+        <p:style>
+          <a:lnRef idx="1">
+            <a:schemeClr val="accent1"/>
+          </a:lnRef>
+          <a:fillRef idx="0">
+            <a:schemeClr val="accent1"/>
+          </a:fillRef>
+          <a:effectRef idx="0">
+            <a:schemeClr val="accent1"/>
+          </a:effectRef>
+          <a:fontRef idx="minor">
+            <a:schemeClr val="tx1"/>
+          </a:fontRef>
+        </p:style>
+      </p:cxnSp>
+      <p:cxnSp>
+        <p:nvCxnSpPr>
+          <p:cNvPr id="38" name="直線接點 37">
+            <a:extLst>
+              <a:ext uri="{FF2B5EF4-FFF2-40B4-BE49-F238E27FC236}">
+                <a16:creationId xmlns:a16="http://schemas.microsoft.com/office/drawing/2014/main" id="{EDD29496-C840-B1CA-500D-5DDF8076A721}"/>
+              </a:ext>
+            </a:extLst>
+          </p:cNvPr>
+          <p:cNvCxnSpPr/>
+          <p:nvPr/>
+        </p:nvCxnSpPr>
+        <p:spPr>
+          <a:xfrm>
+            <a:off x="6844706" y="5004292"/>
+            <a:ext cx="0" cy="194930"/>
+          </a:xfrm>
+          <a:prstGeom prst="line">
+            <a:avLst/>
+          </a:prstGeom>
+          <a:ln w="38100"/>
+        </p:spPr>
+        <p:style>
+          <a:lnRef idx="1">
+            <a:schemeClr val="accent1"/>
+          </a:lnRef>
+          <a:fillRef idx="0">
+            <a:schemeClr val="accent1"/>
+          </a:fillRef>
+          <a:effectRef idx="0">
+            <a:schemeClr val="accent1"/>
+          </a:effectRef>
+          <a:fontRef idx="minor">
+            <a:schemeClr val="tx1"/>
+          </a:fontRef>
+        </p:style>
+      </p:cxnSp>
+      <p:cxnSp>
+        <p:nvCxnSpPr>
+          <p:cNvPr id="39" name="直線接點 38">
+            <a:extLst>
+              <a:ext uri="{FF2B5EF4-FFF2-40B4-BE49-F238E27FC236}">
+                <a16:creationId xmlns:a16="http://schemas.microsoft.com/office/drawing/2014/main" id="{3B4C1CC1-10C1-BBD4-141F-813D30721C45}"/>
+              </a:ext>
+            </a:extLst>
+          </p:cNvPr>
+          <p:cNvCxnSpPr/>
+          <p:nvPr/>
+        </p:nvCxnSpPr>
+        <p:spPr>
+          <a:xfrm>
+            <a:off x="7284186" y="5017473"/>
+            <a:ext cx="0" cy="194930"/>
+          </a:xfrm>
+          <a:prstGeom prst="line">
+            <a:avLst/>
+          </a:prstGeom>
+          <a:ln w="38100"/>
+        </p:spPr>
+        <p:style>
+          <a:lnRef idx="1">
+            <a:schemeClr val="accent1"/>
+          </a:lnRef>
+          <a:fillRef idx="0">
+            <a:schemeClr val="accent1"/>
+          </a:fillRef>
+          <a:effectRef idx="0">
+            <a:schemeClr val="accent1"/>
+          </a:effectRef>
+          <a:fontRef idx="minor">
+            <a:schemeClr val="tx1"/>
+          </a:fontRef>
+        </p:style>
+      </p:cxnSp>
+      <p:cxnSp>
+        <p:nvCxnSpPr>
+          <p:cNvPr id="40" name="直線接點 39">
+            <a:extLst>
+              <a:ext uri="{FF2B5EF4-FFF2-40B4-BE49-F238E27FC236}">
+                <a16:creationId xmlns:a16="http://schemas.microsoft.com/office/drawing/2014/main" id="{147E9B58-3CA4-D08D-19C6-0112A2374A5B}"/>
+              </a:ext>
+            </a:extLst>
+          </p:cNvPr>
+          <p:cNvCxnSpPr/>
+          <p:nvPr/>
+        </p:nvCxnSpPr>
+        <p:spPr>
+          <a:xfrm>
+            <a:off x="7702400" y="5022571"/>
+            <a:ext cx="0" cy="194930"/>
+          </a:xfrm>
+          <a:prstGeom prst="line">
+            <a:avLst/>
+          </a:prstGeom>
+          <a:ln w="38100"/>
+        </p:spPr>
+        <p:style>
+          <a:lnRef idx="1">
+            <a:schemeClr val="accent1"/>
+          </a:lnRef>
+          <a:fillRef idx="0">
+            <a:schemeClr val="accent1"/>
+          </a:fillRef>
+          <a:effectRef idx="0">
+            <a:schemeClr val="accent1"/>
+          </a:effectRef>
+          <a:fontRef idx="minor">
+            <a:schemeClr val="tx1"/>
+          </a:fontRef>
+        </p:style>
+      </p:cxnSp>
+      <p:cxnSp>
+        <p:nvCxnSpPr>
+          <p:cNvPr id="41" name="直線接點 40">
+            <a:extLst>
+              <a:ext uri="{FF2B5EF4-FFF2-40B4-BE49-F238E27FC236}">
+                <a16:creationId xmlns:a16="http://schemas.microsoft.com/office/drawing/2014/main" id="{DF982DE5-5297-0040-B72F-7AF5D4032227}"/>
+              </a:ext>
+            </a:extLst>
+          </p:cNvPr>
+          <p:cNvCxnSpPr/>
+          <p:nvPr/>
+        </p:nvCxnSpPr>
+        <p:spPr>
+          <a:xfrm>
+            <a:off x="8078084" y="5047281"/>
+            <a:ext cx="0" cy="194930"/>
+          </a:xfrm>
+          <a:prstGeom prst="line">
+            <a:avLst/>
+          </a:prstGeom>
+          <a:ln w="38100"/>
+        </p:spPr>
+        <p:style>
+          <a:lnRef idx="1">
+            <a:schemeClr val="accent1"/>
+          </a:lnRef>
+          <a:fillRef idx="0">
+            <a:schemeClr val="accent1"/>
+          </a:fillRef>
+          <a:effectRef idx="0">
+            <a:schemeClr val="accent1"/>
+          </a:effectRef>
+          <a:fontRef idx="minor">
+            <a:schemeClr val="tx1"/>
+          </a:fontRef>
+        </p:style>
+      </p:cxnSp>
+      <p:cxnSp>
+        <p:nvCxnSpPr>
+          <p:cNvPr id="42" name="直線接點 41">
+            <a:extLst>
+              <a:ext uri="{FF2B5EF4-FFF2-40B4-BE49-F238E27FC236}">
+                <a16:creationId xmlns:a16="http://schemas.microsoft.com/office/drawing/2014/main" id="{47B303D5-C2B3-2801-098E-2B123804B32A}"/>
+              </a:ext>
+            </a:extLst>
+          </p:cNvPr>
+          <p:cNvCxnSpPr/>
+          <p:nvPr/>
+        </p:nvCxnSpPr>
+        <p:spPr>
+          <a:xfrm>
+            <a:off x="8528196" y="5017057"/>
+            <a:ext cx="0" cy="194930"/>
+          </a:xfrm>
+          <a:prstGeom prst="line">
+            <a:avLst/>
+          </a:prstGeom>
+          <a:ln w="38100"/>
+        </p:spPr>
+        <p:style>
+          <a:lnRef idx="1">
+            <a:schemeClr val="accent1"/>
+          </a:lnRef>
+          <a:fillRef idx="0">
+            <a:schemeClr val="accent1"/>
+          </a:fillRef>
+          <a:effectRef idx="0">
+            <a:schemeClr val="accent1"/>
+          </a:effectRef>
+          <a:fontRef idx="minor">
+            <a:schemeClr val="tx1"/>
+          </a:fontRef>
+        </p:style>
+      </p:cxnSp>
+      <p:cxnSp>
+        <p:nvCxnSpPr>
+          <p:cNvPr id="43" name="直線接點 42">
+            <a:extLst>
+              <a:ext uri="{FF2B5EF4-FFF2-40B4-BE49-F238E27FC236}">
+                <a16:creationId xmlns:a16="http://schemas.microsoft.com/office/drawing/2014/main" id="{FAECDC25-62D9-E6C2-4CFB-266A9FB69464}"/>
+              </a:ext>
+            </a:extLst>
+          </p:cNvPr>
+          <p:cNvCxnSpPr/>
+          <p:nvPr/>
+        </p:nvCxnSpPr>
+        <p:spPr>
+          <a:xfrm>
+            <a:off x="8935777" y="5030238"/>
+            <a:ext cx="0" cy="194930"/>
+          </a:xfrm>
+          <a:prstGeom prst="line">
+            <a:avLst/>
+          </a:prstGeom>
+          <a:ln w="38100"/>
+        </p:spPr>
+        <p:style>
+          <a:lnRef idx="1">
+            <a:schemeClr val="accent1"/>
+          </a:lnRef>
+          <a:fillRef idx="0">
+            <a:schemeClr val="accent1"/>
+          </a:fillRef>
+          <a:effectRef idx="0">
+            <a:schemeClr val="accent1"/>
+          </a:effectRef>
+          <a:fontRef idx="minor">
+            <a:schemeClr val="tx1"/>
+          </a:fontRef>
+        </p:style>
+      </p:cxnSp>
+      <p:cxnSp>
+        <p:nvCxnSpPr>
+          <p:cNvPr id="44" name="直線接點 43">
+            <a:extLst>
+              <a:ext uri="{FF2B5EF4-FFF2-40B4-BE49-F238E27FC236}">
+                <a16:creationId xmlns:a16="http://schemas.microsoft.com/office/drawing/2014/main" id="{EEFD0CBE-96E0-E4BF-AEBD-6D7EF1199ECE}"/>
+              </a:ext>
+            </a:extLst>
+          </p:cNvPr>
+          <p:cNvCxnSpPr/>
+          <p:nvPr/>
+        </p:nvCxnSpPr>
+        <p:spPr>
+          <a:xfrm>
+            <a:off x="9311461" y="5022571"/>
+            <a:ext cx="0" cy="194930"/>
+          </a:xfrm>
+          <a:prstGeom prst="line">
+            <a:avLst/>
+          </a:prstGeom>
+          <a:ln w="38100"/>
+        </p:spPr>
+        <p:style>
+          <a:lnRef idx="1">
+            <a:schemeClr val="accent1"/>
+          </a:lnRef>
+          <a:fillRef idx="0">
+            <a:schemeClr val="accent1"/>
+          </a:fillRef>
+          <a:effectRef idx="0">
+            <a:schemeClr val="accent1"/>
+          </a:effectRef>
+          <a:fontRef idx="minor">
+            <a:schemeClr val="tx1"/>
+          </a:fontRef>
+        </p:style>
+      </p:cxnSp>
+      <p:cxnSp>
+        <p:nvCxnSpPr>
+          <p:cNvPr id="45" name="直線接點 44">
+            <a:extLst>
+              <a:ext uri="{FF2B5EF4-FFF2-40B4-BE49-F238E27FC236}">
+                <a16:creationId xmlns:a16="http://schemas.microsoft.com/office/drawing/2014/main" id="{07F26078-F77D-1352-8E77-B824C28AE351}"/>
+              </a:ext>
+            </a:extLst>
+          </p:cNvPr>
+          <p:cNvCxnSpPr/>
+          <p:nvPr/>
+        </p:nvCxnSpPr>
+        <p:spPr>
+          <a:xfrm>
+            <a:off x="9719043" y="5025120"/>
+            <a:ext cx="0" cy="194930"/>
+          </a:xfrm>
+          <a:prstGeom prst="line">
+            <a:avLst/>
+          </a:prstGeom>
+          <a:ln w="38100"/>
+        </p:spPr>
+        <p:style>
+          <a:lnRef idx="1">
+            <a:schemeClr val="accent1"/>
+          </a:lnRef>
+          <a:fillRef idx="0">
+            <a:schemeClr val="accent1"/>
+          </a:fillRef>
+          <a:effectRef idx="0">
+            <a:schemeClr val="accent1"/>
+          </a:effectRef>
+          <a:fontRef idx="minor">
+            <a:schemeClr val="tx1"/>
+          </a:fontRef>
+        </p:style>
+      </p:cxnSp>
+      <p:cxnSp>
+        <p:nvCxnSpPr>
+          <p:cNvPr id="46" name="直線接點 45">
+            <a:extLst>
+              <a:ext uri="{FF2B5EF4-FFF2-40B4-BE49-F238E27FC236}">
+                <a16:creationId xmlns:a16="http://schemas.microsoft.com/office/drawing/2014/main" id="{99E72112-B4ED-143F-F7AA-9028D1E7EB94}"/>
+              </a:ext>
+            </a:extLst>
+          </p:cNvPr>
+          <p:cNvCxnSpPr/>
+          <p:nvPr/>
+        </p:nvCxnSpPr>
+        <p:spPr>
+          <a:xfrm>
+            <a:off x="10147889" y="5015800"/>
+            <a:ext cx="0" cy="194930"/>
+          </a:xfrm>
+          <a:prstGeom prst="line">
+            <a:avLst/>
+          </a:prstGeom>
+          <a:ln w="38100"/>
+        </p:spPr>
+        <p:style>
+          <a:lnRef idx="1">
+            <a:schemeClr val="accent1"/>
+          </a:lnRef>
+          <a:fillRef idx="0">
+            <a:schemeClr val="accent1"/>
+          </a:fillRef>
+          <a:effectRef idx="0">
+            <a:schemeClr val="accent1"/>
+          </a:effectRef>
+          <a:fontRef idx="minor">
+            <a:schemeClr val="tx1"/>
+          </a:fontRef>
+        </p:style>
+      </p:cxnSp>
+      <p:cxnSp>
+        <p:nvCxnSpPr>
+          <p:cNvPr id="47" name="直線接點 46">
+            <a:extLst>
+              <a:ext uri="{FF2B5EF4-FFF2-40B4-BE49-F238E27FC236}">
+                <a16:creationId xmlns:a16="http://schemas.microsoft.com/office/drawing/2014/main" id="{7E5E354A-C548-E8E8-A3D6-5A69EB801441}"/>
+              </a:ext>
+            </a:extLst>
+          </p:cNvPr>
+          <p:cNvCxnSpPr/>
+          <p:nvPr/>
+        </p:nvCxnSpPr>
+        <p:spPr>
+          <a:xfrm>
+            <a:off x="10555470" y="5030238"/>
+            <a:ext cx="0" cy="194930"/>
+          </a:xfrm>
+          <a:prstGeom prst="line">
+            <a:avLst/>
+          </a:prstGeom>
+          <a:ln w="38100"/>
+        </p:spPr>
+        <p:style>
+          <a:lnRef idx="1">
+            <a:schemeClr val="accent1"/>
+          </a:lnRef>
+          <a:fillRef idx="0">
+            <a:schemeClr val="accent1"/>
+          </a:fillRef>
+          <a:effectRef idx="0">
+            <a:schemeClr val="accent1"/>
+          </a:effectRef>
+          <a:fontRef idx="minor">
+            <a:schemeClr val="tx1"/>
+          </a:fontRef>
+        </p:style>
+      </p:cxnSp>
+      <p:sp>
+        <p:nvSpPr>
+          <p:cNvPr id="48" name="橢圓 47">
+            <a:extLst>
+              <a:ext uri="{FF2B5EF4-FFF2-40B4-BE49-F238E27FC236}">
+                <a16:creationId xmlns:a16="http://schemas.microsoft.com/office/drawing/2014/main" id="{AB2EEEC5-261C-1673-0EB7-45C759C72C90}"/>
+              </a:ext>
+            </a:extLst>
+          </p:cNvPr>
+          <p:cNvSpPr/>
+          <p:nvPr/>
+        </p:nvSpPr>
+        <p:spPr>
+          <a:xfrm>
+            <a:off x="7646578" y="2579342"/>
+            <a:ext cx="111643" cy="260492"/>
+          </a:xfrm>
+          <a:prstGeom prst="ellipse">
+            <a:avLst/>
+          </a:prstGeom>
+        </p:spPr>
+        <p:style>
+          <a:lnRef idx="2">
+            <a:schemeClr val="accent1">
+              <a:shade val="50000"/>
+            </a:schemeClr>
+          </a:lnRef>
+          <a:fillRef idx="1">
+            <a:schemeClr val="accent1"/>
+          </a:fillRef>
+          <a:effectRef idx="0">
+            <a:schemeClr val="accent1"/>
+          </a:effectRef>
+          <a:fontRef idx="minor">
+            <a:schemeClr val="lt1"/>
+          </a:fontRef>
+        </p:style>
+        <p:txBody>
+          <a:bodyPr rtlCol="0" anchor="ctr"/>
+          <a:lstStyle/>
+          <a:p>
+            <a:pPr algn="ctr"/>
+            <a:endParaRPr lang="zh-TW" altLang="en-US"/>
+          </a:p>
+        </p:txBody>
+      </p:sp>
+      <p:sp>
+        <p:nvSpPr>
+          <p:cNvPr id="49" name="橢圓 48">
+            <a:extLst>
+              <a:ext uri="{FF2B5EF4-FFF2-40B4-BE49-F238E27FC236}">
+                <a16:creationId xmlns:a16="http://schemas.microsoft.com/office/drawing/2014/main" id="{E82CD555-A692-349B-2020-734CED405E46}"/>
+              </a:ext>
+            </a:extLst>
+          </p:cNvPr>
+          <p:cNvSpPr/>
+          <p:nvPr/>
+        </p:nvSpPr>
+        <p:spPr>
+          <a:xfrm>
+            <a:off x="10036246" y="2613626"/>
+            <a:ext cx="111643" cy="260492"/>
+          </a:xfrm>
+          <a:prstGeom prst="ellipse">
+            <a:avLst/>
+          </a:prstGeom>
+        </p:spPr>
+        <p:style>
+          <a:lnRef idx="2">
+            <a:schemeClr val="accent1">
+              <a:shade val="50000"/>
+            </a:schemeClr>
+          </a:lnRef>
+          <a:fillRef idx="1">
+            <a:schemeClr val="accent1"/>
+          </a:fillRef>
+          <a:effectRef idx="0">
+            <a:schemeClr val="accent1"/>
+          </a:effectRef>
+          <a:fontRef idx="minor">
+            <a:schemeClr val="lt1"/>
+          </a:fontRef>
+        </p:style>
+        <p:txBody>
+          <a:bodyPr rtlCol="0" anchor="ctr"/>
+          <a:lstStyle/>
+          <a:p>
+            <a:pPr algn="ctr"/>
+            <a:endParaRPr lang="zh-TW" altLang="en-US"/>
+          </a:p>
+        </p:txBody>
+      </p:sp>
+    </p:spTree>
+    <p:extLst>
+      <p:ext uri="{BB962C8B-B14F-4D97-AF65-F5344CB8AC3E}">
+        <p14:creationId xmlns:p14="http://schemas.microsoft.com/office/powerpoint/2010/main" val="3669953387"/>
+      </p:ext>
+    </p:extLst>
+  </p:cSld>
+  <p:clrMapOvr>
+    <a:masterClrMapping/>
+  </p:clrMapOvr>
+</p:sld>
+</file>
+
+<file path=ppt/slides/slide39.xml><?xml version="1.0" encoding="utf-8"?>
 <p:sld xmlns:a="http://schemas.openxmlformats.org/drawingml/2006/main" xmlns:r="http://schemas.openxmlformats.org/officeDocument/2006/relationships" xmlns:p="http://schemas.openxmlformats.org/presentationml/2006/main">
   <p:cSld>
     <p:spTree>
@@ -20908,7 +23709,7 @@
 </p:sld>
 </file>
 
-<file path=ppt/slides/slide38.xml><?xml version="1.0" encoding="utf-8"?>
+<file path=ppt/slides/slide4.xml><?xml version="1.0" encoding="utf-8"?>
 <p:sld xmlns:a="http://schemas.openxmlformats.org/drawingml/2006/main" xmlns:r="http://schemas.openxmlformats.org/officeDocument/2006/relationships" xmlns:p="http://schemas.openxmlformats.org/presentationml/2006/main">
   <p:cSld>
     <p:spTree>
@@ -20930,6 +23731,170 @@
           <p:cNvPr id="2" name="標題 1">
             <a:extLst>
               <a:ext uri="{FF2B5EF4-FFF2-40B4-BE49-F238E27FC236}">
+                <a16:creationId xmlns:a16="http://schemas.microsoft.com/office/drawing/2014/main" id="{909DFB7A-5178-A910-AF8A-5FC156C6DC4F}"/>
+              </a:ext>
+            </a:extLst>
+          </p:cNvPr>
+          <p:cNvSpPr>
+            <a:spLocks noGrp="1"/>
+          </p:cNvSpPr>
+          <p:nvPr>
+            <p:ph type="title"/>
+          </p:nvPr>
+        </p:nvSpPr>
+        <p:spPr/>
+        <p:txBody>
+          <a:bodyPr/>
+          <a:lstStyle/>
+          <a:p>
+            <a:pPr algn="ctr"/>
+            <a:r>
+              <a:rPr lang="en-US" altLang="zh-TW" dirty="0"/>
+              <a:t>ADC</a:t>
+            </a:r>
+            <a:r>
+              <a:rPr lang="zh-TW" altLang="en-US" dirty="0"/>
+              <a:t> 數位架構</a:t>
+            </a:r>
+          </a:p>
+        </p:txBody>
+      </p:sp>
+      <p:sp>
+        <p:nvSpPr>
+          <p:cNvPr id="3" name="內容版面配置區 2">
+            <a:extLst>
+              <a:ext uri="{FF2B5EF4-FFF2-40B4-BE49-F238E27FC236}">
+                <a16:creationId xmlns:a16="http://schemas.microsoft.com/office/drawing/2014/main" id="{8A99489D-A16A-D6B9-AC42-459E9A5A1CDB}"/>
+              </a:ext>
+            </a:extLst>
+          </p:cNvPr>
+          <p:cNvSpPr>
+            <a:spLocks noGrp="1"/>
+          </p:cNvSpPr>
+          <p:nvPr>
+            <p:ph idx="1"/>
+          </p:nvPr>
+        </p:nvSpPr>
+        <p:spPr>
+          <a:xfrm>
+            <a:off x="838200" y="1864535"/>
+            <a:ext cx="10515600" cy="4351338"/>
+          </a:xfrm>
+        </p:spPr>
+        <p:txBody>
+          <a:bodyPr/>
+          <a:lstStyle/>
+          <a:p>
+            <a:pPr marL="0" indent="0">
+              <a:buNone/>
+            </a:pPr>
+            <a:r>
+              <a:rPr lang="zh-TW" altLang="en-US" dirty="0"/>
+              <a:t>章節列表</a:t>
+            </a:r>
+            <a:endParaRPr lang="en-US" altLang="zh-TW" dirty="0"/>
+          </a:p>
+          <a:p>
+            <a:pPr marL="0" indent="0">
+              <a:buNone/>
+            </a:pPr>
+            <a:endParaRPr lang="en-US" altLang="zh-TW" dirty="0"/>
+          </a:p>
+          <a:p>
+            <a:pPr marL="514350" indent="-514350">
+              <a:buAutoNum type="arabicPeriod"/>
+            </a:pPr>
+            <a:r>
+              <a:rPr lang="zh-TW" altLang="en-US" dirty="0"/>
+              <a:t>目的</a:t>
+            </a:r>
+            <a:endParaRPr lang="en-US" altLang="zh-TW" dirty="0"/>
+          </a:p>
+          <a:p>
+            <a:pPr marL="514350" indent="-514350">
+              <a:buAutoNum type="arabicPeriod"/>
+            </a:pPr>
+            <a:endParaRPr lang="en-US" altLang="zh-TW" dirty="0"/>
+          </a:p>
+          <a:p>
+            <a:pPr marL="514350" indent="-514350">
+              <a:buAutoNum type="arabicPeriod"/>
+            </a:pPr>
+            <a:r>
+              <a:rPr lang="zh-TW" altLang="en-US" dirty="0"/>
+              <a:t>解決的問題列表</a:t>
+            </a:r>
+            <a:endParaRPr lang="en-US" altLang="zh-TW" dirty="0"/>
+          </a:p>
+          <a:p>
+            <a:pPr marL="514350" indent="-514350">
+              <a:buAutoNum type="arabicPeriod"/>
+            </a:pPr>
+            <a:endParaRPr lang="en-US" altLang="zh-TW" dirty="0"/>
+          </a:p>
+          <a:p>
+            <a:pPr marL="514350" indent="-514350">
+              <a:buAutoNum type="arabicPeriod"/>
+            </a:pPr>
+            <a:r>
+              <a:rPr lang="en-US" altLang="zh-TW" dirty="0"/>
+              <a:t>ADC </a:t>
+            </a:r>
+            <a:r>
+              <a:rPr lang="zh-TW" altLang="en-US" dirty="0"/>
+              <a:t>架構</a:t>
+            </a:r>
+            <a:endParaRPr lang="en-US" altLang="zh-TW" dirty="0"/>
+          </a:p>
+          <a:p>
+            <a:pPr marL="514350" indent="-514350">
+              <a:buAutoNum type="arabicPeriod"/>
+            </a:pPr>
+            <a:endParaRPr lang="en-US" altLang="zh-TW" dirty="0"/>
+          </a:p>
+          <a:p>
+            <a:pPr marL="514350" indent="-514350">
+              <a:buAutoNum type="arabicPeriod"/>
+            </a:pPr>
+            <a:endParaRPr lang="zh-TW" altLang="en-US" dirty="0"/>
+          </a:p>
+        </p:txBody>
+      </p:sp>
+    </p:spTree>
+    <p:extLst>
+      <p:ext uri="{BB962C8B-B14F-4D97-AF65-F5344CB8AC3E}">
+        <p14:creationId xmlns:p14="http://schemas.microsoft.com/office/powerpoint/2010/main" val="4269580222"/>
+      </p:ext>
+    </p:extLst>
+  </p:cSld>
+  <p:clrMapOvr>
+    <a:masterClrMapping/>
+  </p:clrMapOvr>
+</p:sld>
+</file>
+
+<file path=ppt/slides/slide40.xml><?xml version="1.0" encoding="utf-8"?>
+<p:sld xmlns:a="http://schemas.openxmlformats.org/drawingml/2006/main" xmlns:r="http://schemas.openxmlformats.org/officeDocument/2006/relationships" xmlns:p="http://schemas.openxmlformats.org/presentationml/2006/main">
+  <p:cSld>
+    <p:spTree>
+      <p:nvGrpSpPr>
+        <p:cNvPr id="1" name=""/>
+        <p:cNvGrpSpPr/>
+        <p:nvPr/>
+      </p:nvGrpSpPr>
+      <p:grpSpPr>
+        <a:xfrm>
+          <a:off x="0" y="0"/>
+          <a:ext cx="0" cy="0"/>
+          <a:chOff x="0" y="0"/>
+          <a:chExt cx="0" cy="0"/>
+        </a:xfrm>
+      </p:grpSpPr>
+      <p:sp>
+        <p:nvSpPr>
+          <p:cNvPr id="2" name="標題 1">
+            <a:extLst>
+              <a:ext uri="{FF2B5EF4-FFF2-40B4-BE49-F238E27FC236}">
                 <a16:creationId xmlns:a16="http://schemas.microsoft.com/office/drawing/2014/main" id="{44A3EED0-E48E-5075-AF86-C1688A025F82}"/>
               </a:ext>
             </a:extLst>
@@ -21046,7 +24011,7 @@
 </p:sld>
 </file>
 
-<file path=ppt/slides/slide39.xml><?xml version="1.0" encoding="utf-8"?>
+<file path=ppt/slides/slide41.xml><?xml version="1.0" encoding="utf-8"?>
 <p:sld xmlns:a="http://schemas.openxmlformats.org/drawingml/2006/main" xmlns:r="http://schemas.openxmlformats.org/officeDocument/2006/relationships" xmlns:p="http://schemas.openxmlformats.org/presentationml/2006/main">
   <p:cSld>
     <p:spTree>
@@ -21420,558 +24385,6 @@
 </p:sld>
 </file>
 
-<file path=ppt/slides/slide4.xml><?xml version="1.0" encoding="utf-8"?>
-<p:sld xmlns:a="http://schemas.openxmlformats.org/drawingml/2006/main" xmlns:r="http://schemas.openxmlformats.org/officeDocument/2006/relationships" xmlns:p="http://schemas.openxmlformats.org/presentationml/2006/main">
-  <p:cSld>
-    <p:spTree>
-      <p:nvGrpSpPr>
-        <p:cNvPr id="1" name=""/>
-        <p:cNvGrpSpPr/>
-        <p:nvPr/>
-      </p:nvGrpSpPr>
-      <p:grpSpPr>
-        <a:xfrm>
-          <a:off x="0" y="0"/>
-          <a:ext cx="0" cy="0"/>
-          <a:chOff x="0" y="0"/>
-          <a:chExt cx="0" cy="0"/>
-        </a:xfrm>
-      </p:grpSpPr>
-      <p:sp>
-        <p:nvSpPr>
-          <p:cNvPr id="2" name="標題 1">
-            <a:extLst>
-              <a:ext uri="{FF2B5EF4-FFF2-40B4-BE49-F238E27FC236}">
-                <a16:creationId xmlns:a16="http://schemas.microsoft.com/office/drawing/2014/main" id="{909DFB7A-5178-A910-AF8A-5FC156C6DC4F}"/>
-              </a:ext>
-            </a:extLst>
-          </p:cNvPr>
-          <p:cNvSpPr>
-            <a:spLocks noGrp="1"/>
-          </p:cNvSpPr>
-          <p:nvPr>
-            <p:ph type="title"/>
-          </p:nvPr>
-        </p:nvSpPr>
-        <p:spPr/>
-        <p:txBody>
-          <a:bodyPr/>
-          <a:lstStyle/>
-          <a:p>
-            <a:pPr algn="ctr"/>
-            <a:r>
-              <a:rPr lang="en-US" altLang="zh-TW" dirty="0"/>
-              <a:t>ADC</a:t>
-            </a:r>
-            <a:r>
-              <a:rPr lang="zh-TW" altLang="en-US" dirty="0"/>
-              <a:t> 數位架構</a:t>
-            </a:r>
-          </a:p>
-        </p:txBody>
-      </p:sp>
-      <p:sp>
-        <p:nvSpPr>
-          <p:cNvPr id="3" name="內容版面配置區 2">
-            <a:extLst>
-              <a:ext uri="{FF2B5EF4-FFF2-40B4-BE49-F238E27FC236}">
-                <a16:creationId xmlns:a16="http://schemas.microsoft.com/office/drawing/2014/main" id="{8A99489D-A16A-D6B9-AC42-459E9A5A1CDB}"/>
-              </a:ext>
-            </a:extLst>
-          </p:cNvPr>
-          <p:cNvSpPr>
-            <a:spLocks noGrp="1"/>
-          </p:cNvSpPr>
-          <p:nvPr>
-            <p:ph idx="1"/>
-          </p:nvPr>
-        </p:nvSpPr>
-        <p:spPr>
-          <a:xfrm>
-            <a:off x="838200" y="1864535"/>
-            <a:ext cx="10515600" cy="4351338"/>
-          </a:xfrm>
-        </p:spPr>
-        <p:txBody>
-          <a:bodyPr/>
-          <a:lstStyle/>
-          <a:p>
-            <a:pPr marL="0" indent="0">
-              <a:buNone/>
-            </a:pPr>
-            <a:r>
-              <a:rPr lang="zh-TW" altLang="en-US" dirty="0"/>
-              <a:t>章節列表</a:t>
-            </a:r>
-            <a:endParaRPr lang="en-US" altLang="zh-TW" dirty="0"/>
-          </a:p>
-          <a:p>
-            <a:pPr marL="0" indent="0">
-              <a:buNone/>
-            </a:pPr>
-            <a:endParaRPr lang="en-US" altLang="zh-TW" dirty="0"/>
-          </a:p>
-          <a:p>
-            <a:pPr marL="514350" indent="-514350">
-              <a:buAutoNum type="arabicPeriod"/>
-            </a:pPr>
-            <a:r>
-              <a:rPr lang="zh-TW" altLang="en-US" dirty="0"/>
-              <a:t>目的</a:t>
-            </a:r>
-            <a:endParaRPr lang="en-US" altLang="zh-TW" dirty="0"/>
-          </a:p>
-          <a:p>
-            <a:pPr marL="514350" indent="-514350">
-              <a:buAutoNum type="arabicPeriod"/>
-            </a:pPr>
-            <a:endParaRPr lang="en-US" altLang="zh-TW" dirty="0"/>
-          </a:p>
-          <a:p>
-            <a:pPr marL="514350" indent="-514350">
-              <a:buAutoNum type="arabicPeriod"/>
-            </a:pPr>
-            <a:r>
-              <a:rPr lang="zh-TW" altLang="en-US" dirty="0"/>
-              <a:t>解決的問題列表</a:t>
-            </a:r>
-            <a:endParaRPr lang="en-US" altLang="zh-TW" dirty="0"/>
-          </a:p>
-          <a:p>
-            <a:pPr marL="514350" indent="-514350">
-              <a:buAutoNum type="arabicPeriod"/>
-            </a:pPr>
-            <a:endParaRPr lang="en-US" altLang="zh-TW" dirty="0"/>
-          </a:p>
-          <a:p>
-            <a:pPr marL="514350" indent="-514350">
-              <a:buAutoNum type="arabicPeriod"/>
-            </a:pPr>
-            <a:r>
-              <a:rPr lang="en-US" altLang="zh-TW" dirty="0"/>
-              <a:t>ADC </a:t>
-            </a:r>
-            <a:r>
-              <a:rPr lang="zh-TW" altLang="en-US" dirty="0"/>
-              <a:t>架構</a:t>
-            </a:r>
-            <a:endParaRPr lang="en-US" altLang="zh-TW" dirty="0"/>
-          </a:p>
-          <a:p>
-            <a:pPr marL="514350" indent="-514350">
-              <a:buAutoNum type="arabicPeriod"/>
-            </a:pPr>
-            <a:endParaRPr lang="en-US" altLang="zh-TW" dirty="0"/>
-          </a:p>
-          <a:p>
-            <a:pPr marL="514350" indent="-514350">
-              <a:buAutoNum type="arabicPeriod"/>
-            </a:pPr>
-            <a:endParaRPr lang="zh-TW" altLang="en-US" dirty="0"/>
-          </a:p>
-        </p:txBody>
-      </p:sp>
-    </p:spTree>
-    <p:extLst>
-      <p:ext uri="{BB962C8B-B14F-4D97-AF65-F5344CB8AC3E}">
-        <p14:creationId xmlns:p14="http://schemas.microsoft.com/office/powerpoint/2010/main" val="4269580222"/>
-      </p:ext>
-    </p:extLst>
-  </p:cSld>
-  <p:clrMapOvr>
-    <a:masterClrMapping/>
-  </p:clrMapOvr>
-</p:sld>
-</file>
-
-<file path=ppt/slides/slide40.xml><?xml version="1.0" encoding="utf-8"?>
-<p:sld xmlns:a="http://schemas.openxmlformats.org/drawingml/2006/main" xmlns:r="http://schemas.openxmlformats.org/officeDocument/2006/relationships" xmlns:p="http://schemas.openxmlformats.org/presentationml/2006/main">
-  <p:cSld>
-    <p:spTree>
-      <p:nvGrpSpPr>
-        <p:cNvPr id="1" name=""/>
-        <p:cNvGrpSpPr/>
-        <p:nvPr/>
-      </p:nvGrpSpPr>
-      <p:grpSpPr>
-        <a:xfrm>
-          <a:off x="0" y="0"/>
-          <a:ext cx="0" cy="0"/>
-          <a:chOff x="0" y="0"/>
-          <a:chExt cx="0" cy="0"/>
-        </a:xfrm>
-      </p:grpSpPr>
-      <p:sp>
-        <p:nvSpPr>
-          <p:cNvPr id="2" name="標題 1">
-            <a:extLst>
-              <a:ext uri="{FF2B5EF4-FFF2-40B4-BE49-F238E27FC236}">
-                <a16:creationId xmlns:a16="http://schemas.microsoft.com/office/drawing/2014/main" id="{BD4F6E74-41DD-5DFF-8A35-FC63C2A0B647}"/>
-              </a:ext>
-            </a:extLst>
-          </p:cNvPr>
-          <p:cNvSpPr>
-            <a:spLocks noGrp="1"/>
-          </p:cNvSpPr>
-          <p:nvPr>
-            <p:ph type="title"/>
-          </p:nvPr>
-        </p:nvSpPr>
-        <p:spPr/>
-        <p:txBody>
-          <a:bodyPr/>
-          <a:lstStyle/>
-          <a:p>
-            <a:pPr algn="ctr"/>
-            <a:r>
-              <a:rPr lang="en-US" altLang="zh-TW" dirty="0"/>
-              <a:t>DSSS Wave with T5</a:t>
-            </a:r>
-            <a:endParaRPr lang="zh-TW" altLang="en-US" dirty="0"/>
-          </a:p>
-        </p:txBody>
-      </p:sp>
-      <p:pic>
-        <p:nvPicPr>
-          <p:cNvPr id="5" name="內容版面配置區 4">
-            <a:extLst>
-              <a:ext uri="{FF2B5EF4-FFF2-40B4-BE49-F238E27FC236}">
-                <a16:creationId xmlns:a16="http://schemas.microsoft.com/office/drawing/2014/main" id="{063DCBD2-1AC4-1AC9-A55C-CC45CD4E8DE8}"/>
-              </a:ext>
-            </a:extLst>
-          </p:cNvPr>
-          <p:cNvPicPr>
-            <a:picLocks noGrp="1" noChangeAspect="1"/>
-          </p:cNvPicPr>
-          <p:nvPr>
-            <p:ph idx="1"/>
-          </p:nvPr>
-        </p:nvPicPr>
-        <p:blipFill>
-          <a:blip r:embed="rId2">
-            <a:extLst>
-              <a:ext uri="{28A0092B-C50C-407E-A947-70E740481C1C}">
-                <a14:useLocalDpi xmlns:a14="http://schemas.microsoft.com/office/drawing/2010/main" val="0"/>
-              </a:ext>
-            </a:extLst>
-          </a:blip>
-          <a:stretch>
-            <a:fillRect/>
-          </a:stretch>
-        </p:blipFill>
-        <p:spPr>
-          <a:xfrm>
-            <a:off x="0" y="1852454"/>
-            <a:ext cx="12192000" cy="5005546"/>
-          </a:xfrm>
-        </p:spPr>
-      </p:pic>
-      <p:sp>
-        <p:nvSpPr>
-          <p:cNvPr id="6" name="文字方塊 5">
-            <a:extLst>
-              <a:ext uri="{FF2B5EF4-FFF2-40B4-BE49-F238E27FC236}">
-                <a16:creationId xmlns:a16="http://schemas.microsoft.com/office/drawing/2014/main" id="{657C2232-6BE1-3EDF-BDBE-4F5514E53DB9}"/>
-              </a:ext>
-            </a:extLst>
-          </p:cNvPr>
-          <p:cNvSpPr txBox="1"/>
-          <p:nvPr/>
-        </p:nvSpPr>
-        <p:spPr>
-          <a:xfrm>
-            <a:off x="4673600" y="1667788"/>
-            <a:ext cx="3933371" cy="369332"/>
-          </a:xfrm>
-          <a:prstGeom prst="rect">
-            <a:avLst/>
-          </a:prstGeom>
-          <a:noFill/>
-        </p:spPr>
-        <p:txBody>
-          <a:bodyPr wrap="square" rtlCol="0">
-            <a:spAutoFit/>
-          </a:bodyPr>
-          <a:lstStyle/>
-          <a:p>
-            <a:r>
-              <a:rPr lang="zh-TW" altLang="en-US" dirty="0"/>
-              <a:t>透過比較器將訊號還原</a:t>
-            </a:r>
-          </a:p>
-        </p:txBody>
-      </p:sp>
-    </p:spTree>
-    <p:extLst>
-      <p:ext uri="{BB962C8B-B14F-4D97-AF65-F5344CB8AC3E}">
-        <p14:creationId xmlns:p14="http://schemas.microsoft.com/office/powerpoint/2010/main" val="2721288156"/>
-      </p:ext>
-    </p:extLst>
-  </p:cSld>
-  <p:clrMapOvr>
-    <a:masterClrMapping/>
-  </p:clrMapOvr>
-</p:sld>
-</file>
-
-<file path=ppt/slides/slide41.xml><?xml version="1.0" encoding="utf-8"?>
-<p:sld xmlns:a="http://schemas.openxmlformats.org/drawingml/2006/main" xmlns:r="http://schemas.openxmlformats.org/officeDocument/2006/relationships" xmlns:p="http://schemas.openxmlformats.org/presentationml/2006/main">
-  <p:cSld>
-    <p:spTree>
-      <p:nvGrpSpPr>
-        <p:cNvPr id="1" name=""/>
-        <p:cNvGrpSpPr/>
-        <p:nvPr/>
-      </p:nvGrpSpPr>
-      <p:grpSpPr>
-        <a:xfrm>
-          <a:off x="0" y="0"/>
-          <a:ext cx="0" cy="0"/>
-          <a:chOff x="0" y="0"/>
-          <a:chExt cx="0" cy="0"/>
-        </a:xfrm>
-      </p:grpSpPr>
-      <p:sp>
-        <p:nvSpPr>
-          <p:cNvPr id="2" name="標題 1">
-            <a:extLst>
-              <a:ext uri="{FF2B5EF4-FFF2-40B4-BE49-F238E27FC236}">
-                <a16:creationId xmlns:a16="http://schemas.microsoft.com/office/drawing/2014/main" id="{D6BCE54B-5713-5B04-E759-8A8D96A55CB3}"/>
-              </a:ext>
-            </a:extLst>
-          </p:cNvPr>
-          <p:cNvSpPr>
-            <a:spLocks noGrp="1"/>
-          </p:cNvSpPr>
-          <p:nvPr>
-            <p:ph type="title"/>
-          </p:nvPr>
-        </p:nvSpPr>
-        <p:spPr/>
-        <p:txBody>
-          <a:bodyPr/>
-          <a:lstStyle/>
-          <a:p>
-            <a:pPr algn="ctr"/>
-            <a:r>
-              <a:rPr lang="en-US" altLang="zh-TW" dirty="0"/>
-              <a:t>DSSS Wave with T5</a:t>
-            </a:r>
-            <a:endParaRPr lang="zh-TW" altLang="en-US" dirty="0"/>
-          </a:p>
-        </p:txBody>
-      </p:sp>
-      <p:pic>
-        <p:nvPicPr>
-          <p:cNvPr id="5" name="內容版面配置區 4">
-            <a:extLst>
-              <a:ext uri="{FF2B5EF4-FFF2-40B4-BE49-F238E27FC236}">
-                <a16:creationId xmlns:a16="http://schemas.microsoft.com/office/drawing/2014/main" id="{74713380-74F2-DA34-0B57-977650ACA931}"/>
-              </a:ext>
-            </a:extLst>
-          </p:cNvPr>
-          <p:cNvPicPr>
-            <a:picLocks noGrp="1" noChangeAspect="1"/>
-          </p:cNvPicPr>
-          <p:nvPr>
-            <p:ph idx="1"/>
-          </p:nvPr>
-        </p:nvPicPr>
-        <p:blipFill>
-          <a:blip r:embed="rId2">
-            <a:extLst>
-              <a:ext uri="{28A0092B-C50C-407E-A947-70E740481C1C}">
-                <a14:useLocalDpi xmlns:a14="http://schemas.microsoft.com/office/drawing/2010/main" val="0"/>
-              </a:ext>
-            </a:extLst>
-          </a:blip>
-          <a:srcRect/>
-          <a:stretch/>
-        </p:blipFill>
-        <p:spPr>
-          <a:xfrm>
-            <a:off x="0" y="1825784"/>
-            <a:ext cx="12192000" cy="5032216"/>
-          </a:xfrm>
-        </p:spPr>
-      </p:pic>
-      <p:sp>
-        <p:nvSpPr>
-          <p:cNvPr id="6" name="文字方塊 5">
-            <a:extLst>
-              <a:ext uri="{FF2B5EF4-FFF2-40B4-BE49-F238E27FC236}">
-                <a16:creationId xmlns:a16="http://schemas.microsoft.com/office/drawing/2014/main" id="{30433AF9-FE4A-ED53-2D0B-73AA5995A79C}"/>
-              </a:ext>
-            </a:extLst>
-          </p:cNvPr>
-          <p:cNvSpPr txBox="1"/>
-          <p:nvPr/>
-        </p:nvSpPr>
-        <p:spPr>
-          <a:xfrm>
-            <a:off x="8824688" y="952024"/>
-            <a:ext cx="4426855" cy="1477328"/>
-          </a:xfrm>
-          <a:prstGeom prst="rect">
-            <a:avLst/>
-          </a:prstGeom>
-          <a:noFill/>
-        </p:spPr>
-        <p:txBody>
-          <a:bodyPr wrap="square" rtlCol="0">
-            <a:spAutoFit/>
-          </a:bodyPr>
-          <a:lstStyle/>
-          <a:p>
-            <a:r>
-              <a:rPr lang="zh-TW" altLang="en-US" dirty="0"/>
-              <a:t>註解 </a:t>
-            </a:r>
-            <a:r>
-              <a:rPr lang="en-US" altLang="zh-TW" dirty="0"/>
-              <a:t>:</a:t>
-            </a:r>
-          </a:p>
-          <a:p>
-            <a:pPr marL="342900" indent="-342900">
-              <a:buAutoNum type="arabicPeriod"/>
-            </a:pPr>
-            <a:r>
-              <a:rPr lang="zh-TW" altLang="en-US" dirty="0"/>
-              <a:t>原始訊號 </a:t>
-            </a:r>
-            <a:r>
-              <a:rPr lang="en-US" altLang="zh-TW" dirty="0"/>
-              <a:t>:</a:t>
-            </a:r>
-            <a:r>
-              <a:rPr lang="zh-TW" altLang="en-US" dirty="0"/>
-              <a:t> 黃色</a:t>
-            </a:r>
-            <a:endParaRPr lang="en-US" altLang="zh-TW" dirty="0"/>
-          </a:p>
-          <a:p>
-            <a:pPr marL="342900" indent="-342900">
-              <a:buAutoNum type="arabicPeriod"/>
-            </a:pPr>
-            <a:r>
-              <a:rPr lang="zh-TW" altLang="en-US" dirty="0"/>
-              <a:t>經過還原後訊號 </a:t>
-            </a:r>
-            <a:r>
-              <a:rPr lang="en-US" altLang="zh-TW" dirty="0"/>
-              <a:t>: </a:t>
-            </a:r>
-            <a:r>
-              <a:rPr lang="zh-TW" altLang="en-US" dirty="0"/>
-              <a:t>紫色</a:t>
-            </a:r>
-            <a:endParaRPr lang="en-US" altLang="zh-TW" dirty="0"/>
-          </a:p>
-          <a:p>
-            <a:pPr marL="342900" indent="-342900">
-              <a:buAutoNum type="arabicPeriod"/>
-            </a:pPr>
-            <a:r>
-              <a:rPr lang="zh-TW" altLang="en-US" dirty="0">
-                <a:solidFill>
-                  <a:srgbClr val="FF0000"/>
-                </a:solidFill>
-              </a:rPr>
-              <a:t>可以看到黃色訊號與紫色訊號長相很像</a:t>
-            </a:r>
-            <a:r>
-              <a:rPr lang="en-US" altLang="zh-TW" dirty="0">
-                <a:solidFill>
-                  <a:srgbClr val="FF0000"/>
-                </a:solidFill>
-              </a:rPr>
-              <a:t>(</a:t>
-            </a:r>
-            <a:r>
-              <a:rPr lang="zh-TW" altLang="en-US" dirty="0">
-                <a:solidFill>
-                  <a:srgbClr val="FF0000"/>
-                </a:solidFill>
-              </a:rPr>
-              <a:t>濾掉低頻訊號</a:t>
-            </a:r>
-            <a:r>
-              <a:rPr lang="en-US" altLang="zh-TW" dirty="0">
-                <a:solidFill>
-                  <a:srgbClr val="FF0000"/>
-                </a:solidFill>
-              </a:rPr>
-              <a:t>)</a:t>
-            </a:r>
-          </a:p>
-        </p:txBody>
-      </p:sp>
-      <p:sp>
-        <p:nvSpPr>
-          <p:cNvPr id="7" name="矩形: 圓角 6">
-            <a:extLst>
-              <a:ext uri="{FF2B5EF4-FFF2-40B4-BE49-F238E27FC236}">
-                <a16:creationId xmlns:a16="http://schemas.microsoft.com/office/drawing/2014/main" id="{C0223158-CE2C-4B40-0A34-031966756A2F}"/>
-              </a:ext>
-            </a:extLst>
-          </p:cNvPr>
-          <p:cNvSpPr/>
-          <p:nvPr/>
-        </p:nvSpPr>
-        <p:spPr>
-          <a:xfrm>
-            <a:off x="0" y="1690688"/>
-            <a:ext cx="3367314" cy="340139"/>
-          </a:xfrm>
-          <a:prstGeom prst="roundRect">
-            <a:avLst/>
-          </a:prstGeom>
-          <a:noFill/>
-          <a:ln w="38100">
-            <a:solidFill>
-              <a:srgbClr val="FF0000"/>
-            </a:solidFill>
-          </a:ln>
-        </p:spPr>
-        <p:style>
-          <a:lnRef idx="2">
-            <a:schemeClr val="accent1">
-              <a:shade val="50000"/>
-            </a:schemeClr>
-          </a:lnRef>
-          <a:fillRef idx="1">
-            <a:schemeClr val="accent1"/>
-          </a:fillRef>
-          <a:effectRef idx="0">
-            <a:schemeClr val="accent1"/>
-          </a:effectRef>
-          <a:fontRef idx="minor">
-            <a:schemeClr val="lt1"/>
-          </a:fontRef>
-        </p:style>
-        <p:txBody>
-          <a:bodyPr rtlCol="0" anchor="ctr"/>
-          <a:lstStyle/>
-          <a:p>
-            <a:pPr algn="ctr"/>
-            <a:endParaRPr lang="zh-TW" altLang="en-US"/>
-          </a:p>
-        </p:txBody>
-      </p:sp>
-    </p:spTree>
-    <p:extLst>
-      <p:ext uri="{BB962C8B-B14F-4D97-AF65-F5344CB8AC3E}">
-        <p14:creationId xmlns:p14="http://schemas.microsoft.com/office/powerpoint/2010/main" val="2556651551"/>
-      </p:ext>
-    </p:extLst>
-  </p:cSld>
-  <p:clrMapOvr>
-    <a:masterClrMapping/>
-  </p:clrMapOvr>
-</p:sld>
-</file>
-
 <file path=ppt/slides/slide42.xml><?xml version="1.0" encoding="utf-8"?>
 <p:sld xmlns:a="http://schemas.openxmlformats.org/drawingml/2006/main" xmlns:r="http://schemas.openxmlformats.org/officeDocument/2006/relationships" xmlns:p="http://schemas.openxmlformats.org/presentationml/2006/main">
   <p:cSld>
@@ -21994,7 +24407,7 @@
           <p:cNvPr id="2" name="標題 1">
             <a:extLst>
               <a:ext uri="{FF2B5EF4-FFF2-40B4-BE49-F238E27FC236}">
-                <a16:creationId xmlns:a16="http://schemas.microsoft.com/office/drawing/2014/main" id="{44A3EED0-E48E-5075-AF86-C1688A025F82}"/>
+                <a16:creationId xmlns:a16="http://schemas.microsoft.com/office/drawing/2014/main" id="{BD4F6E74-41DD-5DFF-8A35-FC63C2A0B647}"/>
               </a:ext>
             </a:extLst>
           </p:cNvPr>
@@ -22013,7 +24426,7 @@
             <a:pPr algn="ctr"/>
             <a:r>
               <a:rPr lang="en-US" altLang="zh-TW" dirty="0"/>
-              <a:t>T5 Wave </a:t>
+              <a:t>DSSS Wave with T5</a:t>
             </a:r>
             <a:endParaRPr lang="zh-TW" altLang="en-US" dirty="0"/>
           </a:p>
@@ -22024,7 +24437,7 @@
           <p:cNvPr id="5" name="內容版面配置區 4">
             <a:extLst>
               <a:ext uri="{FF2B5EF4-FFF2-40B4-BE49-F238E27FC236}">
-                <a16:creationId xmlns:a16="http://schemas.microsoft.com/office/drawing/2014/main" id="{F8E32013-00A1-9EF7-79F8-AF58B893170D}"/>
+                <a16:creationId xmlns:a16="http://schemas.microsoft.com/office/drawing/2014/main" id="{063DCBD2-1AC4-1AC9-A55C-CC45CD4E8DE8}"/>
               </a:ext>
             </a:extLst>
           </p:cNvPr>
@@ -22043,22 +24456,23 @@
               </a:ext>
             </a:extLst>
           </a:blip>
-          <a:srcRect/>
-          <a:stretch/>
+          <a:stretch>
+            <a:fillRect/>
+          </a:stretch>
         </p:blipFill>
         <p:spPr>
           <a:xfrm>
-            <a:off x="420625" y="1536192"/>
-            <a:ext cx="11411712" cy="5148072"/>
+            <a:off x="0" y="1852454"/>
+            <a:ext cx="12192000" cy="5005546"/>
           </a:xfrm>
         </p:spPr>
       </p:pic>
       <p:sp>
         <p:nvSpPr>
-          <p:cNvPr id="3" name="文字方塊 2">
-            <a:extLst>
-              <a:ext uri="{FF2B5EF4-FFF2-40B4-BE49-F238E27FC236}">
-                <a16:creationId xmlns:a16="http://schemas.microsoft.com/office/drawing/2014/main" id="{679F4C3E-3A91-29DC-9B86-4CB9A795A6B3}"/>
+          <p:cNvPr id="6" name="文字方塊 5">
+            <a:extLst>
+              <a:ext uri="{FF2B5EF4-FFF2-40B4-BE49-F238E27FC236}">
+                <a16:creationId xmlns:a16="http://schemas.microsoft.com/office/drawing/2014/main" id="{657C2232-6BE1-3EDF-BDBE-4F5514E53DB9}"/>
               </a:ext>
             </a:extLst>
           </p:cNvPr>
@@ -22067,8 +24481,8 @@
         </p:nvSpPr>
         <p:spPr>
           <a:xfrm>
-            <a:off x="8872348" y="566241"/>
-            <a:ext cx="3026664" cy="923330"/>
+            <a:off x="4673600" y="1667788"/>
+            <a:ext cx="3933371" cy="369332"/>
           </a:xfrm>
           <a:prstGeom prst="rect">
             <a:avLst/>
@@ -22083,193 +24497,15 @@
           <a:p>
             <a:r>
               <a:rPr lang="zh-TW" altLang="en-US" dirty="0"/>
-              <a:t>藍色 </a:t>
-            </a:r>
-            <a:r>
-              <a:rPr lang="en-US" altLang="zh-TW" dirty="0"/>
-              <a:t>: Origin Signal</a:t>
-            </a:r>
-          </a:p>
-          <a:p>
-            <a:r>
-              <a:rPr lang="zh-TW" altLang="en-US" dirty="0"/>
-              <a:t>紅色 </a:t>
-            </a:r>
-            <a:r>
-              <a:rPr lang="en-US" altLang="zh-TW" dirty="0"/>
-              <a:t>: </a:t>
-            </a:r>
-            <a:r>
-              <a:rPr lang="zh-TW" altLang="en-US" dirty="0"/>
-              <a:t>經過</a:t>
-            </a:r>
-            <a:r>
-              <a:rPr lang="en-US" altLang="zh-TW" dirty="0"/>
-              <a:t>HPF</a:t>
-            </a:r>
-          </a:p>
-          <a:p>
-            <a:r>
-              <a:rPr lang="zh-TW" altLang="en-US" dirty="0"/>
-              <a:t>綠色 </a:t>
-            </a:r>
-            <a:r>
-              <a:rPr lang="en-US" altLang="zh-TW" dirty="0"/>
-              <a:t>:</a:t>
-            </a:r>
-            <a:r>
-              <a:rPr lang="zh-TW" altLang="en-US" dirty="0"/>
-              <a:t> 經過遲滯還原後訊號</a:t>
-            </a:r>
-          </a:p>
-        </p:txBody>
-      </p:sp>
-      <p:cxnSp>
-        <p:nvCxnSpPr>
-          <p:cNvPr id="7" name="直線單箭頭接點 6">
-            <a:extLst>
-              <a:ext uri="{FF2B5EF4-FFF2-40B4-BE49-F238E27FC236}">
-                <a16:creationId xmlns:a16="http://schemas.microsoft.com/office/drawing/2014/main" id="{81B3D2F6-0BF6-CB77-7406-F632733D6AFF}"/>
-              </a:ext>
-            </a:extLst>
-          </p:cNvPr>
-          <p:cNvCxnSpPr/>
-          <p:nvPr/>
-        </p:nvCxnSpPr>
-        <p:spPr>
-          <a:xfrm flipH="1" flipV="1">
-            <a:off x="1847088" y="5696712"/>
-            <a:ext cx="905256" cy="557784"/>
-          </a:xfrm>
-          <a:prstGeom prst="straightConnector1">
-            <a:avLst/>
-          </a:prstGeom>
-          <a:ln>
-            <a:tailEnd type="triangle"/>
-          </a:ln>
-        </p:spPr>
-        <p:style>
-          <a:lnRef idx="1">
-            <a:schemeClr val="accent1"/>
-          </a:lnRef>
-          <a:fillRef idx="0">
-            <a:schemeClr val="accent1"/>
-          </a:fillRef>
-          <a:effectRef idx="0">
-            <a:schemeClr val="accent1"/>
-          </a:effectRef>
-          <a:fontRef idx="minor">
-            <a:schemeClr val="tx1"/>
-          </a:fontRef>
-        </p:style>
-      </p:cxnSp>
-      <p:sp>
-        <p:nvSpPr>
-          <p:cNvPr id="8" name="文字方塊 7">
-            <a:extLst>
-              <a:ext uri="{FF2B5EF4-FFF2-40B4-BE49-F238E27FC236}">
-                <a16:creationId xmlns:a16="http://schemas.microsoft.com/office/drawing/2014/main" id="{DD7F9A39-B996-DCC3-718A-6F84A274ADF9}"/>
-              </a:ext>
-            </a:extLst>
-          </p:cNvPr>
-          <p:cNvSpPr txBox="1"/>
-          <p:nvPr/>
-        </p:nvSpPr>
-        <p:spPr>
-          <a:xfrm>
-            <a:off x="2712718" y="5696712"/>
-            <a:ext cx="4126232" cy="369332"/>
-          </a:xfrm>
-          <a:prstGeom prst="rect">
-            <a:avLst/>
-          </a:prstGeom>
-          <a:noFill/>
-        </p:spPr>
-        <p:txBody>
-          <a:bodyPr wrap="square" rtlCol="0">
-            <a:spAutoFit/>
-          </a:bodyPr>
-          <a:lstStyle/>
-          <a:p>
-            <a:r>
-              <a:rPr lang="zh-TW" altLang="en-US" dirty="0"/>
-              <a:t>重點 </a:t>
-            </a:r>
-            <a:r>
-              <a:rPr lang="en-US" altLang="zh-TW" dirty="0"/>
-              <a:t>:</a:t>
-            </a:r>
-            <a:r>
-              <a:rPr lang="zh-TW" altLang="en-US" dirty="0"/>
-              <a:t> 紅色頻率</a:t>
-            </a:r>
-            <a:r>
-              <a:rPr lang="en-US" altLang="zh-TW" dirty="0"/>
-              <a:t>43KHZ</a:t>
-            </a:r>
-            <a:r>
-              <a:rPr lang="zh-TW" altLang="en-US" dirty="0"/>
-              <a:t>被濾得很乾淨</a:t>
-            </a:r>
-          </a:p>
-        </p:txBody>
-      </p:sp>
-      <p:sp>
-        <p:nvSpPr>
-          <p:cNvPr id="4" name="矩形 3">
-            <a:extLst>
-              <a:ext uri="{FF2B5EF4-FFF2-40B4-BE49-F238E27FC236}">
-                <a16:creationId xmlns:a16="http://schemas.microsoft.com/office/drawing/2014/main" id="{5B392F7F-F8D5-AB30-59A4-DBB701320C51}"/>
-              </a:ext>
-            </a:extLst>
-          </p:cNvPr>
-          <p:cNvSpPr/>
-          <p:nvPr/>
-        </p:nvSpPr>
-        <p:spPr>
-          <a:xfrm>
-            <a:off x="1209675" y="6254496"/>
-            <a:ext cx="1038606" cy="429768"/>
-          </a:xfrm>
-          <a:prstGeom prst="rect">
-            <a:avLst/>
-          </a:prstGeom>
-          <a:noFill/>
-          <a:ln w="38100">
-            <a:solidFill>
-              <a:srgbClr val="FF0000"/>
-            </a:solidFill>
-          </a:ln>
-        </p:spPr>
-        <p:style>
-          <a:lnRef idx="2">
-            <a:schemeClr val="accent1">
-              <a:shade val="50000"/>
-            </a:schemeClr>
-          </a:lnRef>
-          <a:fillRef idx="1">
-            <a:schemeClr val="accent1"/>
-          </a:fillRef>
-          <a:effectRef idx="0">
-            <a:schemeClr val="accent1"/>
-          </a:effectRef>
-          <a:fontRef idx="minor">
-            <a:schemeClr val="lt1"/>
-          </a:fontRef>
-        </p:style>
-        <p:txBody>
-          <a:bodyPr rtlCol="0" anchor="ctr"/>
-          <a:lstStyle/>
-          <a:p>
-            <a:pPr algn="ctr"/>
-            <a:endParaRPr lang="zh-TW" altLang="en-US"/>
+              <a:t>透過比較器將訊號還原</a:t>
+            </a:r>
           </a:p>
         </p:txBody>
       </p:sp>
     </p:spTree>
     <p:extLst>
       <p:ext uri="{BB962C8B-B14F-4D97-AF65-F5344CB8AC3E}">
-        <p14:creationId xmlns:p14="http://schemas.microsoft.com/office/powerpoint/2010/main" val="1049564330"/>
+        <p14:creationId xmlns:p14="http://schemas.microsoft.com/office/powerpoint/2010/main" val="2721288156"/>
       </p:ext>
     </p:extLst>
   </p:cSld>
@@ -22301,7 +24537,7 @@
           <p:cNvPr id="2" name="標題 1">
             <a:extLst>
               <a:ext uri="{FF2B5EF4-FFF2-40B4-BE49-F238E27FC236}">
-                <a16:creationId xmlns:a16="http://schemas.microsoft.com/office/drawing/2014/main" id="{41A1B36A-471A-BDE5-0D9F-F818171D72B1}"/>
+                <a16:creationId xmlns:a16="http://schemas.microsoft.com/office/drawing/2014/main" id="{D6BCE54B-5713-5B04-E759-8A8D96A55CB3}"/>
               </a:ext>
             </a:extLst>
           </p:cNvPr>
@@ -22319,100 +24555,215 @@
           <a:p>
             <a:pPr algn="ctr"/>
             <a:r>
-              <a:rPr lang="zh-TW" altLang="en-US" dirty="0"/>
-              <a:t>後端</a:t>
-            </a:r>
-            <a:r>
-              <a:rPr lang="en-US" altLang="zh-TW" dirty="0"/>
-              <a:t>Decoder</a:t>
-            </a:r>
-            <a:r>
-              <a:rPr lang="zh-TW" altLang="en-US" dirty="0"/>
-              <a:t>電路</a:t>
-            </a:r>
-          </a:p>
-        </p:txBody>
-      </p:sp>
-      <p:sp>
-        <p:nvSpPr>
-          <p:cNvPr id="3" name="內容版面配置區 2">
-            <a:extLst>
-              <a:ext uri="{FF2B5EF4-FFF2-40B4-BE49-F238E27FC236}">
-                <a16:creationId xmlns:a16="http://schemas.microsoft.com/office/drawing/2014/main" id="{AEB419E4-8661-C0C0-63D0-CF90B8FED2EC}"/>
-              </a:ext>
-            </a:extLst>
-          </p:cNvPr>
-          <p:cNvSpPr>
-            <a:spLocks noGrp="1"/>
-          </p:cNvSpPr>
+              <a:rPr lang="en-US" altLang="zh-TW" dirty="0"/>
+              <a:t>DSSS Wave with T5</a:t>
+            </a:r>
+            <a:endParaRPr lang="zh-TW" altLang="en-US" dirty="0"/>
+          </a:p>
+        </p:txBody>
+      </p:sp>
+      <p:pic>
+        <p:nvPicPr>
+          <p:cNvPr id="5" name="內容版面配置區 4">
+            <a:extLst>
+              <a:ext uri="{FF2B5EF4-FFF2-40B4-BE49-F238E27FC236}">
+                <a16:creationId xmlns:a16="http://schemas.microsoft.com/office/drawing/2014/main" id="{74713380-74F2-DA34-0B57-977650ACA931}"/>
+              </a:ext>
+            </a:extLst>
+          </p:cNvPr>
+          <p:cNvPicPr>
+            <a:picLocks noGrp="1" noChangeAspect="1"/>
+          </p:cNvPicPr>
           <p:nvPr>
             <p:ph idx="1"/>
           </p:nvPr>
-        </p:nvSpPr>
-        <p:spPr/>
-        <p:txBody>
-          <a:bodyPr/>
-          <a:lstStyle/>
-          <a:p>
-            <a:pPr marL="0" indent="0">
-              <a:buNone/>
+        </p:nvPicPr>
+        <p:blipFill>
+          <a:blip r:embed="rId2">
+            <a:extLst>
+              <a:ext uri="{28A0092B-C50C-407E-A947-70E740481C1C}">
+                <a14:useLocalDpi xmlns:a14="http://schemas.microsoft.com/office/drawing/2010/main" val="0"/>
+              </a:ext>
+            </a:extLst>
+          </a:blip>
+          <a:srcRect/>
+          <a:stretch/>
+        </p:blipFill>
+        <p:spPr>
+          <a:xfrm>
+            <a:off x="0" y="1825784"/>
+            <a:ext cx="12192000" cy="5032216"/>
+          </a:xfrm>
+        </p:spPr>
+      </p:pic>
+      <p:sp>
+        <p:nvSpPr>
+          <p:cNvPr id="6" name="文字方塊 5">
+            <a:extLst>
+              <a:ext uri="{FF2B5EF4-FFF2-40B4-BE49-F238E27FC236}">
+                <a16:creationId xmlns:a16="http://schemas.microsoft.com/office/drawing/2014/main" id="{30433AF9-FE4A-ED53-2D0B-73AA5995A79C}"/>
+              </a:ext>
+            </a:extLst>
+          </p:cNvPr>
+          <p:cNvSpPr txBox="1"/>
+          <p:nvPr/>
+        </p:nvSpPr>
+        <p:spPr>
+          <a:xfrm>
+            <a:off x="8824688" y="952024"/>
+            <a:ext cx="4426855" cy="1477328"/>
+          </a:xfrm>
+          <a:prstGeom prst="rect">
+            <a:avLst/>
+          </a:prstGeom>
+          <a:noFill/>
+        </p:spPr>
+        <p:txBody>
+          <a:bodyPr wrap="square" rtlCol="0">
+            <a:spAutoFit/>
+          </a:bodyPr>
+          <a:lstStyle/>
+          <a:p>
+            <a:r>
+              <a:rPr lang="zh-TW" altLang="en-US" dirty="0"/>
+              <a:t>註解 </a:t>
+            </a:r>
+            <a:r>
+              <a:rPr lang="en-US" altLang="zh-TW" dirty="0"/>
+              <a:t>:</a:t>
+            </a:r>
+          </a:p>
+          <a:p>
+            <a:pPr marL="342900" indent="-342900">
+              <a:buAutoNum type="arabicPeriod"/>
             </a:pPr>
             <a:r>
-              <a:rPr lang="en-US" altLang="zh-TW" dirty="0"/>
-              <a:t>Auto Correlation</a:t>
-            </a:r>
-          </a:p>
-          <a:p>
-            <a:pPr marL="0" indent="0">
-              <a:buNone/>
+              <a:rPr lang="zh-TW" altLang="en-US" dirty="0"/>
+              <a:t>原始訊號 </a:t>
+            </a:r>
+            <a:r>
+              <a:rPr lang="en-US" altLang="zh-TW" dirty="0"/>
+              <a:t>:</a:t>
+            </a:r>
+            <a:r>
+              <a:rPr lang="zh-TW" altLang="en-US" dirty="0"/>
+              <a:t> 黃色</a:t>
+            </a:r>
+            <a:endParaRPr lang="en-US" altLang="zh-TW" dirty="0"/>
+          </a:p>
+          <a:p>
+            <a:pPr marL="342900" indent="-342900">
+              <a:buAutoNum type="arabicPeriod"/>
             </a:pPr>
+            <a:r>
+              <a:rPr lang="zh-TW" altLang="en-US" dirty="0"/>
+              <a:t>經過還原後訊號 </a:t>
+            </a:r>
+            <a:r>
+              <a:rPr lang="en-US" altLang="zh-TW" dirty="0"/>
+              <a:t>: </a:t>
+            </a:r>
+            <a:r>
+              <a:rPr lang="zh-TW" altLang="en-US" dirty="0"/>
+              <a:t>紫色</a:t>
+            </a:r>
             <a:endParaRPr lang="en-US" altLang="zh-TW" dirty="0"/>
           </a:p>
           <a:p>
-            <a:pPr marL="0" indent="0">
-              <a:buNone/>
+            <a:pPr marL="342900" indent="-342900">
+              <a:buAutoNum type="arabicPeriod"/>
             </a:pPr>
             <a:r>
-              <a:rPr lang="en-US" altLang="zh-TW" dirty="0"/>
-              <a:t>Decode</a:t>
-            </a:r>
-            <a:r>
-              <a:rPr lang="zh-TW" altLang="en-US" dirty="0"/>
-              <a:t> </a:t>
-            </a:r>
-            <a:r>
-              <a:rPr lang="en-US" altLang="zh-TW" dirty="0"/>
-              <a:t>RX1 </a:t>
-            </a:r>
-          </a:p>
-          <a:p>
-            <a:pPr marL="0" indent="0">
-              <a:buNone/>
-            </a:pPr>
-            <a:endParaRPr lang="en-US" altLang="zh-TW" dirty="0"/>
-          </a:p>
-          <a:p>
-            <a:pPr marL="0" indent="0">
-              <a:buNone/>
-            </a:pPr>
-            <a:endParaRPr lang="en-US" altLang="zh-TW" dirty="0"/>
-          </a:p>
-          <a:p>
-            <a:pPr marL="0" indent="0">
-              <a:buNone/>
-            </a:pPr>
-            <a:r>
-              <a:rPr lang="en-US" altLang="zh-TW" dirty="0"/>
-              <a:t>Decode RX0</a:t>
-            </a:r>
-            <a:endParaRPr lang="zh-TW" altLang="en-US" dirty="0"/>
+              <a:rPr lang="zh-TW" altLang="en-US" dirty="0">
+                <a:solidFill>
+                  <a:srgbClr val="FF0000"/>
+                </a:solidFill>
+              </a:rPr>
+              <a:t>可以看到黃色訊號與紫色訊號長相很像</a:t>
+            </a:r>
+            <a:r>
+              <a:rPr lang="en-US" altLang="zh-TW" dirty="0">
+                <a:solidFill>
+                  <a:srgbClr val="FF0000"/>
+                </a:solidFill>
+              </a:rPr>
+              <a:t>(</a:t>
+            </a:r>
+            <a:r>
+              <a:rPr lang="zh-TW" altLang="en-US" dirty="0">
+                <a:solidFill>
+                  <a:srgbClr val="FF0000"/>
+                </a:solidFill>
+              </a:rPr>
+              <a:t>濾掉低頻訊號</a:t>
+            </a:r>
+            <a:r>
+              <a:rPr lang="en-US" altLang="zh-TW" dirty="0">
+                <a:solidFill>
+                  <a:srgbClr val="FF0000"/>
+                </a:solidFill>
+              </a:rPr>
+              <a:t>)</a:t>
+            </a:r>
+          </a:p>
+        </p:txBody>
+      </p:sp>
+      <p:sp>
+        <p:nvSpPr>
+          <p:cNvPr id="7" name="矩形: 圓角 6">
+            <a:extLst>
+              <a:ext uri="{FF2B5EF4-FFF2-40B4-BE49-F238E27FC236}">
+                <a16:creationId xmlns:a16="http://schemas.microsoft.com/office/drawing/2014/main" id="{C0223158-CE2C-4B40-0A34-031966756A2F}"/>
+              </a:ext>
+            </a:extLst>
+          </p:cNvPr>
+          <p:cNvSpPr/>
+          <p:nvPr/>
+        </p:nvSpPr>
+        <p:spPr>
+          <a:xfrm>
+            <a:off x="0" y="1690688"/>
+            <a:ext cx="3367314" cy="340139"/>
+          </a:xfrm>
+          <a:prstGeom prst="roundRect">
+            <a:avLst/>
+          </a:prstGeom>
+          <a:noFill/>
+          <a:ln w="38100">
+            <a:solidFill>
+              <a:srgbClr val="FF0000"/>
+            </a:solidFill>
+          </a:ln>
+        </p:spPr>
+        <p:style>
+          <a:lnRef idx="2">
+            <a:schemeClr val="accent1">
+              <a:shade val="50000"/>
+            </a:schemeClr>
+          </a:lnRef>
+          <a:fillRef idx="1">
+            <a:schemeClr val="accent1"/>
+          </a:fillRef>
+          <a:effectRef idx="0">
+            <a:schemeClr val="accent1"/>
+          </a:effectRef>
+          <a:fontRef idx="minor">
+            <a:schemeClr val="lt1"/>
+          </a:fontRef>
+        </p:style>
+        <p:txBody>
+          <a:bodyPr rtlCol="0" anchor="ctr"/>
+          <a:lstStyle/>
+          <a:p>
+            <a:pPr algn="ctr"/>
+            <a:endParaRPr lang="zh-TW" altLang="en-US"/>
           </a:p>
         </p:txBody>
       </p:sp>
     </p:spTree>
     <p:extLst>
       <p:ext uri="{BB962C8B-B14F-4D97-AF65-F5344CB8AC3E}">
-        <p14:creationId xmlns:p14="http://schemas.microsoft.com/office/powerpoint/2010/main" val="1747056482"/>
+        <p14:creationId xmlns:p14="http://schemas.microsoft.com/office/powerpoint/2010/main" val="2556651551"/>
       </p:ext>
     </p:extLst>
   </p:cSld>
@@ -22444,7 +24795,7 @@
           <p:cNvPr id="2" name="標題 1">
             <a:extLst>
               <a:ext uri="{FF2B5EF4-FFF2-40B4-BE49-F238E27FC236}">
-                <a16:creationId xmlns:a16="http://schemas.microsoft.com/office/drawing/2014/main" id="{50BB383F-54B9-1566-5039-3C13647347F8}"/>
+                <a16:creationId xmlns:a16="http://schemas.microsoft.com/office/drawing/2014/main" id="{44A3EED0-E48E-5075-AF86-C1688A025F82}"/>
               </a:ext>
             </a:extLst>
           </p:cNvPr>
@@ -22462,94 +24813,261 @@
           <a:p>
             <a:pPr algn="ctr"/>
             <a:r>
-              <a:rPr lang="en-US" altLang="zh-TW" dirty="0" err="1"/>
-              <a:t>AutoCorrelation</a:t>
+              <a:rPr lang="en-US" altLang="zh-TW" dirty="0"/>
+              <a:t>T5 Wave </a:t>
             </a:r>
             <a:endParaRPr lang="zh-TW" altLang="en-US" dirty="0"/>
           </a:p>
         </p:txBody>
       </p:sp>
-      <p:sp>
-        <p:nvSpPr>
-          <p:cNvPr id="3" name="內容版面配置區 2">
-            <a:extLst>
-              <a:ext uri="{FF2B5EF4-FFF2-40B4-BE49-F238E27FC236}">
-                <a16:creationId xmlns:a16="http://schemas.microsoft.com/office/drawing/2014/main" id="{2596C747-6CF3-CCCC-4223-2CFCEABA8BA0}"/>
-              </a:ext>
-            </a:extLst>
-          </p:cNvPr>
-          <p:cNvSpPr>
-            <a:spLocks noGrp="1"/>
-          </p:cNvSpPr>
+      <p:pic>
+        <p:nvPicPr>
+          <p:cNvPr id="5" name="內容版面配置區 4">
+            <a:extLst>
+              <a:ext uri="{FF2B5EF4-FFF2-40B4-BE49-F238E27FC236}">
+                <a16:creationId xmlns:a16="http://schemas.microsoft.com/office/drawing/2014/main" id="{F8E32013-00A1-9EF7-79F8-AF58B893170D}"/>
+              </a:ext>
+            </a:extLst>
+          </p:cNvPr>
+          <p:cNvPicPr>
+            <a:picLocks noGrp="1" noChangeAspect="1"/>
+          </p:cNvPicPr>
           <p:nvPr>
             <p:ph idx="1"/>
           </p:nvPr>
-        </p:nvSpPr>
-        <p:spPr/>
-        <p:txBody>
-          <a:bodyPr/>
-          <a:lstStyle/>
-          <a:p>
-            <a:pPr marL="514350" indent="-514350">
-              <a:buAutoNum type="arabicPeriod"/>
-            </a:pPr>
-            <a:r>
-              <a:rPr lang="zh-TW" altLang="en-US" dirty="0"/>
-              <a:t>能推倒出</a:t>
-            </a:r>
-            <a:r>
-              <a:rPr lang="en-US" altLang="zh-TW" dirty="0" err="1"/>
-              <a:t>Convolation</a:t>
-            </a:r>
-            <a:r>
-              <a:rPr lang="en-US" altLang="zh-TW" dirty="0"/>
-              <a:t> Property for LTI system</a:t>
-            </a:r>
-          </a:p>
-          <a:p>
-            <a:pPr marL="514350" indent="-514350">
-              <a:buAutoNum type="arabicPeriod"/>
-            </a:pPr>
-            <a:endParaRPr lang="en-US" altLang="zh-TW" dirty="0"/>
-          </a:p>
-          <a:p>
-            <a:pPr marL="514350" indent="-514350">
-              <a:buAutoNum type="arabicPeriod"/>
-            </a:pPr>
-            <a:r>
-              <a:rPr lang="en-US" altLang="zh-TW" dirty="0" err="1"/>
-              <a:t>AutoCorreltion</a:t>
-            </a:r>
-            <a:r>
-              <a:rPr lang="zh-TW" altLang="en-US" dirty="0"/>
-              <a:t> 用處到底是</a:t>
-            </a:r>
-            <a:r>
-              <a:rPr lang="en-US" altLang="zh-TW" dirty="0"/>
-              <a:t>?</a:t>
-            </a:r>
-          </a:p>
-          <a:p>
-            <a:pPr marL="514350" indent="-514350">
-              <a:buAutoNum type="arabicPeriod"/>
-            </a:pPr>
-            <a:endParaRPr lang="en-US" altLang="zh-TW" dirty="0"/>
-          </a:p>
-          <a:p>
-            <a:pPr marL="514350" indent="-514350">
-              <a:buAutoNum type="arabicPeriod"/>
-            </a:pPr>
-            <a:r>
-              <a:rPr lang="zh-TW" altLang="en-US" dirty="0"/>
-              <a:t>訊號上的分析</a:t>
-            </a:r>
+        </p:nvPicPr>
+        <p:blipFill>
+          <a:blip r:embed="rId2">
+            <a:extLst>
+              <a:ext uri="{28A0092B-C50C-407E-A947-70E740481C1C}">
+                <a14:useLocalDpi xmlns:a14="http://schemas.microsoft.com/office/drawing/2010/main" val="0"/>
+              </a:ext>
+            </a:extLst>
+          </a:blip>
+          <a:srcRect/>
+          <a:stretch/>
+        </p:blipFill>
+        <p:spPr>
+          <a:xfrm>
+            <a:off x="420625" y="1536192"/>
+            <a:ext cx="11411712" cy="5148072"/>
+          </a:xfrm>
+        </p:spPr>
+      </p:pic>
+      <p:sp>
+        <p:nvSpPr>
+          <p:cNvPr id="3" name="文字方塊 2">
+            <a:extLst>
+              <a:ext uri="{FF2B5EF4-FFF2-40B4-BE49-F238E27FC236}">
+                <a16:creationId xmlns:a16="http://schemas.microsoft.com/office/drawing/2014/main" id="{679F4C3E-3A91-29DC-9B86-4CB9A795A6B3}"/>
+              </a:ext>
+            </a:extLst>
+          </p:cNvPr>
+          <p:cNvSpPr txBox="1"/>
+          <p:nvPr/>
+        </p:nvSpPr>
+        <p:spPr>
+          <a:xfrm>
+            <a:off x="8872348" y="566241"/>
+            <a:ext cx="3026664" cy="923330"/>
+          </a:xfrm>
+          <a:prstGeom prst="rect">
+            <a:avLst/>
+          </a:prstGeom>
+          <a:noFill/>
+        </p:spPr>
+        <p:txBody>
+          <a:bodyPr wrap="square" rtlCol="0">
+            <a:spAutoFit/>
+          </a:bodyPr>
+          <a:lstStyle/>
+          <a:p>
+            <a:r>
+              <a:rPr lang="zh-TW" altLang="en-US" dirty="0"/>
+              <a:t>藍色 </a:t>
+            </a:r>
+            <a:r>
+              <a:rPr lang="en-US" altLang="zh-TW" dirty="0"/>
+              <a:t>: Origin Signal</a:t>
+            </a:r>
+          </a:p>
+          <a:p>
+            <a:r>
+              <a:rPr lang="zh-TW" altLang="en-US" dirty="0"/>
+              <a:t>紅色 </a:t>
+            </a:r>
+            <a:r>
+              <a:rPr lang="en-US" altLang="zh-TW" dirty="0"/>
+              <a:t>: </a:t>
+            </a:r>
+            <a:r>
+              <a:rPr lang="zh-TW" altLang="en-US" dirty="0"/>
+              <a:t>經過</a:t>
+            </a:r>
+            <a:r>
+              <a:rPr lang="en-US" altLang="zh-TW" dirty="0"/>
+              <a:t>HPF</a:t>
+            </a:r>
+          </a:p>
+          <a:p>
+            <a:r>
+              <a:rPr lang="zh-TW" altLang="en-US" dirty="0"/>
+              <a:t>綠色 </a:t>
+            </a:r>
+            <a:r>
+              <a:rPr lang="en-US" altLang="zh-TW" dirty="0"/>
+              <a:t>:</a:t>
+            </a:r>
+            <a:r>
+              <a:rPr lang="zh-TW" altLang="en-US" dirty="0"/>
+              <a:t> 經過遲滯還原後訊號</a:t>
+            </a:r>
+          </a:p>
+        </p:txBody>
+      </p:sp>
+      <p:cxnSp>
+        <p:nvCxnSpPr>
+          <p:cNvPr id="7" name="直線單箭頭接點 6">
+            <a:extLst>
+              <a:ext uri="{FF2B5EF4-FFF2-40B4-BE49-F238E27FC236}">
+                <a16:creationId xmlns:a16="http://schemas.microsoft.com/office/drawing/2014/main" id="{81B3D2F6-0BF6-CB77-7406-F632733D6AFF}"/>
+              </a:ext>
+            </a:extLst>
+          </p:cNvPr>
+          <p:cNvCxnSpPr/>
+          <p:nvPr/>
+        </p:nvCxnSpPr>
+        <p:spPr>
+          <a:xfrm flipH="1" flipV="1">
+            <a:off x="1847088" y="5696712"/>
+            <a:ext cx="905256" cy="557784"/>
+          </a:xfrm>
+          <a:prstGeom prst="straightConnector1">
+            <a:avLst/>
+          </a:prstGeom>
+          <a:ln>
+            <a:tailEnd type="triangle"/>
+          </a:ln>
+        </p:spPr>
+        <p:style>
+          <a:lnRef idx="1">
+            <a:schemeClr val="accent1"/>
+          </a:lnRef>
+          <a:fillRef idx="0">
+            <a:schemeClr val="accent1"/>
+          </a:fillRef>
+          <a:effectRef idx="0">
+            <a:schemeClr val="accent1"/>
+          </a:effectRef>
+          <a:fontRef idx="minor">
+            <a:schemeClr val="tx1"/>
+          </a:fontRef>
+        </p:style>
+      </p:cxnSp>
+      <p:sp>
+        <p:nvSpPr>
+          <p:cNvPr id="8" name="文字方塊 7">
+            <a:extLst>
+              <a:ext uri="{FF2B5EF4-FFF2-40B4-BE49-F238E27FC236}">
+                <a16:creationId xmlns:a16="http://schemas.microsoft.com/office/drawing/2014/main" id="{DD7F9A39-B996-DCC3-718A-6F84A274ADF9}"/>
+              </a:ext>
+            </a:extLst>
+          </p:cNvPr>
+          <p:cNvSpPr txBox="1"/>
+          <p:nvPr/>
+        </p:nvSpPr>
+        <p:spPr>
+          <a:xfrm>
+            <a:off x="2712718" y="5696712"/>
+            <a:ext cx="4126232" cy="369332"/>
+          </a:xfrm>
+          <a:prstGeom prst="rect">
+            <a:avLst/>
+          </a:prstGeom>
+          <a:noFill/>
+        </p:spPr>
+        <p:txBody>
+          <a:bodyPr wrap="square" rtlCol="0">
+            <a:spAutoFit/>
+          </a:bodyPr>
+          <a:lstStyle/>
+          <a:p>
+            <a:r>
+              <a:rPr lang="zh-TW" altLang="en-US" dirty="0"/>
+              <a:t>重點 </a:t>
+            </a:r>
+            <a:r>
+              <a:rPr lang="en-US" altLang="zh-TW" dirty="0"/>
+              <a:t>:</a:t>
+            </a:r>
+            <a:r>
+              <a:rPr lang="zh-TW" altLang="en-US" dirty="0"/>
+              <a:t> 紅色頻率</a:t>
+            </a:r>
+            <a:r>
+              <a:rPr lang="en-US" altLang="zh-TW" dirty="0"/>
+              <a:t>43KHZ</a:t>
+            </a:r>
+            <a:endParaRPr lang="zh-TW" altLang="en-US" dirty="0"/>
+          </a:p>
+        </p:txBody>
+      </p:sp>
+      <p:sp>
+        <p:nvSpPr>
+          <p:cNvPr id="4" name="矩形 3">
+            <a:extLst>
+              <a:ext uri="{FF2B5EF4-FFF2-40B4-BE49-F238E27FC236}">
+                <a16:creationId xmlns:a16="http://schemas.microsoft.com/office/drawing/2014/main" id="{5B392F7F-F8D5-AB30-59A4-DBB701320C51}"/>
+              </a:ext>
+            </a:extLst>
+          </p:cNvPr>
+          <p:cNvSpPr/>
+          <p:nvPr/>
+        </p:nvSpPr>
+        <p:spPr>
+          <a:xfrm>
+            <a:off x="1209675" y="6254496"/>
+            <a:ext cx="1038606" cy="429768"/>
+          </a:xfrm>
+          <a:prstGeom prst="rect">
+            <a:avLst/>
+          </a:prstGeom>
+          <a:noFill/>
+          <a:ln w="38100">
+            <a:solidFill>
+              <a:srgbClr val="FF0000"/>
+            </a:solidFill>
+          </a:ln>
+        </p:spPr>
+        <p:style>
+          <a:lnRef idx="2">
+            <a:schemeClr val="accent1">
+              <a:shade val="50000"/>
+            </a:schemeClr>
+          </a:lnRef>
+          <a:fillRef idx="1">
+            <a:schemeClr val="accent1"/>
+          </a:fillRef>
+          <a:effectRef idx="0">
+            <a:schemeClr val="accent1"/>
+          </a:effectRef>
+          <a:fontRef idx="minor">
+            <a:schemeClr val="lt1"/>
+          </a:fontRef>
+        </p:style>
+        <p:txBody>
+          <a:bodyPr rtlCol="0" anchor="ctr"/>
+          <a:lstStyle/>
+          <a:p>
+            <a:pPr algn="ctr"/>
+            <a:endParaRPr lang="zh-TW" altLang="en-US"/>
           </a:p>
         </p:txBody>
       </p:sp>
     </p:spTree>
     <p:extLst>
       <p:ext uri="{BB962C8B-B14F-4D97-AF65-F5344CB8AC3E}">
-        <p14:creationId xmlns:p14="http://schemas.microsoft.com/office/powerpoint/2010/main" val="1802279474"/>
+        <p14:creationId xmlns:p14="http://schemas.microsoft.com/office/powerpoint/2010/main" val="1049564330"/>
       </p:ext>
     </p:extLst>
   </p:cSld>
@@ -22581,6 +25099,286 @@
           <p:cNvPr id="2" name="標題 1">
             <a:extLst>
               <a:ext uri="{FF2B5EF4-FFF2-40B4-BE49-F238E27FC236}">
+                <a16:creationId xmlns:a16="http://schemas.microsoft.com/office/drawing/2014/main" id="{41A1B36A-471A-BDE5-0D9F-F818171D72B1}"/>
+              </a:ext>
+            </a:extLst>
+          </p:cNvPr>
+          <p:cNvSpPr>
+            <a:spLocks noGrp="1"/>
+          </p:cNvSpPr>
+          <p:nvPr>
+            <p:ph type="title"/>
+          </p:nvPr>
+        </p:nvSpPr>
+        <p:spPr/>
+        <p:txBody>
+          <a:bodyPr/>
+          <a:lstStyle/>
+          <a:p>
+            <a:pPr algn="ctr"/>
+            <a:r>
+              <a:rPr lang="zh-TW" altLang="en-US" dirty="0"/>
+              <a:t>後端</a:t>
+            </a:r>
+            <a:r>
+              <a:rPr lang="en-US" altLang="zh-TW" dirty="0"/>
+              <a:t>Decoder</a:t>
+            </a:r>
+            <a:r>
+              <a:rPr lang="zh-TW" altLang="en-US" dirty="0"/>
+              <a:t>電路</a:t>
+            </a:r>
+          </a:p>
+        </p:txBody>
+      </p:sp>
+      <p:sp>
+        <p:nvSpPr>
+          <p:cNvPr id="3" name="內容版面配置區 2">
+            <a:extLst>
+              <a:ext uri="{FF2B5EF4-FFF2-40B4-BE49-F238E27FC236}">
+                <a16:creationId xmlns:a16="http://schemas.microsoft.com/office/drawing/2014/main" id="{AEB419E4-8661-C0C0-63D0-CF90B8FED2EC}"/>
+              </a:ext>
+            </a:extLst>
+          </p:cNvPr>
+          <p:cNvSpPr>
+            <a:spLocks noGrp="1"/>
+          </p:cNvSpPr>
+          <p:nvPr>
+            <p:ph idx="1"/>
+          </p:nvPr>
+        </p:nvSpPr>
+        <p:spPr/>
+        <p:txBody>
+          <a:bodyPr/>
+          <a:lstStyle/>
+          <a:p>
+            <a:pPr marL="0" indent="0">
+              <a:buNone/>
+            </a:pPr>
+            <a:r>
+              <a:rPr lang="en-US" altLang="zh-TW" dirty="0"/>
+              <a:t>Auto Correlation</a:t>
+            </a:r>
+          </a:p>
+          <a:p>
+            <a:pPr marL="0" indent="0">
+              <a:buNone/>
+            </a:pPr>
+            <a:endParaRPr lang="en-US" altLang="zh-TW" dirty="0"/>
+          </a:p>
+          <a:p>
+            <a:pPr marL="0" indent="0">
+              <a:buNone/>
+            </a:pPr>
+            <a:r>
+              <a:rPr lang="en-US" altLang="zh-TW" dirty="0"/>
+              <a:t>Decode</a:t>
+            </a:r>
+            <a:r>
+              <a:rPr lang="zh-TW" altLang="en-US" dirty="0"/>
+              <a:t> </a:t>
+            </a:r>
+            <a:r>
+              <a:rPr lang="en-US" altLang="zh-TW" dirty="0"/>
+              <a:t>RX1 </a:t>
+            </a:r>
+          </a:p>
+          <a:p>
+            <a:pPr marL="0" indent="0">
+              <a:buNone/>
+            </a:pPr>
+            <a:endParaRPr lang="en-US" altLang="zh-TW" dirty="0"/>
+          </a:p>
+          <a:p>
+            <a:pPr marL="0" indent="0">
+              <a:buNone/>
+            </a:pPr>
+            <a:endParaRPr lang="en-US" altLang="zh-TW" dirty="0"/>
+          </a:p>
+          <a:p>
+            <a:pPr marL="0" indent="0">
+              <a:buNone/>
+            </a:pPr>
+            <a:r>
+              <a:rPr lang="en-US" altLang="zh-TW" dirty="0"/>
+              <a:t>Decode RX0</a:t>
+            </a:r>
+            <a:endParaRPr lang="zh-TW" altLang="en-US" dirty="0"/>
+          </a:p>
+        </p:txBody>
+      </p:sp>
+    </p:spTree>
+    <p:extLst>
+      <p:ext uri="{BB962C8B-B14F-4D97-AF65-F5344CB8AC3E}">
+        <p14:creationId xmlns:p14="http://schemas.microsoft.com/office/powerpoint/2010/main" val="1747056482"/>
+      </p:ext>
+    </p:extLst>
+  </p:cSld>
+  <p:clrMapOvr>
+    <a:masterClrMapping/>
+  </p:clrMapOvr>
+</p:sld>
+</file>
+
+<file path=ppt/slides/slide46.xml><?xml version="1.0" encoding="utf-8"?>
+<p:sld xmlns:a="http://schemas.openxmlformats.org/drawingml/2006/main" xmlns:r="http://schemas.openxmlformats.org/officeDocument/2006/relationships" xmlns:p="http://schemas.openxmlformats.org/presentationml/2006/main">
+  <p:cSld>
+    <p:spTree>
+      <p:nvGrpSpPr>
+        <p:cNvPr id="1" name=""/>
+        <p:cNvGrpSpPr/>
+        <p:nvPr/>
+      </p:nvGrpSpPr>
+      <p:grpSpPr>
+        <a:xfrm>
+          <a:off x="0" y="0"/>
+          <a:ext cx="0" cy="0"/>
+          <a:chOff x="0" y="0"/>
+          <a:chExt cx="0" cy="0"/>
+        </a:xfrm>
+      </p:grpSpPr>
+      <p:sp>
+        <p:nvSpPr>
+          <p:cNvPr id="2" name="標題 1">
+            <a:extLst>
+              <a:ext uri="{FF2B5EF4-FFF2-40B4-BE49-F238E27FC236}">
+                <a16:creationId xmlns:a16="http://schemas.microsoft.com/office/drawing/2014/main" id="{50BB383F-54B9-1566-5039-3C13647347F8}"/>
+              </a:ext>
+            </a:extLst>
+          </p:cNvPr>
+          <p:cNvSpPr>
+            <a:spLocks noGrp="1"/>
+          </p:cNvSpPr>
+          <p:nvPr>
+            <p:ph type="title"/>
+          </p:nvPr>
+        </p:nvSpPr>
+        <p:spPr/>
+        <p:txBody>
+          <a:bodyPr/>
+          <a:lstStyle/>
+          <a:p>
+            <a:pPr algn="ctr"/>
+            <a:r>
+              <a:rPr lang="en-US" altLang="zh-TW" dirty="0" err="1"/>
+              <a:t>AutoCorrelation</a:t>
+            </a:r>
+            <a:endParaRPr lang="zh-TW" altLang="en-US" dirty="0"/>
+          </a:p>
+        </p:txBody>
+      </p:sp>
+      <p:sp>
+        <p:nvSpPr>
+          <p:cNvPr id="3" name="內容版面配置區 2">
+            <a:extLst>
+              <a:ext uri="{FF2B5EF4-FFF2-40B4-BE49-F238E27FC236}">
+                <a16:creationId xmlns:a16="http://schemas.microsoft.com/office/drawing/2014/main" id="{2596C747-6CF3-CCCC-4223-2CFCEABA8BA0}"/>
+              </a:ext>
+            </a:extLst>
+          </p:cNvPr>
+          <p:cNvSpPr>
+            <a:spLocks noGrp="1"/>
+          </p:cNvSpPr>
+          <p:nvPr>
+            <p:ph idx="1"/>
+          </p:nvPr>
+        </p:nvSpPr>
+        <p:spPr/>
+        <p:txBody>
+          <a:bodyPr/>
+          <a:lstStyle/>
+          <a:p>
+            <a:pPr marL="514350" indent="-514350">
+              <a:buAutoNum type="arabicPeriod"/>
+            </a:pPr>
+            <a:r>
+              <a:rPr lang="zh-TW" altLang="en-US" dirty="0"/>
+              <a:t>能推倒出</a:t>
+            </a:r>
+            <a:r>
+              <a:rPr lang="en-US" altLang="zh-TW" dirty="0" err="1"/>
+              <a:t>Convolation</a:t>
+            </a:r>
+            <a:r>
+              <a:rPr lang="en-US" altLang="zh-TW" dirty="0"/>
+              <a:t> Property for LTI system</a:t>
+            </a:r>
+          </a:p>
+          <a:p>
+            <a:pPr marL="514350" indent="-514350">
+              <a:buAutoNum type="arabicPeriod"/>
+            </a:pPr>
+            <a:endParaRPr lang="en-US" altLang="zh-TW" dirty="0"/>
+          </a:p>
+          <a:p>
+            <a:pPr marL="514350" indent="-514350">
+              <a:buAutoNum type="arabicPeriod"/>
+            </a:pPr>
+            <a:r>
+              <a:rPr lang="en-US" altLang="zh-TW" dirty="0" err="1"/>
+              <a:t>AutoCorreltion</a:t>
+            </a:r>
+            <a:r>
+              <a:rPr lang="zh-TW" altLang="en-US" dirty="0"/>
+              <a:t> 用處到底是</a:t>
+            </a:r>
+            <a:r>
+              <a:rPr lang="en-US" altLang="zh-TW" dirty="0"/>
+              <a:t>?</a:t>
+            </a:r>
+          </a:p>
+          <a:p>
+            <a:pPr marL="514350" indent="-514350">
+              <a:buAutoNum type="arabicPeriod"/>
+            </a:pPr>
+            <a:endParaRPr lang="en-US" altLang="zh-TW" dirty="0"/>
+          </a:p>
+          <a:p>
+            <a:pPr marL="514350" indent="-514350">
+              <a:buAutoNum type="arabicPeriod"/>
+            </a:pPr>
+            <a:r>
+              <a:rPr lang="zh-TW" altLang="en-US" dirty="0"/>
+              <a:t>訊號上的分析</a:t>
+            </a:r>
+          </a:p>
+        </p:txBody>
+      </p:sp>
+    </p:spTree>
+    <p:extLst>
+      <p:ext uri="{BB962C8B-B14F-4D97-AF65-F5344CB8AC3E}">
+        <p14:creationId xmlns:p14="http://schemas.microsoft.com/office/powerpoint/2010/main" val="1802279474"/>
+      </p:ext>
+    </p:extLst>
+  </p:cSld>
+  <p:clrMapOvr>
+    <a:masterClrMapping/>
+  </p:clrMapOvr>
+</p:sld>
+</file>
+
+<file path=ppt/slides/slide47.xml><?xml version="1.0" encoding="utf-8"?>
+<p:sld xmlns:a="http://schemas.openxmlformats.org/drawingml/2006/main" xmlns:r="http://schemas.openxmlformats.org/officeDocument/2006/relationships" xmlns:p="http://schemas.openxmlformats.org/presentationml/2006/main">
+  <p:cSld>
+    <p:spTree>
+      <p:nvGrpSpPr>
+        <p:cNvPr id="1" name=""/>
+        <p:cNvGrpSpPr/>
+        <p:nvPr/>
+      </p:nvGrpSpPr>
+      <p:grpSpPr>
+        <a:xfrm>
+          <a:off x="0" y="0"/>
+          <a:ext cx="0" cy="0"/>
+          <a:chOff x="0" y="0"/>
+          <a:chExt cx="0" cy="0"/>
+        </a:xfrm>
+      </p:grpSpPr>
+      <p:sp>
+        <p:nvSpPr>
+          <p:cNvPr id="2" name="標題 1">
+            <a:extLst>
+              <a:ext uri="{FF2B5EF4-FFF2-40B4-BE49-F238E27FC236}">
                 <a16:creationId xmlns:a16="http://schemas.microsoft.com/office/drawing/2014/main" id="{042F1310-2BFC-3D20-5FCD-AB24ABF21979}"/>
               </a:ext>
             </a:extLst>
@@ -22651,7 +25449,7 @@
 </p:sld>
 </file>
 
-<file path=ppt/slides/slide46.xml><?xml version="1.0" encoding="utf-8"?>
+<file path=ppt/slides/slide48.xml><?xml version="1.0" encoding="utf-8"?>
 <p:sld xmlns:a="http://schemas.openxmlformats.org/drawingml/2006/main" xmlns:r="http://schemas.openxmlformats.org/officeDocument/2006/relationships" xmlns:p="http://schemas.openxmlformats.org/presentationml/2006/main">
   <p:cSld>
     <p:spTree>
@@ -23188,226 +25986,6 @@
 </p:sld>
 </file>
 
-<file path=ppt/slides/slide47.xml><?xml version="1.0" encoding="utf-8"?>
-<p:sld xmlns:a="http://schemas.openxmlformats.org/drawingml/2006/main" xmlns:r="http://schemas.openxmlformats.org/officeDocument/2006/relationships" xmlns:p="http://schemas.openxmlformats.org/presentationml/2006/main">
-  <p:cSld>
-    <p:spTree>
-      <p:nvGrpSpPr>
-        <p:cNvPr id="1" name=""/>
-        <p:cNvGrpSpPr/>
-        <p:nvPr/>
-      </p:nvGrpSpPr>
-      <p:grpSpPr>
-        <a:xfrm>
-          <a:off x="0" y="0"/>
-          <a:ext cx="0" cy="0"/>
-          <a:chOff x="0" y="0"/>
-          <a:chExt cx="0" cy="0"/>
-        </a:xfrm>
-      </p:grpSpPr>
-      <p:sp>
-        <p:nvSpPr>
-          <p:cNvPr id="2" name="標題 1">
-            <a:extLst>
-              <a:ext uri="{FF2B5EF4-FFF2-40B4-BE49-F238E27FC236}">
-                <a16:creationId xmlns:a16="http://schemas.microsoft.com/office/drawing/2014/main" id="{E32E6CD8-2503-30B7-A4F8-AE84BE484917}"/>
-              </a:ext>
-            </a:extLst>
-          </p:cNvPr>
-          <p:cNvSpPr>
-            <a:spLocks noGrp="1"/>
-          </p:cNvSpPr>
-          <p:nvPr>
-            <p:ph type="title"/>
-          </p:nvPr>
-        </p:nvSpPr>
-        <p:spPr/>
-        <p:txBody>
-          <a:bodyPr/>
-          <a:lstStyle/>
-          <a:p>
-            <a:pPr algn="ctr"/>
-            <a:r>
-              <a:rPr lang="en-US" altLang="zh-TW" dirty="0"/>
-              <a:t>AGC flow</a:t>
-            </a:r>
-            <a:r>
-              <a:rPr lang="zh-TW" altLang="en-US" dirty="0"/>
-              <a:t>架構過程</a:t>
-            </a:r>
-          </a:p>
-        </p:txBody>
-      </p:sp>
-      <p:sp>
-        <p:nvSpPr>
-          <p:cNvPr id="3" name="內容版面配置區 2">
-            <a:extLst>
-              <a:ext uri="{FF2B5EF4-FFF2-40B4-BE49-F238E27FC236}">
-                <a16:creationId xmlns:a16="http://schemas.microsoft.com/office/drawing/2014/main" id="{ED8640AC-FE27-0D8C-6B75-7018404197B3}"/>
-              </a:ext>
-            </a:extLst>
-          </p:cNvPr>
-          <p:cNvSpPr>
-            <a:spLocks noGrp="1"/>
-          </p:cNvSpPr>
-          <p:nvPr>
-            <p:ph idx="1"/>
-          </p:nvPr>
-        </p:nvSpPr>
-        <p:spPr/>
-        <p:txBody>
-          <a:bodyPr/>
-          <a:lstStyle/>
-          <a:p>
-            <a:pPr marL="514350" indent="-514350">
-              <a:buAutoNum type="arabicPeriod"/>
-            </a:pPr>
-            <a:r>
-              <a:rPr lang="zh-TW" altLang="en-US" dirty="0"/>
-              <a:t>前期</a:t>
-            </a:r>
-            <a:r>
-              <a:rPr lang="en-US" altLang="zh-TW" dirty="0"/>
-              <a:t>ISSUE</a:t>
-            </a:r>
-          </a:p>
-          <a:p>
-            <a:pPr marL="514350" indent="-514350">
-              <a:buAutoNum type="arabicPeriod"/>
-            </a:pPr>
-            <a:endParaRPr lang="en-US" altLang="zh-TW" dirty="0"/>
-          </a:p>
-          <a:p>
-            <a:pPr marL="514350" indent="-514350">
-              <a:buAutoNum type="arabicPeriod"/>
-            </a:pPr>
-            <a:r>
-              <a:rPr lang="zh-TW" altLang="en-US" dirty="0"/>
-              <a:t>中後期統計</a:t>
-            </a:r>
-            <a:endParaRPr lang="en-US" altLang="zh-TW" dirty="0"/>
-          </a:p>
-          <a:p>
-            <a:pPr marL="514350" indent="-514350">
-              <a:buAutoNum type="arabicPeriod"/>
-            </a:pPr>
-            <a:endParaRPr lang="en-US" altLang="zh-TW" dirty="0"/>
-          </a:p>
-          <a:p>
-            <a:pPr marL="514350" indent="-514350">
-              <a:buAutoNum type="arabicPeriod"/>
-            </a:pPr>
-            <a:r>
-              <a:rPr lang="zh-TW" altLang="en-US" dirty="0"/>
-              <a:t>後期完工</a:t>
-            </a:r>
-          </a:p>
-        </p:txBody>
-      </p:sp>
-    </p:spTree>
-    <p:extLst>
-      <p:ext uri="{BB962C8B-B14F-4D97-AF65-F5344CB8AC3E}">
-        <p14:creationId xmlns:p14="http://schemas.microsoft.com/office/powerpoint/2010/main" val="3478487214"/>
-      </p:ext>
-    </p:extLst>
-  </p:cSld>
-  <p:clrMapOvr>
-    <a:masterClrMapping/>
-  </p:clrMapOvr>
-</p:sld>
-</file>
-
-<file path=ppt/slides/slide48.xml><?xml version="1.0" encoding="utf-8"?>
-<p:sld xmlns:a="http://schemas.openxmlformats.org/drawingml/2006/main" xmlns:r="http://schemas.openxmlformats.org/officeDocument/2006/relationships" xmlns:p="http://schemas.openxmlformats.org/presentationml/2006/main">
-  <p:cSld>
-    <p:spTree>
-      <p:nvGrpSpPr>
-        <p:cNvPr id="1" name=""/>
-        <p:cNvGrpSpPr/>
-        <p:nvPr/>
-      </p:nvGrpSpPr>
-      <p:grpSpPr>
-        <a:xfrm>
-          <a:off x="0" y="0"/>
-          <a:ext cx="0" cy="0"/>
-          <a:chOff x="0" y="0"/>
-          <a:chExt cx="0" cy="0"/>
-        </a:xfrm>
-      </p:grpSpPr>
-      <p:sp>
-        <p:nvSpPr>
-          <p:cNvPr id="2" name="標題 1">
-            <a:extLst>
-              <a:ext uri="{FF2B5EF4-FFF2-40B4-BE49-F238E27FC236}">
-                <a16:creationId xmlns:a16="http://schemas.microsoft.com/office/drawing/2014/main" id="{3A28C725-6131-003C-3B09-A135BB92DB74}"/>
-              </a:ext>
-            </a:extLst>
-          </p:cNvPr>
-          <p:cNvSpPr>
-            <a:spLocks noGrp="1"/>
-          </p:cNvSpPr>
-          <p:nvPr>
-            <p:ph type="title"/>
-          </p:nvPr>
-        </p:nvSpPr>
-        <p:spPr/>
-        <p:txBody>
-          <a:bodyPr/>
-          <a:lstStyle/>
-          <a:p>
-            <a:endParaRPr lang="zh-TW" altLang="en-US"/>
-          </a:p>
-        </p:txBody>
-      </p:sp>
-      <p:sp>
-        <p:nvSpPr>
-          <p:cNvPr id="3" name="內容版面配置區 2">
-            <a:extLst>
-              <a:ext uri="{FF2B5EF4-FFF2-40B4-BE49-F238E27FC236}">
-                <a16:creationId xmlns:a16="http://schemas.microsoft.com/office/drawing/2014/main" id="{5818DC31-9BA2-F239-57B3-E888E732592C}"/>
-              </a:ext>
-            </a:extLst>
-          </p:cNvPr>
-          <p:cNvSpPr>
-            <a:spLocks noGrp="1"/>
-          </p:cNvSpPr>
-          <p:nvPr>
-            <p:ph idx="1"/>
-          </p:nvPr>
-        </p:nvSpPr>
-        <p:spPr/>
-        <p:txBody>
-          <a:bodyPr/>
-          <a:lstStyle/>
-          <a:p>
-            <a:r>
-              <a:rPr lang="zh-TW" altLang="en-US" dirty="0"/>
-              <a:t>為何要取</a:t>
-            </a:r>
-            <a:r>
-              <a:rPr lang="en-US" altLang="zh-TW" dirty="0"/>
-              <a:t>4T</a:t>
-            </a:r>
-            <a:r>
-              <a:rPr lang="zh-TW" altLang="en-US" dirty="0"/>
-              <a:t>來做的原因</a:t>
-            </a:r>
-          </a:p>
-        </p:txBody>
-      </p:sp>
-    </p:spTree>
-    <p:extLst>
-      <p:ext uri="{BB962C8B-B14F-4D97-AF65-F5344CB8AC3E}">
-        <p14:creationId xmlns:p14="http://schemas.microsoft.com/office/powerpoint/2010/main" val="147892164"/>
-      </p:ext>
-    </p:extLst>
-  </p:cSld>
-  <p:clrMapOvr>
-    <a:masterClrMapping/>
-  </p:clrMapOvr>
-</p:sld>
-</file>
-
 <file path=ppt/slides/slide49.xml><?xml version="1.0" encoding="utf-8"?>
 <p:sld xmlns:a="http://schemas.openxmlformats.org/drawingml/2006/main" xmlns:r="http://schemas.openxmlformats.org/officeDocument/2006/relationships" xmlns:p="http://schemas.openxmlformats.org/presentationml/2006/main">
   <p:cSld>
@@ -23430,7 +26008,7 @@
           <p:cNvPr id="2" name="標題 1">
             <a:extLst>
               <a:ext uri="{FF2B5EF4-FFF2-40B4-BE49-F238E27FC236}">
-                <a16:creationId xmlns:a16="http://schemas.microsoft.com/office/drawing/2014/main" id="{75A8CDCF-D217-9237-F0F3-F03F7A3BC82D}"/>
+                <a16:creationId xmlns:a16="http://schemas.microsoft.com/office/drawing/2014/main" id="{E32E6CD8-2503-30B7-A4F8-AE84BE484917}"/>
               </a:ext>
             </a:extLst>
           </p:cNvPr>
@@ -23446,7 +26024,15 @@
           <a:bodyPr/>
           <a:lstStyle/>
           <a:p>
-            <a:endParaRPr lang="zh-TW" altLang="en-US" dirty="0"/>
+            <a:pPr algn="ctr"/>
+            <a:r>
+              <a:rPr lang="en-US" altLang="zh-TW" dirty="0"/>
+              <a:t>AGC flow</a:t>
+            </a:r>
+            <a:r>
+              <a:rPr lang="zh-TW" altLang="en-US" dirty="0"/>
+              <a:t>架構過程</a:t>
+            </a:r>
           </a:p>
         </p:txBody>
       </p:sp>
@@ -23455,7 +26041,7 @@
           <p:cNvPr id="3" name="內容版面配置區 2">
             <a:extLst>
               <a:ext uri="{FF2B5EF4-FFF2-40B4-BE49-F238E27FC236}">
-                <a16:creationId xmlns:a16="http://schemas.microsoft.com/office/drawing/2014/main" id="{A5250B66-E56F-5AAD-0B99-C4E8E1B221C2}"/>
+                <a16:creationId xmlns:a16="http://schemas.microsoft.com/office/drawing/2014/main" id="{ED8640AC-FE27-0D8C-6B75-7018404197B3}"/>
               </a:ext>
             </a:extLst>
           </p:cNvPr>
@@ -23471,14 +26057,55 @@
           <a:bodyPr/>
           <a:lstStyle/>
           <a:p>
-            <a:endParaRPr lang="zh-TW" altLang="en-US"/>
+            <a:pPr marL="514350" indent="-514350">
+              <a:buAutoNum type="arabicPeriod"/>
+            </a:pPr>
+            <a:r>
+              <a:rPr lang="zh-TW" altLang="en-US" dirty="0"/>
+              <a:t>前期</a:t>
+            </a:r>
+            <a:r>
+              <a:rPr lang="en-US" altLang="zh-TW" dirty="0"/>
+              <a:t>ISSUE</a:t>
+            </a:r>
+          </a:p>
+          <a:p>
+            <a:pPr marL="514350" indent="-514350">
+              <a:buAutoNum type="arabicPeriod"/>
+            </a:pPr>
+            <a:endParaRPr lang="en-US" altLang="zh-TW" dirty="0"/>
+          </a:p>
+          <a:p>
+            <a:pPr marL="514350" indent="-514350">
+              <a:buAutoNum type="arabicPeriod"/>
+            </a:pPr>
+            <a:r>
+              <a:rPr lang="zh-TW" altLang="en-US" dirty="0"/>
+              <a:t>中後期統計</a:t>
+            </a:r>
+            <a:endParaRPr lang="en-US" altLang="zh-TW" dirty="0"/>
+          </a:p>
+          <a:p>
+            <a:pPr marL="514350" indent="-514350">
+              <a:buAutoNum type="arabicPeriod"/>
+            </a:pPr>
+            <a:endParaRPr lang="en-US" altLang="zh-TW" dirty="0"/>
+          </a:p>
+          <a:p>
+            <a:pPr marL="514350" indent="-514350">
+              <a:buAutoNum type="arabicPeriod"/>
+            </a:pPr>
+            <a:r>
+              <a:rPr lang="zh-TW" altLang="en-US" dirty="0"/>
+              <a:t>後期完工</a:t>
+            </a:r>
           </a:p>
         </p:txBody>
       </p:sp>
     </p:spTree>
     <p:extLst>
       <p:ext uri="{BB962C8B-B14F-4D97-AF65-F5344CB8AC3E}">
-        <p14:creationId xmlns:p14="http://schemas.microsoft.com/office/powerpoint/2010/main" val="2364024188"/>
+        <p14:creationId xmlns:p14="http://schemas.microsoft.com/office/powerpoint/2010/main" val="3478487214"/>
       </p:ext>
     </p:extLst>
   </p:cSld>
@@ -23707,7 +26334,7 @@
           <p:cNvPr id="2" name="標題 1">
             <a:extLst>
               <a:ext uri="{FF2B5EF4-FFF2-40B4-BE49-F238E27FC236}">
-                <a16:creationId xmlns:a16="http://schemas.microsoft.com/office/drawing/2014/main" id="{02C3FE11-1F15-4971-95B5-34F7811B7E8A}"/>
+                <a16:creationId xmlns:a16="http://schemas.microsoft.com/office/drawing/2014/main" id="{3A28C725-6131-003C-3B09-A135BB92DB74}"/>
               </a:ext>
             </a:extLst>
           </p:cNvPr>
@@ -23723,20 +26350,7 @@
           <a:bodyPr/>
           <a:lstStyle/>
           <a:p>
-            <a:pPr algn="ctr"/>
-            <a:r>
-              <a:rPr lang="en-US" altLang="zh-TW" dirty="0"/>
-              <a:t>Color </a:t>
-            </a:r>
-            <a:r>
-              <a:rPr lang="en-US" altLang="zh-TW" dirty="0" err="1"/>
-              <a:t>Pikcing</a:t>
-            </a:r>
-            <a:r>
-              <a:rPr lang="en-US" altLang="zh-TW" dirty="0"/>
-              <a:t> Project</a:t>
-            </a:r>
-            <a:endParaRPr lang="zh-TW" altLang="en-US" dirty="0"/>
+            <a:endParaRPr lang="zh-TW" altLang="en-US"/>
           </a:p>
         </p:txBody>
       </p:sp>
@@ -23745,7 +26359,7 @@
           <p:cNvPr id="3" name="內容版面配置區 2">
             <a:extLst>
               <a:ext uri="{FF2B5EF4-FFF2-40B4-BE49-F238E27FC236}">
-                <a16:creationId xmlns:a16="http://schemas.microsoft.com/office/drawing/2014/main" id="{5C2571F1-765B-42C3-8AAC-2A8441E0FBA0}"/>
+                <a16:creationId xmlns:a16="http://schemas.microsoft.com/office/drawing/2014/main" id="{5818DC31-9BA2-F239-57B3-E888E732592C}"/>
               </a:ext>
             </a:extLst>
           </p:cNvPr>
@@ -23761,74 +26375,25 @@
           <a:bodyPr/>
           <a:lstStyle/>
           <a:p>
-            <a:pPr marL="457200" lvl="1" indent="0">
-              <a:lnSpc>
-                <a:spcPct val="150000"/>
-              </a:lnSpc>
-              <a:buNone/>
-            </a:pPr>
-            <a:r>
-              <a:rPr lang="zh-TW" altLang="en-US" sz="2800" dirty="0">
-                <a:solidFill>
-                  <a:srgbClr val="FF0000"/>
-                </a:solidFill>
-              </a:rPr>
-              <a:t>目的</a:t>
-            </a:r>
-            <a:r>
-              <a:rPr lang="zh-TW" altLang="en-US" dirty="0"/>
-              <a:t> </a:t>
-            </a:r>
-            <a:r>
-              <a:rPr lang="en-US" altLang="zh-TW" dirty="0"/>
-              <a:t>:</a:t>
-            </a:r>
-            <a:r>
-              <a:rPr lang="zh-TW" altLang="en-US" dirty="0"/>
-              <a:t>  按壓</a:t>
-            </a:r>
-            <a:r>
-              <a:rPr lang="en-US" altLang="zh-TW" dirty="0"/>
-              <a:t>Color Sensor</a:t>
-            </a:r>
-            <a:r>
-              <a:rPr lang="zh-TW" altLang="en-US" dirty="0"/>
-              <a:t>選擇顏色、並透過筆在</a:t>
-            </a:r>
-            <a:r>
-              <a:rPr lang="en-US" altLang="zh-TW" dirty="0"/>
-              <a:t>Host</a:t>
-            </a:r>
-            <a:r>
-              <a:rPr lang="zh-TW" altLang="en-US" dirty="0"/>
-              <a:t>上畫出對應的顏色</a:t>
-            </a:r>
-            <a:endParaRPr lang="en-US" altLang="zh-TW" dirty="0"/>
-          </a:p>
-          <a:p>
-            <a:pPr marL="457200" lvl="1" indent="0">
-              <a:lnSpc>
-                <a:spcPct val="150000"/>
-              </a:lnSpc>
-              <a:buNone/>
-            </a:pPr>
-            <a:endParaRPr lang="en-US" altLang="zh-TW" dirty="0"/>
-          </a:p>
-          <a:p>
-            <a:pPr marL="457200" lvl="1" indent="0">
-              <a:lnSpc>
-                <a:spcPct val="150000"/>
-              </a:lnSpc>
-              <a:buNone/>
-            </a:pPr>
-            <a:endParaRPr lang="en-US" altLang="zh-TW" dirty="0"/>
+            <a:r>
+              <a:rPr lang="zh-TW" altLang="en-US" dirty="0"/>
+              <a:t>為何要取</a:t>
+            </a:r>
+            <a:r>
+              <a:rPr lang="en-US" altLang="zh-TW" dirty="0"/>
+              <a:t>4T</a:t>
+            </a:r>
+            <a:r>
+              <a:rPr lang="zh-TW" altLang="en-US" dirty="0"/>
+              <a:t>來做的原因</a:t>
+            </a:r>
           </a:p>
         </p:txBody>
       </p:sp>
     </p:spTree>
     <p:extLst>
       <p:ext uri="{BB962C8B-B14F-4D97-AF65-F5344CB8AC3E}">
-        <p14:creationId xmlns:p14="http://schemas.microsoft.com/office/powerpoint/2010/main" val="263751651"/>
+        <p14:creationId xmlns:p14="http://schemas.microsoft.com/office/powerpoint/2010/main" val="147892164"/>
       </p:ext>
     </p:extLst>
   </p:cSld>
@@ -23860,7 +26425,7 @@
           <p:cNvPr id="2" name="標題 1">
             <a:extLst>
               <a:ext uri="{FF2B5EF4-FFF2-40B4-BE49-F238E27FC236}">
-                <a16:creationId xmlns:a16="http://schemas.microsoft.com/office/drawing/2014/main" id="{36663CA0-2783-4A34-8C5A-24686BD0A02B}"/>
+                <a16:creationId xmlns:a16="http://schemas.microsoft.com/office/drawing/2014/main" id="{75A8CDCF-D217-9237-F0F3-F03F7A3BC82D}"/>
               </a:ext>
             </a:extLst>
           </p:cNvPr>
@@ -23876,11 +26441,7 @@
           <a:bodyPr/>
           <a:lstStyle/>
           <a:p>
-            <a:pPr algn="ctr"/>
-            <a:r>
-              <a:rPr lang="zh-TW" altLang="en-US" dirty="0"/>
-              <a:t>主要遇到的問題</a:t>
-            </a:r>
+            <a:endParaRPr lang="zh-TW" altLang="en-US" dirty="0"/>
           </a:p>
         </p:txBody>
       </p:sp>
@@ -23889,7 +26450,7 @@
           <p:cNvPr id="3" name="內容版面配置區 2">
             <a:extLst>
               <a:ext uri="{FF2B5EF4-FFF2-40B4-BE49-F238E27FC236}">
-                <a16:creationId xmlns:a16="http://schemas.microsoft.com/office/drawing/2014/main" id="{4EB3A3B7-3819-4E07-A5DF-C15C993A0B95}"/>
+                <a16:creationId xmlns:a16="http://schemas.microsoft.com/office/drawing/2014/main" id="{A5250B66-E56F-5AAD-0B99-C4E8E1B221C2}"/>
               </a:ext>
             </a:extLst>
           </p:cNvPr>
@@ -23905,152 +26466,14 @@
           <a:bodyPr/>
           <a:lstStyle/>
           <a:p>
-            <a:pPr marL="0" indent="0">
-              <a:buNone/>
-            </a:pPr>
-            <a:r>
-              <a:rPr lang="zh-TW" altLang="en-US" dirty="0">
-                <a:solidFill>
-                  <a:schemeClr val="accent1"/>
-                </a:solidFill>
-              </a:rPr>
-              <a:t>問題</a:t>
-            </a:r>
-            <a:endParaRPr lang="en-US" altLang="zh-TW" dirty="0">
-              <a:solidFill>
-                <a:schemeClr val="accent1"/>
-              </a:solidFill>
-            </a:endParaRPr>
-          </a:p>
-          <a:p>
-            <a:pPr marL="514350" indent="-514350">
-              <a:buAutoNum type="arabicPeriod"/>
-            </a:pPr>
-            <a:endParaRPr lang="en-US" altLang="zh-TW" dirty="0"/>
-          </a:p>
-          <a:p>
-            <a:pPr marL="514350" indent="-514350">
-              <a:buAutoNum type="arabicPeriod"/>
-            </a:pPr>
-            <a:r>
-              <a:rPr lang="zh-TW" altLang="en-US" sz="2400" dirty="0">
-                <a:hlinkClick r:id="rId3" action="ppaction://hlinksldjump"/>
-              </a:rPr>
-              <a:t>傳輸問題 </a:t>
-            </a:r>
-            <a:r>
-              <a:rPr lang="en-US" altLang="zh-TW" sz="2400" dirty="0"/>
-              <a:t>:</a:t>
-            </a:r>
-            <a:r>
-              <a:rPr lang="zh-TW" altLang="en-US" sz="2400" dirty="0"/>
-              <a:t> </a:t>
-            </a:r>
-            <a:endParaRPr lang="en-US" altLang="zh-TW" sz="2400" dirty="0"/>
-          </a:p>
-          <a:p>
-            <a:pPr marL="457200" lvl="1" indent="0">
-              <a:buNone/>
-            </a:pPr>
-            <a:r>
-              <a:rPr lang="en-US" altLang="zh-TW" sz="2000" dirty="0"/>
-              <a:t>1.  Set UART</a:t>
-            </a:r>
-            <a:r>
-              <a:rPr lang="zh-TW" altLang="en-US" sz="2000" dirty="0"/>
-              <a:t> </a:t>
-            </a:r>
-            <a:r>
-              <a:rPr lang="en-US" altLang="zh-TW" sz="2000" dirty="0"/>
-              <a:t>RX</a:t>
-            </a:r>
-            <a:r>
-              <a:rPr lang="zh-TW" altLang="en-US" sz="2000" dirty="0"/>
-              <a:t> </a:t>
-            </a:r>
-            <a:r>
-              <a:rPr lang="en-US" altLang="zh-TW" sz="2000" dirty="0"/>
-              <a:t>Setting </a:t>
-            </a:r>
-            <a:r>
-              <a:rPr lang="zh-TW" altLang="en-US" sz="2000" dirty="0"/>
-              <a:t>以及 </a:t>
-            </a:r>
-            <a:r>
-              <a:rPr lang="en-US" altLang="zh-TW" sz="2000" dirty="0"/>
-              <a:t>Flow </a:t>
-            </a:r>
-            <a:r>
-              <a:rPr lang="zh-TW" altLang="en-US" sz="2000" dirty="0"/>
-              <a:t>規劃</a:t>
-            </a:r>
-            <a:endParaRPr lang="en-US" altLang="zh-TW" sz="2000" dirty="0"/>
-          </a:p>
-          <a:p>
-            <a:pPr marL="0" indent="0">
-              <a:buNone/>
-            </a:pPr>
-            <a:endParaRPr lang="en-US" altLang="zh-TW" sz="2400" dirty="0"/>
-          </a:p>
-          <a:p>
-            <a:pPr marL="457200" indent="-457200">
-              <a:buAutoNum type="arabicPeriod" startAt="2"/>
-            </a:pPr>
-            <a:r>
-              <a:rPr lang="zh-TW" altLang="en-US" sz="2400" dirty="0">
-                <a:hlinkClick r:id="rId4" action="ppaction://hlinksldjump"/>
-              </a:rPr>
-              <a:t>最接近顏色</a:t>
-            </a:r>
-            <a:r>
-              <a:rPr lang="en-US" altLang="zh-TW" sz="2400" dirty="0"/>
-              <a:t>:</a:t>
-            </a:r>
-          </a:p>
-          <a:p>
-            <a:pPr marL="914400" lvl="1" indent="-457200">
-              <a:buAutoNum type="arabicPeriod" startAt="2"/>
-            </a:pPr>
-            <a:r>
-              <a:rPr lang="zh-TW" altLang="en-US" sz="2000" dirty="0"/>
-              <a:t>筆的</a:t>
-            </a:r>
-            <a:r>
-              <a:rPr lang="en-US" altLang="zh-TW" sz="2000" dirty="0" err="1"/>
-              <a:t>Protocal</a:t>
-            </a:r>
-            <a:r>
-              <a:rPr lang="en-US" altLang="zh-TW" sz="2000" dirty="0"/>
-              <a:t> </a:t>
-            </a:r>
-            <a:r>
-              <a:rPr lang="zh-TW" altLang="en-US" sz="2000" dirty="0"/>
-              <a:t>定義的顏色只佔</a:t>
-            </a:r>
-            <a:r>
-              <a:rPr lang="en-US" altLang="zh-TW" sz="2000" dirty="0"/>
-              <a:t>RGB</a:t>
-            </a:r>
-            <a:r>
-              <a:rPr lang="zh-TW" altLang="en-US" sz="2000" dirty="0"/>
-              <a:t>裡面</a:t>
-            </a:r>
-            <a:r>
-              <a:rPr lang="en-US" altLang="zh-TW" sz="2000" dirty="0"/>
-              <a:t>200</a:t>
-            </a:r>
-            <a:r>
-              <a:rPr lang="zh-TW" altLang="en-US" sz="2000" dirty="0"/>
-              <a:t>多個</a:t>
-            </a:r>
-            <a:endParaRPr lang="en-US" altLang="zh-TW" dirty="0"/>
+            <a:endParaRPr lang="zh-TW" altLang="en-US"/>
           </a:p>
         </p:txBody>
       </p:sp>
     </p:spTree>
     <p:extLst>
       <p:ext uri="{BB962C8B-B14F-4D97-AF65-F5344CB8AC3E}">
-        <p14:creationId xmlns:p14="http://schemas.microsoft.com/office/powerpoint/2010/main" val="2576856385"/>
+        <p14:creationId xmlns:p14="http://schemas.microsoft.com/office/powerpoint/2010/main" val="2364024188"/>
       </p:ext>
     </p:extLst>
   </p:cSld>
@@ -24082,7 +26505,7 @@
           <p:cNvPr id="2" name="標題 1">
             <a:extLst>
               <a:ext uri="{FF2B5EF4-FFF2-40B4-BE49-F238E27FC236}">
-                <a16:creationId xmlns:a16="http://schemas.microsoft.com/office/drawing/2014/main" id="{FEDEBC06-C75E-5899-979E-C29912B4A68E}"/>
+                <a16:creationId xmlns:a16="http://schemas.microsoft.com/office/drawing/2014/main" id="{02C3FE11-1F15-4971-95B5-34F7811B7E8A}"/>
               </a:ext>
             </a:extLst>
           </p:cNvPr>
@@ -24101,7 +26524,15 @@
             <a:pPr algn="ctr"/>
             <a:r>
               <a:rPr lang="en-US" altLang="zh-TW" dirty="0"/>
-              <a:t>UART RX Setting</a:t>
+              <a:t>Color </a:t>
+            </a:r>
+            <a:r>
+              <a:rPr lang="en-US" altLang="zh-TW" dirty="0" err="1"/>
+              <a:t>Pikcing</a:t>
+            </a:r>
+            <a:r>
+              <a:rPr lang="en-US" altLang="zh-TW" dirty="0"/>
+              <a:t> Project</a:t>
             </a:r>
             <a:endParaRPr lang="zh-TW" altLang="en-US" dirty="0"/>
           </a:p>
@@ -24112,7 +26543,7 @@
           <p:cNvPr id="3" name="內容版面配置區 2">
             <a:extLst>
               <a:ext uri="{FF2B5EF4-FFF2-40B4-BE49-F238E27FC236}">
-                <a16:creationId xmlns:a16="http://schemas.microsoft.com/office/drawing/2014/main" id="{D33F5725-65BC-FF79-0EEB-A34DF7904932}"/>
+                <a16:creationId xmlns:a16="http://schemas.microsoft.com/office/drawing/2014/main" id="{5C2571F1-765B-42C3-8AAC-2A8441E0FBA0}"/>
               </a:ext>
             </a:extLst>
           </p:cNvPr>
@@ -24125,79 +26556,77 @@
         </p:nvSpPr>
         <p:spPr/>
         <p:txBody>
-          <a:bodyPr>
-            <a:normAutofit/>
-          </a:bodyPr>
-          <a:lstStyle/>
-          <a:p>
-            <a:pPr marL="514350" indent="-514350">
-              <a:buAutoNum type="arabicPeriod"/>
+          <a:bodyPr/>
+          <a:lstStyle/>
+          <a:p>
+            <a:pPr marL="457200" lvl="1" indent="0">
+              <a:lnSpc>
+                <a:spcPct val="150000"/>
+              </a:lnSpc>
+              <a:buNone/>
             </a:pPr>
             <a:r>
-              <a:rPr lang="en-US" altLang="zh-TW" sz="2000" dirty="0"/>
-              <a:t>UART</a:t>
-            </a:r>
-            <a:r>
-              <a:rPr lang="zh-TW" altLang="en-US" sz="2000" dirty="0"/>
+              <a:rPr lang="zh-TW" altLang="en-US" sz="2800" dirty="0">
+                <a:solidFill>
+                  <a:srgbClr val="FF0000"/>
+                </a:solidFill>
+              </a:rPr>
+              <a:t>目的</a:t>
+            </a:r>
+            <a:r>
+              <a:rPr lang="zh-TW" altLang="en-US" dirty="0"/>
               <a:t> </a:t>
             </a:r>
             <a:r>
-              <a:rPr lang="en-US" altLang="zh-TW" sz="2000" dirty="0"/>
-              <a:t>RX</a:t>
-            </a:r>
-            <a:r>
-              <a:rPr lang="zh-TW" altLang="en-US" sz="2000" dirty="0"/>
-              <a:t> 使用</a:t>
-            </a:r>
-            <a:r>
-              <a:rPr lang="en-US" altLang="zh-TW" sz="2000" dirty="0"/>
-              <a:t>FIFO</a:t>
-            </a:r>
-            <a:r>
-              <a:rPr lang="zh-TW" altLang="en-US" sz="2000" dirty="0"/>
-              <a:t> 架構、這個</a:t>
-            </a:r>
-            <a:r>
-              <a:rPr lang="en-US" altLang="zh-TW" sz="2000" dirty="0"/>
-              <a:t>FIFO</a:t>
-            </a:r>
-            <a:r>
-              <a:rPr lang="zh-TW" altLang="en-US" sz="2000" dirty="0"/>
-              <a:t>架構是被封裝過。</a:t>
-            </a:r>
-            <a:endParaRPr lang="en-US" altLang="zh-TW" sz="2000" dirty="0"/>
-          </a:p>
-          <a:p>
-            <a:pPr marL="514350" indent="-514350">
-              <a:buAutoNum type="arabicPeriod"/>
+              <a:rPr lang="en-US" altLang="zh-TW" dirty="0"/>
+              <a:t>:</a:t>
+            </a:r>
+            <a:r>
+              <a:rPr lang="zh-TW" altLang="en-US" dirty="0"/>
+              <a:t>  按壓</a:t>
+            </a:r>
+            <a:r>
+              <a:rPr lang="en-US" altLang="zh-TW" dirty="0"/>
+              <a:t>Color Sensor</a:t>
+            </a:r>
+            <a:r>
+              <a:rPr lang="zh-TW" altLang="en-US" dirty="0"/>
+              <a:t>選擇顏色、並透過筆在</a:t>
+            </a:r>
+            <a:r>
+              <a:rPr lang="en-US" altLang="zh-TW" dirty="0"/>
+              <a:t>Host</a:t>
+            </a:r>
+            <a:r>
+              <a:rPr lang="zh-TW" altLang="en-US" dirty="0"/>
+              <a:t>上畫出對應的顏色</a:t>
+            </a:r>
+            <a:endParaRPr lang="en-US" altLang="zh-TW" dirty="0"/>
+          </a:p>
+          <a:p>
+            <a:pPr marL="457200" lvl="1" indent="0">
+              <a:lnSpc>
+                <a:spcPct val="150000"/>
+              </a:lnSpc>
+              <a:buNone/>
             </a:pPr>
-            <a:endParaRPr lang="en-US" altLang="zh-TW" sz="2000" dirty="0"/>
-          </a:p>
-          <a:p>
-            <a:pPr marL="514350" indent="-514350">
-              <a:buAutoNum type="arabicPeriod"/>
+            <a:endParaRPr lang="en-US" altLang="zh-TW" dirty="0"/>
+          </a:p>
+          <a:p>
+            <a:pPr marL="457200" lvl="1" indent="0">
+              <a:lnSpc>
+                <a:spcPct val="150000"/>
+              </a:lnSpc>
+              <a:buNone/>
             </a:pPr>
-            <a:endParaRPr lang="en-US" altLang="zh-TW" sz="2000" dirty="0"/>
-          </a:p>
-          <a:p>
-            <a:pPr marL="514350" indent="-514350">
-              <a:buAutoNum type="arabicPeriod"/>
-            </a:pPr>
-            <a:r>
-              <a:rPr lang="en-US" altLang="zh-TW" sz="2000" dirty="0"/>
-              <a:t>UART RX</a:t>
-            </a:r>
-            <a:r>
-              <a:rPr lang="zh-TW" altLang="en-US" sz="2000" dirty="0"/>
-              <a:t> 中斷硬體設計</a:t>
-            </a:r>
+            <a:endParaRPr lang="en-US" altLang="zh-TW" dirty="0"/>
           </a:p>
         </p:txBody>
       </p:sp>
     </p:spTree>
     <p:extLst>
       <p:ext uri="{BB962C8B-B14F-4D97-AF65-F5344CB8AC3E}">
-        <p14:creationId xmlns:p14="http://schemas.microsoft.com/office/powerpoint/2010/main" val="3743749783"/>
+        <p14:creationId xmlns:p14="http://schemas.microsoft.com/office/powerpoint/2010/main" val="263751651"/>
       </p:ext>
     </p:extLst>
   </p:cSld>
@@ -24229,7 +26658,7 @@
           <p:cNvPr id="2" name="標題 1">
             <a:extLst>
               <a:ext uri="{FF2B5EF4-FFF2-40B4-BE49-F238E27FC236}">
-                <a16:creationId xmlns:a16="http://schemas.microsoft.com/office/drawing/2014/main" id="{FEDEBC06-C75E-5899-979E-C29912B4A68E}"/>
+                <a16:creationId xmlns:a16="http://schemas.microsoft.com/office/drawing/2014/main" id="{36663CA0-2783-4A34-8C5A-24686BD0A02B}"/>
               </a:ext>
             </a:extLst>
           </p:cNvPr>
@@ -24247,10 +26676,9 @@
           <a:p>
             <a:pPr algn="ctr"/>
             <a:r>
-              <a:rPr lang="en-US" altLang="zh-TW" dirty="0"/>
-              <a:t>UART RX Setting</a:t>
-            </a:r>
-            <a:endParaRPr lang="zh-TW" altLang="en-US" dirty="0"/>
+              <a:rPr lang="zh-TW" altLang="en-US" dirty="0"/>
+              <a:t>主要遇到的問題</a:t>
+            </a:r>
           </a:p>
         </p:txBody>
       </p:sp>
@@ -24259,7 +26687,7 @@
           <p:cNvPr id="3" name="內容版面配置區 2">
             <a:extLst>
               <a:ext uri="{FF2B5EF4-FFF2-40B4-BE49-F238E27FC236}">
-                <a16:creationId xmlns:a16="http://schemas.microsoft.com/office/drawing/2014/main" id="{D33F5725-65BC-FF79-0EEB-A34DF7904932}"/>
+                <a16:creationId xmlns:a16="http://schemas.microsoft.com/office/drawing/2014/main" id="{4EB3A3B7-3819-4E07-A5DF-C15C993A0B95}"/>
               </a:ext>
             </a:extLst>
           </p:cNvPr>
@@ -24272,21 +26700,59 @@
         </p:nvSpPr>
         <p:spPr/>
         <p:txBody>
-          <a:bodyPr>
-            <a:normAutofit/>
-          </a:bodyPr>
+          <a:bodyPr/>
           <a:lstStyle/>
           <a:p>
             <a:pPr marL="0" indent="0">
               <a:buNone/>
             </a:pPr>
             <a:r>
-              <a:rPr lang="zh-TW" altLang="en-US" sz="2000" dirty="0"/>
-              <a:t>總結 </a:t>
-            </a:r>
+              <a:rPr lang="zh-TW" altLang="en-US" dirty="0">
+                <a:solidFill>
+                  <a:schemeClr val="accent1"/>
+                </a:solidFill>
+              </a:rPr>
+              <a:t>問題</a:t>
+            </a:r>
+            <a:endParaRPr lang="en-US" altLang="zh-TW" dirty="0">
+              <a:solidFill>
+                <a:schemeClr val="accent1"/>
+              </a:solidFill>
+            </a:endParaRPr>
+          </a:p>
+          <a:p>
+            <a:pPr marL="514350" indent="-514350">
+              <a:buAutoNum type="arabicPeriod"/>
+            </a:pPr>
+            <a:endParaRPr lang="en-US" altLang="zh-TW" dirty="0"/>
+          </a:p>
+          <a:p>
+            <a:pPr marL="514350" indent="-514350">
+              <a:buAutoNum type="arabicPeriod"/>
+            </a:pPr>
+            <a:r>
+              <a:rPr lang="zh-TW" altLang="en-US" sz="2400" dirty="0">
+                <a:hlinkClick r:id="rId3" action="ppaction://hlinksldjump"/>
+              </a:rPr>
+              <a:t>傳輸問題 </a:t>
+            </a:r>
+            <a:r>
+              <a:rPr lang="en-US" altLang="zh-TW" sz="2400" dirty="0"/>
+              <a:t>:</a:t>
+            </a:r>
+            <a:r>
+              <a:rPr lang="zh-TW" altLang="en-US" sz="2400" dirty="0"/>
+              <a:t> </a:t>
+            </a:r>
+            <a:endParaRPr lang="en-US" altLang="zh-TW" sz="2400" dirty="0"/>
+          </a:p>
+          <a:p>
+            <a:pPr marL="457200" lvl="1" indent="0">
+              <a:buNone/>
+            </a:pPr>
             <a:r>
               <a:rPr lang="en-US" altLang="zh-TW" sz="2000" dirty="0"/>
-              <a:t>:</a:t>
+              <a:t>1.  Set UART</a:t>
             </a:r>
             <a:r>
               <a:rPr lang="zh-TW" altLang="en-US" sz="2000" dirty="0"/>
@@ -24294,44 +26760,95 @@
             </a:r>
             <a:r>
               <a:rPr lang="en-US" altLang="zh-TW" sz="2000" dirty="0"/>
+              <a:t>RX</a:t>
+            </a:r>
+            <a:r>
+              <a:rPr lang="zh-TW" altLang="en-US" sz="2000" dirty="0"/>
               <a:t> </a:t>
             </a:r>
             <a:r>
+              <a:rPr lang="en-US" altLang="zh-TW" sz="2000" dirty="0"/>
+              <a:t>Setting </a:t>
+            </a:r>
+            <a:r>
               <a:rPr lang="zh-TW" altLang="en-US" sz="2000" dirty="0"/>
-              <a:t>由於使用情況是使用者隨時可能會去觸動後發</a:t>
+              <a:t>以及 </a:t>
             </a:r>
             <a:r>
               <a:rPr lang="en-US" altLang="zh-TW" sz="2000" dirty="0"/>
-              <a:t>Sensor</a:t>
+              <a:t>Flow </a:t>
             </a:r>
             <a:r>
               <a:rPr lang="zh-TW" altLang="en-US" sz="2000" dirty="0"/>
-              <a:t>、筆本身還要</a:t>
+              <a:t>規劃</a:t>
+            </a:r>
+            <a:endParaRPr lang="en-US" altLang="zh-TW" sz="2000" dirty="0"/>
+          </a:p>
+          <a:p>
+            <a:pPr marL="0" indent="0">
+              <a:buNone/>
+            </a:pPr>
+            <a:endParaRPr lang="en-US" altLang="zh-TW" sz="2400" dirty="0"/>
+          </a:p>
+          <a:p>
+            <a:pPr marL="457200" indent="-457200">
+              <a:buAutoNum type="arabicPeriod" startAt="2"/>
+            </a:pPr>
+            <a:r>
+              <a:rPr lang="zh-TW" altLang="en-US" sz="2400" dirty="0">
+                <a:hlinkClick r:id="rId4" action="ppaction://hlinksldjump"/>
+              </a:rPr>
+              <a:t>最接近顏色</a:t>
+            </a:r>
+            <a:r>
+              <a:rPr lang="en-US" altLang="zh-TW" sz="2400" dirty="0"/>
+              <a:t>:</a:t>
+            </a:r>
+          </a:p>
+          <a:p>
+            <a:pPr marL="914400" lvl="1" indent="-457200">
+              <a:buAutoNum type="arabicPeriod" startAt="2"/>
+            </a:pPr>
+            <a:r>
+              <a:rPr lang="zh-TW" altLang="en-US" sz="2000" dirty="0"/>
+              <a:t>筆的</a:t>
+            </a:r>
+            <a:r>
+              <a:rPr lang="en-US" altLang="zh-TW" sz="2000" dirty="0" err="1"/>
+              <a:t>Protocal</a:t>
             </a:r>
             <a:r>
               <a:rPr lang="en-US" altLang="zh-TW" sz="2000" dirty="0"/>
-              <a:t>Decode </a:t>
+              <a:t> </a:t>
             </a:r>
             <a:r>
               <a:rPr lang="zh-TW" altLang="en-US" sz="2000" dirty="0"/>
-              <a:t>訊號，因此中斷是最佳方法，</a:t>
+              <a:t>定義的顏色只佔</a:t>
             </a:r>
             <a:r>
               <a:rPr lang="en-US" altLang="zh-TW" sz="2000" dirty="0"/>
-              <a:t>Polling </a:t>
+              <a:t>RGB</a:t>
             </a:r>
             <a:r>
               <a:rPr lang="zh-TW" altLang="en-US" sz="2000" dirty="0"/>
-              <a:t>去偵測就不是好方法並且耗電</a:t>
-            </a:r>
-            <a:endParaRPr lang="en-US" altLang="zh-TW" sz="2000" dirty="0"/>
+              <a:t>裡面</a:t>
+            </a:r>
+            <a:r>
+              <a:rPr lang="en-US" altLang="zh-TW" sz="2000" dirty="0"/>
+              <a:t>200</a:t>
+            </a:r>
+            <a:r>
+              <a:rPr lang="zh-TW" altLang="en-US" sz="2000" dirty="0"/>
+              <a:t>多個</a:t>
+            </a:r>
+            <a:endParaRPr lang="en-US" altLang="zh-TW" dirty="0"/>
           </a:p>
         </p:txBody>
       </p:sp>
     </p:spTree>
     <p:extLst>
       <p:ext uri="{BB962C8B-B14F-4D97-AF65-F5344CB8AC3E}">
-        <p14:creationId xmlns:p14="http://schemas.microsoft.com/office/powerpoint/2010/main" val="1764172780"/>
+        <p14:creationId xmlns:p14="http://schemas.microsoft.com/office/powerpoint/2010/main" val="2576856385"/>
       </p:ext>
     </p:extLst>
   </p:cSld>
@@ -24363,7 +26880,7 @@
           <p:cNvPr id="2" name="標題 1">
             <a:extLst>
               <a:ext uri="{FF2B5EF4-FFF2-40B4-BE49-F238E27FC236}">
-                <a16:creationId xmlns:a16="http://schemas.microsoft.com/office/drawing/2014/main" id="{DCAF803D-3CAB-3E11-8A90-4D5310A3A5EA}"/>
+                <a16:creationId xmlns:a16="http://schemas.microsoft.com/office/drawing/2014/main" id="{FEDEBC06-C75E-5899-979E-C29912B4A68E}"/>
               </a:ext>
             </a:extLst>
           </p:cNvPr>
@@ -24393,7 +26910,7 @@
           <p:cNvPr id="3" name="內容版面配置區 2">
             <a:extLst>
               <a:ext uri="{FF2B5EF4-FFF2-40B4-BE49-F238E27FC236}">
-                <a16:creationId xmlns:a16="http://schemas.microsoft.com/office/drawing/2014/main" id="{3B1B8A68-518A-9A03-2325-0016A63D6547}"/>
+                <a16:creationId xmlns:a16="http://schemas.microsoft.com/office/drawing/2014/main" id="{D33F5725-65BC-FF79-0EEB-A34DF7904932}"/>
               </a:ext>
             </a:extLst>
           </p:cNvPr>
@@ -24406,151 +26923,79 @@
         </p:nvSpPr>
         <p:spPr/>
         <p:txBody>
-          <a:bodyPr/>
-          <a:lstStyle/>
-          <a:p>
-            <a:pPr marL="0" indent="0">
-              <a:buNone/>
+          <a:bodyPr>
+            <a:normAutofit/>
+          </a:bodyPr>
+          <a:lstStyle/>
+          <a:p>
+            <a:pPr marL="514350" indent="-514350">
+              <a:buAutoNum type="arabicPeriod"/>
             </a:pPr>
             <a:r>
-              <a:rPr lang="zh-TW" altLang="en-US" dirty="0">
-                <a:solidFill>
-                  <a:schemeClr val="accent1"/>
-                </a:solidFill>
-              </a:rPr>
-              <a:t>過程中遇到最大問題 </a:t>
-            </a:r>
-            <a:r>
-              <a:rPr lang="en-US" altLang="zh-TW" dirty="0">
-                <a:solidFill>
-                  <a:schemeClr val="accent1"/>
-                </a:solidFill>
-              </a:rPr>
-              <a:t>: </a:t>
-            </a:r>
-          </a:p>
-          <a:p>
-            <a:pPr marL="0" indent="0">
-              <a:buNone/>
+              <a:rPr lang="en-US" altLang="zh-TW" sz="2000" dirty="0"/>
+              <a:t>UART</a:t>
+            </a:r>
+            <a:r>
+              <a:rPr lang="zh-TW" altLang="en-US" sz="2000" dirty="0"/>
+              <a:t> </a:t>
+            </a:r>
+            <a:r>
+              <a:rPr lang="en-US" altLang="zh-TW" sz="2000" dirty="0"/>
+              <a:t>RX</a:t>
+            </a:r>
+            <a:r>
+              <a:rPr lang="zh-TW" altLang="en-US" sz="2000" dirty="0"/>
+              <a:t> 使用</a:t>
+            </a:r>
+            <a:r>
+              <a:rPr lang="en-US" altLang="zh-TW" sz="2000" dirty="0"/>
+              <a:t>FIFO</a:t>
+            </a:r>
+            <a:r>
+              <a:rPr lang="zh-TW" altLang="en-US" sz="2000" dirty="0"/>
+              <a:t> 架構、這個</a:t>
+            </a:r>
+            <a:r>
+              <a:rPr lang="en-US" altLang="zh-TW" sz="2000" dirty="0"/>
+              <a:t>FIFO</a:t>
+            </a:r>
+            <a:r>
+              <a:rPr lang="zh-TW" altLang="en-US" sz="2000" dirty="0"/>
+              <a:t>架構是被封裝過。</a:t>
+            </a:r>
+            <a:endParaRPr lang="en-US" altLang="zh-TW" sz="2000" dirty="0"/>
+          </a:p>
+          <a:p>
+            <a:pPr marL="514350" indent="-514350">
+              <a:buAutoNum type="arabicPeriod"/>
             </a:pPr>
-            <a:r>
-              <a:rPr lang="zh-TW" altLang="en-US" sz="2400" dirty="0"/>
-              <a:t>收完</a:t>
-            </a:r>
-            <a:r>
-              <a:rPr lang="en-US" altLang="zh-TW" sz="2400" dirty="0"/>
-              <a:t>Sensor Data</a:t>
-            </a:r>
-            <a:r>
-              <a:rPr lang="zh-TW" altLang="en-US" sz="2400" dirty="0"/>
-              <a:t>後，顯示資料卻有漏東漏西</a:t>
-            </a:r>
-            <a:endParaRPr lang="en-US" altLang="zh-TW" sz="2400" dirty="0"/>
-          </a:p>
-          <a:p>
-            <a:pPr marL="0" indent="0">
-              <a:buNone/>
+            <a:endParaRPr lang="en-US" altLang="zh-TW" sz="2000" dirty="0"/>
+          </a:p>
+          <a:p>
+            <a:pPr marL="514350" indent="-514350">
+              <a:buAutoNum type="arabicPeriod"/>
             </a:pPr>
-            <a:r>
-              <a:rPr lang="en-US" altLang="zh-TW" sz="2400" dirty="0"/>
-              <a:t>Source</a:t>
-            </a:r>
-          </a:p>
-          <a:p>
-            <a:pPr marL="0" indent="0">
-              <a:buNone/>
+            <a:endParaRPr lang="en-US" altLang="zh-TW" sz="2000" dirty="0"/>
+          </a:p>
+          <a:p>
+            <a:pPr marL="514350" indent="-514350">
+              <a:buAutoNum type="arabicPeriod"/>
             </a:pPr>
             <a:r>
-              <a:rPr lang="en-US" altLang="zh-TW" sz="2400" dirty="0"/>
-              <a:t>1 . </a:t>
-            </a:r>
-            <a:r>
-              <a:rPr lang="zh-TW" altLang="en-US" sz="2400" dirty="0"/>
-              <a:t> 硬體觸發設定 </a:t>
-            </a:r>
-            <a:r>
-              <a:rPr lang="en-US" altLang="zh-TW" sz="2400" dirty="0"/>
-              <a:t>: 4Bytes -&gt; 1Bytes</a:t>
-            </a:r>
-          </a:p>
-          <a:p>
-            <a:pPr marL="0" indent="0">
-              <a:buNone/>
-            </a:pPr>
-            <a:r>
-              <a:rPr lang="en-US" altLang="zh-TW" sz="2400" dirty="0"/>
-              <a:t>2. </a:t>
-            </a:r>
-            <a:r>
-              <a:rPr lang="zh-TW" altLang="en-US" sz="2400" dirty="0"/>
-              <a:t> </a:t>
-            </a:r>
-            <a:r>
-              <a:rPr lang="zh-TW" altLang="en-US" sz="2400" dirty="0">
-                <a:solidFill>
-                  <a:srgbClr val="FF0000"/>
-                </a:solidFill>
-              </a:rPr>
-              <a:t>解除中斷</a:t>
-            </a:r>
-            <a:r>
-              <a:rPr lang="en-US" altLang="zh-TW" sz="2400" dirty="0">
-                <a:solidFill>
-                  <a:srgbClr val="FF0000"/>
-                </a:solidFill>
-              </a:rPr>
-              <a:t>Event </a:t>
-            </a:r>
-            <a:r>
-              <a:rPr lang="en-US" altLang="zh-TW" sz="2400" dirty="0" err="1">
-                <a:solidFill>
-                  <a:srgbClr val="FF0000"/>
-                </a:solidFill>
-              </a:rPr>
-              <a:t>regestier</a:t>
-            </a:r>
-            <a:r>
-              <a:rPr lang="zh-TW" altLang="en-US" sz="2400" dirty="0">
-                <a:solidFill>
-                  <a:srgbClr val="FF0000"/>
-                </a:solidFill>
-              </a:rPr>
-              <a:t>在</a:t>
-            </a:r>
-            <a:r>
-              <a:rPr lang="en-US" altLang="zh-TW" sz="2400" dirty="0">
-                <a:solidFill>
-                  <a:srgbClr val="FF0000"/>
-                </a:solidFill>
-              </a:rPr>
-              <a:t>Code</a:t>
-            </a:r>
-            <a:r>
-              <a:rPr lang="zh-TW" altLang="en-US" sz="2400" dirty="0">
-                <a:solidFill>
-                  <a:srgbClr val="FF0000"/>
-                </a:solidFill>
-              </a:rPr>
-              <a:t>中的位置</a:t>
-            </a:r>
-            <a:endParaRPr lang="en-US" altLang="zh-TW" sz="2400" dirty="0">
-              <a:solidFill>
-                <a:srgbClr val="FF0000"/>
-              </a:solidFill>
-            </a:endParaRPr>
-          </a:p>
-          <a:p>
-            <a:pPr marL="0" indent="0">
-              <a:buNone/>
-            </a:pPr>
-            <a:endParaRPr lang="zh-TW" altLang="en-US" dirty="0"/>
+              <a:rPr lang="en-US" altLang="zh-TW" sz="2000" dirty="0"/>
+              <a:t>UART RX</a:t>
+            </a:r>
+            <a:r>
+              <a:rPr lang="zh-TW" altLang="en-US" sz="2000" dirty="0"/>
+              <a:t> 中斷硬體設計</a:t>
+            </a:r>
           </a:p>
         </p:txBody>
       </p:sp>
     </p:spTree>
     <p:extLst>
       <p:ext uri="{BB962C8B-B14F-4D97-AF65-F5344CB8AC3E}">
-        <p14:creationId xmlns:p14="http://schemas.microsoft.com/office/powerpoint/2010/main" val="719165155"/>
+        <p14:creationId xmlns:p14="http://schemas.microsoft.com/office/powerpoint/2010/main" val="3743749783"/>
       </p:ext>
     </p:extLst>
   </p:cSld>
@@ -24582,7 +27027,7 @@
           <p:cNvPr id="2" name="標題 1">
             <a:extLst>
               <a:ext uri="{FF2B5EF4-FFF2-40B4-BE49-F238E27FC236}">
-                <a16:creationId xmlns:a16="http://schemas.microsoft.com/office/drawing/2014/main" id="{A90C3E7E-AE4E-452E-A66F-A6DA326A606E}"/>
+                <a16:creationId xmlns:a16="http://schemas.microsoft.com/office/drawing/2014/main" id="{FEDEBC06-C75E-5899-979E-C29912B4A68E}"/>
               </a:ext>
             </a:extLst>
           </p:cNvPr>
@@ -24600,8 +27045,8 @@
           <a:p>
             <a:pPr algn="ctr"/>
             <a:r>
-              <a:rPr lang="zh-TW" altLang="en-US" sz="4400" dirty="0"/>
-              <a:t>最接近顏色</a:t>
+              <a:rPr lang="en-US" altLang="zh-TW" dirty="0"/>
+              <a:t>UART RX Setting</a:t>
             </a:r>
             <a:endParaRPr lang="zh-TW" altLang="en-US" dirty="0"/>
           </a:p>
@@ -24612,7 +27057,7 @@
           <p:cNvPr id="3" name="內容版面配置區 2">
             <a:extLst>
               <a:ext uri="{FF2B5EF4-FFF2-40B4-BE49-F238E27FC236}">
-                <a16:creationId xmlns:a16="http://schemas.microsoft.com/office/drawing/2014/main" id="{2270879B-7395-4917-86B4-47F549C5A985}"/>
+                <a16:creationId xmlns:a16="http://schemas.microsoft.com/office/drawing/2014/main" id="{D33F5725-65BC-FF79-0EEB-A34DF7904932}"/>
               </a:ext>
             </a:extLst>
           </p:cNvPr>
@@ -24625,96 +27070,66 @@
         </p:nvSpPr>
         <p:spPr/>
         <p:txBody>
-          <a:bodyPr/>
+          <a:bodyPr>
+            <a:normAutofit/>
+          </a:bodyPr>
           <a:lstStyle/>
           <a:p>
             <a:pPr marL="0" indent="0">
               <a:buNone/>
             </a:pPr>
             <a:r>
-              <a:rPr lang="en-US" altLang="zh-TW" dirty="0"/>
-              <a:t>Root Cause :</a:t>
-            </a:r>
-          </a:p>
-          <a:p>
-            <a:pPr marL="514350" indent="-514350">
-              <a:buAutoNum type="arabicPeriod"/>
-            </a:pPr>
-            <a:r>
-              <a:rPr lang="en-US" altLang="zh-TW" dirty="0"/>
-              <a:t>Sensor </a:t>
-            </a:r>
-            <a:r>
-              <a:rPr lang="zh-TW" altLang="en-US" dirty="0"/>
-              <a:t>傳輸的顏色，並不一定落在</a:t>
-            </a:r>
-            <a:r>
-              <a:rPr lang="en-US" altLang="zh-TW" dirty="0"/>
-              <a:t>USI</a:t>
-            </a:r>
-            <a:r>
-              <a:rPr lang="zh-TW" altLang="en-US" dirty="0"/>
-              <a:t>所定義的顏色，因此需要找到最接近的顏色。</a:t>
-            </a:r>
-            <a:endParaRPr lang="en-US" altLang="zh-TW" dirty="0"/>
-          </a:p>
-          <a:p>
-            <a:pPr marL="514350" indent="-514350">
-              <a:buAutoNum type="arabicPeriod"/>
-            </a:pPr>
-            <a:endParaRPr lang="en-US" altLang="zh-TW" dirty="0"/>
-          </a:p>
-          <a:p>
-            <a:pPr marL="0" indent="0">
-              <a:buNone/>
-            </a:pPr>
-            <a:r>
-              <a:rPr lang="en-US" altLang="zh-TW" dirty="0"/>
-              <a:t>Solve :</a:t>
-            </a:r>
-          </a:p>
-          <a:p>
-            <a:pPr marL="0" indent="0">
-              <a:buNone/>
-            </a:pPr>
-            <a:r>
-              <a:rPr lang="en-US" altLang="zh-TW" dirty="0"/>
-              <a:t>	1. </a:t>
-            </a:r>
-            <a:r>
-              <a:rPr lang="zh-TW" altLang="en-US" dirty="0"/>
-              <a:t>顏色距離定義</a:t>
-            </a:r>
-            <a:endParaRPr lang="en-US" altLang="zh-TW" dirty="0"/>
-          </a:p>
-          <a:p>
-            <a:pPr marL="0" indent="0">
-              <a:buNone/>
-            </a:pPr>
-            <a:r>
-              <a:rPr lang="en-US" altLang="zh-TW" dirty="0"/>
-              <a:t>	2.  </a:t>
-            </a:r>
-            <a:r>
-              <a:rPr lang="zh-TW" altLang="en-US" dirty="0"/>
-              <a:t>使用</a:t>
-            </a:r>
-            <a:r>
-              <a:rPr lang="en-US" altLang="zh-TW" dirty="0" err="1"/>
-              <a:t>matlab</a:t>
-            </a:r>
-            <a:r>
-              <a:rPr lang="zh-TW" altLang="en-US" dirty="0"/>
-              <a:t>來加速驗證速度</a:t>
-            </a:r>
-            <a:endParaRPr lang="en-US" altLang="zh-TW" dirty="0"/>
+              <a:rPr lang="zh-TW" altLang="en-US" sz="2000" dirty="0"/>
+              <a:t>總結 </a:t>
+            </a:r>
+            <a:r>
+              <a:rPr lang="en-US" altLang="zh-TW" sz="2000" dirty="0"/>
+              <a:t>:</a:t>
+            </a:r>
+            <a:r>
+              <a:rPr lang="zh-TW" altLang="en-US" sz="2000" dirty="0"/>
+              <a:t> </a:t>
+            </a:r>
+            <a:r>
+              <a:rPr lang="en-US" altLang="zh-TW" sz="2000" dirty="0"/>
+              <a:t> </a:t>
+            </a:r>
+            <a:r>
+              <a:rPr lang="zh-TW" altLang="en-US" sz="2000" dirty="0"/>
+              <a:t>由於使用情況是使用者隨時可能會去觸動後發</a:t>
+            </a:r>
+            <a:r>
+              <a:rPr lang="en-US" altLang="zh-TW" sz="2000" dirty="0"/>
+              <a:t>Sensor</a:t>
+            </a:r>
+            <a:r>
+              <a:rPr lang="zh-TW" altLang="en-US" sz="2000" dirty="0"/>
+              <a:t>、筆本身還要</a:t>
+            </a:r>
+            <a:r>
+              <a:rPr lang="en-US" altLang="zh-TW" sz="2000" dirty="0"/>
+              <a:t>Decode </a:t>
+            </a:r>
+            <a:r>
+              <a:rPr lang="zh-TW" altLang="en-US" sz="2000" dirty="0"/>
+              <a:t>訊號，因此中斷是最佳方法，</a:t>
+            </a:r>
+            <a:r>
+              <a:rPr lang="en-US" altLang="zh-TW" sz="2000" dirty="0"/>
+              <a:t>Polling </a:t>
+            </a:r>
+            <a:r>
+              <a:rPr lang="zh-TW" altLang="en-US" sz="2000" dirty="0"/>
+              <a:t>去偵測就不是好方法並且耗電</a:t>
+            </a:r>
+            <a:endParaRPr lang="en-US" altLang="zh-TW" sz="2000" dirty="0"/>
           </a:p>
         </p:txBody>
       </p:sp>
     </p:spTree>
     <p:extLst>
       <p:ext uri="{BB962C8B-B14F-4D97-AF65-F5344CB8AC3E}">
-        <p14:creationId xmlns:p14="http://schemas.microsoft.com/office/powerpoint/2010/main" val="2172983373"/>
+        <p14:creationId xmlns:p14="http://schemas.microsoft.com/office/powerpoint/2010/main" val="1764172780"/>
       </p:ext>
     </p:extLst>
   </p:cSld>
@@ -24746,7 +27161,7 @@
           <p:cNvPr id="2" name="標題 1">
             <a:extLst>
               <a:ext uri="{FF2B5EF4-FFF2-40B4-BE49-F238E27FC236}">
-                <a16:creationId xmlns:a16="http://schemas.microsoft.com/office/drawing/2014/main" id="{77C37F21-5DBA-B401-7D71-7CFB5E6E6C5D}"/>
+                <a16:creationId xmlns:a16="http://schemas.microsoft.com/office/drawing/2014/main" id="{DCAF803D-3CAB-3E11-8A90-4D5310A3A5EA}"/>
               </a:ext>
             </a:extLst>
           </p:cNvPr>
@@ -24764,21 +27179,10 @@
           <a:p>
             <a:pPr algn="ctr"/>
             <a:r>
-              <a:rPr lang="zh-TW" altLang="en-US" dirty="0"/>
-              <a:t> </a:t>
-            </a:r>
-            <a:r>
-              <a:rPr lang="en-US" altLang="zh-TW" dirty="0" err="1"/>
-              <a:t>Matlab</a:t>
-            </a:r>
-            <a:r>
-              <a:rPr lang="en-US" altLang="zh-TW" dirty="0"/>
-              <a:t> </a:t>
-            </a:r>
-            <a:r>
-              <a:rPr lang="zh-TW" altLang="en-US" dirty="0"/>
-              <a:t>驗證</a:t>
-            </a:r>
+              <a:rPr lang="en-US" altLang="zh-TW" dirty="0"/>
+              <a:t>UART RX Setting</a:t>
+            </a:r>
+            <a:endParaRPr lang="zh-TW" altLang="en-US" dirty="0"/>
           </a:p>
         </p:txBody>
       </p:sp>
@@ -24787,7 +27191,7 @@
           <p:cNvPr id="3" name="內容版面配置區 2">
             <a:extLst>
               <a:ext uri="{FF2B5EF4-FFF2-40B4-BE49-F238E27FC236}">
-                <a16:creationId xmlns:a16="http://schemas.microsoft.com/office/drawing/2014/main" id="{534E79D0-3692-7581-7815-5DEF93BC5DAC}"/>
+                <a16:creationId xmlns:a16="http://schemas.microsoft.com/office/drawing/2014/main" id="{3B1B8A68-518A-9A03-2325-0016A63D6547}"/>
               </a:ext>
             </a:extLst>
           </p:cNvPr>
@@ -24807,28 +27211,144 @@
               <a:buNone/>
             </a:pPr>
             <a:r>
-              <a:rPr lang="en-US" altLang="zh-TW" dirty="0"/>
-              <a:t>Use </a:t>
-            </a:r>
-            <a:r>
-              <a:rPr lang="en-US" altLang="zh-TW" dirty="0" err="1"/>
-              <a:t>Matalb</a:t>
-            </a:r>
-            <a:r>
-              <a:rPr lang="en-US" altLang="zh-TW" dirty="0"/>
-              <a:t> APP</a:t>
-            </a:r>
-            <a:r>
-              <a:rPr lang="zh-TW" altLang="en-US" dirty="0"/>
-              <a:t> 寫的</a:t>
-            </a:r>
+              <a:rPr lang="zh-TW" altLang="en-US" dirty="0">
+                <a:solidFill>
+                  <a:schemeClr val="accent1"/>
+                </a:solidFill>
+              </a:rPr>
+              <a:t>過程中遇到最大問題 </a:t>
+            </a:r>
+            <a:r>
+              <a:rPr lang="en-US" altLang="zh-TW" dirty="0">
+                <a:solidFill>
+                  <a:schemeClr val="accent1"/>
+                </a:solidFill>
+              </a:rPr>
+              <a:t>: </a:t>
+            </a:r>
+          </a:p>
+          <a:p>
+            <a:pPr marL="0" indent="0">
+              <a:buNone/>
+            </a:pPr>
+            <a:r>
+              <a:rPr lang="zh-TW" altLang="en-US" sz="2400" dirty="0"/>
+              <a:t>收完</a:t>
+            </a:r>
+            <a:r>
+              <a:rPr lang="en-US" altLang="zh-TW" sz="2400" dirty="0"/>
+              <a:t>Sensor Data</a:t>
+            </a:r>
+            <a:r>
+              <a:rPr lang="zh-TW" altLang="en-US" sz="2400" dirty="0"/>
+              <a:t>後，顯示資料卻有漏東漏西</a:t>
+            </a:r>
+            <a:endParaRPr lang="en-US" altLang="zh-TW" sz="2400" dirty="0"/>
+          </a:p>
+          <a:p>
+            <a:pPr marL="0" indent="0">
+              <a:buNone/>
+            </a:pPr>
+            <a:r>
+              <a:rPr lang="en-US" altLang="zh-TW" sz="2400" dirty="0"/>
+              <a:t>Source</a:t>
+            </a:r>
+          </a:p>
+          <a:p>
+            <a:pPr marL="0" indent="0">
+              <a:buNone/>
+            </a:pPr>
+            <a:r>
+              <a:rPr lang="en-US" altLang="zh-TW" sz="2400" dirty="0"/>
+              <a:t>1 . </a:t>
+            </a:r>
+            <a:r>
+              <a:rPr lang="zh-TW" altLang="en-US" sz="2400" dirty="0"/>
+              <a:t> 硬體觸發設定 </a:t>
+            </a:r>
+            <a:r>
+              <a:rPr lang="en-US" altLang="zh-TW" sz="2400" dirty="0"/>
+              <a:t>: 4Bytes -&gt; 1Bytes</a:t>
+            </a:r>
+          </a:p>
+          <a:p>
+            <a:pPr marL="0" indent="0">
+              <a:buNone/>
+            </a:pPr>
+            <a:r>
+              <a:rPr lang="en-US" altLang="zh-TW" sz="2400" dirty="0"/>
+              <a:t>2. </a:t>
+            </a:r>
+            <a:r>
+              <a:rPr lang="zh-TW" altLang="en-US" sz="2400" dirty="0"/>
+              <a:t> </a:t>
+            </a:r>
+            <a:r>
+              <a:rPr lang="zh-TW" altLang="en-US" sz="2400" dirty="0">
+                <a:solidFill>
+                  <a:srgbClr val="FF0000"/>
+                </a:solidFill>
+              </a:rPr>
+              <a:t>解除中斷</a:t>
+            </a:r>
+            <a:r>
+              <a:rPr lang="en-US" altLang="zh-TW" sz="2400" dirty="0">
+                <a:solidFill>
+                  <a:srgbClr val="FF0000"/>
+                </a:solidFill>
+              </a:rPr>
+              <a:t>Event </a:t>
+            </a:r>
+            <a:r>
+              <a:rPr lang="en-US" altLang="zh-TW" sz="2400" dirty="0" err="1">
+                <a:solidFill>
+                  <a:srgbClr val="FF0000"/>
+                </a:solidFill>
+              </a:rPr>
+              <a:t>regestier</a:t>
+            </a:r>
+            <a:r>
+              <a:rPr lang="zh-TW" altLang="en-US" sz="2400" dirty="0">
+                <a:solidFill>
+                  <a:srgbClr val="FF0000"/>
+                </a:solidFill>
+              </a:rPr>
+              <a:t>在</a:t>
+            </a:r>
+            <a:r>
+              <a:rPr lang="en-US" altLang="zh-TW" sz="2400" dirty="0">
+                <a:solidFill>
+                  <a:srgbClr val="FF0000"/>
+                </a:solidFill>
+              </a:rPr>
+              <a:t>Code</a:t>
+            </a:r>
+            <a:r>
+              <a:rPr lang="zh-TW" altLang="en-US" sz="2400" dirty="0">
+                <a:solidFill>
+                  <a:srgbClr val="FF0000"/>
+                </a:solidFill>
+              </a:rPr>
+              <a:t>中的位置</a:t>
+            </a:r>
+            <a:endParaRPr lang="en-US" altLang="zh-TW" sz="2400" dirty="0">
+              <a:solidFill>
+                <a:srgbClr val="FF0000"/>
+              </a:solidFill>
+            </a:endParaRPr>
+          </a:p>
+          <a:p>
+            <a:pPr marL="0" indent="0">
+              <a:buNone/>
+            </a:pPr>
+            <a:endParaRPr lang="zh-TW" altLang="en-US" dirty="0"/>
           </a:p>
         </p:txBody>
       </p:sp>
     </p:spTree>
     <p:extLst>
       <p:ext uri="{BB962C8B-B14F-4D97-AF65-F5344CB8AC3E}">
-        <p14:creationId xmlns:p14="http://schemas.microsoft.com/office/powerpoint/2010/main" val="3411917283"/>
+        <p14:creationId xmlns:p14="http://schemas.microsoft.com/office/powerpoint/2010/main" val="719165155"/>
       </p:ext>
     </p:extLst>
   </p:cSld>
@@ -24860,7 +27380,7 @@
           <p:cNvPr id="2" name="標題 1">
             <a:extLst>
               <a:ext uri="{FF2B5EF4-FFF2-40B4-BE49-F238E27FC236}">
-                <a16:creationId xmlns:a16="http://schemas.microsoft.com/office/drawing/2014/main" id="{F0C4E827-8FA5-D200-CB63-931E7FB72A01}"/>
+                <a16:creationId xmlns:a16="http://schemas.microsoft.com/office/drawing/2014/main" id="{A90C3E7E-AE4E-452E-A66F-A6DA326A606E}"/>
               </a:ext>
             </a:extLst>
           </p:cNvPr>
@@ -24876,6 +27396,11 @@
           <a:bodyPr/>
           <a:lstStyle/>
           <a:p>
+            <a:pPr algn="ctr"/>
+            <a:r>
+              <a:rPr lang="zh-TW" altLang="en-US" sz="4400" dirty="0"/>
+              <a:t>最接近顏色</a:t>
+            </a:r>
             <a:endParaRPr lang="zh-TW" altLang="en-US" dirty="0"/>
           </a:p>
         </p:txBody>
@@ -24885,7 +27410,7 @@
           <p:cNvPr id="3" name="內容版面配置區 2">
             <a:extLst>
               <a:ext uri="{FF2B5EF4-FFF2-40B4-BE49-F238E27FC236}">
-                <a16:creationId xmlns:a16="http://schemas.microsoft.com/office/drawing/2014/main" id="{3DEDB90D-322B-3E70-CB9B-BCCD6F0A04A3}"/>
+                <a16:creationId xmlns:a16="http://schemas.microsoft.com/office/drawing/2014/main" id="{2270879B-7395-4917-86B4-47F549C5A985}"/>
               </a:ext>
             </a:extLst>
           </p:cNvPr>
@@ -24901,21 +27426,35 @@
           <a:bodyPr/>
           <a:lstStyle/>
           <a:p>
+            <a:pPr marL="0" indent="0">
+              <a:buNone/>
+            </a:pPr>
+            <a:r>
+              <a:rPr lang="en-US" altLang="zh-TW" dirty="0"/>
+              <a:t>Root Cause :</a:t>
+            </a:r>
+          </a:p>
+          <a:p>
             <a:pPr marL="514350" indent="-514350">
               <a:buAutoNum type="arabicPeriod"/>
             </a:pPr>
             <a:r>
               <a:rPr lang="en-US" altLang="zh-TW" dirty="0"/>
-              <a:t>Intel USI2.0 </a:t>
-            </a:r>
-            <a:r>
-              <a:rPr lang="zh-TW" altLang="en-US" dirty="0"/>
-              <a:t>測項 </a:t>
-            </a:r>
-            <a:r>
-              <a:rPr lang="en-US" altLang="zh-TW" dirty="0"/>
-              <a:t>Total 57</a:t>
-            </a:r>
+              <a:t>Sensor </a:t>
+            </a:r>
+            <a:r>
+              <a:rPr lang="zh-TW" altLang="en-US" dirty="0"/>
+              <a:t>傳輸的顏色，並不一定落在</a:t>
+            </a:r>
+            <a:r>
+              <a:rPr lang="en-US" altLang="zh-TW" dirty="0"/>
+              <a:t>USI</a:t>
+            </a:r>
+            <a:r>
+              <a:rPr lang="zh-TW" altLang="en-US" dirty="0"/>
+              <a:t>所定義的顏色，因此需要找到最接近的顏色。</a:t>
+            </a:r>
+            <a:endParaRPr lang="en-US" altLang="zh-TW" dirty="0"/>
           </a:p>
           <a:p>
             <a:pPr marL="514350" indent="-514350">
@@ -24924,102 +27463,56 @@
             <a:endParaRPr lang="en-US" altLang="zh-TW" dirty="0"/>
           </a:p>
           <a:p>
-            <a:pPr marL="514350" indent="-514350">
-              <a:buAutoNum type="arabicPeriod"/>
+            <a:pPr marL="0" indent="0">
+              <a:buNone/>
             </a:pPr>
             <a:r>
+              <a:rPr lang="en-US" altLang="zh-TW" dirty="0"/>
+              <a:t>Solve :</a:t>
+            </a:r>
+          </a:p>
+          <a:p>
+            <a:pPr marL="0" indent="0">
+              <a:buNone/>
+            </a:pPr>
+            <a:r>
+              <a:rPr lang="en-US" altLang="zh-TW" dirty="0"/>
+              <a:t>	1. </a:t>
+            </a:r>
+            <a:r>
+              <a:rPr lang="zh-TW" altLang="en-US" dirty="0"/>
+              <a:t>顏色距離定義</a:t>
+            </a:r>
+            <a:endParaRPr lang="en-US" altLang="zh-TW" dirty="0"/>
+          </a:p>
+          <a:p>
+            <a:pPr marL="0" indent="0">
+              <a:buNone/>
+            </a:pPr>
+            <a:r>
+              <a:rPr lang="en-US" altLang="zh-TW" dirty="0"/>
+              <a:t>	2.  </a:t>
+            </a:r>
+            <a:r>
+              <a:rPr lang="zh-TW" altLang="en-US" dirty="0"/>
+              <a:t>使用</a:t>
+            </a:r>
+            <a:r>
               <a:rPr lang="en-US" altLang="zh-TW" dirty="0" err="1"/>
-              <a:t>Novatek</a:t>
-            </a:r>
-            <a:r>
-              <a:rPr lang="en-US" altLang="zh-TW" dirty="0"/>
-              <a:t> AVL</a:t>
-            </a:r>
-            <a:r>
-              <a:rPr lang="zh-TW" altLang="en-US" dirty="0"/>
-              <a:t>測項</a:t>
-            </a:r>
-            <a:r>
-              <a:rPr lang="en-US" altLang="zh-TW" dirty="0"/>
-              <a:t>Pass</a:t>
-            </a:r>
-          </a:p>
-          <a:p>
-            <a:pPr marL="514350" indent="-514350">
-              <a:buAutoNum type="arabicPeriod"/>
-            </a:pPr>
+              <a:t>matlab</a:t>
+            </a:r>
+            <a:r>
+              <a:rPr lang="zh-TW" altLang="en-US" dirty="0"/>
+              <a:t>來加速驗證速度</a:t>
+            </a:r>
             <a:endParaRPr lang="en-US" altLang="zh-TW" dirty="0"/>
-          </a:p>
-          <a:p>
-            <a:pPr marL="514350" indent="-514350">
-              <a:buAutoNum type="arabicPeriod"/>
-            </a:pPr>
-            <a:r>
-              <a:rPr lang="en-US" altLang="zh-TW" dirty="0"/>
-              <a:t>Noise </a:t>
-            </a:r>
-            <a:r>
-              <a:rPr lang="zh-TW" altLang="en-US" dirty="0"/>
-              <a:t>處理 </a:t>
-            </a:r>
-            <a:r>
-              <a:rPr lang="en-US" altLang="zh-TW" dirty="0"/>
-              <a:t>:</a:t>
-            </a:r>
-            <a:r>
-              <a:rPr lang="zh-TW" altLang="en-US" dirty="0"/>
-              <a:t> </a:t>
-            </a:r>
-            <a:r>
-              <a:rPr lang="en-US" altLang="zh-TW" dirty="0"/>
-              <a:t>Palm</a:t>
-            </a:r>
-            <a:r>
-              <a:rPr lang="zh-TW" altLang="en-US" dirty="0"/>
-              <a:t>、邊邊角落、</a:t>
-            </a:r>
-            <a:r>
-              <a:rPr lang="en-US" altLang="zh-TW" dirty="0"/>
-              <a:t>T5</a:t>
-            </a:r>
-            <a:r>
-              <a:rPr lang="zh-TW" altLang="en-US" dirty="0"/>
-              <a:t>、</a:t>
-            </a:r>
-            <a:r>
-              <a:rPr lang="en-US" altLang="zh-TW" dirty="0"/>
-              <a:t>CS</a:t>
-            </a:r>
-          </a:p>
-          <a:p>
-            <a:pPr marL="514350" indent="-514350">
-              <a:buAutoNum type="arabicPeriod"/>
-            </a:pPr>
-            <a:endParaRPr lang="en-US" altLang="zh-TW" dirty="0"/>
-          </a:p>
-          <a:p>
-            <a:pPr marL="514350" indent="-514350">
-              <a:buAutoNum type="arabicPeriod"/>
-            </a:pPr>
-            <a:r>
-              <a:rPr lang="en-US" altLang="zh-TW" dirty="0" err="1"/>
-              <a:t>Agc</a:t>
-            </a:r>
-            <a:r>
-              <a:rPr lang="en-US" altLang="zh-TW" dirty="0"/>
-              <a:t> Flow </a:t>
-            </a:r>
-            <a:r>
-              <a:rPr lang="zh-TW" altLang="en-US" dirty="0"/>
-              <a:t>架構</a:t>
-            </a:r>
           </a:p>
         </p:txBody>
       </p:sp>
     </p:spTree>
     <p:extLst>
       <p:ext uri="{BB962C8B-B14F-4D97-AF65-F5344CB8AC3E}">
-        <p14:creationId xmlns:p14="http://schemas.microsoft.com/office/powerpoint/2010/main" val="3116768302"/>
+        <p14:creationId xmlns:p14="http://schemas.microsoft.com/office/powerpoint/2010/main" val="2172983373"/>
       </p:ext>
     </p:extLst>
   </p:cSld>
@@ -25051,7 +27544,7 @@
           <p:cNvPr id="2" name="標題 1">
             <a:extLst>
               <a:ext uri="{FF2B5EF4-FFF2-40B4-BE49-F238E27FC236}">
-                <a16:creationId xmlns:a16="http://schemas.microsoft.com/office/drawing/2014/main" id="{0AD59BC0-0510-6326-DD50-2DF0BA6A3F5B}"/>
+                <a16:creationId xmlns:a16="http://schemas.microsoft.com/office/drawing/2014/main" id="{77C37F21-5DBA-B401-7D71-7CFB5E6E6C5D}"/>
               </a:ext>
             </a:extLst>
           </p:cNvPr>
@@ -25067,9 +27560,22 @@
           <a:bodyPr/>
           <a:lstStyle/>
           <a:p>
-            <a:r>
-              <a:rPr lang="zh-TW" altLang="en-US" dirty="0"/>
-              <a:t>嚴重問題</a:t>
+            <a:pPr algn="ctr"/>
+            <a:r>
+              <a:rPr lang="zh-TW" altLang="en-US" dirty="0"/>
+              <a:t> </a:t>
+            </a:r>
+            <a:r>
+              <a:rPr lang="en-US" altLang="zh-TW" dirty="0" err="1"/>
+              <a:t>Matlab</a:t>
+            </a:r>
+            <a:r>
+              <a:rPr lang="en-US" altLang="zh-TW" dirty="0"/>
+              <a:t> </a:t>
+            </a:r>
+            <a:r>
+              <a:rPr lang="zh-TW" altLang="en-US" dirty="0"/>
+              <a:t>驗證</a:t>
             </a:r>
           </a:p>
         </p:txBody>
@@ -25079,7 +27585,7 @@
           <p:cNvPr id="3" name="內容版面配置區 2">
             <a:extLst>
               <a:ext uri="{FF2B5EF4-FFF2-40B4-BE49-F238E27FC236}">
-                <a16:creationId xmlns:a16="http://schemas.microsoft.com/office/drawing/2014/main" id="{E2F59C58-A377-FCE2-6D10-158F112376F5}"/>
+                <a16:creationId xmlns:a16="http://schemas.microsoft.com/office/drawing/2014/main" id="{534E79D0-3692-7581-7815-5DEF93BC5DAC}"/>
               </a:ext>
             </a:extLst>
           </p:cNvPr>
@@ -25095,31 +27601,223 @@
           <a:bodyPr/>
           <a:lstStyle/>
           <a:p>
-            <a:r>
-              <a:rPr lang="zh-TW" altLang="en-US" dirty="0"/>
-              <a:t>電路上</a:t>
-            </a:r>
-            <a:r>
-              <a:rPr lang="en-US" altLang="zh-TW" dirty="0"/>
-              <a:t>ISSUE</a:t>
-            </a:r>
-          </a:p>
-          <a:p>
-            <a:endParaRPr lang="en-US" altLang="zh-TW" dirty="0"/>
-          </a:p>
-          <a:p>
-            <a:r>
-              <a:rPr lang="en-US" altLang="zh-TW" dirty="0"/>
-              <a:t>RX0 CMU </a:t>
-            </a:r>
-            <a:endParaRPr lang="zh-TW" altLang="en-US" dirty="0"/>
+            <a:pPr marL="0" indent="0">
+              <a:buNone/>
+            </a:pPr>
+            <a:r>
+              <a:rPr lang="en-US" altLang="zh-TW" dirty="0"/>
+              <a:t>Use </a:t>
+            </a:r>
+            <a:r>
+              <a:rPr lang="en-US" altLang="zh-TW" dirty="0" err="1"/>
+              <a:t>Matalb</a:t>
+            </a:r>
+            <a:r>
+              <a:rPr lang="en-US" altLang="zh-TW" dirty="0"/>
+              <a:t> APP</a:t>
+            </a:r>
+            <a:r>
+              <a:rPr lang="zh-TW" altLang="en-US" dirty="0"/>
+              <a:t> 寫的</a:t>
+            </a:r>
           </a:p>
         </p:txBody>
       </p:sp>
     </p:spTree>
     <p:extLst>
       <p:ext uri="{BB962C8B-B14F-4D97-AF65-F5344CB8AC3E}">
-        <p14:creationId xmlns:p14="http://schemas.microsoft.com/office/powerpoint/2010/main" val="832131673"/>
+        <p14:creationId xmlns:p14="http://schemas.microsoft.com/office/powerpoint/2010/main" val="3411917283"/>
+      </p:ext>
+    </p:extLst>
+  </p:cSld>
+  <p:clrMapOvr>
+    <a:masterClrMapping/>
+  </p:clrMapOvr>
+</p:sld>
+</file>
+
+<file path=ppt/slides/slide59.xml><?xml version="1.0" encoding="utf-8"?>
+<p:sld xmlns:a="http://schemas.openxmlformats.org/drawingml/2006/main" xmlns:r="http://schemas.openxmlformats.org/officeDocument/2006/relationships" xmlns:p="http://schemas.openxmlformats.org/presentationml/2006/main">
+  <p:cSld>
+    <p:spTree>
+      <p:nvGrpSpPr>
+        <p:cNvPr id="1" name=""/>
+        <p:cNvGrpSpPr/>
+        <p:nvPr/>
+      </p:nvGrpSpPr>
+      <p:grpSpPr>
+        <a:xfrm>
+          <a:off x="0" y="0"/>
+          <a:ext cx="0" cy="0"/>
+          <a:chOff x="0" y="0"/>
+          <a:chExt cx="0" cy="0"/>
+        </a:xfrm>
+      </p:grpSpPr>
+      <p:sp>
+        <p:nvSpPr>
+          <p:cNvPr id="2" name="標題 1">
+            <a:extLst>
+              <a:ext uri="{FF2B5EF4-FFF2-40B4-BE49-F238E27FC236}">
+                <a16:creationId xmlns:a16="http://schemas.microsoft.com/office/drawing/2014/main" id="{F0C4E827-8FA5-D200-CB63-931E7FB72A01}"/>
+              </a:ext>
+            </a:extLst>
+          </p:cNvPr>
+          <p:cNvSpPr>
+            <a:spLocks noGrp="1"/>
+          </p:cNvSpPr>
+          <p:nvPr>
+            <p:ph type="title"/>
+          </p:nvPr>
+        </p:nvSpPr>
+        <p:spPr/>
+        <p:txBody>
+          <a:bodyPr/>
+          <a:lstStyle/>
+          <a:p>
+            <a:endParaRPr lang="zh-TW" altLang="en-US" dirty="0"/>
+          </a:p>
+        </p:txBody>
+      </p:sp>
+      <p:sp>
+        <p:nvSpPr>
+          <p:cNvPr id="3" name="內容版面配置區 2">
+            <a:extLst>
+              <a:ext uri="{FF2B5EF4-FFF2-40B4-BE49-F238E27FC236}">
+                <a16:creationId xmlns:a16="http://schemas.microsoft.com/office/drawing/2014/main" id="{3DEDB90D-322B-3E70-CB9B-BCCD6F0A04A3}"/>
+              </a:ext>
+            </a:extLst>
+          </p:cNvPr>
+          <p:cNvSpPr>
+            <a:spLocks noGrp="1"/>
+          </p:cNvSpPr>
+          <p:nvPr>
+            <p:ph idx="1"/>
+          </p:nvPr>
+        </p:nvSpPr>
+        <p:spPr/>
+        <p:txBody>
+          <a:bodyPr/>
+          <a:lstStyle/>
+          <a:p>
+            <a:pPr marL="514350" indent="-514350">
+              <a:buAutoNum type="arabicPeriod"/>
+            </a:pPr>
+            <a:r>
+              <a:rPr lang="en-US" altLang="zh-TW" dirty="0"/>
+              <a:t>Intel USI2.0 </a:t>
+            </a:r>
+            <a:r>
+              <a:rPr lang="zh-TW" altLang="en-US" dirty="0"/>
+              <a:t>測項 </a:t>
+            </a:r>
+            <a:r>
+              <a:rPr lang="en-US" altLang="zh-TW" dirty="0"/>
+              <a:t>Total 57</a:t>
+            </a:r>
+          </a:p>
+          <a:p>
+            <a:pPr marL="514350" indent="-514350">
+              <a:buAutoNum type="arabicPeriod"/>
+            </a:pPr>
+            <a:endParaRPr lang="en-US" altLang="zh-TW" dirty="0"/>
+          </a:p>
+          <a:p>
+            <a:pPr marL="514350" indent="-514350">
+              <a:buAutoNum type="arabicPeriod"/>
+            </a:pPr>
+            <a:r>
+              <a:rPr lang="en-US" altLang="zh-TW" dirty="0" err="1"/>
+              <a:t>Novatek</a:t>
+            </a:r>
+            <a:r>
+              <a:rPr lang="en-US" altLang="zh-TW" dirty="0"/>
+              <a:t> AVL</a:t>
+            </a:r>
+            <a:r>
+              <a:rPr lang="zh-TW" altLang="en-US" dirty="0"/>
+              <a:t>測項</a:t>
+            </a:r>
+            <a:r>
+              <a:rPr lang="en-US" altLang="zh-TW" dirty="0"/>
+              <a:t>Pass</a:t>
+            </a:r>
+          </a:p>
+          <a:p>
+            <a:pPr marL="514350" indent="-514350">
+              <a:buAutoNum type="arabicPeriod"/>
+            </a:pPr>
+            <a:endParaRPr lang="en-US" altLang="zh-TW" dirty="0"/>
+          </a:p>
+          <a:p>
+            <a:pPr marL="514350" indent="-514350">
+              <a:buAutoNum type="arabicPeriod"/>
+            </a:pPr>
+            <a:r>
+              <a:rPr lang="en-US" altLang="zh-TW" dirty="0"/>
+              <a:t>Noise </a:t>
+            </a:r>
+            <a:r>
+              <a:rPr lang="zh-TW" altLang="en-US" dirty="0"/>
+              <a:t>處理 </a:t>
+            </a:r>
+            <a:r>
+              <a:rPr lang="en-US" altLang="zh-TW" dirty="0"/>
+              <a:t>:</a:t>
+            </a:r>
+            <a:r>
+              <a:rPr lang="zh-TW" altLang="en-US" dirty="0"/>
+              <a:t> </a:t>
+            </a:r>
+            <a:r>
+              <a:rPr lang="en-US" altLang="zh-TW" dirty="0"/>
+              <a:t>Palm</a:t>
+            </a:r>
+            <a:r>
+              <a:rPr lang="zh-TW" altLang="en-US" dirty="0"/>
+              <a:t>、邊邊角落、</a:t>
+            </a:r>
+            <a:r>
+              <a:rPr lang="en-US" altLang="zh-TW" dirty="0"/>
+              <a:t>T5</a:t>
+            </a:r>
+            <a:r>
+              <a:rPr lang="zh-TW" altLang="en-US" dirty="0"/>
+              <a:t>、</a:t>
+            </a:r>
+            <a:r>
+              <a:rPr lang="en-US" altLang="zh-TW" dirty="0"/>
+              <a:t>CS</a:t>
+            </a:r>
+          </a:p>
+          <a:p>
+            <a:pPr marL="514350" indent="-514350">
+              <a:buAutoNum type="arabicPeriod"/>
+            </a:pPr>
+            <a:endParaRPr lang="en-US" altLang="zh-TW" dirty="0"/>
+          </a:p>
+          <a:p>
+            <a:pPr marL="514350" indent="-514350">
+              <a:buAutoNum type="arabicPeriod"/>
+            </a:pPr>
+            <a:r>
+              <a:rPr lang="en-US" altLang="zh-TW" dirty="0" err="1"/>
+              <a:t>Agc</a:t>
+            </a:r>
+            <a:r>
+              <a:rPr lang="en-US" altLang="zh-TW" dirty="0"/>
+              <a:t> Flow </a:t>
+            </a:r>
+            <a:r>
+              <a:rPr lang="zh-TW" altLang="en-US" dirty="0"/>
+              <a:t>架構</a:t>
+            </a:r>
+          </a:p>
+        </p:txBody>
+      </p:sp>
+    </p:spTree>
+    <p:extLst>
+      <p:ext uri="{BB962C8B-B14F-4D97-AF65-F5344CB8AC3E}">
+        <p14:creationId xmlns:p14="http://schemas.microsoft.com/office/powerpoint/2010/main" val="3116768302"/>
       </p:ext>
     </p:extLst>
   </p:cSld>
@@ -25222,6 +27920,215 @@
     <p:extLst>
       <p:ext uri="{BB962C8B-B14F-4D97-AF65-F5344CB8AC3E}">
         <p14:creationId xmlns:p14="http://schemas.microsoft.com/office/powerpoint/2010/main" val="32255695"/>
+      </p:ext>
+    </p:extLst>
+  </p:cSld>
+  <p:clrMapOvr>
+    <a:masterClrMapping/>
+  </p:clrMapOvr>
+</p:sld>
+</file>
+
+<file path=ppt/slides/slide60.xml><?xml version="1.0" encoding="utf-8"?>
+<p:sld xmlns:a="http://schemas.openxmlformats.org/drawingml/2006/main" xmlns:r="http://schemas.openxmlformats.org/officeDocument/2006/relationships" xmlns:p="http://schemas.openxmlformats.org/presentationml/2006/main">
+  <p:cSld>
+    <p:spTree>
+      <p:nvGrpSpPr>
+        <p:cNvPr id="1" name=""/>
+        <p:cNvGrpSpPr/>
+        <p:nvPr/>
+      </p:nvGrpSpPr>
+      <p:grpSpPr>
+        <a:xfrm>
+          <a:off x="0" y="0"/>
+          <a:ext cx="0" cy="0"/>
+          <a:chOff x="0" y="0"/>
+          <a:chExt cx="0" cy="0"/>
+        </a:xfrm>
+      </p:grpSpPr>
+      <p:sp>
+        <p:nvSpPr>
+          <p:cNvPr id="2" name="標題 1">
+            <a:extLst>
+              <a:ext uri="{FF2B5EF4-FFF2-40B4-BE49-F238E27FC236}">
+                <a16:creationId xmlns:a16="http://schemas.microsoft.com/office/drawing/2014/main" id="{0AD59BC0-0510-6326-DD50-2DF0BA6A3F5B}"/>
+              </a:ext>
+            </a:extLst>
+          </p:cNvPr>
+          <p:cNvSpPr>
+            <a:spLocks noGrp="1"/>
+          </p:cNvSpPr>
+          <p:nvPr>
+            <p:ph type="title"/>
+          </p:nvPr>
+        </p:nvSpPr>
+        <p:spPr/>
+        <p:txBody>
+          <a:bodyPr/>
+          <a:lstStyle/>
+          <a:p>
+            <a:r>
+              <a:rPr lang="zh-TW" altLang="en-US" dirty="0"/>
+              <a:t>嚴重問題</a:t>
+            </a:r>
+          </a:p>
+        </p:txBody>
+      </p:sp>
+      <p:sp>
+        <p:nvSpPr>
+          <p:cNvPr id="3" name="內容版面配置區 2">
+            <a:extLst>
+              <a:ext uri="{FF2B5EF4-FFF2-40B4-BE49-F238E27FC236}">
+                <a16:creationId xmlns:a16="http://schemas.microsoft.com/office/drawing/2014/main" id="{E2F59C58-A377-FCE2-6D10-158F112376F5}"/>
+              </a:ext>
+            </a:extLst>
+          </p:cNvPr>
+          <p:cNvSpPr>
+            <a:spLocks noGrp="1"/>
+          </p:cNvSpPr>
+          <p:nvPr>
+            <p:ph idx="1"/>
+          </p:nvPr>
+        </p:nvSpPr>
+        <p:spPr/>
+        <p:txBody>
+          <a:bodyPr/>
+          <a:lstStyle/>
+          <a:p>
+            <a:r>
+              <a:rPr lang="zh-TW" altLang="en-US" dirty="0"/>
+              <a:t>電路上</a:t>
+            </a:r>
+            <a:r>
+              <a:rPr lang="en-US" altLang="zh-TW" dirty="0"/>
+              <a:t>ISSUE</a:t>
+            </a:r>
+          </a:p>
+          <a:p>
+            <a:endParaRPr lang="en-US" altLang="zh-TW" dirty="0"/>
+          </a:p>
+          <a:p>
+            <a:r>
+              <a:rPr lang="en-US" altLang="zh-TW" dirty="0"/>
+              <a:t>RX0 CMU </a:t>
+            </a:r>
+            <a:endParaRPr lang="zh-TW" altLang="en-US" dirty="0"/>
+          </a:p>
+        </p:txBody>
+      </p:sp>
+    </p:spTree>
+    <p:extLst>
+      <p:ext uri="{BB962C8B-B14F-4D97-AF65-F5344CB8AC3E}">
+        <p14:creationId xmlns:p14="http://schemas.microsoft.com/office/powerpoint/2010/main" val="832131673"/>
+      </p:ext>
+    </p:extLst>
+  </p:cSld>
+  <p:clrMapOvr>
+    <a:masterClrMapping/>
+  </p:clrMapOvr>
+</p:sld>
+</file>
+
+<file path=ppt/slides/slide61.xml><?xml version="1.0" encoding="utf-8"?>
+<p:sld xmlns:a="http://schemas.openxmlformats.org/drawingml/2006/main" xmlns:r="http://schemas.openxmlformats.org/officeDocument/2006/relationships" xmlns:p="http://schemas.openxmlformats.org/presentationml/2006/main">
+  <p:cSld>
+    <p:spTree>
+      <p:nvGrpSpPr>
+        <p:cNvPr id="1" name=""/>
+        <p:cNvGrpSpPr/>
+        <p:nvPr/>
+      </p:nvGrpSpPr>
+      <p:grpSpPr>
+        <a:xfrm>
+          <a:off x="0" y="0"/>
+          <a:ext cx="0" cy="0"/>
+          <a:chOff x="0" y="0"/>
+          <a:chExt cx="0" cy="0"/>
+        </a:xfrm>
+      </p:grpSpPr>
+      <p:sp>
+        <p:nvSpPr>
+          <p:cNvPr id="2" name="標題 1">
+            <a:extLst>
+              <a:ext uri="{FF2B5EF4-FFF2-40B4-BE49-F238E27FC236}">
+                <a16:creationId xmlns:a16="http://schemas.microsoft.com/office/drawing/2014/main" id="{47621C0E-4CA5-27B9-DDDE-D1AA22AA82A7}"/>
+              </a:ext>
+            </a:extLst>
+          </p:cNvPr>
+          <p:cNvSpPr>
+            <a:spLocks noGrp="1"/>
+          </p:cNvSpPr>
+          <p:nvPr>
+            <p:ph type="title"/>
+          </p:nvPr>
+        </p:nvSpPr>
+        <p:spPr/>
+        <p:txBody>
+          <a:bodyPr/>
+          <a:lstStyle/>
+          <a:p>
+            <a:pPr algn="ctr"/>
+            <a:r>
+              <a:rPr lang="zh-TW" altLang="en-US" dirty="0"/>
+              <a:t>解決過最難得</a:t>
+            </a:r>
+            <a:r>
+              <a:rPr lang="en-US" altLang="zh-TW" dirty="0"/>
+              <a:t>BUG</a:t>
+            </a:r>
+            <a:endParaRPr lang="zh-TW" altLang="en-US" dirty="0"/>
+          </a:p>
+        </p:txBody>
+      </p:sp>
+      <p:sp>
+        <p:nvSpPr>
+          <p:cNvPr id="3" name="內容版面配置區 2">
+            <a:extLst>
+              <a:ext uri="{FF2B5EF4-FFF2-40B4-BE49-F238E27FC236}">
+                <a16:creationId xmlns:a16="http://schemas.microsoft.com/office/drawing/2014/main" id="{46CD33D5-4E5A-7A5D-9816-8D04EF04F2FC}"/>
+              </a:ext>
+            </a:extLst>
+          </p:cNvPr>
+          <p:cNvSpPr>
+            <a:spLocks noGrp="1"/>
+          </p:cNvSpPr>
+          <p:nvPr>
+            <p:ph idx="1"/>
+          </p:nvPr>
+        </p:nvSpPr>
+        <p:spPr/>
+        <p:txBody>
+          <a:bodyPr/>
+          <a:lstStyle/>
+          <a:p>
+            <a:r>
+              <a:rPr lang="en-US" altLang="zh-TW" dirty="0"/>
+              <a:t>RX0</a:t>
+            </a:r>
+            <a:r>
+              <a:rPr lang="zh-TW" altLang="en-US" dirty="0"/>
+              <a:t> </a:t>
+            </a:r>
+            <a:r>
+              <a:rPr lang="en-US" altLang="zh-TW" dirty="0"/>
+              <a:t>CMU</a:t>
+            </a:r>
+            <a:r>
+              <a:rPr lang="zh-TW" altLang="en-US" dirty="0"/>
+              <a:t> </a:t>
+            </a:r>
+            <a:r>
+              <a:rPr lang="en-US" altLang="zh-TW" dirty="0"/>
+              <a:t>turn off </a:t>
+            </a:r>
+            <a:endParaRPr lang="zh-TW" altLang="en-US" dirty="0"/>
+          </a:p>
+        </p:txBody>
+      </p:sp>
+    </p:spTree>
+    <p:extLst>
+      <p:ext uri="{BB962C8B-B14F-4D97-AF65-F5344CB8AC3E}">
+        <p14:creationId xmlns:p14="http://schemas.microsoft.com/office/powerpoint/2010/main" val="3017064934"/>
       </p:ext>
     </p:extLst>
   </p:cSld>

--- a/Project_Summary_pdf/Project_Summary.pptx
+++ b/Project_Summary_pdf/Project_Summary.pptx
@@ -281,7 +281,7 @@
 
 <file path=ppt/commentAuthors.xml><?xml version="1.0" encoding="utf-8"?>
 <p:cmAuthorLst xmlns:a="http://schemas.openxmlformats.org/drawingml/2006/main" xmlns:r="http://schemas.openxmlformats.org/officeDocument/2006/relationships" xmlns:p="http://schemas.openxmlformats.org/presentationml/2006/main">
-  <p:cmAuthor id="1" name="sis-fw-3" initials="s" lastIdx="13" clrIdx="0">
+  <p:cmAuthor id="1" name="sis-fw-3" initials="s" lastIdx="14" clrIdx="0">
     <p:extLst>
       <p:ext uri="{19B8F6BF-5375-455C-9EA6-DF929625EA0E}">
         <p15:presenceInfo xmlns:p15="http://schemas.microsoft.com/office/powerpoint/2012/main" userId="sis-fw-3" providerId="None"/>
@@ -440,7 +440,7 @@
           <a:p>
             <a:fld id="{C65320F2-F42B-45F1-AA86-96F1A2E46749}" type="datetimeFigureOut">
               <a:rPr lang="zh-TW" altLang="en-US" smtClean="0"/>
-              <a:t>2023/2/8</a:t>
+              <a:t>2023/2/9</a:t>
             </a:fld>
             <a:endParaRPr lang="zh-TW" altLang="en-US"/>
           </a:p>
@@ -2706,9 +2706,27 @@
           <a:lstStyle/>
           <a:p>
             <a:r>
-              <a:rPr lang="zh-TW" altLang="en-US" dirty="0"/>
-              <a:t>利用上面的圖來解釋 </a:t>
-            </a:r>
+              <a:rPr lang="en-US" altLang="zh-TW" dirty="0"/>
+              <a:t>“</a:t>
+            </a:r>
+            <a:r>
+              <a:rPr lang="zh-TW" altLang="en-US" dirty="0">
+                <a:solidFill>
+                  <a:srgbClr val="FF0000"/>
+                </a:solidFill>
+              </a:rPr>
+              <a:t>如何將類比的敘述轉換成數位的方程式</a:t>
+            </a:r>
+            <a:r>
+              <a:rPr lang="en-US" altLang="zh-TW" dirty="0">
+                <a:solidFill>
+                  <a:srgbClr val="FF0000"/>
+                </a:solidFill>
+              </a:rPr>
+              <a:t>”</a:t>
+            </a:r>
+          </a:p>
+          <a:p>
             <a:r>
               <a:rPr lang="en-US" altLang="zh-TW" dirty="0"/>
               <a:t>Code </a:t>
@@ -3013,6 +3031,326 @@
           <a:bodyPr/>
           <a:lstStyle/>
           <a:p>
+            <a:r>
+              <a:rPr lang="zh-TW" altLang="en-US" dirty="0"/>
+              <a:t>解釋 </a:t>
+            </a:r>
+            <a:endParaRPr lang="en-US" altLang="zh-TW" dirty="0"/>
+          </a:p>
+          <a:p>
+            <a:pPr marL="228600" indent="-228600">
+              <a:buAutoNum type="arabicPeriod"/>
+            </a:pPr>
+            <a:r>
+              <a:rPr lang="zh-TW" altLang="en-US" dirty="0"/>
+              <a:t>第一排 </a:t>
+            </a:r>
+            <a:r>
+              <a:rPr lang="en-US" altLang="zh-TW" dirty="0"/>
+              <a:t>:</a:t>
+            </a:r>
+            <a:r>
+              <a:rPr lang="zh-TW" altLang="en-US" dirty="0"/>
+              <a:t> </a:t>
+            </a:r>
+            <a:r>
+              <a:rPr lang="en-US" altLang="zh-TW" dirty="0"/>
+              <a:t>Rising  </a:t>
+            </a:r>
+            <a:r>
+              <a:rPr lang="en-US" altLang="zh-TW" dirty="0" err="1"/>
+              <a:t>Idx</a:t>
+            </a:r>
+            <a:r>
+              <a:rPr lang="en-US" altLang="zh-TW" dirty="0"/>
+              <a:t>  (</a:t>
+            </a:r>
+            <a:r>
+              <a:rPr lang="zh-TW" altLang="en-US" dirty="0"/>
+              <a:t>上一頁滿足</a:t>
+            </a:r>
+            <a:r>
+              <a:rPr lang="en-US" altLang="zh-TW" dirty="0"/>
+              <a:t>Cond1</a:t>
+            </a:r>
+            <a:r>
+              <a:rPr lang="zh-TW" altLang="en-US" dirty="0"/>
+              <a:t>該不等式的點</a:t>
+            </a:r>
+            <a:r>
+              <a:rPr lang="en-US" altLang="zh-TW" dirty="0"/>
+              <a:t>)</a:t>
+            </a:r>
+          </a:p>
+          <a:p>
+            <a:pPr marL="228600" marR="0" lvl="0" indent="-228600" algn="l" defTabSz="914400" rtl="0" eaLnBrk="1" fontAlgn="auto" latinLnBrk="0" hangingPunct="1">
+              <a:lnSpc>
+                <a:spcPct val="100000"/>
+              </a:lnSpc>
+              <a:spcBef>
+                <a:spcPts val="0"/>
+              </a:spcBef>
+              <a:spcAft>
+                <a:spcPts val="0"/>
+              </a:spcAft>
+              <a:buClrTx/>
+              <a:buSzTx/>
+              <a:buFontTx/>
+              <a:buAutoNum type="arabicPeriod"/>
+              <a:tabLst/>
+              <a:defRPr/>
+            </a:pPr>
+            <a:r>
+              <a:rPr lang="zh-TW" altLang="en-US" dirty="0"/>
+              <a:t>第二排 </a:t>
+            </a:r>
+            <a:r>
+              <a:rPr lang="en-US" altLang="zh-TW" dirty="0"/>
+              <a:t>:</a:t>
+            </a:r>
+            <a:r>
+              <a:rPr lang="zh-TW" altLang="en-US" dirty="0"/>
+              <a:t> </a:t>
+            </a:r>
+            <a:r>
+              <a:rPr lang="en-US" altLang="zh-TW" dirty="0"/>
+              <a:t>Falling </a:t>
+            </a:r>
+            <a:r>
+              <a:rPr lang="en-US" altLang="zh-TW" dirty="0" err="1"/>
+              <a:t>Idx</a:t>
+            </a:r>
+            <a:r>
+              <a:rPr lang="zh-TW" altLang="en-US" dirty="0"/>
+              <a:t>  </a:t>
+            </a:r>
+            <a:r>
+              <a:rPr lang="en-US" altLang="zh-TW" dirty="0"/>
+              <a:t>(</a:t>
+            </a:r>
+            <a:r>
+              <a:rPr lang="zh-TW" altLang="en-US" dirty="0"/>
+              <a:t>上一頁滿足</a:t>
+            </a:r>
+            <a:r>
+              <a:rPr lang="en-US" altLang="zh-TW" dirty="0"/>
+              <a:t>Cond1</a:t>
+            </a:r>
+            <a:r>
+              <a:rPr lang="zh-TW" altLang="en-US" dirty="0"/>
+              <a:t>該不等式的點</a:t>
+            </a:r>
+            <a:r>
+              <a:rPr lang="en-US" altLang="zh-TW" dirty="0"/>
+              <a:t>)</a:t>
+            </a:r>
+          </a:p>
+          <a:p>
+            <a:pPr marL="228600" marR="0" lvl="0" indent="-228600" algn="l" defTabSz="914400" rtl="0" eaLnBrk="1" fontAlgn="auto" latinLnBrk="0" hangingPunct="1">
+              <a:lnSpc>
+                <a:spcPct val="100000"/>
+              </a:lnSpc>
+              <a:spcBef>
+                <a:spcPts val="0"/>
+              </a:spcBef>
+              <a:spcAft>
+                <a:spcPts val="0"/>
+              </a:spcAft>
+              <a:buClrTx/>
+              <a:buSzTx/>
+              <a:buFontTx/>
+              <a:buAutoNum type="arabicPeriod"/>
+              <a:tabLst/>
+              <a:defRPr/>
+            </a:pPr>
+            <a:r>
+              <a:rPr lang="en-US" altLang="zh-TW" dirty="0"/>
+              <a:t>Sampling</a:t>
+            </a:r>
+            <a:r>
+              <a:rPr lang="zh-TW" altLang="en-US" dirty="0"/>
+              <a:t>的所有</a:t>
+            </a:r>
+            <a:r>
+              <a:rPr lang="en-US" altLang="zh-TW" dirty="0"/>
+              <a:t>Timing </a:t>
+            </a:r>
+          </a:p>
+          <a:p>
+            <a:pPr marL="228600" marR="0" lvl="0" indent="-228600" algn="l" defTabSz="914400" rtl="0" eaLnBrk="1" fontAlgn="auto" latinLnBrk="0" hangingPunct="1">
+              <a:lnSpc>
+                <a:spcPct val="100000"/>
+              </a:lnSpc>
+              <a:spcBef>
+                <a:spcPts val="0"/>
+              </a:spcBef>
+              <a:spcAft>
+                <a:spcPts val="0"/>
+              </a:spcAft>
+              <a:buClrTx/>
+              <a:buSzTx/>
+              <a:buFontTx/>
+              <a:buAutoNum type="arabicPeriod"/>
+              <a:tabLst/>
+              <a:defRPr/>
+            </a:pPr>
+            <a:r>
+              <a:rPr lang="zh-TW" altLang="en-US" dirty="0"/>
+              <a:t>透過</a:t>
+            </a:r>
+            <a:r>
+              <a:rPr lang="en-US" altLang="zh-TW" dirty="0"/>
+              <a:t>1,2 </a:t>
+            </a:r>
+            <a:r>
+              <a:rPr lang="zh-TW" altLang="en-US" dirty="0"/>
+              <a:t>兩排對處理後的訊號</a:t>
+            </a:r>
+            <a:r>
+              <a:rPr lang="en-US" altLang="zh-TW" dirty="0"/>
+              <a:t>Sample</a:t>
+            </a:r>
+            <a:r>
+              <a:rPr lang="zh-TW" altLang="en-US" dirty="0"/>
+              <a:t>結果</a:t>
+            </a:r>
+            <a:endParaRPr lang="en-US" altLang="zh-TW" dirty="0"/>
+          </a:p>
+          <a:p>
+            <a:pPr marL="228600" marR="0" lvl="0" indent="-228600" algn="l" defTabSz="914400" rtl="0" eaLnBrk="1" fontAlgn="auto" latinLnBrk="0" hangingPunct="1">
+              <a:lnSpc>
+                <a:spcPct val="100000"/>
+              </a:lnSpc>
+              <a:spcBef>
+                <a:spcPts val="0"/>
+              </a:spcBef>
+              <a:spcAft>
+                <a:spcPts val="0"/>
+              </a:spcAft>
+              <a:buClrTx/>
+              <a:buSzTx/>
+              <a:buFontTx/>
+              <a:buAutoNum type="arabicPeriod"/>
+              <a:tabLst/>
+              <a:defRPr/>
+            </a:pPr>
+            <a:endParaRPr lang="en-US" altLang="zh-TW" dirty="0"/>
+          </a:p>
+          <a:p>
+            <a:pPr marL="0" marR="0" lvl="0" indent="0" algn="l" defTabSz="914400" rtl="0" eaLnBrk="1" fontAlgn="auto" latinLnBrk="0" hangingPunct="1">
+              <a:lnSpc>
+                <a:spcPct val="100000"/>
+              </a:lnSpc>
+              <a:spcBef>
+                <a:spcPts val="0"/>
+              </a:spcBef>
+              <a:spcAft>
+                <a:spcPts val="0"/>
+              </a:spcAft>
+              <a:buClrTx/>
+              <a:buSzTx/>
+              <a:buFontTx/>
+              <a:buNone/>
+              <a:tabLst/>
+              <a:defRPr/>
+            </a:pPr>
+            <a:r>
+              <a:rPr lang="zh-TW" altLang="en-US" dirty="0"/>
+              <a:t>以下解釋如何得到</a:t>
+            </a:r>
+            <a:r>
+              <a:rPr lang="en-US" altLang="zh-TW" dirty="0"/>
+              <a:t>4</a:t>
+            </a:r>
+          </a:p>
+          <a:p>
+            <a:pPr marL="228600" indent="-228600">
+              <a:buAutoNum type="arabicPeriod"/>
+            </a:pPr>
+            <a:endParaRPr lang="zh-TW" altLang="en-US" dirty="0"/>
+          </a:p>
+        </p:txBody>
+      </p:sp>
+      <p:sp>
+        <p:nvSpPr>
+          <p:cNvPr id="4" name="投影片編號版面配置區 3"/>
+          <p:cNvSpPr>
+            <a:spLocks noGrp="1"/>
+          </p:cNvSpPr>
+          <p:nvPr>
+            <p:ph type="sldNum" sz="quarter" idx="5"/>
+          </p:nvPr>
+        </p:nvSpPr>
+        <p:spPr/>
+        <p:txBody>
+          <a:bodyPr/>
+          <a:lstStyle/>
+          <a:p>
+            <a:fld id="{0116F853-F7F2-4239-A629-A213C1D67574}" type="slidenum">
+              <a:rPr lang="zh-TW" altLang="en-US" smtClean="0"/>
+              <a:t>38</a:t>
+            </a:fld>
+            <a:endParaRPr lang="zh-TW" altLang="en-US"/>
+          </a:p>
+        </p:txBody>
+      </p:sp>
+    </p:spTree>
+    <p:extLst>
+      <p:ext uri="{BB962C8B-B14F-4D97-AF65-F5344CB8AC3E}">
+        <p14:creationId xmlns:p14="http://schemas.microsoft.com/office/powerpoint/2010/main" val="192923879"/>
+      </p:ext>
+    </p:extLst>
+  </p:cSld>
+  <p:clrMapOvr>
+    <a:masterClrMapping/>
+  </p:clrMapOvr>
+</p:notes>
+</file>
+
+<file path=ppt/notesSlides/notesSlide25.xml><?xml version="1.0" encoding="utf-8"?>
+<p:notes xmlns:a="http://schemas.openxmlformats.org/drawingml/2006/main" xmlns:r="http://schemas.openxmlformats.org/officeDocument/2006/relationships" xmlns:p="http://schemas.openxmlformats.org/presentationml/2006/main">
+  <p:cSld>
+    <p:spTree>
+      <p:nvGrpSpPr>
+        <p:cNvPr id="1" name=""/>
+        <p:cNvGrpSpPr/>
+        <p:nvPr/>
+      </p:nvGrpSpPr>
+      <p:grpSpPr>
+        <a:xfrm>
+          <a:off x="0" y="0"/>
+          <a:ext cx="0" cy="0"/>
+          <a:chOff x="0" y="0"/>
+          <a:chExt cx="0" cy="0"/>
+        </a:xfrm>
+      </p:grpSpPr>
+      <p:sp>
+        <p:nvSpPr>
+          <p:cNvPr id="2" name="投影片影像版面配置區 1"/>
+          <p:cNvSpPr>
+            <a:spLocks noGrp="1" noRot="1" noChangeAspect="1"/>
+          </p:cNvSpPr>
+          <p:nvPr>
+            <p:ph type="sldImg"/>
+          </p:nvPr>
+        </p:nvSpPr>
+        <p:spPr/>
+      </p:sp>
+      <p:sp>
+        <p:nvSpPr>
+          <p:cNvPr id="3" name="備忘稿版面配置區 2"/>
+          <p:cNvSpPr>
+            <a:spLocks noGrp="1"/>
+          </p:cNvSpPr>
+          <p:nvPr>
+            <p:ph type="body" idx="1"/>
+          </p:nvPr>
+        </p:nvSpPr>
+        <p:spPr/>
+        <p:txBody>
+          <a:bodyPr/>
+          <a:lstStyle/>
+          <a:p>
             <a:endParaRPr lang="zh-TW" altLang="en-US"/>
           </a:p>
         </p:txBody>
@@ -3053,7 +3391,7 @@
 </p:notes>
 </file>
 
-<file path=ppt/notesSlides/notesSlide25.xml><?xml version="1.0" encoding="utf-8"?>
+<file path=ppt/notesSlides/notesSlide26.xml><?xml version="1.0" encoding="utf-8"?>
 <p:notes xmlns:a="http://schemas.openxmlformats.org/drawingml/2006/main" xmlns:r="http://schemas.openxmlformats.org/officeDocument/2006/relationships" xmlns:p="http://schemas.openxmlformats.org/presentationml/2006/main">
   <p:cSld>
     <p:spTree>
@@ -4334,7 +4672,7 @@
           <a:p>
             <a:fld id="{8A9F4CB5-1750-4E23-A13C-2C1F028F9724}" type="datetimeFigureOut">
               <a:rPr lang="zh-TW" altLang="en-US" smtClean="0"/>
-              <a:t>2023/2/8</a:t>
+              <a:t>2023/2/9</a:t>
             </a:fld>
             <a:endParaRPr lang="zh-TW" altLang="en-US"/>
           </a:p>
@@ -4532,7 +4870,7 @@
           <a:p>
             <a:fld id="{8A9F4CB5-1750-4E23-A13C-2C1F028F9724}" type="datetimeFigureOut">
               <a:rPr lang="zh-TW" altLang="en-US" smtClean="0"/>
-              <a:t>2023/2/8</a:t>
+              <a:t>2023/2/9</a:t>
             </a:fld>
             <a:endParaRPr lang="zh-TW" altLang="en-US"/>
           </a:p>
@@ -4740,7 +5078,7 @@
           <a:p>
             <a:fld id="{8A9F4CB5-1750-4E23-A13C-2C1F028F9724}" type="datetimeFigureOut">
               <a:rPr lang="zh-TW" altLang="en-US" smtClean="0"/>
-              <a:t>2023/2/8</a:t>
+              <a:t>2023/2/9</a:t>
             </a:fld>
             <a:endParaRPr lang="zh-TW" altLang="en-US"/>
           </a:p>
@@ -4938,7 +5276,7 @@
           <a:p>
             <a:fld id="{8A9F4CB5-1750-4E23-A13C-2C1F028F9724}" type="datetimeFigureOut">
               <a:rPr lang="zh-TW" altLang="en-US" smtClean="0"/>
-              <a:t>2023/2/8</a:t>
+              <a:t>2023/2/9</a:t>
             </a:fld>
             <a:endParaRPr lang="zh-TW" altLang="en-US"/>
           </a:p>
@@ -5213,7 +5551,7 @@
           <a:p>
             <a:fld id="{8A9F4CB5-1750-4E23-A13C-2C1F028F9724}" type="datetimeFigureOut">
               <a:rPr lang="zh-TW" altLang="en-US" smtClean="0"/>
-              <a:t>2023/2/8</a:t>
+              <a:t>2023/2/9</a:t>
             </a:fld>
             <a:endParaRPr lang="zh-TW" altLang="en-US"/>
           </a:p>
@@ -5478,7 +5816,7 @@
           <a:p>
             <a:fld id="{8A9F4CB5-1750-4E23-A13C-2C1F028F9724}" type="datetimeFigureOut">
               <a:rPr lang="zh-TW" altLang="en-US" smtClean="0"/>
-              <a:t>2023/2/8</a:t>
+              <a:t>2023/2/9</a:t>
             </a:fld>
             <a:endParaRPr lang="zh-TW" altLang="en-US"/>
           </a:p>
@@ -5890,7 +6228,7 @@
           <a:p>
             <a:fld id="{8A9F4CB5-1750-4E23-A13C-2C1F028F9724}" type="datetimeFigureOut">
               <a:rPr lang="zh-TW" altLang="en-US" smtClean="0"/>
-              <a:t>2023/2/8</a:t>
+              <a:t>2023/2/9</a:t>
             </a:fld>
             <a:endParaRPr lang="zh-TW" altLang="en-US"/>
           </a:p>
@@ -6031,7 +6369,7 @@
           <a:p>
             <a:fld id="{8A9F4CB5-1750-4E23-A13C-2C1F028F9724}" type="datetimeFigureOut">
               <a:rPr lang="zh-TW" altLang="en-US" smtClean="0"/>
-              <a:t>2023/2/8</a:t>
+              <a:t>2023/2/9</a:t>
             </a:fld>
             <a:endParaRPr lang="zh-TW" altLang="en-US"/>
           </a:p>
@@ -6144,7 +6482,7 @@
           <a:p>
             <a:fld id="{8A9F4CB5-1750-4E23-A13C-2C1F028F9724}" type="datetimeFigureOut">
               <a:rPr lang="zh-TW" altLang="en-US" smtClean="0"/>
-              <a:t>2023/2/8</a:t>
+              <a:t>2023/2/9</a:t>
             </a:fld>
             <a:endParaRPr lang="zh-TW" altLang="en-US"/>
           </a:p>
@@ -6455,7 +6793,7 @@
           <a:p>
             <a:fld id="{8A9F4CB5-1750-4E23-A13C-2C1F028F9724}" type="datetimeFigureOut">
               <a:rPr lang="zh-TW" altLang="en-US" smtClean="0"/>
-              <a:t>2023/2/8</a:t>
+              <a:t>2023/2/9</a:t>
             </a:fld>
             <a:endParaRPr lang="zh-TW" altLang="en-US"/>
           </a:p>
@@ -6743,7 +7081,7 @@
           <a:p>
             <a:fld id="{8A9F4CB5-1750-4E23-A13C-2C1F028F9724}" type="datetimeFigureOut">
               <a:rPr lang="zh-TW" altLang="en-US" smtClean="0"/>
-              <a:t>2023/2/8</a:t>
+              <a:t>2023/2/9</a:t>
             </a:fld>
             <a:endParaRPr lang="zh-TW" altLang="en-US"/>
           </a:p>
@@ -6984,7 +7322,7 @@
           <a:p>
             <a:fld id="{8A9F4CB5-1750-4E23-A13C-2C1F028F9724}" type="datetimeFigureOut">
               <a:rPr lang="zh-TW" altLang="en-US" smtClean="0"/>
-              <a:t>2023/2/8</a:t>
+              <a:t>2023/2/9</a:t>
             </a:fld>
             <a:endParaRPr lang="zh-TW" altLang="en-US"/>
           </a:p>
@@ -16506,27 +16844,39 @@
               </a:rPr>
               <a:t> 系統</a:t>
             </a:r>
-            <a:endParaRPr lang="en-US" altLang="zh-TW" sz="2000" dirty="0">
-              <a:hlinkClick r:id="rId3" action="ppaction://hlinksldjump"/>
-            </a:endParaRPr>
+            <a:endParaRPr lang="en-US" altLang="zh-TW" sz="2000" dirty="0"/>
           </a:p>
           <a:p>
             <a:pPr marL="457200" indent="-457200">
               <a:buAutoNum type="arabicPeriod"/>
             </a:pPr>
-            <a:endParaRPr lang="en-US" altLang="zh-TW" sz="2000" dirty="0">
-              <a:hlinkClick r:id="rId3" action="ppaction://hlinksldjump"/>
-            </a:endParaRPr>
+            <a:endParaRPr lang="en-US" altLang="zh-TW" sz="2000" dirty="0"/>
           </a:p>
           <a:p>
             <a:pPr marL="457200" indent="-457200">
               <a:buAutoNum type="arabicPeriod"/>
             </a:pPr>
             <a:r>
+              <a:rPr lang="zh-TW" altLang="en-US" sz="2000" dirty="0"/>
+              <a:t> </a:t>
+            </a:r>
+            <a:r>
               <a:rPr lang="zh-TW" altLang="en-US" sz="2000" dirty="0">
-                <a:hlinkClick r:id="rId3" action="ppaction://hlinksldjump"/>
+                <a:hlinkClick r:id="rId4" action="ppaction://hlinksldjump"/>
               </a:rPr>
-              <a:t> </a:t>
+              <a:t>利用</a:t>
+            </a:r>
+            <a:r>
+              <a:rPr lang="en-US" altLang="zh-TW" sz="2000" dirty="0" err="1">
+                <a:hlinkClick r:id="rId4" action="ppaction://hlinksldjump"/>
+              </a:rPr>
+              <a:t>matlab</a:t>
+            </a:r>
+            <a:r>
+              <a:rPr lang="zh-TW" altLang="en-US" sz="2000" dirty="0">
+                <a:hlinkClick r:id="rId4" action="ppaction://hlinksldjump"/>
+              </a:rPr>
+              <a:t>建構 數位架構</a:t>
             </a:r>
             <a:endParaRPr lang="zh-TW" altLang="en-US" sz="2000" dirty="0"/>
           </a:p>
@@ -21072,8 +21422,8 @@
           </a:p>
         </p:txBody>
       </p:sp>
-      <mc:AlternateContent xmlns:mc="http://schemas.openxmlformats.org/markup-compatibility/2006">
-        <mc:Choice xmlns:a14="http://schemas.microsoft.com/office/drawing/2010/main" Requires="a14">
+      <mc:AlternateContent xmlns:mc="http://schemas.openxmlformats.org/markup-compatibility/2006" xmlns:a14="http://schemas.microsoft.com/office/drawing/2010/main">
+        <mc:Choice Requires="a14">
           <p:sp>
             <p:nvSpPr>
               <p:cNvPr id="3" name="內容版面配置區 2">
@@ -21198,7 +21548,7 @@
             </p:txBody>
           </p:sp>
         </mc:Choice>
-        <mc:Fallback>
+        <mc:Fallback xmlns="">
           <p:sp>
             <p:nvSpPr>
               <p:cNvPr id="3" name="內容版面配置區 2">
@@ -21238,8 +21588,8 @@
           </p:sp>
         </mc:Fallback>
       </mc:AlternateContent>
-      <mc:AlternateContent xmlns:mc="http://schemas.openxmlformats.org/markup-compatibility/2006">
-        <mc:Choice xmlns:a14="http://schemas.microsoft.com/office/drawing/2010/main" Requires="a14">
+      <mc:AlternateContent xmlns:mc="http://schemas.openxmlformats.org/markup-compatibility/2006" xmlns:a14="http://schemas.microsoft.com/office/drawing/2010/main">
+        <mc:Choice Requires="a14">
           <p:sp>
             <p:nvSpPr>
               <p:cNvPr id="4" name="文字方塊 3">
@@ -21409,7 +21759,7 @@
             </p:txBody>
           </p:sp>
         </mc:Choice>
-        <mc:Fallback>
+        <mc:Fallback xmlns="">
           <p:sp>
             <p:nvSpPr>
               <p:cNvPr id="4" name="文字方塊 3">
@@ -21504,7 +21854,7 @@
         </p:nvSpPr>
         <p:spPr>
           <a:xfrm>
-            <a:off x="3686355" y="4504588"/>
+            <a:off x="3553046" y="4447498"/>
             <a:ext cx="2296633" cy="369332"/>
           </a:xfrm>
           <a:prstGeom prst="rect">
@@ -21526,8 +21876,8 @@
           </a:p>
         </p:txBody>
       </p:sp>
-      <mc:AlternateContent xmlns:mc="http://schemas.openxmlformats.org/markup-compatibility/2006">
-        <mc:Choice xmlns:a14="http://schemas.microsoft.com/office/drawing/2010/main" Requires="a14">
+      <mc:AlternateContent xmlns:mc="http://schemas.openxmlformats.org/markup-compatibility/2006" xmlns:a14="http://schemas.microsoft.com/office/drawing/2010/main">
+        <mc:Choice Requires="a14">
           <p:sp>
             <p:nvSpPr>
               <p:cNvPr id="11" name="文字方塊 10">
@@ -21697,7 +22047,7 @@
             </p:txBody>
           </p:sp>
         </mc:Choice>
-        <mc:Fallback>
+        <mc:Fallback xmlns="">
           <p:sp>
             <p:nvSpPr>
               <p:cNvPr id="11" name="文字方塊 10">
@@ -21808,7 +22158,7 @@
         </p:nvSpPr>
         <p:spPr>
           <a:xfrm>
-            <a:off x="5255628" y="4488764"/>
+            <a:off x="5286154" y="4521368"/>
             <a:ext cx="1127051" cy="295462"/>
           </a:xfrm>
           <a:prstGeom prst="leftRightArrow">
@@ -21843,6 +22193,58 @@
           <a:p>
             <a:pPr algn="ctr"/>
             <a:endParaRPr lang="zh-TW" altLang="en-US"/>
+          </a:p>
+        </p:txBody>
+      </p:sp>
+      <p:sp>
+        <p:nvSpPr>
+          <p:cNvPr id="9" name="文字方塊 8">
+            <a:extLst>
+              <a:ext uri="{FF2B5EF4-FFF2-40B4-BE49-F238E27FC236}">
+                <a16:creationId xmlns:a16="http://schemas.microsoft.com/office/drawing/2014/main" id="{98E48F5D-921B-D652-0384-544776F71E74}"/>
+              </a:ext>
+            </a:extLst>
+          </p:cNvPr>
+          <p:cNvSpPr txBox="1"/>
+          <p:nvPr/>
+        </p:nvSpPr>
+        <p:spPr>
+          <a:xfrm>
+            <a:off x="2851355" y="5752538"/>
+            <a:ext cx="7885471" cy="369332"/>
+          </a:xfrm>
+          <a:prstGeom prst="rect">
+            <a:avLst/>
+          </a:prstGeom>
+          <a:noFill/>
+        </p:spPr>
+        <p:txBody>
+          <a:bodyPr wrap="square" rtlCol="0">
+            <a:spAutoFit/>
+          </a:bodyPr>
+          <a:lstStyle/>
+          <a:p>
+            <a:r>
+              <a:rPr lang="zh-TW" altLang="en-US" dirty="0"/>
+              <a:t>透過以上兩組 </a:t>
+            </a:r>
+            <a:r>
+              <a:rPr lang="en-US" altLang="zh-TW" dirty="0"/>
+              <a:t>Timing </a:t>
+            </a:r>
+            <a:r>
+              <a:rPr lang="en-US" altLang="zh-TW" dirty="0" err="1"/>
+              <a:t>Idx</a:t>
+            </a:r>
+            <a:r>
+              <a:rPr lang="zh-TW" altLang="en-US" dirty="0"/>
+              <a:t>，下一頁將敘述如何透過這兩組進行 </a:t>
+            </a:r>
+            <a:r>
+              <a:rPr lang="en-US" altLang="zh-TW" dirty="0"/>
+              <a:t>Sample</a:t>
+            </a:r>
+            <a:endParaRPr lang="zh-TW" altLang="en-US" dirty="0"/>
           </a:p>
         </p:txBody>
       </p:sp>
@@ -22038,7 +22440,7 @@
         </p:nvSpPr>
         <p:spPr>
           <a:xfrm>
-            <a:off x="0" y="2395133"/>
+            <a:off x="5904156" y="1647695"/>
             <a:ext cx="1222744" cy="369332"/>
           </a:xfrm>
           <a:prstGeom prst="rect">
@@ -22078,7 +22480,7 @@
         </p:nvSpPr>
         <p:spPr>
           <a:xfrm>
-            <a:off x="0" y="3617512"/>
+            <a:off x="4294669" y="3129135"/>
             <a:ext cx="1222744" cy="369332"/>
           </a:xfrm>
           <a:prstGeom prst="rect">
@@ -23282,6 +23684,2748 @@
           <a:p>
             <a:pPr algn="ctr"/>
             <a:endParaRPr lang="zh-TW" altLang="en-US"/>
+          </a:p>
+        </p:txBody>
+      </p:sp>
+      <p:sp>
+        <p:nvSpPr>
+          <p:cNvPr id="3" name="橢圓 2">
+            <a:extLst>
+              <a:ext uri="{FF2B5EF4-FFF2-40B4-BE49-F238E27FC236}">
+                <a16:creationId xmlns:a16="http://schemas.microsoft.com/office/drawing/2014/main" id="{3AE2E82C-CE1F-C573-3BD5-814BF1B7A9D1}"/>
+              </a:ext>
+            </a:extLst>
+          </p:cNvPr>
+          <p:cNvSpPr/>
+          <p:nvPr/>
+        </p:nvSpPr>
+        <p:spPr>
+          <a:xfrm>
+            <a:off x="1989173" y="3916784"/>
+            <a:ext cx="111643" cy="260492"/>
+          </a:xfrm>
+          <a:prstGeom prst="ellipse">
+            <a:avLst/>
+          </a:prstGeom>
+          <a:solidFill>
+            <a:srgbClr val="FFFF00"/>
+          </a:solidFill>
+        </p:spPr>
+        <p:style>
+          <a:lnRef idx="2">
+            <a:schemeClr val="accent1">
+              <a:shade val="50000"/>
+            </a:schemeClr>
+          </a:lnRef>
+          <a:fillRef idx="1">
+            <a:schemeClr val="accent1"/>
+          </a:fillRef>
+          <a:effectRef idx="0">
+            <a:schemeClr val="accent1"/>
+          </a:effectRef>
+          <a:fontRef idx="minor">
+            <a:schemeClr val="lt1"/>
+          </a:fontRef>
+        </p:style>
+        <p:txBody>
+          <a:bodyPr rtlCol="0" anchor="ctr"/>
+          <a:lstStyle/>
+          <a:p>
+            <a:pPr algn="ctr"/>
+            <a:endParaRPr lang="zh-TW" altLang="en-US"/>
+          </a:p>
+        </p:txBody>
+      </p:sp>
+      <p:sp>
+        <p:nvSpPr>
+          <p:cNvPr id="4" name="橢圓 3">
+            <a:extLst>
+              <a:ext uri="{FF2B5EF4-FFF2-40B4-BE49-F238E27FC236}">
+                <a16:creationId xmlns:a16="http://schemas.microsoft.com/office/drawing/2014/main" id="{7F26D987-220C-6FEA-8B47-6EC1D92DA9EC}"/>
+              </a:ext>
+            </a:extLst>
+          </p:cNvPr>
+          <p:cNvSpPr/>
+          <p:nvPr/>
+        </p:nvSpPr>
+        <p:spPr>
+          <a:xfrm>
+            <a:off x="3556587" y="3934936"/>
+            <a:ext cx="111643" cy="260492"/>
+          </a:xfrm>
+          <a:prstGeom prst="ellipse">
+            <a:avLst/>
+          </a:prstGeom>
+          <a:solidFill>
+            <a:srgbClr val="FFFF00"/>
+          </a:solidFill>
+        </p:spPr>
+        <p:style>
+          <a:lnRef idx="2">
+            <a:schemeClr val="accent1">
+              <a:shade val="50000"/>
+            </a:schemeClr>
+          </a:lnRef>
+          <a:fillRef idx="1">
+            <a:schemeClr val="accent1"/>
+          </a:fillRef>
+          <a:effectRef idx="0">
+            <a:schemeClr val="accent1"/>
+          </a:effectRef>
+          <a:fontRef idx="minor">
+            <a:schemeClr val="lt1"/>
+          </a:fontRef>
+        </p:style>
+        <p:txBody>
+          <a:bodyPr rtlCol="0" anchor="ctr"/>
+          <a:lstStyle/>
+          <a:p>
+            <a:pPr algn="ctr"/>
+            <a:endParaRPr lang="zh-TW" altLang="en-US"/>
+          </a:p>
+        </p:txBody>
+      </p:sp>
+      <p:sp>
+        <p:nvSpPr>
+          <p:cNvPr id="10" name="橢圓 9">
+            <a:extLst>
+              <a:ext uri="{FF2B5EF4-FFF2-40B4-BE49-F238E27FC236}">
+                <a16:creationId xmlns:a16="http://schemas.microsoft.com/office/drawing/2014/main" id="{672063CC-52A1-C315-E54E-1A273E52EB11}"/>
+              </a:ext>
+            </a:extLst>
+          </p:cNvPr>
+          <p:cNvSpPr/>
+          <p:nvPr/>
+        </p:nvSpPr>
+        <p:spPr>
+          <a:xfrm>
+            <a:off x="5984357" y="3910267"/>
+            <a:ext cx="111643" cy="260492"/>
+          </a:xfrm>
+          <a:prstGeom prst="ellipse">
+            <a:avLst/>
+          </a:prstGeom>
+          <a:solidFill>
+            <a:srgbClr val="FFFF00"/>
+          </a:solidFill>
+        </p:spPr>
+        <p:style>
+          <a:lnRef idx="2">
+            <a:schemeClr val="accent1">
+              <a:shade val="50000"/>
+            </a:schemeClr>
+          </a:lnRef>
+          <a:fillRef idx="1">
+            <a:schemeClr val="accent1"/>
+          </a:fillRef>
+          <a:effectRef idx="0">
+            <a:schemeClr val="accent1"/>
+          </a:effectRef>
+          <a:fontRef idx="minor">
+            <a:schemeClr val="lt1"/>
+          </a:fontRef>
+        </p:style>
+        <p:txBody>
+          <a:bodyPr rtlCol="0" anchor="ctr"/>
+          <a:lstStyle/>
+          <a:p>
+            <a:pPr algn="ctr"/>
+            <a:endParaRPr lang="zh-TW" altLang="en-US"/>
+          </a:p>
+        </p:txBody>
+      </p:sp>
+      <p:sp>
+        <p:nvSpPr>
+          <p:cNvPr id="11" name="橢圓 10">
+            <a:extLst>
+              <a:ext uri="{FF2B5EF4-FFF2-40B4-BE49-F238E27FC236}">
+                <a16:creationId xmlns:a16="http://schemas.microsoft.com/office/drawing/2014/main" id="{A1B972E2-61E7-4C4A-3609-6C740F06F840}"/>
+              </a:ext>
+            </a:extLst>
+          </p:cNvPr>
+          <p:cNvSpPr/>
+          <p:nvPr/>
+        </p:nvSpPr>
+        <p:spPr>
+          <a:xfrm>
+            <a:off x="4424912" y="3934936"/>
+            <a:ext cx="111643" cy="260492"/>
+          </a:xfrm>
+          <a:prstGeom prst="ellipse">
+            <a:avLst/>
+          </a:prstGeom>
+          <a:solidFill>
+            <a:srgbClr val="FFFF00"/>
+          </a:solidFill>
+        </p:spPr>
+        <p:style>
+          <a:lnRef idx="2">
+            <a:schemeClr val="accent1">
+              <a:shade val="50000"/>
+            </a:schemeClr>
+          </a:lnRef>
+          <a:fillRef idx="1">
+            <a:schemeClr val="accent1"/>
+          </a:fillRef>
+          <a:effectRef idx="0">
+            <a:schemeClr val="accent1"/>
+          </a:effectRef>
+          <a:fontRef idx="minor">
+            <a:schemeClr val="lt1"/>
+          </a:fontRef>
+        </p:style>
+        <p:txBody>
+          <a:bodyPr rtlCol="0" anchor="ctr"/>
+          <a:lstStyle/>
+          <a:p>
+            <a:pPr algn="ctr"/>
+            <a:endParaRPr lang="zh-TW" altLang="en-US"/>
+          </a:p>
+        </p:txBody>
+      </p:sp>
+      <p:sp>
+        <p:nvSpPr>
+          <p:cNvPr id="12" name="橢圓 11">
+            <a:extLst>
+              <a:ext uri="{FF2B5EF4-FFF2-40B4-BE49-F238E27FC236}">
+                <a16:creationId xmlns:a16="http://schemas.microsoft.com/office/drawing/2014/main" id="{769CFB46-E1F2-A40A-40CA-D7CCBA5BFCB4}"/>
+              </a:ext>
+            </a:extLst>
+          </p:cNvPr>
+          <p:cNvSpPr/>
+          <p:nvPr/>
+        </p:nvSpPr>
+        <p:spPr>
+          <a:xfrm>
+            <a:off x="8879955" y="3949497"/>
+            <a:ext cx="111643" cy="260492"/>
+          </a:xfrm>
+          <a:prstGeom prst="ellipse">
+            <a:avLst/>
+          </a:prstGeom>
+          <a:solidFill>
+            <a:srgbClr val="FFFF00"/>
+          </a:solidFill>
+        </p:spPr>
+        <p:style>
+          <a:lnRef idx="2">
+            <a:schemeClr val="accent1">
+              <a:shade val="50000"/>
+            </a:schemeClr>
+          </a:lnRef>
+          <a:fillRef idx="1">
+            <a:schemeClr val="accent1"/>
+          </a:fillRef>
+          <a:effectRef idx="0">
+            <a:schemeClr val="accent1"/>
+          </a:effectRef>
+          <a:fontRef idx="minor">
+            <a:schemeClr val="lt1"/>
+          </a:fontRef>
+        </p:style>
+        <p:txBody>
+          <a:bodyPr rtlCol="0" anchor="ctr"/>
+          <a:lstStyle/>
+          <a:p>
+            <a:pPr algn="ctr"/>
+            <a:endParaRPr lang="zh-TW" altLang="en-US"/>
+          </a:p>
+        </p:txBody>
+      </p:sp>
+      <p:sp>
+        <p:nvSpPr>
+          <p:cNvPr id="13" name="橢圓 12">
+            <a:extLst>
+              <a:ext uri="{FF2B5EF4-FFF2-40B4-BE49-F238E27FC236}">
+                <a16:creationId xmlns:a16="http://schemas.microsoft.com/office/drawing/2014/main" id="{8B441BC0-D329-5F79-F99C-E92C39E1C2FC}"/>
+              </a:ext>
+            </a:extLst>
+          </p:cNvPr>
+          <p:cNvSpPr/>
+          <p:nvPr/>
+        </p:nvSpPr>
+        <p:spPr>
+          <a:xfrm>
+            <a:off x="10481043" y="3867555"/>
+            <a:ext cx="111643" cy="260492"/>
+          </a:xfrm>
+          <a:prstGeom prst="ellipse">
+            <a:avLst/>
+          </a:prstGeom>
+          <a:solidFill>
+            <a:srgbClr val="FFFF00"/>
+          </a:solidFill>
+        </p:spPr>
+        <p:style>
+          <a:lnRef idx="2">
+            <a:schemeClr val="accent1">
+              <a:shade val="50000"/>
+            </a:schemeClr>
+          </a:lnRef>
+          <a:fillRef idx="1">
+            <a:schemeClr val="accent1"/>
+          </a:fillRef>
+          <a:effectRef idx="0">
+            <a:schemeClr val="accent1"/>
+          </a:effectRef>
+          <a:fontRef idx="minor">
+            <a:schemeClr val="lt1"/>
+          </a:fontRef>
+        </p:style>
+        <p:txBody>
+          <a:bodyPr rtlCol="0" anchor="ctr"/>
+          <a:lstStyle/>
+          <a:p>
+            <a:pPr algn="ctr"/>
+            <a:endParaRPr lang="zh-TW" altLang="en-US"/>
+          </a:p>
+        </p:txBody>
+      </p:sp>
+      <p:cxnSp>
+        <p:nvCxnSpPr>
+          <p:cNvPr id="18" name="直線接點 17">
+            <a:extLst>
+              <a:ext uri="{FF2B5EF4-FFF2-40B4-BE49-F238E27FC236}">
+                <a16:creationId xmlns:a16="http://schemas.microsoft.com/office/drawing/2014/main" id="{8DB91C8B-97D0-478C-A0E2-23ED3FC26A94}"/>
+              </a:ext>
+            </a:extLst>
+          </p:cNvPr>
+          <p:cNvCxnSpPr/>
+          <p:nvPr/>
+        </p:nvCxnSpPr>
+        <p:spPr>
+          <a:xfrm>
+            <a:off x="795671" y="5944948"/>
+            <a:ext cx="0" cy="194930"/>
+          </a:xfrm>
+          <a:prstGeom prst="line">
+            <a:avLst/>
+          </a:prstGeom>
+          <a:ln w="38100"/>
+        </p:spPr>
+        <p:style>
+          <a:lnRef idx="1">
+            <a:schemeClr val="accent1"/>
+          </a:lnRef>
+          <a:fillRef idx="0">
+            <a:schemeClr val="accent1"/>
+          </a:fillRef>
+          <a:effectRef idx="0">
+            <a:schemeClr val="accent1"/>
+          </a:effectRef>
+          <a:fontRef idx="minor">
+            <a:schemeClr val="tx1"/>
+          </a:fontRef>
+        </p:style>
+      </p:cxnSp>
+      <p:cxnSp>
+        <p:nvCxnSpPr>
+          <p:cNvPr id="19" name="直線接點 18">
+            <a:extLst>
+              <a:ext uri="{FF2B5EF4-FFF2-40B4-BE49-F238E27FC236}">
+                <a16:creationId xmlns:a16="http://schemas.microsoft.com/office/drawing/2014/main" id="{938FDD9B-CF15-737F-CD87-21E3A5E129BE}"/>
+              </a:ext>
+            </a:extLst>
+          </p:cNvPr>
+          <p:cNvCxnSpPr/>
+          <p:nvPr/>
+        </p:nvCxnSpPr>
+        <p:spPr>
+          <a:xfrm>
+            <a:off x="771745" y="6146649"/>
+            <a:ext cx="10536865" cy="0"/>
+          </a:xfrm>
+          <a:prstGeom prst="line">
+            <a:avLst/>
+          </a:prstGeom>
+        </p:spPr>
+        <p:style>
+          <a:lnRef idx="1">
+            <a:schemeClr val="accent1"/>
+          </a:lnRef>
+          <a:fillRef idx="0">
+            <a:schemeClr val="accent1"/>
+          </a:fillRef>
+          <a:effectRef idx="0">
+            <a:schemeClr val="accent1"/>
+          </a:effectRef>
+          <a:fontRef idx="minor">
+            <a:schemeClr val="tx1"/>
+          </a:fontRef>
+        </p:style>
+      </p:cxnSp>
+      <p:cxnSp>
+        <p:nvCxnSpPr>
+          <p:cNvPr id="21" name="直線接點 20">
+            <a:extLst>
+              <a:ext uri="{FF2B5EF4-FFF2-40B4-BE49-F238E27FC236}">
+                <a16:creationId xmlns:a16="http://schemas.microsoft.com/office/drawing/2014/main" id="{279BFABD-83B4-0AE0-406B-8BC9F3C64A7C}"/>
+              </a:ext>
+            </a:extLst>
+          </p:cNvPr>
+          <p:cNvCxnSpPr/>
+          <p:nvPr/>
+        </p:nvCxnSpPr>
+        <p:spPr>
+          <a:xfrm>
+            <a:off x="1201480" y="5944948"/>
+            <a:ext cx="0" cy="194930"/>
+          </a:xfrm>
+          <a:prstGeom prst="line">
+            <a:avLst/>
+          </a:prstGeom>
+          <a:ln w="38100"/>
+        </p:spPr>
+        <p:style>
+          <a:lnRef idx="1">
+            <a:schemeClr val="accent1"/>
+          </a:lnRef>
+          <a:fillRef idx="0">
+            <a:schemeClr val="accent1"/>
+          </a:fillRef>
+          <a:effectRef idx="0">
+            <a:schemeClr val="accent1"/>
+          </a:effectRef>
+          <a:fontRef idx="minor">
+            <a:schemeClr val="tx1"/>
+          </a:fontRef>
+        </p:style>
+      </p:cxnSp>
+      <p:cxnSp>
+        <p:nvCxnSpPr>
+          <p:cNvPr id="22" name="直線接點 21">
+            <a:extLst>
+              <a:ext uri="{FF2B5EF4-FFF2-40B4-BE49-F238E27FC236}">
+                <a16:creationId xmlns:a16="http://schemas.microsoft.com/office/drawing/2014/main" id="{B6A6E0DF-3CD7-370F-B76F-A35EEE517218}"/>
+              </a:ext>
+            </a:extLst>
+          </p:cNvPr>
+          <p:cNvCxnSpPr/>
+          <p:nvPr/>
+        </p:nvCxnSpPr>
+        <p:spPr>
+          <a:xfrm>
+            <a:off x="1573620" y="5944948"/>
+            <a:ext cx="0" cy="194930"/>
+          </a:xfrm>
+          <a:prstGeom prst="line">
+            <a:avLst/>
+          </a:prstGeom>
+          <a:ln w="38100"/>
+        </p:spPr>
+        <p:style>
+          <a:lnRef idx="1">
+            <a:schemeClr val="accent1"/>
+          </a:lnRef>
+          <a:fillRef idx="0">
+            <a:schemeClr val="accent1"/>
+          </a:fillRef>
+          <a:effectRef idx="0">
+            <a:schemeClr val="accent1"/>
+          </a:effectRef>
+          <a:fontRef idx="minor">
+            <a:schemeClr val="tx1"/>
+          </a:fontRef>
+        </p:style>
+      </p:cxnSp>
+      <p:cxnSp>
+        <p:nvCxnSpPr>
+          <p:cNvPr id="50" name="直線接點 49">
+            <a:extLst>
+              <a:ext uri="{FF2B5EF4-FFF2-40B4-BE49-F238E27FC236}">
+                <a16:creationId xmlns:a16="http://schemas.microsoft.com/office/drawing/2014/main" id="{065EDB5E-A183-759A-7E22-5ADDCB70E7D5}"/>
+              </a:ext>
+            </a:extLst>
+          </p:cNvPr>
+          <p:cNvCxnSpPr/>
+          <p:nvPr/>
+        </p:nvCxnSpPr>
+        <p:spPr>
+          <a:xfrm>
+            <a:off x="2023731" y="5944948"/>
+            <a:ext cx="0" cy="194930"/>
+          </a:xfrm>
+          <a:prstGeom prst="line">
+            <a:avLst/>
+          </a:prstGeom>
+          <a:ln w="38100"/>
+        </p:spPr>
+        <p:style>
+          <a:lnRef idx="1">
+            <a:schemeClr val="accent1"/>
+          </a:lnRef>
+          <a:fillRef idx="0">
+            <a:schemeClr val="accent1"/>
+          </a:fillRef>
+          <a:effectRef idx="0">
+            <a:schemeClr val="accent1"/>
+          </a:effectRef>
+          <a:fontRef idx="minor">
+            <a:schemeClr val="tx1"/>
+          </a:fontRef>
+        </p:style>
+      </p:cxnSp>
+      <p:cxnSp>
+        <p:nvCxnSpPr>
+          <p:cNvPr id="51" name="直線接點 50">
+            <a:extLst>
+              <a:ext uri="{FF2B5EF4-FFF2-40B4-BE49-F238E27FC236}">
+                <a16:creationId xmlns:a16="http://schemas.microsoft.com/office/drawing/2014/main" id="{1CA1491B-1023-5EF4-CB08-4E4A2254BE40}"/>
+              </a:ext>
+            </a:extLst>
+          </p:cNvPr>
+          <p:cNvCxnSpPr/>
+          <p:nvPr/>
+        </p:nvCxnSpPr>
+        <p:spPr>
+          <a:xfrm>
+            <a:off x="2417136" y="5944948"/>
+            <a:ext cx="0" cy="194930"/>
+          </a:xfrm>
+          <a:prstGeom prst="line">
+            <a:avLst/>
+          </a:prstGeom>
+          <a:ln w="38100"/>
+        </p:spPr>
+        <p:style>
+          <a:lnRef idx="1">
+            <a:schemeClr val="accent1"/>
+          </a:lnRef>
+          <a:fillRef idx="0">
+            <a:schemeClr val="accent1"/>
+          </a:fillRef>
+          <a:effectRef idx="0">
+            <a:schemeClr val="accent1"/>
+          </a:effectRef>
+          <a:fontRef idx="minor">
+            <a:schemeClr val="tx1"/>
+          </a:fontRef>
+        </p:style>
+      </p:cxnSp>
+      <p:cxnSp>
+        <p:nvCxnSpPr>
+          <p:cNvPr id="52" name="直線接點 51">
+            <a:extLst>
+              <a:ext uri="{FF2B5EF4-FFF2-40B4-BE49-F238E27FC236}">
+                <a16:creationId xmlns:a16="http://schemas.microsoft.com/office/drawing/2014/main" id="{59560B76-6CB2-AD1C-7FD9-A56ACEFB6BEE}"/>
+              </a:ext>
+            </a:extLst>
+          </p:cNvPr>
+          <p:cNvCxnSpPr/>
+          <p:nvPr/>
+        </p:nvCxnSpPr>
+        <p:spPr>
+          <a:xfrm>
+            <a:off x="2843322" y="5944948"/>
+            <a:ext cx="0" cy="194930"/>
+          </a:xfrm>
+          <a:prstGeom prst="line">
+            <a:avLst/>
+          </a:prstGeom>
+          <a:ln w="38100"/>
+        </p:spPr>
+        <p:style>
+          <a:lnRef idx="1">
+            <a:schemeClr val="accent1"/>
+          </a:lnRef>
+          <a:fillRef idx="0">
+            <a:schemeClr val="accent1"/>
+          </a:fillRef>
+          <a:effectRef idx="0">
+            <a:schemeClr val="accent1"/>
+          </a:effectRef>
+          <a:fontRef idx="minor">
+            <a:schemeClr val="tx1"/>
+          </a:fontRef>
+        </p:style>
+      </p:cxnSp>
+      <p:cxnSp>
+        <p:nvCxnSpPr>
+          <p:cNvPr id="53" name="直線接點 52">
+            <a:extLst>
+              <a:ext uri="{FF2B5EF4-FFF2-40B4-BE49-F238E27FC236}">
+                <a16:creationId xmlns:a16="http://schemas.microsoft.com/office/drawing/2014/main" id="{B0C805CB-A990-7B7E-8B78-39E63A69FE8C}"/>
+              </a:ext>
+            </a:extLst>
+          </p:cNvPr>
+          <p:cNvCxnSpPr/>
+          <p:nvPr/>
+        </p:nvCxnSpPr>
+        <p:spPr>
+          <a:xfrm>
+            <a:off x="3215461" y="5939413"/>
+            <a:ext cx="0" cy="194930"/>
+          </a:xfrm>
+          <a:prstGeom prst="line">
+            <a:avLst/>
+          </a:prstGeom>
+          <a:ln w="38100"/>
+        </p:spPr>
+        <p:style>
+          <a:lnRef idx="1">
+            <a:schemeClr val="accent1"/>
+          </a:lnRef>
+          <a:fillRef idx="0">
+            <a:schemeClr val="accent1"/>
+          </a:fillRef>
+          <a:effectRef idx="0">
+            <a:schemeClr val="accent1"/>
+          </a:effectRef>
+          <a:fontRef idx="minor">
+            <a:schemeClr val="tx1"/>
+          </a:fontRef>
+        </p:style>
+      </p:cxnSp>
+      <p:cxnSp>
+        <p:nvCxnSpPr>
+          <p:cNvPr id="54" name="直線接點 53">
+            <a:extLst>
+              <a:ext uri="{FF2B5EF4-FFF2-40B4-BE49-F238E27FC236}">
+                <a16:creationId xmlns:a16="http://schemas.microsoft.com/office/drawing/2014/main" id="{482120C0-DE6A-1101-E549-A749168D5B16}"/>
+              </a:ext>
+            </a:extLst>
+          </p:cNvPr>
+          <p:cNvCxnSpPr/>
+          <p:nvPr/>
+        </p:nvCxnSpPr>
+        <p:spPr>
+          <a:xfrm>
+            <a:off x="3591145" y="5947059"/>
+            <a:ext cx="0" cy="194930"/>
+          </a:xfrm>
+          <a:prstGeom prst="line">
+            <a:avLst/>
+          </a:prstGeom>
+          <a:ln w="38100"/>
+        </p:spPr>
+        <p:style>
+          <a:lnRef idx="1">
+            <a:schemeClr val="accent1"/>
+          </a:lnRef>
+          <a:fillRef idx="0">
+            <a:schemeClr val="accent1"/>
+          </a:fillRef>
+          <a:effectRef idx="0">
+            <a:schemeClr val="accent1"/>
+          </a:effectRef>
+          <a:fontRef idx="minor">
+            <a:schemeClr val="tx1"/>
+          </a:fontRef>
+        </p:style>
+      </p:cxnSp>
+      <p:cxnSp>
+        <p:nvCxnSpPr>
+          <p:cNvPr id="55" name="直線接點 54">
+            <a:extLst>
+              <a:ext uri="{FF2B5EF4-FFF2-40B4-BE49-F238E27FC236}">
+                <a16:creationId xmlns:a16="http://schemas.microsoft.com/office/drawing/2014/main" id="{8F351C64-9E94-AF71-578C-833495396642}"/>
+              </a:ext>
+            </a:extLst>
+          </p:cNvPr>
+          <p:cNvCxnSpPr/>
+          <p:nvPr/>
+        </p:nvCxnSpPr>
+        <p:spPr>
+          <a:xfrm>
+            <a:off x="4051889" y="5951719"/>
+            <a:ext cx="0" cy="194930"/>
+          </a:xfrm>
+          <a:prstGeom prst="line">
+            <a:avLst/>
+          </a:prstGeom>
+          <a:ln w="38100"/>
+        </p:spPr>
+        <p:style>
+          <a:lnRef idx="1">
+            <a:schemeClr val="accent1"/>
+          </a:lnRef>
+          <a:fillRef idx="0">
+            <a:schemeClr val="accent1"/>
+          </a:fillRef>
+          <a:effectRef idx="0">
+            <a:schemeClr val="accent1"/>
+          </a:effectRef>
+          <a:fontRef idx="minor">
+            <a:schemeClr val="tx1"/>
+          </a:fontRef>
+        </p:style>
+      </p:cxnSp>
+      <p:cxnSp>
+        <p:nvCxnSpPr>
+          <p:cNvPr id="56" name="直線接點 55">
+            <a:extLst>
+              <a:ext uri="{FF2B5EF4-FFF2-40B4-BE49-F238E27FC236}">
+                <a16:creationId xmlns:a16="http://schemas.microsoft.com/office/drawing/2014/main" id="{0C056F6A-FE74-A7D7-82C6-1F5C6D92FC33}"/>
+              </a:ext>
+            </a:extLst>
+          </p:cNvPr>
+          <p:cNvCxnSpPr/>
+          <p:nvPr/>
+        </p:nvCxnSpPr>
+        <p:spPr>
+          <a:xfrm>
+            <a:off x="4459470" y="5939413"/>
+            <a:ext cx="0" cy="194930"/>
+          </a:xfrm>
+          <a:prstGeom prst="line">
+            <a:avLst/>
+          </a:prstGeom>
+          <a:ln w="38100"/>
+        </p:spPr>
+        <p:style>
+          <a:lnRef idx="1">
+            <a:schemeClr val="accent1"/>
+          </a:lnRef>
+          <a:fillRef idx="0">
+            <a:schemeClr val="accent1"/>
+          </a:fillRef>
+          <a:effectRef idx="0">
+            <a:schemeClr val="accent1"/>
+          </a:effectRef>
+          <a:fontRef idx="minor">
+            <a:schemeClr val="tx1"/>
+          </a:fontRef>
+        </p:style>
+      </p:cxnSp>
+      <p:cxnSp>
+        <p:nvCxnSpPr>
+          <p:cNvPr id="57" name="直線接點 56">
+            <a:extLst>
+              <a:ext uri="{FF2B5EF4-FFF2-40B4-BE49-F238E27FC236}">
+                <a16:creationId xmlns:a16="http://schemas.microsoft.com/office/drawing/2014/main" id="{F8526C4C-656F-29AD-037F-1B493169AD25}"/>
+              </a:ext>
+            </a:extLst>
+          </p:cNvPr>
+          <p:cNvCxnSpPr/>
+          <p:nvPr/>
+        </p:nvCxnSpPr>
+        <p:spPr>
+          <a:xfrm>
+            <a:off x="4835745" y="5939413"/>
+            <a:ext cx="0" cy="194930"/>
+          </a:xfrm>
+          <a:prstGeom prst="line">
+            <a:avLst/>
+          </a:prstGeom>
+          <a:ln w="38100"/>
+        </p:spPr>
+        <p:style>
+          <a:lnRef idx="1">
+            <a:schemeClr val="accent1"/>
+          </a:lnRef>
+          <a:fillRef idx="0">
+            <a:schemeClr val="accent1"/>
+          </a:fillRef>
+          <a:effectRef idx="0">
+            <a:schemeClr val="accent1"/>
+          </a:effectRef>
+          <a:fontRef idx="minor">
+            <a:schemeClr val="tx1"/>
+          </a:fontRef>
+        </p:style>
+      </p:cxnSp>
+      <p:cxnSp>
+        <p:nvCxnSpPr>
+          <p:cNvPr id="58" name="直線接點 57">
+            <a:extLst>
+              <a:ext uri="{FF2B5EF4-FFF2-40B4-BE49-F238E27FC236}">
+                <a16:creationId xmlns:a16="http://schemas.microsoft.com/office/drawing/2014/main" id="{C6F833FD-3BAC-DA15-8E3F-A5A880436A0F}"/>
+              </a:ext>
+            </a:extLst>
+          </p:cNvPr>
+          <p:cNvCxnSpPr/>
+          <p:nvPr/>
+        </p:nvCxnSpPr>
+        <p:spPr>
+          <a:xfrm>
+            <a:off x="5247168" y="5933440"/>
+            <a:ext cx="0" cy="194930"/>
+          </a:xfrm>
+          <a:prstGeom prst="line">
+            <a:avLst/>
+          </a:prstGeom>
+          <a:ln w="38100"/>
+        </p:spPr>
+        <p:style>
+          <a:lnRef idx="1">
+            <a:schemeClr val="accent1"/>
+          </a:lnRef>
+          <a:fillRef idx="0">
+            <a:schemeClr val="accent1"/>
+          </a:fillRef>
+          <a:effectRef idx="0">
+            <a:schemeClr val="accent1"/>
+          </a:effectRef>
+          <a:fontRef idx="minor">
+            <a:schemeClr val="tx1"/>
+          </a:fontRef>
+        </p:style>
+      </p:cxnSp>
+      <p:cxnSp>
+        <p:nvCxnSpPr>
+          <p:cNvPr id="59" name="直線接點 58">
+            <a:extLst>
+              <a:ext uri="{FF2B5EF4-FFF2-40B4-BE49-F238E27FC236}">
+                <a16:creationId xmlns:a16="http://schemas.microsoft.com/office/drawing/2014/main" id="{7A928D9F-1CB5-6934-335C-F98AD772BBF7}"/>
+              </a:ext>
+            </a:extLst>
+          </p:cNvPr>
+          <p:cNvCxnSpPr/>
+          <p:nvPr/>
+        </p:nvCxnSpPr>
+        <p:spPr>
+          <a:xfrm>
+            <a:off x="5654749" y="5951719"/>
+            <a:ext cx="0" cy="194930"/>
+          </a:xfrm>
+          <a:prstGeom prst="line">
+            <a:avLst/>
+          </a:prstGeom>
+          <a:ln w="38100"/>
+        </p:spPr>
+        <p:style>
+          <a:lnRef idx="1">
+            <a:schemeClr val="accent1"/>
+          </a:lnRef>
+          <a:fillRef idx="0">
+            <a:schemeClr val="accent1"/>
+          </a:fillRef>
+          <a:effectRef idx="0">
+            <a:schemeClr val="accent1"/>
+          </a:effectRef>
+          <a:fontRef idx="minor">
+            <a:schemeClr val="tx1"/>
+          </a:fontRef>
+        </p:style>
+      </p:cxnSp>
+      <p:cxnSp>
+        <p:nvCxnSpPr>
+          <p:cNvPr id="60" name="直線接點 59">
+            <a:extLst>
+              <a:ext uri="{FF2B5EF4-FFF2-40B4-BE49-F238E27FC236}">
+                <a16:creationId xmlns:a16="http://schemas.microsoft.com/office/drawing/2014/main" id="{7A771904-A844-F988-F89F-25736827C738}"/>
+              </a:ext>
+            </a:extLst>
+          </p:cNvPr>
+          <p:cNvCxnSpPr/>
+          <p:nvPr/>
+        </p:nvCxnSpPr>
+        <p:spPr>
+          <a:xfrm>
+            <a:off x="6040177" y="5933440"/>
+            <a:ext cx="0" cy="194930"/>
+          </a:xfrm>
+          <a:prstGeom prst="line">
+            <a:avLst/>
+          </a:prstGeom>
+          <a:ln w="38100"/>
+        </p:spPr>
+        <p:style>
+          <a:lnRef idx="1">
+            <a:schemeClr val="accent1"/>
+          </a:lnRef>
+          <a:fillRef idx="0">
+            <a:schemeClr val="accent1"/>
+          </a:fillRef>
+          <a:effectRef idx="0">
+            <a:schemeClr val="accent1"/>
+          </a:effectRef>
+          <a:fontRef idx="minor">
+            <a:schemeClr val="tx1"/>
+          </a:fontRef>
+        </p:style>
+      </p:cxnSp>
+      <p:cxnSp>
+        <p:nvCxnSpPr>
+          <p:cNvPr id="61" name="直線接點 60">
+            <a:extLst>
+              <a:ext uri="{FF2B5EF4-FFF2-40B4-BE49-F238E27FC236}">
+                <a16:creationId xmlns:a16="http://schemas.microsoft.com/office/drawing/2014/main" id="{333CF4ED-F8B6-D571-83A3-FE2B9832E8B0}"/>
+              </a:ext>
+            </a:extLst>
+          </p:cNvPr>
+          <p:cNvCxnSpPr/>
+          <p:nvPr/>
+        </p:nvCxnSpPr>
+        <p:spPr>
+          <a:xfrm>
+            <a:off x="6458391" y="5933440"/>
+            <a:ext cx="0" cy="194930"/>
+          </a:xfrm>
+          <a:prstGeom prst="line">
+            <a:avLst/>
+          </a:prstGeom>
+          <a:ln w="38100"/>
+        </p:spPr>
+        <p:style>
+          <a:lnRef idx="1">
+            <a:schemeClr val="accent1"/>
+          </a:lnRef>
+          <a:fillRef idx="0">
+            <a:schemeClr val="accent1"/>
+          </a:fillRef>
+          <a:effectRef idx="0">
+            <a:schemeClr val="accent1"/>
+          </a:effectRef>
+          <a:fontRef idx="minor">
+            <a:schemeClr val="tx1"/>
+          </a:fontRef>
+        </p:style>
+      </p:cxnSp>
+      <p:cxnSp>
+        <p:nvCxnSpPr>
+          <p:cNvPr id="62" name="直線接點 61">
+            <a:extLst>
+              <a:ext uri="{FF2B5EF4-FFF2-40B4-BE49-F238E27FC236}">
+                <a16:creationId xmlns:a16="http://schemas.microsoft.com/office/drawing/2014/main" id="{6BB72EAA-6FC2-F22D-2459-BFFB8F7E6061}"/>
+              </a:ext>
+            </a:extLst>
+          </p:cNvPr>
+          <p:cNvCxnSpPr/>
+          <p:nvPr/>
+        </p:nvCxnSpPr>
+        <p:spPr>
+          <a:xfrm>
+            <a:off x="6823442" y="5933440"/>
+            <a:ext cx="0" cy="194930"/>
+          </a:xfrm>
+          <a:prstGeom prst="line">
+            <a:avLst/>
+          </a:prstGeom>
+          <a:ln w="38100"/>
+        </p:spPr>
+        <p:style>
+          <a:lnRef idx="1">
+            <a:schemeClr val="accent1"/>
+          </a:lnRef>
+          <a:fillRef idx="0">
+            <a:schemeClr val="accent1"/>
+          </a:fillRef>
+          <a:effectRef idx="0">
+            <a:schemeClr val="accent1"/>
+          </a:effectRef>
+          <a:fontRef idx="minor">
+            <a:schemeClr val="tx1"/>
+          </a:fontRef>
+        </p:style>
+      </p:cxnSp>
+      <p:cxnSp>
+        <p:nvCxnSpPr>
+          <p:cNvPr id="63" name="直線接點 62">
+            <a:extLst>
+              <a:ext uri="{FF2B5EF4-FFF2-40B4-BE49-F238E27FC236}">
+                <a16:creationId xmlns:a16="http://schemas.microsoft.com/office/drawing/2014/main" id="{62CE50B8-73FD-2180-879C-3F9365DAFAB2}"/>
+              </a:ext>
+            </a:extLst>
+          </p:cNvPr>
+          <p:cNvCxnSpPr/>
+          <p:nvPr/>
+        </p:nvCxnSpPr>
+        <p:spPr>
+          <a:xfrm>
+            <a:off x="7262922" y="5946621"/>
+            <a:ext cx="0" cy="194930"/>
+          </a:xfrm>
+          <a:prstGeom prst="line">
+            <a:avLst/>
+          </a:prstGeom>
+          <a:ln w="38100"/>
+        </p:spPr>
+        <p:style>
+          <a:lnRef idx="1">
+            <a:schemeClr val="accent1"/>
+          </a:lnRef>
+          <a:fillRef idx="0">
+            <a:schemeClr val="accent1"/>
+          </a:fillRef>
+          <a:effectRef idx="0">
+            <a:schemeClr val="accent1"/>
+          </a:effectRef>
+          <a:fontRef idx="minor">
+            <a:schemeClr val="tx1"/>
+          </a:fontRef>
+        </p:style>
+      </p:cxnSp>
+      <p:cxnSp>
+        <p:nvCxnSpPr>
+          <p:cNvPr id="64" name="直線接點 63">
+            <a:extLst>
+              <a:ext uri="{FF2B5EF4-FFF2-40B4-BE49-F238E27FC236}">
+                <a16:creationId xmlns:a16="http://schemas.microsoft.com/office/drawing/2014/main" id="{549F988A-CCA3-F291-16AA-EF4C7FAF45A7}"/>
+              </a:ext>
+            </a:extLst>
+          </p:cNvPr>
+          <p:cNvCxnSpPr/>
+          <p:nvPr/>
+        </p:nvCxnSpPr>
+        <p:spPr>
+          <a:xfrm>
+            <a:off x="7681136" y="5951719"/>
+            <a:ext cx="0" cy="194930"/>
+          </a:xfrm>
+          <a:prstGeom prst="line">
+            <a:avLst/>
+          </a:prstGeom>
+          <a:ln w="38100"/>
+        </p:spPr>
+        <p:style>
+          <a:lnRef idx="1">
+            <a:schemeClr val="accent1"/>
+          </a:lnRef>
+          <a:fillRef idx="0">
+            <a:schemeClr val="accent1"/>
+          </a:fillRef>
+          <a:effectRef idx="0">
+            <a:schemeClr val="accent1"/>
+          </a:effectRef>
+          <a:fontRef idx="minor">
+            <a:schemeClr val="tx1"/>
+          </a:fontRef>
+        </p:style>
+      </p:cxnSp>
+      <p:cxnSp>
+        <p:nvCxnSpPr>
+          <p:cNvPr id="65" name="直線接點 64">
+            <a:extLst>
+              <a:ext uri="{FF2B5EF4-FFF2-40B4-BE49-F238E27FC236}">
+                <a16:creationId xmlns:a16="http://schemas.microsoft.com/office/drawing/2014/main" id="{E19ED6FD-1BCE-0071-C2CC-CAA445304201}"/>
+              </a:ext>
+            </a:extLst>
+          </p:cNvPr>
+          <p:cNvCxnSpPr/>
+          <p:nvPr/>
+        </p:nvCxnSpPr>
+        <p:spPr>
+          <a:xfrm>
+            <a:off x="8056820" y="5976429"/>
+            <a:ext cx="0" cy="194930"/>
+          </a:xfrm>
+          <a:prstGeom prst="line">
+            <a:avLst/>
+          </a:prstGeom>
+          <a:ln w="38100"/>
+        </p:spPr>
+        <p:style>
+          <a:lnRef idx="1">
+            <a:schemeClr val="accent1"/>
+          </a:lnRef>
+          <a:fillRef idx="0">
+            <a:schemeClr val="accent1"/>
+          </a:fillRef>
+          <a:effectRef idx="0">
+            <a:schemeClr val="accent1"/>
+          </a:effectRef>
+          <a:fontRef idx="minor">
+            <a:schemeClr val="tx1"/>
+          </a:fontRef>
+        </p:style>
+      </p:cxnSp>
+      <p:cxnSp>
+        <p:nvCxnSpPr>
+          <p:cNvPr id="66" name="直線接點 65">
+            <a:extLst>
+              <a:ext uri="{FF2B5EF4-FFF2-40B4-BE49-F238E27FC236}">
+                <a16:creationId xmlns:a16="http://schemas.microsoft.com/office/drawing/2014/main" id="{4463CA11-86C1-D88D-6E8E-FCD568EAF8DF}"/>
+              </a:ext>
+            </a:extLst>
+          </p:cNvPr>
+          <p:cNvCxnSpPr/>
+          <p:nvPr/>
+        </p:nvCxnSpPr>
+        <p:spPr>
+          <a:xfrm>
+            <a:off x="8506932" y="5946205"/>
+            <a:ext cx="0" cy="194930"/>
+          </a:xfrm>
+          <a:prstGeom prst="line">
+            <a:avLst/>
+          </a:prstGeom>
+          <a:ln w="38100"/>
+        </p:spPr>
+        <p:style>
+          <a:lnRef idx="1">
+            <a:schemeClr val="accent1"/>
+          </a:lnRef>
+          <a:fillRef idx="0">
+            <a:schemeClr val="accent1"/>
+          </a:fillRef>
+          <a:effectRef idx="0">
+            <a:schemeClr val="accent1"/>
+          </a:effectRef>
+          <a:fontRef idx="minor">
+            <a:schemeClr val="tx1"/>
+          </a:fontRef>
+        </p:style>
+      </p:cxnSp>
+      <p:cxnSp>
+        <p:nvCxnSpPr>
+          <p:cNvPr id="67" name="直線接點 66">
+            <a:extLst>
+              <a:ext uri="{FF2B5EF4-FFF2-40B4-BE49-F238E27FC236}">
+                <a16:creationId xmlns:a16="http://schemas.microsoft.com/office/drawing/2014/main" id="{1C367861-C767-F775-31C8-1F1CEFBFB441}"/>
+              </a:ext>
+            </a:extLst>
+          </p:cNvPr>
+          <p:cNvCxnSpPr/>
+          <p:nvPr/>
+        </p:nvCxnSpPr>
+        <p:spPr>
+          <a:xfrm>
+            <a:off x="8914513" y="5959386"/>
+            <a:ext cx="0" cy="194930"/>
+          </a:xfrm>
+          <a:prstGeom prst="line">
+            <a:avLst/>
+          </a:prstGeom>
+          <a:ln w="38100"/>
+        </p:spPr>
+        <p:style>
+          <a:lnRef idx="1">
+            <a:schemeClr val="accent1"/>
+          </a:lnRef>
+          <a:fillRef idx="0">
+            <a:schemeClr val="accent1"/>
+          </a:fillRef>
+          <a:effectRef idx="0">
+            <a:schemeClr val="accent1"/>
+          </a:effectRef>
+          <a:fontRef idx="minor">
+            <a:schemeClr val="tx1"/>
+          </a:fontRef>
+        </p:style>
+      </p:cxnSp>
+      <p:cxnSp>
+        <p:nvCxnSpPr>
+          <p:cNvPr id="68" name="直線接點 67">
+            <a:extLst>
+              <a:ext uri="{FF2B5EF4-FFF2-40B4-BE49-F238E27FC236}">
+                <a16:creationId xmlns:a16="http://schemas.microsoft.com/office/drawing/2014/main" id="{030349BF-7E40-1A41-CF90-7637D8AEF3C5}"/>
+              </a:ext>
+            </a:extLst>
+          </p:cNvPr>
+          <p:cNvCxnSpPr/>
+          <p:nvPr/>
+        </p:nvCxnSpPr>
+        <p:spPr>
+          <a:xfrm>
+            <a:off x="9290197" y="5951719"/>
+            <a:ext cx="0" cy="194930"/>
+          </a:xfrm>
+          <a:prstGeom prst="line">
+            <a:avLst/>
+          </a:prstGeom>
+          <a:ln w="38100"/>
+        </p:spPr>
+        <p:style>
+          <a:lnRef idx="1">
+            <a:schemeClr val="accent1"/>
+          </a:lnRef>
+          <a:fillRef idx="0">
+            <a:schemeClr val="accent1"/>
+          </a:fillRef>
+          <a:effectRef idx="0">
+            <a:schemeClr val="accent1"/>
+          </a:effectRef>
+          <a:fontRef idx="minor">
+            <a:schemeClr val="tx1"/>
+          </a:fontRef>
+        </p:style>
+      </p:cxnSp>
+      <p:cxnSp>
+        <p:nvCxnSpPr>
+          <p:cNvPr id="69" name="直線接點 68">
+            <a:extLst>
+              <a:ext uri="{FF2B5EF4-FFF2-40B4-BE49-F238E27FC236}">
+                <a16:creationId xmlns:a16="http://schemas.microsoft.com/office/drawing/2014/main" id="{F4A93A2F-A7AD-FA62-15D5-F091D2982B62}"/>
+              </a:ext>
+            </a:extLst>
+          </p:cNvPr>
+          <p:cNvCxnSpPr/>
+          <p:nvPr/>
+        </p:nvCxnSpPr>
+        <p:spPr>
+          <a:xfrm>
+            <a:off x="9697779" y="5954268"/>
+            <a:ext cx="0" cy="194930"/>
+          </a:xfrm>
+          <a:prstGeom prst="line">
+            <a:avLst/>
+          </a:prstGeom>
+          <a:ln w="38100"/>
+        </p:spPr>
+        <p:style>
+          <a:lnRef idx="1">
+            <a:schemeClr val="accent1"/>
+          </a:lnRef>
+          <a:fillRef idx="0">
+            <a:schemeClr val="accent1"/>
+          </a:fillRef>
+          <a:effectRef idx="0">
+            <a:schemeClr val="accent1"/>
+          </a:effectRef>
+          <a:fontRef idx="minor">
+            <a:schemeClr val="tx1"/>
+          </a:fontRef>
+        </p:style>
+      </p:cxnSp>
+      <p:cxnSp>
+        <p:nvCxnSpPr>
+          <p:cNvPr id="70" name="直線接點 69">
+            <a:extLst>
+              <a:ext uri="{FF2B5EF4-FFF2-40B4-BE49-F238E27FC236}">
+                <a16:creationId xmlns:a16="http://schemas.microsoft.com/office/drawing/2014/main" id="{94681DE8-9D35-C8DC-5266-2CC648786133}"/>
+              </a:ext>
+            </a:extLst>
+          </p:cNvPr>
+          <p:cNvCxnSpPr/>
+          <p:nvPr/>
+        </p:nvCxnSpPr>
+        <p:spPr>
+          <a:xfrm>
+            <a:off x="10126625" y="5944948"/>
+            <a:ext cx="0" cy="194930"/>
+          </a:xfrm>
+          <a:prstGeom prst="line">
+            <a:avLst/>
+          </a:prstGeom>
+          <a:ln w="38100"/>
+        </p:spPr>
+        <p:style>
+          <a:lnRef idx="1">
+            <a:schemeClr val="accent1"/>
+          </a:lnRef>
+          <a:fillRef idx="0">
+            <a:schemeClr val="accent1"/>
+          </a:fillRef>
+          <a:effectRef idx="0">
+            <a:schemeClr val="accent1"/>
+          </a:effectRef>
+          <a:fontRef idx="minor">
+            <a:schemeClr val="tx1"/>
+          </a:fontRef>
+        </p:style>
+      </p:cxnSp>
+      <p:cxnSp>
+        <p:nvCxnSpPr>
+          <p:cNvPr id="71" name="直線接點 70">
+            <a:extLst>
+              <a:ext uri="{FF2B5EF4-FFF2-40B4-BE49-F238E27FC236}">
+                <a16:creationId xmlns:a16="http://schemas.microsoft.com/office/drawing/2014/main" id="{E5F1994E-09D2-49D6-2C9F-D0BC6FDA2B31}"/>
+              </a:ext>
+            </a:extLst>
+          </p:cNvPr>
+          <p:cNvCxnSpPr/>
+          <p:nvPr/>
+        </p:nvCxnSpPr>
+        <p:spPr>
+          <a:xfrm>
+            <a:off x="10534206" y="5959386"/>
+            <a:ext cx="0" cy="194930"/>
+          </a:xfrm>
+          <a:prstGeom prst="line">
+            <a:avLst/>
+          </a:prstGeom>
+          <a:ln w="38100"/>
+        </p:spPr>
+        <p:style>
+          <a:lnRef idx="1">
+            <a:schemeClr val="accent1"/>
+          </a:lnRef>
+          <a:fillRef idx="0">
+            <a:schemeClr val="accent1"/>
+          </a:fillRef>
+          <a:effectRef idx="0">
+            <a:schemeClr val="accent1"/>
+          </a:effectRef>
+          <a:fontRef idx="minor">
+            <a:schemeClr val="tx1"/>
+          </a:fontRef>
+        </p:style>
+      </p:cxnSp>
+      <p:sp>
+        <p:nvSpPr>
+          <p:cNvPr id="72" name="文字方塊 71">
+            <a:extLst>
+              <a:ext uri="{FF2B5EF4-FFF2-40B4-BE49-F238E27FC236}">
+                <a16:creationId xmlns:a16="http://schemas.microsoft.com/office/drawing/2014/main" id="{7E3DE2F1-F84A-D799-71C2-5AD1027126B8}"/>
+              </a:ext>
+            </a:extLst>
+          </p:cNvPr>
+          <p:cNvSpPr txBox="1"/>
+          <p:nvPr/>
+        </p:nvSpPr>
+        <p:spPr>
+          <a:xfrm>
+            <a:off x="-119448" y="4455453"/>
+            <a:ext cx="2054942" cy="369332"/>
+          </a:xfrm>
+          <a:prstGeom prst="rect">
+            <a:avLst/>
+          </a:prstGeom>
+          <a:noFill/>
+        </p:spPr>
+        <p:txBody>
+          <a:bodyPr wrap="square" rtlCol="0">
+            <a:spAutoFit/>
+          </a:bodyPr>
+          <a:lstStyle/>
+          <a:p>
+            <a:r>
+              <a:rPr lang="en-US" altLang="zh-TW" dirty="0"/>
+              <a:t>Sampling Timing</a:t>
+            </a:r>
+            <a:endParaRPr lang="zh-TW" altLang="en-US" dirty="0"/>
+          </a:p>
+        </p:txBody>
+      </p:sp>
+      <p:sp>
+        <p:nvSpPr>
+          <p:cNvPr id="73" name="橢圓 72">
+            <a:extLst>
+              <a:ext uri="{FF2B5EF4-FFF2-40B4-BE49-F238E27FC236}">
+                <a16:creationId xmlns:a16="http://schemas.microsoft.com/office/drawing/2014/main" id="{561B792F-1FD4-41D6-244F-E9ADC8EFA03C}"/>
+              </a:ext>
+            </a:extLst>
+          </p:cNvPr>
+          <p:cNvSpPr/>
+          <p:nvPr/>
+        </p:nvSpPr>
+        <p:spPr>
+          <a:xfrm>
+            <a:off x="741622" y="5854676"/>
+            <a:ext cx="111643" cy="260492"/>
+          </a:xfrm>
+          <a:prstGeom prst="ellipse">
+            <a:avLst/>
+          </a:prstGeom>
+          <a:solidFill>
+            <a:schemeClr val="accent3">
+              <a:lumMod val="20000"/>
+              <a:lumOff val="80000"/>
+            </a:schemeClr>
+          </a:solidFill>
+        </p:spPr>
+        <p:style>
+          <a:lnRef idx="2">
+            <a:schemeClr val="accent1">
+              <a:shade val="50000"/>
+            </a:schemeClr>
+          </a:lnRef>
+          <a:fillRef idx="1">
+            <a:schemeClr val="accent1"/>
+          </a:fillRef>
+          <a:effectRef idx="0">
+            <a:schemeClr val="accent1"/>
+          </a:effectRef>
+          <a:fontRef idx="minor">
+            <a:schemeClr val="lt1"/>
+          </a:fontRef>
+        </p:style>
+        <p:txBody>
+          <a:bodyPr rtlCol="0" anchor="ctr"/>
+          <a:lstStyle/>
+          <a:p>
+            <a:pPr algn="ctr"/>
+            <a:endParaRPr lang="zh-TW" altLang="en-US"/>
+          </a:p>
+        </p:txBody>
+      </p:sp>
+      <p:sp>
+        <p:nvSpPr>
+          <p:cNvPr id="74" name="橢圓 73">
+            <a:extLst>
+              <a:ext uri="{FF2B5EF4-FFF2-40B4-BE49-F238E27FC236}">
+                <a16:creationId xmlns:a16="http://schemas.microsoft.com/office/drawing/2014/main" id="{6F51BF6D-0149-34DA-5555-81A0F74E48EF}"/>
+              </a:ext>
+            </a:extLst>
+          </p:cNvPr>
+          <p:cNvSpPr/>
+          <p:nvPr/>
+        </p:nvSpPr>
+        <p:spPr>
+          <a:xfrm>
+            <a:off x="1129679" y="5879688"/>
+            <a:ext cx="111643" cy="260492"/>
+          </a:xfrm>
+          <a:prstGeom prst="ellipse">
+            <a:avLst/>
+          </a:prstGeom>
+        </p:spPr>
+        <p:style>
+          <a:lnRef idx="2">
+            <a:schemeClr val="accent1">
+              <a:shade val="50000"/>
+            </a:schemeClr>
+          </a:lnRef>
+          <a:fillRef idx="1">
+            <a:schemeClr val="accent1"/>
+          </a:fillRef>
+          <a:effectRef idx="0">
+            <a:schemeClr val="accent1"/>
+          </a:effectRef>
+          <a:fontRef idx="minor">
+            <a:schemeClr val="lt1"/>
+          </a:fontRef>
+        </p:style>
+        <p:txBody>
+          <a:bodyPr rtlCol="0" anchor="ctr"/>
+          <a:lstStyle/>
+          <a:p>
+            <a:pPr algn="ctr"/>
+            <a:endParaRPr lang="zh-TW" altLang="en-US"/>
+          </a:p>
+        </p:txBody>
+      </p:sp>
+      <p:sp>
+        <p:nvSpPr>
+          <p:cNvPr id="75" name="橢圓 74">
+            <a:extLst>
+              <a:ext uri="{FF2B5EF4-FFF2-40B4-BE49-F238E27FC236}">
+                <a16:creationId xmlns:a16="http://schemas.microsoft.com/office/drawing/2014/main" id="{899EB2B7-D371-64A2-7139-A1E3378A56F8}"/>
+              </a:ext>
+            </a:extLst>
+          </p:cNvPr>
+          <p:cNvSpPr/>
+          <p:nvPr/>
+        </p:nvSpPr>
+        <p:spPr>
+          <a:xfrm>
+            <a:off x="1517736" y="5876837"/>
+            <a:ext cx="111643" cy="260492"/>
+          </a:xfrm>
+          <a:prstGeom prst="ellipse">
+            <a:avLst/>
+          </a:prstGeom>
+        </p:spPr>
+        <p:style>
+          <a:lnRef idx="2">
+            <a:schemeClr val="accent1">
+              <a:shade val="50000"/>
+            </a:schemeClr>
+          </a:lnRef>
+          <a:fillRef idx="1">
+            <a:schemeClr val="accent1"/>
+          </a:fillRef>
+          <a:effectRef idx="0">
+            <a:schemeClr val="accent1"/>
+          </a:effectRef>
+          <a:fontRef idx="minor">
+            <a:schemeClr val="lt1"/>
+          </a:fontRef>
+        </p:style>
+        <p:txBody>
+          <a:bodyPr rtlCol="0" anchor="ctr"/>
+          <a:lstStyle/>
+          <a:p>
+            <a:pPr algn="ctr"/>
+            <a:endParaRPr lang="zh-TW" altLang="en-US"/>
+          </a:p>
+        </p:txBody>
+      </p:sp>
+      <p:sp>
+        <p:nvSpPr>
+          <p:cNvPr id="76" name="橢圓 75">
+            <a:extLst>
+              <a:ext uri="{FF2B5EF4-FFF2-40B4-BE49-F238E27FC236}">
+                <a16:creationId xmlns:a16="http://schemas.microsoft.com/office/drawing/2014/main" id="{C25D1120-4821-42BD-4BA4-6B292E1686A8}"/>
+              </a:ext>
+            </a:extLst>
+          </p:cNvPr>
+          <p:cNvSpPr/>
+          <p:nvPr/>
+        </p:nvSpPr>
+        <p:spPr>
+          <a:xfrm>
+            <a:off x="1935494" y="5878896"/>
+            <a:ext cx="111643" cy="260492"/>
+          </a:xfrm>
+          <a:prstGeom prst="ellipse">
+            <a:avLst/>
+          </a:prstGeom>
+          <a:solidFill>
+            <a:srgbClr val="FFFF00"/>
+          </a:solidFill>
+        </p:spPr>
+        <p:style>
+          <a:lnRef idx="2">
+            <a:schemeClr val="accent1">
+              <a:shade val="50000"/>
+            </a:schemeClr>
+          </a:lnRef>
+          <a:fillRef idx="1">
+            <a:schemeClr val="accent1"/>
+          </a:fillRef>
+          <a:effectRef idx="0">
+            <a:schemeClr val="accent1"/>
+          </a:effectRef>
+          <a:fontRef idx="minor">
+            <a:schemeClr val="lt1"/>
+          </a:fontRef>
+        </p:style>
+        <p:txBody>
+          <a:bodyPr rtlCol="0" anchor="ctr"/>
+          <a:lstStyle/>
+          <a:p>
+            <a:pPr algn="ctr"/>
+            <a:endParaRPr lang="zh-TW" altLang="en-US"/>
+          </a:p>
+        </p:txBody>
+      </p:sp>
+      <p:sp>
+        <p:nvSpPr>
+          <p:cNvPr id="78" name="橢圓 77">
+            <a:extLst>
+              <a:ext uri="{FF2B5EF4-FFF2-40B4-BE49-F238E27FC236}">
+                <a16:creationId xmlns:a16="http://schemas.microsoft.com/office/drawing/2014/main" id="{0E3C6DCE-FFC8-59E1-FECB-B82C7C762446}"/>
+              </a:ext>
+            </a:extLst>
+          </p:cNvPr>
+          <p:cNvSpPr/>
+          <p:nvPr/>
+        </p:nvSpPr>
+        <p:spPr>
+          <a:xfrm>
+            <a:off x="2364414" y="5876837"/>
+            <a:ext cx="111643" cy="260492"/>
+          </a:xfrm>
+          <a:prstGeom prst="ellipse">
+            <a:avLst/>
+          </a:prstGeom>
+        </p:spPr>
+        <p:style>
+          <a:lnRef idx="2">
+            <a:schemeClr val="accent1">
+              <a:shade val="50000"/>
+            </a:schemeClr>
+          </a:lnRef>
+          <a:fillRef idx="1">
+            <a:schemeClr val="accent1"/>
+          </a:fillRef>
+          <a:effectRef idx="0">
+            <a:schemeClr val="accent1"/>
+          </a:effectRef>
+          <a:fontRef idx="minor">
+            <a:schemeClr val="lt1"/>
+          </a:fontRef>
+        </p:style>
+        <p:txBody>
+          <a:bodyPr rtlCol="0" anchor="ctr"/>
+          <a:lstStyle/>
+          <a:p>
+            <a:pPr algn="ctr"/>
+            <a:endParaRPr lang="zh-TW" altLang="en-US"/>
+          </a:p>
+        </p:txBody>
+      </p:sp>
+      <p:sp>
+        <p:nvSpPr>
+          <p:cNvPr id="79" name="橢圓 78">
+            <a:extLst>
+              <a:ext uri="{FF2B5EF4-FFF2-40B4-BE49-F238E27FC236}">
+                <a16:creationId xmlns:a16="http://schemas.microsoft.com/office/drawing/2014/main" id="{A1C6832C-96B4-7F8B-D1C0-4C62C0A09CCC}"/>
+              </a:ext>
+            </a:extLst>
+          </p:cNvPr>
+          <p:cNvSpPr/>
+          <p:nvPr/>
+        </p:nvSpPr>
+        <p:spPr>
+          <a:xfrm>
+            <a:off x="2768008" y="5887057"/>
+            <a:ext cx="111643" cy="260492"/>
+          </a:xfrm>
+          <a:prstGeom prst="ellipse">
+            <a:avLst/>
+          </a:prstGeom>
+        </p:spPr>
+        <p:style>
+          <a:lnRef idx="2">
+            <a:schemeClr val="accent1">
+              <a:shade val="50000"/>
+            </a:schemeClr>
+          </a:lnRef>
+          <a:fillRef idx="1">
+            <a:schemeClr val="accent1"/>
+          </a:fillRef>
+          <a:effectRef idx="0">
+            <a:schemeClr val="accent1"/>
+          </a:effectRef>
+          <a:fontRef idx="minor">
+            <a:schemeClr val="lt1"/>
+          </a:fontRef>
+        </p:style>
+        <p:txBody>
+          <a:bodyPr rtlCol="0" anchor="ctr"/>
+          <a:lstStyle/>
+          <a:p>
+            <a:pPr algn="ctr"/>
+            <a:endParaRPr lang="zh-TW" altLang="en-US"/>
+          </a:p>
+        </p:txBody>
+      </p:sp>
+      <p:sp>
+        <p:nvSpPr>
+          <p:cNvPr id="80" name="橢圓 79">
+            <a:extLst>
+              <a:ext uri="{FF2B5EF4-FFF2-40B4-BE49-F238E27FC236}">
+                <a16:creationId xmlns:a16="http://schemas.microsoft.com/office/drawing/2014/main" id="{00020647-9046-DA23-2BE1-7FD9491512CB}"/>
+              </a:ext>
+            </a:extLst>
+          </p:cNvPr>
+          <p:cNvSpPr/>
+          <p:nvPr/>
+        </p:nvSpPr>
+        <p:spPr>
+          <a:xfrm>
+            <a:off x="3161413" y="5869409"/>
+            <a:ext cx="111643" cy="260492"/>
+          </a:xfrm>
+          <a:prstGeom prst="ellipse">
+            <a:avLst/>
+          </a:prstGeom>
+        </p:spPr>
+        <p:style>
+          <a:lnRef idx="2">
+            <a:schemeClr val="accent1">
+              <a:shade val="50000"/>
+            </a:schemeClr>
+          </a:lnRef>
+          <a:fillRef idx="1">
+            <a:schemeClr val="accent1"/>
+          </a:fillRef>
+          <a:effectRef idx="0">
+            <a:schemeClr val="accent1"/>
+          </a:effectRef>
+          <a:fontRef idx="minor">
+            <a:schemeClr val="lt1"/>
+          </a:fontRef>
+        </p:style>
+        <p:txBody>
+          <a:bodyPr rtlCol="0" anchor="ctr"/>
+          <a:lstStyle/>
+          <a:p>
+            <a:pPr algn="ctr"/>
+            <a:endParaRPr lang="zh-TW" altLang="en-US"/>
+          </a:p>
+        </p:txBody>
+      </p:sp>
+      <p:sp>
+        <p:nvSpPr>
+          <p:cNvPr id="81" name="橢圓 80">
+            <a:extLst>
+              <a:ext uri="{FF2B5EF4-FFF2-40B4-BE49-F238E27FC236}">
+                <a16:creationId xmlns:a16="http://schemas.microsoft.com/office/drawing/2014/main" id="{4A5F027C-6023-FF33-E3E9-39B0077D0052}"/>
+              </a:ext>
+            </a:extLst>
+          </p:cNvPr>
+          <p:cNvSpPr/>
+          <p:nvPr/>
+        </p:nvSpPr>
+        <p:spPr>
+          <a:xfrm>
+            <a:off x="3522031" y="5876837"/>
+            <a:ext cx="111643" cy="260492"/>
+          </a:xfrm>
+          <a:prstGeom prst="ellipse">
+            <a:avLst/>
+          </a:prstGeom>
+          <a:solidFill>
+            <a:srgbClr val="FFFF00"/>
+          </a:solidFill>
+        </p:spPr>
+        <p:style>
+          <a:lnRef idx="2">
+            <a:schemeClr val="accent1">
+              <a:shade val="50000"/>
+            </a:schemeClr>
+          </a:lnRef>
+          <a:fillRef idx="1">
+            <a:schemeClr val="accent1"/>
+          </a:fillRef>
+          <a:effectRef idx="0">
+            <a:schemeClr val="accent1"/>
+          </a:effectRef>
+          <a:fontRef idx="minor">
+            <a:schemeClr val="lt1"/>
+          </a:fontRef>
+        </p:style>
+        <p:txBody>
+          <a:bodyPr rtlCol="0" anchor="ctr"/>
+          <a:lstStyle/>
+          <a:p>
+            <a:pPr algn="ctr"/>
+            <a:endParaRPr lang="zh-TW" altLang="en-US"/>
+          </a:p>
+        </p:txBody>
+      </p:sp>
+      <p:sp>
+        <p:nvSpPr>
+          <p:cNvPr id="82" name="橢圓 81">
+            <a:extLst>
+              <a:ext uri="{FF2B5EF4-FFF2-40B4-BE49-F238E27FC236}">
+                <a16:creationId xmlns:a16="http://schemas.microsoft.com/office/drawing/2014/main" id="{0A66F8A7-D11D-4C84-ECDC-CEC4256E4A15}"/>
+              </a:ext>
+            </a:extLst>
+          </p:cNvPr>
+          <p:cNvSpPr/>
+          <p:nvPr/>
+        </p:nvSpPr>
+        <p:spPr>
+          <a:xfrm>
+            <a:off x="3988997" y="5861447"/>
+            <a:ext cx="111643" cy="260492"/>
+          </a:xfrm>
+          <a:prstGeom prst="ellipse">
+            <a:avLst/>
+          </a:prstGeom>
+          <a:solidFill>
+            <a:srgbClr val="FFFF00"/>
+          </a:solidFill>
+        </p:spPr>
+        <p:style>
+          <a:lnRef idx="2">
+            <a:schemeClr val="accent1">
+              <a:shade val="50000"/>
+            </a:schemeClr>
+          </a:lnRef>
+          <a:fillRef idx="1">
+            <a:schemeClr val="accent1"/>
+          </a:fillRef>
+          <a:effectRef idx="0">
+            <a:schemeClr val="accent1"/>
+          </a:effectRef>
+          <a:fontRef idx="minor">
+            <a:schemeClr val="lt1"/>
+          </a:fontRef>
+        </p:style>
+        <p:txBody>
+          <a:bodyPr rtlCol="0" anchor="ctr"/>
+          <a:lstStyle/>
+          <a:p>
+            <a:pPr algn="ctr"/>
+            <a:endParaRPr lang="zh-TW" altLang="en-US"/>
+          </a:p>
+        </p:txBody>
+      </p:sp>
+      <p:sp>
+        <p:nvSpPr>
+          <p:cNvPr id="83" name="橢圓 82">
+            <a:extLst>
+              <a:ext uri="{FF2B5EF4-FFF2-40B4-BE49-F238E27FC236}">
+                <a16:creationId xmlns:a16="http://schemas.microsoft.com/office/drawing/2014/main" id="{555E46C7-9986-A8B7-CF58-28E18A6C11C5}"/>
+              </a:ext>
+            </a:extLst>
+          </p:cNvPr>
+          <p:cNvSpPr/>
+          <p:nvPr/>
+        </p:nvSpPr>
+        <p:spPr>
+          <a:xfrm>
+            <a:off x="4416498" y="5885929"/>
+            <a:ext cx="111643" cy="260492"/>
+          </a:xfrm>
+          <a:prstGeom prst="ellipse">
+            <a:avLst/>
+          </a:prstGeom>
+          <a:solidFill>
+            <a:srgbClr val="FFFF00"/>
+          </a:solidFill>
+        </p:spPr>
+        <p:style>
+          <a:lnRef idx="2">
+            <a:schemeClr val="accent1">
+              <a:shade val="50000"/>
+            </a:schemeClr>
+          </a:lnRef>
+          <a:fillRef idx="1">
+            <a:schemeClr val="accent1"/>
+          </a:fillRef>
+          <a:effectRef idx="0">
+            <a:schemeClr val="accent1"/>
+          </a:effectRef>
+          <a:fontRef idx="minor">
+            <a:schemeClr val="lt1"/>
+          </a:fontRef>
+        </p:style>
+        <p:txBody>
+          <a:bodyPr rtlCol="0" anchor="ctr"/>
+          <a:lstStyle/>
+          <a:p>
+            <a:pPr algn="ctr"/>
+            <a:endParaRPr lang="zh-TW" altLang="en-US"/>
+          </a:p>
+        </p:txBody>
+      </p:sp>
+      <p:sp>
+        <p:nvSpPr>
+          <p:cNvPr id="84" name="橢圓 83">
+            <a:extLst>
+              <a:ext uri="{FF2B5EF4-FFF2-40B4-BE49-F238E27FC236}">
+                <a16:creationId xmlns:a16="http://schemas.microsoft.com/office/drawing/2014/main" id="{1978C457-EED9-AC21-6A0D-63B5C2039491}"/>
+              </a:ext>
+            </a:extLst>
+          </p:cNvPr>
+          <p:cNvSpPr/>
+          <p:nvPr/>
+        </p:nvSpPr>
+        <p:spPr>
+          <a:xfrm>
+            <a:off x="4794398" y="5870478"/>
+            <a:ext cx="111643" cy="260492"/>
+          </a:xfrm>
+          <a:prstGeom prst="ellipse">
+            <a:avLst/>
+          </a:prstGeom>
+          <a:solidFill>
+            <a:srgbClr val="FFFF00"/>
+          </a:solidFill>
+        </p:spPr>
+        <p:style>
+          <a:lnRef idx="2">
+            <a:schemeClr val="accent1">
+              <a:shade val="50000"/>
+            </a:schemeClr>
+          </a:lnRef>
+          <a:fillRef idx="1">
+            <a:schemeClr val="accent1"/>
+          </a:fillRef>
+          <a:effectRef idx="0">
+            <a:schemeClr val="accent1"/>
+          </a:effectRef>
+          <a:fontRef idx="minor">
+            <a:schemeClr val="lt1"/>
+          </a:fontRef>
+        </p:style>
+        <p:txBody>
+          <a:bodyPr rtlCol="0" anchor="ctr"/>
+          <a:lstStyle/>
+          <a:p>
+            <a:pPr algn="ctr"/>
+            <a:endParaRPr lang="zh-TW" altLang="en-US"/>
+          </a:p>
+        </p:txBody>
+      </p:sp>
+      <p:sp>
+        <p:nvSpPr>
+          <p:cNvPr id="86" name="橢圓 85">
+            <a:extLst>
+              <a:ext uri="{FF2B5EF4-FFF2-40B4-BE49-F238E27FC236}">
+                <a16:creationId xmlns:a16="http://schemas.microsoft.com/office/drawing/2014/main" id="{B5506666-902A-9590-8494-74DAF0D4A156}"/>
+              </a:ext>
+            </a:extLst>
+          </p:cNvPr>
+          <p:cNvSpPr/>
+          <p:nvPr/>
+        </p:nvSpPr>
+        <p:spPr>
+          <a:xfrm>
+            <a:off x="5199762" y="5868777"/>
+            <a:ext cx="111643" cy="260492"/>
+          </a:xfrm>
+          <a:prstGeom prst="ellipse">
+            <a:avLst/>
+          </a:prstGeom>
+        </p:spPr>
+        <p:style>
+          <a:lnRef idx="2">
+            <a:schemeClr val="accent1">
+              <a:shade val="50000"/>
+            </a:schemeClr>
+          </a:lnRef>
+          <a:fillRef idx="1">
+            <a:schemeClr val="accent1"/>
+          </a:fillRef>
+          <a:effectRef idx="0">
+            <a:schemeClr val="accent1"/>
+          </a:effectRef>
+          <a:fontRef idx="minor">
+            <a:schemeClr val="lt1"/>
+          </a:fontRef>
+        </p:style>
+        <p:txBody>
+          <a:bodyPr rtlCol="0" anchor="ctr"/>
+          <a:lstStyle/>
+          <a:p>
+            <a:pPr algn="ctr"/>
+            <a:endParaRPr lang="zh-TW" altLang="en-US"/>
+          </a:p>
+        </p:txBody>
+      </p:sp>
+      <p:sp>
+        <p:nvSpPr>
+          <p:cNvPr id="87" name="橢圓 86">
+            <a:extLst>
+              <a:ext uri="{FF2B5EF4-FFF2-40B4-BE49-F238E27FC236}">
+                <a16:creationId xmlns:a16="http://schemas.microsoft.com/office/drawing/2014/main" id="{6E957C0F-680D-EE95-7944-E530AB1A6CA8}"/>
+              </a:ext>
+            </a:extLst>
+          </p:cNvPr>
+          <p:cNvSpPr/>
+          <p:nvPr/>
+        </p:nvSpPr>
+        <p:spPr>
+          <a:xfrm>
+            <a:off x="5598484" y="5862965"/>
+            <a:ext cx="111643" cy="260492"/>
+          </a:xfrm>
+          <a:prstGeom prst="ellipse">
+            <a:avLst/>
+          </a:prstGeom>
+        </p:spPr>
+        <p:style>
+          <a:lnRef idx="2">
+            <a:schemeClr val="accent1">
+              <a:shade val="50000"/>
+            </a:schemeClr>
+          </a:lnRef>
+          <a:fillRef idx="1">
+            <a:schemeClr val="accent1"/>
+          </a:fillRef>
+          <a:effectRef idx="0">
+            <a:schemeClr val="accent1"/>
+          </a:effectRef>
+          <a:fontRef idx="minor">
+            <a:schemeClr val="lt1"/>
+          </a:fontRef>
+        </p:style>
+        <p:txBody>
+          <a:bodyPr rtlCol="0" anchor="ctr"/>
+          <a:lstStyle/>
+          <a:p>
+            <a:pPr algn="ctr"/>
+            <a:endParaRPr lang="zh-TW" altLang="en-US"/>
+          </a:p>
+        </p:txBody>
+      </p:sp>
+      <p:sp>
+        <p:nvSpPr>
+          <p:cNvPr id="89" name="橢圓 88">
+            <a:extLst>
+              <a:ext uri="{FF2B5EF4-FFF2-40B4-BE49-F238E27FC236}">
+                <a16:creationId xmlns:a16="http://schemas.microsoft.com/office/drawing/2014/main" id="{2E8DD5C3-33D7-7AFC-99FF-0792CD839406}"/>
+              </a:ext>
+            </a:extLst>
+          </p:cNvPr>
+          <p:cNvSpPr/>
+          <p:nvPr/>
+        </p:nvSpPr>
+        <p:spPr>
+          <a:xfrm>
+            <a:off x="5957460" y="5853345"/>
+            <a:ext cx="111643" cy="260492"/>
+          </a:xfrm>
+          <a:prstGeom prst="ellipse">
+            <a:avLst/>
+          </a:prstGeom>
+          <a:solidFill>
+            <a:srgbClr val="FFFF00"/>
+          </a:solidFill>
+        </p:spPr>
+        <p:style>
+          <a:lnRef idx="2">
+            <a:schemeClr val="accent1">
+              <a:shade val="50000"/>
+            </a:schemeClr>
+          </a:lnRef>
+          <a:fillRef idx="1">
+            <a:schemeClr val="accent1"/>
+          </a:fillRef>
+          <a:effectRef idx="0">
+            <a:schemeClr val="accent1"/>
+          </a:effectRef>
+          <a:fontRef idx="minor">
+            <a:schemeClr val="lt1"/>
+          </a:fontRef>
+        </p:style>
+        <p:txBody>
+          <a:bodyPr rtlCol="0" anchor="ctr"/>
+          <a:lstStyle/>
+          <a:p>
+            <a:pPr algn="ctr"/>
+            <a:endParaRPr lang="zh-TW" altLang="en-US"/>
+          </a:p>
+        </p:txBody>
+      </p:sp>
+      <p:sp>
+        <p:nvSpPr>
+          <p:cNvPr id="90" name="橢圓 89">
+            <a:extLst>
+              <a:ext uri="{FF2B5EF4-FFF2-40B4-BE49-F238E27FC236}">
+                <a16:creationId xmlns:a16="http://schemas.microsoft.com/office/drawing/2014/main" id="{6999BC87-4F18-D63C-A610-ABD05A80AE83}"/>
+              </a:ext>
+            </a:extLst>
+          </p:cNvPr>
+          <p:cNvSpPr/>
+          <p:nvPr/>
+        </p:nvSpPr>
+        <p:spPr>
+          <a:xfrm>
+            <a:off x="6403885" y="5877220"/>
+            <a:ext cx="111643" cy="260492"/>
+          </a:xfrm>
+          <a:prstGeom prst="ellipse">
+            <a:avLst/>
+          </a:prstGeom>
+          <a:solidFill>
+            <a:srgbClr val="FFFF00"/>
+          </a:solidFill>
+        </p:spPr>
+        <p:style>
+          <a:lnRef idx="2">
+            <a:schemeClr val="accent1">
+              <a:shade val="50000"/>
+            </a:schemeClr>
+          </a:lnRef>
+          <a:fillRef idx="1">
+            <a:schemeClr val="accent1"/>
+          </a:fillRef>
+          <a:effectRef idx="0">
+            <a:schemeClr val="accent1"/>
+          </a:effectRef>
+          <a:fontRef idx="minor">
+            <a:schemeClr val="lt1"/>
+          </a:fontRef>
+        </p:style>
+        <p:txBody>
+          <a:bodyPr rtlCol="0" anchor="ctr"/>
+          <a:lstStyle/>
+          <a:p>
+            <a:pPr algn="ctr"/>
+            <a:endParaRPr lang="zh-TW" altLang="en-US"/>
+          </a:p>
+        </p:txBody>
+      </p:sp>
+      <p:sp>
+        <p:nvSpPr>
+          <p:cNvPr id="91" name="橢圓 90">
+            <a:extLst>
+              <a:ext uri="{FF2B5EF4-FFF2-40B4-BE49-F238E27FC236}">
+                <a16:creationId xmlns:a16="http://schemas.microsoft.com/office/drawing/2014/main" id="{CA65AA6E-ADB0-036B-C4F3-42F1748A1A6D}"/>
+              </a:ext>
+            </a:extLst>
+          </p:cNvPr>
+          <p:cNvSpPr/>
+          <p:nvPr/>
+        </p:nvSpPr>
+        <p:spPr>
+          <a:xfrm>
+            <a:off x="6774677" y="5853345"/>
+            <a:ext cx="111643" cy="260492"/>
+          </a:xfrm>
+          <a:prstGeom prst="ellipse">
+            <a:avLst/>
+          </a:prstGeom>
+          <a:solidFill>
+            <a:srgbClr val="FFFF00"/>
+          </a:solidFill>
+        </p:spPr>
+        <p:style>
+          <a:lnRef idx="2">
+            <a:schemeClr val="accent1">
+              <a:shade val="50000"/>
+            </a:schemeClr>
+          </a:lnRef>
+          <a:fillRef idx="1">
+            <a:schemeClr val="accent1"/>
+          </a:fillRef>
+          <a:effectRef idx="0">
+            <a:schemeClr val="accent1"/>
+          </a:effectRef>
+          <a:fontRef idx="minor">
+            <a:schemeClr val="lt1"/>
+          </a:fontRef>
+        </p:style>
+        <p:txBody>
+          <a:bodyPr rtlCol="0" anchor="ctr"/>
+          <a:lstStyle/>
+          <a:p>
+            <a:pPr algn="ctr"/>
+            <a:endParaRPr lang="zh-TW" altLang="en-US"/>
+          </a:p>
+        </p:txBody>
+      </p:sp>
+      <p:sp>
+        <p:nvSpPr>
+          <p:cNvPr id="92" name="橢圓 91">
+            <a:extLst>
+              <a:ext uri="{FF2B5EF4-FFF2-40B4-BE49-F238E27FC236}">
+                <a16:creationId xmlns:a16="http://schemas.microsoft.com/office/drawing/2014/main" id="{3BE11FB8-F222-8CEE-FBCD-B021F083F3FD}"/>
+              </a:ext>
+            </a:extLst>
+          </p:cNvPr>
+          <p:cNvSpPr/>
+          <p:nvPr/>
+        </p:nvSpPr>
+        <p:spPr>
+          <a:xfrm>
+            <a:off x="7201787" y="5868099"/>
+            <a:ext cx="111643" cy="260492"/>
+          </a:xfrm>
+          <a:prstGeom prst="ellipse">
+            <a:avLst/>
+          </a:prstGeom>
+          <a:solidFill>
+            <a:srgbClr val="FFFF00"/>
+          </a:solidFill>
+        </p:spPr>
+        <p:style>
+          <a:lnRef idx="2">
+            <a:schemeClr val="accent1">
+              <a:shade val="50000"/>
+            </a:schemeClr>
+          </a:lnRef>
+          <a:fillRef idx="1">
+            <a:schemeClr val="accent1"/>
+          </a:fillRef>
+          <a:effectRef idx="0">
+            <a:schemeClr val="accent1"/>
+          </a:effectRef>
+          <a:fontRef idx="minor">
+            <a:schemeClr val="lt1"/>
+          </a:fontRef>
+        </p:style>
+        <p:txBody>
+          <a:bodyPr rtlCol="0" anchor="ctr"/>
+          <a:lstStyle/>
+          <a:p>
+            <a:pPr algn="ctr"/>
+            <a:endParaRPr lang="zh-TW" altLang="en-US"/>
+          </a:p>
+        </p:txBody>
+      </p:sp>
+      <p:sp>
+        <p:nvSpPr>
+          <p:cNvPr id="94" name="橢圓 93">
+            <a:extLst>
+              <a:ext uri="{FF2B5EF4-FFF2-40B4-BE49-F238E27FC236}">
+                <a16:creationId xmlns:a16="http://schemas.microsoft.com/office/drawing/2014/main" id="{0DA3DE5C-AE95-9015-E4FF-EB2E49E8A429}"/>
+              </a:ext>
+            </a:extLst>
+          </p:cNvPr>
+          <p:cNvSpPr/>
+          <p:nvPr/>
+        </p:nvSpPr>
+        <p:spPr>
+          <a:xfrm>
+            <a:off x="7640344" y="5860280"/>
+            <a:ext cx="111643" cy="260492"/>
+          </a:xfrm>
+          <a:prstGeom prst="ellipse">
+            <a:avLst/>
+          </a:prstGeom>
+        </p:spPr>
+        <p:style>
+          <a:lnRef idx="2">
+            <a:schemeClr val="accent1">
+              <a:shade val="50000"/>
+            </a:schemeClr>
+          </a:lnRef>
+          <a:fillRef idx="1">
+            <a:schemeClr val="accent1"/>
+          </a:fillRef>
+          <a:effectRef idx="0">
+            <a:schemeClr val="accent1"/>
+          </a:effectRef>
+          <a:fontRef idx="minor">
+            <a:schemeClr val="lt1"/>
+          </a:fontRef>
+        </p:style>
+        <p:txBody>
+          <a:bodyPr rtlCol="0" anchor="ctr"/>
+          <a:lstStyle/>
+          <a:p>
+            <a:pPr algn="ctr"/>
+            <a:endParaRPr lang="zh-TW" altLang="en-US"/>
+          </a:p>
+        </p:txBody>
+      </p:sp>
+      <p:sp>
+        <p:nvSpPr>
+          <p:cNvPr id="95" name="橢圓 94">
+            <a:extLst>
+              <a:ext uri="{FF2B5EF4-FFF2-40B4-BE49-F238E27FC236}">
+                <a16:creationId xmlns:a16="http://schemas.microsoft.com/office/drawing/2014/main" id="{E2484E51-F3F2-18CB-8D2F-84035C27D9F9}"/>
+              </a:ext>
+            </a:extLst>
+          </p:cNvPr>
+          <p:cNvSpPr/>
+          <p:nvPr/>
+        </p:nvSpPr>
+        <p:spPr>
+          <a:xfrm>
+            <a:off x="7979634" y="5853345"/>
+            <a:ext cx="111643" cy="260492"/>
+          </a:xfrm>
+          <a:prstGeom prst="ellipse">
+            <a:avLst/>
+          </a:prstGeom>
+        </p:spPr>
+        <p:style>
+          <a:lnRef idx="2">
+            <a:schemeClr val="accent1">
+              <a:shade val="50000"/>
+            </a:schemeClr>
+          </a:lnRef>
+          <a:fillRef idx="1">
+            <a:schemeClr val="accent1"/>
+          </a:fillRef>
+          <a:effectRef idx="0">
+            <a:schemeClr val="accent1"/>
+          </a:effectRef>
+          <a:fontRef idx="minor">
+            <a:schemeClr val="lt1"/>
+          </a:fontRef>
+        </p:style>
+        <p:txBody>
+          <a:bodyPr rtlCol="0" anchor="ctr"/>
+          <a:lstStyle/>
+          <a:p>
+            <a:pPr algn="ctr"/>
+            <a:endParaRPr lang="zh-TW" altLang="en-US"/>
+          </a:p>
+        </p:txBody>
+      </p:sp>
+      <p:cxnSp>
+        <p:nvCxnSpPr>
+          <p:cNvPr id="97" name="直線單箭頭接點 96">
+            <a:extLst>
+              <a:ext uri="{FF2B5EF4-FFF2-40B4-BE49-F238E27FC236}">
+                <a16:creationId xmlns:a16="http://schemas.microsoft.com/office/drawing/2014/main" id="{B47D1895-E289-8ED6-2787-39967C440579}"/>
+              </a:ext>
+            </a:extLst>
+          </p:cNvPr>
+          <p:cNvCxnSpPr/>
+          <p:nvPr/>
+        </p:nvCxnSpPr>
+        <p:spPr>
+          <a:xfrm flipH="1">
+            <a:off x="5396922" y="2035306"/>
+            <a:ext cx="403123" cy="358184"/>
+          </a:xfrm>
+          <a:prstGeom prst="straightConnector1">
+            <a:avLst/>
+          </a:prstGeom>
+          <a:ln w="38100">
+            <a:solidFill>
+              <a:srgbClr val="002060"/>
+            </a:solidFill>
+            <a:tailEnd type="triangle"/>
+          </a:ln>
+        </p:spPr>
+        <p:style>
+          <a:lnRef idx="1">
+            <a:schemeClr val="accent1"/>
+          </a:lnRef>
+          <a:fillRef idx="0">
+            <a:schemeClr val="accent1"/>
+          </a:fillRef>
+          <a:effectRef idx="0">
+            <a:schemeClr val="accent1"/>
+          </a:effectRef>
+          <a:fontRef idx="minor">
+            <a:schemeClr val="tx1"/>
+          </a:fontRef>
+        </p:style>
+      </p:cxnSp>
+      <p:cxnSp>
+        <p:nvCxnSpPr>
+          <p:cNvPr id="99" name="直線單箭頭接點 98">
+            <a:extLst>
+              <a:ext uri="{FF2B5EF4-FFF2-40B4-BE49-F238E27FC236}">
+                <a16:creationId xmlns:a16="http://schemas.microsoft.com/office/drawing/2014/main" id="{8EEDEE41-A126-4917-F3EF-545A278A8AC7}"/>
+              </a:ext>
+            </a:extLst>
+          </p:cNvPr>
+          <p:cNvCxnSpPr/>
+          <p:nvPr/>
+        </p:nvCxnSpPr>
+        <p:spPr>
+          <a:xfrm flipH="1">
+            <a:off x="3712035" y="3470064"/>
+            <a:ext cx="403123" cy="358184"/>
+          </a:xfrm>
+          <a:prstGeom prst="straightConnector1">
+            <a:avLst/>
+          </a:prstGeom>
+          <a:ln w="38100">
+            <a:solidFill>
+              <a:srgbClr val="002060"/>
+            </a:solidFill>
+            <a:tailEnd type="triangle"/>
+          </a:ln>
+        </p:spPr>
+        <p:style>
+          <a:lnRef idx="1">
+            <a:schemeClr val="accent1"/>
+          </a:lnRef>
+          <a:fillRef idx="0">
+            <a:schemeClr val="accent1"/>
+          </a:fillRef>
+          <a:effectRef idx="0">
+            <a:schemeClr val="accent1"/>
+          </a:effectRef>
+          <a:fontRef idx="minor">
+            <a:schemeClr val="tx1"/>
+          </a:fontRef>
+        </p:style>
+      </p:cxnSp>
+      <p:sp>
+        <p:nvSpPr>
+          <p:cNvPr id="100" name="橢圓 99">
+            <a:extLst>
+              <a:ext uri="{FF2B5EF4-FFF2-40B4-BE49-F238E27FC236}">
+                <a16:creationId xmlns:a16="http://schemas.microsoft.com/office/drawing/2014/main" id="{C4471045-BE8A-A03C-F35D-509FBFAB5BF2}"/>
+              </a:ext>
+            </a:extLst>
+          </p:cNvPr>
+          <p:cNvSpPr/>
+          <p:nvPr/>
+        </p:nvSpPr>
+        <p:spPr>
+          <a:xfrm>
+            <a:off x="8445795" y="5846183"/>
+            <a:ext cx="111643" cy="260492"/>
+          </a:xfrm>
+          <a:prstGeom prst="ellipse">
+            <a:avLst/>
+          </a:prstGeom>
+        </p:spPr>
+        <p:style>
+          <a:lnRef idx="2">
+            <a:schemeClr val="accent1">
+              <a:shade val="50000"/>
+            </a:schemeClr>
+          </a:lnRef>
+          <a:fillRef idx="1">
+            <a:schemeClr val="accent1"/>
+          </a:fillRef>
+          <a:effectRef idx="0">
+            <a:schemeClr val="accent1"/>
+          </a:effectRef>
+          <a:fontRef idx="minor">
+            <a:schemeClr val="lt1"/>
+          </a:fontRef>
+        </p:style>
+        <p:txBody>
+          <a:bodyPr rtlCol="0" anchor="ctr"/>
+          <a:lstStyle/>
+          <a:p>
+            <a:pPr algn="ctr"/>
+            <a:endParaRPr lang="zh-TW" altLang="en-US"/>
+          </a:p>
+        </p:txBody>
+      </p:sp>
+      <p:sp>
+        <p:nvSpPr>
+          <p:cNvPr id="101" name="橢圓 100">
+            <a:extLst>
+              <a:ext uri="{FF2B5EF4-FFF2-40B4-BE49-F238E27FC236}">
+                <a16:creationId xmlns:a16="http://schemas.microsoft.com/office/drawing/2014/main" id="{EA301159-DDA3-1EE8-961D-CD9E98970F3E}"/>
+              </a:ext>
+            </a:extLst>
+          </p:cNvPr>
+          <p:cNvSpPr/>
+          <p:nvPr/>
+        </p:nvSpPr>
+        <p:spPr>
+          <a:xfrm>
+            <a:off x="8849246" y="5874561"/>
+            <a:ext cx="111643" cy="260492"/>
+          </a:xfrm>
+          <a:prstGeom prst="ellipse">
+            <a:avLst/>
+          </a:prstGeom>
+          <a:solidFill>
+            <a:srgbClr val="FFFF00"/>
+          </a:solidFill>
+        </p:spPr>
+        <p:style>
+          <a:lnRef idx="2">
+            <a:schemeClr val="accent1">
+              <a:shade val="50000"/>
+            </a:schemeClr>
+          </a:lnRef>
+          <a:fillRef idx="1">
+            <a:schemeClr val="accent1"/>
+          </a:fillRef>
+          <a:effectRef idx="0">
+            <a:schemeClr val="accent1"/>
+          </a:effectRef>
+          <a:fontRef idx="minor">
+            <a:schemeClr val="lt1"/>
+          </a:fontRef>
+        </p:style>
+        <p:txBody>
+          <a:bodyPr rtlCol="0" anchor="ctr"/>
+          <a:lstStyle/>
+          <a:p>
+            <a:pPr algn="ctr"/>
+            <a:endParaRPr lang="zh-TW" altLang="en-US"/>
+          </a:p>
+        </p:txBody>
+      </p:sp>
+      <p:sp>
+        <p:nvSpPr>
+          <p:cNvPr id="102" name="橢圓 101">
+            <a:extLst>
+              <a:ext uri="{FF2B5EF4-FFF2-40B4-BE49-F238E27FC236}">
+                <a16:creationId xmlns:a16="http://schemas.microsoft.com/office/drawing/2014/main" id="{EE0BA736-5DF2-089B-7EDC-A29B317B2F51}"/>
+              </a:ext>
+            </a:extLst>
+          </p:cNvPr>
+          <p:cNvSpPr/>
+          <p:nvPr/>
+        </p:nvSpPr>
+        <p:spPr>
+          <a:xfrm>
+            <a:off x="9228173" y="5868099"/>
+            <a:ext cx="111643" cy="260492"/>
+          </a:xfrm>
+          <a:prstGeom prst="ellipse">
+            <a:avLst/>
+          </a:prstGeom>
+          <a:solidFill>
+            <a:srgbClr val="FFFF00"/>
+          </a:solidFill>
+        </p:spPr>
+        <p:style>
+          <a:lnRef idx="2">
+            <a:schemeClr val="accent1">
+              <a:shade val="50000"/>
+            </a:schemeClr>
+          </a:lnRef>
+          <a:fillRef idx="1">
+            <a:schemeClr val="accent1"/>
+          </a:fillRef>
+          <a:effectRef idx="0">
+            <a:schemeClr val="accent1"/>
+          </a:effectRef>
+          <a:fontRef idx="minor">
+            <a:schemeClr val="lt1"/>
+          </a:fontRef>
+        </p:style>
+        <p:txBody>
+          <a:bodyPr rtlCol="0" anchor="ctr"/>
+          <a:lstStyle/>
+          <a:p>
+            <a:pPr algn="ctr"/>
+            <a:endParaRPr lang="zh-TW" altLang="en-US"/>
+          </a:p>
+        </p:txBody>
+      </p:sp>
+      <p:sp>
+        <p:nvSpPr>
+          <p:cNvPr id="103" name="橢圓 102">
+            <a:extLst>
+              <a:ext uri="{FF2B5EF4-FFF2-40B4-BE49-F238E27FC236}">
+                <a16:creationId xmlns:a16="http://schemas.microsoft.com/office/drawing/2014/main" id="{BBAAFF60-42C5-DE98-0267-FF0F8E87F9E2}"/>
+              </a:ext>
+            </a:extLst>
+          </p:cNvPr>
+          <p:cNvSpPr/>
+          <p:nvPr/>
+        </p:nvSpPr>
+        <p:spPr>
+          <a:xfrm>
+            <a:off x="9656216" y="5881497"/>
+            <a:ext cx="111643" cy="260492"/>
+          </a:xfrm>
+          <a:prstGeom prst="ellipse">
+            <a:avLst/>
+          </a:prstGeom>
+          <a:solidFill>
+            <a:srgbClr val="FFFF00"/>
+          </a:solidFill>
+        </p:spPr>
+        <p:style>
+          <a:lnRef idx="2">
+            <a:schemeClr val="accent1">
+              <a:shade val="50000"/>
+            </a:schemeClr>
+          </a:lnRef>
+          <a:fillRef idx="1">
+            <a:schemeClr val="accent1"/>
+          </a:fillRef>
+          <a:effectRef idx="0">
+            <a:schemeClr val="accent1"/>
+          </a:effectRef>
+          <a:fontRef idx="minor">
+            <a:schemeClr val="lt1"/>
+          </a:fontRef>
+        </p:style>
+        <p:txBody>
+          <a:bodyPr rtlCol="0" anchor="ctr"/>
+          <a:lstStyle/>
+          <a:p>
+            <a:pPr algn="ctr"/>
+            <a:endParaRPr lang="zh-TW" altLang="en-US"/>
+          </a:p>
+        </p:txBody>
+      </p:sp>
+      <p:sp>
+        <p:nvSpPr>
+          <p:cNvPr id="104" name="橢圓 103">
+            <a:extLst>
+              <a:ext uri="{FF2B5EF4-FFF2-40B4-BE49-F238E27FC236}">
+                <a16:creationId xmlns:a16="http://schemas.microsoft.com/office/drawing/2014/main" id="{E7E029FA-DE0E-336D-99BE-D7B082E69C65}"/>
+              </a:ext>
+            </a:extLst>
+          </p:cNvPr>
+          <p:cNvSpPr/>
+          <p:nvPr/>
+        </p:nvSpPr>
+        <p:spPr>
+          <a:xfrm>
+            <a:off x="10050341" y="5867878"/>
+            <a:ext cx="111643" cy="260492"/>
+          </a:xfrm>
+          <a:prstGeom prst="ellipse">
+            <a:avLst/>
+          </a:prstGeom>
+        </p:spPr>
+        <p:style>
+          <a:lnRef idx="2">
+            <a:schemeClr val="accent1">
+              <a:shade val="50000"/>
+            </a:schemeClr>
+          </a:lnRef>
+          <a:fillRef idx="1">
+            <a:schemeClr val="accent1"/>
+          </a:fillRef>
+          <a:effectRef idx="0">
+            <a:schemeClr val="accent1"/>
+          </a:effectRef>
+          <a:fontRef idx="minor">
+            <a:schemeClr val="lt1"/>
+          </a:fontRef>
+        </p:style>
+        <p:txBody>
+          <a:bodyPr rtlCol="0" anchor="ctr"/>
+          <a:lstStyle/>
+          <a:p>
+            <a:pPr algn="ctr"/>
+            <a:endParaRPr lang="zh-TW" altLang="en-US"/>
+          </a:p>
+        </p:txBody>
+      </p:sp>
+      <p:sp>
+        <p:nvSpPr>
+          <p:cNvPr id="105" name="橢圓 104">
+            <a:extLst>
+              <a:ext uri="{FF2B5EF4-FFF2-40B4-BE49-F238E27FC236}">
+                <a16:creationId xmlns:a16="http://schemas.microsoft.com/office/drawing/2014/main" id="{872DA3DB-648F-DBB2-09A8-E2DB5FA4426E}"/>
+              </a:ext>
+            </a:extLst>
+          </p:cNvPr>
+          <p:cNvSpPr/>
+          <p:nvPr/>
+        </p:nvSpPr>
+        <p:spPr>
+          <a:xfrm>
+            <a:off x="10478384" y="5836806"/>
+            <a:ext cx="111643" cy="260492"/>
+          </a:xfrm>
+          <a:prstGeom prst="ellipse">
+            <a:avLst/>
+          </a:prstGeom>
+          <a:solidFill>
+            <a:srgbClr val="FFFF00"/>
+          </a:solidFill>
+        </p:spPr>
+        <p:style>
+          <a:lnRef idx="2">
+            <a:schemeClr val="accent1">
+              <a:shade val="50000"/>
+            </a:schemeClr>
+          </a:lnRef>
+          <a:fillRef idx="1">
+            <a:schemeClr val="accent1"/>
+          </a:fillRef>
+          <a:effectRef idx="0">
+            <a:schemeClr val="accent1"/>
+          </a:effectRef>
+          <a:fontRef idx="minor">
+            <a:schemeClr val="lt1"/>
+          </a:fontRef>
+        </p:style>
+        <p:txBody>
+          <a:bodyPr rtlCol="0" anchor="ctr"/>
+          <a:lstStyle/>
+          <a:p>
+            <a:pPr algn="ctr"/>
+            <a:endParaRPr lang="zh-TW" altLang="en-US"/>
+          </a:p>
+        </p:txBody>
+      </p:sp>
+      <p:sp>
+        <p:nvSpPr>
+          <p:cNvPr id="106" name="文字方塊 105">
+            <a:extLst>
+              <a:ext uri="{FF2B5EF4-FFF2-40B4-BE49-F238E27FC236}">
+                <a16:creationId xmlns:a16="http://schemas.microsoft.com/office/drawing/2014/main" id="{53B946A0-782C-FEE4-0BC1-CC5D67972F0C}"/>
+              </a:ext>
+            </a:extLst>
+          </p:cNvPr>
+          <p:cNvSpPr txBox="1"/>
+          <p:nvPr/>
+        </p:nvSpPr>
+        <p:spPr>
+          <a:xfrm>
+            <a:off x="10697497" y="1915165"/>
+            <a:ext cx="1494503" cy="369332"/>
+          </a:xfrm>
+          <a:prstGeom prst="rect">
+            <a:avLst/>
+          </a:prstGeom>
+          <a:noFill/>
+        </p:spPr>
+        <p:txBody>
+          <a:bodyPr wrap="square" rtlCol="0">
+            <a:spAutoFit/>
+          </a:bodyPr>
+          <a:lstStyle/>
+          <a:p>
+            <a:r>
+              <a:rPr lang="zh-TW" altLang="en-US" dirty="0"/>
+              <a:t>顏色代表值</a:t>
+            </a:r>
+          </a:p>
+        </p:txBody>
+      </p:sp>
+      <p:sp>
+        <p:nvSpPr>
+          <p:cNvPr id="107" name="矩形 106">
+            <a:extLst>
+              <a:ext uri="{FF2B5EF4-FFF2-40B4-BE49-F238E27FC236}">
+                <a16:creationId xmlns:a16="http://schemas.microsoft.com/office/drawing/2014/main" id="{B1F3CAB7-181A-301D-129E-02D80D784630}"/>
+              </a:ext>
+            </a:extLst>
+          </p:cNvPr>
+          <p:cNvSpPr/>
+          <p:nvPr/>
+        </p:nvSpPr>
+        <p:spPr>
+          <a:xfrm>
+            <a:off x="2282881" y="5562758"/>
+            <a:ext cx="1147556" cy="807061"/>
+          </a:xfrm>
+          <a:prstGeom prst="rect">
+            <a:avLst/>
+          </a:prstGeom>
+          <a:noFill/>
+          <a:ln>
+            <a:solidFill>
+              <a:srgbClr val="FF0000"/>
+            </a:solidFill>
+            <a:prstDash val="sysDash"/>
+          </a:ln>
+        </p:spPr>
+        <p:style>
+          <a:lnRef idx="2">
+            <a:schemeClr val="accent1">
+              <a:shade val="50000"/>
+            </a:schemeClr>
+          </a:lnRef>
+          <a:fillRef idx="1">
+            <a:schemeClr val="accent1"/>
+          </a:fillRef>
+          <a:effectRef idx="0">
+            <a:schemeClr val="accent1"/>
+          </a:effectRef>
+          <a:fontRef idx="minor">
+            <a:schemeClr val="lt1"/>
+          </a:fontRef>
+        </p:style>
+        <p:txBody>
+          <a:bodyPr rtlCol="0" anchor="ctr"/>
+          <a:lstStyle/>
+          <a:p>
+            <a:pPr algn="ctr"/>
+            <a:endParaRPr lang="zh-TW" altLang="en-US"/>
+          </a:p>
+        </p:txBody>
+      </p:sp>
+      <p:cxnSp>
+        <p:nvCxnSpPr>
+          <p:cNvPr id="110" name="直線單箭頭接點 109">
+            <a:extLst>
+              <a:ext uri="{FF2B5EF4-FFF2-40B4-BE49-F238E27FC236}">
+                <a16:creationId xmlns:a16="http://schemas.microsoft.com/office/drawing/2014/main" id="{949CEA8E-5969-C101-8175-83316F42AD58}"/>
+              </a:ext>
+            </a:extLst>
+          </p:cNvPr>
+          <p:cNvCxnSpPr>
+            <a:cxnSpLocks/>
+          </p:cNvCxnSpPr>
+          <p:nvPr/>
+        </p:nvCxnSpPr>
+        <p:spPr>
+          <a:xfrm>
+            <a:off x="2481657" y="1915165"/>
+            <a:ext cx="0" cy="478325"/>
+          </a:xfrm>
+          <a:prstGeom prst="straightConnector1">
+            <a:avLst/>
+          </a:prstGeom>
+          <a:ln w="38100">
+            <a:solidFill>
+              <a:srgbClr val="002060"/>
+            </a:solidFill>
+            <a:tailEnd type="triangle"/>
+          </a:ln>
+        </p:spPr>
+        <p:style>
+          <a:lnRef idx="1">
+            <a:schemeClr val="accent1"/>
+          </a:lnRef>
+          <a:fillRef idx="0">
+            <a:schemeClr val="accent1"/>
+          </a:fillRef>
+          <a:effectRef idx="0">
+            <a:schemeClr val="accent1"/>
+          </a:effectRef>
+          <a:fontRef idx="minor">
+            <a:schemeClr val="tx1"/>
+          </a:fontRef>
+        </p:style>
+      </p:cxnSp>
+      <p:sp>
+        <p:nvSpPr>
+          <p:cNvPr id="114" name="文字方塊 113">
+            <a:extLst>
+              <a:ext uri="{FF2B5EF4-FFF2-40B4-BE49-F238E27FC236}">
+                <a16:creationId xmlns:a16="http://schemas.microsoft.com/office/drawing/2014/main" id="{41606BF3-3514-2010-4EB5-9737A335C487}"/>
+              </a:ext>
+            </a:extLst>
+          </p:cNvPr>
+          <p:cNvSpPr txBox="1"/>
+          <p:nvPr/>
+        </p:nvSpPr>
+        <p:spPr>
+          <a:xfrm>
+            <a:off x="2006941" y="1210991"/>
+            <a:ext cx="1699436" cy="646331"/>
+          </a:xfrm>
+          <a:prstGeom prst="rect">
+            <a:avLst/>
+          </a:prstGeom>
+          <a:noFill/>
+        </p:spPr>
+        <p:txBody>
+          <a:bodyPr wrap="square" rtlCol="0">
+            <a:spAutoFit/>
+          </a:bodyPr>
+          <a:lstStyle/>
+          <a:p>
+            <a:r>
+              <a:rPr lang="en-US" altLang="zh-TW" dirty="0"/>
+              <a:t>Last Sample </a:t>
+            </a:r>
+            <a:r>
+              <a:rPr lang="en-US" altLang="zh-TW" dirty="0" err="1"/>
+              <a:t>Positon</a:t>
+            </a:r>
+            <a:endParaRPr lang="zh-TW" altLang="en-US" dirty="0"/>
           </a:p>
         </p:txBody>
       </p:sp>
@@ -28070,7 +31214,7 @@
             <a:pPr algn="ctr"/>
             <a:r>
               <a:rPr lang="zh-TW" altLang="en-US" dirty="0"/>
-              <a:t>解決過最難得</a:t>
+              <a:t>解決過最難</a:t>
             </a:r>
             <a:r>
               <a:rPr lang="en-US" altLang="zh-TW" dirty="0"/>

--- a/Project_Summary_pdf/Project_Summary.pptx
+++ b/Project_Summary_pdf/Project_Summary.pptx
@@ -440,7 +440,7 @@
           <a:p>
             <a:fld id="{C65320F2-F42B-45F1-AA86-96F1A2E46749}" type="datetimeFigureOut">
               <a:rPr lang="zh-TW" altLang="en-US" smtClean="0"/>
-              <a:t>2023/2/9</a:t>
+              <a:t>2023/2/10</a:t>
             </a:fld>
             <a:endParaRPr lang="zh-TW" altLang="en-US"/>
           </a:p>
@@ -4672,7 +4672,7 @@
           <a:p>
             <a:fld id="{8A9F4CB5-1750-4E23-A13C-2C1F028F9724}" type="datetimeFigureOut">
               <a:rPr lang="zh-TW" altLang="en-US" smtClean="0"/>
-              <a:t>2023/2/9</a:t>
+              <a:t>2023/2/10</a:t>
             </a:fld>
             <a:endParaRPr lang="zh-TW" altLang="en-US"/>
           </a:p>
@@ -4870,7 +4870,7 @@
           <a:p>
             <a:fld id="{8A9F4CB5-1750-4E23-A13C-2C1F028F9724}" type="datetimeFigureOut">
               <a:rPr lang="zh-TW" altLang="en-US" smtClean="0"/>
-              <a:t>2023/2/9</a:t>
+              <a:t>2023/2/10</a:t>
             </a:fld>
             <a:endParaRPr lang="zh-TW" altLang="en-US"/>
           </a:p>
@@ -5078,7 +5078,7 @@
           <a:p>
             <a:fld id="{8A9F4CB5-1750-4E23-A13C-2C1F028F9724}" type="datetimeFigureOut">
               <a:rPr lang="zh-TW" altLang="en-US" smtClean="0"/>
-              <a:t>2023/2/9</a:t>
+              <a:t>2023/2/10</a:t>
             </a:fld>
             <a:endParaRPr lang="zh-TW" altLang="en-US"/>
           </a:p>
@@ -5276,7 +5276,7 @@
           <a:p>
             <a:fld id="{8A9F4CB5-1750-4E23-A13C-2C1F028F9724}" type="datetimeFigureOut">
               <a:rPr lang="zh-TW" altLang="en-US" smtClean="0"/>
-              <a:t>2023/2/9</a:t>
+              <a:t>2023/2/10</a:t>
             </a:fld>
             <a:endParaRPr lang="zh-TW" altLang="en-US"/>
           </a:p>
@@ -5551,7 +5551,7 @@
           <a:p>
             <a:fld id="{8A9F4CB5-1750-4E23-A13C-2C1F028F9724}" type="datetimeFigureOut">
               <a:rPr lang="zh-TW" altLang="en-US" smtClean="0"/>
-              <a:t>2023/2/9</a:t>
+              <a:t>2023/2/10</a:t>
             </a:fld>
             <a:endParaRPr lang="zh-TW" altLang="en-US"/>
           </a:p>
@@ -5816,7 +5816,7 @@
           <a:p>
             <a:fld id="{8A9F4CB5-1750-4E23-A13C-2C1F028F9724}" type="datetimeFigureOut">
               <a:rPr lang="zh-TW" altLang="en-US" smtClean="0"/>
-              <a:t>2023/2/9</a:t>
+              <a:t>2023/2/10</a:t>
             </a:fld>
             <a:endParaRPr lang="zh-TW" altLang="en-US"/>
           </a:p>
@@ -6228,7 +6228,7 @@
           <a:p>
             <a:fld id="{8A9F4CB5-1750-4E23-A13C-2C1F028F9724}" type="datetimeFigureOut">
               <a:rPr lang="zh-TW" altLang="en-US" smtClean="0"/>
-              <a:t>2023/2/9</a:t>
+              <a:t>2023/2/10</a:t>
             </a:fld>
             <a:endParaRPr lang="zh-TW" altLang="en-US"/>
           </a:p>
@@ -6369,7 +6369,7 @@
           <a:p>
             <a:fld id="{8A9F4CB5-1750-4E23-A13C-2C1F028F9724}" type="datetimeFigureOut">
               <a:rPr lang="zh-TW" altLang="en-US" smtClean="0"/>
-              <a:t>2023/2/9</a:t>
+              <a:t>2023/2/10</a:t>
             </a:fld>
             <a:endParaRPr lang="zh-TW" altLang="en-US"/>
           </a:p>
@@ -6482,7 +6482,7 @@
           <a:p>
             <a:fld id="{8A9F4CB5-1750-4E23-A13C-2C1F028F9724}" type="datetimeFigureOut">
               <a:rPr lang="zh-TW" altLang="en-US" smtClean="0"/>
-              <a:t>2023/2/9</a:t>
+              <a:t>2023/2/10</a:t>
             </a:fld>
             <a:endParaRPr lang="zh-TW" altLang="en-US"/>
           </a:p>
@@ -6793,7 +6793,7 @@
           <a:p>
             <a:fld id="{8A9F4CB5-1750-4E23-A13C-2C1F028F9724}" type="datetimeFigureOut">
               <a:rPr lang="zh-TW" altLang="en-US" smtClean="0"/>
-              <a:t>2023/2/9</a:t>
+              <a:t>2023/2/10</a:t>
             </a:fld>
             <a:endParaRPr lang="zh-TW" altLang="en-US"/>
           </a:p>
@@ -7081,7 +7081,7 @@
           <a:p>
             <a:fld id="{8A9F4CB5-1750-4E23-A13C-2C1F028F9724}" type="datetimeFigureOut">
               <a:rPr lang="zh-TW" altLang="en-US" smtClean="0"/>
-              <a:t>2023/2/9</a:t>
+              <a:t>2023/2/10</a:t>
             </a:fld>
             <a:endParaRPr lang="zh-TW" altLang="en-US"/>
           </a:p>
@@ -7322,7 +7322,7 @@
           <a:p>
             <a:fld id="{8A9F4CB5-1750-4E23-A13C-2C1F028F9724}" type="datetimeFigureOut">
               <a:rPr lang="zh-TW" altLang="en-US" smtClean="0"/>
-              <a:t>2023/2/9</a:t>
+              <a:t>2023/2/10</a:t>
             </a:fld>
             <a:endParaRPr lang="zh-TW" altLang="en-US"/>
           </a:p>
@@ -19902,8 +19902,8 @@
               <a:buAutoNum type="arabicPeriod"/>
             </a:pPr>
             <a:r>
-              <a:rPr lang="zh-TW" altLang="en-US" dirty="0"/>
-              <a:t>用處 </a:t>
+              <a:rPr lang="zh-TW" altLang="en-US"/>
+              <a:t>實際用處 </a:t>
             </a:r>
             <a:r>
               <a:rPr lang="en-US" altLang="zh-TW" dirty="0"/>
@@ -21362,6 +21362,110 @@
           </a:p>
         </p:txBody>
       </p:sp>
+      <p:sp>
+        <p:nvSpPr>
+          <p:cNvPr id="3" name="橢圓 2">
+            <a:extLst>
+              <a:ext uri="{FF2B5EF4-FFF2-40B4-BE49-F238E27FC236}">
+                <a16:creationId xmlns:a16="http://schemas.microsoft.com/office/drawing/2014/main" id="{10CA2C01-1AFE-2C47-50FE-99CDBDDDBF58}"/>
+              </a:ext>
+            </a:extLst>
+          </p:cNvPr>
+          <p:cNvSpPr/>
+          <p:nvPr/>
+        </p:nvSpPr>
+        <p:spPr>
+          <a:xfrm>
+            <a:off x="3228722" y="3266587"/>
+            <a:ext cx="169933" cy="184666"/>
+          </a:xfrm>
+          <a:prstGeom prst="ellipse">
+            <a:avLst/>
+          </a:prstGeom>
+          <a:noFill/>
+          <a:ln>
+            <a:solidFill>
+              <a:srgbClr val="FF0000"/>
+            </a:solidFill>
+          </a:ln>
+        </p:spPr>
+        <p:style>
+          <a:lnRef idx="2">
+            <a:schemeClr val="accent1">
+              <a:shade val="50000"/>
+            </a:schemeClr>
+          </a:lnRef>
+          <a:fillRef idx="1">
+            <a:schemeClr val="accent1"/>
+          </a:fillRef>
+          <a:effectRef idx="0">
+            <a:schemeClr val="accent1"/>
+          </a:effectRef>
+          <a:fontRef idx="minor">
+            <a:schemeClr val="lt1"/>
+          </a:fontRef>
+        </p:style>
+        <p:txBody>
+          <a:bodyPr rtlCol="0" anchor="ctr"/>
+          <a:lstStyle/>
+          <a:p>
+            <a:pPr algn="ctr"/>
+            <a:endParaRPr lang="zh-TW" altLang="en-US"/>
+          </a:p>
+        </p:txBody>
+      </p:sp>
+      <p:sp>
+        <p:nvSpPr>
+          <p:cNvPr id="4" name="橢圓 3">
+            <a:extLst>
+              <a:ext uri="{FF2B5EF4-FFF2-40B4-BE49-F238E27FC236}">
+                <a16:creationId xmlns:a16="http://schemas.microsoft.com/office/drawing/2014/main" id="{F07E6FB6-C0D5-AB0F-4717-4E73E5878081}"/>
+              </a:ext>
+            </a:extLst>
+          </p:cNvPr>
+          <p:cNvSpPr/>
+          <p:nvPr/>
+        </p:nvSpPr>
+        <p:spPr>
+          <a:xfrm>
+            <a:off x="4575543" y="4617295"/>
+            <a:ext cx="169933" cy="184666"/>
+          </a:xfrm>
+          <a:prstGeom prst="ellipse">
+            <a:avLst/>
+          </a:prstGeom>
+          <a:noFill/>
+          <a:ln>
+            <a:solidFill>
+              <a:srgbClr val="FF0000"/>
+            </a:solidFill>
+          </a:ln>
+        </p:spPr>
+        <p:style>
+          <a:lnRef idx="2">
+            <a:schemeClr val="accent1">
+              <a:shade val="50000"/>
+            </a:schemeClr>
+          </a:lnRef>
+          <a:fillRef idx="1">
+            <a:schemeClr val="accent1"/>
+          </a:fillRef>
+          <a:effectRef idx="0">
+            <a:schemeClr val="accent1"/>
+          </a:effectRef>
+          <a:fontRef idx="minor">
+            <a:schemeClr val="lt1"/>
+          </a:fontRef>
+        </p:style>
+        <p:txBody>
+          <a:bodyPr rtlCol="0" anchor="ctr"/>
+          <a:lstStyle/>
+          <a:p>
+            <a:pPr algn="ctr"/>
+            <a:endParaRPr lang="zh-TW" altLang="en-US"/>
+          </a:p>
+        </p:txBody>
+      </p:sp>
     </p:spTree>
     <p:extLst>
       <p:ext uri="{BB962C8B-B14F-4D97-AF65-F5344CB8AC3E}">
@@ -21422,8 +21526,8 @@
           </a:p>
         </p:txBody>
       </p:sp>
-      <mc:AlternateContent xmlns:mc="http://schemas.openxmlformats.org/markup-compatibility/2006" xmlns:a14="http://schemas.microsoft.com/office/drawing/2010/main">
-        <mc:Choice Requires="a14">
+      <mc:AlternateContent xmlns:mc="http://schemas.openxmlformats.org/markup-compatibility/2006">
+        <mc:Choice xmlns:a14="http://schemas.microsoft.com/office/drawing/2010/main" Requires="a14">
           <p:sp>
             <p:nvSpPr>
               <p:cNvPr id="3" name="內容版面配置區 2">
@@ -21548,7 +21652,7 @@
             </p:txBody>
           </p:sp>
         </mc:Choice>
-        <mc:Fallback xmlns="">
+        <mc:Fallback>
           <p:sp>
             <p:nvSpPr>
               <p:cNvPr id="3" name="內容版面配置區 2">
@@ -21588,8 +21692,8 @@
           </p:sp>
         </mc:Fallback>
       </mc:AlternateContent>
-      <mc:AlternateContent xmlns:mc="http://schemas.openxmlformats.org/markup-compatibility/2006" xmlns:a14="http://schemas.microsoft.com/office/drawing/2010/main">
-        <mc:Choice Requires="a14">
+      <mc:AlternateContent xmlns:mc="http://schemas.openxmlformats.org/markup-compatibility/2006">
+        <mc:Choice xmlns:a14="http://schemas.microsoft.com/office/drawing/2010/main" Requires="a14">
           <p:sp>
             <p:nvSpPr>
               <p:cNvPr id="4" name="文字方塊 3">
@@ -21604,7 +21708,7 @@
             </p:nvSpPr>
             <p:spPr>
               <a:xfrm>
-                <a:off x="6905847" y="2929270"/>
+                <a:off x="6625856" y="3518012"/>
                 <a:ext cx="5566144" cy="276999"/>
               </a:xfrm>
               <a:prstGeom prst="rect">
@@ -21759,7 +21863,7 @@
             </p:txBody>
           </p:sp>
         </mc:Choice>
-        <mc:Fallback xmlns="">
+        <mc:Fallback>
           <p:sp>
             <p:nvSpPr>
               <p:cNvPr id="4" name="文字方塊 3">
@@ -21776,7 +21880,7 @@
             </p:nvSpPr>
             <p:spPr>
               <a:xfrm>
-                <a:off x="6905847" y="2929270"/>
+                <a:off x="6625856" y="3518012"/>
                 <a:ext cx="5566144" cy="276999"/>
               </a:xfrm>
               <a:prstGeom prst="rect">
@@ -21785,7 +21889,7 @@
               <a:blipFill>
                 <a:blip r:embed="rId3"/>
                 <a:stretch>
-                  <a:fillRect l="-1533" b="-26667"/>
+                  <a:fillRect l="-1533" b="-23913"/>
                 </a:stretch>
               </a:blipFill>
             </p:spPr>
@@ -21818,7 +21922,7 @@
         </p:nvSpPr>
         <p:spPr>
           <a:xfrm>
-            <a:off x="3524291" y="2905756"/>
+            <a:off x="3244300" y="3494498"/>
             <a:ext cx="2296633" cy="369332"/>
           </a:xfrm>
           <a:prstGeom prst="rect">
@@ -21854,7 +21958,7 @@
         </p:nvSpPr>
         <p:spPr>
           <a:xfrm>
-            <a:off x="3553046" y="4447498"/>
+            <a:off x="3273055" y="5036240"/>
             <a:ext cx="2296633" cy="369332"/>
           </a:xfrm>
           <a:prstGeom prst="rect">
@@ -21876,8 +21980,8 @@
           </a:p>
         </p:txBody>
       </p:sp>
-      <mc:AlternateContent xmlns:mc="http://schemas.openxmlformats.org/markup-compatibility/2006" xmlns:a14="http://schemas.microsoft.com/office/drawing/2010/main">
-        <mc:Choice Requires="a14">
+      <mc:AlternateContent xmlns:mc="http://schemas.openxmlformats.org/markup-compatibility/2006">
+        <mc:Choice xmlns:a14="http://schemas.microsoft.com/office/drawing/2010/main" Requires="a14">
           <p:sp>
             <p:nvSpPr>
               <p:cNvPr id="11" name="文字方塊 10">
@@ -21892,7 +21996,7 @@
             </p:nvSpPr>
             <p:spPr>
               <a:xfrm>
-                <a:off x="6905847" y="4479815"/>
+                <a:off x="6622314" y="5082406"/>
                 <a:ext cx="5566144" cy="276999"/>
               </a:xfrm>
               <a:prstGeom prst="rect">
@@ -22047,7 +22151,7 @@
             </p:txBody>
           </p:sp>
         </mc:Choice>
-        <mc:Fallback xmlns="">
+        <mc:Fallback>
           <p:sp>
             <p:nvSpPr>
               <p:cNvPr id="11" name="文字方塊 10">
@@ -22064,7 +22168,7 @@
             </p:nvSpPr>
             <p:spPr>
               <a:xfrm>
-                <a:off x="6905847" y="4479815"/>
+                <a:off x="6622314" y="5082406"/>
                 <a:ext cx="5566144" cy="276999"/>
               </a:xfrm>
               <a:prstGeom prst="rect">
@@ -22106,7 +22210,7 @@
         </p:nvSpPr>
         <p:spPr>
           <a:xfrm>
-            <a:off x="5286154" y="2920866"/>
+            <a:off x="5006163" y="3509608"/>
             <a:ext cx="1127051" cy="295462"/>
           </a:xfrm>
           <a:prstGeom prst="leftRightArrow">
@@ -22158,7 +22262,7 @@
         </p:nvSpPr>
         <p:spPr>
           <a:xfrm>
-            <a:off x="5286154" y="4521368"/>
+            <a:off x="5006163" y="5130171"/>
             <a:ext cx="1127051" cy="295462"/>
           </a:xfrm>
           <a:prstGeom prst="leftRightArrow">
@@ -22210,7 +22314,7 @@
         </p:nvSpPr>
         <p:spPr>
           <a:xfrm>
-            <a:off x="2851355" y="5752538"/>
+            <a:off x="2571364" y="6341280"/>
             <a:ext cx="7885471" cy="369332"/>
           </a:xfrm>
           <a:prstGeom prst="rect">
@@ -22245,6 +22349,156 @@
               <a:t>Sample</a:t>
             </a:r>
             <a:endParaRPr lang="zh-TW" altLang="en-US" dirty="0"/>
+          </a:p>
+        </p:txBody>
+      </p:sp>
+      <p:sp>
+        <p:nvSpPr>
+          <p:cNvPr id="5" name="矩形 4">
+            <a:extLst>
+              <a:ext uri="{FF2B5EF4-FFF2-40B4-BE49-F238E27FC236}">
+                <a16:creationId xmlns:a16="http://schemas.microsoft.com/office/drawing/2014/main" id="{B5294F53-F331-64CC-24E5-812BB7A9F7DD}"/>
+              </a:ext>
+            </a:extLst>
+          </p:cNvPr>
+          <p:cNvSpPr/>
+          <p:nvPr/>
+        </p:nvSpPr>
+        <p:spPr>
+          <a:xfrm>
+            <a:off x="2571364" y="2600447"/>
+            <a:ext cx="2095837" cy="760651"/>
+          </a:xfrm>
+          <a:prstGeom prst="rect">
+            <a:avLst/>
+          </a:prstGeom>
+          <a:noFill/>
+        </p:spPr>
+        <p:style>
+          <a:lnRef idx="2">
+            <a:schemeClr val="accent1">
+              <a:shade val="50000"/>
+            </a:schemeClr>
+          </a:lnRef>
+          <a:fillRef idx="1">
+            <a:schemeClr val="accent1"/>
+          </a:fillRef>
+          <a:effectRef idx="0">
+            <a:schemeClr val="accent1"/>
+          </a:effectRef>
+          <a:fontRef idx="minor">
+            <a:schemeClr val="lt1"/>
+          </a:fontRef>
+        </p:style>
+        <p:txBody>
+          <a:bodyPr rtlCol="0" anchor="ctr"/>
+          <a:lstStyle/>
+          <a:p>
+            <a:pPr algn="ctr"/>
+            <a:r>
+              <a:rPr lang="en-US" altLang="zh-TW">
+                <a:ln w="0"/>
+                <a:solidFill>
+                  <a:schemeClr val="tx1"/>
+                </a:solidFill>
+                <a:effectLst>
+                  <a:outerShdw blurRad="38100" dist="19050" dir="2700000" algn="tl" rotWithShape="0">
+                    <a:schemeClr val="dk1">
+                      <a:alpha val="40000"/>
+                    </a:schemeClr>
+                  </a:outerShdw>
+                </a:effectLst>
+              </a:rPr>
+              <a:t>Analog Condtion</a:t>
+            </a:r>
+            <a:endParaRPr lang="zh-TW" altLang="en-US">
+              <a:ln w="0"/>
+              <a:solidFill>
+                <a:schemeClr val="tx1"/>
+              </a:solidFill>
+              <a:effectLst>
+                <a:outerShdw blurRad="38100" dist="19050" dir="2700000" algn="tl" rotWithShape="0">
+                  <a:schemeClr val="dk1">
+                    <a:alpha val="40000"/>
+                  </a:schemeClr>
+                </a:outerShdw>
+              </a:effectLst>
+            </a:endParaRPr>
+          </a:p>
+        </p:txBody>
+      </p:sp>
+      <p:sp>
+        <p:nvSpPr>
+          <p:cNvPr id="7" name="矩形 6">
+            <a:extLst>
+              <a:ext uri="{FF2B5EF4-FFF2-40B4-BE49-F238E27FC236}">
+                <a16:creationId xmlns:a16="http://schemas.microsoft.com/office/drawing/2014/main" id="{B7AA7B55-B9F1-A0D8-2258-BB1F2613E998}"/>
+              </a:ext>
+            </a:extLst>
+          </p:cNvPr>
+          <p:cNvSpPr/>
+          <p:nvPr/>
+        </p:nvSpPr>
+        <p:spPr>
+          <a:xfrm>
+            <a:off x="7053003" y="2600447"/>
+            <a:ext cx="2095837" cy="760651"/>
+          </a:xfrm>
+          <a:prstGeom prst="rect">
+            <a:avLst/>
+          </a:prstGeom>
+          <a:noFill/>
+        </p:spPr>
+        <p:style>
+          <a:lnRef idx="2">
+            <a:schemeClr val="accent1">
+              <a:shade val="50000"/>
+            </a:schemeClr>
+          </a:lnRef>
+          <a:fillRef idx="1">
+            <a:schemeClr val="accent1"/>
+          </a:fillRef>
+          <a:effectRef idx="0">
+            <a:schemeClr val="accent1"/>
+          </a:effectRef>
+          <a:fontRef idx="minor">
+            <a:schemeClr val="lt1"/>
+          </a:fontRef>
+        </p:style>
+        <p:txBody>
+          <a:bodyPr rtlCol="0" anchor="ctr"/>
+          <a:lstStyle/>
+          <a:p>
+            <a:pPr algn="ctr"/>
+            <a:r>
+              <a:rPr lang="en-US" altLang="zh-TW">
+                <a:ln w="0"/>
+                <a:solidFill>
+                  <a:schemeClr val="tx1"/>
+                </a:solidFill>
+                <a:effectLst>
+                  <a:outerShdw blurRad="38100" dist="19050" dir="2700000" algn="tl" rotWithShape="0">
+                    <a:schemeClr val="dk1">
+                      <a:alpha val="40000"/>
+                    </a:schemeClr>
+                  </a:outerShdw>
+                </a:effectLst>
+              </a:rPr>
+              <a:t>Digital Condtion</a:t>
+            </a:r>
+            <a:endParaRPr lang="zh-TW" altLang="en-US">
+              <a:ln w="0"/>
+              <a:solidFill>
+                <a:schemeClr val="tx1"/>
+              </a:solidFill>
+              <a:effectLst>
+                <a:outerShdw blurRad="38100" dist="19050" dir="2700000" algn="tl" rotWithShape="0">
+                  <a:schemeClr val="dk1">
+                    <a:alpha val="40000"/>
+                  </a:schemeClr>
+                </a:outerShdw>
+              </a:effectLst>
+            </a:endParaRPr>
           </a:p>
         </p:txBody>
       </p:sp>

--- a/Project_Summary_pdf/Project_Summary.pptx
+++ b/Project_Summary_pdf/Project_Summary.pptx
@@ -5,7 +5,7 @@
     <p:sldMasterId id="2147483648" r:id="rId1"/>
   </p:sldMasterIdLst>
   <p:notesMasterIdLst>
-    <p:notesMasterId r:id="rId63"/>
+    <p:notesMasterId r:id="rId68"/>
   </p:notesMasterIdLst>
   <p:sldIdLst>
     <p:sldId id="256" r:id="rId2"/>
@@ -46,29 +46,34 @@
     <p:sldId id="903" r:id="rId37"/>
     <p:sldId id="905" r:id="rId38"/>
     <p:sldId id="906" r:id="rId39"/>
-    <p:sldId id="836" r:id="rId40"/>
-    <p:sldId id="839" r:id="rId41"/>
-    <p:sldId id="840" r:id="rId42"/>
-    <p:sldId id="848" r:id="rId43"/>
-    <p:sldId id="849" r:id="rId44"/>
-    <p:sldId id="842" r:id="rId45"/>
-    <p:sldId id="895" r:id="rId46"/>
-    <p:sldId id="889" r:id="rId47"/>
-    <p:sldId id="890" r:id="rId48"/>
-    <p:sldId id="751" r:id="rId49"/>
-    <p:sldId id="882" r:id="rId50"/>
-    <p:sldId id="902" r:id="rId51"/>
-    <p:sldId id="281" r:id="rId52"/>
-    <p:sldId id="257" r:id="rId53"/>
-    <p:sldId id="258" r:id="rId54"/>
-    <p:sldId id="260" r:id="rId55"/>
-    <p:sldId id="263" r:id="rId56"/>
-    <p:sldId id="264" r:id="rId57"/>
-    <p:sldId id="259" r:id="rId58"/>
-    <p:sldId id="265" r:id="rId59"/>
-    <p:sldId id="282" r:id="rId60"/>
-    <p:sldId id="885" r:id="rId61"/>
-    <p:sldId id="904" r:id="rId62"/>
+    <p:sldId id="908" r:id="rId40"/>
+    <p:sldId id="907" r:id="rId41"/>
+    <p:sldId id="836" r:id="rId42"/>
+    <p:sldId id="909" r:id="rId43"/>
+    <p:sldId id="910" r:id="rId44"/>
+    <p:sldId id="911" r:id="rId45"/>
+    <p:sldId id="839" r:id="rId46"/>
+    <p:sldId id="840" r:id="rId47"/>
+    <p:sldId id="848" r:id="rId48"/>
+    <p:sldId id="849" r:id="rId49"/>
+    <p:sldId id="842" r:id="rId50"/>
+    <p:sldId id="895" r:id="rId51"/>
+    <p:sldId id="889" r:id="rId52"/>
+    <p:sldId id="890" r:id="rId53"/>
+    <p:sldId id="751" r:id="rId54"/>
+    <p:sldId id="882" r:id="rId55"/>
+    <p:sldId id="902" r:id="rId56"/>
+    <p:sldId id="281" r:id="rId57"/>
+    <p:sldId id="257" r:id="rId58"/>
+    <p:sldId id="258" r:id="rId59"/>
+    <p:sldId id="260" r:id="rId60"/>
+    <p:sldId id="263" r:id="rId61"/>
+    <p:sldId id="264" r:id="rId62"/>
+    <p:sldId id="259" r:id="rId63"/>
+    <p:sldId id="265" r:id="rId64"/>
+    <p:sldId id="282" r:id="rId65"/>
+    <p:sldId id="885" r:id="rId66"/>
+    <p:sldId id="904" r:id="rId67"/>
   </p:sldIdLst>
   <p:sldSz cx="12192000" cy="6858000"/>
   <p:notesSz cx="6858000" cy="9144000"/>
@@ -226,7 +231,12 @@
             <p14:sldId id="903"/>
             <p14:sldId id="905"/>
             <p14:sldId id="906"/>
+            <p14:sldId id="908"/>
+            <p14:sldId id="907"/>
             <p14:sldId id="836"/>
+            <p14:sldId id="909"/>
+            <p14:sldId id="910"/>
+            <p14:sldId id="911"/>
             <p14:sldId id="839"/>
             <p14:sldId id="840"/>
             <p14:sldId id="848"/>
@@ -3351,7 +3361,41 @@
           <a:bodyPr/>
           <a:lstStyle/>
           <a:p>
-            <a:endParaRPr lang="zh-TW" altLang="en-US"/>
+            <a:r>
+              <a:rPr lang="zh-TW" altLang="en-US" dirty="0"/>
+              <a:t>以上使用兩個頻率差不多的 </a:t>
+            </a:r>
+            <a:r>
+              <a:rPr lang="en-US" altLang="zh-TW" dirty="0"/>
+              <a:t>=~</a:t>
+            </a:r>
+            <a:r>
+              <a:rPr lang="zh-TW" altLang="en-US" dirty="0"/>
+              <a:t> </a:t>
+            </a:r>
+            <a:r>
+              <a:rPr lang="en-US" altLang="zh-TW" dirty="0"/>
+              <a:t>43Khz, 42.5Khz</a:t>
+            </a:r>
+            <a:r>
+              <a:rPr lang="zh-TW" altLang="en-US" dirty="0"/>
+              <a:t>的正旋波</a:t>
+            </a:r>
+            <a:endParaRPr lang="en-US" altLang="zh-TW" dirty="0"/>
+          </a:p>
+          <a:p>
+            <a:r>
+              <a:rPr lang="zh-TW" altLang="en-US" dirty="0"/>
+              <a:t>再加上</a:t>
+            </a:r>
+            <a:r>
+              <a:rPr lang="en-US" altLang="zh-TW" dirty="0"/>
+              <a:t>Phase</a:t>
+            </a:r>
+            <a:r>
+              <a:rPr lang="zh-TW" altLang="en-US" dirty="0"/>
+              <a:t>  </a:t>
+            </a:r>
           </a:p>
         </p:txBody>
       </p:sp>
@@ -3372,7 +3416,7 @@
           <a:p>
             <a:fld id="{0116F853-F7F2-4239-A629-A213C1D67574}" type="slidenum">
               <a:rPr lang="zh-TW" altLang="en-US" smtClean="0"/>
-              <a:t>52</a:t>
+              <a:t>42</a:t>
             </a:fld>
             <a:endParaRPr lang="zh-TW" altLang="en-US"/>
           </a:p>
@@ -3381,7 +3425,7 @@
     </p:spTree>
     <p:extLst>
       <p:ext uri="{BB962C8B-B14F-4D97-AF65-F5344CB8AC3E}">
-        <p14:creationId xmlns:p14="http://schemas.microsoft.com/office/powerpoint/2010/main" val="2670570649"/>
+        <p14:creationId xmlns:p14="http://schemas.microsoft.com/office/powerpoint/2010/main" val="414183647"/>
       </p:ext>
     </p:extLst>
   </p:cSld>
@@ -3435,71 +3479,7 @@
           <a:bodyPr/>
           <a:lstStyle/>
           <a:p>
-            <a:pPr marL="228600" indent="-228600">
-              <a:buAutoNum type="arabicPeriod"/>
-            </a:pPr>
-            <a:r>
-              <a:rPr lang="zh-TW" altLang="en-US"/>
-              <a:t>由於筆只使用</a:t>
-            </a:r>
-            <a:r>
-              <a:rPr lang="en-US" altLang="zh-TW"/>
-              <a:t>UART TX</a:t>
-            </a:r>
-            <a:r>
-              <a:rPr lang="zh-TW" altLang="en-US"/>
-              <a:t>來印出相關資訊、並沒有使用</a:t>
-            </a:r>
-            <a:r>
-              <a:rPr lang="en-US" altLang="zh-TW"/>
-              <a:t>RX</a:t>
-            </a:r>
-            <a:r>
-              <a:rPr lang="zh-TW" altLang="en-US"/>
-              <a:t>來接收其他</a:t>
-            </a:r>
-            <a:r>
-              <a:rPr lang="en-US" altLang="zh-TW"/>
-              <a:t>Sensor</a:t>
-            </a:r>
-            <a:r>
-              <a:rPr lang="zh-TW" altLang="en-US"/>
-              <a:t>的</a:t>
-            </a:r>
-            <a:r>
-              <a:rPr lang="en-US" altLang="zh-TW"/>
-              <a:t>information</a:t>
-            </a:r>
-            <a:r>
-              <a:rPr lang="zh-TW" altLang="en-US"/>
-              <a:t>。</a:t>
-            </a:r>
-            <a:endParaRPr lang="en-US" altLang="zh-TW"/>
-          </a:p>
-          <a:p>
-            <a:pPr marL="0" indent="0">
-              <a:buNone/>
-            </a:pPr>
-            <a:r>
-              <a:rPr lang="zh-TW" altLang="en-US"/>
-              <a:t>       </a:t>
-            </a:r>
-            <a:r>
-              <a:rPr lang="en-US" altLang="zh-TW"/>
-              <a:t>1.1 UART</a:t>
-            </a:r>
-            <a:r>
-              <a:rPr lang="zh-TW" altLang="en-US"/>
-              <a:t> </a:t>
-            </a:r>
-            <a:r>
-              <a:rPr lang="en-US" altLang="zh-TW"/>
-              <a:t>RX Setting</a:t>
-            </a:r>
-            <a:r>
-              <a:rPr lang="zh-TW" altLang="en-US"/>
-              <a:t>建立</a:t>
-            </a:r>
+            <a:endParaRPr lang="zh-TW" altLang="en-US"/>
           </a:p>
         </p:txBody>
       </p:sp>
@@ -3520,7 +3500,155 @@
           <a:p>
             <a:fld id="{0116F853-F7F2-4239-A629-A213C1D67574}" type="slidenum">
               <a:rPr lang="zh-TW" altLang="en-US" smtClean="0"/>
-              <a:t>53</a:t>
+              <a:t>57</a:t>
+            </a:fld>
+            <a:endParaRPr lang="zh-TW" altLang="en-US"/>
+          </a:p>
+        </p:txBody>
+      </p:sp>
+    </p:spTree>
+    <p:extLst>
+      <p:ext uri="{BB962C8B-B14F-4D97-AF65-F5344CB8AC3E}">
+        <p14:creationId xmlns:p14="http://schemas.microsoft.com/office/powerpoint/2010/main" val="2670570649"/>
+      </p:ext>
+    </p:extLst>
+  </p:cSld>
+  <p:clrMapOvr>
+    <a:masterClrMapping/>
+  </p:clrMapOvr>
+</p:notes>
+</file>
+
+<file path=ppt/notesSlides/notesSlide27.xml><?xml version="1.0" encoding="utf-8"?>
+<p:notes xmlns:a="http://schemas.openxmlformats.org/drawingml/2006/main" xmlns:r="http://schemas.openxmlformats.org/officeDocument/2006/relationships" xmlns:p="http://schemas.openxmlformats.org/presentationml/2006/main">
+  <p:cSld>
+    <p:spTree>
+      <p:nvGrpSpPr>
+        <p:cNvPr id="1" name=""/>
+        <p:cNvGrpSpPr/>
+        <p:nvPr/>
+      </p:nvGrpSpPr>
+      <p:grpSpPr>
+        <a:xfrm>
+          <a:off x="0" y="0"/>
+          <a:ext cx="0" cy="0"/>
+          <a:chOff x="0" y="0"/>
+          <a:chExt cx="0" cy="0"/>
+        </a:xfrm>
+      </p:grpSpPr>
+      <p:sp>
+        <p:nvSpPr>
+          <p:cNvPr id="2" name="投影片影像版面配置區 1"/>
+          <p:cNvSpPr>
+            <a:spLocks noGrp="1" noRot="1" noChangeAspect="1"/>
+          </p:cNvSpPr>
+          <p:nvPr>
+            <p:ph type="sldImg"/>
+          </p:nvPr>
+        </p:nvSpPr>
+        <p:spPr/>
+      </p:sp>
+      <p:sp>
+        <p:nvSpPr>
+          <p:cNvPr id="3" name="備忘稿版面配置區 2"/>
+          <p:cNvSpPr>
+            <a:spLocks noGrp="1"/>
+          </p:cNvSpPr>
+          <p:nvPr>
+            <p:ph type="body" idx="1"/>
+          </p:nvPr>
+        </p:nvSpPr>
+        <p:spPr/>
+        <p:txBody>
+          <a:bodyPr/>
+          <a:lstStyle/>
+          <a:p>
+            <a:pPr marL="228600" indent="-228600">
+              <a:buAutoNum type="arabicPeriod"/>
+            </a:pPr>
+            <a:r>
+              <a:rPr lang="zh-TW" altLang="en-US"/>
+              <a:t>由於筆只使用</a:t>
+            </a:r>
+            <a:r>
+              <a:rPr lang="en-US" altLang="zh-TW"/>
+              <a:t>UART TX</a:t>
+            </a:r>
+            <a:r>
+              <a:rPr lang="zh-TW" altLang="en-US"/>
+              <a:t>來印出相關資訊、並沒有使用</a:t>
+            </a:r>
+            <a:r>
+              <a:rPr lang="en-US" altLang="zh-TW"/>
+              <a:t>RX</a:t>
+            </a:r>
+            <a:r>
+              <a:rPr lang="zh-TW" altLang="en-US"/>
+              <a:t>來接收其他</a:t>
+            </a:r>
+            <a:r>
+              <a:rPr lang="en-US" altLang="zh-TW"/>
+              <a:t>Sensor</a:t>
+            </a:r>
+            <a:r>
+              <a:rPr lang="zh-TW" altLang="en-US"/>
+              <a:t>的</a:t>
+            </a:r>
+            <a:r>
+              <a:rPr lang="en-US" altLang="zh-TW"/>
+              <a:t>information</a:t>
+            </a:r>
+            <a:r>
+              <a:rPr lang="zh-TW" altLang="en-US"/>
+              <a:t>。</a:t>
+            </a:r>
+            <a:endParaRPr lang="en-US" altLang="zh-TW"/>
+          </a:p>
+          <a:p>
+            <a:pPr marL="0" indent="0">
+              <a:buNone/>
+            </a:pPr>
+            <a:r>
+              <a:rPr lang="zh-TW" altLang="en-US"/>
+              <a:t>       </a:t>
+            </a:r>
+            <a:r>
+              <a:rPr lang="en-US" altLang="zh-TW"/>
+              <a:t>1.1 UART</a:t>
+            </a:r>
+            <a:r>
+              <a:rPr lang="zh-TW" altLang="en-US"/>
+              <a:t> </a:t>
+            </a:r>
+            <a:r>
+              <a:rPr lang="en-US" altLang="zh-TW"/>
+              <a:t>RX Setting</a:t>
+            </a:r>
+            <a:r>
+              <a:rPr lang="zh-TW" altLang="en-US"/>
+              <a:t>建立</a:t>
+            </a:r>
+          </a:p>
+        </p:txBody>
+      </p:sp>
+      <p:sp>
+        <p:nvSpPr>
+          <p:cNvPr id="4" name="投影片編號版面配置區 3"/>
+          <p:cNvSpPr>
+            <a:spLocks noGrp="1"/>
+          </p:cNvSpPr>
+          <p:nvPr>
+            <p:ph type="sldNum" sz="quarter" idx="5"/>
+          </p:nvPr>
+        </p:nvSpPr>
+        <p:spPr/>
+        <p:txBody>
+          <a:bodyPr/>
+          <a:lstStyle/>
+          <a:p>
+            <a:fld id="{0116F853-F7F2-4239-A629-A213C1D67574}" type="slidenum">
+              <a:rPr lang="zh-TW" altLang="en-US" smtClean="0"/>
+              <a:t>58</a:t>
             </a:fld>
             <a:endParaRPr lang="zh-TW" altLang="en-US"/>
           </a:p>
@@ -21526,8 +21654,8 @@
           </a:p>
         </p:txBody>
       </p:sp>
-      <mc:AlternateContent xmlns:mc="http://schemas.openxmlformats.org/markup-compatibility/2006">
-        <mc:Choice xmlns:a14="http://schemas.microsoft.com/office/drawing/2010/main" Requires="a14">
+      <mc:AlternateContent xmlns:mc="http://schemas.openxmlformats.org/markup-compatibility/2006" xmlns:a14="http://schemas.microsoft.com/office/drawing/2010/main">
+        <mc:Choice Requires="a14">
           <p:sp>
             <p:nvSpPr>
               <p:cNvPr id="3" name="內容版面配置區 2">
@@ -21652,7 +21780,7 @@
             </p:txBody>
           </p:sp>
         </mc:Choice>
-        <mc:Fallback>
+        <mc:Fallback xmlns="">
           <p:sp>
             <p:nvSpPr>
               <p:cNvPr id="3" name="內容版面配置區 2">
@@ -21692,8 +21820,8 @@
           </p:sp>
         </mc:Fallback>
       </mc:AlternateContent>
-      <mc:AlternateContent xmlns:mc="http://schemas.openxmlformats.org/markup-compatibility/2006">
-        <mc:Choice xmlns:a14="http://schemas.microsoft.com/office/drawing/2010/main" Requires="a14">
+      <mc:AlternateContent xmlns:mc="http://schemas.openxmlformats.org/markup-compatibility/2006" xmlns:a14="http://schemas.microsoft.com/office/drawing/2010/main">
+        <mc:Choice Requires="a14">
           <p:sp>
             <p:nvSpPr>
               <p:cNvPr id="4" name="文字方塊 3">
@@ -21863,7 +21991,7 @@
             </p:txBody>
           </p:sp>
         </mc:Choice>
-        <mc:Fallback>
+        <mc:Fallback xmlns="">
           <p:sp>
             <p:nvSpPr>
               <p:cNvPr id="4" name="文字方塊 3">
@@ -21980,8 +22108,8 @@
           </a:p>
         </p:txBody>
       </p:sp>
-      <mc:AlternateContent xmlns:mc="http://schemas.openxmlformats.org/markup-compatibility/2006">
-        <mc:Choice xmlns:a14="http://schemas.microsoft.com/office/drawing/2010/main" Requires="a14">
+      <mc:AlternateContent xmlns:mc="http://schemas.openxmlformats.org/markup-compatibility/2006" xmlns:a14="http://schemas.microsoft.com/office/drawing/2010/main">
+        <mc:Choice Requires="a14">
           <p:sp>
             <p:nvSpPr>
               <p:cNvPr id="11" name="文字方塊 10">
@@ -22151,7 +22279,7 @@
             </p:txBody>
           </p:sp>
         </mc:Choice>
-        <mc:Fallback>
+        <mc:Fallback xmlns="">
           <p:sp>
             <p:nvSpPr>
               <p:cNvPr id="11" name="文字方塊 10">
@@ -26718,7 +26846,7 @@
           <p:cNvPr id="2" name="標題 1">
             <a:extLst>
               <a:ext uri="{FF2B5EF4-FFF2-40B4-BE49-F238E27FC236}">
-                <a16:creationId xmlns:a16="http://schemas.microsoft.com/office/drawing/2014/main" id="{44A3EED0-E48E-5075-AF86-C1688A025F82}"/>
+                <a16:creationId xmlns:a16="http://schemas.microsoft.com/office/drawing/2014/main" id="{7FA3FE45-4295-5D12-72DA-78A7A3C053C0}"/>
               </a:ext>
             </a:extLst>
           </p:cNvPr>
@@ -26737,367 +26865,82 @@
             <a:pPr algn="ctr"/>
             <a:r>
               <a:rPr lang="en-US" altLang="zh-TW" dirty="0"/>
-              <a:t>T5 Wave(</a:t>
-            </a:r>
-            <a:r>
-              <a:rPr lang="en-US" altLang="zh-TW" dirty="0">
-                <a:solidFill>
-                  <a:srgbClr val="FF0000"/>
-                </a:solidFill>
-              </a:rPr>
-              <a:t>Two Tube</a:t>
-            </a:r>
-            <a:r>
-              <a:rPr lang="en-US" altLang="zh-TW" dirty="0"/>
-              <a:t>) </a:t>
-            </a:r>
-            <a:endParaRPr lang="zh-TW" altLang="en-US" dirty="0"/>
-          </a:p>
-        </p:txBody>
-      </p:sp>
-      <p:pic>
-        <p:nvPicPr>
-          <p:cNvPr id="5" name="內容版面配置區 4">
-            <a:extLst>
-              <a:ext uri="{FF2B5EF4-FFF2-40B4-BE49-F238E27FC236}">
-                <a16:creationId xmlns:a16="http://schemas.microsoft.com/office/drawing/2014/main" id="{F8E32013-00A1-9EF7-79F8-AF58B893170D}"/>
-              </a:ext>
-            </a:extLst>
-          </p:cNvPr>
-          <p:cNvPicPr>
-            <a:picLocks noGrp="1" noChangeAspect="1"/>
-          </p:cNvPicPr>
+              <a:t>T5</a:t>
+            </a:r>
+            <a:r>
+              <a:rPr lang="zh-TW" altLang="en-US" dirty="0"/>
+              <a:t>燈管</a:t>
+            </a:r>
+          </a:p>
+        </p:txBody>
+      </p:sp>
+      <p:sp>
+        <p:nvSpPr>
+          <p:cNvPr id="3" name="內容版面配置區 2">
+            <a:extLst>
+              <a:ext uri="{FF2B5EF4-FFF2-40B4-BE49-F238E27FC236}">
+                <a16:creationId xmlns:a16="http://schemas.microsoft.com/office/drawing/2014/main" id="{4DC4635D-935D-6A67-1D5F-0B307F9B2CE4}"/>
+              </a:ext>
+            </a:extLst>
+          </p:cNvPr>
+          <p:cNvSpPr>
+            <a:spLocks noGrp="1"/>
+          </p:cNvSpPr>
           <p:nvPr>
             <p:ph idx="1"/>
           </p:nvPr>
-        </p:nvPicPr>
-        <p:blipFill>
-          <a:blip r:embed="rId2">
-            <a:extLst>
-              <a:ext uri="{28A0092B-C50C-407E-A947-70E740481C1C}">
-                <a14:useLocalDpi xmlns:a14="http://schemas.microsoft.com/office/drawing/2010/main" val="0"/>
-              </a:ext>
-            </a:extLst>
-          </a:blip>
-          <a:stretch>
-            <a:fillRect/>
-          </a:stretch>
-        </p:blipFill>
-        <p:spPr>
-          <a:xfrm>
-            <a:off x="2052490" y="2045081"/>
-            <a:ext cx="8087019" cy="4351338"/>
-          </a:xfrm>
-        </p:spPr>
-      </p:pic>
-      <p:sp>
-        <p:nvSpPr>
-          <p:cNvPr id="6" name="文字方塊 5">
-            <a:extLst>
-              <a:ext uri="{FF2B5EF4-FFF2-40B4-BE49-F238E27FC236}">
-                <a16:creationId xmlns:a16="http://schemas.microsoft.com/office/drawing/2014/main" id="{5B4241EB-2F6F-E91D-8533-31FBE7E962CA}"/>
-              </a:ext>
-            </a:extLst>
-          </p:cNvPr>
-          <p:cNvSpPr txBox="1"/>
-          <p:nvPr/>
-        </p:nvSpPr>
-        <p:spPr>
-          <a:xfrm>
-            <a:off x="4541519" y="5028248"/>
-            <a:ext cx="1554480" cy="369332"/>
-          </a:xfrm>
-          <a:prstGeom prst="rect">
-            <a:avLst/>
-          </a:prstGeom>
-          <a:noFill/>
-        </p:spPr>
-        <p:txBody>
-          <a:bodyPr wrap="square" rtlCol="0">
-            <a:spAutoFit/>
-          </a:bodyPr>
-          <a:lstStyle/>
-          <a:p>
+        </p:nvSpPr>
+        <p:spPr/>
+        <p:txBody>
+          <a:bodyPr/>
+          <a:lstStyle/>
+          <a:p>
+            <a:pPr marL="0" indent="0">
+              <a:buNone/>
+            </a:pPr>
             <a:r>
               <a:rPr lang="zh-TW" altLang="en-US" dirty="0"/>
-              <a:t>高頻 </a:t>
-            </a:r>
-            <a:r>
-              <a:rPr lang="en-US" altLang="zh-TW" dirty="0"/>
-              <a:t>: 43Khz</a:t>
-            </a:r>
-            <a:endParaRPr lang="zh-TW" altLang="en-US" dirty="0"/>
-          </a:p>
-        </p:txBody>
-      </p:sp>
-      <mc:AlternateContent xmlns:mc="http://schemas.openxmlformats.org/markup-compatibility/2006" xmlns:a14="http://schemas.microsoft.com/office/drawing/2010/main">
-        <mc:Choice Requires="a14">
-          <p:sp>
-            <p:nvSpPr>
-              <p:cNvPr id="3" name="文字方塊 2">
-                <a:extLst>
-                  <a:ext uri="{FF2B5EF4-FFF2-40B4-BE49-F238E27FC236}">
-                    <a16:creationId xmlns:a16="http://schemas.microsoft.com/office/drawing/2014/main" id="{80FEDEA9-4DD9-44E7-3C87-B5484ED5C20F}"/>
-                  </a:ext>
-                </a:extLst>
-              </p:cNvPr>
-              <p:cNvSpPr txBox="1"/>
-              <p:nvPr/>
-            </p:nvSpPr>
-            <p:spPr>
-              <a:xfrm>
-                <a:off x="10326123" y="2533650"/>
-                <a:ext cx="4638105" cy="1200329"/>
-              </a:xfrm>
-              <a:prstGeom prst="rect">
-                <a:avLst/>
-              </a:prstGeom>
-              <a:noFill/>
-            </p:spPr>
-            <p:txBody>
-              <a:bodyPr wrap="square" rtlCol="0">
-                <a:spAutoFit/>
-              </a:bodyPr>
-              <a:lstStyle/>
-              <a:p>
-                <a:r>
-                  <a:rPr lang="en-US" altLang="zh-TW" dirty="0"/>
-                  <a:t>sinx + </a:t>
-                </a:r>
-                <a:r>
-                  <a:rPr lang="en-US" altLang="zh-TW" dirty="0" err="1"/>
-                  <a:t>siny</a:t>
-                </a:r>
-                <a:r>
-                  <a:rPr lang="en-US" altLang="zh-TW" dirty="0"/>
-                  <a:t>  = 2sin((</a:t>
-                </a:r>
-                <a:r>
-                  <a:rPr lang="en-US" altLang="zh-TW" dirty="0" err="1"/>
-                  <a:t>x+y</a:t>
-                </a:r>
-                <a:r>
-                  <a:rPr lang="en-US" altLang="zh-TW" dirty="0"/>
-                  <a:t>)/2) sin((x-y)/2)</a:t>
-                </a:r>
-              </a:p>
-              <a:p>
-                <a:r>
-                  <a:rPr lang="zh-TW" altLang="en-US" dirty="0"/>
-                  <a:t> </a:t>
-                </a:r>
-                <a:endParaRPr lang="en-US" altLang="zh-TW" dirty="0"/>
-              </a:p>
-              <a:p>
-                <a:r>
-                  <a:rPr lang="en-US" altLang="zh-TW" b="0" dirty="0" err="1">
-                    <a:ea typeface="Cambria Math" panose="02040503050406030204" pitchFamily="18" charset="0"/>
-                  </a:rPr>
-                  <a:t>Wher</a:t>
-                </a:r>
-                <a:r>
-                  <a:rPr lang="en-US" altLang="zh-TW" dirty="0">
-                    <a:ea typeface="Cambria Math" panose="02040503050406030204" pitchFamily="18" charset="0"/>
-                  </a:rPr>
-                  <a:t>e </a:t>
-                </a:r>
-                <a14:m>
-                  <m:oMath xmlns:m="http://schemas.openxmlformats.org/officeDocument/2006/math">
-                    <m:r>
-                      <m:rPr>
-                        <m:sty m:val="p"/>
-                      </m:rPr>
-                      <a:rPr lang="en-US" altLang="zh-TW" b="0" i="0" smtClean="0">
-                        <a:latin typeface="Cambria Math" panose="02040503050406030204" pitchFamily="18" charset="0"/>
-                        <a:ea typeface="Cambria Math" panose="02040503050406030204" pitchFamily="18" charset="0"/>
-                      </a:rPr>
-                      <m:t>x</m:t>
-                    </m:r>
-                    <m:r>
-                      <a:rPr lang="en-US" altLang="zh-TW" i="1" smtClean="0">
-                        <a:latin typeface="Cambria Math" panose="02040503050406030204" pitchFamily="18" charset="0"/>
-                        <a:ea typeface="Cambria Math" panose="02040503050406030204" pitchFamily="18" charset="0"/>
-                      </a:rPr>
-                      <m:t>≅</m:t>
-                    </m:r>
-                    <m:r>
-                      <a:rPr lang="en-US" altLang="zh-TW" b="0" i="1" smtClean="0">
-                        <a:latin typeface="Cambria Math" panose="02040503050406030204" pitchFamily="18" charset="0"/>
-                        <a:ea typeface="Cambria Math" panose="02040503050406030204" pitchFamily="18" charset="0"/>
-                      </a:rPr>
-                      <m:t>𝑦</m:t>
-                    </m:r>
-                    <m:r>
-                      <a:rPr lang="en-US" altLang="zh-TW" b="0" i="1" smtClean="0">
-                        <a:latin typeface="Cambria Math" panose="02040503050406030204" pitchFamily="18" charset="0"/>
-                        <a:ea typeface="Cambria Math" panose="02040503050406030204" pitchFamily="18" charset="0"/>
-                      </a:rPr>
-                      <m:t> , </m:t>
-                    </m:r>
-                    <m:r>
-                      <a:rPr lang="en-US" altLang="zh-TW" b="0" i="1" smtClean="0">
-                        <a:latin typeface="Cambria Math" panose="02040503050406030204" pitchFamily="18" charset="0"/>
-                        <a:ea typeface="Cambria Math" panose="02040503050406030204" pitchFamily="18" charset="0"/>
-                      </a:rPr>
-                      <m:t>𝑥</m:t>
-                    </m:r>
-                    <m:r>
-                      <a:rPr lang="en-US" altLang="zh-TW" b="0" i="1" smtClean="0">
-                        <a:latin typeface="Cambria Math" panose="02040503050406030204" pitchFamily="18" charset="0"/>
-                        <a:ea typeface="Cambria Math" panose="02040503050406030204" pitchFamily="18" charset="0"/>
-                      </a:rPr>
-                      <m:t> </m:t>
-                    </m:r>
-                    <m:r>
-                      <a:rPr lang="en-US" altLang="zh-TW" b="0" i="1" smtClean="0">
-                        <a:latin typeface="Cambria Math" panose="02040503050406030204" pitchFamily="18" charset="0"/>
-                        <a:ea typeface="Cambria Math" panose="02040503050406030204" pitchFamily="18" charset="0"/>
-                      </a:rPr>
-                      <m:t>𝑖𝑠</m:t>
-                    </m:r>
-                    <m:r>
-                      <a:rPr lang="en-US" altLang="zh-TW" b="0" i="1" smtClean="0">
-                        <a:latin typeface="Cambria Math" panose="02040503050406030204" pitchFamily="18" charset="0"/>
-                        <a:ea typeface="Cambria Math" panose="02040503050406030204" pitchFamily="18" charset="0"/>
-                      </a:rPr>
-                      <m:t> </m:t>
-                    </m:r>
-                    <m:r>
-                      <a:rPr lang="en-US" altLang="zh-TW" b="0" i="1" smtClean="0">
-                        <a:latin typeface="Cambria Math" panose="02040503050406030204" pitchFamily="18" charset="0"/>
-                        <a:ea typeface="Cambria Math" panose="02040503050406030204" pitchFamily="18" charset="0"/>
-                      </a:rPr>
-                      <m:t>𝑜𝑛𝑒</m:t>
-                    </m:r>
-                    <m:r>
-                      <a:rPr lang="en-US" altLang="zh-TW" b="0" i="1" smtClean="0">
-                        <a:latin typeface="Cambria Math" panose="02040503050406030204" pitchFamily="18" charset="0"/>
-                        <a:ea typeface="Cambria Math" panose="02040503050406030204" pitchFamily="18" charset="0"/>
-                      </a:rPr>
-                      <m:t> </m:t>
-                    </m:r>
-                    <m:r>
-                      <a:rPr lang="en-US" altLang="zh-TW" b="0" i="1" smtClean="0">
-                        <a:latin typeface="Cambria Math" panose="02040503050406030204" pitchFamily="18" charset="0"/>
-                        <a:ea typeface="Cambria Math" panose="02040503050406030204" pitchFamily="18" charset="0"/>
-                      </a:rPr>
-                      <m:t>𝑡𝑢𝑏𝑒</m:t>
-                    </m:r>
-                    <m:r>
-                      <a:rPr lang="en-US" altLang="zh-TW" b="0" i="1" smtClean="0">
-                        <a:latin typeface="Cambria Math" panose="02040503050406030204" pitchFamily="18" charset="0"/>
-                        <a:ea typeface="Cambria Math" panose="02040503050406030204" pitchFamily="18" charset="0"/>
-                      </a:rPr>
-                      <m:t> </m:t>
-                    </m:r>
-                    <m:r>
-                      <a:rPr lang="en-US" altLang="zh-TW" b="0" i="1" smtClean="0">
-                        <a:latin typeface="Cambria Math" panose="02040503050406030204" pitchFamily="18" charset="0"/>
-                        <a:ea typeface="Cambria Math" panose="02040503050406030204" pitchFamily="18" charset="0"/>
-                      </a:rPr>
-                      <m:t>𝑓𝑟𝑒𝑞𝑒𝑛𝑐𝑦</m:t>
-                    </m:r>
-                  </m:oMath>
-                </a14:m>
-                <a:endParaRPr lang="en-US" altLang="zh-TW" b="0" dirty="0">
-                  <a:ea typeface="Cambria Math" panose="02040503050406030204" pitchFamily="18" charset="0"/>
-                </a:endParaRPr>
-              </a:p>
-              <a:p>
-                <a:r>
-                  <a:rPr lang="en-US" altLang="zh-TW" dirty="0"/>
-                  <a:t>and y is another tube frequency.</a:t>
-                </a:r>
-                <a:endParaRPr lang="zh-TW" altLang="en-US" dirty="0"/>
-              </a:p>
-            </p:txBody>
-          </p:sp>
-        </mc:Choice>
-        <mc:Fallback xmlns="">
-          <p:sp>
-            <p:nvSpPr>
-              <p:cNvPr id="3" name="文字方塊 2">
-                <a:extLst>
-                  <a:ext uri="{FF2B5EF4-FFF2-40B4-BE49-F238E27FC236}">
-                    <a16:creationId xmlns:a16="http://schemas.microsoft.com/office/drawing/2014/main" id="{80FEDEA9-4DD9-44E7-3C87-B5484ED5C20F}"/>
-                  </a:ext>
-                </a:extLst>
-              </p:cNvPr>
-              <p:cNvSpPr txBox="1">
-                <a:spLocks noRot="1" noChangeAspect="1" noMove="1" noResize="1" noEditPoints="1" noAdjustHandles="1" noChangeArrowheads="1" noChangeShapeType="1" noTextEdit="1"/>
-              </p:cNvSpPr>
-              <p:nvPr/>
-            </p:nvSpPr>
-            <p:spPr>
-              <a:xfrm>
-                <a:off x="10326123" y="2533650"/>
-                <a:ext cx="4638105" cy="1200329"/>
-              </a:xfrm>
-              <a:prstGeom prst="rect">
-                <a:avLst/>
-              </a:prstGeom>
-              <a:blipFill>
-                <a:blip r:embed="rId3"/>
-                <a:stretch>
-                  <a:fillRect l="-1183" t="-3046" b="-7107"/>
-                </a:stretch>
-              </a:blipFill>
-            </p:spPr>
-            <p:txBody>
-              <a:bodyPr/>
-              <a:lstStyle/>
-              <a:p>
-                <a:r>
-                  <a:rPr lang="zh-TW" altLang="en-US">
-                    <a:noFill/>
-                  </a:rPr>
-                  <a:t> </a:t>
-                </a:r>
-              </a:p>
-            </p:txBody>
-          </p:sp>
-        </mc:Fallback>
-      </mc:AlternateContent>
-      <p:pic>
-        <p:nvPicPr>
-          <p:cNvPr id="7" name="圖片 6">
-            <a:extLst>
-              <a:ext uri="{FF2B5EF4-FFF2-40B4-BE49-F238E27FC236}">
-                <a16:creationId xmlns:a16="http://schemas.microsoft.com/office/drawing/2014/main" id="{44D142B3-9C0B-91DF-1903-17DC00B8F2B3}"/>
-              </a:ext>
-            </a:extLst>
-          </p:cNvPr>
-          <p:cNvPicPr>
-            <a:picLocks noChangeAspect="1"/>
-          </p:cNvPicPr>
-          <p:nvPr/>
-        </p:nvPicPr>
-        <p:blipFill>
-          <a:blip r:embed="rId4">
-            <a:extLst>
-              <a:ext uri="{28A0092B-C50C-407E-A947-70E740481C1C}">
-                <a14:useLocalDpi xmlns:a14="http://schemas.microsoft.com/office/drawing/2010/main" val="0"/>
-              </a:ext>
-            </a:extLst>
-          </a:blip>
-          <a:stretch>
-            <a:fillRect/>
-          </a:stretch>
-        </p:blipFill>
-        <p:spPr>
-          <a:xfrm>
-            <a:off x="10377487" y="4162425"/>
-            <a:ext cx="3521539" cy="2596098"/>
-          </a:xfrm>
-          <a:prstGeom prst="rect">
-            <a:avLst/>
-          </a:prstGeom>
-        </p:spPr>
-      </p:pic>
+              <a:t>原因 </a:t>
+            </a:r>
+            <a:r>
+              <a:rPr lang="en-US" altLang="zh-TW" dirty="0"/>
+              <a:t>:</a:t>
+            </a:r>
+            <a:r>
+              <a:rPr lang="zh-TW" altLang="en-US" dirty="0"/>
+              <a:t> 工廠作業員操作時</a:t>
+            </a:r>
+            <a:r>
+              <a:rPr lang="en-US" altLang="zh-TW" dirty="0"/>
+              <a:t>(</a:t>
+            </a:r>
+            <a:r>
+              <a:rPr lang="zh-TW" altLang="en-US" dirty="0"/>
+              <a:t>例如</a:t>
+            </a:r>
+            <a:r>
+              <a:rPr lang="en-US" altLang="zh-TW" dirty="0"/>
+              <a:t>Calibration)</a:t>
+            </a:r>
+            <a:r>
+              <a:rPr lang="zh-TW" altLang="en-US" dirty="0"/>
+              <a:t>，上方通常是</a:t>
+            </a:r>
+            <a:r>
+              <a:rPr lang="en-US" altLang="zh-TW" dirty="0"/>
+              <a:t>T5</a:t>
+            </a:r>
+            <a:r>
+              <a:rPr lang="zh-TW" altLang="en-US" dirty="0"/>
+              <a:t>燈管會造成收訊影響。</a:t>
+            </a:r>
+          </a:p>
+        </p:txBody>
+      </p:sp>
     </p:spTree>
     <p:extLst>
       <p:ext uri="{BB962C8B-B14F-4D97-AF65-F5344CB8AC3E}">
-        <p14:creationId xmlns:p14="http://schemas.microsoft.com/office/powerpoint/2010/main" val="2533574312"/>
+        <p14:creationId xmlns:p14="http://schemas.microsoft.com/office/powerpoint/2010/main" val="2645209030"/>
       </p:ext>
     </p:extLst>
   </p:cSld>
@@ -27293,7 +27136,7 @@
           <p:cNvPr id="2" name="標題 1">
             <a:extLst>
               <a:ext uri="{FF2B5EF4-FFF2-40B4-BE49-F238E27FC236}">
-                <a16:creationId xmlns:a16="http://schemas.microsoft.com/office/drawing/2014/main" id="{44A3EED0-E48E-5075-AF86-C1688A025F82}"/>
+                <a16:creationId xmlns:a16="http://schemas.microsoft.com/office/drawing/2014/main" id="{625D826C-5CB6-9496-796D-124B7B4367B0}"/>
               </a:ext>
             </a:extLst>
           </p:cNvPr>
@@ -27312,7 +27155,7 @@
             <a:pPr algn="ctr"/>
             <a:r>
               <a:rPr lang="en-US" altLang="zh-TW" dirty="0"/>
-              <a:t>DSSS Wave with T5</a:t>
+              <a:t>T5 Tube(One Tube)</a:t>
             </a:r>
             <a:endParaRPr lang="zh-TW" altLang="en-US" dirty="0"/>
           </a:p>
@@ -27323,7 +27166,7 @@
           <p:cNvPr id="5" name="內容版面配置區 4">
             <a:extLst>
               <a:ext uri="{FF2B5EF4-FFF2-40B4-BE49-F238E27FC236}">
-                <a16:creationId xmlns:a16="http://schemas.microsoft.com/office/drawing/2014/main" id="{F8E32013-00A1-9EF7-79F8-AF58B893170D}"/>
+                <a16:creationId xmlns:a16="http://schemas.microsoft.com/office/drawing/2014/main" id="{F0AFCEA9-7208-2262-BC53-2A3CEAA51FCC}"/>
               </a:ext>
             </a:extLst>
           </p:cNvPr>
@@ -27342,6 +27185,1113 @@
               </a:ext>
             </a:extLst>
           </a:blip>
+          <a:stretch>
+            <a:fillRect/>
+          </a:stretch>
+        </p:blipFill>
+        <p:spPr>
+          <a:xfrm>
+            <a:off x="943897" y="1766630"/>
+            <a:ext cx="10606548" cy="4585007"/>
+          </a:xfrm>
+        </p:spPr>
+      </p:pic>
+      <p:sp>
+        <p:nvSpPr>
+          <p:cNvPr id="6" name="文字方塊 5">
+            <a:extLst>
+              <a:ext uri="{FF2B5EF4-FFF2-40B4-BE49-F238E27FC236}">
+                <a16:creationId xmlns:a16="http://schemas.microsoft.com/office/drawing/2014/main" id="{22C364DC-37DE-ECF2-84A5-3EF7C5F4C768}"/>
+              </a:ext>
+            </a:extLst>
+          </p:cNvPr>
+          <p:cNvSpPr txBox="1"/>
+          <p:nvPr/>
+        </p:nvSpPr>
+        <p:spPr>
+          <a:xfrm>
+            <a:off x="4866968" y="2517058"/>
+            <a:ext cx="1071716" cy="369332"/>
+          </a:xfrm>
+          <a:prstGeom prst="rect">
+            <a:avLst/>
+          </a:prstGeom>
+          <a:noFill/>
+        </p:spPr>
+        <p:txBody>
+          <a:bodyPr wrap="square" rtlCol="0">
+            <a:spAutoFit/>
+          </a:bodyPr>
+          <a:lstStyle/>
+          <a:p>
+            <a:r>
+              <a:rPr lang="en-US" altLang="zh-TW" dirty="0"/>
+              <a:t>45Khz</a:t>
+            </a:r>
+            <a:endParaRPr lang="zh-TW" altLang="en-US" dirty="0"/>
+          </a:p>
+        </p:txBody>
+      </p:sp>
+    </p:spTree>
+    <p:extLst>
+      <p:ext uri="{BB962C8B-B14F-4D97-AF65-F5344CB8AC3E}">
+        <p14:creationId xmlns:p14="http://schemas.microsoft.com/office/powerpoint/2010/main" val="141978425"/>
+      </p:ext>
+    </p:extLst>
+  </p:cSld>
+  <p:clrMapOvr>
+    <a:masterClrMapping/>
+  </p:clrMapOvr>
+</p:sld>
+</file>
+
+<file path=ppt/slides/slide41.xml><?xml version="1.0" encoding="utf-8"?>
+<p:sld xmlns:a="http://schemas.openxmlformats.org/drawingml/2006/main" xmlns:r="http://schemas.openxmlformats.org/officeDocument/2006/relationships" xmlns:p="http://schemas.openxmlformats.org/presentationml/2006/main">
+  <p:cSld>
+    <p:spTree>
+      <p:nvGrpSpPr>
+        <p:cNvPr id="1" name=""/>
+        <p:cNvGrpSpPr/>
+        <p:nvPr/>
+      </p:nvGrpSpPr>
+      <p:grpSpPr>
+        <a:xfrm>
+          <a:off x="0" y="0"/>
+          <a:ext cx="0" cy="0"/>
+          <a:chOff x="0" y="0"/>
+          <a:chExt cx="0" cy="0"/>
+        </a:xfrm>
+      </p:grpSpPr>
+      <p:sp>
+        <p:nvSpPr>
+          <p:cNvPr id="2" name="標題 1">
+            <a:extLst>
+              <a:ext uri="{FF2B5EF4-FFF2-40B4-BE49-F238E27FC236}">
+                <a16:creationId xmlns:a16="http://schemas.microsoft.com/office/drawing/2014/main" id="{44A3EED0-E48E-5075-AF86-C1688A025F82}"/>
+              </a:ext>
+            </a:extLst>
+          </p:cNvPr>
+          <p:cNvSpPr>
+            <a:spLocks noGrp="1"/>
+          </p:cNvSpPr>
+          <p:nvPr>
+            <p:ph type="title"/>
+          </p:nvPr>
+        </p:nvSpPr>
+        <p:spPr/>
+        <p:txBody>
+          <a:bodyPr/>
+          <a:lstStyle/>
+          <a:p>
+            <a:pPr algn="ctr"/>
+            <a:r>
+              <a:rPr lang="en-US" altLang="zh-TW" dirty="0"/>
+              <a:t>T5 Wave(</a:t>
+            </a:r>
+            <a:r>
+              <a:rPr lang="en-US" altLang="zh-TW" dirty="0">
+                <a:solidFill>
+                  <a:srgbClr val="FF0000"/>
+                </a:solidFill>
+              </a:rPr>
+              <a:t>Two Tube</a:t>
+            </a:r>
+            <a:r>
+              <a:rPr lang="en-US" altLang="zh-TW" dirty="0"/>
+              <a:t>) </a:t>
+            </a:r>
+            <a:endParaRPr lang="zh-TW" altLang="en-US" dirty="0"/>
+          </a:p>
+        </p:txBody>
+      </p:sp>
+      <p:pic>
+        <p:nvPicPr>
+          <p:cNvPr id="5" name="內容版面配置區 4">
+            <a:extLst>
+              <a:ext uri="{FF2B5EF4-FFF2-40B4-BE49-F238E27FC236}">
+                <a16:creationId xmlns:a16="http://schemas.microsoft.com/office/drawing/2014/main" id="{F8E32013-00A1-9EF7-79F8-AF58B893170D}"/>
+              </a:ext>
+            </a:extLst>
+          </p:cNvPr>
+          <p:cNvPicPr>
+            <a:picLocks noGrp="1" noChangeAspect="1"/>
+          </p:cNvPicPr>
+          <p:nvPr>
+            <p:ph idx="1"/>
+          </p:nvPr>
+        </p:nvPicPr>
+        <p:blipFill>
+          <a:blip r:embed="rId2">
+            <a:extLst>
+              <a:ext uri="{28A0092B-C50C-407E-A947-70E740481C1C}">
+                <a14:useLocalDpi xmlns:a14="http://schemas.microsoft.com/office/drawing/2010/main" val="0"/>
+              </a:ext>
+            </a:extLst>
+          </a:blip>
+          <a:stretch>
+            <a:fillRect/>
+          </a:stretch>
+        </p:blipFill>
+        <p:spPr>
+          <a:xfrm>
+            <a:off x="2052490" y="2045081"/>
+            <a:ext cx="8087019" cy="4351338"/>
+          </a:xfrm>
+        </p:spPr>
+      </p:pic>
+      <p:sp>
+        <p:nvSpPr>
+          <p:cNvPr id="6" name="文字方塊 5">
+            <a:extLst>
+              <a:ext uri="{FF2B5EF4-FFF2-40B4-BE49-F238E27FC236}">
+                <a16:creationId xmlns:a16="http://schemas.microsoft.com/office/drawing/2014/main" id="{5B4241EB-2F6F-E91D-8533-31FBE7E962CA}"/>
+              </a:ext>
+            </a:extLst>
+          </p:cNvPr>
+          <p:cNvSpPr txBox="1"/>
+          <p:nvPr/>
+        </p:nvSpPr>
+        <p:spPr>
+          <a:xfrm>
+            <a:off x="4541519" y="5028248"/>
+            <a:ext cx="1554480" cy="369332"/>
+          </a:xfrm>
+          <a:prstGeom prst="rect">
+            <a:avLst/>
+          </a:prstGeom>
+          <a:noFill/>
+        </p:spPr>
+        <p:txBody>
+          <a:bodyPr wrap="square" rtlCol="0">
+            <a:spAutoFit/>
+          </a:bodyPr>
+          <a:lstStyle/>
+          <a:p>
+            <a:r>
+              <a:rPr lang="zh-TW" altLang="en-US" dirty="0"/>
+              <a:t>高頻 </a:t>
+            </a:r>
+            <a:r>
+              <a:rPr lang="en-US" altLang="zh-TW" dirty="0"/>
+              <a:t>: 43Khz</a:t>
+            </a:r>
+            <a:endParaRPr lang="zh-TW" altLang="en-US" dirty="0"/>
+          </a:p>
+        </p:txBody>
+      </p:sp>
+    </p:spTree>
+    <p:extLst>
+      <p:ext uri="{BB962C8B-B14F-4D97-AF65-F5344CB8AC3E}">
+        <p14:creationId xmlns:p14="http://schemas.microsoft.com/office/powerpoint/2010/main" val="2533574312"/>
+      </p:ext>
+    </p:extLst>
+  </p:cSld>
+  <p:clrMapOvr>
+    <a:masterClrMapping/>
+  </p:clrMapOvr>
+</p:sld>
+</file>
+
+<file path=ppt/slides/slide42.xml><?xml version="1.0" encoding="utf-8"?>
+<p:sld xmlns:a="http://schemas.openxmlformats.org/drawingml/2006/main" xmlns:r="http://schemas.openxmlformats.org/officeDocument/2006/relationships" xmlns:p="http://schemas.openxmlformats.org/presentationml/2006/main">
+  <p:cSld>
+    <p:spTree>
+      <p:nvGrpSpPr>
+        <p:cNvPr id="1" name=""/>
+        <p:cNvGrpSpPr/>
+        <p:nvPr/>
+      </p:nvGrpSpPr>
+      <p:grpSpPr>
+        <a:xfrm>
+          <a:off x="0" y="0"/>
+          <a:ext cx="0" cy="0"/>
+          <a:chOff x="0" y="0"/>
+          <a:chExt cx="0" cy="0"/>
+        </a:xfrm>
+      </p:grpSpPr>
+      <p:sp>
+        <p:nvSpPr>
+          <p:cNvPr id="2" name="標題 1">
+            <a:extLst>
+              <a:ext uri="{FF2B5EF4-FFF2-40B4-BE49-F238E27FC236}">
+                <a16:creationId xmlns:a16="http://schemas.microsoft.com/office/drawing/2014/main" id="{170893E1-DD9C-F470-BC31-3278560367AB}"/>
+              </a:ext>
+            </a:extLst>
+          </p:cNvPr>
+          <p:cNvSpPr>
+            <a:spLocks noGrp="1"/>
+          </p:cNvSpPr>
+          <p:nvPr>
+            <p:ph type="title"/>
+          </p:nvPr>
+        </p:nvSpPr>
+        <p:spPr/>
+        <p:txBody>
+          <a:bodyPr/>
+          <a:lstStyle/>
+          <a:p>
+            <a:pPr algn="ctr"/>
+            <a:r>
+              <a:rPr lang="zh-TW" altLang="en-US" dirty="0"/>
+              <a:t>解釋</a:t>
+            </a:r>
+            <a:r>
+              <a:rPr lang="en-US" altLang="zh-TW" dirty="0"/>
+              <a:t>T5</a:t>
+            </a:r>
+            <a:r>
+              <a:rPr lang="zh-TW" altLang="en-US" dirty="0"/>
+              <a:t>燈管</a:t>
+            </a:r>
+            <a:r>
+              <a:rPr lang="en-US" altLang="zh-TW" dirty="0"/>
+              <a:t>(two tube)</a:t>
+            </a:r>
+            <a:endParaRPr lang="zh-TW" altLang="en-US" dirty="0"/>
+          </a:p>
+        </p:txBody>
+      </p:sp>
+      <mc:AlternateContent xmlns:mc="http://schemas.openxmlformats.org/markup-compatibility/2006">
+        <mc:Choice xmlns:a14="http://schemas.microsoft.com/office/drawing/2010/main" Requires="a14">
+          <p:sp>
+            <p:nvSpPr>
+              <p:cNvPr id="3" name="內容版面配置區 2">
+                <a:extLst>
+                  <a:ext uri="{FF2B5EF4-FFF2-40B4-BE49-F238E27FC236}">
+                    <a16:creationId xmlns:a16="http://schemas.microsoft.com/office/drawing/2014/main" id="{B0C930EC-BC8C-9B24-39DD-AEE0D701499C}"/>
+                  </a:ext>
+                </a:extLst>
+              </p:cNvPr>
+              <p:cNvSpPr>
+                <a:spLocks noGrp="1"/>
+              </p:cNvSpPr>
+              <p:nvPr>
+                <p:ph idx="1"/>
+              </p:nvPr>
+            </p:nvSpPr>
+            <p:spPr/>
+            <p:txBody>
+              <a:bodyPr/>
+              <a:lstStyle/>
+              <a:p>
+                <a:pPr marL="0" indent="0">
+                  <a:buNone/>
+                </a:pPr>
+                <a:r>
+                  <a:rPr lang="zh-TW" altLang="en-US" dirty="0"/>
+                  <a:t>上一張圖兩個</a:t>
+                </a:r>
+                <a:r>
+                  <a:rPr lang="en-US" altLang="zh-TW" dirty="0"/>
+                  <a:t>T5</a:t>
+                </a:r>
+                <a:r>
+                  <a:rPr lang="zh-TW" altLang="en-US" dirty="0"/>
+                  <a:t>燈管</a:t>
+                </a:r>
+                <a:r>
+                  <a:rPr lang="en-US" altLang="zh-TW" dirty="0"/>
+                  <a:t>Waveform</a:t>
+                </a:r>
+                <a:r>
+                  <a:rPr lang="zh-TW" altLang="en-US" dirty="0"/>
+                  <a:t>的形成原因</a:t>
+                </a:r>
+                <a:endParaRPr lang="en-US" altLang="zh-TW" dirty="0"/>
+              </a:p>
+              <a:p>
+                <a:pPr marL="0" indent="0">
+                  <a:buNone/>
+                </a:pPr>
+                <a:endParaRPr lang="en-US" altLang="zh-TW" dirty="0"/>
+              </a:p>
+              <a:p>
+                <a:pPr marL="0" indent="0">
+                  <a:buNone/>
+                </a:pPr>
+                <a:r>
+                  <a:rPr lang="zh-TW" altLang="en-US" dirty="0"/>
+                  <a:t>原因 </a:t>
+                </a:r>
+                <a:r>
+                  <a:rPr lang="en-US" altLang="zh-TW" dirty="0"/>
+                  <a:t>:</a:t>
+                </a:r>
+                <a:r>
+                  <a:rPr lang="zh-TW" altLang="en-US" dirty="0"/>
+                  <a:t> 兩個主頻相似、並且有</a:t>
+                </a:r>
+                <a:r>
+                  <a:rPr lang="en-US" altLang="zh-TW" dirty="0"/>
+                  <a:t>Phase</a:t>
+                </a:r>
+                <a:r>
+                  <a:rPr lang="zh-TW" altLang="en-US" dirty="0"/>
+                  <a:t>差的波，經過干涉</a:t>
+                </a:r>
+                <a:r>
+                  <a:rPr lang="en-US" altLang="zh-TW" dirty="0"/>
+                  <a:t>(</a:t>
+                </a:r>
+                <a:r>
+                  <a:rPr lang="zh-TW" altLang="en-US" dirty="0"/>
+                  <a:t>疊加</a:t>
+                </a:r>
+                <a:r>
+                  <a:rPr lang="en-US" altLang="zh-TW" dirty="0"/>
+                  <a:t>)</a:t>
+                </a:r>
+                <a:r>
+                  <a:rPr lang="zh-TW" altLang="en-US" dirty="0"/>
+                  <a:t>。</a:t>
+                </a:r>
+                <a:endParaRPr lang="en-US" altLang="zh-TW" dirty="0"/>
+              </a:p>
+              <a:p>
+                <a:pPr marL="0" indent="0">
+                  <a:buNone/>
+                </a:pPr>
+                <a:endParaRPr lang="en-US" altLang="zh-TW" dirty="0"/>
+              </a:p>
+              <a:p>
+                <a:pPr marL="0" indent="0">
+                  <a:buNone/>
+                </a:pPr>
+                <a:endParaRPr lang="en-US" altLang="zh-TW" i="1" dirty="0">
+                  <a:latin typeface="Cambria Math" panose="02040503050406030204" pitchFamily="18" charset="0"/>
+                </a:endParaRPr>
+              </a:p>
+              <a:p>
+                <a:pPr marL="0" indent="0">
+                  <a:buNone/>
+                </a:pPr>
+                <a14:m>
+                  <m:oMathPara xmlns:m="http://schemas.openxmlformats.org/officeDocument/2006/math">
+                    <m:oMathParaPr>
+                      <m:jc m:val="centerGroup"/>
+                    </m:oMathParaPr>
+                    <m:oMath xmlns:m="http://schemas.openxmlformats.org/officeDocument/2006/math">
+                      <m:func>
+                        <m:funcPr>
+                          <m:ctrlPr>
+                            <a:rPr lang="en-US" altLang="zh-TW" i="1" smtClean="0">
+                              <a:latin typeface="Cambria Math" panose="02040503050406030204" pitchFamily="18" charset="0"/>
+                            </a:rPr>
+                          </m:ctrlPr>
+                        </m:funcPr>
+                        <m:fName>
+                          <m:r>
+                            <m:rPr>
+                              <m:sty m:val="p"/>
+                            </m:rPr>
+                            <a:rPr lang="en-US" altLang="zh-TW" i="0" smtClean="0">
+                              <a:latin typeface="Cambria Math" panose="02040503050406030204" pitchFamily="18" charset="0"/>
+                            </a:rPr>
+                            <m:t>sin</m:t>
+                          </m:r>
+                        </m:fName>
+                        <m:e>
+                          <m:r>
+                            <a:rPr lang="en-US" altLang="zh-TW" b="0" i="1" smtClean="0">
+                              <a:latin typeface="Cambria Math" panose="02040503050406030204" pitchFamily="18" charset="0"/>
+                            </a:rPr>
+                            <m:t>𝑥</m:t>
+                          </m:r>
+                        </m:e>
+                      </m:func>
+                      <m:r>
+                        <a:rPr lang="en-US" altLang="zh-TW" b="0" i="1" smtClean="0">
+                          <a:latin typeface="Cambria Math" panose="02040503050406030204" pitchFamily="18" charset="0"/>
+                        </a:rPr>
+                        <m:t>+</m:t>
+                      </m:r>
+                      <m:func>
+                        <m:funcPr>
+                          <m:ctrlPr>
+                            <a:rPr lang="en-US" altLang="zh-TW" b="0" i="1" smtClean="0">
+                              <a:latin typeface="Cambria Math" panose="02040503050406030204" pitchFamily="18" charset="0"/>
+                            </a:rPr>
+                          </m:ctrlPr>
+                        </m:funcPr>
+                        <m:fName>
+                          <m:r>
+                            <m:rPr>
+                              <m:sty m:val="p"/>
+                            </m:rPr>
+                            <a:rPr lang="en-US" altLang="zh-TW" b="0" i="0" smtClean="0">
+                              <a:latin typeface="Cambria Math" panose="02040503050406030204" pitchFamily="18" charset="0"/>
+                            </a:rPr>
+                            <m:t>sin</m:t>
+                          </m:r>
+                        </m:fName>
+                        <m:e>
+                          <m:r>
+                            <a:rPr lang="en-US" altLang="zh-TW" b="0" i="1" smtClean="0">
+                              <a:latin typeface="Cambria Math" panose="02040503050406030204" pitchFamily="18" charset="0"/>
+                            </a:rPr>
+                            <m:t>𝑦</m:t>
+                          </m:r>
+                          <m:r>
+                            <a:rPr lang="en-US" altLang="zh-TW" b="0" i="1" smtClean="0">
+                              <a:latin typeface="Cambria Math" panose="02040503050406030204" pitchFamily="18" charset="0"/>
+                            </a:rPr>
+                            <m:t>=</m:t>
+                          </m:r>
+                        </m:e>
+                      </m:func>
+                      <m:func>
+                        <m:funcPr>
+                          <m:ctrlPr>
+                            <a:rPr lang="en-US" altLang="zh-TW" b="0" i="1" smtClean="0">
+                              <a:latin typeface="Cambria Math" panose="02040503050406030204" pitchFamily="18" charset="0"/>
+                            </a:rPr>
+                          </m:ctrlPr>
+                        </m:funcPr>
+                        <m:fName>
+                          <m:r>
+                            <a:rPr lang="en-US" altLang="zh-TW" b="0" i="0" smtClean="0">
+                              <a:latin typeface="Cambria Math" panose="02040503050406030204" pitchFamily="18" charset="0"/>
+                            </a:rPr>
+                            <m:t>2</m:t>
+                          </m:r>
+                          <m:r>
+                            <m:rPr>
+                              <m:sty m:val="p"/>
+                            </m:rPr>
+                            <a:rPr lang="en-US" altLang="zh-TW" b="0" i="0" smtClean="0">
+                              <a:latin typeface="Cambria Math" panose="02040503050406030204" pitchFamily="18" charset="0"/>
+                            </a:rPr>
+                            <m:t>sin</m:t>
+                          </m:r>
+                        </m:fName>
+                        <m:e>
+                          <m:r>
+                            <a:rPr lang="en-US" altLang="zh-TW" i="1">
+                              <a:latin typeface="Cambria Math" panose="02040503050406030204" pitchFamily="18" charset="0"/>
+                            </a:rPr>
+                            <m:t>(</m:t>
+                          </m:r>
+                          <m:f>
+                            <m:fPr>
+                              <m:ctrlPr>
+                                <a:rPr lang="en-US" altLang="zh-TW" i="1" smtClean="0">
+                                  <a:latin typeface="Cambria Math" panose="02040503050406030204" pitchFamily="18" charset="0"/>
+                                </a:rPr>
+                              </m:ctrlPr>
+                            </m:fPr>
+                            <m:num>
+                              <m:r>
+                                <a:rPr lang="en-US" altLang="zh-TW" b="0" i="1" smtClean="0">
+                                  <a:latin typeface="Cambria Math" panose="02040503050406030204" pitchFamily="18" charset="0"/>
+                                </a:rPr>
+                                <m:t>𝑥</m:t>
+                              </m:r>
+                              <m:r>
+                                <a:rPr lang="en-US" altLang="zh-TW" b="0" i="1" smtClean="0">
+                                  <a:latin typeface="Cambria Math" panose="02040503050406030204" pitchFamily="18" charset="0"/>
+                                </a:rPr>
+                                <m:t>+</m:t>
+                              </m:r>
+                              <m:r>
+                                <a:rPr lang="en-US" altLang="zh-TW" b="0" i="1" smtClean="0">
+                                  <a:latin typeface="Cambria Math" panose="02040503050406030204" pitchFamily="18" charset="0"/>
+                                </a:rPr>
+                                <m:t>𝑦</m:t>
+                              </m:r>
+                            </m:num>
+                            <m:den>
+                              <m:r>
+                                <a:rPr lang="en-US" altLang="zh-TW" b="0" i="1" smtClean="0">
+                                  <a:latin typeface="Cambria Math" panose="02040503050406030204" pitchFamily="18" charset="0"/>
+                                </a:rPr>
+                                <m:t>2</m:t>
+                              </m:r>
+                            </m:den>
+                          </m:f>
+                          <m:r>
+                            <a:rPr lang="en-US" altLang="zh-TW" i="1" smtClean="0">
+                              <a:latin typeface="Cambria Math" panose="02040503050406030204" pitchFamily="18" charset="0"/>
+                            </a:rPr>
+                            <m:t>)</m:t>
+                          </m:r>
+                        </m:e>
+                      </m:func>
+                      <m:func>
+                        <m:funcPr>
+                          <m:ctrlPr>
+                            <a:rPr lang="en-US" altLang="zh-TW" b="0" i="1" smtClean="0">
+                              <a:latin typeface="Cambria Math" panose="02040503050406030204" pitchFamily="18" charset="0"/>
+                            </a:rPr>
+                          </m:ctrlPr>
+                        </m:funcPr>
+                        <m:fName>
+                          <m:r>
+                            <m:rPr>
+                              <m:sty m:val="p"/>
+                            </m:rPr>
+                            <a:rPr lang="en-US" altLang="zh-TW" b="0" i="0" smtClean="0">
+                              <a:latin typeface="Cambria Math" panose="02040503050406030204" pitchFamily="18" charset="0"/>
+                            </a:rPr>
+                            <m:t>sin</m:t>
+                          </m:r>
+                        </m:fName>
+                        <m:e>
+                          <m:r>
+                            <a:rPr lang="en-US" altLang="zh-TW" b="0" i="1" smtClean="0">
+                              <a:latin typeface="Cambria Math" panose="02040503050406030204" pitchFamily="18" charset="0"/>
+                            </a:rPr>
+                            <m:t>(</m:t>
+                          </m:r>
+                          <m:f>
+                            <m:fPr>
+                              <m:ctrlPr>
+                                <a:rPr lang="en-US" altLang="zh-TW" b="0" i="1" smtClean="0">
+                                  <a:latin typeface="Cambria Math" panose="02040503050406030204" pitchFamily="18" charset="0"/>
+                                </a:rPr>
+                              </m:ctrlPr>
+                            </m:fPr>
+                            <m:num>
+                              <m:r>
+                                <a:rPr lang="en-US" altLang="zh-TW" b="0" i="1" smtClean="0">
+                                  <a:latin typeface="Cambria Math" panose="02040503050406030204" pitchFamily="18" charset="0"/>
+                                </a:rPr>
+                                <m:t>𝑥</m:t>
+                              </m:r>
+                              <m:r>
+                                <a:rPr lang="en-US" altLang="zh-TW" b="0" i="1" smtClean="0">
+                                  <a:latin typeface="Cambria Math" panose="02040503050406030204" pitchFamily="18" charset="0"/>
+                                </a:rPr>
+                                <m:t>−</m:t>
+                              </m:r>
+                              <m:r>
+                                <a:rPr lang="en-US" altLang="zh-TW" b="0" i="1" smtClean="0">
+                                  <a:latin typeface="Cambria Math" panose="02040503050406030204" pitchFamily="18" charset="0"/>
+                                </a:rPr>
+                                <m:t>𝑦</m:t>
+                              </m:r>
+                            </m:num>
+                            <m:den>
+                              <m:r>
+                                <a:rPr lang="en-US" altLang="zh-TW" b="0" i="1" smtClean="0">
+                                  <a:latin typeface="Cambria Math" panose="02040503050406030204" pitchFamily="18" charset="0"/>
+                                </a:rPr>
+                                <m:t>2</m:t>
+                              </m:r>
+                            </m:den>
+                          </m:f>
+                          <m:r>
+                            <a:rPr lang="en-US" altLang="zh-TW" b="0" i="1" smtClean="0">
+                              <a:latin typeface="Cambria Math" panose="02040503050406030204" pitchFamily="18" charset="0"/>
+                            </a:rPr>
+                            <m:t>)</m:t>
+                          </m:r>
+                        </m:e>
+                      </m:func>
+                    </m:oMath>
+                  </m:oMathPara>
+                </a14:m>
+                <a:endParaRPr lang="zh-TW" altLang="en-US" dirty="0"/>
+              </a:p>
+            </p:txBody>
+          </p:sp>
+        </mc:Choice>
+        <mc:Fallback>
+          <p:sp>
+            <p:nvSpPr>
+              <p:cNvPr id="3" name="內容版面配置區 2">
+                <a:extLst>
+                  <a:ext uri="{FF2B5EF4-FFF2-40B4-BE49-F238E27FC236}">
+                    <a16:creationId xmlns:a16="http://schemas.microsoft.com/office/drawing/2014/main" id="{B0C930EC-BC8C-9B24-39DD-AEE0D701499C}"/>
+                  </a:ext>
+                </a:extLst>
+              </p:cNvPr>
+              <p:cNvSpPr>
+                <a:spLocks noGrp="1" noRot="1" noChangeAspect="1" noMove="1" noResize="1" noEditPoints="1" noAdjustHandles="1" noChangeArrowheads="1" noChangeShapeType="1" noTextEdit="1"/>
+              </p:cNvSpPr>
+              <p:nvPr>
+                <p:ph idx="1"/>
+              </p:nvPr>
+            </p:nvSpPr>
+            <p:spPr>
+              <a:blipFill>
+                <a:blip r:embed="rId3"/>
+                <a:stretch>
+                  <a:fillRect l="-1217" t="-2521"/>
+                </a:stretch>
+              </a:blipFill>
+            </p:spPr>
+            <p:txBody>
+              <a:bodyPr/>
+              <a:lstStyle/>
+              <a:p>
+                <a:r>
+                  <a:rPr lang="zh-TW" altLang="en-US">
+                    <a:noFill/>
+                  </a:rPr>
+                  <a:t> </a:t>
+                </a:r>
+              </a:p>
+            </p:txBody>
+          </p:sp>
+        </mc:Fallback>
+      </mc:AlternateContent>
+      <p:sp>
+        <p:nvSpPr>
+          <p:cNvPr id="5" name="文字方塊 4">
+            <a:extLst>
+              <a:ext uri="{FF2B5EF4-FFF2-40B4-BE49-F238E27FC236}">
+                <a16:creationId xmlns:a16="http://schemas.microsoft.com/office/drawing/2014/main" id="{18D890F5-EB54-648E-83FB-FC6BD8E8B3A4}"/>
+              </a:ext>
+            </a:extLst>
+          </p:cNvPr>
+          <p:cNvSpPr txBox="1"/>
+          <p:nvPr/>
+        </p:nvSpPr>
+        <p:spPr>
+          <a:xfrm>
+            <a:off x="6469626" y="6020177"/>
+            <a:ext cx="1101213" cy="369332"/>
+          </a:xfrm>
+          <a:prstGeom prst="rect">
+            <a:avLst/>
+          </a:prstGeom>
+          <a:noFill/>
+        </p:spPr>
+        <p:txBody>
+          <a:bodyPr wrap="square" rtlCol="0">
+            <a:spAutoFit/>
+          </a:bodyPr>
+          <a:lstStyle/>
+          <a:p>
+            <a:r>
+              <a:rPr lang="zh-TW" altLang="en-US" dirty="0"/>
+              <a:t>高頻</a:t>
+            </a:r>
+          </a:p>
+        </p:txBody>
+      </p:sp>
+      <p:cxnSp>
+        <p:nvCxnSpPr>
+          <p:cNvPr id="7" name="直線單箭頭接點 6">
+            <a:extLst>
+              <a:ext uri="{FF2B5EF4-FFF2-40B4-BE49-F238E27FC236}">
+                <a16:creationId xmlns:a16="http://schemas.microsoft.com/office/drawing/2014/main" id="{3B34ABC6-AE7B-F69A-EA7B-88FA431C2FEF}"/>
+              </a:ext>
+            </a:extLst>
+          </p:cNvPr>
+          <p:cNvCxnSpPr/>
+          <p:nvPr/>
+        </p:nvCxnSpPr>
+        <p:spPr>
+          <a:xfrm flipV="1">
+            <a:off x="6764594" y="5122606"/>
+            <a:ext cx="0" cy="897571"/>
+          </a:xfrm>
+          <a:prstGeom prst="straightConnector1">
+            <a:avLst/>
+          </a:prstGeom>
+          <a:ln w="38100">
+            <a:tailEnd type="triangle"/>
+          </a:ln>
+        </p:spPr>
+        <p:style>
+          <a:lnRef idx="1">
+            <a:schemeClr val="accent1"/>
+          </a:lnRef>
+          <a:fillRef idx="0">
+            <a:schemeClr val="accent1"/>
+          </a:fillRef>
+          <a:effectRef idx="0">
+            <a:schemeClr val="accent1"/>
+          </a:effectRef>
+          <a:fontRef idx="minor">
+            <a:schemeClr val="tx1"/>
+          </a:fontRef>
+        </p:style>
+      </p:cxnSp>
+      <p:sp>
+        <p:nvSpPr>
+          <p:cNvPr id="8" name="文字方塊 7">
+            <a:extLst>
+              <a:ext uri="{FF2B5EF4-FFF2-40B4-BE49-F238E27FC236}">
+                <a16:creationId xmlns:a16="http://schemas.microsoft.com/office/drawing/2014/main" id="{E07AF0D6-B9B0-11F5-0038-3C54FBB66DBC}"/>
+              </a:ext>
+            </a:extLst>
+          </p:cNvPr>
+          <p:cNvSpPr txBox="1"/>
+          <p:nvPr/>
+        </p:nvSpPr>
+        <p:spPr>
+          <a:xfrm>
+            <a:off x="8144796" y="6044293"/>
+            <a:ext cx="1101213" cy="369332"/>
+          </a:xfrm>
+          <a:prstGeom prst="rect">
+            <a:avLst/>
+          </a:prstGeom>
+          <a:noFill/>
+        </p:spPr>
+        <p:txBody>
+          <a:bodyPr wrap="square" rtlCol="0">
+            <a:spAutoFit/>
+          </a:bodyPr>
+          <a:lstStyle/>
+          <a:p>
+            <a:r>
+              <a:rPr lang="zh-TW" altLang="en-US" dirty="0"/>
+              <a:t>低頻</a:t>
+            </a:r>
+          </a:p>
+        </p:txBody>
+      </p:sp>
+      <p:cxnSp>
+        <p:nvCxnSpPr>
+          <p:cNvPr id="9" name="直線單箭頭接點 8">
+            <a:extLst>
+              <a:ext uri="{FF2B5EF4-FFF2-40B4-BE49-F238E27FC236}">
+                <a16:creationId xmlns:a16="http://schemas.microsoft.com/office/drawing/2014/main" id="{B282ADFE-5F38-035F-A0B2-A375B8B888D7}"/>
+              </a:ext>
+            </a:extLst>
+          </p:cNvPr>
+          <p:cNvCxnSpPr/>
+          <p:nvPr/>
+        </p:nvCxnSpPr>
+        <p:spPr>
+          <a:xfrm flipV="1">
+            <a:off x="8346358" y="5094726"/>
+            <a:ext cx="0" cy="897571"/>
+          </a:xfrm>
+          <a:prstGeom prst="straightConnector1">
+            <a:avLst/>
+          </a:prstGeom>
+          <a:ln w="38100">
+            <a:tailEnd type="triangle"/>
+          </a:ln>
+        </p:spPr>
+        <p:style>
+          <a:lnRef idx="1">
+            <a:schemeClr val="accent1"/>
+          </a:lnRef>
+          <a:fillRef idx="0">
+            <a:schemeClr val="accent1"/>
+          </a:fillRef>
+          <a:effectRef idx="0">
+            <a:schemeClr val="accent1"/>
+          </a:effectRef>
+          <a:fontRef idx="minor">
+            <a:schemeClr val="tx1"/>
+          </a:fontRef>
+        </p:style>
+      </p:cxnSp>
+    </p:spTree>
+    <p:extLst>
+      <p:ext uri="{BB962C8B-B14F-4D97-AF65-F5344CB8AC3E}">
+        <p14:creationId xmlns:p14="http://schemas.microsoft.com/office/powerpoint/2010/main" val="2081400597"/>
+      </p:ext>
+    </p:extLst>
+  </p:cSld>
+  <p:clrMapOvr>
+    <a:masterClrMapping/>
+  </p:clrMapOvr>
+</p:sld>
+</file>
+
+<file path=ppt/slides/slide43.xml><?xml version="1.0" encoding="utf-8"?>
+<p:sld xmlns:a="http://schemas.openxmlformats.org/drawingml/2006/main" xmlns:r="http://schemas.openxmlformats.org/officeDocument/2006/relationships" xmlns:p="http://schemas.openxmlformats.org/presentationml/2006/main">
+  <p:cSld>
+    <p:spTree>
+      <p:nvGrpSpPr>
+        <p:cNvPr id="1" name=""/>
+        <p:cNvGrpSpPr/>
+        <p:nvPr/>
+      </p:nvGrpSpPr>
+      <p:grpSpPr>
+        <a:xfrm>
+          <a:off x="0" y="0"/>
+          <a:ext cx="0" cy="0"/>
+          <a:chOff x="0" y="0"/>
+          <a:chExt cx="0" cy="0"/>
+        </a:xfrm>
+      </p:grpSpPr>
+      <p:sp>
+        <p:nvSpPr>
+          <p:cNvPr id="2" name="標題 1">
+            <a:extLst>
+              <a:ext uri="{FF2B5EF4-FFF2-40B4-BE49-F238E27FC236}">
+                <a16:creationId xmlns:a16="http://schemas.microsoft.com/office/drawing/2014/main" id="{5247229B-E1A6-F9CD-5117-4A186C2549E3}"/>
+              </a:ext>
+            </a:extLst>
+          </p:cNvPr>
+          <p:cNvSpPr>
+            <a:spLocks noGrp="1"/>
+          </p:cNvSpPr>
+          <p:nvPr>
+            <p:ph type="title"/>
+          </p:nvPr>
+        </p:nvSpPr>
+        <p:spPr/>
+        <p:txBody>
+          <a:bodyPr/>
+          <a:lstStyle/>
+          <a:p>
+            <a:pPr algn="ctr"/>
+            <a:r>
+              <a:rPr lang="en-US" altLang="zh-TW" dirty="0" err="1"/>
+              <a:t>Matlab</a:t>
+            </a:r>
+            <a:r>
+              <a:rPr lang="en-US" altLang="zh-TW" dirty="0"/>
+              <a:t> </a:t>
+            </a:r>
+            <a:r>
+              <a:rPr lang="zh-TW" altLang="en-US" dirty="0"/>
+              <a:t>範例</a:t>
+            </a:r>
+          </a:p>
+        </p:txBody>
+      </p:sp>
+      <p:pic>
+        <p:nvPicPr>
+          <p:cNvPr id="5" name="內容版面配置區 4">
+            <a:extLst>
+              <a:ext uri="{FF2B5EF4-FFF2-40B4-BE49-F238E27FC236}">
+                <a16:creationId xmlns:a16="http://schemas.microsoft.com/office/drawing/2014/main" id="{9ADC793C-6C54-237A-E2B5-8A15BFA1BCAB}"/>
+              </a:ext>
+            </a:extLst>
+          </p:cNvPr>
+          <p:cNvPicPr>
+            <a:picLocks noGrp="1" noChangeAspect="1"/>
+          </p:cNvPicPr>
+          <p:nvPr>
+            <p:ph idx="1"/>
+          </p:nvPr>
+        </p:nvPicPr>
+        <p:blipFill>
+          <a:blip r:embed="rId2">
+            <a:extLst>
+              <a:ext uri="{28A0092B-C50C-407E-A947-70E740481C1C}">
+                <a14:useLocalDpi xmlns:a14="http://schemas.microsoft.com/office/drawing/2010/main" val="0"/>
+              </a:ext>
+            </a:extLst>
+          </a:blip>
+          <a:stretch>
+            <a:fillRect/>
+          </a:stretch>
+        </p:blipFill>
+        <p:spPr>
+          <a:xfrm>
+            <a:off x="629264" y="1825625"/>
+            <a:ext cx="11375923" cy="4840646"/>
+          </a:xfrm>
+        </p:spPr>
+      </p:pic>
+    </p:spTree>
+    <p:extLst>
+      <p:ext uri="{BB962C8B-B14F-4D97-AF65-F5344CB8AC3E}">
+        <p14:creationId xmlns:p14="http://schemas.microsoft.com/office/powerpoint/2010/main" val="2385099779"/>
+      </p:ext>
+    </p:extLst>
+  </p:cSld>
+  <p:clrMapOvr>
+    <a:masterClrMapping/>
+  </p:clrMapOvr>
+</p:sld>
+</file>
+
+<file path=ppt/slides/slide44.xml><?xml version="1.0" encoding="utf-8"?>
+<p:sld xmlns:a="http://schemas.openxmlformats.org/drawingml/2006/main" xmlns:r="http://schemas.openxmlformats.org/officeDocument/2006/relationships" xmlns:p="http://schemas.openxmlformats.org/presentationml/2006/main">
+  <p:cSld>
+    <p:spTree>
+      <p:nvGrpSpPr>
+        <p:cNvPr id="1" name=""/>
+        <p:cNvGrpSpPr/>
+        <p:nvPr/>
+      </p:nvGrpSpPr>
+      <p:grpSpPr>
+        <a:xfrm>
+          <a:off x="0" y="0"/>
+          <a:ext cx="0" cy="0"/>
+          <a:chOff x="0" y="0"/>
+          <a:chExt cx="0" cy="0"/>
+        </a:xfrm>
+      </p:grpSpPr>
+      <p:sp>
+        <p:nvSpPr>
+          <p:cNvPr id="2" name="標題 1">
+            <a:extLst>
+              <a:ext uri="{FF2B5EF4-FFF2-40B4-BE49-F238E27FC236}">
+                <a16:creationId xmlns:a16="http://schemas.microsoft.com/office/drawing/2014/main" id="{39D416C0-E5B1-9792-6880-F6D34E2EDB6A}"/>
+              </a:ext>
+            </a:extLst>
+          </p:cNvPr>
+          <p:cNvSpPr>
+            <a:spLocks noGrp="1"/>
+          </p:cNvSpPr>
+          <p:nvPr>
+            <p:ph type="title"/>
+          </p:nvPr>
+        </p:nvSpPr>
+        <p:spPr/>
+        <p:txBody>
+          <a:bodyPr/>
+          <a:lstStyle/>
+          <a:p>
+            <a:pPr algn="ctr"/>
+            <a:r>
+              <a:rPr lang="zh-TW" altLang="en-US" dirty="0"/>
+              <a:t>範例 </a:t>
+            </a:r>
+            <a:r>
+              <a:rPr lang="en-US" altLang="zh-TW" dirty="0"/>
+              <a:t>:</a:t>
+            </a:r>
+            <a:r>
+              <a:rPr lang="zh-TW" altLang="en-US" dirty="0"/>
+              <a:t> </a:t>
+            </a:r>
+            <a:r>
+              <a:rPr lang="en-US" altLang="zh-TW" dirty="0"/>
+              <a:t>T5</a:t>
+            </a:r>
+            <a:endParaRPr lang="zh-TW" altLang="en-US" dirty="0"/>
+          </a:p>
+        </p:txBody>
+      </p:sp>
+      <p:sp>
+        <p:nvSpPr>
+          <p:cNvPr id="3" name="內容版面配置區 2">
+            <a:extLst>
+              <a:ext uri="{FF2B5EF4-FFF2-40B4-BE49-F238E27FC236}">
+                <a16:creationId xmlns:a16="http://schemas.microsoft.com/office/drawing/2014/main" id="{20B68983-EF31-D414-9210-F4300A24CD7D}"/>
+              </a:ext>
+            </a:extLst>
+          </p:cNvPr>
+          <p:cNvSpPr>
+            <a:spLocks noGrp="1"/>
+          </p:cNvSpPr>
+          <p:nvPr>
+            <p:ph idx="1"/>
+          </p:nvPr>
+        </p:nvSpPr>
+        <p:spPr/>
+        <p:txBody>
+          <a:bodyPr/>
+          <a:lstStyle/>
+          <a:p>
+            <a:pPr marL="0" indent="0">
+              <a:buNone/>
+            </a:pPr>
+            <a:r>
+              <a:rPr lang="zh-TW" altLang="en-US" dirty="0"/>
+              <a:t>以下利用</a:t>
+            </a:r>
+            <a:r>
+              <a:rPr lang="en-US" altLang="zh-TW" dirty="0"/>
+              <a:t>Digital </a:t>
+            </a:r>
+            <a:r>
+              <a:rPr lang="zh-TW" altLang="en-US" dirty="0"/>
+              <a:t>套用</a:t>
+            </a:r>
+            <a:r>
+              <a:rPr lang="en-US" altLang="zh-TW" dirty="0" err="1"/>
+              <a:t>Digtal</a:t>
+            </a:r>
+            <a:r>
+              <a:rPr lang="en-US" altLang="zh-TW" dirty="0"/>
+              <a:t> </a:t>
+            </a:r>
+            <a:r>
+              <a:rPr lang="zh-TW" altLang="en-US" dirty="0"/>
+              <a:t>來解決問題</a:t>
+            </a:r>
+          </a:p>
+        </p:txBody>
+      </p:sp>
+    </p:spTree>
+    <p:extLst>
+      <p:ext uri="{BB962C8B-B14F-4D97-AF65-F5344CB8AC3E}">
+        <p14:creationId xmlns:p14="http://schemas.microsoft.com/office/powerpoint/2010/main" val="2221975978"/>
+      </p:ext>
+    </p:extLst>
+  </p:cSld>
+  <p:clrMapOvr>
+    <a:masterClrMapping/>
+  </p:clrMapOvr>
+</p:sld>
+</file>
+
+<file path=ppt/slides/slide45.xml><?xml version="1.0" encoding="utf-8"?>
+<p:sld xmlns:a="http://schemas.openxmlformats.org/drawingml/2006/main" xmlns:r="http://schemas.openxmlformats.org/officeDocument/2006/relationships" xmlns:p="http://schemas.openxmlformats.org/presentationml/2006/main">
+  <p:cSld>
+    <p:spTree>
+      <p:nvGrpSpPr>
+        <p:cNvPr id="1" name=""/>
+        <p:cNvGrpSpPr/>
+        <p:nvPr/>
+      </p:nvGrpSpPr>
+      <p:grpSpPr>
+        <a:xfrm>
+          <a:off x="0" y="0"/>
+          <a:ext cx="0" cy="0"/>
+          <a:chOff x="0" y="0"/>
+          <a:chExt cx="0" cy="0"/>
+        </a:xfrm>
+      </p:grpSpPr>
+      <p:sp>
+        <p:nvSpPr>
+          <p:cNvPr id="2" name="標題 1">
+            <a:extLst>
+              <a:ext uri="{FF2B5EF4-FFF2-40B4-BE49-F238E27FC236}">
+                <a16:creationId xmlns:a16="http://schemas.microsoft.com/office/drawing/2014/main" id="{44A3EED0-E48E-5075-AF86-C1688A025F82}"/>
+              </a:ext>
+            </a:extLst>
+          </p:cNvPr>
+          <p:cNvSpPr>
+            <a:spLocks noGrp="1"/>
+          </p:cNvSpPr>
+          <p:nvPr>
+            <p:ph type="title"/>
+          </p:nvPr>
+        </p:nvSpPr>
+        <p:spPr/>
+        <p:txBody>
+          <a:bodyPr/>
+          <a:lstStyle/>
+          <a:p>
+            <a:pPr algn="ctr"/>
+            <a:r>
+              <a:rPr lang="en-US" altLang="zh-TW" dirty="0"/>
+              <a:t>DSSS Wave with T5</a:t>
+            </a:r>
+            <a:endParaRPr lang="zh-TW" altLang="en-US" dirty="0"/>
+          </a:p>
+        </p:txBody>
+      </p:sp>
+      <p:pic>
+        <p:nvPicPr>
+          <p:cNvPr id="5" name="內容版面配置區 4">
+            <a:extLst>
+              <a:ext uri="{FF2B5EF4-FFF2-40B4-BE49-F238E27FC236}">
+                <a16:creationId xmlns:a16="http://schemas.microsoft.com/office/drawing/2014/main" id="{F8E32013-00A1-9EF7-79F8-AF58B893170D}"/>
+              </a:ext>
+            </a:extLst>
+          </p:cNvPr>
+          <p:cNvPicPr>
+            <a:picLocks noGrp="1" noChangeAspect="1"/>
+          </p:cNvPicPr>
+          <p:nvPr>
+            <p:ph idx="1"/>
+          </p:nvPr>
+        </p:nvPicPr>
+        <p:blipFill>
+          <a:blip r:embed="rId2">
+            <a:extLst>
+              <a:ext uri="{28A0092B-C50C-407E-A947-70E740481C1C}">
+                <a14:useLocalDpi xmlns:a14="http://schemas.microsoft.com/office/drawing/2010/main" val="0"/>
+              </a:ext>
+            </a:extLst>
+          </a:blip>
           <a:srcRect/>
           <a:stretch/>
         </p:blipFill>
@@ -27366,7 +28316,7 @@
         </p:nvSpPr>
         <p:spPr>
           <a:xfrm>
-            <a:off x="4697639" y="5861893"/>
+            <a:off x="4658310" y="5930718"/>
             <a:ext cx="3181350" cy="369332"/>
           </a:xfrm>
           <a:prstGeom prst="rect">
@@ -27409,7 +28359,7 @@
 </p:sld>
 </file>
 
-<file path=ppt/slides/slide41.xml><?xml version="1.0" encoding="utf-8"?>
+<file path=ppt/slides/slide46.xml><?xml version="1.0" encoding="utf-8"?>
 <p:sld xmlns:a="http://schemas.openxmlformats.org/drawingml/2006/main" xmlns:r="http://schemas.openxmlformats.org/officeDocument/2006/relationships" xmlns:p="http://schemas.openxmlformats.org/presentationml/2006/main">
   <p:cSld>
     <p:spTree>
@@ -27783,978 +28733,6 @@
 </p:sld>
 </file>
 
-<file path=ppt/slides/slide42.xml><?xml version="1.0" encoding="utf-8"?>
-<p:sld xmlns:a="http://schemas.openxmlformats.org/drawingml/2006/main" xmlns:r="http://schemas.openxmlformats.org/officeDocument/2006/relationships" xmlns:p="http://schemas.openxmlformats.org/presentationml/2006/main">
-  <p:cSld>
-    <p:spTree>
-      <p:nvGrpSpPr>
-        <p:cNvPr id="1" name=""/>
-        <p:cNvGrpSpPr/>
-        <p:nvPr/>
-      </p:nvGrpSpPr>
-      <p:grpSpPr>
-        <a:xfrm>
-          <a:off x="0" y="0"/>
-          <a:ext cx="0" cy="0"/>
-          <a:chOff x="0" y="0"/>
-          <a:chExt cx="0" cy="0"/>
-        </a:xfrm>
-      </p:grpSpPr>
-      <p:sp>
-        <p:nvSpPr>
-          <p:cNvPr id="2" name="標題 1">
-            <a:extLst>
-              <a:ext uri="{FF2B5EF4-FFF2-40B4-BE49-F238E27FC236}">
-                <a16:creationId xmlns:a16="http://schemas.microsoft.com/office/drawing/2014/main" id="{BD4F6E74-41DD-5DFF-8A35-FC63C2A0B647}"/>
-              </a:ext>
-            </a:extLst>
-          </p:cNvPr>
-          <p:cNvSpPr>
-            <a:spLocks noGrp="1"/>
-          </p:cNvSpPr>
-          <p:nvPr>
-            <p:ph type="title"/>
-          </p:nvPr>
-        </p:nvSpPr>
-        <p:spPr/>
-        <p:txBody>
-          <a:bodyPr/>
-          <a:lstStyle/>
-          <a:p>
-            <a:pPr algn="ctr"/>
-            <a:r>
-              <a:rPr lang="en-US" altLang="zh-TW" dirty="0"/>
-              <a:t>DSSS Wave with T5</a:t>
-            </a:r>
-            <a:endParaRPr lang="zh-TW" altLang="en-US" dirty="0"/>
-          </a:p>
-        </p:txBody>
-      </p:sp>
-      <p:pic>
-        <p:nvPicPr>
-          <p:cNvPr id="5" name="內容版面配置區 4">
-            <a:extLst>
-              <a:ext uri="{FF2B5EF4-FFF2-40B4-BE49-F238E27FC236}">
-                <a16:creationId xmlns:a16="http://schemas.microsoft.com/office/drawing/2014/main" id="{063DCBD2-1AC4-1AC9-A55C-CC45CD4E8DE8}"/>
-              </a:ext>
-            </a:extLst>
-          </p:cNvPr>
-          <p:cNvPicPr>
-            <a:picLocks noGrp="1" noChangeAspect="1"/>
-          </p:cNvPicPr>
-          <p:nvPr>
-            <p:ph idx="1"/>
-          </p:nvPr>
-        </p:nvPicPr>
-        <p:blipFill>
-          <a:blip r:embed="rId2">
-            <a:extLst>
-              <a:ext uri="{28A0092B-C50C-407E-A947-70E740481C1C}">
-                <a14:useLocalDpi xmlns:a14="http://schemas.microsoft.com/office/drawing/2010/main" val="0"/>
-              </a:ext>
-            </a:extLst>
-          </a:blip>
-          <a:stretch>
-            <a:fillRect/>
-          </a:stretch>
-        </p:blipFill>
-        <p:spPr>
-          <a:xfrm>
-            <a:off x="0" y="1852454"/>
-            <a:ext cx="12192000" cy="5005546"/>
-          </a:xfrm>
-        </p:spPr>
-      </p:pic>
-      <p:sp>
-        <p:nvSpPr>
-          <p:cNvPr id="6" name="文字方塊 5">
-            <a:extLst>
-              <a:ext uri="{FF2B5EF4-FFF2-40B4-BE49-F238E27FC236}">
-                <a16:creationId xmlns:a16="http://schemas.microsoft.com/office/drawing/2014/main" id="{657C2232-6BE1-3EDF-BDBE-4F5514E53DB9}"/>
-              </a:ext>
-            </a:extLst>
-          </p:cNvPr>
-          <p:cNvSpPr txBox="1"/>
-          <p:nvPr/>
-        </p:nvSpPr>
-        <p:spPr>
-          <a:xfrm>
-            <a:off x="4673600" y="1667788"/>
-            <a:ext cx="3933371" cy="369332"/>
-          </a:xfrm>
-          <a:prstGeom prst="rect">
-            <a:avLst/>
-          </a:prstGeom>
-          <a:noFill/>
-        </p:spPr>
-        <p:txBody>
-          <a:bodyPr wrap="square" rtlCol="0">
-            <a:spAutoFit/>
-          </a:bodyPr>
-          <a:lstStyle/>
-          <a:p>
-            <a:r>
-              <a:rPr lang="zh-TW" altLang="en-US" dirty="0"/>
-              <a:t>透過比較器將訊號還原</a:t>
-            </a:r>
-          </a:p>
-        </p:txBody>
-      </p:sp>
-    </p:spTree>
-    <p:extLst>
-      <p:ext uri="{BB962C8B-B14F-4D97-AF65-F5344CB8AC3E}">
-        <p14:creationId xmlns:p14="http://schemas.microsoft.com/office/powerpoint/2010/main" val="2721288156"/>
-      </p:ext>
-    </p:extLst>
-  </p:cSld>
-  <p:clrMapOvr>
-    <a:masterClrMapping/>
-  </p:clrMapOvr>
-</p:sld>
-</file>
-
-<file path=ppt/slides/slide43.xml><?xml version="1.0" encoding="utf-8"?>
-<p:sld xmlns:a="http://schemas.openxmlformats.org/drawingml/2006/main" xmlns:r="http://schemas.openxmlformats.org/officeDocument/2006/relationships" xmlns:p="http://schemas.openxmlformats.org/presentationml/2006/main">
-  <p:cSld>
-    <p:spTree>
-      <p:nvGrpSpPr>
-        <p:cNvPr id="1" name=""/>
-        <p:cNvGrpSpPr/>
-        <p:nvPr/>
-      </p:nvGrpSpPr>
-      <p:grpSpPr>
-        <a:xfrm>
-          <a:off x="0" y="0"/>
-          <a:ext cx="0" cy="0"/>
-          <a:chOff x="0" y="0"/>
-          <a:chExt cx="0" cy="0"/>
-        </a:xfrm>
-      </p:grpSpPr>
-      <p:sp>
-        <p:nvSpPr>
-          <p:cNvPr id="2" name="標題 1">
-            <a:extLst>
-              <a:ext uri="{FF2B5EF4-FFF2-40B4-BE49-F238E27FC236}">
-                <a16:creationId xmlns:a16="http://schemas.microsoft.com/office/drawing/2014/main" id="{D6BCE54B-5713-5B04-E759-8A8D96A55CB3}"/>
-              </a:ext>
-            </a:extLst>
-          </p:cNvPr>
-          <p:cNvSpPr>
-            <a:spLocks noGrp="1"/>
-          </p:cNvSpPr>
-          <p:nvPr>
-            <p:ph type="title"/>
-          </p:nvPr>
-        </p:nvSpPr>
-        <p:spPr/>
-        <p:txBody>
-          <a:bodyPr/>
-          <a:lstStyle/>
-          <a:p>
-            <a:pPr algn="ctr"/>
-            <a:r>
-              <a:rPr lang="en-US" altLang="zh-TW" dirty="0"/>
-              <a:t>DSSS Wave with T5</a:t>
-            </a:r>
-            <a:endParaRPr lang="zh-TW" altLang="en-US" dirty="0"/>
-          </a:p>
-        </p:txBody>
-      </p:sp>
-      <p:pic>
-        <p:nvPicPr>
-          <p:cNvPr id="5" name="內容版面配置區 4">
-            <a:extLst>
-              <a:ext uri="{FF2B5EF4-FFF2-40B4-BE49-F238E27FC236}">
-                <a16:creationId xmlns:a16="http://schemas.microsoft.com/office/drawing/2014/main" id="{74713380-74F2-DA34-0B57-977650ACA931}"/>
-              </a:ext>
-            </a:extLst>
-          </p:cNvPr>
-          <p:cNvPicPr>
-            <a:picLocks noGrp="1" noChangeAspect="1"/>
-          </p:cNvPicPr>
-          <p:nvPr>
-            <p:ph idx="1"/>
-          </p:nvPr>
-        </p:nvPicPr>
-        <p:blipFill>
-          <a:blip r:embed="rId2">
-            <a:extLst>
-              <a:ext uri="{28A0092B-C50C-407E-A947-70E740481C1C}">
-                <a14:useLocalDpi xmlns:a14="http://schemas.microsoft.com/office/drawing/2010/main" val="0"/>
-              </a:ext>
-            </a:extLst>
-          </a:blip>
-          <a:srcRect/>
-          <a:stretch/>
-        </p:blipFill>
-        <p:spPr>
-          <a:xfrm>
-            <a:off x="0" y="1825784"/>
-            <a:ext cx="12192000" cy="5032216"/>
-          </a:xfrm>
-        </p:spPr>
-      </p:pic>
-      <p:sp>
-        <p:nvSpPr>
-          <p:cNvPr id="6" name="文字方塊 5">
-            <a:extLst>
-              <a:ext uri="{FF2B5EF4-FFF2-40B4-BE49-F238E27FC236}">
-                <a16:creationId xmlns:a16="http://schemas.microsoft.com/office/drawing/2014/main" id="{30433AF9-FE4A-ED53-2D0B-73AA5995A79C}"/>
-              </a:ext>
-            </a:extLst>
-          </p:cNvPr>
-          <p:cNvSpPr txBox="1"/>
-          <p:nvPr/>
-        </p:nvSpPr>
-        <p:spPr>
-          <a:xfrm>
-            <a:off x="8824688" y="952024"/>
-            <a:ext cx="4426855" cy="1477328"/>
-          </a:xfrm>
-          <a:prstGeom prst="rect">
-            <a:avLst/>
-          </a:prstGeom>
-          <a:noFill/>
-        </p:spPr>
-        <p:txBody>
-          <a:bodyPr wrap="square" rtlCol="0">
-            <a:spAutoFit/>
-          </a:bodyPr>
-          <a:lstStyle/>
-          <a:p>
-            <a:r>
-              <a:rPr lang="zh-TW" altLang="en-US" dirty="0"/>
-              <a:t>註解 </a:t>
-            </a:r>
-            <a:r>
-              <a:rPr lang="en-US" altLang="zh-TW" dirty="0"/>
-              <a:t>:</a:t>
-            </a:r>
-          </a:p>
-          <a:p>
-            <a:pPr marL="342900" indent="-342900">
-              <a:buAutoNum type="arabicPeriod"/>
-            </a:pPr>
-            <a:r>
-              <a:rPr lang="zh-TW" altLang="en-US" dirty="0"/>
-              <a:t>原始訊號 </a:t>
-            </a:r>
-            <a:r>
-              <a:rPr lang="en-US" altLang="zh-TW" dirty="0"/>
-              <a:t>:</a:t>
-            </a:r>
-            <a:r>
-              <a:rPr lang="zh-TW" altLang="en-US" dirty="0"/>
-              <a:t> 黃色</a:t>
-            </a:r>
-            <a:endParaRPr lang="en-US" altLang="zh-TW" dirty="0"/>
-          </a:p>
-          <a:p>
-            <a:pPr marL="342900" indent="-342900">
-              <a:buAutoNum type="arabicPeriod"/>
-            </a:pPr>
-            <a:r>
-              <a:rPr lang="zh-TW" altLang="en-US" dirty="0"/>
-              <a:t>經過還原後訊號 </a:t>
-            </a:r>
-            <a:r>
-              <a:rPr lang="en-US" altLang="zh-TW" dirty="0"/>
-              <a:t>: </a:t>
-            </a:r>
-            <a:r>
-              <a:rPr lang="zh-TW" altLang="en-US" dirty="0"/>
-              <a:t>紫色</a:t>
-            </a:r>
-            <a:endParaRPr lang="en-US" altLang="zh-TW" dirty="0"/>
-          </a:p>
-          <a:p>
-            <a:pPr marL="342900" indent="-342900">
-              <a:buAutoNum type="arabicPeriod"/>
-            </a:pPr>
-            <a:r>
-              <a:rPr lang="zh-TW" altLang="en-US" dirty="0">
-                <a:solidFill>
-                  <a:srgbClr val="FF0000"/>
-                </a:solidFill>
-              </a:rPr>
-              <a:t>可以看到黃色訊號與紫色訊號長相很像</a:t>
-            </a:r>
-            <a:r>
-              <a:rPr lang="en-US" altLang="zh-TW" dirty="0">
-                <a:solidFill>
-                  <a:srgbClr val="FF0000"/>
-                </a:solidFill>
-              </a:rPr>
-              <a:t>(</a:t>
-            </a:r>
-            <a:r>
-              <a:rPr lang="zh-TW" altLang="en-US" dirty="0">
-                <a:solidFill>
-                  <a:srgbClr val="FF0000"/>
-                </a:solidFill>
-              </a:rPr>
-              <a:t>濾掉低頻訊號</a:t>
-            </a:r>
-            <a:r>
-              <a:rPr lang="en-US" altLang="zh-TW" dirty="0">
-                <a:solidFill>
-                  <a:srgbClr val="FF0000"/>
-                </a:solidFill>
-              </a:rPr>
-              <a:t>)</a:t>
-            </a:r>
-          </a:p>
-        </p:txBody>
-      </p:sp>
-      <p:sp>
-        <p:nvSpPr>
-          <p:cNvPr id="7" name="矩形: 圓角 6">
-            <a:extLst>
-              <a:ext uri="{FF2B5EF4-FFF2-40B4-BE49-F238E27FC236}">
-                <a16:creationId xmlns:a16="http://schemas.microsoft.com/office/drawing/2014/main" id="{C0223158-CE2C-4B40-0A34-031966756A2F}"/>
-              </a:ext>
-            </a:extLst>
-          </p:cNvPr>
-          <p:cNvSpPr/>
-          <p:nvPr/>
-        </p:nvSpPr>
-        <p:spPr>
-          <a:xfrm>
-            <a:off x="0" y="1690688"/>
-            <a:ext cx="3367314" cy="340139"/>
-          </a:xfrm>
-          <a:prstGeom prst="roundRect">
-            <a:avLst/>
-          </a:prstGeom>
-          <a:noFill/>
-          <a:ln w="38100">
-            <a:solidFill>
-              <a:srgbClr val="FF0000"/>
-            </a:solidFill>
-          </a:ln>
-        </p:spPr>
-        <p:style>
-          <a:lnRef idx="2">
-            <a:schemeClr val="accent1">
-              <a:shade val="50000"/>
-            </a:schemeClr>
-          </a:lnRef>
-          <a:fillRef idx="1">
-            <a:schemeClr val="accent1"/>
-          </a:fillRef>
-          <a:effectRef idx="0">
-            <a:schemeClr val="accent1"/>
-          </a:effectRef>
-          <a:fontRef idx="minor">
-            <a:schemeClr val="lt1"/>
-          </a:fontRef>
-        </p:style>
-        <p:txBody>
-          <a:bodyPr rtlCol="0" anchor="ctr"/>
-          <a:lstStyle/>
-          <a:p>
-            <a:pPr algn="ctr"/>
-            <a:endParaRPr lang="zh-TW" altLang="en-US"/>
-          </a:p>
-        </p:txBody>
-      </p:sp>
-    </p:spTree>
-    <p:extLst>
-      <p:ext uri="{BB962C8B-B14F-4D97-AF65-F5344CB8AC3E}">
-        <p14:creationId xmlns:p14="http://schemas.microsoft.com/office/powerpoint/2010/main" val="2556651551"/>
-      </p:ext>
-    </p:extLst>
-  </p:cSld>
-  <p:clrMapOvr>
-    <a:masterClrMapping/>
-  </p:clrMapOvr>
-</p:sld>
-</file>
-
-<file path=ppt/slides/slide44.xml><?xml version="1.0" encoding="utf-8"?>
-<p:sld xmlns:a="http://schemas.openxmlformats.org/drawingml/2006/main" xmlns:r="http://schemas.openxmlformats.org/officeDocument/2006/relationships" xmlns:p="http://schemas.openxmlformats.org/presentationml/2006/main">
-  <p:cSld>
-    <p:spTree>
-      <p:nvGrpSpPr>
-        <p:cNvPr id="1" name=""/>
-        <p:cNvGrpSpPr/>
-        <p:nvPr/>
-      </p:nvGrpSpPr>
-      <p:grpSpPr>
-        <a:xfrm>
-          <a:off x="0" y="0"/>
-          <a:ext cx="0" cy="0"/>
-          <a:chOff x="0" y="0"/>
-          <a:chExt cx="0" cy="0"/>
-        </a:xfrm>
-      </p:grpSpPr>
-      <p:sp>
-        <p:nvSpPr>
-          <p:cNvPr id="2" name="標題 1">
-            <a:extLst>
-              <a:ext uri="{FF2B5EF4-FFF2-40B4-BE49-F238E27FC236}">
-                <a16:creationId xmlns:a16="http://schemas.microsoft.com/office/drawing/2014/main" id="{44A3EED0-E48E-5075-AF86-C1688A025F82}"/>
-              </a:ext>
-            </a:extLst>
-          </p:cNvPr>
-          <p:cNvSpPr>
-            <a:spLocks noGrp="1"/>
-          </p:cNvSpPr>
-          <p:nvPr>
-            <p:ph type="title"/>
-          </p:nvPr>
-        </p:nvSpPr>
-        <p:spPr/>
-        <p:txBody>
-          <a:bodyPr/>
-          <a:lstStyle/>
-          <a:p>
-            <a:pPr algn="ctr"/>
-            <a:r>
-              <a:rPr lang="en-US" altLang="zh-TW" dirty="0"/>
-              <a:t>T5 Wave </a:t>
-            </a:r>
-            <a:endParaRPr lang="zh-TW" altLang="en-US" dirty="0"/>
-          </a:p>
-        </p:txBody>
-      </p:sp>
-      <p:pic>
-        <p:nvPicPr>
-          <p:cNvPr id="5" name="內容版面配置區 4">
-            <a:extLst>
-              <a:ext uri="{FF2B5EF4-FFF2-40B4-BE49-F238E27FC236}">
-                <a16:creationId xmlns:a16="http://schemas.microsoft.com/office/drawing/2014/main" id="{F8E32013-00A1-9EF7-79F8-AF58B893170D}"/>
-              </a:ext>
-            </a:extLst>
-          </p:cNvPr>
-          <p:cNvPicPr>
-            <a:picLocks noGrp="1" noChangeAspect="1"/>
-          </p:cNvPicPr>
-          <p:nvPr>
-            <p:ph idx="1"/>
-          </p:nvPr>
-        </p:nvPicPr>
-        <p:blipFill>
-          <a:blip r:embed="rId2">
-            <a:extLst>
-              <a:ext uri="{28A0092B-C50C-407E-A947-70E740481C1C}">
-                <a14:useLocalDpi xmlns:a14="http://schemas.microsoft.com/office/drawing/2010/main" val="0"/>
-              </a:ext>
-            </a:extLst>
-          </a:blip>
-          <a:srcRect/>
-          <a:stretch/>
-        </p:blipFill>
-        <p:spPr>
-          <a:xfrm>
-            <a:off x="420625" y="1536192"/>
-            <a:ext cx="11411712" cy="5148072"/>
-          </a:xfrm>
-        </p:spPr>
-      </p:pic>
-      <p:sp>
-        <p:nvSpPr>
-          <p:cNvPr id="3" name="文字方塊 2">
-            <a:extLst>
-              <a:ext uri="{FF2B5EF4-FFF2-40B4-BE49-F238E27FC236}">
-                <a16:creationId xmlns:a16="http://schemas.microsoft.com/office/drawing/2014/main" id="{679F4C3E-3A91-29DC-9B86-4CB9A795A6B3}"/>
-              </a:ext>
-            </a:extLst>
-          </p:cNvPr>
-          <p:cNvSpPr txBox="1"/>
-          <p:nvPr/>
-        </p:nvSpPr>
-        <p:spPr>
-          <a:xfrm>
-            <a:off x="8872348" y="566241"/>
-            <a:ext cx="3026664" cy="923330"/>
-          </a:xfrm>
-          <a:prstGeom prst="rect">
-            <a:avLst/>
-          </a:prstGeom>
-          <a:noFill/>
-        </p:spPr>
-        <p:txBody>
-          <a:bodyPr wrap="square" rtlCol="0">
-            <a:spAutoFit/>
-          </a:bodyPr>
-          <a:lstStyle/>
-          <a:p>
-            <a:r>
-              <a:rPr lang="zh-TW" altLang="en-US" dirty="0"/>
-              <a:t>藍色 </a:t>
-            </a:r>
-            <a:r>
-              <a:rPr lang="en-US" altLang="zh-TW" dirty="0"/>
-              <a:t>: Origin Signal</a:t>
-            </a:r>
-          </a:p>
-          <a:p>
-            <a:r>
-              <a:rPr lang="zh-TW" altLang="en-US" dirty="0"/>
-              <a:t>紅色 </a:t>
-            </a:r>
-            <a:r>
-              <a:rPr lang="en-US" altLang="zh-TW" dirty="0"/>
-              <a:t>: </a:t>
-            </a:r>
-            <a:r>
-              <a:rPr lang="zh-TW" altLang="en-US" dirty="0"/>
-              <a:t>經過</a:t>
-            </a:r>
-            <a:r>
-              <a:rPr lang="en-US" altLang="zh-TW" dirty="0"/>
-              <a:t>HPF</a:t>
-            </a:r>
-          </a:p>
-          <a:p>
-            <a:r>
-              <a:rPr lang="zh-TW" altLang="en-US" dirty="0"/>
-              <a:t>綠色 </a:t>
-            </a:r>
-            <a:r>
-              <a:rPr lang="en-US" altLang="zh-TW" dirty="0"/>
-              <a:t>:</a:t>
-            </a:r>
-            <a:r>
-              <a:rPr lang="zh-TW" altLang="en-US" dirty="0"/>
-              <a:t> 經過遲滯還原後訊號</a:t>
-            </a:r>
-          </a:p>
-        </p:txBody>
-      </p:sp>
-      <p:cxnSp>
-        <p:nvCxnSpPr>
-          <p:cNvPr id="7" name="直線單箭頭接點 6">
-            <a:extLst>
-              <a:ext uri="{FF2B5EF4-FFF2-40B4-BE49-F238E27FC236}">
-                <a16:creationId xmlns:a16="http://schemas.microsoft.com/office/drawing/2014/main" id="{81B3D2F6-0BF6-CB77-7406-F632733D6AFF}"/>
-              </a:ext>
-            </a:extLst>
-          </p:cNvPr>
-          <p:cNvCxnSpPr/>
-          <p:nvPr/>
-        </p:nvCxnSpPr>
-        <p:spPr>
-          <a:xfrm flipH="1" flipV="1">
-            <a:off x="1847088" y="5696712"/>
-            <a:ext cx="905256" cy="557784"/>
-          </a:xfrm>
-          <a:prstGeom prst="straightConnector1">
-            <a:avLst/>
-          </a:prstGeom>
-          <a:ln>
-            <a:tailEnd type="triangle"/>
-          </a:ln>
-        </p:spPr>
-        <p:style>
-          <a:lnRef idx="1">
-            <a:schemeClr val="accent1"/>
-          </a:lnRef>
-          <a:fillRef idx="0">
-            <a:schemeClr val="accent1"/>
-          </a:fillRef>
-          <a:effectRef idx="0">
-            <a:schemeClr val="accent1"/>
-          </a:effectRef>
-          <a:fontRef idx="minor">
-            <a:schemeClr val="tx1"/>
-          </a:fontRef>
-        </p:style>
-      </p:cxnSp>
-      <p:sp>
-        <p:nvSpPr>
-          <p:cNvPr id="8" name="文字方塊 7">
-            <a:extLst>
-              <a:ext uri="{FF2B5EF4-FFF2-40B4-BE49-F238E27FC236}">
-                <a16:creationId xmlns:a16="http://schemas.microsoft.com/office/drawing/2014/main" id="{DD7F9A39-B996-DCC3-718A-6F84A274ADF9}"/>
-              </a:ext>
-            </a:extLst>
-          </p:cNvPr>
-          <p:cNvSpPr txBox="1"/>
-          <p:nvPr/>
-        </p:nvSpPr>
-        <p:spPr>
-          <a:xfrm>
-            <a:off x="2712718" y="5696712"/>
-            <a:ext cx="4126232" cy="369332"/>
-          </a:xfrm>
-          <a:prstGeom prst="rect">
-            <a:avLst/>
-          </a:prstGeom>
-          <a:noFill/>
-        </p:spPr>
-        <p:txBody>
-          <a:bodyPr wrap="square" rtlCol="0">
-            <a:spAutoFit/>
-          </a:bodyPr>
-          <a:lstStyle/>
-          <a:p>
-            <a:r>
-              <a:rPr lang="zh-TW" altLang="en-US" dirty="0"/>
-              <a:t>重點 </a:t>
-            </a:r>
-            <a:r>
-              <a:rPr lang="en-US" altLang="zh-TW" dirty="0"/>
-              <a:t>:</a:t>
-            </a:r>
-            <a:r>
-              <a:rPr lang="zh-TW" altLang="en-US" dirty="0"/>
-              <a:t> 紅色頻率</a:t>
-            </a:r>
-            <a:r>
-              <a:rPr lang="en-US" altLang="zh-TW" dirty="0"/>
-              <a:t>43KHZ</a:t>
-            </a:r>
-            <a:endParaRPr lang="zh-TW" altLang="en-US" dirty="0"/>
-          </a:p>
-        </p:txBody>
-      </p:sp>
-      <p:sp>
-        <p:nvSpPr>
-          <p:cNvPr id="4" name="矩形 3">
-            <a:extLst>
-              <a:ext uri="{FF2B5EF4-FFF2-40B4-BE49-F238E27FC236}">
-                <a16:creationId xmlns:a16="http://schemas.microsoft.com/office/drawing/2014/main" id="{5B392F7F-F8D5-AB30-59A4-DBB701320C51}"/>
-              </a:ext>
-            </a:extLst>
-          </p:cNvPr>
-          <p:cNvSpPr/>
-          <p:nvPr/>
-        </p:nvSpPr>
-        <p:spPr>
-          <a:xfrm>
-            <a:off x="1209675" y="6254496"/>
-            <a:ext cx="1038606" cy="429768"/>
-          </a:xfrm>
-          <a:prstGeom prst="rect">
-            <a:avLst/>
-          </a:prstGeom>
-          <a:noFill/>
-          <a:ln w="38100">
-            <a:solidFill>
-              <a:srgbClr val="FF0000"/>
-            </a:solidFill>
-          </a:ln>
-        </p:spPr>
-        <p:style>
-          <a:lnRef idx="2">
-            <a:schemeClr val="accent1">
-              <a:shade val="50000"/>
-            </a:schemeClr>
-          </a:lnRef>
-          <a:fillRef idx="1">
-            <a:schemeClr val="accent1"/>
-          </a:fillRef>
-          <a:effectRef idx="0">
-            <a:schemeClr val="accent1"/>
-          </a:effectRef>
-          <a:fontRef idx="minor">
-            <a:schemeClr val="lt1"/>
-          </a:fontRef>
-        </p:style>
-        <p:txBody>
-          <a:bodyPr rtlCol="0" anchor="ctr"/>
-          <a:lstStyle/>
-          <a:p>
-            <a:pPr algn="ctr"/>
-            <a:endParaRPr lang="zh-TW" altLang="en-US"/>
-          </a:p>
-        </p:txBody>
-      </p:sp>
-    </p:spTree>
-    <p:extLst>
-      <p:ext uri="{BB962C8B-B14F-4D97-AF65-F5344CB8AC3E}">
-        <p14:creationId xmlns:p14="http://schemas.microsoft.com/office/powerpoint/2010/main" val="1049564330"/>
-      </p:ext>
-    </p:extLst>
-  </p:cSld>
-  <p:clrMapOvr>
-    <a:masterClrMapping/>
-  </p:clrMapOvr>
-</p:sld>
-</file>
-
-<file path=ppt/slides/slide45.xml><?xml version="1.0" encoding="utf-8"?>
-<p:sld xmlns:a="http://schemas.openxmlformats.org/drawingml/2006/main" xmlns:r="http://schemas.openxmlformats.org/officeDocument/2006/relationships" xmlns:p="http://schemas.openxmlformats.org/presentationml/2006/main">
-  <p:cSld>
-    <p:spTree>
-      <p:nvGrpSpPr>
-        <p:cNvPr id="1" name=""/>
-        <p:cNvGrpSpPr/>
-        <p:nvPr/>
-      </p:nvGrpSpPr>
-      <p:grpSpPr>
-        <a:xfrm>
-          <a:off x="0" y="0"/>
-          <a:ext cx="0" cy="0"/>
-          <a:chOff x="0" y="0"/>
-          <a:chExt cx="0" cy="0"/>
-        </a:xfrm>
-      </p:grpSpPr>
-      <p:sp>
-        <p:nvSpPr>
-          <p:cNvPr id="2" name="標題 1">
-            <a:extLst>
-              <a:ext uri="{FF2B5EF4-FFF2-40B4-BE49-F238E27FC236}">
-                <a16:creationId xmlns:a16="http://schemas.microsoft.com/office/drawing/2014/main" id="{41A1B36A-471A-BDE5-0D9F-F818171D72B1}"/>
-              </a:ext>
-            </a:extLst>
-          </p:cNvPr>
-          <p:cNvSpPr>
-            <a:spLocks noGrp="1"/>
-          </p:cNvSpPr>
-          <p:nvPr>
-            <p:ph type="title"/>
-          </p:nvPr>
-        </p:nvSpPr>
-        <p:spPr/>
-        <p:txBody>
-          <a:bodyPr/>
-          <a:lstStyle/>
-          <a:p>
-            <a:pPr algn="ctr"/>
-            <a:r>
-              <a:rPr lang="zh-TW" altLang="en-US" dirty="0"/>
-              <a:t>後端</a:t>
-            </a:r>
-            <a:r>
-              <a:rPr lang="en-US" altLang="zh-TW" dirty="0"/>
-              <a:t>Decoder</a:t>
-            </a:r>
-            <a:r>
-              <a:rPr lang="zh-TW" altLang="en-US" dirty="0"/>
-              <a:t>電路</a:t>
-            </a:r>
-          </a:p>
-        </p:txBody>
-      </p:sp>
-      <p:sp>
-        <p:nvSpPr>
-          <p:cNvPr id="3" name="內容版面配置區 2">
-            <a:extLst>
-              <a:ext uri="{FF2B5EF4-FFF2-40B4-BE49-F238E27FC236}">
-                <a16:creationId xmlns:a16="http://schemas.microsoft.com/office/drawing/2014/main" id="{AEB419E4-8661-C0C0-63D0-CF90B8FED2EC}"/>
-              </a:ext>
-            </a:extLst>
-          </p:cNvPr>
-          <p:cNvSpPr>
-            <a:spLocks noGrp="1"/>
-          </p:cNvSpPr>
-          <p:nvPr>
-            <p:ph idx="1"/>
-          </p:nvPr>
-        </p:nvSpPr>
-        <p:spPr/>
-        <p:txBody>
-          <a:bodyPr/>
-          <a:lstStyle/>
-          <a:p>
-            <a:pPr marL="0" indent="0">
-              <a:buNone/>
-            </a:pPr>
-            <a:r>
-              <a:rPr lang="en-US" altLang="zh-TW" dirty="0"/>
-              <a:t>Auto Correlation</a:t>
-            </a:r>
-          </a:p>
-          <a:p>
-            <a:pPr marL="0" indent="0">
-              <a:buNone/>
-            </a:pPr>
-            <a:endParaRPr lang="en-US" altLang="zh-TW" dirty="0"/>
-          </a:p>
-          <a:p>
-            <a:pPr marL="0" indent="0">
-              <a:buNone/>
-            </a:pPr>
-            <a:r>
-              <a:rPr lang="en-US" altLang="zh-TW" dirty="0"/>
-              <a:t>Decode</a:t>
-            </a:r>
-            <a:r>
-              <a:rPr lang="zh-TW" altLang="en-US" dirty="0"/>
-              <a:t> </a:t>
-            </a:r>
-            <a:r>
-              <a:rPr lang="en-US" altLang="zh-TW" dirty="0"/>
-              <a:t>RX1 </a:t>
-            </a:r>
-          </a:p>
-          <a:p>
-            <a:pPr marL="0" indent="0">
-              <a:buNone/>
-            </a:pPr>
-            <a:endParaRPr lang="en-US" altLang="zh-TW" dirty="0"/>
-          </a:p>
-          <a:p>
-            <a:pPr marL="0" indent="0">
-              <a:buNone/>
-            </a:pPr>
-            <a:endParaRPr lang="en-US" altLang="zh-TW" dirty="0"/>
-          </a:p>
-          <a:p>
-            <a:pPr marL="0" indent="0">
-              <a:buNone/>
-            </a:pPr>
-            <a:r>
-              <a:rPr lang="en-US" altLang="zh-TW" dirty="0"/>
-              <a:t>Decode RX0</a:t>
-            </a:r>
-            <a:endParaRPr lang="zh-TW" altLang="en-US" dirty="0"/>
-          </a:p>
-        </p:txBody>
-      </p:sp>
-    </p:spTree>
-    <p:extLst>
-      <p:ext uri="{BB962C8B-B14F-4D97-AF65-F5344CB8AC3E}">
-        <p14:creationId xmlns:p14="http://schemas.microsoft.com/office/powerpoint/2010/main" val="1747056482"/>
-      </p:ext>
-    </p:extLst>
-  </p:cSld>
-  <p:clrMapOvr>
-    <a:masterClrMapping/>
-  </p:clrMapOvr>
-</p:sld>
-</file>
-
-<file path=ppt/slides/slide46.xml><?xml version="1.0" encoding="utf-8"?>
-<p:sld xmlns:a="http://schemas.openxmlformats.org/drawingml/2006/main" xmlns:r="http://schemas.openxmlformats.org/officeDocument/2006/relationships" xmlns:p="http://schemas.openxmlformats.org/presentationml/2006/main">
-  <p:cSld>
-    <p:spTree>
-      <p:nvGrpSpPr>
-        <p:cNvPr id="1" name=""/>
-        <p:cNvGrpSpPr/>
-        <p:nvPr/>
-      </p:nvGrpSpPr>
-      <p:grpSpPr>
-        <a:xfrm>
-          <a:off x="0" y="0"/>
-          <a:ext cx="0" cy="0"/>
-          <a:chOff x="0" y="0"/>
-          <a:chExt cx="0" cy="0"/>
-        </a:xfrm>
-      </p:grpSpPr>
-      <p:sp>
-        <p:nvSpPr>
-          <p:cNvPr id="2" name="標題 1">
-            <a:extLst>
-              <a:ext uri="{FF2B5EF4-FFF2-40B4-BE49-F238E27FC236}">
-                <a16:creationId xmlns:a16="http://schemas.microsoft.com/office/drawing/2014/main" id="{50BB383F-54B9-1566-5039-3C13647347F8}"/>
-              </a:ext>
-            </a:extLst>
-          </p:cNvPr>
-          <p:cNvSpPr>
-            <a:spLocks noGrp="1"/>
-          </p:cNvSpPr>
-          <p:nvPr>
-            <p:ph type="title"/>
-          </p:nvPr>
-        </p:nvSpPr>
-        <p:spPr/>
-        <p:txBody>
-          <a:bodyPr/>
-          <a:lstStyle/>
-          <a:p>
-            <a:pPr algn="ctr"/>
-            <a:r>
-              <a:rPr lang="en-US" altLang="zh-TW" dirty="0" err="1"/>
-              <a:t>AutoCorrelation</a:t>
-            </a:r>
-            <a:endParaRPr lang="zh-TW" altLang="en-US" dirty="0"/>
-          </a:p>
-        </p:txBody>
-      </p:sp>
-      <p:sp>
-        <p:nvSpPr>
-          <p:cNvPr id="3" name="內容版面配置區 2">
-            <a:extLst>
-              <a:ext uri="{FF2B5EF4-FFF2-40B4-BE49-F238E27FC236}">
-                <a16:creationId xmlns:a16="http://schemas.microsoft.com/office/drawing/2014/main" id="{2596C747-6CF3-CCCC-4223-2CFCEABA8BA0}"/>
-              </a:ext>
-            </a:extLst>
-          </p:cNvPr>
-          <p:cNvSpPr>
-            <a:spLocks noGrp="1"/>
-          </p:cNvSpPr>
-          <p:nvPr>
-            <p:ph idx="1"/>
-          </p:nvPr>
-        </p:nvSpPr>
-        <p:spPr/>
-        <p:txBody>
-          <a:bodyPr/>
-          <a:lstStyle/>
-          <a:p>
-            <a:pPr marL="514350" indent="-514350">
-              <a:buAutoNum type="arabicPeriod"/>
-            </a:pPr>
-            <a:r>
-              <a:rPr lang="zh-TW" altLang="en-US" dirty="0"/>
-              <a:t>能推倒出</a:t>
-            </a:r>
-            <a:r>
-              <a:rPr lang="en-US" altLang="zh-TW" dirty="0" err="1"/>
-              <a:t>Convolation</a:t>
-            </a:r>
-            <a:r>
-              <a:rPr lang="en-US" altLang="zh-TW" dirty="0"/>
-              <a:t> Property for LTI system</a:t>
-            </a:r>
-          </a:p>
-          <a:p>
-            <a:pPr marL="514350" indent="-514350">
-              <a:buAutoNum type="arabicPeriod"/>
-            </a:pPr>
-            <a:endParaRPr lang="en-US" altLang="zh-TW" dirty="0"/>
-          </a:p>
-          <a:p>
-            <a:pPr marL="514350" indent="-514350">
-              <a:buAutoNum type="arabicPeriod"/>
-            </a:pPr>
-            <a:r>
-              <a:rPr lang="en-US" altLang="zh-TW" dirty="0" err="1"/>
-              <a:t>AutoCorreltion</a:t>
-            </a:r>
-            <a:r>
-              <a:rPr lang="zh-TW" altLang="en-US" dirty="0"/>
-              <a:t> 用處到底是</a:t>
-            </a:r>
-            <a:r>
-              <a:rPr lang="en-US" altLang="zh-TW" dirty="0"/>
-              <a:t>?</a:t>
-            </a:r>
-          </a:p>
-          <a:p>
-            <a:pPr marL="514350" indent="-514350">
-              <a:buAutoNum type="arabicPeriod"/>
-            </a:pPr>
-            <a:endParaRPr lang="en-US" altLang="zh-TW" dirty="0"/>
-          </a:p>
-          <a:p>
-            <a:pPr marL="514350" indent="-514350">
-              <a:buAutoNum type="arabicPeriod"/>
-            </a:pPr>
-            <a:r>
-              <a:rPr lang="zh-TW" altLang="en-US" dirty="0"/>
-              <a:t>訊號上的分析</a:t>
-            </a:r>
-          </a:p>
-        </p:txBody>
-      </p:sp>
-    </p:spTree>
-    <p:extLst>
-      <p:ext uri="{BB962C8B-B14F-4D97-AF65-F5344CB8AC3E}">
-        <p14:creationId xmlns:p14="http://schemas.microsoft.com/office/powerpoint/2010/main" val="1802279474"/>
-      </p:ext>
-    </p:extLst>
-  </p:cSld>
-  <p:clrMapOvr>
-    <a:masterClrMapping/>
-  </p:clrMapOvr>
-</p:sld>
-</file>
-
 <file path=ppt/slides/slide47.xml><?xml version="1.0" encoding="utf-8"?>
 <p:sld xmlns:a="http://schemas.openxmlformats.org/drawingml/2006/main" xmlns:r="http://schemas.openxmlformats.org/officeDocument/2006/relationships" xmlns:p="http://schemas.openxmlformats.org/presentationml/2006/main">
   <p:cSld>
@@ -28777,6 +28755,1175 @@
           <p:cNvPr id="2" name="標題 1">
             <a:extLst>
               <a:ext uri="{FF2B5EF4-FFF2-40B4-BE49-F238E27FC236}">
+                <a16:creationId xmlns:a16="http://schemas.microsoft.com/office/drawing/2014/main" id="{BD4F6E74-41DD-5DFF-8A35-FC63C2A0B647}"/>
+              </a:ext>
+            </a:extLst>
+          </p:cNvPr>
+          <p:cNvSpPr>
+            <a:spLocks noGrp="1"/>
+          </p:cNvSpPr>
+          <p:nvPr>
+            <p:ph type="title"/>
+          </p:nvPr>
+        </p:nvSpPr>
+        <p:spPr/>
+        <p:txBody>
+          <a:bodyPr/>
+          <a:lstStyle/>
+          <a:p>
+            <a:pPr algn="ctr"/>
+            <a:r>
+              <a:rPr lang="en-US" altLang="zh-TW" dirty="0"/>
+              <a:t>DSSS Wave with T5</a:t>
+            </a:r>
+            <a:endParaRPr lang="zh-TW" altLang="en-US" dirty="0"/>
+          </a:p>
+        </p:txBody>
+      </p:sp>
+      <p:pic>
+        <p:nvPicPr>
+          <p:cNvPr id="5" name="內容版面配置區 4">
+            <a:extLst>
+              <a:ext uri="{FF2B5EF4-FFF2-40B4-BE49-F238E27FC236}">
+                <a16:creationId xmlns:a16="http://schemas.microsoft.com/office/drawing/2014/main" id="{063DCBD2-1AC4-1AC9-A55C-CC45CD4E8DE8}"/>
+              </a:ext>
+            </a:extLst>
+          </p:cNvPr>
+          <p:cNvPicPr>
+            <a:picLocks noGrp="1" noChangeAspect="1"/>
+          </p:cNvPicPr>
+          <p:nvPr>
+            <p:ph idx="1"/>
+          </p:nvPr>
+        </p:nvPicPr>
+        <p:blipFill>
+          <a:blip r:embed="rId2">
+            <a:extLst>
+              <a:ext uri="{28A0092B-C50C-407E-A947-70E740481C1C}">
+                <a14:useLocalDpi xmlns:a14="http://schemas.microsoft.com/office/drawing/2010/main" val="0"/>
+              </a:ext>
+            </a:extLst>
+          </a:blip>
+          <a:stretch>
+            <a:fillRect/>
+          </a:stretch>
+        </p:blipFill>
+        <p:spPr>
+          <a:xfrm>
+            <a:off x="0" y="1852454"/>
+            <a:ext cx="12192000" cy="5005546"/>
+          </a:xfrm>
+        </p:spPr>
+      </p:pic>
+      <p:sp>
+        <p:nvSpPr>
+          <p:cNvPr id="6" name="文字方塊 5">
+            <a:extLst>
+              <a:ext uri="{FF2B5EF4-FFF2-40B4-BE49-F238E27FC236}">
+                <a16:creationId xmlns:a16="http://schemas.microsoft.com/office/drawing/2014/main" id="{657C2232-6BE1-3EDF-BDBE-4F5514E53DB9}"/>
+              </a:ext>
+            </a:extLst>
+          </p:cNvPr>
+          <p:cNvSpPr txBox="1"/>
+          <p:nvPr/>
+        </p:nvSpPr>
+        <p:spPr>
+          <a:xfrm>
+            <a:off x="4673600" y="1667788"/>
+            <a:ext cx="3933371" cy="369332"/>
+          </a:xfrm>
+          <a:prstGeom prst="rect">
+            <a:avLst/>
+          </a:prstGeom>
+          <a:noFill/>
+        </p:spPr>
+        <p:txBody>
+          <a:bodyPr wrap="square" rtlCol="0">
+            <a:spAutoFit/>
+          </a:bodyPr>
+          <a:lstStyle/>
+          <a:p>
+            <a:r>
+              <a:rPr lang="zh-TW" altLang="en-US" dirty="0"/>
+              <a:t>透過比較器將訊號還原</a:t>
+            </a:r>
+          </a:p>
+        </p:txBody>
+      </p:sp>
+    </p:spTree>
+    <p:extLst>
+      <p:ext uri="{BB962C8B-B14F-4D97-AF65-F5344CB8AC3E}">
+        <p14:creationId xmlns:p14="http://schemas.microsoft.com/office/powerpoint/2010/main" val="2721288156"/>
+      </p:ext>
+    </p:extLst>
+  </p:cSld>
+  <p:clrMapOvr>
+    <a:masterClrMapping/>
+  </p:clrMapOvr>
+</p:sld>
+</file>
+
+<file path=ppt/slides/slide48.xml><?xml version="1.0" encoding="utf-8"?>
+<p:sld xmlns:a="http://schemas.openxmlformats.org/drawingml/2006/main" xmlns:r="http://schemas.openxmlformats.org/officeDocument/2006/relationships" xmlns:p="http://schemas.openxmlformats.org/presentationml/2006/main">
+  <p:cSld>
+    <p:spTree>
+      <p:nvGrpSpPr>
+        <p:cNvPr id="1" name=""/>
+        <p:cNvGrpSpPr/>
+        <p:nvPr/>
+      </p:nvGrpSpPr>
+      <p:grpSpPr>
+        <a:xfrm>
+          <a:off x="0" y="0"/>
+          <a:ext cx="0" cy="0"/>
+          <a:chOff x="0" y="0"/>
+          <a:chExt cx="0" cy="0"/>
+        </a:xfrm>
+      </p:grpSpPr>
+      <p:sp>
+        <p:nvSpPr>
+          <p:cNvPr id="2" name="標題 1">
+            <a:extLst>
+              <a:ext uri="{FF2B5EF4-FFF2-40B4-BE49-F238E27FC236}">
+                <a16:creationId xmlns:a16="http://schemas.microsoft.com/office/drawing/2014/main" id="{D6BCE54B-5713-5B04-E759-8A8D96A55CB3}"/>
+              </a:ext>
+            </a:extLst>
+          </p:cNvPr>
+          <p:cNvSpPr>
+            <a:spLocks noGrp="1"/>
+          </p:cNvSpPr>
+          <p:nvPr>
+            <p:ph type="title"/>
+          </p:nvPr>
+        </p:nvSpPr>
+        <p:spPr/>
+        <p:txBody>
+          <a:bodyPr/>
+          <a:lstStyle/>
+          <a:p>
+            <a:pPr algn="ctr"/>
+            <a:r>
+              <a:rPr lang="en-US" altLang="zh-TW" dirty="0"/>
+              <a:t>DSSS Wave with T5</a:t>
+            </a:r>
+            <a:endParaRPr lang="zh-TW" altLang="en-US" dirty="0"/>
+          </a:p>
+        </p:txBody>
+      </p:sp>
+      <p:pic>
+        <p:nvPicPr>
+          <p:cNvPr id="5" name="內容版面配置區 4">
+            <a:extLst>
+              <a:ext uri="{FF2B5EF4-FFF2-40B4-BE49-F238E27FC236}">
+                <a16:creationId xmlns:a16="http://schemas.microsoft.com/office/drawing/2014/main" id="{74713380-74F2-DA34-0B57-977650ACA931}"/>
+              </a:ext>
+            </a:extLst>
+          </p:cNvPr>
+          <p:cNvPicPr>
+            <a:picLocks noGrp="1" noChangeAspect="1"/>
+          </p:cNvPicPr>
+          <p:nvPr>
+            <p:ph idx="1"/>
+          </p:nvPr>
+        </p:nvPicPr>
+        <p:blipFill>
+          <a:blip r:embed="rId2">
+            <a:extLst>
+              <a:ext uri="{28A0092B-C50C-407E-A947-70E740481C1C}">
+                <a14:useLocalDpi xmlns:a14="http://schemas.microsoft.com/office/drawing/2010/main" val="0"/>
+              </a:ext>
+            </a:extLst>
+          </a:blip>
+          <a:srcRect/>
+          <a:stretch/>
+        </p:blipFill>
+        <p:spPr>
+          <a:xfrm>
+            <a:off x="0" y="1825784"/>
+            <a:ext cx="12192000" cy="5032216"/>
+          </a:xfrm>
+        </p:spPr>
+      </p:pic>
+      <p:sp>
+        <p:nvSpPr>
+          <p:cNvPr id="6" name="文字方塊 5">
+            <a:extLst>
+              <a:ext uri="{FF2B5EF4-FFF2-40B4-BE49-F238E27FC236}">
+                <a16:creationId xmlns:a16="http://schemas.microsoft.com/office/drawing/2014/main" id="{30433AF9-FE4A-ED53-2D0B-73AA5995A79C}"/>
+              </a:ext>
+            </a:extLst>
+          </p:cNvPr>
+          <p:cNvSpPr txBox="1"/>
+          <p:nvPr/>
+        </p:nvSpPr>
+        <p:spPr>
+          <a:xfrm>
+            <a:off x="8824688" y="952024"/>
+            <a:ext cx="4426855" cy="1477328"/>
+          </a:xfrm>
+          <a:prstGeom prst="rect">
+            <a:avLst/>
+          </a:prstGeom>
+          <a:noFill/>
+        </p:spPr>
+        <p:txBody>
+          <a:bodyPr wrap="square" rtlCol="0">
+            <a:spAutoFit/>
+          </a:bodyPr>
+          <a:lstStyle/>
+          <a:p>
+            <a:r>
+              <a:rPr lang="zh-TW" altLang="en-US" dirty="0"/>
+              <a:t>註解 </a:t>
+            </a:r>
+            <a:r>
+              <a:rPr lang="en-US" altLang="zh-TW" dirty="0"/>
+              <a:t>:</a:t>
+            </a:r>
+          </a:p>
+          <a:p>
+            <a:pPr marL="342900" indent="-342900">
+              <a:buAutoNum type="arabicPeriod"/>
+            </a:pPr>
+            <a:r>
+              <a:rPr lang="zh-TW" altLang="en-US" dirty="0"/>
+              <a:t>原始訊號 </a:t>
+            </a:r>
+            <a:r>
+              <a:rPr lang="en-US" altLang="zh-TW" dirty="0"/>
+              <a:t>:</a:t>
+            </a:r>
+            <a:r>
+              <a:rPr lang="zh-TW" altLang="en-US" dirty="0"/>
+              <a:t> 黃色</a:t>
+            </a:r>
+            <a:endParaRPr lang="en-US" altLang="zh-TW" dirty="0"/>
+          </a:p>
+          <a:p>
+            <a:pPr marL="342900" indent="-342900">
+              <a:buAutoNum type="arabicPeriod"/>
+            </a:pPr>
+            <a:r>
+              <a:rPr lang="zh-TW" altLang="en-US" dirty="0"/>
+              <a:t>經過還原後訊號 </a:t>
+            </a:r>
+            <a:r>
+              <a:rPr lang="en-US" altLang="zh-TW" dirty="0"/>
+              <a:t>: </a:t>
+            </a:r>
+            <a:r>
+              <a:rPr lang="zh-TW" altLang="en-US" dirty="0"/>
+              <a:t>紫色</a:t>
+            </a:r>
+            <a:endParaRPr lang="en-US" altLang="zh-TW" dirty="0"/>
+          </a:p>
+          <a:p>
+            <a:pPr marL="342900" indent="-342900">
+              <a:buAutoNum type="arabicPeriod"/>
+            </a:pPr>
+            <a:r>
+              <a:rPr lang="zh-TW" altLang="en-US" dirty="0">
+                <a:solidFill>
+                  <a:srgbClr val="FF0000"/>
+                </a:solidFill>
+              </a:rPr>
+              <a:t>可以看到黃色訊號與紫色訊號長相很像</a:t>
+            </a:r>
+            <a:r>
+              <a:rPr lang="en-US" altLang="zh-TW" dirty="0">
+                <a:solidFill>
+                  <a:srgbClr val="FF0000"/>
+                </a:solidFill>
+              </a:rPr>
+              <a:t>(</a:t>
+            </a:r>
+            <a:r>
+              <a:rPr lang="zh-TW" altLang="en-US" dirty="0">
+                <a:solidFill>
+                  <a:srgbClr val="FF0000"/>
+                </a:solidFill>
+              </a:rPr>
+              <a:t>濾掉低頻訊號</a:t>
+            </a:r>
+            <a:r>
+              <a:rPr lang="en-US" altLang="zh-TW" dirty="0">
+                <a:solidFill>
+                  <a:srgbClr val="FF0000"/>
+                </a:solidFill>
+              </a:rPr>
+              <a:t>)</a:t>
+            </a:r>
+          </a:p>
+        </p:txBody>
+      </p:sp>
+      <p:sp>
+        <p:nvSpPr>
+          <p:cNvPr id="7" name="矩形: 圓角 6">
+            <a:extLst>
+              <a:ext uri="{FF2B5EF4-FFF2-40B4-BE49-F238E27FC236}">
+                <a16:creationId xmlns:a16="http://schemas.microsoft.com/office/drawing/2014/main" id="{C0223158-CE2C-4B40-0A34-031966756A2F}"/>
+              </a:ext>
+            </a:extLst>
+          </p:cNvPr>
+          <p:cNvSpPr/>
+          <p:nvPr/>
+        </p:nvSpPr>
+        <p:spPr>
+          <a:xfrm>
+            <a:off x="0" y="1690688"/>
+            <a:ext cx="3367314" cy="340139"/>
+          </a:xfrm>
+          <a:prstGeom prst="roundRect">
+            <a:avLst/>
+          </a:prstGeom>
+          <a:noFill/>
+          <a:ln w="38100">
+            <a:solidFill>
+              <a:srgbClr val="FF0000"/>
+            </a:solidFill>
+          </a:ln>
+        </p:spPr>
+        <p:style>
+          <a:lnRef idx="2">
+            <a:schemeClr val="accent1">
+              <a:shade val="50000"/>
+            </a:schemeClr>
+          </a:lnRef>
+          <a:fillRef idx="1">
+            <a:schemeClr val="accent1"/>
+          </a:fillRef>
+          <a:effectRef idx="0">
+            <a:schemeClr val="accent1"/>
+          </a:effectRef>
+          <a:fontRef idx="minor">
+            <a:schemeClr val="lt1"/>
+          </a:fontRef>
+        </p:style>
+        <p:txBody>
+          <a:bodyPr rtlCol="0" anchor="ctr"/>
+          <a:lstStyle/>
+          <a:p>
+            <a:pPr algn="ctr"/>
+            <a:endParaRPr lang="zh-TW" altLang="en-US"/>
+          </a:p>
+        </p:txBody>
+      </p:sp>
+    </p:spTree>
+    <p:extLst>
+      <p:ext uri="{BB962C8B-B14F-4D97-AF65-F5344CB8AC3E}">
+        <p14:creationId xmlns:p14="http://schemas.microsoft.com/office/powerpoint/2010/main" val="2556651551"/>
+      </p:ext>
+    </p:extLst>
+  </p:cSld>
+  <p:clrMapOvr>
+    <a:masterClrMapping/>
+  </p:clrMapOvr>
+</p:sld>
+</file>
+
+<file path=ppt/slides/slide49.xml><?xml version="1.0" encoding="utf-8"?>
+<p:sld xmlns:a="http://schemas.openxmlformats.org/drawingml/2006/main" xmlns:r="http://schemas.openxmlformats.org/officeDocument/2006/relationships" xmlns:p="http://schemas.openxmlformats.org/presentationml/2006/main">
+  <p:cSld>
+    <p:spTree>
+      <p:nvGrpSpPr>
+        <p:cNvPr id="1" name=""/>
+        <p:cNvGrpSpPr/>
+        <p:nvPr/>
+      </p:nvGrpSpPr>
+      <p:grpSpPr>
+        <a:xfrm>
+          <a:off x="0" y="0"/>
+          <a:ext cx="0" cy="0"/>
+          <a:chOff x="0" y="0"/>
+          <a:chExt cx="0" cy="0"/>
+        </a:xfrm>
+      </p:grpSpPr>
+      <p:sp>
+        <p:nvSpPr>
+          <p:cNvPr id="2" name="標題 1">
+            <a:extLst>
+              <a:ext uri="{FF2B5EF4-FFF2-40B4-BE49-F238E27FC236}">
+                <a16:creationId xmlns:a16="http://schemas.microsoft.com/office/drawing/2014/main" id="{44A3EED0-E48E-5075-AF86-C1688A025F82}"/>
+              </a:ext>
+            </a:extLst>
+          </p:cNvPr>
+          <p:cNvSpPr>
+            <a:spLocks noGrp="1"/>
+          </p:cNvSpPr>
+          <p:nvPr>
+            <p:ph type="title"/>
+          </p:nvPr>
+        </p:nvSpPr>
+        <p:spPr/>
+        <p:txBody>
+          <a:bodyPr/>
+          <a:lstStyle/>
+          <a:p>
+            <a:pPr algn="ctr"/>
+            <a:r>
+              <a:rPr lang="en-US" altLang="zh-TW" dirty="0"/>
+              <a:t>T5 Wave </a:t>
+            </a:r>
+            <a:endParaRPr lang="zh-TW" altLang="en-US" dirty="0"/>
+          </a:p>
+        </p:txBody>
+      </p:sp>
+      <p:pic>
+        <p:nvPicPr>
+          <p:cNvPr id="5" name="內容版面配置區 4">
+            <a:extLst>
+              <a:ext uri="{FF2B5EF4-FFF2-40B4-BE49-F238E27FC236}">
+                <a16:creationId xmlns:a16="http://schemas.microsoft.com/office/drawing/2014/main" id="{F8E32013-00A1-9EF7-79F8-AF58B893170D}"/>
+              </a:ext>
+            </a:extLst>
+          </p:cNvPr>
+          <p:cNvPicPr>
+            <a:picLocks noGrp="1" noChangeAspect="1"/>
+          </p:cNvPicPr>
+          <p:nvPr>
+            <p:ph idx="1"/>
+          </p:nvPr>
+        </p:nvPicPr>
+        <p:blipFill>
+          <a:blip r:embed="rId2">
+            <a:extLst>
+              <a:ext uri="{28A0092B-C50C-407E-A947-70E740481C1C}">
+                <a14:useLocalDpi xmlns:a14="http://schemas.microsoft.com/office/drawing/2010/main" val="0"/>
+              </a:ext>
+            </a:extLst>
+          </a:blip>
+          <a:srcRect/>
+          <a:stretch/>
+        </p:blipFill>
+        <p:spPr>
+          <a:xfrm>
+            <a:off x="420625" y="1536192"/>
+            <a:ext cx="11411712" cy="5148072"/>
+          </a:xfrm>
+        </p:spPr>
+      </p:pic>
+      <p:sp>
+        <p:nvSpPr>
+          <p:cNvPr id="3" name="文字方塊 2">
+            <a:extLst>
+              <a:ext uri="{FF2B5EF4-FFF2-40B4-BE49-F238E27FC236}">
+                <a16:creationId xmlns:a16="http://schemas.microsoft.com/office/drawing/2014/main" id="{679F4C3E-3A91-29DC-9B86-4CB9A795A6B3}"/>
+              </a:ext>
+            </a:extLst>
+          </p:cNvPr>
+          <p:cNvSpPr txBox="1"/>
+          <p:nvPr/>
+        </p:nvSpPr>
+        <p:spPr>
+          <a:xfrm>
+            <a:off x="8872348" y="566241"/>
+            <a:ext cx="3026664" cy="923330"/>
+          </a:xfrm>
+          <a:prstGeom prst="rect">
+            <a:avLst/>
+          </a:prstGeom>
+          <a:noFill/>
+        </p:spPr>
+        <p:txBody>
+          <a:bodyPr wrap="square" rtlCol="0">
+            <a:spAutoFit/>
+          </a:bodyPr>
+          <a:lstStyle/>
+          <a:p>
+            <a:r>
+              <a:rPr lang="zh-TW" altLang="en-US" dirty="0"/>
+              <a:t>藍色 </a:t>
+            </a:r>
+            <a:r>
+              <a:rPr lang="en-US" altLang="zh-TW" dirty="0"/>
+              <a:t>: Origin Signal</a:t>
+            </a:r>
+          </a:p>
+          <a:p>
+            <a:r>
+              <a:rPr lang="zh-TW" altLang="en-US" dirty="0"/>
+              <a:t>紅色 </a:t>
+            </a:r>
+            <a:r>
+              <a:rPr lang="en-US" altLang="zh-TW" dirty="0"/>
+              <a:t>: </a:t>
+            </a:r>
+            <a:r>
+              <a:rPr lang="zh-TW" altLang="en-US" dirty="0"/>
+              <a:t>經過</a:t>
+            </a:r>
+            <a:r>
+              <a:rPr lang="en-US" altLang="zh-TW" dirty="0"/>
+              <a:t>HPF</a:t>
+            </a:r>
+          </a:p>
+          <a:p>
+            <a:r>
+              <a:rPr lang="zh-TW" altLang="en-US" dirty="0"/>
+              <a:t>綠色 </a:t>
+            </a:r>
+            <a:r>
+              <a:rPr lang="en-US" altLang="zh-TW" dirty="0"/>
+              <a:t>:</a:t>
+            </a:r>
+            <a:r>
+              <a:rPr lang="zh-TW" altLang="en-US" dirty="0"/>
+              <a:t> 經過遲滯還原後訊號</a:t>
+            </a:r>
+          </a:p>
+        </p:txBody>
+      </p:sp>
+      <p:cxnSp>
+        <p:nvCxnSpPr>
+          <p:cNvPr id="7" name="直線單箭頭接點 6">
+            <a:extLst>
+              <a:ext uri="{FF2B5EF4-FFF2-40B4-BE49-F238E27FC236}">
+                <a16:creationId xmlns:a16="http://schemas.microsoft.com/office/drawing/2014/main" id="{81B3D2F6-0BF6-CB77-7406-F632733D6AFF}"/>
+              </a:ext>
+            </a:extLst>
+          </p:cNvPr>
+          <p:cNvCxnSpPr/>
+          <p:nvPr/>
+        </p:nvCxnSpPr>
+        <p:spPr>
+          <a:xfrm flipH="1" flipV="1">
+            <a:off x="1847088" y="5696712"/>
+            <a:ext cx="905256" cy="557784"/>
+          </a:xfrm>
+          <a:prstGeom prst="straightConnector1">
+            <a:avLst/>
+          </a:prstGeom>
+          <a:ln>
+            <a:tailEnd type="triangle"/>
+          </a:ln>
+        </p:spPr>
+        <p:style>
+          <a:lnRef idx="1">
+            <a:schemeClr val="accent1"/>
+          </a:lnRef>
+          <a:fillRef idx="0">
+            <a:schemeClr val="accent1"/>
+          </a:fillRef>
+          <a:effectRef idx="0">
+            <a:schemeClr val="accent1"/>
+          </a:effectRef>
+          <a:fontRef idx="minor">
+            <a:schemeClr val="tx1"/>
+          </a:fontRef>
+        </p:style>
+      </p:cxnSp>
+      <p:sp>
+        <p:nvSpPr>
+          <p:cNvPr id="8" name="文字方塊 7">
+            <a:extLst>
+              <a:ext uri="{FF2B5EF4-FFF2-40B4-BE49-F238E27FC236}">
+                <a16:creationId xmlns:a16="http://schemas.microsoft.com/office/drawing/2014/main" id="{DD7F9A39-B996-DCC3-718A-6F84A274ADF9}"/>
+              </a:ext>
+            </a:extLst>
+          </p:cNvPr>
+          <p:cNvSpPr txBox="1"/>
+          <p:nvPr/>
+        </p:nvSpPr>
+        <p:spPr>
+          <a:xfrm>
+            <a:off x="2712718" y="5696712"/>
+            <a:ext cx="4126232" cy="369332"/>
+          </a:xfrm>
+          <a:prstGeom prst="rect">
+            <a:avLst/>
+          </a:prstGeom>
+          <a:noFill/>
+        </p:spPr>
+        <p:txBody>
+          <a:bodyPr wrap="square" rtlCol="0">
+            <a:spAutoFit/>
+          </a:bodyPr>
+          <a:lstStyle/>
+          <a:p>
+            <a:r>
+              <a:rPr lang="zh-TW" altLang="en-US" dirty="0"/>
+              <a:t>重點 </a:t>
+            </a:r>
+            <a:r>
+              <a:rPr lang="en-US" altLang="zh-TW" dirty="0"/>
+              <a:t>:</a:t>
+            </a:r>
+            <a:r>
+              <a:rPr lang="zh-TW" altLang="en-US" dirty="0"/>
+              <a:t> 紅色頻率</a:t>
+            </a:r>
+            <a:r>
+              <a:rPr lang="en-US" altLang="zh-TW" dirty="0"/>
+              <a:t>43KHZ</a:t>
+            </a:r>
+            <a:endParaRPr lang="zh-TW" altLang="en-US" dirty="0"/>
+          </a:p>
+        </p:txBody>
+      </p:sp>
+      <p:sp>
+        <p:nvSpPr>
+          <p:cNvPr id="4" name="矩形 3">
+            <a:extLst>
+              <a:ext uri="{FF2B5EF4-FFF2-40B4-BE49-F238E27FC236}">
+                <a16:creationId xmlns:a16="http://schemas.microsoft.com/office/drawing/2014/main" id="{5B392F7F-F8D5-AB30-59A4-DBB701320C51}"/>
+              </a:ext>
+            </a:extLst>
+          </p:cNvPr>
+          <p:cNvSpPr/>
+          <p:nvPr/>
+        </p:nvSpPr>
+        <p:spPr>
+          <a:xfrm>
+            <a:off x="1209675" y="6254496"/>
+            <a:ext cx="1038606" cy="429768"/>
+          </a:xfrm>
+          <a:prstGeom prst="rect">
+            <a:avLst/>
+          </a:prstGeom>
+          <a:noFill/>
+          <a:ln w="38100">
+            <a:solidFill>
+              <a:srgbClr val="FF0000"/>
+            </a:solidFill>
+          </a:ln>
+        </p:spPr>
+        <p:style>
+          <a:lnRef idx="2">
+            <a:schemeClr val="accent1">
+              <a:shade val="50000"/>
+            </a:schemeClr>
+          </a:lnRef>
+          <a:fillRef idx="1">
+            <a:schemeClr val="accent1"/>
+          </a:fillRef>
+          <a:effectRef idx="0">
+            <a:schemeClr val="accent1"/>
+          </a:effectRef>
+          <a:fontRef idx="minor">
+            <a:schemeClr val="lt1"/>
+          </a:fontRef>
+        </p:style>
+        <p:txBody>
+          <a:bodyPr rtlCol="0" anchor="ctr"/>
+          <a:lstStyle/>
+          <a:p>
+            <a:pPr algn="ctr"/>
+            <a:endParaRPr lang="zh-TW" altLang="en-US"/>
+          </a:p>
+        </p:txBody>
+      </p:sp>
+    </p:spTree>
+    <p:extLst>
+      <p:ext uri="{BB962C8B-B14F-4D97-AF65-F5344CB8AC3E}">
+        <p14:creationId xmlns:p14="http://schemas.microsoft.com/office/powerpoint/2010/main" val="1049564330"/>
+      </p:ext>
+    </p:extLst>
+  </p:cSld>
+  <p:clrMapOvr>
+    <a:masterClrMapping/>
+  </p:clrMapOvr>
+</p:sld>
+</file>
+
+<file path=ppt/slides/slide5.xml><?xml version="1.0" encoding="utf-8"?>
+<p:sld xmlns:a="http://schemas.openxmlformats.org/drawingml/2006/main" xmlns:r="http://schemas.openxmlformats.org/officeDocument/2006/relationships" xmlns:p="http://schemas.openxmlformats.org/presentationml/2006/main">
+  <p:cSld>
+    <p:spTree>
+      <p:nvGrpSpPr>
+        <p:cNvPr id="1" name=""/>
+        <p:cNvGrpSpPr/>
+        <p:nvPr/>
+      </p:nvGrpSpPr>
+      <p:grpSpPr>
+        <a:xfrm>
+          <a:off x="0" y="0"/>
+          <a:ext cx="0" cy="0"/>
+          <a:chOff x="0" y="0"/>
+          <a:chExt cx="0" cy="0"/>
+        </a:xfrm>
+      </p:grpSpPr>
+      <p:sp>
+        <p:nvSpPr>
+          <p:cNvPr id="2" name="標題 1">
+            <a:extLst>
+              <a:ext uri="{FF2B5EF4-FFF2-40B4-BE49-F238E27FC236}">
+                <a16:creationId xmlns:a16="http://schemas.microsoft.com/office/drawing/2014/main" id="{07E8AD67-683A-006B-0E2B-F3D83AB2A63E}"/>
+              </a:ext>
+            </a:extLst>
+          </p:cNvPr>
+          <p:cNvSpPr>
+            <a:spLocks noGrp="1"/>
+          </p:cNvSpPr>
+          <p:nvPr>
+            <p:ph type="title"/>
+          </p:nvPr>
+        </p:nvSpPr>
+        <p:spPr/>
+        <p:txBody>
+          <a:bodyPr/>
+          <a:lstStyle/>
+          <a:p>
+            <a:pPr algn="ctr"/>
+            <a:r>
+              <a:rPr lang="en-US" altLang="zh-TW" dirty="0"/>
+              <a:t>ADC</a:t>
+            </a:r>
+            <a:r>
+              <a:rPr lang="zh-TW" altLang="en-US" dirty="0"/>
+              <a:t> 數位架構</a:t>
+            </a:r>
+          </a:p>
+        </p:txBody>
+      </p:sp>
+      <p:sp>
+        <p:nvSpPr>
+          <p:cNvPr id="3" name="內容版面配置區 2">
+            <a:extLst>
+              <a:ext uri="{FF2B5EF4-FFF2-40B4-BE49-F238E27FC236}">
+                <a16:creationId xmlns:a16="http://schemas.microsoft.com/office/drawing/2014/main" id="{88E0B58A-6F65-6176-A0EB-A4D883E0F673}"/>
+              </a:ext>
+            </a:extLst>
+          </p:cNvPr>
+          <p:cNvSpPr>
+            <a:spLocks noGrp="1"/>
+          </p:cNvSpPr>
+          <p:nvPr>
+            <p:ph idx="1"/>
+          </p:nvPr>
+        </p:nvSpPr>
+        <p:spPr/>
+        <p:txBody>
+          <a:bodyPr/>
+          <a:lstStyle/>
+          <a:p>
+            <a:pPr marL="0" indent="0">
+              <a:buNone/>
+            </a:pPr>
+            <a:r>
+              <a:rPr lang="zh-TW" altLang="en-US" dirty="0"/>
+              <a:t>目的 </a:t>
+            </a:r>
+            <a:r>
+              <a:rPr lang="en-US" altLang="zh-TW" dirty="0"/>
+              <a:t>:</a:t>
+            </a:r>
+            <a:r>
+              <a:rPr lang="zh-TW" altLang="en-US" dirty="0"/>
+              <a:t> </a:t>
+            </a:r>
+            <a:r>
+              <a:rPr lang="zh-TW" altLang="en-US" sz="2400" dirty="0"/>
+              <a:t>透過引入</a:t>
+            </a:r>
+            <a:r>
+              <a:rPr lang="en-US" altLang="zh-TW" sz="2400" dirty="0"/>
+              <a:t>ADC</a:t>
+            </a:r>
+            <a:r>
+              <a:rPr lang="zh-TW" altLang="en-US" sz="2400" dirty="0"/>
+              <a:t>架構</a:t>
+            </a:r>
+            <a:r>
+              <a:rPr lang="en-US" altLang="zh-TW" sz="2400" dirty="0"/>
+              <a:t>(</a:t>
+            </a:r>
+            <a:r>
+              <a:rPr lang="zh-TW" altLang="en-US" sz="2400" dirty="0"/>
+              <a:t>*</a:t>
+            </a:r>
+            <a:r>
+              <a:rPr lang="en-US" altLang="zh-TW" sz="2400" dirty="0"/>
+              <a:t>)</a:t>
+            </a:r>
+            <a:r>
+              <a:rPr lang="zh-TW" altLang="en-US" sz="2400" dirty="0"/>
+              <a:t>，可以用實際數據模擬數位結果。</a:t>
+            </a:r>
+            <a:endParaRPr lang="en-US" altLang="zh-TW" sz="2400" dirty="0"/>
+          </a:p>
+          <a:p>
+            <a:pPr marL="0" indent="0">
+              <a:buNone/>
+            </a:pPr>
+            <a:r>
+              <a:rPr lang="zh-TW" altLang="en-US" sz="2400" dirty="0">
+                <a:solidFill>
+                  <a:srgbClr val="FF0000"/>
+                </a:solidFill>
+              </a:rPr>
+              <a:t>透過</a:t>
+            </a:r>
+            <a:r>
+              <a:rPr lang="en-US" altLang="zh-TW" sz="2400" dirty="0">
+                <a:solidFill>
+                  <a:srgbClr val="FF0000"/>
+                </a:solidFill>
+              </a:rPr>
+              <a:t>HW </a:t>
+            </a:r>
+            <a:r>
+              <a:rPr lang="en-US" altLang="zh-TW" sz="2400" dirty="0" err="1">
+                <a:solidFill>
+                  <a:srgbClr val="FF0000"/>
+                </a:solidFill>
+              </a:rPr>
+              <a:t>DebugPort</a:t>
+            </a:r>
+            <a:r>
+              <a:rPr lang="en-US" altLang="zh-TW" sz="2400" dirty="0">
+                <a:solidFill>
+                  <a:srgbClr val="FF0000"/>
+                </a:solidFill>
+              </a:rPr>
+              <a:t> </a:t>
+            </a:r>
+            <a:r>
+              <a:rPr lang="zh-TW" altLang="en-US" sz="2400" dirty="0">
+                <a:solidFill>
+                  <a:srgbClr val="FF0000"/>
+                </a:solidFill>
+              </a:rPr>
+              <a:t>並搭配</a:t>
+            </a:r>
+            <a:r>
+              <a:rPr lang="en-US" altLang="zh-TW" sz="2400" dirty="0">
+                <a:solidFill>
+                  <a:srgbClr val="FF0000"/>
+                </a:solidFill>
+              </a:rPr>
+              <a:t>Logic Analyzer</a:t>
+            </a:r>
+            <a:r>
+              <a:rPr lang="zh-TW" altLang="en-US" sz="2400" dirty="0">
+                <a:solidFill>
+                  <a:srgbClr val="FF0000"/>
+                </a:solidFill>
+              </a:rPr>
+              <a:t> 來重現硬體看到的數據。</a:t>
+            </a:r>
+            <a:endParaRPr lang="en-US" altLang="zh-TW" dirty="0">
+              <a:solidFill>
+                <a:srgbClr val="FF0000"/>
+              </a:solidFill>
+            </a:endParaRPr>
+          </a:p>
+        </p:txBody>
+      </p:sp>
+    </p:spTree>
+    <p:extLst>
+      <p:ext uri="{BB962C8B-B14F-4D97-AF65-F5344CB8AC3E}">
+        <p14:creationId xmlns:p14="http://schemas.microsoft.com/office/powerpoint/2010/main" val="3530819276"/>
+      </p:ext>
+    </p:extLst>
+  </p:cSld>
+  <p:clrMapOvr>
+    <a:masterClrMapping/>
+  </p:clrMapOvr>
+</p:sld>
+</file>
+
+<file path=ppt/slides/slide50.xml><?xml version="1.0" encoding="utf-8"?>
+<p:sld xmlns:a="http://schemas.openxmlformats.org/drawingml/2006/main" xmlns:r="http://schemas.openxmlformats.org/officeDocument/2006/relationships" xmlns:p="http://schemas.openxmlformats.org/presentationml/2006/main">
+  <p:cSld>
+    <p:spTree>
+      <p:nvGrpSpPr>
+        <p:cNvPr id="1" name=""/>
+        <p:cNvGrpSpPr/>
+        <p:nvPr/>
+      </p:nvGrpSpPr>
+      <p:grpSpPr>
+        <a:xfrm>
+          <a:off x="0" y="0"/>
+          <a:ext cx="0" cy="0"/>
+          <a:chOff x="0" y="0"/>
+          <a:chExt cx="0" cy="0"/>
+        </a:xfrm>
+      </p:grpSpPr>
+      <p:sp>
+        <p:nvSpPr>
+          <p:cNvPr id="2" name="標題 1">
+            <a:extLst>
+              <a:ext uri="{FF2B5EF4-FFF2-40B4-BE49-F238E27FC236}">
+                <a16:creationId xmlns:a16="http://schemas.microsoft.com/office/drawing/2014/main" id="{41A1B36A-471A-BDE5-0D9F-F818171D72B1}"/>
+              </a:ext>
+            </a:extLst>
+          </p:cNvPr>
+          <p:cNvSpPr>
+            <a:spLocks noGrp="1"/>
+          </p:cNvSpPr>
+          <p:nvPr>
+            <p:ph type="title"/>
+          </p:nvPr>
+        </p:nvSpPr>
+        <p:spPr/>
+        <p:txBody>
+          <a:bodyPr/>
+          <a:lstStyle/>
+          <a:p>
+            <a:pPr algn="ctr"/>
+            <a:r>
+              <a:rPr lang="zh-TW" altLang="en-US" dirty="0"/>
+              <a:t>後端</a:t>
+            </a:r>
+            <a:r>
+              <a:rPr lang="en-US" altLang="zh-TW" dirty="0"/>
+              <a:t>Decoder</a:t>
+            </a:r>
+            <a:r>
+              <a:rPr lang="zh-TW" altLang="en-US" dirty="0"/>
+              <a:t>電路</a:t>
+            </a:r>
+          </a:p>
+        </p:txBody>
+      </p:sp>
+      <p:sp>
+        <p:nvSpPr>
+          <p:cNvPr id="3" name="內容版面配置區 2">
+            <a:extLst>
+              <a:ext uri="{FF2B5EF4-FFF2-40B4-BE49-F238E27FC236}">
+                <a16:creationId xmlns:a16="http://schemas.microsoft.com/office/drawing/2014/main" id="{AEB419E4-8661-C0C0-63D0-CF90B8FED2EC}"/>
+              </a:ext>
+            </a:extLst>
+          </p:cNvPr>
+          <p:cNvSpPr>
+            <a:spLocks noGrp="1"/>
+          </p:cNvSpPr>
+          <p:nvPr>
+            <p:ph idx="1"/>
+          </p:nvPr>
+        </p:nvSpPr>
+        <p:spPr/>
+        <p:txBody>
+          <a:bodyPr/>
+          <a:lstStyle/>
+          <a:p>
+            <a:pPr marL="0" indent="0">
+              <a:buNone/>
+            </a:pPr>
+            <a:r>
+              <a:rPr lang="en-US" altLang="zh-TW" dirty="0"/>
+              <a:t>Auto Correlation</a:t>
+            </a:r>
+          </a:p>
+          <a:p>
+            <a:pPr marL="0" indent="0">
+              <a:buNone/>
+            </a:pPr>
+            <a:endParaRPr lang="en-US" altLang="zh-TW" dirty="0"/>
+          </a:p>
+          <a:p>
+            <a:pPr marL="0" indent="0">
+              <a:buNone/>
+            </a:pPr>
+            <a:r>
+              <a:rPr lang="en-US" altLang="zh-TW" dirty="0"/>
+              <a:t>Decode</a:t>
+            </a:r>
+            <a:r>
+              <a:rPr lang="zh-TW" altLang="en-US" dirty="0"/>
+              <a:t> </a:t>
+            </a:r>
+            <a:r>
+              <a:rPr lang="en-US" altLang="zh-TW" dirty="0"/>
+              <a:t>RX1 </a:t>
+            </a:r>
+          </a:p>
+          <a:p>
+            <a:pPr marL="0" indent="0">
+              <a:buNone/>
+            </a:pPr>
+            <a:endParaRPr lang="en-US" altLang="zh-TW" dirty="0"/>
+          </a:p>
+          <a:p>
+            <a:pPr marL="0" indent="0">
+              <a:buNone/>
+            </a:pPr>
+            <a:endParaRPr lang="en-US" altLang="zh-TW" dirty="0"/>
+          </a:p>
+          <a:p>
+            <a:pPr marL="0" indent="0">
+              <a:buNone/>
+            </a:pPr>
+            <a:r>
+              <a:rPr lang="en-US" altLang="zh-TW" dirty="0"/>
+              <a:t>Decode RX0</a:t>
+            </a:r>
+            <a:endParaRPr lang="zh-TW" altLang="en-US" dirty="0"/>
+          </a:p>
+        </p:txBody>
+      </p:sp>
+    </p:spTree>
+    <p:extLst>
+      <p:ext uri="{BB962C8B-B14F-4D97-AF65-F5344CB8AC3E}">
+        <p14:creationId xmlns:p14="http://schemas.microsoft.com/office/powerpoint/2010/main" val="1747056482"/>
+      </p:ext>
+    </p:extLst>
+  </p:cSld>
+  <p:clrMapOvr>
+    <a:masterClrMapping/>
+  </p:clrMapOvr>
+</p:sld>
+</file>
+
+<file path=ppt/slides/slide51.xml><?xml version="1.0" encoding="utf-8"?>
+<p:sld xmlns:a="http://schemas.openxmlformats.org/drawingml/2006/main" xmlns:r="http://schemas.openxmlformats.org/officeDocument/2006/relationships" xmlns:p="http://schemas.openxmlformats.org/presentationml/2006/main">
+  <p:cSld>
+    <p:spTree>
+      <p:nvGrpSpPr>
+        <p:cNvPr id="1" name=""/>
+        <p:cNvGrpSpPr/>
+        <p:nvPr/>
+      </p:nvGrpSpPr>
+      <p:grpSpPr>
+        <a:xfrm>
+          <a:off x="0" y="0"/>
+          <a:ext cx="0" cy="0"/>
+          <a:chOff x="0" y="0"/>
+          <a:chExt cx="0" cy="0"/>
+        </a:xfrm>
+      </p:grpSpPr>
+      <p:sp>
+        <p:nvSpPr>
+          <p:cNvPr id="2" name="標題 1">
+            <a:extLst>
+              <a:ext uri="{FF2B5EF4-FFF2-40B4-BE49-F238E27FC236}">
+                <a16:creationId xmlns:a16="http://schemas.microsoft.com/office/drawing/2014/main" id="{50BB383F-54B9-1566-5039-3C13647347F8}"/>
+              </a:ext>
+            </a:extLst>
+          </p:cNvPr>
+          <p:cNvSpPr>
+            <a:spLocks noGrp="1"/>
+          </p:cNvSpPr>
+          <p:nvPr>
+            <p:ph type="title"/>
+          </p:nvPr>
+        </p:nvSpPr>
+        <p:spPr/>
+        <p:txBody>
+          <a:bodyPr/>
+          <a:lstStyle/>
+          <a:p>
+            <a:pPr algn="ctr"/>
+            <a:r>
+              <a:rPr lang="en-US" altLang="zh-TW" dirty="0" err="1"/>
+              <a:t>AutoCorrelation</a:t>
+            </a:r>
+            <a:endParaRPr lang="zh-TW" altLang="en-US" dirty="0"/>
+          </a:p>
+        </p:txBody>
+      </p:sp>
+      <p:sp>
+        <p:nvSpPr>
+          <p:cNvPr id="3" name="內容版面配置區 2">
+            <a:extLst>
+              <a:ext uri="{FF2B5EF4-FFF2-40B4-BE49-F238E27FC236}">
+                <a16:creationId xmlns:a16="http://schemas.microsoft.com/office/drawing/2014/main" id="{2596C747-6CF3-CCCC-4223-2CFCEABA8BA0}"/>
+              </a:ext>
+            </a:extLst>
+          </p:cNvPr>
+          <p:cNvSpPr>
+            <a:spLocks noGrp="1"/>
+          </p:cNvSpPr>
+          <p:nvPr>
+            <p:ph idx="1"/>
+          </p:nvPr>
+        </p:nvSpPr>
+        <p:spPr/>
+        <p:txBody>
+          <a:bodyPr/>
+          <a:lstStyle/>
+          <a:p>
+            <a:pPr marL="514350" indent="-514350">
+              <a:buAutoNum type="arabicPeriod"/>
+            </a:pPr>
+            <a:r>
+              <a:rPr lang="zh-TW" altLang="en-US" dirty="0"/>
+              <a:t>能推倒出</a:t>
+            </a:r>
+            <a:r>
+              <a:rPr lang="en-US" altLang="zh-TW" dirty="0" err="1"/>
+              <a:t>Convolation</a:t>
+            </a:r>
+            <a:r>
+              <a:rPr lang="en-US" altLang="zh-TW" dirty="0"/>
+              <a:t> Property for LTI system</a:t>
+            </a:r>
+          </a:p>
+          <a:p>
+            <a:pPr marL="514350" indent="-514350">
+              <a:buAutoNum type="arabicPeriod"/>
+            </a:pPr>
+            <a:endParaRPr lang="en-US" altLang="zh-TW" dirty="0"/>
+          </a:p>
+          <a:p>
+            <a:pPr marL="514350" indent="-514350">
+              <a:buAutoNum type="arabicPeriod"/>
+            </a:pPr>
+            <a:r>
+              <a:rPr lang="en-US" altLang="zh-TW" dirty="0" err="1"/>
+              <a:t>AutoCorreltion</a:t>
+            </a:r>
+            <a:r>
+              <a:rPr lang="zh-TW" altLang="en-US" dirty="0"/>
+              <a:t> 用處到底是</a:t>
+            </a:r>
+            <a:r>
+              <a:rPr lang="en-US" altLang="zh-TW" dirty="0"/>
+              <a:t>?</a:t>
+            </a:r>
+          </a:p>
+          <a:p>
+            <a:pPr marL="514350" indent="-514350">
+              <a:buAutoNum type="arabicPeriod"/>
+            </a:pPr>
+            <a:endParaRPr lang="en-US" altLang="zh-TW" dirty="0"/>
+          </a:p>
+          <a:p>
+            <a:pPr marL="514350" indent="-514350">
+              <a:buAutoNum type="arabicPeriod"/>
+            </a:pPr>
+            <a:r>
+              <a:rPr lang="zh-TW" altLang="en-US" dirty="0"/>
+              <a:t>訊號上的分析</a:t>
+            </a:r>
+          </a:p>
+        </p:txBody>
+      </p:sp>
+    </p:spTree>
+    <p:extLst>
+      <p:ext uri="{BB962C8B-B14F-4D97-AF65-F5344CB8AC3E}">
+        <p14:creationId xmlns:p14="http://schemas.microsoft.com/office/powerpoint/2010/main" val="1802279474"/>
+      </p:ext>
+    </p:extLst>
+  </p:cSld>
+  <p:clrMapOvr>
+    <a:masterClrMapping/>
+  </p:clrMapOvr>
+</p:sld>
+</file>
+
+<file path=ppt/slides/slide52.xml><?xml version="1.0" encoding="utf-8"?>
+<p:sld xmlns:a="http://schemas.openxmlformats.org/drawingml/2006/main" xmlns:r="http://schemas.openxmlformats.org/officeDocument/2006/relationships" xmlns:p="http://schemas.openxmlformats.org/presentationml/2006/main">
+  <p:cSld>
+    <p:spTree>
+      <p:nvGrpSpPr>
+        <p:cNvPr id="1" name=""/>
+        <p:cNvGrpSpPr/>
+        <p:nvPr/>
+      </p:nvGrpSpPr>
+      <p:grpSpPr>
+        <a:xfrm>
+          <a:off x="0" y="0"/>
+          <a:ext cx="0" cy="0"/>
+          <a:chOff x="0" y="0"/>
+          <a:chExt cx="0" cy="0"/>
+        </a:xfrm>
+      </p:grpSpPr>
+      <p:sp>
+        <p:nvSpPr>
+          <p:cNvPr id="2" name="標題 1">
+            <a:extLst>
+              <a:ext uri="{FF2B5EF4-FFF2-40B4-BE49-F238E27FC236}">
                 <a16:creationId xmlns:a16="http://schemas.microsoft.com/office/drawing/2014/main" id="{042F1310-2BFC-3D20-5FCD-AB24ABF21979}"/>
               </a:ext>
             </a:extLst>
@@ -28847,7 +29994,7 @@
 </p:sld>
 </file>
 
-<file path=ppt/slides/slide48.xml><?xml version="1.0" encoding="utf-8"?>
+<file path=ppt/slides/slide53.xml><?xml version="1.0" encoding="utf-8"?>
 <p:sld xmlns:a="http://schemas.openxmlformats.org/drawingml/2006/main" xmlns:r="http://schemas.openxmlformats.org/officeDocument/2006/relationships" xmlns:p="http://schemas.openxmlformats.org/presentationml/2006/main">
   <p:cSld>
     <p:spTree>
@@ -29384,878 +30531,6 @@
 </p:sld>
 </file>
 
-<file path=ppt/slides/slide49.xml><?xml version="1.0" encoding="utf-8"?>
-<p:sld xmlns:a="http://schemas.openxmlformats.org/drawingml/2006/main" xmlns:r="http://schemas.openxmlformats.org/officeDocument/2006/relationships" xmlns:p="http://schemas.openxmlformats.org/presentationml/2006/main">
-  <p:cSld>
-    <p:spTree>
-      <p:nvGrpSpPr>
-        <p:cNvPr id="1" name=""/>
-        <p:cNvGrpSpPr/>
-        <p:nvPr/>
-      </p:nvGrpSpPr>
-      <p:grpSpPr>
-        <a:xfrm>
-          <a:off x="0" y="0"/>
-          <a:ext cx="0" cy="0"/>
-          <a:chOff x="0" y="0"/>
-          <a:chExt cx="0" cy="0"/>
-        </a:xfrm>
-      </p:grpSpPr>
-      <p:sp>
-        <p:nvSpPr>
-          <p:cNvPr id="2" name="標題 1">
-            <a:extLst>
-              <a:ext uri="{FF2B5EF4-FFF2-40B4-BE49-F238E27FC236}">
-                <a16:creationId xmlns:a16="http://schemas.microsoft.com/office/drawing/2014/main" id="{E32E6CD8-2503-30B7-A4F8-AE84BE484917}"/>
-              </a:ext>
-            </a:extLst>
-          </p:cNvPr>
-          <p:cNvSpPr>
-            <a:spLocks noGrp="1"/>
-          </p:cNvSpPr>
-          <p:nvPr>
-            <p:ph type="title"/>
-          </p:nvPr>
-        </p:nvSpPr>
-        <p:spPr/>
-        <p:txBody>
-          <a:bodyPr/>
-          <a:lstStyle/>
-          <a:p>
-            <a:pPr algn="ctr"/>
-            <a:r>
-              <a:rPr lang="en-US" altLang="zh-TW" dirty="0"/>
-              <a:t>AGC flow</a:t>
-            </a:r>
-            <a:r>
-              <a:rPr lang="zh-TW" altLang="en-US" dirty="0"/>
-              <a:t>架構過程</a:t>
-            </a:r>
-          </a:p>
-        </p:txBody>
-      </p:sp>
-      <p:sp>
-        <p:nvSpPr>
-          <p:cNvPr id="3" name="內容版面配置區 2">
-            <a:extLst>
-              <a:ext uri="{FF2B5EF4-FFF2-40B4-BE49-F238E27FC236}">
-                <a16:creationId xmlns:a16="http://schemas.microsoft.com/office/drawing/2014/main" id="{ED8640AC-FE27-0D8C-6B75-7018404197B3}"/>
-              </a:ext>
-            </a:extLst>
-          </p:cNvPr>
-          <p:cNvSpPr>
-            <a:spLocks noGrp="1"/>
-          </p:cNvSpPr>
-          <p:nvPr>
-            <p:ph idx="1"/>
-          </p:nvPr>
-        </p:nvSpPr>
-        <p:spPr/>
-        <p:txBody>
-          <a:bodyPr/>
-          <a:lstStyle/>
-          <a:p>
-            <a:pPr marL="514350" indent="-514350">
-              <a:buAutoNum type="arabicPeriod"/>
-            </a:pPr>
-            <a:r>
-              <a:rPr lang="zh-TW" altLang="en-US" dirty="0"/>
-              <a:t>前期</a:t>
-            </a:r>
-            <a:r>
-              <a:rPr lang="en-US" altLang="zh-TW" dirty="0"/>
-              <a:t>ISSUE</a:t>
-            </a:r>
-          </a:p>
-          <a:p>
-            <a:pPr marL="514350" indent="-514350">
-              <a:buAutoNum type="arabicPeriod"/>
-            </a:pPr>
-            <a:endParaRPr lang="en-US" altLang="zh-TW" dirty="0"/>
-          </a:p>
-          <a:p>
-            <a:pPr marL="514350" indent="-514350">
-              <a:buAutoNum type="arabicPeriod"/>
-            </a:pPr>
-            <a:r>
-              <a:rPr lang="zh-TW" altLang="en-US" dirty="0"/>
-              <a:t>中後期統計</a:t>
-            </a:r>
-            <a:endParaRPr lang="en-US" altLang="zh-TW" dirty="0"/>
-          </a:p>
-          <a:p>
-            <a:pPr marL="514350" indent="-514350">
-              <a:buAutoNum type="arabicPeriod"/>
-            </a:pPr>
-            <a:endParaRPr lang="en-US" altLang="zh-TW" dirty="0"/>
-          </a:p>
-          <a:p>
-            <a:pPr marL="514350" indent="-514350">
-              <a:buAutoNum type="arabicPeriod"/>
-            </a:pPr>
-            <a:r>
-              <a:rPr lang="zh-TW" altLang="en-US" dirty="0"/>
-              <a:t>後期完工</a:t>
-            </a:r>
-          </a:p>
-        </p:txBody>
-      </p:sp>
-    </p:spTree>
-    <p:extLst>
-      <p:ext uri="{BB962C8B-B14F-4D97-AF65-F5344CB8AC3E}">
-        <p14:creationId xmlns:p14="http://schemas.microsoft.com/office/powerpoint/2010/main" val="3478487214"/>
-      </p:ext>
-    </p:extLst>
-  </p:cSld>
-  <p:clrMapOvr>
-    <a:masterClrMapping/>
-  </p:clrMapOvr>
-</p:sld>
-</file>
-
-<file path=ppt/slides/slide5.xml><?xml version="1.0" encoding="utf-8"?>
-<p:sld xmlns:a="http://schemas.openxmlformats.org/drawingml/2006/main" xmlns:r="http://schemas.openxmlformats.org/officeDocument/2006/relationships" xmlns:p="http://schemas.openxmlformats.org/presentationml/2006/main">
-  <p:cSld>
-    <p:spTree>
-      <p:nvGrpSpPr>
-        <p:cNvPr id="1" name=""/>
-        <p:cNvGrpSpPr/>
-        <p:nvPr/>
-      </p:nvGrpSpPr>
-      <p:grpSpPr>
-        <a:xfrm>
-          <a:off x="0" y="0"/>
-          <a:ext cx="0" cy="0"/>
-          <a:chOff x="0" y="0"/>
-          <a:chExt cx="0" cy="0"/>
-        </a:xfrm>
-      </p:grpSpPr>
-      <p:sp>
-        <p:nvSpPr>
-          <p:cNvPr id="2" name="標題 1">
-            <a:extLst>
-              <a:ext uri="{FF2B5EF4-FFF2-40B4-BE49-F238E27FC236}">
-                <a16:creationId xmlns:a16="http://schemas.microsoft.com/office/drawing/2014/main" id="{07E8AD67-683A-006B-0E2B-F3D83AB2A63E}"/>
-              </a:ext>
-            </a:extLst>
-          </p:cNvPr>
-          <p:cNvSpPr>
-            <a:spLocks noGrp="1"/>
-          </p:cNvSpPr>
-          <p:nvPr>
-            <p:ph type="title"/>
-          </p:nvPr>
-        </p:nvSpPr>
-        <p:spPr/>
-        <p:txBody>
-          <a:bodyPr/>
-          <a:lstStyle/>
-          <a:p>
-            <a:pPr algn="ctr"/>
-            <a:r>
-              <a:rPr lang="en-US" altLang="zh-TW" dirty="0"/>
-              <a:t>ADC</a:t>
-            </a:r>
-            <a:r>
-              <a:rPr lang="zh-TW" altLang="en-US" dirty="0"/>
-              <a:t> 數位架構</a:t>
-            </a:r>
-          </a:p>
-        </p:txBody>
-      </p:sp>
-      <p:sp>
-        <p:nvSpPr>
-          <p:cNvPr id="3" name="內容版面配置區 2">
-            <a:extLst>
-              <a:ext uri="{FF2B5EF4-FFF2-40B4-BE49-F238E27FC236}">
-                <a16:creationId xmlns:a16="http://schemas.microsoft.com/office/drawing/2014/main" id="{88E0B58A-6F65-6176-A0EB-A4D883E0F673}"/>
-              </a:ext>
-            </a:extLst>
-          </p:cNvPr>
-          <p:cNvSpPr>
-            <a:spLocks noGrp="1"/>
-          </p:cNvSpPr>
-          <p:nvPr>
-            <p:ph idx="1"/>
-          </p:nvPr>
-        </p:nvSpPr>
-        <p:spPr/>
-        <p:txBody>
-          <a:bodyPr/>
-          <a:lstStyle/>
-          <a:p>
-            <a:pPr marL="0" indent="0">
-              <a:buNone/>
-            </a:pPr>
-            <a:r>
-              <a:rPr lang="zh-TW" altLang="en-US" dirty="0"/>
-              <a:t>目的 </a:t>
-            </a:r>
-            <a:r>
-              <a:rPr lang="en-US" altLang="zh-TW" dirty="0"/>
-              <a:t>:</a:t>
-            </a:r>
-            <a:r>
-              <a:rPr lang="zh-TW" altLang="en-US" dirty="0"/>
-              <a:t> </a:t>
-            </a:r>
-            <a:r>
-              <a:rPr lang="zh-TW" altLang="en-US" sz="2400" dirty="0"/>
-              <a:t>透過引入</a:t>
-            </a:r>
-            <a:r>
-              <a:rPr lang="en-US" altLang="zh-TW" sz="2400" dirty="0"/>
-              <a:t>ADC</a:t>
-            </a:r>
-            <a:r>
-              <a:rPr lang="zh-TW" altLang="en-US" sz="2400" dirty="0"/>
-              <a:t>架構</a:t>
-            </a:r>
-            <a:r>
-              <a:rPr lang="en-US" altLang="zh-TW" sz="2400" dirty="0"/>
-              <a:t>(</a:t>
-            </a:r>
-            <a:r>
-              <a:rPr lang="zh-TW" altLang="en-US" sz="2400" dirty="0"/>
-              <a:t>*</a:t>
-            </a:r>
-            <a:r>
-              <a:rPr lang="en-US" altLang="zh-TW" sz="2400" dirty="0"/>
-              <a:t>)</a:t>
-            </a:r>
-            <a:r>
-              <a:rPr lang="zh-TW" altLang="en-US" sz="2400" dirty="0"/>
-              <a:t>，可以用實際數據模擬數位結果。</a:t>
-            </a:r>
-            <a:endParaRPr lang="en-US" altLang="zh-TW" sz="2400" dirty="0"/>
-          </a:p>
-          <a:p>
-            <a:pPr marL="0" indent="0">
-              <a:buNone/>
-            </a:pPr>
-            <a:r>
-              <a:rPr lang="zh-TW" altLang="en-US" sz="2400" dirty="0">
-                <a:solidFill>
-                  <a:srgbClr val="FF0000"/>
-                </a:solidFill>
-              </a:rPr>
-              <a:t>透過</a:t>
-            </a:r>
-            <a:r>
-              <a:rPr lang="en-US" altLang="zh-TW" sz="2400" dirty="0">
-                <a:solidFill>
-                  <a:srgbClr val="FF0000"/>
-                </a:solidFill>
-              </a:rPr>
-              <a:t>HW </a:t>
-            </a:r>
-            <a:r>
-              <a:rPr lang="en-US" altLang="zh-TW" sz="2400" dirty="0" err="1">
-                <a:solidFill>
-                  <a:srgbClr val="FF0000"/>
-                </a:solidFill>
-              </a:rPr>
-              <a:t>DebugPort</a:t>
-            </a:r>
-            <a:r>
-              <a:rPr lang="en-US" altLang="zh-TW" sz="2400" dirty="0">
-                <a:solidFill>
-                  <a:srgbClr val="FF0000"/>
-                </a:solidFill>
-              </a:rPr>
-              <a:t> </a:t>
-            </a:r>
-            <a:r>
-              <a:rPr lang="zh-TW" altLang="en-US" sz="2400" dirty="0">
-                <a:solidFill>
-                  <a:srgbClr val="FF0000"/>
-                </a:solidFill>
-              </a:rPr>
-              <a:t>並搭配</a:t>
-            </a:r>
-            <a:r>
-              <a:rPr lang="en-US" altLang="zh-TW" sz="2400" dirty="0">
-                <a:solidFill>
-                  <a:srgbClr val="FF0000"/>
-                </a:solidFill>
-              </a:rPr>
-              <a:t>Logic Analyzer</a:t>
-            </a:r>
-            <a:r>
-              <a:rPr lang="zh-TW" altLang="en-US" sz="2400" dirty="0">
-                <a:solidFill>
-                  <a:srgbClr val="FF0000"/>
-                </a:solidFill>
-              </a:rPr>
-              <a:t> 來重現硬體看到的數據。</a:t>
-            </a:r>
-            <a:endParaRPr lang="en-US" altLang="zh-TW" dirty="0">
-              <a:solidFill>
-                <a:srgbClr val="FF0000"/>
-              </a:solidFill>
-            </a:endParaRPr>
-          </a:p>
-        </p:txBody>
-      </p:sp>
-    </p:spTree>
-    <p:extLst>
-      <p:ext uri="{BB962C8B-B14F-4D97-AF65-F5344CB8AC3E}">
-        <p14:creationId xmlns:p14="http://schemas.microsoft.com/office/powerpoint/2010/main" val="3530819276"/>
-      </p:ext>
-    </p:extLst>
-  </p:cSld>
-  <p:clrMapOvr>
-    <a:masterClrMapping/>
-  </p:clrMapOvr>
-</p:sld>
-</file>
-
-<file path=ppt/slides/slide50.xml><?xml version="1.0" encoding="utf-8"?>
-<p:sld xmlns:a="http://schemas.openxmlformats.org/drawingml/2006/main" xmlns:r="http://schemas.openxmlformats.org/officeDocument/2006/relationships" xmlns:p="http://schemas.openxmlformats.org/presentationml/2006/main">
-  <p:cSld>
-    <p:spTree>
-      <p:nvGrpSpPr>
-        <p:cNvPr id="1" name=""/>
-        <p:cNvGrpSpPr/>
-        <p:nvPr/>
-      </p:nvGrpSpPr>
-      <p:grpSpPr>
-        <a:xfrm>
-          <a:off x="0" y="0"/>
-          <a:ext cx="0" cy="0"/>
-          <a:chOff x="0" y="0"/>
-          <a:chExt cx="0" cy="0"/>
-        </a:xfrm>
-      </p:grpSpPr>
-      <p:sp>
-        <p:nvSpPr>
-          <p:cNvPr id="2" name="標題 1">
-            <a:extLst>
-              <a:ext uri="{FF2B5EF4-FFF2-40B4-BE49-F238E27FC236}">
-                <a16:creationId xmlns:a16="http://schemas.microsoft.com/office/drawing/2014/main" id="{3A28C725-6131-003C-3B09-A135BB92DB74}"/>
-              </a:ext>
-            </a:extLst>
-          </p:cNvPr>
-          <p:cNvSpPr>
-            <a:spLocks noGrp="1"/>
-          </p:cNvSpPr>
-          <p:nvPr>
-            <p:ph type="title"/>
-          </p:nvPr>
-        </p:nvSpPr>
-        <p:spPr/>
-        <p:txBody>
-          <a:bodyPr/>
-          <a:lstStyle/>
-          <a:p>
-            <a:endParaRPr lang="zh-TW" altLang="en-US"/>
-          </a:p>
-        </p:txBody>
-      </p:sp>
-      <p:sp>
-        <p:nvSpPr>
-          <p:cNvPr id="3" name="內容版面配置區 2">
-            <a:extLst>
-              <a:ext uri="{FF2B5EF4-FFF2-40B4-BE49-F238E27FC236}">
-                <a16:creationId xmlns:a16="http://schemas.microsoft.com/office/drawing/2014/main" id="{5818DC31-9BA2-F239-57B3-E888E732592C}"/>
-              </a:ext>
-            </a:extLst>
-          </p:cNvPr>
-          <p:cNvSpPr>
-            <a:spLocks noGrp="1"/>
-          </p:cNvSpPr>
-          <p:nvPr>
-            <p:ph idx="1"/>
-          </p:nvPr>
-        </p:nvSpPr>
-        <p:spPr/>
-        <p:txBody>
-          <a:bodyPr/>
-          <a:lstStyle/>
-          <a:p>
-            <a:r>
-              <a:rPr lang="zh-TW" altLang="en-US" dirty="0"/>
-              <a:t>為何要取</a:t>
-            </a:r>
-            <a:r>
-              <a:rPr lang="en-US" altLang="zh-TW" dirty="0"/>
-              <a:t>4T</a:t>
-            </a:r>
-            <a:r>
-              <a:rPr lang="zh-TW" altLang="en-US" dirty="0"/>
-              <a:t>來做的原因</a:t>
-            </a:r>
-          </a:p>
-        </p:txBody>
-      </p:sp>
-    </p:spTree>
-    <p:extLst>
-      <p:ext uri="{BB962C8B-B14F-4D97-AF65-F5344CB8AC3E}">
-        <p14:creationId xmlns:p14="http://schemas.microsoft.com/office/powerpoint/2010/main" val="147892164"/>
-      </p:ext>
-    </p:extLst>
-  </p:cSld>
-  <p:clrMapOvr>
-    <a:masterClrMapping/>
-  </p:clrMapOvr>
-</p:sld>
-</file>
-
-<file path=ppt/slides/slide51.xml><?xml version="1.0" encoding="utf-8"?>
-<p:sld xmlns:a="http://schemas.openxmlformats.org/drawingml/2006/main" xmlns:r="http://schemas.openxmlformats.org/officeDocument/2006/relationships" xmlns:p="http://schemas.openxmlformats.org/presentationml/2006/main">
-  <p:cSld>
-    <p:spTree>
-      <p:nvGrpSpPr>
-        <p:cNvPr id="1" name=""/>
-        <p:cNvGrpSpPr/>
-        <p:nvPr/>
-      </p:nvGrpSpPr>
-      <p:grpSpPr>
-        <a:xfrm>
-          <a:off x="0" y="0"/>
-          <a:ext cx="0" cy="0"/>
-          <a:chOff x="0" y="0"/>
-          <a:chExt cx="0" cy="0"/>
-        </a:xfrm>
-      </p:grpSpPr>
-      <p:sp>
-        <p:nvSpPr>
-          <p:cNvPr id="2" name="標題 1">
-            <a:extLst>
-              <a:ext uri="{FF2B5EF4-FFF2-40B4-BE49-F238E27FC236}">
-                <a16:creationId xmlns:a16="http://schemas.microsoft.com/office/drawing/2014/main" id="{75A8CDCF-D217-9237-F0F3-F03F7A3BC82D}"/>
-              </a:ext>
-            </a:extLst>
-          </p:cNvPr>
-          <p:cNvSpPr>
-            <a:spLocks noGrp="1"/>
-          </p:cNvSpPr>
-          <p:nvPr>
-            <p:ph type="title"/>
-          </p:nvPr>
-        </p:nvSpPr>
-        <p:spPr/>
-        <p:txBody>
-          <a:bodyPr/>
-          <a:lstStyle/>
-          <a:p>
-            <a:endParaRPr lang="zh-TW" altLang="en-US" dirty="0"/>
-          </a:p>
-        </p:txBody>
-      </p:sp>
-      <p:sp>
-        <p:nvSpPr>
-          <p:cNvPr id="3" name="內容版面配置區 2">
-            <a:extLst>
-              <a:ext uri="{FF2B5EF4-FFF2-40B4-BE49-F238E27FC236}">
-                <a16:creationId xmlns:a16="http://schemas.microsoft.com/office/drawing/2014/main" id="{A5250B66-E56F-5AAD-0B99-C4E8E1B221C2}"/>
-              </a:ext>
-            </a:extLst>
-          </p:cNvPr>
-          <p:cNvSpPr>
-            <a:spLocks noGrp="1"/>
-          </p:cNvSpPr>
-          <p:nvPr>
-            <p:ph idx="1"/>
-          </p:nvPr>
-        </p:nvSpPr>
-        <p:spPr/>
-        <p:txBody>
-          <a:bodyPr/>
-          <a:lstStyle/>
-          <a:p>
-            <a:endParaRPr lang="zh-TW" altLang="en-US"/>
-          </a:p>
-        </p:txBody>
-      </p:sp>
-    </p:spTree>
-    <p:extLst>
-      <p:ext uri="{BB962C8B-B14F-4D97-AF65-F5344CB8AC3E}">
-        <p14:creationId xmlns:p14="http://schemas.microsoft.com/office/powerpoint/2010/main" val="2364024188"/>
-      </p:ext>
-    </p:extLst>
-  </p:cSld>
-  <p:clrMapOvr>
-    <a:masterClrMapping/>
-  </p:clrMapOvr>
-</p:sld>
-</file>
-
-<file path=ppt/slides/slide52.xml><?xml version="1.0" encoding="utf-8"?>
-<p:sld xmlns:a="http://schemas.openxmlformats.org/drawingml/2006/main" xmlns:r="http://schemas.openxmlformats.org/officeDocument/2006/relationships" xmlns:p="http://schemas.openxmlformats.org/presentationml/2006/main">
-  <p:cSld>
-    <p:spTree>
-      <p:nvGrpSpPr>
-        <p:cNvPr id="1" name=""/>
-        <p:cNvGrpSpPr/>
-        <p:nvPr/>
-      </p:nvGrpSpPr>
-      <p:grpSpPr>
-        <a:xfrm>
-          <a:off x="0" y="0"/>
-          <a:ext cx="0" cy="0"/>
-          <a:chOff x="0" y="0"/>
-          <a:chExt cx="0" cy="0"/>
-        </a:xfrm>
-      </p:grpSpPr>
-      <p:sp>
-        <p:nvSpPr>
-          <p:cNvPr id="2" name="標題 1">
-            <a:extLst>
-              <a:ext uri="{FF2B5EF4-FFF2-40B4-BE49-F238E27FC236}">
-                <a16:creationId xmlns:a16="http://schemas.microsoft.com/office/drawing/2014/main" id="{02C3FE11-1F15-4971-95B5-34F7811B7E8A}"/>
-              </a:ext>
-            </a:extLst>
-          </p:cNvPr>
-          <p:cNvSpPr>
-            <a:spLocks noGrp="1"/>
-          </p:cNvSpPr>
-          <p:nvPr>
-            <p:ph type="title"/>
-          </p:nvPr>
-        </p:nvSpPr>
-        <p:spPr/>
-        <p:txBody>
-          <a:bodyPr/>
-          <a:lstStyle/>
-          <a:p>
-            <a:pPr algn="ctr"/>
-            <a:r>
-              <a:rPr lang="en-US" altLang="zh-TW" dirty="0"/>
-              <a:t>Color </a:t>
-            </a:r>
-            <a:r>
-              <a:rPr lang="en-US" altLang="zh-TW" dirty="0" err="1"/>
-              <a:t>Pikcing</a:t>
-            </a:r>
-            <a:r>
-              <a:rPr lang="en-US" altLang="zh-TW" dirty="0"/>
-              <a:t> Project</a:t>
-            </a:r>
-            <a:endParaRPr lang="zh-TW" altLang="en-US" dirty="0"/>
-          </a:p>
-        </p:txBody>
-      </p:sp>
-      <p:sp>
-        <p:nvSpPr>
-          <p:cNvPr id="3" name="內容版面配置區 2">
-            <a:extLst>
-              <a:ext uri="{FF2B5EF4-FFF2-40B4-BE49-F238E27FC236}">
-                <a16:creationId xmlns:a16="http://schemas.microsoft.com/office/drawing/2014/main" id="{5C2571F1-765B-42C3-8AAC-2A8441E0FBA0}"/>
-              </a:ext>
-            </a:extLst>
-          </p:cNvPr>
-          <p:cNvSpPr>
-            <a:spLocks noGrp="1"/>
-          </p:cNvSpPr>
-          <p:nvPr>
-            <p:ph idx="1"/>
-          </p:nvPr>
-        </p:nvSpPr>
-        <p:spPr/>
-        <p:txBody>
-          <a:bodyPr/>
-          <a:lstStyle/>
-          <a:p>
-            <a:pPr marL="457200" lvl="1" indent="0">
-              <a:lnSpc>
-                <a:spcPct val="150000"/>
-              </a:lnSpc>
-              <a:buNone/>
-            </a:pPr>
-            <a:r>
-              <a:rPr lang="zh-TW" altLang="en-US" sz="2800" dirty="0">
-                <a:solidFill>
-                  <a:srgbClr val="FF0000"/>
-                </a:solidFill>
-              </a:rPr>
-              <a:t>目的</a:t>
-            </a:r>
-            <a:r>
-              <a:rPr lang="zh-TW" altLang="en-US" dirty="0"/>
-              <a:t> </a:t>
-            </a:r>
-            <a:r>
-              <a:rPr lang="en-US" altLang="zh-TW" dirty="0"/>
-              <a:t>:</a:t>
-            </a:r>
-            <a:r>
-              <a:rPr lang="zh-TW" altLang="en-US" dirty="0"/>
-              <a:t>  按壓</a:t>
-            </a:r>
-            <a:r>
-              <a:rPr lang="en-US" altLang="zh-TW" dirty="0"/>
-              <a:t>Color Sensor</a:t>
-            </a:r>
-            <a:r>
-              <a:rPr lang="zh-TW" altLang="en-US" dirty="0"/>
-              <a:t>選擇顏色、並透過筆在</a:t>
-            </a:r>
-            <a:r>
-              <a:rPr lang="en-US" altLang="zh-TW" dirty="0"/>
-              <a:t>Host</a:t>
-            </a:r>
-            <a:r>
-              <a:rPr lang="zh-TW" altLang="en-US" dirty="0"/>
-              <a:t>上畫出對應的顏色</a:t>
-            </a:r>
-            <a:endParaRPr lang="en-US" altLang="zh-TW" dirty="0"/>
-          </a:p>
-          <a:p>
-            <a:pPr marL="457200" lvl="1" indent="0">
-              <a:lnSpc>
-                <a:spcPct val="150000"/>
-              </a:lnSpc>
-              <a:buNone/>
-            </a:pPr>
-            <a:endParaRPr lang="en-US" altLang="zh-TW" dirty="0"/>
-          </a:p>
-          <a:p>
-            <a:pPr marL="457200" lvl="1" indent="0">
-              <a:lnSpc>
-             